--- a/utils/软件介绍.pptx
+++ b/utils/软件介绍.pptx
@@ -2,23 +2,29 @@
 <file path=ppt/presentation.xml><?xml version="1.0" encoding="utf-8"?>
 <p:presentation xmlns:a="http://schemas.openxmlformats.org/drawingml/2006/main" xmlns:r="http://schemas.openxmlformats.org/officeDocument/2006/relationships" xmlns:p="http://schemas.openxmlformats.org/presentationml/2006/main">
   <p:sldMasterIdLst>
-    <p:sldMasterId id="2147483648" r:id="rId1"/>
-    <p:sldMasterId id="2147483652" r:id="rId3"/>
+    <p:sldMasterId id="2147483683" r:id="rId1"/>
   </p:sldMasterIdLst>
   <p:notesMasterIdLst>
-    <p:notesMasterId r:id="rId6"/>
+    <p:notesMasterId r:id="rId11"/>
   </p:notesMasterIdLst>
   <p:handoutMasterIdLst>
-    <p:handoutMasterId r:id="rId7"/>
+    <p:handoutMasterId r:id="rId12"/>
   </p:handoutMasterIdLst>
   <p:sldIdLst>
-    <p:sldId id="498" r:id="rId4"/>
-    <p:sldId id="504" r:id="rId5"/>
+    <p:sldId id="507" r:id="rId2"/>
+    <p:sldId id="508" r:id="rId3"/>
+    <p:sldId id="506" r:id="rId4"/>
+    <p:sldId id="509" r:id="rId5"/>
+    <p:sldId id="510" r:id="rId6"/>
+    <p:sldId id="512" r:id="rId7"/>
+    <p:sldId id="513" r:id="rId8"/>
+    <p:sldId id="514" r:id="rId9"/>
+    <p:sldId id="498" r:id="rId10"/>
   </p:sldIdLst>
   <p:sldSz cx="12192000" cy="6858000"/>
   <p:notesSz cx="6858000" cy="9144000"/>
   <p:custDataLst>
-    <p:tags r:id="rId11"/>
+    <p:tags r:id="rId13"/>
   </p:custDataLst>
   <p:defaultTextStyle>
     <a:defPPr>
@@ -118,13 +124,34 @@
   <p:extLst>
     <p:ext uri="{521415D9-36F7-43E2-AB2F-B90AF26B5E84}">
       <p14:sectionLst xmlns:p14="http://schemas.microsoft.com/office/powerpoint/2010/main">
-        <p14:section name="main" id="{0A74B7DA-DAD2-4B30-908C-D3F6D360B858}">
+        <p14:section name="大模型简介" id="{1219F677-305A-4AD1-ADB8-6B5229BAE206}">
+          <p14:sldIdLst>
+            <p14:sldId id="507"/>
+            <p14:sldId id="508"/>
+            <p14:sldId id="506"/>
+            <p14:sldId id="509"/>
+            <p14:sldId id="510"/>
+            <p14:sldId id="512"/>
+          </p14:sldIdLst>
+        </p14:section>
+        <p14:section name="大模型应用" id="{047984ED-A0E8-483C-A78A-0E65C6F1334A}">
+          <p14:sldIdLst>
+            <p14:sldId id="513"/>
+            <p14:sldId id="514"/>
+          </p14:sldIdLst>
+        </p14:section>
+        <p14:section name="神经网络简介" id="{51DEABB7-0BCF-4ACB-8ADC-E4B71CC5B2A8}">
           <p14:sldIdLst>
             <p14:sldId id="498"/>
-            <p14:sldId id="504"/>
           </p14:sldIdLst>
         </p14:section>
       </p14:sectionLst>
+    </p:ext>
+    <p:ext uri="{EFAFB233-063F-42B5-8137-9DF3F51BA10A}">
+      <p15:sldGuideLst xmlns:p15="http://schemas.microsoft.com/office/powerpoint/2012/main"/>
+    </p:ext>
+    <p:ext uri="{2D200454-40CA-4A62-9FC3-DE9A4176ACB9}">
+      <p15:notesGuideLst xmlns:p15="http://schemas.microsoft.com/office/powerpoint/2012/main"/>
     </p:ext>
   </p:extLst>
 </p:presentation>
@@ -212,6 +239,7 @@
           <a:p>
             <a:fld id="{285264BB-8F8A-4D4A-88A3-0640162C694A}" type="datetimeFigureOut">
               <a:rPr lang="zh-CN" altLang="en-US" smtClean="0"/>
+              <a:t>2024/3/11</a:t>
             </a:fld>
             <a:endParaRPr lang="zh-CN" altLang="en-US"/>
           </a:p>
@@ -277,6 +305,7 @@
           <a:p>
             <a:fld id="{77C4C300-FA31-4E9D-9A8C-27CF7639F7FE}" type="slidenum">
               <a:rPr lang="zh-CN" altLang="en-US" smtClean="0"/>
+              <a:t>‹#›</a:t>
             </a:fld>
             <a:endParaRPr lang="zh-CN" altLang="en-US"/>
           </a:p>
@@ -370,6 +399,7 @@
           <a:p>
             <a:fld id="{C3C1C5A8-D213-43C4-B748-86D822F1E0AF}" type="datetimeFigureOut">
               <a:rPr lang="zh-CN" altLang="en-US" smtClean="0"/>
+              <a:t>2024/3/11</a:t>
             </a:fld>
             <a:endParaRPr lang="zh-CN" altLang="en-US"/>
           </a:p>
@@ -436,7 +466,6 @@
               <a:rPr lang="zh-CN" altLang="en-US"/>
               <a:t>单击此处编辑母版文本样式</a:t>
             </a:r>
-            <a:endParaRPr lang="zh-CN" altLang="en-US"/>
           </a:p>
           <a:p>
             <a:pPr lvl="1"/>
@@ -444,7 +473,6 @@
               <a:rPr lang="zh-CN" altLang="en-US"/>
               <a:t>二级</a:t>
             </a:r>
-            <a:endParaRPr lang="zh-CN" altLang="en-US"/>
           </a:p>
           <a:p>
             <a:pPr lvl="2"/>
@@ -452,7 +480,6 @@
               <a:rPr lang="zh-CN" altLang="en-US"/>
               <a:t>三级</a:t>
             </a:r>
-            <a:endParaRPr lang="zh-CN" altLang="en-US"/>
           </a:p>
           <a:p>
             <a:pPr lvl="3"/>
@@ -460,7 +487,6 @@
               <a:rPr lang="zh-CN" altLang="en-US"/>
               <a:t>四级</a:t>
             </a:r>
-            <a:endParaRPr lang="zh-CN" altLang="en-US"/>
           </a:p>
           <a:p>
             <a:pPr lvl="4"/>
@@ -468,7 +494,6 @@
               <a:rPr lang="zh-CN" altLang="en-US"/>
               <a:t>五级</a:t>
             </a:r>
-            <a:endParaRPr lang="zh-CN" altLang="en-US"/>
           </a:p>
         </p:txBody>
       </p:sp>
@@ -532,6 +557,7 @@
           <a:p>
             <a:fld id="{5DE12CCA-7540-48DB-8E56-327F4EA06BC9}" type="slidenum">
               <a:rPr lang="zh-CN" altLang="en-US" smtClean="0"/>
+              <a:t>‹#›</a:t>
             </a:fld>
             <a:endParaRPr lang="zh-CN" altLang="en-US"/>
           </a:p>
@@ -635,34 +661,9 @@
 </p:notesMaster>
 </file>
 
-<file path=ppt/slideLayouts/slideLayout1.xml><?xml version="1.0" encoding="utf-8"?>
-<p:sldLayout xmlns:a="http://schemas.openxmlformats.org/drawingml/2006/main" xmlns:r="http://schemas.openxmlformats.org/officeDocument/2006/relationships" xmlns:p="http://schemas.openxmlformats.org/presentationml/2006/main" preserve="1" userDrawn="1">
-  <p:cSld name="标题幻灯片">
-    <p:spTree>
-      <p:nvGrpSpPr>
-        <p:cNvPr id="1" name=""/>
-        <p:cNvGrpSpPr/>
-        <p:nvPr/>
-      </p:nvGrpSpPr>
-      <p:grpSpPr>
-        <a:xfrm>
-          <a:off x="0" y="0"/>
-          <a:ext cx="0" cy="0"/>
-          <a:chOff x="0" y="0"/>
-          <a:chExt cx="0" cy="0"/>
-        </a:xfrm>
-      </p:grpSpPr>
-    </p:spTree>
-  </p:cSld>
-  <p:clrMapOvr>
-    <a:masterClrMapping/>
-  </p:clrMapOvr>
-</p:sldLayout>
-</file>
-
-<file path=ppt/slideLayouts/slideLayout10.xml><?xml version="1.0" encoding="utf-8"?>
-<p:sldLayout xmlns:a="http://schemas.openxmlformats.org/drawingml/2006/main" xmlns:r="http://schemas.openxmlformats.org/officeDocument/2006/relationships" xmlns:p="http://schemas.openxmlformats.org/presentationml/2006/main" type="blank" preserve="1">
-  <p:cSld name="空白">
+<file path=ppt/notesSlides/notesSlide1.xml><?xml version="1.0" encoding="utf-8"?>
+<p:notes xmlns:a="http://schemas.openxmlformats.org/drawingml/2006/main" xmlns:r="http://schemas.openxmlformats.org/officeDocument/2006/relationships" xmlns:p="http://schemas.openxmlformats.org/presentationml/2006/main">
+  <p:cSld>
     <p:spTree>
       <p:nvGrpSpPr>
         <p:cNvPr id="1" name=""/>
@@ -679,15 +680,24 @@
       </p:grpSpPr>
       <p:sp>
         <p:nvSpPr>
-          <p:cNvPr id="2" name="日期占位符 1"/>
+          <p:cNvPr id="2" name="幻灯片图像占位符 1"/>
+          <p:cNvSpPr>
+            <a:spLocks noGrp="1" noRot="1" noChangeAspect="1"/>
+          </p:cNvSpPr>
+          <p:nvPr>
+            <p:ph type="sldImg"/>
+          </p:nvPr>
+        </p:nvSpPr>
+        <p:spPr/>
+      </p:sp>
+      <p:sp>
+        <p:nvSpPr>
+          <p:cNvPr id="3" name="备注占位符 2"/>
           <p:cNvSpPr>
             <a:spLocks noGrp="1"/>
           </p:cNvSpPr>
           <p:nvPr>
-            <p:ph type="dt" sz="half" idx="10"/>
-            <p:custDataLst>
-              <p:tags r:id="rId2"/>
-            </p:custDataLst>
+            <p:ph type="body" idx="1"/>
           </p:nvPr>
         </p:nvSpPr>
         <p:spPr/>
@@ -695,32 +705,167 @@
           <a:bodyPr/>
           <a:lstStyle/>
           <a:p>
-            <a:fld id="{760FBDFE-C587-4B4C-A407-44438C67B59E}" type="datetimeFigureOut">
-              <a:rPr lang="zh-CN" altLang="en-US" smtClean="0"/>
-            </a:fld>
-            <a:endParaRPr lang="zh-CN" altLang="en-US"/>
-          </a:p>
-        </p:txBody>
-      </p:sp>
-      <p:sp>
-        <p:nvSpPr>
-          <p:cNvPr id="3" name="页脚占位符 2"/>
-          <p:cNvSpPr>
-            <a:spLocks noGrp="1"/>
-          </p:cNvSpPr>
-          <p:nvPr>
-            <p:ph type="ftr" sz="quarter" idx="11"/>
-            <p:custDataLst>
-              <p:tags r:id="rId3"/>
-            </p:custDataLst>
-          </p:nvPr>
-        </p:nvSpPr>
-        <p:spPr/>
-        <p:txBody>
-          <a:bodyPr/>
-          <a:lstStyle/>
-          <a:p>
-            <a:endParaRPr lang="zh-CN" altLang="en-US"/>
+            <a:r>
+              <a:rPr lang="en-US" altLang="zh-CN" dirty="0"/>
+              <a:t>B:</a:t>
+            </a:r>
+            <a:r>
+              <a:rPr lang="zh-CN" altLang="en-US" dirty="0"/>
+              <a:t>用课堂上听说的人工智能，引入</a:t>
+            </a:r>
+            <a:endParaRPr lang="en-US" altLang="zh-CN" dirty="0"/>
+          </a:p>
+          <a:p>
+            <a:r>
+              <a:rPr lang="en-US" altLang="zh-CN" dirty="0"/>
+              <a:t>O:1.</a:t>
+            </a:r>
+            <a:r>
+              <a:rPr lang="zh-CN" altLang="en-US" dirty="0"/>
+              <a:t>知道什么是人工智能、</a:t>
+            </a:r>
+            <a:r>
+              <a:rPr lang="en-US" altLang="zh-CN" dirty="0"/>
+              <a:t>AIGC</a:t>
+            </a:r>
+            <a:r>
+              <a:rPr lang="zh-CN" altLang="en-US" dirty="0"/>
+              <a:t>、</a:t>
+            </a:r>
+            <a:r>
+              <a:rPr lang="en-US" altLang="zh-CN" dirty="0"/>
+              <a:t>AGI</a:t>
+            </a:r>
+            <a:r>
+              <a:rPr lang="zh-CN" altLang="en-US" dirty="0"/>
+              <a:t>、大模型</a:t>
+            </a:r>
+            <a:r>
+              <a:rPr lang="en-US" altLang="zh-CN" dirty="0"/>
+              <a:t>2.</a:t>
+            </a:r>
+            <a:r>
+              <a:rPr lang="zh-CN" altLang="en-US" dirty="0"/>
+              <a:t>市面上主流的大模型类型</a:t>
+            </a:r>
+            <a:r>
+              <a:rPr lang="en-US" altLang="zh-CN" dirty="0"/>
+              <a:t>3.</a:t>
+            </a:r>
+            <a:r>
+              <a:rPr lang="zh-CN" altLang="en-US" dirty="0"/>
+              <a:t>知道如何与大模型聊天</a:t>
+            </a:r>
+            <a:endParaRPr lang="en-US" altLang="zh-CN" dirty="0"/>
+          </a:p>
+          <a:p>
+            <a:r>
+              <a:rPr lang="en-US" altLang="zh-CN" dirty="0"/>
+              <a:t>P:</a:t>
+            </a:r>
+            <a:r>
+              <a:rPr lang="zh-CN" altLang="en-US" dirty="0"/>
+              <a:t>有谁用过</a:t>
+            </a:r>
+            <a:r>
+              <a:rPr lang="en-US" altLang="zh-CN" dirty="0" err="1"/>
+              <a:t>chatgpt</a:t>
+            </a:r>
+            <a:r>
+              <a:rPr lang="en-US" altLang="zh-CN" dirty="0"/>
+              <a:t>?</a:t>
+            </a:r>
+          </a:p>
+          <a:p>
+            <a:pPr marL="0" marR="0" lvl="0" indent="0" algn="l" defTabSz="914400" rtl="0" eaLnBrk="1" fontAlgn="auto" latinLnBrk="0" hangingPunct="1">
+              <a:lnSpc>
+                <a:spcPct val="100000"/>
+              </a:lnSpc>
+              <a:spcBef>
+                <a:spcPts val="0"/>
+              </a:spcBef>
+              <a:spcAft>
+                <a:spcPts val="0"/>
+              </a:spcAft>
+              <a:buClrTx/>
+              <a:buSzTx/>
+              <a:buFontTx/>
+              <a:buNone/>
+              <a:tabLst/>
+              <a:defRPr/>
+            </a:pPr>
+            <a:r>
+              <a:rPr lang="en-US" altLang="zh-CN" dirty="0"/>
+              <a:t>P:</a:t>
+            </a:r>
+            <a:r>
+              <a:rPr lang="zh-CN" altLang="en-US" dirty="0"/>
+              <a:t>一起来解决三个问题</a:t>
+            </a:r>
+            <a:endParaRPr lang="en-US" altLang="zh-CN" dirty="0"/>
+          </a:p>
+          <a:p>
+            <a:pPr marL="0" marR="0" lvl="0" indent="0" algn="l" defTabSz="914400" rtl="0" eaLnBrk="1" fontAlgn="auto" latinLnBrk="0" hangingPunct="1">
+              <a:lnSpc>
+                <a:spcPct val="100000"/>
+              </a:lnSpc>
+              <a:spcBef>
+                <a:spcPts val="0"/>
+              </a:spcBef>
+              <a:spcAft>
+                <a:spcPts val="0"/>
+              </a:spcAft>
+              <a:buClrTx/>
+              <a:buSzTx/>
+              <a:buFontTx/>
+              <a:buNone/>
+              <a:tabLst/>
+              <a:defRPr/>
+            </a:pPr>
+            <a:r>
+              <a:rPr lang="en-US" altLang="zh-CN" dirty="0"/>
+              <a:t>P:</a:t>
+            </a:r>
+            <a:r>
+              <a:rPr lang="zh-CN" altLang="en-US" dirty="0"/>
+              <a:t>回答三个问题</a:t>
+            </a:r>
+            <a:endParaRPr lang="en-US" altLang="zh-CN" dirty="0"/>
+          </a:p>
+          <a:p>
+            <a:pPr marL="0" marR="0" lvl="0" indent="0" algn="l" defTabSz="914400" rtl="0" eaLnBrk="1" fontAlgn="auto" latinLnBrk="0" hangingPunct="1">
+              <a:lnSpc>
+                <a:spcPct val="100000"/>
+              </a:lnSpc>
+              <a:spcBef>
+                <a:spcPts val="0"/>
+              </a:spcBef>
+              <a:spcAft>
+                <a:spcPts val="0"/>
+              </a:spcAft>
+              <a:buClrTx/>
+              <a:buSzTx/>
+              <a:buFontTx/>
+              <a:buNone/>
+              <a:tabLst/>
+              <a:defRPr/>
+            </a:pPr>
+            <a:r>
+              <a:rPr lang="en-US" altLang="zh-CN" dirty="0"/>
+              <a:t>S:</a:t>
+            </a:r>
+            <a:r>
+              <a:rPr lang="zh-CN" altLang="en-US" dirty="0"/>
+              <a:t>总结</a:t>
+            </a:r>
+            <a:endParaRPr lang="en-US" altLang="zh-CN" dirty="0"/>
+          </a:p>
+          <a:p>
+            <a:r>
+              <a:rPr lang="en-US" altLang="zh-CN" dirty="0"/>
+              <a:t> </a:t>
+            </a:r>
+            <a:endParaRPr lang="zh-CN" altLang="en-US" dirty="0"/>
           </a:p>
         </p:txBody>
       </p:sp>
@@ -731,10 +876,7 @@
             <a:spLocks noGrp="1"/>
           </p:cNvSpPr>
           <p:nvPr>
-            <p:ph type="sldNum" sz="quarter" idx="12"/>
-            <p:custDataLst>
-              <p:tags r:id="rId4"/>
-            </p:custDataLst>
+            <p:ph type="sldNum" sz="quarter" idx="5"/>
           </p:nvPr>
         </p:nvSpPr>
         <p:spPr/>
@@ -742,24 +884,30 @@
           <a:bodyPr/>
           <a:lstStyle/>
           <a:p>
-            <a:fld id="{49AE70B2-8BF9-45C0-BB95-33D1B9D3A854}" type="slidenum">
+            <a:fld id="{5DE12CCA-7540-48DB-8E56-327F4EA06BC9}" type="slidenum">
               <a:rPr lang="zh-CN" altLang="en-US" smtClean="0"/>
+              <a:t>2</a:t>
             </a:fld>
             <a:endParaRPr lang="zh-CN" altLang="en-US"/>
           </a:p>
         </p:txBody>
       </p:sp>
     </p:spTree>
+    <p:extLst>
+      <p:ext uri="{BB962C8B-B14F-4D97-AF65-F5344CB8AC3E}">
+        <p14:creationId xmlns:p14="http://schemas.microsoft.com/office/powerpoint/2010/main" val="1548051930"/>
+      </p:ext>
+    </p:extLst>
   </p:cSld>
   <p:clrMapOvr>
     <a:masterClrMapping/>
   </p:clrMapOvr>
-</p:sldLayout>
+</p:notes>
 </file>
 
-<file path=ppt/slideLayouts/slideLayout11.xml><?xml version="1.0" encoding="utf-8"?>
-<p:sldLayout xmlns:a="http://schemas.openxmlformats.org/drawingml/2006/main" xmlns:r="http://schemas.openxmlformats.org/officeDocument/2006/relationships" xmlns:p="http://schemas.openxmlformats.org/presentationml/2006/main" preserve="1" userDrawn="1">
-  <p:cSld name="图片与标题">
+<file path=ppt/notesSlides/notesSlide2.xml><?xml version="1.0" encoding="utf-8"?>
+<p:notes xmlns:a="http://schemas.openxmlformats.org/drawingml/2006/main" xmlns:r="http://schemas.openxmlformats.org/officeDocument/2006/relationships" xmlns:p="http://schemas.openxmlformats.org/presentationml/2006/main">
+  <p:cSld>
     <p:spTree>
       <p:nvGrpSpPr>
         <p:cNvPr id="1" name=""/>
@@ -776,89 +924,24 @@
       </p:grpSpPr>
       <p:sp>
         <p:nvSpPr>
-          <p:cNvPr id="3" name="图片占位符 2"/>
+          <p:cNvPr id="2" name="幻灯片图像占位符 1"/>
+          <p:cNvSpPr>
+            <a:spLocks noGrp="1" noRot="1" noChangeAspect="1"/>
+          </p:cNvSpPr>
+          <p:nvPr>
+            <p:ph type="sldImg"/>
+          </p:nvPr>
+        </p:nvSpPr>
+        <p:spPr/>
+      </p:sp>
+      <p:sp>
+        <p:nvSpPr>
+          <p:cNvPr id="3" name="备注占位符 2"/>
           <p:cNvSpPr>
             <a:spLocks noGrp="1"/>
           </p:cNvSpPr>
           <p:nvPr>
-            <p:ph type="pic" idx="1"/>
-            <p:custDataLst>
-              <p:tags r:id="rId2"/>
-            </p:custDataLst>
-          </p:nvPr>
-        </p:nvSpPr>
-        <p:spPr>
-          <a:xfrm>
-            <a:off x="608400" y="1555200"/>
-            <a:ext cx="5233077" cy="4608000"/>
-          </a:xfrm>
-        </p:spPr>
-        <p:txBody>
-          <a:bodyPr vert="horz" lIns="90000" tIns="46800" rIns="90000" bIns="46800" rtlCol="0">
-            <a:normAutofit/>
-          </a:bodyPr>
-          <a:lstStyle>
-            <a:lvl1pPr>
-              <a:buNone/>
-              <a:defRPr sz="1600"/>
-            </a:lvl1pPr>
-          </a:lstStyle>
-          <a:p>
-            <a:pPr lvl="0"/>
-            <a:endParaRPr lang="zh-CN" altLang="en-US"/>
-          </a:p>
-        </p:txBody>
-      </p:sp>
-      <p:sp>
-        <p:nvSpPr>
-          <p:cNvPr id="4" name="文本占位符 3"/>
-          <p:cNvSpPr>
-            <a:spLocks noGrp="1"/>
-          </p:cNvSpPr>
-          <p:nvPr>
-            <p:ph type="body" sz="half" idx="2"/>
-            <p:custDataLst>
-              <p:tags r:id="rId3"/>
-            </p:custDataLst>
-          </p:nvPr>
-        </p:nvSpPr>
-        <p:spPr>
-          <a:xfrm>
-            <a:off x="6350400" y="1555200"/>
-            <a:ext cx="5227200" cy="4608000"/>
-          </a:xfrm>
-        </p:spPr>
-        <p:txBody>
-          <a:bodyPr vert="horz" lIns="90000" tIns="46800" rIns="90000" bIns="46800" rtlCol="0">
-            <a:normAutofit/>
-          </a:bodyPr>
-          <a:lstStyle>
-            <a:lvl1pPr>
-              <a:buNone/>
-              <a:defRPr sz="1600"/>
-            </a:lvl1pPr>
-          </a:lstStyle>
-          <a:p>
-            <a:pPr lvl="0"/>
-            <a:r>
-              <a:rPr lang="zh-CN" altLang="en-US" smtClean="0"/>
-              <a:t>单击此处编辑母版文本样式</a:t>
-            </a:r>
-            <a:endParaRPr lang="zh-CN" altLang="en-US"/>
-          </a:p>
-        </p:txBody>
-      </p:sp>
-      <p:sp>
-        <p:nvSpPr>
-          <p:cNvPr id="5" name="日期占位符 4"/>
-          <p:cNvSpPr>
-            <a:spLocks noGrp="1"/>
-          </p:cNvSpPr>
-          <p:nvPr>
-            <p:ph type="dt" sz="half" idx="10"/>
-            <p:custDataLst>
-              <p:tags r:id="rId4"/>
-            </p:custDataLst>
+            <p:ph type="body" idx="1"/>
           </p:nvPr>
         </p:nvSpPr>
         <p:spPr/>
@@ -866,24 +949,18 @@
           <a:bodyPr/>
           <a:lstStyle/>
           <a:p>
-            <a:fld id="{9EFD9D74-47D9-4702-A33C-335B63B48DBF}" type="datetimeFigureOut">
-              <a:rPr lang="zh-CN" altLang="en-US" smtClean="0"/>
-            </a:fld>
             <a:endParaRPr lang="zh-CN" altLang="en-US" dirty="0"/>
           </a:p>
         </p:txBody>
       </p:sp>
       <p:sp>
         <p:nvSpPr>
-          <p:cNvPr id="6" name="页脚占位符 5"/>
+          <p:cNvPr id="4" name="灯片编号占位符 3"/>
           <p:cNvSpPr>
             <a:spLocks noGrp="1"/>
           </p:cNvSpPr>
           <p:nvPr>
-            <p:ph type="ftr" sz="quarter" idx="11"/>
-            <p:custDataLst>
-              <p:tags r:id="rId5"/>
-            </p:custDataLst>
+            <p:ph type="sldNum" sz="quarter" idx="5"/>
           </p:nvPr>
         </p:nvSpPr>
         <p:spPr/>
@@ -891,71 +968,30 @@
           <a:bodyPr/>
           <a:lstStyle/>
           <a:p>
-            <a:endParaRPr lang="zh-CN" altLang="en-US" dirty="0"/>
-          </a:p>
-        </p:txBody>
-      </p:sp>
-      <p:sp>
-        <p:nvSpPr>
-          <p:cNvPr id="7" name="灯片编号占位符 6"/>
-          <p:cNvSpPr>
-            <a:spLocks noGrp="1"/>
-          </p:cNvSpPr>
-          <p:nvPr>
-            <p:ph type="sldNum" sz="quarter" idx="12"/>
-            <p:custDataLst>
-              <p:tags r:id="rId6"/>
-            </p:custDataLst>
-          </p:nvPr>
-        </p:nvSpPr>
-        <p:spPr/>
-        <p:txBody>
-          <a:bodyPr/>
-          <a:lstStyle/>
-          <a:p>
-            <a:fld id="{FABC47A4-756D-490B-A52F-7D9E2C9FC05F}" type="slidenum">
+            <a:fld id="{5DE12CCA-7540-48DB-8E56-327F4EA06BC9}" type="slidenum">
               <a:rPr lang="zh-CN" altLang="en-US" smtClean="0"/>
+              <a:t>3</a:t>
             </a:fld>
-            <a:endParaRPr lang="zh-CN" altLang="en-US"/>
-          </a:p>
-        </p:txBody>
-      </p:sp>
-      <p:sp>
-        <p:nvSpPr>
-          <p:cNvPr id="9" name="标题 8"/>
-          <p:cNvSpPr>
-            <a:spLocks noGrp="1"/>
-          </p:cNvSpPr>
-          <p:nvPr>
-            <p:ph type="title"/>
-            <p:custDataLst>
-              <p:tags r:id="rId7"/>
-            </p:custDataLst>
-          </p:nvPr>
-        </p:nvSpPr>
-        <p:spPr/>
-        <p:txBody>
-          <a:bodyPr/>
-          <a:p>
-            <a:r>
-              <a:rPr lang="zh-CN" altLang="en-US"/>
-              <a:t>单击此处编辑母版标题样式</a:t>
-            </a:r>
             <a:endParaRPr lang="zh-CN" altLang="en-US"/>
           </a:p>
         </p:txBody>
       </p:sp>
     </p:spTree>
+    <p:extLst>
+      <p:ext uri="{BB962C8B-B14F-4D97-AF65-F5344CB8AC3E}">
+        <p14:creationId xmlns:p14="http://schemas.microsoft.com/office/powerpoint/2010/main" val="3905712234"/>
+      </p:ext>
+    </p:extLst>
   </p:cSld>
   <p:clrMapOvr>
     <a:masterClrMapping/>
   </p:clrMapOvr>
-</p:sldLayout>
+</p:notes>
 </file>
 
-<file path=ppt/slideLayouts/slideLayout12.xml><?xml version="1.0" encoding="utf-8"?>
-<p:sldLayout xmlns:a="http://schemas.openxmlformats.org/drawingml/2006/main" xmlns:r="http://schemas.openxmlformats.org/officeDocument/2006/relationships" xmlns:p="http://schemas.openxmlformats.org/presentationml/2006/main" type="vertTitleAndTx" preserve="1">
-  <p:cSld name="竖排标题与文本">
+<file path=ppt/notesSlides/notesSlide3.xml><?xml version="1.0" encoding="utf-8"?>
+<p:notes xmlns:a="http://schemas.openxmlformats.org/drawingml/2006/main" xmlns:r="http://schemas.openxmlformats.org/officeDocument/2006/relationships" xmlns:p="http://schemas.openxmlformats.org/presentationml/2006/main">
+  <p:cSld>
     <p:spTree>
       <p:nvGrpSpPr>
         <p:cNvPr id="1" name=""/>
@@ -972,137 +1008,24 @@
       </p:grpSpPr>
       <p:sp>
         <p:nvSpPr>
-          <p:cNvPr id="2" name="竖排标题 1"/>
+          <p:cNvPr id="2" name="幻灯片图像占位符 1"/>
+          <p:cNvSpPr>
+            <a:spLocks noGrp="1" noRot="1" noChangeAspect="1"/>
+          </p:cNvSpPr>
+          <p:nvPr>
+            <p:ph type="sldImg"/>
+          </p:nvPr>
+        </p:nvSpPr>
+        <p:spPr/>
+      </p:sp>
+      <p:sp>
+        <p:nvSpPr>
+          <p:cNvPr id="3" name="备注占位符 2"/>
           <p:cNvSpPr>
             <a:spLocks noGrp="1"/>
           </p:cNvSpPr>
           <p:nvPr>
-            <p:ph type="title" orient="vert" hasCustomPrompt="1"/>
-            <p:custDataLst>
-              <p:tags r:id="rId2"/>
-            </p:custDataLst>
-          </p:nvPr>
-        </p:nvSpPr>
-        <p:spPr>
-          <a:xfrm>
-            <a:off x="10234800" y="914400"/>
-            <a:ext cx="1044000" cy="5029200"/>
-          </a:xfrm>
-        </p:spPr>
-        <p:txBody>
-          <a:bodyPr vert="eaVert" lIns="90000" tIns="46800" rIns="90000" bIns="46800" rtlCol="0" anchor="ctr" anchorCtr="0">
-            <a:normAutofit/>
-          </a:bodyPr>
-          <a:lstStyle>
-            <a:lvl1pPr>
-              <a:buNone/>
-              <a:defRPr sz="2800"/>
-            </a:lvl1pPr>
-          </a:lstStyle>
-          <a:p>
-            <a:pPr lvl="0"/>
-            <a:r>
-              <a:rPr lang="zh-CN" altLang="en-US" smtClean="0"/>
-              <a:t>单击此处编辑标题</a:t>
-            </a:r>
-            <a:endParaRPr lang="zh-CN" altLang="en-US"/>
-          </a:p>
-        </p:txBody>
-      </p:sp>
-      <p:sp>
-        <p:nvSpPr>
-          <p:cNvPr id="3" name="竖排文字占位符 2"/>
-          <p:cNvSpPr>
-            <a:spLocks noGrp="1"/>
-          </p:cNvSpPr>
-          <p:nvPr>
-            <p:ph type="body" orient="vert" idx="1"/>
-            <p:custDataLst>
-              <p:tags r:id="rId3"/>
-            </p:custDataLst>
-          </p:nvPr>
-        </p:nvSpPr>
-        <p:spPr>
-          <a:xfrm>
-            <a:off x="914400" y="914400"/>
-            <a:ext cx="9169200" cy="5029200"/>
-          </a:xfrm>
-        </p:spPr>
-        <p:txBody>
-          <a:bodyPr vert="eaVert" lIns="46800" tIns="46800" rIns="46800" bIns="46800"/>
-          <a:lstStyle>
-            <a:lvl1pPr marL="228600" indent="-228600">
-              <a:spcAft>
-                <a:spcPts val="1000"/>
-              </a:spcAft>
-              <a:defRPr spc="300"/>
-            </a:lvl1pPr>
-            <a:lvl2pPr marL="685800" indent="-228600">
-              <a:defRPr spc="300"/>
-            </a:lvl2pPr>
-            <a:lvl3pPr marL="1143000" indent="-228600">
-              <a:defRPr spc="300"/>
-            </a:lvl3pPr>
-            <a:lvl4pPr marL="1600200" indent="-228600">
-              <a:defRPr spc="300"/>
-            </a:lvl4pPr>
-            <a:lvl5pPr marL="2057400" indent="-228600">
-              <a:defRPr spc="300"/>
-            </a:lvl5pPr>
-          </a:lstStyle>
-          <a:p>
-            <a:pPr lvl="0"/>
-            <a:r>
-              <a:rPr lang="zh-CN" altLang="en-US" dirty="0"/>
-              <a:t>单击此处编辑母版文本样式</a:t>
-            </a:r>
-            <a:endParaRPr lang="zh-CN" altLang="en-US" dirty="0"/>
-          </a:p>
-          <a:p>
-            <a:pPr lvl="1"/>
-            <a:r>
-              <a:rPr lang="zh-CN" altLang="en-US" dirty="0"/>
-              <a:t>第二级</a:t>
-            </a:r>
-            <a:endParaRPr lang="zh-CN" altLang="en-US" dirty="0"/>
-          </a:p>
-          <a:p>
-            <a:pPr lvl="2"/>
-            <a:r>
-              <a:rPr lang="zh-CN" altLang="en-US" dirty="0"/>
-              <a:t>第三级</a:t>
-            </a:r>
-            <a:endParaRPr lang="zh-CN" altLang="en-US" dirty="0"/>
-          </a:p>
-          <a:p>
-            <a:pPr lvl="3"/>
-            <a:r>
-              <a:rPr lang="zh-CN" altLang="en-US" dirty="0"/>
-              <a:t>第四级</a:t>
-            </a:r>
-            <a:endParaRPr lang="zh-CN" altLang="en-US" dirty="0"/>
-          </a:p>
-          <a:p>
-            <a:pPr lvl="4"/>
-            <a:r>
-              <a:rPr lang="zh-CN" altLang="en-US" dirty="0"/>
-              <a:t>第五级</a:t>
-            </a:r>
-            <a:endParaRPr lang="zh-CN" altLang="en-US" dirty="0"/>
-          </a:p>
-        </p:txBody>
-      </p:sp>
-      <p:sp>
-        <p:nvSpPr>
-          <p:cNvPr id="4" name="日期占位符 3"/>
-          <p:cNvSpPr>
-            <a:spLocks noGrp="1"/>
-          </p:cNvSpPr>
-          <p:nvPr>
-            <p:ph type="dt" sz="half" idx="10"/>
-            <p:custDataLst>
-              <p:tags r:id="rId4"/>
-            </p:custDataLst>
+            <p:ph type="body" idx="1"/>
           </p:nvPr>
         </p:nvSpPr>
         <p:spPr/>
@@ -1110,24 +1033,18 @@
           <a:bodyPr/>
           <a:lstStyle/>
           <a:p>
-            <a:fld id="{760FBDFE-C587-4B4C-A407-44438C67B59E}" type="datetimeFigureOut">
-              <a:rPr lang="zh-CN" altLang="en-US" smtClean="0"/>
-            </a:fld>
-            <a:endParaRPr lang="zh-CN" altLang="en-US"/>
+            <a:endParaRPr lang="zh-CN" altLang="en-US" dirty="0"/>
           </a:p>
         </p:txBody>
       </p:sp>
       <p:sp>
         <p:nvSpPr>
-          <p:cNvPr id="5" name="页脚占位符 4"/>
+          <p:cNvPr id="4" name="灯片编号占位符 3"/>
           <p:cNvSpPr>
             <a:spLocks noGrp="1"/>
           </p:cNvSpPr>
           <p:nvPr>
-            <p:ph type="ftr" sz="quarter" idx="11"/>
-            <p:custDataLst>
-              <p:tags r:id="rId5"/>
-            </p:custDataLst>
+            <p:ph type="sldNum" sz="quarter" idx="5"/>
           </p:nvPr>
         </p:nvSpPr>
         <p:spPr/>
@@ -1135,46 +1052,30 @@
           <a:bodyPr/>
           <a:lstStyle/>
           <a:p>
-            <a:endParaRPr lang="zh-CN" altLang="en-US"/>
-          </a:p>
-        </p:txBody>
-      </p:sp>
-      <p:sp>
-        <p:nvSpPr>
-          <p:cNvPr id="6" name="灯片编号占位符 5"/>
-          <p:cNvSpPr>
-            <a:spLocks noGrp="1"/>
-          </p:cNvSpPr>
-          <p:nvPr>
-            <p:ph type="sldNum" sz="quarter" idx="12"/>
-            <p:custDataLst>
-              <p:tags r:id="rId6"/>
-            </p:custDataLst>
-          </p:nvPr>
-        </p:nvSpPr>
-        <p:spPr/>
-        <p:txBody>
-          <a:bodyPr/>
-          <a:lstStyle/>
-          <a:p>
-            <a:fld id="{49AE70B2-8BF9-45C0-BB95-33D1B9D3A854}" type="slidenum">
+            <a:fld id="{5DE12CCA-7540-48DB-8E56-327F4EA06BC9}" type="slidenum">
               <a:rPr lang="zh-CN" altLang="en-US" smtClean="0"/>
+              <a:t>4</a:t>
             </a:fld>
             <a:endParaRPr lang="zh-CN" altLang="en-US"/>
           </a:p>
         </p:txBody>
       </p:sp>
     </p:spTree>
+    <p:extLst>
+      <p:ext uri="{BB962C8B-B14F-4D97-AF65-F5344CB8AC3E}">
+        <p14:creationId xmlns:p14="http://schemas.microsoft.com/office/powerpoint/2010/main" val="3823721157"/>
+      </p:ext>
+    </p:extLst>
   </p:cSld>
   <p:clrMapOvr>
     <a:masterClrMapping/>
   </p:clrMapOvr>
-</p:sldLayout>
+</p:notes>
 </file>
 
-<file path=ppt/slideLayouts/slideLayout13.xml><?xml version="1.0" encoding="utf-8"?>
-<p:sldLayout xmlns:a="http://schemas.openxmlformats.org/drawingml/2006/main" xmlns:r="http://schemas.openxmlformats.org/officeDocument/2006/relationships" xmlns:p="http://schemas.openxmlformats.org/presentationml/2006/main" preserve="1" userDrawn="1">
-  <p:cSld name="内容">
+<file path=ppt/notesSlides/notesSlide4.xml><?xml version="1.0" encoding="utf-8"?>
+<p:notes xmlns:a="http://schemas.openxmlformats.org/drawingml/2006/main" xmlns:r="http://schemas.openxmlformats.org/officeDocument/2006/relationships" xmlns:p="http://schemas.openxmlformats.org/presentationml/2006/main">
+  <p:cSld>
     <p:spTree>
       <p:nvGrpSpPr>
         <p:cNvPr id="1" name=""/>
@@ -1191,15 +1092,24 @@
       </p:grpSpPr>
       <p:sp>
         <p:nvSpPr>
-          <p:cNvPr id="3" name="日期占位符 2"/>
+          <p:cNvPr id="2" name="幻灯片图像占位符 1"/>
+          <p:cNvSpPr>
+            <a:spLocks noGrp="1" noRot="1" noChangeAspect="1"/>
+          </p:cNvSpPr>
+          <p:nvPr>
+            <p:ph type="sldImg"/>
+          </p:nvPr>
+        </p:nvSpPr>
+        <p:spPr/>
+      </p:sp>
+      <p:sp>
+        <p:nvSpPr>
+          <p:cNvPr id="3" name="备注占位符 2"/>
           <p:cNvSpPr>
             <a:spLocks noGrp="1"/>
           </p:cNvSpPr>
           <p:nvPr>
-            <p:ph type="dt" sz="half" idx="10"/>
-            <p:custDataLst>
-              <p:tags r:id="rId2"/>
-            </p:custDataLst>
+            <p:ph type="body" idx="1"/>
           </p:nvPr>
         </p:nvSpPr>
         <p:spPr/>
@@ -1207,24 +1117,75 @@
           <a:bodyPr/>
           <a:lstStyle/>
           <a:p>
-            <a:fld id="{760FBDFE-C587-4B4C-A407-44438C67B59E}" type="datetimeFigureOut">
-              <a:rPr lang="zh-CN" altLang="en-US" smtClean="0"/>
-            </a:fld>
-            <a:endParaRPr lang="zh-CN" altLang="en-US"/>
+            <a:r>
+              <a:rPr lang="en-US" altLang="zh-CN" dirty="0"/>
+              <a:t>5</a:t>
+            </a:r>
+            <a:r>
+              <a:rPr lang="zh-CN" altLang="en-US" dirty="0"/>
+              <a:t>分钟展示</a:t>
+            </a:r>
+            <a:endParaRPr lang="en-US" altLang="zh-CN" dirty="0"/>
+          </a:p>
+          <a:p>
+            <a:r>
+              <a:rPr lang="zh-CN" altLang="en-US" dirty="0"/>
+              <a:t>和大家玩文字接龙游戏，我起一个头，没人说一个字</a:t>
+            </a:r>
+            <a:endParaRPr lang="en-US" altLang="zh-CN" dirty="0"/>
+          </a:p>
+          <a:p>
+            <a:r>
+              <a:rPr lang="en-US" altLang="zh-CN" dirty="0"/>
+              <a:t>//</a:t>
+            </a:r>
+            <a:r>
+              <a:rPr lang="zh-CN" altLang="en-US" dirty="0"/>
+              <a:t>心里要有文字接龙</a:t>
+            </a:r>
+            <a:r>
+              <a:rPr lang="en-US" altLang="zh-CN" dirty="0"/>
+              <a:t>-</a:t>
+            </a:r>
+            <a:r>
+              <a:rPr lang="zh-CN" altLang="en-US" dirty="0"/>
+              <a:t>预测下一个词</a:t>
+            </a:r>
+            <a:r>
+              <a:rPr lang="en-US" altLang="zh-CN" dirty="0"/>
+              <a:t>//</a:t>
+            </a:r>
+            <a:r>
+              <a:rPr lang="zh-CN" altLang="en-US" dirty="0"/>
+              <a:t>提示词</a:t>
+            </a:r>
+            <a:r>
+              <a:rPr lang="en-US" altLang="zh-CN" dirty="0"/>
+              <a:t>//</a:t>
+            </a:r>
+            <a:r>
+              <a:rPr lang="zh-CN" altLang="en-US" dirty="0"/>
+              <a:t>温度</a:t>
+            </a:r>
+            <a:r>
+              <a:rPr lang="en-US" altLang="zh-CN" dirty="0"/>
+              <a:t>//</a:t>
+            </a:r>
+            <a:r>
+              <a:rPr lang="zh-CN" altLang="en-US" dirty="0"/>
+              <a:t>上下文长度</a:t>
+            </a:r>
           </a:p>
         </p:txBody>
       </p:sp>
       <p:sp>
         <p:nvSpPr>
-          <p:cNvPr id="4" name="页脚占位符 3"/>
+          <p:cNvPr id="4" name="灯片编号占位符 3"/>
           <p:cNvSpPr>
             <a:spLocks noGrp="1"/>
           </p:cNvSpPr>
           <p:nvPr>
-            <p:ph type="ftr" sz="quarter" idx="11"/>
-            <p:custDataLst>
-              <p:tags r:id="rId3"/>
-            </p:custDataLst>
+            <p:ph type="sldNum" sz="quarter" idx="5"/>
           </p:nvPr>
         </p:nvSpPr>
         <p:spPr/>
@@ -1232,110 +1193,30 @@
           <a:bodyPr/>
           <a:lstStyle/>
           <a:p>
-            <a:endParaRPr lang="zh-CN" altLang="en-US"/>
-          </a:p>
-        </p:txBody>
-      </p:sp>
-      <p:sp>
-        <p:nvSpPr>
-          <p:cNvPr id="5" name="灯片编号占位符 4"/>
-          <p:cNvSpPr>
-            <a:spLocks noGrp="1"/>
-          </p:cNvSpPr>
-          <p:nvPr>
-            <p:ph type="sldNum" sz="quarter" idx="12"/>
-            <p:custDataLst>
-              <p:tags r:id="rId4"/>
-            </p:custDataLst>
-          </p:nvPr>
-        </p:nvSpPr>
-        <p:spPr/>
-        <p:txBody>
-          <a:bodyPr/>
-          <a:lstStyle/>
-          <a:p>
-            <a:fld id="{49AE70B2-8BF9-45C0-BB95-33D1B9D3A854}" type="slidenum">
+            <a:fld id="{5DE12CCA-7540-48DB-8E56-327F4EA06BC9}" type="slidenum">
               <a:rPr lang="zh-CN" altLang="en-US" smtClean="0"/>
+              <a:t>5</a:t>
             </a:fld>
             <a:endParaRPr lang="zh-CN" altLang="en-US"/>
-          </a:p>
-        </p:txBody>
-      </p:sp>
-      <p:sp>
-        <p:nvSpPr>
-          <p:cNvPr id="7" name="内容占位符 6"/>
-          <p:cNvSpPr>
-            <a:spLocks noGrp="1"/>
-          </p:cNvSpPr>
-          <p:nvPr>
-            <p:ph sz="quarter" idx="13"/>
-            <p:custDataLst>
-              <p:tags r:id="rId5"/>
-            </p:custDataLst>
-          </p:nvPr>
-        </p:nvSpPr>
-        <p:spPr>
-          <a:xfrm>
-            <a:off x="608400" y="774000"/>
-            <a:ext cx="10972800" cy="5482800"/>
-          </a:xfrm>
-        </p:spPr>
-        <p:txBody>
-          <a:bodyPr/>
-          <a:lstStyle/>
-          <a:p>
-            <a:pPr lvl="0"/>
-            <a:r>
-              <a:rPr lang="zh-CN" altLang="en-US" dirty="0"/>
-              <a:t>单击此处编辑母版文本样式</a:t>
-            </a:r>
-            <a:endParaRPr lang="zh-CN" altLang="en-US" dirty="0"/>
-          </a:p>
-          <a:p>
-            <a:pPr lvl="1"/>
-            <a:r>
-              <a:rPr lang="zh-CN" altLang="en-US" dirty="0"/>
-              <a:t>第二级</a:t>
-            </a:r>
-            <a:endParaRPr lang="zh-CN" altLang="en-US" dirty="0"/>
-          </a:p>
-          <a:p>
-            <a:pPr lvl="2"/>
-            <a:r>
-              <a:rPr lang="zh-CN" altLang="en-US" dirty="0"/>
-              <a:t>第三级</a:t>
-            </a:r>
-            <a:endParaRPr lang="zh-CN" altLang="en-US" dirty="0"/>
-          </a:p>
-          <a:p>
-            <a:pPr lvl="3"/>
-            <a:r>
-              <a:rPr lang="zh-CN" altLang="en-US" dirty="0"/>
-              <a:t>第四级</a:t>
-            </a:r>
-            <a:endParaRPr lang="zh-CN" altLang="en-US" dirty="0"/>
-          </a:p>
-          <a:p>
-            <a:pPr lvl="4"/>
-            <a:r>
-              <a:rPr lang="zh-CN" altLang="en-US" dirty="0"/>
-              <a:t>第五级</a:t>
-            </a:r>
-            <a:endParaRPr lang="zh-CN" altLang="en-US" dirty="0"/>
           </a:p>
         </p:txBody>
       </p:sp>
     </p:spTree>
+    <p:extLst>
+      <p:ext uri="{BB962C8B-B14F-4D97-AF65-F5344CB8AC3E}">
+        <p14:creationId xmlns:p14="http://schemas.microsoft.com/office/powerpoint/2010/main" val="1164320017"/>
+      </p:ext>
+    </p:extLst>
   </p:cSld>
   <p:clrMapOvr>
     <a:masterClrMapping/>
   </p:clrMapOvr>
-</p:sldLayout>
+</p:notes>
 </file>
 
-<file path=ppt/slideLayouts/slideLayout14.xml><?xml version="1.0" encoding="utf-8"?>
-<p:sldLayout xmlns:a="http://schemas.openxmlformats.org/drawingml/2006/main" xmlns:r="http://schemas.openxmlformats.org/officeDocument/2006/relationships" xmlns:p="http://schemas.openxmlformats.org/presentationml/2006/main" preserve="1" userDrawn="1">
-  <p:cSld name="末尾幻灯片">
+<file path=ppt/notesSlides/notesSlide5.xml><?xml version="1.0" encoding="utf-8"?>
+<p:notes xmlns:a="http://schemas.openxmlformats.org/drawingml/2006/main" xmlns:r="http://schemas.openxmlformats.org/officeDocument/2006/relationships" xmlns:p="http://schemas.openxmlformats.org/presentationml/2006/main">
+  <p:cSld>
     <p:spTree>
       <p:nvGrpSpPr>
         <p:cNvPr id="1" name=""/>
@@ -1352,15 +1233,24 @@
       </p:grpSpPr>
       <p:sp>
         <p:nvSpPr>
-          <p:cNvPr id="3" name="日期占位符 2"/>
+          <p:cNvPr id="2" name="幻灯片图像占位符 1"/>
+          <p:cNvSpPr>
+            <a:spLocks noGrp="1" noRot="1" noChangeAspect="1"/>
+          </p:cNvSpPr>
+          <p:nvPr>
+            <p:ph type="sldImg"/>
+          </p:nvPr>
+        </p:nvSpPr>
+        <p:spPr/>
+      </p:sp>
+      <p:sp>
+        <p:nvSpPr>
+          <p:cNvPr id="3" name="备注占位符 2"/>
           <p:cNvSpPr>
             <a:spLocks noGrp="1"/>
           </p:cNvSpPr>
           <p:nvPr>
-            <p:ph type="dt" sz="half" idx="10"/>
-            <p:custDataLst>
-              <p:tags r:id="rId2"/>
-            </p:custDataLst>
+            <p:ph type="body" idx="1"/>
           </p:nvPr>
         </p:nvSpPr>
         <p:spPr/>
@@ -1368,24 +1258,22 @@
           <a:bodyPr/>
           <a:lstStyle/>
           <a:p>
-            <a:fld id="{760FBDFE-C587-4B4C-A407-44438C67B59E}" type="datetimeFigureOut">
-              <a:rPr lang="zh-CN" altLang="en-US" smtClean="0"/>
-            </a:fld>
-            <a:endParaRPr lang="zh-CN" altLang="en-US"/>
+            <a:r>
+              <a:rPr lang="en-US" altLang="zh-CN" dirty="0"/>
+              <a:t> </a:t>
+            </a:r>
+            <a:endParaRPr lang="zh-CN" altLang="en-US" dirty="0"/>
           </a:p>
         </p:txBody>
       </p:sp>
       <p:sp>
         <p:nvSpPr>
-          <p:cNvPr id="4" name="页脚占位符 3"/>
+          <p:cNvPr id="4" name="灯片编号占位符 3"/>
           <p:cNvSpPr>
             <a:spLocks noGrp="1"/>
           </p:cNvSpPr>
           <p:nvPr>
-            <p:ph type="ftr" sz="quarter" idx="11"/>
-            <p:custDataLst>
-              <p:tags r:id="rId3"/>
-            </p:custDataLst>
+            <p:ph type="sldNum" sz="quarter" idx="5"/>
           </p:nvPr>
         </p:nvSpPr>
         <p:spPr/>
@@ -1393,326 +1281,28 @@
           <a:bodyPr/>
           <a:lstStyle/>
           <a:p>
-            <a:endParaRPr lang="zh-CN" altLang="en-US"/>
-          </a:p>
-        </p:txBody>
-      </p:sp>
-      <p:sp>
-        <p:nvSpPr>
-          <p:cNvPr id="5" name="灯片编号占位符 4"/>
-          <p:cNvSpPr>
-            <a:spLocks noGrp="1"/>
-          </p:cNvSpPr>
-          <p:nvPr>
-            <p:ph type="sldNum" sz="quarter" idx="12"/>
-            <p:custDataLst>
-              <p:tags r:id="rId4"/>
-            </p:custDataLst>
-          </p:nvPr>
-        </p:nvSpPr>
-        <p:spPr/>
-        <p:txBody>
-          <a:bodyPr/>
-          <a:lstStyle/>
-          <a:p>
-            <a:fld id="{49AE70B2-8BF9-45C0-BB95-33D1B9D3A854}" type="slidenum">
+            <a:fld id="{5DE12CCA-7540-48DB-8E56-327F4EA06BC9}" type="slidenum">
               <a:rPr lang="zh-CN" altLang="en-US" smtClean="0"/>
+              <a:t>6</a:t>
             </a:fld>
             <a:endParaRPr lang="zh-CN" altLang="en-US"/>
-          </a:p>
-        </p:txBody>
-      </p:sp>
-      <p:sp>
-        <p:nvSpPr>
-          <p:cNvPr id="2" name="标题 1"/>
-          <p:cNvSpPr>
-            <a:spLocks noGrp="1"/>
-          </p:cNvSpPr>
-          <p:nvPr>
-            <p:ph type="title" hasCustomPrompt="1"/>
-            <p:custDataLst>
-              <p:tags r:id="rId5"/>
-            </p:custDataLst>
-          </p:nvPr>
-        </p:nvSpPr>
-        <p:spPr>
-          <a:xfrm>
-            <a:off x="1198800" y="2484000"/>
-            <a:ext cx="9799200" cy="1018800"/>
-          </a:xfrm>
-        </p:spPr>
-        <p:txBody>
-          <a:bodyPr vert="horz" lIns="90000" tIns="46800" rIns="90000" bIns="46800" rtlCol="0" anchor="t" anchorCtr="0">
-            <a:normAutofit/>
-          </a:bodyPr>
-          <a:lstStyle>
-            <a:lvl1pPr algn="ctr">
-              <a:defRPr sz="6000"/>
-            </a:lvl1pPr>
-          </a:lstStyle>
-          <a:p>
-            <a:pPr lvl="0"/>
-            <a:r>
-              <a:rPr lang="zh-CN" altLang="en-US" smtClean="0"/>
-              <a:t>单击此处编辑标题</a:t>
-            </a:r>
-            <a:endParaRPr lang="zh-CN" altLang="en-US"/>
-          </a:p>
-        </p:txBody>
-      </p:sp>
-      <p:sp>
-        <p:nvSpPr>
-          <p:cNvPr id="7" name="文本占位符 6"/>
-          <p:cNvSpPr>
-            <a:spLocks noGrp="1"/>
-          </p:cNvSpPr>
-          <p:nvPr>
-            <p:ph type="body" sz="quarter" idx="13"/>
-            <p:custDataLst>
-              <p:tags r:id="rId6"/>
-            </p:custDataLst>
-          </p:nvPr>
-        </p:nvSpPr>
-        <p:spPr>
-          <a:xfrm>
-            <a:off x="1198800" y="3560400"/>
-            <a:ext cx="9799200" cy="471600"/>
-          </a:xfrm>
-        </p:spPr>
-        <p:txBody>
-          <a:bodyPr lIns="90000" tIns="46800" rIns="90000" bIns="46800">
-            <a:normAutofit/>
-          </a:bodyPr>
-          <a:lstStyle>
-            <a:lvl1pPr algn="ctr">
-              <a:lnSpc>
-                <a:spcPct val="110000"/>
-              </a:lnSpc>
-              <a:buNone/>
-              <a:defRPr sz="2400" spc="200"/>
-            </a:lvl1pPr>
-          </a:lstStyle>
-          <a:p>
-            <a:pPr lvl="0"/>
-            <a:r>
-              <a:rPr lang="zh-CN" altLang="en-US" dirty="0"/>
-              <a:t>单击此处编辑母版文本样式</a:t>
-            </a:r>
-            <a:endParaRPr lang="zh-CN" altLang="en-US" dirty="0"/>
           </a:p>
         </p:txBody>
       </p:sp>
     </p:spTree>
+    <p:extLst>
+      <p:ext uri="{BB962C8B-B14F-4D97-AF65-F5344CB8AC3E}">
+        <p14:creationId xmlns:p14="http://schemas.microsoft.com/office/powerpoint/2010/main" val="2550147879"/>
+      </p:ext>
+    </p:extLst>
   </p:cSld>
   <p:clrMapOvr>
     <a:masterClrMapping/>
   </p:clrMapOvr>
-</p:sldLayout>
+</p:notes>
 </file>
 
-<file path=ppt/slideLayouts/slideLayout15.xml><?xml version="1.0" encoding="utf-8"?>
-<p:sldLayout xmlns:a="http://schemas.openxmlformats.org/drawingml/2006/main" xmlns:r="http://schemas.openxmlformats.org/officeDocument/2006/relationships" xmlns:p="http://schemas.openxmlformats.org/presentationml/2006/main" preserve="1" userDrawn="1">
-  <p:cSld name="自定义版式">
-    <p:spTree>
-      <p:nvGrpSpPr>
-        <p:cNvPr id="1" name=""/>
-        <p:cNvGrpSpPr/>
-        <p:nvPr/>
-      </p:nvGrpSpPr>
-      <p:grpSpPr>
-        <a:xfrm>
-          <a:off x="0" y="0"/>
-          <a:ext cx="0" cy="0"/>
-          <a:chOff x="0" y="0"/>
-          <a:chExt cx="0" cy="0"/>
-        </a:xfrm>
-      </p:grpSpPr>
-      <p:sp>
-        <p:nvSpPr>
-          <p:cNvPr id="2" name="标题 1"/>
-          <p:cNvSpPr>
-            <a:spLocks noGrp="1"/>
-          </p:cNvSpPr>
-          <p:nvPr>
-            <p:ph type="title"/>
-          </p:nvPr>
-        </p:nvSpPr>
-        <p:spPr/>
-        <p:txBody>
-          <a:bodyPr/>
-          <a:lstStyle/>
-          <a:p>
-            <a:r>
-              <a:rPr lang="zh-CN" altLang="en-US" smtClean="0"/>
-              <a:t>单击此处编辑母版标题样式</a:t>
-            </a:r>
-            <a:endParaRPr lang="zh-CN" altLang="en-US"/>
-          </a:p>
-        </p:txBody>
-      </p:sp>
-      <p:sp>
-        <p:nvSpPr>
-          <p:cNvPr id="3" name="日期占位符 2"/>
-          <p:cNvSpPr>
-            <a:spLocks noGrp="1"/>
-          </p:cNvSpPr>
-          <p:nvPr>
-            <p:ph type="dt" sz="half" idx="10"/>
-          </p:nvPr>
-        </p:nvSpPr>
-        <p:spPr/>
-        <p:txBody>
-          <a:bodyPr/>
-          <a:lstStyle/>
-          <a:p>
-            <a:fld id="{263DB197-84B0-484E-9C0F-88358ECCB797}" type="datetimeFigureOut">
-              <a:rPr lang="zh-CN" altLang="en-US" smtClean="0"/>
-            </a:fld>
-            <a:endParaRPr lang="zh-CN" altLang="en-US"/>
-          </a:p>
-        </p:txBody>
-      </p:sp>
-      <p:sp>
-        <p:nvSpPr>
-          <p:cNvPr id="4" name="页脚占位符 3"/>
-          <p:cNvSpPr>
-            <a:spLocks noGrp="1"/>
-          </p:cNvSpPr>
-          <p:nvPr>
-            <p:ph type="ftr" sz="quarter" idx="11"/>
-          </p:nvPr>
-        </p:nvSpPr>
-        <p:spPr/>
-        <p:txBody>
-          <a:bodyPr/>
-          <a:lstStyle/>
-          <a:p>
-            <a:endParaRPr lang="zh-CN" altLang="en-US"/>
-          </a:p>
-        </p:txBody>
-      </p:sp>
-      <p:sp>
-        <p:nvSpPr>
-          <p:cNvPr id="5" name="灯片编号占位符 4"/>
-          <p:cNvSpPr>
-            <a:spLocks noGrp="1"/>
-          </p:cNvSpPr>
-          <p:nvPr>
-            <p:ph type="sldNum" sz="quarter" idx="12"/>
-          </p:nvPr>
-        </p:nvSpPr>
-        <p:spPr/>
-        <p:txBody>
-          <a:bodyPr/>
-          <a:lstStyle/>
-          <a:p>
-            <a:fld id="{E077DA78-E013-4A8C-AD75-63A150561B10}" type="slidenum">
-              <a:rPr lang="zh-CN" altLang="en-US" smtClean="0"/>
-            </a:fld>
-            <a:endParaRPr lang="zh-CN" altLang="en-US"/>
-          </a:p>
-        </p:txBody>
-      </p:sp>
-    </p:spTree>
-  </p:cSld>
-  <p:clrMapOvr>
-    <a:masterClrMapping/>
-  </p:clrMapOvr>
-</p:sldLayout>
-</file>
-
-<file path=ppt/slideLayouts/slideLayout2.xml><?xml version="1.0" encoding="utf-8"?>
-<p:sldLayout xmlns:a="http://schemas.openxmlformats.org/drawingml/2006/main" xmlns:r="http://schemas.openxmlformats.org/officeDocument/2006/relationships" xmlns:p="http://schemas.openxmlformats.org/presentationml/2006/main" preserve="1" userDrawn="1">
-  <p:cSld name="标题和内容">
-    <p:spTree>
-      <p:nvGrpSpPr>
-        <p:cNvPr id="1" name=""/>
-        <p:cNvGrpSpPr/>
-        <p:nvPr/>
-      </p:nvGrpSpPr>
-      <p:grpSpPr>
-        <a:xfrm>
-          <a:off x="0" y="0"/>
-          <a:ext cx="0" cy="0"/>
-          <a:chOff x="0" y="0"/>
-          <a:chExt cx="0" cy="0"/>
-        </a:xfrm>
-      </p:grpSpPr>
-      <p:pic>
-        <p:nvPicPr>
-          <p:cNvPr id="7" name="Picture 2"/>
-          <p:cNvPicPr>
-            <a:picLocks noChangeAspect="1" noChangeArrowheads="1"/>
-          </p:cNvPicPr>
-          <p:nvPr userDrawn="1"/>
-        </p:nvPicPr>
-        <p:blipFill>
-          <a:blip r:embed="rId2">
-            <a:extLst>
-              <a:ext uri="{28A0092B-C50C-407E-A947-70E740481C1C}">
-                <a14:useLocalDpi xmlns:a14="http://schemas.microsoft.com/office/drawing/2010/main" val="0"/>
-              </a:ext>
-            </a:extLst>
-          </a:blip>
-          <a:srcRect/>
-          <a:stretch>
-            <a:fillRect/>
-          </a:stretch>
-        </p:blipFill>
-        <p:spPr bwMode="auto">
-          <a:xfrm>
-            <a:off x="11358114" y="1"/>
-            <a:ext cx="833885" cy="877774"/>
-          </a:xfrm>
-          <a:prstGeom prst="rect">
-            <a:avLst/>
-          </a:prstGeom>
-          <a:noFill/>
-          <a:extLst>
-            <a:ext uri="{909E8E84-426E-40DD-AFC4-6F175D3DCCD1}">
-              <a14:hiddenFill xmlns:a14="http://schemas.microsoft.com/office/drawing/2010/main">
-                <a:solidFill>
-                  <a:srgbClr val="FFFFFF"/>
-                </a:solidFill>
-              </a14:hiddenFill>
-            </a:ext>
-          </a:extLst>
-        </p:spPr>
-      </p:pic>
-    </p:spTree>
-  </p:cSld>
-  <p:clrMapOvr>
-    <a:masterClrMapping/>
-  </p:clrMapOvr>
-</p:sldLayout>
-</file>
-
-<file path=ppt/slideLayouts/slideLayout3.xml><?xml version="1.0" encoding="utf-8"?>
-<p:sldLayout xmlns:a="http://schemas.openxmlformats.org/drawingml/2006/main" xmlns:r="http://schemas.openxmlformats.org/officeDocument/2006/relationships" xmlns:p="http://schemas.openxmlformats.org/presentationml/2006/main" type="blank" preserve="1">
-  <p:cSld name="空白">
-    <p:spTree>
-      <p:nvGrpSpPr>
-        <p:cNvPr id="1" name=""/>
-        <p:cNvGrpSpPr/>
-        <p:nvPr/>
-      </p:nvGrpSpPr>
-      <p:grpSpPr>
-        <a:xfrm>
-          <a:off x="0" y="0"/>
-          <a:ext cx="0" cy="0"/>
-          <a:chOff x="0" y="0"/>
-          <a:chExt cx="0" cy="0"/>
-        </a:xfrm>
-      </p:grpSpPr>
-    </p:spTree>
-  </p:cSld>
-  <p:clrMapOvr>
-    <a:masterClrMapping/>
-  </p:clrMapOvr>
-</p:sldLayout>
-</file>
-
-<file path=ppt/slideLayouts/slideLayout4.xml><?xml version="1.0" encoding="utf-8"?>
+<file path=ppt/slideLayouts/slideLayout1.xml><?xml version="1.0" encoding="utf-8"?>
 <p:sldLayout xmlns:a="http://schemas.openxmlformats.org/drawingml/2006/main" xmlns:r="http://schemas.openxmlformats.org/officeDocument/2006/relationships" xmlns:p="http://schemas.openxmlformats.org/presentationml/2006/main" type="title" preserve="1">
   <p:cSld name="标题幻灯片">
     <p:spTree>
@@ -1731,30 +1321,76 @@
       </p:grpSpPr>
       <p:sp>
         <p:nvSpPr>
-          <p:cNvPr id="2" name="标题 1"/>
+          <p:cNvPr id="7" name="Rectangle 6"/>
+          <p:cNvSpPr>
+            <a:spLocks noChangeAspect="1"/>
+          </p:cNvSpPr>
+          <p:nvPr/>
+        </p:nvSpPr>
+        <p:spPr>
+          <a:xfrm>
+            <a:off x="231140" y="243840"/>
+            <a:ext cx="11724640" cy="6377939"/>
+          </a:xfrm>
+          <a:prstGeom prst="rect">
+            <a:avLst/>
+          </a:prstGeom>
+          <a:solidFill>
+            <a:schemeClr val="accent1"/>
+          </a:solidFill>
+          <a:ln w="12700">
+            <a:solidFill>
+              <a:srgbClr val="FFFFFF"/>
+            </a:solidFill>
+          </a:ln>
+        </p:spPr>
+        <p:style>
+          <a:lnRef idx="2">
+            <a:schemeClr val="accent1">
+              <a:shade val="50000"/>
+            </a:schemeClr>
+          </a:lnRef>
+          <a:fillRef idx="1">
+            <a:schemeClr val="accent1"/>
+          </a:fillRef>
+          <a:effectRef idx="0">
+            <a:schemeClr val="accent1"/>
+          </a:effectRef>
+          <a:fontRef idx="minor">
+            <a:schemeClr val="lt1"/>
+          </a:fontRef>
+        </p:style>
+      </p:sp>
+      <p:sp>
+        <p:nvSpPr>
+          <p:cNvPr id="2" name="Title 1"/>
           <p:cNvSpPr>
             <a:spLocks noGrp="1"/>
           </p:cNvSpPr>
           <p:nvPr>
             <p:ph type="ctrTitle"/>
-            <p:custDataLst>
-              <p:tags r:id="rId2"/>
-            </p:custDataLst>
           </p:nvPr>
         </p:nvSpPr>
         <p:spPr>
           <a:xfrm>
-            <a:off x="1198800" y="914400"/>
-            <a:ext cx="9799200" cy="2570400"/>
+            <a:off x="1109980" y="882376"/>
+            <a:ext cx="9966960" cy="2926080"/>
           </a:xfrm>
         </p:spPr>
         <p:txBody>
-          <a:bodyPr lIns="90000" tIns="46800" rIns="90000" bIns="46800" anchor="b" anchorCtr="0">
+          <a:bodyPr anchor="b">
             <a:normAutofit/>
           </a:bodyPr>
           <a:lstStyle>
             <a:lvl1pPr algn="ctr">
-              <a:defRPr sz="6000"/>
+              <a:lnSpc>
+                <a:spcPct val="85000"/>
+              </a:lnSpc>
+              <a:defRPr sz="7200" b="1" cap="all" baseline="0">
+                <a:solidFill>
+                  <a:srgbClr val="FFFFFF"/>
+                </a:solidFill>
+              </a:defRPr>
             </a:lvl1pPr>
           </a:lstStyle>
           <a:p>
@@ -1762,103 +1398,107 @@
               <a:rPr lang="zh-CN" altLang="en-US" dirty="0"/>
               <a:t>单击此处编辑母版标题样式</a:t>
             </a:r>
-            <a:endParaRPr lang="zh-CN" altLang="en-US" dirty="0"/>
+            <a:endParaRPr lang="en-US" dirty="0"/>
           </a:p>
         </p:txBody>
       </p:sp>
       <p:sp>
         <p:nvSpPr>
-          <p:cNvPr id="3" name="副标题 2"/>
+          <p:cNvPr id="3" name="Subtitle 2"/>
           <p:cNvSpPr>
             <a:spLocks noGrp="1"/>
           </p:cNvSpPr>
           <p:nvPr>
             <p:ph type="subTitle" idx="1"/>
-            <p:custDataLst>
-              <p:tags r:id="rId3"/>
-            </p:custDataLst>
           </p:nvPr>
         </p:nvSpPr>
         <p:spPr>
           <a:xfrm>
-            <a:off x="1198800" y="3560400"/>
-            <a:ext cx="9799200" cy="1472400"/>
+            <a:off x="1709530" y="3869634"/>
+            <a:ext cx="8767860" cy="1388165"/>
           </a:xfrm>
         </p:spPr>
         <p:txBody>
-          <a:bodyPr lIns="90000" tIns="46800" rIns="90000" bIns="46800">
+          <a:bodyPr>
             <a:normAutofit/>
           </a:bodyPr>
           <a:lstStyle>
             <a:lvl1pPr marL="0" indent="0" algn="ctr">
-              <a:lnSpc>
-                <a:spcPct val="110000"/>
-              </a:lnSpc>
               <a:buNone/>
-              <a:defRPr sz="2400" spc="200"/>
+              <a:defRPr sz="2200">
+                <a:solidFill>
+                  <a:srgbClr val="FFFFFF"/>
+                </a:solidFill>
+              </a:defRPr>
             </a:lvl1pPr>
             <a:lvl2pPr marL="457200" indent="0" algn="ctr">
               <a:buNone/>
-              <a:defRPr sz="2000"/>
+              <a:defRPr sz="2200"/>
             </a:lvl2pPr>
             <a:lvl3pPr marL="914400" indent="0" algn="ctr">
               <a:buNone/>
-              <a:defRPr sz="1800"/>
+              <a:defRPr sz="2200"/>
             </a:lvl3pPr>
             <a:lvl4pPr marL="1371600" indent="0" algn="ctr">
               <a:buNone/>
-              <a:defRPr sz="1600"/>
+              <a:defRPr sz="2000"/>
             </a:lvl4pPr>
             <a:lvl5pPr marL="1828800" indent="0" algn="ctr">
               <a:buNone/>
-              <a:defRPr sz="1600"/>
+              <a:defRPr sz="2000"/>
             </a:lvl5pPr>
             <a:lvl6pPr marL="2286000" indent="0" algn="ctr">
               <a:buNone/>
-              <a:defRPr sz="1600"/>
+              <a:defRPr sz="2000"/>
             </a:lvl6pPr>
             <a:lvl7pPr marL="2743200" indent="0" algn="ctr">
               <a:buNone/>
-              <a:defRPr sz="1600"/>
+              <a:defRPr sz="2000"/>
             </a:lvl7pPr>
             <a:lvl8pPr marL="3200400" indent="0" algn="ctr">
               <a:buNone/>
-              <a:defRPr sz="1600"/>
+              <a:defRPr sz="2000"/>
             </a:lvl8pPr>
             <a:lvl9pPr marL="3657600" indent="0" algn="ctr">
               <a:buNone/>
-              <a:defRPr sz="1600"/>
+              <a:defRPr sz="2000"/>
             </a:lvl9pPr>
           </a:lstStyle>
           <a:p>
             <a:r>
-              <a:rPr lang="zh-CN" altLang="en-US" dirty="0"/>
+              <a:rPr lang="zh-CN" altLang="en-US"/>
               <a:t>单击此处编辑母版副标题样式</a:t>
             </a:r>
-            <a:endParaRPr lang="zh-CN" altLang="en-US" dirty="0"/>
+            <a:endParaRPr lang="en-US" dirty="0"/>
           </a:p>
         </p:txBody>
       </p:sp>
       <p:sp>
         <p:nvSpPr>
-          <p:cNvPr id="16" name="日期占位符 15"/>
+          <p:cNvPr id="4" name="Date Placeholder 3"/>
           <p:cNvSpPr>
             <a:spLocks noGrp="1"/>
           </p:cNvSpPr>
           <p:nvPr>
             <p:ph type="dt" sz="half" idx="10"/>
-            <p:custDataLst>
-              <p:tags r:id="rId4"/>
-            </p:custDataLst>
           </p:nvPr>
         </p:nvSpPr>
         <p:spPr/>
         <p:txBody>
           <a:bodyPr/>
-          <a:lstStyle/>
+          <a:lstStyle>
+            <a:lvl1pPr>
+              <a:defRPr>
+                <a:solidFill>
+                  <a:srgbClr val="FFFFFF"/>
+                </a:solidFill>
+              </a:defRPr>
+            </a:lvl1pPr>
+          </a:lstStyle>
           <a:p>
             <a:fld id="{760FBDFE-C587-4B4C-A407-44438C67B59E}" type="datetimeFigureOut">
               <a:rPr lang="zh-CN" altLang="en-US" smtClean="0"/>
+              <a:t>2024/3/11</a:t>
             </a:fld>
             <a:endParaRPr lang="zh-CN" altLang="en-US"/>
           </a:p>
@@ -1866,21 +1506,26 @@
       </p:sp>
       <p:sp>
         <p:nvSpPr>
-          <p:cNvPr id="17" name="页脚占位符 16"/>
+          <p:cNvPr id="5" name="Footer Placeholder 4"/>
           <p:cNvSpPr>
             <a:spLocks noGrp="1"/>
           </p:cNvSpPr>
           <p:nvPr>
             <p:ph type="ftr" sz="quarter" idx="11"/>
-            <p:custDataLst>
-              <p:tags r:id="rId5"/>
-            </p:custDataLst>
           </p:nvPr>
         </p:nvSpPr>
         <p:spPr/>
         <p:txBody>
           <a:bodyPr/>
-          <a:lstStyle/>
+          <a:lstStyle>
+            <a:lvl1pPr>
+              <a:defRPr>
+                <a:solidFill>
+                  <a:srgbClr val="FFFFFF"/>
+                </a:solidFill>
+              </a:defRPr>
+            </a:lvl1pPr>
+          </a:lstStyle>
           <a:p>
             <a:endParaRPr lang="zh-CN" altLang="en-US" dirty="0"/>
           </a:p>
@@ -1888,30 +1533,76 @@
       </p:sp>
       <p:sp>
         <p:nvSpPr>
-          <p:cNvPr id="18" name="灯片编号占位符 17"/>
+          <p:cNvPr id="6" name="Slide Number Placeholder 5"/>
           <p:cNvSpPr>
             <a:spLocks noGrp="1"/>
           </p:cNvSpPr>
           <p:nvPr>
             <p:ph type="sldNum" sz="quarter" idx="12"/>
-            <p:custDataLst>
-              <p:tags r:id="rId6"/>
-            </p:custDataLst>
           </p:nvPr>
         </p:nvSpPr>
         <p:spPr/>
         <p:txBody>
           <a:bodyPr/>
-          <a:lstStyle/>
+          <a:lstStyle>
+            <a:lvl1pPr>
+              <a:defRPr>
+                <a:solidFill>
+                  <a:srgbClr val="FFFFFF"/>
+                </a:solidFill>
+              </a:defRPr>
+            </a:lvl1pPr>
+          </a:lstStyle>
           <a:p>
             <a:fld id="{49AE70B2-8BF9-45C0-BB95-33D1B9D3A854}" type="slidenum">
               <a:rPr lang="zh-CN" altLang="en-US" smtClean="0"/>
+              <a:t>‹#›</a:t>
             </a:fld>
             <a:endParaRPr lang="zh-CN" altLang="en-US" dirty="0"/>
           </a:p>
         </p:txBody>
       </p:sp>
+      <p:cxnSp>
+        <p:nvCxnSpPr>
+          <p:cNvPr id="8" name="Straight Connector 7"/>
+          <p:cNvCxnSpPr/>
+          <p:nvPr/>
+        </p:nvCxnSpPr>
+        <p:spPr>
+          <a:xfrm>
+            <a:off x="1978660" y="3733800"/>
+            <a:ext cx="8229601" cy="0"/>
+          </a:xfrm>
+          <a:prstGeom prst="line">
+            <a:avLst/>
+          </a:prstGeom>
+          <a:ln>
+            <a:solidFill>
+              <a:srgbClr val="FFFFFF"/>
+            </a:solidFill>
+          </a:ln>
+        </p:spPr>
+        <p:style>
+          <a:lnRef idx="1">
+            <a:schemeClr val="accent1"/>
+          </a:lnRef>
+          <a:fillRef idx="0">
+            <a:schemeClr val="accent1"/>
+          </a:fillRef>
+          <a:effectRef idx="0">
+            <a:schemeClr val="accent1"/>
+          </a:effectRef>
+          <a:fontRef idx="minor">
+            <a:schemeClr val="tx1"/>
+          </a:fontRef>
+        </p:style>
+      </p:cxnSp>
     </p:spTree>
+    <p:extLst>
+      <p:ext uri="{BB962C8B-B14F-4D97-AF65-F5344CB8AC3E}">
+        <p14:creationId xmlns:p14="http://schemas.microsoft.com/office/powerpoint/2010/main" val="216307081"/>
+      </p:ext>
+    </p:extLst>
   </p:cSld>
   <p:clrMapOvr>
     <a:masterClrMapping/>
@@ -1919,9 +1610,9 @@
 </p:sldLayout>
 </file>
 
-<file path=ppt/slideLayouts/slideLayout5.xml><?xml version="1.0" encoding="utf-8"?>
-<p:sldLayout xmlns:a="http://schemas.openxmlformats.org/drawingml/2006/main" xmlns:r="http://schemas.openxmlformats.org/officeDocument/2006/relationships" xmlns:p="http://schemas.openxmlformats.org/presentationml/2006/main" type="obj" preserve="1">
-  <p:cSld name="标题和内容">
+<file path=ppt/slideLayouts/slideLayout2.xml><?xml version="1.0" encoding="utf-8"?>
+<p:sldLayout xmlns:a="http://schemas.openxmlformats.org/drawingml/2006/main" xmlns:r="http://schemas.openxmlformats.org/officeDocument/2006/relationships" xmlns:p="http://schemas.openxmlformats.org/presentationml/2006/main" preserve="1" userDrawn="1">
+  <p:cSld name="空白">
     <p:spTree>
       <p:nvGrpSpPr>
         <p:cNvPr id="1" name=""/>
@@ -1936,179 +1627,89 @@
           <a:chExt cx="0" cy="0"/>
         </a:xfrm>
       </p:grpSpPr>
+      <p:cxnSp>
+        <p:nvCxnSpPr>
+          <p:cNvPr id="5" name="直接连接符 4">
+            <a:extLst>
+              <a:ext uri="{FF2B5EF4-FFF2-40B4-BE49-F238E27FC236}">
+                <a16:creationId xmlns:a16="http://schemas.microsoft.com/office/drawing/2014/main" id="{14E5DDCB-1EB5-4E6D-B80E-2045399AFE93}"/>
+              </a:ext>
+            </a:extLst>
+          </p:cNvPr>
+          <p:cNvCxnSpPr>
+            <a:cxnSpLocks/>
+          </p:cNvCxnSpPr>
+          <p:nvPr userDrawn="1"/>
+        </p:nvCxnSpPr>
+        <p:spPr>
+          <a:xfrm>
+            <a:off x="396688" y="921454"/>
+            <a:ext cx="11302253" cy="0"/>
+          </a:xfrm>
+          <a:prstGeom prst="line">
+            <a:avLst/>
+          </a:prstGeom>
+          <a:noFill/>
+          <a:ln w="12700" cap="flat" cmpd="sng" algn="ctr">
+            <a:solidFill>
+              <a:srgbClr val="000000">
+                <a:lumMod val="85000"/>
+                <a:lumOff val="15000"/>
+              </a:srgbClr>
+            </a:solidFill>
+            <a:prstDash val="solid"/>
+            <a:miter lim="800000"/>
+          </a:ln>
+          <a:effectLst/>
+        </p:spPr>
+      </p:cxnSp>
       <p:sp>
         <p:nvSpPr>
-          <p:cNvPr id="2" name="标题 1"/>
+          <p:cNvPr id="6" name="Title 1">
+            <a:extLst>
+              <a:ext uri="{FF2B5EF4-FFF2-40B4-BE49-F238E27FC236}">
+                <a16:creationId xmlns:a16="http://schemas.microsoft.com/office/drawing/2014/main" id="{1A490483-52C4-47B1-B7D1-85CE6B35AE50}"/>
+              </a:ext>
+            </a:extLst>
+          </p:cNvPr>
           <p:cNvSpPr>
             <a:spLocks noGrp="1"/>
           </p:cNvSpPr>
           <p:nvPr>
             <p:ph type="title"/>
-            <p:custDataLst>
-              <p:tags r:id="rId2"/>
-            </p:custDataLst>
           </p:nvPr>
         </p:nvSpPr>
         <p:spPr>
           <a:xfrm>
-            <a:off x="608400" y="608400"/>
-            <a:ext cx="10969200" cy="705600"/>
+            <a:off x="396689" y="276542"/>
+            <a:ext cx="11302252" cy="657024"/>
           </a:xfrm>
         </p:spPr>
         <p:txBody>
-          <a:bodyPr vert="horz" lIns="90000" tIns="46800" rIns="90000" bIns="46800" rtlCol="0" anchor="ctr" anchorCtr="0">
-            <a:normAutofit/>
-          </a:bodyPr>
-          <a:lstStyle/>
-          <a:p>
-            <a:pPr lvl="0"/>
-            <a:r>
-              <a:rPr lang="zh-CN" altLang="en-US" smtClean="0"/>
+          <a:bodyPr/>
+          <a:lstStyle>
+            <a:lvl1pPr>
+              <a:defRPr>
+                <a:latin typeface="黑体" panose="02010609060101010101" pitchFamily="49" charset="-122"/>
+                <a:ea typeface="黑体" panose="02010609060101010101" pitchFamily="49" charset="-122"/>
+              </a:defRPr>
+            </a:lvl1pPr>
+          </a:lstStyle>
+          <a:p>
+            <a:r>
+              <a:rPr lang="zh-CN" altLang="en-US" dirty="0"/>
               <a:t>单击此处编辑母版标题样式</a:t>
             </a:r>
-            <a:endParaRPr lang="zh-CN" altLang="en-US"/>
-          </a:p>
-        </p:txBody>
-      </p:sp>
-      <p:sp>
-        <p:nvSpPr>
-          <p:cNvPr id="3" name="内容占位符 2"/>
-          <p:cNvSpPr>
-            <a:spLocks noGrp="1"/>
-          </p:cNvSpPr>
-          <p:nvPr>
-            <p:ph idx="1"/>
-            <p:custDataLst>
-              <p:tags r:id="rId3"/>
-            </p:custDataLst>
-          </p:nvPr>
-        </p:nvSpPr>
-        <p:spPr>
-          <a:xfrm>
-            <a:off x="608400" y="1490400"/>
-            <a:ext cx="10969200" cy="4759200"/>
-          </a:xfrm>
-        </p:spPr>
-        <p:txBody>
-          <a:bodyPr vert="horz" lIns="90000" tIns="46800" rIns="90000" bIns="46800" rtlCol="0">
-            <a:normAutofit/>
-          </a:bodyPr>
-          <a:lstStyle/>
-          <a:p>
-            <a:pPr lvl="0"/>
-            <a:r>
-              <a:rPr lang="zh-CN" altLang="en-US" smtClean="0"/>
-              <a:t>单击此处编辑母版文本样式</a:t>
-            </a:r>
-            <a:endParaRPr lang="zh-CN" altLang="en-US" smtClean="0"/>
-          </a:p>
-          <a:p>
-            <a:pPr lvl="1"/>
-            <a:r>
-              <a:rPr lang="zh-CN" altLang="en-US" smtClean="0"/>
-              <a:t>第二级</a:t>
-            </a:r>
-            <a:endParaRPr lang="zh-CN" altLang="en-US" smtClean="0"/>
-          </a:p>
-          <a:p>
-            <a:pPr lvl="2"/>
-            <a:r>
-              <a:rPr lang="zh-CN" altLang="en-US" smtClean="0"/>
-              <a:t>第三级</a:t>
-            </a:r>
-            <a:endParaRPr lang="zh-CN" altLang="en-US" smtClean="0"/>
-          </a:p>
-          <a:p>
-            <a:pPr lvl="3"/>
-            <a:r>
-              <a:rPr lang="zh-CN" altLang="en-US" smtClean="0"/>
-              <a:t>第四级</a:t>
-            </a:r>
-            <a:endParaRPr lang="zh-CN" altLang="en-US" smtClean="0"/>
-          </a:p>
-          <a:p>
-            <a:pPr lvl="4"/>
-            <a:r>
-              <a:rPr lang="zh-CN" altLang="en-US" smtClean="0"/>
-              <a:t>第五级</a:t>
-            </a:r>
-            <a:endParaRPr lang="zh-CN" altLang="en-US"/>
-          </a:p>
-        </p:txBody>
-      </p:sp>
-      <p:sp>
-        <p:nvSpPr>
-          <p:cNvPr id="4" name="日期占位符 3"/>
-          <p:cNvSpPr>
-            <a:spLocks noGrp="1"/>
-          </p:cNvSpPr>
-          <p:nvPr>
-            <p:ph type="dt" sz="half" idx="10"/>
-            <p:custDataLst>
-              <p:tags r:id="rId4"/>
-            </p:custDataLst>
-          </p:nvPr>
-        </p:nvSpPr>
-        <p:spPr/>
-        <p:txBody>
-          <a:bodyPr/>
-          <a:lstStyle/>
-          <a:p>
-            <a:fld id="{760FBDFE-C587-4B4C-A407-44438C67B59E}" type="datetimeFigureOut">
-              <a:rPr lang="zh-CN" altLang="en-US" smtClean="0"/>
-            </a:fld>
-            <a:endParaRPr lang="zh-CN" altLang="en-US"/>
-          </a:p>
-        </p:txBody>
-      </p:sp>
-      <p:sp>
-        <p:nvSpPr>
-          <p:cNvPr id="5" name="页脚占位符 4"/>
-          <p:cNvSpPr>
-            <a:spLocks noGrp="1"/>
-          </p:cNvSpPr>
-          <p:nvPr>
-            <p:ph type="ftr" sz="quarter" idx="11"/>
-            <p:custDataLst>
-              <p:tags r:id="rId5"/>
-            </p:custDataLst>
-          </p:nvPr>
-        </p:nvSpPr>
-        <p:spPr/>
-        <p:txBody>
-          <a:bodyPr/>
-          <a:lstStyle/>
-          <a:p>
-            <a:endParaRPr lang="zh-CN" altLang="en-US"/>
-          </a:p>
-        </p:txBody>
-      </p:sp>
-      <p:sp>
-        <p:nvSpPr>
-          <p:cNvPr id="6" name="灯片编号占位符 5"/>
-          <p:cNvSpPr>
-            <a:spLocks noGrp="1"/>
-          </p:cNvSpPr>
-          <p:nvPr>
-            <p:ph type="sldNum" sz="quarter" idx="12"/>
-            <p:custDataLst>
-              <p:tags r:id="rId6"/>
-            </p:custDataLst>
-          </p:nvPr>
-        </p:nvSpPr>
-        <p:spPr/>
-        <p:txBody>
-          <a:bodyPr/>
-          <a:lstStyle/>
-          <a:p>
-            <a:fld id="{49AE70B2-8BF9-45C0-BB95-33D1B9D3A854}" type="slidenum">
-              <a:rPr lang="zh-CN" altLang="en-US" smtClean="0"/>
-            </a:fld>
-            <a:endParaRPr lang="zh-CN" altLang="en-US"/>
+            <a:endParaRPr lang="en-US" dirty="0"/>
           </a:p>
         </p:txBody>
       </p:sp>
     </p:spTree>
+    <p:extLst>
+      <p:ext uri="{BB962C8B-B14F-4D97-AF65-F5344CB8AC3E}">
+        <p14:creationId xmlns:p14="http://schemas.microsoft.com/office/powerpoint/2010/main" val="95406746"/>
+      </p:ext>
+    </p:extLst>
   </p:cSld>
   <p:clrMapOvr>
     <a:masterClrMapping/>
@@ -2116,1093 +1717,9 @@
 </p:sldLayout>
 </file>
 
-<file path=ppt/slideLayouts/slideLayout6.xml><?xml version="1.0" encoding="utf-8"?>
-<p:sldLayout xmlns:a="http://schemas.openxmlformats.org/drawingml/2006/main" xmlns:r="http://schemas.openxmlformats.org/officeDocument/2006/relationships" xmlns:p="http://schemas.openxmlformats.org/presentationml/2006/main" type="secHead" preserve="1">
-  <p:cSld name="节标题">
-    <p:spTree>
-      <p:nvGrpSpPr>
-        <p:cNvPr id="1" name=""/>
-        <p:cNvGrpSpPr/>
-        <p:nvPr/>
-      </p:nvGrpSpPr>
-      <p:grpSpPr>
-        <a:xfrm>
-          <a:off x="0" y="0"/>
-          <a:ext cx="0" cy="0"/>
-          <a:chOff x="0" y="0"/>
-          <a:chExt cx="0" cy="0"/>
-        </a:xfrm>
-      </p:grpSpPr>
-      <p:sp>
-        <p:nvSpPr>
-          <p:cNvPr id="2" name="标题 1"/>
-          <p:cNvSpPr>
-            <a:spLocks noGrp="1"/>
-          </p:cNvSpPr>
-          <p:nvPr>
-            <p:ph type="title" hasCustomPrompt="1"/>
-            <p:custDataLst>
-              <p:tags r:id="rId2"/>
-            </p:custDataLst>
-          </p:nvPr>
-        </p:nvSpPr>
-        <p:spPr>
-          <a:xfrm>
-            <a:off x="1990800" y="3848400"/>
-            <a:ext cx="7768800" cy="766800"/>
-          </a:xfrm>
-        </p:spPr>
-        <p:txBody>
-          <a:bodyPr lIns="90000" tIns="46800" rIns="90000" bIns="46800" anchor="b" anchorCtr="0">
-            <a:normAutofit/>
-          </a:bodyPr>
-          <a:lstStyle>
-            <a:lvl1pPr>
-              <a:defRPr sz="4400"/>
-            </a:lvl1pPr>
-          </a:lstStyle>
-          <a:p>
-            <a:r>
-              <a:rPr lang="zh-CN" altLang="en-US" dirty="0"/>
-              <a:t>单击此处编辑标题</a:t>
-            </a:r>
-            <a:endParaRPr lang="zh-CN" altLang="en-US" dirty="0"/>
-          </a:p>
-        </p:txBody>
-      </p:sp>
-      <p:sp>
-        <p:nvSpPr>
-          <p:cNvPr id="3" name="文本占位符 2"/>
-          <p:cNvSpPr>
-            <a:spLocks noGrp="1"/>
-          </p:cNvSpPr>
-          <p:nvPr>
-            <p:ph type="body" idx="1" hasCustomPrompt="1"/>
-            <p:custDataLst>
-              <p:tags r:id="rId3"/>
-            </p:custDataLst>
-          </p:nvPr>
-        </p:nvSpPr>
-        <p:spPr>
-          <a:xfrm>
-            <a:off x="1990800" y="4615200"/>
-            <a:ext cx="7768800" cy="867600"/>
-          </a:xfrm>
-        </p:spPr>
-        <p:txBody>
-          <a:bodyPr lIns="90000" tIns="46800" rIns="90000" bIns="46800">
-            <a:normAutofit/>
-          </a:bodyPr>
-          <a:lstStyle>
-            <a:lvl1pPr marL="0" indent="0">
-              <a:buNone/>
-              <a:defRPr sz="1800">
-                <a:solidFill>
-                  <a:schemeClr val="tx1">
-                    <a:lumMod val="65000"/>
-                    <a:lumOff val="35000"/>
-                  </a:schemeClr>
-                </a:solidFill>
-              </a:defRPr>
-            </a:lvl1pPr>
-            <a:lvl2pPr marL="457200" indent="0">
-              <a:buNone/>
-              <a:defRPr sz="1600">
-                <a:solidFill>
-                  <a:schemeClr val="tx1">
-                    <a:tint val="75000"/>
-                  </a:schemeClr>
-                </a:solidFill>
-              </a:defRPr>
-            </a:lvl2pPr>
-            <a:lvl3pPr marL="914400" indent="0">
-              <a:buNone/>
-              <a:defRPr sz="1600">
-                <a:solidFill>
-                  <a:schemeClr val="tx1">
-                    <a:tint val="75000"/>
-                  </a:schemeClr>
-                </a:solidFill>
-              </a:defRPr>
-            </a:lvl3pPr>
-            <a:lvl4pPr marL="1371600" indent="0">
-              <a:buNone/>
-              <a:defRPr sz="1600">
-                <a:solidFill>
-                  <a:schemeClr val="tx1">
-                    <a:tint val="75000"/>
-                  </a:schemeClr>
-                </a:solidFill>
-              </a:defRPr>
-            </a:lvl4pPr>
-            <a:lvl5pPr marL="1828800" indent="0">
-              <a:buNone/>
-              <a:defRPr sz="1600">
-                <a:solidFill>
-                  <a:schemeClr val="tx1">
-                    <a:tint val="75000"/>
-                  </a:schemeClr>
-                </a:solidFill>
-              </a:defRPr>
-            </a:lvl5pPr>
-            <a:lvl6pPr marL="2286000" indent="0">
-              <a:buNone/>
-              <a:defRPr sz="1600">
-                <a:solidFill>
-                  <a:schemeClr val="tx1">
-                    <a:tint val="75000"/>
-                  </a:schemeClr>
-                </a:solidFill>
-              </a:defRPr>
-            </a:lvl6pPr>
-            <a:lvl7pPr marL="2743200" indent="0">
-              <a:buNone/>
-              <a:defRPr sz="1600">
-                <a:solidFill>
-                  <a:schemeClr val="tx1">
-                    <a:tint val="75000"/>
-                  </a:schemeClr>
-                </a:solidFill>
-              </a:defRPr>
-            </a:lvl7pPr>
-            <a:lvl8pPr marL="3200400" indent="0">
-              <a:buNone/>
-              <a:defRPr sz="1600">
-                <a:solidFill>
-                  <a:schemeClr val="tx1">
-                    <a:tint val="75000"/>
-                  </a:schemeClr>
-                </a:solidFill>
-              </a:defRPr>
-            </a:lvl8pPr>
-            <a:lvl9pPr marL="3657600" indent="0">
-              <a:buNone/>
-              <a:defRPr sz="1600">
-                <a:solidFill>
-                  <a:schemeClr val="tx1">
-                    <a:tint val="75000"/>
-                  </a:schemeClr>
-                </a:solidFill>
-              </a:defRPr>
-            </a:lvl9pPr>
-          </a:lstStyle>
-          <a:p>
-            <a:pPr lvl="0"/>
-            <a:r>
-              <a:rPr lang="zh-CN" altLang="en-US" dirty="0"/>
-              <a:t>单击此处编辑文本</a:t>
-            </a:r>
-            <a:endParaRPr lang="zh-CN" altLang="en-US" dirty="0"/>
-          </a:p>
-        </p:txBody>
-      </p:sp>
-      <p:sp>
-        <p:nvSpPr>
-          <p:cNvPr id="4" name="日期占位符 3"/>
-          <p:cNvSpPr>
-            <a:spLocks noGrp="1"/>
-          </p:cNvSpPr>
-          <p:nvPr>
-            <p:ph type="dt" sz="half" idx="10"/>
-            <p:custDataLst>
-              <p:tags r:id="rId4"/>
-            </p:custDataLst>
-          </p:nvPr>
-        </p:nvSpPr>
-        <p:spPr/>
-        <p:txBody>
-          <a:bodyPr/>
-          <a:lstStyle/>
-          <a:p>
-            <a:fld id="{760FBDFE-C587-4B4C-A407-44438C67B59E}" type="datetimeFigureOut">
-              <a:rPr lang="zh-CN" altLang="en-US" smtClean="0"/>
-            </a:fld>
-            <a:endParaRPr lang="zh-CN" altLang="en-US"/>
-          </a:p>
-        </p:txBody>
-      </p:sp>
-      <p:sp>
-        <p:nvSpPr>
-          <p:cNvPr id="5" name="页脚占位符 4"/>
-          <p:cNvSpPr>
-            <a:spLocks noGrp="1"/>
-          </p:cNvSpPr>
-          <p:nvPr>
-            <p:ph type="ftr" sz="quarter" idx="11"/>
-            <p:custDataLst>
-              <p:tags r:id="rId5"/>
-            </p:custDataLst>
-          </p:nvPr>
-        </p:nvSpPr>
-        <p:spPr/>
-        <p:txBody>
-          <a:bodyPr/>
-          <a:lstStyle/>
-          <a:p>
-            <a:endParaRPr lang="zh-CN" altLang="en-US"/>
-          </a:p>
-        </p:txBody>
-      </p:sp>
-      <p:sp>
-        <p:nvSpPr>
-          <p:cNvPr id="6" name="灯片编号占位符 5"/>
-          <p:cNvSpPr>
-            <a:spLocks noGrp="1"/>
-          </p:cNvSpPr>
-          <p:nvPr>
-            <p:ph type="sldNum" sz="quarter" idx="12"/>
-            <p:custDataLst>
-              <p:tags r:id="rId6"/>
-            </p:custDataLst>
-          </p:nvPr>
-        </p:nvSpPr>
-        <p:spPr/>
-        <p:txBody>
-          <a:bodyPr/>
-          <a:lstStyle/>
-          <a:p>
-            <a:fld id="{49AE70B2-8BF9-45C0-BB95-33D1B9D3A854}" type="slidenum">
-              <a:rPr lang="zh-CN" altLang="en-US" smtClean="0"/>
-            </a:fld>
-            <a:endParaRPr lang="zh-CN" altLang="en-US"/>
-          </a:p>
-        </p:txBody>
-      </p:sp>
-    </p:spTree>
-  </p:cSld>
-  <p:clrMapOvr>
-    <a:masterClrMapping/>
-  </p:clrMapOvr>
-</p:sldLayout>
-</file>
-
-<file path=ppt/slideLayouts/slideLayout7.xml><?xml version="1.0" encoding="utf-8"?>
-<p:sldLayout xmlns:a="http://schemas.openxmlformats.org/drawingml/2006/main" xmlns:r="http://schemas.openxmlformats.org/officeDocument/2006/relationships" xmlns:p="http://schemas.openxmlformats.org/presentationml/2006/main" type="twoObj" preserve="1">
-  <p:cSld name="两栏内容">
-    <p:spTree>
-      <p:nvGrpSpPr>
-        <p:cNvPr id="1" name=""/>
-        <p:cNvGrpSpPr/>
-        <p:nvPr/>
-      </p:nvGrpSpPr>
-      <p:grpSpPr>
-        <a:xfrm>
-          <a:off x="0" y="0"/>
-          <a:ext cx="0" cy="0"/>
-          <a:chOff x="0" y="0"/>
-          <a:chExt cx="0" cy="0"/>
-        </a:xfrm>
-      </p:grpSpPr>
-      <p:sp>
-        <p:nvSpPr>
-          <p:cNvPr id="2" name="标题 1"/>
-          <p:cNvSpPr>
-            <a:spLocks noGrp="1"/>
-          </p:cNvSpPr>
-          <p:nvPr>
-            <p:ph type="title"/>
-            <p:custDataLst>
-              <p:tags r:id="rId2"/>
-            </p:custDataLst>
-          </p:nvPr>
-        </p:nvSpPr>
-        <p:spPr>
-          <a:xfrm>
-            <a:off x="608400" y="608400"/>
-            <a:ext cx="10969200" cy="705600"/>
-          </a:xfrm>
-        </p:spPr>
-        <p:txBody>
-          <a:bodyPr vert="horz" lIns="90000" tIns="46800" rIns="90000" bIns="46800" rtlCol="0" anchor="ctr" anchorCtr="0">
-            <a:normAutofit/>
-          </a:bodyPr>
-          <a:lstStyle/>
-          <a:p>
-            <a:pPr lvl="0"/>
-            <a:r>
-              <a:rPr lang="zh-CN" altLang="en-US" smtClean="0"/>
-              <a:t>单击此处编辑母版标题样式</a:t>
-            </a:r>
-            <a:endParaRPr lang="zh-CN" altLang="en-US"/>
-          </a:p>
-        </p:txBody>
-      </p:sp>
-      <p:sp>
-        <p:nvSpPr>
-          <p:cNvPr id="3" name="内容占位符 2"/>
-          <p:cNvSpPr>
-            <a:spLocks noGrp="1"/>
-          </p:cNvSpPr>
-          <p:nvPr>
-            <p:ph sz="half" idx="1"/>
-            <p:custDataLst>
-              <p:tags r:id="rId3"/>
-            </p:custDataLst>
-          </p:nvPr>
-        </p:nvSpPr>
-        <p:spPr>
-          <a:xfrm>
-            <a:off x="608400" y="1501200"/>
-            <a:ext cx="5176800" cy="4748400"/>
-          </a:xfrm>
-        </p:spPr>
-        <p:txBody>
-          <a:bodyPr vert="horz" lIns="90000" tIns="46800" rIns="90000" bIns="46800" rtlCol="0">
-            <a:normAutofit/>
-          </a:bodyPr>
-          <a:lstStyle/>
-          <a:p>
-            <a:pPr lvl="0"/>
-            <a:r>
-              <a:rPr lang="zh-CN" altLang="en-US" smtClean="0"/>
-              <a:t>单击此处编辑母版文本样式</a:t>
-            </a:r>
-            <a:endParaRPr lang="zh-CN" altLang="en-US" smtClean="0"/>
-          </a:p>
-          <a:p>
-            <a:pPr lvl="1"/>
-            <a:r>
-              <a:rPr lang="zh-CN" altLang="en-US" smtClean="0"/>
-              <a:t>第二级</a:t>
-            </a:r>
-            <a:endParaRPr lang="zh-CN" altLang="en-US" smtClean="0"/>
-          </a:p>
-          <a:p>
-            <a:pPr lvl="2"/>
-            <a:r>
-              <a:rPr lang="zh-CN" altLang="en-US" smtClean="0"/>
-              <a:t>第三级</a:t>
-            </a:r>
-            <a:endParaRPr lang="zh-CN" altLang="en-US" smtClean="0"/>
-          </a:p>
-          <a:p>
-            <a:pPr lvl="3"/>
-            <a:r>
-              <a:rPr lang="zh-CN" altLang="en-US" smtClean="0"/>
-              <a:t>第四级</a:t>
-            </a:r>
-            <a:endParaRPr lang="zh-CN" altLang="en-US" smtClean="0"/>
-          </a:p>
-          <a:p>
-            <a:pPr lvl="4"/>
-            <a:r>
-              <a:rPr lang="zh-CN" altLang="en-US" smtClean="0"/>
-              <a:t>第五级</a:t>
-            </a:r>
-            <a:endParaRPr lang="zh-CN" altLang="en-US"/>
-          </a:p>
-        </p:txBody>
-      </p:sp>
-      <p:sp>
-        <p:nvSpPr>
-          <p:cNvPr id="4" name="内容占位符 3"/>
-          <p:cNvSpPr>
-            <a:spLocks noGrp="1"/>
-          </p:cNvSpPr>
-          <p:nvPr>
-            <p:ph sz="half" idx="2"/>
-            <p:custDataLst>
-              <p:tags r:id="rId4"/>
-            </p:custDataLst>
-          </p:nvPr>
-        </p:nvSpPr>
-        <p:spPr>
-          <a:xfrm>
-            <a:off x="6411600" y="1501200"/>
-            <a:ext cx="5176800" cy="4748400"/>
-          </a:xfrm>
-        </p:spPr>
-        <p:txBody>
-          <a:bodyPr lIns="90000" tIns="46800" rIns="90000" bIns="46800">
-            <a:normAutofit/>
-          </a:bodyPr>
-          <a:lstStyle/>
-          <a:p>
-            <a:pPr lvl="0"/>
-            <a:r>
-              <a:rPr lang="zh-CN" altLang="en-US" dirty="0"/>
-              <a:t>单击此处编辑母版文本样式</a:t>
-            </a:r>
-            <a:endParaRPr lang="zh-CN" altLang="en-US" dirty="0"/>
-          </a:p>
-          <a:p>
-            <a:pPr lvl="1"/>
-            <a:r>
-              <a:rPr lang="zh-CN" altLang="en-US" dirty="0"/>
-              <a:t>第二级</a:t>
-            </a:r>
-            <a:endParaRPr lang="zh-CN" altLang="en-US" dirty="0"/>
-          </a:p>
-          <a:p>
-            <a:pPr lvl="2"/>
-            <a:r>
-              <a:rPr lang="zh-CN" altLang="en-US" dirty="0"/>
-              <a:t>第三级</a:t>
-            </a:r>
-            <a:endParaRPr lang="zh-CN" altLang="en-US" dirty="0"/>
-          </a:p>
-          <a:p>
-            <a:pPr lvl="3"/>
-            <a:r>
-              <a:rPr lang="zh-CN" altLang="en-US" dirty="0"/>
-              <a:t>第四级</a:t>
-            </a:r>
-            <a:endParaRPr lang="zh-CN" altLang="en-US" dirty="0"/>
-          </a:p>
-          <a:p>
-            <a:pPr lvl="4"/>
-            <a:r>
-              <a:rPr lang="zh-CN" altLang="en-US" dirty="0"/>
-              <a:t>第五级</a:t>
-            </a:r>
-            <a:endParaRPr lang="zh-CN" altLang="en-US" dirty="0"/>
-          </a:p>
-        </p:txBody>
-      </p:sp>
-      <p:sp>
-        <p:nvSpPr>
-          <p:cNvPr id="5" name="日期占位符 4"/>
-          <p:cNvSpPr>
-            <a:spLocks noGrp="1"/>
-          </p:cNvSpPr>
-          <p:nvPr>
-            <p:ph type="dt" sz="half" idx="10"/>
-            <p:custDataLst>
-              <p:tags r:id="rId5"/>
-            </p:custDataLst>
-          </p:nvPr>
-        </p:nvSpPr>
-        <p:spPr/>
-        <p:txBody>
-          <a:bodyPr/>
-          <a:lstStyle/>
-          <a:p>
-            <a:fld id="{760FBDFE-C587-4B4C-A407-44438C67B59E}" type="datetimeFigureOut">
-              <a:rPr lang="zh-CN" altLang="en-US" smtClean="0"/>
-            </a:fld>
-            <a:endParaRPr lang="zh-CN" altLang="en-US"/>
-          </a:p>
-        </p:txBody>
-      </p:sp>
-      <p:sp>
-        <p:nvSpPr>
-          <p:cNvPr id="6" name="页脚占位符 5"/>
-          <p:cNvSpPr>
-            <a:spLocks noGrp="1"/>
-          </p:cNvSpPr>
-          <p:nvPr>
-            <p:ph type="ftr" sz="quarter" idx="11"/>
-            <p:custDataLst>
-              <p:tags r:id="rId6"/>
-            </p:custDataLst>
-          </p:nvPr>
-        </p:nvSpPr>
-        <p:spPr/>
-        <p:txBody>
-          <a:bodyPr/>
-          <a:lstStyle/>
-          <a:p>
-            <a:endParaRPr lang="zh-CN" altLang="en-US"/>
-          </a:p>
-        </p:txBody>
-      </p:sp>
-      <p:sp>
-        <p:nvSpPr>
-          <p:cNvPr id="7" name="灯片编号占位符 6"/>
-          <p:cNvSpPr>
-            <a:spLocks noGrp="1"/>
-          </p:cNvSpPr>
-          <p:nvPr>
-            <p:ph type="sldNum" sz="quarter" idx="12"/>
-            <p:custDataLst>
-              <p:tags r:id="rId7"/>
-            </p:custDataLst>
-          </p:nvPr>
-        </p:nvSpPr>
-        <p:spPr/>
-        <p:txBody>
-          <a:bodyPr/>
-          <a:lstStyle/>
-          <a:p>
-            <a:fld id="{49AE70B2-8BF9-45C0-BB95-33D1B9D3A854}" type="slidenum">
-              <a:rPr lang="zh-CN" altLang="en-US" smtClean="0"/>
-            </a:fld>
-            <a:endParaRPr lang="zh-CN" altLang="en-US"/>
-          </a:p>
-        </p:txBody>
-      </p:sp>
-    </p:spTree>
-  </p:cSld>
-  <p:clrMapOvr>
-    <a:masterClrMapping/>
-  </p:clrMapOvr>
-</p:sldLayout>
-</file>
-
-<file path=ppt/slideLayouts/slideLayout8.xml><?xml version="1.0" encoding="utf-8"?>
-<p:sldLayout xmlns:a="http://schemas.openxmlformats.org/drawingml/2006/main" xmlns:r="http://schemas.openxmlformats.org/officeDocument/2006/relationships" xmlns:p="http://schemas.openxmlformats.org/presentationml/2006/main" type="twoTxTwoObj" preserve="1">
-  <p:cSld name="比较">
-    <p:spTree>
-      <p:nvGrpSpPr>
-        <p:cNvPr id="1" name=""/>
-        <p:cNvGrpSpPr/>
-        <p:nvPr/>
-      </p:nvGrpSpPr>
-      <p:grpSpPr>
-        <a:xfrm>
-          <a:off x="0" y="0"/>
-          <a:ext cx="0" cy="0"/>
-          <a:chOff x="0" y="0"/>
-          <a:chExt cx="0" cy="0"/>
-        </a:xfrm>
-      </p:grpSpPr>
-      <p:sp>
-        <p:nvSpPr>
-          <p:cNvPr id="2" name="标题 1"/>
-          <p:cNvSpPr>
-            <a:spLocks noGrp="1"/>
-          </p:cNvSpPr>
-          <p:nvPr>
-            <p:ph type="title"/>
-            <p:custDataLst>
-              <p:tags r:id="rId2"/>
-            </p:custDataLst>
-          </p:nvPr>
-        </p:nvSpPr>
-        <p:spPr>
-          <a:xfrm>
-            <a:off x="608400" y="608400"/>
-            <a:ext cx="10969200" cy="705600"/>
-          </a:xfrm>
-        </p:spPr>
-        <p:txBody>
-          <a:bodyPr vert="horz" lIns="90000" tIns="46800" rIns="90000" bIns="46800" rtlCol="0" anchor="ctr" anchorCtr="0">
-            <a:normAutofit/>
-          </a:bodyPr>
-          <a:lstStyle/>
-          <a:p>
-            <a:pPr lvl="0"/>
-            <a:r>
-              <a:rPr lang="zh-CN" altLang="en-US" smtClean="0"/>
-              <a:t>单击此处编辑母版标题样式</a:t>
-            </a:r>
-            <a:endParaRPr lang="zh-CN" altLang="en-US"/>
-          </a:p>
-        </p:txBody>
-      </p:sp>
-      <p:sp>
-        <p:nvSpPr>
-          <p:cNvPr id="3" name="文本占位符 2"/>
-          <p:cNvSpPr>
-            <a:spLocks noGrp="1"/>
-          </p:cNvSpPr>
-          <p:nvPr>
-            <p:ph type="body" idx="1" hasCustomPrompt="1"/>
-            <p:custDataLst>
-              <p:tags r:id="rId3"/>
-            </p:custDataLst>
-          </p:nvPr>
-        </p:nvSpPr>
-        <p:spPr>
-          <a:xfrm>
-            <a:off x="608400" y="1429200"/>
-            <a:ext cx="5342400" cy="381600"/>
-          </a:xfrm>
-        </p:spPr>
-        <p:txBody>
-          <a:bodyPr lIns="101600" tIns="38100" rIns="76200" bIns="38100" anchor="t" anchorCtr="0">
-            <a:normAutofit/>
-          </a:bodyPr>
-          <a:lstStyle>
-            <a:lvl1pPr marL="0" indent="0">
-              <a:lnSpc>
-                <a:spcPct val="100000"/>
-              </a:lnSpc>
-              <a:buNone/>
-              <a:defRPr sz="2000" b="1" spc="200">
-                <a:solidFill>
-                  <a:schemeClr val="tx1">
-                    <a:lumMod val="75000"/>
-                    <a:lumOff val="25000"/>
-                  </a:schemeClr>
-                </a:solidFill>
-              </a:defRPr>
-            </a:lvl1pPr>
-            <a:lvl2pPr marL="457200" indent="0">
-              <a:buNone/>
-              <a:defRPr sz="2000" b="1"/>
-            </a:lvl2pPr>
-            <a:lvl3pPr marL="914400" indent="0">
-              <a:buNone/>
-              <a:defRPr sz="1800" b="1"/>
-            </a:lvl3pPr>
-            <a:lvl4pPr marL="1371600" indent="0">
-              <a:buNone/>
-              <a:defRPr sz="1600" b="1"/>
-            </a:lvl4pPr>
-            <a:lvl5pPr marL="1828800" indent="0">
-              <a:buNone/>
-              <a:defRPr sz="1600" b="1"/>
-            </a:lvl5pPr>
-            <a:lvl6pPr marL="2286000" indent="0">
-              <a:buNone/>
-              <a:defRPr sz="1600" b="1"/>
-            </a:lvl6pPr>
-            <a:lvl7pPr marL="2743200" indent="0">
-              <a:buNone/>
-              <a:defRPr sz="1600" b="1"/>
-            </a:lvl7pPr>
-            <a:lvl8pPr marL="3200400" indent="0">
-              <a:buNone/>
-              <a:defRPr sz="1600" b="1"/>
-            </a:lvl8pPr>
-            <a:lvl9pPr marL="3657600" indent="0">
-              <a:buNone/>
-              <a:defRPr sz="1600" b="1"/>
-            </a:lvl9pPr>
-          </a:lstStyle>
-          <a:p>
-            <a:pPr lvl="0"/>
-            <a:r>
-              <a:rPr lang="zh-CN" altLang="en-US" dirty="0"/>
-              <a:t>单击此处编辑文本</a:t>
-            </a:r>
-            <a:endParaRPr lang="zh-CN" altLang="en-US" dirty="0"/>
-          </a:p>
-        </p:txBody>
-      </p:sp>
-      <p:sp>
-        <p:nvSpPr>
-          <p:cNvPr id="4" name="内容占位符 3"/>
-          <p:cNvSpPr>
-            <a:spLocks noGrp="1"/>
-          </p:cNvSpPr>
-          <p:nvPr>
-            <p:ph sz="half" idx="2"/>
-            <p:custDataLst>
-              <p:tags r:id="rId4"/>
-            </p:custDataLst>
-          </p:nvPr>
-        </p:nvSpPr>
-        <p:spPr>
-          <a:xfrm>
-            <a:off x="608400" y="1854000"/>
-            <a:ext cx="5342400" cy="4395600"/>
-          </a:xfrm>
-        </p:spPr>
-        <p:txBody>
-          <a:bodyPr vert="horz" lIns="101600" tIns="0" rIns="82550" bIns="0" rtlCol="0">
-            <a:normAutofit/>
-          </a:bodyPr>
-          <a:lstStyle/>
-          <a:p>
-            <a:pPr lvl="0"/>
-            <a:r>
-              <a:rPr lang="zh-CN" altLang="en-US" smtClean="0"/>
-              <a:t>单击此处编辑母版文本样式</a:t>
-            </a:r>
-            <a:endParaRPr lang="zh-CN" altLang="en-US" smtClean="0"/>
-          </a:p>
-          <a:p>
-            <a:pPr lvl="1"/>
-            <a:r>
-              <a:rPr lang="zh-CN" altLang="en-US" smtClean="0"/>
-              <a:t>第二级</a:t>
-            </a:r>
-            <a:endParaRPr lang="zh-CN" altLang="en-US" smtClean="0"/>
-          </a:p>
-          <a:p>
-            <a:pPr lvl="2"/>
-            <a:r>
-              <a:rPr lang="zh-CN" altLang="en-US" smtClean="0"/>
-              <a:t>第三级</a:t>
-            </a:r>
-            <a:endParaRPr lang="zh-CN" altLang="en-US" smtClean="0"/>
-          </a:p>
-          <a:p>
-            <a:pPr lvl="3"/>
-            <a:r>
-              <a:rPr lang="zh-CN" altLang="en-US" smtClean="0"/>
-              <a:t>第四级</a:t>
-            </a:r>
-            <a:endParaRPr lang="zh-CN" altLang="en-US" smtClean="0"/>
-          </a:p>
-          <a:p>
-            <a:pPr lvl="4"/>
-            <a:r>
-              <a:rPr lang="zh-CN" altLang="en-US" smtClean="0"/>
-              <a:t>第五级</a:t>
-            </a:r>
-            <a:endParaRPr lang="zh-CN" altLang="en-US"/>
-          </a:p>
-        </p:txBody>
-      </p:sp>
-      <p:sp>
-        <p:nvSpPr>
-          <p:cNvPr id="5" name="文本占位符 4"/>
-          <p:cNvSpPr>
-            <a:spLocks noGrp="1"/>
-          </p:cNvSpPr>
-          <p:nvPr>
-            <p:ph type="body" sz="quarter" idx="3" hasCustomPrompt="1"/>
-            <p:custDataLst>
-              <p:tags r:id="rId5"/>
-            </p:custDataLst>
-          </p:nvPr>
-        </p:nvSpPr>
-        <p:spPr>
-          <a:xfrm>
-            <a:off x="6235750" y="1421729"/>
-            <a:ext cx="5342400" cy="381600"/>
-          </a:xfrm>
-        </p:spPr>
-        <p:txBody>
-          <a:bodyPr vert="horz" lIns="101600" tIns="38100" rIns="76200" bIns="38100" rtlCol="0" anchor="t" anchorCtr="0">
-            <a:normAutofit/>
-          </a:bodyPr>
-          <a:lstStyle>
-            <a:lvl1pPr marL="0" indent="0">
-              <a:lnSpc>
-                <a:spcPct val="100000"/>
-              </a:lnSpc>
-              <a:buNone/>
-              <a:defRPr sz="2000" b="1" spc="200">
-                <a:solidFill>
-                  <a:schemeClr val="tx1">
-                    <a:lumMod val="75000"/>
-                    <a:lumOff val="25000"/>
-                  </a:schemeClr>
-                </a:solidFill>
-              </a:defRPr>
-            </a:lvl1pPr>
-            <a:lvl2pPr marL="457200" indent="0">
-              <a:buNone/>
-              <a:defRPr sz="2000" b="1"/>
-            </a:lvl2pPr>
-            <a:lvl3pPr marL="914400" indent="0">
-              <a:buNone/>
-              <a:defRPr sz="1800" b="1"/>
-            </a:lvl3pPr>
-            <a:lvl4pPr marL="1371600" indent="0">
-              <a:buNone/>
-              <a:defRPr sz="1600" b="1"/>
-            </a:lvl4pPr>
-            <a:lvl5pPr marL="1828800" indent="0">
-              <a:buNone/>
-              <a:defRPr sz="1600" b="1"/>
-            </a:lvl5pPr>
-            <a:lvl6pPr marL="2286000" indent="0">
-              <a:buNone/>
-              <a:defRPr sz="1600" b="1"/>
-            </a:lvl6pPr>
-            <a:lvl7pPr marL="2743200" indent="0">
-              <a:buNone/>
-              <a:defRPr sz="1600" b="1"/>
-            </a:lvl7pPr>
-            <a:lvl8pPr marL="3200400" indent="0">
-              <a:buNone/>
-              <a:defRPr sz="1600" b="1"/>
-            </a:lvl8pPr>
-            <a:lvl9pPr marL="3657600" indent="0">
-              <a:buNone/>
-              <a:defRPr sz="1600" b="1"/>
-            </a:lvl9pPr>
-          </a:lstStyle>
-          <a:p>
-            <a:pPr lvl="0"/>
-            <a:r>
-              <a:rPr lang="zh-CN" altLang="en-US" smtClean="0"/>
-              <a:t>单击此处编辑文本</a:t>
-            </a:r>
-            <a:endParaRPr lang="zh-CN" altLang="en-US"/>
-          </a:p>
-        </p:txBody>
-      </p:sp>
-      <p:sp>
-        <p:nvSpPr>
-          <p:cNvPr id="6" name="内容占位符 5"/>
-          <p:cNvSpPr>
-            <a:spLocks noGrp="1"/>
-          </p:cNvSpPr>
-          <p:nvPr>
-            <p:ph sz="quarter" idx="4"/>
-            <p:custDataLst>
-              <p:tags r:id="rId6"/>
-            </p:custDataLst>
-          </p:nvPr>
-        </p:nvSpPr>
-        <p:spPr>
-          <a:xfrm>
-            <a:off x="6235750" y="1854000"/>
-            <a:ext cx="5342400" cy="4395600"/>
-          </a:xfrm>
-        </p:spPr>
-        <p:txBody>
-          <a:bodyPr vert="horz" lIns="101600" tIns="0" rIns="82550" bIns="0" rtlCol="0">
-            <a:normAutofit/>
-          </a:bodyPr>
-          <a:lstStyle/>
-          <a:p>
-            <a:pPr lvl="0"/>
-            <a:r>
-              <a:rPr lang="zh-CN" altLang="en-US" smtClean="0"/>
-              <a:t>单击此处编辑母版文本样式</a:t>
-            </a:r>
-            <a:endParaRPr lang="zh-CN" altLang="en-US" smtClean="0"/>
-          </a:p>
-          <a:p>
-            <a:pPr lvl="1"/>
-            <a:r>
-              <a:rPr lang="zh-CN" altLang="en-US" smtClean="0"/>
-              <a:t>第二级</a:t>
-            </a:r>
-            <a:endParaRPr lang="zh-CN" altLang="en-US" smtClean="0"/>
-          </a:p>
-          <a:p>
-            <a:pPr lvl="2"/>
-            <a:r>
-              <a:rPr lang="zh-CN" altLang="en-US" smtClean="0"/>
-              <a:t>第三级</a:t>
-            </a:r>
-            <a:endParaRPr lang="zh-CN" altLang="en-US" smtClean="0"/>
-          </a:p>
-          <a:p>
-            <a:pPr lvl="3"/>
-            <a:r>
-              <a:rPr lang="zh-CN" altLang="en-US" smtClean="0"/>
-              <a:t>第四级</a:t>
-            </a:r>
-            <a:endParaRPr lang="zh-CN" altLang="en-US" smtClean="0"/>
-          </a:p>
-          <a:p>
-            <a:pPr lvl="4"/>
-            <a:r>
-              <a:rPr lang="zh-CN" altLang="en-US" smtClean="0"/>
-              <a:t>第五级</a:t>
-            </a:r>
-            <a:endParaRPr lang="zh-CN" altLang="en-US"/>
-          </a:p>
-        </p:txBody>
-      </p:sp>
-      <p:sp>
-        <p:nvSpPr>
-          <p:cNvPr id="7" name="日期占位符 6"/>
-          <p:cNvSpPr>
-            <a:spLocks noGrp="1"/>
-          </p:cNvSpPr>
-          <p:nvPr>
-            <p:ph type="dt" sz="half" idx="10"/>
-            <p:custDataLst>
-              <p:tags r:id="rId7"/>
-            </p:custDataLst>
-          </p:nvPr>
-        </p:nvSpPr>
-        <p:spPr/>
-        <p:txBody>
-          <a:bodyPr/>
-          <a:lstStyle/>
-          <a:p>
-            <a:fld id="{760FBDFE-C587-4B4C-A407-44438C67B59E}" type="datetimeFigureOut">
-              <a:rPr lang="zh-CN" altLang="en-US" smtClean="0"/>
-            </a:fld>
-            <a:endParaRPr lang="zh-CN" altLang="en-US"/>
-          </a:p>
-        </p:txBody>
-      </p:sp>
-      <p:sp>
-        <p:nvSpPr>
-          <p:cNvPr id="8" name="页脚占位符 7"/>
-          <p:cNvSpPr>
-            <a:spLocks noGrp="1"/>
-          </p:cNvSpPr>
-          <p:nvPr>
-            <p:ph type="ftr" sz="quarter" idx="11"/>
-            <p:custDataLst>
-              <p:tags r:id="rId8"/>
-            </p:custDataLst>
-          </p:nvPr>
-        </p:nvSpPr>
-        <p:spPr/>
-        <p:txBody>
-          <a:bodyPr/>
-          <a:lstStyle/>
-          <a:p>
-            <a:endParaRPr lang="zh-CN" altLang="en-US"/>
-          </a:p>
-        </p:txBody>
-      </p:sp>
-      <p:sp>
-        <p:nvSpPr>
-          <p:cNvPr id="9" name="灯片编号占位符 8"/>
-          <p:cNvSpPr>
-            <a:spLocks noGrp="1"/>
-          </p:cNvSpPr>
-          <p:nvPr>
-            <p:ph type="sldNum" sz="quarter" idx="12"/>
-            <p:custDataLst>
-              <p:tags r:id="rId9"/>
-            </p:custDataLst>
-          </p:nvPr>
-        </p:nvSpPr>
-        <p:spPr/>
-        <p:txBody>
-          <a:bodyPr/>
-          <a:lstStyle/>
-          <a:p>
-            <a:fld id="{49AE70B2-8BF9-45C0-BB95-33D1B9D3A854}" type="slidenum">
-              <a:rPr lang="zh-CN" altLang="en-US" smtClean="0"/>
-            </a:fld>
-            <a:endParaRPr lang="zh-CN" altLang="en-US"/>
-          </a:p>
-        </p:txBody>
-      </p:sp>
-    </p:spTree>
-  </p:cSld>
-  <p:clrMapOvr>
-    <a:masterClrMapping/>
-  </p:clrMapOvr>
-</p:sldLayout>
-</file>
-
-<file path=ppt/slideLayouts/slideLayout9.xml><?xml version="1.0" encoding="utf-8"?>
-<p:sldLayout xmlns:a="http://schemas.openxmlformats.org/drawingml/2006/main" xmlns:r="http://schemas.openxmlformats.org/officeDocument/2006/relationships" xmlns:p="http://schemas.openxmlformats.org/presentationml/2006/main" type="titleOnly" preserve="1">
-  <p:cSld name="仅标题">
-    <p:spTree>
-      <p:nvGrpSpPr>
-        <p:cNvPr id="1" name=""/>
-        <p:cNvGrpSpPr/>
-        <p:nvPr/>
-      </p:nvGrpSpPr>
-      <p:grpSpPr>
-        <a:xfrm>
-          <a:off x="0" y="0"/>
-          <a:ext cx="0" cy="0"/>
-          <a:chOff x="0" y="0"/>
-          <a:chExt cx="0" cy="0"/>
-        </a:xfrm>
-      </p:grpSpPr>
-      <p:sp>
-        <p:nvSpPr>
-          <p:cNvPr id="2" name="标题 1"/>
-          <p:cNvSpPr>
-            <a:spLocks noGrp="1"/>
-          </p:cNvSpPr>
-          <p:nvPr>
-            <p:ph type="title"/>
-            <p:custDataLst>
-              <p:tags r:id="rId2"/>
-            </p:custDataLst>
-          </p:nvPr>
-        </p:nvSpPr>
-        <p:spPr>
-          <a:xfrm>
-            <a:off x="608400" y="608400"/>
-            <a:ext cx="10969200" cy="705600"/>
-          </a:xfrm>
-        </p:spPr>
-        <p:txBody>
-          <a:bodyPr vert="horz" lIns="90000" tIns="46800" rIns="90000" bIns="46800" rtlCol="0" anchor="ctr" anchorCtr="0">
-            <a:normAutofit/>
-          </a:bodyPr>
-          <a:lstStyle/>
-          <a:p>
-            <a:pPr lvl="0"/>
-            <a:r>
-              <a:rPr lang="zh-CN" altLang="en-US" smtClean="0"/>
-              <a:t>单击此处编辑母版标题样式</a:t>
-            </a:r>
-            <a:endParaRPr lang="zh-CN" altLang="en-US"/>
-          </a:p>
-        </p:txBody>
-      </p:sp>
-      <p:sp>
-        <p:nvSpPr>
-          <p:cNvPr id="3" name="日期占位符 2"/>
-          <p:cNvSpPr>
-            <a:spLocks noGrp="1"/>
-          </p:cNvSpPr>
-          <p:nvPr>
-            <p:ph type="dt" sz="half" idx="10"/>
-            <p:custDataLst>
-              <p:tags r:id="rId3"/>
-            </p:custDataLst>
-          </p:nvPr>
-        </p:nvSpPr>
-        <p:spPr/>
-        <p:txBody>
-          <a:bodyPr/>
-          <a:lstStyle/>
-          <a:p>
-            <a:fld id="{760FBDFE-C587-4B4C-A407-44438C67B59E}" type="datetimeFigureOut">
-              <a:rPr lang="zh-CN" altLang="en-US" smtClean="0"/>
-            </a:fld>
-            <a:endParaRPr lang="zh-CN" altLang="en-US"/>
-          </a:p>
-        </p:txBody>
-      </p:sp>
-      <p:sp>
-        <p:nvSpPr>
-          <p:cNvPr id="4" name="页脚占位符 3"/>
-          <p:cNvSpPr>
-            <a:spLocks noGrp="1"/>
-          </p:cNvSpPr>
-          <p:nvPr>
-            <p:ph type="ftr" sz="quarter" idx="11"/>
-            <p:custDataLst>
-              <p:tags r:id="rId4"/>
-            </p:custDataLst>
-          </p:nvPr>
-        </p:nvSpPr>
-        <p:spPr/>
-        <p:txBody>
-          <a:bodyPr/>
-          <a:lstStyle/>
-          <a:p>
-            <a:endParaRPr lang="zh-CN" altLang="en-US"/>
-          </a:p>
-        </p:txBody>
-      </p:sp>
-      <p:sp>
-        <p:nvSpPr>
-          <p:cNvPr id="5" name="灯片编号占位符 4"/>
-          <p:cNvSpPr>
-            <a:spLocks noGrp="1"/>
-          </p:cNvSpPr>
-          <p:nvPr>
-            <p:ph type="sldNum" sz="quarter" idx="12"/>
-            <p:custDataLst>
-              <p:tags r:id="rId5"/>
-            </p:custDataLst>
-          </p:nvPr>
-        </p:nvSpPr>
-        <p:spPr/>
-        <p:txBody>
-          <a:bodyPr/>
-          <a:lstStyle/>
-          <a:p>
-            <a:fld id="{49AE70B2-8BF9-45C0-BB95-33D1B9D3A854}" type="slidenum">
-              <a:rPr lang="zh-CN" altLang="en-US" smtClean="0"/>
-            </a:fld>
-            <a:endParaRPr lang="zh-CN" altLang="en-US"/>
-          </a:p>
-        </p:txBody>
-      </p:sp>
-    </p:spTree>
-  </p:cSld>
-  <p:clrMapOvr>
-    <a:masterClrMapping/>
-  </p:clrMapOvr>
-</p:sldLayout>
-</file>
-
-<file path=ppt/slideMasters/slideMaster1.xml><?xml version="1.0" encoding="utf-8"?>
-<p:sldMaster xmlns:a="http://schemas.openxmlformats.org/drawingml/2006/main" xmlns:r="http://schemas.openxmlformats.org/officeDocument/2006/relationships" xmlns:p="http://schemas.openxmlformats.org/presentationml/2006/main" preserve="1">
-  <p:cSld>
-    <p:bg>
-      <p:bgRef idx="1001">
-        <a:schemeClr val="bg1"/>
-      </p:bgRef>
-    </p:bg>
+<file path=ppt/slideLayouts/slideLayout3.xml><?xml version="1.0" encoding="utf-8"?>
+<p:sldLayout xmlns:a="http://schemas.openxmlformats.org/drawingml/2006/main" xmlns:r="http://schemas.openxmlformats.org/officeDocument/2006/relationships" xmlns:p="http://schemas.openxmlformats.org/presentationml/2006/main" userDrawn="1">
+  <p:cSld name="自定义版式">
     <p:spTree>
       <p:nvGrpSpPr>
         <p:cNvPr id="1" name=""/>
@@ -3218,303 +1735,28 @@
         </a:xfrm>
       </p:grpSpPr>
     </p:spTree>
+    <p:extLst>
+      <p:ext uri="{BB962C8B-B14F-4D97-AF65-F5344CB8AC3E}">
+        <p14:creationId xmlns:p14="http://schemas.microsoft.com/office/powerpoint/2010/main" val="502796376"/>
+      </p:ext>
+    </p:extLst>
   </p:cSld>
-  <p:clrMap bg1="lt1" tx1="dk1" bg2="lt2" tx2="dk2" accent1="accent1" accent2="accent2" accent3="accent3" accent4="accent4" accent5="accent5" accent6="accent6" hlink="hlink" folHlink="folHlink"/>
-  <p:sldLayoutIdLst>
-    <p:sldLayoutId id="2147483649" r:id="rId1"/>
-    <p:sldLayoutId id="2147483650" r:id="rId2"/>
-    <p:sldLayoutId id="2147483651" r:id="rId3"/>
-  </p:sldLayoutIdLst>
-  <p:txStyles>
-    <p:titleStyle>
-      <a:lvl1pPr algn="l" defTabSz="914400" rtl="0" eaLnBrk="1" latinLnBrk="0" hangingPunct="1">
-        <a:lnSpc>
-          <a:spcPct val="90000"/>
-        </a:lnSpc>
-        <a:spcBef>
-          <a:spcPct val="0"/>
-        </a:spcBef>
-        <a:buNone/>
-        <a:defRPr sz="4400" kern="1200">
-          <a:solidFill>
-            <a:schemeClr val="tx1"/>
-          </a:solidFill>
-          <a:latin typeface="+mj-lt"/>
-          <a:ea typeface="+mj-ea"/>
-          <a:cs typeface="+mj-cs"/>
-        </a:defRPr>
-      </a:lvl1pPr>
-    </p:titleStyle>
-    <p:bodyStyle>
-      <a:lvl1pPr marL="228600" indent="-228600" algn="l" defTabSz="914400" rtl="0" eaLnBrk="1" latinLnBrk="0" hangingPunct="1">
-        <a:lnSpc>
-          <a:spcPct val="90000"/>
-        </a:lnSpc>
-        <a:spcBef>
-          <a:spcPts val="1000"/>
-        </a:spcBef>
-        <a:buFont typeface="Arial" panose="020B0604020202020204" pitchFamily="34" charset="0"/>
-        <a:buChar char="•"/>
-        <a:defRPr sz="2800" kern="1200">
-          <a:solidFill>
-            <a:schemeClr val="tx1"/>
-          </a:solidFill>
-          <a:latin typeface="+mn-lt"/>
-          <a:ea typeface="+mn-ea"/>
-          <a:cs typeface="+mn-cs"/>
-        </a:defRPr>
-      </a:lvl1pPr>
-      <a:lvl2pPr marL="685800" indent="-228600" algn="l" defTabSz="914400" rtl="0" eaLnBrk="1" latinLnBrk="0" hangingPunct="1">
-        <a:lnSpc>
-          <a:spcPct val="90000"/>
-        </a:lnSpc>
-        <a:spcBef>
-          <a:spcPts val="500"/>
-        </a:spcBef>
-        <a:buFont typeface="Arial" panose="020B0604020202020204" pitchFamily="34" charset="0"/>
-        <a:buChar char="•"/>
-        <a:defRPr sz="2400" kern="1200">
-          <a:solidFill>
-            <a:schemeClr val="tx1"/>
-          </a:solidFill>
-          <a:latin typeface="+mn-lt"/>
-          <a:ea typeface="+mn-ea"/>
-          <a:cs typeface="+mn-cs"/>
-        </a:defRPr>
-      </a:lvl2pPr>
-      <a:lvl3pPr marL="1143000" indent="-228600" algn="l" defTabSz="914400" rtl="0" eaLnBrk="1" latinLnBrk="0" hangingPunct="1">
-        <a:lnSpc>
-          <a:spcPct val="90000"/>
-        </a:lnSpc>
-        <a:spcBef>
-          <a:spcPts val="500"/>
-        </a:spcBef>
-        <a:buFont typeface="Arial" panose="020B0604020202020204" pitchFamily="34" charset="0"/>
-        <a:buChar char="•"/>
-        <a:defRPr sz="2000" kern="1200">
-          <a:solidFill>
-            <a:schemeClr val="tx1"/>
-          </a:solidFill>
-          <a:latin typeface="+mn-lt"/>
-          <a:ea typeface="+mn-ea"/>
-          <a:cs typeface="+mn-cs"/>
-        </a:defRPr>
-      </a:lvl3pPr>
-      <a:lvl4pPr marL="1600200" indent="-228600" algn="l" defTabSz="914400" rtl="0" eaLnBrk="1" latinLnBrk="0" hangingPunct="1">
-        <a:lnSpc>
-          <a:spcPct val="90000"/>
-        </a:lnSpc>
-        <a:spcBef>
-          <a:spcPts val="500"/>
-        </a:spcBef>
-        <a:buFont typeface="Arial" panose="020B0604020202020204" pitchFamily="34" charset="0"/>
-        <a:buChar char="•"/>
-        <a:defRPr sz="1800" kern="1200">
-          <a:solidFill>
-            <a:schemeClr val="tx1"/>
-          </a:solidFill>
-          <a:latin typeface="+mn-lt"/>
-          <a:ea typeface="+mn-ea"/>
-          <a:cs typeface="+mn-cs"/>
-        </a:defRPr>
-      </a:lvl4pPr>
-      <a:lvl5pPr marL="2057400" indent="-228600" algn="l" defTabSz="914400" rtl="0" eaLnBrk="1" latinLnBrk="0" hangingPunct="1">
-        <a:lnSpc>
-          <a:spcPct val="90000"/>
-        </a:lnSpc>
-        <a:spcBef>
-          <a:spcPts val="500"/>
-        </a:spcBef>
-        <a:buFont typeface="Arial" panose="020B0604020202020204" pitchFamily="34" charset="0"/>
-        <a:buChar char="•"/>
-        <a:defRPr sz="1800" kern="1200">
-          <a:solidFill>
-            <a:schemeClr val="tx1"/>
-          </a:solidFill>
-          <a:latin typeface="+mn-lt"/>
-          <a:ea typeface="+mn-ea"/>
-          <a:cs typeface="+mn-cs"/>
-        </a:defRPr>
-      </a:lvl5pPr>
-      <a:lvl6pPr marL="2514600" indent="-228600" algn="l" defTabSz="914400" rtl="0" eaLnBrk="1" latinLnBrk="0" hangingPunct="1">
-        <a:lnSpc>
-          <a:spcPct val="90000"/>
-        </a:lnSpc>
-        <a:spcBef>
-          <a:spcPts val="500"/>
-        </a:spcBef>
-        <a:buFont typeface="Arial" panose="020B0604020202020204" pitchFamily="34" charset="0"/>
-        <a:buChar char="•"/>
-        <a:defRPr sz="1800" kern="1200">
-          <a:solidFill>
-            <a:schemeClr val="tx1"/>
-          </a:solidFill>
-          <a:latin typeface="+mn-lt"/>
-          <a:ea typeface="+mn-ea"/>
-          <a:cs typeface="+mn-cs"/>
-        </a:defRPr>
-      </a:lvl6pPr>
-      <a:lvl7pPr marL="2971800" indent="-228600" algn="l" defTabSz="914400" rtl="0" eaLnBrk="1" latinLnBrk="0" hangingPunct="1">
-        <a:lnSpc>
-          <a:spcPct val="90000"/>
-        </a:lnSpc>
-        <a:spcBef>
-          <a:spcPts val="500"/>
-        </a:spcBef>
-        <a:buFont typeface="Arial" panose="020B0604020202020204" pitchFamily="34" charset="0"/>
-        <a:buChar char="•"/>
-        <a:defRPr sz="1800" kern="1200">
-          <a:solidFill>
-            <a:schemeClr val="tx1"/>
-          </a:solidFill>
-          <a:latin typeface="+mn-lt"/>
-          <a:ea typeface="+mn-ea"/>
-          <a:cs typeface="+mn-cs"/>
-        </a:defRPr>
-      </a:lvl7pPr>
-      <a:lvl8pPr marL="3429000" indent="-228600" algn="l" defTabSz="914400" rtl="0" eaLnBrk="1" latinLnBrk="0" hangingPunct="1">
-        <a:lnSpc>
-          <a:spcPct val="90000"/>
-        </a:lnSpc>
-        <a:spcBef>
-          <a:spcPts val="500"/>
-        </a:spcBef>
-        <a:buFont typeface="Arial" panose="020B0604020202020204" pitchFamily="34" charset="0"/>
-        <a:buChar char="•"/>
-        <a:defRPr sz="1800" kern="1200">
-          <a:solidFill>
-            <a:schemeClr val="tx1"/>
-          </a:solidFill>
-          <a:latin typeface="+mn-lt"/>
-          <a:ea typeface="+mn-ea"/>
-          <a:cs typeface="+mn-cs"/>
-        </a:defRPr>
-      </a:lvl8pPr>
-      <a:lvl9pPr marL="3886200" indent="-228600" algn="l" defTabSz="914400" rtl="0" eaLnBrk="1" latinLnBrk="0" hangingPunct="1">
-        <a:lnSpc>
-          <a:spcPct val="90000"/>
-        </a:lnSpc>
-        <a:spcBef>
-          <a:spcPts val="500"/>
-        </a:spcBef>
-        <a:buFont typeface="Arial" panose="020B0604020202020204" pitchFamily="34" charset="0"/>
-        <a:buChar char="•"/>
-        <a:defRPr sz="1800" kern="1200">
-          <a:solidFill>
-            <a:schemeClr val="tx1"/>
-          </a:solidFill>
-          <a:latin typeface="+mn-lt"/>
-          <a:ea typeface="+mn-ea"/>
-          <a:cs typeface="+mn-cs"/>
-        </a:defRPr>
-      </a:lvl9pPr>
-    </p:bodyStyle>
-    <p:otherStyle>
-      <a:defPPr>
-        <a:defRPr lang="zh-CN"/>
-      </a:defPPr>
-      <a:lvl1pPr marL="0" algn="l" defTabSz="914400" rtl="0" eaLnBrk="1" latinLnBrk="0" hangingPunct="1">
-        <a:defRPr sz="1800" kern="1200">
-          <a:solidFill>
-            <a:schemeClr val="tx1"/>
-          </a:solidFill>
-          <a:latin typeface="+mn-lt"/>
-          <a:ea typeface="+mn-ea"/>
-          <a:cs typeface="+mn-cs"/>
-        </a:defRPr>
-      </a:lvl1pPr>
-      <a:lvl2pPr marL="457200" algn="l" defTabSz="914400" rtl="0" eaLnBrk="1" latinLnBrk="0" hangingPunct="1">
-        <a:defRPr sz="1800" kern="1200">
-          <a:solidFill>
-            <a:schemeClr val="tx1"/>
-          </a:solidFill>
-          <a:latin typeface="+mn-lt"/>
-          <a:ea typeface="+mn-ea"/>
-          <a:cs typeface="+mn-cs"/>
-        </a:defRPr>
-      </a:lvl2pPr>
-      <a:lvl3pPr marL="914400" algn="l" defTabSz="914400" rtl="0" eaLnBrk="1" latinLnBrk="0" hangingPunct="1">
-        <a:defRPr sz="1800" kern="1200">
-          <a:solidFill>
-            <a:schemeClr val="tx1"/>
-          </a:solidFill>
-          <a:latin typeface="+mn-lt"/>
-          <a:ea typeface="+mn-ea"/>
-          <a:cs typeface="+mn-cs"/>
-        </a:defRPr>
-      </a:lvl3pPr>
-      <a:lvl4pPr marL="1371600" algn="l" defTabSz="914400" rtl="0" eaLnBrk="1" latinLnBrk="0" hangingPunct="1">
-        <a:defRPr sz="1800" kern="1200">
-          <a:solidFill>
-            <a:schemeClr val="tx1"/>
-          </a:solidFill>
-          <a:latin typeface="+mn-lt"/>
-          <a:ea typeface="+mn-ea"/>
-          <a:cs typeface="+mn-cs"/>
-        </a:defRPr>
-      </a:lvl4pPr>
-      <a:lvl5pPr marL="1828800" algn="l" defTabSz="914400" rtl="0" eaLnBrk="1" latinLnBrk="0" hangingPunct="1">
-        <a:defRPr sz="1800" kern="1200">
-          <a:solidFill>
-            <a:schemeClr val="tx1"/>
-          </a:solidFill>
-          <a:latin typeface="+mn-lt"/>
-          <a:ea typeface="+mn-ea"/>
-          <a:cs typeface="+mn-cs"/>
-        </a:defRPr>
-      </a:lvl5pPr>
-      <a:lvl6pPr marL="2286000" algn="l" defTabSz="914400" rtl="0" eaLnBrk="1" latinLnBrk="0" hangingPunct="1">
-        <a:defRPr sz="1800" kern="1200">
-          <a:solidFill>
-            <a:schemeClr val="tx1"/>
-          </a:solidFill>
-          <a:latin typeface="+mn-lt"/>
-          <a:ea typeface="+mn-ea"/>
-          <a:cs typeface="+mn-cs"/>
-        </a:defRPr>
-      </a:lvl6pPr>
-      <a:lvl7pPr marL="2743200" algn="l" defTabSz="914400" rtl="0" eaLnBrk="1" latinLnBrk="0" hangingPunct="1">
-        <a:defRPr sz="1800" kern="1200">
-          <a:solidFill>
-            <a:schemeClr val="tx1"/>
-          </a:solidFill>
-          <a:latin typeface="+mn-lt"/>
-          <a:ea typeface="+mn-ea"/>
-          <a:cs typeface="+mn-cs"/>
-        </a:defRPr>
-      </a:lvl7pPr>
-      <a:lvl8pPr marL="3200400" algn="l" defTabSz="914400" rtl="0" eaLnBrk="1" latinLnBrk="0" hangingPunct="1">
-        <a:defRPr sz="1800" kern="1200">
-          <a:solidFill>
-            <a:schemeClr val="tx1"/>
-          </a:solidFill>
-          <a:latin typeface="+mn-lt"/>
-          <a:ea typeface="+mn-ea"/>
-          <a:cs typeface="+mn-cs"/>
-        </a:defRPr>
-      </a:lvl8pPr>
-      <a:lvl9pPr marL="3657600" algn="l" defTabSz="914400" rtl="0" eaLnBrk="1" latinLnBrk="0" hangingPunct="1">
-        <a:defRPr sz="1800" kern="1200">
-          <a:solidFill>
-            <a:schemeClr val="tx1"/>
-          </a:solidFill>
-          <a:latin typeface="+mn-lt"/>
-          <a:ea typeface="+mn-ea"/>
-          <a:cs typeface="+mn-cs"/>
-        </a:defRPr>
-      </a:lvl9pPr>
-    </p:otherStyle>
-  </p:txStyles>
-</p:sldMaster>
+  <p:clrMapOvr>
+    <a:masterClrMapping/>
+  </p:clrMapOvr>
+</p:sldLayout>
 </file>
 
-<file path=ppt/slideMasters/slideMaster2.xml><?xml version="1.0" encoding="utf-8"?>
+<file path=ppt/slideMasters/slideMaster1.xml><?xml version="1.0" encoding="utf-8"?>
 <p:sldMaster xmlns:a="http://schemas.openxmlformats.org/drawingml/2006/main" xmlns:r="http://schemas.openxmlformats.org/officeDocument/2006/relationships" xmlns:p="http://schemas.openxmlformats.org/presentationml/2006/main">
   <p:cSld>
     <p:bg>
-      <p:bgRef idx="1001">
-        <a:schemeClr val="bg1"/>
-      </p:bgRef>
+      <p:bgPr>
+        <a:solidFill>
+          <a:schemeClr val="accent1"/>
+        </a:solidFill>
+        <a:effectLst/>
+      </p:bgPr>
     </p:bg>
     <p:spTree>
       <p:nvGrpSpPr>
@@ -3532,126 +1774,58 @@
       </p:grpSpPr>
       <p:sp>
         <p:nvSpPr>
-          <p:cNvPr id="2" name="标题占位符 1"/>
+          <p:cNvPr id="7" name="Rectangle 6"/>
+          <p:cNvSpPr>
+            <a:spLocks noChangeAspect="1"/>
+          </p:cNvSpPr>
+          <p:nvPr/>
+        </p:nvSpPr>
+        <p:spPr>
+          <a:xfrm>
+            <a:off x="231140" y="243840"/>
+            <a:ext cx="11724640" cy="6377939"/>
+          </a:xfrm>
+          <a:prstGeom prst="rect">
+            <a:avLst/>
+          </a:prstGeom>
+          <a:solidFill>
+            <a:schemeClr val="bg1"/>
+          </a:solidFill>
+          <a:ln w="12700">
+            <a:noFill/>
+          </a:ln>
+        </p:spPr>
+        <p:style>
+          <a:lnRef idx="2">
+            <a:schemeClr val="accent1">
+              <a:shade val="50000"/>
+            </a:schemeClr>
+          </a:lnRef>
+          <a:fillRef idx="1">
+            <a:schemeClr val="accent1"/>
+          </a:fillRef>
+          <a:effectRef idx="0">
+            <a:schemeClr val="accent1"/>
+          </a:effectRef>
+          <a:fontRef idx="minor">
+            <a:schemeClr val="lt1"/>
+          </a:fontRef>
+        </p:style>
+      </p:sp>
+      <p:sp>
+        <p:nvSpPr>
+          <p:cNvPr id="2" name="Title Placeholder 1"/>
           <p:cNvSpPr>
             <a:spLocks noGrp="1"/>
           </p:cNvSpPr>
           <p:nvPr>
             <p:ph type="title"/>
-            <p:custDataLst>
-              <p:tags r:id="rId13"/>
-            </p:custDataLst>
           </p:nvPr>
         </p:nvSpPr>
         <p:spPr>
           <a:xfrm>
-            <a:off x="608400" y="608400"/>
-            <a:ext cx="10969200" cy="705600"/>
-          </a:xfrm>
-          <a:prstGeom prst="rect">
-            <a:avLst/>
-          </a:prstGeom>
-        </p:spPr>
-        <p:txBody>
-          <a:bodyPr vert="horz" lIns="90170" tIns="46990" rIns="90170" bIns="46990" rtlCol="0" anchor="ctr" anchorCtr="0">
-            <a:normAutofit/>
-          </a:bodyPr>
-          <a:lstStyle/>
-          <a:p>
-            <a:r>
-              <a:rPr lang="zh-CN" altLang="en-US" dirty="0"/>
-              <a:t>单击此处编辑母版标题样式</a:t>
-            </a:r>
-            <a:endParaRPr lang="zh-CN" altLang="en-US" dirty="0"/>
-          </a:p>
-        </p:txBody>
-      </p:sp>
-      <p:sp>
-        <p:nvSpPr>
-          <p:cNvPr id="3" name="文本占位符 2"/>
-          <p:cNvSpPr>
-            <a:spLocks noGrp="1"/>
-          </p:cNvSpPr>
-          <p:nvPr>
-            <p:ph type="body" idx="1"/>
-            <p:custDataLst>
-              <p:tags r:id="rId14"/>
-            </p:custDataLst>
-          </p:nvPr>
-        </p:nvSpPr>
-        <p:spPr>
-          <a:xfrm>
-            <a:off x="608400" y="1490400"/>
-            <a:ext cx="10969200" cy="4759200"/>
-          </a:xfrm>
-          <a:prstGeom prst="rect">
-            <a:avLst/>
-          </a:prstGeom>
-        </p:spPr>
-        <p:txBody>
-          <a:bodyPr vert="horz" lIns="90000" tIns="46800" rIns="90000" bIns="46800" rtlCol="0">
-            <a:normAutofit/>
-          </a:bodyPr>
-          <a:lstStyle/>
-          <a:p>
-            <a:pPr lvl="0"/>
-            <a:r>
-              <a:rPr lang="zh-CN" altLang="en-US" dirty="0"/>
-              <a:t>单击此处编辑母版文本样式</a:t>
-            </a:r>
-            <a:endParaRPr lang="zh-CN" altLang="en-US" dirty="0"/>
-          </a:p>
-          <a:p>
-            <a:pPr lvl="1"/>
-            <a:r>
-              <a:rPr lang="zh-CN" altLang="en-US" dirty="0"/>
-              <a:t>第二级</a:t>
-            </a:r>
-            <a:endParaRPr lang="zh-CN" altLang="en-US" dirty="0"/>
-          </a:p>
-          <a:p>
-            <a:pPr lvl="2"/>
-            <a:r>
-              <a:rPr lang="zh-CN" altLang="en-US" dirty="0"/>
-              <a:t>第三级</a:t>
-            </a:r>
-            <a:endParaRPr lang="zh-CN" altLang="en-US" dirty="0"/>
-          </a:p>
-          <a:p>
-            <a:pPr lvl="3"/>
-            <a:r>
-              <a:rPr lang="zh-CN" altLang="en-US" dirty="0"/>
-              <a:t>第四级</a:t>
-            </a:r>
-            <a:endParaRPr lang="zh-CN" altLang="en-US" dirty="0"/>
-          </a:p>
-          <a:p>
-            <a:pPr lvl="4"/>
-            <a:r>
-              <a:rPr lang="zh-CN" altLang="en-US" dirty="0"/>
-              <a:t>第五级</a:t>
-            </a:r>
-            <a:endParaRPr lang="zh-CN" altLang="en-US" dirty="0"/>
-          </a:p>
-        </p:txBody>
-      </p:sp>
-      <p:sp>
-        <p:nvSpPr>
-          <p:cNvPr id="4" name="日期占位符 3"/>
-          <p:cNvSpPr>
-            <a:spLocks noGrp="1"/>
-          </p:cNvSpPr>
-          <p:nvPr>
-            <p:ph type="dt" sz="half" idx="2"/>
-            <p:custDataLst>
-              <p:tags r:id="rId15"/>
-            </p:custDataLst>
-          </p:nvPr>
-        </p:nvSpPr>
-        <p:spPr>
-          <a:xfrm>
-            <a:off x="612000" y="6314400"/>
-            <a:ext cx="2700000" cy="316800"/>
+            <a:off x="1143000" y="609600"/>
+            <a:ext cx="9875520" cy="1356360"/>
           </a:xfrm>
           <a:prstGeom prst="rect">
             <a:avLst/>
@@ -3661,150 +1835,220 @@
           <a:bodyPr vert="horz" lIns="91440" tIns="45720" rIns="91440" bIns="45720" rtlCol="0" anchor="ctr">
             <a:normAutofit/>
           </a:bodyPr>
-          <a:lstStyle>
-            <a:lvl1pPr algn="l">
-              <a:defRPr sz="1000" baseline="0">
-                <a:solidFill>
-                  <a:schemeClr val="tx1">
-                    <a:tint val="75000"/>
-                  </a:schemeClr>
-                </a:solidFill>
-              </a:defRPr>
-            </a:lvl1pPr>
-          </a:lstStyle>
-          <a:p>
-            <a:fld id="{760FBDFE-C587-4B4C-A407-44438C67B59E}" type="datetimeFigureOut">
-              <a:rPr lang="zh-CN" altLang="en-US" smtClean="0"/>
-            </a:fld>
-            <a:endParaRPr lang="zh-CN" altLang="en-US"/>
+          <a:lstStyle/>
+          <a:p>
+            <a:r>
+              <a:rPr lang="zh-CN" altLang="en-US"/>
+              <a:t>单击此处编辑母版标题样式</a:t>
+            </a:r>
+            <a:endParaRPr lang="en-US" dirty="0"/>
           </a:p>
         </p:txBody>
       </p:sp>
       <p:sp>
         <p:nvSpPr>
-          <p:cNvPr id="5" name="页脚占位符 4"/>
+          <p:cNvPr id="3" name="Text Placeholder 2"/>
           <p:cNvSpPr>
             <a:spLocks noGrp="1"/>
           </p:cNvSpPr>
           <p:nvPr>
-            <p:ph type="ftr" sz="quarter" idx="3"/>
-            <p:custDataLst>
-              <p:tags r:id="rId16"/>
-            </p:custDataLst>
+            <p:ph type="body" idx="1"/>
           </p:nvPr>
         </p:nvSpPr>
         <p:spPr>
           <a:xfrm>
-            <a:off x="4116000" y="6314400"/>
-            <a:ext cx="3960000" cy="316800"/>
+            <a:off x="1143000" y="2057400"/>
+            <a:ext cx="9872871" cy="4038600"/>
           </a:xfrm>
           <a:prstGeom prst="rect">
             <a:avLst/>
           </a:prstGeom>
         </p:spPr>
         <p:txBody>
-          <a:bodyPr vert="horz" lIns="91440" tIns="45720" rIns="91440" bIns="45720" rtlCol="0" anchor="ctr">
+          <a:bodyPr vert="horz" lIns="91440" tIns="45720" rIns="91440" bIns="45720" rtlCol="0">
             <a:normAutofit/>
           </a:bodyPr>
-          <a:lstStyle>
-            <a:lvl1pPr algn="ctr">
-              <a:defRPr sz="1000" baseline="0">
-                <a:solidFill>
-                  <a:schemeClr val="tx1">
-                    <a:tint val="75000"/>
-                  </a:schemeClr>
-                </a:solidFill>
-              </a:defRPr>
-            </a:lvl1pPr>
-          </a:lstStyle>
-          <a:p>
-            <a:endParaRPr lang="zh-CN" altLang="en-US" dirty="0"/>
+          <a:lstStyle/>
+          <a:p>
+            <a:pPr lvl="0"/>
+            <a:r>
+              <a:rPr lang="zh-CN" altLang="en-US"/>
+              <a:t>编辑母版文本样式</a:t>
+            </a:r>
+          </a:p>
+          <a:p>
+            <a:pPr lvl="1"/>
+            <a:r>
+              <a:rPr lang="zh-CN" altLang="en-US"/>
+              <a:t>第二级</a:t>
+            </a:r>
+          </a:p>
+          <a:p>
+            <a:pPr lvl="2"/>
+            <a:r>
+              <a:rPr lang="zh-CN" altLang="en-US"/>
+              <a:t>第三级</a:t>
+            </a:r>
+          </a:p>
+          <a:p>
+            <a:pPr lvl="3"/>
+            <a:r>
+              <a:rPr lang="zh-CN" altLang="en-US"/>
+              <a:t>第四级</a:t>
+            </a:r>
+          </a:p>
+          <a:p>
+            <a:pPr lvl="4"/>
+            <a:r>
+              <a:rPr lang="zh-CN" altLang="en-US"/>
+              <a:t>第五级</a:t>
+            </a:r>
+            <a:endParaRPr lang="en-US" dirty="0"/>
           </a:p>
         </p:txBody>
       </p:sp>
       <p:sp>
         <p:nvSpPr>
-          <p:cNvPr id="6" name="灯片编号占位符 5"/>
+          <p:cNvPr id="4" name="Date Placeholder 3"/>
           <p:cNvSpPr>
             <a:spLocks noGrp="1"/>
           </p:cNvSpPr>
           <p:nvPr>
-            <p:ph type="sldNum" sz="quarter" idx="4"/>
-            <p:custDataLst>
-              <p:tags r:id="rId17"/>
-            </p:custDataLst>
+            <p:ph type="dt" sz="half" idx="2"/>
           </p:nvPr>
         </p:nvSpPr>
         <p:spPr>
           <a:xfrm>
-            <a:off x="8877600" y="6314400"/>
-            <a:ext cx="2700000" cy="316800"/>
+            <a:off x="1142996" y="6223828"/>
+            <a:ext cx="2329074" cy="365125"/>
           </a:xfrm>
           <a:prstGeom prst="rect">
             <a:avLst/>
           </a:prstGeom>
         </p:spPr>
         <p:txBody>
-          <a:bodyPr vert="horz" lIns="91440" tIns="45720" rIns="91440" bIns="45720" rtlCol="0" anchor="ctr">
-            <a:normAutofit/>
-          </a:bodyPr>
+          <a:bodyPr vert="horz" lIns="91440" tIns="45720" rIns="91440" bIns="45720" rtlCol="0" anchor="ctr"/>
           <a:lstStyle>
-            <a:lvl1pPr algn="r">
-              <a:defRPr sz="1000" baseline="0">
-                <a:solidFill>
-                  <a:schemeClr val="tx1">
-                    <a:tint val="75000"/>
-                  </a:schemeClr>
+            <a:lvl1pPr algn="l">
+              <a:defRPr sz="1200">
+                <a:solidFill>
+                  <a:schemeClr val="accent1"/>
                 </a:solidFill>
               </a:defRPr>
             </a:lvl1pPr>
           </a:lstStyle>
           <a:p>
-            <a:fld id="{49AE70B2-8BF9-45C0-BB95-33D1B9D3A854}" type="slidenum">
-              <a:rPr lang="zh-CN" altLang="en-US" smtClean="0"/>
+            <a:fld id="{96DFF08F-DC6B-4601-B491-B0F83F6DD2DA}" type="datetimeFigureOut">
+              <a:rPr lang="en-US" dirty="0"/>
+              <a:pPr/>
+              <a:t>3/11/2024</a:t>
             </a:fld>
-            <a:endParaRPr lang="zh-CN" altLang="en-US" dirty="0"/>
+            <a:endParaRPr lang="en-US" dirty="0"/>
+          </a:p>
+        </p:txBody>
+      </p:sp>
+      <p:sp>
+        <p:nvSpPr>
+          <p:cNvPr id="5" name="Footer Placeholder 4"/>
+          <p:cNvSpPr>
+            <a:spLocks noGrp="1"/>
+          </p:cNvSpPr>
+          <p:nvPr>
+            <p:ph type="ftr" sz="quarter" idx="3"/>
+          </p:nvPr>
+        </p:nvSpPr>
+        <p:spPr>
+          <a:xfrm>
+            <a:off x="3949148" y="6223828"/>
+            <a:ext cx="4717774" cy="365125"/>
+          </a:xfrm>
+          <a:prstGeom prst="rect">
+            <a:avLst/>
+          </a:prstGeom>
+        </p:spPr>
+        <p:txBody>
+          <a:bodyPr vert="horz" lIns="91440" tIns="45720" rIns="91440" bIns="45720" rtlCol="0" anchor="ctr"/>
+          <a:lstStyle>
+            <a:lvl1pPr algn="ctr">
+              <a:defRPr sz="1200">
+                <a:solidFill>
+                  <a:schemeClr val="accent1"/>
+                </a:solidFill>
+              </a:defRPr>
+            </a:lvl1pPr>
+          </a:lstStyle>
+          <a:p>
+            <a:endParaRPr lang="en-US" dirty="0"/>
+          </a:p>
+        </p:txBody>
+      </p:sp>
+      <p:sp>
+        <p:nvSpPr>
+          <p:cNvPr id="6" name="Slide Number Placeholder 5"/>
+          <p:cNvSpPr>
+            <a:spLocks noGrp="1"/>
+          </p:cNvSpPr>
+          <p:nvPr>
+            <p:ph type="sldNum" sz="quarter" idx="4"/>
+          </p:nvPr>
+        </p:nvSpPr>
+        <p:spPr>
+          <a:xfrm>
+            <a:off x="9329530" y="6223828"/>
+            <a:ext cx="1706217" cy="365125"/>
+          </a:xfrm>
+          <a:prstGeom prst="rect">
+            <a:avLst/>
+          </a:prstGeom>
+        </p:spPr>
+        <p:txBody>
+          <a:bodyPr vert="horz" lIns="91440" tIns="45720" rIns="91440" bIns="45720" rtlCol="0" anchor="ctr"/>
+          <a:lstStyle>
+            <a:lvl1pPr algn="r">
+              <a:defRPr sz="1200">
+                <a:solidFill>
+                  <a:schemeClr val="accent1"/>
+                </a:solidFill>
+              </a:defRPr>
+            </a:lvl1pPr>
+          </a:lstStyle>
+          <a:p>
+            <a:fld id="{4FAB73BC-B049-4115-A692-8D63A059BFB8}" type="slidenum">
+              <a:rPr lang="en-US" dirty="0"/>
+              <a:pPr/>
+              <a:t>‹#›</a:t>
+            </a:fld>
+            <a:endParaRPr lang="en-US" dirty="0"/>
           </a:p>
         </p:txBody>
       </p:sp>
     </p:spTree>
-    <p:custDataLst>
-      <p:tags r:id="rId18"/>
-    </p:custDataLst>
+    <p:extLst>
+      <p:ext uri="{BB962C8B-B14F-4D97-AF65-F5344CB8AC3E}">
+        <p14:creationId xmlns:p14="http://schemas.microsoft.com/office/powerpoint/2010/main" val="1216218733"/>
+      </p:ext>
+    </p:extLst>
   </p:cSld>
   <p:clrMap bg1="lt1" tx1="dk1" bg2="lt2" tx2="dk2" accent1="accent1" accent2="accent2" accent3="accent3" accent4="accent4" accent5="accent5" accent6="accent6" hlink="hlink" folHlink="folHlink"/>
   <p:sldLayoutIdLst>
-    <p:sldLayoutId id="2147483653" r:id="rId1"/>
-    <p:sldLayoutId id="2147483654" r:id="rId2"/>
-    <p:sldLayoutId id="2147483655" r:id="rId3"/>
-    <p:sldLayoutId id="2147483656" r:id="rId4"/>
-    <p:sldLayoutId id="2147483657" r:id="rId5"/>
-    <p:sldLayoutId id="2147483658" r:id="rId6"/>
-    <p:sldLayoutId id="2147483659" r:id="rId7"/>
-    <p:sldLayoutId id="2147483660" r:id="rId8"/>
-    <p:sldLayoutId id="2147483661" r:id="rId9"/>
-    <p:sldLayoutId id="2147483662" r:id="rId10"/>
-    <p:sldLayoutId id="2147483663" r:id="rId11"/>
-    <p:sldLayoutId id="2147483664" r:id="rId12"/>
+    <p:sldLayoutId id="2147483684" r:id="rId1"/>
+    <p:sldLayoutId id="2147483690" r:id="rId2"/>
+    <p:sldLayoutId id="2147483695" r:id="rId3"/>
   </p:sldLayoutIdLst>
   <p:txStyles>
     <p:titleStyle>
-      <a:lvl1pPr algn="l" defTabSz="914400" rtl="0" eaLnBrk="1" fontAlgn="auto" latinLnBrk="0" hangingPunct="1">
+      <a:lvl1pPr algn="l" defTabSz="914400" rtl="0" eaLnBrk="1" latinLnBrk="0" hangingPunct="1">
         <a:lnSpc>
-          <a:spcPct val="100000"/>
+          <a:spcPct val="90000"/>
         </a:lnSpc>
         <a:spcBef>
           <a:spcPct val="0"/>
         </a:spcBef>
         <a:buNone/>
-        <a:defRPr sz="3600" b="1" u="none" strike="noStrike" kern="1200" cap="none" spc="300" normalizeH="0" baseline="0">
+        <a:defRPr sz="4400" kern="1200">
           <a:solidFill>
-            <a:schemeClr val="tx1">
-              <a:lumMod val="85000"/>
-              <a:lumOff val="15000"/>
-            </a:schemeClr>
+            <a:schemeClr val="accent1"/>
           </a:solidFill>
-          <a:uFillTx/>
           <a:latin typeface="+mj-lt"/>
           <a:ea typeface="+mj-ea"/>
           <a:cs typeface="+mj-cs"/>
@@ -3812,203 +2056,222 @@
       </a:lvl1pPr>
     </p:titleStyle>
     <p:bodyStyle>
-      <a:lvl1pPr marL="228600" indent="-228600" algn="l" defTabSz="914400" rtl="0" eaLnBrk="1" fontAlgn="auto" latinLnBrk="0" hangingPunct="1">
+      <a:lvl1pPr marL="228600" indent="-182880" algn="l" defTabSz="914400" rtl="0" eaLnBrk="1" latinLnBrk="0" hangingPunct="1">
         <a:lnSpc>
-          <a:spcPct val="130000"/>
+          <a:spcPct val="90000"/>
         </a:lnSpc>
         <a:spcBef>
-          <a:spcPts val="0"/>
+          <a:spcPts val="1400"/>
         </a:spcBef>
-        <a:spcAft>
-          <a:spcPts val="1000"/>
-        </a:spcAft>
-        <a:buFont typeface="Arial" panose="020B0604020202020204" pitchFamily="34" charset="0"/>
-        <a:buChar char="●"/>
-        <a:defRPr sz="1800" u="none" strike="noStrike" kern="1200" cap="none" spc="150" normalizeH="0" baseline="0">
+        <a:buClr>
+          <a:schemeClr val="accent1"/>
+        </a:buClr>
+        <a:buSzPct val="80000"/>
+        <a:buFont typeface="Corbel" pitchFamily="34" charset="0"/>
+        <a:buChar char="•"/>
+        <a:defRPr sz="2200" kern="1200">
           <a:solidFill>
-            <a:schemeClr val="tx1">
-              <a:lumMod val="65000"/>
-              <a:lumOff val="35000"/>
-            </a:schemeClr>
+            <a:schemeClr val="accent1"/>
           </a:solidFill>
-          <a:uFillTx/>
           <a:latin typeface="+mn-lt"/>
           <a:ea typeface="+mn-ea"/>
           <a:cs typeface="+mn-cs"/>
         </a:defRPr>
       </a:lvl1pPr>
-      <a:lvl2pPr marL="685800" indent="-228600" algn="l" defTabSz="914400" rtl="0" eaLnBrk="1" fontAlgn="auto" latinLnBrk="0" hangingPunct="1">
+      <a:lvl2pPr marL="457200" indent="-182880" algn="l" defTabSz="914400" rtl="0" eaLnBrk="1" latinLnBrk="0" hangingPunct="1">
         <a:lnSpc>
-          <a:spcPct val="120000"/>
+          <a:spcPct val="90000"/>
         </a:lnSpc>
         <a:spcBef>
-          <a:spcPts val="0"/>
+          <a:spcPts val="200"/>
         </a:spcBef>
         <a:spcAft>
-          <a:spcPts val="600"/>
+          <a:spcPts val="400"/>
         </a:spcAft>
-        <a:buFont typeface="Arial" panose="020B0604020202020204" pitchFamily="34" charset="0"/>
-        <a:buChar char="●"/>
-        <a:tabLst>
-          <a:tab pos="1609725" algn="l"/>
-          <a:tab pos="1609725" algn="l"/>
-          <a:tab pos="1609725" algn="l"/>
-          <a:tab pos="1609725" algn="l"/>
-        </a:tabLst>
-        <a:defRPr sz="1600" u="none" strike="noStrike" kern="1200" cap="none" spc="150" normalizeH="0" baseline="0">
+        <a:buClr>
+          <a:schemeClr val="accent1"/>
+        </a:buClr>
+        <a:buSzPct val="80000"/>
+        <a:buFont typeface="Corbel" pitchFamily="34" charset="0"/>
+        <a:buChar char="•"/>
+        <a:defRPr sz="2000" kern="1200">
           <a:solidFill>
-            <a:schemeClr val="tx1">
-              <a:lumMod val="65000"/>
-              <a:lumOff val="35000"/>
-            </a:schemeClr>
+            <a:schemeClr val="accent1"/>
           </a:solidFill>
-          <a:uFillTx/>
           <a:latin typeface="+mn-lt"/>
           <a:ea typeface="+mn-ea"/>
           <a:cs typeface="+mn-cs"/>
         </a:defRPr>
       </a:lvl2pPr>
-      <a:lvl3pPr marL="1143000" indent="-228600" algn="l" defTabSz="914400" rtl="0" eaLnBrk="1" fontAlgn="auto" latinLnBrk="0" hangingPunct="1">
+      <a:lvl3pPr marL="731520" indent="-182880" algn="l" defTabSz="914400" rtl="0" eaLnBrk="1" latinLnBrk="0" hangingPunct="1">
         <a:lnSpc>
-          <a:spcPct val="120000"/>
+          <a:spcPct val="90000"/>
         </a:lnSpc>
         <a:spcBef>
-          <a:spcPts val="0"/>
+          <a:spcPts val="200"/>
         </a:spcBef>
         <a:spcAft>
-          <a:spcPts val="600"/>
+          <a:spcPts val="400"/>
         </a:spcAft>
-        <a:buFont typeface="Arial" panose="020B0604020202020204" pitchFamily="34" charset="0"/>
-        <a:buChar char="●"/>
-        <a:defRPr sz="1600" u="none" strike="noStrike" kern="1200" cap="none" spc="150" normalizeH="0" baseline="0">
+        <a:buClr>
+          <a:schemeClr val="accent1"/>
+        </a:buClr>
+        <a:buSzPct val="80000"/>
+        <a:buFont typeface="Corbel" pitchFamily="34" charset="0"/>
+        <a:buChar char="•"/>
+        <a:defRPr sz="1800" kern="1200">
           <a:solidFill>
-            <a:schemeClr val="tx1">
-              <a:lumMod val="65000"/>
-              <a:lumOff val="35000"/>
-            </a:schemeClr>
+            <a:schemeClr val="accent1"/>
           </a:solidFill>
-          <a:uFillTx/>
           <a:latin typeface="+mn-lt"/>
           <a:ea typeface="+mn-ea"/>
           <a:cs typeface="+mn-cs"/>
         </a:defRPr>
       </a:lvl3pPr>
-      <a:lvl4pPr marL="1600200" indent="-228600" algn="l" defTabSz="914400" rtl="0" eaLnBrk="1" fontAlgn="auto" latinLnBrk="0" hangingPunct="1">
+      <a:lvl4pPr marL="1005840" indent="-182880" algn="l" defTabSz="914400" rtl="0" eaLnBrk="1" latinLnBrk="0" hangingPunct="1">
         <a:lnSpc>
-          <a:spcPct val="120000"/>
+          <a:spcPct val="90000"/>
         </a:lnSpc>
         <a:spcBef>
-          <a:spcPts val="0"/>
+          <a:spcPts val="200"/>
         </a:spcBef>
         <a:spcAft>
-          <a:spcPts val="300"/>
+          <a:spcPts val="400"/>
         </a:spcAft>
-        <a:buFont typeface="Wingdings" panose="05000000000000000000" charset="0"/>
-        <a:buChar char=""/>
-        <a:defRPr sz="1400" u="none" strike="noStrike" kern="1200" cap="none" spc="150" normalizeH="0" baseline="0">
+        <a:buClr>
+          <a:schemeClr val="accent1"/>
+        </a:buClr>
+        <a:buSzPct val="80000"/>
+        <a:buFont typeface="Corbel" pitchFamily="34" charset="0"/>
+        <a:buChar char="•"/>
+        <a:defRPr sz="1600" kern="1200">
           <a:solidFill>
-            <a:schemeClr val="tx1">
-              <a:lumMod val="65000"/>
-              <a:lumOff val="35000"/>
-            </a:schemeClr>
+            <a:schemeClr val="accent1"/>
           </a:solidFill>
-          <a:uFillTx/>
           <a:latin typeface="+mn-lt"/>
           <a:ea typeface="+mn-ea"/>
           <a:cs typeface="+mn-cs"/>
         </a:defRPr>
       </a:lvl4pPr>
-      <a:lvl5pPr marL="2057400" indent="-228600" algn="l" defTabSz="914400" rtl="0" eaLnBrk="1" fontAlgn="auto" latinLnBrk="0" hangingPunct="1">
+      <a:lvl5pPr marL="1280160" indent="-182880" algn="l" defTabSz="914400" rtl="0" eaLnBrk="1" latinLnBrk="0" hangingPunct="1">
         <a:lnSpc>
-          <a:spcPct val="120000"/>
+          <a:spcPct val="90000"/>
         </a:lnSpc>
         <a:spcBef>
-          <a:spcPts val="0"/>
+          <a:spcPts val="200"/>
         </a:spcBef>
         <a:spcAft>
-          <a:spcPts val="300"/>
+          <a:spcPts val="400"/>
         </a:spcAft>
-        <a:buFont typeface="Arial" panose="020B0604020202020204" pitchFamily="34" charset="0"/>
+        <a:buClr>
+          <a:schemeClr val="accent1"/>
+        </a:buClr>
+        <a:buSzPct val="80000"/>
+        <a:buFont typeface="Corbel" pitchFamily="34" charset="0"/>
         <a:buChar char="•"/>
-        <a:defRPr sz="1400" u="none" strike="noStrike" kern="1200" cap="none" spc="150" normalizeH="0" baseline="0">
+        <a:defRPr sz="1600" kern="1200">
           <a:solidFill>
-            <a:schemeClr val="tx1">
-              <a:lumMod val="65000"/>
-              <a:lumOff val="35000"/>
-            </a:schemeClr>
+            <a:schemeClr val="accent1"/>
           </a:solidFill>
-          <a:uFillTx/>
           <a:latin typeface="+mn-lt"/>
           <a:ea typeface="+mn-ea"/>
           <a:cs typeface="+mn-cs"/>
         </a:defRPr>
       </a:lvl5pPr>
-      <a:lvl6pPr marL="2514600" indent="-228600" algn="l" defTabSz="914400" rtl="0" eaLnBrk="1" latinLnBrk="0" hangingPunct="1">
+      <a:lvl6pPr marL="1600000" indent="-228600" algn="l" defTabSz="914400" rtl="0" eaLnBrk="1" latinLnBrk="0" hangingPunct="1">
         <a:lnSpc>
           <a:spcPct val="90000"/>
         </a:lnSpc>
         <a:spcBef>
-          <a:spcPts val="500"/>
+          <a:spcPts val="200"/>
         </a:spcBef>
-        <a:buFont typeface="Arial" panose="020B0604020202020204" pitchFamily="34" charset="0"/>
+        <a:spcAft>
+          <a:spcPts val="400"/>
+        </a:spcAft>
+        <a:buClr>
+          <a:schemeClr val="accent1"/>
+        </a:buClr>
+        <a:buSzPct val="80000"/>
+        <a:buFont typeface="Corbel" pitchFamily="34" charset="0"/>
         <a:buChar char="•"/>
-        <a:defRPr sz="1800" kern="1200">
+        <a:defRPr sz="1600" kern="1200">
           <a:solidFill>
-            <a:schemeClr val="tx1"/>
+            <a:schemeClr val="accent1"/>
           </a:solidFill>
           <a:latin typeface="+mn-lt"/>
           <a:ea typeface="+mn-ea"/>
           <a:cs typeface="+mn-cs"/>
         </a:defRPr>
       </a:lvl6pPr>
-      <a:lvl7pPr marL="2971800" indent="-228600" algn="l" defTabSz="914400" rtl="0" eaLnBrk="1" latinLnBrk="0" hangingPunct="1">
+      <a:lvl7pPr marL="1900000" indent="-228600" algn="l" defTabSz="914400" rtl="0" eaLnBrk="1" latinLnBrk="0" hangingPunct="1">
         <a:lnSpc>
           <a:spcPct val="90000"/>
         </a:lnSpc>
         <a:spcBef>
-          <a:spcPts val="500"/>
+          <a:spcPts val="200"/>
         </a:spcBef>
-        <a:buFont typeface="Arial" panose="020B0604020202020204" pitchFamily="34" charset="0"/>
+        <a:spcAft>
+          <a:spcPts val="400"/>
+        </a:spcAft>
+        <a:buClr>
+          <a:schemeClr val="accent1"/>
+        </a:buClr>
+        <a:buSzPct val="80000"/>
+        <a:buFont typeface="Corbel" pitchFamily="34" charset="0"/>
         <a:buChar char="•"/>
-        <a:defRPr sz="1800" kern="1200">
+        <a:defRPr sz="1600" kern="1200">
           <a:solidFill>
-            <a:schemeClr val="tx1"/>
+            <a:schemeClr val="accent1"/>
           </a:solidFill>
           <a:latin typeface="+mn-lt"/>
           <a:ea typeface="+mn-ea"/>
           <a:cs typeface="+mn-cs"/>
         </a:defRPr>
       </a:lvl7pPr>
-      <a:lvl8pPr marL="3429000" indent="-228600" algn="l" defTabSz="914400" rtl="0" eaLnBrk="1" latinLnBrk="0" hangingPunct="1">
+      <a:lvl8pPr marL="2200000" indent="-228600" algn="l" defTabSz="914400" rtl="0" eaLnBrk="1" latinLnBrk="0" hangingPunct="1">
         <a:lnSpc>
           <a:spcPct val="90000"/>
         </a:lnSpc>
         <a:spcBef>
-          <a:spcPts val="500"/>
+          <a:spcPts val="200"/>
         </a:spcBef>
-        <a:buFont typeface="Arial" panose="020B0604020202020204" pitchFamily="34" charset="0"/>
+        <a:spcAft>
+          <a:spcPts val="400"/>
+        </a:spcAft>
+        <a:buClr>
+          <a:schemeClr val="accent1"/>
+        </a:buClr>
+        <a:buSzPct val="80000"/>
+        <a:buFont typeface="Corbel" pitchFamily="34" charset="0"/>
         <a:buChar char="•"/>
-        <a:defRPr sz="1800" kern="1200">
+        <a:defRPr sz="1600" kern="1200">
           <a:solidFill>
-            <a:schemeClr val="tx1"/>
+            <a:schemeClr val="accent1"/>
           </a:solidFill>
           <a:latin typeface="+mn-lt"/>
           <a:ea typeface="+mn-ea"/>
           <a:cs typeface="+mn-cs"/>
         </a:defRPr>
       </a:lvl8pPr>
-      <a:lvl9pPr marL="3886200" indent="-228600" algn="l" defTabSz="914400" rtl="0" eaLnBrk="1" latinLnBrk="0" hangingPunct="1">
+      <a:lvl9pPr marL="2500000" indent="-228600" algn="l" defTabSz="914400" rtl="0" eaLnBrk="1" latinLnBrk="0" hangingPunct="1">
         <a:lnSpc>
           <a:spcPct val="90000"/>
         </a:lnSpc>
         <a:spcBef>
-          <a:spcPts val="500"/>
+          <a:spcPts val="200"/>
         </a:spcBef>
-        <a:buFont typeface="Arial" panose="020B0604020202020204" pitchFamily="34" charset="0"/>
+        <a:spcAft>
+          <a:spcPts val="400"/>
+        </a:spcAft>
+        <a:buClr>
+          <a:schemeClr val="accent1"/>
+        </a:buClr>
+        <a:buSzPct val="80000"/>
+        <a:buFont typeface="Corbel" pitchFamily="34" charset="0"/>
         <a:buChar char="•"/>
-        <a:defRPr sz="1800" kern="1200">
+        <a:defRPr sz="1600" kern="1200">
           <a:solidFill>
-            <a:schemeClr val="tx1"/>
+            <a:schemeClr val="accent1"/>
           </a:solidFill>
           <a:latin typeface="+mn-lt"/>
           <a:ea typeface="+mn-ea"/>
@@ -4018,7 +2281,7 @@
     </p:bodyStyle>
     <p:otherStyle>
       <a:defPPr>
-        <a:defRPr lang="zh-CN"/>
+        <a:defRPr lang="en-US"/>
       </a:defPPr>
       <a:lvl1pPr marL="0" algn="l" defTabSz="914400" rtl="0" eaLnBrk="1" latinLnBrk="0" hangingPunct="1">
         <a:defRPr sz="1800" kern="1200">
@@ -4124,7 +2387,1654 @@
         <p:cNvGrpSpPr/>
         <p:nvPr/>
       </p:nvGrpSpPr>
-      <p:grpSpPr/>
+      <p:grpSpPr>
+        <a:xfrm>
+          <a:off x="0" y="0"/>
+          <a:ext cx="0" cy="0"/>
+          <a:chOff x="0" y="0"/>
+          <a:chExt cx="0" cy="0"/>
+        </a:xfrm>
+      </p:grpSpPr>
+      <p:sp>
+        <p:nvSpPr>
+          <p:cNvPr id="4" name="标题 3">
+            <a:extLst>
+              <a:ext uri="{FF2B5EF4-FFF2-40B4-BE49-F238E27FC236}">
+                <a16:creationId xmlns:a16="http://schemas.microsoft.com/office/drawing/2014/main" id="{D4F9F44A-4FCA-4415-B6E5-C99BC21825C8}"/>
+              </a:ext>
+            </a:extLst>
+          </p:cNvPr>
+          <p:cNvSpPr>
+            <a:spLocks noGrp="1"/>
+          </p:cNvSpPr>
+          <p:nvPr>
+            <p:ph type="ctrTitle"/>
+          </p:nvPr>
+        </p:nvSpPr>
+        <p:spPr/>
+        <p:txBody>
+          <a:bodyPr/>
+          <a:lstStyle/>
+          <a:p>
+            <a:r>
+              <a:rPr lang="zh-CN" altLang="en-US" dirty="0"/>
+              <a:t>大模型简介</a:t>
+            </a:r>
+          </a:p>
+        </p:txBody>
+      </p:sp>
+      <p:sp>
+        <p:nvSpPr>
+          <p:cNvPr id="5" name="副标题 4">
+            <a:extLst>
+              <a:ext uri="{FF2B5EF4-FFF2-40B4-BE49-F238E27FC236}">
+                <a16:creationId xmlns:a16="http://schemas.microsoft.com/office/drawing/2014/main" id="{4C3F4B2A-0054-4854-8F8E-96D81D3E0639}"/>
+              </a:ext>
+            </a:extLst>
+          </p:cNvPr>
+          <p:cNvSpPr>
+            <a:spLocks noGrp="1"/>
+          </p:cNvSpPr>
+          <p:nvPr>
+            <p:ph type="subTitle" idx="1"/>
+          </p:nvPr>
+        </p:nvSpPr>
+        <p:spPr/>
+        <p:txBody>
+          <a:bodyPr/>
+          <a:lstStyle/>
+          <a:p>
+            <a:endParaRPr lang="zh-CN" altLang="en-US"/>
+          </a:p>
+        </p:txBody>
+      </p:sp>
+    </p:spTree>
+    <p:extLst>
+      <p:ext uri="{BB962C8B-B14F-4D97-AF65-F5344CB8AC3E}">
+        <p14:creationId xmlns:p14="http://schemas.microsoft.com/office/powerpoint/2010/main" val="716829899"/>
+      </p:ext>
+    </p:extLst>
+  </p:cSld>
+  <p:clrMapOvr>
+    <a:masterClrMapping/>
+  </p:clrMapOvr>
+</p:sld>
+</file>
+
+<file path=ppt/slides/slide2.xml><?xml version="1.0" encoding="utf-8"?>
+<p:sld xmlns:a="http://schemas.openxmlformats.org/drawingml/2006/main" xmlns:r="http://schemas.openxmlformats.org/officeDocument/2006/relationships" xmlns:p="http://schemas.openxmlformats.org/presentationml/2006/main">
+  <p:cSld>
+    <p:spTree>
+      <p:nvGrpSpPr>
+        <p:cNvPr id="1" name=""/>
+        <p:cNvGrpSpPr/>
+        <p:nvPr/>
+      </p:nvGrpSpPr>
+      <p:grpSpPr>
+        <a:xfrm>
+          <a:off x="0" y="0"/>
+          <a:ext cx="0" cy="0"/>
+          <a:chOff x="0" y="0"/>
+          <a:chExt cx="0" cy="0"/>
+        </a:xfrm>
+      </p:grpSpPr>
+      <p:sp>
+        <p:nvSpPr>
+          <p:cNvPr id="3" name="矩形 2">
+            <a:extLst>
+              <a:ext uri="{FF2B5EF4-FFF2-40B4-BE49-F238E27FC236}">
+                <a16:creationId xmlns:a16="http://schemas.microsoft.com/office/drawing/2014/main" id="{AE256FF5-7CA0-4BEC-BBEC-3FE70B09870E}"/>
+              </a:ext>
+            </a:extLst>
+          </p:cNvPr>
+          <p:cNvSpPr/>
+          <p:nvPr/>
+        </p:nvSpPr>
+        <p:spPr>
+          <a:xfrm>
+            <a:off x="1039906" y="1308847"/>
+            <a:ext cx="4356848" cy="2967318"/>
+          </a:xfrm>
+          <a:prstGeom prst="rect">
+            <a:avLst/>
+          </a:prstGeom>
+        </p:spPr>
+        <p:style>
+          <a:lnRef idx="2">
+            <a:schemeClr val="accent6"/>
+          </a:lnRef>
+          <a:fillRef idx="1">
+            <a:schemeClr val="lt1"/>
+          </a:fillRef>
+          <a:effectRef idx="0">
+            <a:schemeClr val="accent6"/>
+          </a:effectRef>
+          <a:fontRef idx="minor">
+            <a:schemeClr val="dk1"/>
+          </a:fontRef>
+        </p:style>
+        <p:txBody>
+          <a:bodyPr rtlCol="0" anchor="ctr"/>
+          <a:lstStyle/>
+          <a:p>
+            <a:pPr algn="ctr"/>
+            <a:endParaRPr lang="zh-CN" altLang="en-US"/>
+          </a:p>
+        </p:txBody>
+      </p:sp>
+      <p:sp>
+        <p:nvSpPr>
+          <p:cNvPr id="2" name="矩形 1">
+            <a:extLst>
+              <a:ext uri="{FF2B5EF4-FFF2-40B4-BE49-F238E27FC236}">
+                <a16:creationId xmlns:a16="http://schemas.microsoft.com/office/drawing/2014/main" id="{6F97B079-F297-4FAD-941E-376037231FB2}"/>
+              </a:ext>
+            </a:extLst>
+          </p:cNvPr>
+          <p:cNvSpPr/>
+          <p:nvPr/>
+        </p:nvSpPr>
+        <p:spPr>
+          <a:xfrm>
+            <a:off x="2087251" y="2150640"/>
+            <a:ext cx="2262158" cy="369332"/>
+          </a:xfrm>
+          <a:prstGeom prst="rect">
+            <a:avLst/>
+          </a:prstGeom>
+        </p:spPr>
+        <p:txBody>
+          <a:bodyPr wrap="none">
+            <a:spAutoFit/>
+          </a:bodyPr>
+          <a:lstStyle/>
+          <a:p>
+            <a:r>
+              <a:rPr lang="zh-CN" altLang="en-US" dirty="0"/>
+              <a:t>一、大模型是什么？</a:t>
+            </a:r>
+          </a:p>
+        </p:txBody>
+      </p:sp>
+      <p:sp>
+        <p:nvSpPr>
+          <p:cNvPr id="4" name="矩形 3">
+            <a:extLst>
+              <a:ext uri="{FF2B5EF4-FFF2-40B4-BE49-F238E27FC236}">
+                <a16:creationId xmlns:a16="http://schemas.microsoft.com/office/drawing/2014/main" id="{57756592-E70E-4B13-81AF-9ADA5F711CDA}"/>
+              </a:ext>
+            </a:extLst>
+          </p:cNvPr>
+          <p:cNvSpPr/>
+          <p:nvPr/>
+        </p:nvSpPr>
+        <p:spPr>
+          <a:xfrm>
+            <a:off x="2087251" y="2561682"/>
+            <a:ext cx="2262158" cy="369332"/>
+          </a:xfrm>
+          <a:prstGeom prst="rect">
+            <a:avLst/>
+          </a:prstGeom>
+        </p:spPr>
+        <p:txBody>
+          <a:bodyPr wrap="none">
+            <a:spAutoFit/>
+          </a:bodyPr>
+          <a:lstStyle/>
+          <a:p>
+            <a:r>
+              <a:rPr lang="zh-CN" altLang="en-US" dirty="0"/>
+              <a:t>二、大模型有哪些？</a:t>
+            </a:r>
+          </a:p>
+        </p:txBody>
+      </p:sp>
+      <p:sp>
+        <p:nvSpPr>
+          <p:cNvPr id="5" name="矩形 4">
+            <a:extLst>
+              <a:ext uri="{FF2B5EF4-FFF2-40B4-BE49-F238E27FC236}">
+                <a16:creationId xmlns:a16="http://schemas.microsoft.com/office/drawing/2014/main" id="{8F1B0B9D-7E87-48D5-A489-FE0A494C583C}"/>
+              </a:ext>
+            </a:extLst>
+          </p:cNvPr>
+          <p:cNvSpPr/>
+          <p:nvPr/>
+        </p:nvSpPr>
+        <p:spPr>
+          <a:xfrm>
+            <a:off x="1971835" y="3015956"/>
+            <a:ext cx="2723823" cy="369332"/>
+          </a:xfrm>
+          <a:prstGeom prst="rect">
+            <a:avLst/>
+          </a:prstGeom>
+        </p:spPr>
+        <p:txBody>
+          <a:bodyPr wrap="none">
+            <a:spAutoFit/>
+          </a:bodyPr>
+          <a:lstStyle/>
+          <a:p>
+            <a:r>
+              <a:rPr lang="zh-CN" altLang="en-US" dirty="0"/>
+              <a:t>三、如何与大模型聊天？</a:t>
+            </a:r>
+          </a:p>
+        </p:txBody>
+      </p:sp>
+      <p:sp>
+        <p:nvSpPr>
+          <p:cNvPr id="6" name="矩形 5">
+            <a:extLst>
+              <a:ext uri="{FF2B5EF4-FFF2-40B4-BE49-F238E27FC236}">
+                <a16:creationId xmlns:a16="http://schemas.microsoft.com/office/drawing/2014/main" id="{769EE10F-7517-46FC-B066-627FB0867A26}"/>
+              </a:ext>
+            </a:extLst>
+          </p:cNvPr>
+          <p:cNvSpPr/>
+          <p:nvPr/>
+        </p:nvSpPr>
+        <p:spPr>
+          <a:xfrm>
+            <a:off x="5804155" y="2150640"/>
+            <a:ext cx="5347939" cy="369332"/>
+          </a:xfrm>
+          <a:prstGeom prst="rect">
+            <a:avLst/>
+          </a:prstGeom>
+        </p:spPr>
+        <p:txBody>
+          <a:bodyPr wrap="none">
+            <a:spAutoFit/>
+          </a:bodyPr>
+          <a:lstStyle/>
+          <a:p>
+            <a:r>
+              <a:rPr lang="en-US" altLang="zh-CN" dirty="0" err="1"/>
+              <a:t>Chatgpt</a:t>
+            </a:r>
+            <a:r>
+              <a:rPr lang="zh-CN" altLang="en-US" dirty="0"/>
+              <a:t>很厉害，是一个产品，它的背后就是大模型</a:t>
+            </a:r>
+            <a:endParaRPr lang="en-US" altLang="zh-CN" dirty="0"/>
+          </a:p>
+        </p:txBody>
+      </p:sp>
+      <p:sp>
+        <p:nvSpPr>
+          <p:cNvPr id="7" name="矩形 6">
+            <a:extLst>
+              <a:ext uri="{FF2B5EF4-FFF2-40B4-BE49-F238E27FC236}">
+                <a16:creationId xmlns:a16="http://schemas.microsoft.com/office/drawing/2014/main" id="{46E88AD5-CB71-433E-8728-0F7C285DDFA5}"/>
+              </a:ext>
+            </a:extLst>
+          </p:cNvPr>
+          <p:cNvSpPr/>
+          <p:nvPr/>
+        </p:nvSpPr>
+        <p:spPr>
+          <a:xfrm>
+            <a:off x="5804154" y="2792506"/>
+            <a:ext cx="4084773" cy="369332"/>
+          </a:xfrm>
+          <a:prstGeom prst="rect">
+            <a:avLst/>
+          </a:prstGeom>
+        </p:spPr>
+        <p:txBody>
+          <a:bodyPr wrap="none">
+            <a:spAutoFit/>
+          </a:bodyPr>
+          <a:lstStyle/>
+          <a:p>
+            <a:r>
+              <a:rPr lang="en-US" altLang="zh-CN" dirty="0" err="1"/>
+              <a:t>Gpt</a:t>
+            </a:r>
+            <a:r>
+              <a:rPr lang="en-US" altLang="zh-CN" dirty="0"/>
+              <a:t> = generative pre-trained transformer</a:t>
+            </a:r>
+          </a:p>
+        </p:txBody>
+      </p:sp>
+    </p:spTree>
+    <p:extLst>
+      <p:ext uri="{BB962C8B-B14F-4D97-AF65-F5344CB8AC3E}">
+        <p14:creationId xmlns:p14="http://schemas.microsoft.com/office/powerpoint/2010/main" val="528328700"/>
+      </p:ext>
+    </p:extLst>
+  </p:cSld>
+  <p:clrMapOvr>
+    <a:masterClrMapping/>
+  </p:clrMapOvr>
+</p:sld>
+</file>
+
+<file path=ppt/slides/slide3.xml><?xml version="1.0" encoding="utf-8"?>
+<p:sld xmlns:a="http://schemas.openxmlformats.org/drawingml/2006/main" xmlns:r="http://schemas.openxmlformats.org/officeDocument/2006/relationships" xmlns:p="http://schemas.openxmlformats.org/presentationml/2006/main">
+  <p:cSld>
+    <p:spTree>
+      <p:nvGrpSpPr>
+        <p:cNvPr id="1" name=""/>
+        <p:cNvGrpSpPr/>
+        <p:nvPr/>
+      </p:nvGrpSpPr>
+      <p:grpSpPr>
+        <a:xfrm>
+          <a:off x="0" y="0"/>
+          <a:ext cx="0" cy="0"/>
+          <a:chOff x="0" y="0"/>
+          <a:chExt cx="0" cy="0"/>
+        </a:xfrm>
+      </p:grpSpPr>
+      <p:sp>
+        <p:nvSpPr>
+          <p:cNvPr id="8" name="标题 7">
+            <a:extLst>
+              <a:ext uri="{FF2B5EF4-FFF2-40B4-BE49-F238E27FC236}">
+                <a16:creationId xmlns:a16="http://schemas.microsoft.com/office/drawing/2014/main" id="{FB87FE74-671C-4E37-9D37-34C6D508DA40}"/>
+              </a:ext>
+            </a:extLst>
+          </p:cNvPr>
+          <p:cNvSpPr>
+            <a:spLocks noGrp="1"/>
+          </p:cNvSpPr>
+          <p:nvPr>
+            <p:ph type="title"/>
+          </p:nvPr>
+        </p:nvSpPr>
+        <p:spPr/>
+        <p:txBody>
+          <a:bodyPr>
+            <a:normAutofit fontScale="90000"/>
+          </a:bodyPr>
+          <a:lstStyle/>
+          <a:p>
+            <a:r>
+              <a:rPr lang="zh-CN" altLang="en-US" dirty="0"/>
+              <a:t>一、大模型是什么？</a:t>
+            </a:r>
+          </a:p>
+        </p:txBody>
+      </p:sp>
+    </p:spTree>
+    <p:extLst>
+      <p:ext uri="{BB962C8B-B14F-4D97-AF65-F5344CB8AC3E}">
+        <p14:creationId xmlns:p14="http://schemas.microsoft.com/office/powerpoint/2010/main" val="2469427413"/>
+      </p:ext>
+    </p:extLst>
+  </p:cSld>
+  <p:clrMapOvr>
+    <a:masterClrMapping/>
+  </p:clrMapOvr>
+</p:sld>
+</file>
+
+<file path=ppt/slides/slide4.xml><?xml version="1.0" encoding="utf-8"?>
+<p:sld xmlns:a="http://schemas.openxmlformats.org/drawingml/2006/main" xmlns:r="http://schemas.openxmlformats.org/officeDocument/2006/relationships" xmlns:p="http://schemas.openxmlformats.org/presentationml/2006/main">
+  <p:cSld>
+    <p:spTree>
+      <p:nvGrpSpPr>
+        <p:cNvPr id="1" name=""/>
+        <p:cNvGrpSpPr/>
+        <p:nvPr/>
+      </p:nvGrpSpPr>
+      <p:grpSpPr>
+        <a:xfrm>
+          <a:off x="0" y="0"/>
+          <a:ext cx="0" cy="0"/>
+          <a:chOff x="0" y="0"/>
+          <a:chExt cx="0" cy="0"/>
+        </a:xfrm>
+      </p:grpSpPr>
+      <p:sp>
+        <p:nvSpPr>
+          <p:cNvPr id="8" name="标题 7">
+            <a:extLst>
+              <a:ext uri="{FF2B5EF4-FFF2-40B4-BE49-F238E27FC236}">
+                <a16:creationId xmlns:a16="http://schemas.microsoft.com/office/drawing/2014/main" id="{FB87FE74-671C-4E37-9D37-34C6D508DA40}"/>
+              </a:ext>
+            </a:extLst>
+          </p:cNvPr>
+          <p:cNvSpPr>
+            <a:spLocks noGrp="1"/>
+          </p:cNvSpPr>
+          <p:nvPr>
+            <p:ph type="title"/>
+          </p:nvPr>
+        </p:nvSpPr>
+        <p:spPr/>
+        <p:txBody>
+          <a:bodyPr>
+            <a:normAutofit fontScale="90000"/>
+          </a:bodyPr>
+          <a:lstStyle/>
+          <a:p>
+            <a:r>
+              <a:rPr lang="zh-CN" altLang="en-US" dirty="0"/>
+              <a:t>二、大模型有哪些？</a:t>
+            </a:r>
+          </a:p>
+        </p:txBody>
+      </p:sp>
+    </p:spTree>
+    <p:extLst>
+      <p:ext uri="{BB962C8B-B14F-4D97-AF65-F5344CB8AC3E}">
+        <p14:creationId xmlns:p14="http://schemas.microsoft.com/office/powerpoint/2010/main" val="2399500099"/>
+      </p:ext>
+    </p:extLst>
+  </p:cSld>
+  <p:clrMapOvr>
+    <a:masterClrMapping/>
+  </p:clrMapOvr>
+</p:sld>
+</file>
+
+<file path=ppt/slides/slide5.xml><?xml version="1.0" encoding="utf-8"?>
+<p:sld xmlns:a="http://schemas.openxmlformats.org/drawingml/2006/main" xmlns:r="http://schemas.openxmlformats.org/officeDocument/2006/relationships" xmlns:p="http://schemas.openxmlformats.org/presentationml/2006/main">
+  <p:cSld>
+    <p:spTree>
+      <p:nvGrpSpPr>
+        <p:cNvPr id="1" name=""/>
+        <p:cNvGrpSpPr/>
+        <p:nvPr/>
+      </p:nvGrpSpPr>
+      <p:grpSpPr>
+        <a:xfrm>
+          <a:off x="0" y="0"/>
+          <a:ext cx="0" cy="0"/>
+          <a:chOff x="0" y="0"/>
+          <a:chExt cx="0" cy="0"/>
+        </a:xfrm>
+      </p:grpSpPr>
+      <p:sp>
+        <p:nvSpPr>
+          <p:cNvPr id="8" name="标题 7">
+            <a:extLst>
+              <a:ext uri="{FF2B5EF4-FFF2-40B4-BE49-F238E27FC236}">
+                <a16:creationId xmlns:a16="http://schemas.microsoft.com/office/drawing/2014/main" id="{FB87FE74-671C-4E37-9D37-34C6D508DA40}"/>
+              </a:ext>
+            </a:extLst>
+          </p:cNvPr>
+          <p:cNvSpPr>
+            <a:spLocks noGrp="1"/>
+          </p:cNvSpPr>
+          <p:nvPr>
+            <p:ph type="title"/>
+          </p:nvPr>
+        </p:nvSpPr>
+        <p:spPr/>
+        <p:txBody>
+          <a:bodyPr>
+            <a:normAutofit fontScale="90000"/>
+          </a:bodyPr>
+          <a:lstStyle/>
+          <a:p>
+            <a:r>
+              <a:rPr lang="zh-CN" altLang="en-US" dirty="0"/>
+              <a:t>三、如何与大模型聊天？</a:t>
+            </a:r>
+          </a:p>
+        </p:txBody>
+      </p:sp>
+      <p:sp>
+        <p:nvSpPr>
+          <p:cNvPr id="2" name="矩形: 圆角 1">
+            <a:extLst>
+              <a:ext uri="{FF2B5EF4-FFF2-40B4-BE49-F238E27FC236}">
+                <a16:creationId xmlns:a16="http://schemas.microsoft.com/office/drawing/2014/main" id="{82E3555A-3235-42C0-B687-F7915C8935CF}"/>
+              </a:ext>
+            </a:extLst>
+          </p:cNvPr>
+          <p:cNvSpPr/>
+          <p:nvPr/>
+        </p:nvSpPr>
+        <p:spPr>
+          <a:xfrm>
+            <a:off x="3281082" y="3214326"/>
+            <a:ext cx="1264024" cy="657024"/>
+          </a:xfrm>
+          <a:prstGeom prst="roundRect">
+            <a:avLst/>
+          </a:prstGeom>
+        </p:spPr>
+        <p:style>
+          <a:lnRef idx="2">
+            <a:schemeClr val="accent1">
+              <a:shade val="50000"/>
+            </a:schemeClr>
+          </a:lnRef>
+          <a:fillRef idx="1">
+            <a:schemeClr val="accent1"/>
+          </a:fillRef>
+          <a:effectRef idx="0">
+            <a:schemeClr val="accent1"/>
+          </a:effectRef>
+          <a:fontRef idx="minor">
+            <a:schemeClr val="lt1"/>
+          </a:fontRef>
+        </p:style>
+        <p:txBody>
+          <a:bodyPr rtlCol="0" anchor="ctr"/>
+          <a:lstStyle/>
+          <a:p>
+            <a:pPr algn="ctr"/>
+            <a:r>
+              <a:rPr lang="en-US" altLang="zh-CN" dirty="0"/>
+              <a:t>llama</a:t>
+            </a:r>
+            <a:endParaRPr lang="zh-CN" altLang="en-US" dirty="0"/>
+          </a:p>
+        </p:txBody>
+      </p:sp>
+      <p:sp>
+        <p:nvSpPr>
+          <p:cNvPr id="3" name="文本框 2">
+            <a:extLst>
+              <a:ext uri="{FF2B5EF4-FFF2-40B4-BE49-F238E27FC236}">
+                <a16:creationId xmlns:a16="http://schemas.microsoft.com/office/drawing/2014/main" id="{0F2F73E4-E1AC-4EFE-80C4-D617C98DCF51}"/>
+              </a:ext>
+            </a:extLst>
+          </p:cNvPr>
+          <p:cNvSpPr txBox="1"/>
+          <p:nvPr/>
+        </p:nvSpPr>
+        <p:spPr>
+          <a:xfrm>
+            <a:off x="518903" y="3358172"/>
+            <a:ext cx="2069797" cy="369332"/>
+          </a:xfrm>
+          <a:prstGeom prst="rect">
+            <a:avLst/>
+          </a:prstGeom>
+          <a:noFill/>
+        </p:spPr>
+        <p:txBody>
+          <a:bodyPr wrap="none" rtlCol="0">
+            <a:spAutoFit/>
+          </a:bodyPr>
+          <a:lstStyle/>
+          <a:p>
+            <a:r>
+              <a:rPr lang="zh-CN" altLang="en-US" dirty="0"/>
+              <a:t>世界上最高的山是</a:t>
+            </a:r>
+          </a:p>
+        </p:txBody>
+      </p:sp>
+      <p:sp>
+        <p:nvSpPr>
+          <p:cNvPr id="5" name="文本框 4">
+            <a:extLst>
+              <a:ext uri="{FF2B5EF4-FFF2-40B4-BE49-F238E27FC236}">
+                <a16:creationId xmlns:a16="http://schemas.microsoft.com/office/drawing/2014/main" id="{7B181AD9-AAB1-43EF-B31D-268DC0CBFDF9}"/>
+              </a:ext>
+            </a:extLst>
+          </p:cNvPr>
+          <p:cNvSpPr txBox="1"/>
+          <p:nvPr/>
+        </p:nvSpPr>
+        <p:spPr>
+          <a:xfrm>
+            <a:off x="4821990" y="2976283"/>
+            <a:ext cx="415498" cy="369332"/>
+          </a:xfrm>
+          <a:prstGeom prst="rect">
+            <a:avLst/>
+          </a:prstGeom>
+          <a:noFill/>
+        </p:spPr>
+        <p:txBody>
+          <a:bodyPr wrap="none" rtlCol="0">
+            <a:spAutoFit/>
+          </a:bodyPr>
+          <a:lstStyle/>
+          <a:p>
+            <a:r>
+              <a:rPr lang="zh-CN" altLang="en-US" dirty="0"/>
+              <a:t>珠</a:t>
+            </a:r>
+          </a:p>
+        </p:txBody>
+      </p:sp>
+      <p:sp>
+        <p:nvSpPr>
+          <p:cNvPr id="6" name="文本框 5">
+            <a:extLst>
+              <a:ext uri="{FF2B5EF4-FFF2-40B4-BE49-F238E27FC236}">
+                <a16:creationId xmlns:a16="http://schemas.microsoft.com/office/drawing/2014/main" id="{22C6D349-9B53-4550-A3A5-F466077EB669}"/>
+              </a:ext>
+            </a:extLst>
+          </p:cNvPr>
+          <p:cNvSpPr txBox="1"/>
+          <p:nvPr/>
+        </p:nvSpPr>
+        <p:spPr>
+          <a:xfrm>
+            <a:off x="4821990" y="3429000"/>
+            <a:ext cx="415498" cy="369332"/>
+          </a:xfrm>
+          <a:prstGeom prst="rect">
+            <a:avLst/>
+          </a:prstGeom>
+          <a:noFill/>
+        </p:spPr>
+        <p:txBody>
+          <a:bodyPr wrap="none" rtlCol="0">
+            <a:spAutoFit/>
+          </a:bodyPr>
+          <a:lstStyle/>
+          <a:p>
+            <a:r>
+              <a:rPr lang="zh-CN" altLang="en-US" dirty="0"/>
+              <a:t>什</a:t>
+            </a:r>
+          </a:p>
+        </p:txBody>
+      </p:sp>
+      <p:sp>
+        <p:nvSpPr>
+          <p:cNvPr id="7" name="文本框 6">
+            <a:extLst>
+              <a:ext uri="{FF2B5EF4-FFF2-40B4-BE49-F238E27FC236}">
+                <a16:creationId xmlns:a16="http://schemas.microsoft.com/office/drawing/2014/main" id="{4D06DCDD-A234-42DF-BEF9-43B2796D6C7E}"/>
+              </a:ext>
+            </a:extLst>
+          </p:cNvPr>
+          <p:cNvSpPr txBox="1"/>
+          <p:nvPr/>
+        </p:nvSpPr>
+        <p:spPr>
+          <a:xfrm>
+            <a:off x="4821990" y="3905908"/>
+            <a:ext cx="415498" cy="369332"/>
+          </a:xfrm>
+          <a:prstGeom prst="rect">
+            <a:avLst/>
+          </a:prstGeom>
+          <a:noFill/>
+        </p:spPr>
+        <p:txBody>
+          <a:bodyPr wrap="none" rtlCol="0">
+            <a:spAutoFit/>
+          </a:bodyPr>
+          <a:lstStyle/>
+          <a:p>
+            <a:r>
+              <a:rPr lang="zh-CN" altLang="en-US" dirty="0"/>
+              <a:t>哪</a:t>
+            </a:r>
+          </a:p>
+        </p:txBody>
+      </p:sp>
+      <p:sp>
+        <p:nvSpPr>
+          <p:cNvPr id="9" name="文本框 8">
+            <a:extLst>
+              <a:ext uri="{FF2B5EF4-FFF2-40B4-BE49-F238E27FC236}">
+                <a16:creationId xmlns:a16="http://schemas.microsoft.com/office/drawing/2014/main" id="{70A5CE5F-3E35-4816-8725-899A5220C3DA}"/>
+              </a:ext>
+            </a:extLst>
+          </p:cNvPr>
+          <p:cNvSpPr txBox="1"/>
+          <p:nvPr/>
+        </p:nvSpPr>
+        <p:spPr>
+          <a:xfrm>
+            <a:off x="1002997" y="1305254"/>
+            <a:ext cx="3544560" cy="369332"/>
+          </a:xfrm>
+          <a:prstGeom prst="rect">
+            <a:avLst/>
+          </a:prstGeom>
+          <a:noFill/>
+        </p:spPr>
+        <p:txBody>
+          <a:bodyPr wrap="none" rtlCol="0">
+            <a:spAutoFit/>
+          </a:bodyPr>
+          <a:lstStyle/>
+          <a:p>
+            <a:r>
+              <a:rPr lang="zh-CN" altLang="en-US" dirty="0"/>
+              <a:t>三要素：提示词</a:t>
+            </a:r>
+            <a:r>
+              <a:rPr lang="en-US" altLang="zh-CN" dirty="0"/>
+              <a:t>/</a:t>
+            </a:r>
+            <a:r>
+              <a:rPr lang="zh-CN" altLang="en-US" dirty="0"/>
+              <a:t>温度</a:t>
+            </a:r>
+            <a:r>
+              <a:rPr lang="en-US" altLang="zh-CN" dirty="0"/>
+              <a:t>/</a:t>
+            </a:r>
+            <a:r>
+              <a:rPr lang="zh-CN" altLang="en-US" dirty="0"/>
+              <a:t>上下文长度</a:t>
+            </a:r>
+          </a:p>
+        </p:txBody>
+      </p:sp>
+    </p:spTree>
+    <p:extLst>
+      <p:ext uri="{BB962C8B-B14F-4D97-AF65-F5344CB8AC3E}">
+        <p14:creationId xmlns:p14="http://schemas.microsoft.com/office/powerpoint/2010/main" val="1154277874"/>
+      </p:ext>
+    </p:extLst>
+  </p:cSld>
+  <p:clrMapOvr>
+    <a:masterClrMapping/>
+  </p:clrMapOvr>
+</p:sld>
+</file>
+
+<file path=ppt/slides/slide6.xml><?xml version="1.0" encoding="utf-8"?>
+<p:sld xmlns:a="http://schemas.openxmlformats.org/drawingml/2006/main" xmlns:r="http://schemas.openxmlformats.org/officeDocument/2006/relationships" xmlns:p="http://schemas.openxmlformats.org/presentationml/2006/main">
+  <p:cSld>
+    <p:spTree>
+      <p:nvGrpSpPr>
+        <p:cNvPr id="1" name=""/>
+        <p:cNvGrpSpPr/>
+        <p:nvPr/>
+      </p:nvGrpSpPr>
+      <p:grpSpPr>
+        <a:xfrm>
+          <a:off x="0" y="0"/>
+          <a:ext cx="0" cy="0"/>
+          <a:chOff x="0" y="0"/>
+          <a:chExt cx="0" cy="0"/>
+        </a:xfrm>
+      </p:grpSpPr>
+      <p:sp>
+        <p:nvSpPr>
+          <p:cNvPr id="3" name="矩形 2">
+            <a:extLst>
+              <a:ext uri="{FF2B5EF4-FFF2-40B4-BE49-F238E27FC236}">
+                <a16:creationId xmlns:a16="http://schemas.microsoft.com/office/drawing/2014/main" id="{AE256FF5-7CA0-4BEC-BBEC-3FE70B09870E}"/>
+              </a:ext>
+            </a:extLst>
+          </p:cNvPr>
+          <p:cNvSpPr/>
+          <p:nvPr/>
+        </p:nvSpPr>
+        <p:spPr>
+          <a:xfrm>
+            <a:off x="2321858" y="1640541"/>
+            <a:ext cx="4356848" cy="2967318"/>
+          </a:xfrm>
+          <a:prstGeom prst="rect">
+            <a:avLst/>
+          </a:prstGeom>
+        </p:spPr>
+        <p:style>
+          <a:lnRef idx="2">
+            <a:schemeClr val="accent6"/>
+          </a:lnRef>
+          <a:fillRef idx="1">
+            <a:schemeClr val="lt1"/>
+          </a:fillRef>
+          <a:effectRef idx="0">
+            <a:schemeClr val="accent6"/>
+          </a:effectRef>
+          <a:fontRef idx="minor">
+            <a:schemeClr val="dk1"/>
+          </a:fontRef>
+        </p:style>
+        <p:txBody>
+          <a:bodyPr rtlCol="0" anchor="ctr"/>
+          <a:lstStyle/>
+          <a:p>
+            <a:pPr algn="ctr"/>
+            <a:endParaRPr lang="zh-CN" altLang="en-US"/>
+          </a:p>
+        </p:txBody>
+      </p:sp>
+    </p:spTree>
+    <p:extLst>
+      <p:ext uri="{BB962C8B-B14F-4D97-AF65-F5344CB8AC3E}">
+        <p14:creationId xmlns:p14="http://schemas.microsoft.com/office/powerpoint/2010/main" val="1334016383"/>
+      </p:ext>
+    </p:extLst>
+  </p:cSld>
+  <p:clrMapOvr>
+    <a:masterClrMapping/>
+  </p:clrMapOvr>
+</p:sld>
+</file>
+
+<file path=ppt/slides/slide7.xml><?xml version="1.0" encoding="utf-8"?>
+<p:sld xmlns:a="http://schemas.openxmlformats.org/drawingml/2006/main" xmlns:r="http://schemas.openxmlformats.org/officeDocument/2006/relationships" xmlns:p="http://schemas.openxmlformats.org/presentationml/2006/main">
+  <p:cSld>
+    <p:spTree>
+      <p:nvGrpSpPr>
+        <p:cNvPr id="1" name=""/>
+        <p:cNvGrpSpPr/>
+        <p:nvPr/>
+      </p:nvGrpSpPr>
+      <p:grpSpPr>
+        <a:xfrm>
+          <a:off x="0" y="0"/>
+          <a:ext cx="0" cy="0"/>
+          <a:chOff x="0" y="0"/>
+          <a:chExt cx="0" cy="0"/>
+        </a:xfrm>
+      </p:grpSpPr>
+      <p:sp>
+        <p:nvSpPr>
+          <p:cNvPr id="4" name="标题 3">
+            <a:extLst>
+              <a:ext uri="{FF2B5EF4-FFF2-40B4-BE49-F238E27FC236}">
+                <a16:creationId xmlns:a16="http://schemas.microsoft.com/office/drawing/2014/main" id="{D4F9F44A-4FCA-4415-B6E5-C99BC21825C8}"/>
+              </a:ext>
+            </a:extLst>
+          </p:cNvPr>
+          <p:cNvSpPr>
+            <a:spLocks noGrp="1"/>
+          </p:cNvSpPr>
+          <p:nvPr>
+            <p:ph type="ctrTitle"/>
+          </p:nvPr>
+        </p:nvSpPr>
+        <p:spPr/>
+        <p:txBody>
+          <a:bodyPr/>
+          <a:lstStyle/>
+          <a:p>
+            <a:r>
+              <a:rPr lang="zh-CN" altLang="en-US" dirty="0"/>
+              <a:t>大模型应用</a:t>
+            </a:r>
+          </a:p>
+        </p:txBody>
+      </p:sp>
+      <p:sp>
+        <p:nvSpPr>
+          <p:cNvPr id="5" name="副标题 4">
+            <a:extLst>
+              <a:ext uri="{FF2B5EF4-FFF2-40B4-BE49-F238E27FC236}">
+                <a16:creationId xmlns:a16="http://schemas.microsoft.com/office/drawing/2014/main" id="{4C3F4B2A-0054-4854-8F8E-96D81D3E0639}"/>
+              </a:ext>
+            </a:extLst>
+          </p:cNvPr>
+          <p:cNvSpPr>
+            <a:spLocks noGrp="1"/>
+          </p:cNvSpPr>
+          <p:nvPr>
+            <p:ph type="subTitle" idx="1"/>
+          </p:nvPr>
+        </p:nvSpPr>
+        <p:spPr/>
+        <p:txBody>
+          <a:bodyPr/>
+          <a:lstStyle/>
+          <a:p>
+            <a:endParaRPr lang="zh-CN" altLang="en-US"/>
+          </a:p>
+        </p:txBody>
+      </p:sp>
+    </p:spTree>
+    <p:extLst>
+      <p:ext uri="{BB962C8B-B14F-4D97-AF65-F5344CB8AC3E}">
+        <p14:creationId xmlns:p14="http://schemas.microsoft.com/office/powerpoint/2010/main" val="3026683308"/>
+      </p:ext>
+    </p:extLst>
+  </p:cSld>
+  <p:clrMapOvr>
+    <a:masterClrMapping/>
+  </p:clrMapOvr>
+</p:sld>
+</file>
+
+<file path=ppt/slides/slide8.xml><?xml version="1.0" encoding="utf-8"?>
+<p:sld xmlns:a="http://schemas.openxmlformats.org/drawingml/2006/main" xmlns:r="http://schemas.openxmlformats.org/officeDocument/2006/relationships" xmlns:p="http://schemas.openxmlformats.org/presentationml/2006/main" show="0">
+  <p:cSld>
+    <p:spTree>
+      <p:nvGrpSpPr>
+        <p:cNvPr id="1" name=""/>
+        <p:cNvGrpSpPr/>
+        <p:nvPr/>
+      </p:nvGrpSpPr>
+      <p:grpSpPr>
+        <a:xfrm>
+          <a:off x="0" y="0"/>
+          <a:ext cx="0" cy="0"/>
+          <a:chOff x="0" y="0"/>
+          <a:chExt cx="0" cy="0"/>
+        </a:xfrm>
+      </p:grpSpPr>
+      <p:pic>
+        <p:nvPicPr>
+          <p:cNvPr id="5" name="图片 4">
+            <a:extLst>
+              <a:ext uri="{FF2B5EF4-FFF2-40B4-BE49-F238E27FC236}">
+                <a16:creationId xmlns:a16="http://schemas.microsoft.com/office/drawing/2014/main" id="{B059D4D0-05AB-43F0-9FE5-D22C4E8E723F}"/>
+              </a:ext>
+            </a:extLst>
+          </p:cNvPr>
+          <p:cNvPicPr>
+            <a:picLocks noChangeAspect="1"/>
+          </p:cNvPicPr>
+          <p:nvPr/>
+        </p:nvPicPr>
+        <p:blipFill>
+          <a:blip r:embed="rId2"/>
+          <a:stretch>
+            <a:fillRect/>
+          </a:stretch>
+        </p:blipFill>
+        <p:spPr>
+          <a:xfrm>
+            <a:off x="2689960" y="334228"/>
+            <a:ext cx="3142857" cy="6180952"/>
+          </a:xfrm>
+          <a:prstGeom prst="rect">
+            <a:avLst/>
+          </a:prstGeom>
+        </p:spPr>
+      </p:pic>
+      <p:sp>
+        <p:nvSpPr>
+          <p:cNvPr id="4" name="矩形 3">
+            <a:extLst>
+              <a:ext uri="{FF2B5EF4-FFF2-40B4-BE49-F238E27FC236}">
+                <a16:creationId xmlns:a16="http://schemas.microsoft.com/office/drawing/2014/main" id="{F4C8052D-01FC-44AC-98EE-5133FC386F90}"/>
+              </a:ext>
+            </a:extLst>
+          </p:cNvPr>
+          <p:cNvSpPr/>
+          <p:nvPr/>
+        </p:nvSpPr>
+        <p:spPr>
+          <a:xfrm>
+            <a:off x="2687498" y="1168029"/>
+            <a:ext cx="3146053" cy="2943434"/>
+          </a:xfrm>
+          <a:prstGeom prst="rect">
+            <a:avLst/>
+          </a:prstGeom>
+          <a:noFill/>
+          <a:ln>
+            <a:solidFill>
+              <a:srgbClr val="FF0000"/>
+            </a:solidFill>
+          </a:ln>
+        </p:spPr>
+        <p:style>
+          <a:lnRef idx="2">
+            <a:schemeClr val="accent1">
+              <a:shade val="50000"/>
+            </a:schemeClr>
+          </a:lnRef>
+          <a:fillRef idx="1">
+            <a:schemeClr val="accent1"/>
+          </a:fillRef>
+          <a:effectRef idx="0">
+            <a:schemeClr val="accent1"/>
+          </a:effectRef>
+          <a:fontRef idx="minor">
+            <a:schemeClr val="lt1"/>
+          </a:fontRef>
+        </p:style>
+        <p:txBody>
+          <a:bodyPr rtlCol="0" anchor="ctr"/>
+          <a:lstStyle/>
+          <a:p>
+            <a:pPr algn="ctr"/>
+            <a:endParaRPr lang="zh-CN" altLang="en-US"/>
+          </a:p>
+        </p:txBody>
+      </p:sp>
+      <p:cxnSp>
+        <p:nvCxnSpPr>
+          <p:cNvPr id="6" name="直接箭头连接符 5">
+            <a:extLst>
+              <a:ext uri="{FF2B5EF4-FFF2-40B4-BE49-F238E27FC236}">
+                <a16:creationId xmlns:a16="http://schemas.microsoft.com/office/drawing/2014/main" id="{C9628B31-652C-44BB-9499-C24C119CA08B}"/>
+              </a:ext>
+            </a:extLst>
+          </p:cNvPr>
+          <p:cNvCxnSpPr>
+            <a:cxnSpLocks/>
+            <a:stCxn id="4" idx="3"/>
+          </p:cNvCxnSpPr>
+          <p:nvPr/>
+        </p:nvCxnSpPr>
+        <p:spPr>
+          <a:xfrm>
+            <a:off x="5833551" y="2639746"/>
+            <a:ext cx="840849" cy="0"/>
+          </a:xfrm>
+          <a:prstGeom prst="straightConnector1">
+            <a:avLst/>
+          </a:prstGeom>
+          <a:ln w="25400">
+            <a:solidFill>
+              <a:srgbClr val="FF0000"/>
+            </a:solidFill>
+            <a:tailEnd type="triangle"/>
+          </a:ln>
+        </p:spPr>
+        <p:style>
+          <a:lnRef idx="1">
+            <a:schemeClr val="accent1"/>
+          </a:lnRef>
+          <a:fillRef idx="0">
+            <a:schemeClr val="accent1"/>
+          </a:fillRef>
+          <a:effectRef idx="0">
+            <a:schemeClr val="accent1"/>
+          </a:effectRef>
+          <a:fontRef idx="minor">
+            <a:schemeClr val="tx1"/>
+          </a:fontRef>
+        </p:style>
+      </p:cxnSp>
+      <p:sp>
+        <p:nvSpPr>
+          <p:cNvPr id="8" name="文本框 7">
+            <a:extLst>
+              <a:ext uri="{FF2B5EF4-FFF2-40B4-BE49-F238E27FC236}">
+                <a16:creationId xmlns:a16="http://schemas.microsoft.com/office/drawing/2014/main" id="{12459F3E-F8BD-46B9-8725-641B2D6138F6}"/>
+              </a:ext>
+            </a:extLst>
+          </p:cNvPr>
+          <p:cNvSpPr txBox="1"/>
+          <p:nvPr/>
+        </p:nvSpPr>
+        <p:spPr>
+          <a:xfrm>
+            <a:off x="6585857" y="2455080"/>
+            <a:ext cx="979715" cy="369332"/>
+          </a:xfrm>
+          <a:prstGeom prst="rect">
+            <a:avLst/>
+          </a:prstGeom>
+          <a:noFill/>
+        </p:spPr>
+        <p:txBody>
+          <a:bodyPr wrap="square" rtlCol="0">
+            <a:spAutoFit/>
+          </a:bodyPr>
+          <a:lstStyle/>
+          <a:p>
+            <a:r>
+              <a:rPr lang="zh-CN" altLang="en-US" dirty="0">
+                <a:solidFill>
+                  <a:srgbClr val="FF0000"/>
+                </a:solidFill>
+                <a:latin typeface="黑体" panose="02010609060101010101" pitchFamily="49" charset="-122"/>
+                <a:ea typeface="黑体" panose="02010609060101010101" pitchFamily="49" charset="-122"/>
+              </a:rPr>
+              <a:t>输出区</a:t>
+            </a:r>
+          </a:p>
+        </p:txBody>
+      </p:sp>
+      <p:sp>
+        <p:nvSpPr>
+          <p:cNvPr id="9" name="矩形 8">
+            <a:extLst>
+              <a:ext uri="{FF2B5EF4-FFF2-40B4-BE49-F238E27FC236}">
+                <a16:creationId xmlns:a16="http://schemas.microsoft.com/office/drawing/2014/main" id="{D9EA628A-7FEB-4762-9ED0-26ABA2D8F2AF}"/>
+              </a:ext>
+            </a:extLst>
+          </p:cNvPr>
+          <p:cNvSpPr/>
+          <p:nvPr/>
+        </p:nvSpPr>
+        <p:spPr>
+          <a:xfrm>
+            <a:off x="3597387" y="4874400"/>
+            <a:ext cx="2236164" cy="1640780"/>
+          </a:xfrm>
+          <a:prstGeom prst="rect">
+            <a:avLst/>
+          </a:prstGeom>
+          <a:noFill/>
+          <a:ln>
+            <a:solidFill>
+              <a:srgbClr val="FF0000"/>
+            </a:solidFill>
+          </a:ln>
+        </p:spPr>
+        <p:style>
+          <a:lnRef idx="2">
+            <a:schemeClr val="accent1">
+              <a:shade val="50000"/>
+            </a:schemeClr>
+          </a:lnRef>
+          <a:fillRef idx="1">
+            <a:schemeClr val="accent1"/>
+          </a:fillRef>
+          <a:effectRef idx="0">
+            <a:schemeClr val="accent1"/>
+          </a:effectRef>
+          <a:fontRef idx="minor">
+            <a:schemeClr val="lt1"/>
+          </a:fontRef>
+        </p:style>
+        <p:txBody>
+          <a:bodyPr rtlCol="0" anchor="ctr"/>
+          <a:lstStyle/>
+          <a:p>
+            <a:pPr algn="ctr"/>
+            <a:endParaRPr lang="zh-CN" altLang="en-US"/>
+          </a:p>
+        </p:txBody>
+      </p:sp>
+      <p:cxnSp>
+        <p:nvCxnSpPr>
+          <p:cNvPr id="10" name="直接箭头连接符 9">
+            <a:extLst>
+              <a:ext uri="{FF2B5EF4-FFF2-40B4-BE49-F238E27FC236}">
+                <a16:creationId xmlns:a16="http://schemas.microsoft.com/office/drawing/2014/main" id="{178C2C80-6267-4EE9-80A3-C4C4E040E210}"/>
+              </a:ext>
+            </a:extLst>
+          </p:cNvPr>
+          <p:cNvCxnSpPr>
+            <a:cxnSpLocks/>
+            <a:endCxn id="11" idx="1"/>
+          </p:cNvCxnSpPr>
+          <p:nvPr/>
+        </p:nvCxnSpPr>
+        <p:spPr>
+          <a:xfrm>
+            <a:off x="5827404" y="5764546"/>
+            <a:ext cx="758453" cy="0"/>
+          </a:xfrm>
+          <a:prstGeom prst="straightConnector1">
+            <a:avLst/>
+          </a:prstGeom>
+          <a:ln w="25400">
+            <a:solidFill>
+              <a:srgbClr val="FF0000"/>
+            </a:solidFill>
+            <a:tailEnd type="triangle"/>
+          </a:ln>
+        </p:spPr>
+        <p:style>
+          <a:lnRef idx="1">
+            <a:schemeClr val="accent1"/>
+          </a:lnRef>
+          <a:fillRef idx="0">
+            <a:schemeClr val="accent1"/>
+          </a:fillRef>
+          <a:effectRef idx="0">
+            <a:schemeClr val="accent1"/>
+          </a:effectRef>
+          <a:fontRef idx="minor">
+            <a:schemeClr val="tx1"/>
+          </a:fontRef>
+        </p:style>
+      </p:cxnSp>
+      <p:sp>
+        <p:nvSpPr>
+          <p:cNvPr id="11" name="文本框 10">
+            <a:extLst>
+              <a:ext uri="{FF2B5EF4-FFF2-40B4-BE49-F238E27FC236}">
+                <a16:creationId xmlns:a16="http://schemas.microsoft.com/office/drawing/2014/main" id="{D536A95D-CE2A-4BAF-82E1-7090C99E00D1}"/>
+              </a:ext>
+            </a:extLst>
+          </p:cNvPr>
+          <p:cNvSpPr txBox="1"/>
+          <p:nvPr/>
+        </p:nvSpPr>
+        <p:spPr>
+          <a:xfrm>
+            <a:off x="6585857" y="5579880"/>
+            <a:ext cx="979715" cy="369332"/>
+          </a:xfrm>
+          <a:prstGeom prst="rect">
+            <a:avLst/>
+          </a:prstGeom>
+          <a:noFill/>
+        </p:spPr>
+        <p:txBody>
+          <a:bodyPr wrap="square" rtlCol="0">
+            <a:spAutoFit/>
+          </a:bodyPr>
+          <a:lstStyle/>
+          <a:p>
+            <a:r>
+              <a:rPr lang="zh-CN" altLang="en-US" dirty="0">
+                <a:solidFill>
+                  <a:srgbClr val="FF0000"/>
+                </a:solidFill>
+                <a:latin typeface="黑体" panose="02010609060101010101" pitchFamily="49" charset="-122"/>
+                <a:ea typeface="黑体" panose="02010609060101010101" pitchFamily="49" charset="-122"/>
+              </a:rPr>
+              <a:t>状态区</a:t>
+            </a:r>
+          </a:p>
+        </p:txBody>
+      </p:sp>
+      <p:sp>
+        <p:nvSpPr>
+          <p:cNvPr id="12" name="矩形 11">
+            <a:extLst>
+              <a:ext uri="{FF2B5EF4-FFF2-40B4-BE49-F238E27FC236}">
+                <a16:creationId xmlns:a16="http://schemas.microsoft.com/office/drawing/2014/main" id="{4F2B99EE-1FE3-483B-BB00-DC97E27EC198}"/>
+              </a:ext>
+            </a:extLst>
+          </p:cNvPr>
+          <p:cNvSpPr/>
+          <p:nvPr/>
+        </p:nvSpPr>
+        <p:spPr>
+          <a:xfrm>
+            <a:off x="2660803" y="4111463"/>
+            <a:ext cx="2631197" cy="733970"/>
+          </a:xfrm>
+          <a:prstGeom prst="rect">
+            <a:avLst/>
+          </a:prstGeom>
+          <a:noFill/>
+          <a:ln>
+            <a:solidFill>
+              <a:srgbClr val="FF0000"/>
+            </a:solidFill>
+          </a:ln>
+        </p:spPr>
+        <p:style>
+          <a:lnRef idx="2">
+            <a:schemeClr val="accent1">
+              <a:shade val="50000"/>
+            </a:schemeClr>
+          </a:lnRef>
+          <a:fillRef idx="1">
+            <a:schemeClr val="accent1"/>
+          </a:fillRef>
+          <a:effectRef idx="0">
+            <a:schemeClr val="accent1"/>
+          </a:effectRef>
+          <a:fontRef idx="minor">
+            <a:schemeClr val="lt1"/>
+          </a:fontRef>
+        </p:style>
+        <p:txBody>
+          <a:bodyPr rtlCol="0" anchor="ctr"/>
+          <a:lstStyle/>
+          <a:p>
+            <a:pPr algn="ctr"/>
+            <a:endParaRPr lang="zh-CN" altLang="en-US"/>
+          </a:p>
+        </p:txBody>
+      </p:sp>
+      <p:cxnSp>
+        <p:nvCxnSpPr>
+          <p:cNvPr id="13" name="直接箭头连接符 12">
+            <a:extLst>
+              <a:ext uri="{FF2B5EF4-FFF2-40B4-BE49-F238E27FC236}">
+                <a16:creationId xmlns:a16="http://schemas.microsoft.com/office/drawing/2014/main" id="{E7747661-2F9A-41D2-8483-9A03A18D3C15}"/>
+              </a:ext>
+            </a:extLst>
+          </p:cNvPr>
+          <p:cNvCxnSpPr>
+            <a:cxnSpLocks/>
+            <a:endCxn id="14" idx="1"/>
+          </p:cNvCxnSpPr>
+          <p:nvPr/>
+        </p:nvCxnSpPr>
+        <p:spPr>
+          <a:xfrm>
+            <a:off x="5310204" y="4512946"/>
+            <a:ext cx="1275653" cy="0"/>
+          </a:xfrm>
+          <a:prstGeom prst="straightConnector1">
+            <a:avLst/>
+          </a:prstGeom>
+          <a:ln w="25400">
+            <a:solidFill>
+              <a:srgbClr val="FF0000"/>
+            </a:solidFill>
+            <a:tailEnd type="triangle"/>
+          </a:ln>
+        </p:spPr>
+        <p:style>
+          <a:lnRef idx="1">
+            <a:schemeClr val="accent1"/>
+          </a:lnRef>
+          <a:fillRef idx="0">
+            <a:schemeClr val="accent1"/>
+          </a:fillRef>
+          <a:effectRef idx="0">
+            <a:schemeClr val="accent1"/>
+          </a:effectRef>
+          <a:fontRef idx="minor">
+            <a:schemeClr val="tx1"/>
+          </a:fontRef>
+        </p:style>
+      </p:cxnSp>
+      <p:sp>
+        <p:nvSpPr>
+          <p:cNvPr id="14" name="文本框 13">
+            <a:extLst>
+              <a:ext uri="{FF2B5EF4-FFF2-40B4-BE49-F238E27FC236}">
+                <a16:creationId xmlns:a16="http://schemas.microsoft.com/office/drawing/2014/main" id="{27B84419-409D-49DE-AB7F-75B5AA721058}"/>
+              </a:ext>
+            </a:extLst>
+          </p:cNvPr>
+          <p:cNvSpPr txBox="1"/>
+          <p:nvPr/>
+        </p:nvSpPr>
+        <p:spPr>
+          <a:xfrm>
+            <a:off x="6585857" y="4328280"/>
+            <a:ext cx="979715" cy="369332"/>
+          </a:xfrm>
+          <a:prstGeom prst="rect">
+            <a:avLst/>
+          </a:prstGeom>
+          <a:noFill/>
+        </p:spPr>
+        <p:txBody>
+          <a:bodyPr wrap="square" rtlCol="0">
+            <a:spAutoFit/>
+          </a:bodyPr>
+          <a:lstStyle/>
+          <a:p>
+            <a:r>
+              <a:rPr lang="zh-CN" altLang="en-US" dirty="0">
+                <a:solidFill>
+                  <a:srgbClr val="FF0000"/>
+                </a:solidFill>
+                <a:latin typeface="黑体" panose="02010609060101010101" pitchFamily="49" charset="-122"/>
+                <a:ea typeface="黑体" panose="02010609060101010101" pitchFamily="49" charset="-122"/>
+              </a:rPr>
+              <a:t>输入区</a:t>
+            </a:r>
+          </a:p>
+        </p:txBody>
+      </p:sp>
+      <p:cxnSp>
+        <p:nvCxnSpPr>
+          <p:cNvPr id="15" name="直接箭头连接符 14">
+            <a:extLst>
+              <a:ext uri="{FF2B5EF4-FFF2-40B4-BE49-F238E27FC236}">
+                <a16:creationId xmlns:a16="http://schemas.microsoft.com/office/drawing/2014/main" id="{133B2FE0-DF47-489B-A7CF-73D701E321E1}"/>
+              </a:ext>
+            </a:extLst>
+          </p:cNvPr>
+          <p:cNvCxnSpPr>
+            <a:cxnSpLocks/>
+            <a:endCxn id="16" idx="1"/>
+          </p:cNvCxnSpPr>
+          <p:nvPr/>
+        </p:nvCxnSpPr>
+        <p:spPr>
+          <a:xfrm>
+            <a:off x="4946400" y="1333094"/>
+            <a:ext cx="1639457" cy="0"/>
+          </a:xfrm>
+          <a:prstGeom prst="straightConnector1">
+            <a:avLst/>
+          </a:prstGeom>
+          <a:ln w="25400">
+            <a:solidFill>
+              <a:srgbClr val="FF0000"/>
+            </a:solidFill>
+            <a:tailEnd type="triangle"/>
+          </a:ln>
+        </p:spPr>
+        <p:style>
+          <a:lnRef idx="1">
+            <a:schemeClr val="accent1"/>
+          </a:lnRef>
+          <a:fillRef idx="0">
+            <a:schemeClr val="accent1"/>
+          </a:fillRef>
+          <a:effectRef idx="0">
+            <a:schemeClr val="accent1"/>
+          </a:effectRef>
+          <a:fontRef idx="minor">
+            <a:schemeClr val="tx1"/>
+          </a:fontRef>
+        </p:style>
+      </p:cxnSp>
+      <p:sp>
+        <p:nvSpPr>
+          <p:cNvPr id="16" name="文本框 15">
+            <a:extLst>
+              <a:ext uri="{FF2B5EF4-FFF2-40B4-BE49-F238E27FC236}">
+                <a16:creationId xmlns:a16="http://schemas.microsoft.com/office/drawing/2014/main" id="{85FB587E-9583-4EC6-9651-13F14AD267FF}"/>
+              </a:ext>
+            </a:extLst>
+          </p:cNvPr>
+          <p:cNvSpPr txBox="1"/>
+          <p:nvPr/>
+        </p:nvSpPr>
+        <p:spPr>
+          <a:xfrm>
+            <a:off x="6585857" y="1148428"/>
+            <a:ext cx="1146943" cy="369332"/>
+          </a:xfrm>
+          <a:prstGeom prst="rect">
+            <a:avLst/>
+          </a:prstGeom>
+          <a:noFill/>
+        </p:spPr>
+        <p:txBody>
+          <a:bodyPr wrap="square" rtlCol="0">
+            <a:spAutoFit/>
+          </a:bodyPr>
+          <a:lstStyle/>
+          <a:p>
+            <a:r>
+              <a:rPr lang="zh-CN" altLang="en-US" dirty="0">
+                <a:solidFill>
+                  <a:srgbClr val="FF0000"/>
+                </a:solidFill>
+                <a:latin typeface="黑体" panose="02010609060101010101" pitchFamily="49" charset="-122"/>
+                <a:ea typeface="黑体" panose="02010609060101010101" pitchFamily="49" charset="-122"/>
+              </a:rPr>
+              <a:t>系统指令</a:t>
+            </a:r>
+          </a:p>
+        </p:txBody>
+      </p:sp>
+      <p:cxnSp>
+        <p:nvCxnSpPr>
+          <p:cNvPr id="23" name="直接箭头连接符 22">
+            <a:extLst>
+              <a:ext uri="{FF2B5EF4-FFF2-40B4-BE49-F238E27FC236}">
+                <a16:creationId xmlns:a16="http://schemas.microsoft.com/office/drawing/2014/main" id="{EE69AAF7-D236-47D4-A6FB-9ABCE208FD3F}"/>
+              </a:ext>
+            </a:extLst>
+          </p:cNvPr>
+          <p:cNvCxnSpPr>
+            <a:cxnSpLocks/>
+            <a:endCxn id="24" idx="1"/>
+          </p:cNvCxnSpPr>
+          <p:nvPr/>
+        </p:nvCxnSpPr>
+        <p:spPr>
+          <a:xfrm>
+            <a:off x="5820204" y="888021"/>
+            <a:ext cx="765653" cy="0"/>
+          </a:xfrm>
+          <a:prstGeom prst="straightConnector1">
+            <a:avLst/>
+          </a:prstGeom>
+          <a:ln w="25400">
+            <a:solidFill>
+              <a:srgbClr val="FF0000"/>
+            </a:solidFill>
+            <a:tailEnd type="triangle"/>
+          </a:ln>
+        </p:spPr>
+        <p:style>
+          <a:lnRef idx="1">
+            <a:schemeClr val="accent1"/>
+          </a:lnRef>
+          <a:fillRef idx="0">
+            <a:schemeClr val="accent1"/>
+          </a:fillRef>
+          <a:effectRef idx="0">
+            <a:schemeClr val="accent1"/>
+          </a:effectRef>
+          <a:fontRef idx="minor">
+            <a:schemeClr val="tx1"/>
+          </a:fontRef>
+        </p:style>
+      </p:cxnSp>
+      <p:sp>
+        <p:nvSpPr>
+          <p:cNvPr id="24" name="文本框 23">
+            <a:extLst>
+              <a:ext uri="{FF2B5EF4-FFF2-40B4-BE49-F238E27FC236}">
+                <a16:creationId xmlns:a16="http://schemas.microsoft.com/office/drawing/2014/main" id="{53D9F723-5E09-4B49-8B91-E4F80B7B5189}"/>
+              </a:ext>
+            </a:extLst>
+          </p:cNvPr>
+          <p:cNvSpPr txBox="1"/>
+          <p:nvPr/>
+        </p:nvSpPr>
+        <p:spPr>
+          <a:xfrm>
+            <a:off x="6585857" y="703355"/>
+            <a:ext cx="1348543" cy="369332"/>
+          </a:xfrm>
+          <a:prstGeom prst="rect">
+            <a:avLst/>
+          </a:prstGeom>
+          <a:noFill/>
+        </p:spPr>
+        <p:txBody>
+          <a:bodyPr wrap="square" rtlCol="0">
+            <a:spAutoFit/>
+          </a:bodyPr>
+          <a:lstStyle/>
+          <a:p>
+            <a:r>
+              <a:rPr lang="zh-CN" altLang="en-US" dirty="0">
+                <a:solidFill>
+                  <a:srgbClr val="FF0000"/>
+                </a:solidFill>
+                <a:latin typeface="黑体" panose="02010609060101010101" pitchFamily="49" charset="-122"/>
+                <a:ea typeface="黑体" panose="02010609060101010101" pitchFamily="49" charset="-122"/>
+              </a:rPr>
+              <a:t>设置</a:t>
+            </a:r>
+            <a:r>
+              <a:rPr lang="en-US" altLang="zh-CN" dirty="0">
+                <a:solidFill>
+                  <a:srgbClr val="FF0000"/>
+                </a:solidFill>
+                <a:latin typeface="黑体" panose="02010609060101010101" pitchFamily="49" charset="-122"/>
+                <a:ea typeface="黑体" panose="02010609060101010101" pitchFamily="49" charset="-122"/>
+              </a:rPr>
+              <a:t>/</a:t>
+            </a:r>
+            <a:r>
+              <a:rPr lang="zh-CN" altLang="en-US" dirty="0">
+                <a:solidFill>
+                  <a:srgbClr val="FF0000"/>
+                </a:solidFill>
+                <a:latin typeface="黑体" panose="02010609060101010101" pitchFamily="49" charset="-122"/>
+                <a:ea typeface="黑体" panose="02010609060101010101" pitchFamily="49" charset="-122"/>
+              </a:rPr>
+              <a:t>重置</a:t>
+            </a:r>
+          </a:p>
+        </p:txBody>
+      </p:sp>
+      <p:pic>
+        <p:nvPicPr>
+          <p:cNvPr id="2" name="图片 1">
+            <a:extLst>
+              <a:ext uri="{FF2B5EF4-FFF2-40B4-BE49-F238E27FC236}">
+                <a16:creationId xmlns:a16="http://schemas.microsoft.com/office/drawing/2014/main" id="{35BE834F-7273-4BC7-B943-AA80EDEC5ADB}"/>
+              </a:ext>
+            </a:extLst>
+          </p:cNvPr>
+          <p:cNvPicPr>
+            <a:picLocks noChangeAspect="1"/>
+          </p:cNvPicPr>
+          <p:nvPr/>
+        </p:nvPicPr>
+        <p:blipFill>
+          <a:blip r:embed="rId3"/>
+          <a:stretch>
+            <a:fillRect/>
+          </a:stretch>
+        </p:blipFill>
+        <p:spPr>
+          <a:xfrm>
+            <a:off x="8969185" y="-3194839"/>
+            <a:ext cx="5285690" cy="6187976"/>
+          </a:xfrm>
+          <a:prstGeom prst="rect">
+            <a:avLst/>
+          </a:prstGeom>
+        </p:spPr>
+      </p:pic>
+      <p:pic>
+        <p:nvPicPr>
+          <p:cNvPr id="7" name="图片 6">
+            <a:extLst>
+              <a:ext uri="{FF2B5EF4-FFF2-40B4-BE49-F238E27FC236}">
+                <a16:creationId xmlns:a16="http://schemas.microsoft.com/office/drawing/2014/main" id="{FCF7383A-7BDC-4763-B97C-B6BB2247A401}"/>
+              </a:ext>
+            </a:extLst>
+          </p:cNvPr>
+          <p:cNvPicPr>
+            <a:picLocks noChangeAspect="1"/>
+          </p:cNvPicPr>
+          <p:nvPr/>
+        </p:nvPicPr>
+        <p:blipFill>
+          <a:blip r:embed="rId4"/>
+          <a:stretch>
+            <a:fillRect/>
+          </a:stretch>
+        </p:blipFill>
+        <p:spPr>
+          <a:xfrm>
+            <a:off x="9046565" y="3210051"/>
+            <a:ext cx="5285690" cy="6194073"/>
+          </a:xfrm>
+          <a:prstGeom prst="rect">
+            <a:avLst/>
+          </a:prstGeom>
+        </p:spPr>
+      </p:pic>
+    </p:spTree>
+    <p:extLst>
+      <p:ext uri="{BB962C8B-B14F-4D97-AF65-F5344CB8AC3E}">
+        <p14:creationId xmlns:p14="http://schemas.microsoft.com/office/powerpoint/2010/main" val="3575133880"/>
+      </p:ext>
+    </p:extLst>
+  </p:cSld>
+  <p:clrMapOvr>
+    <a:masterClrMapping/>
+  </p:clrMapOvr>
+</p:sld>
+</file>
+
+<file path=ppt/slides/slide9.xml><?xml version="1.0" encoding="utf-8"?>
+<p:sld xmlns:a="http://schemas.openxmlformats.org/drawingml/2006/main" xmlns:r="http://schemas.openxmlformats.org/officeDocument/2006/relationships" xmlns:p="http://schemas.openxmlformats.org/presentationml/2006/main" show="0">
+  <p:cSld>
+    <p:spTree>
+      <p:nvGrpSpPr>
+        <p:cNvPr id="1" name=""/>
+        <p:cNvGrpSpPr/>
+        <p:nvPr/>
+      </p:nvGrpSpPr>
+      <p:grpSpPr>
+        <a:xfrm>
+          <a:off x="0" y="0"/>
+          <a:ext cx="0" cy="0"/>
+          <a:chOff x="0" y="0"/>
+          <a:chExt cx="0" cy="0"/>
+        </a:xfrm>
+      </p:grpSpPr>
       <p:sp>
         <p:nvSpPr>
           <p:cNvPr id="4" name="矩形 3"/>
@@ -4164,6 +4074,7 @@
         </p:style>
         <p:txBody>
           <a:bodyPr rtlCol="0" anchor="ctr"/>
+          <a:lstStyle/>
           <a:p>
             <a:pPr algn="ctr"/>
             <a:endParaRPr lang="zh-CN" altLang="en-US">
@@ -4194,6 +4105,7 @@
           <a:bodyPr wrap="square" rtlCol="0">
             <a:spAutoFit/>
           </a:bodyPr>
+          <a:lstStyle/>
           <a:p>
             <a:r>
               <a:rPr lang="zh-CN" altLang="en-US" sz="2000">
@@ -4205,13 +4117,6 @@
               </a:rPr>
               <a:t>预测下一个词！</a:t>
             </a:r>
-            <a:endParaRPr lang="zh-CN" altLang="en-US" sz="2000">
-              <a:solidFill>
-                <a:schemeClr val="bg1"/>
-              </a:solidFill>
-              <a:latin typeface="Times New Roman" panose="02020603050405020304" charset="0"/>
-              <a:ea typeface="黑体" panose="02010609060101010101" charset="-122"/>
-            </a:endParaRPr>
           </a:p>
         </p:txBody>
       </p:sp>
@@ -4239,6 +4144,7 @@
           <a:bodyPr wrap="square" rtlCol="0">
             <a:spAutoFit/>
           </a:bodyPr>
+          <a:lstStyle/>
           <a:p>
             <a:pPr marL="285750" indent="-285750">
               <a:buClr>
@@ -4257,13 +4163,6 @@
               </a:rPr>
               <a:t>预测</a:t>
             </a:r>
-            <a:endParaRPr lang="zh-CN" altLang="en-US">
-              <a:solidFill>
-                <a:schemeClr val="bg1"/>
-              </a:solidFill>
-              <a:latin typeface="Times New Roman" panose="02020603050405020304" charset="0"/>
-              <a:ea typeface="黑体" panose="02010609060101010101" charset="-122"/>
-            </a:endParaRPr>
           </a:p>
         </p:txBody>
       </p:sp>
@@ -4292,6 +4191,7 @@
           <a:bodyPr wrap="square" rtlCol="0">
             <a:spAutoFit/>
           </a:bodyPr>
+          <a:lstStyle/>
           <a:p>
             <a:pPr algn="ctr"/>
             <a:r>
@@ -4304,13 +4204,6 @@
               </a:rPr>
               <a:t>输入</a:t>
             </a:r>
-            <a:endParaRPr lang="zh-CN" altLang="en-US">
-              <a:solidFill>
-                <a:schemeClr val="bg1"/>
-              </a:solidFill>
-              <a:latin typeface="Times New Roman" panose="02020603050405020304" charset="0"/>
-              <a:ea typeface="黑体" panose="02010609060101010101" charset="-122"/>
-            </a:endParaRPr>
           </a:p>
         </p:txBody>
       </p:sp>
@@ -4339,10 +4232,11 @@
           <a:bodyPr wrap="square" rtlCol="0">
             <a:spAutoFit/>
           </a:bodyPr>
+          <a:lstStyle/>
           <a:p>
             <a:pPr algn="ctr"/>
             <a:r>
-              <a:rPr lang="zh-CN" altLang="en-US">
+              <a:rPr lang="zh-CN" altLang="en-US" dirty="0">
                 <a:solidFill>
                   <a:schemeClr val="bg1"/>
                 </a:solidFill>
@@ -4351,13 +4245,6 @@
               </a:rPr>
               <a:t>对齐</a:t>
             </a:r>
-            <a:endParaRPr lang="zh-CN" altLang="en-US">
-              <a:solidFill>
-                <a:schemeClr val="bg1"/>
-              </a:solidFill>
-              <a:latin typeface="Times New Roman" panose="02020603050405020304" charset="0"/>
-              <a:ea typeface="黑体" panose="02010609060101010101" charset="-122"/>
-            </a:endParaRPr>
           </a:p>
         </p:txBody>
       </p:sp>
@@ -4386,6 +4273,7 @@
           <a:bodyPr wrap="square" rtlCol="0">
             <a:spAutoFit/>
           </a:bodyPr>
+          <a:lstStyle/>
           <a:p>
             <a:pPr algn="ctr"/>
             <a:r>
@@ -4398,13 +4286,6 @@
               </a:rPr>
               <a:t>解码</a:t>
             </a:r>
-            <a:endParaRPr lang="zh-CN" altLang="en-US">
-              <a:solidFill>
-                <a:schemeClr val="bg1"/>
-              </a:solidFill>
-              <a:latin typeface="Times New Roman" panose="02020603050405020304" charset="0"/>
-              <a:ea typeface="黑体" panose="02010609060101010101" charset="-122"/>
-            </a:endParaRPr>
           </a:p>
         </p:txBody>
       </p:sp>
@@ -4433,6 +4314,7 @@
           <a:bodyPr wrap="square" rtlCol="0">
             <a:spAutoFit/>
           </a:bodyPr>
+          <a:lstStyle/>
           <a:p>
             <a:pPr algn="ctr"/>
             <a:r>
@@ -4445,13 +4327,6 @@
               </a:rPr>
               <a:t>采样</a:t>
             </a:r>
-            <a:endParaRPr lang="zh-CN" altLang="en-US">
-              <a:solidFill>
-                <a:schemeClr val="bg1"/>
-              </a:solidFill>
-              <a:latin typeface="Times New Roman" panose="02020603050405020304" charset="0"/>
-              <a:ea typeface="黑体" panose="02010609060101010101" charset="-122"/>
-            </a:endParaRPr>
           </a:p>
         </p:txBody>
       </p:sp>
@@ -4480,6 +4355,7 @@
           <a:bodyPr wrap="square" rtlCol="0">
             <a:spAutoFit/>
           </a:bodyPr>
+          <a:lstStyle/>
           <a:p>
             <a:pPr algn="ctr"/>
             <a:r>
@@ -4492,13 +4368,6 @@
               </a:rPr>
               <a:t>对齐</a:t>
             </a:r>
-            <a:endParaRPr lang="zh-CN" altLang="en-US">
-              <a:solidFill>
-                <a:schemeClr val="bg1"/>
-              </a:solidFill>
-              <a:latin typeface="Times New Roman" panose="02020603050405020304" charset="0"/>
-              <a:ea typeface="黑体" panose="02010609060101010101" charset="-122"/>
-            </a:endParaRPr>
           </a:p>
         </p:txBody>
       </p:sp>
@@ -4527,6 +4396,7 @@
           <a:bodyPr wrap="square" rtlCol="0">
             <a:spAutoFit/>
           </a:bodyPr>
+          <a:lstStyle/>
           <a:p>
             <a:pPr algn="ctr"/>
             <a:r>
@@ -4539,13 +4409,6 @@
               </a:rPr>
               <a:t>输出</a:t>
             </a:r>
-            <a:endParaRPr lang="zh-CN" altLang="en-US">
-              <a:solidFill>
-                <a:schemeClr val="bg1"/>
-              </a:solidFill>
-              <a:latin typeface="Times New Roman" panose="02020603050405020304" charset="0"/>
-              <a:ea typeface="黑体" panose="02010609060101010101" charset="-122"/>
-            </a:endParaRPr>
           </a:p>
         </p:txBody>
       </p:sp>
@@ -4990,6 +4853,7 @@
         </p:style>
         <p:txBody>
           <a:bodyPr rtlCol="0" anchor="ctr"/>
+          <a:lstStyle/>
           <a:p>
             <a:pPr marL="285750" indent="-285750" algn="l">
               <a:buClr>
@@ -5008,6 +4872,47 @@
                 <a:cs typeface="Times New Roman" panose="02020603050405020304" charset="0"/>
               </a:rPr>
               <a:t>添加用户昵称</a:t>
+            </a:r>
+          </a:p>
+          <a:p>
+            <a:pPr marL="285750" indent="-285750" algn="l">
+              <a:buClr>
+                <a:srgbClr val="00B050"/>
+              </a:buClr>
+              <a:buFont typeface="Arial" panose="020B0604020202020204" pitchFamily="34" charset="0"/>
+              <a:buChar char="•"/>
+            </a:pPr>
+            <a:r>
+              <a:rPr lang="zh-CN" altLang="en-US" sz="1400">
+                <a:solidFill>
+                  <a:schemeClr val="bg1"/>
+                </a:solidFill>
+                <a:latin typeface="Times New Roman" panose="02020603050405020304" charset="0"/>
+                <a:ea typeface="黑体" panose="02010609060101010101" charset="-122"/>
+                <a:cs typeface="Times New Roman" panose="02020603050405020304" charset="0"/>
+              </a:rPr>
+              <a:t>添加模型昵称</a:t>
+            </a:r>
+          </a:p>
+          <a:p>
+            <a:pPr marL="285750" indent="-285750" algn="l">
+              <a:buClr>
+                <a:srgbClr val="00B050"/>
+              </a:buClr>
+              <a:buFont typeface="Arial" panose="020B0604020202020204" pitchFamily="34" charset="0"/>
+              <a:buChar char="•"/>
+            </a:pPr>
+            <a:r>
+              <a:rPr lang="zh-CN" altLang="en-US" sz="1400">
+                <a:solidFill>
+                  <a:schemeClr val="bg1"/>
+                </a:solidFill>
+                <a:latin typeface="Times New Roman" panose="02020603050405020304" charset="0"/>
+                <a:ea typeface="黑体" panose="02010609060101010101" charset="-122"/>
+                <a:cs typeface="Times New Roman" panose="02020603050405020304" charset="0"/>
+                <a:sym typeface="+mn-ea"/>
+              </a:rPr>
+              <a:t>预解码时只添加系统指令</a:t>
             </a:r>
             <a:endParaRPr lang="zh-CN" altLang="en-US" sz="1400">
               <a:solidFill>
@@ -5035,7 +4940,38 @@
                 <a:ea typeface="黑体" panose="02010609060101010101" charset="-122"/>
                 <a:cs typeface="Times New Roman" panose="02020603050405020304" charset="0"/>
               </a:rPr>
-              <a:t>添加模型昵称</a:t>
+              <a:t>补完模式则都不添加</a:t>
+            </a:r>
+          </a:p>
+          <a:p>
+            <a:pPr marL="285750" indent="-285750" algn="l">
+              <a:buClr>
+                <a:srgbClr val="00B050"/>
+              </a:buClr>
+              <a:buFont typeface="Arial" panose="020B0604020202020204" pitchFamily="34" charset="0"/>
+              <a:buChar char="•"/>
+            </a:pPr>
+            <a:r>
+              <a:rPr lang="zh-CN" altLang="en-US" sz="1400">
+                <a:solidFill>
+                  <a:schemeClr val="bg1"/>
+                </a:solidFill>
+                <a:latin typeface="Times New Roman" panose="02020603050405020304" charset="0"/>
+                <a:ea typeface="黑体" panose="02010609060101010101" charset="-122"/>
+                <a:cs typeface="Times New Roman" panose="02020603050405020304" charset="0"/>
+              </a:rPr>
+              <a:t>根据模型词表将输入的词转为</a:t>
+            </a:r>
+            <a:r>
+              <a:rPr lang="en-US" altLang="zh-CN" sz="1400">
+                <a:solidFill>
+                  <a:schemeClr val="bg1"/>
+                </a:solidFill>
+                <a:latin typeface="Times New Roman" panose="02020603050405020304" charset="0"/>
+                <a:ea typeface="黑体" panose="02010609060101010101" charset="-122"/>
+                <a:cs typeface="Times New Roman" panose="02020603050405020304" charset="0"/>
+              </a:rPr>
+              <a:t>token</a:t>
             </a:r>
             <a:endParaRPr lang="zh-CN" altLang="en-US" sz="1400">
               <a:solidFill>
@@ -5062,27 +4998,20 @@
                 <a:latin typeface="Times New Roman" panose="02020603050405020304" charset="0"/>
                 <a:ea typeface="黑体" panose="02010609060101010101" charset="-122"/>
                 <a:cs typeface="Times New Roman" panose="02020603050405020304" charset="0"/>
-                <a:sym typeface="+mn-ea"/>
-              </a:rPr>
-              <a:t>预解码时只添加系统指令</a:t>
-            </a:r>
-            <a:endParaRPr lang="zh-CN" altLang="en-US" sz="1400">
-              <a:solidFill>
-                <a:schemeClr val="bg1"/>
-              </a:solidFill>
-              <a:latin typeface="Times New Roman" panose="02020603050405020304" charset="0"/>
-              <a:ea typeface="黑体" panose="02010609060101010101" charset="-122"/>
-              <a:cs typeface="Times New Roman" panose="02020603050405020304" charset="0"/>
-            </a:endParaRPr>
-          </a:p>
-          <a:p>
-            <a:pPr marL="285750" indent="-285750" algn="l">
-              <a:buClr>
-                <a:srgbClr val="00B050"/>
-              </a:buClr>
-              <a:buFont typeface="Arial" panose="020B0604020202020204" pitchFamily="34" charset="0"/>
-              <a:buChar char="•"/>
-            </a:pPr>
+              </a:rPr>
+              <a:t>根据上下文长度裁剪</a:t>
+            </a:r>
+            <a:r>
+              <a:rPr lang="en-US" altLang="zh-CN" sz="1400">
+                <a:solidFill>
+                  <a:schemeClr val="bg1"/>
+                </a:solidFill>
+                <a:latin typeface="Times New Roman" panose="02020603050405020304" charset="0"/>
+                <a:ea typeface="黑体" panose="02010609060101010101" charset="-122"/>
+                <a:cs typeface="Times New Roman" panose="02020603050405020304" charset="0"/>
+              </a:rPr>
+              <a:t>token</a:t>
+            </a:r>
             <a:r>
               <a:rPr lang="zh-CN" altLang="en-US" sz="1400">
                 <a:solidFill>
@@ -5092,105 +5021,8 @@
                 <a:ea typeface="黑体" panose="02010609060101010101" charset="-122"/>
                 <a:cs typeface="Times New Roman" panose="02020603050405020304" charset="0"/>
               </a:rPr>
-              <a:t>补完模式则都不添加</a:t>
-            </a:r>
-            <a:endParaRPr lang="zh-CN" altLang="en-US" sz="1400">
-              <a:solidFill>
-                <a:schemeClr val="bg1"/>
-              </a:solidFill>
-              <a:latin typeface="Times New Roman" panose="02020603050405020304" charset="0"/>
-              <a:ea typeface="黑体" panose="02010609060101010101" charset="-122"/>
-              <a:cs typeface="Times New Roman" panose="02020603050405020304" charset="0"/>
-            </a:endParaRPr>
-          </a:p>
-          <a:p>
-            <a:pPr marL="285750" indent="-285750" algn="l">
-              <a:buClr>
-                <a:srgbClr val="00B050"/>
-              </a:buClr>
-              <a:buFont typeface="Arial" panose="020B0604020202020204" pitchFamily="34" charset="0"/>
-              <a:buChar char="•"/>
-            </a:pPr>
-            <a:r>
-              <a:rPr lang="zh-CN" altLang="en-US" sz="1400">
-                <a:solidFill>
-                  <a:schemeClr val="bg1"/>
-                </a:solidFill>
-                <a:latin typeface="Times New Roman" panose="02020603050405020304" charset="0"/>
-                <a:ea typeface="黑体" panose="02010609060101010101" charset="-122"/>
-                <a:cs typeface="Times New Roman" panose="02020603050405020304" charset="0"/>
-              </a:rPr>
-              <a:t>根据模型词表将输入的词转为</a:t>
-            </a:r>
-            <a:r>
-              <a:rPr lang="en-US" altLang="zh-CN" sz="1400">
-                <a:solidFill>
-                  <a:schemeClr val="bg1"/>
-                </a:solidFill>
-                <a:latin typeface="Times New Roman" panose="02020603050405020304" charset="0"/>
-                <a:ea typeface="黑体" panose="02010609060101010101" charset="-122"/>
-                <a:cs typeface="Times New Roman" panose="02020603050405020304" charset="0"/>
-              </a:rPr>
-              <a:t>token</a:t>
-            </a:r>
-            <a:endParaRPr lang="zh-CN" altLang="en-US" sz="1400">
-              <a:solidFill>
-                <a:schemeClr val="bg1"/>
-              </a:solidFill>
-              <a:latin typeface="Times New Roman" panose="02020603050405020304" charset="0"/>
-              <a:ea typeface="黑体" panose="02010609060101010101" charset="-122"/>
-              <a:cs typeface="Times New Roman" panose="02020603050405020304" charset="0"/>
-            </a:endParaRPr>
-          </a:p>
-          <a:p>
-            <a:pPr marL="285750" indent="-285750" algn="l">
-              <a:buClr>
-                <a:srgbClr val="00B050"/>
-              </a:buClr>
-              <a:buFont typeface="Arial" panose="020B0604020202020204" pitchFamily="34" charset="0"/>
-              <a:buChar char="•"/>
-            </a:pPr>
-            <a:r>
-              <a:rPr lang="zh-CN" altLang="en-US" sz="1400">
-                <a:solidFill>
-                  <a:schemeClr val="bg1"/>
-                </a:solidFill>
-                <a:latin typeface="Times New Roman" panose="02020603050405020304" charset="0"/>
-                <a:ea typeface="黑体" panose="02010609060101010101" charset="-122"/>
-                <a:cs typeface="Times New Roman" panose="02020603050405020304" charset="0"/>
-              </a:rPr>
-              <a:t>根据上下文长度裁剪</a:t>
-            </a:r>
-            <a:r>
-              <a:rPr lang="en-US" altLang="zh-CN" sz="1400">
-                <a:solidFill>
-                  <a:schemeClr val="bg1"/>
-                </a:solidFill>
-                <a:latin typeface="Times New Roman" panose="02020603050405020304" charset="0"/>
-                <a:ea typeface="黑体" panose="02010609060101010101" charset="-122"/>
-                <a:cs typeface="Times New Roman" panose="02020603050405020304" charset="0"/>
-              </a:rPr>
-              <a:t>token</a:t>
-            </a:r>
-            <a:r>
-              <a:rPr lang="zh-CN" altLang="en-US" sz="1400">
-                <a:solidFill>
-                  <a:schemeClr val="bg1"/>
-                </a:solidFill>
-                <a:latin typeface="Times New Roman" panose="02020603050405020304" charset="0"/>
-                <a:ea typeface="黑体" panose="02010609060101010101" charset="-122"/>
-                <a:cs typeface="Times New Roman" panose="02020603050405020304" charset="0"/>
-              </a:rPr>
               <a:t>数量</a:t>
             </a:r>
-            <a:endParaRPr lang="zh-CN" altLang="en-US" sz="1400">
-              <a:solidFill>
-                <a:schemeClr val="bg1"/>
-              </a:solidFill>
-              <a:latin typeface="Times New Roman" panose="02020603050405020304" charset="0"/>
-              <a:ea typeface="黑体" panose="02010609060101010101" charset="-122"/>
-              <a:cs typeface="Times New Roman" panose="02020603050405020304" charset="0"/>
-            </a:endParaRPr>
           </a:p>
         </p:txBody>
       </p:sp>
@@ -5243,6 +5075,7 @@
         </p:style>
         <p:txBody>
           <a:bodyPr rtlCol="0" anchor="ctr"/>
+          <a:lstStyle/>
           <a:p>
             <a:pPr marL="285750" indent="-285750" algn="l">
               <a:buClr>
@@ -5284,14 +5117,6 @@
               </a:rPr>
               <a:t>解码得到向量表</a:t>
             </a:r>
-            <a:endParaRPr lang="zh-CN" altLang="en-US" sz="1400">
-              <a:solidFill>
-                <a:schemeClr val="bg1"/>
-              </a:solidFill>
-              <a:latin typeface="Times New Roman" panose="02020603050405020304" charset="0"/>
-              <a:ea typeface="黑体" panose="02010609060101010101" charset="-122"/>
-              <a:cs typeface="Times New Roman" panose="02020603050405020304" charset="0"/>
-            </a:endParaRPr>
           </a:p>
           <a:p>
             <a:pPr marL="285750" indent="-285750" algn="l">
@@ -5334,14 +5159,6 @@
               </a:rPr>
               <a:t>记入上下文缓存</a:t>
             </a:r>
-            <a:endParaRPr lang="zh-CN" altLang="en-US" sz="1400">
-              <a:solidFill>
-                <a:schemeClr val="bg1"/>
-              </a:solidFill>
-              <a:latin typeface="Times New Roman" panose="02020603050405020304" charset="0"/>
-              <a:ea typeface="黑体" panose="02010609060101010101" charset="-122"/>
-              <a:cs typeface="Times New Roman" panose="02020603050405020304" charset="0"/>
-            </a:endParaRPr>
           </a:p>
           <a:p>
             <a:pPr marL="285750" indent="-285750" algn="l">
@@ -5422,15 +5239,6 @@
               </a:rPr>
               <a:t>512</a:t>
             </a:r>
-            <a:endParaRPr lang="en-US" altLang="zh-CN" sz="1400">
-              <a:solidFill>
-                <a:schemeClr val="bg1"/>
-              </a:solidFill>
-              <a:latin typeface="Times New Roman" panose="02020603050405020304" charset="0"/>
-              <a:ea typeface="黑体" panose="02010609060101010101" charset="-122"/>
-              <a:cs typeface="Times New Roman" panose="02020603050405020304" charset="0"/>
-              <a:sym typeface="+mn-ea"/>
-            </a:endParaRPr>
           </a:p>
           <a:p>
             <a:pPr marL="285750" indent="-285750" algn="l">
@@ -5450,29 +5258,8 @@
                 <a:cs typeface="Times New Roman" panose="02020603050405020304" charset="0"/>
                 <a:sym typeface="+mn-ea"/>
               </a:rPr>
-              <a:t>按批解码</a:t>
-            </a:r>
-            <a:r>
-              <a:rPr lang="zh-CN" altLang="en-US" sz="1400">
-                <a:solidFill>
-                  <a:schemeClr val="bg1"/>
-                </a:solidFill>
-                <a:latin typeface="Times New Roman" panose="02020603050405020304" charset="0"/>
-                <a:ea typeface="黑体" panose="02010609060101010101" charset="-122"/>
-                <a:cs typeface="Times New Roman" panose="02020603050405020304" charset="0"/>
-                <a:sym typeface="+mn-ea"/>
-              </a:rPr>
-              <a:t>有时失败，则尝试单个解码</a:t>
-            </a:r>
-            <a:endParaRPr lang="zh-CN" altLang="en-US" sz="1400">
-              <a:solidFill>
-                <a:schemeClr val="bg1"/>
-              </a:solidFill>
-              <a:latin typeface="Times New Roman" panose="02020603050405020304" charset="0"/>
-              <a:ea typeface="黑体" panose="02010609060101010101" charset="-122"/>
-              <a:cs typeface="Times New Roman" panose="02020603050405020304" charset="0"/>
-              <a:sym typeface="+mn-ea"/>
-            </a:endParaRPr>
+              <a:t>按批解码有时失败，则尝试单个解码</a:t>
+            </a:r>
           </a:p>
           <a:p>
             <a:pPr marL="285750" indent="-285750" algn="l">
@@ -5542,15 +5329,6 @@
               </a:rPr>
               <a:t>，单个解码</a:t>
             </a:r>
-            <a:endParaRPr lang="zh-CN" altLang="en-US" sz="1400">
-              <a:solidFill>
-                <a:schemeClr val="bg1"/>
-              </a:solidFill>
-              <a:latin typeface="Times New Roman" panose="02020603050405020304" charset="0"/>
-              <a:ea typeface="黑体" panose="02010609060101010101" charset="-122"/>
-              <a:cs typeface="Times New Roman" panose="02020603050405020304" charset="0"/>
-              <a:sym typeface="+mn-ea"/>
-            </a:endParaRPr>
           </a:p>
         </p:txBody>
       </p:sp>
@@ -5603,6 +5381,7 @@
         </p:style>
         <p:txBody>
           <a:bodyPr rtlCol="0" anchor="ctr"/>
+          <a:lstStyle/>
           <a:p>
             <a:pPr marL="285750" indent="-285750" algn="l">
               <a:buClr>
@@ -5644,14 +5423,6 @@
               </a:rPr>
               <a:t>的概率表</a:t>
             </a:r>
-            <a:endParaRPr lang="zh-CN" altLang="en-US" sz="1400">
-              <a:solidFill>
-                <a:schemeClr val="bg1"/>
-              </a:solidFill>
-              <a:latin typeface="Times New Roman" panose="02020603050405020304" charset="0"/>
-              <a:ea typeface="黑体" panose="02010609060101010101" charset="-122"/>
-              <a:cs typeface="Times New Roman" panose="02020603050405020304" charset="0"/>
-            </a:endParaRPr>
           </a:p>
           <a:p>
             <a:pPr marL="285750" indent="-285750" algn="l">
@@ -5705,14 +5476,6 @@
               </a:rPr>
               <a:t>token</a:t>
             </a:r>
-            <a:endParaRPr lang="en-US" altLang="zh-CN" sz="1400">
-              <a:solidFill>
-                <a:schemeClr val="bg1"/>
-              </a:solidFill>
-              <a:latin typeface="Times New Roman" panose="02020603050405020304" charset="0"/>
-              <a:ea typeface="黑体" panose="02010609060101010101" charset="-122"/>
-              <a:cs typeface="Times New Roman" panose="02020603050405020304" charset="0"/>
-            </a:endParaRPr>
           </a:p>
           <a:p>
             <a:pPr marL="285750" indent="-285750" algn="l">
@@ -5770,15 +5533,6 @@
               </a:rPr>
               <a:t>token</a:t>
             </a:r>
-            <a:endParaRPr lang="en-US" altLang="zh-CN" sz="1400">
-              <a:solidFill>
-                <a:schemeClr val="bg1"/>
-              </a:solidFill>
-              <a:latin typeface="Times New Roman" panose="02020603050405020304" charset="0"/>
-              <a:ea typeface="黑体" panose="02010609060101010101" charset="-122"/>
-              <a:cs typeface="Times New Roman" panose="02020603050405020304" charset="0"/>
-              <a:sym typeface="+mn-ea"/>
-            </a:endParaRPr>
           </a:p>
           <a:p>
             <a:pPr marL="285750" indent="-285750" algn="l">
@@ -5821,14 +5575,6 @@
               </a:rPr>
               <a:t>进入循环</a:t>
             </a:r>
-            <a:endParaRPr lang="zh-CN" altLang="en-US" sz="1400">
-              <a:solidFill>
-                <a:schemeClr val="bg1"/>
-              </a:solidFill>
-              <a:latin typeface="Times New Roman" panose="02020603050405020304" charset="0"/>
-              <a:ea typeface="黑体" panose="02010609060101010101" charset="-122"/>
-              <a:cs typeface="Times New Roman" panose="02020603050405020304" charset="0"/>
-            </a:endParaRPr>
           </a:p>
           <a:p>
             <a:pPr marL="285750" indent="-285750" algn="l">
@@ -5959,7 +5705,18 @@
                 <a:ea typeface="黑体" panose="02010609060101010101" charset="-122"/>
                 <a:cs typeface="Times New Roman" panose="02020603050405020304" charset="0"/>
               </a:rPr>
-              <a:t>达到最大</a:t>
+              <a:t>达到最大输出长度</a:t>
+            </a:r>
+            <a:r>
+              <a:rPr lang="en-US" altLang="zh-CN" sz="1400">
+                <a:solidFill>
+                  <a:schemeClr val="bg1"/>
+                </a:solidFill>
+                <a:latin typeface="Times New Roman" panose="02020603050405020304" charset="0"/>
+                <a:ea typeface="黑体" panose="02010609060101010101" charset="-122"/>
+                <a:cs typeface="Times New Roman" panose="02020603050405020304" charset="0"/>
+              </a:rPr>
+              <a:t>，</a:t>
             </a:r>
             <a:r>
               <a:rPr lang="zh-CN" altLang="en-US" sz="1400">
@@ -5970,38 +5727,8 @@
                 <a:ea typeface="黑体" panose="02010609060101010101" charset="-122"/>
                 <a:cs typeface="Times New Roman" panose="02020603050405020304" charset="0"/>
               </a:rPr>
-              <a:t>输出长度</a:t>
-            </a:r>
-            <a:r>
-              <a:rPr lang="en-US" altLang="zh-CN" sz="1400">
-                <a:solidFill>
-                  <a:schemeClr val="bg1"/>
-                </a:solidFill>
-                <a:latin typeface="Times New Roman" panose="02020603050405020304" charset="0"/>
-                <a:ea typeface="黑体" panose="02010609060101010101" charset="-122"/>
-                <a:cs typeface="Times New Roman" panose="02020603050405020304" charset="0"/>
-              </a:rPr>
-              <a:t>，</a:t>
-            </a:r>
-            <a:r>
-              <a:rPr lang="zh-CN" altLang="en-US" sz="1400">
-                <a:solidFill>
-                  <a:schemeClr val="bg1"/>
-                </a:solidFill>
-                <a:latin typeface="Times New Roman" panose="02020603050405020304" charset="0"/>
-                <a:ea typeface="黑体" panose="02010609060101010101" charset="-122"/>
-                <a:cs typeface="Times New Roman" panose="02020603050405020304" charset="0"/>
-              </a:rPr>
               <a:t>则停止循环</a:t>
             </a:r>
-            <a:endParaRPr lang="zh-CN" altLang="en-US" sz="1400">
-              <a:solidFill>
-                <a:schemeClr val="bg1"/>
-              </a:solidFill>
-              <a:latin typeface="Times New Roman" panose="02020603050405020304" charset="0"/>
-              <a:ea typeface="黑体" panose="02010609060101010101" charset="-122"/>
-              <a:cs typeface="Times New Roman" panose="02020603050405020304" charset="0"/>
-            </a:endParaRPr>
           </a:p>
         </p:txBody>
       </p:sp>
@@ -6054,6 +5781,7 @@
         </p:style>
         <p:txBody>
           <a:bodyPr rtlCol="0" anchor="ctr"/>
+          <a:lstStyle/>
           <a:p>
             <a:pPr marL="285750" indent="-285750" algn="l">
               <a:buClr>
@@ -6154,6 +5882,7 @@
           <a:bodyPr wrap="square" rtlCol="0">
             <a:spAutoFit/>
           </a:bodyPr>
+          <a:lstStyle/>
           <a:p>
             <a:pPr marL="285750" indent="-285750">
               <a:buClr>
@@ -6172,13 +5901,6 @@
               </a:rPr>
               <a:t>概念</a:t>
             </a:r>
-            <a:endParaRPr lang="zh-CN" altLang="en-US">
-              <a:solidFill>
-                <a:schemeClr val="bg1"/>
-              </a:solidFill>
-              <a:latin typeface="黑体" panose="02010609060101010101" charset="-122"/>
-              <a:ea typeface="黑体" panose="02010609060101010101" charset="-122"/>
-            </a:endParaRPr>
           </a:p>
         </p:txBody>
       </p:sp>
@@ -6232,6 +5954,7 @@
         </p:style>
         <p:txBody>
           <a:bodyPr rtlCol="0" anchor="ctr"/>
+          <a:lstStyle/>
           <a:p>
             <a:pPr marL="285750" indent="-285750" algn="l">
               <a:lnSpc>
@@ -6788,19 +6511,7 @@
                 <a:cs typeface="Times New Roman" panose="02020603050405020304" charset="0"/>
                 <a:sym typeface="+mn-ea"/>
               </a:rPr>
-              <a:t>模型</a:t>
-            </a:r>
-            <a:r>
-              <a:rPr lang="zh-CN" altLang="en-US">
-                <a:solidFill>
-                  <a:schemeClr val="bg1"/>
-                </a:solidFill>
-                <a:latin typeface="Times New Roman" panose="02020603050405020304" charset="0"/>
-                <a:ea typeface="黑体" panose="02010609060101010101" charset="-122"/>
-                <a:cs typeface="Times New Roman" panose="02020603050405020304" charset="0"/>
-                <a:sym typeface="+mn-ea"/>
-              </a:rPr>
-              <a:t>大小有关</a:t>
+              <a:t>模型大小有关</a:t>
             </a:r>
             <a:endParaRPr lang="zh-CN" altLang="en-US">
               <a:solidFill>
@@ -6890,14 +6601,6 @@
               </a:rPr>
               <a:t>相当于模型的记忆</a:t>
             </a:r>
-            <a:endParaRPr lang="zh-CN" altLang="en-US">
-              <a:solidFill>
-                <a:schemeClr val="bg1"/>
-              </a:solidFill>
-              <a:latin typeface="Times New Roman" panose="02020603050405020304" charset="0"/>
-              <a:ea typeface="黑体" panose="02010609060101010101" charset="-122"/>
-              <a:cs typeface="Times New Roman" panose="02020603050405020304" charset="0"/>
-            </a:endParaRPr>
           </a:p>
           <a:p>
             <a:pPr marL="285750" indent="-285750" algn="l">
@@ -6979,15 +6682,6 @@
               </a:rPr>
               <a:t>数量</a:t>
             </a:r>
-            <a:endParaRPr lang="zh-CN" altLang="en-US">
-              <a:solidFill>
-                <a:schemeClr val="bg1"/>
-              </a:solidFill>
-              <a:latin typeface="Times New Roman" panose="02020603050405020304" charset="0"/>
-              <a:ea typeface="黑体" panose="02010609060101010101" charset="-122"/>
-              <a:cs typeface="Times New Roman" panose="02020603050405020304" charset="0"/>
-              <a:sym typeface="+mn-ea"/>
-            </a:endParaRPr>
           </a:p>
           <a:p>
             <a:pPr marL="285750" indent="-285750" algn="l">
@@ -7149,14 +6843,6 @@
               </a:rPr>
               <a:t>模型对上下文缓存和送入的token进行解码得到的结果</a:t>
             </a:r>
-            <a:endParaRPr lang="zh-CN" altLang="en-US">
-              <a:solidFill>
-                <a:schemeClr val="bg1"/>
-              </a:solidFill>
-              <a:latin typeface="Times New Roman" panose="02020603050405020304" charset="0"/>
-              <a:ea typeface="黑体" panose="02010609060101010101" charset="-122"/>
-              <a:cs typeface="Times New Roman" panose="02020603050405020304" charset="0"/>
-            </a:endParaRPr>
           </a:p>
           <a:p>
             <a:pPr marL="285750" indent="-285750" algn="l">
@@ -7484,6 +7170,7 @@
           <a:bodyPr wrap="square" rtlCol="0">
             <a:spAutoFit/>
           </a:bodyPr>
+          <a:lstStyle/>
           <a:p>
             <a:pPr marL="285750" indent="-285750">
               <a:buClr>
@@ -7502,13 +7189,6 @@
               </a:rPr>
               <a:t>行为</a:t>
             </a:r>
-            <a:endParaRPr lang="zh-CN" altLang="en-US">
-              <a:solidFill>
-                <a:schemeClr val="bg1"/>
-              </a:solidFill>
-              <a:latin typeface="Times New Roman" panose="02020603050405020304" charset="0"/>
-              <a:ea typeface="黑体" panose="02010609060101010101" charset="-122"/>
-            </a:endParaRPr>
           </a:p>
         </p:txBody>
       </p:sp>
@@ -7562,6 +7242,7 @@
         </p:style>
         <p:txBody>
           <a:bodyPr rtlCol="0" anchor="ctr"/>
+          <a:lstStyle/>
           <a:p>
             <a:pPr marL="285750" indent="-285750" algn="l">
               <a:lnSpc>
@@ -8127,15 +7808,6 @@
               </a:rPr>
               <a:t>上下文长度则舍弃前半段缓存</a:t>
             </a:r>
-            <a:endParaRPr lang="en-US" altLang="zh-CN">
-              <a:solidFill>
-                <a:schemeClr val="bg1"/>
-              </a:solidFill>
-              <a:latin typeface="Times New Roman" panose="02020603050405020304" charset="0"/>
-              <a:ea typeface="黑体" panose="02010609060101010101" charset="-122"/>
-              <a:cs typeface="Times New Roman" panose="02020603050405020304" charset="0"/>
-              <a:sym typeface="+mn-ea"/>
-            </a:endParaRPr>
           </a:p>
           <a:p>
             <a:pPr marL="285750" indent="-285750" algn="l">
@@ -8225,901 +7897,275 @@
 </p:sld>
 </file>
 
-<file path=ppt/slides/slide2.xml><?xml version="1.0" encoding="utf-8"?>
-<p:sld xmlns:a="http://schemas.openxmlformats.org/drawingml/2006/main" xmlns:r="http://schemas.openxmlformats.org/officeDocument/2006/relationships" xmlns:p="http://schemas.openxmlformats.org/presentationml/2006/main">
-  <p:cSld>
-    <p:spTree>
-      <p:nvGrpSpPr>
-        <p:cNvPr id="1" name=""/>
-        <p:cNvGrpSpPr/>
-        <p:nvPr/>
-      </p:nvGrpSpPr>
-      <p:grpSpPr/>
-      <p:pic>
-        <p:nvPicPr>
-          <p:cNvPr id="6" name="图片 5"/>
-          <p:cNvPicPr>
-            <a:picLocks noChangeAspect="1"/>
-          </p:cNvPicPr>
-          <p:nvPr>
-            <p:custDataLst>
-              <p:tags r:id="rId1"/>
-            </p:custDataLst>
-          </p:nvPr>
-        </p:nvPicPr>
-        <p:blipFill>
-          <a:blip r:embed="rId2"/>
-          <a:stretch>
-            <a:fillRect/>
-          </a:stretch>
-        </p:blipFill>
-        <p:spPr>
-          <a:xfrm>
-            <a:off x="326390" y="-4669790"/>
-            <a:ext cx="11538585" cy="16198215"/>
-          </a:xfrm>
-          <a:prstGeom prst="rect">
-            <a:avLst/>
-          </a:prstGeom>
-        </p:spPr>
-      </p:pic>
-    </p:spTree>
-  </p:cSld>
-  <p:clrMapOvr>
-    <a:masterClrMapping/>
-  </p:clrMapOvr>
-</p:sld>
-</file>
-
 <file path=ppt/tags/tag1.xml><?xml version="1.0" encoding="utf-8"?>
-<p:tagLst xmlns:p="http://schemas.openxmlformats.org/presentationml/2006/main">
-  <p:tag name="KSO_WM_UNIT_HIGHLIGHT" val="0"/>
-  <p:tag name="KSO_WM_UNIT_COMPATIBLE" val="0"/>
-  <p:tag name="KSO_WM_UNIT_DIAGRAM_ISNUMVISUAL" val="0"/>
-  <p:tag name="KSO_WM_UNIT_DIAGRAM_ISREFERUNIT" val="0"/>
-  <p:tag name="KSO_WM_UNIT_ID" val="_1**"/>
-  <p:tag name="KSO_WM_UNIT_LAYERLEVEL" val="1"/>
-  <p:tag name="KSO_WM_TAG_VERSION" val="1.0"/>
-  <p:tag name="KSO_WM_BEAUTIFY_FLAG" val="#wm#"/>
-</p:tagLst>
-</file>
-
-<file path=ppt/tags/tag10.xml><?xml version="1.0" encoding="utf-8"?>
-<p:tagLst xmlns:p="http://schemas.openxmlformats.org/presentationml/2006/main">
-  <p:tag name="KSO_WM_UNIT_HIGHLIGHT" val="0"/>
-  <p:tag name="KSO_WM_UNIT_COMPATIBLE" val="0"/>
-  <p:tag name="KSO_WM_UNIT_DIAGRAM_ISNUMVISUAL" val="0"/>
-  <p:tag name="KSO_WM_UNIT_DIAGRAM_ISREFERUNIT" val="0"/>
-  <p:tag name="KSO_WM_UNIT_ID" val="_2**"/>
-  <p:tag name="KSO_WM_UNIT_LAYERLEVEL" val="1"/>
-  <p:tag name="KSO_WM_TAG_VERSION" val="1.0"/>
-  <p:tag name="KSO_WM_BEAUTIFY_FLAG" val="#wm#"/>
-</p:tagLst>
-</file>
-
-<file path=ppt/tags/tag11.xml><?xml version="1.0" encoding="utf-8"?>
-<p:tagLst xmlns:p="http://schemas.openxmlformats.org/presentationml/2006/main">
-  <p:tag name="KSO_WM_UNIT_HIGHLIGHT" val="0"/>
-  <p:tag name="KSO_WM_UNIT_COMPATIBLE" val="0"/>
-  <p:tag name="KSO_WM_UNIT_DIAGRAM_ISNUMVISUAL" val="0"/>
-  <p:tag name="KSO_WM_UNIT_DIAGRAM_ISREFERUNIT" val="0"/>
-  <p:tag name="KSO_WM_UNIT_ID" val="_3**"/>
-  <p:tag name="KSO_WM_UNIT_LAYERLEVEL" val="1"/>
-  <p:tag name="KSO_WM_TAG_VERSION" val="1.0"/>
-  <p:tag name="KSO_WM_BEAUTIFY_FLAG" val="#wm#"/>
-</p:tagLst>
-</file>
-
-<file path=ppt/tags/tag12.xml><?xml version="1.0" encoding="utf-8"?>
-<p:tagLst xmlns:p="http://schemas.openxmlformats.org/presentationml/2006/main">
-  <p:tag name="KSO_WM_UNIT_HIGHLIGHT" val="0"/>
-  <p:tag name="KSO_WM_UNIT_COMPATIBLE" val="0"/>
-  <p:tag name="KSO_WM_UNIT_DIAGRAM_ISNUMVISUAL" val="0"/>
-  <p:tag name="KSO_WM_UNIT_DIAGRAM_ISREFERUNIT" val="0"/>
-  <p:tag name="KSO_WM_UNIT_ID" val="_3**"/>
-  <p:tag name="KSO_WM_UNIT_LAYERLEVEL" val="1"/>
-  <p:tag name="KSO_WM_TAG_VERSION" val="1.0"/>
-  <p:tag name="KSO_WM_BEAUTIFY_FLAG" val="#wm#"/>
-</p:tagLst>
-</file>
-
-<file path=ppt/tags/tag13.xml><?xml version="1.0" encoding="utf-8"?>
-<p:tagLst xmlns:p="http://schemas.openxmlformats.org/presentationml/2006/main">
-  <p:tag name="KSO_WM_UNIT_HIGHLIGHT" val="0"/>
-  <p:tag name="KSO_WM_UNIT_COMPATIBLE" val="0"/>
-  <p:tag name="KSO_WM_UNIT_DIAGRAM_ISNUMVISUAL" val="0"/>
-  <p:tag name="KSO_WM_UNIT_DIAGRAM_ISREFERUNIT" val="0"/>
-  <p:tag name="KSO_WM_UNIT_ID" val="_3**"/>
-  <p:tag name="KSO_WM_UNIT_LAYERLEVEL" val="1"/>
-  <p:tag name="KSO_WM_TAG_VERSION" val="1.0"/>
-  <p:tag name="KSO_WM_BEAUTIFY_FLAG" val="#wm#"/>
-</p:tagLst>
-</file>
-
-<file path=ppt/tags/tag14.xml><?xml version="1.0" encoding="utf-8"?>
-<p:tagLst xmlns:p="http://schemas.openxmlformats.org/presentationml/2006/main">
-  <p:tag name="KSO_WM_UNIT_HIGHLIGHT" val="0"/>
-  <p:tag name="KSO_WM_UNIT_COMPATIBLE" val="0"/>
-  <p:tag name="KSO_WM_UNIT_DIAGRAM_ISNUMVISUAL" val="0"/>
-  <p:tag name="KSO_WM_UNIT_DIAGRAM_ISREFERUNIT" val="0"/>
-  <p:tag name="KSO_WM_UNIT_ID" val="_3**"/>
-  <p:tag name="KSO_WM_UNIT_LAYERLEVEL" val="1"/>
-  <p:tag name="KSO_WM_TAG_VERSION" val="1.0"/>
-  <p:tag name="KSO_WM_BEAUTIFY_FLAG" val="#wm#"/>
-</p:tagLst>
-</file>
-
-<file path=ppt/tags/tag15.xml><?xml version="1.0" encoding="utf-8"?>
-<p:tagLst xmlns:p="http://schemas.openxmlformats.org/presentationml/2006/main">
-  <p:tag name="KSO_WM_UNIT_HIGHLIGHT" val="0"/>
-  <p:tag name="KSO_WM_UNIT_COMPATIBLE" val="0"/>
-  <p:tag name="KSO_WM_UNIT_DIAGRAM_ISNUMVISUAL" val="0"/>
-  <p:tag name="KSO_WM_UNIT_DIAGRAM_ISREFERUNIT" val="0"/>
-  <p:tag name="KSO_WM_UNIT_ID" val="_3**"/>
-  <p:tag name="KSO_WM_UNIT_LAYERLEVEL" val="1"/>
-  <p:tag name="KSO_WM_TAG_VERSION" val="1.0"/>
-  <p:tag name="KSO_WM_BEAUTIFY_FLAG" val="#wm#"/>
-</p:tagLst>
-</file>
-
-<file path=ppt/tags/tag16.xml><?xml version="1.0" encoding="utf-8"?>
-<p:tagLst xmlns:p="http://schemas.openxmlformats.org/presentationml/2006/main">
-  <p:tag name="KSO_WM_UNIT_HIGHLIGHT" val="0"/>
-  <p:tag name="KSO_WM_UNIT_COMPATIBLE" val="0"/>
-  <p:tag name="KSO_WM_UNIT_DIAGRAM_ISNUMVISUAL" val="0"/>
-  <p:tag name="KSO_WM_UNIT_DIAGRAM_ISREFERUNIT" val="0"/>
-  <p:tag name="KSO_WM_UNIT_ID" val="_4**"/>
-  <p:tag name="KSO_WM_UNIT_LAYERLEVEL" val="1"/>
-  <p:tag name="KSO_WM_TAG_VERSION" val="1.0"/>
-  <p:tag name="KSO_WM_BEAUTIFY_FLAG" val="#wm#"/>
-</p:tagLst>
-</file>
-
-<file path=ppt/tags/tag17.xml><?xml version="1.0" encoding="utf-8"?>
-<p:tagLst xmlns:p="http://schemas.openxmlformats.org/presentationml/2006/main">
-  <p:tag name="KSO_WM_UNIT_HIGHLIGHT" val="0"/>
-  <p:tag name="KSO_WM_UNIT_COMPATIBLE" val="0"/>
-  <p:tag name="KSO_WM_UNIT_DIAGRAM_ISNUMVISUAL" val="0"/>
-  <p:tag name="KSO_WM_UNIT_DIAGRAM_ISREFERUNIT" val="0"/>
-  <p:tag name="KSO_WM_UNIT_ID" val="_4**"/>
-  <p:tag name="KSO_WM_UNIT_LAYERLEVEL" val="1"/>
-  <p:tag name="KSO_WM_TAG_VERSION" val="1.0"/>
-  <p:tag name="KSO_WM_BEAUTIFY_FLAG" val="#wm#"/>
-</p:tagLst>
-</file>
-
-<file path=ppt/tags/tag18.xml><?xml version="1.0" encoding="utf-8"?>
-<p:tagLst xmlns:p="http://schemas.openxmlformats.org/presentationml/2006/main">
-  <p:tag name="KSO_WM_UNIT_HIGHLIGHT" val="0"/>
-  <p:tag name="KSO_WM_UNIT_COMPATIBLE" val="0"/>
-  <p:tag name="KSO_WM_UNIT_DIAGRAM_ISNUMVISUAL" val="0"/>
-  <p:tag name="KSO_WM_UNIT_DIAGRAM_ISREFERUNIT" val="0"/>
-  <p:tag name="KSO_WM_UNIT_ID" val="_4**"/>
-  <p:tag name="KSO_WM_UNIT_LAYERLEVEL" val="1"/>
-  <p:tag name="KSO_WM_TAG_VERSION" val="1.0"/>
-  <p:tag name="KSO_WM_BEAUTIFY_FLAG" val="#wm#"/>
-</p:tagLst>
-</file>
-
-<file path=ppt/tags/tag19.xml><?xml version="1.0" encoding="utf-8"?>
-<p:tagLst xmlns:p="http://schemas.openxmlformats.org/presentationml/2006/main">
-  <p:tag name="KSO_WM_UNIT_HIGHLIGHT" val="0"/>
-  <p:tag name="KSO_WM_UNIT_COMPATIBLE" val="0"/>
-  <p:tag name="KSO_WM_UNIT_DIAGRAM_ISNUMVISUAL" val="0"/>
-  <p:tag name="KSO_WM_UNIT_DIAGRAM_ISREFERUNIT" val="0"/>
-  <p:tag name="KSO_WM_UNIT_ID" val="_4**"/>
-  <p:tag name="KSO_WM_UNIT_LAYERLEVEL" val="1"/>
-  <p:tag name="KSO_WM_TAG_VERSION" val="1.0"/>
-  <p:tag name="KSO_WM_BEAUTIFY_FLAG" val="#wm#"/>
+<p:tagLst xmlns:a="http://schemas.openxmlformats.org/drawingml/2006/main" xmlns:r="http://schemas.openxmlformats.org/officeDocument/2006/relationships" xmlns:p="http://schemas.openxmlformats.org/presentationml/2006/main">
+  <p:tag name="COMMONDATA" val="eyJoZGlkIjoiNzQ3N2ZjYjdlZjI4MWJiNDVlMjI3N2Y1ZjRlZGVkYjgifQ=="/>
 </p:tagLst>
 </file>
 
 <file path=ppt/tags/tag2.xml><?xml version="1.0" encoding="utf-8"?>
-<p:tagLst xmlns:p="http://schemas.openxmlformats.org/presentationml/2006/main">
-  <p:tag name="KSO_WM_UNIT_HIGHLIGHT" val="0"/>
-  <p:tag name="KSO_WM_UNIT_COMPATIBLE" val="0"/>
-  <p:tag name="KSO_WM_UNIT_DIAGRAM_ISNUMVISUAL" val="0"/>
-  <p:tag name="KSO_WM_UNIT_DIAGRAM_ISREFERUNIT" val="0"/>
-  <p:tag name="KSO_WM_UNIT_ID" val="_1**"/>
-  <p:tag name="KSO_WM_UNIT_LAYERLEVEL" val="1"/>
-  <p:tag name="KSO_WM_TAG_VERSION" val="1.0"/>
-  <p:tag name="KSO_WM_BEAUTIFY_FLAG" val="#wm#"/>
-</p:tagLst>
-</file>
-
-<file path=ppt/tags/tag20.xml><?xml version="1.0" encoding="utf-8"?>
-<p:tagLst xmlns:p="http://schemas.openxmlformats.org/presentationml/2006/main">
-  <p:tag name="KSO_WM_UNIT_HIGHLIGHT" val="0"/>
-  <p:tag name="KSO_WM_UNIT_COMPATIBLE" val="0"/>
-  <p:tag name="KSO_WM_UNIT_DIAGRAM_ISNUMVISUAL" val="0"/>
-  <p:tag name="KSO_WM_UNIT_DIAGRAM_ISREFERUNIT" val="0"/>
-  <p:tag name="KSO_WM_UNIT_ID" val="_4**"/>
-  <p:tag name="KSO_WM_UNIT_LAYERLEVEL" val="1"/>
-  <p:tag name="KSO_WM_TAG_VERSION" val="1.0"/>
-  <p:tag name="KSO_WM_BEAUTIFY_FLAG" val="#wm#"/>
-</p:tagLst>
-</file>
-
-<file path=ppt/tags/tag21.xml><?xml version="1.0" encoding="utf-8"?>
-<p:tagLst xmlns:p="http://schemas.openxmlformats.org/presentationml/2006/main">
-  <p:tag name="KSO_WM_UNIT_HIGHLIGHT" val="0"/>
-  <p:tag name="KSO_WM_UNIT_COMPATIBLE" val="0"/>
-  <p:tag name="KSO_WM_UNIT_DIAGRAM_ISNUMVISUAL" val="0"/>
-  <p:tag name="KSO_WM_UNIT_DIAGRAM_ISREFERUNIT" val="0"/>
-  <p:tag name="KSO_WM_UNIT_ID" val="_4**"/>
-  <p:tag name="KSO_WM_UNIT_LAYERLEVEL" val="1"/>
-  <p:tag name="KSO_WM_TAG_VERSION" val="1.0"/>
-  <p:tag name="KSO_WM_BEAUTIFY_FLAG" val="#wm#"/>
-</p:tagLst>
-</file>
-
-<file path=ppt/tags/tag22.xml><?xml version="1.0" encoding="utf-8"?>
-<p:tagLst xmlns:p="http://schemas.openxmlformats.org/presentationml/2006/main">
-  <p:tag name="KSO_WM_UNIT_HIGHLIGHT" val="0"/>
-  <p:tag name="KSO_WM_UNIT_COMPATIBLE" val="0"/>
-  <p:tag name="KSO_WM_UNIT_DIAGRAM_ISNUMVISUAL" val="0"/>
-  <p:tag name="KSO_WM_UNIT_DIAGRAM_ISREFERUNIT" val="0"/>
-  <p:tag name="KSO_WM_UNIT_ID" val="_5**"/>
-  <p:tag name="KSO_WM_UNIT_LAYERLEVEL" val="1"/>
-  <p:tag name="KSO_WM_TAG_VERSION" val="1.0"/>
-  <p:tag name="KSO_WM_BEAUTIFY_FLAG" val="#wm#"/>
-</p:tagLst>
-</file>
-
-<file path=ppt/tags/tag23.xml><?xml version="1.0" encoding="utf-8"?>
-<p:tagLst xmlns:p="http://schemas.openxmlformats.org/presentationml/2006/main">
-  <p:tag name="KSO_WM_UNIT_HIGHLIGHT" val="0"/>
-  <p:tag name="KSO_WM_UNIT_COMPATIBLE" val="0"/>
-  <p:tag name="KSO_WM_UNIT_DIAGRAM_ISNUMVISUAL" val="0"/>
-  <p:tag name="KSO_WM_UNIT_DIAGRAM_ISREFERUNIT" val="0"/>
-  <p:tag name="KSO_WM_UNIT_ID" val="_5**"/>
-  <p:tag name="KSO_WM_UNIT_LAYERLEVEL" val="1"/>
-  <p:tag name="KSO_WM_TAG_VERSION" val="1.0"/>
-  <p:tag name="KSO_WM_BEAUTIFY_FLAG" val="#wm#"/>
-</p:tagLst>
-</file>
-
-<file path=ppt/tags/tag24.xml><?xml version="1.0" encoding="utf-8"?>
-<p:tagLst xmlns:p="http://schemas.openxmlformats.org/presentationml/2006/main">
-  <p:tag name="KSO_WM_UNIT_HIGHLIGHT" val="0"/>
-  <p:tag name="KSO_WM_UNIT_COMPATIBLE" val="0"/>
-  <p:tag name="KSO_WM_UNIT_DIAGRAM_ISNUMVISUAL" val="0"/>
-  <p:tag name="KSO_WM_UNIT_DIAGRAM_ISREFERUNIT" val="0"/>
-  <p:tag name="KSO_WM_UNIT_ID" val="_5**"/>
-  <p:tag name="KSO_WM_UNIT_LAYERLEVEL" val="1"/>
-  <p:tag name="KSO_WM_TAG_VERSION" val="1.0"/>
-  <p:tag name="KSO_WM_BEAUTIFY_FLAG" val="#wm#"/>
-</p:tagLst>
-</file>
-
-<file path=ppt/tags/tag25.xml><?xml version="1.0" encoding="utf-8"?>
-<p:tagLst xmlns:p="http://schemas.openxmlformats.org/presentationml/2006/main">
-  <p:tag name="KSO_WM_UNIT_HIGHLIGHT" val="0"/>
-  <p:tag name="KSO_WM_UNIT_COMPATIBLE" val="0"/>
-  <p:tag name="KSO_WM_UNIT_DIAGRAM_ISNUMVISUAL" val="0"/>
-  <p:tag name="KSO_WM_UNIT_DIAGRAM_ISREFERUNIT" val="0"/>
-  <p:tag name="KSO_WM_UNIT_ID" val="_5**"/>
-  <p:tag name="KSO_WM_UNIT_LAYERLEVEL" val="1"/>
-  <p:tag name="KSO_WM_TAG_VERSION" val="1.0"/>
-  <p:tag name="KSO_WM_BEAUTIFY_FLAG" val="#wm#"/>
-</p:tagLst>
-</file>
-
-<file path=ppt/tags/tag26.xml><?xml version="1.0" encoding="utf-8"?>
-<p:tagLst xmlns:p="http://schemas.openxmlformats.org/presentationml/2006/main">
-  <p:tag name="KSO_WM_UNIT_HIGHLIGHT" val="0"/>
-  <p:tag name="KSO_WM_UNIT_COMPATIBLE" val="0"/>
-  <p:tag name="KSO_WM_UNIT_DIAGRAM_ISNUMVISUAL" val="0"/>
-  <p:tag name="KSO_WM_UNIT_DIAGRAM_ISREFERUNIT" val="0"/>
-  <p:tag name="KSO_WM_UNIT_ID" val="_5**"/>
-  <p:tag name="KSO_WM_UNIT_LAYERLEVEL" val="1"/>
-  <p:tag name="KSO_WM_TAG_VERSION" val="1.0"/>
-  <p:tag name="KSO_WM_BEAUTIFY_FLAG" val="#wm#"/>
-</p:tagLst>
-</file>
-
-<file path=ppt/tags/tag27.xml><?xml version="1.0" encoding="utf-8"?>
-<p:tagLst xmlns:p="http://schemas.openxmlformats.org/presentationml/2006/main">
-  <p:tag name="KSO_WM_UNIT_HIGHLIGHT" val="0"/>
-  <p:tag name="KSO_WM_UNIT_COMPATIBLE" val="0"/>
-  <p:tag name="KSO_WM_UNIT_DIAGRAM_ISNUMVISUAL" val="0"/>
-  <p:tag name="KSO_WM_UNIT_DIAGRAM_ISREFERUNIT" val="0"/>
-  <p:tag name="KSO_WM_UNIT_ID" val="_5**"/>
-  <p:tag name="KSO_WM_UNIT_LAYERLEVEL" val="1"/>
-  <p:tag name="KSO_WM_TAG_VERSION" val="1.0"/>
-  <p:tag name="KSO_WM_BEAUTIFY_FLAG" val="#wm#"/>
-</p:tagLst>
-</file>
-
-<file path=ppt/tags/tag28.xml><?xml version="1.0" encoding="utf-8"?>
-<p:tagLst xmlns:p="http://schemas.openxmlformats.org/presentationml/2006/main">
-  <p:tag name="KSO_WM_UNIT_HIGHLIGHT" val="0"/>
-  <p:tag name="KSO_WM_UNIT_COMPATIBLE" val="0"/>
-  <p:tag name="KSO_WM_UNIT_DIAGRAM_ISNUMVISUAL" val="0"/>
-  <p:tag name="KSO_WM_UNIT_DIAGRAM_ISREFERUNIT" val="0"/>
-  <p:tag name="KSO_WM_UNIT_ID" val="_5**"/>
-  <p:tag name="KSO_WM_UNIT_LAYERLEVEL" val="1"/>
-  <p:tag name="KSO_WM_TAG_VERSION" val="1.0"/>
-  <p:tag name="KSO_WM_BEAUTIFY_FLAG" val="#wm#"/>
-</p:tagLst>
-</file>
-
-<file path=ppt/tags/tag29.xml><?xml version="1.0" encoding="utf-8"?>
-<p:tagLst xmlns:p="http://schemas.openxmlformats.org/presentationml/2006/main">
-  <p:tag name="KSO_WM_UNIT_HIGHLIGHT" val="0"/>
-  <p:tag name="KSO_WM_UNIT_COMPATIBLE" val="0"/>
-  <p:tag name="KSO_WM_UNIT_DIAGRAM_ISNUMVISUAL" val="0"/>
-  <p:tag name="KSO_WM_UNIT_DIAGRAM_ISREFERUNIT" val="0"/>
-  <p:tag name="KSO_WM_UNIT_ID" val="_5**"/>
-  <p:tag name="KSO_WM_UNIT_LAYERLEVEL" val="1"/>
-  <p:tag name="KSO_WM_TAG_VERSION" val="1.0"/>
-  <p:tag name="KSO_WM_BEAUTIFY_FLAG" val="#wm#"/>
+<p:tagLst xmlns:a="http://schemas.openxmlformats.org/drawingml/2006/main" xmlns:r="http://schemas.openxmlformats.org/officeDocument/2006/relationships" xmlns:p="http://schemas.openxmlformats.org/presentationml/2006/main">
+  <p:tag name="KSO_WM_BEAUTIFY_FLAG" val=""/>
 </p:tagLst>
 </file>
 
 <file path=ppt/tags/tag3.xml><?xml version="1.0" encoding="utf-8"?>
-<p:tagLst xmlns:p="http://schemas.openxmlformats.org/presentationml/2006/main">
-  <p:tag name="KSO_WM_UNIT_HIGHLIGHT" val="0"/>
-  <p:tag name="KSO_WM_UNIT_COMPATIBLE" val="0"/>
-  <p:tag name="KSO_WM_UNIT_DIAGRAM_ISNUMVISUAL" val="0"/>
-  <p:tag name="KSO_WM_UNIT_DIAGRAM_ISREFERUNIT" val="0"/>
-  <p:tag name="KSO_WM_UNIT_ID" val="_1**"/>
-  <p:tag name="KSO_WM_UNIT_LAYERLEVEL" val="1"/>
-  <p:tag name="KSO_WM_TAG_VERSION" val="1.0"/>
-  <p:tag name="KSO_WM_BEAUTIFY_FLAG" val="#wm#"/>
-</p:tagLst>
-</file>
-
-<file path=ppt/tags/tag30.xml><?xml version="1.0" encoding="utf-8"?>
-<p:tagLst xmlns:p="http://schemas.openxmlformats.org/presentationml/2006/main">
-  <p:tag name="KSO_WM_UNIT_HIGHLIGHT" val="0"/>
-  <p:tag name="KSO_WM_UNIT_COMPATIBLE" val="0"/>
-  <p:tag name="KSO_WM_UNIT_DIAGRAM_ISNUMVISUAL" val="0"/>
-  <p:tag name="KSO_WM_UNIT_DIAGRAM_ISREFERUNIT" val="0"/>
-  <p:tag name="KSO_WM_UNIT_ID" val="_6**"/>
-  <p:tag name="KSO_WM_UNIT_LAYERLEVEL" val="1"/>
-  <p:tag name="KSO_WM_TAG_VERSION" val="1.0"/>
-  <p:tag name="KSO_WM_BEAUTIFY_FLAG" val="#wm#"/>
-</p:tagLst>
-</file>
-
-<file path=ppt/tags/tag31.xml><?xml version="1.0" encoding="utf-8"?>
-<p:tagLst xmlns:p="http://schemas.openxmlformats.org/presentationml/2006/main">
-  <p:tag name="KSO_WM_UNIT_HIGHLIGHT" val="0"/>
-  <p:tag name="KSO_WM_UNIT_COMPATIBLE" val="0"/>
-  <p:tag name="KSO_WM_UNIT_DIAGRAM_ISNUMVISUAL" val="0"/>
-  <p:tag name="KSO_WM_UNIT_DIAGRAM_ISREFERUNIT" val="0"/>
-  <p:tag name="KSO_WM_UNIT_ID" val="_6**"/>
-  <p:tag name="KSO_WM_UNIT_LAYERLEVEL" val="1"/>
-  <p:tag name="KSO_WM_TAG_VERSION" val="1.0"/>
-  <p:tag name="KSO_WM_BEAUTIFY_FLAG" val="#wm#"/>
-</p:tagLst>
-</file>
-
-<file path=ppt/tags/tag32.xml><?xml version="1.0" encoding="utf-8"?>
-<p:tagLst xmlns:p="http://schemas.openxmlformats.org/presentationml/2006/main">
-  <p:tag name="KSO_WM_UNIT_HIGHLIGHT" val="0"/>
-  <p:tag name="KSO_WM_UNIT_COMPATIBLE" val="0"/>
-  <p:tag name="KSO_WM_UNIT_DIAGRAM_ISNUMVISUAL" val="0"/>
-  <p:tag name="KSO_WM_UNIT_DIAGRAM_ISREFERUNIT" val="0"/>
-  <p:tag name="KSO_WM_UNIT_ID" val="_6**"/>
-  <p:tag name="KSO_WM_UNIT_LAYERLEVEL" val="1"/>
-  <p:tag name="KSO_WM_TAG_VERSION" val="1.0"/>
-  <p:tag name="KSO_WM_BEAUTIFY_FLAG" val="#wm#"/>
-</p:tagLst>
-</file>
-
-<file path=ppt/tags/tag33.xml><?xml version="1.0" encoding="utf-8"?>
-<p:tagLst xmlns:p="http://schemas.openxmlformats.org/presentationml/2006/main">
-  <p:tag name="KSO_WM_UNIT_HIGHLIGHT" val="0"/>
-  <p:tag name="KSO_WM_UNIT_COMPATIBLE" val="0"/>
-  <p:tag name="KSO_WM_UNIT_DIAGRAM_ISNUMVISUAL" val="0"/>
-  <p:tag name="KSO_WM_UNIT_DIAGRAM_ISREFERUNIT" val="0"/>
-  <p:tag name="KSO_WM_UNIT_ID" val="_6**"/>
-  <p:tag name="KSO_WM_UNIT_LAYERLEVEL" val="1"/>
-  <p:tag name="KSO_WM_TAG_VERSION" val="1.0"/>
-  <p:tag name="KSO_WM_BEAUTIFY_FLAG" val="#wm#"/>
-</p:tagLst>
-</file>
-
-<file path=ppt/tags/tag34.xml><?xml version="1.0" encoding="utf-8"?>
-<p:tagLst xmlns:p="http://schemas.openxmlformats.org/presentationml/2006/main">
-  <p:tag name="KSO_WM_UNIT_HIGHLIGHT" val="0"/>
-  <p:tag name="KSO_WM_UNIT_COMPATIBLE" val="0"/>
-  <p:tag name="KSO_WM_UNIT_DIAGRAM_ISNUMVISUAL" val="0"/>
-  <p:tag name="KSO_WM_UNIT_DIAGRAM_ISREFERUNIT" val="0"/>
-  <p:tag name="KSO_WM_UNIT_ID" val="_7**"/>
-  <p:tag name="KSO_WM_UNIT_LAYERLEVEL" val="1"/>
-  <p:tag name="KSO_WM_TAG_VERSION" val="1.0"/>
-  <p:tag name="KSO_WM_BEAUTIFY_FLAG" val="#wm#"/>
-</p:tagLst>
-</file>
-
-<file path=ppt/tags/tag35.xml><?xml version="1.0" encoding="utf-8"?>
-<p:tagLst xmlns:p="http://schemas.openxmlformats.org/presentationml/2006/main">
-  <p:tag name="KSO_WM_UNIT_HIGHLIGHT" val="0"/>
-  <p:tag name="KSO_WM_UNIT_COMPATIBLE" val="0"/>
-  <p:tag name="KSO_WM_UNIT_DIAGRAM_ISNUMVISUAL" val="0"/>
-  <p:tag name="KSO_WM_UNIT_DIAGRAM_ISREFERUNIT" val="0"/>
-  <p:tag name="KSO_WM_UNIT_ID" val="_7**"/>
-  <p:tag name="KSO_WM_UNIT_LAYERLEVEL" val="1"/>
-  <p:tag name="KSO_WM_TAG_VERSION" val="1.0"/>
-  <p:tag name="KSO_WM_BEAUTIFY_FLAG" val="#wm#"/>
-</p:tagLst>
-</file>
-
-<file path=ppt/tags/tag36.xml><?xml version="1.0" encoding="utf-8"?>
-<p:tagLst xmlns:p="http://schemas.openxmlformats.org/presentationml/2006/main">
-  <p:tag name="KSO_WM_UNIT_HIGHLIGHT" val="0"/>
-  <p:tag name="KSO_WM_UNIT_COMPATIBLE" val="0"/>
-  <p:tag name="KSO_WM_UNIT_DIAGRAM_ISNUMVISUAL" val="0"/>
-  <p:tag name="KSO_WM_UNIT_DIAGRAM_ISREFERUNIT" val="0"/>
-  <p:tag name="KSO_WM_UNIT_ID" val="_7**"/>
-  <p:tag name="KSO_WM_UNIT_LAYERLEVEL" val="1"/>
-  <p:tag name="KSO_WM_TAG_VERSION" val="1.0"/>
-  <p:tag name="KSO_WM_BEAUTIFY_FLAG" val="#wm#"/>
-</p:tagLst>
-</file>
-
-<file path=ppt/tags/tag37.xml><?xml version="1.0" encoding="utf-8"?>
-<p:tagLst xmlns:p="http://schemas.openxmlformats.org/presentationml/2006/main">
-  <p:tag name="KSO_WM_UNIT_HIGHLIGHT" val="0"/>
-  <p:tag name="KSO_WM_UNIT_COMPATIBLE" val="0"/>
-  <p:tag name="KSO_WM_UNIT_DIAGRAM_ISNUMVISUAL" val="0"/>
-  <p:tag name="KSO_WM_UNIT_DIAGRAM_ISREFERUNIT" val="0"/>
-  <p:tag name="KSO_WM_UNIT_ID" val="_8**"/>
-  <p:tag name="KSO_WM_UNIT_LAYERLEVEL" val="1"/>
-  <p:tag name="KSO_WM_TAG_VERSION" val="1.0"/>
-  <p:tag name="KSO_WM_BEAUTIFY_FLAG" val="#wm#"/>
-</p:tagLst>
-</file>
-
-<file path=ppt/tags/tag38.xml><?xml version="1.0" encoding="utf-8"?>
-<p:tagLst xmlns:p="http://schemas.openxmlformats.org/presentationml/2006/main">
-  <p:tag name="KSO_WM_UNIT_HIGHLIGHT" val="0"/>
-  <p:tag name="KSO_WM_UNIT_COMPATIBLE" val="0"/>
-  <p:tag name="KSO_WM_UNIT_DIAGRAM_ISNUMVISUAL" val="0"/>
-  <p:tag name="KSO_WM_UNIT_DIAGRAM_ISREFERUNIT" val="0"/>
-  <p:tag name="KSO_WM_UNIT_ID" val="_8**"/>
-  <p:tag name="KSO_WM_UNIT_LAYERLEVEL" val="1"/>
-  <p:tag name="KSO_WM_TAG_VERSION" val="1.0"/>
-  <p:tag name="KSO_WM_BEAUTIFY_FLAG" val="#wm#"/>
-</p:tagLst>
-</file>
-
-<file path=ppt/tags/tag39.xml><?xml version="1.0" encoding="utf-8"?>
-<p:tagLst xmlns:p="http://schemas.openxmlformats.org/presentationml/2006/main">
-  <p:tag name="KSO_WM_UNIT_HIGHLIGHT" val="0"/>
-  <p:tag name="KSO_WM_UNIT_COMPATIBLE" val="0"/>
-  <p:tag name="KSO_WM_UNIT_DIAGRAM_ISNUMVISUAL" val="0"/>
-  <p:tag name="KSO_WM_UNIT_DIAGRAM_ISREFERUNIT" val="0"/>
-  <p:tag name="KSO_WM_UNIT_ID" val="_8**"/>
-  <p:tag name="KSO_WM_UNIT_LAYERLEVEL" val="1"/>
-  <p:tag name="KSO_WM_TAG_VERSION" val="1.0"/>
-  <p:tag name="KSO_WM_BEAUTIFY_FLAG" val="#wm#"/>
+<p:tagLst xmlns:a="http://schemas.openxmlformats.org/drawingml/2006/main" xmlns:r="http://schemas.openxmlformats.org/officeDocument/2006/relationships" xmlns:p="http://schemas.openxmlformats.org/presentationml/2006/main">
+  <p:tag name="KSO_WM_BEAUTIFY_FLAG" val=""/>
 </p:tagLst>
 </file>
 
 <file path=ppt/tags/tag4.xml><?xml version="1.0" encoding="utf-8"?>
-<p:tagLst xmlns:p="http://schemas.openxmlformats.org/presentationml/2006/main">
-  <p:tag name="KSO_WM_UNIT_HIGHLIGHT" val="0"/>
-  <p:tag name="KSO_WM_UNIT_COMPATIBLE" val="0"/>
-  <p:tag name="KSO_WM_UNIT_DIAGRAM_ISNUMVISUAL" val="0"/>
-  <p:tag name="KSO_WM_UNIT_DIAGRAM_ISREFERUNIT" val="0"/>
-  <p:tag name="KSO_WM_UNIT_ID" val="_1**"/>
-  <p:tag name="KSO_WM_UNIT_LAYERLEVEL" val="1"/>
-  <p:tag name="KSO_WM_TAG_VERSION" val="1.0"/>
-  <p:tag name="KSO_WM_BEAUTIFY_FLAG" val="#wm#"/>
-</p:tagLst>
-</file>
-
-<file path=ppt/tags/tag40.xml><?xml version="1.0" encoding="utf-8"?>
-<p:tagLst xmlns:p="http://schemas.openxmlformats.org/presentationml/2006/main">
-  <p:tag name="KSO_WM_UNIT_HIGHLIGHT" val="0"/>
-  <p:tag name="KSO_WM_UNIT_COMPATIBLE" val="0"/>
-  <p:tag name="KSO_WM_UNIT_DIAGRAM_ISNUMVISUAL" val="0"/>
-  <p:tag name="KSO_WM_UNIT_DIAGRAM_ISREFERUNIT" val="0"/>
-  <p:tag name="KSO_WM_UNIT_ID" val="_8**"/>
-  <p:tag name="KSO_WM_UNIT_LAYERLEVEL" val="1"/>
-  <p:tag name="KSO_WM_TAG_VERSION" val="1.0"/>
-  <p:tag name="KSO_WM_BEAUTIFY_FLAG" val="#wm#"/>
-</p:tagLst>
-</file>
-
-<file path=ppt/tags/tag41.xml><?xml version="1.0" encoding="utf-8"?>
-<p:tagLst xmlns:p="http://schemas.openxmlformats.org/presentationml/2006/main">
-  <p:tag name="KSO_WM_UNIT_HIGHLIGHT" val="0"/>
-  <p:tag name="KSO_WM_UNIT_COMPATIBLE" val="0"/>
-  <p:tag name="KSO_WM_UNIT_DIAGRAM_ISNUMVISUAL" val="0"/>
-  <p:tag name="KSO_WM_UNIT_DIAGRAM_ISREFERUNIT" val="0"/>
-  <p:tag name="KSO_WM_UNIT_ID" val="_8**"/>
-  <p:tag name="KSO_WM_UNIT_LAYERLEVEL" val="1"/>
-  <p:tag name="KSO_WM_TAG_VERSION" val="1.0"/>
-  <p:tag name="KSO_WM_BEAUTIFY_FLAG" val="#wm#"/>
-</p:tagLst>
-</file>
-
-<file path=ppt/tags/tag42.xml><?xml version="1.0" encoding="utf-8"?>
-<p:tagLst xmlns:p="http://schemas.openxmlformats.org/presentationml/2006/main">
-  <p:tag name="KSO_WM_UNIT_HIGHLIGHT" val="0"/>
-  <p:tag name="KSO_WM_UNIT_COMPATIBLE" val="0"/>
-  <p:tag name="KSO_WM_UNIT_DIAGRAM_ISNUMVISUAL" val="0"/>
-  <p:tag name="KSO_WM_UNIT_DIAGRAM_ISREFERUNIT" val="0"/>
-  <p:tag name="KSO_WM_UNIT_ID" val="_8**"/>
-  <p:tag name="KSO_WM_UNIT_LAYERLEVEL" val="1"/>
-  <p:tag name="KSO_WM_TAG_VERSION" val="1.0"/>
-  <p:tag name="KSO_WM_BEAUTIFY_FLAG" val="#wm#"/>
-</p:tagLst>
-</file>
-
-<file path=ppt/tags/tag43.xml><?xml version="1.0" encoding="utf-8"?>
-<p:tagLst xmlns:p="http://schemas.openxmlformats.org/presentationml/2006/main">
-  <p:tag name="KSO_WM_UNIT_HIGHLIGHT" val="0"/>
-  <p:tag name="KSO_WM_UNIT_COMPATIBLE" val="0"/>
-  <p:tag name="KSO_WM_UNIT_DIAGRAM_ISNUMVISUAL" val="0"/>
-  <p:tag name="KSO_WM_UNIT_DIAGRAM_ISREFERUNIT" val="0"/>
-  <p:tag name="KSO_WM_UNIT_ID" val="_9**"/>
-  <p:tag name="KSO_WM_UNIT_LAYERLEVEL" val="1"/>
-  <p:tag name="KSO_WM_TAG_VERSION" val="1.0"/>
-  <p:tag name="KSO_WM_BEAUTIFY_FLAG" val="#wm#"/>
-</p:tagLst>
-</file>
-
-<file path=ppt/tags/tag44.xml><?xml version="1.0" encoding="utf-8"?>
-<p:tagLst xmlns:p="http://schemas.openxmlformats.org/presentationml/2006/main">
-  <p:tag name="KSO_WM_UNIT_HIGHLIGHT" val="0"/>
-  <p:tag name="KSO_WM_UNIT_COMPATIBLE" val="0"/>
-  <p:tag name="KSO_WM_UNIT_DIAGRAM_ISNUMVISUAL" val="0"/>
-  <p:tag name="KSO_WM_UNIT_DIAGRAM_ISREFERUNIT" val="0"/>
-  <p:tag name="KSO_WM_UNIT_ID" val="_9**"/>
-  <p:tag name="KSO_WM_UNIT_LAYERLEVEL" val="1"/>
-  <p:tag name="KSO_WM_TAG_VERSION" val="1.0"/>
-  <p:tag name="KSO_WM_BEAUTIFY_FLAG" val="#wm#"/>
-</p:tagLst>
-</file>
-
-<file path=ppt/tags/tag45.xml><?xml version="1.0" encoding="utf-8"?>
-<p:tagLst xmlns:p="http://schemas.openxmlformats.org/presentationml/2006/main">
-  <p:tag name="KSO_WM_UNIT_HIGHLIGHT" val="0"/>
-  <p:tag name="KSO_WM_UNIT_COMPATIBLE" val="0"/>
-  <p:tag name="KSO_WM_UNIT_DIAGRAM_ISNUMVISUAL" val="0"/>
-  <p:tag name="KSO_WM_UNIT_DIAGRAM_ISREFERUNIT" val="0"/>
-  <p:tag name="KSO_WM_UNIT_ID" val="_9**"/>
-  <p:tag name="KSO_WM_UNIT_LAYERLEVEL" val="1"/>
-  <p:tag name="KSO_WM_TAG_VERSION" val="1.0"/>
-  <p:tag name="KSO_WM_BEAUTIFY_FLAG" val="#wm#"/>
-</p:tagLst>
-</file>
-
-<file path=ppt/tags/tag46.xml><?xml version="1.0" encoding="utf-8"?>
-<p:tagLst xmlns:p="http://schemas.openxmlformats.org/presentationml/2006/main">
-  <p:tag name="KSO_WM_UNIT_HIGHLIGHT" val="0"/>
-  <p:tag name="KSO_WM_UNIT_COMPATIBLE" val="0"/>
-  <p:tag name="KSO_WM_UNIT_DIAGRAM_ISNUMVISUAL" val="0"/>
-  <p:tag name="KSO_WM_UNIT_DIAGRAM_ISREFERUNIT" val="0"/>
-  <p:tag name="KSO_WM_UNIT_ID" val="_9**"/>
-  <p:tag name="KSO_WM_UNIT_LAYERLEVEL" val="1"/>
-  <p:tag name="KSO_WM_TAG_VERSION" val="1.0"/>
-  <p:tag name="KSO_WM_BEAUTIFY_FLAG" val="#wm#"/>
-</p:tagLst>
-</file>
-
-<file path=ppt/tags/tag47.xml><?xml version="1.0" encoding="utf-8"?>
-<p:tagLst xmlns:p="http://schemas.openxmlformats.org/presentationml/2006/main">
-  <p:tag name="KSO_WM_UNIT_HIGHLIGHT" val="0"/>
-  <p:tag name="KSO_WM_UNIT_COMPATIBLE" val="0"/>
-  <p:tag name="KSO_WM_UNIT_DIAGRAM_ISNUMVISUAL" val="0"/>
-  <p:tag name="KSO_WM_UNIT_DIAGRAM_ISREFERUNIT" val="0"/>
-  <p:tag name="KSO_WM_UNIT_ID" val="_9**"/>
-  <p:tag name="KSO_WM_UNIT_LAYERLEVEL" val="1"/>
-  <p:tag name="KSO_WM_TAG_VERSION" val="1.0"/>
-  <p:tag name="KSO_WM_BEAUTIFY_FLAG" val="#wm#"/>
-</p:tagLst>
-</file>
-
-<file path=ppt/tags/tag48.xml><?xml version="1.0" encoding="utf-8"?>
-<p:tagLst xmlns:p="http://schemas.openxmlformats.org/presentationml/2006/main">
-  <p:tag name="KSO_WM_UNIT_HIGHLIGHT" val="0"/>
-  <p:tag name="KSO_WM_UNIT_COMPATIBLE" val="0"/>
-  <p:tag name="KSO_WM_UNIT_DIAGRAM_ISNUMVISUAL" val="0"/>
-  <p:tag name="KSO_WM_UNIT_DIAGRAM_ISREFERUNIT" val="0"/>
-  <p:tag name="KSO_WM_UNIT_ID" val="_10**"/>
-  <p:tag name="KSO_WM_UNIT_LAYERLEVEL" val="1"/>
-  <p:tag name="KSO_WM_TAG_VERSION" val="1.0"/>
-  <p:tag name="KSO_WM_BEAUTIFY_FLAG" val="#wm#"/>
-</p:tagLst>
-</file>
-
-<file path=ppt/tags/tag49.xml><?xml version="1.0" encoding="utf-8"?>
-<p:tagLst xmlns:p="http://schemas.openxmlformats.org/presentationml/2006/main">
-  <p:tag name="KSO_WM_UNIT_HIGHLIGHT" val="0"/>
-  <p:tag name="KSO_WM_UNIT_COMPATIBLE" val="0"/>
-  <p:tag name="KSO_WM_UNIT_DIAGRAM_ISNUMVISUAL" val="0"/>
-  <p:tag name="KSO_WM_UNIT_DIAGRAM_ISREFERUNIT" val="0"/>
-  <p:tag name="KSO_WM_UNIT_ID" val="_10**"/>
-  <p:tag name="KSO_WM_UNIT_LAYERLEVEL" val="1"/>
-  <p:tag name="KSO_WM_TAG_VERSION" val="1.0"/>
-  <p:tag name="KSO_WM_BEAUTIFY_FLAG" val="#wm#"/>
+<p:tagLst xmlns:a="http://schemas.openxmlformats.org/drawingml/2006/main" xmlns:r="http://schemas.openxmlformats.org/officeDocument/2006/relationships" xmlns:p="http://schemas.openxmlformats.org/presentationml/2006/main">
+  <p:tag name="KSO_WM_BEAUTIFY_FLAG" val=""/>
 </p:tagLst>
 </file>
 
 <file path=ppt/tags/tag5.xml><?xml version="1.0" encoding="utf-8"?>
-<p:tagLst xmlns:p="http://schemas.openxmlformats.org/presentationml/2006/main">
-  <p:tag name="KSO_WM_UNIT_HIGHLIGHT" val="0"/>
-  <p:tag name="KSO_WM_UNIT_COMPATIBLE" val="0"/>
-  <p:tag name="KSO_WM_UNIT_DIAGRAM_ISNUMVISUAL" val="0"/>
-  <p:tag name="KSO_WM_UNIT_DIAGRAM_ISREFERUNIT" val="0"/>
-  <p:tag name="KSO_WM_UNIT_ID" val="_1**"/>
-  <p:tag name="KSO_WM_UNIT_LAYERLEVEL" val="1"/>
-  <p:tag name="KSO_WM_TAG_VERSION" val="1.0"/>
-  <p:tag name="KSO_WM_BEAUTIFY_FLAG" val="#wm#"/>
-</p:tagLst>
-</file>
-
-<file path=ppt/tags/tag50.xml><?xml version="1.0" encoding="utf-8"?>
-<p:tagLst xmlns:p="http://schemas.openxmlformats.org/presentationml/2006/main">
-  <p:tag name="KSO_WM_UNIT_HIGHLIGHT" val="0"/>
-  <p:tag name="KSO_WM_UNIT_COMPATIBLE" val="0"/>
-  <p:tag name="KSO_WM_UNIT_DIAGRAM_ISNUMVISUAL" val="0"/>
-  <p:tag name="KSO_WM_UNIT_DIAGRAM_ISREFERUNIT" val="0"/>
-  <p:tag name="KSO_WM_UNIT_ID" val="_10**"/>
-  <p:tag name="KSO_WM_UNIT_LAYERLEVEL" val="1"/>
-  <p:tag name="KSO_WM_TAG_VERSION" val="1.0"/>
-  <p:tag name="KSO_WM_BEAUTIFY_FLAG" val="#wm#"/>
-</p:tagLst>
-</file>
-
-<file path=ppt/tags/tag51.xml><?xml version="1.0" encoding="utf-8"?>
-<p:tagLst xmlns:p="http://schemas.openxmlformats.org/presentationml/2006/main">
-  <p:tag name="KSO_WM_UNIT_HIGHLIGHT" val="0"/>
-  <p:tag name="KSO_WM_UNIT_COMPATIBLE" val="0"/>
-  <p:tag name="KSO_WM_UNIT_DIAGRAM_ISNUMVISUAL" val="0"/>
-  <p:tag name="KSO_WM_UNIT_DIAGRAM_ISREFERUNIT" val="0"/>
-  <p:tag name="KSO_WM_UNIT_ID" val="_10**"/>
-  <p:tag name="KSO_WM_UNIT_LAYERLEVEL" val="1"/>
-  <p:tag name="KSO_WM_TAG_VERSION" val="1.0"/>
-  <p:tag name="KSO_WM_BEAUTIFY_FLAG" val="#wm#"/>
-</p:tagLst>
-</file>
-
-<file path=ppt/tags/tag52.xml><?xml version="1.0" encoding="utf-8"?>
-<p:tagLst xmlns:p="http://schemas.openxmlformats.org/presentationml/2006/main">
-  <p:tag name="KSO_WM_UNIT_HIGHLIGHT" val="0"/>
-  <p:tag name="KSO_WM_UNIT_COMPATIBLE" val="0"/>
-  <p:tag name="KSO_WM_UNIT_DIAGRAM_ISNUMVISUAL" val="0"/>
-  <p:tag name="KSO_WM_UNIT_DIAGRAM_ISREFERUNIT" val="0"/>
-  <p:tag name="KSO_WM_UNIT_ID" val="_11**"/>
-  <p:tag name="KSO_WM_UNIT_LAYERLEVEL" val="1"/>
-  <p:tag name="KSO_WM_TAG_VERSION" val="1.0"/>
-  <p:tag name="KSO_WM_BEAUTIFY_FLAG" val="#wm#"/>
-</p:tagLst>
-</file>
-
-<file path=ppt/tags/tag53.xml><?xml version="1.0" encoding="utf-8"?>
-<p:tagLst xmlns:p="http://schemas.openxmlformats.org/presentationml/2006/main">
-  <p:tag name="KSO_WM_UNIT_HIGHLIGHT" val="0"/>
-  <p:tag name="KSO_WM_UNIT_COMPATIBLE" val="0"/>
-  <p:tag name="KSO_WM_UNIT_DIAGRAM_ISNUMVISUAL" val="0"/>
-  <p:tag name="KSO_WM_UNIT_DIAGRAM_ISREFERUNIT" val="0"/>
-  <p:tag name="KSO_WM_UNIT_ID" val="_11**"/>
-  <p:tag name="KSO_WM_UNIT_LAYERLEVEL" val="1"/>
-  <p:tag name="KSO_WM_TAG_VERSION" val="1.0"/>
-  <p:tag name="KSO_WM_BEAUTIFY_FLAG" val="#wm#"/>
-</p:tagLst>
-</file>
-
-<file path=ppt/tags/tag54.xml><?xml version="1.0" encoding="utf-8"?>
-<p:tagLst xmlns:p="http://schemas.openxmlformats.org/presentationml/2006/main">
-  <p:tag name="KSO_WM_UNIT_HIGHLIGHT" val="0"/>
-  <p:tag name="KSO_WM_UNIT_COMPATIBLE" val="0"/>
-  <p:tag name="KSO_WM_UNIT_DIAGRAM_ISNUMVISUAL" val="0"/>
-  <p:tag name="KSO_WM_UNIT_DIAGRAM_ISREFERUNIT" val="0"/>
-  <p:tag name="KSO_WM_UNIT_ID" val="_11**"/>
-  <p:tag name="KSO_WM_UNIT_LAYERLEVEL" val="1"/>
-  <p:tag name="KSO_WM_TAG_VERSION" val="1.0"/>
-  <p:tag name="KSO_WM_BEAUTIFY_FLAG" val="#wm#"/>
-</p:tagLst>
-</file>
-
-<file path=ppt/tags/tag55.xml><?xml version="1.0" encoding="utf-8"?>
-<p:tagLst xmlns:p="http://schemas.openxmlformats.org/presentationml/2006/main">
-  <p:tag name="KSO_WM_UNIT_HIGHLIGHT" val="0"/>
-  <p:tag name="KSO_WM_UNIT_COMPATIBLE" val="0"/>
-  <p:tag name="KSO_WM_UNIT_DIAGRAM_ISNUMVISUAL" val="0"/>
-  <p:tag name="KSO_WM_UNIT_DIAGRAM_ISREFERUNIT" val="0"/>
-  <p:tag name="KSO_WM_UNIT_ID" val="_11**"/>
-  <p:tag name="KSO_WM_UNIT_LAYERLEVEL" val="1"/>
-  <p:tag name="KSO_WM_TAG_VERSION" val="1.0"/>
-  <p:tag name="KSO_WM_BEAUTIFY_FLAG" val="#wm#"/>
-</p:tagLst>
-</file>
-
-<file path=ppt/tags/tag56.xml><?xml version="1.0" encoding="utf-8"?>
-<p:tagLst xmlns:p="http://schemas.openxmlformats.org/presentationml/2006/main">
-  <p:tag name="KSO_WM_UNIT_HIGHLIGHT" val="0"/>
-  <p:tag name="KSO_WM_UNIT_COMPATIBLE" val="0"/>
-  <p:tag name="KSO_WM_UNIT_DIAGRAM_ISNUMVISUAL" val="0"/>
-  <p:tag name="KSO_WM_UNIT_DIAGRAM_ISREFERUNIT" val="0"/>
-  <p:tag name="KSO_WM_UNIT_ID" val="_11**"/>
-  <p:tag name="KSO_WM_UNIT_LAYERLEVEL" val="1"/>
-  <p:tag name="KSO_WM_TAG_VERSION" val="1.0"/>
-  <p:tag name="KSO_WM_BEAUTIFY_FLAG" val="#wm#"/>
-</p:tagLst>
-</file>
-
-<file path=ppt/tags/tag57.xml><?xml version="1.0" encoding="utf-8"?>
-<p:tagLst xmlns:p="http://schemas.openxmlformats.org/presentationml/2006/main">
-  <p:tag name="KSO_WM_UNIT_HIGHLIGHT" val="0"/>
-  <p:tag name="KSO_WM_UNIT_COMPATIBLE" val="0"/>
-  <p:tag name="KSO_WM_UNIT_DIAGRAM_ISNUMVISUAL" val="0"/>
-  <p:tag name="KSO_WM_UNIT_DIAGRAM_ISREFERUNIT" val="0"/>
-  <p:tag name="KSO_WM_UNIT_ID" val="_0**"/>
-  <p:tag name="KSO_WM_UNIT_LAYERLEVEL" val="1"/>
-  <p:tag name="KSO_WM_TAG_VERSION" val="1.0"/>
-  <p:tag name="KSO_WM_BEAUTIFY_FLAG" val="#wm#"/>
-  <p:tag name="KSO_WM_TEMPLATE_CATEGORY" val="custom"/>
-  <p:tag name="KSO_WM_TEMPLATE_INDEX" val="20205081"/>
-</p:tagLst>
-</file>
-
-<file path=ppt/tags/tag58.xml><?xml version="1.0" encoding="utf-8"?>
-<p:tagLst xmlns:p="http://schemas.openxmlformats.org/presentationml/2006/main">
-  <p:tag name="KSO_WM_UNIT_HIGHLIGHT" val="0"/>
-  <p:tag name="KSO_WM_UNIT_COMPATIBLE" val="0"/>
-  <p:tag name="KSO_WM_UNIT_DIAGRAM_ISNUMVISUAL" val="0"/>
-  <p:tag name="KSO_WM_UNIT_DIAGRAM_ISREFERUNIT" val="0"/>
-  <p:tag name="KSO_WM_UNIT_ID" val="_0**"/>
-  <p:tag name="KSO_WM_UNIT_LAYERLEVEL" val="1"/>
-  <p:tag name="KSO_WM_TAG_VERSION" val="1.0"/>
-  <p:tag name="KSO_WM_BEAUTIFY_FLAG" val="#wm#"/>
-  <p:tag name="KSO_WM_TEMPLATE_CATEGORY" val="custom"/>
-  <p:tag name="KSO_WM_TEMPLATE_INDEX" val="20205081"/>
-</p:tagLst>
-</file>
-
-<file path=ppt/tags/tag59.xml><?xml version="1.0" encoding="utf-8"?>
-<p:tagLst xmlns:p="http://schemas.openxmlformats.org/presentationml/2006/main">
-  <p:tag name="KSO_WM_UNIT_HIGHLIGHT" val="0"/>
-  <p:tag name="KSO_WM_UNIT_COMPATIBLE" val="0"/>
-  <p:tag name="KSO_WM_UNIT_DIAGRAM_ISNUMVISUAL" val="0"/>
-  <p:tag name="KSO_WM_UNIT_DIAGRAM_ISREFERUNIT" val="0"/>
-  <p:tag name="KSO_WM_UNIT_ID" val="_0**"/>
-  <p:tag name="KSO_WM_UNIT_LAYERLEVEL" val="1"/>
-  <p:tag name="KSO_WM_TAG_VERSION" val="1.0"/>
-  <p:tag name="KSO_WM_BEAUTIFY_FLAG" val="#wm#"/>
-</p:tagLst>
-</file>
-
-<file path=ppt/tags/tag6.xml><?xml version="1.0" encoding="utf-8"?>
-<p:tagLst xmlns:p="http://schemas.openxmlformats.org/presentationml/2006/main">
-  <p:tag name="KSO_WM_UNIT_HIGHLIGHT" val="0"/>
-  <p:tag name="KSO_WM_UNIT_COMPATIBLE" val="0"/>
-  <p:tag name="KSO_WM_UNIT_DIAGRAM_ISNUMVISUAL" val="0"/>
-  <p:tag name="KSO_WM_UNIT_DIAGRAM_ISREFERUNIT" val="0"/>
-  <p:tag name="KSO_WM_UNIT_ID" val="_2**"/>
-  <p:tag name="KSO_WM_UNIT_LAYERLEVEL" val="1"/>
-  <p:tag name="KSO_WM_TAG_VERSION" val="1.0"/>
-  <p:tag name="KSO_WM_BEAUTIFY_FLAG" val="#wm#"/>
-</p:tagLst>
-</file>
-
-<file path=ppt/tags/tag60.xml><?xml version="1.0" encoding="utf-8"?>
-<p:tagLst xmlns:p="http://schemas.openxmlformats.org/presentationml/2006/main">
-  <p:tag name="KSO_WM_UNIT_HIGHLIGHT" val="0"/>
-  <p:tag name="KSO_WM_UNIT_COMPATIBLE" val="0"/>
-  <p:tag name="KSO_WM_UNIT_DIAGRAM_ISNUMVISUAL" val="0"/>
-  <p:tag name="KSO_WM_UNIT_DIAGRAM_ISREFERUNIT" val="0"/>
-  <p:tag name="KSO_WM_UNIT_ID" val="_0**"/>
-  <p:tag name="KSO_WM_UNIT_LAYERLEVEL" val="1"/>
-  <p:tag name="KSO_WM_TAG_VERSION" val="1.0"/>
-  <p:tag name="KSO_WM_BEAUTIFY_FLAG" val="#wm#"/>
-</p:tagLst>
-</file>
-
-<file path=ppt/tags/tag61.xml><?xml version="1.0" encoding="utf-8"?>
-<p:tagLst xmlns:p="http://schemas.openxmlformats.org/presentationml/2006/main">
-  <p:tag name="KSO_WM_UNIT_HIGHLIGHT" val="0"/>
-  <p:tag name="KSO_WM_UNIT_COMPATIBLE" val="0"/>
-  <p:tag name="KSO_WM_UNIT_DIAGRAM_ISNUMVISUAL" val="0"/>
-  <p:tag name="KSO_WM_UNIT_DIAGRAM_ISREFERUNIT" val="0"/>
-  <p:tag name="KSO_WM_UNIT_ID" val="_0**"/>
-  <p:tag name="KSO_WM_UNIT_LAYERLEVEL" val="1"/>
-  <p:tag name="KSO_WM_TAG_VERSION" val="1.0"/>
-  <p:tag name="KSO_WM_BEAUTIFY_FLAG" val="#wm#"/>
-</p:tagLst>
-</file>
-
-<file path=ppt/tags/tag62.xml><?xml version="1.0" encoding="utf-8"?>
-<p:tagLst xmlns:p="http://schemas.openxmlformats.org/presentationml/2006/main">
-  <p:tag name="KSO_WM_TEMPLATE_THUMBS_INDEX" val="1、4、7、12、13、14、15、16、17、18、20、24、25、28、33、36、40、43、44"/>
-  <p:tag name="KSO_WM_TEMPLATE_SUBCATEGORY" val="19"/>
-  <p:tag name="KSO_WM_TAG_VERSION" val="1.0"/>
-  <p:tag name="KSO_WM_BEAUTIFY_FLAG" val="#wm#"/>
-  <p:tag name="KSO_WM_TEMPLATE_CATEGORY" val="custom"/>
-  <p:tag name="KSO_WM_TEMPLATE_INDEX" val="20205081"/>
-  <p:tag name="KSO_WM_TEMPLATE_MASTER_TYPE" val="0"/>
-  <p:tag name="KSO_WM_TEMPLATE_COLOR_TYPE" val="1"/>
-  <p:tag name="KSO_WM_UNIT_SHOW_EDIT_AREA_INDICATION" val="1"/>
-</p:tagLst>
-</file>
-
-<file path=ppt/tags/tag63.xml><?xml version="1.0" encoding="utf-8"?>
-<p:tagLst xmlns:p="http://schemas.openxmlformats.org/presentationml/2006/main">
+<p:tagLst xmlns:a="http://schemas.openxmlformats.org/drawingml/2006/main" xmlns:r="http://schemas.openxmlformats.org/officeDocument/2006/relationships" xmlns:p="http://schemas.openxmlformats.org/presentationml/2006/main">
   <p:tag name="KSO_WM_BEAUTIFY_FLAG" val=""/>
 </p:tagLst>
 </file>
 
-<file path=ppt/tags/tag64.xml><?xml version="1.0" encoding="utf-8"?>
-<p:tagLst xmlns:p="http://schemas.openxmlformats.org/presentationml/2006/main">
-  <p:tag name="KSO_WM_BEAUTIFY_FLAG" val=""/>
-</p:tagLst>
+<file path=ppt/theme/theme1.xml><?xml version="1.0" encoding="utf-8"?>
+<a:theme xmlns:a="http://schemas.openxmlformats.org/drawingml/2006/main" name="基础">
+  <a:themeElements>
+    <a:clrScheme name="Office">
+      <a:dk1>
+        <a:sysClr val="windowText" lastClr="000000"/>
+      </a:dk1>
+      <a:lt1>
+        <a:sysClr val="window" lastClr="FFFFFF"/>
+      </a:lt1>
+      <a:dk2>
+        <a:srgbClr val="44546A"/>
+      </a:dk2>
+      <a:lt2>
+        <a:srgbClr val="E7E6E6"/>
+      </a:lt2>
+      <a:accent1>
+        <a:srgbClr val="4472C4"/>
+      </a:accent1>
+      <a:accent2>
+        <a:srgbClr val="ED7D31"/>
+      </a:accent2>
+      <a:accent3>
+        <a:srgbClr val="A5A5A5"/>
+      </a:accent3>
+      <a:accent4>
+        <a:srgbClr val="FFC000"/>
+      </a:accent4>
+      <a:accent5>
+        <a:srgbClr val="5B9BD5"/>
+      </a:accent5>
+      <a:accent6>
+        <a:srgbClr val="70AD47"/>
+      </a:accent6>
+      <a:hlink>
+        <a:srgbClr val="0563C1"/>
+      </a:hlink>
+      <a:folHlink>
+        <a:srgbClr val="954F72"/>
+      </a:folHlink>
+    </a:clrScheme>
+    <a:fontScheme name="基础">
+      <a:majorFont>
+        <a:latin typeface="Corbel" panose="020B0503020204020204"/>
+        <a:ea typeface=""/>
+        <a:cs typeface=""/>
+        <a:font script="Jpan" typeface="ＭＳ ゴシック"/>
+        <a:font script="Hang" typeface="맑은 고딕"/>
+        <a:font script="Hans" typeface="宋体"/>
+        <a:font script="Hant" typeface="新細明體"/>
+        <a:font script="Arab" typeface="Tahoma"/>
+        <a:font script="Hebr" typeface="Gisha"/>
+        <a:font script="Thai" typeface="DilleniaUPC"/>
+        <a:font script="Ethi" typeface="Nyala"/>
+        <a:font script="Beng" typeface="Vrinda"/>
+        <a:font script="Gujr" typeface="Shruti"/>
+        <a:font script="Khmr" typeface="DaunPenh"/>
+        <a:font script="Knda" typeface="Tunga"/>
+        <a:font script="Guru" typeface="Raavi"/>
+        <a:font script="Cans" typeface="Euphemia"/>
+        <a:font script="Cher" typeface="Plantagenet Cherokee"/>
+        <a:font script="Yiii" typeface="Microsoft Yi Baiti"/>
+        <a:font script="Tibt" typeface="Microsoft Himalaya"/>
+        <a:font script="Thaa" typeface="MV Boli"/>
+        <a:font script="Deva" typeface="Mangal"/>
+        <a:font script="Telu" typeface="Gautami"/>
+        <a:font script="Taml" typeface="Latha"/>
+        <a:font script="Syrc" typeface="Estrangelo Edessa"/>
+        <a:font script="Orya" typeface="Kalinga"/>
+        <a:font script="Mlym" typeface="Kartika"/>
+        <a:font script="Laoo" typeface="DokChampa"/>
+        <a:font script="Sinh" typeface="Iskoola Pota"/>
+        <a:font script="Mong" typeface="Mongolian Baiti"/>
+        <a:font script="Viet" typeface="Tahoma"/>
+        <a:font script="Uigh" typeface="Microsoft Uighur"/>
+        <a:font script="Geor" typeface="Sylfaen"/>
+      </a:majorFont>
+      <a:minorFont>
+        <a:latin typeface="Corbel" panose="020B0503020204020204"/>
+        <a:ea typeface=""/>
+        <a:cs typeface=""/>
+        <a:font script="Jpan" typeface="ＭＳ ゴシック"/>
+        <a:font script="Hang" typeface="맑은 고딕"/>
+        <a:font script="Hans" typeface="宋体"/>
+        <a:font script="Hant" typeface="新細明體"/>
+        <a:font script="Arab" typeface="Tahoma"/>
+        <a:font script="Hebr" typeface="Gisha"/>
+        <a:font script="Thai" typeface="DilleniaUPC"/>
+        <a:font script="Ethi" typeface="Nyala"/>
+        <a:font script="Beng" typeface="Vrinda"/>
+        <a:font script="Gujr" typeface="Shruti"/>
+        <a:font script="Khmr" typeface="DaunPenh"/>
+        <a:font script="Knda" typeface="Tunga"/>
+        <a:font script="Guru" typeface="Raavi"/>
+        <a:font script="Cans" typeface="Euphemia"/>
+        <a:font script="Cher" typeface="Plantagenet Cherokee"/>
+        <a:font script="Yiii" typeface="Microsoft Yi Baiti"/>
+        <a:font script="Tibt" typeface="Microsoft Himalaya"/>
+        <a:font script="Thaa" typeface="MV Boli"/>
+        <a:font script="Deva" typeface="Mangal"/>
+        <a:font script="Telu" typeface="Gautami"/>
+        <a:font script="Taml" typeface="Latha"/>
+        <a:font script="Syrc" typeface="Estrangelo Edessa"/>
+        <a:font script="Orya" typeface="Kalinga"/>
+        <a:font script="Mlym" typeface="Kartika"/>
+        <a:font script="Laoo" typeface="DokChampa"/>
+        <a:font script="Sinh" typeface="Iskoola Pota"/>
+        <a:font script="Mong" typeface="Mongolian Baiti"/>
+        <a:font script="Viet" typeface="Verdana"/>
+        <a:font script="Uigh" typeface="Microsoft Uighur"/>
+        <a:font script="Geor" typeface="Sylfaen"/>
+      </a:minorFont>
+    </a:fontScheme>
+    <a:fmtScheme name="基础">
+      <a:fillStyleLst>
+        <a:solidFill>
+          <a:schemeClr val="phClr"/>
+        </a:solidFill>
+        <a:solidFill>
+          <a:schemeClr val="phClr">
+            <a:tint val="55000"/>
+            <a:satMod val="130000"/>
+          </a:schemeClr>
+        </a:solidFill>
+        <a:gradFill rotWithShape="1">
+          <a:gsLst>
+            <a:gs pos="0">
+              <a:schemeClr val="phClr"/>
+            </a:gs>
+            <a:gs pos="90000">
+              <a:schemeClr val="phClr">
+                <a:shade val="100000"/>
+                <a:satMod val="105000"/>
+              </a:schemeClr>
+            </a:gs>
+            <a:gs pos="100000">
+              <a:schemeClr val="phClr">
+                <a:shade val="80000"/>
+                <a:satMod val="120000"/>
+              </a:schemeClr>
+            </a:gs>
+          </a:gsLst>
+          <a:path path="circle">
+            <a:fillToRect l="100000" t="100000" r="100000" b="100000"/>
+          </a:path>
+        </a:gradFill>
+      </a:fillStyleLst>
+      <a:lnStyleLst>
+        <a:ln w="10000" cap="flat" cmpd="sng" algn="ctr">
+          <a:solidFill>
+            <a:schemeClr val="phClr"/>
+          </a:solidFill>
+          <a:prstDash val="solid"/>
+        </a:ln>
+        <a:ln w="19050" cap="flat" cmpd="sng" algn="ctr">
+          <a:solidFill>
+            <a:schemeClr val="phClr"/>
+          </a:solidFill>
+          <a:prstDash val="solid"/>
+        </a:ln>
+        <a:ln w="53975" cap="flat" cmpd="dbl" algn="ctr">
+          <a:solidFill>
+            <a:schemeClr val="phClr"/>
+          </a:solidFill>
+          <a:prstDash val="solid"/>
+        </a:ln>
+      </a:lnStyleLst>
+      <a:effectStyleLst>
+        <a:effectStyle>
+          <a:effectLst/>
+        </a:effectStyle>
+        <a:effectStyle>
+          <a:effectLst>
+            <a:outerShdw blurRad="38100" dist="25400" dir="5400000" rotWithShape="0">
+              <a:srgbClr val="000000">
+                <a:alpha val="45000"/>
+              </a:srgbClr>
+            </a:outerShdw>
+          </a:effectLst>
+        </a:effectStyle>
+        <a:effectStyle>
+          <a:effectLst>
+            <a:outerShdw blurRad="38100" dist="25400" dir="5400000" rotWithShape="0">
+              <a:srgbClr val="000000">
+                <a:alpha val="45000"/>
+              </a:srgbClr>
+            </a:outerShdw>
+          </a:effectLst>
+          <a:scene3d>
+            <a:camera prst="orthographicFront">
+              <a:rot lat="0" lon="0" rev="0"/>
+            </a:camera>
+            <a:lightRig rig="brightRoom" dir="t"/>
+          </a:scene3d>
+          <a:sp3d extrusionH="12700" contourW="25400" prstMaterial="flat">
+            <a:bevelT w="63500" h="152400" prst="angle"/>
+            <a:contourClr>
+              <a:schemeClr val="phClr">
+                <a:shade val="27000"/>
+                <a:satMod val="120000"/>
+              </a:schemeClr>
+            </a:contourClr>
+          </a:sp3d>
+        </a:effectStyle>
+      </a:effectStyleLst>
+      <a:bgFillStyleLst>
+        <a:solidFill>
+          <a:schemeClr val="phClr"/>
+        </a:solidFill>
+        <a:solidFill>
+          <a:schemeClr val="phClr">
+            <a:tint val="95000"/>
+            <a:shade val="95000"/>
+            <a:satMod val="140000"/>
+          </a:schemeClr>
+        </a:solidFill>
+        <a:solidFill>
+          <a:schemeClr val="phClr">
+            <a:tint val="90000"/>
+            <a:shade val="85000"/>
+            <a:satMod val="160000"/>
+            <a:lumMod val="110000"/>
+          </a:schemeClr>
+        </a:solidFill>
+      </a:bgFillStyleLst>
+    </a:fmtScheme>
+  </a:themeElements>
+  <a:objectDefaults/>
+  <a:extraClrSchemeLst/>
+  <a:extLst>
+    <a:ext uri="{05A4C25C-085E-4340-85A3-A5531E510DB2}">
+      <thm15:themeFamily xmlns:thm15="http://schemas.microsoft.com/office/thememl/2012/main" name="Basis" id="{5665723A-49BA-4B57-8411-A56F8F207965}" vid="{90E45F77-AEFC-46EF-A7C1-5B338C297B02}"/>
+    </a:ext>
+  </a:extLst>
+</a:theme>
 </file>
 
-<file path=ppt/tags/tag65.xml><?xml version="1.0" encoding="utf-8"?>
-<p:tagLst xmlns:p="http://schemas.openxmlformats.org/presentationml/2006/main">
-  <p:tag name="KSO_WM_BEAUTIFY_FLAG" val=""/>
-</p:tagLst>
-</file>
-
-<file path=ppt/tags/tag66.xml><?xml version="1.0" encoding="utf-8"?>
-<p:tagLst xmlns:p="http://schemas.openxmlformats.org/presentationml/2006/main">
-  <p:tag name="KSO_WM_BEAUTIFY_FLAG" val=""/>
-</p:tagLst>
-</file>
-
-<file path=ppt/tags/tag67.xml><?xml version="1.0" encoding="utf-8"?>
-<p:tagLst xmlns:p="http://schemas.openxmlformats.org/presentationml/2006/main">
-  <p:tag name="KSO_WM_BEAUTIFY_FLAG" val=""/>
-</p:tagLst>
-</file>
-
-<file path=ppt/tags/tag68.xml><?xml version="1.0" encoding="utf-8"?>
-<p:tagLst xmlns:p="http://schemas.openxmlformats.org/presentationml/2006/main">
-  <p:tag name="commondata" val="eyJoZGlkIjoiNzQ3N2ZjYjdlZjI4MWJiNDVlMjI3N2Y1ZjRlZGVkYjgifQ=="/>
-</p:tagLst>
-</file>
-
-<file path=ppt/tags/tag7.xml><?xml version="1.0" encoding="utf-8"?>
-<p:tagLst xmlns:p="http://schemas.openxmlformats.org/presentationml/2006/main">
-  <p:tag name="KSO_WM_UNIT_HIGHLIGHT" val="0"/>
-  <p:tag name="KSO_WM_UNIT_COMPATIBLE" val="0"/>
-  <p:tag name="KSO_WM_UNIT_DIAGRAM_ISNUMVISUAL" val="0"/>
-  <p:tag name="KSO_WM_UNIT_DIAGRAM_ISREFERUNIT" val="0"/>
-  <p:tag name="KSO_WM_UNIT_ID" val="_2**"/>
-  <p:tag name="KSO_WM_UNIT_LAYERLEVEL" val="1"/>
-  <p:tag name="KSO_WM_TAG_VERSION" val="1.0"/>
-  <p:tag name="KSO_WM_BEAUTIFY_FLAG" val="#wm#"/>
-</p:tagLst>
-</file>
-
-<file path=ppt/tags/tag8.xml><?xml version="1.0" encoding="utf-8"?>
-<p:tagLst xmlns:p="http://schemas.openxmlformats.org/presentationml/2006/main">
-  <p:tag name="KSO_WM_UNIT_HIGHLIGHT" val="0"/>
-  <p:tag name="KSO_WM_UNIT_COMPATIBLE" val="0"/>
-  <p:tag name="KSO_WM_UNIT_DIAGRAM_ISNUMVISUAL" val="0"/>
-  <p:tag name="KSO_WM_UNIT_DIAGRAM_ISREFERUNIT" val="0"/>
-  <p:tag name="KSO_WM_UNIT_ID" val="_2**"/>
-  <p:tag name="KSO_WM_UNIT_LAYERLEVEL" val="1"/>
-  <p:tag name="KSO_WM_TAG_VERSION" val="1.0"/>
-  <p:tag name="KSO_WM_BEAUTIFY_FLAG" val="#wm#"/>
-</p:tagLst>
-</file>
-
-<file path=ppt/tags/tag9.xml><?xml version="1.0" encoding="utf-8"?>
-<p:tagLst xmlns:p="http://schemas.openxmlformats.org/presentationml/2006/main">
-  <p:tag name="KSO_WM_UNIT_HIGHLIGHT" val="0"/>
-  <p:tag name="KSO_WM_UNIT_COMPATIBLE" val="0"/>
-  <p:tag name="KSO_WM_UNIT_DIAGRAM_ISNUMVISUAL" val="0"/>
-  <p:tag name="KSO_WM_UNIT_DIAGRAM_ISREFERUNIT" val="0"/>
-  <p:tag name="KSO_WM_UNIT_ID" val="_2**"/>
-  <p:tag name="KSO_WM_UNIT_LAYERLEVEL" val="1"/>
-  <p:tag name="KSO_WM_TAG_VERSION" val="1.0"/>
-  <p:tag name="KSO_WM_BEAUTIFY_FLAG" val="#wm#"/>
-</p:tagLst>
-</file>
-
-<file path=ppt/theme/theme1.xml><?xml version="1.0" encoding="utf-8"?>
-<a:theme xmlns:a="http://schemas.openxmlformats.org/drawingml/2006/main" name="自定义设计方案">
+<file path=ppt/theme/theme2.xml><?xml version="1.0" encoding="utf-8"?>
+<a:theme xmlns:a="http://schemas.openxmlformats.org/drawingml/2006/main" name="Office 主题​​">
   <a:themeElements>
     <a:clrScheme name="Office">
       <a:dk1>
@@ -9369,197 +8415,8 @@
       </a:bgFillStyleLst>
     </a:fmtScheme>
   </a:themeElements>
-  <a:extLst>
-    <a:ext uri="{05A4C25C-085E-4340-85A3-A5531E510DB2}">
-      <thm15:themeFamily xmlns:thm15="http://schemas.microsoft.com/office/thememl/2012/main" name="Office Theme" id="{62F939B6-93AF-4DB8-9C6B-D6C7DFDC589F}" vid="{4A3C46E8-61CC-4603-A589-7422A47A8E4A}"/>
-    </a:ext>
-  </a:extLst>
-</a:theme>
-</file>
-
-<file path=ppt/theme/theme2.xml><?xml version="1.0" encoding="utf-8"?>
-<a:theme xmlns:a="http://schemas.openxmlformats.org/drawingml/2006/main" name="1_空白设计模板">
-  <a:themeElements>
-    <a:clrScheme name="WPS">
-      <a:dk1>
-        <a:sysClr val="windowText" lastClr="000000"/>
-      </a:dk1>
-      <a:lt1>
-        <a:sysClr val="window" lastClr="FFFFFF"/>
-      </a:lt1>
-      <a:dk2>
-        <a:srgbClr val="44546A"/>
-      </a:dk2>
-      <a:lt2>
-        <a:srgbClr val="E7E6E6"/>
-      </a:lt2>
-      <a:accent1>
-        <a:srgbClr val="4874CB"/>
-      </a:accent1>
-      <a:accent2>
-        <a:srgbClr val="EE822F"/>
-      </a:accent2>
-      <a:accent3>
-        <a:srgbClr val="F2BA02"/>
-      </a:accent3>
-      <a:accent4>
-        <a:srgbClr val="75BD42"/>
-      </a:accent4>
-      <a:accent5>
-        <a:srgbClr val="30C0B4"/>
-      </a:accent5>
-      <a:accent6>
-        <a:srgbClr val="E54C5E"/>
-      </a:accent6>
-      <a:hlink>
-        <a:srgbClr val="0026E5"/>
-      </a:hlink>
-      <a:folHlink>
-        <a:srgbClr val="7E1FAD"/>
-      </a:folHlink>
-    </a:clrScheme>
-    <a:fontScheme name="WPS">
-      <a:majorFont>
-        <a:latin typeface="Arial"/>
-        <a:ea typeface="微软雅黑"/>
-        <a:cs typeface=""/>
-      </a:majorFont>
-      <a:minorFont>
-        <a:latin typeface="Arial"/>
-        <a:ea typeface="微软雅黑"/>
-        <a:cs typeface=""/>
-      </a:minorFont>
-    </a:fontScheme>
-    <a:fmtScheme name="WPS">
-      <a:fillStyleLst>
-        <a:solidFill>
-          <a:schemeClr val="phClr"/>
-        </a:solidFill>
-        <a:gradFill>
-          <a:gsLst>
-            <a:gs pos="0">
-              <a:schemeClr val="phClr">
-                <a:lumOff val="17500"/>
-              </a:schemeClr>
-            </a:gs>
-            <a:gs pos="100000">
-              <a:schemeClr val="phClr"/>
-            </a:gs>
-          </a:gsLst>
-          <a:lin ang="2700000" scaled="0"/>
-        </a:gradFill>
-        <a:gradFill>
-          <a:gsLst>
-            <a:gs pos="0">
-              <a:schemeClr val="phClr">
-                <a:hueOff val="-2520000"/>
-              </a:schemeClr>
-            </a:gs>
-            <a:gs pos="100000">
-              <a:schemeClr val="phClr"/>
-            </a:gs>
-          </a:gsLst>
-          <a:lin ang="2700000" scaled="0"/>
-        </a:gradFill>
-      </a:fillStyleLst>
-      <a:lnStyleLst>
-        <a:ln w="12700" cap="flat" cmpd="sng" algn="ctr">
-          <a:solidFill>
-            <a:schemeClr val="phClr"/>
-          </a:solidFill>
-          <a:prstDash val="solid"/>
-          <a:miter lim="800000"/>
-        </a:ln>
-        <a:ln w="12700" cap="flat" cmpd="sng" algn="ctr">
-          <a:solidFill>
-            <a:schemeClr val="phClr"/>
-          </a:solidFill>
-          <a:prstDash val="solid"/>
-          <a:miter lim="800000"/>
-        </a:ln>
-        <a:ln w="12700" cap="flat" cmpd="sng" algn="ctr">
-          <a:gradFill>
-            <a:gsLst>
-              <a:gs pos="0">
-                <a:schemeClr val="phClr">
-                  <a:hueOff val="-4200000"/>
-                </a:schemeClr>
-              </a:gs>
-              <a:gs pos="100000">
-                <a:schemeClr val="phClr"/>
-              </a:gs>
-            </a:gsLst>
-            <a:lin ang="2700000" scaled="1"/>
-          </a:gradFill>
-          <a:prstDash val="solid"/>
-          <a:miter lim="800000"/>
-        </a:ln>
-      </a:lnStyleLst>
-      <a:effectStyleLst>
-        <a:effectStyle>
-          <a:effectLst>
-            <a:outerShdw blurRad="101600" dist="50800" dir="5400000" algn="ctr" rotWithShape="0">
-              <a:schemeClr val="phClr">
-                <a:alpha val="60000"/>
-              </a:schemeClr>
-            </a:outerShdw>
-          </a:effectLst>
-        </a:effectStyle>
-        <a:effectStyle>
-          <a:effectLst>
-            <a:reflection stA="50000" endA="300" endPos="40000" dist="25400" dir="5400000" sy="-100000" algn="bl" rotWithShape="0"/>
-          </a:effectLst>
-        </a:effectStyle>
-        <a:effectStyle>
-          <a:effectLst>
-            <a:outerShdw blurRad="57150" dist="19050" dir="5400000" algn="ctr" rotWithShape="0">
-              <a:srgbClr val="000000">
-                <a:alpha val="63000"/>
-              </a:srgbClr>
-            </a:outerShdw>
-          </a:effectLst>
-        </a:effectStyle>
-      </a:effectStyleLst>
-      <a:bgFillStyleLst>
-        <a:solidFill>
-          <a:schemeClr val="phClr"/>
-        </a:solidFill>
-        <a:solidFill>
-          <a:schemeClr val="phClr">
-            <a:tint val="95000"/>
-            <a:satMod val="170000"/>
-          </a:schemeClr>
-        </a:solidFill>
-        <a:gradFill rotWithShape="1">
-          <a:gsLst>
-            <a:gs pos="0">
-              <a:schemeClr val="phClr">
-                <a:tint val="93000"/>
-                <a:satMod val="150000"/>
-                <a:shade val="98000"/>
-                <a:lumMod val="102000"/>
-              </a:schemeClr>
-            </a:gs>
-            <a:gs pos="50000">
-              <a:schemeClr val="phClr">
-                <a:tint val="98000"/>
-                <a:satMod val="130000"/>
-                <a:shade val="90000"/>
-                <a:lumMod val="103000"/>
-              </a:schemeClr>
-            </a:gs>
-            <a:gs pos="100000">
-              <a:schemeClr val="phClr">
-                <a:shade val="63000"/>
-                <a:satMod val="120000"/>
-              </a:schemeClr>
-            </a:gs>
-          </a:gsLst>
-          <a:lin ang="5400000" scaled="0"/>
-        </a:gradFill>
-      </a:bgFillStyleLst>
-    </a:fmtScheme>
-  </a:themeElements>
+  <a:objectDefaults/>
+  <a:extraClrSchemeLst/>
   <a:extLst>
     <a:ext uri="{05A4C25C-085E-4340-85A3-A5531E510DB2}">
       <thm15:themeFamily xmlns:thm15="http://schemas.microsoft.com/office/thememl/2012/main" name="Office Theme" id="{62F939B6-93AF-4DB8-9C6B-D6C7DFDC589F}" vid="{4A3C46E8-61CC-4603-A589-7422A47A8E4A}"/>
@@ -9819,265 +8676,8 @@
       </a:bgFillStyleLst>
     </a:fmtScheme>
   </a:themeElements>
-  <a:extLst>
-    <a:ext uri="{05A4C25C-085E-4340-85A3-A5531E510DB2}">
-      <thm15:themeFamily xmlns:thm15="http://schemas.microsoft.com/office/thememl/2012/main" name="Office Theme" id="{62F939B6-93AF-4DB8-9C6B-D6C7DFDC589F}" vid="{4A3C46E8-61CC-4603-A589-7422A47A8E4A}"/>
-    </a:ext>
-  </a:extLst>
-</a:theme>
-</file>
-
-<file path=ppt/theme/theme4.xml><?xml version="1.0" encoding="utf-8"?>
-<a:theme xmlns:a="http://schemas.openxmlformats.org/drawingml/2006/main" name="Office 主题​​">
-  <a:themeElements>
-    <a:clrScheme name="Office">
-      <a:dk1>
-        <a:sysClr val="windowText" lastClr="000000"/>
-      </a:dk1>
-      <a:lt1>
-        <a:sysClr val="window" lastClr="FFFFFF"/>
-      </a:lt1>
-      <a:dk2>
-        <a:srgbClr val="44546A"/>
-      </a:dk2>
-      <a:lt2>
-        <a:srgbClr val="E7E6E6"/>
-      </a:lt2>
-      <a:accent1>
-        <a:srgbClr val="4472C4"/>
-      </a:accent1>
-      <a:accent2>
-        <a:srgbClr val="ED7D31"/>
-      </a:accent2>
-      <a:accent3>
-        <a:srgbClr val="A5A5A5"/>
-      </a:accent3>
-      <a:accent4>
-        <a:srgbClr val="FFC000"/>
-      </a:accent4>
-      <a:accent5>
-        <a:srgbClr val="5B9BD5"/>
-      </a:accent5>
-      <a:accent6>
-        <a:srgbClr val="70AD47"/>
-      </a:accent6>
-      <a:hlink>
-        <a:srgbClr val="0563C1"/>
-      </a:hlink>
-      <a:folHlink>
-        <a:srgbClr val="954F72"/>
-      </a:folHlink>
-    </a:clrScheme>
-    <a:fontScheme name="Office">
-      <a:majorFont>
-        <a:latin typeface="等线 Light"/>
-        <a:ea typeface=""/>
-        <a:cs typeface=""/>
-        <a:font script="Jpan" typeface="游ゴシック Light"/>
-        <a:font script="Hang" typeface="맑은 고딕"/>
-        <a:font script="Hans" typeface="等线 Light"/>
-        <a:font script="Hant" typeface="新細明體"/>
-        <a:font script="Arab" typeface="Times New Roman"/>
-        <a:font script="Hebr" typeface="Times New Roman"/>
-        <a:font script="Thai" typeface="Angsana New"/>
-        <a:font script="Ethi" typeface="Nyala"/>
-        <a:font script="Beng" typeface="Vrinda"/>
-        <a:font script="Gujr" typeface="Shruti"/>
-        <a:font script="Khmr" typeface="MoolBoran"/>
-        <a:font script="Knda" typeface="Tunga"/>
-        <a:font script="Guru" typeface="Raavi"/>
-        <a:font script="Cans" typeface="Euphemia"/>
-        <a:font script="Cher" typeface="Plantagenet Cherokee"/>
-        <a:font script="Yiii" typeface="Microsoft Yi Baiti"/>
-        <a:font script="Tibt" typeface="Microsoft Himalaya"/>
-        <a:font script="Thaa" typeface="MV Boli"/>
-        <a:font script="Deva" typeface="Mangal"/>
-        <a:font script="Telu" typeface="Gautami"/>
-        <a:font script="Taml" typeface="Latha"/>
-        <a:font script="Syrc" typeface="Estrangelo Edessa"/>
-        <a:font script="Orya" typeface="Kalinga"/>
-        <a:font script="Mlym" typeface="Kartika"/>
-        <a:font script="Laoo" typeface="DokChampa"/>
-        <a:font script="Sinh" typeface="Iskoola Pota"/>
-        <a:font script="Mong" typeface="Mongolian Baiti"/>
-        <a:font script="Viet" typeface="Times New Roman"/>
-        <a:font script="Uigh" typeface="Microsoft Uighur"/>
-        <a:font script="Geor" typeface="Sylfaen"/>
-      </a:majorFont>
-      <a:minorFont>
-        <a:latin typeface="等线"/>
-        <a:ea typeface=""/>
-        <a:cs typeface=""/>
-        <a:font script="Jpan" typeface="游ゴシック"/>
-        <a:font script="Hang" typeface="맑은 고딕"/>
-        <a:font script="Hans" typeface="等线"/>
-        <a:font script="Hant" typeface="新細明體"/>
-        <a:font script="Arab" typeface="Arial"/>
-        <a:font script="Hebr" typeface="Arial"/>
-        <a:font script="Thai" typeface="Cordia New"/>
-        <a:font script="Ethi" typeface="Nyala"/>
-        <a:font script="Beng" typeface="Vrinda"/>
-        <a:font script="Gujr" typeface="Shruti"/>
-        <a:font script="Khmr" typeface="DaunPenh"/>
-        <a:font script="Knda" typeface="Tunga"/>
-        <a:font script="Guru" typeface="Raavi"/>
-        <a:font script="Cans" typeface="Euphemia"/>
-        <a:font script="Cher" typeface="Plantagenet Cherokee"/>
-        <a:font script="Yiii" typeface="Microsoft Yi Baiti"/>
-        <a:font script="Tibt" typeface="Microsoft Himalaya"/>
-        <a:font script="Thaa" typeface="MV Boli"/>
-        <a:font script="Deva" typeface="Mangal"/>
-        <a:font script="Telu" typeface="Gautami"/>
-        <a:font script="Taml" typeface="Latha"/>
-        <a:font script="Syrc" typeface="Estrangelo Edessa"/>
-        <a:font script="Orya" typeface="Kalinga"/>
-        <a:font script="Mlym" typeface="Kartika"/>
-        <a:font script="Laoo" typeface="DokChampa"/>
-        <a:font script="Sinh" typeface="Iskoola Pota"/>
-        <a:font script="Mong" typeface="Mongolian Baiti"/>
-        <a:font script="Viet" typeface="Arial"/>
-        <a:font script="Uigh" typeface="Microsoft Uighur"/>
-        <a:font script="Geor" typeface="Sylfaen"/>
-      </a:minorFont>
-    </a:fontScheme>
-    <a:fmtScheme name="Office">
-      <a:fillStyleLst>
-        <a:solidFill>
-          <a:schemeClr val="phClr"/>
-        </a:solidFill>
-        <a:gradFill rotWithShape="1">
-          <a:gsLst>
-            <a:gs pos="0">
-              <a:schemeClr val="phClr">
-                <a:lumMod val="110000"/>
-                <a:satMod val="105000"/>
-                <a:tint val="67000"/>
-              </a:schemeClr>
-            </a:gs>
-            <a:gs pos="50000">
-              <a:schemeClr val="phClr">
-                <a:lumMod val="105000"/>
-                <a:satMod val="103000"/>
-                <a:tint val="73000"/>
-              </a:schemeClr>
-            </a:gs>
-            <a:gs pos="100000">
-              <a:schemeClr val="phClr">
-                <a:lumMod val="105000"/>
-                <a:satMod val="109000"/>
-                <a:tint val="81000"/>
-              </a:schemeClr>
-            </a:gs>
-          </a:gsLst>
-          <a:lin ang="5400000" scaled="0"/>
-        </a:gradFill>
-        <a:gradFill rotWithShape="1">
-          <a:gsLst>
-            <a:gs pos="0">
-              <a:schemeClr val="phClr">
-                <a:satMod val="103000"/>
-                <a:lumMod val="102000"/>
-                <a:tint val="94000"/>
-              </a:schemeClr>
-            </a:gs>
-            <a:gs pos="50000">
-              <a:schemeClr val="phClr">
-                <a:satMod val="110000"/>
-                <a:lumMod val="100000"/>
-                <a:shade val="100000"/>
-              </a:schemeClr>
-            </a:gs>
-            <a:gs pos="100000">
-              <a:schemeClr val="phClr">
-                <a:lumMod val="99000"/>
-                <a:satMod val="120000"/>
-                <a:shade val="78000"/>
-              </a:schemeClr>
-            </a:gs>
-          </a:gsLst>
-          <a:lin ang="5400000" scaled="0"/>
-        </a:gradFill>
-      </a:fillStyleLst>
-      <a:lnStyleLst>
-        <a:ln w="6350" cap="flat" cmpd="sng" algn="ctr">
-          <a:solidFill>
-            <a:schemeClr val="phClr"/>
-          </a:solidFill>
-          <a:prstDash val="solid"/>
-          <a:miter lim="800000"/>
-        </a:ln>
-        <a:ln w="12700" cap="flat" cmpd="sng" algn="ctr">
-          <a:solidFill>
-            <a:schemeClr val="phClr"/>
-          </a:solidFill>
-          <a:prstDash val="solid"/>
-          <a:miter lim="800000"/>
-        </a:ln>
-        <a:ln w="19050" cap="flat" cmpd="sng" algn="ctr">
-          <a:solidFill>
-            <a:schemeClr val="phClr"/>
-          </a:solidFill>
-          <a:prstDash val="solid"/>
-          <a:miter lim="800000"/>
-        </a:ln>
-      </a:lnStyleLst>
-      <a:effectStyleLst>
-        <a:effectStyle>
-          <a:effectLst/>
-        </a:effectStyle>
-        <a:effectStyle>
-          <a:effectLst/>
-        </a:effectStyle>
-        <a:effectStyle>
-          <a:effectLst>
-            <a:outerShdw blurRad="57150" dist="19050" dir="5400000" algn="ctr" rotWithShape="0">
-              <a:srgbClr val="000000">
-                <a:alpha val="63000"/>
-              </a:srgbClr>
-            </a:outerShdw>
-          </a:effectLst>
-        </a:effectStyle>
-      </a:effectStyleLst>
-      <a:bgFillStyleLst>
-        <a:solidFill>
-          <a:schemeClr val="phClr"/>
-        </a:solidFill>
-        <a:solidFill>
-          <a:schemeClr val="phClr">
-            <a:tint val="95000"/>
-            <a:satMod val="170000"/>
-          </a:schemeClr>
-        </a:solidFill>
-        <a:gradFill rotWithShape="1">
-          <a:gsLst>
-            <a:gs pos="0">
-              <a:schemeClr val="phClr">
-                <a:tint val="93000"/>
-                <a:satMod val="150000"/>
-                <a:shade val="98000"/>
-                <a:lumMod val="102000"/>
-              </a:schemeClr>
-            </a:gs>
-            <a:gs pos="50000">
-              <a:schemeClr val="phClr">
-                <a:tint val="98000"/>
-                <a:satMod val="130000"/>
-                <a:shade val="90000"/>
-                <a:lumMod val="103000"/>
-              </a:schemeClr>
-            </a:gs>
-            <a:gs pos="100000">
-              <a:schemeClr val="phClr">
-                <a:shade val="63000"/>
-                <a:satMod val="120000"/>
-              </a:schemeClr>
-            </a:gs>
-          </a:gsLst>
-          <a:lin ang="5400000" scaled="0"/>
-        </a:gradFill>
-      </a:bgFillStyleLst>
-    </a:fmtScheme>
-  </a:themeElements>
+  <a:objectDefaults/>
+  <a:extraClrSchemeLst/>
   <a:extLst>
     <a:ext uri="{05A4C25C-085E-4340-85A3-A5531E510DB2}">
       <thm15:themeFamily xmlns:thm15="http://schemas.microsoft.com/office/thememl/2012/main" name="Office Theme" id="{62F939B6-93AF-4DB8-9C6B-D6C7DFDC589F}" vid="{4A3C46E8-61CC-4603-A589-7422A47A8E4A}"/>

--- a/utils/软件介绍.pptx
+++ b/utils/软件介绍.pptx
@@ -3331,8 +3331,8 @@
         </p:blipFill>
         <p:spPr>
           <a:xfrm>
-            <a:off x="2689960" y="334228"/>
-            <a:ext cx="3142857" cy="6180952"/>
+            <a:off x="568889" y="1102620"/>
+            <a:ext cx="2276192" cy="4476512"/>
           </a:xfrm>
           <a:prstGeom prst="rect">
             <a:avLst/>
@@ -3353,8 +3353,8 @@
         </p:nvSpPr>
         <p:spPr>
           <a:xfrm>
-            <a:off x="2687498" y="1168029"/>
-            <a:ext cx="3146053" cy="2943434"/>
+            <a:off x="568889" y="1690543"/>
+            <a:ext cx="2312197" cy="2159371"/>
           </a:xfrm>
           <a:prstGeom prst="rect">
             <a:avLst/>
@@ -3408,8 +3408,8 @@
         </p:nvCxnSpPr>
         <p:spPr>
           <a:xfrm>
-            <a:off x="5833551" y="2639746"/>
-            <a:ext cx="840849" cy="0"/>
+            <a:off x="2881086" y="2770229"/>
+            <a:ext cx="613228" cy="0"/>
           </a:xfrm>
           <a:prstGeom prst="straightConnector1">
             <a:avLst/>
@@ -3450,7 +3450,7 @@
         </p:nvSpPr>
         <p:spPr>
           <a:xfrm>
-            <a:off x="6585857" y="2455080"/>
+            <a:off x="3494314" y="2585562"/>
             <a:ext cx="979715" cy="369332"/>
           </a:xfrm>
           <a:prstGeom prst="rect">
@@ -3491,8 +3491,8 @@
         </p:nvSpPr>
         <p:spPr>
           <a:xfrm>
-            <a:off x="3597387" y="4874400"/>
-            <a:ext cx="2236164" cy="1640780"/>
+            <a:off x="1256921" y="4424551"/>
+            <a:ext cx="1588160" cy="1149093"/>
           </a:xfrm>
           <a:prstGeom prst="rect">
             <a:avLst/>
@@ -3540,14 +3540,15 @@
           </p:cNvPr>
           <p:cNvCxnSpPr>
             <a:cxnSpLocks/>
+            <a:stCxn id="9" idx="3"/>
             <a:endCxn id="11" idx="1"/>
           </p:cNvCxnSpPr>
           <p:nvPr/>
         </p:nvCxnSpPr>
         <p:spPr>
           <a:xfrm>
-            <a:off x="5827404" y="5764546"/>
-            <a:ext cx="758453" cy="0"/>
+            <a:off x="2845081" y="4999098"/>
+            <a:ext cx="648004" cy="580"/>
           </a:xfrm>
           <a:prstGeom prst="straightConnector1">
             <a:avLst/>
@@ -3588,7 +3589,7 @@
         </p:nvSpPr>
         <p:spPr>
           <a:xfrm>
-            <a:off x="6585857" y="5579880"/>
+            <a:off x="3493085" y="4815012"/>
             <a:ext cx="979715" cy="369332"/>
           </a:xfrm>
           <a:prstGeom prst="rect">
@@ -3629,8 +3630,8 @@
         </p:nvSpPr>
         <p:spPr>
           <a:xfrm>
-            <a:off x="2660803" y="4111463"/>
-            <a:ext cx="2631197" cy="733970"/>
+            <a:off x="568890" y="3849914"/>
+            <a:ext cx="1887654" cy="555169"/>
           </a:xfrm>
           <a:prstGeom prst="rect">
             <a:avLst/>
@@ -3684,8 +3685,8 @@
         </p:nvCxnSpPr>
         <p:spPr>
           <a:xfrm>
-            <a:off x="5310204" y="4512946"/>
-            <a:ext cx="1275653" cy="0"/>
+            <a:off x="2496457" y="4123461"/>
+            <a:ext cx="996628" cy="2"/>
           </a:xfrm>
           <a:prstGeom prst="straightConnector1">
             <a:avLst/>
@@ -3726,7 +3727,7 @@
         </p:nvSpPr>
         <p:spPr>
           <a:xfrm>
-            <a:off x="6585857" y="4328280"/>
+            <a:off x="3493085" y="3938797"/>
             <a:ext cx="979715" cy="369332"/>
           </a:xfrm>
           <a:prstGeom prst="rect">
@@ -3770,8 +3771,8 @@
         </p:nvCxnSpPr>
         <p:spPr>
           <a:xfrm>
-            <a:off x="4946400" y="1333094"/>
-            <a:ext cx="1639457" cy="0"/>
+            <a:off x="2304143" y="1822612"/>
+            <a:ext cx="1190171" cy="0"/>
           </a:xfrm>
           <a:prstGeom prst="straightConnector1">
             <a:avLst/>
@@ -3812,7 +3813,7 @@
         </p:nvSpPr>
         <p:spPr>
           <a:xfrm>
-            <a:off x="6585857" y="1148428"/>
+            <a:off x="3494314" y="1637946"/>
             <a:ext cx="1146943" cy="369332"/>
           </a:xfrm>
           <a:prstGeom prst="rect">
@@ -3856,8 +3857,8 @@
         </p:nvCxnSpPr>
         <p:spPr>
           <a:xfrm>
-            <a:off x="5820204" y="888021"/>
-            <a:ext cx="765653" cy="0"/>
+            <a:off x="2845081" y="1496887"/>
+            <a:ext cx="649233" cy="0"/>
           </a:xfrm>
           <a:prstGeom prst="straightConnector1">
             <a:avLst/>
@@ -3898,7 +3899,7 @@
         </p:nvSpPr>
         <p:spPr>
           <a:xfrm>
-            <a:off x="6585857" y="703355"/>
+            <a:off x="3494314" y="1312221"/>
             <a:ext cx="1348543" cy="369332"/>
           </a:xfrm>
           <a:prstGeom prst="rect">
@@ -3947,10 +3948,10 @@
       </p:sp>
       <p:pic>
         <p:nvPicPr>
-          <p:cNvPr id="2" name="图片 1">
+          <p:cNvPr id="31" name="图片 30">
             <a:extLst>
               <a:ext uri="{FF2B5EF4-FFF2-40B4-BE49-F238E27FC236}">
-                <a16:creationId xmlns:a16="http://schemas.microsoft.com/office/drawing/2014/main" id="{35BE834F-7273-4BC7-B943-AA80EDEC5ADB}"/>
+                <a16:creationId xmlns:a16="http://schemas.microsoft.com/office/drawing/2014/main" id="{8CAE76EE-599C-4F13-ADD9-F0C3AF5556F5}"/>
               </a:ext>
             </a:extLst>
           </p:cNvPr>
@@ -3967,38 +3968,8 @@
         </p:blipFill>
         <p:spPr>
           <a:xfrm>
-            <a:off x="8969185" y="-3194839"/>
-            <a:ext cx="5285690" cy="6187976"/>
-          </a:xfrm>
-          <a:prstGeom prst="rect">
-            <a:avLst/>
-          </a:prstGeom>
-        </p:spPr>
-      </p:pic>
-      <p:pic>
-        <p:nvPicPr>
-          <p:cNvPr id="7" name="图片 6">
-            <a:extLst>
-              <a:ext uri="{FF2B5EF4-FFF2-40B4-BE49-F238E27FC236}">
-                <a16:creationId xmlns:a16="http://schemas.microsoft.com/office/drawing/2014/main" id="{FCF7383A-7BDC-4763-B97C-B6BB2247A401}"/>
-              </a:ext>
-            </a:extLst>
-          </p:cNvPr>
-          <p:cNvPicPr>
-            <a:picLocks noChangeAspect="1"/>
-          </p:cNvPicPr>
-          <p:nvPr/>
-        </p:nvPicPr>
-        <p:blipFill>
-          <a:blip r:embed="rId4"/>
-          <a:stretch>
-            <a:fillRect/>
-          </a:stretch>
-        </p:blipFill>
-        <p:spPr>
-          <a:xfrm>
-            <a:off x="9046565" y="3210051"/>
-            <a:ext cx="5285690" cy="6194073"/>
+            <a:off x="6126628" y="1188526"/>
+            <a:ext cx="4279763" cy="4480948"/>
           </a:xfrm>
           <a:prstGeom prst="rect">
             <a:avLst/>

--- a/utils/软件介绍.pptx
+++ b/utils/软件介绍.pptx
@@ -5,10 +5,10 @@
     <p:sldMasterId id="2147483683" r:id="rId1"/>
   </p:sldMasterIdLst>
   <p:notesMasterIdLst>
-    <p:notesMasterId r:id="rId11"/>
+    <p:notesMasterId r:id="rId12"/>
   </p:notesMasterIdLst>
   <p:handoutMasterIdLst>
-    <p:handoutMasterId r:id="rId12"/>
+    <p:handoutMasterId r:id="rId13"/>
   </p:handoutMasterIdLst>
   <p:sldIdLst>
     <p:sldId id="507" r:id="rId2"/>
@@ -19,12 +19,13 @@
     <p:sldId id="512" r:id="rId7"/>
     <p:sldId id="513" r:id="rId8"/>
     <p:sldId id="514" r:id="rId9"/>
-    <p:sldId id="498" r:id="rId10"/>
+    <p:sldId id="515" r:id="rId10"/>
+    <p:sldId id="498" r:id="rId11"/>
   </p:sldIdLst>
   <p:sldSz cx="12192000" cy="6858000"/>
   <p:notesSz cx="6858000" cy="9144000"/>
   <p:custDataLst>
-    <p:tags r:id="rId13"/>
+    <p:tags r:id="rId14"/>
   </p:custDataLst>
   <p:defaultTextStyle>
     <a:defPPr>
@@ -138,6 +139,7 @@
           <p14:sldIdLst>
             <p14:sldId id="513"/>
             <p14:sldId id="514"/>
+            <p14:sldId id="515"/>
           </p14:sldIdLst>
         </p14:section>
         <p14:section name="神经网络简介" id="{51DEABB7-0BCF-4ACB-8ADC-E4B71CC5B2A8}">
@@ -2461,1535 +2463,7 @@
 </p:sld>
 </file>
 
-<file path=ppt/slides/slide2.xml><?xml version="1.0" encoding="utf-8"?>
-<p:sld xmlns:a="http://schemas.openxmlformats.org/drawingml/2006/main" xmlns:r="http://schemas.openxmlformats.org/officeDocument/2006/relationships" xmlns:p="http://schemas.openxmlformats.org/presentationml/2006/main">
-  <p:cSld>
-    <p:spTree>
-      <p:nvGrpSpPr>
-        <p:cNvPr id="1" name=""/>
-        <p:cNvGrpSpPr/>
-        <p:nvPr/>
-      </p:nvGrpSpPr>
-      <p:grpSpPr>
-        <a:xfrm>
-          <a:off x="0" y="0"/>
-          <a:ext cx="0" cy="0"/>
-          <a:chOff x="0" y="0"/>
-          <a:chExt cx="0" cy="0"/>
-        </a:xfrm>
-      </p:grpSpPr>
-      <p:sp>
-        <p:nvSpPr>
-          <p:cNvPr id="3" name="矩形 2">
-            <a:extLst>
-              <a:ext uri="{FF2B5EF4-FFF2-40B4-BE49-F238E27FC236}">
-                <a16:creationId xmlns:a16="http://schemas.microsoft.com/office/drawing/2014/main" id="{AE256FF5-7CA0-4BEC-BBEC-3FE70B09870E}"/>
-              </a:ext>
-            </a:extLst>
-          </p:cNvPr>
-          <p:cNvSpPr/>
-          <p:nvPr/>
-        </p:nvSpPr>
-        <p:spPr>
-          <a:xfrm>
-            <a:off x="1039906" y="1308847"/>
-            <a:ext cx="4356848" cy="2967318"/>
-          </a:xfrm>
-          <a:prstGeom prst="rect">
-            <a:avLst/>
-          </a:prstGeom>
-        </p:spPr>
-        <p:style>
-          <a:lnRef idx="2">
-            <a:schemeClr val="accent6"/>
-          </a:lnRef>
-          <a:fillRef idx="1">
-            <a:schemeClr val="lt1"/>
-          </a:fillRef>
-          <a:effectRef idx="0">
-            <a:schemeClr val="accent6"/>
-          </a:effectRef>
-          <a:fontRef idx="minor">
-            <a:schemeClr val="dk1"/>
-          </a:fontRef>
-        </p:style>
-        <p:txBody>
-          <a:bodyPr rtlCol="0" anchor="ctr"/>
-          <a:lstStyle/>
-          <a:p>
-            <a:pPr algn="ctr"/>
-            <a:endParaRPr lang="zh-CN" altLang="en-US"/>
-          </a:p>
-        </p:txBody>
-      </p:sp>
-      <p:sp>
-        <p:nvSpPr>
-          <p:cNvPr id="2" name="矩形 1">
-            <a:extLst>
-              <a:ext uri="{FF2B5EF4-FFF2-40B4-BE49-F238E27FC236}">
-                <a16:creationId xmlns:a16="http://schemas.microsoft.com/office/drawing/2014/main" id="{6F97B079-F297-4FAD-941E-376037231FB2}"/>
-              </a:ext>
-            </a:extLst>
-          </p:cNvPr>
-          <p:cNvSpPr/>
-          <p:nvPr/>
-        </p:nvSpPr>
-        <p:spPr>
-          <a:xfrm>
-            <a:off x="2087251" y="2150640"/>
-            <a:ext cx="2262158" cy="369332"/>
-          </a:xfrm>
-          <a:prstGeom prst="rect">
-            <a:avLst/>
-          </a:prstGeom>
-        </p:spPr>
-        <p:txBody>
-          <a:bodyPr wrap="none">
-            <a:spAutoFit/>
-          </a:bodyPr>
-          <a:lstStyle/>
-          <a:p>
-            <a:r>
-              <a:rPr lang="zh-CN" altLang="en-US" dirty="0"/>
-              <a:t>一、大模型是什么？</a:t>
-            </a:r>
-          </a:p>
-        </p:txBody>
-      </p:sp>
-      <p:sp>
-        <p:nvSpPr>
-          <p:cNvPr id="4" name="矩形 3">
-            <a:extLst>
-              <a:ext uri="{FF2B5EF4-FFF2-40B4-BE49-F238E27FC236}">
-                <a16:creationId xmlns:a16="http://schemas.microsoft.com/office/drawing/2014/main" id="{57756592-E70E-4B13-81AF-9ADA5F711CDA}"/>
-              </a:ext>
-            </a:extLst>
-          </p:cNvPr>
-          <p:cNvSpPr/>
-          <p:nvPr/>
-        </p:nvSpPr>
-        <p:spPr>
-          <a:xfrm>
-            <a:off x="2087251" y="2561682"/>
-            <a:ext cx="2262158" cy="369332"/>
-          </a:xfrm>
-          <a:prstGeom prst="rect">
-            <a:avLst/>
-          </a:prstGeom>
-        </p:spPr>
-        <p:txBody>
-          <a:bodyPr wrap="none">
-            <a:spAutoFit/>
-          </a:bodyPr>
-          <a:lstStyle/>
-          <a:p>
-            <a:r>
-              <a:rPr lang="zh-CN" altLang="en-US" dirty="0"/>
-              <a:t>二、大模型有哪些？</a:t>
-            </a:r>
-          </a:p>
-        </p:txBody>
-      </p:sp>
-      <p:sp>
-        <p:nvSpPr>
-          <p:cNvPr id="5" name="矩形 4">
-            <a:extLst>
-              <a:ext uri="{FF2B5EF4-FFF2-40B4-BE49-F238E27FC236}">
-                <a16:creationId xmlns:a16="http://schemas.microsoft.com/office/drawing/2014/main" id="{8F1B0B9D-7E87-48D5-A489-FE0A494C583C}"/>
-              </a:ext>
-            </a:extLst>
-          </p:cNvPr>
-          <p:cNvSpPr/>
-          <p:nvPr/>
-        </p:nvSpPr>
-        <p:spPr>
-          <a:xfrm>
-            <a:off x="1971835" y="3015956"/>
-            <a:ext cx="2723823" cy="369332"/>
-          </a:xfrm>
-          <a:prstGeom prst="rect">
-            <a:avLst/>
-          </a:prstGeom>
-        </p:spPr>
-        <p:txBody>
-          <a:bodyPr wrap="none">
-            <a:spAutoFit/>
-          </a:bodyPr>
-          <a:lstStyle/>
-          <a:p>
-            <a:r>
-              <a:rPr lang="zh-CN" altLang="en-US" dirty="0"/>
-              <a:t>三、如何与大模型聊天？</a:t>
-            </a:r>
-          </a:p>
-        </p:txBody>
-      </p:sp>
-      <p:sp>
-        <p:nvSpPr>
-          <p:cNvPr id="6" name="矩形 5">
-            <a:extLst>
-              <a:ext uri="{FF2B5EF4-FFF2-40B4-BE49-F238E27FC236}">
-                <a16:creationId xmlns:a16="http://schemas.microsoft.com/office/drawing/2014/main" id="{769EE10F-7517-46FC-B066-627FB0867A26}"/>
-              </a:ext>
-            </a:extLst>
-          </p:cNvPr>
-          <p:cNvSpPr/>
-          <p:nvPr/>
-        </p:nvSpPr>
-        <p:spPr>
-          <a:xfrm>
-            <a:off x="5804155" y="2150640"/>
-            <a:ext cx="5347939" cy="369332"/>
-          </a:xfrm>
-          <a:prstGeom prst="rect">
-            <a:avLst/>
-          </a:prstGeom>
-        </p:spPr>
-        <p:txBody>
-          <a:bodyPr wrap="none">
-            <a:spAutoFit/>
-          </a:bodyPr>
-          <a:lstStyle/>
-          <a:p>
-            <a:r>
-              <a:rPr lang="en-US" altLang="zh-CN" dirty="0" err="1"/>
-              <a:t>Chatgpt</a:t>
-            </a:r>
-            <a:r>
-              <a:rPr lang="zh-CN" altLang="en-US" dirty="0"/>
-              <a:t>很厉害，是一个产品，它的背后就是大模型</a:t>
-            </a:r>
-            <a:endParaRPr lang="en-US" altLang="zh-CN" dirty="0"/>
-          </a:p>
-        </p:txBody>
-      </p:sp>
-      <p:sp>
-        <p:nvSpPr>
-          <p:cNvPr id="7" name="矩形 6">
-            <a:extLst>
-              <a:ext uri="{FF2B5EF4-FFF2-40B4-BE49-F238E27FC236}">
-                <a16:creationId xmlns:a16="http://schemas.microsoft.com/office/drawing/2014/main" id="{46E88AD5-CB71-433E-8728-0F7C285DDFA5}"/>
-              </a:ext>
-            </a:extLst>
-          </p:cNvPr>
-          <p:cNvSpPr/>
-          <p:nvPr/>
-        </p:nvSpPr>
-        <p:spPr>
-          <a:xfrm>
-            <a:off x="5804154" y="2792506"/>
-            <a:ext cx="4084773" cy="369332"/>
-          </a:xfrm>
-          <a:prstGeom prst="rect">
-            <a:avLst/>
-          </a:prstGeom>
-        </p:spPr>
-        <p:txBody>
-          <a:bodyPr wrap="none">
-            <a:spAutoFit/>
-          </a:bodyPr>
-          <a:lstStyle/>
-          <a:p>
-            <a:r>
-              <a:rPr lang="en-US" altLang="zh-CN" dirty="0" err="1"/>
-              <a:t>Gpt</a:t>
-            </a:r>
-            <a:r>
-              <a:rPr lang="en-US" altLang="zh-CN" dirty="0"/>
-              <a:t> = generative pre-trained transformer</a:t>
-            </a:r>
-          </a:p>
-        </p:txBody>
-      </p:sp>
-    </p:spTree>
-    <p:extLst>
-      <p:ext uri="{BB962C8B-B14F-4D97-AF65-F5344CB8AC3E}">
-        <p14:creationId xmlns:p14="http://schemas.microsoft.com/office/powerpoint/2010/main" val="528328700"/>
-      </p:ext>
-    </p:extLst>
-  </p:cSld>
-  <p:clrMapOvr>
-    <a:masterClrMapping/>
-  </p:clrMapOvr>
-</p:sld>
-</file>
-
-<file path=ppt/slides/slide3.xml><?xml version="1.0" encoding="utf-8"?>
-<p:sld xmlns:a="http://schemas.openxmlformats.org/drawingml/2006/main" xmlns:r="http://schemas.openxmlformats.org/officeDocument/2006/relationships" xmlns:p="http://schemas.openxmlformats.org/presentationml/2006/main">
-  <p:cSld>
-    <p:spTree>
-      <p:nvGrpSpPr>
-        <p:cNvPr id="1" name=""/>
-        <p:cNvGrpSpPr/>
-        <p:nvPr/>
-      </p:nvGrpSpPr>
-      <p:grpSpPr>
-        <a:xfrm>
-          <a:off x="0" y="0"/>
-          <a:ext cx="0" cy="0"/>
-          <a:chOff x="0" y="0"/>
-          <a:chExt cx="0" cy="0"/>
-        </a:xfrm>
-      </p:grpSpPr>
-      <p:sp>
-        <p:nvSpPr>
-          <p:cNvPr id="8" name="标题 7">
-            <a:extLst>
-              <a:ext uri="{FF2B5EF4-FFF2-40B4-BE49-F238E27FC236}">
-                <a16:creationId xmlns:a16="http://schemas.microsoft.com/office/drawing/2014/main" id="{FB87FE74-671C-4E37-9D37-34C6D508DA40}"/>
-              </a:ext>
-            </a:extLst>
-          </p:cNvPr>
-          <p:cNvSpPr>
-            <a:spLocks noGrp="1"/>
-          </p:cNvSpPr>
-          <p:nvPr>
-            <p:ph type="title"/>
-          </p:nvPr>
-        </p:nvSpPr>
-        <p:spPr/>
-        <p:txBody>
-          <a:bodyPr>
-            <a:normAutofit fontScale="90000"/>
-          </a:bodyPr>
-          <a:lstStyle/>
-          <a:p>
-            <a:r>
-              <a:rPr lang="zh-CN" altLang="en-US" dirty="0"/>
-              <a:t>一、大模型是什么？</a:t>
-            </a:r>
-          </a:p>
-        </p:txBody>
-      </p:sp>
-    </p:spTree>
-    <p:extLst>
-      <p:ext uri="{BB962C8B-B14F-4D97-AF65-F5344CB8AC3E}">
-        <p14:creationId xmlns:p14="http://schemas.microsoft.com/office/powerpoint/2010/main" val="2469427413"/>
-      </p:ext>
-    </p:extLst>
-  </p:cSld>
-  <p:clrMapOvr>
-    <a:masterClrMapping/>
-  </p:clrMapOvr>
-</p:sld>
-</file>
-
-<file path=ppt/slides/slide4.xml><?xml version="1.0" encoding="utf-8"?>
-<p:sld xmlns:a="http://schemas.openxmlformats.org/drawingml/2006/main" xmlns:r="http://schemas.openxmlformats.org/officeDocument/2006/relationships" xmlns:p="http://schemas.openxmlformats.org/presentationml/2006/main">
-  <p:cSld>
-    <p:spTree>
-      <p:nvGrpSpPr>
-        <p:cNvPr id="1" name=""/>
-        <p:cNvGrpSpPr/>
-        <p:nvPr/>
-      </p:nvGrpSpPr>
-      <p:grpSpPr>
-        <a:xfrm>
-          <a:off x="0" y="0"/>
-          <a:ext cx="0" cy="0"/>
-          <a:chOff x="0" y="0"/>
-          <a:chExt cx="0" cy="0"/>
-        </a:xfrm>
-      </p:grpSpPr>
-      <p:sp>
-        <p:nvSpPr>
-          <p:cNvPr id="8" name="标题 7">
-            <a:extLst>
-              <a:ext uri="{FF2B5EF4-FFF2-40B4-BE49-F238E27FC236}">
-                <a16:creationId xmlns:a16="http://schemas.microsoft.com/office/drawing/2014/main" id="{FB87FE74-671C-4E37-9D37-34C6D508DA40}"/>
-              </a:ext>
-            </a:extLst>
-          </p:cNvPr>
-          <p:cNvSpPr>
-            <a:spLocks noGrp="1"/>
-          </p:cNvSpPr>
-          <p:nvPr>
-            <p:ph type="title"/>
-          </p:nvPr>
-        </p:nvSpPr>
-        <p:spPr/>
-        <p:txBody>
-          <a:bodyPr>
-            <a:normAutofit fontScale="90000"/>
-          </a:bodyPr>
-          <a:lstStyle/>
-          <a:p>
-            <a:r>
-              <a:rPr lang="zh-CN" altLang="en-US" dirty="0"/>
-              <a:t>二、大模型有哪些？</a:t>
-            </a:r>
-          </a:p>
-        </p:txBody>
-      </p:sp>
-    </p:spTree>
-    <p:extLst>
-      <p:ext uri="{BB962C8B-B14F-4D97-AF65-F5344CB8AC3E}">
-        <p14:creationId xmlns:p14="http://schemas.microsoft.com/office/powerpoint/2010/main" val="2399500099"/>
-      </p:ext>
-    </p:extLst>
-  </p:cSld>
-  <p:clrMapOvr>
-    <a:masterClrMapping/>
-  </p:clrMapOvr>
-</p:sld>
-</file>
-
-<file path=ppt/slides/slide5.xml><?xml version="1.0" encoding="utf-8"?>
-<p:sld xmlns:a="http://schemas.openxmlformats.org/drawingml/2006/main" xmlns:r="http://schemas.openxmlformats.org/officeDocument/2006/relationships" xmlns:p="http://schemas.openxmlformats.org/presentationml/2006/main">
-  <p:cSld>
-    <p:spTree>
-      <p:nvGrpSpPr>
-        <p:cNvPr id="1" name=""/>
-        <p:cNvGrpSpPr/>
-        <p:nvPr/>
-      </p:nvGrpSpPr>
-      <p:grpSpPr>
-        <a:xfrm>
-          <a:off x="0" y="0"/>
-          <a:ext cx="0" cy="0"/>
-          <a:chOff x="0" y="0"/>
-          <a:chExt cx="0" cy="0"/>
-        </a:xfrm>
-      </p:grpSpPr>
-      <p:sp>
-        <p:nvSpPr>
-          <p:cNvPr id="8" name="标题 7">
-            <a:extLst>
-              <a:ext uri="{FF2B5EF4-FFF2-40B4-BE49-F238E27FC236}">
-                <a16:creationId xmlns:a16="http://schemas.microsoft.com/office/drawing/2014/main" id="{FB87FE74-671C-4E37-9D37-34C6D508DA40}"/>
-              </a:ext>
-            </a:extLst>
-          </p:cNvPr>
-          <p:cNvSpPr>
-            <a:spLocks noGrp="1"/>
-          </p:cNvSpPr>
-          <p:nvPr>
-            <p:ph type="title"/>
-          </p:nvPr>
-        </p:nvSpPr>
-        <p:spPr/>
-        <p:txBody>
-          <a:bodyPr>
-            <a:normAutofit fontScale="90000"/>
-          </a:bodyPr>
-          <a:lstStyle/>
-          <a:p>
-            <a:r>
-              <a:rPr lang="zh-CN" altLang="en-US" dirty="0"/>
-              <a:t>三、如何与大模型聊天？</a:t>
-            </a:r>
-          </a:p>
-        </p:txBody>
-      </p:sp>
-      <p:sp>
-        <p:nvSpPr>
-          <p:cNvPr id="2" name="矩形: 圆角 1">
-            <a:extLst>
-              <a:ext uri="{FF2B5EF4-FFF2-40B4-BE49-F238E27FC236}">
-                <a16:creationId xmlns:a16="http://schemas.microsoft.com/office/drawing/2014/main" id="{82E3555A-3235-42C0-B687-F7915C8935CF}"/>
-              </a:ext>
-            </a:extLst>
-          </p:cNvPr>
-          <p:cNvSpPr/>
-          <p:nvPr/>
-        </p:nvSpPr>
-        <p:spPr>
-          <a:xfrm>
-            <a:off x="3281082" y="3214326"/>
-            <a:ext cx="1264024" cy="657024"/>
-          </a:xfrm>
-          <a:prstGeom prst="roundRect">
-            <a:avLst/>
-          </a:prstGeom>
-        </p:spPr>
-        <p:style>
-          <a:lnRef idx="2">
-            <a:schemeClr val="accent1">
-              <a:shade val="50000"/>
-            </a:schemeClr>
-          </a:lnRef>
-          <a:fillRef idx="1">
-            <a:schemeClr val="accent1"/>
-          </a:fillRef>
-          <a:effectRef idx="0">
-            <a:schemeClr val="accent1"/>
-          </a:effectRef>
-          <a:fontRef idx="minor">
-            <a:schemeClr val="lt1"/>
-          </a:fontRef>
-        </p:style>
-        <p:txBody>
-          <a:bodyPr rtlCol="0" anchor="ctr"/>
-          <a:lstStyle/>
-          <a:p>
-            <a:pPr algn="ctr"/>
-            <a:r>
-              <a:rPr lang="en-US" altLang="zh-CN" dirty="0"/>
-              <a:t>llama</a:t>
-            </a:r>
-            <a:endParaRPr lang="zh-CN" altLang="en-US" dirty="0"/>
-          </a:p>
-        </p:txBody>
-      </p:sp>
-      <p:sp>
-        <p:nvSpPr>
-          <p:cNvPr id="3" name="文本框 2">
-            <a:extLst>
-              <a:ext uri="{FF2B5EF4-FFF2-40B4-BE49-F238E27FC236}">
-                <a16:creationId xmlns:a16="http://schemas.microsoft.com/office/drawing/2014/main" id="{0F2F73E4-E1AC-4EFE-80C4-D617C98DCF51}"/>
-              </a:ext>
-            </a:extLst>
-          </p:cNvPr>
-          <p:cNvSpPr txBox="1"/>
-          <p:nvPr/>
-        </p:nvSpPr>
-        <p:spPr>
-          <a:xfrm>
-            <a:off x="518903" y="3358172"/>
-            <a:ext cx="2069797" cy="369332"/>
-          </a:xfrm>
-          <a:prstGeom prst="rect">
-            <a:avLst/>
-          </a:prstGeom>
-          <a:noFill/>
-        </p:spPr>
-        <p:txBody>
-          <a:bodyPr wrap="none" rtlCol="0">
-            <a:spAutoFit/>
-          </a:bodyPr>
-          <a:lstStyle/>
-          <a:p>
-            <a:r>
-              <a:rPr lang="zh-CN" altLang="en-US" dirty="0"/>
-              <a:t>世界上最高的山是</a:t>
-            </a:r>
-          </a:p>
-        </p:txBody>
-      </p:sp>
-      <p:sp>
-        <p:nvSpPr>
-          <p:cNvPr id="5" name="文本框 4">
-            <a:extLst>
-              <a:ext uri="{FF2B5EF4-FFF2-40B4-BE49-F238E27FC236}">
-                <a16:creationId xmlns:a16="http://schemas.microsoft.com/office/drawing/2014/main" id="{7B181AD9-AAB1-43EF-B31D-268DC0CBFDF9}"/>
-              </a:ext>
-            </a:extLst>
-          </p:cNvPr>
-          <p:cNvSpPr txBox="1"/>
-          <p:nvPr/>
-        </p:nvSpPr>
-        <p:spPr>
-          <a:xfrm>
-            <a:off x="4821990" y="2976283"/>
-            <a:ext cx="415498" cy="369332"/>
-          </a:xfrm>
-          <a:prstGeom prst="rect">
-            <a:avLst/>
-          </a:prstGeom>
-          <a:noFill/>
-        </p:spPr>
-        <p:txBody>
-          <a:bodyPr wrap="none" rtlCol="0">
-            <a:spAutoFit/>
-          </a:bodyPr>
-          <a:lstStyle/>
-          <a:p>
-            <a:r>
-              <a:rPr lang="zh-CN" altLang="en-US" dirty="0"/>
-              <a:t>珠</a:t>
-            </a:r>
-          </a:p>
-        </p:txBody>
-      </p:sp>
-      <p:sp>
-        <p:nvSpPr>
-          <p:cNvPr id="6" name="文本框 5">
-            <a:extLst>
-              <a:ext uri="{FF2B5EF4-FFF2-40B4-BE49-F238E27FC236}">
-                <a16:creationId xmlns:a16="http://schemas.microsoft.com/office/drawing/2014/main" id="{22C6D349-9B53-4550-A3A5-F466077EB669}"/>
-              </a:ext>
-            </a:extLst>
-          </p:cNvPr>
-          <p:cNvSpPr txBox="1"/>
-          <p:nvPr/>
-        </p:nvSpPr>
-        <p:spPr>
-          <a:xfrm>
-            <a:off x="4821990" y="3429000"/>
-            <a:ext cx="415498" cy="369332"/>
-          </a:xfrm>
-          <a:prstGeom prst="rect">
-            <a:avLst/>
-          </a:prstGeom>
-          <a:noFill/>
-        </p:spPr>
-        <p:txBody>
-          <a:bodyPr wrap="none" rtlCol="0">
-            <a:spAutoFit/>
-          </a:bodyPr>
-          <a:lstStyle/>
-          <a:p>
-            <a:r>
-              <a:rPr lang="zh-CN" altLang="en-US" dirty="0"/>
-              <a:t>什</a:t>
-            </a:r>
-          </a:p>
-        </p:txBody>
-      </p:sp>
-      <p:sp>
-        <p:nvSpPr>
-          <p:cNvPr id="7" name="文本框 6">
-            <a:extLst>
-              <a:ext uri="{FF2B5EF4-FFF2-40B4-BE49-F238E27FC236}">
-                <a16:creationId xmlns:a16="http://schemas.microsoft.com/office/drawing/2014/main" id="{4D06DCDD-A234-42DF-BEF9-43B2796D6C7E}"/>
-              </a:ext>
-            </a:extLst>
-          </p:cNvPr>
-          <p:cNvSpPr txBox="1"/>
-          <p:nvPr/>
-        </p:nvSpPr>
-        <p:spPr>
-          <a:xfrm>
-            <a:off x="4821990" y="3905908"/>
-            <a:ext cx="415498" cy="369332"/>
-          </a:xfrm>
-          <a:prstGeom prst="rect">
-            <a:avLst/>
-          </a:prstGeom>
-          <a:noFill/>
-        </p:spPr>
-        <p:txBody>
-          <a:bodyPr wrap="none" rtlCol="0">
-            <a:spAutoFit/>
-          </a:bodyPr>
-          <a:lstStyle/>
-          <a:p>
-            <a:r>
-              <a:rPr lang="zh-CN" altLang="en-US" dirty="0"/>
-              <a:t>哪</a:t>
-            </a:r>
-          </a:p>
-        </p:txBody>
-      </p:sp>
-      <p:sp>
-        <p:nvSpPr>
-          <p:cNvPr id="9" name="文本框 8">
-            <a:extLst>
-              <a:ext uri="{FF2B5EF4-FFF2-40B4-BE49-F238E27FC236}">
-                <a16:creationId xmlns:a16="http://schemas.microsoft.com/office/drawing/2014/main" id="{70A5CE5F-3E35-4816-8725-899A5220C3DA}"/>
-              </a:ext>
-            </a:extLst>
-          </p:cNvPr>
-          <p:cNvSpPr txBox="1"/>
-          <p:nvPr/>
-        </p:nvSpPr>
-        <p:spPr>
-          <a:xfrm>
-            <a:off x="1002997" y="1305254"/>
-            <a:ext cx="3544560" cy="369332"/>
-          </a:xfrm>
-          <a:prstGeom prst="rect">
-            <a:avLst/>
-          </a:prstGeom>
-          <a:noFill/>
-        </p:spPr>
-        <p:txBody>
-          <a:bodyPr wrap="none" rtlCol="0">
-            <a:spAutoFit/>
-          </a:bodyPr>
-          <a:lstStyle/>
-          <a:p>
-            <a:r>
-              <a:rPr lang="zh-CN" altLang="en-US" dirty="0"/>
-              <a:t>三要素：提示词</a:t>
-            </a:r>
-            <a:r>
-              <a:rPr lang="en-US" altLang="zh-CN" dirty="0"/>
-              <a:t>/</a:t>
-            </a:r>
-            <a:r>
-              <a:rPr lang="zh-CN" altLang="en-US" dirty="0"/>
-              <a:t>温度</a:t>
-            </a:r>
-            <a:r>
-              <a:rPr lang="en-US" altLang="zh-CN" dirty="0"/>
-              <a:t>/</a:t>
-            </a:r>
-            <a:r>
-              <a:rPr lang="zh-CN" altLang="en-US" dirty="0"/>
-              <a:t>上下文长度</a:t>
-            </a:r>
-          </a:p>
-        </p:txBody>
-      </p:sp>
-    </p:spTree>
-    <p:extLst>
-      <p:ext uri="{BB962C8B-B14F-4D97-AF65-F5344CB8AC3E}">
-        <p14:creationId xmlns:p14="http://schemas.microsoft.com/office/powerpoint/2010/main" val="1154277874"/>
-      </p:ext>
-    </p:extLst>
-  </p:cSld>
-  <p:clrMapOvr>
-    <a:masterClrMapping/>
-  </p:clrMapOvr>
-</p:sld>
-</file>
-
-<file path=ppt/slides/slide6.xml><?xml version="1.0" encoding="utf-8"?>
-<p:sld xmlns:a="http://schemas.openxmlformats.org/drawingml/2006/main" xmlns:r="http://schemas.openxmlformats.org/officeDocument/2006/relationships" xmlns:p="http://schemas.openxmlformats.org/presentationml/2006/main">
-  <p:cSld>
-    <p:spTree>
-      <p:nvGrpSpPr>
-        <p:cNvPr id="1" name=""/>
-        <p:cNvGrpSpPr/>
-        <p:nvPr/>
-      </p:nvGrpSpPr>
-      <p:grpSpPr>
-        <a:xfrm>
-          <a:off x="0" y="0"/>
-          <a:ext cx="0" cy="0"/>
-          <a:chOff x="0" y="0"/>
-          <a:chExt cx="0" cy="0"/>
-        </a:xfrm>
-      </p:grpSpPr>
-      <p:sp>
-        <p:nvSpPr>
-          <p:cNvPr id="3" name="矩形 2">
-            <a:extLst>
-              <a:ext uri="{FF2B5EF4-FFF2-40B4-BE49-F238E27FC236}">
-                <a16:creationId xmlns:a16="http://schemas.microsoft.com/office/drawing/2014/main" id="{AE256FF5-7CA0-4BEC-BBEC-3FE70B09870E}"/>
-              </a:ext>
-            </a:extLst>
-          </p:cNvPr>
-          <p:cNvSpPr/>
-          <p:nvPr/>
-        </p:nvSpPr>
-        <p:spPr>
-          <a:xfrm>
-            <a:off x="2321858" y="1640541"/>
-            <a:ext cx="4356848" cy="2967318"/>
-          </a:xfrm>
-          <a:prstGeom prst="rect">
-            <a:avLst/>
-          </a:prstGeom>
-        </p:spPr>
-        <p:style>
-          <a:lnRef idx="2">
-            <a:schemeClr val="accent6"/>
-          </a:lnRef>
-          <a:fillRef idx="1">
-            <a:schemeClr val="lt1"/>
-          </a:fillRef>
-          <a:effectRef idx="0">
-            <a:schemeClr val="accent6"/>
-          </a:effectRef>
-          <a:fontRef idx="minor">
-            <a:schemeClr val="dk1"/>
-          </a:fontRef>
-        </p:style>
-        <p:txBody>
-          <a:bodyPr rtlCol="0" anchor="ctr"/>
-          <a:lstStyle/>
-          <a:p>
-            <a:pPr algn="ctr"/>
-            <a:endParaRPr lang="zh-CN" altLang="en-US"/>
-          </a:p>
-        </p:txBody>
-      </p:sp>
-    </p:spTree>
-    <p:extLst>
-      <p:ext uri="{BB962C8B-B14F-4D97-AF65-F5344CB8AC3E}">
-        <p14:creationId xmlns:p14="http://schemas.microsoft.com/office/powerpoint/2010/main" val="1334016383"/>
-      </p:ext>
-    </p:extLst>
-  </p:cSld>
-  <p:clrMapOvr>
-    <a:masterClrMapping/>
-  </p:clrMapOvr>
-</p:sld>
-</file>
-
-<file path=ppt/slides/slide7.xml><?xml version="1.0" encoding="utf-8"?>
-<p:sld xmlns:a="http://schemas.openxmlformats.org/drawingml/2006/main" xmlns:r="http://schemas.openxmlformats.org/officeDocument/2006/relationships" xmlns:p="http://schemas.openxmlformats.org/presentationml/2006/main">
-  <p:cSld>
-    <p:spTree>
-      <p:nvGrpSpPr>
-        <p:cNvPr id="1" name=""/>
-        <p:cNvGrpSpPr/>
-        <p:nvPr/>
-      </p:nvGrpSpPr>
-      <p:grpSpPr>
-        <a:xfrm>
-          <a:off x="0" y="0"/>
-          <a:ext cx="0" cy="0"/>
-          <a:chOff x="0" y="0"/>
-          <a:chExt cx="0" cy="0"/>
-        </a:xfrm>
-      </p:grpSpPr>
-      <p:sp>
-        <p:nvSpPr>
-          <p:cNvPr id="4" name="标题 3">
-            <a:extLst>
-              <a:ext uri="{FF2B5EF4-FFF2-40B4-BE49-F238E27FC236}">
-                <a16:creationId xmlns:a16="http://schemas.microsoft.com/office/drawing/2014/main" id="{D4F9F44A-4FCA-4415-B6E5-C99BC21825C8}"/>
-              </a:ext>
-            </a:extLst>
-          </p:cNvPr>
-          <p:cNvSpPr>
-            <a:spLocks noGrp="1"/>
-          </p:cNvSpPr>
-          <p:nvPr>
-            <p:ph type="ctrTitle"/>
-          </p:nvPr>
-        </p:nvSpPr>
-        <p:spPr/>
-        <p:txBody>
-          <a:bodyPr/>
-          <a:lstStyle/>
-          <a:p>
-            <a:r>
-              <a:rPr lang="zh-CN" altLang="en-US" dirty="0"/>
-              <a:t>大模型应用</a:t>
-            </a:r>
-          </a:p>
-        </p:txBody>
-      </p:sp>
-      <p:sp>
-        <p:nvSpPr>
-          <p:cNvPr id="5" name="副标题 4">
-            <a:extLst>
-              <a:ext uri="{FF2B5EF4-FFF2-40B4-BE49-F238E27FC236}">
-                <a16:creationId xmlns:a16="http://schemas.microsoft.com/office/drawing/2014/main" id="{4C3F4B2A-0054-4854-8F8E-96D81D3E0639}"/>
-              </a:ext>
-            </a:extLst>
-          </p:cNvPr>
-          <p:cNvSpPr>
-            <a:spLocks noGrp="1"/>
-          </p:cNvSpPr>
-          <p:nvPr>
-            <p:ph type="subTitle" idx="1"/>
-          </p:nvPr>
-        </p:nvSpPr>
-        <p:spPr/>
-        <p:txBody>
-          <a:bodyPr/>
-          <a:lstStyle/>
-          <a:p>
-            <a:endParaRPr lang="zh-CN" altLang="en-US"/>
-          </a:p>
-        </p:txBody>
-      </p:sp>
-    </p:spTree>
-    <p:extLst>
-      <p:ext uri="{BB962C8B-B14F-4D97-AF65-F5344CB8AC3E}">
-        <p14:creationId xmlns:p14="http://schemas.microsoft.com/office/powerpoint/2010/main" val="3026683308"/>
-      </p:ext>
-    </p:extLst>
-  </p:cSld>
-  <p:clrMapOvr>
-    <a:masterClrMapping/>
-  </p:clrMapOvr>
-</p:sld>
-</file>
-
-<file path=ppt/slides/slide8.xml><?xml version="1.0" encoding="utf-8"?>
-<p:sld xmlns:a="http://schemas.openxmlformats.org/drawingml/2006/main" xmlns:r="http://schemas.openxmlformats.org/officeDocument/2006/relationships" xmlns:p="http://schemas.openxmlformats.org/presentationml/2006/main" show="0">
-  <p:cSld>
-    <p:spTree>
-      <p:nvGrpSpPr>
-        <p:cNvPr id="1" name=""/>
-        <p:cNvGrpSpPr/>
-        <p:nvPr/>
-      </p:nvGrpSpPr>
-      <p:grpSpPr>
-        <a:xfrm>
-          <a:off x="0" y="0"/>
-          <a:ext cx="0" cy="0"/>
-          <a:chOff x="0" y="0"/>
-          <a:chExt cx="0" cy="0"/>
-        </a:xfrm>
-      </p:grpSpPr>
-      <p:pic>
-        <p:nvPicPr>
-          <p:cNvPr id="5" name="图片 4">
-            <a:extLst>
-              <a:ext uri="{FF2B5EF4-FFF2-40B4-BE49-F238E27FC236}">
-                <a16:creationId xmlns:a16="http://schemas.microsoft.com/office/drawing/2014/main" id="{B059D4D0-05AB-43F0-9FE5-D22C4E8E723F}"/>
-              </a:ext>
-            </a:extLst>
-          </p:cNvPr>
-          <p:cNvPicPr>
-            <a:picLocks noChangeAspect="1"/>
-          </p:cNvPicPr>
-          <p:nvPr/>
-        </p:nvPicPr>
-        <p:blipFill>
-          <a:blip r:embed="rId2"/>
-          <a:stretch>
-            <a:fillRect/>
-          </a:stretch>
-        </p:blipFill>
-        <p:spPr>
-          <a:xfrm>
-            <a:off x="568889" y="1102620"/>
-            <a:ext cx="2276192" cy="4476512"/>
-          </a:xfrm>
-          <a:prstGeom prst="rect">
-            <a:avLst/>
-          </a:prstGeom>
-        </p:spPr>
-      </p:pic>
-      <p:sp>
-        <p:nvSpPr>
-          <p:cNvPr id="4" name="矩形 3">
-            <a:extLst>
-              <a:ext uri="{FF2B5EF4-FFF2-40B4-BE49-F238E27FC236}">
-                <a16:creationId xmlns:a16="http://schemas.microsoft.com/office/drawing/2014/main" id="{F4C8052D-01FC-44AC-98EE-5133FC386F90}"/>
-              </a:ext>
-            </a:extLst>
-          </p:cNvPr>
-          <p:cNvSpPr/>
-          <p:nvPr/>
-        </p:nvSpPr>
-        <p:spPr>
-          <a:xfrm>
-            <a:off x="568889" y="1690543"/>
-            <a:ext cx="2312197" cy="2159371"/>
-          </a:xfrm>
-          <a:prstGeom prst="rect">
-            <a:avLst/>
-          </a:prstGeom>
-          <a:noFill/>
-          <a:ln>
-            <a:solidFill>
-              <a:srgbClr val="FF0000"/>
-            </a:solidFill>
-          </a:ln>
-        </p:spPr>
-        <p:style>
-          <a:lnRef idx="2">
-            <a:schemeClr val="accent1">
-              <a:shade val="50000"/>
-            </a:schemeClr>
-          </a:lnRef>
-          <a:fillRef idx="1">
-            <a:schemeClr val="accent1"/>
-          </a:fillRef>
-          <a:effectRef idx="0">
-            <a:schemeClr val="accent1"/>
-          </a:effectRef>
-          <a:fontRef idx="minor">
-            <a:schemeClr val="lt1"/>
-          </a:fontRef>
-        </p:style>
-        <p:txBody>
-          <a:bodyPr rtlCol="0" anchor="ctr"/>
-          <a:lstStyle/>
-          <a:p>
-            <a:pPr algn="ctr"/>
-            <a:endParaRPr lang="zh-CN" altLang="en-US"/>
-          </a:p>
-        </p:txBody>
-      </p:sp>
-      <p:cxnSp>
-        <p:nvCxnSpPr>
-          <p:cNvPr id="6" name="直接箭头连接符 5">
-            <a:extLst>
-              <a:ext uri="{FF2B5EF4-FFF2-40B4-BE49-F238E27FC236}">
-                <a16:creationId xmlns:a16="http://schemas.microsoft.com/office/drawing/2014/main" id="{C9628B31-652C-44BB-9499-C24C119CA08B}"/>
-              </a:ext>
-            </a:extLst>
-          </p:cNvPr>
-          <p:cNvCxnSpPr>
-            <a:cxnSpLocks/>
-            <a:stCxn id="4" idx="3"/>
-          </p:cNvCxnSpPr>
-          <p:nvPr/>
-        </p:nvCxnSpPr>
-        <p:spPr>
-          <a:xfrm>
-            <a:off x="2881086" y="2770229"/>
-            <a:ext cx="613228" cy="0"/>
-          </a:xfrm>
-          <a:prstGeom prst="straightConnector1">
-            <a:avLst/>
-          </a:prstGeom>
-          <a:ln w="25400">
-            <a:solidFill>
-              <a:srgbClr val="FF0000"/>
-            </a:solidFill>
-            <a:tailEnd type="triangle"/>
-          </a:ln>
-        </p:spPr>
-        <p:style>
-          <a:lnRef idx="1">
-            <a:schemeClr val="accent1"/>
-          </a:lnRef>
-          <a:fillRef idx="0">
-            <a:schemeClr val="accent1"/>
-          </a:fillRef>
-          <a:effectRef idx="0">
-            <a:schemeClr val="accent1"/>
-          </a:effectRef>
-          <a:fontRef idx="minor">
-            <a:schemeClr val="tx1"/>
-          </a:fontRef>
-        </p:style>
-      </p:cxnSp>
-      <p:sp>
-        <p:nvSpPr>
-          <p:cNvPr id="8" name="文本框 7">
-            <a:extLst>
-              <a:ext uri="{FF2B5EF4-FFF2-40B4-BE49-F238E27FC236}">
-                <a16:creationId xmlns:a16="http://schemas.microsoft.com/office/drawing/2014/main" id="{12459F3E-F8BD-46B9-8725-641B2D6138F6}"/>
-              </a:ext>
-            </a:extLst>
-          </p:cNvPr>
-          <p:cNvSpPr txBox="1"/>
-          <p:nvPr/>
-        </p:nvSpPr>
-        <p:spPr>
-          <a:xfrm>
-            <a:off x="3494314" y="2585562"/>
-            <a:ext cx="979715" cy="369332"/>
-          </a:xfrm>
-          <a:prstGeom prst="rect">
-            <a:avLst/>
-          </a:prstGeom>
-          <a:noFill/>
-        </p:spPr>
-        <p:txBody>
-          <a:bodyPr wrap="square" rtlCol="0">
-            <a:spAutoFit/>
-          </a:bodyPr>
-          <a:lstStyle/>
-          <a:p>
-            <a:r>
-              <a:rPr lang="zh-CN" altLang="en-US" dirty="0">
-                <a:solidFill>
-                  <a:srgbClr val="FF0000"/>
-                </a:solidFill>
-                <a:latin typeface="黑体" panose="02010609060101010101" pitchFamily="49" charset="-122"/>
-                <a:ea typeface="黑体" panose="02010609060101010101" pitchFamily="49" charset="-122"/>
-              </a:rPr>
-              <a:t>输出区</a:t>
-            </a:r>
-          </a:p>
-        </p:txBody>
-      </p:sp>
-      <p:sp>
-        <p:nvSpPr>
-          <p:cNvPr id="9" name="矩形 8">
-            <a:extLst>
-              <a:ext uri="{FF2B5EF4-FFF2-40B4-BE49-F238E27FC236}">
-                <a16:creationId xmlns:a16="http://schemas.microsoft.com/office/drawing/2014/main" id="{D9EA628A-7FEB-4762-9ED0-26ABA2D8F2AF}"/>
-              </a:ext>
-            </a:extLst>
-          </p:cNvPr>
-          <p:cNvSpPr/>
-          <p:nvPr/>
-        </p:nvSpPr>
-        <p:spPr>
-          <a:xfrm>
-            <a:off x="1256921" y="4424551"/>
-            <a:ext cx="1588160" cy="1149093"/>
-          </a:xfrm>
-          <a:prstGeom prst="rect">
-            <a:avLst/>
-          </a:prstGeom>
-          <a:noFill/>
-          <a:ln>
-            <a:solidFill>
-              <a:srgbClr val="FF0000"/>
-            </a:solidFill>
-          </a:ln>
-        </p:spPr>
-        <p:style>
-          <a:lnRef idx="2">
-            <a:schemeClr val="accent1">
-              <a:shade val="50000"/>
-            </a:schemeClr>
-          </a:lnRef>
-          <a:fillRef idx="1">
-            <a:schemeClr val="accent1"/>
-          </a:fillRef>
-          <a:effectRef idx="0">
-            <a:schemeClr val="accent1"/>
-          </a:effectRef>
-          <a:fontRef idx="minor">
-            <a:schemeClr val="lt1"/>
-          </a:fontRef>
-        </p:style>
-        <p:txBody>
-          <a:bodyPr rtlCol="0" anchor="ctr"/>
-          <a:lstStyle/>
-          <a:p>
-            <a:pPr algn="ctr"/>
-            <a:endParaRPr lang="zh-CN" altLang="en-US"/>
-          </a:p>
-        </p:txBody>
-      </p:sp>
-      <p:cxnSp>
-        <p:nvCxnSpPr>
-          <p:cNvPr id="10" name="直接箭头连接符 9">
-            <a:extLst>
-              <a:ext uri="{FF2B5EF4-FFF2-40B4-BE49-F238E27FC236}">
-                <a16:creationId xmlns:a16="http://schemas.microsoft.com/office/drawing/2014/main" id="{178C2C80-6267-4EE9-80A3-C4C4E040E210}"/>
-              </a:ext>
-            </a:extLst>
-          </p:cNvPr>
-          <p:cNvCxnSpPr>
-            <a:cxnSpLocks/>
-            <a:stCxn id="9" idx="3"/>
-            <a:endCxn id="11" idx="1"/>
-          </p:cNvCxnSpPr>
-          <p:nvPr/>
-        </p:nvCxnSpPr>
-        <p:spPr>
-          <a:xfrm>
-            <a:off x="2845081" y="4999098"/>
-            <a:ext cx="648004" cy="580"/>
-          </a:xfrm>
-          <a:prstGeom prst="straightConnector1">
-            <a:avLst/>
-          </a:prstGeom>
-          <a:ln w="25400">
-            <a:solidFill>
-              <a:srgbClr val="FF0000"/>
-            </a:solidFill>
-            <a:tailEnd type="triangle"/>
-          </a:ln>
-        </p:spPr>
-        <p:style>
-          <a:lnRef idx="1">
-            <a:schemeClr val="accent1"/>
-          </a:lnRef>
-          <a:fillRef idx="0">
-            <a:schemeClr val="accent1"/>
-          </a:fillRef>
-          <a:effectRef idx="0">
-            <a:schemeClr val="accent1"/>
-          </a:effectRef>
-          <a:fontRef idx="minor">
-            <a:schemeClr val="tx1"/>
-          </a:fontRef>
-        </p:style>
-      </p:cxnSp>
-      <p:sp>
-        <p:nvSpPr>
-          <p:cNvPr id="11" name="文本框 10">
-            <a:extLst>
-              <a:ext uri="{FF2B5EF4-FFF2-40B4-BE49-F238E27FC236}">
-                <a16:creationId xmlns:a16="http://schemas.microsoft.com/office/drawing/2014/main" id="{D536A95D-CE2A-4BAF-82E1-7090C99E00D1}"/>
-              </a:ext>
-            </a:extLst>
-          </p:cNvPr>
-          <p:cNvSpPr txBox="1"/>
-          <p:nvPr/>
-        </p:nvSpPr>
-        <p:spPr>
-          <a:xfrm>
-            <a:off x="3493085" y="4815012"/>
-            <a:ext cx="979715" cy="369332"/>
-          </a:xfrm>
-          <a:prstGeom prst="rect">
-            <a:avLst/>
-          </a:prstGeom>
-          <a:noFill/>
-        </p:spPr>
-        <p:txBody>
-          <a:bodyPr wrap="square" rtlCol="0">
-            <a:spAutoFit/>
-          </a:bodyPr>
-          <a:lstStyle/>
-          <a:p>
-            <a:r>
-              <a:rPr lang="zh-CN" altLang="en-US" dirty="0">
-                <a:solidFill>
-                  <a:srgbClr val="FF0000"/>
-                </a:solidFill>
-                <a:latin typeface="黑体" panose="02010609060101010101" pitchFamily="49" charset="-122"/>
-                <a:ea typeface="黑体" panose="02010609060101010101" pitchFamily="49" charset="-122"/>
-              </a:rPr>
-              <a:t>状态区</a:t>
-            </a:r>
-          </a:p>
-        </p:txBody>
-      </p:sp>
-      <p:sp>
-        <p:nvSpPr>
-          <p:cNvPr id="12" name="矩形 11">
-            <a:extLst>
-              <a:ext uri="{FF2B5EF4-FFF2-40B4-BE49-F238E27FC236}">
-                <a16:creationId xmlns:a16="http://schemas.microsoft.com/office/drawing/2014/main" id="{4F2B99EE-1FE3-483B-BB00-DC97E27EC198}"/>
-              </a:ext>
-            </a:extLst>
-          </p:cNvPr>
-          <p:cNvSpPr/>
-          <p:nvPr/>
-        </p:nvSpPr>
-        <p:spPr>
-          <a:xfrm>
-            <a:off x="568890" y="3849914"/>
-            <a:ext cx="1887654" cy="555169"/>
-          </a:xfrm>
-          <a:prstGeom prst="rect">
-            <a:avLst/>
-          </a:prstGeom>
-          <a:noFill/>
-          <a:ln>
-            <a:solidFill>
-              <a:srgbClr val="FF0000"/>
-            </a:solidFill>
-          </a:ln>
-        </p:spPr>
-        <p:style>
-          <a:lnRef idx="2">
-            <a:schemeClr val="accent1">
-              <a:shade val="50000"/>
-            </a:schemeClr>
-          </a:lnRef>
-          <a:fillRef idx="1">
-            <a:schemeClr val="accent1"/>
-          </a:fillRef>
-          <a:effectRef idx="0">
-            <a:schemeClr val="accent1"/>
-          </a:effectRef>
-          <a:fontRef idx="minor">
-            <a:schemeClr val="lt1"/>
-          </a:fontRef>
-        </p:style>
-        <p:txBody>
-          <a:bodyPr rtlCol="0" anchor="ctr"/>
-          <a:lstStyle/>
-          <a:p>
-            <a:pPr algn="ctr"/>
-            <a:endParaRPr lang="zh-CN" altLang="en-US"/>
-          </a:p>
-        </p:txBody>
-      </p:sp>
-      <p:cxnSp>
-        <p:nvCxnSpPr>
-          <p:cNvPr id="13" name="直接箭头连接符 12">
-            <a:extLst>
-              <a:ext uri="{FF2B5EF4-FFF2-40B4-BE49-F238E27FC236}">
-                <a16:creationId xmlns:a16="http://schemas.microsoft.com/office/drawing/2014/main" id="{E7747661-2F9A-41D2-8483-9A03A18D3C15}"/>
-              </a:ext>
-            </a:extLst>
-          </p:cNvPr>
-          <p:cNvCxnSpPr>
-            <a:cxnSpLocks/>
-            <a:endCxn id="14" idx="1"/>
-          </p:cNvCxnSpPr>
-          <p:nvPr/>
-        </p:nvCxnSpPr>
-        <p:spPr>
-          <a:xfrm>
-            <a:off x="2496457" y="4123461"/>
-            <a:ext cx="996628" cy="2"/>
-          </a:xfrm>
-          <a:prstGeom prst="straightConnector1">
-            <a:avLst/>
-          </a:prstGeom>
-          <a:ln w="25400">
-            <a:solidFill>
-              <a:srgbClr val="FF0000"/>
-            </a:solidFill>
-            <a:tailEnd type="triangle"/>
-          </a:ln>
-        </p:spPr>
-        <p:style>
-          <a:lnRef idx="1">
-            <a:schemeClr val="accent1"/>
-          </a:lnRef>
-          <a:fillRef idx="0">
-            <a:schemeClr val="accent1"/>
-          </a:fillRef>
-          <a:effectRef idx="0">
-            <a:schemeClr val="accent1"/>
-          </a:effectRef>
-          <a:fontRef idx="minor">
-            <a:schemeClr val="tx1"/>
-          </a:fontRef>
-        </p:style>
-      </p:cxnSp>
-      <p:sp>
-        <p:nvSpPr>
-          <p:cNvPr id="14" name="文本框 13">
-            <a:extLst>
-              <a:ext uri="{FF2B5EF4-FFF2-40B4-BE49-F238E27FC236}">
-                <a16:creationId xmlns:a16="http://schemas.microsoft.com/office/drawing/2014/main" id="{27B84419-409D-49DE-AB7F-75B5AA721058}"/>
-              </a:ext>
-            </a:extLst>
-          </p:cNvPr>
-          <p:cNvSpPr txBox="1"/>
-          <p:nvPr/>
-        </p:nvSpPr>
-        <p:spPr>
-          <a:xfrm>
-            <a:off x="3493085" y="3938797"/>
-            <a:ext cx="979715" cy="369332"/>
-          </a:xfrm>
-          <a:prstGeom prst="rect">
-            <a:avLst/>
-          </a:prstGeom>
-          <a:noFill/>
-        </p:spPr>
-        <p:txBody>
-          <a:bodyPr wrap="square" rtlCol="0">
-            <a:spAutoFit/>
-          </a:bodyPr>
-          <a:lstStyle/>
-          <a:p>
-            <a:r>
-              <a:rPr lang="zh-CN" altLang="en-US" dirty="0">
-                <a:solidFill>
-                  <a:srgbClr val="FF0000"/>
-                </a:solidFill>
-                <a:latin typeface="黑体" panose="02010609060101010101" pitchFamily="49" charset="-122"/>
-                <a:ea typeface="黑体" panose="02010609060101010101" pitchFamily="49" charset="-122"/>
-              </a:rPr>
-              <a:t>输入区</a:t>
-            </a:r>
-          </a:p>
-        </p:txBody>
-      </p:sp>
-      <p:cxnSp>
-        <p:nvCxnSpPr>
-          <p:cNvPr id="15" name="直接箭头连接符 14">
-            <a:extLst>
-              <a:ext uri="{FF2B5EF4-FFF2-40B4-BE49-F238E27FC236}">
-                <a16:creationId xmlns:a16="http://schemas.microsoft.com/office/drawing/2014/main" id="{133B2FE0-DF47-489B-A7CF-73D701E321E1}"/>
-              </a:ext>
-            </a:extLst>
-          </p:cNvPr>
-          <p:cNvCxnSpPr>
-            <a:cxnSpLocks/>
-            <a:endCxn id="16" idx="1"/>
-          </p:cNvCxnSpPr>
-          <p:nvPr/>
-        </p:nvCxnSpPr>
-        <p:spPr>
-          <a:xfrm>
-            <a:off x="2304143" y="1822612"/>
-            <a:ext cx="1190171" cy="0"/>
-          </a:xfrm>
-          <a:prstGeom prst="straightConnector1">
-            <a:avLst/>
-          </a:prstGeom>
-          <a:ln w="25400">
-            <a:solidFill>
-              <a:srgbClr val="FF0000"/>
-            </a:solidFill>
-            <a:tailEnd type="triangle"/>
-          </a:ln>
-        </p:spPr>
-        <p:style>
-          <a:lnRef idx="1">
-            <a:schemeClr val="accent1"/>
-          </a:lnRef>
-          <a:fillRef idx="0">
-            <a:schemeClr val="accent1"/>
-          </a:fillRef>
-          <a:effectRef idx="0">
-            <a:schemeClr val="accent1"/>
-          </a:effectRef>
-          <a:fontRef idx="minor">
-            <a:schemeClr val="tx1"/>
-          </a:fontRef>
-        </p:style>
-      </p:cxnSp>
-      <p:sp>
-        <p:nvSpPr>
-          <p:cNvPr id="16" name="文本框 15">
-            <a:extLst>
-              <a:ext uri="{FF2B5EF4-FFF2-40B4-BE49-F238E27FC236}">
-                <a16:creationId xmlns:a16="http://schemas.microsoft.com/office/drawing/2014/main" id="{85FB587E-9583-4EC6-9651-13F14AD267FF}"/>
-              </a:ext>
-            </a:extLst>
-          </p:cNvPr>
-          <p:cNvSpPr txBox="1"/>
-          <p:nvPr/>
-        </p:nvSpPr>
-        <p:spPr>
-          <a:xfrm>
-            <a:off x="3494314" y="1637946"/>
-            <a:ext cx="1146943" cy="369332"/>
-          </a:xfrm>
-          <a:prstGeom prst="rect">
-            <a:avLst/>
-          </a:prstGeom>
-          <a:noFill/>
-        </p:spPr>
-        <p:txBody>
-          <a:bodyPr wrap="square" rtlCol="0">
-            <a:spAutoFit/>
-          </a:bodyPr>
-          <a:lstStyle/>
-          <a:p>
-            <a:r>
-              <a:rPr lang="zh-CN" altLang="en-US" dirty="0">
-                <a:solidFill>
-                  <a:srgbClr val="FF0000"/>
-                </a:solidFill>
-                <a:latin typeface="黑体" panose="02010609060101010101" pitchFamily="49" charset="-122"/>
-                <a:ea typeface="黑体" panose="02010609060101010101" pitchFamily="49" charset="-122"/>
-              </a:rPr>
-              <a:t>系统指令</a:t>
-            </a:r>
-          </a:p>
-        </p:txBody>
-      </p:sp>
-      <p:cxnSp>
-        <p:nvCxnSpPr>
-          <p:cNvPr id="23" name="直接箭头连接符 22">
-            <a:extLst>
-              <a:ext uri="{FF2B5EF4-FFF2-40B4-BE49-F238E27FC236}">
-                <a16:creationId xmlns:a16="http://schemas.microsoft.com/office/drawing/2014/main" id="{EE69AAF7-D236-47D4-A6FB-9ABCE208FD3F}"/>
-              </a:ext>
-            </a:extLst>
-          </p:cNvPr>
-          <p:cNvCxnSpPr>
-            <a:cxnSpLocks/>
-            <a:endCxn id="24" idx="1"/>
-          </p:cNvCxnSpPr>
-          <p:nvPr/>
-        </p:nvCxnSpPr>
-        <p:spPr>
-          <a:xfrm>
-            <a:off x="2845081" y="1496887"/>
-            <a:ext cx="649233" cy="0"/>
-          </a:xfrm>
-          <a:prstGeom prst="straightConnector1">
-            <a:avLst/>
-          </a:prstGeom>
-          <a:ln w="25400">
-            <a:solidFill>
-              <a:srgbClr val="FF0000"/>
-            </a:solidFill>
-            <a:tailEnd type="triangle"/>
-          </a:ln>
-        </p:spPr>
-        <p:style>
-          <a:lnRef idx="1">
-            <a:schemeClr val="accent1"/>
-          </a:lnRef>
-          <a:fillRef idx="0">
-            <a:schemeClr val="accent1"/>
-          </a:fillRef>
-          <a:effectRef idx="0">
-            <a:schemeClr val="accent1"/>
-          </a:effectRef>
-          <a:fontRef idx="minor">
-            <a:schemeClr val="tx1"/>
-          </a:fontRef>
-        </p:style>
-      </p:cxnSp>
-      <p:sp>
-        <p:nvSpPr>
-          <p:cNvPr id="24" name="文本框 23">
-            <a:extLst>
-              <a:ext uri="{FF2B5EF4-FFF2-40B4-BE49-F238E27FC236}">
-                <a16:creationId xmlns:a16="http://schemas.microsoft.com/office/drawing/2014/main" id="{53D9F723-5E09-4B49-8B91-E4F80B7B5189}"/>
-              </a:ext>
-            </a:extLst>
-          </p:cNvPr>
-          <p:cNvSpPr txBox="1"/>
-          <p:nvPr/>
-        </p:nvSpPr>
-        <p:spPr>
-          <a:xfrm>
-            <a:off x="3494314" y="1312221"/>
-            <a:ext cx="1348543" cy="369332"/>
-          </a:xfrm>
-          <a:prstGeom prst="rect">
-            <a:avLst/>
-          </a:prstGeom>
-          <a:noFill/>
-        </p:spPr>
-        <p:txBody>
-          <a:bodyPr wrap="square" rtlCol="0">
-            <a:spAutoFit/>
-          </a:bodyPr>
-          <a:lstStyle/>
-          <a:p>
-            <a:r>
-              <a:rPr lang="zh-CN" altLang="en-US" dirty="0">
-                <a:solidFill>
-                  <a:srgbClr val="FF0000"/>
-                </a:solidFill>
-                <a:latin typeface="黑体" panose="02010609060101010101" pitchFamily="49" charset="-122"/>
-                <a:ea typeface="黑体" panose="02010609060101010101" pitchFamily="49" charset="-122"/>
-              </a:rPr>
-              <a:t>设置</a:t>
-            </a:r>
-            <a:r>
-              <a:rPr lang="en-US" altLang="zh-CN" dirty="0">
-                <a:solidFill>
-                  <a:srgbClr val="FF0000"/>
-                </a:solidFill>
-                <a:latin typeface="黑体" panose="02010609060101010101" pitchFamily="49" charset="-122"/>
-                <a:ea typeface="黑体" panose="02010609060101010101" pitchFamily="49" charset="-122"/>
-              </a:rPr>
-              <a:t>/</a:t>
-            </a:r>
-            <a:r>
-              <a:rPr lang="zh-CN" altLang="en-US" dirty="0">
-                <a:solidFill>
-                  <a:srgbClr val="FF0000"/>
-                </a:solidFill>
-                <a:latin typeface="黑体" panose="02010609060101010101" pitchFamily="49" charset="-122"/>
-                <a:ea typeface="黑体" panose="02010609060101010101" pitchFamily="49" charset="-122"/>
-              </a:rPr>
-              <a:t>重置</a:t>
-            </a:r>
-          </a:p>
-        </p:txBody>
-      </p:sp>
-      <p:pic>
-        <p:nvPicPr>
-          <p:cNvPr id="31" name="图片 30">
-            <a:extLst>
-              <a:ext uri="{FF2B5EF4-FFF2-40B4-BE49-F238E27FC236}">
-                <a16:creationId xmlns:a16="http://schemas.microsoft.com/office/drawing/2014/main" id="{8CAE76EE-599C-4F13-ADD9-F0C3AF5556F5}"/>
-              </a:ext>
-            </a:extLst>
-          </p:cNvPr>
-          <p:cNvPicPr>
-            <a:picLocks noChangeAspect="1"/>
-          </p:cNvPicPr>
-          <p:nvPr/>
-        </p:nvPicPr>
-        <p:blipFill>
-          <a:blip r:embed="rId3"/>
-          <a:stretch>
-            <a:fillRect/>
-          </a:stretch>
-        </p:blipFill>
-        <p:spPr>
-          <a:xfrm>
-            <a:off x="6126628" y="1188526"/>
-            <a:ext cx="4279763" cy="4480948"/>
-          </a:xfrm>
-          <a:prstGeom prst="rect">
-            <a:avLst/>
-          </a:prstGeom>
-        </p:spPr>
-      </p:pic>
-    </p:spTree>
-    <p:extLst>
-      <p:ext uri="{BB962C8B-B14F-4D97-AF65-F5344CB8AC3E}">
-        <p14:creationId xmlns:p14="http://schemas.microsoft.com/office/powerpoint/2010/main" val="3575133880"/>
-      </p:ext>
-    </p:extLst>
-  </p:cSld>
-  <p:clrMapOvr>
-    <a:masterClrMapping/>
-  </p:clrMapOvr>
-</p:sld>
-</file>
-
-<file path=ppt/slides/slide9.xml><?xml version="1.0" encoding="utf-8"?>
+<file path=ppt/slides/slide10.xml><?xml version="1.0" encoding="utf-8"?>
 <p:sld xmlns:a="http://schemas.openxmlformats.org/drawingml/2006/main" xmlns:r="http://schemas.openxmlformats.org/officeDocument/2006/relationships" xmlns:p="http://schemas.openxmlformats.org/presentationml/2006/main" show="0">
   <p:cSld>
     <p:spTree>
@@ -7861,6 +6335,2199 @@
         </p:txBody>
       </p:sp>
     </p:spTree>
+  </p:cSld>
+  <p:clrMapOvr>
+    <a:masterClrMapping/>
+  </p:clrMapOvr>
+</p:sld>
+</file>
+
+<file path=ppt/slides/slide2.xml><?xml version="1.0" encoding="utf-8"?>
+<p:sld xmlns:a="http://schemas.openxmlformats.org/drawingml/2006/main" xmlns:r="http://schemas.openxmlformats.org/officeDocument/2006/relationships" xmlns:p="http://schemas.openxmlformats.org/presentationml/2006/main">
+  <p:cSld>
+    <p:spTree>
+      <p:nvGrpSpPr>
+        <p:cNvPr id="1" name=""/>
+        <p:cNvGrpSpPr/>
+        <p:nvPr/>
+      </p:nvGrpSpPr>
+      <p:grpSpPr>
+        <a:xfrm>
+          <a:off x="0" y="0"/>
+          <a:ext cx="0" cy="0"/>
+          <a:chOff x="0" y="0"/>
+          <a:chExt cx="0" cy="0"/>
+        </a:xfrm>
+      </p:grpSpPr>
+      <p:sp>
+        <p:nvSpPr>
+          <p:cNvPr id="3" name="矩形 2">
+            <a:extLst>
+              <a:ext uri="{FF2B5EF4-FFF2-40B4-BE49-F238E27FC236}">
+                <a16:creationId xmlns:a16="http://schemas.microsoft.com/office/drawing/2014/main" id="{AE256FF5-7CA0-4BEC-BBEC-3FE70B09870E}"/>
+              </a:ext>
+            </a:extLst>
+          </p:cNvPr>
+          <p:cNvSpPr/>
+          <p:nvPr/>
+        </p:nvSpPr>
+        <p:spPr>
+          <a:xfrm>
+            <a:off x="1039906" y="1308847"/>
+            <a:ext cx="4356848" cy="2967318"/>
+          </a:xfrm>
+          <a:prstGeom prst="rect">
+            <a:avLst/>
+          </a:prstGeom>
+        </p:spPr>
+        <p:style>
+          <a:lnRef idx="2">
+            <a:schemeClr val="accent6"/>
+          </a:lnRef>
+          <a:fillRef idx="1">
+            <a:schemeClr val="lt1"/>
+          </a:fillRef>
+          <a:effectRef idx="0">
+            <a:schemeClr val="accent6"/>
+          </a:effectRef>
+          <a:fontRef idx="minor">
+            <a:schemeClr val="dk1"/>
+          </a:fontRef>
+        </p:style>
+        <p:txBody>
+          <a:bodyPr rtlCol="0" anchor="ctr"/>
+          <a:lstStyle/>
+          <a:p>
+            <a:pPr algn="ctr"/>
+            <a:endParaRPr lang="zh-CN" altLang="en-US"/>
+          </a:p>
+        </p:txBody>
+      </p:sp>
+      <p:sp>
+        <p:nvSpPr>
+          <p:cNvPr id="2" name="矩形 1">
+            <a:extLst>
+              <a:ext uri="{FF2B5EF4-FFF2-40B4-BE49-F238E27FC236}">
+                <a16:creationId xmlns:a16="http://schemas.microsoft.com/office/drawing/2014/main" id="{6F97B079-F297-4FAD-941E-376037231FB2}"/>
+              </a:ext>
+            </a:extLst>
+          </p:cNvPr>
+          <p:cNvSpPr/>
+          <p:nvPr/>
+        </p:nvSpPr>
+        <p:spPr>
+          <a:xfrm>
+            <a:off x="2087251" y="2150640"/>
+            <a:ext cx="2262158" cy="369332"/>
+          </a:xfrm>
+          <a:prstGeom prst="rect">
+            <a:avLst/>
+          </a:prstGeom>
+        </p:spPr>
+        <p:txBody>
+          <a:bodyPr wrap="none">
+            <a:spAutoFit/>
+          </a:bodyPr>
+          <a:lstStyle/>
+          <a:p>
+            <a:r>
+              <a:rPr lang="zh-CN" altLang="en-US" dirty="0"/>
+              <a:t>一、大模型是什么？</a:t>
+            </a:r>
+          </a:p>
+        </p:txBody>
+      </p:sp>
+      <p:sp>
+        <p:nvSpPr>
+          <p:cNvPr id="4" name="矩形 3">
+            <a:extLst>
+              <a:ext uri="{FF2B5EF4-FFF2-40B4-BE49-F238E27FC236}">
+                <a16:creationId xmlns:a16="http://schemas.microsoft.com/office/drawing/2014/main" id="{57756592-E70E-4B13-81AF-9ADA5F711CDA}"/>
+              </a:ext>
+            </a:extLst>
+          </p:cNvPr>
+          <p:cNvSpPr/>
+          <p:nvPr/>
+        </p:nvSpPr>
+        <p:spPr>
+          <a:xfrm>
+            <a:off x="2087251" y="2561682"/>
+            <a:ext cx="2262158" cy="369332"/>
+          </a:xfrm>
+          <a:prstGeom prst="rect">
+            <a:avLst/>
+          </a:prstGeom>
+        </p:spPr>
+        <p:txBody>
+          <a:bodyPr wrap="none">
+            <a:spAutoFit/>
+          </a:bodyPr>
+          <a:lstStyle/>
+          <a:p>
+            <a:r>
+              <a:rPr lang="zh-CN" altLang="en-US" dirty="0"/>
+              <a:t>二、大模型有哪些？</a:t>
+            </a:r>
+          </a:p>
+        </p:txBody>
+      </p:sp>
+      <p:sp>
+        <p:nvSpPr>
+          <p:cNvPr id="5" name="矩形 4">
+            <a:extLst>
+              <a:ext uri="{FF2B5EF4-FFF2-40B4-BE49-F238E27FC236}">
+                <a16:creationId xmlns:a16="http://schemas.microsoft.com/office/drawing/2014/main" id="{8F1B0B9D-7E87-48D5-A489-FE0A494C583C}"/>
+              </a:ext>
+            </a:extLst>
+          </p:cNvPr>
+          <p:cNvSpPr/>
+          <p:nvPr/>
+        </p:nvSpPr>
+        <p:spPr>
+          <a:xfrm>
+            <a:off x="1971835" y="3015956"/>
+            <a:ext cx="2723823" cy="369332"/>
+          </a:xfrm>
+          <a:prstGeom prst="rect">
+            <a:avLst/>
+          </a:prstGeom>
+        </p:spPr>
+        <p:txBody>
+          <a:bodyPr wrap="none">
+            <a:spAutoFit/>
+          </a:bodyPr>
+          <a:lstStyle/>
+          <a:p>
+            <a:r>
+              <a:rPr lang="zh-CN" altLang="en-US" dirty="0"/>
+              <a:t>三、如何与大模型聊天？</a:t>
+            </a:r>
+          </a:p>
+        </p:txBody>
+      </p:sp>
+      <p:sp>
+        <p:nvSpPr>
+          <p:cNvPr id="6" name="矩形 5">
+            <a:extLst>
+              <a:ext uri="{FF2B5EF4-FFF2-40B4-BE49-F238E27FC236}">
+                <a16:creationId xmlns:a16="http://schemas.microsoft.com/office/drawing/2014/main" id="{769EE10F-7517-46FC-B066-627FB0867A26}"/>
+              </a:ext>
+            </a:extLst>
+          </p:cNvPr>
+          <p:cNvSpPr/>
+          <p:nvPr/>
+        </p:nvSpPr>
+        <p:spPr>
+          <a:xfrm>
+            <a:off x="5804155" y="2150640"/>
+            <a:ext cx="5347939" cy="369332"/>
+          </a:xfrm>
+          <a:prstGeom prst="rect">
+            <a:avLst/>
+          </a:prstGeom>
+        </p:spPr>
+        <p:txBody>
+          <a:bodyPr wrap="none">
+            <a:spAutoFit/>
+          </a:bodyPr>
+          <a:lstStyle/>
+          <a:p>
+            <a:r>
+              <a:rPr lang="en-US" altLang="zh-CN" dirty="0" err="1"/>
+              <a:t>Chatgpt</a:t>
+            </a:r>
+            <a:r>
+              <a:rPr lang="zh-CN" altLang="en-US" dirty="0"/>
+              <a:t>很厉害，是一个产品，它的背后就是大模型</a:t>
+            </a:r>
+            <a:endParaRPr lang="en-US" altLang="zh-CN" dirty="0"/>
+          </a:p>
+        </p:txBody>
+      </p:sp>
+      <p:sp>
+        <p:nvSpPr>
+          <p:cNvPr id="7" name="矩形 6">
+            <a:extLst>
+              <a:ext uri="{FF2B5EF4-FFF2-40B4-BE49-F238E27FC236}">
+                <a16:creationId xmlns:a16="http://schemas.microsoft.com/office/drawing/2014/main" id="{46E88AD5-CB71-433E-8728-0F7C285DDFA5}"/>
+              </a:ext>
+            </a:extLst>
+          </p:cNvPr>
+          <p:cNvSpPr/>
+          <p:nvPr/>
+        </p:nvSpPr>
+        <p:spPr>
+          <a:xfrm>
+            <a:off x="5804154" y="2792506"/>
+            <a:ext cx="4084773" cy="369332"/>
+          </a:xfrm>
+          <a:prstGeom prst="rect">
+            <a:avLst/>
+          </a:prstGeom>
+        </p:spPr>
+        <p:txBody>
+          <a:bodyPr wrap="none">
+            <a:spAutoFit/>
+          </a:bodyPr>
+          <a:lstStyle/>
+          <a:p>
+            <a:r>
+              <a:rPr lang="en-US" altLang="zh-CN" dirty="0" err="1"/>
+              <a:t>Gpt</a:t>
+            </a:r>
+            <a:r>
+              <a:rPr lang="en-US" altLang="zh-CN" dirty="0"/>
+              <a:t> = generative pre-trained transformer</a:t>
+            </a:r>
+          </a:p>
+        </p:txBody>
+      </p:sp>
+    </p:spTree>
+    <p:extLst>
+      <p:ext uri="{BB962C8B-B14F-4D97-AF65-F5344CB8AC3E}">
+        <p14:creationId xmlns:p14="http://schemas.microsoft.com/office/powerpoint/2010/main" val="528328700"/>
+      </p:ext>
+    </p:extLst>
+  </p:cSld>
+  <p:clrMapOvr>
+    <a:masterClrMapping/>
+  </p:clrMapOvr>
+</p:sld>
+</file>
+
+<file path=ppt/slides/slide3.xml><?xml version="1.0" encoding="utf-8"?>
+<p:sld xmlns:a="http://schemas.openxmlformats.org/drawingml/2006/main" xmlns:r="http://schemas.openxmlformats.org/officeDocument/2006/relationships" xmlns:p="http://schemas.openxmlformats.org/presentationml/2006/main">
+  <p:cSld>
+    <p:spTree>
+      <p:nvGrpSpPr>
+        <p:cNvPr id="1" name=""/>
+        <p:cNvGrpSpPr/>
+        <p:nvPr/>
+      </p:nvGrpSpPr>
+      <p:grpSpPr>
+        <a:xfrm>
+          <a:off x="0" y="0"/>
+          <a:ext cx="0" cy="0"/>
+          <a:chOff x="0" y="0"/>
+          <a:chExt cx="0" cy="0"/>
+        </a:xfrm>
+      </p:grpSpPr>
+      <p:sp>
+        <p:nvSpPr>
+          <p:cNvPr id="8" name="标题 7">
+            <a:extLst>
+              <a:ext uri="{FF2B5EF4-FFF2-40B4-BE49-F238E27FC236}">
+                <a16:creationId xmlns:a16="http://schemas.microsoft.com/office/drawing/2014/main" id="{FB87FE74-671C-4E37-9D37-34C6D508DA40}"/>
+              </a:ext>
+            </a:extLst>
+          </p:cNvPr>
+          <p:cNvSpPr>
+            <a:spLocks noGrp="1"/>
+          </p:cNvSpPr>
+          <p:nvPr>
+            <p:ph type="title"/>
+          </p:nvPr>
+        </p:nvSpPr>
+        <p:spPr/>
+        <p:txBody>
+          <a:bodyPr>
+            <a:normAutofit fontScale="90000"/>
+          </a:bodyPr>
+          <a:lstStyle/>
+          <a:p>
+            <a:r>
+              <a:rPr lang="zh-CN" altLang="en-US" dirty="0"/>
+              <a:t>一、大模型是什么？</a:t>
+            </a:r>
+          </a:p>
+        </p:txBody>
+      </p:sp>
+    </p:spTree>
+    <p:extLst>
+      <p:ext uri="{BB962C8B-B14F-4D97-AF65-F5344CB8AC3E}">
+        <p14:creationId xmlns:p14="http://schemas.microsoft.com/office/powerpoint/2010/main" val="2469427413"/>
+      </p:ext>
+    </p:extLst>
+  </p:cSld>
+  <p:clrMapOvr>
+    <a:masterClrMapping/>
+  </p:clrMapOvr>
+</p:sld>
+</file>
+
+<file path=ppt/slides/slide4.xml><?xml version="1.0" encoding="utf-8"?>
+<p:sld xmlns:a="http://schemas.openxmlformats.org/drawingml/2006/main" xmlns:r="http://schemas.openxmlformats.org/officeDocument/2006/relationships" xmlns:p="http://schemas.openxmlformats.org/presentationml/2006/main">
+  <p:cSld>
+    <p:spTree>
+      <p:nvGrpSpPr>
+        <p:cNvPr id="1" name=""/>
+        <p:cNvGrpSpPr/>
+        <p:nvPr/>
+      </p:nvGrpSpPr>
+      <p:grpSpPr>
+        <a:xfrm>
+          <a:off x="0" y="0"/>
+          <a:ext cx="0" cy="0"/>
+          <a:chOff x="0" y="0"/>
+          <a:chExt cx="0" cy="0"/>
+        </a:xfrm>
+      </p:grpSpPr>
+      <p:sp>
+        <p:nvSpPr>
+          <p:cNvPr id="8" name="标题 7">
+            <a:extLst>
+              <a:ext uri="{FF2B5EF4-FFF2-40B4-BE49-F238E27FC236}">
+                <a16:creationId xmlns:a16="http://schemas.microsoft.com/office/drawing/2014/main" id="{FB87FE74-671C-4E37-9D37-34C6D508DA40}"/>
+              </a:ext>
+            </a:extLst>
+          </p:cNvPr>
+          <p:cNvSpPr>
+            <a:spLocks noGrp="1"/>
+          </p:cNvSpPr>
+          <p:nvPr>
+            <p:ph type="title"/>
+          </p:nvPr>
+        </p:nvSpPr>
+        <p:spPr/>
+        <p:txBody>
+          <a:bodyPr>
+            <a:normAutofit fontScale="90000"/>
+          </a:bodyPr>
+          <a:lstStyle/>
+          <a:p>
+            <a:r>
+              <a:rPr lang="zh-CN" altLang="en-US" dirty="0"/>
+              <a:t>二、大模型有哪些？</a:t>
+            </a:r>
+          </a:p>
+        </p:txBody>
+      </p:sp>
+    </p:spTree>
+    <p:extLst>
+      <p:ext uri="{BB962C8B-B14F-4D97-AF65-F5344CB8AC3E}">
+        <p14:creationId xmlns:p14="http://schemas.microsoft.com/office/powerpoint/2010/main" val="2399500099"/>
+      </p:ext>
+    </p:extLst>
+  </p:cSld>
+  <p:clrMapOvr>
+    <a:masterClrMapping/>
+  </p:clrMapOvr>
+</p:sld>
+</file>
+
+<file path=ppt/slides/slide5.xml><?xml version="1.0" encoding="utf-8"?>
+<p:sld xmlns:a="http://schemas.openxmlformats.org/drawingml/2006/main" xmlns:r="http://schemas.openxmlformats.org/officeDocument/2006/relationships" xmlns:p="http://schemas.openxmlformats.org/presentationml/2006/main">
+  <p:cSld>
+    <p:spTree>
+      <p:nvGrpSpPr>
+        <p:cNvPr id="1" name=""/>
+        <p:cNvGrpSpPr/>
+        <p:nvPr/>
+      </p:nvGrpSpPr>
+      <p:grpSpPr>
+        <a:xfrm>
+          <a:off x="0" y="0"/>
+          <a:ext cx="0" cy="0"/>
+          <a:chOff x="0" y="0"/>
+          <a:chExt cx="0" cy="0"/>
+        </a:xfrm>
+      </p:grpSpPr>
+      <p:sp>
+        <p:nvSpPr>
+          <p:cNvPr id="8" name="标题 7">
+            <a:extLst>
+              <a:ext uri="{FF2B5EF4-FFF2-40B4-BE49-F238E27FC236}">
+                <a16:creationId xmlns:a16="http://schemas.microsoft.com/office/drawing/2014/main" id="{FB87FE74-671C-4E37-9D37-34C6D508DA40}"/>
+              </a:ext>
+            </a:extLst>
+          </p:cNvPr>
+          <p:cNvSpPr>
+            <a:spLocks noGrp="1"/>
+          </p:cNvSpPr>
+          <p:nvPr>
+            <p:ph type="title"/>
+          </p:nvPr>
+        </p:nvSpPr>
+        <p:spPr/>
+        <p:txBody>
+          <a:bodyPr>
+            <a:normAutofit fontScale="90000"/>
+          </a:bodyPr>
+          <a:lstStyle/>
+          <a:p>
+            <a:r>
+              <a:rPr lang="zh-CN" altLang="en-US" dirty="0"/>
+              <a:t>三、如何与大模型聊天？</a:t>
+            </a:r>
+          </a:p>
+        </p:txBody>
+      </p:sp>
+      <p:sp>
+        <p:nvSpPr>
+          <p:cNvPr id="2" name="矩形: 圆角 1">
+            <a:extLst>
+              <a:ext uri="{FF2B5EF4-FFF2-40B4-BE49-F238E27FC236}">
+                <a16:creationId xmlns:a16="http://schemas.microsoft.com/office/drawing/2014/main" id="{82E3555A-3235-42C0-B687-F7915C8935CF}"/>
+              </a:ext>
+            </a:extLst>
+          </p:cNvPr>
+          <p:cNvSpPr/>
+          <p:nvPr/>
+        </p:nvSpPr>
+        <p:spPr>
+          <a:xfrm>
+            <a:off x="3281082" y="3214326"/>
+            <a:ext cx="1264024" cy="657024"/>
+          </a:xfrm>
+          <a:prstGeom prst="roundRect">
+            <a:avLst/>
+          </a:prstGeom>
+        </p:spPr>
+        <p:style>
+          <a:lnRef idx="2">
+            <a:schemeClr val="accent1">
+              <a:shade val="50000"/>
+            </a:schemeClr>
+          </a:lnRef>
+          <a:fillRef idx="1">
+            <a:schemeClr val="accent1"/>
+          </a:fillRef>
+          <a:effectRef idx="0">
+            <a:schemeClr val="accent1"/>
+          </a:effectRef>
+          <a:fontRef idx="minor">
+            <a:schemeClr val="lt1"/>
+          </a:fontRef>
+        </p:style>
+        <p:txBody>
+          <a:bodyPr rtlCol="0" anchor="ctr"/>
+          <a:lstStyle/>
+          <a:p>
+            <a:pPr algn="ctr"/>
+            <a:r>
+              <a:rPr lang="en-US" altLang="zh-CN" dirty="0"/>
+              <a:t>llama</a:t>
+            </a:r>
+            <a:endParaRPr lang="zh-CN" altLang="en-US" dirty="0"/>
+          </a:p>
+        </p:txBody>
+      </p:sp>
+      <p:sp>
+        <p:nvSpPr>
+          <p:cNvPr id="3" name="文本框 2">
+            <a:extLst>
+              <a:ext uri="{FF2B5EF4-FFF2-40B4-BE49-F238E27FC236}">
+                <a16:creationId xmlns:a16="http://schemas.microsoft.com/office/drawing/2014/main" id="{0F2F73E4-E1AC-4EFE-80C4-D617C98DCF51}"/>
+              </a:ext>
+            </a:extLst>
+          </p:cNvPr>
+          <p:cNvSpPr txBox="1"/>
+          <p:nvPr/>
+        </p:nvSpPr>
+        <p:spPr>
+          <a:xfrm>
+            <a:off x="518903" y="3358172"/>
+            <a:ext cx="2069797" cy="369332"/>
+          </a:xfrm>
+          <a:prstGeom prst="rect">
+            <a:avLst/>
+          </a:prstGeom>
+          <a:noFill/>
+        </p:spPr>
+        <p:txBody>
+          <a:bodyPr wrap="none" rtlCol="0">
+            <a:spAutoFit/>
+          </a:bodyPr>
+          <a:lstStyle/>
+          <a:p>
+            <a:r>
+              <a:rPr lang="zh-CN" altLang="en-US" dirty="0"/>
+              <a:t>世界上最高的山是</a:t>
+            </a:r>
+          </a:p>
+        </p:txBody>
+      </p:sp>
+      <p:sp>
+        <p:nvSpPr>
+          <p:cNvPr id="5" name="文本框 4">
+            <a:extLst>
+              <a:ext uri="{FF2B5EF4-FFF2-40B4-BE49-F238E27FC236}">
+                <a16:creationId xmlns:a16="http://schemas.microsoft.com/office/drawing/2014/main" id="{7B181AD9-AAB1-43EF-B31D-268DC0CBFDF9}"/>
+              </a:ext>
+            </a:extLst>
+          </p:cNvPr>
+          <p:cNvSpPr txBox="1"/>
+          <p:nvPr/>
+        </p:nvSpPr>
+        <p:spPr>
+          <a:xfrm>
+            <a:off x="4821990" y="2976283"/>
+            <a:ext cx="415498" cy="369332"/>
+          </a:xfrm>
+          <a:prstGeom prst="rect">
+            <a:avLst/>
+          </a:prstGeom>
+          <a:noFill/>
+        </p:spPr>
+        <p:txBody>
+          <a:bodyPr wrap="none" rtlCol="0">
+            <a:spAutoFit/>
+          </a:bodyPr>
+          <a:lstStyle/>
+          <a:p>
+            <a:r>
+              <a:rPr lang="zh-CN" altLang="en-US" dirty="0"/>
+              <a:t>珠</a:t>
+            </a:r>
+          </a:p>
+        </p:txBody>
+      </p:sp>
+      <p:sp>
+        <p:nvSpPr>
+          <p:cNvPr id="6" name="文本框 5">
+            <a:extLst>
+              <a:ext uri="{FF2B5EF4-FFF2-40B4-BE49-F238E27FC236}">
+                <a16:creationId xmlns:a16="http://schemas.microsoft.com/office/drawing/2014/main" id="{22C6D349-9B53-4550-A3A5-F466077EB669}"/>
+              </a:ext>
+            </a:extLst>
+          </p:cNvPr>
+          <p:cNvSpPr txBox="1"/>
+          <p:nvPr/>
+        </p:nvSpPr>
+        <p:spPr>
+          <a:xfrm>
+            <a:off x="4821990" y="3429000"/>
+            <a:ext cx="415498" cy="369332"/>
+          </a:xfrm>
+          <a:prstGeom prst="rect">
+            <a:avLst/>
+          </a:prstGeom>
+          <a:noFill/>
+        </p:spPr>
+        <p:txBody>
+          <a:bodyPr wrap="none" rtlCol="0">
+            <a:spAutoFit/>
+          </a:bodyPr>
+          <a:lstStyle/>
+          <a:p>
+            <a:r>
+              <a:rPr lang="zh-CN" altLang="en-US" dirty="0"/>
+              <a:t>什</a:t>
+            </a:r>
+          </a:p>
+        </p:txBody>
+      </p:sp>
+      <p:sp>
+        <p:nvSpPr>
+          <p:cNvPr id="7" name="文本框 6">
+            <a:extLst>
+              <a:ext uri="{FF2B5EF4-FFF2-40B4-BE49-F238E27FC236}">
+                <a16:creationId xmlns:a16="http://schemas.microsoft.com/office/drawing/2014/main" id="{4D06DCDD-A234-42DF-BEF9-43B2796D6C7E}"/>
+              </a:ext>
+            </a:extLst>
+          </p:cNvPr>
+          <p:cNvSpPr txBox="1"/>
+          <p:nvPr/>
+        </p:nvSpPr>
+        <p:spPr>
+          <a:xfrm>
+            <a:off x="4821990" y="3905908"/>
+            <a:ext cx="415498" cy="369332"/>
+          </a:xfrm>
+          <a:prstGeom prst="rect">
+            <a:avLst/>
+          </a:prstGeom>
+          <a:noFill/>
+        </p:spPr>
+        <p:txBody>
+          <a:bodyPr wrap="none" rtlCol="0">
+            <a:spAutoFit/>
+          </a:bodyPr>
+          <a:lstStyle/>
+          <a:p>
+            <a:r>
+              <a:rPr lang="zh-CN" altLang="en-US" dirty="0"/>
+              <a:t>哪</a:t>
+            </a:r>
+          </a:p>
+        </p:txBody>
+      </p:sp>
+      <p:sp>
+        <p:nvSpPr>
+          <p:cNvPr id="9" name="文本框 8">
+            <a:extLst>
+              <a:ext uri="{FF2B5EF4-FFF2-40B4-BE49-F238E27FC236}">
+                <a16:creationId xmlns:a16="http://schemas.microsoft.com/office/drawing/2014/main" id="{70A5CE5F-3E35-4816-8725-899A5220C3DA}"/>
+              </a:ext>
+            </a:extLst>
+          </p:cNvPr>
+          <p:cNvSpPr txBox="1"/>
+          <p:nvPr/>
+        </p:nvSpPr>
+        <p:spPr>
+          <a:xfrm>
+            <a:off x="1002997" y="1305254"/>
+            <a:ext cx="3544560" cy="369332"/>
+          </a:xfrm>
+          <a:prstGeom prst="rect">
+            <a:avLst/>
+          </a:prstGeom>
+          <a:noFill/>
+        </p:spPr>
+        <p:txBody>
+          <a:bodyPr wrap="none" rtlCol="0">
+            <a:spAutoFit/>
+          </a:bodyPr>
+          <a:lstStyle/>
+          <a:p>
+            <a:r>
+              <a:rPr lang="zh-CN" altLang="en-US" dirty="0"/>
+              <a:t>三要素：提示词</a:t>
+            </a:r>
+            <a:r>
+              <a:rPr lang="en-US" altLang="zh-CN" dirty="0"/>
+              <a:t>/</a:t>
+            </a:r>
+            <a:r>
+              <a:rPr lang="zh-CN" altLang="en-US" dirty="0"/>
+              <a:t>温度</a:t>
+            </a:r>
+            <a:r>
+              <a:rPr lang="en-US" altLang="zh-CN" dirty="0"/>
+              <a:t>/</a:t>
+            </a:r>
+            <a:r>
+              <a:rPr lang="zh-CN" altLang="en-US" dirty="0"/>
+              <a:t>上下文长度</a:t>
+            </a:r>
+          </a:p>
+        </p:txBody>
+      </p:sp>
+    </p:spTree>
+    <p:extLst>
+      <p:ext uri="{BB962C8B-B14F-4D97-AF65-F5344CB8AC3E}">
+        <p14:creationId xmlns:p14="http://schemas.microsoft.com/office/powerpoint/2010/main" val="1154277874"/>
+      </p:ext>
+    </p:extLst>
+  </p:cSld>
+  <p:clrMapOvr>
+    <a:masterClrMapping/>
+  </p:clrMapOvr>
+</p:sld>
+</file>
+
+<file path=ppt/slides/slide6.xml><?xml version="1.0" encoding="utf-8"?>
+<p:sld xmlns:a="http://schemas.openxmlformats.org/drawingml/2006/main" xmlns:r="http://schemas.openxmlformats.org/officeDocument/2006/relationships" xmlns:p="http://schemas.openxmlformats.org/presentationml/2006/main">
+  <p:cSld>
+    <p:spTree>
+      <p:nvGrpSpPr>
+        <p:cNvPr id="1" name=""/>
+        <p:cNvGrpSpPr/>
+        <p:nvPr/>
+      </p:nvGrpSpPr>
+      <p:grpSpPr>
+        <a:xfrm>
+          <a:off x="0" y="0"/>
+          <a:ext cx="0" cy="0"/>
+          <a:chOff x="0" y="0"/>
+          <a:chExt cx="0" cy="0"/>
+        </a:xfrm>
+      </p:grpSpPr>
+      <p:sp>
+        <p:nvSpPr>
+          <p:cNvPr id="3" name="矩形 2">
+            <a:extLst>
+              <a:ext uri="{FF2B5EF4-FFF2-40B4-BE49-F238E27FC236}">
+                <a16:creationId xmlns:a16="http://schemas.microsoft.com/office/drawing/2014/main" id="{AE256FF5-7CA0-4BEC-BBEC-3FE70B09870E}"/>
+              </a:ext>
+            </a:extLst>
+          </p:cNvPr>
+          <p:cNvSpPr/>
+          <p:nvPr/>
+        </p:nvSpPr>
+        <p:spPr>
+          <a:xfrm>
+            <a:off x="2321858" y="1640541"/>
+            <a:ext cx="4356848" cy="2967318"/>
+          </a:xfrm>
+          <a:prstGeom prst="rect">
+            <a:avLst/>
+          </a:prstGeom>
+        </p:spPr>
+        <p:style>
+          <a:lnRef idx="2">
+            <a:schemeClr val="accent6"/>
+          </a:lnRef>
+          <a:fillRef idx="1">
+            <a:schemeClr val="lt1"/>
+          </a:fillRef>
+          <a:effectRef idx="0">
+            <a:schemeClr val="accent6"/>
+          </a:effectRef>
+          <a:fontRef idx="minor">
+            <a:schemeClr val="dk1"/>
+          </a:fontRef>
+        </p:style>
+        <p:txBody>
+          <a:bodyPr rtlCol="0" anchor="ctr"/>
+          <a:lstStyle/>
+          <a:p>
+            <a:pPr algn="ctr"/>
+            <a:endParaRPr lang="zh-CN" altLang="en-US"/>
+          </a:p>
+        </p:txBody>
+      </p:sp>
+    </p:spTree>
+    <p:extLst>
+      <p:ext uri="{BB962C8B-B14F-4D97-AF65-F5344CB8AC3E}">
+        <p14:creationId xmlns:p14="http://schemas.microsoft.com/office/powerpoint/2010/main" val="1334016383"/>
+      </p:ext>
+    </p:extLst>
+  </p:cSld>
+  <p:clrMapOvr>
+    <a:masterClrMapping/>
+  </p:clrMapOvr>
+</p:sld>
+</file>
+
+<file path=ppt/slides/slide7.xml><?xml version="1.0" encoding="utf-8"?>
+<p:sld xmlns:a="http://schemas.openxmlformats.org/drawingml/2006/main" xmlns:r="http://schemas.openxmlformats.org/officeDocument/2006/relationships" xmlns:p="http://schemas.openxmlformats.org/presentationml/2006/main">
+  <p:cSld>
+    <p:spTree>
+      <p:nvGrpSpPr>
+        <p:cNvPr id="1" name=""/>
+        <p:cNvGrpSpPr/>
+        <p:nvPr/>
+      </p:nvGrpSpPr>
+      <p:grpSpPr>
+        <a:xfrm>
+          <a:off x="0" y="0"/>
+          <a:ext cx="0" cy="0"/>
+          <a:chOff x="0" y="0"/>
+          <a:chExt cx="0" cy="0"/>
+        </a:xfrm>
+      </p:grpSpPr>
+      <p:sp>
+        <p:nvSpPr>
+          <p:cNvPr id="4" name="标题 3">
+            <a:extLst>
+              <a:ext uri="{FF2B5EF4-FFF2-40B4-BE49-F238E27FC236}">
+                <a16:creationId xmlns:a16="http://schemas.microsoft.com/office/drawing/2014/main" id="{D4F9F44A-4FCA-4415-B6E5-C99BC21825C8}"/>
+              </a:ext>
+            </a:extLst>
+          </p:cNvPr>
+          <p:cNvSpPr>
+            <a:spLocks noGrp="1"/>
+          </p:cNvSpPr>
+          <p:nvPr>
+            <p:ph type="ctrTitle"/>
+          </p:nvPr>
+        </p:nvSpPr>
+        <p:spPr/>
+        <p:txBody>
+          <a:bodyPr/>
+          <a:lstStyle/>
+          <a:p>
+            <a:r>
+              <a:rPr lang="zh-CN" altLang="en-US" dirty="0"/>
+              <a:t>大模型应用</a:t>
+            </a:r>
+          </a:p>
+        </p:txBody>
+      </p:sp>
+      <p:sp>
+        <p:nvSpPr>
+          <p:cNvPr id="5" name="副标题 4">
+            <a:extLst>
+              <a:ext uri="{FF2B5EF4-FFF2-40B4-BE49-F238E27FC236}">
+                <a16:creationId xmlns:a16="http://schemas.microsoft.com/office/drawing/2014/main" id="{4C3F4B2A-0054-4854-8F8E-96D81D3E0639}"/>
+              </a:ext>
+            </a:extLst>
+          </p:cNvPr>
+          <p:cNvSpPr>
+            <a:spLocks noGrp="1"/>
+          </p:cNvSpPr>
+          <p:nvPr>
+            <p:ph type="subTitle" idx="1"/>
+          </p:nvPr>
+        </p:nvSpPr>
+        <p:spPr/>
+        <p:txBody>
+          <a:bodyPr/>
+          <a:lstStyle/>
+          <a:p>
+            <a:endParaRPr lang="zh-CN" altLang="en-US"/>
+          </a:p>
+        </p:txBody>
+      </p:sp>
+    </p:spTree>
+    <p:extLst>
+      <p:ext uri="{BB962C8B-B14F-4D97-AF65-F5344CB8AC3E}">
+        <p14:creationId xmlns:p14="http://schemas.microsoft.com/office/powerpoint/2010/main" val="3026683308"/>
+      </p:ext>
+    </p:extLst>
+  </p:cSld>
+  <p:clrMapOvr>
+    <a:masterClrMapping/>
+  </p:clrMapOvr>
+</p:sld>
+</file>
+
+<file path=ppt/slides/slide8.xml><?xml version="1.0" encoding="utf-8"?>
+<p:sld xmlns:a="http://schemas.openxmlformats.org/drawingml/2006/main" xmlns:r="http://schemas.openxmlformats.org/officeDocument/2006/relationships" xmlns:p="http://schemas.openxmlformats.org/presentationml/2006/main" show="0">
+  <p:cSld>
+    <p:spTree>
+      <p:nvGrpSpPr>
+        <p:cNvPr id="1" name=""/>
+        <p:cNvGrpSpPr/>
+        <p:nvPr/>
+      </p:nvGrpSpPr>
+      <p:grpSpPr>
+        <a:xfrm>
+          <a:off x="0" y="0"/>
+          <a:ext cx="0" cy="0"/>
+          <a:chOff x="0" y="0"/>
+          <a:chExt cx="0" cy="0"/>
+        </a:xfrm>
+      </p:grpSpPr>
+      <p:pic>
+        <p:nvPicPr>
+          <p:cNvPr id="5" name="图片 4">
+            <a:extLst>
+              <a:ext uri="{FF2B5EF4-FFF2-40B4-BE49-F238E27FC236}">
+                <a16:creationId xmlns:a16="http://schemas.microsoft.com/office/drawing/2014/main" id="{B059D4D0-05AB-43F0-9FE5-D22C4E8E723F}"/>
+              </a:ext>
+            </a:extLst>
+          </p:cNvPr>
+          <p:cNvPicPr>
+            <a:picLocks noChangeAspect="1"/>
+          </p:cNvPicPr>
+          <p:nvPr/>
+        </p:nvPicPr>
+        <p:blipFill>
+          <a:blip r:embed="rId2"/>
+          <a:stretch>
+            <a:fillRect/>
+          </a:stretch>
+        </p:blipFill>
+        <p:spPr>
+          <a:xfrm>
+            <a:off x="568889" y="1102620"/>
+            <a:ext cx="2276192" cy="4476512"/>
+          </a:xfrm>
+          <a:prstGeom prst="rect">
+            <a:avLst/>
+          </a:prstGeom>
+        </p:spPr>
+      </p:pic>
+      <p:sp>
+        <p:nvSpPr>
+          <p:cNvPr id="4" name="矩形 3">
+            <a:extLst>
+              <a:ext uri="{FF2B5EF4-FFF2-40B4-BE49-F238E27FC236}">
+                <a16:creationId xmlns:a16="http://schemas.microsoft.com/office/drawing/2014/main" id="{F4C8052D-01FC-44AC-98EE-5133FC386F90}"/>
+              </a:ext>
+            </a:extLst>
+          </p:cNvPr>
+          <p:cNvSpPr/>
+          <p:nvPr/>
+        </p:nvSpPr>
+        <p:spPr>
+          <a:xfrm>
+            <a:off x="568889" y="1690543"/>
+            <a:ext cx="2312197" cy="2159371"/>
+          </a:xfrm>
+          <a:prstGeom prst="rect">
+            <a:avLst/>
+          </a:prstGeom>
+          <a:noFill/>
+          <a:ln>
+            <a:solidFill>
+              <a:srgbClr val="FF0000"/>
+            </a:solidFill>
+          </a:ln>
+        </p:spPr>
+        <p:style>
+          <a:lnRef idx="2">
+            <a:schemeClr val="accent1">
+              <a:shade val="50000"/>
+            </a:schemeClr>
+          </a:lnRef>
+          <a:fillRef idx="1">
+            <a:schemeClr val="accent1"/>
+          </a:fillRef>
+          <a:effectRef idx="0">
+            <a:schemeClr val="accent1"/>
+          </a:effectRef>
+          <a:fontRef idx="minor">
+            <a:schemeClr val="lt1"/>
+          </a:fontRef>
+        </p:style>
+        <p:txBody>
+          <a:bodyPr rtlCol="0" anchor="ctr"/>
+          <a:lstStyle/>
+          <a:p>
+            <a:pPr algn="ctr"/>
+            <a:endParaRPr lang="zh-CN" altLang="en-US"/>
+          </a:p>
+        </p:txBody>
+      </p:sp>
+      <p:cxnSp>
+        <p:nvCxnSpPr>
+          <p:cNvPr id="6" name="直接箭头连接符 5">
+            <a:extLst>
+              <a:ext uri="{FF2B5EF4-FFF2-40B4-BE49-F238E27FC236}">
+                <a16:creationId xmlns:a16="http://schemas.microsoft.com/office/drawing/2014/main" id="{C9628B31-652C-44BB-9499-C24C119CA08B}"/>
+              </a:ext>
+            </a:extLst>
+          </p:cNvPr>
+          <p:cNvCxnSpPr>
+            <a:cxnSpLocks/>
+            <a:stCxn id="4" idx="3"/>
+          </p:cNvCxnSpPr>
+          <p:nvPr/>
+        </p:nvCxnSpPr>
+        <p:spPr>
+          <a:xfrm>
+            <a:off x="2881086" y="2770229"/>
+            <a:ext cx="613228" cy="0"/>
+          </a:xfrm>
+          <a:prstGeom prst="straightConnector1">
+            <a:avLst/>
+          </a:prstGeom>
+          <a:ln w="25400">
+            <a:solidFill>
+              <a:srgbClr val="FF0000"/>
+            </a:solidFill>
+            <a:tailEnd type="triangle"/>
+          </a:ln>
+        </p:spPr>
+        <p:style>
+          <a:lnRef idx="1">
+            <a:schemeClr val="accent1"/>
+          </a:lnRef>
+          <a:fillRef idx="0">
+            <a:schemeClr val="accent1"/>
+          </a:fillRef>
+          <a:effectRef idx="0">
+            <a:schemeClr val="accent1"/>
+          </a:effectRef>
+          <a:fontRef idx="minor">
+            <a:schemeClr val="tx1"/>
+          </a:fontRef>
+        </p:style>
+      </p:cxnSp>
+      <p:sp>
+        <p:nvSpPr>
+          <p:cNvPr id="8" name="文本框 7">
+            <a:extLst>
+              <a:ext uri="{FF2B5EF4-FFF2-40B4-BE49-F238E27FC236}">
+                <a16:creationId xmlns:a16="http://schemas.microsoft.com/office/drawing/2014/main" id="{12459F3E-F8BD-46B9-8725-641B2D6138F6}"/>
+              </a:ext>
+            </a:extLst>
+          </p:cNvPr>
+          <p:cNvSpPr txBox="1"/>
+          <p:nvPr/>
+        </p:nvSpPr>
+        <p:spPr>
+          <a:xfrm>
+            <a:off x="3494314" y="2585562"/>
+            <a:ext cx="979715" cy="369332"/>
+          </a:xfrm>
+          <a:prstGeom prst="rect">
+            <a:avLst/>
+          </a:prstGeom>
+          <a:noFill/>
+        </p:spPr>
+        <p:txBody>
+          <a:bodyPr wrap="square" rtlCol="0">
+            <a:spAutoFit/>
+          </a:bodyPr>
+          <a:lstStyle/>
+          <a:p>
+            <a:r>
+              <a:rPr lang="zh-CN" altLang="en-US" dirty="0">
+                <a:solidFill>
+                  <a:srgbClr val="FF0000"/>
+                </a:solidFill>
+                <a:latin typeface="黑体" panose="02010609060101010101" pitchFamily="49" charset="-122"/>
+                <a:ea typeface="黑体" panose="02010609060101010101" pitchFamily="49" charset="-122"/>
+              </a:rPr>
+              <a:t>输出区</a:t>
+            </a:r>
+          </a:p>
+        </p:txBody>
+      </p:sp>
+      <p:sp>
+        <p:nvSpPr>
+          <p:cNvPr id="9" name="矩形 8">
+            <a:extLst>
+              <a:ext uri="{FF2B5EF4-FFF2-40B4-BE49-F238E27FC236}">
+                <a16:creationId xmlns:a16="http://schemas.microsoft.com/office/drawing/2014/main" id="{D9EA628A-7FEB-4762-9ED0-26ABA2D8F2AF}"/>
+              </a:ext>
+            </a:extLst>
+          </p:cNvPr>
+          <p:cNvSpPr/>
+          <p:nvPr/>
+        </p:nvSpPr>
+        <p:spPr>
+          <a:xfrm>
+            <a:off x="1256921" y="4424551"/>
+            <a:ext cx="1588160" cy="1149093"/>
+          </a:xfrm>
+          <a:prstGeom prst="rect">
+            <a:avLst/>
+          </a:prstGeom>
+          <a:noFill/>
+          <a:ln>
+            <a:solidFill>
+              <a:srgbClr val="FF0000"/>
+            </a:solidFill>
+          </a:ln>
+        </p:spPr>
+        <p:style>
+          <a:lnRef idx="2">
+            <a:schemeClr val="accent1">
+              <a:shade val="50000"/>
+            </a:schemeClr>
+          </a:lnRef>
+          <a:fillRef idx="1">
+            <a:schemeClr val="accent1"/>
+          </a:fillRef>
+          <a:effectRef idx="0">
+            <a:schemeClr val="accent1"/>
+          </a:effectRef>
+          <a:fontRef idx="minor">
+            <a:schemeClr val="lt1"/>
+          </a:fontRef>
+        </p:style>
+        <p:txBody>
+          <a:bodyPr rtlCol="0" anchor="ctr"/>
+          <a:lstStyle/>
+          <a:p>
+            <a:pPr algn="ctr"/>
+            <a:endParaRPr lang="zh-CN" altLang="en-US"/>
+          </a:p>
+        </p:txBody>
+      </p:sp>
+      <p:cxnSp>
+        <p:nvCxnSpPr>
+          <p:cNvPr id="10" name="直接箭头连接符 9">
+            <a:extLst>
+              <a:ext uri="{FF2B5EF4-FFF2-40B4-BE49-F238E27FC236}">
+                <a16:creationId xmlns:a16="http://schemas.microsoft.com/office/drawing/2014/main" id="{178C2C80-6267-4EE9-80A3-C4C4E040E210}"/>
+              </a:ext>
+            </a:extLst>
+          </p:cNvPr>
+          <p:cNvCxnSpPr>
+            <a:cxnSpLocks/>
+            <a:stCxn id="9" idx="3"/>
+            <a:endCxn id="11" idx="1"/>
+          </p:cNvCxnSpPr>
+          <p:nvPr/>
+        </p:nvCxnSpPr>
+        <p:spPr>
+          <a:xfrm>
+            <a:off x="2845081" y="4999098"/>
+            <a:ext cx="648004" cy="580"/>
+          </a:xfrm>
+          <a:prstGeom prst="straightConnector1">
+            <a:avLst/>
+          </a:prstGeom>
+          <a:ln w="25400">
+            <a:solidFill>
+              <a:srgbClr val="FF0000"/>
+            </a:solidFill>
+            <a:tailEnd type="triangle"/>
+          </a:ln>
+        </p:spPr>
+        <p:style>
+          <a:lnRef idx="1">
+            <a:schemeClr val="accent1"/>
+          </a:lnRef>
+          <a:fillRef idx="0">
+            <a:schemeClr val="accent1"/>
+          </a:fillRef>
+          <a:effectRef idx="0">
+            <a:schemeClr val="accent1"/>
+          </a:effectRef>
+          <a:fontRef idx="minor">
+            <a:schemeClr val="tx1"/>
+          </a:fontRef>
+        </p:style>
+      </p:cxnSp>
+      <p:sp>
+        <p:nvSpPr>
+          <p:cNvPr id="11" name="文本框 10">
+            <a:extLst>
+              <a:ext uri="{FF2B5EF4-FFF2-40B4-BE49-F238E27FC236}">
+                <a16:creationId xmlns:a16="http://schemas.microsoft.com/office/drawing/2014/main" id="{D536A95D-CE2A-4BAF-82E1-7090C99E00D1}"/>
+              </a:ext>
+            </a:extLst>
+          </p:cNvPr>
+          <p:cNvSpPr txBox="1"/>
+          <p:nvPr/>
+        </p:nvSpPr>
+        <p:spPr>
+          <a:xfrm>
+            <a:off x="3493085" y="4815012"/>
+            <a:ext cx="979715" cy="369332"/>
+          </a:xfrm>
+          <a:prstGeom prst="rect">
+            <a:avLst/>
+          </a:prstGeom>
+          <a:noFill/>
+        </p:spPr>
+        <p:txBody>
+          <a:bodyPr wrap="square" rtlCol="0">
+            <a:spAutoFit/>
+          </a:bodyPr>
+          <a:lstStyle/>
+          <a:p>
+            <a:r>
+              <a:rPr lang="zh-CN" altLang="en-US" dirty="0">
+                <a:solidFill>
+                  <a:srgbClr val="FF0000"/>
+                </a:solidFill>
+                <a:latin typeface="黑体" panose="02010609060101010101" pitchFamily="49" charset="-122"/>
+                <a:ea typeface="黑体" panose="02010609060101010101" pitchFamily="49" charset="-122"/>
+              </a:rPr>
+              <a:t>状态区</a:t>
+            </a:r>
+          </a:p>
+        </p:txBody>
+      </p:sp>
+      <p:sp>
+        <p:nvSpPr>
+          <p:cNvPr id="12" name="矩形 11">
+            <a:extLst>
+              <a:ext uri="{FF2B5EF4-FFF2-40B4-BE49-F238E27FC236}">
+                <a16:creationId xmlns:a16="http://schemas.microsoft.com/office/drawing/2014/main" id="{4F2B99EE-1FE3-483B-BB00-DC97E27EC198}"/>
+              </a:ext>
+            </a:extLst>
+          </p:cNvPr>
+          <p:cNvSpPr/>
+          <p:nvPr/>
+        </p:nvSpPr>
+        <p:spPr>
+          <a:xfrm>
+            <a:off x="568890" y="3849914"/>
+            <a:ext cx="1887654" cy="555169"/>
+          </a:xfrm>
+          <a:prstGeom prst="rect">
+            <a:avLst/>
+          </a:prstGeom>
+          <a:noFill/>
+          <a:ln>
+            <a:solidFill>
+              <a:srgbClr val="FF0000"/>
+            </a:solidFill>
+          </a:ln>
+        </p:spPr>
+        <p:style>
+          <a:lnRef idx="2">
+            <a:schemeClr val="accent1">
+              <a:shade val="50000"/>
+            </a:schemeClr>
+          </a:lnRef>
+          <a:fillRef idx="1">
+            <a:schemeClr val="accent1"/>
+          </a:fillRef>
+          <a:effectRef idx="0">
+            <a:schemeClr val="accent1"/>
+          </a:effectRef>
+          <a:fontRef idx="minor">
+            <a:schemeClr val="lt1"/>
+          </a:fontRef>
+        </p:style>
+        <p:txBody>
+          <a:bodyPr rtlCol="0" anchor="ctr"/>
+          <a:lstStyle/>
+          <a:p>
+            <a:pPr algn="ctr"/>
+            <a:endParaRPr lang="zh-CN" altLang="en-US"/>
+          </a:p>
+        </p:txBody>
+      </p:sp>
+      <p:cxnSp>
+        <p:nvCxnSpPr>
+          <p:cNvPr id="13" name="直接箭头连接符 12">
+            <a:extLst>
+              <a:ext uri="{FF2B5EF4-FFF2-40B4-BE49-F238E27FC236}">
+                <a16:creationId xmlns:a16="http://schemas.microsoft.com/office/drawing/2014/main" id="{E7747661-2F9A-41D2-8483-9A03A18D3C15}"/>
+              </a:ext>
+            </a:extLst>
+          </p:cNvPr>
+          <p:cNvCxnSpPr>
+            <a:cxnSpLocks/>
+            <a:endCxn id="14" idx="1"/>
+          </p:cNvCxnSpPr>
+          <p:nvPr/>
+        </p:nvCxnSpPr>
+        <p:spPr>
+          <a:xfrm>
+            <a:off x="2496457" y="4123461"/>
+            <a:ext cx="996628" cy="2"/>
+          </a:xfrm>
+          <a:prstGeom prst="straightConnector1">
+            <a:avLst/>
+          </a:prstGeom>
+          <a:ln w="25400">
+            <a:solidFill>
+              <a:srgbClr val="FF0000"/>
+            </a:solidFill>
+            <a:tailEnd type="triangle"/>
+          </a:ln>
+        </p:spPr>
+        <p:style>
+          <a:lnRef idx="1">
+            <a:schemeClr val="accent1"/>
+          </a:lnRef>
+          <a:fillRef idx="0">
+            <a:schemeClr val="accent1"/>
+          </a:fillRef>
+          <a:effectRef idx="0">
+            <a:schemeClr val="accent1"/>
+          </a:effectRef>
+          <a:fontRef idx="minor">
+            <a:schemeClr val="tx1"/>
+          </a:fontRef>
+        </p:style>
+      </p:cxnSp>
+      <p:sp>
+        <p:nvSpPr>
+          <p:cNvPr id="14" name="文本框 13">
+            <a:extLst>
+              <a:ext uri="{FF2B5EF4-FFF2-40B4-BE49-F238E27FC236}">
+                <a16:creationId xmlns:a16="http://schemas.microsoft.com/office/drawing/2014/main" id="{27B84419-409D-49DE-AB7F-75B5AA721058}"/>
+              </a:ext>
+            </a:extLst>
+          </p:cNvPr>
+          <p:cNvSpPr txBox="1"/>
+          <p:nvPr/>
+        </p:nvSpPr>
+        <p:spPr>
+          <a:xfrm>
+            <a:off x="3493085" y="3938797"/>
+            <a:ext cx="979715" cy="369332"/>
+          </a:xfrm>
+          <a:prstGeom prst="rect">
+            <a:avLst/>
+          </a:prstGeom>
+          <a:noFill/>
+        </p:spPr>
+        <p:txBody>
+          <a:bodyPr wrap="square" rtlCol="0">
+            <a:spAutoFit/>
+          </a:bodyPr>
+          <a:lstStyle/>
+          <a:p>
+            <a:r>
+              <a:rPr lang="zh-CN" altLang="en-US" dirty="0">
+                <a:solidFill>
+                  <a:srgbClr val="FF0000"/>
+                </a:solidFill>
+                <a:latin typeface="黑体" panose="02010609060101010101" pitchFamily="49" charset="-122"/>
+                <a:ea typeface="黑体" panose="02010609060101010101" pitchFamily="49" charset="-122"/>
+              </a:rPr>
+              <a:t>输入区</a:t>
+            </a:r>
+          </a:p>
+        </p:txBody>
+      </p:sp>
+      <p:cxnSp>
+        <p:nvCxnSpPr>
+          <p:cNvPr id="15" name="直接箭头连接符 14">
+            <a:extLst>
+              <a:ext uri="{FF2B5EF4-FFF2-40B4-BE49-F238E27FC236}">
+                <a16:creationId xmlns:a16="http://schemas.microsoft.com/office/drawing/2014/main" id="{133B2FE0-DF47-489B-A7CF-73D701E321E1}"/>
+              </a:ext>
+            </a:extLst>
+          </p:cNvPr>
+          <p:cNvCxnSpPr>
+            <a:cxnSpLocks/>
+            <a:endCxn id="16" idx="1"/>
+          </p:cNvCxnSpPr>
+          <p:nvPr/>
+        </p:nvCxnSpPr>
+        <p:spPr>
+          <a:xfrm>
+            <a:off x="2304143" y="1822612"/>
+            <a:ext cx="1190171" cy="0"/>
+          </a:xfrm>
+          <a:prstGeom prst="straightConnector1">
+            <a:avLst/>
+          </a:prstGeom>
+          <a:ln w="25400">
+            <a:solidFill>
+              <a:srgbClr val="FF0000"/>
+            </a:solidFill>
+            <a:tailEnd type="triangle"/>
+          </a:ln>
+        </p:spPr>
+        <p:style>
+          <a:lnRef idx="1">
+            <a:schemeClr val="accent1"/>
+          </a:lnRef>
+          <a:fillRef idx="0">
+            <a:schemeClr val="accent1"/>
+          </a:fillRef>
+          <a:effectRef idx="0">
+            <a:schemeClr val="accent1"/>
+          </a:effectRef>
+          <a:fontRef idx="minor">
+            <a:schemeClr val="tx1"/>
+          </a:fontRef>
+        </p:style>
+      </p:cxnSp>
+      <p:sp>
+        <p:nvSpPr>
+          <p:cNvPr id="16" name="文本框 15">
+            <a:extLst>
+              <a:ext uri="{FF2B5EF4-FFF2-40B4-BE49-F238E27FC236}">
+                <a16:creationId xmlns:a16="http://schemas.microsoft.com/office/drawing/2014/main" id="{85FB587E-9583-4EC6-9651-13F14AD267FF}"/>
+              </a:ext>
+            </a:extLst>
+          </p:cNvPr>
+          <p:cNvSpPr txBox="1"/>
+          <p:nvPr/>
+        </p:nvSpPr>
+        <p:spPr>
+          <a:xfrm>
+            <a:off x="3494314" y="1637946"/>
+            <a:ext cx="1146943" cy="369332"/>
+          </a:xfrm>
+          <a:prstGeom prst="rect">
+            <a:avLst/>
+          </a:prstGeom>
+          <a:noFill/>
+        </p:spPr>
+        <p:txBody>
+          <a:bodyPr wrap="square" rtlCol="0">
+            <a:spAutoFit/>
+          </a:bodyPr>
+          <a:lstStyle/>
+          <a:p>
+            <a:r>
+              <a:rPr lang="zh-CN" altLang="en-US" dirty="0">
+                <a:solidFill>
+                  <a:srgbClr val="FF0000"/>
+                </a:solidFill>
+                <a:latin typeface="黑体" panose="02010609060101010101" pitchFamily="49" charset="-122"/>
+                <a:ea typeface="黑体" panose="02010609060101010101" pitchFamily="49" charset="-122"/>
+              </a:rPr>
+              <a:t>系统指令</a:t>
+            </a:r>
+          </a:p>
+        </p:txBody>
+      </p:sp>
+      <p:cxnSp>
+        <p:nvCxnSpPr>
+          <p:cNvPr id="23" name="直接箭头连接符 22">
+            <a:extLst>
+              <a:ext uri="{FF2B5EF4-FFF2-40B4-BE49-F238E27FC236}">
+                <a16:creationId xmlns:a16="http://schemas.microsoft.com/office/drawing/2014/main" id="{EE69AAF7-D236-47D4-A6FB-9ABCE208FD3F}"/>
+              </a:ext>
+            </a:extLst>
+          </p:cNvPr>
+          <p:cNvCxnSpPr>
+            <a:cxnSpLocks/>
+            <a:endCxn id="24" idx="1"/>
+          </p:cNvCxnSpPr>
+          <p:nvPr/>
+        </p:nvCxnSpPr>
+        <p:spPr>
+          <a:xfrm>
+            <a:off x="2845081" y="1496887"/>
+            <a:ext cx="649233" cy="0"/>
+          </a:xfrm>
+          <a:prstGeom prst="straightConnector1">
+            <a:avLst/>
+          </a:prstGeom>
+          <a:ln w="25400">
+            <a:solidFill>
+              <a:srgbClr val="FF0000"/>
+            </a:solidFill>
+            <a:tailEnd type="triangle"/>
+          </a:ln>
+        </p:spPr>
+        <p:style>
+          <a:lnRef idx="1">
+            <a:schemeClr val="accent1"/>
+          </a:lnRef>
+          <a:fillRef idx="0">
+            <a:schemeClr val="accent1"/>
+          </a:fillRef>
+          <a:effectRef idx="0">
+            <a:schemeClr val="accent1"/>
+          </a:effectRef>
+          <a:fontRef idx="minor">
+            <a:schemeClr val="tx1"/>
+          </a:fontRef>
+        </p:style>
+      </p:cxnSp>
+      <p:sp>
+        <p:nvSpPr>
+          <p:cNvPr id="24" name="文本框 23">
+            <a:extLst>
+              <a:ext uri="{FF2B5EF4-FFF2-40B4-BE49-F238E27FC236}">
+                <a16:creationId xmlns:a16="http://schemas.microsoft.com/office/drawing/2014/main" id="{53D9F723-5E09-4B49-8B91-E4F80B7B5189}"/>
+              </a:ext>
+            </a:extLst>
+          </p:cNvPr>
+          <p:cNvSpPr txBox="1"/>
+          <p:nvPr/>
+        </p:nvSpPr>
+        <p:spPr>
+          <a:xfrm>
+            <a:off x="3494314" y="1312221"/>
+            <a:ext cx="1348543" cy="369332"/>
+          </a:xfrm>
+          <a:prstGeom prst="rect">
+            <a:avLst/>
+          </a:prstGeom>
+          <a:noFill/>
+        </p:spPr>
+        <p:txBody>
+          <a:bodyPr wrap="square" rtlCol="0">
+            <a:spAutoFit/>
+          </a:bodyPr>
+          <a:lstStyle/>
+          <a:p>
+            <a:r>
+              <a:rPr lang="zh-CN" altLang="en-US" dirty="0">
+                <a:solidFill>
+                  <a:srgbClr val="FF0000"/>
+                </a:solidFill>
+                <a:latin typeface="黑体" panose="02010609060101010101" pitchFamily="49" charset="-122"/>
+                <a:ea typeface="黑体" panose="02010609060101010101" pitchFamily="49" charset="-122"/>
+              </a:rPr>
+              <a:t>设置</a:t>
+            </a:r>
+            <a:r>
+              <a:rPr lang="en-US" altLang="zh-CN" dirty="0">
+                <a:solidFill>
+                  <a:srgbClr val="FF0000"/>
+                </a:solidFill>
+                <a:latin typeface="黑体" panose="02010609060101010101" pitchFamily="49" charset="-122"/>
+                <a:ea typeface="黑体" panose="02010609060101010101" pitchFamily="49" charset="-122"/>
+              </a:rPr>
+              <a:t>/</a:t>
+            </a:r>
+            <a:r>
+              <a:rPr lang="zh-CN" altLang="en-US" dirty="0">
+                <a:solidFill>
+                  <a:srgbClr val="FF0000"/>
+                </a:solidFill>
+                <a:latin typeface="黑体" panose="02010609060101010101" pitchFamily="49" charset="-122"/>
+                <a:ea typeface="黑体" panose="02010609060101010101" pitchFamily="49" charset="-122"/>
+              </a:rPr>
+              <a:t>重置</a:t>
+            </a:r>
+          </a:p>
+        </p:txBody>
+      </p:sp>
+    </p:spTree>
+    <p:extLst>
+      <p:ext uri="{BB962C8B-B14F-4D97-AF65-F5344CB8AC3E}">
+        <p14:creationId xmlns:p14="http://schemas.microsoft.com/office/powerpoint/2010/main" val="3575133880"/>
+      </p:ext>
+    </p:extLst>
+  </p:cSld>
+  <p:clrMapOvr>
+    <a:masterClrMapping/>
+  </p:clrMapOvr>
+</p:sld>
+</file>
+
+<file path=ppt/slides/slide9.xml><?xml version="1.0" encoding="utf-8"?>
+<p:sld xmlns:a="http://schemas.openxmlformats.org/drawingml/2006/main" xmlns:r="http://schemas.openxmlformats.org/officeDocument/2006/relationships" xmlns:p="http://schemas.openxmlformats.org/presentationml/2006/main" show="0">
+  <p:cSld>
+    <p:spTree>
+      <p:nvGrpSpPr>
+        <p:cNvPr id="1" name=""/>
+        <p:cNvGrpSpPr/>
+        <p:nvPr/>
+      </p:nvGrpSpPr>
+      <p:grpSpPr>
+        <a:xfrm>
+          <a:off x="0" y="0"/>
+          <a:ext cx="0" cy="0"/>
+          <a:chOff x="0" y="0"/>
+          <a:chExt cx="0" cy="0"/>
+        </a:xfrm>
+      </p:grpSpPr>
+      <p:pic>
+        <p:nvPicPr>
+          <p:cNvPr id="2" name="图片 1">
+            <a:extLst>
+              <a:ext uri="{FF2B5EF4-FFF2-40B4-BE49-F238E27FC236}">
+                <a16:creationId xmlns:a16="http://schemas.microsoft.com/office/drawing/2014/main" id="{DC7C4DB2-CF4D-4EC5-BF18-DD42CD186A9B}"/>
+              </a:ext>
+            </a:extLst>
+          </p:cNvPr>
+          <p:cNvPicPr>
+            <a:picLocks noChangeAspect="1"/>
+          </p:cNvPicPr>
+          <p:nvPr/>
+        </p:nvPicPr>
+        <p:blipFill>
+          <a:blip r:embed="rId2"/>
+          <a:stretch>
+            <a:fillRect/>
+          </a:stretch>
+        </p:blipFill>
+        <p:spPr>
+          <a:xfrm>
+            <a:off x="2008806" y="316122"/>
+            <a:ext cx="3146054" cy="6172361"/>
+          </a:xfrm>
+          <a:prstGeom prst="rect">
+            <a:avLst/>
+          </a:prstGeom>
+        </p:spPr>
+      </p:pic>
+      <p:sp>
+        <p:nvSpPr>
+          <p:cNvPr id="4" name="矩形 3">
+            <a:extLst>
+              <a:ext uri="{FF2B5EF4-FFF2-40B4-BE49-F238E27FC236}">
+                <a16:creationId xmlns:a16="http://schemas.microsoft.com/office/drawing/2014/main" id="{DDAA8389-4DB2-4847-8464-F9502A2DD92C}"/>
+              </a:ext>
+            </a:extLst>
+          </p:cNvPr>
+          <p:cNvSpPr/>
+          <p:nvPr/>
+        </p:nvSpPr>
+        <p:spPr>
+          <a:xfrm>
+            <a:off x="2008806" y="1126400"/>
+            <a:ext cx="3160211" cy="2965029"/>
+          </a:xfrm>
+          <a:prstGeom prst="rect">
+            <a:avLst/>
+          </a:prstGeom>
+          <a:noFill/>
+          <a:ln>
+            <a:solidFill>
+              <a:srgbClr val="FF0000"/>
+            </a:solidFill>
+          </a:ln>
+        </p:spPr>
+        <p:style>
+          <a:lnRef idx="2">
+            <a:schemeClr val="accent1">
+              <a:shade val="50000"/>
+            </a:schemeClr>
+          </a:lnRef>
+          <a:fillRef idx="1">
+            <a:schemeClr val="accent1"/>
+          </a:fillRef>
+          <a:effectRef idx="0">
+            <a:schemeClr val="accent1"/>
+          </a:effectRef>
+          <a:fontRef idx="minor">
+            <a:schemeClr val="lt1"/>
+          </a:fontRef>
+        </p:style>
+        <p:txBody>
+          <a:bodyPr rtlCol="0" anchor="ctr"/>
+          <a:lstStyle/>
+          <a:p>
+            <a:pPr algn="ctr"/>
+            <a:endParaRPr lang="zh-CN" altLang="en-US"/>
+          </a:p>
+        </p:txBody>
+      </p:sp>
+      <p:cxnSp>
+        <p:nvCxnSpPr>
+          <p:cNvPr id="5" name="直接箭头连接符 4">
+            <a:extLst>
+              <a:ext uri="{FF2B5EF4-FFF2-40B4-BE49-F238E27FC236}">
+                <a16:creationId xmlns:a16="http://schemas.microsoft.com/office/drawing/2014/main" id="{37629EB5-702A-427D-8AC9-7CBBC95B8FEF}"/>
+              </a:ext>
+            </a:extLst>
+          </p:cNvPr>
+          <p:cNvCxnSpPr>
+            <a:cxnSpLocks/>
+          </p:cNvCxnSpPr>
+          <p:nvPr/>
+        </p:nvCxnSpPr>
+        <p:spPr>
+          <a:xfrm>
+            <a:off x="5154860" y="2612158"/>
+            <a:ext cx="613228" cy="0"/>
+          </a:xfrm>
+          <a:prstGeom prst="straightConnector1">
+            <a:avLst/>
+          </a:prstGeom>
+          <a:ln w="25400">
+            <a:solidFill>
+              <a:srgbClr val="FF0000"/>
+            </a:solidFill>
+            <a:tailEnd type="triangle"/>
+          </a:ln>
+        </p:spPr>
+        <p:style>
+          <a:lnRef idx="1">
+            <a:schemeClr val="accent1"/>
+          </a:lnRef>
+          <a:fillRef idx="0">
+            <a:schemeClr val="accent1"/>
+          </a:fillRef>
+          <a:effectRef idx="0">
+            <a:schemeClr val="accent1"/>
+          </a:effectRef>
+          <a:fontRef idx="minor">
+            <a:schemeClr val="tx1"/>
+          </a:fontRef>
+        </p:style>
+      </p:cxnSp>
+      <p:sp>
+        <p:nvSpPr>
+          <p:cNvPr id="6" name="文本框 5">
+            <a:extLst>
+              <a:ext uri="{FF2B5EF4-FFF2-40B4-BE49-F238E27FC236}">
+                <a16:creationId xmlns:a16="http://schemas.microsoft.com/office/drawing/2014/main" id="{3D006D1C-E9B3-4C12-AB63-454F41B4F34F}"/>
+              </a:ext>
+            </a:extLst>
+          </p:cNvPr>
+          <p:cNvSpPr txBox="1"/>
+          <p:nvPr/>
+        </p:nvSpPr>
+        <p:spPr>
+          <a:xfrm>
+            <a:off x="5768088" y="2427491"/>
+            <a:ext cx="979715" cy="369332"/>
+          </a:xfrm>
+          <a:prstGeom prst="rect">
+            <a:avLst/>
+          </a:prstGeom>
+          <a:noFill/>
+        </p:spPr>
+        <p:txBody>
+          <a:bodyPr wrap="square" rtlCol="0">
+            <a:spAutoFit/>
+          </a:bodyPr>
+          <a:lstStyle/>
+          <a:p>
+            <a:r>
+              <a:rPr lang="zh-CN" altLang="en-US" dirty="0">
+                <a:solidFill>
+                  <a:srgbClr val="FF0000"/>
+                </a:solidFill>
+                <a:latin typeface="黑体" panose="02010609060101010101" pitchFamily="49" charset="-122"/>
+                <a:ea typeface="黑体" panose="02010609060101010101" pitchFamily="49" charset="-122"/>
+              </a:rPr>
+              <a:t>输出区</a:t>
+            </a:r>
+          </a:p>
+        </p:txBody>
+      </p:sp>
+      <p:sp>
+        <p:nvSpPr>
+          <p:cNvPr id="7" name="矩形 6">
+            <a:extLst>
+              <a:ext uri="{FF2B5EF4-FFF2-40B4-BE49-F238E27FC236}">
+                <a16:creationId xmlns:a16="http://schemas.microsoft.com/office/drawing/2014/main" id="{2DE46A71-227B-46E5-8A14-A06BE34580AD}"/>
+              </a:ext>
+            </a:extLst>
+          </p:cNvPr>
+          <p:cNvSpPr/>
+          <p:nvPr/>
+        </p:nvSpPr>
+        <p:spPr>
+          <a:xfrm>
+            <a:off x="2970490" y="4899784"/>
+            <a:ext cx="2184369" cy="1588119"/>
+          </a:xfrm>
+          <a:prstGeom prst="rect">
+            <a:avLst/>
+          </a:prstGeom>
+          <a:noFill/>
+          <a:ln>
+            <a:solidFill>
+              <a:srgbClr val="FF0000"/>
+            </a:solidFill>
+          </a:ln>
+        </p:spPr>
+        <p:style>
+          <a:lnRef idx="2">
+            <a:schemeClr val="accent1">
+              <a:shade val="50000"/>
+            </a:schemeClr>
+          </a:lnRef>
+          <a:fillRef idx="1">
+            <a:schemeClr val="accent1"/>
+          </a:fillRef>
+          <a:effectRef idx="0">
+            <a:schemeClr val="accent1"/>
+          </a:effectRef>
+          <a:fontRef idx="minor">
+            <a:schemeClr val="lt1"/>
+          </a:fontRef>
+        </p:style>
+        <p:txBody>
+          <a:bodyPr rtlCol="0" anchor="ctr"/>
+          <a:lstStyle/>
+          <a:p>
+            <a:pPr algn="ctr"/>
+            <a:endParaRPr lang="zh-CN" altLang="en-US"/>
+          </a:p>
+        </p:txBody>
+      </p:sp>
+      <p:cxnSp>
+        <p:nvCxnSpPr>
+          <p:cNvPr id="8" name="直接箭头连接符 7">
+            <a:extLst>
+              <a:ext uri="{FF2B5EF4-FFF2-40B4-BE49-F238E27FC236}">
+                <a16:creationId xmlns:a16="http://schemas.microsoft.com/office/drawing/2014/main" id="{EE060D7A-998A-43FF-BEBA-57800E9EB44D}"/>
+              </a:ext>
+            </a:extLst>
+          </p:cNvPr>
+          <p:cNvCxnSpPr>
+            <a:cxnSpLocks/>
+            <a:endCxn id="9" idx="1"/>
+          </p:cNvCxnSpPr>
+          <p:nvPr/>
+        </p:nvCxnSpPr>
+        <p:spPr>
+          <a:xfrm>
+            <a:off x="5118855" y="5658417"/>
+            <a:ext cx="648004" cy="580"/>
+          </a:xfrm>
+          <a:prstGeom prst="straightConnector1">
+            <a:avLst/>
+          </a:prstGeom>
+          <a:ln w="25400">
+            <a:solidFill>
+              <a:srgbClr val="FF0000"/>
+            </a:solidFill>
+            <a:tailEnd type="triangle"/>
+          </a:ln>
+        </p:spPr>
+        <p:style>
+          <a:lnRef idx="1">
+            <a:schemeClr val="accent1"/>
+          </a:lnRef>
+          <a:fillRef idx="0">
+            <a:schemeClr val="accent1"/>
+          </a:fillRef>
+          <a:effectRef idx="0">
+            <a:schemeClr val="accent1"/>
+          </a:effectRef>
+          <a:fontRef idx="minor">
+            <a:schemeClr val="tx1"/>
+          </a:fontRef>
+        </p:style>
+      </p:cxnSp>
+      <p:sp>
+        <p:nvSpPr>
+          <p:cNvPr id="9" name="文本框 8">
+            <a:extLst>
+              <a:ext uri="{FF2B5EF4-FFF2-40B4-BE49-F238E27FC236}">
+                <a16:creationId xmlns:a16="http://schemas.microsoft.com/office/drawing/2014/main" id="{A50FCBB2-B2D5-4F9D-9E07-8C3262649D81}"/>
+              </a:ext>
+            </a:extLst>
+          </p:cNvPr>
+          <p:cNvSpPr txBox="1"/>
+          <p:nvPr/>
+        </p:nvSpPr>
+        <p:spPr>
+          <a:xfrm>
+            <a:off x="5766859" y="5474331"/>
+            <a:ext cx="979715" cy="369332"/>
+          </a:xfrm>
+          <a:prstGeom prst="rect">
+            <a:avLst/>
+          </a:prstGeom>
+          <a:noFill/>
+        </p:spPr>
+        <p:txBody>
+          <a:bodyPr wrap="square" rtlCol="0">
+            <a:spAutoFit/>
+          </a:bodyPr>
+          <a:lstStyle/>
+          <a:p>
+            <a:r>
+              <a:rPr lang="zh-CN" altLang="en-US" dirty="0">
+                <a:solidFill>
+                  <a:srgbClr val="FF0000"/>
+                </a:solidFill>
+                <a:latin typeface="黑体" panose="02010609060101010101" pitchFamily="49" charset="-122"/>
+                <a:ea typeface="黑体" panose="02010609060101010101" pitchFamily="49" charset="-122"/>
+              </a:rPr>
+              <a:t>状态区</a:t>
+            </a:r>
+          </a:p>
+        </p:txBody>
+      </p:sp>
+      <p:sp>
+        <p:nvSpPr>
+          <p:cNvPr id="10" name="矩形 9">
+            <a:extLst>
+              <a:ext uri="{FF2B5EF4-FFF2-40B4-BE49-F238E27FC236}">
+                <a16:creationId xmlns:a16="http://schemas.microsoft.com/office/drawing/2014/main" id="{2626EB6D-E9F0-4253-9A9B-95D3E11F4481}"/>
+              </a:ext>
+            </a:extLst>
+          </p:cNvPr>
+          <p:cNvSpPr/>
+          <p:nvPr/>
+        </p:nvSpPr>
+        <p:spPr>
+          <a:xfrm>
+            <a:off x="2008805" y="4091429"/>
+            <a:ext cx="2603241" cy="760889"/>
+          </a:xfrm>
+          <a:prstGeom prst="rect">
+            <a:avLst/>
+          </a:prstGeom>
+          <a:noFill/>
+          <a:ln>
+            <a:solidFill>
+              <a:srgbClr val="FF0000"/>
+            </a:solidFill>
+          </a:ln>
+        </p:spPr>
+        <p:style>
+          <a:lnRef idx="2">
+            <a:schemeClr val="accent1">
+              <a:shade val="50000"/>
+            </a:schemeClr>
+          </a:lnRef>
+          <a:fillRef idx="1">
+            <a:schemeClr val="accent1"/>
+          </a:fillRef>
+          <a:effectRef idx="0">
+            <a:schemeClr val="accent1"/>
+          </a:effectRef>
+          <a:fontRef idx="minor">
+            <a:schemeClr val="lt1"/>
+          </a:fontRef>
+        </p:style>
+        <p:txBody>
+          <a:bodyPr rtlCol="0" anchor="ctr"/>
+          <a:lstStyle/>
+          <a:p>
+            <a:pPr algn="ctr"/>
+            <a:endParaRPr lang="zh-CN" altLang="en-US"/>
+          </a:p>
+        </p:txBody>
+      </p:sp>
+      <p:cxnSp>
+        <p:nvCxnSpPr>
+          <p:cNvPr id="11" name="直接箭头连接符 10">
+            <a:extLst>
+              <a:ext uri="{FF2B5EF4-FFF2-40B4-BE49-F238E27FC236}">
+                <a16:creationId xmlns:a16="http://schemas.microsoft.com/office/drawing/2014/main" id="{630345A9-1097-4F8A-9E5B-AD53CB2CF840}"/>
+              </a:ext>
+            </a:extLst>
+          </p:cNvPr>
+          <p:cNvCxnSpPr>
+            <a:cxnSpLocks/>
+            <a:endCxn id="12" idx="1"/>
+          </p:cNvCxnSpPr>
+          <p:nvPr/>
+        </p:nvCxnSpPr>
+        <p:spPr>
+          <a:xfrm>
+            <a:off x="4663625" y="4460181"/>
+            <a:ext cx="1104463" cy="0"/>
+          </a:xfrm>
+          <a:prstGeom prst="straightConnector1">
+            <a:avLst/>
+          </a:prstGeom>
+          <a:ln w="25400">
+            <a:solidFill>
+              <a:srgbClr val="FF0000"/>
+            </a:solidFill>
+            <a:tailEnd type="triangle"/>
+          </a:ln>
+        </p:spPr>
+        <p:style>
+          <a:lnRef idx="1">
+            <a:schemeClr val="accent1"/>
+          </a:lnRef>
+          <a:fillRef idx="0">
+            <a:schemeClr val="accent1"/>
+          </a:fillRef>
+          <a:effectRef idx="0">
+            <a:schemeClr val="accent1"/>
+          </a:effectRef>
+          <a:fontRef idx="minor">
+            <a:schemeClr val="tx1"/>
+          </a:fontRef>
+        </p:style>
+      </p:cxnSp>
+      <p:sp>
+        <p:nvSpPr>
+          <p:cNvPr id="12" name="文本框 11">
+            <a:extLst>
+              <a:ext uri="{FF2B5EF4-FFF2-40B4-BE49-F238E27FC236}">
+                <a16:creationId xmlns:a16="http://schemas.microsoft.com/office/drawing/2014/main" id="{DE57549D-2420-437E-B4B5-9E698A9E1BC2}"/>
+              </a:ext>
+            </a:extLst>
+          </p:cNvPr>
+          <p:cNvSpPr txBox="1"/>
+          <p:nvPr/>
+        </p:nvSpPr>
+        <p:spPr>
+          <a:xfrm>
+            <a:off x="5768088" y="4275515"/>
+            <a:ext cx="979715" cy="369332"/>
+          </a:xfrm>
+          <a:prstGeom prst="rect">
+            <a:avLst/>
+          </a:prstGeom>
+          <a:noFill/>
+        </p:spPr>
+        <p:txBody>
+          <a:bodyPr wrap="square" rtlCol="0">
+            <a:spAutoFit/>
+          </a:bodyPr>
+          <a:lstStyle/>
+          <a:p>
+            <a:r>
+              <a:rPr lang="zh-CN" altLang="en-US" dirty="0">
+                <a:solidFill>
+                  <a:srgbClr val="FF0000"/>
+                </a:solidFill>
+                <a:latin typeface="黑体" panose="02010609060101010101" pitchFamily="49" charset="-122"/>
+                <a:ea typeface="黑体" panose="02010609060101010101" pitchFamily="49" charset="-122"/>
+              </a:rPr>
+              <a:t>输入区</a:t>
+            </a:r>
+          </a:p>
+        </p:txBody>
+      </p:sp>
+      <p:cxnSp>
+        <p:nvCxnSpPr>
+          <p:cNvPr id="13" name="直接箭头连接符 12">
+            <a:extLst>
+              <a:ext uri="{FF2B5EF4-FFF2-40B4-BE49-F238E27FC236}">
+                <a16:creationId xmlns:a16="http://schemas.microsoft.com/office/drawing/2014/main" id="{2E41A2A8-2811-4A92-A937-B6DD73855EAB}"/>
+              </a:ext>
+            </a:extLst>
+          </p:cNvPr>
+          <p:cNvCxnSpPr>
+            <a:cxnSpLocks/>
+            <a:endCxn id="14" idx="1"/>
+          </p:cNvCxnSpPr>
+          <p:nvPr/>
+        </p:nvCxnSpPr>
+        <p:spPr>
+          <a:xfrm>
+            <a:off x="4244952" y="1311066"/>
+            <a:ext cx="1523136" cy="0"/>
+          </a:xfrm>
+          <a:prstGeom prst="straightConnector1">
+            <a:avLst/>
+          </a:prstGeom>
+          <a:ln w="25400">
+            <a:solidFill>
+              <a:srgbClr val="FF0000"/>
+            </a:solidFill>
+            <a:tailEnd type="triangle"/>
+          </a:ln>
+        </p:spPr>
+        <p:style>
+          <a:lnRef idx="1">
+            <a:schemeClr val="accent1"/>
+          </a:lnRef>
+          <a:fillRef idx="0">
+            <a:schemeClr val="accent1"/>
+          </a:fillRef>
+          <a:effectRef idx="0">
+            <a:schemeClr val="accent1"/>
+          </a:effectRef>
+          <a:fontRef idx="minor">
+            <a:schemeClr val="tx1"/>
+          </a:fontRef>
+        </p:style>
+      </p:cxnSp>
+      <p:sp>
+        <p:nvSpPr>
+          <p:cNvPr id="14" name="文本框 13">
+            <a:extLst>
+              <a:ext uri="{FF2B5EF4-FFF2-40B4-BE49-F238E27FC236}">
+                <a16:creationId xmlns:a16="http://schemas.microsoft.com/office/drawing/2014/main" id="{01F1678B-CDC1-4EC8-BCF2-469E2C76D1BF}"/>
+              </a:ext>
+            </a:extLst>
+          </p:cNvPr>
+          <p:cNvSpPr txBox="1"/>
+          <p:nvPr/>
+        </p:nvSpPr>
+        <p:spPr>
+          <a:xfrm>
+            <a:off x="5768088" y="1126400"/>
+            <a:ext cx="1146943" cy="369332"/>
+          </a:xfrm>
+          <a:prstGeom prst="rect">
+            <a:avLst/>
+          </a:prstGeom>
+          <a:noFill/>
+        </p:spPr>
+        <p:txBody>
+          <a:bodyPr wrap="square" rtlCol="0">
+            <a:spAutoFit/>
+          </a:bodyPr>
+          <a:lstStyle/>
+          <a:p>
+            <a:r>
+              <a:rPr lang="zh-CN" altLang="en-US" dirty="0">
+                <a:solidFill>
+                  <a:srgbClr val="FF0000"/>
+                </a:solidFill>
+                <a:latin typeface="黑体" panose="02010609060101010101" pitchFamily="49" charset="-122"/>
+                <a:ea typeface="黑体" panose="02010609060101010101" pitchFamily="49" charset="-122"/>
+              </a:rPr>
+              <a:t>系统指令</a:t>
+            </a:r>
+          </a:p>
+        </p:txBody>
+      </p:sp>
+      <p:cxnSp>
+        <p:nvCxnSpPr>
+          <p:cNvPr id="15" name="直接箭头连接符 14">
+            <a:extLst>
+              <a:ext uri="{FF2B5EF4-FFF2-40B4-BE49-F238E27FC236}">
+                <a16:creationId xmlns:a16="http://schemas.microsoft.com/office/drawing/2014/main" id="{5480FE73-ACAA-463F-AE79-814496DE4171}"/>
+              </a:ext>
+            </a:extLst>
+          </p:cNvPr>
+          <p:cNvCxnSpPr>
+            <a:cxnSpLocks/>
+            <a:endCxn id="16" idx="1"/>
+          </p:cNvCxnSpPr>
+          <p:nvPr/>
+        </p:nvCxnSpPr>
+        <p:spPr>
+          <a:xfrm>
+            <a:off x="5118855" y="919275"/>
+            <a:ext cx="649233" cy="0"/>
+          </a:xfrm>
+          <a:prstGeom prst="straightConnector1">
+            <a:avLst/>
+          </a:prstGeom>
+          <a:ln w="25400">
+            <a:solidFill>
+              <a:srgbClr val="FF0000"/>
+            </a:solidFill>
+            <a:tailEnd type="triangle"/>
+          </a:ln>
+        </p:spPr>
+        <p:style>
+          <a:lnRef idx="1">
+            <a:schemeClr val="accent1"/>
+          </a:lnRef>
+          <a:fillRef idx="0">
+            <a:schemeClr val="accent1"/>
+          </a:fillRef>
+          <a:effectRef idx="0">
+            <a:schemeClr val="accent1"/>
+          </a:effectRef>
+          <a:fontRef idx="minor">
+            <a:schemeClr val="tx1"/>
+          </a:fontRef>
+        </p:style>
+      </p:cxnSp>
+      <p:sp>
+        <p:nvSpPr>
+          <p:cNvPr id="16" name="文本框 15">
+            <a:extLst>
+              <a:ext uri="{FF2B5EF4-FFF2-40B4-BE49-F238E27FC236}">
+                <a16:creationId xmlns:a16="http://schemas.microsoft.com/office/drawing/2014/main" id="{575C3E3D-2CC4-41D0-97D1-377BEA98A4EE}"/>
+              </a:ext>
+            </a:extLst>
+          </p:cNvPr>
+          <p:cNvSpPr txBox="1"/>
+          <p:nvPr/>
+        </p:nvSpPr>
+        <p:spPr>
+          <a:xfrm>
+            <a:off x="5768088" y="734609"/>
+            <a:ext cx="1348543" cy="369332"/>
+          </a:xfrm>
+          <a:prstGeom prst="rect">
+            <a:avLst/>
+          </a:prstGeom>
+          <a:noFill/>
+        </p:spPr>
+        <p:txBody>
+          <a:bodyPr wrap="square" rtlCol="0">
+            <a:spAutoFit/>
+          </a:bodyPr>
+          <a:lstStyle/>
+          <a:p>
+            <a:r>
+              <a:rPr lang="zh-CN" altLang="en-US" dirty="0">
+                <a:solidFill>
+                  <a:srgbClr val="FF0000"/>
+                </a:solidFill>
+                <a:latin typeface="黑体" panose="02010609060101010101" pitchFamily="49" charset="-122"/>
+                <a:ea typeface="黑体" panose="02010609060101010101" pitchFamily="49" charset="-122"/>
+              </a:rPr>
+              <a:t>设置</a:t>
+            </a:r>
+            <a:r>
+              <a:rPr lang="en-US" altLang="zh-CN" dirty="0">
+                <a:solidFill>
+                  <a:srgbClr val="FF0000"/>
+                </a:solidFill>
+                <a:latin typeface="黑体" panose="02010609060101010101" pitchFamily="49" charset="-122"/>
+                <a:ea typeface="黑体" panose="02010609060101010101" pitchFamily="49" charset="-122"/>
+              </a:rPr>
+              <a:t>/</a:t>
+            </a:r>
+            <a:r>
+              <a:rPr lang="zh-CN" altLang="en-US" dirty="0">
+                <a:solidFill>
+                  <a:srgbClr val="FF0000"/>
+                </a:solidFill>
+                <a:latin typeface="黑体" panose="02010609060101010101" pitchFamily="49" charset="-122"/>
+                <a:ea typeface="黑体" panose="02010609060101010101" pitchFamily="49" charset="-122"/>
+              </a:rPr>
+              <a:t>重置</a:t>
+            </a:r>
+          </a:p>
+        </p:txBody>
+      </p:sp>
+      <p:pic>
+        <p:nvPicPr>
+          <p:cNvPr id="34" name="图片 33">
+            <a:extLst>
+              <a:ext uri="{FF2B5EF4-FFF2-40B4-BE49-F238E27FC236}">
+                <a16:creationId xmlns:a16="http://schemas.microsoft.com/office/drawing/2014/main" id="{07952BF1-51A8-466C-AE85-CBA6C0411599}"/>
+              </a:ext>
+            </a:extLst>
+          </p:cNvPr>
+          <p:cNvPicPr>
+            <a:picLocks noChangeAspect="1"/>
+          </p:cNvPicPr>
+          <p:nvPr/>
+        </p:nvPicPr>
+        <p:blipFill>
+          <a:blip r:embed="rId3"/>
+          <a:stretch>
+            <a:fillRect/>
+          </a:stretch>
+        </p:blipFill>
+        <p:spPr>
+          <a:xfrm>
+            <a:off x="7491495" y="338060"/>
+            <a:ext cx="5108891" cy="6181880"/>
+          </a:xfrm>
+          <a:prstGeom prst="rect">
+            <a:avLst/>
+          </a:prstGeom>
+        </p:spPr>
+      </p:pic>
+    </p:spTree>
+    <p:extLst>
+      <p:ext uri="{BB962C8B-B14F-4D97-AF65-F5344CB8AC3E}">
+        <p14:creationId xmlns:p14="http://schemas.microsoft.com/office/powerpoint/2010/main" val="2533216249"/>
+      </p:ext>
+    </p:extLst>
   </p:cSld>
   <p:clrMapOvr>
     <a:masterClrMapping/>

--- a/utils/软件介绍.pptx
+++ b/utils/软件介绍.pptx
@@ -5,34 +5,35 @@
     <p:sldMasterId id="2147483683" r:id="rId1"/>
   </p:sldMasterIdLst>
   <p:notesMasterIdLst>
-    <p:notesMasterId r:id="rId19"/>
+    <p:notesMasterId r:id="rId20"/>
   </p:notesMasterIdLst>
   <p:handoutMasterIdLst>
-    <p:handoutMasterId r:id="rId20"/>
+    <p:handoutMasterId r:id="rId21"/>
   </p:handoutMasterIdLst>
   <p:sldIdLst>
     <p:sldId id="507" r:id="rId2"/>
     <p:sldId id="508" r:id="rId3"/>
     <p:sldId id="506" r:id="rId4"/>
     <p:sldId id="516" r:id="rId5"/>
-    <p:sldId id="517" r:id="rId6"/>
-    <p:sldId id="522" r:id="rId7"/>
-    <p:sldId id="518" r:id="rId8"/>
+    <p:sldId id="518" r:id="rId6"/>
+    <p:sldId id="517" r:id="rId7"/>
+    <p:sldId id="522" r:id="rId8"/>
     <p:sldId id="510" r:id="rId9"/>
     <p:sldId id="519" r:id="rId10"/>
     <p:sldId id="521" r:id="rId11"/>
     <p:sldId id="520" r:id="rId12"/>
     <p:sldId id="509" r:id="rId13"/>
-    <p:sldId id="523" r:id="rId14"/>
-    <p:sldId id="513" r:id="rId15"/>
-    <p:sldId id="514" r:id="rId16"/>
-    <p:sldId id="515" r:id="rId17"/>
-    <p:sldId id="498" r:id="rId18"/>
+    <p:sldId id="524" r:id="rId14"/>
+    <p:sldId id="523" r:id="rId15"/>
+    <p:sldId id="513" r:id="rId16"/>
+    <p:sldId id="514" r:id="rId17"/>
+    <p:sldId id="515" r:id="rId18"/>
+    <p:sldId id="498" r:id="rId19"/>
   </p:sldIdLst>
   <p:sldSz cx="12192000" cy="6858000"/>
   <p:notesSz cx="6858000" cy="9144000"/>
   <p:custDataLst>
-    <p:tags r:id="rId21"/>
+    <p:tags r:id="rId22"/>
   </p:custDataLst>
   <p:defaultTextStyle>
     <a:defPPr>
@@ -138,14 +139,15 @@
             <p14:sldId id="508"/>
             <p14:sldId id="506"/>
             <p14:sldId id="516"/>
+            <p14:sldId id="518"/>
             <p14:sldId id="517"/>
             <p14:sldId id="522"/>
-            <p14:sldId id="518"/>
             <p14:sldId id="510"/>
             <p14:sldId id="519"/>
             <p14:sldId id="521"/>
             <p14:sldId id="520"/>
             <p14:sldId id="509"/>
+            <p14:sldId id="524"/>
           </p14:sldIdLst>
         </p14:section>
         <p14:section name="大语言模型的训练" id="{ADBB7DE7-B381-44B3-A6B2-3DBD7CCE7655}">
@@ -3140,7 +3142,7 @@
           <a:p>
             <a:fld id="{285264BB-8F8A-4D4A-88A3-0640162C694A}" type="datetimeFigureOut">
               <a:rPr lang="zh-CN" altLang="en-US" smtClean="0"/>
-              <a:t>2024/3/13</a:t>
+              <a:t>2024/3/14</a:t>
             </a:fld>
             <a:endParaRPr lang="zh-CN" altLang="en-US"/>
           </a:p>
@@ -3300,7 +3302,7 @@
           <a:p>
             <a:fld id="{C3C1C5A8-D213-43C4-B748-86D822F1E0AF}" type="datetimeFigureOut">
               <a:rPr lang="zh-CN" altLang="en-US" smtClean="0"/>
-              <a:t>2024/3/13</a:t>
+              <a:t>2024/3/14</a:t>
             </a:fld>
             <a:endParaRPr lang="zh-CN" altLang="en-US"/>
           </a:p>
@@ -3606,150 +3608,6 @@
           <a:bodyPr/>
           <a:lstStyle/>
           <a:p>
-            <a:r>
-              <a:rPr lang="en-US" altLang="zh-CN" dirty="0"/>
-              <a:t>B:</a:t>
-            </a:r>
-            <a:r>
-              <a:rPr lang="zh-CN" altLang="en-US" dirty="0"/>
-              <a:t>用课堂上听说的人工智能，引入</a:t>
-            </a:r>
-            <a:endParaRPr lang="en-US" altLang="zh-CN" dirty="0"/>
-          </a:p>
-          <a:p>
-            <a:r>
-              <a:rPr lang="en-US" altLang="zh-CN" dirty="0"/>
-              <a:t>O:1.</a:t>
-            </a:r>
-            <a:r>
-              <a:rPr lang="zh-CN" altLang="en-US" dirty="0"/>
-              <a:t>知道什么是大模型</a:t>
-            </a:r>
-            <a:r>
-              <a:rPr lang="en-US" altLang="zh-CN" dirty="0"/>
-              <a:t>2.</a:t>
-            </a:r>
-            <a:r>
-              <a:rPr lang="zh-CN" altLang="en-US" dirty="0"/>
-              <a:t>市面上主流的大模型类型</a:t>
-            </a:r>
-            <a:r>
-              <a:rPr lang="en-US" altLang="zh-CN" dirty="0"/>
-              <a:t>3.</a:t>
-            </a:r>
-            <a:r>
-              <a:rPr lang="zh-CN" altLang="en-US" dirty="0"/>
-              <a:t>知道如何与大模型聊天</a:t>
-            </a:r>
-            <a:endParaRPr lang="en-US" altLang="zh-CN" dirty="0"/>
-          </a:p>
-          <a:p>
-            <a:r>
-              <a:rPr lang="en-US" altLang="zh-CN" dirty="0"/>
-              <a:t>P:</a:t>
-            </a:r>
-            <a:r>
-              <a:rPr lang="zh-CN" altLang="en-US" dirty="0"/>
-              <a:t>有谁用过</a:t>
-            </a:r>
-            <a:r>
-              <a:rPr lang="en-US" altLang="zh-CN" dirty="0" err="1"/>
-              <a:t>chatgpt</a:t>
-            </a:r>
-            <a:r>
-              <a:rPr lang="en-US" altLang="zh-CN" dirty="0"/>
-              <a:t>?</a:t>
-            </a:r>
-          </a:p>
-          <a:p>
-            <a:pPr marL="0" marR="0" lvl="0" indent="0" algn="l" defTabSz="914400" rtl="0" eaLnBrk="1" fontAlgn="auto" latinLnBrk="0" hangingPunct="1">
-              <a:lnSpc>
-                <a:spcPct val="100000"/>
-              </a:lnSpc>
-              <a:spcBef>
-                <a:spcPts val="0"/>
-              </a:spcBef>
-              <a:spcAft>
-                <a:spcPts val="0"/>
-              </a:spcAft>
-              <a:buClrTx/>
-              <a:buSzTx/>
-              <a:buFontTx/>
-              <a:buNone/>
-              <a:tabLst/>
-              <a:defRPr/>
-            </a:pPr>
-            <a:r>
-              <a:rPr lang="en-US" altLang="zh-CN" dirty="0"/>
-              <a:t>P:</a:t>
-            </a:r>
-            <a:r>
-              <a:rPr lang="zh-CN" altLang="en-US" dirty="0"/>
-              <a:t>一起来解决三个问题</a:t>
-            </a:r>
-            <a:endParaRPr lang="en-US" altLang="zh-CN" dirty="0"/>
-          </a:p>
-          <a:p>
-            <a:pPr marL="0" marR="0" lvl="0" indent="0" algn="l" defTabSz="914400" rtl="0" eaLnBrk="1" fontAlgn="auto" latinLnBrk="0" hangingPunct="1">
-              <a:lnSpc>
-                <a:spcPct val="100000"/>
-              </a:lnSpc>
-              <a:spcBef>
-                <a:spcPts val="0"/>
-              </a:spcBef>
-              <a:spcAft>
-                <a:spcPts val="0"/>
-              </a:spcAft>
-              <a:buClrTx/>
-              <a:buSzTx/>
-              <a:buFontTx/>
-              <a:buNone/>
-              <a:tabLst/>
-              <a:defRPr/>
-            </a:pPr>
-            <a:r>
-              <a:rPr lang="en-US" altLang="zh-CN" dirty="0"/>
-              <a:t>P:</a:t>
-            </a:r>
-            <a:r>
-              <a:rPr lang="zh-CN" altLang="en-US" dirty="0"/>
-              <a:t>回答三个问题</a:t>
-            </a:r>
-            <a:endParaRPr lang="en-US" altLang="zh-CN" dirty="0"/>
-          </a:p>
-          <a:p>
-            <a:pPr marL="0" marR="0" lvl="0" indent="0" algn="l" defTabSz="914400" rtl="0" eaLnBrk="1" fontAlgn="auto" latinLnBrk="0" hangingPunct="1">
-              <a:lnSpc>
-                <a:spcPct val="100000"/>
-              </a:lnSpc>
-              <a:spcBef>
-                <a:spcPts val="0"/>
-              </a:spcBef>
-              <a:spcAft>
-                <a:spcPts val="0"/>
-              </a:spcAft>
-              <a:buClrTx/>
-              <a:buSzTx/>
-              <a:buFontTx/>
-              <a:buNone/>
-              <a:tabLst/>
-              <a:defRPr/>
-            </a:pPr>
-            <a:r>
-              <a:rPr lang="en-US" altLang="zh-CN" dirty="0"/>
-              <a:t>S:</a:t>
-            </a:r>
-            <a:r>
-              <a:rPr lang="zh-CN" altLang="en-US" dirty="0"/>
-              <a:t>总结</a:t>
-            </a:r>
-            <a:endParaRPr lang="en-US" altLang="zh-CN" dirty="0"/>
-          </a:p>
-          <a:p>
-            <a:r>
-              <a:rPr lang="en-US" altLang="zh-CN" dirty="0"/>
-              <a:t> </a:t>
-            </a:r>
             <a:endParaRPr lang="zh-CN" altLang="en-US" dirty="0"/>
           </a:p>
         </p:txBody>
@@ -3771,7 +3629,7 @@
           <a:p>
             <a:fld id="{5DE12CCA-7540-48DB-8E56-327F4EA06BC9}" type="slidenum">
               <a:rPr lang="zh-CN" altLang="en-US" smtClean="0"/>
-              <a:t>2</a:t>
+              <a:t>1</a:t>
             </a:fld>
             <a:endParaRPr lang="zh-CN" altLang="en-US"/>
           </a:p>
@@ -3780,7 +3638,7 @@
     </p:spTree>
     <p:extLst>
       <p:ext uri="{BB962C8B-B14F-4D97-AF65-F5344CB8AC3E}">
-        <p14:creationId xmlns:p14="http://schemas.microsoft.com/office/powerpoint/2010/main" val="1548051930"/>
+        <p14:creationId xmlns:p14="http://schemas.microsoft.com/office/powerpoint/2010/main" val="1897025094"/>
       </p:ext>
     </p:extLst>
   </p:cSld>
@@ -3836,7 +3694,108 @@
           <a:p>
             <a:r>
               <a:rPr lang="zh-CN" altLang="en-US" dirty="0"/>
+              <a:t>这里大家知道结论就行</a:t>
+            </a:r>
+          </a:p>
+        </p:txBody>
+      </p:sp>
+      <p:sp>
+        <p:nvSpPr>
+          <p:cNvPr id="4" name="灯片编号占位符 3"/>
+          <p:cNvSpPr>
+            <a:spLocks noGrp="1"/>
+          </p:cNvSpPr>
+          <p:nvPr>
+            <p:ph type="sldNum" sz="quarter" idx="5"/>
+          </p:nvPr>
+        </p:nvSpPr>
+        <p:spPr/>
+        <p:txBody>
+          <a:bodyPr/>
+          <a:lstStyle/>
+          <a:p>
+            <a:fld id="{5DE12CCA-7540-48DB-8E56-327F4EA06BC9}" type="slidenum">
+              <a:rPr lang="zh-CN" altLang="en-US" smtClean="0"/>
+              <a:t>10</a:t>
+            </a:fld>
+            <a:endParaRPr lang="zh-CN" altLang="en-US"/>
+          </a:p>
+        </p:txBody>
+      </p:sp>
+    </p:spTree>
+    <p:extLst>
+      <p:ext uri="{BB962C8B-B14F-4D97-AF65-F5344CB8AC3E}">
+        <p14:creationId xmlns:p14="http://schemas.microsoft.com/office/powerpoint/2010/main" val="1946197831"/>
+      </p:ext>
+    </p:extLst>
+  </p:cSld>
+  <p:clrMapOvr>
+    <a:masterClrMapping/>
+  </p:clrMapOvr>
+</p:notes>
+</file>
+
+<file path=ppt/notesSlides/notesSlide11.xml><?xml version="1.0" encoding="utf-8"?>
+<p:notes xmlns:a="http://schemas.openxmlformats.org/drawingml/2006/main" xmlns:r="http://schemas.openxmlformats.org/officeDocument/2006/relationships" xmlns:p="http://schemas.openxmlformats.org/presentationml/2006/main">
+  <p:cSld>
+    <p:spTree>
+      <p:nvGrpSpPr>
+        <p:cNvPr id="1" name=""/>
+        <p:cNvGrpSpPr/>
+        <p:nvPr/>
+      </p:nvGrpSpPr>
+      <p:grpSpPr>
+        <a:xfrm>
+          <a:off x="0" y="0"/>
+          <a:ext cx="0" cy="0"/>
+          <a:chOff x="0" y="0"/>
+          <a:chExt cx="0" cy="0"/>
+        </a:xfrm>
+      </p:grpSpPr>
+      <p:sp>
+        <p:nvSpPr>
+          <p:cNvPr id="2" name="幻灯片图像占位符 1"/>
+          <p:cNvSpPr>
+            <a:spLocks noGrp="1" noRot="1" noChangeAspect="1"/>
+          </p:cNvSpPr>
+          <p:nvPr>
+            <p:ph type="sldImg"/>
+          </p:nvPr>
+        </p:nvSpPr>
+        <p:spPr/>
+      </p:sp>
+      <p:sp>
+        <p:nvSpPr>
+          <p:cNvPr id="3" name="备注占位符 2"/>
+          <p:cNvSpPr>
+            <a:spLocks noGrp="1"/>
+          </p:cNvSpPr>
+          <p:nvPr>
+            <p:ph type="body" idx="1"/>
+          </p:nvPr>
+        </p:nvSpPr>
+        <p:spPr/>
+        <p:txBody>
+          <a:bodyPr/>
+          <a:lstStyle/>
+          <a:p>
+            <a:r>
+              <a:rPr lang="zh-CN" altLang="en-US" dirty="0"/>
+              <a:t>大语言模型能够处理的词的数目是有限的</a:t>
+            </a:r>
+            <a:endParaRPr lang="en-US" altLang="zh-CN" dirty="0"/>
+          </a:p>
+          <a:p>
+            <a:r>
+              <a:rPr lang="zh-CN" altLang="en-US" dirty="0"/>
               <a:t>砍掉一部分词</a:t>
+            </a:r>
+            <a:endParaRPr lang="en-US" altLang="zh-CN" dirty="0"/>
+          </a:p>
+          <a:p>
+            <a:r>
+              <a:rPr lang="zh-CN" altLang="en-US" dirty="0"/>
+              <a:t>要有目的性的砍掉，保留主旨，为后面的输出预留空间</a:t>
             </a:r>
           </a:p>
         </p:txBody>
@@ -3877,7 +3836,7 @@
 </p:notes>
 </file>
 
-<file path=ppt/notesSlides/notesSlide11.xml><?xml version="1.0" encoding="utf-8"?>
+<file path=ppt/notesSlides/notesSlide12.xml><?xml version="1.0" encoding="utf-8"?>
 <p:notes xmlns:a="http://schemas.openxmlformats.org/drawingml/2006/main" xmlns:r="http://schemas.openxmlformats.org/officeDocument/2006/relationships" xmlns:p="http://schemas.openxmlformats.org/presentationml/2006/main">
   <p:cSld>
     <p:spTree>
@@ -4010,6 +3969,234 @@
           <a:lstStyle/>
           <a:p>
             <a:r>
+              <a:rPr lang="en-US" altLang="zh-CN" dirty="0"/>
+              <a:t>B:</a:t>
+            </a:r>
+            <a:r>
+              <a:rPr lang="zh-CN" altLang="en-US" dirty="0"/>
+              <a:t>用课堂上听说的人工智能，引入</a:t>
+            </a:r>
+            <a:endParaRPr lang="en-US" altLang="zh-CN" dirty="0"/>
+          </a:p>
+          <a:p>
+            <a:r>
+              <a:rPr lang="en-US" altLang="zh-CN" dirty="0"/>
+              <a:t>O:1.</a:t>
+            </a:r>
+            <a:r>
+              <a:rPr lang="zh-CN" altLang="en-US" dirty="0"/>
+              <a:t>知道什么是大模型</a:t>
+            </a:r>
+            <a:r>
+              <a:rPr lang="en-US" altLang="zh-CN" dirty="0"/>
+              <a:t>2.</a:t>
+            </a:r>
+            <a:r>
+              <a:rPr lang="zh-CN" altLang="en-US" dirty="0"/>
+              <a:t>市面上主流的大模型类型</a:t>
+            </a:r>
+            <a:r>
+              <a:rPr lang="en-US" altLang="zh-CN" dirty="0"/>
+              <a:t>3.</a:t>
+            </a:r>
+            <a:r>
+              <a:rPr lang="zh-CN" altLang="en-US" dirty="0"/>
+              <a:t>知道如何与大模型聊天</a:t>
+            </a:r>
+            <a:endParaRPr lang="en-US" altLang="zh-CN" dirty="0"/>
+          </a:p>
+          <a:p>
+            <a:r>
+              <a:rPr lang="en-US" altLang="zh-CN" dirty="0"/>
+              <a:t>P:</a:t>
+            </a:r>
+            <a:r>
+              <a:rPr lang="zh-CN" altLang="en-US" dirty="0"/>
+              <a:t>有谁用过</a:t>
+            </a:r>
+            <a:r>
+              <a:rPr lang="en-US" altLang="zh-CN" dirty="0" err="1"/>
+              <a:t>chatgpt</a:t>
+            </a:r>
+            <a:r>
+              <a:rPr lang="en-US" altLang="zh-CN" dirty="0"/>
+              <a:t>?</a:t>
+            </a:r>
+          </a:p>
+          <a:p>
+            <a:pPr marL="0" marR="0" lvl="0" indent="0" algn="l" defTabSz="914400" rtl="0" eaLnBrk="1" fontAlgn="auto" latinLnBrk="0" hangingPunct="1">
+              <a:lnSpc>
+                <a:spcPct val="100000"/>
+              </a:lnSpc>
+              <a:spcBef>
+                <a:spcPts val="0"/>
+              </a:spcBef>
+              <a:spcAft>
+                <a:spcPts val="0"/>
+              </a:spcAft>
+              <a:buClrTx/>
+              <a:buSzTx/>
+              <a:buFontTx/>
+              <a:buNone/>
+              <a:tabLst/>
+              <a:defRPr/>
+            </a:pPr>
+            <a:r>
+              <a:rPr lang="en-US" altLang="zh-CN" dirty="0"/>
+              <a:t>P:</a:t>
+            </a:r>
+            <a:r>
+              <a:rPr lang="zh-CN" altLang="en-US" dirty="0"/>
+              <a:t>一起来解决三个问题</a:t>
+            </a:r>
+            <a:endParaRPr lang="en-US" altLang="zh-CN" dirty="0"/>
+          </a:p>
+          <a:p>
+            <a:pPr marL="0" marR="0" lvl="0" indent="0" algn="l" defTabSz="914400" rtl="0" eaLnBrk="1" fontAlgn="auto" latinLnBrk="0" hangingPunct="1">
+              <a:lnSpc>
+                <a:spcPct val="100000"/>
+              </a:lnSpc>
+              <a:spcBef>
+                <a:spcPts val="0"/>
+              </a:spcBef>
+              <a:spcAft>
+                <a:spcPts val="0"/>
+              </a:spcAft>
+              <a:buClrTx/>
+              <a:buSzTx/>
+              <a:buFontTx/>
+              <a:buNone/>
+              <a:tabLst/>
+              <a:defRPr/>
+            </a:pPr>
+            <a:r>
+              <a:rPr lang="en-US" altLang="zh-CN" dirty="0"/>
+              <a:t>P:</a:t>
+            </a:r>
+            <a:r>
+              <a:rPr lang="zh-CN" altLang="en-US" dirty="0"/>
+              <a:t>回答三个问题</a:t>
+            </a:r>
+            <a:endParaRPr lang="en-US" altLang="zh-CN" dirty="0"/>
+          </a:p>
+          <a:p>
+            <a:pPr marL="0" marR="0" lvl="0" indent="0" algn="l" defTabSz="914400" rtl="0" eaLnBrk="1" fontAlgn="auto" latinLnBrk="0" hangingPunct="1">
+              <a:lnSpc>
+                <a:spcPct val="100000"/>
+              </a:lnSpc>
+              <a:spcBef>
+                <a:spcPts val="0"/>
+              </a:spcBef>
+              <a:spcAft>
+                <a:spcPts val="0"/>
+              </a:spcAft>
+              <a:buClrTx/>
+              <a:buSzTx/>
+              <a:buFontTx/>
+              <a:buNone/>
+              <a:tabLst/>
+              <a:defRPr/>
+            </a:pPr>
+            <a:r>
+              <a:rPr lang="en-US" altLang="zh-CN" dirty="0"/>
+              <a:t>S:</a:t>
+            </a:r>
+            <a:r>
+              <a:rPr lang="zh-CN" altLang="en-US" dirty="0"/>
+              <a:t>总结</a:t>
+            </a:r>
+            <a:endParaRPr lang="en-US" altLang="zh-CN" dirty="0"/>
+          </a:p>
+          <a:p>
+            <a:r>
+              <a:rPr lang="en-US" altLang="zh-CN" dirty="0"/>
+              <a:t> </a:t>
+            </a:r>
+            <a:endParaRPr lang="zh-CN" altLang="en-US" dirty="0"/>
+          </a:p>
+        </p:txBody>
+      </p:sp>
+      <p:sp>
+        <p:nvSpPr>
+          <p:cNvPr id="4" name="灯片编号占位符 3"/>
+          <p:cNvSpPr>
+            <a:spLocks noGrp="1"/>
+          </p:cNvSpPr>
+          <p:nvPr>
+            <p:ph type="sldNum" sz="quarter" idx="5"/>
+          </p:nvPr>
+        </p:nvSpPr>
+        <p:spPr/>
+        <p:txBody>
+          <a:bodyPr/>
+          <a:lstStyle/>
+          <a:p>
+            <a:fld id="{5DE12CCA-7540-48DB-8E56-327F4EA06BC9}" type="slidenum">
+              <a:rPr lang="zh-CN" altLang="en-US" smtClean="0"/>
+              <a:t>2</a:t>
+            </a:fld>
+            <a:endParaRPr lang="zh-CN" altLang="en-US"/>
+          </a:p>
+        </p:txBody>
+      </p:sp>
+    </p:spTree>
+    <p:extLst>
+      <p:ext uri="{BB962C8B-B14F-4D97-AF65-F5344CB8AC3E}">
+        <p14:creationId xmlns:p14="http://schemas.microsoft.com/office/powerpoint/2010/main" val="1548051930"/>
+      </p:ext>
+    </p:extLst>
+  </p:cSld>
+  <p:clrMapOvr>
+    <a:masterClrMapping/>
+  </p:clrMapOvr>
+</p:notes>
+</file>
+
+<file path=ppt/notesSlides/notesSlide3.xml><?xml version="1.0" encoding="utf-8"?>
+<p:notes xmlns:a="http://schemas.openxmlformats.org/drawingml/2006/main" xmlns:r="http://schemas.openxmlformats.org/officeDocument/2006/relationships" xmlns:p="http://schemas.openxmlformats.org/presentationml/2006/main">
+  <p:cSld>
+    <p:spTree>
+      <p:nvGrpSpPr>
+        <p:cNvPr id="1" name=""/>
+        <p:cNvGrpSpPr/>
+        <p:nvPr/>
+      </p:nvGrpSpPr>
+      <p:grpSpPr>
+        <a:xfrm>
+          <a:off x="0" y="0"/>
+          <a:ext cx="0" cy="0"/>
+          <a:chOff x="0" y="0"/>
+          <a:chExt cx="0" cy="0"/>
+        </a:xfrm>
+      </p:grpSpPr>
+      <p:sp>
+        <p:nvSpPr>
+          <p:cNvPr id="2" name="幻灯片图像占位符 1"/>
+          <p:cNvSpPr>
+            <a:spLocks noGrp="1" noRot="1" noChangeAspect="1"/>
+          </p:cNvSpPr>
+          <p:nvPr>
+            <p:ph type="sldImg"/>
+          </p:nvPr>
+        </p:nvSpPr>
+        <p:spPr/>
+      </p:sp>
+      <p:sp>
+        <p:nvSpPr>
+          <p:cNvPr id="3" name="备注占位符 2"/>
+          <p:cNvSpPr>
+            <a:spLocks noGrp="1"/>
+          </p:cNvSpPr>
+          <p:nvPr>
+            <p:ph type="body" idx="1"/>
+          </p:nvPr>
+        </p:nvSpPr>
+        <p:spPr/>
+        <p:txBody>
+          <a:bodyPr/>
+          <a:lstStyle/>
+          <a:p>
+            <a:r>
               <a:rPr lang="zh-CN" altLang="en-US" dirty="0"/>
               <a:t>它的参数可以很多，结构可以很复杂，但都是从这个基本的公式来的</a:t>
             </a:r>
@@ -4059,7 +4246,7 @@
 </p:notes>
 </file>
 
-<file path=ppt/notesSlides/notesSlide3.xml><?xml version="1.0" encoding="utf-8"?>
+<file path=ppt/notesSlides/notesSlide4.xml><?xml version="1.0" encoding="utf-8"?>
 <p:notes xmlns:a="http://schemas.openxmlformats.org/drawingml/2006/main" xmlns:r="http://schemas.openxmlformats.org/officeDocument/2006/relationships" xmlns:p="http://schemas.openxmlformats.org/presentationml/2006/main">
   <p:cSld>
     <p:spTree>
@@ -4143,7 +4330,7 @@
 </p:notes>
 </file>
 
-<file path=ppt/notesSlides/notesSlide4.xml><?xml version="1.0" encoding="utf-8"?>
+<file path=ppt/notesSlides/notesSlide5.xml><?xml version="1.0" encoding="utf-8"?>
 <p:notes xmlns:a="http://schemas.openxmlformats.org/drawingml/2006/main" xmlns:r="http://schemas.openxmlformats.org/officeDocument/2006/relationships" xmlns:p="http://schemas.openxmlformats.org/presentationml/2006/main">
   <p:cSld>
     <p:spTree>
@@ -4187,7 +4374,10 @@
           <a:bodyPr/>
           <a:lstStyle/>
           <a:p>
-            <a:endParaRPr lang="zh-CN" altLang="en-US" dirty="0"/>
+            <a:r>
+              <a:rPr lang="zh-CN" altLang="en-US" dirty="0"/>
+              <a:t>大模型怎么运行呢？</a:t>
+            </a:r>
           </a:p>
         </p:txBody>
       </p:sp>
@@ -4217,7 +4407,7 @@
     </p:spTree>
     <p:extLst>
       <p:ext uri="{BB962C8B-B14F-4D97-AF65-F5344CB8AC3E}">
-        <p14:creationId xmlns:p14="http://schemas.microsoft.com/office/powerpoint/2010/main" val="3548634507"/>
+        <p14:creationId xmlns:p14="http://schemas.microsoft.com/office/powerpoint/2010/main" val="1298352602"/>
       </p:ext>
     </p:extLst>
   </p:cSld>
@@ -4227,7 +4417,7 @@
 </p:notes>
 </file>
 
-<file path=ppt/notesSlides/notesSlide5.xml><?xml version="1.0" encoding="utf-8"?>
+<file path=ppt/notesSlides/notesSlide6.xml><?xml version="1.0" encoding="utf-8"?>
 <p:notes xmlns:a="http://schemas.openxmlformats.org/drawingml/2006/main" xmlns:r="http://schemas.openxmlformats.org/officeDocument/2006/relationships" xmlns:p="http://schemas.openxmlformats.org/presentationml/2006/main">
   <p:cSld>
     <p:spTree>
@@ -4301,94 +4491,7 @@
     </p:spTree>
     <p:extLst>
       <p:ext uri="{BB962C8B-B14F-4D97-AF65-F5344CB8AC3E}">
-        <p14:creationId xmlns:p14="http://schemas.microsoft.com/office/powerpoint/2010/main" val="3918042139"/>
-      </p:ext>
-    </p:extLst>
-  </p:cSld>
-  <p:clrMapOvr>
-    <a:masterClrMapping/>
-  </p:clrMapOvr>
-</p:notes>
-</file>
-
-<file path=ppt/notesSlides/notesSlide6.xml><?xml version="1.0" encoding="utf-8"?>
-<p:notes xmlns:a="http://schemas.openxmlformats.org/drawingml/2006/main" xmlns:r="http://schemas.openxmlformats.org/officeDocument/2006/relationships" xmlns:p="http://schemas.openxmlformats.org/presentationml/2006/main">
-  <p:cSld>
-    <p:spTree>
-      <p:nvGrpSpPr>
-        <p:cNvPr id="1" name=""/>
-        <p:cNvGrpSpPr/>
-        <p:nvPr/>
-      </p:nvGrpSpPr>
-      <p:grpSpPr>
-        <a:xfrm>
-          <a:off x="0" y="0"/>
-          <a:ext cx="0" cy="0"/>
-          <a:chOff x="0" y="0"/>
-          <a:chExt cx="0" cy="0"/>
-        </a:xfrm>
-      </p:grpSpPr>
-      <p:sp>
-        <p:nvSpPr>
-          <p:cNvPr id="2" name="幻灯片图像占位符 1"/>
-          <p:cNvSpPr>
-            <a:spLocks noGrp="1" noRot="1" noChangeAspect="1"/>
-          </p:cNvSpPr>
-          <p:nvPr>
-            <p:ph type="sldImg"/>
-          </p:nvPr>
-        </p:nvSpPr>
-        <p:spPr/>
-      </p:sp>
-      <p:sp>
-        <p:nvSpPr>
-          <p:cNvPr id="3" name="备注占位符 2"/>
-          <p:cNvSpPr>
-            <a:spLocks noGrp="1"/>
-          </p:cNvSpPr>
-          <p:nvPr>
-            <p:ph type="body" idx="1"/>
-          </p:nvPr>
-        </p:nvSpPr>
-        <p:spPr/>
-        <p:txBody>
-          <a:bodyPr/>
-          <a:lstStyle/>
-          <a:p>
-            <a:r>
-              <a:rPr lang="zh-CN" altLang="en-US" dirty="0"/>
-              <a:t>大模型怎么运行呢？</a:t>
-            </a:r>
-          </a:p>
-        </p:txBody>
-      </p:sp>
-      <p:sp>
-        <p:nvSpPr>
-          <p:cNvPr id="4" name="灯片编号占位符 3"/>
-          <p:cNvSpPr>
-            <a:spLocks noGrp="1"/>
-          </p:cNvSpPr>
-          <p:nvPr>
-            <p:ph type="sldNum" sz="quarter" idx="5"/>
-          </p:nvPr>
-        </p:nvSpPr>
-        <p:spPr/>
-        <p:txBody>
-          <a:bodyPr/>
-          <a:lstStyle/>
-          <a:p>
-            <a:fld id="{5DE12CCA-7540-48DB-8E56-327F4EA06BC9}" type="slidenum">
-              <a:rPr lang="zh-CN" altLang="en-US" smtClean="0"/>
-              <a:t>7</a:t>
-            </a:fld>
-            <a:endParaRPr lang="zh-CN" altLang="en-US"/>
-          </a:p>
-        </p:txBody>
-      </p:sp>
-    </p:spTree>
-    <p:extLst>
-      <p:ext uri="{BB962C8B-B14F-4D97-AF65-F5344CB8AC3E}">
-        <p14:creationId xmlns:p14="http://schemas.microsoft.com/office/powerpoint/2010/main" val="1298352602"/>
+        <p14:creationId xmlns:p14="http://schemas.microsoft.com/office/powerpoint/2010/main" val="3548634507"/>
       </p:ext>
     </p:extLst>
   </p:cSld>
@@ -4399,209 +4502,6 @@
 </file>
 
 <file path=ppt/notesSlides/notesSlide7.xml><?xml version="1.0" encoding="utf-8"?>
-<p:notes xmlns:a="http://schemas.openxmlformats.org/drawingml/2006/main" xmlns:r="http://schemas.openxmlformats.org/officeDocument/2006/relationships" xmlns:p="http://schemas.openxmlformats.org/presentationml/2006/main">
-  <p:cSld>
-    <p:spTree>
-      <p:nvGrpSpPr>
-        <p:cNvPr id="1" name=""/>
-        <p:cNvGrpSpPr/>
-        <p:nvPr/>
-      </p:nvGrpSpPr>
-      <p:grpSpPr>
-        <a:xfrm>
-          <a:off x="0" y="0"/>
-          <a:ext cx="0" cy="0"/>
-          <a:chOff x="0" y="0"/>
-          <a:chExt cx="0" cy="0"/>
-        </a:xfrm>
-      </p:grpSpPr>
-      <p:sp>
-        <p:nvSpPr>
-          <p:cNvPr id="2" name="幻灯片图像占位符 1"/>
-          <p:cNvSpPr>
-            <a:spLocks noGrp="1" noRot="1" noChangeAspect="1"/>
-          </p:cNvSpPr>
-          <p:nvPr>
-            <p:ph type="sldImg"/>
-          </p:nvPr>
-        </p:nvSpPr>
-        <p:spPr/>
-      </p:sp>
-      <p:sp>
-        <p:nvSpPr>
-          <p:cNvPr id="3" name="备注占位符 2"/>
-          <p:cNvSpPr>
-            <a:spLocks noGrp="1"/>
-          </p:cNvSpPr>
-          <p:nvPr>
-            <p:ph type="body" idx="1"/>
-          </p:nvPr>
-        </p:nvSpPr>
-        <p:spPr/>
-        <p:txBody>
-          <a:bodyPr/>
-          <a:lstStyle/>
-          <a:p>
-            <a:r>
-              <a:rPr lang="zh-CN" altLang="en-US" dirty="0"/>
-              <a:t>掌握三个控制因素</a:t>
-            </a:r>
-          </a:p>
-        </p:txBody>
-      </p:sp>
-      <p:sp>
-        <p:nvSpPr>
-          <p:cNvPr id="4" name="灯片编号占位符 3"/>
-          <p:cNvSpPr>
-            <a:spLocks noGrp="1"/>
-          </p:cNvSpPr>
-          <p:nvPr>
-            <p:ph type="sldNum" sz="quarter" idx="5"/>
-          </p:nvPr>
-        </p:nvSpPr>
-        <p:spPr/>
-        <p:txBody>
-          <a:bodyPr/>
-          <a:lstStyle/>
-          <a:p>
-            <a:fld id="{5DE12CCA-7540-48DB-8E56-327F4EA06BC9}" type="slidenum">
-              <a:rPr lang="zh-CN" altLang="en-US" smtClean="0"/>
-              <a:t>8</a:t>
-            </a:fld>
-            <a:endParaRPr lang="zh-CN" altLang="en-US"/>
-          </a:p>
-        </p:txBody>
-      </p:sp>
-    </p:spTree>
-    <p:extLst>
-      <p:ext uri="{BB962C8B-B14F-4D97-AF65-F5344CB8AC3E}">
-        <p14:creationId xmlns:p14="http://schemas.microsoft.com/office/powerpoint/2010/main" val="1164320017"/>
-      </p:ext>
-    </p:extLst>
-  </p:cSld>
-  <p:clrMapOvr>
-    <a:masterClrMapping/>
-  </p:clrMapOvr>
-</p:notes>
-</file>
-
-<file path=ppt/notesSlides/notesSlide8.xml><?xml version="1.0" encoding="utf-8"?>
-<p:notes xmlns:a="http://schemas.openxmlformats.org/drawingml/2006/main" xmlns:r="http://schemas.openxmlformats.org/officeDocument/2006/relationships" xmlns:p="http://schemas.openxmlformats.org/presentationml/2006/main">
-  <p:cSld>
-    <p:spTree>
-      <p:nvGrpSpPr>
-        <p:cNvPr id="1" name=""/>
-        <p:cNvGrpSpPr/>
-        <p:nvPr/>
-      </p:nvGrpSpPr>
-      <p:grpSpPr>
-        <a:xfrm>
-          <a:off x="0" y="0"/>
-          <a:ext cx="0" cy="0"/>
-          <a:chOff x="0" y="0"/>
-          <a:chExt cx="0" cy="0"/>
-        </a:xfrm>
-      </p:grpSpPr>
-      <p:sp>
-        <p:nvSpPr>
-          <p:cNvPr id="2" name="幻灯片图像占位符 1"/>
-          <p:cNvSpPr>
-            <a:spLocks noGrp="1" noRot="1" noChangeAspect="1"/>
-          </p:cNvSpPr>
-          <p:nvPr>
-            <p:ph type="sldImg"/>
-          </p:nvPr>
-        </p:nvSpPr>
-        <p:spPr/>
-      </p:sp>
-      <p:sp>
-        <p:nvSpPr>
-          <p:cNvPr id="3" name="备注占位符 2"/>
-          <p:cNvSpPr>
-            <a:spLocks noGrp="1"/>
-          </p:cNvSpPr>
-          <p:nvPr>
-            <p:ph type="body" idx="1"/>
-          </p:nvPr>
-        </p:nvSpPr>
-        <p:spPr/>
-        <p:txBody>
-          <a:bodyPr/>
-          <a:lstStyle/>
-          <a:p>
-            <a:r>
-              <a:rPr lang="zh-CN" altLang="en-US" dirty="0"/>
-              <a:t>根据这个</a:t>
-            </a:r>
-            <a:r>
-              <a:rPr lang="en-US" altLang="zh-CN" dirty="0"/>
-              <a:t>x</a:t>
-            </a:r>
-            <a:r>
-              <a:rPr lang="zh-CN" altLang="en-US" dirty="0"/>
-              <a:t>预测下一个词</a:t>
-            </a:r>
-            <a:endParaRPr lang="en-US" altLang="zh-CN" dirty="0"/>
-          </a:p>
-          <a:p>
-            <a:r>
-              <a:rPr lang="zh-CN" altLang="en-US" dirty="0"/>
-              <a:t>你可以这样问，也可以这样问</a:t>
-            </a:r>
-            <a:endParaRPr lang="en-US" altLang="zh-CN" dirty="0"/>
-          </a:p>
-          <a:p>
-            <a:r>
-              <a:rPr lang="zh-CN" altLang="en-US" dirty="0"/>
-              <a:t>让大家说说模型会回答什么</a:t>
-            </a:r>
-            <a:endParaRPr lang="en-US" altLang="zh-CN" dirty="0"/>
-          </a:p>
-          <a:p>
-            <a:r>
-              <a:rPr lang="zh-CN" altLang="en-US" dirty="0"/>
-              <a:t>第二种直接用原始的大模型可能会继续提问</a:t>
-            </a:r>
-          </a:p>
-        </p:txBody>
-      </p:sp>
-      <p:sp>
-        <p:nvSpPr>
-          <p:cNvPr id="4" name="灯片编号占位符 3"/>
-          <p:cNvSpPr>
-            <a:spLocks noGrp="1"/>
-          </p:cNvSpPr>
-          <p:nvPr>
-            <p:ph type="sldNum" sz="quarter" idx="5"/>
-          </p:nvPr>
-        </p:nvSpPr>
-        <p:spPr/>
-        <p:txBody>
-          <a:bodyPr/>
-          <a:lstStyle/>
-          <a:p>
-            <a:fld id="{5DE12CCA-7540-48DB-8E56-327F4EA06BC9}" type="slidenum">
-              <a:rPr lang="zh-CN" altLang="en-US" smtClean="0"/>
-              <a:t>9</a:t>
-            </a:fld>
-            <a:endParaRPr lang="zh-CN" altLang="en-US"/>
-          </a:p>
-        </p:txBody>
-      </p:sp>
-    </p:spTree>
-    <p:extLst>
-      <p:ext uri="{BB962C8B-B14F-4D97-AF65-F5344CB8AC3E}">
-        <p14:creationId xmlns:p14="http://schemas.microsoft.com/office/powerpoint/2010/main" val="1200365367"/>
-      </p:ext>
-    </p:extLst>
-  </p:cSld>
-  <p:clrMapOvr>
-    <a:masterClrMapping/>
-  </p:clrMapOvr>
-</p:notes>
-</file>
-
-<file path=ppt/notesSlides/notesSlide9.xml><?xml version="1.0" encoding="utf-8"?>
 <p:notes xmlns:a="http://schemas.openxmlformats.org/drawingml/2006/main" xmlns:r="http://schemas.openxmlformats.org/officeDocument/2006/relationships" xmlns:p="http://schemas.openxmlformats.org/presentationml/2006/main">
   <p:cSld>
     <p:spTree>
@@ -4666,7 +4566,7 @@
           <a:p>
             <a:fld id="{5DE12CCA-7540-48DB-8E56-327F4EA06BC9}" type="slidenum">
               <a:rPr lang="zh-CN" altLang="en-US" smtClean="0"/>
-              <a:t>10</a:t>
+              <a:t>7</a:t>
             </a:fld>
             <a:endParaRPr lang="zh-CN" altLang="en-US"/>
           </a:p>
@@ -4675,7 +4575,210 @@
     </p:spTree>
     <p:extLst>
       <p:ext uri="{BB962C8B-B14F-4D97-AF65-F5344CB8AC3E}">
-        <p14:creationId xmlns:p14="http://schemas.microsoft.com/office/powerpoint/2010/main" val="1946197831"/>
+        <p14:creationId xmlns:p14="http://schemas.microsoft.com/office/powerpoint/2010/main" val="3918042139"/>
+      </p:ext>
+    </p:extLst>
+  </p:cSld>
+  <p:clrMapOvr>
+    <a:masterClrMapping/>
+  </p:clrMapOvr>
+</p:notes>
+</file>
+
+<file path=ppt/notesSlides/notesSlide8.xml><?xml version="1.0" encoding="utf-8"?>
+<p:notes xmlns:a="http://schemas.openxmlformats.org/drawingml/2006/main" xmlns:r="http://schemas.openxmlformats.org/officeDocument/2006/relationships" xmlns:p="http://schemas.openxmlformats.org/presentationml/2006/main">
+  <p:cSld>
+    <p:spTree>
+      <p:nvGrpSpPr>
+        <p:cNvPr id="1" name=""/>
+        <p:cNvGrpSpPr/>
+        <p:nvPr/>
+      </p:nvGrpSpPr>
+      <p:grpSpPr>
+        <a:xfrm>
+          <a:off x="0" y="0"/>
+          <a:ext cx="0" cy="0"/>
+          <a:chOff x="0" y="0"/>
+          <a:chExt cx="0" cy="0"/>
+        </a:xfrm>
+      </p:grpSpPr>
+      <p:sp>
+        <p:nvSpPr>
+          <p:cNvPr id="2" name="幻灯片图像占位符 1"/>
+          <p:cNvSpPr>
+            <a:spLocks noGrp="1" noRot="1" noChangeAspect="1"/>
+          </p:cNvSpPr>
+          <p:nvPr>
+            <p:ph type="sldImg"/>
+          </p:nvPr>
+        </p:nvSpPr>
+        <p:spPr/>
+      </p:sp>
+      <p:sp>
+        <p:nvSpPr>
+          <p:cNvPr id="3" name="备注占位符 2"/>
+          <p:cNvSpPr>
+            <a:spLocks noGrp="1"/>
+          </p:cNvSpPr>
+          <p:nvPr>
+            <p:ph type="body" idx="1"/>
+          </p:nvPr>
+        </p:nvSpPr>
+        <p:spPr/>
+        <p:txBody>
+          <a:bodyPr/>
+          <a:lstStyle/>
+          <a:p>
+            <a:r>
+              <a:rPr lang="zh-CN" altLang="en-US" dirty="0"/>
+              <a:t>掌握三个控制因素</a:t>
+            </a:r>
+          </a:p>
+        </p:txBody>
+      </p:sp>
+      <p:sp>
+        <p:nvSpPr>
+          <p:cNvPr id="4" name="灯片编号占位符 3"/>
+          <p:cNvSpPr>
+            <a:spLocks noGrp="1"/>
+          </p:cNvSpPr>
+          <p:nvPr>
+            <p:ph type="sldNum" sz="quarter" idx="5"/>
+          </p:nvPr>
+        </p:nvSpPr>
+        <p:spPr/>
+        <p:txBody>
+          <a:bodyPr/>
+          <a:lstStyle/>
+          <a:p>
+            <a:fld id="{5DE12CCA-7540-48DB-8E56-327F4EA06BC9}" type="slidenum">
+              <a:rPr lang="zh-CN" altLang="en-US" smtClean="0"/>
+              <a:t>8</a:t>
+            </a:fld>
+            <a:endParaRPr lang="zh-CN" altLang="en-US"/>
+          </a:p>
+        </p:txBody>
+      </p:sp>
+    </p:spTree>
+    <p:extLst>
+      <p:ext uri="{BB962C8B-B14F-4D97-AF65-F5344CB8AC3E}">
+        <p14:creationId xmlns:p14="http://schemas.microsoft.com/office/powerpoint/2010/main" val="1164320017"/>
+      </p:ext>
+    </p:extLst>
+  </p:cSld>
+  <p:clrMapOvr>
+    <a:masterClrMapping/>
+  </p:clrMapOvr>
+</p:notes>
+</file>
+
+<file path=ppt/notesSlides/notesSlide9.xml><?xml version="1.0" encoding="utf-8"?>
+<p:notes xmlns:a="http://schemas.openxmlformats.org/drawingml/2006/main" xmlns:r="http://schemas.openxmlformats.org/officeDocument/2006/relationships" xmlns:p="http://schemas.openxmlformats.org/presentationml/2006/main">
+  <p:cSld>
+    <p:spTree>
+      <p:nvGrpSpPr>
+        <p:cNvPr id="1" name=""/>
+        <p:cNvGrpSpPr/>
+        <p:nvPr/>
+      </p:nvGrpSpPr>
+      <p:grpSpPr>
+        <a:xfrm>
+          <a:off x="0" y="0"/>
+          <a:ext cx="0" cy="0"/>
+          <a:chOff x="0" y="0"/>
+          <a:chExt cx="0" cy="0"/>
+        </a:xfrm>
+      </p:grpSpPr>
+      <p:sp>
+        <p:nvSpPr>
+          <p:cNvPr id="2" name="幻灯片图像占位符 1"/>
+          <p:cNvSpPr>
+            <a:spLocks noGrp="1" noRot="1" noChangeAspect="1"/>
+          </p:cNvSpPr>
+          <p:nvPr>
+            <p:ph type="sldImg"/>
+          </p:nvPr>
+        </p:nvSpPr>
+        <p:spPr/>
+      </p:sp>
+      <p:sp>
+        <p:nvSpPr>
+          <p:cNvPr id="3" name="备注占位符 2"/>
+          <p:cNvSpPr>
+            <a:spLocks noGrp="1"/>
+          </p:cNvSpPr>
+          <p:nvPr>
+            <p:ph type="body" idx="1"/>
+          </p:nvPr>
+        </p:nvSpPr>
+        <p:spPr/>
+        <p:txBody>
+          <a:bodyPr/>
+          <a:lstStyle/>
+          <a:p>
+            <a:r>
+              <a:rPr lang="zh-CN" altLang="en-US" dirty="0"/>
+              <a:t>根据这个</a:t>
+            </a:r>
+            <a:r>
+              <a:rPr lang="en-US" altLang="zh-CN" dirty="0"/>
+              <a:t>x</a:t>
+            </a:r>
+            <a:r>
+              <a:rPr lang="zh-CN" altLang="en-US" dirty="0"/>
+              <a:t>预测下一个词</a:t>
+            </a:r>
+            <a:endParaRPr lang="en-US" altLang="zh-CN" dirty="0"/>
+          </a:p>
+          <a:p>
+            <a:r>
+              <a:rPr lang="zh-CN" altLang="en-US" dirty="0"/>
+              <a:t>你可以这样问，也可以这样问</a:t>
+            </a:r>
+            <a:endParaRPr lang="en-US" altLang="zh-CN" dirty="0"/>
+          </a:p>
+          <a:p>
+            <a:r>
+              <a:rPr lang="zh-CN" altLang="en-US" dirty="0"/>
+              <a:t>让大家说说模型会回答什么</a:t>
+            </a:r>
+            <a:endParaRPr lang="en-US" altLang="zh-CN" dirty="0"/>
+          </a:p>
+          <a:p>
+            <a:r>
+              <a:rPr lang="zh-CN" altLang="en-US" dirty="0"/>
+              <a:t>第二种直接用原始的大模型可能会继续提问</a:t>
+            </a:r>
+          </a:p>
+        </p:txBody>
+      </p:sp>
+      <p:sp>
+        <p:nvSpPr>
+          <p:cNvPr id="4" name="灯片编号占位符 3"/>
+          <p:cNvSpPr>
+            <a:spLocks noGrp="1"/>
+          </p:cNvSpPr>
+          <p:nvPr>
+            <p:ph type="sldNum" sz="quarter" idx="5"/>
+          </p:nvPr>
+        </p:nvSpPr>
+        <p:spPr/>
+        <p:txBody>
+          <a:bodyPr/>
+          <a:lstStyle/>
+          <a:p>
+            <a:fld id="{5DE12CCA-7540-48DB-8E56-327F4EA06BC9}" type="slidenum">
+              <a:rPr lang="zh-CN" altLang="en-US" smtClean="0"/>
+              <a:t>9</a:t>
+            </a:fld>
+            <a:endParaRPr lang="zh-CN" altLang="en-US"/>
+          </a:p>
+        </p:txBody>
+      </p:sp>
+    </p:spTree>
+    <p:extLst>
+      <p:ext uri="{BB962C8B-B14F-4D97-AF65-F5344CB8AC3E}">
+        <p14:creationId xmlns:p14="http://schemas.microsoft.com/office/powerpoint/2010/main" val="1200365367"/>
       </p:ext>
     </p:extLst>
   </p:cSld>
@@ -4881,7 +4984,7 @@
           <a:p>
             <a:fld id="{760FBDFE-C587-4B4C-A407-44438C67B59E}" type="datetimeFigureOut">
               <a:rPr lang="zh-CN" altLang="en-US" smtClean="0"/>
-              <a:t>2024/3/13</a:t>
+              <a:t>2024/3/14</a:t>
             </a:fld>
             <a:endParaRPr lang="zh-CN" altLang="en-US"/>
           </a:p>
@@ -5324,7 +5427,7 @@
             <a:fld id="{96DFF08F-DC6B-4601-B491-B0F83F6DD2DA}" type="datetimeFigureOut">
               <a:rPr lang="en-US" dirty="0"/>
               <a:pPr/>
-              <a:t>3/13/2024</a:t>
+              <a:t>3/14/2024</a:t>
             </a:fld>
             <a:endParaRPr lang="en-US" dirty="0"/>
           </a:p>
@@ -5801,7 +5904,7 @@
           <a:p>
             <a:r>
               <a:rPr lang="zh-CN" altLang="en-US" dirty="0"/>
-              <a:t>大语言模型简介</a:t>
+              <a:t>大语言模型的简介</a:t>
             </a:r>
           </a:p>
         </p:txBody>
@@ -7019,7 +7122,7 @@
         <p:spPr>
           <a:xfrm>
             <a:off x="571949" y="1826810"/>
-            <a:ext cx="7321235" cy="461665"/>
+            <a:ext cx="9167894" cy="461665"/>
           </a:xfrm>
           <a:prstGeom prst="rect">
             <a:avLst/>
@@ -7058,7 +7161,7 @@
                 <a:ea typeface="黑体" panose="02010609060101010101" pitchFamily="49" charset="-122"/>
                 <a:cs typeface="Times New Roman" panose="02020603050405020304" pitchFamily="18" charset="0"/>
               </a:rPr>
-              <a:t>中</a:t>
+              <a:t>中第一层</a:t>
             </a:r>
             <a:r>
               <a:rPr lang="en-US" altLang="zh-CN" sz="2400" dirty="0">
@@ -7074,7 +7177,26 @@
                 <a:ea typeface="黑体" panose="02010609060101010101" pitchFamily="49" charset="-122"/>
                 <a:cs typeface="Times New Roman" panose="02020603050405020304" pitchFamily="18" charset="0"/>
               </a:rPr>
-              <a:t>的数量是最大上下文长度，模型的脑容量</a:t>
+              <a:t>的数量是</a:t>
+            </a:r>
+            <a:r>
+              <a:rPr lang="zh-CN" altLang="en-US" sz="2400" dirty="0">
+                <a:solidFill>
+                  <a:srgbClr val="00B050"/>
+                </a:solidFill>
+                <a:latin typeface="Times New Roman" panose="02020603050405020304" pitchFamily="18" charset="0"/>
+                <a:ea typeface="黑体" panose="02010609060101010101" pitchFamily="49" charset="-122"/>
+                <a:cs typeface="Times New Roman" panose="02020603050405020304" pitchFamily="18" charset="0"/>
+              </a:rPr>
+              <a:t>最大上下文长度</a:t>
+            </a:r>
+            <a:r>
+              <a:rPr lang="zh-CN" altLang="en-US" sz="2400" dirty="0">
+                <a:latin typeface="Times New Roman" panose="02020603050405020304" pitchFamily="18" charset="0"/>
+                <a:ea typeface="黑体" panose="02010609060101010101" pitchFamily="49" charset="-122"/>
+                <a:cs typeface="Times New Roman" panose="02020603050405020304" pitchFamily="18" charset="0"/>
+              </a:rPr>
+              <a:t>，相当于模型的脑容量</a:t>
             </a:r>
             <a:endParaRPr lang="zh-CN" altLang="en-US" sz="2400" dirty="0">
               <a:latin typeface="Times New Roman" panose="02020603050405020304" pitchFamily="18" charset="0"/>
@@ -7445,7 +7567,7 @@
         <p:spPr>
           <a:xfrm>
             <a:off x="6368954" y="3747245"/>
-            <a:ext cx="2236510" cy="400110"/>
+            <a:ext cx="2323072" cy="400110"/>
           </a:xfrm>
           <a:prstGeom prst="rect">
             <a:avLst/>
@@ -7463,7 +7585,7 @@
                 <a:ea typeface="黑体" panose="02010609060101010101" pitchFamily="49" charset="-122"/>
                 <a:cs typeface="Times New Roman" panose="02020603050405020304" pitchFamily="18" charset="0"/>
               </a:rPr>
-              <a:t>只能记住</a:t>
+              <a:t>只能塞进</a:t>
             </a:r>
             <a:r>
               <a:rPr lang="en-US" altLang="zh-CN" sz="2000" dirty="0">
@@ -9731,61 +9853,66 @@
       </p:grpSpPr>
       <p:sp>
         <p:nvSpPr>
-          <p:cNvPr id="4" name="标题 3">
+          <p:cNvPr id="3" name="文本框 2">
             <a:extLst>
               <a:ext uri="{FF2B5EF4-FFF2-40B4-BE49-F238E27FC236}">
-                <a16:creationId xmlns:a16="http://schemas.microsoft.com/office/drawing/2014/main" id="{D4F9F44A-4FCA-4415-B6E5-C99BC21825C8}"/>
+                <a16:creationId xmlns:a16="http://schemas.microsoft.com/office/drawing/2014/main" id="{7AC48EA4-514B-4D2D-9640-3A0324EAD8B9}"/>
               </a:ext>
             </a:extLst>
           </p:cNvPr>
-          <p:cNvSpPr>
-            <a:spLocks noGrp="1"/>
-          </p:cNvSpPr>
-          <p:nvPr>
-            <p:ph type="ctrTitle"/>
-          </p:nvPr>
+          <p:cNvSpPr txBox="1"/>
+          <p:nvPr/>
         </p:nvSpPr>
-        <p:spPr/>
+        <p:spPr>
+          <a:xfrm>
+            <a:off x="4147390" y="2682240"/>
+            <a:ext cx="3897221" cy="830997"/>
+          </a:xfrm>
+          <a:prstGeom prst="rect">
+            <a:avLst/>
+          </a:prstGeom>
+          <a:noFill/>
+        </p:spPr>
         <p:txBody>
-          <a:bodyPr/>
+          <a:bodyPr wrap="none" rtlCol="0">
+            <a:spAutoFit/>
+          </a:bodyPr>
           <a:lstStyle/>
           <a:p>
             <a:r>
-              <a:rPr lang="zh-CN" altLang="en-US" dirty="0"/>
-              <a:t>大语言模型的训练</a:t>
-            </a:r>
-          </a:p>
-        </p:txBody>
-      </p:sp>
-      <p:sp>
-        <p:nvSpPr>
-          <p:cNvPr id="5" name="副标题 4">
-            <a:extLst>
-              <a:ext uri="{FF2B5EF4-FFF2-40B4-BE49-F238E27FC236}">
-                <a16:creationId xmlns:a16="http://schemas.microsoft.com/office/drawing/2014/main" id="{4C3F4B2A-0054-4854-8F8E-96D81D3E0639}"/>
-              </a:ext>
-            </a:extLst>
-          </p:cNvPr>
-          <p:cNvSpPr>
-            <a:spLocks noGrp="1"/>
-          </p:cNvSpPr>
-          <p:nvPr>
-            <p:ph type="subTitle" idx="1"/>
-          </p:nvPr>
-        </p:nvSpPr>
-        <p:spPr/>
-        <p:txBody>
-          <a:bodyPr/>
-          <a:lstStyle/>
-          <a:p>
-            <a:endParaRPr lang="zh-CN" altLang="en-US"/>
+              <a:rPr lang="zh-CN" altLang="en-US" sz="4800" b="1" dirty="0">
+                <a:ln w="12700">
+                  <a:solidFill>
+                    <a:schemeClr val="accent1"/>
+                  </a:solidFill>
+                  <a:prstDash val="solid"/>
+                </a:ln>
+                <a:pattFill prst="pct50">
+                  <a:fgClr>
+                    <a:schemeClr val="accent1"/>
+                  </a:fgClr>
+                  <a:bgClr>
+                    <a:schemeClr val="accent1">
+                      <a:lumMod val="20000"/>
+                      <a:lumOff val="80000"/>
+                    </a:schemeClr>
+                  </a:bgClr>
+                </a:pattFill>
+                <a:effectLst>
+                  <a:outerShdw dist="38100" dir="2640000" algn="bl" rotWithShape="0">
+                    <a:schemeClr val="accent1"/>
+                  </a:outerShdw>
+                </a:effectLst>
+              </a:rPr>
+              <a:t>请批评指正！</a:t>
+            </a:r>
           </a:p>
         </p:txBody>
       </p:sp>
     </p:spTree>
     <p:extLst>
       <p:ext uri="{BB962C8B-B14F-4D97-AF65-F5344CB8AC3E}">
-        <p14:creationId xmlns:p14="http://schemas.microsoft.com/office/powerpoint/2010/main" val="2321151878"/>
+        <p14:creationId xmlns:p14="http://schemas.microsoft.com/office/powerpoint/2010/main" val="3308605735"/>
       </p:ext>
     </p:extLst>
   </p:cSld>
@@ -9835,6 +9962,89 @@
           <a:p>
             <a:r>
               <a:rPr lang="zh-CN" altLang="en-US" dirty="0"/>
+              <a:t>大语言模型的训练</a:t>
+            </a:r>
+          </a:p>
+        </p:txBody>
+      </p:sp>
+      <p:sp>
+        <p:nvSpPr>
+          <p:cNvPr id="5" name="副标题 4">
+            <a:extLst>
+              <a:ext uri="{FF2B5EF4-FFF2-40B4-BE49-F238E27FC236}">
+                <a16:creationId xmlns:a16="http://schemas.microsoft.com/office/drawing/2014/main" id="{4C3F4B2A-0054-4854-8F8E-96D81D3E0639}"/>
+              </a:ext>
+            </a:extLst>
+          </p:cNvPr>
+          <p:cNvSpPr>
+            <a:spLocks noGrp="1"/>
+          </p:cNvSpPr>
+          <p:nvPr>
+            <p:ph type="subTitle" idx="1"/>
+          </p:nvPr>
+        </p:nvSpPr>
+        <p:spPr/>
+        <p:txBody>
+          <a:bodyPr/>
+          <a:lstStyle/>
+          <a:p>
+            <a:endParaRPr lang="zh-CN" altLang="en-US"/>
+          </a:p>
+        </p:txBody>
+      </p:sp>
+    </p:spTree>
+    <p:extLst>
+      <p:ext uri="{BB962C8B-B14F-4D97-AF65-F5344CB8AC3E}">
+        <p14:creationId xmlns:p14="http://schemas.microsoft.com/office/powerpoint/2010/main" val="2321151878"/>
+      </p:ext>
+    </p:extLst>
+  </p:cSld>
+  <p:clrMapOvr>
+    <a:masterClrMapping/>
+  </p:clrMapOvr>
+</p:sld>
+</file>
+
+<file path=ppt/slides/slide15.xml><?xml version="1.0" encoding="utf-8"?>
+<p:sld xmlns:a="http://schemas.openxmlformats.org/drawingml/2006/main" xmlns:r="http://schemas.openxmlformats.org/officeDocument/2006/relationships" xmlns:p="http://schemas.openxmlformats.org/presentationml/2006/main">
+  <p:cSld>
+    <p:spTree>
+      <p:nvGrpSpPr>
+        <p:cNvPr id="1" name=""/>
+        <p:cNvGrpSpPr/>
+        <p:nvPr/>
+      </p:nvGrpSpPr>
+      <p:grpSpPr>
+        <a:xfrm>
+          <a:off x="0" y="0"/>
+          <a:ext cx="0" cy="0"/>
+          <a:chOff x="0" y="0"/>
+          <a:chExt cx="0" cy="0"/>
+        </a:xfrm>
+      </p:grpSpPr>
+      <p:sp>
+        <p:nvSpPr>
+          <p:cNvPr id="4" name="标题 3">
+            <a:extLst>
+              <a:ext uri="{FF2B5EF4-FFF2-40B4-BE49-F238E27FC236}">
+                <a16:creationId xmlns:a16="http://schemas.microsoft.com/office/drawing/2014/main" id="{D4F9F44A-4FCA-4415-B6E5-C99BC21825C8}"/>
+              </a:ext>
+            </a:extLst>
+          </p:cNvPr>
+          <p:cNvSpPr>
+            <a:spLocks noGrp="1"/>
+          </p:cNvSpPr>
+          <p:nvPr>
+            <p:ph type="ctrTitle"/>
+          </p:nvPr>
+        </p:nvSpPr>
+        <p:spPr/>
+        <p:txBody>
+          <a:bodyPr/>
+          <a:lstStyle/>
+          <a:p>
+            <a:r>
+              <a:rPr lang="zh-CN" altLang="en-US" dirty="0"/>
               <a:t>大语言模型的应用</a:t>
             </a:r>
           </a:p>
@@ -9878,7 +10088,7 @@
 </p:sld>
 </file>
 
-<file path=ppt/slides/slide15.xml><?xml version="1.0" encoding="utf-8"?>
+<file path=ppt/slides/slide16.xml><?xml version="1.0" encoding="utf-8"?>
 <p:sld xmlns:a="http://schemas.openxmlformats.org/drawingml/2006/main" xmlns:r="http://schemas.openxmlformats.org/officeDocument/2006/relationships" xmlns:p="http://schemas.openxmlformats.org/presentationml/2006/main" show="0">
   <p:cSld>
     <p:spTree>
@@ -10545,7 +10755,7 @@
 </p:sld>
 </file>
 
-<file path=ppt/slides/slide16.xml><?xml version="1.0" encoding="utf-8"?>
+<file path=ppt/slides/slide17.xml><?xml version="1.0" encoding="utf-8"?>
 <p:sld xmlns:a="http://schemas.openxmlformats.org/drawingml/2006/main" xmlns:r="http://schemas.openxmlformats.org/officeDocument/2006/relationships" xmlns:p="http://schemas.openxmlformats.org/presentationml/2006/main" show="0">
   <p:cSld>
     <p:spTree>
@@ -11240,7 +11450,7 @@
 </p:sld>
 </file>
 
-<file path=ppt/slides/slide17.xml><?xml version="1.0" encoding="utf-8"?>
+<file path=ppt/slides/slide18.xml><?xml version="1.0" encoding="utf-8"?>
 <p:sld xmlns:a="http://schemas.openxmlformats.org/drawingml/2006/main" xmlns:r="http://schemas.openxmlformats.org/officeDocument/2006/relationships" xmlns:p="http://schemas.openxmlformats.org/presentationml/2006/main" show="0">
   <p:cSld>
     <p:spTree>
@@ -16184,2054 +16394,7 @@
                 <a:latin typeface="黑体" panose="02010609060101010101" pitchFamily="49" charset="-122"/>
                 <a:ea typeface="黑体" panose="02010609060101010101" pitchFamily="49" charset="-122"/>
               </a:rPr>
-              <a:t>    </a:t>
-            </a:r>
-            <a:r>
-              <a:rPr lang="zh-CN" altLang="en-US" sz="2400" dirty="0">
-                <a:solidFill>
-                  <a:srgbClr val="7030A0"/>
-                </a:solidFill>
-                <a:latin typeface="黑体" panose="02010609060101010101" pitchFamily="49" charset="-122"/>
-                <a:ea typeface="黑体" panose="02010609060101010101" pitchFamily="49" charset="-122"/>
-              </a:rPr>
-              <a:t>大</a:t>
-            </a:r>
-            <a:r>
-              <a:rPr lang="zh-CN" altLang="en-US" sz="2400" dirty="0">
-                <a:solidFill>
-                  <a:srgbClr val="00B050"/>
-                </a:solidFill>
-                <a:latin typeface="黑体" panose="02010609060101010101" pitchFamily="49" charset="-122"/>
-                <a:ea typeface="黑体" panose="02010609060101010101" pitchFamily="49" charset="-122"/>
-              </a:rPr>
-              <a:t>语言</a:t>
-            </a:r>
-            <a:r>
-              <a:rPr lang="zh-CN" altLang="en-US" sz="2400" dirty="0">
-                <a:latin typeface="黑体" panose="02010609060101010101" pitchFamily="49" charset="-122"/>
-                <a:ea typeface="黑体" panose="02010609060101010101" pitchFamily="49" charset="-122"/>
-              </a:rPr>
-              <a:t>模型（</a:t>
-            </a:r>
-            <a:r>
-              <a:rPr lang="en-US" altLang="zh-CN" sz="2400" dirty="0">
-                <a:latin typeface="Times New Roman" panose="02020603050405020304" pitchFamily="18" charset="0"/>
-                <a:ea typeface="黑体" panose="02010609060101010101" pitchFamily="49" charset="-122"/>
-                <a:cs typeface="Times New Roman" panose="02020603050405020304" pitchFamily="18" charset="0"/>
-              </a:rPr>
-              <a:t>LLM</a:t>
-            </a:r>
-            <a:r>
-              <a:rPr lang="zh-CN" altLang="en-US" sz="2400" dirty="0">
-                <a:latin typeface="黑体" panose="02010609060101010101" pitchFamily="49" charset="-122"/>
-                <a:ea typeface="黑体" panose="02010609060101010101" pitchFamily="49" charset="-122"/>
-              </a:rPr>
-              <a:t>）是基于海量文本数据训练的</a:t>
-            </a:r>
-            <a:r>
-              <a:rPr lang="zh-CN" altLang="en-US" sz="2400" dirty="0">
-                <a:solidFill>
-                  <a:srgbClr val="00B0F0"/>
-                </a:solidFill>
-                <a:latin typeface="黑体" panose="02010609060101010101" pitchFamily="49" charset="-122"/>
-                <a:ea typeface="黑体" panose="02010609060101010101" pitchFamily="49" charset="-122"/>
-              </a:rPr>
-              <a:t>神经网络模型</a:t>
-            </a:r>
-            <a:r>
-              <a:rPr lang="zh-CN" altLang="en-US" sz="2400" dirty="0">
-                <a:latin typeface="黑体" panose="02010609060101010101" pitchFamily="49" charset="-122"/>
-                <a:ea typeface="黑体" panose="02010609060101010101" pitchFamily="49" charset="-122"/>
-              </a:rPr>
-              <a:t>。它不仅能够生成自然语言文本，还能够深入理解文本含义，处理各种自然语言任务，如文本摘要、问答、翻译等。</a:t>
-            </a:r>
-          </a:p>
-        </p:txBody>
-      </p:sp>
-      <p:cxnSp>
-        <p:nvCxnSpPr>
-          <p:cNvPr id="4" name="直接箭头连接符 3">
-            <a:extLst>
-              <a:ext uri="{FF2B5EF4-FFF2-40B4-BE49-F238E27FC236}">
-                <a16:creationId xmlns:a16="http://schemas.microsoft.com/office/drawing/2014/main" id="{BE1E6C6D-B843-41EC-8542-7E32BEFDC965}"/>
-              </a:ext>
-            </a:extLst>
-          </p:cNvPr>
-          <p:cNvCxnSpPr>
-            <a:cxnSpLocks/>
-            <a:endCxn id="34" idx="0"/>
-          </p:cNvCxnSpPr>
-          <p:nvPr/>
-        </p:nvCxnSpPr>
-        <p:spPr>
-          <a:xfrm>
-            <a:off x="8182874" y="1569213"/>
-            <a:ext cx="0" cy="1340317"/>
-          </a:xfrm>
-          <a:prstGeom prst="straightConnector1">
-            <a:avLst/>
-          </a:prstGeom>
-          <a:ln w="28575">
-            <a:solidFill>
-              <a:srgbClr val="00B0F0"/>
-            </a:solidFill>
-            <a:prstDash val="sysDot"/>
-            <a:tailEnd type="triangle"/>
-          </a:ln>
-        </p:spPr>
-        <p:style>
-          <a:lnRef idx="1">
-            <a:schemeClr val="accent1"/>
-          </a:lnRef>
-          <a:fillRef idx="0">
-            <a:schemeClr val="accent1"/>
-          </a:fillRef>
-          <a:effectRef idx="0">
-            <a:schemeClr val="accent1"/>
-          </a:effectRef>
-          <a:fontRef idx="minor">
-            <a:schemeClr val="tx1"/>
-          </a:fontRef>
-        </p:style>
-      </p:cxnSp>
-      <p:cxnSp>
-        <p:nvCxnSpPr>
-          <p:cNvPr id="15" name="直接箭头连接符 14">
-            <a:extLst>
-              <a:ext uri="{FF2B5EF4-FFF2-40B4-BE49-F238E27FC236}">
-                <a16:creationId xmlns:a16="http://schemas.microsoft.com/office/drawing/2014/main" id="{85AA6C6D-3015-4EC7-8FDF-AC03049A0E1E}"/>
-              </a:ext>
-            </a:extLst>
-          </p:cNvPr>
-          <p:cNvCxnSpPr>
-            <a:cxnSpLocks/>
-            <a:endCxn id="16" idx="0"/>
-          </p:cNvCxnSpPr>
-          <p:nvPr/>
-        </p:nvCxnSpPr>
-        <p:spPr>
-          <a:xfrm>
-            <a:off x="1264595" y="1569213"/>
-            <a:ext cx="0" cy="1340317"/>
-          </a:xfrm>
-          <a:prstGeom prst="straightConnector1">
-            <a:avLst/>
-          </a:prstGeom>
-          <a:ln w="28575">
-            <a:solidFill>
-              <a:srgbClr val="7030A0"/>
-            </a:solidFill>
-            <a:prstDash val="sysDot"/>
-            <a:tailEnd type="triangle"/>
-          </a:ln>
-        </p:spPr>
-        <p:style>
-          <a:lnRef idx="1">
-            <a:schemeClr val="accent1"/>
-          </a:lnRef>
-          <a:fillRef idx="0">
-            <a:schemeClr val="accent1"/>
-          </a:fillRef>
-          <a:effectRef idx="0">
-            <a:schemeClr val="accent1"/>
-          </a:effectRef>
-          <a:fontRef idx="minor">
-            <a:schemeClr val="tx1"/>
-          </a:fontRef>
-        </p:style>
-      </p:cxnSp>
-      <p:sp>
-        <p:nvSpPr>
-          <p:cNvPr id="16" name="矩形 15">
-            <a:extLst>
-              <a:ext uri="{FF2B5EF4-FFF2-40B4-BE49-F238E27FC236}">
-                <a16:creationId xmlns:a16="http://schemas.microsoft.com/office/drawing/2014/main" id="{639A993F-CB98-400C-8565-9E2707797E2B}"/>
-              </a:ext>
-            </a:extLst>
-          </p:cNvPr>
-          <p:cNvSpPr/>
-          <p:nvPr/>
-        </p:nvSpPr>
-        <p:spPr>
-          <a:xfrm>
-            <a:off x="556709" y="2909530"/>
-            <a:ext cx="1415772" cy="461665"/>
-          </a:xfrm>
-          <a:prstGeom prst="rect">
-            <a:avLst/>
-          </a:prstGeom>
-        </p:spPr>
-        <p:txBody>
-          <a:bodyPr wrap="none">
-            <a:spAutoFit/>
-          </a:bodyPr>
-          <a:lstStyle/>
-          <a:p>
-            <a:r>
-              <a:rPr lang="zh-CN" altLang="en-US" sz="2400" dirty="0">
-                <a:latin typeface="黑体" panose="02010609060101010101" pitchFamily="49" charset="-122"/>
-                <a:ea typeface="黑体" panose="02010609060101010101" pitchFamily="49" charset="-122"/>
-              </a:rPr>
-              <a:t>上亿参数</a:t>
-            </a:r>
-            <a:endParaRPr lang="zh-CN" altLang="en-US" sz="2400" dirty="0"/>
-          </a:p>
-        </p:txBody>
-      </p:sp>
-      <p:cxnSp>
-        <p:nvCxnSpPr>
-          <p:cNvPr id="17" name="直接箭头连接符 16">
-            <a:extLst>
-              <a:ext uri="{FF2B5EF4-FFF2-40B4-BE49-F238E27FC236}">
-                <a16:creationId xmlns:a16="http://schemas.microsoft.com/office/drawing/2014/main" id="{B5EA85CB-1A95-4158-863C-3C5CFA3CD64A}"/>
-              </a:ext>
-            </a:extLst>
-          </p:cNvPr>
-          <p:cNvCxnSpPr>
-            <a:cxnSpLocks/>
-            <a:endCxn id="20" idx="1"/>
-          </p:cNvCxnSpPr>
-          <p:nvPr/>
-        </p:nvCxnSpPr>
-        <p:spPr>
-          <a:xfrm>
-            <a:off x="1812461" y="1569213"/>
-            <a:ext cx="2615533" cy="3036718"/>
-          </a:xfrm>
-          <a:prstGeom prst="straightConnector1">
-            <a:avLst/>
-          </a:prstGeom>
-          <a:ln w="28575">
-            <a:solidFill>
-              <a:srgbClr val="00B050"/>
-            </a:solidFill>
-            <a:prstDash val="sysDot"/>
-            <a:tailEnd type="triangle"/>
-          </a:ln>
-        </p:spPr>
-        <p:style>
-          <a:lnRef idx="1">
-            <a:schemeClr val="accent1"/>
-          </a:lnRef>
-          <a:fillRef idx="0">
-            <a:schemeClr val="accent1"/>
-          </a:fillRef>
-          <a:effectRef idx="0">
-            <a:schemeClr val="accent1"/>
-          </a:effectRef>
-          <a:fontRef idx="minor">
-            <a:schemeClr val="tx1"/>
-          </a:fontRef>
-        </p:style>
-      </p:cxnSp>
-      <p:sp>
-        <p:nvSpPr>
-          <p:cNvPr id="20" name="矩形 19">
-            <a:extLst>
-              <a:ext uri="{FF2B5EF4-FFF2-40B4-BE49-F238E27FC236}">
-                <a16:creationId xmlns:a16="http://schemas.microsoft.com/office/drawing/2014/main" id="{5149D0BE-5144-4853-914A-2C60CAC64ED0}"/>
-              </a:ext>
-            </a:extLst>
-          </p:cNvPr>
-          <p:cNvSpPr/>
-          <p:nvPr/>
-        </p:nvSpPr>
-        <p:spPr>
-          <a:xfrm>
-            <a:off x="4427994" y="4375098"/>
-            <a:ext cx="2031325" cy="461665"/>
-          </a:xfrm>
-          <a:prstGeom prst="rect">
-            <a:avLst/>
-          </a:prstGeom>
-        </p:spPr>
-        <p:txBody>
-          <a:bodyPr wrap="none">
-            <a:spAutoFit/>
-          </a:bodyPr>
-          <a:lstStyle/>
-          <a:p>
-            <a:r>
-              <a:rPr lang="zh-CN" altLang="en-US" sz="2400" dirty="0">
-                <a:latin typeface="黑体" panose="02010609060101010101" pitchFamily="49" charset="-122"/>
-                <a:ea typeface="黑体" panose="02010609060101010101" pitchFamily="49" charset="-122"/>
-              </a:rPr>
-              <a:t>预测下一个词</a:t>
-            </a:r>
-            <a:endParaRPr lang="zh-CN" altLang="en-US" sz="2400" dirty="0"/>
-          </a:p>
-        </p:txBody>
-      </p:sp>
-      <p:cxnSp>
-        <p:nvCxnSpPr>
-          <p:cNvPr id="21" name="直接箭头连接符 20">
-            <a:extLst>
-              <a:ext uri="{FF2B5EF4-FFF2-40B4-BE49-F238E27FC236}">
-                <a16:creationId xmlns:a16="http://schemas.microsoft.com/office/drawing/2014/main" id="{357ACBB7-0E28-43AB-AD60-C8611717E7A2}"/>
-              </a:ext>
-            </a:extLst>
-          </p:cNvPr>
-          <p:cNvCxnSpPr>
-            <a:cxnSpLocks/>
-            <a:stCxn id="34" idx="2"/>
-            <a:endCxn id="20" idx="3"/>
-          </p:cNvCxnSpPr>
-          <p:nvPr/>
-        </p:nvCxnSpPr>
-        <p:spPr>
-          <a:xfrm flipH="1">
-            <a:off x="6459319" y="3371195"/>
-            <a:ext cx="1723555" cy="1234736"/>
-          </a:xfrm>
-          <a:prstGeom prst="straightConnector1">
-            <a:avLst/>
-          </a:prstGeom>
-          <a:ln w="28575">
-            <a:solidFill>
-              <a:srgbClr val="00B0F0"/>
-            </a:solidFill>
-            <a:prstDash val="sysDot"/>
-            <a:tailEnd type="triangle"/>
-          </a:ln>
-        </p:spPr>
-        <p:style>
-          <a:lnRef idx="1">
-            <a:schemeClr val="accent1"/>
-          </a:lnRef>
-          <a:fillRef idx="0">
-            <a:schemeClr val="accent1"/>
-          </a:fillRef>
-          <a:effectRef idx="0">
-            <a:schemeClr val="accent1"/>
-          </a:effectRef>
-          <a:fontRef idx="minor">
-            <a:schemeClr val="tx1"/>
-          </a:fontRef>
-        </p:style>
-      </p:cxnSp>
-      <p:cxnSp>
-        <p:nvCxnSpPr>
-          <p:cNvPr id="24" name="直接箭头连接符 23">
-            <a:extLst>
-              <a:ext uri="{FF2B5EF4-FFF2-40B4-BE49-F238E27FC236}">
-                <a16:creationId xmlns:a16="http://schemas.microsoft.com/office/drawing/2014/main" id="{210978B0-73E4-48C3-9AAD-82E128EA990F}"/>
-              </a:ext>
-            </a:extLst>
-          </p:cNvPr>
-          <p:cNvCxnSpPr>
-            <a:cxnSpLocks/>
-            <a:stCxn id="34" idx="1"/>
-            <a:endCxn id="16" idx="3"/>
-          </p:cNvCxnSpPr>
-          <p:nvPr/>
-        </p:nvCxnSpPr>
-        <p:spPr>
-          <a:xfrm flipH="1">
-            <a:off x="1972481" y="3140363"/>
-            <a:ext cx="5723721" cy="0"/>
-          </a:xfrm>
-          <a:prstGeom prst="straightConnector1">
-            <a:avLst/>
-          </a:prstGeom>
-          <a:ln w="28575">
-            <a:solidFill>
-              <a:srgbClr val="00B0F0"/>
-            </a:solidFill>
-            <a:prstDash val="sysDot"/>
-            <a:tailEnd type="triangle"/>
-          </a:ln>
-        </p:spPr>
-        <p:style>
-          <a:lnRef idx="1">
-            <a:schemeClr val="accent1"/>
-          </a:lnRef>
-          <a:fillRef idx="0">
-            <a:schemeClr val="accent1"/>
-          </a:fillRef>
-          <a:effectRef idx="0">
-            <a:schemeClr val="accent1"/>
-          </a:effectRef>
-          <a:fontRef idx="minor">
-            <a:schemeClr val="tx1"/>
-          </a:fontRef>
-        </p:style>
-      </p:cxnSp>
-      <p:sp>
-        <p:nvSpPr>
-          <p:cNvPr id="34" name="矩形 33">
-            <a:extLst>
-              <a:ext uri="{FF2B5EF4-FFF2-40B4-BE49-F238E27FC236}">
-                <a16:creationId xmlns:a16="http://schemas.microsoft.com/office/drawing/2014/main" id="{7DFAB3E8-0B0D-473A-9D0B-7EBB9A3C09BB}"/>
-              </a:ext>
-            </a:extLst>
-          </p:cNvPr>
-          <p:cNvSpPr/>
-          <p:nvPr/>
-        </p:nvSpPr>
-        <p:spPr>
-          <a:xfrm>
-            <a:off x="7696202" y="2909530"/>
-            <a:ext cx="973343" cy="461665"/>
-          </a:xfrm>
-          <a:prstGeom prst="rect">
-            <a:avLst/>
-          </a:prstGeom>
-        </p:spPr>
-        <p:txBody>
-          <a:bodyPr wrap="none">
-            <a:spAutoFit/>
-          </a:bodyPr>
-          <a:lstStyle/>
-          <a:p>
-            <a:r>
-              <a:rPr lang="en-US" altLang="zh-CN" sz="2400" dirty="0">
-                <a:latin typeface="Times New Roman" panose="02020603050405020304" pitchFamily="18" charset="0"/>
-                <a:ea typeface="黑体" panose="02010609060101010101" pitchFamily="49" charset="-122"/>
-                <a:cs typeface="Times New Roman" panose="02020603050405020304" pitchFamily="18" charset="0"/>
-              </a:rPr>
-              <a:t>y = </a:t>
-            </a:r>
-            <a:r>
-              <a:rPr lang="en-US" altLang="zh-CN" sz="2400" dirty="0" err="1">
-                <a:latin typeface="Times New Roman" panose="02020603050405020304" pitchFamily="18" charset="0"/>
-                <a:ea typeface="黑体" panose="02010609060101010101" pitchFamily="49" charset="-122"/>
-                <a:cs typeface="Times New Roman" panose="02020603050405020304" pitchFamily="18" charset="0"/>
-              </a:rPr>
-              <a:t>kx</a:t>
-            </a:r>
-            <a:endParaRPr lang="zh-CN" altLang="en-US" sz="2400" dirty="0">
-              <a:latin typeface="Times New Roman" panose="02020603050405020304" pitchFamily="18" charset="0"/>
-              <a:cs typeface="Times New Roman" panose="02020603050405020304" pitchFamily="18" charset="0"/>
-            </a:endParaRPr>
-          </a:p>
-        </p:txBody>
-      </p:sp>
-      <p:cxnSp>
-        <p:nvCxnSpPr>
-          <p:cNvPr id="12" name="直接箭头连接符 11">
-            <a:extLst>
-              <a:ext uri="{FF2B5EF4-FFF2-40B4-BE49-F238E27FC236}">
-                <a16:creationId xmlns:a16="http://schemas.microsoft.com/office/drawing/2014/main" id="{B3960F6D-F135-4B88-86F9-88B9ECC105B2}"/>
-              </a:ext>
-            </a:extLst>
-          </p:cNvPr>
-          <p:cNvCxnSpPr>
-            <a:cxnSpLocks/>
-            <a:stCxn id="16" idx="2"/>
-            <a:endCxn id="22" idx="0"/>
-          </p:cNvCxnSpPr>
-          <p:nvPr/>
-        </p:nvCxnSpPr>
-        <p:spPr>
-          <a:xfrm>
-            <a:off x="1264595" y="3371195"/>
-            <a:ext cx="0" cy="1003903"/>
-          </a:xfrm>
-          <a:prstGeom prst="straightConnector1">
-            <a:avLst/>
-          </a:prstGeom>
-          <a:ln w="28575">
-            <a:solidFill>
-              <a:srgbClr val="7030A0"/>
-            </a:solidFill>
-            <a:prstDash val="sysDot"/>
-            <a:tailEnd type="triangle"/>
-          </a:ln>
-        </p:spPr>
-        <p:style>
-          <a:lnRef idx="1">
-            <a:schemeClr val="accent1"/>
-          </a:lnRef>
-          <a:fillRef idx="0">
-            <a:schemeClr val="accent1"/>
-          </a:fillRef>
-          <a:effectRef idx="0">
-            <a:schemeClr val="accent1"/>
-          </a:effectRef>
-          <a:fontRef idx="minor">
-            <a:schemeClr val="tx1"/>
-          </a:fontRef>
-        </p:style>
-      </p:cxnSp>
-      <p:sp>
-        <p:nvSpPr>
-          <p:cNvPr id="22" name="矩形 21">
-            <a:extLst>
-              <a:ext uri="{FF2B5EF4-FFF2-40B4-BE49-F238E27FC236}">
-                <a16:creationId xmlns:a16="http://schemas.microsoft.com/office/drawing/2014/main" id="{75EC3F93-7358-42FF-9FD5-ED908B2106EA}"/>
-              </a:ext>
-            </a:extLst>
-          </p:cNvPr>
-          <p:cNvSpPr/>
-          <p:nvPr/>
-        </p:nvSpPr>
-        <p:spPr>
-          <a:xfrm>
-            <a:off x="556709" y="4375098"/>
-            <a:ext cx="1415772" cy="461665"/>
-          </a:xfrm>
-          <a:prstGeom prst="rect">
-            <a:avLst/>
-          </a:prstGeom>
-        </p:spPr>
-        <p:txBody>
-          <a:bodyPr wrap="none">
-            <a:spAutoFit/>
-          </a:bodyPr>
-          <a:lstStyle/>
-          <a:p>
-            <a:r>
-              <a:rPr lang="zh-CN" altLang="en-US" sz="2400" dirty="0">
-                <a:latin typeface="黑体" panose="02010609060101010101" pitchFamily="49" charset="-122"/>
-                <a:ea typeface="黑体" panose="02010609060101010101" pitchFamily="49" charset="-122"/>
-              </a:rPr>
-              <a:t>智能涌现</a:t>
-            </a:r>
-            <a:endParaRPr lang="zh-CN" altLang="en-US" sz="2400" dirty="0"/>
-          </a:p>
-        </p:txBody>
-      </p:sp>
-      <p:cxnSp>
-        <p:nvCxnSpPr>
-          <p:cNvPr id="23" name="直接箭头连接符 22">
-            <a:extLst>
-              <a:ext uri="{FF2B5EF4-FFF2-40B4-BE49-F238E27FC236}">
-                <a16:creationId xmlns:a16="http://schemas.microsoft.com/office/drawing/2014/main" id="{BC0CFF2C-DDD4-42F6-A6EC-379409B3E028}"/>
-              </a:ext>
-            </a:extLst>
-          </p:cNvPr>
-          <p:cNvCxnSpPr>
-            <a:cxnSpLocks/>
-            <a:stCxn id="22" idx="3"/>
-            <a:endCxn id="20" idx="1"/>
-          </p:cNvCxnSpPr>
-          <p:nvPr/>
-        </p:nvCxnSpPr>
-        <p:spPr>
-          <a:xfrm>
-            <a:off x="1972481" y="4605931"/>
-            <a:ext cx="2455513" cy="0"/>
-          </a:xfrm>
-          <a:prstGeom prst="straightConnector1">
-            <a:avLst/>
-          </a:prstGeom>
-          <a:ln w="28575">
-            <a:solidFill>
-              <a:srgbClr val="7030A0"/>
-            </a:solidFill>
-            <a:prstDash val="sysDot"/>
-            <a:tailEnd type="triangle"/>
-          </a:ln>
-        </p:spPr>
-        <p:style>
-          <a:lnRef idx="1">
-            <a:schemeClr val="accent1"/>
-          </a:lnRef>
-          <a:fillRef idx="0">
-            <a:schemeClr val="accent1"/>
-          </a:fillRef>
-          <a:effectRef idx="0">
-            <a:schemeClr val="accent1"/>
-          </a:effectRef>
-          <a:fontRef idx="minor">
-            <a:schemeClr val="tx1"/>
-          </a:fontRef>
-        </p:style>
-      </p:cxnSp>
-    </p:spTree>
-    <p:extLst>
-      <p:ext uri="{BB962C8B-B14F-4D97-AF65-F5344CB8AC3E}">
-        <p14:creationId xmlns:p14="http://schemas.microsoft.com/office/powerpoint/2010/main" val="3714375054"/>
-      </p:ext>
-    </p:extLst>
-  </p:cSld>
-  <p:clrMapOvr>
-    <a:masterClrMapping/>
-  </p:clrMapOvr>
-  <mc:AlternateContent xmlns:mc="http://schemas.openxmlformats.org/markup-compatibility/2006" xmlns:p14="http://schemas.microsoft.com/office/powerpoint/2010/main">
-    <mc:Choice Requires="p14">
-      <p:transition spd="med" p14:dur="700">
-        <p:fade/>
-      </p:transition>
-    </mc:Choice>
-    <mc:Fallback xmlns="">
-      <p:transition spd="med">
-        <p:fade/>
-      </p:transition>
-    </mc:Fallback>
-  </mc:AlternateContent>
-  <p:timing>
-    <p:tnLst>
-      <p:par>
-        <p:cTn id="1" dur="indefinite" restart="never" nodeType="tmRoot">
-          <p:childTnLst>
-            <p:seq concurrent="1" nextAc="seek">
-              <p:cTn id="2" dur="indefinite" nodeType="mainSeq">
-                <p:childTnLst>
-                  <p:par>
-                    <p:cTn id="3" fill="hold">
-                      <p:stCondLst>
-                        <p:cond delay="indefinite"/>
-                      </p:stCondLst>
-                      <p:childTnLst>
-                        <p:par>
-                          <p:cTn id="4" fill="hold">
-                            <p:stCondLst>
-                              <p:cond delay="0"/>
-                            </p:stCondLst>
-                            <p:childTnLst>
-                              <p:par>
-                                <p:cTn id="5" presetID="22" presetClass="entr" presetSubtype="1" fill="hold" nodeType="clickEffect">
-                                  <p:stCondLst>
-                                    <p:cond delay="0"/>
-                                  </p:stCondLst>
-                                  <p:childTnLst>
-                                    <p:set>
-                                      <p:cBhvr>
-                                        <p:cTn id="6" dur="1" fill="hold">
-                                          <p:stCondLst>
-                                            <p:cond delay="0"/>
-                                          </p:stCondLst>
-                                        </p:cTn>
-                                        <p:tgtEl>
-                                          <p:spTgt spid="15"/>
-                                        </p:tgtEl>
-                                        <p:attrNameLst>
-                                          <p:attrName>style.visibility</p:attrName>
-                                        </p:attrNameLst>
-                                      </p:cBhvr>
-                                      <p:to>
-                                        <p:strVal val="visible"/>
-                                      </p:to>
-                                    </p:set>
-                                    <p:animEffect transition="in" filter="wipe(up)">
-                                      <p:cBhvr>
-                                        <p:cTn id="7" dur="500"/>
-                                        <p:tgtEl>
-                                          <p:spTgt spid="15"/>
-                                        </p:tgtEl>
-                                      </p:cBhvr>
-                                    </p:animEffect>
-                                  </p:childTnLst>
-                                </p:cTn>
-                              </p:par>
-                              <p:par>
-                                <p:cTn id="8" presetID="22" presetClass="entr" presetSubtype="2" fill="hold" nodeType="withEffect">
-                                  <p:stCondLst>
-                                    <p:cond delay="0"/>
-                                  </p:stCondLst>
-                                  <p:childTnLst>
-                                    <p:set>
-                                      <p:cBhvr>
-                                        <p:cTn id="9" dur="1" fill="hold">
-                                          <p:stCondLst>
-                                            <p:cond delay="0"/>
-                                          </p:stCondLst>
-                                        </p:cTn>
-                                        <p:tgtEl>
-                                          <p:spTgt spid="24"/>
-                                        </p:tgtEl>
-                                        <p:attrNameLst>
-                                          <p:attrName>style.visibility</p:attrName>
-                                        </p:attrNameLst>
-                                      </p:cBhvr>
-                                      <p:to>
-                                        <p:strVal val="visible"/>
-                                      </p:to>
-                                    </p:set>
-                                    <p:animEffect transition="in" filter="wipe(right)">
-                                      <p:cBhvr>
-                                        <p:cTn id="10" dur="500"/>
-                                        <p:tgtEl>
-                                          <p:spTgt spid="24"/>
-                                        </p:tgtEl>
-                                      </p:cBhvr>
-                                    </p:animEffect>
-                                  </p:childTnLst>
-                                </p:cTn>
-                              </p:par>
-                            </p:childTnLst>
-                          </p:cTn>
-                        </p:par>
-                        <p:par>
-                          <p:cTn id="11" fill="hold">
-                            <p:stCondLst>
-                              <p:cond delay="500"/>
-                            </p:stCondLst>
-                            <p:childTnLst>
-                              <p:par>
-                                <p:cTn id="12" presetID="10" presetClass="entr" presetSubtype="0" fill="hold" grpId="0" nodeType="afterEffect">
-                                  <p:stCondLst>
-                                    <p:cond delay="0"/>
-                                  </p:stCondLst>
-                                  <p:childTnLst>
-                                    <p:set>
-                                      <p:cBhvr>
-                                        <p:cTn id="13" dur="1" fill="hold">
-                                          <p:stCondLst>
-                                            <p:cond delay="0"/>
-                                          </p:stCondLst>
-                                        </p:cTn>
-                                        <p:tgtEl>
-                                          <p:spTgt spid="16"/>
-                                        </p:tgtEl>
-                                        <p:attrNameLst>
-                                          <p:attrName>style.visibility</p:attrName>
-                                        </p:attrNameLst>
-                                      </p:cBhvr>
-                                      <p:to>
-                                        <p:strVal val="visible"/>
-                                      </p:to>
-                                    </p:set>
-                                    <p:animEffect transition="in" filter="fade">
-                                      <p:cBhvr>
-                                        <p:cTn id="14" dur="500"/>
-                                        <p:tgtEl>
-                                          <p:spTgt spid="16"/>
-                                        </p:tgtEl>
-                                      </p:cBhvr>
-                                    </p:animEffect>
-                                  </p:childTnLst>
-                                </p:cTn>
-                              </p:par>
-                            </p:childTnLst>
-                          </p:cTn>
-                        </p:par>
-                      </p:childTnLst>
-                    </p:cTn>
-                  </p:par>
-                  <p:par>
-                    <p:cTn id="15" fill="hold">
-                      <p:stCondLst>
-                        <p:cond delay="indefinite"/>
-                      </p:stCondLst>
-                      <p:childTnLst>
-                        <p:par>
-                          <p:cTn id="16" fill="hold">
-                            <p:stCondLst>
-                              <p:cond delay="0"/>
-                            </p:stCondLst>
-                            <p:childTnLst>
-                              <p:par>
-                                <p:cTn id="17" presetID="22" presetClass="entr" presetSubtype="1" fill="hold" nodeType="clickEffect">
-                                  <p:stCondLst>
-                                    <p:cond delay="0"/>
-                                  </p:stCondLst>
-                                  <p:childTnLst>
-                                    <p:set>
-                                      <p:cBhvr>
-                                        <p:cTn id="18" dur="1" fill="hold">
-                                          <p:stCondLst>
-                                            <p:cond delay="0"/>
-                                          </p:stCondLst>
-                                        </p:cTn>
-                                        <p:tgtEl>
-                                          <p:spTgt spid="12"/>
-                                        </p:tgtEl>
-                                        <p:attrNameLst>
-                                          <p:attrName>style.visibility</p:attrName>
-                                        </p:attrNameLst>
-                                      </p:cBhvr>
-                                      <p:to>
-                                        <p:strVal val="visible"/>
-                                      </p:to>
-                                    </p:set>
-                                    <p:animEffect transition="in" filter="wipe(up)">
-                                      <p:cBhvr>
-                                        <p:cTn id="19" dur="500"/>
-                                        <p:tgtEl>
-                                          <p:spTgt spid="12"/>
-                                        </p:tgtEl>
-                                      </p:cBhvr>
-                                    </p:animEffect>
-                                  </p:childTnLst>
-                                </p:cTn>
-                              </p:par>
-                            </p:childTnLst>
-                          </p:cTn>
-                        </p:par>
-                        <p:par>
-                          <p:cTn id="20" fill="hold">
-                            <p:stCondLst>
-                              <p:cond delay="500"/>
-                            </p:stCondLst>
-                            <p:childTnLst>
-                              <p:par>
-                                <p:cTn id="21" presetID="10" presetClass="entr" presetSubtype="0" fill="hold" grpId="0" nodeType="afterEffect">
-                                  <p:stCondLst>
-                                    <p:cond delay="0"/>
-                                  </p:stCondLst>
-                                  <p:childTnLst>
-                                    <p:set>
-                                      <p:cBhvr>
-                                        <p:cTn id="22" dur="1" fill="hold">
-                                          <p:stCondLst>
-                                            <p:cond delay="0"/>
-                                          </p:stCondLst>
-                                        </p:cTn>
-                                        <p:tgtEl>
-                                          <p:spTgt spid="22"/>
-                                        </p:tgtEl>
-                                        <p:attrNameLst>
-                                          <p:attrName>style.visibility</p:attrName>
-                                        </p:attrNameLst>
-                                      </p:cBhvr>
-                                      <p:to>
-                                        <p:strVal val="visible"/>
-                                      </p:to>
-                                    </p:set>
-                                    <p:animEffect transition="in" filter="fade">
-                                      <p:cBhvr>
-                                        <p:cTn id="23" dur="500"/>
-                                        <p:tgtEl>
-                                          <p:spTgt spid="22"/>
-                                        </p:tgtEl>
-                                      </p:cBhvr>
-                                    </p:animEffect>
-                                  </p:childTnLst>
-                                </p:cTn>
-                              </p:par>
-                            </p:childTnLst>
-                          </p:cTn>
-                        </p:par>
-                      </p:childTnLst>
-                    </p:cTn>
-                  </p:par>
-                  <p:par>
-                    <p:cTn id="24" fill="hold">
-                      <p:stCondLst>
-                        <p:cond delay="indefinite"/>
-                      </p:stCondLst>
-                      <p:childTnLst>
-                        <p:par>
-                          <p:cTn id="25" fill="hold">
-                            <p:stCondLst>
-                              <p:cond delay="0"/>
-                            </p:stCondLst>
-                            <p:childTnLst>
-                              <p:par>
-                                <p:cTn id="26" presetID="22" presetClass="entr" presetSubtype="1" fill="hold" nodeType="clickEffect">
-                                  <p:stCondLst>
-                                    <p:cond delay="0"/>
-                                  </p:stCondLst>
-                                  <p:childTnLst>
-                                    <p:set>
-                                      <p:cBhvr>
-                                        <p:cTn id="27" dur="1" fill="hold">
-                                          <p:stCondLst>
-                                            <p:cond delay="0"/>
-                                          </p:stCondLst>
-                                        </p:cTn>
-                                        <p:tgtEl>
-                                          <p:spTgt spid="23"/>
-                                        </p:tgtEl>
-                                        <p:attrNameLst>
-                                          <p:attrName>style.visibility</p:attrName>
-                                        </p:attrNameLst>
-                                      </p:cBhvr>
-                                      <p:to>
-                                        <p:strVal val="visible"/>
-                                      </p:to>
-                                    </p:set>
-                                    <p:animEffect transition="in" filter="wipe(up)">
-                                      <p:cBhvr>
-                                        <p:cTn id="28" dur="500"/>
-                                        <p:tgtEl>
-                                          <p:spTgt spid="23"/>
-                                        </p:tgtEl>
-                                      </p:cBhvr>
-                                    </p:animEffect>
-                                  </p:childTnLst>
-                                </p:cTn>
-                              </p:par>
-                            </p:childTnLst>
-                          </p:cTn>
-                        </p:par>
-                      </p:childTnLst>
-                    </p:cTn>
-                  </p:par>
-                </p:childTnLst>
-              </p:cTn>
-              <p:prevCondLst>
-                <p:cond evt="onPrev" delay="0">
-                  <p:tgtEl>
-                    <p:sldTgt/>
-                  </p:tgtEl>
-                </p:cond>
-              </p:prevCondLst>
-              <p:nextCondLst>
-                <p:cond evt="onNext" delay="0">
-                  <p:tgtEl>
-                    <p:sldTgt/>
-                  </p:tgtEl>
-                </p:cond>
-              </p:nextCondLst>
-            </p:seq>
-          </p:childTnLst>
-        </p:cTn>
-      </p:par>
-    </p:tnLst>
-    <p:bldLst>
-      <p:bldP spid="16" grpId="0"/>
-      <p:bldP spid="22" grpId="0"/>
-    </p:bldLst>
-  </p:timing>
-</p:sld>
-</file>
-
-<file path=ppt/slides/slide6.xml><?xml version="1.0" encoding="utf-8"?>
-<p:sld xmlns:a="http://schemas.openxmlformats.org/drawingml/2006/main" xmlns:r="http://schemas.openxmlformats.org/officeDocument/2006/relationships" xmlns:p="http://schemas.openxmlformats.org/presentationml/2006/main">
-  <p:cSld>
-    <p:spTree>
-      <p:nvGrpSpPr>
-        <p:cNvPr id="1" name=""/>
-        <p:cNvGrpSpPr/>
-        <p:nvPr/>
-      </p:nvGrpSpPr>
-      <p:grpSpPr>
-        <a:xfrm>
-          <a:off x="0" y="0"/>
-          <a:ext cx="0" cy="0"/>
-          <a:chOff x="0" y="0"/>
-          <a:chExt cx="0" cy="0"/>
-        </a:xfrm>
-      </p:grpSpPr>
-      <p:sp>
-        <p:nvSpPr>
-          <p:cNvPr id="8" name="标题 7">
-            <a:extLst>
-              <a:ext uri="{FF2B5EF4-FFF2-40B4-BE49-F238E27FC236}">
-                <a16:creationId xmlns:a16="http://schemas.microsoft.com/office/drawing/2014/main" id="{FB87FE74-671C-4E37-9D37-34C6D508DA40}"/>
-              </a:ext>
-            </a:extLst>
-          </p:cNvPr>
-          <p:cNvSpPr>
-            <a:spLocks noGrp="1"/>
-          </p:cNvSpPr>
-          <p:nvPr>
-            <p:ph type="title"/>
-          </p:nvPr>
-        </p:nvSpPr>
-        <p:spPr/>
-        <p:txBody>
-          <a:bodyPr>
-            <a:normAutofit fontScale="90000"/>
-          </a:bodyPr>
-          <a:lstStyle/>
-          <a:p>
-            <a:r>
-              <a:rPr lang="zh-CN" altLang="en-US" dirty="0"/>
-              <a:t>一、大语言模型是什么？</a:t>
-            </a:r>
-          </a:p>
-        </p:txBody>
-      </p:sp>
-      <p:sp>
-        <p:nvSpPr>
-          <p:cNvPr id="2" name="矩形 1">
-            <a:extLst>
-              <a:ext uri="{FF2B5EF4-FFF2-40B4-BE49-F238E27FC236}">
-                <a16:creationId xmlns:a16="http://schemas.microsoft.com/office/drawing/2014/main" id="{0BBE71F1-A749-4940-A2C1-79FCA89C0398}"/>
-              </a:ext>
-            </a:extLst>
-          </p:cNvPr>
-          <p:cNvSpPr/>
-          <p:nvPr/>
-        </p:nvSpPr>
-        <p:spPr>
-          <a:xfrm>
-            <a:off x="396689" y="1144816"/>
-            <a:ext cx="11216185" cy="1200329"/>
-          </a:xfrm>
-          <a:prstGeom prst="rect">
-            <a:avLst/>
-          </a:prstGeom>
-        </p:spPr>
-        <p:txBody>
-          <a:bodyPr wrap="square">
-            <a:spAutoFit/>
-          </a:bodyPr>
-          <a:lstStyle/>
-          <a:p>
-            <a:r>
-              <a:rPr lang="zh-CN" altLang="en-US" sz="2400" dirty="0">
-                <a:latin typeface="黑体" panose="02010609060101010101" pitchFamily="49" charset="-122"/>
-                <a:ea typeface="黑体" panose="02010609060101010101" pitchFamily="49" charset="-122"/>
-              </a:rPr>
-              <a:t>    </a:t>
-            </a:r>
-            <a:r>
-              <a:rPr lang="zh-CN" altLang="en-US" sz="2400" dirty="0">
-                <a:solidFill>
-                  <a:srgbClr val="7030A0"/>
-                </a:solidFill>
-                <a:latin typeface="黑体" panose="02010609060101010101" pitchFamily="49" charset="-122"/>
-                <a:ea typeface="黑体" panose="02010609060101010101" pitchFamily="49" charset="-122"/>
-              </a:rPr>
-              <a:t>大</a:t>
-            </a:r>
-            <a:r>
-              <a:rPr lang="zh-CN" altLang="en-US" sz="2400" dirty="0">
-                <a:solidFill>
-                  <a:srgbClr val="00B050"/>
-                </a:solidFill>
-                <a:latin typeface="黑体" panose="02010609060101010101" pitchFamily="49" charset="-122"/>
-                <a:ea typeface="黑体" panose="02010609060101010101" pitchFamily="49" charset="-122"/>
-              </a:rPr>
-              <a:t>语言</a:t>
-            </a:r>
-            <a:r>
-              <a:rPr lang="zh-CN" altLang="en-US" sz="2400" dirty="0">
-                <a:latin typeface="黑体" panose="02010609060101010101" pitchFamily="49" charset="-122"/>
-                <a:ea typeface="黑体" panose="02010609060101010101" pitchFamily="49" charset="-122"/>
-              </a:rPr>
-              <a:t>模型（</a:t>
-            </a:r>
-            <a:r>
-              <a:rPr lang="en-US" altLang="zh-CN" sz="2400" dirty="0">
-                <a:latin typeface="Times New Roman" panose="02020603050405020304" pitchFamily="18" charset="0"/>
-                <a:ea typeface="黑体" panose="02010609060101010101" pitchFamily="49" charset="-122"/>
-                <a:cs typeface="Times New Roman" panose="02020603050405020304" pitchFamily="18" charset="0"/>
-              </a:rPr>
-              <a:t>LLM</a:t>
-            </a:r>
-            <a:r>
-              <a:rPr lang="zh-CN" altLang="en-US" sz="2400" dirty="0">
-                <a:latin typeface="黑体" panose="02010609060101010101" pitchFamily="49" charset="-122"/>
-                <a:ea typeface="黑体" panose="02010609060101010101" pitchFamily="49" charset="-122"/>
-              </a:rPr>
-              <a:t>）是基于海量文本数据训练的</a:t>
-            </a:r>
-            <a:r>
-              <a:rPr lang="zh-CN" altLang="en-US" sz="2400" dirty="0">
-                <a:solidFill>
-                  <a:srgbClr val="00B0F0"/>
-                </a:solidFill>
-                <a:latin typeface="黑体" panose="02010609060101010101" pitchFamily="49" charset="-122"/>
-                <a:ea typeface="黑体" panose="02010609060101010101" pitchFamily="49" charset="-122"/>
-              </a:rPr>
-              <a:t>神经网络模型</a:t>
-            </a:r>
-            <a:r>
-              <a:rPr lang="zh-CN" altLang="en-US" sz="2400" dirty="0">
-                <a:latin typeface="黑体" panose="02010609060101010101" pitchFamily="49" charset="-122"/>
-                <a:ea typeface="黑体" panose="02010609060101010101" pitchFamily="49" charset="-122"/>
-              </a:rPr>
-              <a:t>。它不仅能够生成自然语言文本，还能够深入理解文本含义，处理各种自然语言任务，如文本摘要、问答、翻译等。</a:t>
-            </a:r>
-          </a:p>
-        </p:txBody>
-      </p:sp>
-      <p:cxnSp>
-        <p:nvCxnSpPr>
-          <p:cNvPr id="4" name="直接箭头连接符 3">
-            <a:extLst>
-              <a:ext uri="{FF2B5EF4-FFF2-40B4-BE49-F238E27FC236}">
-                <a16:creationId xmlns:a16="http://schemas.microsoft.com/office/drawing/2014/main" id="{BE1E6C6D-B843-41EC-8542-7E32BEFDC965}"/>
-              </a:ext>
-            </a:extLst>
-          </p:cNvPr>
-          <p:cNvCxnSpPr>
-            <a:cxnSpLocks/>
-            <a:endCxn id="34" idx="0"/>
-          </p:cNvCxnSpPr>
-          <p:nvPr/>
-        </p:nvCxnSpPr>
-        <p:spPr>
-          <a:xfrm>
-            <a:off x="8182874" y="1569213"/>
-            <a:ext cx="0" cy="1340317"/>
-          </a:xfrm>
-          <a:prstGeom prst="straightConnector1">
-            <a:avLst/>
-          </a:prstGeom>
-          <a:ln w="28575">
-            <a:solidFill>
-              <a:srgbClr val="00B0F0"/>
-            </a:solidFill>
-            <a:prstDash val="sysDot"/>
-            <a:tailEnd type="triangle"/>
-          </a:ln>
-        </p:spPr>
-        <p:style>
-          <a:lnRef idx="1">
-            <a:schemeClr val="accent1"/>
-          </a:lnRef>
-          <a:fillRef idx="0">
-            <a:schemeClr val="accent1"/>
-          </a:fillRef>
-          <a:effectRef idx="0">
-            <a:schemeClr val="accent1"/>
-          </a:effectRef>
-          <a:fontRef idx="minor">
-            <a:schemeClr val="tx1"/>
-          </a:fontRef>
-        </p:style>
-      </p:cxnSp>
-      <p:cxnSp>
-        <p:nvCxnSpPr>
-          <p:cNvPr id="15" name="直接箭头连接符 14">
-            <a:extLst>
-              <a:ext uri="{FF2B5EF4-FFF2-40B4-BE49-F238E27FC236}">
-                <a16:creationId xmlns:a16="http://schemas.microsoft.com/office/drawing/2014/main" id="{85AA6C6D-3015-4EC7-8FDF-AC03049A0E1E}"/>
-              </a:ext>
-            </a:extLst>
-          </p:cNvPr>
-          <p:cNvCxnSpPr>
-            <a:cxnSpLocks/>
-            <a:endCxn id="16" idx="0"/>
-          </p:cNvCxnSpPr>
-          <p:nvPr/>
-        </p:nvCxnSpPr>
-        <p:spPr>
-          <a:xfrm>
-            <a:off x="1264595" y="1569213"/>
-            <a:ext cx="0" cy="1340317"/>
-          </a:xfrm>
-          <a:prstGeom prst="straightConnector1">
-            <a:avLst/>
-          </a:prstGeom>
-          <a:ln w="28575">
-            <a:solidFill>
-              <a:srgbClr val="7030A0"/>
-            </a:solidFill>
-            <a:prstDash val="sysDot"/>
-            <a:tailEnd type="triangle"/>
-          </a:ln>
-        </p:spPr>
-        <p:style>
-          <a:lnRef idx="1">
-            <a:schemeClr val="accent1"/>
-          </a:lnRef>
-          <a:fillRef idx="0">
-            <a:schemeClr val="accent1"/>
-          </a:fillRef>
-          <a:effectRef idx="0">
-            <a:schemeClr val="accent1"/>
-          </a:effectRef>
-          <a:fontRef idx="minor">
-            <a:schemeClr val="tx1"/>
-          </a:fontRef>
-        </p:style>
-      </p:cxnSp>
-      <p:sp>
-        <p:nvSpPr>
-          <p:cNvPr id="16" name="矩形 15">
-            <a:extLst>
-              <a:ext uri="{FF2B5EF4-FFF2-40B4-BE49-F238E27FC236}">
-                <a16:creationId xmlns:a16="http://schemas.microsoft.com/office/drawing/2014/main" id="{639A993F-CB98-400C-8565-9E2707797E2B}"/>
-              </a:ext>
-            </a:extLst>
-          </p:cNvPr>
-          <p:cNvSpPr/>
-          <p:nvPr/>
-        </p:nvSpPr>
-        <p:spPr>
-          <a:xfrm>
-            <a:off x="556709" y="2909530"/>
-            <a:ext cx="1415772" cy="461665"/>
-          </a:xfrm>
-          <a:prstGeom prst="rect">
-            <a:avLst/>
-          </a:prstGeom>
-        </p:spPr>
-        <p:txBody>
-          <a:bodyPr wrap="none">
-            <a:spAutoFit/>
-          </a:bodyPr>
-          <a:lstStyle/>
-          <a:p>
-            <a:r>
-              <a:rPr lang="zh-CN" altLang="en-US" sz="2400" dirty="0">
-                <a:latin typeface="黑体" panose="02010609060101010101" pitchFamily="49" charset="-122"/>
-                <a:ea typeface="黑体" panose="02010609060101010101" pitchFamily="49" charset="-122"/>
-              </a:rPr>
-              <a:t>上亿参数</a:t>
-            </a:r>
-            <a:endParaRPr lang="zh-CN" altLang="en-US" sz="2400" dirty="0"/>
-          </a:p>
-        </p:txBody>
-      </p:sp>
-      <p:cxnSp>
-        <p:nvCxnSpPr>
-          <p:cNvPr id="17" name="直接箭头连接符 16">
-            <a:extLst>
-              <a:ext uri="{FF2B5EF4-FFF2-40B4-BE49-F238E27FC236}">
-                <a16:creationId xmlns:a16="http://schemas.microsoft.com/office/drawing/2014/main" id="{B5EA85CB-1A95-4158-863C-3C5CFA3CD64A}"/>
-              </a:ext>
-            </a:extLst>
-          </p:cNvPr>
-          <p:cNvCxnSpPr>
-            <a:cxnSpLocks/>
-            <a:endCxn id="20" idx="1"/>
-          </p:cNvCxnSpPr>
-          <p:nvPr/>
-        </p:nvCxnSpPr>
-        <p:spPr>
-          <a:xfrm>
-            <a:off x="1812461" y="1569213"/>
-            <a:ext cx="2615533" cy="3036718"/>
-          </a:xfrm>
-          <a:prstGeom prst="straightConnector1">
-            <a:avLst/>
-          </a:prstGeom>
-          <a:ln w="28575">
-            <a:solidFill>
-              <a:srgbClr val="00B050"/>
-            </a:solidFill>
-            <a:prstDash val="sysDot"/>
-            <a:tailEnd type="triangle"/>
-          </a:ln>
-        </p:spPr>
-        <p:style>
-          <a:lnRef idx="1">
-            <a:schemeClr val="accent1"/>
-          </a:lnRef>
-          <a:fillRef idx="0">
-            <a:schemeClr val="accent1"/>
-          </a:fillRef>
-          <a:effectRef idx="0">
-            <a:schemeClr val="accent1"/>
-          </a:effectRef>
-          <a:fontRef idx="minor">
-            <a:schemeClr val="tx1"/>
-          </a:fontRef>
-        </p:style>
-      </p:cxnSp>
-      <p:sp>
-        <p:nvSpPr>
-          <p:cNvPr id="20" name="矩形 19">
-            <a:extLst>
-              <a:ext uri="{FF2B5EF4-FFF2-40B4-BE49-F238E27FC236}">
-                <a16:creationId xmlns:a16="http://schemas.microsoft.com/office/drawing/2014/main" id="{5149D0BE-5144-4853-914A-2C60CAC64ED0}"/>
-              </a:ext>
-            </a:extLst>
-          </p:cNvPr>
-          <p:cNvSpPr/>
-          <p:nvPr/>
-        </p:nvSpPr>
-        <p:spPr>
-          <a:xfrm>
-            <a:off x="4427994" y="4375098"/>
-            <a:ext cx="2954655" cy="461665"/>
-          </a:xfrm>
-          <a:prstGeom prst="rect">
-            <a:avLst/>
-          </a:prstGeom>
-        </p:spPr>
-        <p:txBody>
-          <a:bodyPr wrap="none">
-            <a:spAutoFit/>
-          </a:bodyPr>
-          <a:lstStyle/>
-          <a:p>
-            <a:r>
-              <a:rPr lang="zh-CN" altLang="en-US" sz="2400" dirty="0">
-                <a:latin typeface="黑体" panose="02010609060101010101" pitchFamily="49" charset="-122"/>
-                <a:ea typeface="黑体" panose="02010609060101010101" pitchFamily="49" charset="-122"/>
-              </a:rPr>
-              <a:t>更好的预测下一个词</a:t>
-            </a:r>
-            <a:endParaRPr lang="zh-CN" altLang="en-US" sz="2400" dirty="0"/>
-          </a:p>
-        </p:txBody>
-      </p:sp>
-      <p:cxnSp>
-        <p:nvCxnSpPr>
-          <p:cNvPr id="21" name="直接箭头连接符 20">
-            <a:extLst>
-              <a:ext uri="{FF2B5EF4-FFF2-40B4-BE49-F238E27FC236}">
-                <a16:creationId xmlns:a16="http://schemas.microsoft.com/office/drawing/2014/main" id="{357ACBB7-0E28-43AB-AD60-C8611717E7A2}"/>
-              </a:ext>
-            </a:extLst>
-          </p:cNvPr>
-          <p:cNvCxnSpPr>
-            <a:cxnSpLocks/>
-            <a:stCxn id="34" idx="2"/>
-            <a:endCxn id="20" idx="3"/>
-          </p:cNvCxnSpPr>
-          <p:nvPr/>
-        </p:nvCxnSpPr>
-        <p:spPr>
-          <a:xfrm flipH="1">
-            <a:off x="7382649" y="3371195"/>
-            <a:ext cx="800225" cy="1234736"/>
-          </a:xfrm>
-          <a:prstGeom prst="straightConnector1">
-            <a:avLst/>
-          </a:prstGeom>
-          <a:ln w="28575">
-            <a:solidFill>
-              <a:srgbClr val="00B0F0"/>
-            </a:solidFill>
-            <a:prstDash val="sysDot"/>
-            <a:tailEnd type="triangle"/>
-          </a:ln>
-        </p:spPr>
-        <p:style>
-          <a:lnRef idx="1">
-            <a:schemeClr val="accent1"/>
-          </a:lnRef>
-          <a:fillRef idx="0">
-            <a:schemeClr val="accent1"/>
-          </a:fillRef>
-          <a:effectRef idx="0">
-            <a:schemeClr val="accent1"/>
-          </a:effectRef>
-          <a:fontRef idx="minor">
-            <a:schemeClr val="tx1"/>
-          </a:fontRef>
-        </p:style>
-      </p:cxnSp>
-      <p:cxnSp>
-        <p:nvCxnSpPr>
-          <p:cNvPr id="24" name="直接箭头连接符 23">
-            <a:extLst>
-              <a:ext uri="{FF2B5EF4-FFF2-40B4-BE49-F238E27FC236}">
-                <a16:creationId xmlns:a16="http://schemas.microsoft.com/office/drawing/2014/main" id="{210978B0-73E4-48C3-9AAD-82E128EA990F}"/>
-              </a:ext>
-            </a:extLst>
-          </p:cNvPr>
-          <p:cNvCxnSpPr>
-            <a:cxnSpLocks/>
-            <a:stCxn id="34" idx="1"/>
-            <a:endCxn id="16" idx="3"/>
-          </p:cNvCxnSpPr>
-          <p:nvPr/>
-        </p:nvCxnSpPr>
-        <p:spPr>
-          <a:xfrm flipH="1">
-            <a:off x="1972481" y="3140363"/>
-            <a:ext cx="5723721" cy="0"/>
-          </a:xfrm>
-          <a:prstGeom prst="straightConnector1">
-            <a:avLst/>
-          </a:prstGeom>
-          <a:ln w="28575">
-            <a:solidFill>
-              <a:srgbClr val="00B0F0"/>
-            </a:solidFill>
-            <a:prstDash val="sysDot"/>
-            <a:tailEnd type="triangle"/>
-          </a:ln>
-        </p:spPr>
-        <p:style>
-          <a:lnRef idx="1">
-            <a:schemeClr val="accent1"/>
-          </a:lnRef>
-          <a:fillRef idx="0">
-            <a:schemeClr val="accent1"/>
-          </a:fillRef>
-          <a:effectRef idx="0">
-            <a:schemeClr val="accent1"/>
-          </a:effectRef>
-          <a:fontRef idx="minor">
-            <a:schemeClr val="tx1"/>
-          </a:fontRef>
-        </p:style>
-      </p:cxnSp>
-      <p:sp>
-        <p:nvSpPr>
-          <p:cNvPr id="34" name="矩形 33">
-            <a:extLst>
-              <a:ext uri="{FF2B5EF4-FFF2-40B4-BE49-F238E27FC236}">
-                <a16:creationId xmlns:a16="http://schemas.microsoft.com/office/drawing/2014/main" id="{7DFAB3E8-0B0D-473A-9D0B-7EBB9A3C09BB}"/>
-              </a:ext>
-            </a:extLst>
-          </p:cNvPr>
-          <p:cNvSpPr/>
-          <p:nvPr/>
-        </p:nvSpPr>
-        <p:spPr>
-          <a:xfrm>
-            <a:off x="7696202" y="2909530"/>
-            <a:ext cx="973343" cy="461665"/>
-          </a:xfrm>
-          <a:prstGeom prst="rect">
-            <a:avLst/>
-          </a:prstGeom>
-        </p:spPr>
-        <p:txBody>
-          <a:bodyPr wrap="none">
-            <a:spAutoFit/>
-          </a:bodyPr>
-          <a:lstStyle/>
-          <a:p>
-            <a:r>
-              <a:rPr lang="en-US" altLang="zh-CN" sz="2400" dirty="0">
-                <a:latin typeface="Times New Roman" panose="02020603050405020304" pitchFamily="18" charset="0"/>
-                <a:ea typeface="黑体" panose="02010609060101010101" pitchFamily="49" charset="-122"/>
-                <a:cs typeface="Times New Roman" panose="02020603050405020304" pitchFamily="18" charset="0"/>
-              </a:rPr>
-              <a:t>y = </a:t>
-            </a:r>
-            <a:r>
-              <a:rPr lang="en-US" altLang="zh-CN" sz="2400" dirty="0" err="1">
-                <a:latin typeface="Times New Roman" panose="02020603050405020304" pitchFamily="18" charset="0"/>
-                <a:ea typeface="黑体" panose="02010609060101010101" pitchFamily="49" charset="-122"/>
-                <a:cs typeface="Times New Roman" panose="02020603050405020304" pitchFamily="18" charset="0"/>
-              </a:rPr>
-              <a:t>kx</a:t>
-            </a:r>
-            <a:endParaRPr lang="zh-CN" altLang="en-US" sz="2400" dirty="0">
-              <a:latin typeface="Times New Roman" panose="02020603050405020304" pitchFamily="18" charset="0"/>
-              <a:cs typeface="Times New Roman" panose="02020603050405020304" pitchFamily="18" charset="0"/>
-            </a:endParaRPr>
-          </a:p>
-        </p:txBody>
-      </p:sp>
-      <p:cxnSp>
-        <p:nvCxnSpPr>
-          <p:cNvPr id="12" name="直接箭头连接符 11">
-            <a:extLst>
-              <a:ext uri="{FF2B5EF4-FFF2-40B4-BE49-F238E27FC236}">
-                <a16:creationId xmlns:a16="http://schemas.microsoft.com/office/drawing/2014/main" id="{B3960F6D-F135-4B88-86F9-88B9ECC105B2}"/>
-              </a:ext>
-            </a:extLst>
-          </p:cNvPr>
-          <p:cNvCxnSpPr>
-            <a:cxnSpLocks/>
-            <a:stCxn id="16" idx="2"/>
-            <a:endCxn id="22" idx="0"/>
-          </p:cNvCxnSpPr>
-          <p:nvPr/>
-        </p:nvCxnSpPr>
-        <p:spPr>
-          <a:xfrm>
-            <a:off x="1264595" y="3371195"/>
-            <a:ext cx="0" cy="1003903"/>
-          </a:xfrm>
-          <a:prstGeom prst="straightConnector1">
-            <a:avLst/>
-          </a:prstGeom>
-          <a:ln w="28575">
-            <a:solidFill>
-              <a:srgbClr val="7030A0"/>
-            </a:solidFill>
-            <a:prstDash val="sysDot"/>
-            <a:tailEnd type="triangle"/>
-          </a:ln>
-        </p:spPr>
-        <p:style>
-          <a:lnRef idx="1">
-            <a:schemeClr val="accent1"/>
-          </a:lnRef>
-          <a:fillRef idx="0">
-            <a:schemeClr val="accent1"/>
-          </a:fillRef>
-          <a:effectRef idx="0">
-            <a:schemeClr val="accent1"/>
-          </a:effectRef>
-          <a:fontRef idx="minor">
-            <a:schemeClr val="tx1"/>
-          </a:fontRef>
-        </p:style>
-      </p:cxnSp>
-      <p:sp>
-        <p:nvSpPr>
-          <p:cNvPr id="22" name="矩形 21">
-            <a:extLst>
-              <a:ext uri="{FF2B5EF4-FFF2-40B4-BE49-F238E27FC236}">
-                <a16:creationId xmlns:a16="http://schemas.microsoft.com/office/drawing/2014/main" id="{75EC3F93-7358-42FF-9FD5-ED908B2106EA}"/>
-              </a:ext>
-            </a:extLst>
-          </p:cNvPr>
-          <p:cNvSpPr/>
-          <p:nvPr/>
-        </p:nvSpPr>
-        <p:spPr>
-          <a:xfrm>
-            <a:off x="556709" y="4375098"/>
-            <a:ext cx="1415772" cy="461665"/>
-          </a:xfrm>
-          <a:prstGeom prst="rect">
-            <a:avLst/>
-          </a:prstGeom>
-        </p:spPr>
-        <p:txBody>
-          <a:bodyPr wrap="none">
-            <a:spAutoFit/>
-          </a:bodyPr>
-          <a:lstStyle/>
-          <a:p>
-            <a:r>
-              <a:rPr lang="zh-CN" altLang="en-US" sz="2400" dirty="0">
-                <a:latin typeface="黑体" panose="02010609060101010101" pitchFamily="49" charset="-122"/>
-                <a:ea typeface="黑体" panose="02010609060101010101" pitchFamily="49" charset="-122"/>
-              </a:rPr>
-              <a:t>智能涌现</a:t>
-            </a:r>
-            <a:endParaRPr lang="zh-CN" altLang="en-US" sz="2400" dirty="0"/>
-          </a:p>
-        </p:txBody>
-      </p:sp>
-      <p:cxnSp>
-        <p:nvCxnSpPr>
-          <p:cNvPr id="23" name="直接箭头连接符 22">
-            <a:extLst>
-              <a:ext uri="{FF2B5EF4-FFF2-40B4-BE49-F238E27FC236}">
-                <a16:creationId xmlns:a16="http://schemas.microsoft.com/office/drawing/2014/main" id="{BC0CFF2C-DDD4-42F6-A6EC-379409B3E028}"/>
-              </a:ext>
-            </a:extLst>
-          </p:cNvPr>
-          <p:cNvCxnSpPr>
-            <a:cxnSpLocks/>
-            <a:stCxn id="22" idx="3"/>
-            <a:endCxn id="20" idx="1"/>
-          </p:cNvCxnSpPr>
-          <p:nvPr/>
-        </p:nvCxnSpPr>
-        <p:spPr>
-          <a:xfrm>
-            <a:off x="1972481" y="4605931"/>
-            <a:ext cx="2455513" cy="0"/>
-          </a:xfrm>
-          <a:prstGeom prst="straightConnector1">
-            <a:avLst/>
-          </a:prstGeom>
-          <a:ln w="28575">
-            <a:solidFill>
-              <a:srgbClr val="7030A0"/>
-            </a:solidFill>
-            <a:prstDash val="sysDot"/>
-            <a:tailEnd type="triangle"/>
-          </a:ln>
-        </p:spPr>
-        <p:style>
-          <a:lnRef idx="1">
-            <a:schemeClr val="accent1"/>
-          </a:lnRef>
-          <a:fillRef idx="0">
-            <a:schemeClr val="accent1"/>
-          </a:fillRef>
-          <a:effectRef idx="0">
-            <a:schemeClr val="accent1"/>
-          </a:effectRef>
-          <a:fontRef idx="minor">
-            <a:schemeClr val="tx1"/>
-          </a:fontRef>
-        </p:style>
-      </p:cxnSp>
-      <p:sp>
-        <p:nvSpPr>
-          <p:cNvPr id="18" name="矩形 17">
-            <a:extLst>
-              <a:ext uri="{FF2B5EF4-FFF2-40B4-BE49-F238E27FC236}">
-                <a16:creationId xmlns:a16="http://schemas.microsoft.com/office/drawing/2014/main" id="{9D8D1C4D-2EC7-493C-A0A4-0E03FD0D86B4}"/>
-              </a:ext>
-            </a:extLst>
-          </p:cNvPr>
-          <p:cNvSpPr/>
-          <p:nvPr/>
-        </p:nvSpPr>
-        <p:spPr>
-          <a:xfrm>
-            <a:off x="4427993" y="4992464"/>
-            <a:ext cx="2954655" cy="461665"/>
-          </a:xfrm>
-          <a:prstGeom prst="rect">
-            <a:avLst/>
-          </a:prstGeom>
-        </p:spPr>
-        <p:txBody>
-          <a:bodyPr wrap="none">
-            <a:spAutoFit/>
-          </a:bodyPr>
-          <a:lstStyle/>
-          <a:p>
-            <a:r>
-              <a:rPr lang="zh-CN" altLang="en-US" sz="2400" dirty="0">
-                <a:latin typeface="黑体" panose="02010609060101010101" pitchFamily="49" charset="-122"/>
-                <a:ea typeface="黑体" panose="02010609060101010101" pitchFamily="49" charset="-122"/>
-              </a:rPr>
-              <a:t>完美的预测下一个词</a:t>
-            </a:r>
-            <a:endParaRPr lang="zh-CN" altLang="en-US" sz="2400" dirty="0"/>
-          </a:p>
-        </p:txBody>
-      </p:sp>
-      <p:sp>
-        <p:nvSpPr>
-          <p:cNvPr id="19" name="矩形 18">
-            <a:extLst>
-              <a:ext uri="{FF2B5EF4-FFF2-40B4-BE49-F238E27FC236}">
-                <a16:creationId xmlns:a16="http://schemas.microsoft.com/office/drawing/2014/main" id="{5A37C4E5-B9BF-4395-8908-A60BB31B9B38}"/>
-              </a:ext>
-            </a:extLst>
-          </p:cNvPr>
-          <p:cNvSpPr/>
-          <p:nvPr/>
-        </p:nvSpPr>
-        <p:spPr>
-          <a:xfrm>
-            <a:off x="4407228" y="5609830"/>
-            <a:ext cx="3195105" cy="461665"/>
-          </a:xfrm>
-          <a:prstGeom prst="rect">
-            <a:avLst/>
-          </a:prstGeom>
-        </p:spPr>
-        <p:txBody>
-          <a:bodyPr wrap="none">
-            <a:spAutoFit/>
-          </a:bodyPr>
-          <a:lstStyle/>
-          <a:p>
-            <a:r>
-              <a:rPr lang="zh-CN" altLang="en-US" sz="2400" dirty="0">
-                <a:latin typeface="Times New Roman" panose="02020603050405020304" pitchFamily="18" charset="0"/>
-                <a:ea typeface="黑体" panose="02010609060101010101" pitchFamily="49" charset="-122"/>
-                <a:cs typeface="Times New Roman" panose="02020603050405020304" pitchFamily="18" charset="0"/>
-              </a:rPr>
-              <a:t>实现通用人工智能</a:t>
-            </a:r>
-            <a:r>
-              <a:rPr lang="en-US" altLang="zh-CN" sz="2400" dirty="0">
-                <a:latin typeface="Times New Roman" panose="02020603050405020304" pitchFamily="18" charset="0"/>
-                <a:ea typeface="黑体" panose="02010609060101010101" pitchFamily="49" charset="-122"/>
-                <a:cs typeface="Times New Roman" panose="02020603050405020304" pitchFamily="18" charset="0"/>
-              </a:rPr>
-              <a:t>AGI</a:t>
-            </a:r>
-            <a:endParaRPr lang="zh-CN" altLang="en-US" sz="2400" dirty="0">
-              <a:latin typeface="Times New Roman" panose="02020603050405020304" pitchFamily="18" charset="0"/>
-              <a:cs typeface="Times New Roman" panose="02020603050405020304" pitchFamily="18" charset="0"/>
-            </a:endParaRPr>
-          </a:p>
-        </p:txBody>
-      </p:sp>
-      <p:cxnSp>
-        <p:nvCxnSpPr>
-          <p:cNvPr id="5" name="直接箭头连接符 4">
-            <a:extLst>
-              <a:ext uri="{FF2B5EF4-FFF2-40B4-BE49-F238E27FC236}">
-                <a16:creationId xmlns:a16="http://schemas.microsoft.com/office/drawing/2014/main" id="{3FC7B3B5-0D5B-49ED-A8D8-A8AC586F992E}"/>
-              </a:ext>
-            </a:extLst>
-          </p:cNvPr>
-          <p:cNvCxnSpPr>
-            <a:stCxn id="20" idx="2"/>
-            <a:endCxn id="18" idx="0"/>
-          </p:cNvCxnSpPr>
-          <p:nvPr/>
-        </p:nvCxnSpPr>
-        <p:spPr>
-          <a:xfrm flipH="1">
-            <a:off x="5905321" y="4836763"/>
-            <a:ext cx="1" cy="155701"/>
-          </a:xfrm>
-          <a:prstGeom prst="straightConnector1">
-            <a:avLst/>
-          </a:prstGeom>
-          <a:ln w="31750">
-            <a:solidFill>
-              <a:srgbClr val="FF0000"/>
-            </a:solidFill>
-            <a:tailEnd type="triangle"/>
-          </a:ln>
-        </p:spPr>
-        <p:style>
-          <a:lnRef idx="1">
-            <a:schemeClr val="accent1"/>
-          </a:lnRef>
-          <a:fillRef idx="0">
-            <a:schemeClr val="accent1"/>
-          </a:fillRef>
-          <a:effectRef idx="0">
-            <a:schemeClr val="accent1"/>
-          </a:effectRef>
-          <a:fontRef idx="minor">
-            <a:schemeClr val="tx1"/>
-          </a:fontRef>
-        </p:style>
-      </p:cxnSp>
-      <p:cxnSp>
-        <p:nvCxnSpPr>
-          <p:cNvPr id="25" name="直接箭头连接符 24">
-            <a:extLst>
-              <a:ext uri="{FF2B5EF4-FFF2-40B4-BE49-F238E27FC236}">
-                <a16:creationId xmlns:a16="http://schemas.microsoft.com/office/drawing/2014/main" id="{1B156327-4FAC-4B5D-8E12-9938CD8D04C9}"/>
-              </a:ext>
-            </a:extLst>
-          </p:cNvPr>
-          <p:cNvCxnSpPr>
-            <a:cxnSpLocks/>
-          </p:cNvCxnSpPr>
-          <p:nvPr/>
-        </p:nvCxnSpPr>
-        <p:spPr>
-          <a:xfrm flipH="1">
-            <a:off x="5882280" y="5454129"/>
-            <a:ext cx="1" cy="155701"/>
-          </a:xfrm>
-          <a:prstGeom prst="straightConnector1">
-            <a:avLst/>
-          </a:prstGeom>
-          <a:ln w="31750">
-            <a:solidFill>
-              <a:srgbClr val="FF0000"/>
-            </a:solidFill>
-            <a:tailEnd type="triangle"/>
-          </a:ln>
-        </p:spPr>
-        <p:style>
-          <a:lnRef idx="1">
-            <a:schemeClr val="accent1"/>
-          </a:lnRef>
-          <a:fillRef idx="0">
-            <a:schemeClr val="accent1"/>
-          </a:fillRef>
-          <a:effectRef idx="0">
-            <a:schemeClr val="accent1"/>
-          </a:effectRef>
-          <a:fontRef idx="minor">
-            <a:schemeClr val="tx1"/>
-          </a:fontRef>
-        </p:style>
-      </p:cxnSp>
-    </p:spTree>
-    <p:extLst>
-      <p:ext uri="{BB962C8B-B14F-4D97-AF65-F5344CB8AC3E}">
-        <p14:creationId xmlns:p14="http://schemas.microsoft.com/office/powerpoint/2010/main" val="2552826509"/>
-      </p:ext>
-    </p:extLst>
-  </p:cSld>
-  <p:clrMapOvr>
-    <a:masterClrMapping/>
-  </p:clrMapOvr>
-  <mc:AlternateContent xmlns:mc="http://schemas.openxmlformats.org/markup-compatibility/2006" xmlns:p14="http://schemas.microsoft.com/office/powerpoint/2010/main">
-    <mc:Choice Requires="p14">
-      <p:transition spd="med" p14:dur="700">
-        <p:fade/>
-      </p:transition>
-    </mc:Choice>
-    <mc:Fallback xmlns="">
-      <p:transition spd="med">
-        <p:fade/>
-      </p:transition>
-    </mc:Fallback>
-  </mc:AlternateContent>
-  <p:timing>
-    <p:tnLst>
-      <p:par>
-        <p:cTn id="1" dur="indefinite" restart="never" nodeType="tmRoot">
-          <p:childTnLst>
-            <p:seq concurrent="1" nextAc="seek">
-              <p:cTn id="2" dur="indefinite" nodeType="mainSeq">
-                <p:childTnLst>
-                  <p:par>
-                    <p:cTn id="3" fill="hold">
-                      <p:stCondLst>
-                        <p:cond delay="indefinite"/>
-                      </p:stCondLst>
-                      <p:childTnLst>
-                        <p:par>
-                          <p:cTn id="4" fill="hold">
-                            <p:stCondLst>
-                              <p:cond delay="0"/>
-                            </p:stCondLst>
-                            <p:childTnLst>
-                              <p:par>
-                                <p:cTn id="5" presetID="22" presetClass="entr" presetSubtype="1" fill="hold" nodeType="clickEffect">
-                                  <p:stCondLst>
-                                    <p:cond delay="0"/>
-                                  </p:stCondLst>
-                                  <p:childTnLst>
-                                    <p:set>
-                                      <p:cBhvr>
-                                        <p:cTn id="6" dur="1" fill="hold">
-                                          <p:stCondLst>
-                                            <p:cond delay="0"/>
-                                          </p:stCondLst>
-                                        </p:cTn>
-                                        <p:tgtEl>
-                                          <p:spTgt spid="5"/>
-                                        </p:tgtEl>
-                                        <p:attrNameLst>
-                                          <p:attrName>style.visibility</p:attrName>
-                                        </p:attrNameLst>
-                                      </p:cBhvr>
-                                      <p:to>
-                                        <p:strVal val="visible"/>
-                                      </p:to>
-                                    </p:set>
-                                    <p:animEffect transition="in" filter="wipe(up)">
-                                      <p:cBhvr>
-                                        <p:cTn id="7" dur="500"/>
-                                        <p:tgtEl>
-                                          <p:spTgt spid="5"/>
-                                        </p:tgtEl>
-                                      </p:cBhvr>
-                                    </p:animEffect>
-                                  </p:childTnLst>
-                                </p:cTn>
-                              </p:par>
-                            </p:childTnLst>
-                          </p:cTn>
-                        </p:par>
-                        <p:par>
-                          <p:cTn id="8" fill="hold">
-                            <p:stCondLst>
-                              <p:cond delay="500"/>
-                            </p:stCondLst>
-                            <p:childTnLst>
-                              <p:par>
-                                <p:cTn id="9" presetID="10" presetClass="entr" presetSubtype="0" fill="hold" grpId="0" nodeType="afterEffect">
-                                  <p:stCondLst>
-                                    <p:cond delay="0"/>
-                                  </p:stCondLst>
-                                  <p:childTnLst>
-                                    <p:set>
-                                      <p:cBhvr>
-                                        <p:cTn id="10" dur="1" fill="hold">
-                                          <p:stCondLst>
-                                            <p:cond delay="0"/>
-                                          </p:stCondLst>
-                                        </p:cTn>
-                                        <p:tgtEl>
-                                          <p:spTgt spid="18"/>
-                                        </p:tgtEl>
-                                        <p:attrNameLst>
-                                          <p:attrName>style.visibility</p:attrName>
-                                        </p:attrNameLst>
-                                      </p:cBhvr>
-                                      <p:to>
-                                        <p:strVal val="visible"/>
-                                      </p:to>
-                                    </p:set>
-                                    <p:animEffect transition="in" filter="fade">
-                                      <p:cBhvr>
-                                        <p:cTn id="11" dur="500"/>
-                                        <p:tgtEl>
-                                          <p:spTgt spid="18"/>
-                                        </p:tgtEl>
-                                      </p:cBhvr>
-                                    </p:animEffect>
-                                  </p:childTnLst>
-                                </p:cTn>
-                              </p:par>
-                            </p:childTnLst>
-                          </p:cTn>
-                        </p:par>
-                      </p:childTnLst>
-                    </p:cTn>
-                  </p:par>
-                  <p:par>
-                    <p:cTn id="12" fill="hold">
-                      <p:stCondLst>
-                        <p:cond delay="indefinite"/>
-                      </p:stCondLst>
-                      <p:childTnLst>
-                        <p:par>
-                          <p:cTn id="13" fill="hold">
-                            <p:stCondLst>
-                              <p:cond delay="0"/>
-                            </p:stCondLst>
-                            <p:childTnLst>
-                              <p:par>
-                                <p:cTn id="14" presetID="22" presetClass="entr" presetSubtype="1" fill="hold" nodeType="clickEffect">
-                                  <p:stCondLst>
-                                    <p:cond delay="0"/>
-                                  </p:stCondLst>
-                                  <p:childTnLst>
-                                    <p:set>
-                                      <p:cBhvr>
-                                        <p:cTn id="15" dur="1" fill="hold">
-                                          <p:stCondLst>
-                                            <p:cond delay="0"/>
-                                          </p:stCondLst>
-                                        </p:cTn>
-                                        <p:tgtEl>
-                                          <p:spTgt spid="25"/>
-                                        </p:tgtEl>
-                                        <p:attrNameLst>
-                                          <p:attrName>style.visibility</p:attrName>
-                                        </p:attrNameLst>
-                                      </p:cBhvr>
-                                      <p:to>
-                                        <p:strVal val="visible"/>
-                                      </p:to>
-                                    </p:set>
-                                    <p:animEffect transition="in" filter="wipe(up)">
-                                      <p:cBhvr>
-                                        <p:cTn id="16" dur="500"/>
-                                        <p:tgtEl>
-                                          <p:spTgt spid="25"/>
-                                        </p:tgtEl>
-                                      </p:cBhvr>
-                                    </p:animEffect>
-                                  </p:childTnLst>
-                                </p:cTn>
-                              </p:par>
-                            </p:childTnLst>
-                          </p:cTn>
-                        </p:par>
-                        <p:par>
-                          <p:cTn id="17" fill="hold">
-                            <p:stCondLst>
-                              <p:cond delay="500"/>
-                            </p:stCondLst>
-                            <p:childTnLst>
-                              <p:par>
-                                <p:cTn id="18" presetID="10" presetClass="entr" presetSubtype="0" fill="hold" grpId="0" nodeType="afterEffect">
-                                  <p:stCondLst>
-                                    <p:cond delay="0"/>
-                                  </p:stCondLst>
-                                  <p:childTnLst>
-                                    <p:set>
-                                      <p:cBhvr>
-                                        <p:cTn id="19" dur="1" fill="hold">
-                                          <p:stCondLst>
-                                            <p:cond delay="0"/>
-                                          </p:stCondLst>
-                                        </p:cTn>
-                                        <p:tgtEl>
-                                          <p:spTgt spid="19"/>
-                                        </p:tgtEl>
-                                        <p:attrNameLst>
-                                          <p:attrName>style.visibility</p:attrName>
-                                        </p:attrNameLst>
-                                      </p:cBhvr>
-                                      <p:to>
-                                        <p:strVal val="visible"/>
-                                      </p:to>
-                                    </p:set>
-                                    <p:animEffect transition="in" filter="fade">
-                                      <p:cBhvr>
-                                        <p:cTn id="20" dur="500"/>
-                                        <p:tgtEl>
-                                          <p:spTgt spid="19"/>
-                                        </p:tgtEl>
-                                      </p:cBhvr>
-                                    </p:animEffect>
-                                  </p:childTnLst>
-                                </p:cTn>
-                              </p:par>
-                            </p:childTnLst>
-                          </p:cTn>
-                        </p:par>
-                      </p:childTnLst>
-                    </p:cTn>
-                  </p:par>
-                </p:childTnLst>
-              </p:cTn>
-              <p:prevCondLst>
-                <p:cond evt="onPrev" delay="0">
-                  <p:tgtEl>
-                    <p:sldTgt/>
-                  </p:tgtEl>
-                </p:cond>
-              </p:prevCondLst>
-              <p:nextCondLst>
-                <p:cond evt="onNext" delay="0">
-                  <p:tgtEl>
-                    <p:sldTgt/>
-                  </p:tgtEl>
-                </p:cond>
-              </p:nextCondLst>
-            </p:seq>
-          </p:childTnLst>
-        </p:cTn>
-      </p:par>
-    </p:tnLst>
-    <p:bldLst>
-      <p:bldP spid="18" grpId="0"/>
-      <p:bldP spid="19" grpId="0"/>
-    </p:bldLst>
-  </p:timing>
-</p:sld>
-</file>
-
-<file path=ppt/slides/slide7.xml><?xml version="1.0" encoding="utf-8"?>
-<p:sld xmlns:a="http://schemas.openxmlformats.org/drawingml/2006/main" xmlns:r="http://schemas.openxmlformats.org/officeDocument/2006/relationships" xmlns:p="http://schemas.openxmlformats.org/presentationml/2006/main">
-  <p:cSld>
-    <p:spTree>
-      <p:nvGrpSpPr>
-        <p:cNvPr id="1" name=""/>
-        <p:cNvGrpSpPr/>
-        <p:nvPr/>
-      </p:nvGrpSpPr>
-      <p:grpSpPr>
-        <a:xfrm>
-          <a:off x="0" y="0"/>
-          <a:ext cx="0" cy="0"/>
-          <a:chOff x="0" y="0"/>
-          <a:chExt cx="0" cy="0"/>
-        </a:xfrm>
-      </p:grpSpPr>
-      <p:sp>
-        <p:nvSpPr>
-          <p:cNvPr id="8" name="标题 7">
-            <a:extLst>
-              <a:ext uri="{FF2B5EF4-FFF2-40B4-BE49-F238E27FC236}">
-                <a16:creationId xmlns:a16="http://schemas.microsoft.com/office/drawing/2014/main" id="{FB87FE74-671C-4E37-9D37-34C6D508DA40}"/>
-              </a:ext>
-            </a:extLst>
-          </p:cNvPr>
-          <p:cNvSpPr>
-            <a:spLocks noGrp="1"/>
-          </p:cNvSpPr>
-          <p:nvPr>
-            <p:ph type="title"/>
-          </p:nvPr>
-        </p:nvSpPr>
-        <p:spPr/>
-        <p:txBody>
-          <a:bodyPr>
-            <a:normAutofit fontScale="90000"/>
-          </a:bodyPr>
-          <a:lstStyle/>
-          <a:p>
-            <a:r>
-              <a:rPr lang="zh-CN" altLang="en-US" dirty="0"/>
-              <a:t>一、大语言模型是什么？</a:t>
-            </a:r>
-          </a:p>
-        </p:txBody>
-      </p:sp>
-      <p:sp>
-        <p:nvSpPr>
-          <p:cNvPr id="2" name="矩形 1">
-            <a:extLst>
-              <a:ext uri="{FF2B5EF4-FFF2-40B4-BE49-F238E27FC236}">
-                <a16:creationId xmlns:a16="http://schemas.microsoft.com/office/drawing/2014/main" id="{0BBE71F1-A749-4940-A2C1-79FCA89C0398}"/>
-              </a:ext>
-            </a:extLst>
-          </p:cNvPr>
-          <p:cNvSpPr/>
-          <p:nvPr/>
-        </p:nvSpPr>
-        <p:spPr>
-          <a:xfrm>
-            <a:off x="396689" y="1144816"/>
-            <a:ext cx="11216185" cy="1200329"/>
-          </a:xfrm>
-          <a:prstGeom prst="rect">
-            <a:avLst/>
-          </a:prstGeom>
-        </p:spPr>
-        <p:txBody>
-          <a:bodyPr wrap="square">
-            <a:spAutoFit/>
-          </a:bodyPr>
-          <a:lstStyle/>
-          <a:p>
-            <a:r>
-              <a:rPr lang="zh-CN" altLang="en-US" sz="2400" dirty="0">
-                <a:latin typeface="黑体" panose="02010609060101010101" pitchFamily="49" charset="-122"/>
-                <a:ea typeface="黑体" panose="02010609060101010101" pitchFamily="49" charset="-122"/>
-              </a:rPr>
-              <a:t>    </a:t>
-            </a:r>
-            <a:r>
-              <a:rPr lang="zh-CN" altLang="en-US" sz="2400" dirty="0">
-                <a:solidFill>
-                  <a:srgbClr val="7030A0"/>
-                </a:solidFill>
-                <a:latin typeface="黑体" panose="02010609060101010101" pitchFamily="49" charset="-122"/>
-                <a:ea typeface="黑体" panose="02010609060101010101" pitchFamily="49" charset="-122"/>
-              </a:rPr>
-              <a:t>大</a:t>
+              <a:t>    大</a:t>
             </a:r>
             <a:r>
               <a:rPr lang="zh-CN" altLang="en-US" sz="2400" dirty="0">
@@ -18446,7 +16609,7 @@
         <p:spPr>
           <a:xfrm>
             <a:off x="7170159" y="2812117"/>
-            <a:ext cx="825867" cy="400110"/>
+            <a:ext cx="811441" cy="400110"/>
           </a:xfrm>
           <a:prstGeom prst="rect">
             <a:avLst/>
@@ -18460,12 +16623,20 @@
           <a:lstStyle/>
           <a:p>
             <a:r>
+              <a:rPr lang="en-US" altLang="zh-CN" sz="2000" dirty="0">
+                <a:latin typeface="Times New Roman" panose="02020603050405020304" pitchFamily="18" charset="0"/>
+                <a:ea typeface="黑体" panose="02010609060101010101" pitchFamily="49" charset="-122"/>
+                <a:cs typeface="Times New Roman" panose="02020603050405020304" pitchFamily="18" charset="0"/>
+              </a:rPr>
+              <a:t>?</a:t>
+            </a:r>
+            <a:r>
               <a:rPr lang="zh-CN" altLang="en-US" sz="2000" dirty="0">
                 <a:latin typeface="Times New Roman" panose="02020603050405020304" pitchFamily="18" charset="0"/>
                 <a:ea typeface="黑体" panose="02010609060101010101" pitchFamily="49" charset="-122"/>
                 <a:cs typeface="Times New Roman" panose="02020603050405020304" pitchFamily="18" charset="0"/>
               </a:rPr>
-              <a:t>什 </a:t>
+              <a:t>   </a:t>
             </a:r>
             <a:r>
               <a:rPr lang="en-US" altLang="zh-CN" sz="2000" dirty="0">
@@ -18517,7 +16688,7 @@
                 <a:ea typeface="黑体" panose="02010609060101010101" pitchFamily="49" charset="-122"/>
                 <a:cs typeface="Times New Roman" panose="02020603050405020304" pitchFamily="18" charset="0"/>
               </a:rPr>
-              <a:t>哪 </a:t>
+              <a:t>什 </a:t>
             </a:r>
             <a:r>
               <a:rPr lang="en-US" altLang="zh-CN" sz="2000" dirty="0">
@@ -20378,6 +18549,2043 @@
       <p:bldP spid="51" grpId="0"/>
       <p:bldP spid="52" grpId="0"/>
       <p:bldP spid="58" grpId="0"/>
+    </p:bldLst>
+  </p:timing>
+</p:sld>
+</file>
+
+<file path=ppt/slides/slide6.xml><?xml version="1.0" encoding="utf-8"?>
+<p:sld xmlns:a="http://schemas.openxmlformats.org/drawingml/2006/main" xmlns:r="http://schemas.openxmlformats.org/officeDocument/2006/relationships" xmlns:p="http://schemas.openxmlformats.org/presentationml/2006/main">
+  <p:cSld>
+    <p:spTree>
+      <p:nvGrpSpPr>
+        <p:cNvPr id="1" name=""/>
+        <p:cNvGrpSpPr/>
+        <p:nvPr/>
+      </p:nvGrpSpPr>
+      <p:grpSpPr>
+        <a:xfrm>
+          <a:off x="0" y="0"/>
+          <a:ext cx="0" cy="0"/>
+          <a:chOff x="0" y="0"/>
+          <a:chExt cx="0" cy="0"/>
+        </a:xfrm>
+      </p:grpSpPr>
+      <p:sp>
+        <p:nvSpPr>
+          <p:cNvPr id="8" name="标题 7">
+            <a:extLst>
+              <a:ext uri="{FF2B5EF4-FFF2-40B4-BE49-F238E27FC236}">
+                <a16:creationId xmlns:a16="http://schemas.microsoft.com/office/drawing/2014/main" id="{FB87FE74-671C-4E37-9D37-34C6D508DA40}"/>
+              </a:ext>
+            </a:extLst>
+          </p:cNvPr>
+          <p:cNvSpPr>
+            <a:spLocks noGrp="1"/>
+          </p:cNvSpPr>
+          <p:nvPr>
+            <p:ph type="title"/>
+          </p:nvPr>
+        </p:nvSpPr>
+        <p:spPr/>
+        <p:txBody>
+          <a:bodyPr>
+            <a:normAutofit fontScale="90000"/>
+          </a:bodyPr>
+          <a:lstStyle/>
+          <a:p>
+            <a:r>
+              <a:rPr lang="zh-CN" altLang="en-US" dirty="0"/>
+              <a:t>一、大语言模型是什么？</a:t>
+            </a:r>
+          </a:p>
+        </p:txBody>
+      </p:sp>
+      <p:sp>
+        <p:nvSpPr>
+          <p:cNvPr id="2" name="矩形 1">
+            <a:extLst>
+              <a:ext uri="{FF2B5EF4-FFF2-40B4-BE49-F238E27FC236}">
+                <a16:creationId xmlns:a16="http://schemas.microsoft.com/office/drawing/2014/main" id="{0BBE71F1-A749-4940-A2C1-79FCA89C0398}"/>
+              </a:ext>
+            </a:extLst>
+          </p:cNvPr>
+          <p:cNvSpPr/>
+          <p:nvPr/>
+        </p:nvSpPr>
+        <p:spPr>
+          <a:xfrm>
+            <a:off x="396689" y="1144816"/>
+            <a:ext cx="11216185" cy="1200329"/>
+          </a:xfrm>
+          <a:prstGeom prst="rect">
+            <a:avLst/>
+          </a:prstGeom>
+        </p:spPr>
+        <p:txBody>
+          <a:bodyPr wrap="square">
+            <a:spAutoFit/>
+          </a:bodyPr>
+          <a:lstStyle/>
+          <a:p>
+            <a:r>
+              <a:rPr lang="zh-CN" altLang="en-US" sz="2400" dirty="0">
+                <a:latin typeface="黑体" panose="02010609060101010101" pitchFamily="49" charset="-122"/>
+                <a:ea typeface="黑体" panose="02010609060101010101" pitchFamily="49" charset="-122"/>
+              </a:rPr>
+              <a:t>    </a:t>
+            </a:r>
+            <a:r>
+              <a:rPr lang="zh-CN" altLang="en-US" sz="2400" dirty="0">
+                <a:solidFill>
+                  <a:srgbClr val="7030A0"/>
+                </a:solidFill>
+                <a:latin typeface="黑体" panose="02010609060101010101" pitchFamily="49" charset="-122"/>
+                <a:ea typeface="黑体" panose="02010609060101010101" pitchFamily="49" charset="-122"/>
+              </a:rPr>
+              <a:t>大</a:t>
+            </a:r>
+            <a:r>
+              <a:rPr lang="zh-CN" altLang="en-US" sz="2400" dirty="0">
+                <a:solidFill>
+                  <a:srgbClr val="00B050"/>
+                </a:solidFill>
+                <a:latin typeface="黑体" panose="02010609060101010101" pitchFamily="49" charset="-122"/>
+                <a:ea typeface="黑体" panose="02010609060101010101" pitchFamily="49" charset="-122"/>
+              </a:rPr>
+              <a:t>语言</a:t>
+            </a:r>
+            <a:r>
+              <a:rPr lang="zh-CN" altLang="en-US" sz="2400" dirty="0">
+                <a:latin typeface="黑体" panose="02010609060101010101" pitchFamily="49" charset="-122"/>
+                <a:ea typeface="黑体" panose="02010609060101010101" pitchFamily="49" charset="-122"/>
+              </a:rPr>
+              <a:t>模型（</a:t>
+            </a:r>
+            <a:r>
+              <a:rPr lang="en-US" altLang="zh-CN" sz="2400" dirty="0">
+                <a:latin typeface="Times New Roman" panose="02020603050405020304" pitchFamily="18" charset="0"/>
+                <a:ea typeface="黑体" panose="02010609060101010101" pitchFamily="49" charset="-122"/>
+                <a:cs typeface="Times New Roman" panose="02020603050405020304" pitchFamily="18" charset="0"/>
+              </a:rPr>
+              <a:t>LLM</a:t>
+            </a:r>
+            <a:r>
+              <a:rPr lang="zh-CN" altLang="en-US" sz="2400" dirty="0">
+                <a:latin typeface="黑体" panose="02010609060101010101" pitchFamily="49" charset="-122"/>
+                <a:ea typeface="黑体" panose="02010609060101010101" pitchFamily="49" charset="-122"/>
+              </a:rPr>
+              <a:t>）是基于海量文本数据训练的</a:t>
+            </a:r>
+            <a:r>
+              <a:rPr lang="zh-CN" altLang="en-US" sz="2400" dirty="0">
+                <a:solidFill>
+                  <a:srgbClr val="00B0F0"/>
+                </a:solidFill>
+                <a:latin typeface="黑体" panose="02010609060101010101" pitchFamily="49" charset="-122"/>
+                <a:ea typeface="黑体" panose="02010609060101010101" pitchFamily="49" charset="-122"/>
+              </a:rPr>
+              <a:t>神经网络模型</a:t>
+            </a:r>
+            <a:r>
+              <a:rPr lang="zh-CN" altLang="en-US" sz="2400" dirty="0">
+                <a:latin typeface="黑体" panose="02010609060101010101" pitchFamily="49" charset="-122"/>
+                <a:ea typeface="黑体" panose="02010609060101010101" pitchFamily="49" charset="-122"/>
+              </a:rPr>
+              <a:t>。它不仅能够生成自然语言文本，还能够深入理解文本含义，处理各种自然语言任务，如文本摘要、问答、翻译等。</a:t>
+            </a:r>
+          </a:p>
+        </p:txBody>
+      </p:sp>
+      <p:cxnSp>
+        <p:nvCxnSpPr>
+          <p:cNvPr id="4" name="直接箭头连接符 3">
+            <a:extLst>
+              <a:ext uri="{FF2B5EF4-FFF2-40B4-BE49-F238E27FC236}">
+                <a16:creationId xmlns:a16="http://schemas.microsoft.com/office/drawing/2014/main" id="{BE1E6C6D-B843-41EC-8542-7E32BEFDC965}"/>
+              </a:ext>
+            </a:extLst>
+          </p:cNvPr>
+          <p:cNvCxnSpPr>
+            <a:cxnSpLocks/>
+            <a:endCxn id="34" idx="0"/>
+          </p:cNvCxnSpPr>
+          <p:nvPr/>
+        </p:nvCxnSpPr>
+        <p:spPr>
+          <a:xfrm>
+            <a:off x="8182874" y="1569213"/>
+            <a:ext cx="0" cy="1340317"/>
+          </a:xfrm>
+          <a:prstGeom prst="straightConnector1">
+            <a:avLst/>
+          </a:prstGeom>
+          <a:ln w="28575">
+            <a:solidFill>
+              <a:srgbClr val="00B0F0"/>
+            </a:solidFill>
+            <a:prstDash val="sysDot"/>
+            <a:tailEnd type="triangle"/>
+          </a:ln>
+        </p:spPr>
+        <p:style>
+          <a:lnRef idx="1">
+            <a:schemeClr val="accent1"/>
+          </a:lnRef>
+          <a:fillRef idx="0">
+            <a:schemeClr val="accent1"/>
+          </a:fillRef>
+          <a:effectRef idx="0">
+            <a:schemeClr val="accent1"/>
+          </a:effectRef>
+          <a:fontRef idx="minor">
+            <a:schemeClr val="tx1"/>
+          </a:fontRef>
+        </p:style>
+      </p:cxnSp>
+      <p:cxnSp>
+        <p:nvCxnSpPr>
+          <p:cNvPr id="15" name="直接箭头连接符 14">
+            <a:extLst>
+              <a:ext uri="{FF2B5EF4-FFF2-40B4-BE49-F238E27FC236}">
+                <a16:creationId xmlns:a16="http://schemas.microsoft.com/office/drawing/2014/main" id="{85AA6C6D-3015-4EC7-8FDF-AC03049A0E1E}"/>
+              </a:ext>
+            </a:extLst>
+          </p:cNvPr>
+          <p:cNvCxnSpPr>
+            <a:cxnSpLocks/>
+            <a:endCxn id="16" idx="0"/>
+          </p:cNvCxnSpPr>
+          <p:nvPr/>
+        </p:nvCxnSpPr>
+        <p:spPr>
+          <a:xfrm>
+            <a:off x="1264595" y="1569213"/>
+            <a:ext cx="0" cy="1340317"/>
+          </a:xfrm>
+          <a:prstGeom prst="straightConnector1">
+            <a:avLst/>
+          </a:prstGeom>
+          <a:ln w="28575">
+            <a:solidFill>
+              <a:srgbClr val="7030A0"/>
+            </a:solidFill>
+            <a:prstDash val="sysDot"/>
+            <a:tailEnd type="triangle"/>
+          </a:ln>
+        </p:spPr>
+        <p:style>
+          <a:lnRef idx="1">
+            <a:schemeClr val="accent1"/>
+          </a:lnRef>
+          <a:fillRef idx="0">
+            <a:schemeClr val="accent1"/>
+          </a:fillRef>
+          <a:effectRef idx="0">
+            <a:schemeClr val="accent1"/>
+          </a:effectRef>
+          <a:fontRef idx="minor">
+            <a:schemeClr val="tx1"/>
+          </a:fontRef>
+        </p:style>
+      </p:cxnSp>
+      <p:sp>
+        <p:nvSpPr>
+          <p:cNvPr id="16" name="矩形 15">
+            <a:extLst>
+              <a:ext uri="{FF2B5EF4-FFF2-40B4-BE49-F238E27FC236}">
+                <a16:creationId xmlns:a16="http://schemas.microsoft.com/office/drawing/2014/main" id="{639A993F-CB98-400C-8565-9E2707797E2B}"/>
+              </a:ext>
+            </a:extLst>
+          </p:cNvPr>
+          <p:cNvSpPr/>
+          <p:nvPr/>
+        </p:nvSpPr>
+        <p:spPr>
+          <a:xfrm>
+            <a:off x="556709" y="2909530"/>
+            <a:ext cx="1415772" cy="461665"/>
+          </a:xfrm>
+          <a:prstGeom prst="rect">
+            <a:avLst/>
+          </a:prstGeom>
+        </p:spPr>
+        <p:txBody>
+          <a:bodyPr wrap="none">
+            <a:spAutoFit/>
+          </a:bodyPr>
+          <a:lstStyle/>
+          <a:p>
+            <a:r>
+              <a:rPr lang="zh-CN" altLang="en-US" sz="2400" dirty="0">
+                <a:latin typeface="黑体" panose="02010609060101010101" pitchFamily="49" charset="-122"/>
+                <a:ea typeface="黑体" panose="02010609060101010101" pitchFamily="49" charset="-122"/>
+              </a:rPr>
+              <a:t>上亿参数</a:t>
+            </a:r>
+            <a:endParaRPr lang="zh-CN" altLang="en-US" sz="2400" dirty="0"/>
+          </a:p>
+        </p:txBody>
+      </p:sp>
+      <p:cxnSp>
+        <p:nvCxnSpPr>
+          <p:cNvPr id="17" name="直接箭头连接符 16">
+            <a:extLst>
+              <a:ext uri="{FF2B5EF4-FFF2-40B4-BE49-F238E27FC236}">
+                <a16:creationId xmlns:a16="http://schemas.microsoft.com/office/drawing/2014/main" id="{B5EA85CB-1A95-4158-863C-3C5CFA3CD64A}"/>
+              </a:ext>
+            </a:extLst>
+          </p:cNvPr>
+          <p:cNvCxnSpPr>
+            <a:cxnSpLocks/>
+            <a:endCxn id="20" idx="1"/>
+          </p:cNvCxnSpPr>
+          <p:nvPr/>
+        </p:nvCxnSpPr>
+        <p:spPr>
+          <a:xfrm>
+            <a:off x="1812461" y="1569213"/>
+            <a:ext cx="2615533" cy="3036718"/>
+          </a:xfrm>
+          <a:prstGeom prst="straightConnector1">
+            <a:avLst/>
+          </a:prstGeom>
+          <a:ln w="28575">
+            <a:solidFill>
+              <a:srgbClr val="00B050"/>
+            </a:solidFill>
+            <a:prstDash val="sysDot"/>
+            <a:tailEnd type="triangle"/>
+          </a:ln>
+        </p:spPr>
+        <p:style>
+          <a:lnRef idx="1">
+            <a:schemeClr val="accent1"/>
+          </a:lnRef>
+          <a:fillRef idx="0">
+            <a:schemeClr val="accent1"/>
+          </a:fillRef>
+          <a:effectRef idx="0">
+            <a:schemeClr val="accent1"/>
+          </a:effectRef>
+          <a:fontRef idx="minor">
+            <a:schemeClr val="tx1"/>
+          </a:fontRef>
+        </p:style>
+      </p:cxnSp>
+      <p:sp>
+        <p:nvSpPr>
+          <p:cNvPr id="20" name="矩形 19">
+            <a:extLst>
+              <a:ext uri="{FF2B5EF4-FFF2-40B4-BE49-F238E27FC236}">
+                <a16:creationId xmlns:a16="http://schemas.microsoft.com/office/drawing/2014/main" id="{5149D0BE-5144-4853-914A-2C60CAC64ED0}"/>
+              </a:ext>
+            </a:extLst>
+          </p:cNvPr>
+          <p:cNvSpPr/>
+          <p:nvPr/>
+        </p:nvSpPr>
+        <p:spPr>
+          <a:xfrm>
+            <a:off x="4427994" y="4375098"/>
+            <a:ext cx="2031325" cy="461665"/>
+          </a:xfrm>
+          <a:prstGeom prst="rect">
+            <a:avLst/>
+          </a:prstGeom>
+        </p:spPr>
+        <p:txBody>
+          <a:bodyPr wrap="none">
+            <a:spAutoFit/>
+          </a:bodyPr>
+          <a:lstStyle/>
+          <a:p>
+            <a:r>
+              <a:rPr lang="zh-CN" altLang="en-US" sz="2400" dirty="0">
+                <a:latin typeface="黑体" panose="02010609060101010101" pitchFamily="49" charset="-122"/>
+                <a:ea typeface="黑体" panose="02010609060101010101" pitchFamily="49" charset="-122"/>
+              </a:rPr>
+              <a:t>预测下一个词</a:t>
+            </a:r>
+            <a:endParaRPr lang="zh-CN" altLang="en-US" sz="2400" dirty="0"/>
+          </a:p>
+        </p:txBody>
+      </p:sp>
+      <p:cxnSp>
+        <p:nvCxnSpPr>
+          <p:cNvPr id="21" name="直接箭头连接符 20">
+            <a:extLst>
+              <a:ext uri="{FF2B5EF4-FFF2-40B4-BE49-F238E27FC236}">
+                <a16:creationId xmlns:a16="http://schemas.microsoft.com/office/drawing/2014/main" id="{357ACBB7-0E28-43AB-AD60-C8611717E7A2}"/>
+              </a:ext>
+            </a:extLst>
+          </p:cNvPr>
+          <p:cNvCxnSpPr>
+            <a:cxnSpLocks/>
+            <a:stCxn id="34" idx="2"/>
+            <a:endCxn id="20" idx="3"/>
+          </p:cNvCxnSpPr>
+          <p:nvPr/>
+        </p:nvCxnSpPr>
+        <p:spPr>
+          <a:xfrm flipH="1">
+            <a:off x="6459319" y="3371195"/>
+            <a:ext cx="1723555" cy="1234736"/>
+          </a:xfrm>
+          <a:prstGeom prst="straightConnector1">
+            <a:avLst/>
+          </a:prstGeom>
+          <a:ln w="28575">
+            <a:solidFill>
+              <a:srgbClr val="00B0F0"/>
+            </a:solidFill>
+            <a:prstDash val="sysDot"/>
+            <a:tailEnd type="triangle"/>
+          </a:ln>
+        </p:spPr>
+        <p:style>
+          <a:lnRef idx="1">
+            <a:schemeClr val="accent1"/>
+          </a:lnRef>
+          <a:fillRef idx="0">
+            <a:schemeClr val="accent1"/>
+          </a:fillRef>
+          <a:effectRef idx="0">
+            <a:schemeClr val="accent1"/>
+          </a:effectRef>
+          <a:fontRef idx="minor">
+            <a:schemeClr val="tx1"/>
+          </a:fontRef>
+        </p:style>
+      </p:cxnSp>
+      <p:cxnSp>
+        <p:nvCxnSpPr>
+          <p:cNvPr id="24" name="直接箭头连接符 23">
+            <a:extLst>
+              <a:ext uri="{FF2B5EF4-FFF2-40B4-BE49-F238E27FC236}">
+                <a16:creationId xmlns:a16="http://schemas.microsoft.com/office/drawing/2014/main" id="{210978B0-73E4-48C3-9AAD-82E128EA990F}"/>
+              </a:ext>
+            </a:extLst>
+          </p:cNvPr>
+          <p:cNvCxnSpPr>
+            <a:cxnSpLocks/>
+            <a:stCxn id="34" idx="1"/>
+            <a:endCxn id="16" idx="3"/>
+          </p:cNvCxnSpPr>
+          <p:nvPr/>
+        </p:nvCxnSpPr>
+        <p:spPr>
+          <a:xfrm flipH="1">
+            <a:off x="1972481" y="3140363"/>
+            <a:ext cx="5723721" cy="0"/>
+          </a:xfrm>
+          <a:prstGeom prst="straightConnector1">
+            <a:avLst/>
+          </a:prstGeom>
+          <a:ln w="28575">
+            <a:solidFill>
+              <a:srgbClr val="00B0F0"/>
+            </a:solidFill>
+            <a:prstDash val="sysDot"/>
+            <a:tailEnd type="triangle"/>
+          </a:ln>
+        </p:spPr>
+        <p:style>
+          <a:lnRef idx="1">
+            <a:schemeClr val="accent1"/>
+          </a:lnRef>
+          <a:fillRef idx="0">
+            <a:schemeClr val="accent1"/>
+          </a:fillRef>
+          <a:effectRef idx="0">
+            <a:schemeClr val="accent1"/>
+          </a:effectRef>
+          <a:fontRef idx="minor">
+            <a:schemeClr val="tx1"/>
+          </a:fontRef>
+        </p:style>
+      </p:cxnSp>
+      <p:sp>
+        <p:nvSpPr>
+          <p:cNvPr id="34" name="矩形 33">
+            <a:extLst>
+              <a:ext uri="{FF2B5EF4-FFF2-40B4-BE49-F238E27FC236}">
+                <a16:creationId xmlns:a16="http://schemas.microsoft.com/office/drawing/2014/main" id="{7DFAB3E8-0B0D-473A-9D0B-7EBB9A3C09BB}"/>
+              </a:ext>
+            </a:extLst>
+          </p:cNvPr>
+          <p:cNvSpPr/>
+          <p:nvPr/>
+        </p:nvSpPr>
+        <p:spPr>
+          <a:xfrm>
+            <a:off x="7696202" y="2909530"/>
+            <a:ext cx="973343" cy="461665"/>
+          </a:xfrm>
+          <a:prstGeom prst="rect">
+            <a:avLst/>
+          </a:prstGeom>
+        </p:spPr>
+        <p:txBody>
+          <a:bodyPr wrap="none">
+            <a:spAutoFit/>
+          </a:bodyPr>
+          <a:lstStyle/>
+          <a:p>
+            <a:r>
+              <a:rPr lang="en-US" altLang="zh-CN" sz="2400" dirty="0">
+                <a:latin typeface="Times New Roman" panose="02020603050405020304" pitchFamily="18" charset="0"/>
+                <a:ea typeface="黑体" panose="02010609060101010101" pitchFamily="49" charset="-122"/>
+                <a:cs typeface="Times New Roman" panose="02020603050405020304" pitchFamily="18" charset="0"/>
+              </a:rPr>
+              <a:t>y = </a:t>
+            </a:r>
+            <a:r>
+              <a:rPr lang="en-US" altLang="zh-CN" sz="2400" dirty="0" err="1">
+                <a:latin typeface="Times New Roman" panose="02020603050405020304" pitchFamily="18" charset="0"/>
+                <a:ea typeface="黑体" panose="02010609060101010101" pitchFamily="49" charset="-122"/>
+                <a:cs typeface="Times New Roman" panose="02020603050405020304" pitchFamily="18" charset="0"/>
+              </a:rPr>
+              <a:t>kx</a:t>
+            </a:r>
+            <a:endParaRPr lang="zh-CN" altLang="en-US" sz="2400" dirty="0">
+              <a:latin typeface="Times New Roman" panose="02020603050405020304" pitchFamily="18" charset="0"/>
+              <a:cs typeface="Times New Roman" panose="02020603050405020304" pitchFamily="18" charset="0"/>
+            </a:endParaRPr>
+          </a:p>
+        </p:txBody>
+      </p:sp>
+      <p:cxnSp>
+        <p:nvCxnSpPr>
+          <p:cNvPr id="12" name="直接箭头连接符 11">
+            <a:extLst>
+              <a:ext uri="{FF2B5EF4-FFF2-40B4-BE49-F238E27FC236}">
+                <a16:creationId xmlns:a16="http://schemas.microsoft.com/office/drawing/2014/main" id="{B3960F6D-F135-4B88-86F9-88B9ECC105B2}"/>
+              </a:ext>
+            </a:extLst>
+          </p:cNvPr>
+          <p:cNvCxnSpPr>
+            <a:cxnSpLocks/>
+            <a:stCxn id="16" idx="2"/>
+            <a:endCxn id="22" idx="0"/>
+          </p:cNvCxnSpPr>
+          <p:nvPr/>
+        </p:nvCxnSpPr>
+        <p:spPr>
+          <a:xfrm>
+            <a:off x="1264595" y="3371195"/>
+            <a:ext cx="0" cy="1003903"/>
+          </a:xfrm>
+          <a:prstGeom prst="straightConnector1">
+            <a:avLst/>
+          </a:prstGeom>
+          <a:ln w="28575">
+            <a:solidFill>
+              <a:srgbClr val="7030A0"/>
+            </a:solidFill>
+            <a:prstDash val="sysDot"/>
+            <a:tailEnd type="triangle"/>
+          </a:ln>
+        </p:spPr>
+        <p:style>
+          <a:lnRef idx="1">
+            <a:schemeClr val="accent1"/>
+          </a:lnRef>
+          <a:fillRef idx="0">
+            <a:schemeClr val="accent1"/>
+          </a:fillRef>
+          <a:effectRef idx="0">
+            <a:schemeClr val="accent1"/>
+          </a:effectRef>
+          <a:fontRef idx="minor">
+            <a:schemeClr val="tx1"/>
+          </a:fontRef>
+        </p:style>
+      </p:cxnSp>
+      <p:sp>
+        <p:nvSpPr>
+          <p:cNvPr id="22" name="矩形 21">
+            <a:extLst>
+              <a:ext uri="{FF2B5EF4-FFF2-40B4-BE49-F238E27FC236}">
+                <a16:creationId xmlns:a16="http://schemas.microsoft.com/office/drawing/2014/main" id="{75EC3F93-7358-42FF-9FD5-ED908B2106EA}"/>
+              </a:ext>
+            </a:extLst>
+          </p:cNvPr>
+          <p:cNvSpPr/>
+          <p:nvPr/>
+        </p:nvSpPr>
+        <p:spPr>
+          <a:xfrm>
+            <a:off x="556709" y="4375098"/>
+            <a:ext cx="1415772" cy="461665"/>
+          </a:xfrm>
+          <a:prstGeom prst="rect">
+            <a:avLst/>
+          </a:prstGeom>
+        </p:spPr>
+        <p:txBody>
+          <a:bodyPr wrap="none">
+            <a:spAutoFit/>
+          </a:bodyPr>
+          <a:lstStyle/>
+          <a:p>
+            <a:r>
+              <a:rPr lang="zh-CN" altLang="en-US" sz="2400" dirty="0">
+                <a:latin typeface="黑体" panose="02010609060101010101" pitchFamily="49" charset="-122"/>
+                <a:ea typeface="黑体" panose="02010609060101010101" pitchFamily="49" charset="-122"/>
+              </a:rPr>
+              <a:t>智能涌现</a:t>
+            </a:r>
+            <a:endParaRPr lang="zh-CN" altLang="en-US" sz="2400" dirty="0"/>
+          </a:p>
+        </p:txBody>
+      </p:sp>
+      <p:cxnSp>
+        <p:nvCxnSpPr>
+          <p:cNvPr id="23" name="直接箭头连接符 22">
+            <a:extLst>
+              <a:ext uri="{FF2B5EF4-FFF2-40B4-BE49-F238E27FC236}">
+                <a16:creationId xmlns:a16="http://schemas.microsoft.com/office/drawing/2014/main" id="{BC0CFF2C-DDD4-42F6-A6EC-379409B3E028}"/>
+              </a:ext>
+            </a:extLst>
+          </p:cNvPr>
+          <p:cNvCxnSpPr>
+            <a:cxnSpLocks/>
+            <a:stCxn id="22" idx="3"/>
+            <a:endCxn id="20" idx="1"/>
+          </p:cNvCxnSpPr>
+          <p:nvPr/>
+        </p:nvCxnSpPr>
+        <p:spPr>
+          <a:xfrm>
+            <a:off x="1972481" y="4605931"/>
+            <a:ext cx="2455513" cy="0"/>
+          </a:xfrm>
+          <a:prstGeom prst="straightConnector1">
+            <a:avLst/>
+          </a:prstGeom>
+          <a:ln w="28575">
+            <a:solidFill>
+              <a:srgbClr val="7030A0"/>
+            </a:solidFill>
+            <a:prstDash val="sysDot"/>
+            <a:tailEnd type="triangle"/>
+          </a:ln>
+        </p:spPr>
+        <p:style>
+          <a:lnRef idx="1">
+            <a:schemeClr val="accent1"/>
+          </a:lnRef>
+          <a:fillRef idx="0">
+            <a:schemeClr val="accent1"/>
+          </a:fillRef>
+          <a:effectRef idx="0">
+            <a:schemeClr val="accent1"/>
+          </a:effectRef>
+          <a:fontRef idx="minor">
+            <a:schemeClr val="tx1"/>
+          </a:fontRef>
+        </p:style>
+      </p:cxnSp>
+    </p:spTree>
+    <p:extLst>
+      <p:ext uri="{BB962C8B-B14F-4D97-AF65-F5344CB8AC3E}">
+        <p14:creationId xmlns:p14="http://schemas.microsoft.com/office/powerpoint/2010/main" val="3714375054"/>
+      </p:ext>
+    </p:extLst>
+  </p:cSld>
+  <p:clrMapOvr>
+    <a:masterClrMapping/>
+  </p:clrMapOvr>
+  <mc:AlternateContent xmlns:mc="http://schemas.openxmlformats.org/markup-compatibility/2006" xmlns:p14="http://schemas.microsoft.com/office/powerpoint/2010/main">
+    <mc:Choice Requires="p14">
+      <p:transition spd="med" p14:dur="700">
+        <p:fade/>
+      </p:transition>
+    </mc:Choice>
+    <mc:Fallback xmlns="">
+      <p:transition spd="med">
+        <p:fade/>
+      </p:transition>
+    </mc:Fallback>
+  </mc:AlternateContent>
+  <p:timing>
+    <p:tnLst>
+      <p:par>
+        <p:cTn id="1" dur="indefinite" restart="never" nodeType="tmRoot">
+          <p:childTnLst>
+            <p:seq concurrent="1" nextAc="seek">
+              <p:cTn id="2" dur="indefinite" nodeType="mainSeq">
+                <p:childTnLst>
+                  <p:par>
+                    <p:cTn id="3" fill="hold">
+                      <p:stCondLst>
+                        <p:cond delay="indefinite"/>
+                      </p:stCondLst>
+                      <p:childTnLst>
+                        <p:par>
+                          <p:cTn id="4" fill="hold">
+                            <p:stCondLst>
+                              <p:cond delay="0"/>
+                            </p:stCondLst>
+                            <p:childTnLst>
+                              <p:par>
+                                <p:cTn id="5" presetID="22" presetClass="entr" presetSubtype="1" fill="hold" nodeType="clickEffect">
+                                  <p:stCondLst>
+                                    <p:cond delay="0"/>
+                                  </p:stCondLst>
+                                  <p:childTnLst>
+                                    <p:set>
+                                      <p:cBhvr>
+                                        <p:cTn id="6" dur="1" fill="hold">
+                                          <p:stCondLst>
+                                            <p:cond delay="0"/>
+                                          </p:stCondLst>
+                                        </p:cTn>
+                                        <p:tgtEl>
+                                          <p:spTgt spid="15"/>
+                                        </p:tgtEl>
+                                        <p:attrNameLst>
+                                          <p:attrName>style.visibility</p:attrName>
+                                        </p:attrNameLst>
+                                      </p:cBhvr>
+                                      <p:to>
+                                        <p:strVal val="visible"/>
+                                      </p:to>
+                                    </p:set>
+                                    <p:animEffect transition="in" filter="wipe(up)">
+                                      <p:cBhvr>
+                                        <p:cTn id="7" dur="500"/>
+                                        <p:tgtEl>
+                                          <p:spTgt spid="15"/>
+                                        </p:tgtEl>
+                                      </p:cBhvr>
+                                    </p:animEffect>
+                                  </p:childTnLst>
+                                </p:cTn>
+                              </p:par>
+                              <p:par>
+                                <p:cTn id="8" presetID="22" presetClass="entr" presetSubtype="2" fill="hold" nodeType="withEffect">
+                                  <p:stCondLst>
+                                    <p:cond delay="0"/>
+                                  </p:stCondLst>
+                                  <p:childTnLst>
+                                    <p:set>
+                                      <p:cBhvr>
+                                        <p:cTn id="9" dur="1" fill="hold">
+                                          <p:stCondLst>
+                                            <p:cond delay="0"/>
+                                          </p:stCondLst>
+                                        </p:cTn>
+                                        <p:tgtEl>
+                                          <p:spTgt spid="24"/>
+                                        </p:tgtEl>
+                                        <p:attrNameLst>
+                                          <p:attrName>style.visibility</p:attrName>
+                                        </p:attrNameLst>
+                                      </p:cBhvr>
+                                      <p:to>
+                                        <p:strVal val="visible"/>
+                                      </p:to>
+                                    </p:set>
+                                    <p:animEffect transition="in" filter="wipe(right)">
+                                      <p:cBhvr>
+                                        <p:cTn id="10" dur="500"/>
+                                        <p:tgtEl>
+                                          <p:spTgt spid="24"/>
+                                        </p:tgtEl>
+                                      </p:cBhvr>
+                                    </p:animEffect>
+                                  </p:childTnLst>
+                                </p:cTn>
+                              </p:par>
+                            </p:childTnLst>
+                          </p:cTn>
+                        </p:par>
+                        <p:par>
+                          <p:cTn id="11" fill="hold">
+                            <p:stCondLst>
+                              <p:cond delay="500"/>
+                            </p:stCondLst>
+                            <p:childTnLst>
+                              <p:par>
+                                <p:cTn id="12" presetID="10" presetClass="entr" presetSubtype="0" fill="hold" grpId="0" nodeType="afterEffect">
+                                  <p:stCondLst>
+                                    <p:cond delay="0"/>
+                                  </p:stCondLst>
+                                  <p:childTnLst>
+                                    <p:set>
+                                      <p:cBhvr>
+                                        <p:cTn id="13" dur="1" fill="hold">
+                                          <p:stCondLst>
+                                            <p:cond delay="0"/>
+                                          </p:stCondLst>
+                                        </p:cTn>
+                                        <p:tgtEl>
+                                          <p:spTgt spid="16"/>
+                                        </p:tgtEl>
+                                        <p:attrNameLst>
+                                          <p:attrName>style.visibility</p:attrName>
+                                        </p:attrNameLst>
+                                      </p:cBhvr>
+                                      <p:to>
+                                        <p:strVal val="visible"/>
+                                      </p:to>
+                                    </p:set>
+                                    <p:animEffect transition="in" filter="fade">
+                                      <p:cBhvr>
+                                        <p:cTn id="14" dur="500"/>
+                                        <p:tgtEl>
+                                          <p:spTgt spid="16"/>
+                                        </p:tgtEl>
+                                      </p:cBhvr>
+                                    </p:animEffect>
+                                  </p:childTnLst>
+                                </p:cTn>
+                              </p:par>
+                            </p:childTnLst>
+                          </p:cTn>
+                        </p:par>
+                      </p:childTnLst>
+                    </p:cTn>
+                  </p:par>
+                  <p:par>
+                    <p:cTn id="15" fill="hold">
+                      <p:stCondLst>
+                        <p:cond delay="indefinite"/>
+                      </p:stCondLst>
+                      <p:childTnLst>
+                        <p:par>
+                          <p:cTn id="16" fill="hold">
+                            <p:stCondLst>
+                              <p:cond delay="0"/>
+                            </p:stCondLst>
+                            <p:childTnLst>
+                              <p:par>
+                                <p:cTn id="17" presetID="22" presetClass="entr" presetSubtype="1" fill="hold" nodeType="clickEffect">
+                                  <p:stCondLst>
+                                    <p:cond delay="0"/>
+                                  </p:stCondLst>
+                                  <p:childTnLst>
+                                    <p:set>
+                                      <p:cBhvr>
+                                        <p:cTn id="18" dur="1" fill="hold">
+                                          <p:stCondLst>
+                                            <p:cond delay="0"/>
+                                          </p:stCondLst>
+                                        </p:cTn>
+                                        <p:tgtEl>
+                                          <p:spTgt spid="12"/>
+                                        </p:tgtEl>
+                                        <p:attrNameLst>
+                                          <p:attrName>style.visibility</p:attrName>
+                                        </p:attrNameLst>
+                                      </p:cBhvr>
+                                      <p:to>
+                                        <p:strVal val="visible"/>
+                                      </p:to>
+                                    </p:set>
+                                    <p:animEffect transition="in" filter="wipe(up)">
+                                      <p:cBhvr>
+                                        <p:cTn id="19" dur="500"/>
+                                        <p:tgtEl>
+                                          <p:spTgt spid="12"/>
+                                        </p:tgtEl>
+                                      </p:cBhvr>
+                                    </p:animEffect>
+                                  </p:childTnLst>
+                                </p:cTn>
+                              </p:par>
+                            </p:childTnLst>
+                          </p:cTn>
+                        </p:par>
+                        <p:par>
+                          <p:cTn id="20" fill="hold">
+                            <p:stCondLst>
+                              <p:cond delay="500"/>
+                            </p:stCondLst>
+                            <p:childTnLst>
+                              <p:par>
+                                <p:cTn id="21" presetID="10" presetClass="entr" presetSubtype="0" fill="hold" grpId="0" nodeType="afterEffect">
+                                  <p:stCondLst>
+                                    <p:cond delay="0"/>
+                                  </p:stCondLst>
+                                  <p:childTnLst>
+                                    <p:set>
+                                      <p:cBhvr>
+                                        <p:cTn id="22" dur="1" fill="hold">
+                                          <p:stCondLst>
+                                            <p:cond delay="0"/>
+                                          </p:stCondLst>
+                                        </p:cTn>
+                                        <p:tgtEl>
+                                          <p:spTgt spid="22"/>
+                                        </p:tgtEl>
+                                        <p:attrNameLst>
+                                          <p:attrName>style.visibility</p:attrName>
+                                        </p:attrNameLst>
+                                      </p:cBhvr>
+                                      <p:to>
+                                        <p:strVal val="visible"/>
+                                      </p:to>
+                                    </p:set>
+                                    <p:animEffect transition="in" filter="fade">
+                                      <p:cBhvr>
+                                        <p:cTn id="23" dur="500"/>
+                                        <p:tgtEl>
+                                          <p:spTgt spid="22"/>
+                                        </p:tgtEl>
+                                      </p:cBhvr>
+                                    </p:animEffect>
+                                  </p:childTnLst>
+                                </p:cTn>
+                              </p:par>
+                            </p:childTnLst>
+                          </p:cTn>
+                        </p:par>
+                      </p:childTnLst>
+                    </p:cTn>
+                  </p:par>
+                  <p:par>
+                    <p:cTn id="24" fill="hold">
+                      <p:stCondLst>
+                        <p:cond delay="indefinite"/>
+                      </p:stCondLst>
+                      <p:childTnLst>
+                        <p:par>
+                          <p:cTn id="25" fill="hold">
+                            <p:stCondLst>
+                              <p:cond delay="0"/>
+                            </p:stCondLst>
+                            <p:childTnLst>
+                              <p:par>
+                                <p:cTn id="26" presetID="22" presetClass="entr" presetSubtype="8" fill="hold" nodeType="clickEffect">
+                                  <p:stCondLst>
+                                    <p:cond delay="0"/>
+                                  </p:stCondLst>
+                                  <p:childTnLst>
+                                    <p:set>
+                                      <p:cBhvr>
+                                        <p:cTn id="27" dur="1" fill="hold">
+                                          <p:stCondLst>
+                                            <p:cond delay="0"/>
+                                          </p:stCondLst>
+                                        </p:cTn>
+                                        <p:tgtEl>
+                                          <p:spTgt spid="23"/>
+                                        </p:tgtEl>
+                                        <p:attrNameLst>
+                                          <p:attrName>style.visibility</p:attrName>
+                                        </p:attrNameLst>
+                                      </p:cBhvr>
+                                      <p:to>
+                                        <p:strVal val="visible"/>
+                                      </p:to>
+                                    </p:set>
+                                    <p:animEffect transition="in" filter="wipe(left)">
+                                      <p:cBhvr>
+                                        <p:cTn id="28" dur="500"/>
+                                        <p:tgtEl>
+                                          <p:spTgt spid="23"/>
+                                        </p:tgtEl>
+                                      </p:cBhvr>
+                                    </p:animEffect>
+                                  </p:childTnLst>
+                                </p:cTn>
+                              </p:par>
+                            </p:childTnLst>
+                          </p:cTn>
+                        </p:par>
+                      </p:childTnLst>
+                    </p:cTn>
+                  </p:par>
+                </p:childTnLst>
+              </p:cTn>
+              <p:prevCondLst>
+                <p:cond evt="onPrev" delay="0">
+                  <p:tgtEl>
+                    <p:sldTgt/>
+                  </p:tgtEl>
+                </p:cond>
+              </p:prevCondLst>
+              <p:nextCondLst>
+                <p:cond evt="onNext" delay="0">
+                  <p:tgtEl>
+                    <p:sldTgt/>
+                  </p:tgtEl>
+                </p:cond>
+              </p:nextCondLst>
+            </p:seq>
+          </p:childTnLst>
+        </p:cTn>
+      </p:par>
+    </p:tnLst>
+    <p:bldLst>
+      <p:bldP spid="16" grpId="0"/>
+      <p:bldP spid="22" grpId="0"/>
+    </p:bldLst>
+  </p:timing>
+</p:sld>
+</file>
+
+<file path=ppt/slides/slide7.xml><?xml version="1.0" encoding="utf-8"?>
+<p:sld xmlns:a="http://schemas.openxmlformats.org/drawingml/2006/main" xmlns:r="http://schemas.openxmlformats.org/officeDocument/2006/relationships" xmlns:p="http://schemas.openxmlformats.org/presentationml/2006/main">
+  <p:cSld>
+    <p:spTree>
+      <p:nvGrpSpPr>
+        <p:cNvPr id="1" name=""/>
+        <p:cNvGrpSpPr/>
+        <p:nvPr/>
+      </p:nvGrpSpPr>
+      <p:grpSpPr>
+        <a:xfrm>
+          <a:off x="0" y="0"/>
+          <a:ext cx="0" cy="0"/>
+          <a:chOff x="0" y="0"/>
+          <a:chExt cx="0" cy="0"/>
+        </a:xfrm>
+      </p:grpSpPr>
+      <p:sp>
+        <p:nvSpPr>
+          <p:cNvPr id="8" name="标题 7">
+            <a:extLst>
+              <a:ext uri="{FF2B5EF4-FFF2-40B4-BE49-F238E27FC236}">
+                <a16:creationId xmlns:a16="http://schemas.microsoft.com/office/drawing/2014/main" id="{FB87FE74-671C-4E37-9D37-34C6D508DA40}"/>
+              </a:ext>
+            </a:extLst>
+          </p:cNvPr>
+          <p:cNvSpPr>
+            <a:spLocks noGrp="1"/>
+          </p:cNvSpPr>
+          <p:nvPr>
+            <p:ph type="title"/>
+          </p:nvPr>
+        </p:nvSpPr>
+        <p:spPr/>
+        <p:txBody>
+          <a:bodyPr>
+            <a:normAutofit fontScale="90000"/>
+          </a:bodyPr>
+          <a:lstStyle/>
+          <a:p>
+            <a:r>
+              <a:rPr lang="zh-CN" altLang="en-US" dirty="0"/>
+              <a:t>一、大语言模型是什么？</a:t>
+            </a:r>
+          </a:p>
+        </p:txBody>
+      </p:sp>
+      <p:sp>
+        <p:nvSpPr>
+          <p:cNvPr id="2" name="矩形 1">
+            <a:extLst>
+              <a:ext uri="{FF2B5EF4-FFF2-40B4-BE49-F238E27FC236}">
+                <a16:creationId xmlns:a16="http://schemas.microsoft.com/office/drawing/2014/main" id="{0BBE71F1-A749-4940-A2C1-79FCA89C0398}"/>
+              </a:ext>
+            </a:extLst>
+          </p:cNvPr>
+          <p:cNvSpPr/>
+          <p:nvPr/>
+        </p:nvSpPr>
+        <p:spPr>
+          <a:xfrm>
+            <a:off x="396689" y="1144816"/>
+            <a:ext cx="11216185" cy="1200329"/>
+          </a:xfrm>
+          <a:prstGeom prst="rect">
+            <a:avLst/>
+          </a:prstGeom>
+        </p:spPr>
+        <p:txBody>
+          <a:bodyPr wrap="square">
+            <a:spAutoFit/>
+          </a:bodyPr>
+          <a:lstStyle/>
+          <a:p>
+            <a:r>
+              <a:rPr lang="zh-CN" altLang="en-US" sz="2400" dirty="0">
+                <a:latin typeface="黑体" panose="02010609060101010101" pitchFamily="49" charset="-122"/>
+                <a:ea typeface="黑体" panose="02010609060101010101" pitchFamily="49" charset="-122"/>
+              </a:rPr>
+              <a:t>    </a:t>
+            </a:r>
+            <a:r>
+              <a:rPr lang="zh-CN" altLang="en-US" sz="2400" dirty="0">
+                <a:solidFill>
+                  <a:srgbClr val="7030A0"/>
+                </a:solidFill>
+                <a:latin typeface="黑体" panose="02010609060101010101" pitchFamily="49" charset="-122"/>
+                <a:ea typeface="黑体" panose="02010609060101010101" pitchFamily="49" charset="-122"/>
+              </a:rPr>
+              <a:t>大</a:t>
+            </a:r>
+            <a:r>
+              <a:rPr lang="zh-CN" altLang="en-US" sz="2400" dirty="0">
+                <a:solidFill>
+                  <a:srgbClr val="00B050"/>
+                </a:solidFill>
+                <a:latin typeface="黑体" panose="02010609060101010101" pitchFamily="49" charset="-122"/>
+                <a:ea typeface="黑体" panose="02010609060101010101" pitchFamily="49" charset="-122"/>
+              </a:rPr>
+              <a:t>语言</a:t>
+            </a:r>
+            <a:r>
+              <a:rPr lang="zh-CN" altLang="en-US" sz="2400" dirty="0">
+                <a:latin typeface="黑体" panose="02010609060101010101" pitchFamily="49" charset="-122"/>
+                <a:ea typeface="黑体" panose="02010609060101010101" pitchFamily="49" charset="-122"/>
+              </a:rPr>
+              <a:t>模型（</a:t>
+            </a:r>
+            <a:r>
+              <a:rPr lang="en-US" altLang="zh-CN" sz="2400" dirty="0">
+                <a:latin typeface="Times New Roman" panose="02020603050405020304" pitchFamily="18" charset="0"/>
+                <a:ea typeface="黑体" panose="02010609060101010101" pitchFamily="49" charset="-122"/>
+                <a:cs typeface="Times New Roman" panose="02020603050405020304" pitchFamily="18" charset="0"/>
+              </a:rPr>
+              <a:t>LLM</a:t>
+            </a:r>
+            <a:r>
+              <a:rPr lang="zh-CN" altLang="en-US" sz="2400" dirty="0">
+                <a:latin typeface="黑体" panose="02010609060101010101" pitchFamily="49" charset="-122"/>
+                <a:ea typeface="黑体" panose="02010609060101010101" pitchFamily="49" charset="-122"/>
+              </a:rPr>
+              <a:t>）是基于海量文本数据训练的</a:t>
+            </a:r>
+            <a:r>
+              <a:rPr lang="zh-CN" altLang="en-US" sz="2400" dirty="0">
+                <a:solidFill>
+                  <a:srgbClr val="00B0F0"/>
+                </a:solidFill>
+                <a:latin typeface="黑体" panose="02010609060101010101" pitchFamily="49" charset="-122"/>
+                <a:ea typeface="黑体" panose="02010609060101010101" pitchFamily="49" charset="-122"/>
+              </a:rPr>
+              <a:t>神经网络模型</a:t>
+            </a:r>
+            <a:r>
+              <a:rPr lang="zh-CN" altLang="en-US" sz="2400" dirty="0">
+                <a:latin typeface="黑体" panose="02010609060101010101" pitchFamily="49" charset="-122"/>
+                <a:ea typeface="黑体" panose="02010609060101010101" pitchFamily="49" charset="-122"/>
+              </a:rPr>
+              <a:t>。它不仅能够生成自然语言文本，还能够深入理解文本含义，处理各种自然语言任务，如文本摘要、问答、翻译等。</a:t>
+            </a:r>
+          </a:p>
+        </p:txBody>
+      </p:sp>
+      <p:cxnSp>
+        <p:nvCxnSpPr>
+          <p:cNvPr id="4" name="直接箭头连接符 3">
+            <a:extLst>
+              <a:ext uri="{FF2B5EF4-FFF2-40B4-BE49-F238E27FC236}">
+                <a16:creationId xmlns:a16="http://schemas.microsoft.com/office/drawing/2014/main" id="{BE1E6C6D-B843-41EC-8542-7E32BEFDC965}"/>
+              </a:ext>
+            </a:extLst>
+          </p:cNvPr>
+          <p:cNvCxnSpPr>
+            <a:cxnSpLocks/>
+            <a:endCxn id="34" idx="0"/>
+          </p:cNvCxnSpPr>
+          <p:nvPr/>
+        </p:nvCxnSpPr>
+        <p:spPr>
+          <a:xfrm>
+            <a:off x="8182874" y="1569213"/>
+            <a:ext cx="0" cy="1340317"/>
+          </a:xfrm>
+          <a:prstGeom prst="straightConnector1">
+            <a:avLst/>
+          </a:prstGeom>
+          <a:ln w="28575">
+            <a:solidFill>
+              <a:srgbClr val="00B0F0"/>
+            </a:solidFill>
+            <a:prstDash val="sysDot"/>
+            <a:tailEnd type="triangle"/>
+          </a:ln>
+        </p:spPr>
+        <p:style>
+          <a:lnRef idx="1">
+            <a:schemeClr val="accent1"/>
+          </a:lnRef>
+          <a:fillRef idx="0">
+            <a:schemeClr val="accent1"/>
+          </a:fillRef>
+          <a:effectRef idx="0">
+            <a:schemeClr val="accent1"/>
+          </a:effectRef>
+          <a:fontRef idx="minor">
+            <a:schemeClr val="tx1"/>
+          </a:fontRef>
+        </p:style>
+      </p:cxnSp>
+      <p:cxnSp>
+        <p:nvCxnSpPr>
+          <p:cNvPr id="15" name="直接箭头连接符 14">
+            <a:extLst>
+              <a:ext uri="{FF2B5EF4-FFF2-40B4-BE49-F238E27FC236}">
+                <a16:creationId xmlns:a16="http://schemas.microsoft.com/office/drawing/2014/main" id="{85AA6C6D-3015-4EC7-8FDF-AC03049A0E1E}"/>
+              </a:ext>
+            </a:extLst>
+          </p:cNvPr>
+          <p:cNvCxnSpPr>
+            <a:cxnSpLocks/>
+            <a:endCxn id="16" idx="0"/>
+          </p:cNvCxnSpPr>
+          <p:nvPr/>
+        </p:nvCxnSpPr>
+        <p:spPr>
+          <a:xfrm>
+            <a:off x="1264595" y="1569213"/>
+            <a:ext cx="0" cy="1340317"/>
+          </a:xfrm>
+          <a:prstGeom prst="straightConnector1">
+            <a:avLst/>
+          </a:prstGeom>
+          <a:ln w="28575">
+            <a:solidFill>
+              <a:srgbClr val="7030A0"/>
+            </a:solidFill>
+            <a:prstDash val="sysDot"/>
+            <a:tailEnd type="triangle"/>
+          </a:ln>
+        </p:spPr>
+        <p:style>
+          <a:lnRef idx="1">
+            <a:schemeClr val="accent1"/>
+          </a:lnRef>
+          <a:fillRef idx="0">
+            <a:schemeClr val="accent1"/>
+          </a:fillRef>
+          <a:effectRef idx="0">
+            <a:schemeClr val="accent1"/>
+          </a:effectRef>
+          <a:fontRef idx="minor">
+            <a:schemeClr val="tx1"/>
+          </a:fontRef>
+        </p:style>
+      </p:cxnSp>
+      <p:sp>
+        <p:nvSpPr>
+          <p:cNvPr id="16" name="矩形 15">
+            <a:extLst>
+              <a:ext uri="{FF2B5EF4-FFF2-40B4-BE49-F238E27FC236}">
+                <a16:creationId xmlns:a16="http://schemas.microsoft.com/office/drawing/2014/main" id="{639A993F-CB98-400C-8565-9E2707797E2B}"/>
+              </a:ext>
+            </a:extLst>
+          </p:cNvPr>
+          <p:cNvSpPr/>
+          <p:nvPr/>
+        </p:nvSpPr>
+        <p:spPr>
+          <a:xfrm>
+            <a:off x="556709" y="2909530"/>
+            <a:ext cx="1415772" cy="461665"/>
+          </a:xfrm>
+          <a:prstGeom prst="rect">
+            <a:avLst/>
+          </a:prstGeom>
+        </p:spPr>
+        <p:txBody>
+          <a:bodyPr wrap="none">
+            <a:spAutoFit/>
+          </a:bodyPr>
+          <a:lstStyle/>
+          <a:p>
+            <a:r>
+              <a:rPr lang="zh-CN" altLang="en-US" sz="2400" dirty="0">
+                <a:latin typeface="黑体" panose="02010609060101010101" pitchFamily="49" charset="-122"/>
+                <a:ea typeface="黑体" panose="02010609060101010101" pitchFamily="49" charset="-122"/>
+              </a:rPr>
+              <a:t>上亿参数</a:t>
+            </a:r>
+            <a:endParaRPr lang="zh-CN" altLang="en-US" sz="2400" dirty="0"/>
+          </a:p>
+        </p:txBody>
+      </p:sp>
+      <p:cxnSp>
+        <p:nvCxnSpPr>
+          <p:cNvPr id="17" name="直接箭头连接符 16">
+            <a:extLst>
+              <a:ext uri="{FF2B5EF4-FFF2-40B4-BE49-F238E27FC236}">
+                <a16:creationId xmlns:a16="http://schemas.microsoft.com/office/drawing/2014/main" id="{B5EA85CB-1A95-4158-863C-3C5CFA3CD64A}"/>
+              </a:ext>
+            </a:extLst>
+          </p:cNvPr>
+          <p:cNvCxnSpPr>
+            <a:cxnSpLocks/>
+            <a:endCxn id="20" idx="1"/>
+          </p:cNvCxnSpPr>
+          <p:nvPr/>
+        </p:nvCxnSpPr>
+        <p:spPr>
+          <a:xfrm>
+            <a:off x="1812461" y="1569213"/>
+            <a:ext cx="2615533" cy="3036718"/>
+          </a:xfrm>
+          <a:prstGeom prst="straightConnector1">
+            <a:avLst/>
+          </a:prstGeom>
+          <a:ln w="28575">
+            <a:solidFill>
+              <a:srgbClr val="00B050"/>
+            </a:solidFill>
+            <a:prstDash val="sysDot"/>
+            <a:tailEnd type="triangle"/>
+          </a:ln>
+        </p:spPr>
+        <p:style>
+          <a:lnRef idx="1">
+            <a:schemeClr val="accent1"/>
+          </a:lnRef>
+          <a:fillRef idx="0">
+            <a:schemeClr val="accent1"/>
+          </a:fillRef>
+          <a:effectRef idx="0">
+            <a:schemeClr val="accent1"/>
+          </a:effectRef>
+          <a:fontRef idx="minor">
+            <a:schemeClr val="tx1"/>
+          </a:fontRef>
+        </p:style>
+      </p:cxnSp>
+      <p:sp>
+        <p:nvSpPr>
+          <p:cNvPr id="20" name="矩形 19">
+            <a:extLst>
+              <a:ext uri="{FF2B5EF4-FFF2-40B4-BE49-F238E27FC236}">
+                <a16:creationId xmlns:a16="http://schemas.microsoft.com/office/drawing/2014/main" id="{5149D0BE-5144-4853-914A-2C60CAC64ED0}"/>
+              </a:ext>
+            </a:extLst>
+          </p:cNvPr>
+          <p:cNvSpPr/>
+          <p:nvPr/>
+        </p:nvSpPr>
+        <p:spPr>
+          <a:xfrm>
+            <a:off x="4427994" y="4375098"/>
+            <a:ext cx="2954655" cy="461665"/>
+          </a:xfrm>
+          <a:prstGeom prst="rect">
+            <a:avLst/>
+          </a:prstGeom>
+        </p:spPr>
+        <p:txBody>
+          <a:bodyPr wrap="none">
+            <a:spAutoFit/>
+          </a:bodyPr>
+          <a:lstStyle/>
+          <a:p>
+            <a:r>
+              <a:rPr lang="zh-CN" altLang="en-US" sz="2400" dirty="0">
+                <a:latin typeface="黑体" panose="02010609060101010101" pitchFamily="49" charset="-122"/>
+                <a:ea typeface="黑体" panose="02010609060101010101" pitchFamily="49" charset="-122"/>
+              </a:rPr>
+              <a:t>更好的预测下一个词</a:t>
+            </a:r>
+            <a:endParaRPr lang="zh-CN" altLang="en-US" sz="2400" dirty="0"/>
+          </a:p>
+        </p:txBody>
+      </p:sp>
+      <p:cxnSp>
+        <p:nvCxnSpPr>
+          <p:cNvPr id="21" name="直接箭头连接符 20">
+            <a:extLst>
+              <a:ext uri="{FF2B5EF4-FFF2-40B4-BE49-F238E27FC236}">
+                <a16:creationId xmlns:a16="http://schemas.microsoft.com/office/drawing/2014/main" id="{357ACBB7-0E28-43AB-AD60-C8611717E7A2}"/>
+              </a:ext>
+            </a:extLst>
+          </p:cNvPr>
+          <p:cNvCxnSpPr>
+            <a:cxnSpLocks/>
+            <a:stCxn id="34" idx="2"/>
+            <a:endCxn id="20" idx="3"/>
+          </p:cNvCxnSpPr>
+          <p:nvPr/>
+        </p:nvCxnSpPr>
+        <p:spPr>
+          <a:xfrm flipH="1">
+            <a:off x="7382649" y="3371195"/>
+            <a:ext cx="800225" cy="1234736"/>
+          </a:xfrm>
+          <a:prstGeom prst="straightConnector1">
+            <a:avLst/>
+          </a:prstGeom>
+          <a:ln w="28575">
+            <a:solidFill>
+              <a:srgbClr val="00B0F0"/>
+            </a:solidFill>
+            <a:prstDash val="sysDot"/>
+            <a:tailEnd type="triangle"/>
+          </a:ln>
+        </p:spPr>
+        <p:style>
+          <a:lnRef idx="1">
+            <a:schemeClr val="accent1"/>
+          </a:lnRef>
+          <a:fillRef idx="0">
+            <a:schemeClr val="accent1"/>
+          </a:fillRef>
+          <a:effectRef idx="0">
+            <a:schemeClr val="accent1"/>
+          </a:effectRef>
+          <a:fontRef idx="minor">
+            <a:schemeClr val="tx1"/>
+          </a:fontRef>
+        </p:style>
+      </p:cxnSp>
+      <p:cxnSp>
+        <p:nvCxnSpPr>
+          <p:cNvPr id="24" name="直接箭头连接符 23">
+            <a:extLst>
+              <a:ext uri="{FF2B5EF4-FFF2-40B4-BE49-F238E27FC236}">
+                <a16:creationId xmlns:a16="http://schemas.microsoft.com/office/drawing/2014/main" id="{210978B0-73E4-48C3-9AAD-82E128EA990F}"/>
+              </a:ext>
+            </a:extLst>
+          </p:cNvPr>
+          <p:cNvCxnSpPr>
+            <a:cxnSpLocks/>
+            <a:stCxn id="34" idx="1"/>
+            <a:endCxn id="16" idx="3"/>
+          </p:cNvCxnSpPr>
+          <p:nvPr/>
+        </p:nvCxnSpPr>
+        <p:spPr>
+          <a:xfrm flipH="1">
+            <a:off x="1972481" y="3140363"/>
+            <a:ext cx="5723721" cy="0"/>
+          </a:xfrm>
+          <a:prstGeom prst="straightConnector1">
+            <a:avLst/>
+          </a:prstGeom>
+          <a:ln w="28575">
+            <a:solidFill>
+              <a:srgbClr val="00B0F0"/>
+            </a:solidFill>
+            <a:prstDash val="sysDot"/>
+            <a:tailEnd type="triangle"/>
+          </a:ln>
+        </p:spPr>
+        <p:style>
+          <a:lnRef idx="1">
+            <a:schemeClr val="accent1"/>
+          </a:lnRef>
+          <a:fillRef idx="0">
+            <a:schemeClr val="accent1"/>
+          </a:fillRef>
+          <a:effectRef idx="0">
+            <a:schemeClr val="accent1"/>
+          </a:effectRef>
+          <a:fontRef idx="minor">
+            <a:schemeClr val="tx1"/>
+          </a:fontRef>
+        </p:style>
+      </p:cxnSp>
+      <p:sp>
+        <p:nvSpPr>
+          <p:cNvPr id="34" name="矩形 33">
+            <a:extLst>
+              <a:ext uri="{FF2B5EF4-FFF2-40B4-BE49-F238E27FC236}">
+                <a16:creationId xmlns:a16="http://schemas.microsoft.com/office/drawing/2014/main" id="{7DFAB3E8-0B0D-473A-9D0B-7EBB9A3C09BB}"/>
+              </a:ext>
+            </a:extLst>
+          </p:cNvPr>
+          <p:cNvSpPr/>
+          <p:nvPr/>
+        </p:nvSpPr>
+        <p:spPr>
+          <a:xfrm>
+            <a:off x="7696202" y="2909530"/>
+            <a:ext cx="973343" cy="461665"/>
+          </a:xfrm>
+          <a:prstGeom prst="rect">
+            <a:avLst/>
+          </a:prstGeom>
+        </p:spPr>
+        <p:txBody>
+          <a:bodyPr wrap="none">
+            <a:spAutoFit/>
+          </a:bodyPr>
+          <a:lstStyle/>
+          <a:p>
+            <a:r>
+              <a:rPr lang="en-US" altLang="zh-CN" sz="2400" dirty="0">
+                <a:latin typeface="Times New Roman" panose="02020603050405020304" pitchFamily="18" charset="0"/>
+                <a:ea typeface="黑体" panose="02010609060101010101" pitchFamily="49" charset="-122"/>
+                <a:cs typeface="Times New Roman" panose="02020603050405020304" pitchFamily="18" charset="0"/>
+              </a:rPr>
+              <a:t>y = </a:t>
+            </a:r>
+            <a:r>
+              <a:rPr lang="en-US" altLang="zh-CN" sz="2400" dirty="0" err="1">
+                <a:latin typeface="Times New Roman" panose="02020603050405020304" pitchFamily="18" charset="0"/>
+                <a:ea typeface="黑体" panose="02010609060101010101" pitchFamily="49" charset="-122"/>
+                <a:cs typeface="Times New Roman" panose="02020603050405020304" pitchFamily="18" charset="0"/>
+              </a:rPr>
+              <a:t>kx</a:t>
+            </a:r>
+            <a:endParaRPr lang="zh-CN" altLang="en-US" sz="2400" dirty="0">
+              <a:latin typeface="Times New Roman" panose="02020603050405020304" pitchFamily="18" charset="0"/>
+              <a:cs typeface="Times New Roman" panose="02020603050405020304" pitchFamily="18" charset="0"/>
+            </a:endParaRPr>
+          </a:p>
+        </p:txBody>
+      </p:sp>
+      <p:cxnSp>
+        <p:nvCxnSpPr>
+          <p:cNvPr id="12" name="直接箭头连接符 11">
+            <a:extLst>
+              <a:ext uri="{FF2B5EF4-FFF2-40B4-BE49-F238E27FC236}">
+                <a16:creationId xmlns:a16="http://schemas.microsoft.com/office/drawing/2014/main" id="{B3960F6D-F135-4B88-86F9-88B9ECC105B2}"/>
+              </a:ext>
+            </a:extLst>
+          </p:cNvPr>
+          <p:cNvCxnSpPr>
+            <a:cxnSpLocks/>
+            <a:stCxn id="16" idx="2"/>
+            <a:endCxn id="22" idx="0"/>
+          </p:cNvCxnSpPr>
+          <p:nvPr/>
+        </p:nvCxnSpPr>
+        <p:spPr>
+          <a:xfrm>
+            <a:off x="1264595" y="3371195"/>
+            <a:ext cx="0" cy="1003903"/>
+          </a:xfrm>
+          <a:prstGeom prst="straightConnector1">
+            <a:avLst/>
+          </a:prstGeom>
+          <a:ln w="28575">
+            <a:solidFill>
+              <a:srgbClr val="7030A0"/>
+            </a:solidFill>
+            <a:prstDash val="sysDot"/>
+            <a:tailEnd type="triangle"/>
+          </a:ln>
+        </p:spPr>
+        <p:style>
+          <a:lnRef idx="1">
+            <a:schemeClr val="accent1"/>
+          </a:lnRef>
+          <a:fillRef idx="0">
+            <a:schemeClr val="accent1"/>
+          </a:fillRef>
+          <a:effectRef idx="0">
+            <a:schemeClr val="accent1"/>
+          </a:effectRef>
+          <a:fontRef idx="minor">
+            <a:schemeClr val="tx1"/>
+          </a:fontRef>
+        </p:style>
+      </p:cxnSp>
+      <p:sp>
+        <p:nvSpPr>
+          <p:cNvPr id="22" name="矩形 21">
+            <a:extLst>
+              <a:ext uri="{FF2B5EF4-FFF2-40B4-BE49-F238E27FC236}">
+                <a16:creationId xmlns:a16="http://schemas.microsoft.com/office/drawing/2014/main" id="{75EC3F93-7358-42FF-9FD5-ED908B2106EA}"/>
+              </a:ext>
+            </a:extLst>
+          </p:cNvPr>
+          <p:cNvSpPr/>
+          <p:nvPr/>
+        </p:nvSpPr>
+        <p:spPr>
+          <a:xfrm>
+            <a:off x="556709" y="4375098"/>
+            <a:ext cx="1415772" cy="461665"/>
+          </a:xfrm>
+          <a:prstGeom prst="rect">
+            <a:avLst/>
+          </a:prstGeom>
+        </p:spPr>
+        <p:txBody>
+          <a:bodyPr wrap="none">
+            <a:spAutoFit/>
+          </a:bodyPr>
+          <a:lstStyle/>
+          <a:p>
+            <a:r>
+              <a:rPr lang="zh-CN" altLang="en-US" sz="2400" dirty="0">
+                <a:latin typeface="黑体" panose="02010609060101010101" pitchFamily="49" charset="-122"/>
+                <a:ea typeface="黑体" panose="02010609060101010101" pitchFamily="49" charset="-122"/>
+              </a:rPr>
+              <a:t>智能涌现</a:t>
+            </a:r>
+            <a:endParaRPr lang="zh-CN" altLang="en-US" sz="2400" dirty="0"/>
+          </a:p>
+        </p:txBody>
+      </p:sp>
+      <p:cxnSp>
+        <p:nvCxnSpPr>
+          <p:cNvPr id="23" name="直接箭头连接符 22">
+            <a:extLst>
+              <a:ext uri="{FF2B5EF4-FFF2-40B4-BE49-F238E27FC236}">
+                <a16:creationId xmlns:a16="http://schemas.microsoft.com/office/drawing/2014/main" id="{BC0CFF2C-DDD4-42F6-A6EC-379409B3E028}"/>
+              </a:ext>
+            </a:extLst>
+          </p:cNvPr>
+          <p:cNvCxnSpPr>
+            <a:cxnSpLocks/>
+            <a:stCxn id="22" idx="3"/>
+            <a:endCxn id="20" idx="1"/>
+          </p:cNvCxnSpPr>
+          <p:nvPr/>
+        </p:nvCxnSpPr>
+        <p:spPr>
+          <a:xfrm>
+            <a:off x="1972481" y="4605931"/>
+            <a:ext cx="2455513" cy="0"/>
+          </a:xfrm>
+          <a:prstGeom prst="straightConnector1">
+            <a:avLst/>
+          </a:prstGeom>
+          <a:ln w="28575">
+            <a:solidFill>
+              <a:srgbClr val="7030A0"/>
+            </a:solidFill>
+            <a:prstDash val="sysDot"/>
+            <a:tailEnd type="triangle"/>
+          </a:ln>
+        </p:spPr>
+        <p:style>
+          <a:lnRef idx="1">
+            <a:schemeClr val="accent1"/>
+          </a:lnRef>
+          <a:fillRef idx="0">
+            <a:schemeClr val="accent1"/>
+          </a:fillRef>
+          <a:effectRef idx="0">
+            <a:schemeClr val="accent1"/>
+          </a:effectRef>
+          <a:fontRef idx="minor">
+            <a:schemeClr val="tx1"/>
+          </a:fontRef>
+        </p:style>
+      </p:cxnSp>
+      <p:sp>
+        <p:nvSpPr>
+          <p:cNvPr id="18" name="矩形 17">
+            <a:extLst>
+              <a:ext uri="{FF2B5EF4-FFF2-40B4-BE49-F238E27FC236}">
+                <a16:creationId xmlns:a16="http://schemas.microsoft.com/office/drawing/2014/main" id="{9D8D1C4D-2EC7-493C-A0A4-0E03FD0D86B4}"/>
+              </a:ext>
+            </a:extLst>
+          </p:cNvPr>
+          <p:cNvSpPr/>
+          <p:nvPr/>
+        </p:nvSpPr>
+        <p:spPr>
+          <a:xfrm>
+            <a:off x="4427993" y="4992464"/>
+            <a:ext cx="2954655" cy="461665"/>
+          </a:xfrm>
+          <a:prstGeom prst="rect">
+            <a:avLst/>
+          </a:prstGeom>
+        </p:spPr>
+        <p:txBody>
+          <a:bodyPr wrap="none">
+            <a:spAutoFit/>
+          </a:bodyPr>
+          <a:lstStyle/>
+          <a:p>
+            <a:r>
+              <a:rPr lang="zh-CN" altLang="en-US" sz="2400" dirty="0">
+                <a:latin typeface="黑体" panose="02010609060101010101" pitchFamily="49" charset="-122"/>
+                <a:ea typeface="黑体" panose="02010609060101010101" pitchFamily="49" charset="-122"/>
+              </a:rPr>
+              <a:t>完美的预测下一个词</a:t>
+            </a:r>
+            <a:endParaRPr lang="zh-CN" altLang="en-US" sz="2400" dirty="0"/>
+          </a:p>
+        </p:txBody>
+      </p:sp>
+      <p:sp>
+        <p:nvSpPr>
+          <p:cNvPr id="19" name="矩形 18">
+            <a:extLst>
+              <a:ext uri="{FF2B5EF4-FFF2-40B4-BE49-F238E27FC236}">
+                <a16:creationId xmlns:a16="http://schemas.microsoft.com/office/drawing/2014/main" id="{5A37C4E5-B9BF-4395-8908-A60BB31B9B38}"/>
+              </a:ext>
+            </a:extLst>
+          </p:cNvPr>
+          <p:cNvSpPr/>
+          <p:nvPr/>
+        </p:nvSpPr>
+        <p:spPr>
+          <a:xfrm>
+            <a:off x="4407228" y="5609830"/>
+            <a:ext cx="3195105" cy="461665"/>
+          </a:xfrm>
+          <a:prstGeom prst="rect">
+            <a:avLst/>
+          </a:prstGeom>
+        </p:spPr>
+        <p:txBody>
+          <a:bodyPr wrap="none">
+            <a:spAutoFit/>
+          </a:bodyPr>
+          <a:lstStyle/>
+          <a:p>
+            <a:r>
+              <a:rPr lang="zh-CN" altLang="en-US" sz="2400" dirty="0">
+                <a:latin typeface="Times New Roman" panose="02020603050405020304" pitchFamily="18" charset="0"/>
+                <a:ea typeface="黑体" panose="02010609060101010101" pitchFamily="49" charset="-122"/>
+                <a:cs typeface="Times New Roman" panose="02020603050405020304" pitchFamily="18" charset="0"/>
+              </a:rPr>
+              <a:t>实现通用人工智能</a:t>
+            </a:r>
+            <a:r>
+              <a:rPr lang="en-US" altLang="zh-CN" sz="2400" dirty="0">
+                <a:latin typeface="Times New Roman" panose="02020603050405020304" pitchFamily="18" charset="0"/>
+                <a:ea typeface="黑体" panose="02010609060101010101" pitchFamily="49" charset="-122"/>
+                <a:cs typeface="Times New Roman" panose="02020603050405020304" pitchFamily="18" charset="0"/>
+              </a:rPr>
+              <a:t>AGI</a:t>
+            </a:r>
+            <a:endParaRPr lang="zh-CN" altLang="en-US" sz="2400" dirty="0">
+              <a:latin typeface="Times New Roman" panose="02020603050405020304" pitchFamily="18" charset="0"/>
+              <a:cs typeface="Times New Roman" panose="02020603050405020304" pitchFamily="18" charset="0"/>
+            </a:endParaRPr>
+          </a:p>
+        </p:txBody>
+      </p:sp>
+      <p:cxnSp>
+        <p:nvCxnSpPr>
+          <p:cNvPr id="5" name="直接箭头连接符 4">
+            <a:extLst>
+              <a:ext uri="{FF2B5EF4-FFF2-40B4-BE49-F238E27FC236}">
+                <a16:creationId xmlns:a16="http://schemas.microsoft.com/office/drawing/2014/main" id="{3FC7B3B5-0D5B-49ED-A8D8-A8AC586F992E}"/>
+              </a:ext>
+            </a:extLst>
+          </p:cNvPr>
+          <p:cNvCxnSpPr>
+            <a:stCxn id="20" idx="2"/>
+            <a:endCxn id="18" idx="0"/>
+          </p:cNvCxnSpPr>
+          <p:nvPr/>
+        </p:nvCxnSpPr>
+        <p:spPr>
+          <a:xfrm flipH="1">
+            <a:off x="5905321" y="4836763"/>
+            <a:ext cx="1" cy="155701"/>
+          </a:xfrm>
+          <a:prstGeom prst="straightConnector1">
+            <a:avLst/>
+          </a:prstGeom>
+          <a:ln w="31750">
+            <a:solidFill>
+              <a:srgbClr val="FF0000"/>
+            </a:solidFill>
+            <a:tailEnd type="triangle"/>
+          </a:ln>
+        </p:spPr>
+        <p:style>
+          <a:lnRef idx="1">
+            <a:schemeClr val="accent1"/>
+          </a:lnRef>
+          <a:fillRef idx="0">
+            <a:schemeClr val="accent1"/>
+          </a:fillRef>
+          <a:effectRef idx="0">
+            <a:schemeClr val="accent1"/>
+          </a:effectRef>
+          <a:fontRef idx="minor">
+            <a:schemeClr val="tx1"/>
+          </a:fontRef>
+        </p:style>
+      </p:cxnSp>
+      <p:cxnSp>
+        <p:nvCxnSpPr>
+          <p:cNvPr id="25" name="直接箭头连接符 24">
+            <a:extLst>
+              <a:ext uri="{FF2B5EF4-FFF2-40B4-BE49-F238E27FC236}">
+                <a16:creationId xmlns:a16="http://schemas.microsoft.com/office/drawing/2014/main" id="{1B156327-4FAC-4B5D-8E12-9938CD8D04C9}"/>
+              </a:ext>
+            </a:extLst>
+          </p:cNvPr>
+          <p:cNvCxnSpPr>
+            <a:cxnSpLocks/>
+          </p:cNvCxnSpPr>
+          <p:nvPr/>
+        </p:nvCxnSpPr>
+        <p:spPr>
+          <a:xfrm flipH="1">
+            <a:off x="5882280" y="5454129"/>
+            <a:ext cx="1" cy="155701"/>
+          </a:xfrm>
+          <a:prstGeom prst="straightConnector1">
+            <a:avLst/>
+          </a:prstGeom>
+          <a:ln w="31750">
+            <a:solidFill>
+              <a:srgbClr val="FF0000"/>
+            </a:solidFill>
+            <a:tailEnd type="triangle"/>
+          </a:ln>
+        </p:spPr>
+        <p:style>
+          <a:lnRef idx="1">
+            <a:schemeClr val="accent1"/>
+          </a:lnRef>
+          <a:fillRef idx="0">
+            <a:schemeClr val="accent1"/>
+          </a:fillRef>
+          <a:effectRef idx="0">
+            <a:schemeClr val="accent1"/>
+          </a:effectRef>
+          <a:fontRef idx="minor">
+            <a:schemeClr val="tx1"/>
+          </a:fontRef>
+        </p:style>
+      </p:cxnSp>
+    </p:spTree>
+    <p:extLst>
+      <p:ext uri="{BB962C8B-B14F-4D97-AF65-F5344CB8AC3E}">
+        <p14:creationId xmlns:p14="http://schemas.microsoft.com/office/powerpoint/2010/main" val="2552826509"/>
+      </p:ext>
+    </p:extLst>
+  </p:cSld>
+  <p:clrMapOvr>
+    <a:masterClrMapping/>
+  </p:clrMapOvr>
+  <mc:AlternateContent xmlns:mc="http://schemas.openxmlformats.org/markup-compatibility/2006" xmlns:p14="http://schemas.microsoft.com/office/powerpoint/2010/main">
+    <mc:Choice Requires="p14">
+      <p:transition spd="med" p14:dur="700">
+        <p:fade/>
+      </p:transition>
+    </mc:Choice>
+    <mc:Fallback xmlns="">
+      <p:transition spd="med">
+        <p:fade/>
+      </p:transition>
+    </mc:Fallback>
+  </mc:AlternateContent>
+  <p:timing>
+    <p:tnLst>
+      <p:par>
+        <p:cTn id="1" dur="indefinite" restart="never" nodeType="tmRoot">
+          <p:childTnLst>
+            <p:seq concurrent="1" nextAc="seek">
+              <p:cTn id="2" dur="indefinite" nodeType="mainSeq">
+                <p:childTnLst>
+                  <p:par>
+                    <p:cTn id="3" fill="hold">
+                      <p:stCondLst>
+                        <p:cond delay="indefinite"/>
+                      </p:stCondLst>
+                      <p:childTnLst>
+                        <p:par>
+                          <p:cTn id="4" fill="hold">
+                            <p:stCondLst>
+                              <p:cond delay="0"/>
+                            </p:stCondLst>
+                            <p:childTnLst>
+                              <p:par>
+                                <p:cTn id="5" presetID="22" presetClass="entr" presetSubtype="1" fill="hold" nodeType="clickEffect">
+                                  <p:stCondLst>
+                                    <p:cond delay="0"/>
+                                  </p:stCondLst>
+                                  <p:childTnLst>
+                                    <p:set>
+                                      <p:cBhvr>
+                                        <p:cTn id="6" dur="1" fill="hold">
+                                          <p:stCondLst>
+                                            <p:cond delay="0"/>
+                                          </p:stCondLst>
+                                        </p:cTn>
+                                        <p:tgtEl>
+                                          <p:spTgt spid="5"/>
+                                        </p:tgtEl>
+                                        <p:attrNameLst>
+                                          <p:attrName>style.visibility</p:attrName>
+                                        </p:attrNameLst>
+                                      </p:cBhvr>
+                                      <p:to>
+                                        <p:strVal val="visible"/>
+                                      </p:to>
+                                    </p:set>
+                                    <p:animEffect transition="in" filter="wipe(up)">
+                                      <p:cBhvr>
+                                        <p:cTn id="7" dur="500"/>
+                                        <p:tgtEl>
+                                          <p:spTgt spid="5"/>
+                                        </p:tgtEl>
+                                      </p:cBhvr>
+                                    </p:animEffect>
+                                  </p:childTnLst>
+                                </p:cTn>
+                              </p:par>
+                            </p:childTnLst>
+                          </p:cTn>
+                        </p:par>
+                        <p:par>
+                          <p:cTn id="8" fill="hold">
+                            <p:stCondLst>
+                              <p:cond delay="500"/>
+                            </p:stCondLst>
+                            <p:childTnLst>
+                              <p:par>
+                                <p:cTn id="9" presetID="10" presetClass="entr" presetSubtype="0" fill="hold" grpId="0" nodeType="afterEffect">
+                                  <p:stCondLst>
+                                    <p:cond delay="0"/>
+                                  </p:stCondLst>
+                                  <p:childTnLst>
+                                    <p:set>
+                                      <p:cBhvr>
+                                        <p:cTn id="10" dur="1" fill="hold">
+                                          <p:stCondLst>
+                                            <p:cond delay="0"/>
+                                          </p:stCondLst>
+                                        </p:cTn>
+                                        <p:tgtEl>
+                                          <p:spTgt spid="18"/>
+                                        </p:tgtEl>
+                                        <p:attrNameLst>
+                                          <p:attrName>style.visibility</p:attrName>
+                                        </p:attrNameLst>
+                                      </p:cBhvr>
+                                      <p:to>
+                                        <p:strVal val="visible"/>
+                                      </p:to>
+                                    </p:set>
+                                    <p:animEffect transition="in" filter="fade">
+                                      <p:cBhvr>
+                                        <p:cTn id="11" dur="500"/>
+                                        <p:tgtEl>
+                                          <p:spTgt spid="18"/>
+                                        </p:tgtEl>
+                                      </p:cBhvr>
+                                    </p:animEffect>
+                                  </p:childTnLst>
+                                </p:cTn>
+                              </p:par>
+                            </p:childTnLst>
+                          </p:cTn>
+                        </p:par>
+                      </p:childTnLst>
+                    </p:cTn>
+                  </p:par>
+                  <p:par>
+                    <p:cTn id="12" fill="hold">
+                      <p:stCondLst>
+                        <p:cond delay="indefinite"/>
+                      </p:stCondLst>
+                      <p:childTnLst>
+                        <p:par>
+                          <p:cTn id="13" fill="hold">
+                            <p:stCondLst>
+                              <p:cond delay="0"/>
+                            </p:stCondLst>
+                            <p:childTnLst>
+                              <p:par>
+                                <p:cTn id="14" presetID="22" presetClass="entr" presetSubtype="1" fill="hold" nodeType="clickEffect">
+                                  <p:stCondLst>
+                                    <p:cond delay="0"/>
+                                  </p:stCondLst>
+                                  <p:childTnLst>
+                                    <p:set>
+                                      <p:cBhvr>
+                                        <p:cTn id="15" dur="1" fill="hold">
+                                          <p:stCondLst>
+                                            <p:cond delay="0"/>
+                                          </p:stCondLst>
+                                        </p:cTn>
+                                        <p:tgtEl>
+                                          <p:spTgt spid="25"/>
+                                        </p:tgtEl>
+                                        <p:attrNameLst>
+                                          <p:attrName>style.visibility</p:attrName>
+                                        </p:attrNameLst>
+                                      </p:cBhvr>
+                                      <p:to>
+                                        <p:strVal val="visible"/>
+                                      </p:to>
+                                    </p:set>
+                                    <p:animEffect transition="in" filter="wipe(up)">
+                                      <p:cBhvr>
+                                        <p:cTn id="16" dur="500"/>
+                                        <p:tgtEl>
+                                          <p:spTgt spid="25"/>
+                                        </p:tgtEl>
+                                      </p:cBhvr>
+                                    </p:animEffect>
+                                  </p:childTnLst>
+                                </p:cTn>
+                              </p:par>
+                            </p:childTnLst>
+                          </p:cTn>
+                        </p:par>
+                        <p:par>
+                          <p:cTn id="17" fill="hold">
+                            <p:stCondLst>
+                              <p:cond delay="500"/>
+                            </p:stCondLst>
+                            <p:childTnLst>
+                              <p:par>
+                                <p:cTn id="18" presetID="10" presetClass="entr" presetSubtype="0" fill="hold" grpId="0" nodeType="afterEffect">
+                                  <p:stCondLst>
+                                    <p:cond delay="0"/>
+                                  </p:stCondLst>
+                                  <p:childTnLst>
+                                    <p:set>
+                                      <p:cBhvr>
+                                        <p:cTn id="19" dur="1" fill="hold">
+                                          <p:stCondLst>
+                                            <p:cond delay="0"/>
+                                          </p:stCondLst>
+                                        </p:cTn>
+                                        <p:tgtEl>
+                                          <p:spTgt spid="19"/>
+                                        </p:tgtEl>
+                                        <p:attrNameLst>
+                                          <p:attrName>style.visibility</p:attrName>
+                                        </p:attrNameLst>
+                                      </p:cBhvr>
+                                      <p:to>
+                                        <p:strVal val="visible"/>
+                                      </p:to>
+                                    </p:set>
+                                    <p:animEffect transition="in" filter="fade">
+                                      <p:cBhvr>
+                                        <p:cTn id="20" dur="500"/>
+                                        <p:tgtEl>
+                                          <p:spTgt spid="19"/>
+                                        </p:tgtEl>
+                                      </p:cBhvr>
+                                    </p:animEffect>
+                                  </p:childTnLst>
+                                </p:cTn>
+                              </p:par>
+                            </p:childTnLst>
+                          </p:cTn>
+                        </p:par>
+                      </p:childTnLst>
+                    </p:cTn>
+                  </p:par>
+                </p:childTnLst>
+              </p:cTn>
+              <p:prevCondLst>
+                <p:cond evt="onPrev" delay="0">
+                  <p:tgtEl>
+                    <p:sldTgt/>
+                  </p:tgtEl>
+                </p:cond>
+              </p:prevCondLst>
+              <p:nextCondLst>
+                <p:cond evt="onNext" delay="0">
+                  <p:tgtEl>
+                    <p:sldTgt/>
+                  </p:tgtEl>
+                </p:cond>
+              </p:nextCondLst>
+            </p:seq>
+          </p:childTnLst>
+        </p:cTn>
+      </p:par>
+    </p:tnLst>
+    <p:bldLst>
+      <p:bldP spid="18" grpId="0"/>
+      <p:bldP spid="19" grpId="0"/>
     </p:bldLst>
   </p:timing>
 </p:sld>

--- a/utils/软件介绍.pptx
+++ b/utils/软件介绍.pptx
@@ -5,10 +5,10 @@
     <p:sldMasterId id="2147483683" r:id="rId1"/>
   </p:sldMasterIdLst>
   <p:notesMasterIdLst>
-    <p:notesMasterId r:id="rId20"/>
+    <p:notesMasterId r:id="rId25"/>
   </p:notesMasterIdLst>
   <p:handoutMasterIdLst>
-    <p:handoutMasterId r:id="rId21"/>
+    <p:handoutMasterId r:id="rId26"/>
   </p:handoutMasterIdLst>
   <p:sldIdLst>
     <p:sldId id="507" r:id="rId2"/>
@@ -24,16 +24,21 @@
     <p:sldId id="520" r:id="rId12"/>
     <p:sldId id="509" r:id="rId13"/>
     <p:sldId id="524" r:id="rId14"/>
-    <p:sldId id="523" r:id="rId15"/>
-    <p:sldId id="513" r:id="rId16"/>
-    <p:sldId id="514" r:id="rId17"/>
-    <p:sldId id="515" r:id="rId18"/>
-    <p:sldId id="498" r:id="rId19"/>
+    <p:sldId id="513" r:id="rId15"/>
+    <p:sldId id="527" r:id="rId16"/>
+    <p:sldId id="529" r:id="rId17"/>
+    <p:sldId id="528" r:id="rId18"/>
+    <p:sldId id="526" r:id="rId19"/>
+    <p:sldId id="530" r:id="rId20"/>
+    <p:sldId id="531" r:id="rId21"/>
+    <p:sldId id="514" r:id="rId22"/>
+    <p:sldId id="515" r:id="rId23"/>
+    <p:sldId id="498" r:id="rId24"/>
   </p:sldIdLst>
   <p:sldSz cx="12192000" cy="6858000"/>
   <p:notesSz cx="6858000" cy="9144000"/>
   <p:custDataLst>
-    <p:tags r:id="rId22"/>
+    <p:tags r:id="rId27"/>
   </p:custDataLst>
   <p:defaultTextStyle>
     <a:defPPr>
@@ -150,20 +155,21 @@
             <p14:sldId id="524"/>
           </p14:sldIdLst>
         </p14:section>
-        <p14:section name="大语言模型的训练" id="{ADBB7DE7-B381-44B3-A6B2-3DBD7CCE7655}">
-          <p14:sldIdLst>
-            <p14:sldId id="523"/>
-          </p14:sldIdLst>
-        </p14:section>
         <p14:section name="大模型应用" id="{047984ED-A0E8-483C-A78A-0E65C6F1334A}">
           <p14:sldIdLst>
             <p14:sldId id="513"/>
-            <p14:sldId id="514"/>
-            <p14:sldId id="515"/>
+            <p14:sldId id="527"/>
+            <p14:sldId id="529"/>
+            <p14:sldId id="528"/>
+            <p14:sldId id="526"/>
+            <p14:sldId id="530"/>
+            <p14:sldId id="531"/>
           </p14:sldIdLst>
         </p14:section>
         <p14:section name="神经网络简介" id="{51DEABB7-0BCF-4ACB-8ADC-E4B71CC5B2A8}">
           <p14:sldIdLst>
+            <p14:sldId id="514"/>
+            <p14:sldId id="515"/>
             <p14:sldId id="498"/>
           </p14:sldIdLst>
         </p14:section>
@@ -180,6 +186,753 @@
 </file>
 
 <file path=ppt/diagrams/colors1.xml><?xml version="1.0" encoding="utf-8"?>
+<dgm:colorsDef xmlns:dgm="http://schemas.openxmlformats.org/drawingml/2006/diagram" xmlns:a="http://schemas.openxmlformats.org/drawingml/2006/main" uniqueId="urn:microsoft.com/office/officeart/2005/8/colors/accent1_2">
+  <dgm:title val=""/>
+  <dgm:desc val=""/>
+  <dgm:catLst>
+    <dgm:cat type="accent1" pri="11200"/>
+  </dgm:catLst>
+  <dgm:styleLbl name="node0">
+    <dgm:fillClrLst meth="repeat">
+      <a:schemeClr val="accent1"/>
+    </dgm:fillClrLst>
+    <dgm:linClrLst meth="repeat">
+      <a:schemeClr val="lt1"/>
+    </dgm:linClrLst>
+    <dgm:effectClrLst/>
+    <dgm:txLinClrLst/>
+    <dgm:txFillClrLst/>
+    <dgm:txEffectClrLst/>
+  </dgm:styleLbl>
+  <dgm:styleLbl name="alignNode1">
+    <dgm:fillClrLst meth="repeat">
+      <a:schemeClr val="accent1"/>
+    </dgm:fillClrLst>
+    <dgm:linClrLst meth="repeat">
+      <a:schemeClr val="accent1"/>
+    </dgm:linClrLst>
+    <dgm:effectClrLst/>
+    <dgm:txLinClrLst/>
+    <dgm:txFillClrLst/>
+    <dgm:txEffectClrLst/>
+  </dgm:styleLbl>
+  <dgm:styleLbl name="node1">
+    <dgm:fillClrLst meth="repeat">
+      <a:schemeClr val="accent1"/>
+    </dgm:fillClrLst>
+    <dgm:linClrLst meth="repeat">
+      <a:schemeClr val="lt1"/>
+    </dgm:linClrLst>
+    <dgm:effectClrLst/>
+    <dgm:txLinClrLst/>
+    <dgm:txFillClrLst/>
+    <dgm:txEffectClrLst/>
+  </dgm:styleLbl>
+  <dgm:styleLbl name="lnNode1">
+    <dgm:fillClrLst meth="repeat">
+      <a:schemeClr val="accent1"/>
+    </dgm:fillClrLst>
+    <dgm:linClrLst meth="repeat">
+      <a:schemeClr val="lt1"/>
+    </dgm:linClrLst>
+    <dgm:effectClrLst/>
+    <dgm:txLinClrLst/>
+    <dgm:txFillClrLst/>
+    <dgm:txEffectClrLst/>
+  </dgm:styleLbl>
+  <dgm:styleLbl name="vennNode1">
+    <dgm:fillClrLst meth="repeat">
+      <a:schemeClr val="accent1">
+        <a:alpha val="50000"/>
+      </a:schemeClr>
+    </dgm:fillClrLst>
+    <dgm:linClrLst meth="repeat">
+      <a:schemeClr val="lt1"/>
+    </dgm:linClrLst>
+    <dgm:effectClrLst/>
+    <dgm:txLinClrLst/>
+    <dgm:txFillClrLst/>
+    <dgm:txEffectClrLst/>
+  </dgm:styleLbl>
+  <dgm:styleLbl name="node2">
+    <dgm:fillClrLst meth="repeat">
+      <a:schemeClr val="accent1"/>
+    </dgm:fillClrLst>
+    <dgm:linClrLst meth="repeat">
+      <a:schemeClr val="lt1"/>
+    </dgm:linClrLst>
+    <dgm:effectClrLst/>
+    <dgm:txLinClrLst/>
+    <dgm:txFillClrLst/>
+    <dgm:txEffectClrLst/>
+  </dgm:styleLbl>
+  <dgm:styleLbl name="node3">
+    <dgm:fillClrLst meth="repeat">
+      <a:schemeClr val="accent1"/>
+    </dgm:fillClrLst>
+    <dgm:linClrLst meth="repeat">
+      <a:schemeClr val="lt1"/>
+    </dgm:linClrLst>
+    <dgm:effectClrLst/>
+    <dgm:txLinClrLst/>
+    <dgm:txFillClrLst/>
+    <dgm:txEffectClrLst/>
+  </dgm:styleLbl>
+  <dgm:styleLbl name="node4">
+    <dgm:fillClrLst meth="repeat">
+      <a:schemeClr val="accent1"/>
+    </dgm:fillClrLst>
+    <dgm:linClrLst meth="repeat">
+      <a:schemeClr val="lt1"/>
+    </dgm:linClrLst>
+    <dgm:effectClrLst/>
+    <dgm:txLinClrLst/>
+    <dgm:txFillClrLst/>
+    <dgm:txEffectClrLst/>
+  </dgm:styleLbl>
+  <dgm:styleLbl name="fgImgPlace1">
+    <dgm:fillClrLst meth="repeat">
+      <a:schemeClr val="accent1">
+        <a:tint val="50000"/>
+      </a:schemeClr>
+    </dgm:fillClrLst>
+    <dgm:linClrLst meth="repeat">
+      <a:schemeClr val="lt1"/>
+    </dgm:linClrLst>
+    <dgm:effectClrLst/>
+    <dgm:txLinClrLst/>
+    <dgm:txFillClrLst meth="repeat">
+      <a:schemeClr val="lt1"/>
+    </dgm:txFillClrLst>
+    <dgm:txEffectClrLst/>
+  </dgm:styleLbl>
+  <dgm:styleLbl name="alignImgPlace1">
+    <dgm:fillClrLst meth="repeat">
+      <a:schemeClr val="accent1">
+        <a:tint val="50000"/>
+      </a:schemeClr>
+    </dgm:fillClrLst>
+    <dgm:linClrLst meth="repeat">
+      <a:schemeClr val="lt1"/>
+    </dgm:linClrLst>
+    <dgm:effectClrLst/>
+    <dgm:txLinClrLst/>
+    <dgm:txFillClrLst meth="repeat">
+      <a:schemeClr val="lt1"/>
+    </dgm:txFillClrLst>
+    <dgm:txEffectClrLst/>
+  </dgm:styleLbl>
+  <dgm:styleLbl name="bgImgPlace1">
+    <dgm:fillClrLst meth="repeat">
+      <a:schemeClr val="accent1">
+        <a:tint val="50000"/>
+      </a:schemeClr>
+    </dgm:fillClrLst>
+    <dgm:linClrLst meth="repeat">
+      <a:schemeClr val="lt1"/>
+    </dgm:linClrLst>
+    <dgm:effectClrLst/>
+    <dgm:txLinClrLst/>
+    <dgm:txFillClrLst meth="repeat">
+      <a:schemeClr val="lt1"/>
+    </dgm:txFillClrLst>
+    <dgm:txEffectClrLst/>
+  </dgm:styleLbl>
+  <dgm:styleLbl name="sibTrans2D1">
+    <dgm:fillClrLst meth="repeat">
+      <a:schemeClr val="accent1">
+        <a:tint val="60000"/>
+      </a:schemeClr>
+    </dgm:fillClrLst>
+    <dgm:linClrLst meth="repeat">
+      <a:schemeClr val="accent1">
+        <a:tint val="60000"/>
+      </a:schemeClr>
+    </dgm:linClrLst>
+    <dgm:effectClrLst/>
+    <dgm:txLinClrLst/>
+    <dgm:txFillClrLst/>
+    <dgm:txEffectClrLst/>
+  </dgm:styleLbl>
+  <dgm:styleLbl name="fgSibTrans2D1">
+    <dgm:fillClrLst meth="repeat">
+      <a:schemeClr val="accent1">
+        <a:tint val="60000"/>
+      </a:schemeClr>
+    </dgm:fillClrLst>
+    <dgm:linClrLst meth="repeat">
+      <a:schemeClr val="accent1">
+        <a:tint val="60000"/>
+      </a:schemeClr>
+    </dgm:linClrLst>
+    <dgm:effectClrLst/>
+    <dgm:txLinClrLst/>
+    <dgm:txFillClrLst/>
+    <dgm:txEffectClrLst/>
+  </dgm:styleLbl>
+  <dgm:styleLbl name="bgSibTrans2D1">
+    <dgm:fillClrLst meth="repeat">
+      <a:schemeClr val="accent1">
+        <a:tint val="60000"/>
+      </a:schemeClr>
+    </dgm:fillClrLst>
+    <dgm:linClrLst meth="repeat">
+      <a:schemeClr val="accent1">
+        <a:tint val="60000"/>
+      </a:schemeClr>
+    </dgm:linClrLst>
+    <dgm:effectClrLst/>
+    <dgm:txLinClrLst/>
+    <dgm:txFillClrLst/>
+    <dgm:txEffectClrLst/>
+  </dgm:styleLbl>
+  <dgm:styleLbl name="sibTrans1D1">
+    <dgm:fillClrLst meth="repeat">
+      <a:schemeClr val="accent1"/>
+    </dgm:fillClrLst>
+    <dgm:linClrLst meth="repeat">
+      <a:schemeClr val="accent1"/>
+    </dgm:linClrLst>
+    <dgm:effectClrLst/>
+    <dgm:txLinClrLst/>
+    <dgm:txFillClrLst meth="repeat">
+      <a:schemeClr val="tx1"/>
+    </dgm:txFillClrLst>
+    <dgm:txEffectClrLst/>
+  </dgm:styleLbl>
+  <dgm:styleLbl name="callout">
+    <dgm:fillClrLst meth="repeat">
+      <a:schemeClr val="accent1"/>
+    </dgm:fillClrLst>
+    <dgm:linClrLst meth="repeat">
+      <a:schemeClr val="accent1">
+        <a:tint val="50000"/>
+      </a:schemeClr>
+    </dgm:linClrLst>
+    <dgm:effectClrLst/>
+    <dgm:txLinClrLst/>
+    <dgm:txFillClrLst meth="repeat">
+      <a:schemeClr val="tx1"/>
+    </dgm:txFillClrLst>
+    <dgm:txEffectClrLst/>
+  </dgm:styleLbl>
+  <dgm:styleLbl name="asst0">
+    <dgm:fillClrLst meth="repeat">
+      <a:schemeClr val="accent1"/>
+    </dgm:fillClrLst>
+    <dgm:linClrLst meth="repeat">
+      <a:schemeClr val="lt1"/>
+    </dgm:linClrLst>
+    <dgm:effectClrLst/>
+    <dgm:txLinClrLst/>
+    <dgm:txFillClrLst/>
+    <dgm:txEffectClrLst/>
+  </dgm:styleLbl>
+  <dgm:styleLbl name="asst1">
+    <dgm:fillClrLst meth="repeat">
+      <a:schemeClr val="accent1"/>
+    </dgm:fillClrLst>
+    <dgm:linClrLst meth="repeat">
+      <a:schemeClr val="lt1"/>
+    </dgm:linClrLst>
+    <dgm:effectClrLst/>
+    <dgm:txLinClrLst/>
+    <dgm:txFillClrLst/>
+    <dgm:txEffectClrLst/>
+  </dgm:styleLbl>
+  <dgm:styleLbl name="asst2">
+    <dgm:fillClrLst meth="repeat">
+      <a:schemeClr val="accent1"/>
+    </dgm:fillClrLst>
+    <dgm:linClrLst meth="repeat">
+      <a:schemeClr val="lt1"/>
+    </dgm:linClrLst>
+    <dgm:effectClrLst/>
+    <dgm:txLinClrLst/>
+    <dgm:txFillClrLst/>
+    <dgm:txEffectClrLst/>
+  </dgm:styleLbl>
+  <dgm:styleLbl name="asst3">
+    <dgm:fillClrLst meth="repeat">
+      <a:schemeClr val="accent1"/>
+    </dgm:fillClrLst>
+    <dgm:linClrLst meth="repeat">
+      <a:schemeClr val="lt1"/>
+    </dgm:linClrLst>
+    <dgm:effectClrLst/>
+    <dgm:txLinClrLst/>
+    <dgm:txFillClrLst/>
+    <dgm:txEffectClrLst/>
+  </dgm:styleLbl>
+  <dgm:styleLbl name="asst4">
+    <dgm:fillClrLst meth="repeat">
+      <a:schemeClr val="accent1"/>
+    </dgm:fillClrLst>
+    <dgm:linClrLst meth="repeat">
+      <a:schemeClr val="lt1"/>
+    </dgm:linClrLst>
+    <dgm:effectClrLst/>
+    <dgm:txLinClrLst/>
+    <dgm:txFillClrLst/>
+    <dgm:txEffectClrLst/>
+  </dgm:styleLbl>
+  <dgm:styleLbl name="parChTrans2D1">
+    <dgm:fillClrLst meth="repeat">
+      <a:schemeClr val="accent1">
+        <a:tint val="60000"/>
+      </a:schemeClr>
+    </dgm:fillClrLst>
+    <dgm:linClrLst meth="repeat">
+      <a:schemeClr val="accent1">
+        <a:tint val="60000"/>
+      </a:schemeClr>
+    </dgm:linClrLst>
+    <dgm:effectClrLst/>
+    <dgm:txLinClrLst/>
+    <dgm:txFillClrLst meth="repeat">
+      <a:schemeClr val="lt1"/>
+    </dgm:txFillClrLst>
+    <dgm:txEffectClrLst/>
+  </dgm:styleLbl>
+  <dgm:styleLbl name="parChTrans2D2">
+    <dgm:fillClrLst meth="repeat">
+      <a:schemeClr val="accent1"/>
+    </dgm:fillClrLst>
+    <dgm:linClrLst meth="repeat">
+      <a:schemeClr val="accent1"/>
+    </dgm:linClrLst>
+    <dgm:effectClrLst/>
+    <dgm:txLinClrLst/>
+    <dgm:txFillClrLst meth="repeat">
+      <a:schemeClr val="lt1"/>
+    </dgm:txFillClrLst>
+    <dgm:txEffectClrLst/>
+  </dgm:styleLbl>
+  <dgm:styleLbl name="parChTrans2D3">
+    <dgm:fillClrLst meth="repeat">
+      <a:schemeClr val="accent1"/>
+    </dgm:fillClrLst>
+    <dgm:linClrLst meth="repeat">
+      <a:schemeClr val="accent1"/>
+    </dgm:linClrLst>
+    <dgm:effectClrLst/>
+    <dgm:txLinClrLst/>
+    <dgm:txFillClrLst meth="repeat">
+      <a:schemeClr val="lt1"/>
+    </dgm:txFillClrLst>
+    <dgm:txEffectClrLst/>
+  </dgm:styleLbl>
+  <dgm:styleLbl name="parChTrans2D4">
+    <dgm:fillClrLst meth="repeat">
+      <a:schemeClr val="accent1"/>
+    </dgm:fillClrLst>
+    <dgm:linClrLst meth="repeat">
+      <a:schemeClr val="accent1"/>
+    </dgm:linClrLst>
+    <dgm:effectClrLst/>
+    <dgm:txLinClrLst/>
+    <dgm:txFillClrLst meth="repeat">
+      <a:schemeClr val="lt1"/>
+    </dgm:txFillClrLst>
+    <dgm:txEffectClrLst/>
+  </dgm:styleLbl>
+  <dgm:styleLbl name="parChTrans1D1">
+    <dgm:fillClrLst meth="repeat">
+      <a:schemeClr val="accent1"/>
+    </dgm:fillClrLst>
+    <dgm:linClrLst meth="repeat">
+      <a:schemeClr val="accent1">
+        <a:shade val="60000"/>
+      </a:schemeClr>
+    </dgm:linClrLst>
+    <dgm:effectClrLst/>
+    <dgm:txLinClrLst/>
+    <dgm:txFillClrLst meth="repeat">
+      <a:schemeClr val="tx1"/>
+    </dgm:txFillClrLst>
+    <dgm:txEffectClrLst/>
+  </dgm:styleLbl>
+  <dgm:styleLbl name="parChTrans1D2">
+    <dgm:fillClrLst meth="repeat">
+      <a:schemeClr val="accent1"/>
+    </dgm:fillClrLst>
+    <dgm:linClrLst meth="repeat">
+      <a:schemeClr val="accent1">
+        <a:shade val="60000"/>
+      </a:schemeClr>
+    </dgm:linClrLst>
+    <dgm:effectClrLst/>
+    <dgm:txLinClrLst/>
+    <dgm:txFillClrLst meth="repeat">
+      <a:schemeClr val="tx1"/>
+    </dgm:txFillClrLst>
+    <dgm:txEffectClrLst/>
+  </dgm:styleLbl>
+  <dgm:styleLbl name="parChTrans1D3">
+    <dgm:fillClrLst meth="repeat">
+      <a:schemeClr val="accent1"/>
+    </dgm:fillClrLst>
+    <dgm:linClrLst meth="repeat">
+      <a:schemeClr val="accent1">
+        <a:shade val="80000"/>
+      </a:schemeClr>
+    </dgm:linClrLst>
+    <dgm:effectClrLst/>
+    <dgm:txLinClrLst/>
+    <dgm:txFillClrLst meth="repeat">
+      <a:schemeClr val="tx1"/>
+    </dgm:txFillClrLst>
+    <dgm:txEffectClrLst/>
+  </dgm:styleLbl>
+  <dgm:styleLbl name="parChTrans1D4">
+    <dgm:fillClrLst meth="repeat">
+      <a:schemeClr val="accent1"/>
+    </dgm:fillClrLst>
+    <dgm:linClrLst meth="repeat">
+      <a:schemeClr val="accent1">
+        <a:shade val="80000"/>
+      </a:schemeClr>
+    </dgm:linClrLst>
+    <dgm:effectClrLst/>
+    <dgm:txLinClrLst/>
+    <dgm:txFillClrLst meth="repeat">
+      <a:schemeClr val="tx1"/>
+    </dgm:txFillClrLst>
+    <dgm:txEffectClrLst/>
+  </dgm:styleLbl>
+  <dgm:styleLbl name="fgAcc1">
+    <dgm:fillClrLst meth="repeat">
+      <a:schemeClr val="lt1">
+        <a:alpha val="90000"/>
+      </a:schemeClr>
+    </dgm:fillClrLst>
+    <dgm:linClrLst meth="repeat">
+      <a:schemeClr val="accent1"/>
+    </dgm:linClrLst>
+    <dgm:effectClrLst/>
+    <dgm:txLinClrLst/>
+    <dgm:txFillClrLst meth="repeat">
+      <a:schemeClr val="dk1"/>
+    </dgm:txFillClrLst>
+    <dgm:txEffectClrLst/>
+  </dgm:styleLbl>
+  <dgm:styleLbl name="conFgAcc1">
+    <dgm:fillClrLst meth="repeat">
+      <a:schemeClr val="lt1">
+        <a:alpha val="90000"/>
+      </a:schemeClr>
+    </dgm:fillClrLst>
+    <dgm:linClrLst meth="repeat">
+      <a:schemeClr val="accent1"/>
+    </dgm:linClrLst>
+    <dgm:effectClrLst/>
+    <dgm:txLinClrLst/>
+    <dgm:txFillClrLst meth="repeat">
+      <a:schemeClr val="dk1"/>
+    </dgm:txFillClrLst>
+    <dgm:txEffectClrLst/>
+  </dgm:styleLbl>
+  <dgm:styleLbl name="alignAcc1">
+    <dgm:fillClrLst meth="repeat">
+      <a:schemeClr val="lt1">
+        <a:alpha val="90000"/>
+      </a:schemeClr>
+    </dgm:fillClrLst>
+    <dgm:linClrLst meth="repeat">
+      <a:schemeClr val="accent1"/>
+    </dgm:linClrLst>
+    <dgm:effectClrLst/>
+    <dgm:txLinClrLst/>
+    <dgm:txFillClrLst meth="repeat">
+      <a:schemeClr val="dk1"/>
+    </dgm:txFillClrLst>
+    <dgm:txEffectClrLst/>
+  </dgm:styleLbl>
+  <dgm:styleLbl name="trAlignAcc1">
+    <dgm:fillClrLst meth="repeat">
+      <a:schemeClr val="lt1">
+        <a:alpha val="40000"/>
+      </a:schemeClr>
+    </dgm:fillClrLst>
+    <dgm:linClrLst meth="repeat">
+      <a:schemeClr val="accent1"/>
+    </dgm:linClrLst>
+    <dgm:effectClrLst/>
+    <dgm:txLinClrLst/>
+    <dgm:txFillClrLst meth="repeat">
+      <a:schemeClr val="dk1"/>
+    </dgm:txFillClrLst>
+    <dgm:txEffectClrLst/>
+  </dgm:styleLbl>
+  <dgm:styleLbl name="bgAcc1">
+    <dgm:fillClrLst meth="repeat">
+      <a:schemeClr val="lt1">
+        <a:alpha val="90000"/>
+      </a:schemeClr>
+    </dgm:fillClrLst>
+    <dgm:linClrLst meth="repeat">
+      <a:schemeClr val="accent1"/>
+    </dgm:linClrLst>
+    <dgm:effectClrLst/>
+    <dgm:txLinClrLst/>
+    <dgm:txFillClrLst meth="repeat">
+      <a:schemeClr val="dk1"/>
+    </dgm:txFillClrLst>
+    <dgm:txEffectClrLst/>
+  </dgm:styleLbl>
+  <dgm:styleLbl name="solidFgAcc1">
+    <dgm:fillClrLst meth="repeat">
+      <a:schemeClr val="lt1"/>
+    </dgm:fillClrLst>
+    <dgm:linClrLst meth="repeat">
+      <a:schemeClr val="accent1"/>
+    </dgm:linClrLst>
+    <dgm:effectClrLst/>
+    <dgm:txLinClrLst/>
+    <dgm:txFillClrLst meth="repeat">
+      <a:schemeClr val="dk1"/>
+    </dgm:txFillClrLst>
+    <dgm:txEffectClrLst/>
+  </dgm:styleLbl>
+  <dgm:styleLbl name="solidAlignAcc1">
+    <dgm:fillClrLst meth="repeat">
+      <a:schemeClr val="lt1"/>
+    </dgm:fillClrLst>
+    <dgm:linClrLst meth="repeat">
+      <a:schemeClr val="accent1"/>
+    </dgm:linClrLst>
+    <dgm:effectClrLst/>
+    <dgm:txLinClrLst/>
+    <dgm:txFillClrLst meth="repeat">
+      <a:schemeClr val="dk1"/>
+    </dgm:txFillClrLst>
+    <dgm:txEffectClrLst/>
+  </dgm:styleLbl>
+  <dgm:styleLbl name="solidBgAcc1">
+    <dgm:fillClrLst meth="repeat">
+      <a:schemeClr val="lt1"/>
+    </dgm:fillClrLst>
+    <dgm:linClrLst meth="repeat">
+      <a:schemeClr val="accent1"/>
+    </dgm:linClrLst>
+    <dgm:effectClrLst/>
+    <dgm:txLinClrLst/>
+    <dgm:txFillClrLst meth="repeat">
+      <a:schemeClr val="dk1"/>
+    </dgm:txFillClrLst>
+    <dgm:txEffectClrLst/>
+  </dgm:styleLbl>
+  <dgm:styleLbl name="fgAccFollowNode1">
+    <dgm:fillClrLst meth="repeat">
+      <a:schemeClr val="accent1">
+        <a:alpha val="90000"/>
+        <a:tint val="40000"/>
+      </a:schemeClr>
+    </dgm:fillClrLst>
+    <dgm:linClrLst meth="repeat">
+      <a:schemeClr val="accent1">
+        <a:alpha val="90000"/>
+        <a:tint val="40000"/>
+      </a:schemeClr>
+    </dgm:linClrLst>
+    <dgm:effectClrLst/>
+    <dgm:txLinClrLst/>
+    <dgm:txFillClrLst meth="repeat">
+      <a:schemeClr val="dk1"/>
+    </dgm:txFillClrLst>
+    <dgm:txEffectClrLst/>
+  </dgm:styleLbl>
+  <dgm:styleLbl name="alignAccFollowNode1">
+    <dgm:fillClrLst meth="repeat">
+      <a:schemeClr val="accent1">
+        <a:alpha val="90000"/>
+        <a:tint val="40000"/>
+      </a:schemeClr>
+    </dgm:fillClrLst>
+    <dgm:linClrLst meth="repeat">
+      <a:schemeClr val="accent1">
+        <a:alpha val="90000"/>
+        <a:tint val="40000"/>
+      </a:schemeClr>
+    </dgm:linClrLst>
+    <dgm:effectClrLst/>
+    <dgm:txLinClrLst/>
+    <dgm:txFillClrLst meth="repeat">
+      <a:schemeClr val="dk1"/>
+    </dgm:txFillClrLst>
+    <dgm:txEffectClrLst/>
+  </dgm:styleLbl>
+  <dgm:styleLbl name="bgAccFollowNode1">
+    <dgm:fillClrLst meth="repeat">
+      <a:schemeClr val="accent1">
+        <a:alpha val="90000"/>
+        <a:tint val="40000"/>
+      </a:schemeClr>
+    </dgm:fillClrLst>
+    <dgm:linClrLst meth="repeat">
+      <a:schemeClr val="accent1">
+        <a:alpha val="90000"/>
+        <a:tint val="40000"/>
+      </a:schemeClr>
+    </dgm:linClrLst>
+    <dgm:effectClrLst/>
+    <dgm:txLinClrLst/>
+    <dgm:txFillClrLst meth="repeat">
+      <a:schemeClr val="dk1"/>
+    </dgm:txFillClrLst>
+    <dgm:txEffectClrLst/>
+  </dgm:styleLbl>
+  <dgm:styleLbl name="fgAcc0">
+    <dgm:fillClrLst meth="repeat">
+      <a:schemeClr val="lt1">
+        <a:alpha val="90000"/>
+      </a:schemeClr>
+    </dgm:fillClrLst>
+    <dgm:linClrLst meth="repeat">
+      <a:schemeClr val="accent1"/>
+    </dgm:linClrLst>
+    <dgm:effectClrLst/>
+    <dgm:txLinClrLst/>
+    <dgm:txFillClrLst meth="repeat">
+      <a:schemeClr val="dk1"/>
+    </dgm:txFillClrLst>
+    <dgm:txEffectClrLst/>
+  </dgm:styleLbl>
+  <dgm:styleLbl name="fgAcc2">
+    <dgm:fillClrLst meth="repeat">
+      <a:schemeClr val="lt1">
+        <a:alpha val="90000"/>
+      </a:schemeClr>
+    </dgm:fillClrLst>
+    <dgm:linClrLst meth="repeat">
+      <a:schemeClr val="accent1"/>
+    </dgm:linClrLst>
+    <dgm:effectClrLst/>
+    <dgm:txLinClrLst/>
+    <dgm:txFillClrLst meth="repeat">
+      <a:schemeClr val="dk1"/>
+    </dgm:txFillClrLst>
+    <dgm:txEffectClrLst/>
+  </dgm:styleLbl>
+  <dgm:styleLbl name="fgAcc3">
+    <dgm:fillClrLst meth="repeat">
+      <a:schemeClr val="lt1">
+        <a:alpha val="90000"/>
+      </a:schemeClr>
+    </dgm:fillClrLst>
+    <dgm:linClrLst meth="repeat">
+      <a:schemeClr val="accent1"/>
+    </dgm:linClrLst>
+    <dgm:effectClrLst/>
+    <dgm:txLinClrLst/>
+    <dgm:txFillClrLst meth="repeat">
+      <a:schemeClr val="dk1"/>
+    </dgm:txFillClrLst>
+    <dgm:txEffectClrLst/>
+  </dgm:styleLbl>
+  <dgm:styleLbl name="fgAcc4">
+    <dgm:fillClrLst meth="repeat">
+      <a:schemeClr val="lt1">
+        <a:alpha val="90000"/>
+      </a:schemeClr>
+    </dgm:fillClrLst>
+    <dgm:linClrLst meth="repeat">
+      <a:schemeClr val="accent1"/>
+    </dgm:linClrLst>
+    <dgm:effectClrLst/>
+    <dgm:txLinClrLst/>
+    <dgm:txFillClrLst meth="repeat">
+      <a:schemeClr val="dk1"/>
+    </dgm:txFillClrLst>
+    <dgm:txEffectClrLst/>
+  </dgm:styleLbl>
+  <dgm:styleLbl name="bgShp">
+    <dgm:fillClrLst meth="repeat">
+      <a:schemeClr val="accent1">
+        <a:tint val="40000"/>
+      </a:schemeClr>
+    </dgm:fillClrLst>
+    <dgm:linClrLst meth="repeat">
+      <a:schemeClr val="accent1"/>
+    </dgm:linClrLst>
+    <dgm:effectClrLst/>
+    <dgm:txLinClrLst/>
+    <dgm:txFillClrLst meth="repeat">
+      <a:schemeClr val="dk1"/>
+    </dgm:txFillClrLst>
+    <dgm:txEffectClrLst/>
+  </dgm:styleLbl>
+  <dgm:styleLbl name="dkBgShp">
+    <dgm:fillClrLst meth="repeat">
+      <a:schemeClr val="accent1">
+        <a:shade val="80000"/>
+      </a:schemeClr>
+    </dgm:fillClrLst>
+    <dgm:linClrLst meth="repeat">
+      <a:schemeClr val="accent1"/>
+    </dgm:linClrLst>
+    <dgm:effectClrLst/>
+    <dgm:txLinClrLst/>
+    <dgm:txFillClrLst meth="repeat">
+      <a:schemeClr val="lt1"/>
+    </dgm:txFillClrLst>
+    <dgm:txEffectClrLst/>
+  </dgm:styleLbl>
+  <dgm:styleLbl name="trBgShp">
+    <dgm:fillClrLst meth="repeat">
+      <a:schemeClr val="accent1">
+        <a:tint val="50000"/>
+        <a:alpha val="40000"/>
+      </a:schemeClr>
+    </dgm:fillClrLst>
+    <dgm:linClrLst meth="repeat">
+      <a:schemeClr val="accent1"/>
+    </dgm:linClrLst>
+    <dgm:effectClrLst/>
+    <dgm:txLinClrLst/>
+    <dgm:txFillClrLst meth="repeat">
+      <a:schemeClr val="lt1"/>
+    </dgm:txFillClrLst>
+    <dgm:txEffectClrLst/>
+  </dgm:styleLbl>
+  <dgm:styleLbl name="fgShp">
+    <dgm:fillClrLst meth="repeat">
+      <a:schemeClr val="accent1">
+        <a:tint val="60000"/>
+      </a:schemeClr>
+    </dgm:fillClrLst>
+    <dgm:linClrLst meth="repeat">
+      <a:schemeClr val="lt1"/>
+    </dgm:linClrLst>
+    <dgm:effectClrLst/>
+    <dgm:txLinClrLst/>
+    <dgm:txFillClrLst meth="repeat">
+      <a:schemeClr val="dk1"/>
+    </dgm:txFillClrLst>
+    <dgm:txEffectClrLst/>
+  </dgm:styleLbl>
+  <dgm:styleLbl name="revTx">
+    <dgm:fillClrLst meth="repeat">
+      <a:schemeClr val="lt1">
+        <a:alpha val="0"/>
+      </a:schemeClr>
+    </dgm:fillClrLst>
+    <dgm:linClrLst meth="repeat">
+      <a:schemeClr val="dk1">
+        <a:alpha val="0"/>
+      </a:schemeClr>
+    </dgm:linClrLst>
+    <dgm:effectClrLst/>
+    <dgm:txLinClrLst/>
+    <dgm:txFillClrLst meth="repeat">
+      <a:schemeClr val="tx1"/>
+    </dgm:txFillClrLst>
+    <dgm:txEffectClrLst/>
+  </dgm:styleLbl>
+</dgm:colorsDef>
+</file>
+
+<file path=ppt/diagrams/colors2.xml><?xml version="1.0" encoding="utf-8"?>
 <dgm:colorsDef xmlns:dgm="http://schemas.openxmlformats.org/drawingml/2006/diagram" xmlns:a="http://schemas.openxmlformats.org/drawingml/2006/main" uniqueId="urn:microsoft.com/office/officeart/2005/8/colors/accent1_2">
   <dgm:title val=""/>
   <dgm:desc val=""/>
@@ -1193,6 +1946,273 @@
 </dgm:dataModel>
 </file>
 
+<file path=ppt/diagrams/data2.xml><?xml version="1.0" encoding="utf-8"?>
+<dgm:dataModel xmlns:dgm="http://schemas.openxmlformats.org/drawingml/2006/diagram" xmlns:a="http://schemas.openxmlformats.org/drawingml/2006/main">
+  <dgm:ptLst>
+    <dgm:pt modelId="{ABC2DE46-02AA-4737-AB6E-91FE447F5FE7}" type="doc">
+      <dgm:prSet loTypeId="urn:microsoft.com/office/officeart/2005/8/layout/list1" loCatId="list" qsTypeId="urn:microsoft.com/office/officeart/2005/8/quickstyle/3d1" qsCatId="3D" csTypeId="urn:microsoft.com/office/officeart/2005/8/colors/accent1_2" csCatId="accent1" phldr="1"/>
+      <dgm:spPr/>
+      <dgm:t>
+        <a:bodyPr/>
+        <a:lstStyle/>
+        <a:p>
+          <a:endParaRPr lang="zh-CN" altLang="en-US"/>
+        </a:p>
+      </dgm:t>
+    </dgm:pt>
+    <dgm:pt modelId="{797A4663-96A2-4063-8ABD-89192B29F7A9}">
+      <dgm:prSet phldrT="[文本]"/>
+      <dgm:spPr/>
+      <dgm:t>
+        <a:bodyPr/>
+        <a:lstStyle/>
+        <a:p>
+          <a:r>
+            <a:rPr lang="zh-CN" altLang="en-US" dirty="0"/>
+            <a:t>一、知识库是什么？</a:t>
+          </a:r>
+        </a:p>
+      </dgm:t>
+    </dgm:pt>
+    <dgm:pt modelId="{086B800B-D6DB-45B8-AA14-E0EA87735C2A}" type="parTrans" cxnId="{757DF814-FA37-40D0-A582-489F6463035E}">
+      <dgm:prSet/>
+      <dgm:spPr/>
+      <dgm:t>
+        <a:bodyPr/>
+        <a:lstStyle/>
+        <a:p>
+          <a:endParaRPr lang="zh-CN" altLang="en-US"/>
+        </a:p>
+      </dgm:t>
+    </dgm:pt>
+    <dgm:pt modelId="{FEBCD7B5-5350-48A7-A681-4E1CCAAE9B19}" type="sibTrans" cxnId="{757DF814-FA37-40D0-A582-489F6463035E}">
+      <dgm:prSet/>
+      <dgm:spPr/>
+      <dgm:t>
+        <a:bodyPr/>
+        <a:lstStyle/>
+        <a:p>
+          <a:endParaRPr lang="zh-CN" altLang="en-US"/>
+        </a:p>
+      </dgm:t>
+    </dgm:pt>
+    <dgm:pt modelId="{7EB70560-E84F-4600-8EDA-263E05D5F32E}">
+      <dgm:prSet phldrT="[文本]"/>
+      <dgm:spPr/>
+      <dgm:t>
+        <a:bodyPr/>
+        <a:lstStyle/>
+        <a:p>
+          <a:r>
+            <a:rPr lang="zh-CN" altLang="en-US" dirty="0"/>
+            <a:t>三、知识库问答流程</a:t>
+          </a:r>
+        </a:p>
+      </dgm:t>
+    </dgm:pt>
+    <dgm:pt modelId="{59D1B7E7-FED7-473B-B440-EAA33F2637C0}" type="parTrans" cxnId="{609AFEB7-A9C4-44BD-A0F1-85D7D4C190E7}">
+      <dgm:prSet/>
+      <dgm:spPr/>
+      <dgm:t>
+        <a:bodyPr/>
+        <a:lstStyle/>
+        <a:p>
+          <a:endParaRPr lang="zh-CN" altLang="en-US"/>
+        </a:p>
+      </dgm:t>
+    </dgm:pt>
+    <dgm:pt modelId="{AEE909C5-94DD-48E5-8553-C9AC949556F4}" type="sibTrans" cxnId="{609AFEB7-A9C4-44BD-A0F1-85D7D4C190E7}">
+      <dgm:prSet/>
+      <dgm:spPr/>
+      <dgm:t>
+        <a:bodyPr/>
+        <a:lstStyle/>
+        <a:p>
+          <a:endParaRPr lang="zh-CN" altLang="en-US"/>
+        </a:p>
+      </dgm:t>
+    </dgm:pt>
+    <dgm:pt modelId="{9827F982-DB3B-4091-B7F0-0C8EC3C78255}">
+      <dgm:prSet phldrT="[文本]"/>
+      <dgm:spPr/>
+      <dgm:t>
+        <a:bodyPr/>
+        <a:lstStyle/>
+        <a:p>
+          <a:r>
+            <a:rPr lang="zh-CN" altLang="en-US" dirty="0"/>
+            <a:t>二、为什么要知识库问答？</a:t>
+          </a:r>
+        </a:p>
+      </dgm:t>
+    </dgm:pt>
+    <dgm:pt modelId="{E96B8A3C-C891-4DD0-B50E-62BA705F5D85}" type="parTrans" cxnId="{A80ECF9D-6F3B-42D6-AF1D-C0399778F846}">
+      <dgm:prSet/>
+      <dgm:spPr/>
+      <dgm:t>
+        <a:bodyPr/>
+        <a:lstStyle/>
+        <a:p>
+          <a:endParaRPr lang="zh-CN" altLang="en-US"/>
+        </a:p>
+      </dgm:t>
+    </dgm:pt>
+    <dgm:pt modelId="{7BD593EB-FE8F-4BFD-90EF-5CA9F05D4362}" type="sibTrans" cxnId="{A80ECF9D-6F3B-42D6-AF1D-C0399778F846}">
+      <dgm:prSet/>
+      <dgm:spPr/>
+      <dgm:t>
+        <a:bodyPr/>
+        <a:lstStyle/>
+        <a:p>
+          <a:endParaRPr lang="zh-CN" altLang="en-US"/>
+        </a:p>
+      </dgm:t>
+    </dgm:pt>
+    <dgm:pt modelId="{1B69445C-FCCA-4F08-B434-D39670A1E09E}" type="pres">
+      <dgm:prSet presAssocID="{ABC2DE46-02AA-4737-AB6E-91FE447F5FE7}" presName="linear" presStyleCnt="0">
+        <dgm:presLayoutVars>
+          <dgm:dir/>
+          <dgm:animLvl val="lvl"/>
+          <dgm:resizeHandles val="exact"/>
+        </dgm:presLayoutVars>
+      </dgm:prSet>
+      <dgm:spPr/>
+    </dgm:pt>
+    <dgm:pt modelId="{F88EAE5D-6843-4A0A-A6B3-4EDD046AF0BD}" type="pres">
+      <dgm:prSet presAssocID="{797A4663-96A2-4063-8ABD-89192B29F7A9}" presName="parentLin" presStyleCnt="0"/>
+      <dgm:spPr/>
+    </dgm:pt>
+    <dgm:pt modelId="{1A140897-50D6-40FE-9F26-98E5C7F3814B}" type="pres">
+      <dgm:prSet presAssocID="{797A4663-96A2-4063-8ABD-89192B29F7A9}" presName="parentLeftMargin" presStyleLbl="node1" presStyleIdx="0" presStyleCnt="3"/>
+      <dgm:spPr/>
+    </dgm:pt>
+    <dgm:pt modelId="{DDD969E0-2058-4643-8E47-93160C0DD783}" type="pres">
+      <dgm:prSet presAssocID="{797A4663-96A2-4063-8ABD-89192B29F7A9}" presName="parentText" presStyleLbl="node1" presStyleIdx="0" presStyleCnt="3">
+        <dgm:presLayoutVars>
+          <dgm:chMax val="0"/>
+          <dgm:bulletEnabled val="1"/>
+        </dgm:presLayoutVars>
+      </dgm:prSet>
+      <dgm:spPr/>
+    </dgm:pt>
+    <dgm:pt modelId="{E9E35FA9-5957-47D1-B093-F7D4FF100528}" type="pres">
+      <dgm:prSet presAssocID="{797A4663-96A2-4063-8ABD-89192B29F7A9}" presName="negativeSpace" presStyleCnt="0"/>
+      <dgm:spPr/>
+    </dgm:pt>
+    <dgm:pt modelId="{2D0CB04D-5CB6-4815-854A-40ACE4626BC0}" type="pres">
+      <dgm:prSet presAssocID="{797A4663-96A2-4063-8ABD-89192B29F7A9}" presName="childText" presStyleLbl="conFgAcc1" presStyleIdx="0" presStyleCnt="3">
+        <dgm:presLayoutVars>
+          <dgm:bulletEnabled val="1"/>
+        </dgm:presLayoutVars>
+      </dgm:prSet>
+      <dgm:spPr/>
+    </dgm:pt>
+    <dgm:pt modelId="{F452586C-6E1D-4A76-965F-375C2A7CE2A3}" type="pres">
+      <dgm:prSet presAssocID="{FEBCD7B5-5350-48A7-A681-4E1CCAAE9B19}" presName="spaceBetweenRectangles" presStyleCnt="0"/>
+      <dgm:spPr/>
+    </dgm:pt>
+    <dgm:pt modelId="{261AE579-3664-4603-93C8-A890E4557B12}" type="pres">
+      <dgm:prSet presAssocID="{9827F982-DB3B-4091-B7F0-0C8EC3C78255}" presName="parentLin" presStyleCnt="0"/>
+      <dgm:spPr/>
+    </dgm:pt>
+    <dgm:pt modelId="{CB735EE0-F4A3-4295-8798-044C7BC36A03}" type="pres">
+      <dgm:prSet presAssocID="{9827F982-DB3B-4091-B7F0-0C8EC3C78255}" presName="parentLeftMargin" presStyleLbl="node1" presStyleIdx="0" presStyleCnt="3"/>
+      <dgm:spPr/>
+    </dgm:pt>
+    <dgm:pt modelId="{57FB8B34-FDDD-47B4-AA57-4DCEEB22E5EA}" type="pres">
+      <dgm:prSet presAssocID="{9827F982-DB3B-4091-B7F0-0C8EC3C78255}" presName="parentText" presStyleLbl="node1" presStyleIdx="1" presStyleCnt="3">
+        <dgm:presLayoutVars>
+          <dgm:chMax val="0"/>
+          <dgm:bulletEnabled val="1"/>
+        </dgm:presLayoutVars>
+      </dgm:prSet>
+      <dgm:spPr/>
+    </dgm:pt>
+    <dgm:pt modelId="{3B092FB2-91FA-4D00-8D10-F461BBAC3387}" type="pres">
+      <dgm:prSet presAssocID="{9827F982-DB3B-4091-B7F0-0C8EC3C78255}" presName="negativeSpace" presStyleCnt="0"/>
+      <dgm:spPr/>
+    </dgm:pt>
+    <dgm:pt modelId="{0E200450-6BFD-419B-9D20-51B82A63DA43}" type="pres">
+      <dgm:prSet presAssocID="{9827F982-DB3B-4091-B7F0-0C8EC3C78255}" presName="childText" presStyleLbl="conFgAcc1" presStyleIdx="1" presStyleCnt="3">
+        <dgm:presLayoutVars>
+          <dgm:bulletEnabled val="1"/>
+        </dgm:presLayoutVars>
+      </dgm:prSet>
+      <dgm:spPr/>
+    </dgm:pt>
+    <dgm:pt modelId="{12FD1441-E855-40B5-BD3C-E0376B4185D6}" type="pres">
+      <dgm:prSet presAssocID="{7BD593EB-FE8F-4BFD-90EF-5CA9F05D4362}" presName="spaceBetweenRectangles" presStyleCnt="0"/>
+      <dgm:spPr/>
+    </dgm:pt>
+    <dgm:pt modelId="{8F5F2D4D-299E-4368-9E2F-EB0D377154A9}" type="pres">
+      <dgm:prSet presAssocID="{7EB70560-E84F-4600-8EDA-263E05D5F32E}" presName="parentLin" presStyleCnt="0"/>
+      <dgm:spPr/>
+    </dgm:pt>
+    <dgm:pt modelId="{13D58B28-9F17-4705-9BF3-DE18DE000FE7}" type="pres">
+      <dgm:prSet presAssocID="{7EB70560-E84F-4600-8EDA-263E05D5F32E}" presName="parentLeftMargin" presStyleLbl="node1" presStyleIdx="1" presStyleCnt="3"/>
+      <dgm:spPr/>
+    </dgm:pt>
+    <dgm:pt modelId="{8B506BA3-7AFD-42F1-9FDB-09E2D28CD1B3}" type="pres">
+      <dgm:prSet presAssocID="{7EB70560-E84F-4600-8EDA-263E05D5F32E}" presName="parentText" presStyleLbl="node1" presStyleIdx="2" presStyleCnt="3">
+        <dgm:presLayoutVars>
+          <dgm:chMax val="0"/>
+          <dgm:bulletEnabled val="1"/>
+        </dgm:presLayoutVars>
+      </dgm:prSet>
+      <dgm:spPr/>
+    </dgm:pt>
+    <dgm:pt modelId="{E5E1930F-C89B-486E-A68F-68D6B2B145A7}" type="pres">
+      <dgm:prSet presAssocID="{7EB70560-E84F-4600-8EDA-263E05D5F32E}" presName="negativeSpace" presStyleCnt="0"/>
+      <dgm:spPr/>
+    </dgm:pt>
+    <dgm:pt modelId="{E84E58D1-4F0C-4C14-A211-6757851BEED2}" type="pres">
+      <dgm:prSet presAssocID="{7EB70560-E84F-4600-8EDA-263E05D5F32E}" presName="childText" presStyleLbl="conFgAcc1" presStyleIdx="2" presStyleCnt="3">
+        <dgm:presLayoutVars>
+          <dgm:bulletEnabled val="1"/>
+        </dgm:presLayoutVars>
+      </dgm:prSet>
+      <dgm:spPr/>
+    </dgm:pt>
+  </dgm:ptLst>
+  <dgm:cxnLst>
+    <dgm:cxn modelId="{757DF814-FA37-40D0-A582-489F6463035E}" srcId="{ABC2DE46-02AA-4737-AB6E-91FE447F5FE7}" destId="{797A4663-96A2-4063-8ABD-89192B29F7A9}" srcOrd="0" destOrd="0" parTransId="{086B800B-D6DB-45B8-AA14-E0EA87735C2A}" sibTransId="{FEBCD7B5-5350-48A7-A681-4E1CCAAE9B19}"/>
+    <dgm:cxn modelId="{6E2A4B86-D7EB-4ABF-ADDF-BE4D00D4FFDF}" type="presOf" srcId="{9827F982-DB3B-4091-B7F0-0C8EC3C78255}" destId="{57FB8B34-FDDD-47B4-AA57-4DCEEB22E5EA}" srcOrd="1" destOrd="0" presId="urn:microsoft.com/office/officeart/2005/8/layout/list1"/>
+    <dgm:cxn modelId="{A80ECF9D-6F3B-42D6-AF1D-C0399778F846}" srcId="{ABC2DE46-02AA-4737-AB6E-91FE447F5FE7}" destId="{9827F982-DB3B-4091-B7F0-0C8EC3C78255}" srcOrd="1" destOrd="0" parTransId="{E96B8A3C-C891-4DD0-B50E-62BA705F5D85}" sibTransId="{7BD593EB-FE8F-4BFD-90EF-5CA9F05D4362}"/>
+    <dgm:cxn modelId="{161DA5AA-1768-49ED-B279-59B9EFAC6FBE}" type="presOf" srcId="{7EB70560-E84F-4600-8EDA-263E05D5F32E}" destId="{8B506BA3-7AFD-42F1-9FDB-09E2D28CD1B3}" srcOrd="1" destOrd="0" presId="urn:microsoft.com/office/officeart/2005/8/layout/list1"/>
+    <dgm:cxn modelId="{609AFEB7-A9C4-44BD-A0F1-85D7D4C190E7}" srcId="{ABC2DE46-02AA-4737-AB6E-91FE447F5FE7}" destId="{7EB70560-E84F-4600-8EDA-263E05D5F32E}" srcOrd="2" destOrd="0" parTransId="{59D1B7E7-FED7-473B-B440-EAA33F2637C0}" sibTransId="{AEE909C5-94DD-48E5-8553-C9AC949556F4}"/>
+    <dgm:cxn modelId="{5E2033C4-0446-40A2-87A1-7299D85F1DDE}" type="presOf" srcId="{797A4663-96A2-4063-8ABD-89192B29F7A9}" destId="{1A140897-50D6-40FE-9F26-98E5C7F3814B}" srcOrd="0" destOrd="0" presId="urn:microsoft.com/office/officeart/2005/8/layout/list1"/>
+    <dgm:cxn modelId="{147C26C5-01B3-4FD3-A821-E32D4BCCFE46}" type="presOf" srcId="{9827F982-DB3B-4091-B7F0-0C8EC3C78255}" destId="{CB735EE0-F4A3-4295-8798-044C7BC36A03}" srcOrd="0" destOrd="0" presId="urn:microsoft.com/office/officeart/2005/8/layout/list1"/>
+    <dgm:cxn modelId="{4A549FD5-02EE-4B82-B018-0BCAE1D082D2}" type="presOf" srcId="{7EB70560-E84F-4600-8EDA-263E05D5F32E}" destId="{13D58B28-9F17-4705-9BF3-DE18DE000FE7}" srcOrd="0" destOrd="0" presId="urn:microsoft.com/office/officeart/2005/8/layout/list1"/>
+    <dgm:cxn modelId="{98B228ED-076A-4703-8E2C-997D74A3E58F}" type="presOf" srcId="{ABC2DE46-02AA-4737-AB6E-91FE447F5FE7}" destId="{1B69445C-FCCA-4F08-B434-D39670A1E09E}" srcOrd="0" destOrd="0" presId="urn:microsoft.com/office/officeart/2005/8/layout/list1"/>
+    <dgm:cxn modelId="{C9010EF7-C349-4D10-916D-DB0F395B1FAC}" type="presOf" srcId="{797A4663-96A2-4063-8ABD-89192B29F7A9}" destId="{DDD969E0-2058-4643-8E47-93160C0DD783}" srcOrd="1" destOrd="0" presId="urn:microsoft.com/office/officeart/2005/8/layout/list1"/>
+    <dgm:cxn modelId="{08881C67-244A-4B17-9CC7-07F983143532}" type="presParOf" srcId="{1B69445C-FCCA-4F08-B434-D39670A1E09E}" destId="{F88EAE5D-6843-4A0A-A6B3-4EDD046AF0BD}" srcOrd="0" destOrd="0" presId="urn:microsoft.com/office/officeart/2005/8/layout/list1"/>
+    <dgm:cxn modelId="{46F081E1-42D4-4D50-90F7-69A4682A6E83}" type="presParOf" srcId="{F88EAE5D-6843-4A0A-A6B3-4EDD046AF0BD}" destId="{1A140897-50D6-40FE-9F26-98E5C7F3814B}" srcOrd="0" destOrd="0" presId="urn:microsoft.com/office/officeart/2005/8/layout/list1"/>
+    <dgm:cxn modelId="{009D6C3D-9C61-415B-9BF9-999546F53352}" type="presParOf" srcId="{F88EAE5D-6843-4A0A-A6B3-4EDD046AF0BD}" destId="{DDD969E0-2058-4643-8E47-93160C0DD783}" srcOrd="1" destOrd="0" presId="urn:microsoft.com/office/officeart/2005/8/layout/list1"/>
+    <dgm:cxn modelId="{2A7D3C11-7D4E-4907-8C50-0A0FCE25A0BC}" type="presParOf" srcId="{1B69445C-FCCA-4F08-B434-D39670A1E09E}" destId="{E9E35FA9-5957-47D1-B093-F7D4FF100528}" srcOrd="1" destOrd="0" presId="urn:microsoft.com/office/officeart/2005/8/layout/list1"/>
+    <dgm:cxn modelId="{41B2F176-0F37-4374-AB74-2CC6526A62D0}" type="presParOf" srcId="{1B69445C-FCCA-4F08-B434-D39670A1E09E}" destId="{2D0CB04D-5CB6-4815-854A-40ACE4626BC0}" srcOrd="2" destOrd="0" presId="urn:microsoft.com/office/officeart/2005/8/layout/list1"/>
+    <dgm:cxn modelId="{17AD73AB-B1F0-48CA-A5D3-492CA01B302D}" type="presParOf" srcId="{1B69445C-FCCA-4F08-B434-D39670A1E09E}" destId="{F452586C-6E1D-4A76-965F-375C2A7CE2A3}" srcOrd="3" destOrd="0" presId="urn:microsoft.com/office/officeart/2005/8/layout/list1"/>
+    <dgm:cxn modelId="{BA2F1786-D9FF-480D-8502-BD2737C8A0F2}" type="presParOf" srcId="{1B69445C-FCCA-4F08-B434-D39670A1E09E}" destId="{261AE579-3664-4603-93C8-A890E4557B12}" srcOrd="4" destOrd="0" presId="urn:microsoft.com/office/officeart/2005/8/layout/list1"/>
+    <dgm:cxn modelId="{CE1D442D-B81C-492D-9229-4311EF1B4D46}" type="presParOf" srcId="{261AE579-3664-4603-93C8-A890E4557B12}" destId="{CB735EE0-F4A3-4295-8798-044C7BC36A03}" srcOrd="0" destOrd="0" presId="urn:microsoft.com/office/officeart/2005/8/layout/list1"/>
+    <dgm:cxn modelId="{A5557FE1-49B3-4BB0-BCC8-54BA8C955DBB}" type="presParOf" srcId="{261AE579-3664-4603-93C8-A890E4557B12}" destId="{57FB8B34-FDDD-47B4-AA57-4DCEEB22E5EA}" srcOrd="1" destOrd="0" presId="urn:microsoft.com/office/officeart/2005/8/layout/list1"/>
+    <dgm:cxn modelId="{3B711DEE-E848-49A7-A841-DEADD6ADC4DC}" type="presParOf" srcId="{1B69445C-FCCA-4F08-B434-D39670A1E09E}" destId="{3B092FB2-91FA-4D00-8D10-F461BBAC3387}" srcOrd="5" destOrd="0" presId="urn:microsoft.com/office/officeart/2005/8/layout/list1"/>
+    <dgm:cxn modelId="{F8C92A1A-C007-4EE1-B996-83104C262DBE}" type="presParOf" srcId="{1B69445C-FCCA-4F08-B434-D39670A1E09E}" destId="{0E200450-6BFD-419B-9D20-51B82A63DA43}" srcOrd="6" destOrd="0" presId="urn:microsoft.com/office/officeart/2005/8/layout/list1"/>
+    <dgm:cxn modelId="{6F459535-A6F5-4AAF-93AF-45C9B6052944}" type="presParOf" srcId="{1B69445C-FCCA-4F08-B434-D39670A1E09E}" destId="{12FD1441-E855-40B5-BD3C-E0376B4185D6}" srcOrd="7" destOrd="0" presId="urn:microsoft.com/office/officeart/2005/8/layout/list1"/>
+    <dgm:cxn modelId="{0EB7AF84-7741-4675-A855-32DEECC73E50}" type="presParOf" srcId="{1B69445C-FCCA-4F08-B434-D39670A1E09E}" destId="{8F5F2D4D-299E-4368-9E2F-EB0D377154A9}" srcOrd="8" destOrd="0" presId="urn:microsoft.com/office/officeart/2005/8/layout/list1"/>
+    <dgm:cxn modelId="{C51134F4-5AFE-4F11-AA75-438AD37ECFEF}" type="presParOf" srcId="{8F5F2D4D-299E-4368-9E2F-EB0D377154A9}" destId="{13D58B28-9F17-4705-9BF3-DE18DE000FE7}" srcOrd="0" destOrd="0" presId="urn:microsoft.com/office/officeart/2005/8/layout/list1"/>
+    <dgm:cxn modelId="{5CDE5796-2A65-45D1-9D75-028B3F78DB84}" type="presParOf" srcId="{8F5F2D4D-299E-4368-9E2F-EB0D377154A9}" destId="{8B506BA3-7AFD-42F1-9FDB-09E2D28CD1B3}" srcOrd="1" destOrd="0" presId="urn:microsoft.com/office/officeart/2005/8/layout/list1"/>
+    <dgm:cxn modelId="{D9950C2E-531B-477E-B443-3EA9A65D90DF}" type="presParOf" srcId="{1B69445C-FCCA-4F08-B434-D39670A1E09E}" destId="{E5E1930F-C89B-486E-A68F-68D6B2B145A7}" srcOrd="9" destOrd="0" presId="urn:microsoft.com/office/officeart/2005/8/layout/list1"/>
+    <dgm:cxn modelId="{BBF33A95-AAEA-41CF-B9CB-328B30C0E491}" type="presParOf" srcId="{1B69445C-FCCA-4F08-B434-D39670A1E09E}" destId="{E84E58D1-4F0C-4C14-A211-6757851BEED2}" srcOrd="10" destOrd="0" presId="urn:microsoft.com/office/officeart/2005/8/layout/list1"/>
+  </dgm:cxnLst>
+  <dgm:bg/>
+  <dgm:whole/>
+  <dgm:extLst>
+    <a:ext uri="http://schemas.microsoft.com/office/drawing/2008/diagram">
+      <dsp:dataModelExt xmlns:dsp="http://schemas.microsoft.com/office/drawing/2008/diagram" relId="rId7" minVer="http://schemas.openxmlformats.org/drawingml/2006/diagram"/>
+    </a:ext>
+  </dgm:extLst>
+</dgm:dataModel>
+</file>
+
 <file path=ppt/diagrams/drawing1.xml><?xml version="1.0" encoding="utf-8"?>
 <dsp:drawing xmlns:dgm="http://schemas.openxmlformats.org/drawingml/2006/diagram" xmlns:dsp="http://schemas.microsoft.com/office/drawing/2008/diagram" xmlns:a="http://schemas.openxmlformats.org/drawingml/2006/main">
   <dsp:spTree>
@@ -1718,7 +2738,757 @@
 </dsp:drawing>
 </file>
 
+<file path=ppt/diagrams/drawing2.xml><?xml version="1.0" encoding="utf-8"?>
+<dsp:drawing xmlns:dgm="http://schemas.openxmlformats.org/drawingml/2006/diagram" xmlns:dsp="http://schemas.microsoft.com/office/drawing/2008/diagram" xmlns:a="http://schemas.openxmlformats.org/drawingml/2006/main">
+  <dsp:spTree>
+    <dsp:nvGrpSpPr>
+      <dsp:cNvPr id="0" name=""/>
+      <dsp:cNvGrpSpPr/>
+    </dsp:nvGrpSpPr>
+    <dsp:grpSpPr/>
+    <dsp:sp modelId="{2D0CB04D-5CB6-4815-854A-40ACE4626BC0}">
+      <dsp:nvSpPr>
+        <dsp:cNvPr id="0" name=""/>
+        <dsp:cNvSpPr/>
+      </dsp:nvSpPr>
+      <dsp:spPr>
+        <a:xfrm>
+          <a:off x="0" y="735330"/>
+          <a:ext cx="7061907" cy="806400"/>
+        </a:xfrm>
+        <a:prstGeom prst="rect">
+          <a:avLst/>
+        </a:prstGeom>
+        <a:solidFill>
+          <a:schemeClr val="lt1">
+            <a:alpha val="90000"/>
+            <a:hueOff val="0"/>
+            <a:satOff val="0"/>
+            <a:lumOff val="0"/>
+            <a:alphaOff val="0"/>
+          </a:schemeClr>
+        </a:solidFill>
+        <a:ln w="10000" cap="flat" cmpd="sng" algn="ctr">
+          <a:solidFill>
+            <a:schemeClr val="accent1">
+              <a:hueOff val="0"/>
+              <a:satOff val="0"/>
+              <a:lumOff val="0"/>
+              <a:alphaOff val="0"/>
+            </a:schemeClr>
+          </a:solidFill>
+          <a:prstDash val="solid"/>
+        </a:ln>
+        <a:effectLst>
+          <a:outerShdw blurRad="38100" dist="25400" dir="5400000" rotWithShape="0">
+            <a:srgbClr val="000000">
+              <a:alpha val="45000"/>
+            </a:srgbClr>
+          </a:outerShdw>
+        </a:effectLst>
+        <a:scene3d>
+          <a:camera prst="orthographicFront"/>
+          <a:lightRig rig="flat" dir="t"/>
+        </a:scene3d>
+        <a:sp3d z="190500" extrusionH="12700" prstMaterial="plastic">
+          <a:bevelT w="50800" h="50800"/>
+        </a:sp3d>
+      </dsp:spPr>
+      <dsp:style>
+        <a:lnRef idx="1">
+          <a:scrgbClr r="0" g="0" b="0"/>
+        </a:lnRef>
+        <a:fillRef idx="1">
+          <a:scrgbClr r="0" g="0" b="0"/>
+        </a:fillRef>
+        <a:effectRef idx="2">
+          <a:scrgbClr r="0" g="0" b="0"/>
+        </a:effectRef>
+        <a:fontRef idx="minor"/>
+      </dsp:style>
+    </dsp:sp>
+    <dsp:sp modelId="{DDD969E0-2058-4643-8E47-93160C0DD783}">
+      <dsp:nvSpPr>
+        <dsp:cNvPr id="0" name=""/>
+        <dsp:cNvSpPr/>
+      </dsp:nvSpPr>
+      <dsp:spPr>
+        <a:xfrm>
+          <a:off x="353095" y="263010"/>
+          <a:ext cx="4943334" cy="944640"/>
+        </a:xfrm>
+        <a:prstGeom prst="roundRect">
+          <a:avLst/>
+        </a:prstGeom>
+        <a:gradFill rotWithShape="0">
+          <a:gsLst>
+            <a:gs pos="0">
+              <a:schemeClr val="accent1">
+                <a:hueOff val="0"/>
+                <a:satOff val="0"/>
+                <a:lumOff val="0"/>
+                <a:alphaOff val="0"/>
+              </a:schemeClr>
+            </a:gs>
+            <a:gs pos="90000">
+              <a:schemeClr val="accent1">
+                <a:hueOff val="0"/>
+                <a:satOff val="0"/>
+                <a:lumOff val="0"/>
+                <a:alphaOff val="0"/>
+                <a:shade val="100000"/>
+                <a:satMod val="105000"/>
+              </a:schemeClr>
+            </a:gs>
+            <a:gs pos="100000">
+              <a:schemeClr val="accent1">
+                <a:hueOff val="0"/>
+                <a:satOff val="0"/>
+                <a:lumOff val="0"/>
+                <a:alphaOff val="0"/>
+                <a:shade val="80000"/>
+                <a:satMod val="120000"/>
+              </a:schemeClr>
+            </a:gs>
+          </a:gsLst>
+          <a:path path="circle">
+            <a:fillToRect l="100000" t="100000" r="100000" b="100000"/>
+          </a:path>
+        </a:gradFill>
+        <a:ln>
+          <a:noFill/>
+        </a:ln>
+        <a:effectLst>
+          <a:outerShdw blurRad="38100" dist="25400" dir="5400000" rotWithShape="0">
+            <a:srgbClr val="000000">
+              <a:alpha val="45000"/>
+            </a:srgbClr>
+          </a:outerShdw>
+        </a:effectLst>
+        <a:scene3d>
+          <a:camera prst="orthographicFront"/>
+          <a:lightRig rig="flat" dir="t"/>
+        </a:scene3d>
+        <a:sp3d prstMaterial="plastic">
+          <a:bevelT w="120900" h="88900"/>
+          <a:bevelB w="88900" h="31750" prst="angle"/>
+        </a:sp3d>
+      </dsp:spPr>
+      <dsp:style>
+        <a:lnRef idx="0">
+          <a:scrgbClr r="0" g="0" b="0"/>
+        </a:lnRef>
+        <a:fillRef idx="3">
+          <a:scrgbClr r="0" g="0" b="0"/>
+        </a:fillRef>
+        <a:effectRef idx="2">
+          <a:scrgbClr r="0" g="0" b="0"/>
+        </a:effectRef>
+        <a:fontRef idx="minor">
+          <a:schemeClr val="lt1"/>
+        </a:fontRef>
+      </dsp:style>
+      <dsp:txBody>
+        <a:bodyPr spcFirstLastPara="0" vert="horz" wrap="square" lIns="186846" tIns="0" rIns="186846" bIns="0" numCol="1" spcCol="1270" anchor="ctr" anchorCtr="0">
+          <a:noAutofit/>
+        </a:bodyPr>
+        <a:lstStyle/>
+        <a:p>
+          <a:pPr marL="0" lvl="0" indent="0" algn="l" defTabSz="1422400">
+            <a:lnSpc>
+              <a:spcPct val="90000"/>
+            </a:lnSpc>
+            <a:spcBef>
+              <a:spcPct val="0"/>
+            </a:spcBef>
+            <a:spcAft>
+              <a:spcPct val="35000"/>
+            </a:spcAft>
+            <a:buNone/>
+          </a:pPr>
+          <a:r>
+            <a:rPr lang="zh-CN" altLang="en-US" sz="3200" kern="1200" dirty="0"/>
+            <a:t>一、知识库是什么？</a:t>
+          </a:r>
+        </a:p>
+      </dsp:txBody>
+      <dsp:txXfrm>
+        <a:off x="399209" y="309124"/>
+        <a:ext cx="4851106" cy="852412"/>
+      </dsp:txXfrm>
+    </dsp:sp>
+    <dsp:sp modelId="{0E200450-6BFD-419B-9D20-51B82A63DA43}">
+      <dsp:nvSpPr>
+        <dsp:cNvPr id="0" name=""/>
+        <dsp:cNvSpPr/>
+      </dsp:nvSpPr>
+      <dsp:spPr>
+        <a:xfrm>
+          <a:off x="0" y="2186850"/>
+          <a:ext cx="7061907" cy="806400"/>
+        </a:xfrm>
+        <a:prstGeom prst="rect">
+          <a:avLst/>
+        </a:prstGeom>
+        <a:solidFill>
+          <a:schemeClr val="lt1">
+            <a:alpha val="90000"/>
+            <a:hueOff val="0"/>
+            <a:satOff val="0"/>
+            <a:lumOff val="0"/>
+            <a:alphaOff val="0"/>
+          </a:schemeClr>
+        </a:solidFill>
+        <a:ln w="10000" cap="flat" cmpd="sng" algn="ctr">
+          <a:solidFill>
+            <a:schemeClr val="accent1">
+              <a:hueOff val="0"/>
+              <a:satOff val="0"/>
+              <a:lumOff val="0"/>
+              <a:alphaOff val="0"/>
+            </a:schemeClr>
+          </a:solidFill>
+          <a:prstDash val="solid"/>
+        </a:ln>
+        <a:effectLst>
+          <a:outerShdw blurRad="38100" dist="25400" dir="5400000" rotWithShape="0">
+            <a:srgbClr val="000000">
+              <a:alpha val="45000"/>
+            </a:srgbClr>
+          </a:outerShdw>
+        </a:effectLst>
+        <a:scene3d>
+          <a:camera prst="orthographicFront"/>
+          <a:lightRig rig="flat" dir="t"/>
+        </a:scene3d>
+        <a:sp3d z="190500" extrusionH="12700" prstMaterial="plastic">
+          <a:bevelT w="50800" h="50800"/>
+        </a:sp3d>
+      </dsp:spPr>
+      <dsp:style>
+        <a:lnRef idx="1">
+          <a:scrgbClr r="0" g="0" b="0"/>
+        </a:lnRef>
+        <a:fillRef idx="1">
+          <a:scrgbClr r="0" g="0" b="0"/>
+        </a:fillRef>
+        <a:effectRef idx="2">
+          <a:scrgbClr r="0" g="0" b="0"/>
+        </a:effectRef>
+        <a:fontRef idx="minor"/>
+      </dsp:style>
+    </dsp:sp>
+    <dsp:sp modelId="{57FB8B34-FDDD-47B4-AA57-4DCEEB22E5EA}">
+      <dsp:nvSpPr>
+        <dsp:cNvPr id="0" name=""/>
+        <dsp:cNvSpPr/>
+      </dsp:nvSpPr>
+      <dsp:spPr>
+        <a:xfrm>
+          <a:off x="353095" y="1714530"/>
+          <a:ext cx="4943334" cy="944640"/>
+        </a:xfrm>
+        <a:prstGeom prst="roundRect">
+          <a:avLst/>
+        </a:prstGeom>
+        <a:gradFill rotWithShape="0">
+          <a:gsLst>
+            <a:gs pos="0">
+              <a:schemeClr val="accent1">
+                <a:hueOff val="0"/>
+                <a:satOff val="0"/>
+                <a:lumOff val="0"/>
+                <a:alphaOff val="0"/>
+              </a:schemeClr>
+            </a:gs>
+            <a:gs pos="90000">
+              <a:schemeClr val="accent1">
+                <a:hueOff val="0"/>
+                <a:satOff val="0"/>
+                <a:lumOff val="0"/>
+                <a:alphaOff val="0"/>
+                <a:shade val="100000"/>
+                <a:satMod val="105000"/>
+              </a:schemeClr>
+            </a:gs>
+            <a:gs pos="100000">
+              <a:schemeClr val="accent1">
+                <a:hueOff val="0"/>
+                <a:satOff val="0"/>
+                <a:lumOff val="0"/>
+                <a:alphaOff val="0"/>
+                <a:shade val="80000"/>
+                <a:satMod val="120000"/>
+              </a:schemeClr>
+            </a:gs>
+          </a:gsLst>
+          <a:path path="circle">
+            <a:fillToRect l="100000" t="100000" r="100000" b="100000"/>
+          </a:path>
+        </a:gradFill>
+        <a:ln>
+          <a:noFill/>
+        </a:ln>
+        <a:effectLst>
+          <a:outerShdw blurRad="38100" dist="25400" dir="5400000" rotWithShape="0">
+            <a:srgbClr val="000000">
+              <a:alpha val="45000"/>
+            </a:srgbClr>
+          </a:outerShdw>
+        </a:effectLst>
+        <a:scene3d>
+          <a:camera prst="orthographicFront"/>
+          <a:lightRig rig="flat" dir="t"/>
+        </a:scene3d>
+        <a:sp3d prstMaterial="plastic">
+          <a:bevelT w="120900" h="88900"/>
+          <a:bevelB w="88900" h="31750" prst="angle"/>
+        </a:sp3d>
+      </dsp:spPr>
+      <dsp:style>
+        <a:lnRef idx="0">
+          <a:scrgbClr r="0" g="0" b="0"/>
+        </a:lnRef>
+        <a:fillRef idx="3">
+          <a:scrgbClr r="0" g="0" b="0"/>
+        </a:fillRef>
+        <a:effectRef idx="2">
+          <a:scrgbClr r="0" g="0" b="0"/>
+        </a:effectRef>
+        <a:fontRef idx="minor">
+          <a:schemeClr val="lt1"/>
+        </a:fontRef>
+      </dsp:style>
+      <dsp:txBody>
+        <a:bodyPr spcFirstLastPara="0" vert="horz" wrap="square" lIns="186846" tIns="0" rIns="186846" bIns="0" numCol="1" spcCol="1270" anchor="ctr" anchorCtr="0">
+          <a:noAutofit/>
+        </a:bodyPr>
+        <a:lstStyle/>
+        <a:p>
+          <a:pPr marL="0" lvl="0" indent="0" algn="l" defTabSz="1422400">
+            <a:lnSpc>
+              <a:spcPct val="90000"/>
+            </a:lnSpc>
+            <a:spcBef>
+              <a:spcPct val="0"/>
+            </a:spcBef>
+            <a:spcAft>
+              <a:spcPct val="35000"/>
+            </a:spcAft>
+            <a:buNone/>
+          </a:pPr>
+          <a:r>
+            <a:rPr lang="zh-CN" altLang="en-US" sz="3200" kern="1200" dirty="0"/>
+            <a:t>二、为什么要知识库问答？</a:t>
+          </a:r>
+        </a:p>
+      </dsp:txBody>
+      <dsp:txXfrm>
+        <a:off x="399209" y="1760644"/>
+        <a:ext cx="4851106" cy="852412"/>
+      </dsp:txXfrm>
+    </dsp:sp>
+    <dsp:sp modelId="{E84E58D1-4F0C-4C14-A211-6757851BEED2}">
+      <dsp:nvSpPr>
+        <dsp:cNvPr id="0" name=""/>
+        <dsp:cNvSpPr/>
+      </dsp:nvSpPr>
+      <dsp:spPr>
+        <a:xfrm>
+          <a:off x="0" y="3638370"/>
+          <a:ext cx="7061907" cy="806400"/>
+        </a:xfrm>
+        <a:prstGeom prst="rect">
+          <a:avLst/>
+        </a:prstGeom>
+        <a:solidFill>
+          <a:schemeClr val="lt1">
+            <a:alpha val="90000"/>
+            <a:hueOff val="0"/>
+            <a:satOff val="0"/>
+            <a:lumOff val="0"/>
+            <a:alphaOff val="0"/>
+          </a:schemeClr>
+        </a:solidFill>
+        <a:ln w="10000" cap="flat" cmpd="sng" algn="ctr">
+          <a:solidFill>
+            <a:schemeClr val="accent1">
+              <a:hueOff val="0"/>
+              <a:satOff val="0"/>
+              <a:lumOff val="0"/>
+              <a:alphaOff val="0"/>
+            </a:schemeClr>
+          </a:solidFill>
+          <a:prstDash val="solid"/>
+        </a:ln>
+        <a:effectLst>
+          <a:outerShdw blurRad="38100" dist="25400" dir="5400000" rotWithShape="0">
+            <a:srgbClr val="000000">
+              <a:alpha val="45000"/>
+            </a:srgbClr>
+          </a:outerShdw>
+        </a:effectLst>
+        <a:scene3d>
+          <a:camera prst="orthographicFront"/>
+          <a:lightRig rig="flat" dir="t"/>
+        </a:scene3d>
+        <a:sp3d z="190500" extrusionH="12700" prstMaterial="plastic">
+          <a:bevelT w="50800" h="50800"/>
+        </a:sp3d>
+      </dsp:spPr>
+      <dsp:style>
+        <a:lnRef idx="1">
+          <a:scrgbClr r="0" g="0" b="0"/>
+        </a:lnRef>
+        <a:fillRef idx="1">
+          <a:scrgbClr r="0" g="0" b="0"/>
+        </a:fillRef>
+        <a:effectRef idx="2">
+          <a:scrgbClr r="0" g="0" b="0"/>
+        </a:effectRef>
+        <a:fontRef idx="minor"/>
+      </dsp:style>
+    </dsp:sp>
+    <dsp:sp modelId="{8B506BA3-7AFD-42F1-9FDB-09E2D28CD1B3}">
+      <dsp:nvSpPr>
+        <dsp:cNvPr id="0" name=""/>
+        <dsp:cNvSpPr/>
+      </dsp:nvSpPr>
+      <dsp:spPr>
+        <a:xfrm>
+          <a:off x="353095" y="3166050"/>
+          <a:ext cx="4943334" cy="944640"/>
+        </a:xfrm>
+        <a:prstGeom prst="roundRect">
+          <a:avLst/>
+        </a:prstGeom>
+        <a:gradFill rotWithShape="0">
+          <a:gsLst>
+            <a:gs pos="0">
+              <a:schemeClr val="accent1">
+                <a:hueOff val="0"/>
+                <a:satOff val="0"/>
+                <a:lumOff val="0"/>
+                <a:alphaOff val="0"/>
+              </a:schemeClr>
+            </a:gs>
+            <a:gs pos="90000">
+              <a:schemeClr val="accent1">
+                <a:hueOff val="0"/>
+                <a:satOff val="0"/>
+                <a:lumOff val="0"/>
+                <a:alphaOff val="0"/>
+                <a:shade val="100000"/>
+                <a:satMod val="105000"/>
+              </a:schemeClr>
+            </a:gs>
+            <a:gs pos="100000">
+              <a:schemeClr val="accent1">
+                <a:hueOff val="0"/>
+                <a:satOff val="0"/>
+                <a:lumOff val="0"/>
+                <a:alphaOff val="0"/>
+                <a:shade val="80000"/>
+                <a:satMod val="120000"/>
+              </a:schemeClr>
+            </a:gs>
+          </a:gsLst>
+          <a:path path="circle">
+            <a:fillToRect l="100000" t="100000" r="100000" b="100000"/>
+          </a:path>
+        </a:gradFill>
+        <a:ln>
+          <a:noFill/>
+        </a:ln>
+        <a:effectLst>
+          <a:outerShdw blurRad="38100" dist="25400" dir="5400000" rotWithShape="0">
+            <a:srgbClr val="000000">
+              <a:alpha val="45000"/>
+            </a:srgbClr>
+          </a:outerShdw>
+        </a:effectLst>
+        <a:scene3d>
+          <a:camera prst="orthographicFront"/>
+          <a:lightRig rig="flat" dir="t"/>
+        </a:scene3d>
+        <a:sp3d prstMaterial="plastic">
+          <a:bevelT w="120900" h="88900"/>
+          <a:bevelB w="88900" h="31750" prst="angle"/>
+        </a:sp3d>
+      </dsp:spPr>
+      <dsp:style>
+        <a:lnRef idx="0">
+          <a:scrgbClr r="0" g="0" b="0"/>
+        </a:lnRef>
+        <a:fillRef idx="3">
+          <a:scrgbClr r="0" g="0" b="0"/>
+        </a:fillRef>
+        <a:effectRef idx="2">
+          <a:scrgbClr r="0" g="0" b="0"/>
+        </a:effectRef>
+        <a:fontRef idx="minor">
+          <a:schemeClr val="lt1"/>
+        </a:fontRef>
+      </dsp:style>
+      <dsp:txBody>
+        <a:bodyPr spcFirstLastPara="0" vert="horz" wrap="square" lIns="186846" tIns="0" rIns="186846" bIns="0" numCol="1" spcCol="1270" anchor="ctr" anchorCtr="0">
+          <a:noAutofit/>
+        </a:bodyPr>
+        <a:lstStyle/>
+        <a:p>
+          <a:pPr marL="0" lvl="0" indent="0" algn="l" defTabSz="1422400">
+            <a:lnSpc>
+              <a:spcPct val="90000"/>
+            </a:lnSpc>
+            <a:spcBef>
+              <a:spcPct val="0"/>
+            </a:spcBef>
+            <a:spcAft>
+              <a:spcPct val="35000"/>
+            </a:spcAft>
+            <a:buNone/>
+          </a:pPr>
+          <a:r>
+            <a:rPr lang="zh-CN" altLang="en-US" sz="3200" kern="1200" dirty="0"/>
+            <a:t>三、知识库问答流程</a:t>
+          </a:r>
+        </a:p>
+      </dsp:txBody>
+      <dsp:txXfrm>
+        <a:off x="399209" y="3212164"/>
+        <a:ext cx="4851106" cy="852412"/>
+      </dsp:txXfrm>
+    </dsp:sp>
+  </dsp:spTree>
+</dsp:drawing>
+</file>
+
 <file path=ppt/diagrams/layout1.xml><?xml version="1.0" encoding="utf-8"?>
+<dgm:layoutDef xmlns:dgm="http://schemas.openxmlformats.org/drawingml/2006/diagram" xmlns:a="http://schemas.openxmlformats.org/drawingml/2006/main" uniqueId="urn:microsoft.com/office/officeart/2005/8/layout/list1">
+  <dgm:title val=""/>
+  <dgm:desc val=""/>
+  <dgm:catLst>
+    <dgm:cat type="list" pri="4000"/>
+  </dgm:catLst>
+  <dgm:sampData>
+    <dgm:dataModel>
+      <dgm:ptLst>
+        <dgm:pt modelId="0" type="doc"/>
+        <dgm:pt modelId="1">
+          <dgm:prSet phldr="1"/>
+        </dgm:pt>
+        <dgm:pt modelId="2">
+          <dgm:prSet phldr="1"/>
+        </dgm:pt>
+        <dgm:pt modelId="3">
+          <dgm:prSet phldr="1"/>
+        </dgm:pt>
+      </dgm:ptLst>
+      <dgm:cxnLst>
+        <dgm:cxn modelId="4" srcId="0" destId="1" srcOrd="0" destOrd="0"/>
+        <dgm:cxn modelId="5" srcId="0" destId="2" srcOrd="1" destOrd="0"/>
+        <dgm:cxn modelId="6" srcId="0" destId="3" srcOrd="2" destOrd="0"/>
+      </dgm:cxnLst>
+      <dgm:bg/>
+      <dgm:whole/>
+    </dgm:dataModel>
+  </dgm:sampData>
+  <dgm:styleData>
+    <dgm:dataModel>
+      <dgm:ptLst>
+        <dgm:pt modelId="0" type="doc"/>
+        <dgm:pt modelId="1"/>
+        <dgm:pt modelId="2"/>
+      </dgm:ptLst>
+      <dgm:cxnLst>
+        <dgm:cxn modelId="4" srcId="0" destId="1" srcOrd="0" destOrd="0"/>
+        <dgm:cxn modelId="5" srcId="0" destId="2" srcOrd="1" destOrd="0"/>
+      </dgm:cxnLst>
+      <dgm:bg/>
+      <dgm:whole/>
+    </dgm:dataModel>
+  </dgm:styleData>
+  <dgm:clrData>
+    <dgm:dataModel>
+      <dgm:ptLst>
+        <dgm:pt modelId="0" type="doc"/>
+        <dgm:pt modelId="1"/>
+        <dgm:pt modelId="2"/>
+        <dgm:pt modelId="3"/>
+        <dgm:pt modelId="4"/>
+      </dgm:ptLst>
+      <dgm:cxnLst>
+        <dgm:cxn modelId="5" srcId="0" destId="1" srcOrd="0" destOrd="0"/>
+        <dgm:cxn modelId="6" srcId="0" destId="2" srcOrd="1" destOrd="0"/>
+        <dgm:cxn modelId="7" srcId="0" destId="3" srcOrd="2" destOrd="0"/>
+        <dgm:cxn modelId="8" srcId="0" destId="4" srcOrd="3" destOrd="0"/>
+      </dgm:cxnLst>
+      <dgm:bg/>
+      <dgm:whole/>
+    </dgm:dataModel>
+  </dgm:clrData>
+  <dgm:layoutNode name="linear">
+    <dgm:varLst>
+      <dgm:dir/>
+      <dgm:animLvl val="lvl"/>
+      <dgm:resizeHandles val="exact"/>
+    </dgm:varLst>
+    <dgm:choose name="Name0">
+      <dgm:if name="Name1" func="var" arg="dir" op="equ" val="norm">
+        <dgm:alg type="lin">
+          <dgm:param type="linDir" val="fromT"/>
+          <dgm:param type="vertAlign" val="mid"/>
+          <dgm:param type="horzAlign" val="l"/>
+          <dgm:param type="nodeHorzAlign" val="l"/>
+        </dgm:alg>
+      </dgm:if>
+      <dgm:else name="Name2">
+        <dgm:alg type="lin">
+          <dgm:param type="linDir" val="fromT"/>
+          <dgm:param type="vertAlign" val="mid"/>
+          <dgm:param type="horzAlign" val="r"/>
+          <dgm:param type="nodeHorzAlign" val="r"/>
+        </dgm:alg>
+      </dgm:else>
+    </dgm:choose>
+    <dgm:shape xmlns:r="http://schemas.openxmlformats.org/officeDocument/2006/relationships" r:blip="">
+      <dgm:adjLst/>
+    </dgm:shape>
+    <dgm:presOf/>
+    <dgm:constrLst>
+      <dgm:constr type="w" for="ch" forName="parentLin" refType="w"/>
+      <dgm:constr type="h" for="ch" forName="parentLin" val="INF"/>
+      <dgm:constr type="w" for="des" forName="parentLeftMargin" refType="w" fact="0.05"/>
+      <dgm:constr type="w" for="des" forName="parentText" refType="w" fact="0.7"/>
+      <dgm:constr type="h" for="des" forName="parentText" refType="primFontSz" refFor="des" refForName="parentText" fact="0.82"/>
+      <dgm:constr type="h" for="ch" forName="negativeSpace" refType="primFontSz" refFor="des" refForName="parentText" fact="-0.41"/>
+      <dgm:constr type="h" for="ch" forName="negativeSpace" refType="h" refFor="des" refForName="parentText" op="lte" fact="-0.82"/>
+      <dgm:constr type="h" for="ch" forName="negativeSpace" refType="h" refFor="des" refForName="parentText" op="gte" fact="-0.82"/>
+      <dgm:constr type="w" for="ch" forName="childText" refType="w"/>
+      <dgm:constr type="h" for="ch" forName="childText" refType="primFontSz" refFor="des" refForName="parentText" fact="0.7"/>
+      <dgm:constr type="primFontSz" for="des" forName="parentText" val="65"/>
+      <dgm:constr type="primFontSz" for="ch" forName="childText" refType="primFontSz" refFor="des" refForName="parentText"/>
+      <dgm:constr type="tMarg" for="ch" forName="childText" refType="primFontSz" refFor="des" refForName="parentText" fact="1.64"/>
+      <dgm:constr type="tMarg" for="ch" forName="childText" refType="h" refFor="des" refForName="parentText" op="lte" fact="3.28"/>
+      <dgm:constr type="tMarg" for="ch" forName="childText" refType="h" refFor="des" refForName="parentText" op="gte" fact="3.28"/>
+      <dgm:constr type="lMarg" for="ch" forName="childText" refType="w" fact="0.22"/>
+      <dgm:constr type="rMarg" for="ch" forName="childText" refType="lMarg" refFor="ch" refForName="childText"/>
+      <dgm:constr type="lMarg" for="des" forName="parentText" refType="w" fact="0.075"/>
+      <dgm:constr type="rMarg" for="des" forName="parentText" refType="lMarg" refFor="des" refForName="parentText"/>
+      <dgm:constr type="h" for="ch" forName="spaceBetweenRectangles" refType="primFontSz" refFor="des" refForName="parentText" fact="0.15"/>
+    </dgm:constrLst>
+    <dgm:ruleLst>
+      <dgm:rule type="primFontSz" for="des" forName="parentText" val="5" fact="NaN" max="NaN"/>
+    </dgm:ruleLst>
+    <dgm:forEach name="Name3" axis="ch" ptType="node">
+      <dgm:layoutNode name="parentLin">
+        <dgm:choose name="Name4">
+          <dgm:if name="Name5" func="var" arg="dir" op="equ" val="norm">
+            <dgm:alg type="lin">
+              <dgm:param type="linDir" val="fromL"/>
+              <dgm:param type="horzAlign" val="l"/>
+              <dgm:param type="nodeHorzAlign" val="l"/>
+            </dgm:alg>
+          </dgm:if>
+          <dgm:else name="Name6">
+            <dgm:alg type="lin">
+              <dgm:param type="linDir" val="fromR"/>
+              <dgm:param type="horzAlign" val="r"/>
+              <dgm:param type="nodeHorzAlign" val="r"/>
+            </dgm:alg>
+          </dgm:else>
+        </dgm:choose>
+        <dgm:shape xmlns:r="http://schemas.openxmlformats.org/officeDocument/2006/relationships" r:blip="">
+          <dgm:adjLst/>
+        </dgm:shape>
+        <dgm:presOf/>
+        <dgm:constrLst/>
+        <dgm:ruleLst/>
+        <dgm:layoutNode name="parentLeftMargin">
+          <dgm:alg type="sp"/>
+          <dgm:shape xmlns:r="http://schemas.openxmlformats.org/officeDocument/2006/relationships" type="rect" r:blip="" hideGeom="1">
+            <dgm:adjLst/>
+          </dgm:shape>
+          <dgm:presOf axis="self"/>
+          <dgm:constrLst>
+            <dgm:constr type="h"/>
+          </dgm:constrLst>
+          <dgm:ruleLst/>
+        </dgm:layoutNode>
+        <dgm:layoutNode name="parentText" styleLbl="node1">
+          <dgm:varLst>
+            <dgm:chMax val="0"/>
+            <dgm:bulletEnabled val="1"/>
+          </dgm:varLst>
+          <dgm:choose name="Name7">
+            <dgm:if name="Name8" func="var" arg="dir" op="equ" val="norm">
+              <dgm:alg type="tx">
+                <dgm:param type="parTxLTRAlign" val="l"/>
+                <dgm:param type="parTxRTLAlign" val="l"/>
+              </dgm:alg>
+            </dgm:if>
+            <dgm:else name="Name9">
+              <dgm:alg type="tx">
+                <dgm:param type="parTxLTRAlign" val="r"/>
+                <dgm:param type="parTxRTLAlign" val="r"/>
+              </dgm:alg>
+            </dgm:else>
+          </dgm:choose>
+          <dgm:shape xmlns:r="http://schemas.openxmlformats.org/officeDocument/2006/relationships" type="roundRect" r:blip="">
+            <dgm:adjLst/>
+          </dgm:shape>
+          <dgm:presOf axis="self" ptType="node"/>
+          <dgm:constrLst>
+            <dgm:constr type="tMarg"/>
+            <dgm:constr type="bMarg"/>
+          </dgm:constrLst>
+          <dgm:ruleLst/>
+        </dgm:layoutNode>
+      </dgm:layoutNode>
+      <dgm:layoutNode name="negativeSpace">
+        <dgm:alg type="sp"/>
+        <dgm:shape xmlns:r="http://schemas.openxmlformats.org/officeDocument/2006/relationships" r:blip="">
+          <dgm:adjLst/>
+        </dgm:shape>
+        <dgm:presOf/>
+        <dgm:constrLst/>
+        <dgm:ruleLst/>
+      </dgm:layoutNode>
+      <dgm:layoutNode name="childText" styleLbl="conFgAcc1">
+        <dgm:varLst>
+          <dgm:bulletEnabled val="1"/>
+        </dgm:varLst>
+        <dgm:alg type="tx">
+          <dgm:param type="stBulletLvl" val="1"/>
+        </dgm:alg>
+        <dgm:shape xmlns:r="http://schemas.openxmlformats.org/officeDocument/2006/relationships" type="rect" r:blip="" zOrderOff="-2">
+          <dgm:adjLst/>
+        </dgm:shape>
+        <dgm:presOf axis="des" ptType="node"/>
+        <dgm:constrLst>
+          <dgm:constr type="secFontSz" refType="primFontSz"/>
+        </dgm:constrLst>
+        <dgm:ruleLst>
+          <dgm:rule type="h" val="INF" fact="NaN" max="NaN"/>
+        </dgm:ruleLst>
+      </dgm:layoutNode>
+      <dgm:forEach name="Name10" axis="followSib" ptType="sibTrans" cnt="1">
+        <dgm:layoutNode name="spaceBetweenRectangles">
+          <dgm:alg type="sp"/>
+          <dgm:shape xmlns:r="http://schemas.openxmlformats.org/officeDocument/2006/relationships" r:blip="">
+            <dgm:adjLst/>
+          </dgm:shape>
+          <dgm:presOf/>
+          <dgm:constrLst/>
+          <dgm:ruleLst/>
+        </dgm:layoutNode>
+      </dgm:forEach>
+    </dgm:forEach>
+  </dgm:layoutNode>
+</dgm:layoutDef>
+</file>
+
+<file path=ppt/diagrams/layout2.xml><?xml version="1.0" encoding="utf-8"?>
 <dgm:layoutDef xmlns:dgm="http://schemas.openxmlformats.org/drawingml/2006/diagram" xmlns:a="http://schemas.openxmlformats.org/drawingml/2006/main" uniqueId="urn:microsoft.com/office/officeart/2005/8/layout/list1">
   <dgm:title val=""/>
   <dgm:desc val=""/>
@@ -3060,6 +4830,1123 @@
 </dgm:styleDef>
 </file>
 
+<file path=ppt/diagrams/quickStyle2.xml><?xml version="1.0" encoding="utf-8"?>
+<dgm:styleDef xmlns:dgm="http://schemas.openxmlformats.org/drawingml/2006/diagram" xmlns:a="http://schemas.openxmlformats.org/drawingml/2006/main" uniqueId="urn:microsoft.com/office/officeart/2005/8/quickstyle/3d1">
+  <dgm:title val=""/>
+  <dgm:desc val=""/>
+  <dgm:catLst>
+    <dgm:cat type="3D" pri="11100"/>
+  </dgm:catLst>
+  <dgm:scene3d>
+    <a:camera prst="orthographicFront"/>
+    <a:lightRig rig="threePt" dir="t"/>
+  </dgm:scene3d>
+  <dgm:styleLbl name="node0">
+    <dgm:scene3d>
+      <a:camera prst="orthographicFront"/>
+      <a:lightRig rig="flat" dir="t"/>
+    </dgm:scene3d>
+    <dgm:sp3d prstMaterial="plastic">
+      <a:bevelT w="120900" h="88900"/>
+      <a:bevelB w="88900" h="31750" prst="angle"/>
+    </dgm:sp3d>
+    <dgm:txPr/>
+    <dgm:style>
+      <a:lnRef idx="0">
+        <a:scrgbClr r="0" g="0" b="0"/>
+      </a:lnRef>
+      <a:fillRef idx="3">
+        <a:scrgbClr r="0" g="0" b="0"/>
+      </a:fillRef>
+      <a:effectRef idx="2">
+        <a:scrgbClr r="0" g="0" b="0"/>
+      </a:effectRef>
+      <a:fontRef idx="minor">
+        <a:schemeClr val="lt1"/>
+      </a:fontRef>
+    </dgm:style>
+  </dgm:styleLbl>
+  <dgm:styleLbl name="lnNode1">
+    <dgm:scene3d>
+      <a:camera prst="orthographicFront"/>
+      <a:lightRig rig="flat" dir="t"/>
+    </dgm:scene3d>
+    <dgm:sp3d prstMaterial="plastic">
+      <a:bevelT w="120900" h="88900"/>
+      <a:bevelB w="88900" h="31750" prst="angle"/>
+    </dgm:sp3d>
+    <dgm:txPr/>
+    <dgm:style>
+      <a:lnRef idx="0">
+        <a:scrgbClr r="0" g="0" b="0"/>
+      </a:lnRef>
+      <a:fillRef idx="3">
+        <a:scrgbClr r="0" g="0" b="0"/>
+      </a:fillRef>
+      <a:effectRef idx="1">
+        <a:scrgbClr r="0" g="0" b="0"/>
+      </a:effectRef>
+      <a:fontRef idx="minor">
+        <a:schemeClr val="lt1"/>
+      </a:fontRef>
+    </dgm:style>
+  </dgm:styleLbl>
+  <dgm:styleLbl name="vennNode1">
+    <dgm:scene3d>
+      <a:camera prst="orthographicFront"/>
+      <a:lightRig rig="flat" dir="t"/>
+    </dgm:scene3d>
+    <dgm:sp3d prstMaterial="plastic">
+      <a:bevelT w="120900" h="88900"/>
+      <a:bevelB w="88900" h="31750" prst="angle"/>
+    </dgm:sp3d>
+    <dgm:txPr/>
+    <dgm:style>
+      <a:lnRef idx="0">
+        <a:scrgbClr r="0" g="0" b="0"/>
+      </a:lnRef>
+      <a:fillRef idx="1">
+        <a:scrgbClr r="0" g="0" b="0"/>
+      </a:fillRef>
+      <a:effectRef idx="1">
+        <a:scrgbClr r="0" g="0" b="0"/>
+      </a:effectRef>
+      <a:fontRef idx="minor">
+        <a:schemeClr val="tx1"/>
+      </a:fontRef>
+    </dgm:style>
+  </dgm:styleLbl>
+  <dgm:styleLbl name="alignNode1">
+    <dgm:scene3d>
+      <a:camera prst="orthographicFront"/>
+      <a:lightRig rig="flat" dir="t"/>
+    </dgm:scene3d>
+    <dgm:sp3d prstMaterial="plastic">
+      <a:bevelT w="120900" h="88900"/>
+      <a:bevelB w="88900" h="31750" prst="angle"/>
+    </dgm:sp3d>
+    <dgm:txPr/>
+    <dgm:style>
+      <a:lnRef idx="1">
+        <a:scrgbClr r="0" g="0" b="0"/>
+      </a:lnRef>
+      <a:fillRef idx="3">
+        <a:scrgbClr r="0" g="0" b="0"/>
+      </a:fillRef>
+      <a:effectRef idx="2">
+        <a:scrgbClr r="0" g="0" b="0"/>
+      </a:effectRef>
+      <a:fontRef idx="minor">
+        <a:schemeClr val="lt1"/>
+      </a:fontRef>
+    </dgm:style>
+  </dgm:styleLbl>
+  <dgm:styleLbl name="node1">
+    <dgm:scene3d>
+      <a:camera prst="orthographicFront"/>
+      <a:lightRig rig="flat" dir="t"/>
+    </dgm:scene3d>
+    <dgm:sp3d prstMaterial="plastic">
+      <a:bevelT w="120900" h="88900"/>
+      <a:bevelB w="88900" h="31750" prst="angle"/>
+    </dgm:sp3d>
+    <dgm:txPr/>
+    <dgm:style>
+      <a:lnRef idx="0">
+        <a:scrgbClr r="0" g="0" b="0"/>
+      </a:lnRef>
+      <a:fillRef idx="3">
+        <a:scrgbClr r="0" g="0" b="0"/>
+      </a:fillRef>
+      <a:effectRef idx="2">
+        <a:scrgbClr r="0" g="0" b="0"/>
+      </a:effectRef>
+      <a:fontRef idx="minor">
+        <a:schemeClr val="lt1"/>
+      </a:fontRef>
+    </dgm:style>
+  </dgm:styleLbl>
+  <dgm:styleLbl name="node2">
+    <dgm:scene3d>
+      <a:camera prst="orthographicFront"/>
+      <a:lightRig rig="flat" dir="t"/>
+    </dgm:scene3d>
+    <dgm:sp3d prstMaterial="plastic">
+      <a:bevelT w="120900" h="88900"/>
+      <a:bevelB w="88900" h="31750" prst="angle"/>
+    </dgm:sp3d>
+    <dgm:txPr/>
+    <dgm:style>
+      <a:lnRef idx="0">
+        <a:scrgbClr r="0" g="0" b="0"/>
+      </a:lnRef>
+      <a:fillRef idx="3">
+        <a:scrgbClr r="0" g="0" b="0"/>
+      </a:fillRef>
+      <a:effectRef idx="1">
+        <a:scrgbClr r="0" g="0" b="0"/>
+      </a:effectRef>
+      <a:fontRef idx="minor">
+        <a:schemeClr val="lt1"/>
+      </a:fontRef>
+    </dgm:style>
+  </dgm:styleLbl>
+  <dgm:styleLbl name="node3">
+    <dgm:scene3d>
+      <a:camera prst="orthographicFront"/>
+      <a:lightRig rig="flat" dir="t"/>
+    </dgm:scene3d>
+    <dgm:sp3d prstMaterial="plastic">
+      <a:bevelT w="120900" h="88900"/>
+      <a:bevelB w="88900" h="31750" prst="angle"/>
+    </dgm:sp3d>
+    <dgm:txPr/>
+    <dgm:style>
+      <a:lnRef idx="0">
+        <a:scrgbClr r="0" g="0" b="0"/>
+      </a:lnRef>
+      <a:fillRef idx="3">
+        <a:scrgbClr r="0" g="0" b="0"/>
+      </a:fillRef>
+      <a:effectRef idx="1">
+        <a:scrgbClr r="0" g="0" b="0"/>
+      </a:effectRef>
+      <a:fontRef idx="minor">
+        <a:schemeClr val="lt1"/>
+      </a:fontRef>
+    </dgm:style>
+  </dgm:styleLbl>
+  <dgm:styleLbl name="node4">
+    <dgm:scene3d>
+      <a:camera prst="orthographicFront"/>
+      <a:lightRig rig="flat" dir="t"/>
+    </dgm:scene3d>
+    <dgm:sp3d prstMaterial="plastic">
+      <a:bevelT w="120900" h="88900"/>
+      <a:bevelB w="88900" h="31750" prst="angle"/>
+    </dgm:sp3d>
+    <dgm:txPr/>
+    <dgm:style>
+      <a:lnRef idx="0">
+        <a:scrgbClr r="0" g="0" b="0"/>
+      </a:lnRef>
+      <a:fillRef idx="3">
+        <a:scrgbClr r="0" g="0" b="0"/>
+      </a:fillRef>
+      <a:effectRef idx="1">
+        <a:scrgbClr r="0" g="0" b="0"/>
+      </a:effectRef>
+      <a:fontRef idx="minor">
+        <a:schemeClr val="lt1"/>
+      </a:fontRef>
+    </dgm:style>
+  </dgm:styleLbl>
+  <dgm:styleLbl name="fgImgPlace1">
+    <dgm:scene3d>
+      <a:camera prst="orthographicFront"/>
+      <a:lightRig rig="flat" dir="t"/>
+    </dgm:scene3d>
+    <dgm:sp3d z="127000" prstMaterial="plastic">
+      <a:bevelT w="88900" h="88900"/>
+      <a:bevelB w="88900" h="31750" prst="angle"/>
+    </dgm:sp3d>
+    <dgm:txPr/>
+    <dgm:style>
+      <a:lnRef idx="0">
+        <a:scrgbClr r="0" g="0" b="0"/>
+      </a:lnRef>
+      <a:fillRef idx="3">
+        <a:scrgbClr r="0" g="0" b="0"/>
+      </a:fillRef>
+      <a:effectRef idx="2">
+        <a:scrgbClr r="0" g="0" b="0"/>
+      </a:effectRef>
+      <a:fontRef idx="minor"/>
+    </dgm:style>
+  </dgm:styleLbl>
+  <dgm:styleLbl name="alignImgPlace1">
+    <dgm:scene3d>
+      <a:camera prst="orthographicFront"/>
+      <a:lightRig rig="flat" dir="t"/>
+    </dgm:scene3d>
+    <dgm:sp3d prstMaterial="plastic">
+      <a:bevelT w="88900" h="88900"/>
+      <a:bevelB w="88900" h="31750" prst="angle"/>
+    </dgm:sp3d>
+    <dgm:txPr/>
+    <dgm:style>
+      <a:lnRef idx="0">
+        <a:scrgbClr r="0" g="0" b="0"/>
+      </a:lnRef>
+      <a:fillRef idx="3">
+        <a:scrgbClr r="0" g="0" b="0"/>
+      </a:fillRef>
+      <a:effectRef idx="2">
+        <a:scrgbClr r="0" g="0" b="0"/>
+      </a:effectRef>
+      <a:fontRef idx="minor"/>
+    </dgm:style>
+  </dgm:styleLbl>
+  <dgm:styleLbl name="bgImgPlace1">
+    <dgm:scene3d>
+      <a:camera prst="orthographicFront"/>
+      <a:lightRig rig="flat" dir="t"/>
+    </dgm:scene3d>
+    <dgm:sp3d z="-190500" prstMaterial="plastic">
+      <a:bevelT w="88900" h="88900"/>
+      <a:bevelB w="88900" h="31750" prst="angle"/>
+    </dgm:sp3d>
+    <dgm:txPr/>
+    <dgm:style>
+      <a:lnRef idx="0">
+        <a:scrgbClr r="0" g="0" b="0"/>
+      </a:lnRef>
+      <a:fillRef idx="3">
+        <a:scrgbClr r="0" g="0" b="0"/>
+      </a:fillRef>
+      <a:effectRef idx="2">
+        <a:scrgbClr r="0" g="0" b="0"/>
+      </a:effectRef>
+      <a:fontRef idx="minor"/>
+    </dgm:style>
+  </dgm:styleLbl>
+  <dgm:styleLbl name="sibTrans2D1">
+    <dgm:scene3d>
+      <a:camera prst="orthographicFront"/>
+      <a:lightRig rig="flat" dir="t"/>
+    </dgm:scene3d>
+    <dgm:sp3d z="-80000" prstMaterial="plastic">
+      <a:bevelT w="50800" h="50800"/>
+      <a:bevelB w="25400" h="25400" prst="angle"/>
+    </dgm:sp3d>
+    <dgm:txPr/>
+    <dgm:style>
+      <a:lnRef idx="0">
+        <a:scrgbClr r="0" g="0" b="0"/>
+      </a:lnRef>
+      <a:fillRef idx="3">
+        <a:scrgbClr r="0" g="0" b="0"/>
+      </a:fillRef>
+      <a:effectRef idx="2">
+        <a:scrgbClr r="0" g="0" b="0"/>
+      </a:effectRef>
+      <a:fontRef idx="minor">
+        <a:schemeClr val="lt1"/>
+      </a:fontRef>
+    </dgm:style>
+  </dgm:styleLbl>
+  <dgm:styleLbl name="fgSibTrans2D1">
+    <dgm:scene3d>
+      <a:camera prst="orthographicFront"/>
+      <a:lightRig rig="flat" dir="t"/>
+    </dgm:scene3d>
+    <dgm:sp3d z="127000" prstMaterial="plastic">
+      <a:bevelT w="50800" h="50800"/>
+      <a:bevelB w="25400" h="25400" prst="angle"/>
+    </dgm:sp3d>
+    <dgm:txPr/>
+    <dgm:style>
+      <a:lnRef idx="0">
+        <a:scrgbClr r="0" g="0" b="0"/>
+      </a:lnRef>
+      <a:fillRef idx="3">
+        <a:scrgbClr r="0" g="0" b="0"/>
+      </a:fillRef>
+      <a:effectRef idx="2">
+        <a:scrgbClr r="0" g="0" b="0"/>
+      </a:effectRef>
+      <a:fontRef idx="minor">
+        <a:schemeClr val="lt1"/>
+      </a:fontRef>
+    </dgm:style>
+  </dgm:styleLbl>
+  <dgm:styleLbl name="bgSibTrans2D1">
+    <dgm:scene3d>
+      <a:camera prst="orthographicFront"/>
+      <a:lightRig rig="flat" dir="t"/>
+    </dgm:scene3d>
+    <dgm:sp3d z="-190500" prstMaterial="plastic">
+      <a:bevelT w="50800" h="50800"/>
+      <a:bevelB w="25400" h="25400" prst="angle"/>
+    </dgm:sp3d>
+    <dgm:txPr/>
+    <dgm:style>
+      <a:lnRef idx="0">
+        <a:scrgbClr r="0" g="0" b="0"/>
+      </a:lnRef>
+      <a:fillRef idx="3">
+        <a:scrgbClr r="0" g="0" b="0"/>
+      </a:fillRef>
+      <a:effectRef idx="2">
+        <a:scrgbClr r="0" g="0" b="0"/>
+      </a:effectRef>
+      <a:fontRef idx="minor">
+        <a:schemeClr val="lt1"/>
+      </a:fontRef>
+    </dgm:style>
+  </dgm:styleLbl>
+  <dgm:styleLbl name="sibTrans1D1">
+    <dgm:scene3d>
+      <a:camera prst="orthographicFront"/>
+      <a:lightRig rig="flat" dir="t"/>
+    </dgm:scene3d>
+    <dgm:sp3d z="-40000" prstMaterial="matte"/>
+    <dgm:txPr/>
+    <dgm:style>
+      <a:lnRef idx="1">
+        <a:scrgbClr r="0" g="0" b="0"/>
+      </a:lnRef>
+      <a:fillRef idx="0">
+        <a:scrgbClr r="0" g="0" b="0"/>
+      </a:fillRef>
+      <a:effectRef idx="0">
+        <a:scrgbClr r="0" g="0" b="0"/>
+      </a:effectRef>
+      <a:fontRef idx="minor"/>
+    </dgm:style>
+  </dgm:styleLbl>
+  <dgm:styleLbl name="callout">
+    <dgm:scene3d>
+      <a:camera prst="orthographicFront"/>
+      <a:lightRig rig="threePt" dir="t"/>
+    </dgm:scene3d>
+    <dgm:sp3d z="127000" prstMaterial="matte"/>
+    <dgm:txPr/>
+    <dgm:style>
+      <a:lnRef idx="2">
+        <a:scrgbClr r="0" g="0" b="0"/>
+      </a:lnRef>
+      <a:fillRef idx="1">
+        <a:scrgbClr r="0" g="0" b="0"/>
+      </a:fillRef>
+      <a:effectRef idx="0">
+        <a:scrgbClr r="0" g="0" b="0"/>
+      </a:effectRef>
+      <a:fontRef idx="minor"/>
+    </dgm:style>
+  </dgm:styleLbl>
+  <dgm:styleLbl name="asst0">
+    <dgm:scene3d>
+      <a:camera prst="orthographicFront"/>
+      <a:lightRig rig="flat" dir="t"/>
+    </dgm:scene3d>
+    <dgm:sp3d prstMaterial="plastic">
+      <a:bevelT w="120900" h="88900"/>
+      <a:bevelB w="88900" h="31750" prst="angle"/>
+    </dgm:sp3d>
+    <dgm:txPr/>
+    <dgm:style>
+      <a:lnRef idx="0">
+        <a:scrgbClr r="0" g="0" b="0"/>
+      </a:lnRef>
+      <a:fillRef idx="3">
+        <a:scrgbClr r="0" g="0" b="0"/>
+      </a:fillRef>
+      <a:effectRef idx="1">
+        <a:scrgbClr r="0" g="0" b="0"/>
+      </a:effectRef>
+      <a:fontRef idx="minor">
+        <a:schemeClr val="lt1"/>
+      </a:fontRef>
+    </dgm:style>
+  </dgm:styleLbl>
+  <dgm:styleLbl name="asst1">
+    <dgm:scene3d>
+      <a:camera prst="orthographicFront"/>
+      <a:lightRig rig="flat" dir="t"/>
+    </dgm:scene3d>
+    <dgm:sp3d prstMaterial="plastic">
+      <a:bevelT w="120900" h="88900"/>
+      <a:bevelB w="88900" h="31750" prst="angle"/>
+    </dgm:sp3d>
+    <dgm:txPr/>
+    <dgm:style>
+      <a:lnRef idx="0">
+        <a:scrgbClr r="0" g="0" b="0"/>
+      </a:lnRef>
+      <a:fillRef idx="3">
+        <a:scrgbClr r="0" g="0" b="0"/>
+      </a:fillRef>
+      <a:effectRef idx="1">
+        <a:scrgbClr r="0" g="0" b="0"/>
+      </a:effectRef>
+      <a:fontRef idx="minor">
+        <a:schemeClr val="lt1"/>
+      </a:fontRef>
+    </dgm:style>
+  </dgm:styleLbl>
+  <dgm:styleLbl name="asst2">
+    <dgm:scene3d>
+      <a:camera prst="orthographicFront"/>
+      <a:lightRig rig="flat" dir="t"/>
+    </dgm:scene3d>
+    <dgm:sp3d prstMaterial="plastic">
+      <a:bevelT w="120900" h="88900"/>
+      <a:bevelB w="88900" h="31750" prst="angle"/>
+    </dgm:sp3d>
+    <dgm:txPr/>
+    <dgm:style>
+      <a:lnRef idx="0">
+        <a:scrgbClr r="0" g="0" b="0"/>
+      </a:lnRef>
+      <a:fillRef idx="3">
+        <a:scrgbClr r="0" g="0" b="0"/>
+      </a:fillRef>
+      <a:effectRef idx="1">
+        <a:scrgbClr r="0" g="0" b="0"/>
+      </a:effectRef>
+      <a:fontRef idx="minor">
+        <a:schemeClr val="lt1"/>
+      </a:fontRef>
+    </dgm:style>
+  </dgm:styleLbl>
+  <dgm:styleLbl name="asst3">
+    <dgm:scene3d>
+      <a:camera prst="orthographicFront"/>
+      <a:lightRig rig="flat" dir="t"/>
+    </dgm:scene3d>
+    <dgm:sp3d prstMaterial="plastic">
+      <a:bevelT w="120900" h="88900"/>
+      <a:bevelB w="88900" h="31750" prst="angle"/>
+    </dgm:sp3d>
+    <dgm:txPr/>
+    <dgm:style>
+      <a:lnRef idx="0">
+        <a:scrgbClr r="0" g="0" b="0"/>
+      </a:lnRef>
+      <a:fillRef idx="3">
+        <a:scrgbClr r="0" g="0" b="0"/>
+      </a:fillRef>
+      <a:effectRef idx="1">
+        <a:scrgbClr r="0" g="0" b="0"/>
+      </a:effectRef>
+      <a:fontRef idx="minor">
+        <a:schemeClr val="lt1"/>
+      </a:fontRef>
+    </dgm:style>
+  </dgm:styleLbl>
+  <dgm:styleLbl name="parChTrans2D1">
+    <dgm:scene3d>
+      <a:camera prst="orthographicFront"/>
+      <a:lightRig rig="flat" dir="t"/>
+    </dgm:scene3d>
+    <dgm:sp3d z="-100000" prstMaterial="plastic">
+      <a:bevelT w="120900" h="88900"/>
+      <a:bevelB w="88900" h="31750" prst="angle"/>
+    </dgm:sp3d>
+    <dgm:txPr/>
+    <dgm:style>
+      <a:lnRef idx="0">
+        <a:scrgbClr r="0" g="0" b="0"/>
+      </a:lnRef>
+      <a:fillRef idx="3">
+        <a:scrgbClr r="0" g="0" b="0"/>
+      </a:fillRef>
+      <a:effectRef idx="1">
+        <a:scrgbClr r="0" g="0" b="0"/>
+      </a:effectRef>
+      <a:fontRef idx="minor">
+        <a:schemeClr val="lt1"/>
+      </a:fontRef>
+    </dgm:style>
+  </dgm:styleLbl>
+  <dgm:styleLbl name="parChTrans2D2">
+    <dgm:scene3d>
+      <a:camera prst="orthographicFront"/>
+      <a:lightRig rig="flat" dir="t"/>
+    </dgm:scene3d>
+    <dgm:sp3d z="-60000" prstMaterial="plastic">
+      <a:bevelT w="120900" h="88900"/>
+      <a:bevelB w="88900" h="31750" prst="angle"/>
+    </dgm:sp3d>
+    <dgm:txPr/>
+    <dgm:style>
+      <a:lnRef idx="0">
+        <a:scrgbClr r="0" g="0" b="0"/>
+      </a:lnRef>
+      <a:fillRef idx="3">
+        <a:scrgbClr r="0" g="0" b="0"/>
+      </a:fillRef>
+      <a:effectRef idx="1">
+        <a:scrgbClr r="0" g="0" b="0"/>
+      </a:effectRef>
+      <a:fontRef idx="minor">
+        <a:schemeClr val="lt1"/>
+      </a:fontRef>
+    </dgm:style>
+  </dgm:styleLbl>
+  <dgm:styleLbl name="parChTrans2D3">
+    <dgm:scene3d>
+      <a:camera prst="orthographicFront"/>
+      <a:lightRig rig="flat" dir="t"/>
+    </dgm:scene3d>
+    <dgm:sp3d z="-60000" prstMaterial="plastic">
+      <a:bevelT w="120900" h="88900"/>
+      <a:bevelB w="88900" h="31750" prst="angle"/>
+    </dgm:sp3d>
+    <dgm:txPr/>
+    <dgm:style>
+      <a:lnRef idx="0">
+        <a:scrgbClr r="0" g="0" b="0"/>
+      </a:lnRef>
+      <a:fillRef idx="3">
+        <a:scrgbClr r="0" g="0" b="0"/>
+      </a:fillRef>
+      <a:effectRef idx="1">
+        <a:scrgbClr r="0" g="0" b="0"/>
+      </a:effectRef>
+      <a:fontRef idx="minor">
+        <a:schemeClr val="lt1"/>
+      </a:fontRef>
+    </dgm:style>
+  </dgm:styleLbl>
+  <dgm:styleLbl name="parChTrans2D4">
+    <dgm:scene3d>
+      <a:camera prst="orthographicFront"/>
+      <a:lightRig rig="flat" dir="t"/>
+    </dgm:scene3d>
+    <dgm:sp3d z="-60000" prstMaterial="plastic">
+      <a:bevelT w="120900" h="88900"/>
+      <a:bevelB w="88900" h="31750" prst="angle"/>
+    </dgm:sp3d>
+    <dgm:txPr/>
+    <dgm:style>
+      <a:lnRef idx="0">
+        <a:scrgbClr r="0" g="0" b="0"/>
+      </a:lnRef>
+      <a:fillRef idx="3">
+        <a:scrgbClr r="0" g="0" b="0"/>
+      </a:fillRef>
+      <a:effectRef idx="1">
+        <a:scrgbClr r="0" g="0" b="0"/>
+      </a:effectRef>
+      <a:fontRef idx="minor">
+        <a:schemeClr val="lt1"/>
+      </a:fontRef>
+    </dgm:style>
+  </dgm:styleLbl>
+  <dgm:styleLbl name="parChTrans1D1">
+    <dgm:scene3d>
+      <a:camera prst="orthographicFront"/>
+      <a:lightRig rig="flat" dir="t"/>
+    </dgm:scene3d>
+    <dgm:sp3d prstMaterial="matte"/>
+    <dgm:txPr/>
+    <dgm:style>
+      <a:lnRef idx="2">
+        <a:scrgbClr r="0" g="0" b="0"/>
+      </a:lnRef>
+      <a:fillRef idx="0">
+        <a:scrgbClr r="0" g="0" b="0"/>
+      </a:fillRef>
+      <a:effectRef idx="0">
+        <a:scrgbClr r="0" g="0" b="0"/>
+      </a:effectRef>
+      <a:fontRef idx="minor"/>
+    </dgm:style>
+  </dgm:styleLbl>
+  <dgm:styleLbl name="parChTrans1D2">
+    <dgm:scene3d>
+      <a:camera prst="orthographicFront"/>
+      <a:lightRig rig="flat" dir="t"/>
+    </dgm:scene3d>
+    <dgm:sp3d prstMaterial="matte"/>
+    <dgm:txPr/>
+    <dgm:style>
+      <a:lnRef idx="2">
+        <a:scrgbClr r="0" g="0" b="0"/>
+      </a:lnRef>
+      <a:fillRef idx="0">
+        <a:scrgbClr r="0" g="0" b="0"/>
+      </a:fillRef>
+      <a:effectRef idx="0">
+        <a:scrgbClr r="0" g="0" b="0"/>
+      </a:effectRef>
+      <a:fontRef idx="minor"/>
+    </dgm:style>
+  </dgm:styleLbl>
+  <dgm:styleLbl name="parChTrans1D3">
+    <dgm:scene3d>
+      <a:camera prst="orthographicFront"/>
+      <a:lightRig rig="flat" dir="t"/>
+    </dgm:scene3d>
+    <dgm:sp3d prstMaterial="matte"/>
+    <dgm:txPr/>
+    <dgm:style>
+      <a:lnRef idx="2">
+        <a:scrgbClr r="0" g="0" b="0"/>
+      </a:lnRef>
+      <a:fillRef idx="0">
+        <a:scrgbClr r="0" g="0" b="0"/>
+      </a:fillRef>
+      <a:effectRef idx="0">
+        <a:scrgbClr r="0" g="0" b="0"/>
+      </a:effectRef>
+      <a:fontRef idx="minor"/>
+    </dgm:style>
+  </dgm:styleLbl>
+  <dgm:styleLbl name="parChTrans1D4">
+    <dgm:scene3d>
+      <a:camera prst="orthographicFront"/>
+      <a:lightRig rig="flat" dir="t"/>
+    </dgm:scene3d>
+    <dgm:sp3d prstMaterial="matte"/>
+    <dgm:txPr/>
+    <dgm:style>
+      <a:lnRef idx="2">
+        <a:scrgbClr r="0" g="0" b="0"/>
+      </a:lnRef>
+      <a:fillRef idx="0">
+        <a:scrgbClr r="0" g="0" b="0"/>
+      </a:fillRef>
+      <a:effectRef idx="0">
+        <a:scrgbClr r="0" g="0" b="0"/>
+      </a:effectRef>
+      <a:fontRef idx="minor"/>
+    </dgm:style>
+  </dgm:styleLbl>
+  <dgm:styleLbl name="fgAcc1">
+    <dgm:scene3d>
+      <a:camera prst="orthographicFront"/>
+      <a:lightRig rig="flat" dir="t"/>
+    </dgm:scene3d>
+    <dgm:sp3d z="190500" extrusionH="12700" prstMaterial="plastic">
+      <a:bevelT w="50800" h="50800"/>
+    </dgm:sp3d>
+    <dgm:txPr/>
+    <dgm:style>
+      <a:lnRef idx="1">
+        <a:scrgbClr r="0" g="0" b="0"/>
+      </a:lnRef>
+      <a:fillRef idx="1">
+        <a:scrgbClr r="0" g="0" b="0"/>
+      </a:fillRef>
+      <a:effectRef idx="2">
+        <a:scrgbClr r="0" g="0" b="0"/>
+      </a:effectRef>
+      <a:fontRef idx="minor"/>
+    </dgm:style>
+  </dgm:styleLbl>
+  <dgm:styleLbl name="conFgAcc1">
+    <dgm:scene3d>
+      <a:camera prst="orthographicFront"/>
+      <a:lightRig rig="flat" dir="t"/>
+    </dgm:scene3d>
+    <dgm:sp3d z="190500" extrusionH="12700" prstMaterial="plastic">
+      <a:bevelT w="50800" h="50800"/>
+    </dgm:sp3d>
+    <dgm:txPr/>
+    <dgm:style>
+      <a:lnRef idx="1">
+        <a:scrgbClr r="0" g="0" b="0"/>
+      </a:lnRef>
+      <a:fillRef idx="1">
+        <a:scrgbClr r="0" g="0" b="0"/>
+      </a:fillRef>
+      <a:effectRef idx="2">
+        <a:scrgbClr r="0" g="0" b="0"/>
+      </a:effectRef>
+      <a:fontRef idx="minor"/>
+    </dgm:style>
+  </dgm:styleLbl>
+  <dgm:styleLbl name="alignAcc1">
+    <dgm:scene3d>
+      <a:camera prst="orthographicFront"/>
+      <a:lightRig rig="flat" dir="t"/>
+    </dgm:scene3d>
+    <dgm:sp3d extrusionH="12700" prstMaterial="plastic">
+      <a:bevelT w="50800" h="50800"/>
+    </dgm:sp3d>
+    <dgm:txPr/>
+    <dgm:style>
+      <a:lnRef idx="1">
+        <a:scrgbClr r="0" g="0" b="0"/>
+      </a:lnRef>
+      <a:fillRef idx="1">
+        <a:scrgbClr r="0" g="0" b="0"/>
+      </a:fillRef>
+      <a:effectRef idx="2">
+        <a:scrgbClr r="0" g="0" b="0"/>
+      </a:effectRef>
+      <a:fontRef idx="minor"/>
+    </dgm:style>
+  </dgm:styleLbl>
+  <dgm:styleLbl name="trAlignAcc1">
+    <dgm:scene3d>
+      <a:camera prst="orthographicFront"/>
+      <a:lightRig rig="flat" dir="t"/>
+    </dgm:scene3d>
+    <dgm:sp3d extrusionH="12700" prstMaterial="plastic">
+      <a:bevelT w="50800" h="50800"/>
+    </dgm:sp3d>
+    <dgm:txPr/>
+    <dgm:style>
+      <a:lnRef idx="1">
+        <a:scrgbClr r="0" g="0" b="0"/>
+      </a:lnRef>
+      <a:fillRef idx="1">
+        <a:scrgbClr r="0" g="0" b="0"/>
+      </a:fillRef>
+      <a:effectRef idx="2">
+        <a:scrgbClr r="0" g="0" b="0"/>
+      </a:effectRef>
+      <a:fontRef idx="minor"/>
+    </dgm:style>
+  </dgm:styleLbl>
+  <dgm:styleLbl name="bgAcc1">
+    <dgm:scene3d>
+      <a:camera prst="orthographicFront"/>
+      <a:lightRig rig="flat" dir="t"/>
+    </dgm:scene3d>
+    <dgm:sp3d z="-190500" extrusionH="12700" prstMaterial="plastic">
+      <a:bevelT w="50800" h="50800"/>
+    </dgm:sp3d>
+    <dgm:txPr/>
+    <dgm:style>
+      <a:lnRef idx="1">
+        <a:scrgbClr r="0" g="0" b="0"/>
+      </a:lnRef>
+      <a:fillRef idx="1">
+        <a:scrgbClr r="0" g="0" b="0"/>
+      </a:fillRef>
+      <a:effectRef idx="2">
+        <a:scrgbClr r="0" g="0" b="0"/>
+      </a:effectRef>
+      <a:fontRef idx="minor"/>
+    </dgm:style>
+  </dgm:styleLbl>
+  <dgm:styleLbl name="solidFgAcc1">
+    <dgm:scene3d>
+      <a:camera prst="orthographicFront"/>
+      <a:lightRig rig="flat" dir="t"/>
+    </dgm:scene3d>
+    <dgm:sp3d z="190500" extrusionH="12700" prstMaterial="plastic">
+      <a:bevelT w="50800" h="50800"/>
+    </dgm:sp3d>
+    <dgm:txPr/>
+    <dgm:style>
+      <a:lnRef idx="1">
+        <a:scrgbClr r="0" g="0" b="0"/>
+      </a:lnRef>
+      <a:fillRef idx="1">
+        <a:scrgbClr r="0" g="0" b="0"/>
+      </a:fillRef>
+      <a:effectRef idx="2">
+        <a:scrgbClr r="0" g="0" b="0"/>
+      </a:effectRef>
+      <a:fontRef idx="minor"/>
+    </dgm:style>
+  </dgm:styleLbl>
+  <dgm:styleLbl name="solidAlignAcc1">
+    <dgm:scene3d>
+      <a:camera prst="orthographicFront"/>
+      <a:lightRig rig="flat" dir="t"/>
+    </dgm:scene3d>
+    <dgm:sp3d extrusionH="12700" prstMaterial="plastic">
+      <a:bevelT w="50800" h="50800"/>
+    </dgm:sp3d>
+    <dgm:txPr/>
+    <dgm:style>
+      <a:lnRef idx="1">
+        <a:scrgbClr r="0" g="0" b="0"/>
+      </a:lnRef>
+      <a:fillRef idx="1">
+        <a:scrgbClr r="0" g="0" b="0"/>
+      </a:fillRef>
+      <a:effectRef idx="2">
+        <a:scrgbClr r="0" g="0" b="0"/>
+      </a:effectRef>
+      <a:fontRef idx="minor"/>
+    </dgm:style>
+  </dgm:styleLbl>
+  <dgm:styleLbl name="solidBgAcc1">
+    <dgm:scene3d>
+      <a:camera prst="orthographicFront"/>
+      <a:lightRig rig="flat" dir="t"/>
+    </dgm:scene3d>
+    <dgm:sp3d z="-190500" extrusionH="12700" prstMaterial="plastic">
+      <a:bevelT w="50800" h="50800"/>
+    </dgm:sp3d>
+    <dgm:txPr/>
+    <dgm:style>
+      <a:lnRef idx="1">
+        <a:scrgbClr r="0" g="0" b="0"/>
+      </a:lnRef>
+      <a:fillRef idx="1">
+        <a:scrgbClr r="0" g="0" b="0"/>
+      </a:fillRef>
+      <a:effectRef idx="2">
+        <a:scrgbClr r="0" g="0" b="0"/>
+      </a:effectRef>
+      <a:fontRef idx="minor"/>
+    </dgm:style>
+  </dgm:styleLbl>
+  <dgm:styleLbl name="fgAccFollowNode1">
+    <dgm:scene3d>
+      <a:camera prst="orthographicFront"/>
+      <a:lightRig rig="flat" dir="t"/>
+    </dgm:scene3d>
+    <dgm:sp3d z="190500" extrusionH="12700" prstMaterial="plastic">
+      <a:bevelT w="50800" h="50800"/>
+    </dgm:sp3d>
+    <dgm:txPr/>
+    <dgm:style>
+      <a:lnRef idx="1">
+        <a:scrgbClr r="0" g="0" b="0"/>
+      </a:lnRef>
+      <a:fillRef idx="1">
+        <a:scrgbClr r="0" g="0" b="0"/>
+      </a:fillRef>
+      <a:effectRef idx="2">
+        <a:scrgbClr r="0" g="0" b="0"/>
+      </a:effectRef>
+      <a:fontRef idx="minor"/>
+    </dgm:style>
+  </dgm:styleLbl>
+  <dgm:styleLbl name="alignAccFollowNode1">
+    <dgm:scene3d>
+      <a:camera prst="orthographicFront"/>
+      <a:lightRig rig="flat" dir="t"/>
+    </dgm:scene3d>
+    <dgm:sp3d extrusionH="12700" prstMaterial="plastic">
+      <a:bevelT w="50800" h="50800"/>
+    </dgm:sp3d>
+    <dgm:txPr/>
+    <dgm:style>
+      <a:lnRef idx="1">
+        <a:scrgbClr r="0" g="0" b="0"/>
+      </a:lnRef>
+      <a:fillRef idx="1">
+        <a:scrgbClr r="0" g="0" b="0"/>
+      </a:fillRef>
+      <a:effectRef idx="2">
+        <a:scrgbClr r="0" g="0" b="0"/>
+      </a:effectRef>
+      <a:fontRef idx="minor"/>
+    </dgm:style>
+  </dgm:styleLbl>
+  <dgm:styleLbl name="bgAccFollowNode1">
+    <dgm:scene3d>
+      <a:camera prst="orthographicFront"/>
+      <a:lightRig rig="flat" dir="t"/>
+    </dgm:scene3d>
+    <dgm:sp3d z="-190500" extrusionH="12700" prstMaterial="plastic">
+      <a:bevelT w="50800" h="50800"/>
+    </dgm:sp3d>
+    <dgm:txPr/>
+    <dgm:style>
+      <a:lnRef idx="1">
+        <a:scrgbClr r="0" g="0" b="0"/>
+      </a:lnRef>
+      <a:fillRef idx="1">
+        <a:scrgbClr r="0" g="0" b="0"/>
+      </a:fillRef>
+      <a:effectRef idx="2">
+        <a:scrgbClr r="0" g="0" b="0"/>
+      </a:effectRef>
+      <a:fontRef idx="minor"/>
+    </dgm:style>
+  </dgm:styleLbl>
+  <dgm:styleLbl name="fgAcc0">
+    <dgm:scene3d>
+      <a:camera prst="orthographicFront"/>
+      <a:lightRig rig="flat" dir="t"/>
+    </dgm:scene3d>
+    <dgm:sp3d z="190500" extrusionH="12700" prstMaterial="plastic">
+      <a:bevelT w="50800" h="50800"/>
+    </dgm:sp3d>
+    <dgm:txPr/>
+    <dgm:style>
+      <a:lnRef idx="1">
+        <a:scrgbClr r="0" g="0" b="0"/>
+      </a:lnRef>
+      <a:fillRef idx="1">
+        <a:scrgbClr r="0" g="0" b="0"/>
+      </a:fillRef>
+      <a:effectRef idx="2">
+        <a:scrgbClr r="0" g="0" b="0"/>
+      </a:effectRef>
+      <a:fontRef idx="minor"/>
+    </dgm:style>
+  </dgm:styleLbl>
+  <dgm:styleLbl name="fgAcc2">
+    <dgm:scene3d>
+      <a:camera prst="orthographicFront"/>
+      <a:lightRig rig="flat" dir="t"/>
+    </dgm:scene3d>
+    <dgm:sp3d z="190500" extrusionH="12700" prstMaterial="plastic">
+      <a:bevelT w="50800" h="50800"/>
+    </dgm:sp3d>
+    <dgm:txPr/>
+    <dgm:style>
+      <a:lnRef idx="1">
+        <a:scrgbClr r="0" g="0" b="0"/>
+      </a:lnRef>
+      <a:fillRef idx="1">
+        <a:scrgbClr r="0" g="0" b="0"/>
+      </a:fillRef>
+      <a:effectRef idx="2">
+        <a:scrgbClr r="0" g="0" b="0"/>
+      </a:effectRef>
+      <a:fontRef idx="minor"/>
+    </dgm:style>
+  </dgm:styleLbl>
+  <dgm:styleLbl name="fgAcc3">
+    <dgm:scene3d>
+      <a:camera prst="orthographicFront"/>
+      <a:lightRig rig="flat" dir="t"/>
+    </dgm:scene3d>
+    <dgm:sp3d z="190500" extrusionH="12700" prstMaterial="plastic">
+      <a:bevelT w="50800" h="50800"/>
+    </dgm:sp3d>
+    <dgm:txPr/>
+    <dgm:style>
+      <a:lnRef idx="1">
+        <a:scrgbClr r="0" g="0" b="0"/>
+      </a:lnRef>
+      <a:fillRef idx="1">
+        <a:scrgbClr r="0" g="0" b="0"/>
+      </a:fillRef>
+      <a:effectRef idx="2">
+        <a:scrgbClr r="0" g="0" b="0"/>
+      </a:effectRef>
+      <a:fontRef idx="minor"/>
+    </dgm:style>
+  </dgm:styleLbl>
+  <dgm:styleLbl name="fgAcc4">
+    <dgm:scene3d>
+      <a:camera prst="orthographicFront"/>
+      <a:lightRig rig="flat" dir="t"/>
+    </dgm:scene3d>
+    <dgm:sp3d z="190500" extrusionH="12700" prstMaterial="plastic">
+      <a:bevelT w="50800" h="50800"/>
+    </dgm:sp3d>
+    <dgm:txPr/>
+    <dgm:style>
+      <a:lnRef idx="1">
+        <a:scrgbClr r="0" g="0" b="0"/>
+      </a:lnRef>
+      <a:fillRef idx="1">
+        <a:scrgbClr r="0" g="0" b="0"/>
+      </a:fillRef>
+      <a:effectRef idx="2">
+        <a:scrgbClr r="0" g="0" b="0"/>
+      </a:effectRef>
+      <a:fontRef idx="minor"/>
+    </dgm:style>
+  </dgm:styleLbl>
+  <dgm:styleLbl name="bgShp">
+    <dgm:scene3d>
+      <a:camera prst="orthographicFront"/>
+      <a:lightRig rig="flat" dir="t"/>
+    </dgm:scene3d>
+    <dgm:sp3d z="-190500" extrusionH="12700" prstMaterial="plastic">
+      <a:bevelT w="50800" h="50800"/>
+    </dgm:sp3d>
+    <dgm:txPr/>
+    <dgm:style>
+      <a:lnRef idx="0">
+        <a:scrgbClr r="0" g="0" b="0"/>
+      </a:lnRef>
+      <a:fillRef idx="3">
+        <a:scrgbClr r="0" g="0" b="0"/>
+      </a:fillRef>
+      <a:effectRef idx="0">
+        <a:scrgbClr r="0" g="0" b="0"/>
+      </a:effectRef>
+      <a:fontRef idx="minor"/>
+    </dgm:style>
+  </dgm:styleLbl>
+  <dgm:styleLbl name="dkBgShp">
+    <dgm:scene3d>
+      <a:camera prst="orthographicFront"/>
+      <a:lightRig rig="flat" dir="t"/>
+    </dgm:scene3d>
+    <dgm:sp3d z="-190500" extrusionH="12700" prstMaterial="plastic">
+      <a:bevelT w="50800" h="50800"/>
+    </dgm:sp3d>
+    <dgm:txPr/>
+    <dgm:style>
+      <a:lnRef idx="0">
+        <a:scrgbClr r="0" g="0" b="0"/>
+      </a:lnRef>
+      <a:fillRef idx="2">
+        <a:scrgbClr r="0" g="0" b="0"/>
+      </a:fillRef>
+      <a:effectRef idx="0">
+        <a:scrgbClr r="0" g="0" b="0"/>
+      </a:effectRef>
+      <a:fontRef idx="minor"/>
+    </dgm:style>
+  </dgm:styleLbl>
+  <dgm:styleLbl name="trBgShp">
+    <dgm:scene3d>
+      <a:camera prst="orthographicFront"/>
+      <a:lightRig rig="flat" dir="t"/>
+    </dgm:scene3d>
+    <dgm:sp3d z="-190500" extrusionH="12700" prstMaterial="matte"/>
+    <dgm:txPr/>
+    <dgm:style>
+      <a:lnRef idx="0">
+        <a:scrgbClr r="0" g="0" b="0"/>
+      </a:lnRef>
+      <a:fillRef idx="1">
+        <a:scrgbClr r="0" g="0" b="0"/>
+      </a:fillRef>
+      <a:effectRef idx="0">
+        <a:scrgbClr r="0" g="0" b="0"/>
+      </a:effectRef>
+      <a:fontRef idx="minor"/>
+    </dgm:style>
+  </dgm:styleLbl>
+  <dgm:styleLbl name="fgShp">
+    <dgm:scene3d>
+      <a:camera prst="orthographicFront"/>
+      <a:lightRig rig="flat" dir="t"/>
+    </dgm:scene3d>
+    <dgm:sp3d z="190500" prstMaterial="plastic">
+      <a:bevelT w="120900" h="88900"/>
+      <a:bevelB w="88900" h="31750" prst="angle"/>
+    </dgm:sp3d>
+    <dgm:txPr/>
+    <dgm:style>
+      <a:lnRef idx="0">
+        <a:scrgbClr r="0" g="0" b="0"/>
+      </a:lnRef>
+      <a:fillRef idx="1">
+        <a:scrgbClr r="0" g="0" b="0"/>
+      </a:fillRef>
+      <a:effectRef idx="3">
+        <a:scrgbClr r="0" g="0" b="0"/>
+      </a:effectRef>
+      <a:fontRef idx="minor">
+        <a:schemeClr val="lt1"/>
+      </a:fontRef>
+    </dgm:style>
+  </dgm:styleLbl>
+  <dgm:styleLbl name="revTx">
+    <dgm:scene3d>
+      <a:camera prst="orthographicFront"/>
+      <a:lightRig rig="threePt" dir="t"/>
+    </dgm:scene3d>
+    <dgm:sp3d/>
+    <dgm:txPr/>
+    <dgm:style>
+      <a:lnRef idx="0">
+        <a:scrgbClr r="0" g="0" b="0"/>
+      </a:lnRef>
+      <a:fillRef idx="0">
+        <a:scrgbClr r="0" g="0" b="0"/>
+      </a:fillRef>
+      <a:effectRef idx="0">
+        <a:scrgbClr r="0" g="0" b="0"/>
+      </a:effectRef>
+      <a:fontRef idx="minor"/>
+    </dgm:style>
+  </dgm:styleLbl>
+</dgm:styleDef>
+</file>
+
 <file path=ppt/handoutMasters/handoutMaster1.xml><?xml version="1.0" encoding="utf-8"?>
 <p:handoutMaster xmlns:a="http://schemas.openxmlformats.org/drawingml/2006/main" xmlns:r="http://schemas.openxmlformats.org/officeDocument/2006/relationships" xmlns:p="http://schemas.openxmlformats.org/presentationml/2006/main">
   <p:cSld>
@@ -3142,7 +6029,7 @@
           <a:p>
             <a:fld id="{285264BB-8F8A-4D4A-88A3-0640162C694A}" type="datetimeFigureOut">
               <a:rPr lang="zh-CN" altLang="en-US" smtClean="0"/>
-              <a:t>2024/3/14</a:t>
+              <a:t>2024/3/18</a:t>
             </a:fld>
             <a:endParaRPr lang="zh-CN" altLang="en-US"/>
           </a:p>
@@ -3215,6 +6102,11 @@
         </p:txBody>
       </p:sp>
     </p:spTree>
+    <p:extLst>
+      <p:ext uri="{BB962C8B-B14F-4D97-AF65-F5344CB8AC3E}">
+        <p14:creationId xmlns:p14="http://schemas.microsoft.com/office/powerpoint/2010/main" val="1"/>
+      </p:ext>
+    </p:extLst>
   </p:cSld>
   <p:clrMap bg1="lt1" tx1="dk1" bg2="lt2" tx2="dk2" accent1="accent1" accent2="accent2" accent3="accent3" accent4="accent4" accent5="accent5" accent6="accent6" hlink="hlink" folHlink="folHlink"/>
 </p:handoutMaster>
@@ -3302,7 +6194,7 @@
           <a:p>
             <a:fld id="{C3C1C5A8-D213-43C4-B748-86D822F1E0AF}" type="datetimeFigureOut">
               <a:rPr lang="zh-CN" altLang="en-US" smtClean="0"/>
-              <a:t>2024/3/14</a:t>
+              <a:t>2024/3/18</a:t>
             </a:fld>
             <a:endParaRPr lang="zh-CN" altLang="en-US"/>
           </a:p>
@@ -3924,6 +6816,1740 @@
 </p:notes>
 </file>
 
+<file path=ppt/notesSlides/notesSlide13.xml><?xml version="1.0" encoding="utf-8"?>
+<p:notes xmlns:a="http://schemas.openxmlformats.org/drawingml/2006/main" xmlns:r="http://schemas.openxmlformats.org/officeDocument/2006/relationships" xmlns:p="http://schemas.openxmlformats.org/presentationml/2006/main">
+  <p:cSld>
+    <p:spTree>
+      <p:nvGrpSpPr>
+        <p:cNvPr id="1" name=""/>
+        <p:cNvGrpSpPr/>
+        <p:nvPr/>
+      </p:nvGrpSpPr>
+      <p:grpSpPr>
+        <a:xfrm>
+          <a:off x="0" y="0"/>
+          <a:ext cx="0" cy="0"/>
+          <a:chOff x="0" y="0"/>
+          <a:chExt cx="0" cy="0"/>
+        </a:xfrm>
+      </p:grpSpPr>
+      <p:sp>
+        <p:nvSpPr>
+          <p:cNvPr id="2" name="幻灯片图像占位符 1"/>
+          <p:cNvSpPr>
+            <a:spLocks noGrp="1" noRot="1" noChangeAspect="1"/>
+          </p:cNvSpPr>
+          <p:nvPr>
+            <p:ph type="sldImg"/>
+          </p:nvPr>
+        </p:nvSpPr>
+        <p:spPr/>
+      </p:sp>
+      <p:sp>
+        <p:nvSpPr>
+          <p:cNvPr id="3" name="备注占位符 2"/>
+          <p:cNvSpPr>
+            <a:spLocks noGrp="1"/>
+          </p:cNvSpPr>
+          <p:nvPr>
+            <p:ph type="body" idx="1"/>
+          </p:nvPr>
+        </p:nvSpPr>
+        <p:spPr/>
+        <p:txBody>
+          <a:bodyPr/>
+          <a:lstStyle/>
+          <a:p>
+            <a:r>
+              <a:rPr lang="zh-CN" altLang="en-US" dirty="0"/>
+              <a:t>是什么</a:t>
+            </a:r>
+            <a:endParaRPr lang="en-US" altLang="zh-CN" dirty="0"/>
+          </a:p>
+          <a:p>
+            <a:r>
+              <a:rPr lang="zh-CN" altLang="en-US" dirty="0"/>
+              <a:t>为什么</a:t>
+            </a:r>
+            <a:endParaRPr lang="en-US" altLang="zh-CN" dirty="0"/>
+          </a:p>
+          <a:p>
+            <a:r>
+              <a:rPr lang="zh-CN" altLang="en-US" dirty="0"/>
+              <a:t>怎么做。。。</a:t>
+            </a:r>
+          </a:p>
+        </p:txBody>
+      </p:sp>
+      <p:sp>
+        <p:nvSpPr>
+          <p:cNvPr id="4" name="灯片编号占位符 3"/>
+          <p:cNvSpPr>
+            <a:spLocks noGrp="1"/>
+          </p:cNvSpPr>
+          <p:nvPr>
+            <p:ph type="sldNum" sz="quarter" idx="5"/>
+          </p:nvPr>
+        </p:nvSpPr>
+        <p:spPr/>
+        <p:txBody>
+          <a:bodyPr/>
+          <a:lstStyle/>
+          <a:p>
+            <a:fld id="{5DE12CCA-7540-48DB-8E56-327F4EA06BC9}" type="slidenum">
+              <a:rPr lang="zh-CN" altLang="en-US" smtClean="0"/>
+              <a:t>15</a:t>
+            </a:fld>
+            <a:endParaRPr lang="zh-CN" altLang="en-US"/>
+          </a:p>
+        </p:txBody>
+      </p:sp>
+    </p:spTree>
+    <p:extLst>
+      <p:ext uri="{BB962C8B-B14F-4D97-AF65-F5344CB8AC3E}">
+        <p14:creationId xmlns:p14="http://schemas.microsoft.com/office/powerpoint/2010/main" val="2838695349"/>
+      </p:ext>
+    </p:extLst>
+  </p:cSld>
+  <p:clrMapOvr>
+    <a:masterClrMapping/>
+  </p:clrMapOvr>
+</p:notes>
+</file>
+
+<file path=ppt/notesSlides/notesSlide14.xml><?xml version="1.0" encoding="utf-8"?>
+<p:notes xmlns:a="http://schemas.openxmlformats.org/drawingml/2006/main" xmlns:r="http://schemas.openxmlformats.org/officeDocument/2006/relationships" xmlns:p="http://schemas.openxmlformats.org/presentationml/2006/main">
+  <p:cSld>
+    <p:spTree>
+      <p:nvGrpSpPr>
+        <p:cNvPr id="1" name=""/>
+        <p:cNvGrpSpPr/>
+        <p:nvPr/>
+      </p:nvGrpSpPr>
+      <p:grpSpPr>
+        <a:xfrm>
+          <a:off x="0" y="0"/>
+          <a:ext cx="0" cy="0"/>
+          <a:chOff x="0" y="0"/>
+          <a:chExt cx="0" cy="0"/>
+        </a:xfrm>
+      </p:grpSpPr>
+      <p:sp>
+        <p:nvSpPr>
+          <p:cNvPr id="2" name="幻灯片图像占位符 1"/>
+          <p:cNvSpPr>
+            <a:spLocks noGrp="1" noRot="1" noChangeAspect="1"/>
+          </p:cNvSpPr>
+          <p:nvPr>
+            <p:ph type="sldImg"/>
+          </p:nvPr>
+        </p:nvSpPr>
+        <p:spPr/>
+      </p:sp>
+      <p:sp>
+        <p:nvSpPr>
+          <p:cNvPr id="3" name="备注占位符 2"/>
+          <p:cNvSpPr>
+            <a:spLocks noGrp="1"/>
+          </p:cNvSpPr>
+          <p:nvPr>
+            <p:ph type="body" idx="1"/>
+          </p:nvPr>
+        </p:nvSpPr>
+        <p:spPr/>
+        <p:txBody>
+          <a:bodyPr/>
+          <a:lstStyle/>
+          <a:p>
+            <a:r>
+              <a:rPr lang="zh-CN" altLang="en-US" dirty="0"/>
+              <a:t>软件演示并提问会如何输出</a:t>
+            </a:r>
+          </a:p>
+        </p:txBody>
+      </p:sp>
+      <p:sp>
+        <p:nvSpPr>
+          <p:cNvPr id="4" name="灯片编号占位符 3"/>
+          <p:cNvSpPr>
+            <a:spLocks noGrp="1"/>
+          </p:cNvSpPr>
+          <p:nvPr>
+            <p:ph type="sldNum" sz="quarter" idx="5"/>
+          </p:nvPr>
+        </p:nvSpPr>
+        <p:spPr/>
+        <p:txBody>
+          <a:bodyPr/>
+          <a:lstStyle/>
+          <a:p>
+            <a:fld id="{5DE12CCA-7540-48DB-8E56-327F4EA06BC9}" type="slidenum">
+              <a:rPr lang="zh-CN" altLang="en-US" smtClean="0"/>
+              <a:t>17</a:t>
+            </a:fld>
+            <a:endParaRPr lang="zh-CN" altLang="en-US"/>
+          </a:p>
+        </p:txBody>
+      </p:sp>
+    </p:spTree>
+    <p:extLst>
+      <p:ext uri="{BB962C8B-B14F-4D97-AF65-F5344CB8AC3E}">
+        <p14:creationId xmlns:p14="http://schemas.microsoft.com/office/powerpoint/2010/main" val="1078421095"/>
+      </p:ext>
+    </p:extLst>
+  </p:cSld>
+  <p:clrMapOvr>
+    <a:masterClrMapping/>
+  </p:clrMapOvr>
+</p:notes>
+</file>
+
+<file path=ppt/notesSlides/notesSlide15.xml><?xml version="1.0" encoding="utf-8"?>
+<p:notes xmlns:a="http://schemas.openxmlformats.org/drawingml/2006/main" xmlns:r="http://schemas.openxmlformats.org/officeDocument/2006/relationships" xmlns:p="http://schemas.openxmlformats.org/presentationml/2006/main">
+  <p:cSld>
+    <p:spTree>
+      <p:nvGrpSpPr>
+        <p:cNvPr id="1" name=""/>
+        <p:cNvGrpSpPr/>
+        <p:nvPr/>
+      </p:nvGrpSpPr>
+      <p:grpSpPr>
+        <a:xfrm>
+          <a:off x="0" y="0"/>
+          <a:ext cx="0" cy="0"/>
+          <a:chOff x="0" y="0"/>
+          <a:chExt cx="0" cy="0"/>
+        </a:xfrm>
+      </p:grpSpPr>
+      <p:sp>
+        <p:nvSpPr>
+          <p:cNvPr id="2" name="幻灯片图像占位符 1"/>
+          <p:cNvSpPr>
+            <a:spLocks noGrp="1" noRot="1" noChangeAspect="1"/>
+          </p:cNvSpPr>
+          <p:nvPr>
+            <p:ph type="sldImg"/>
+          </p:nvPr>
+        </p:nvSpPr>
+        <p:spPr/>
+      </p:sp>
+      <p:sp>
+        <p:nvSpPr>
+          <p:cNvPr id="3" name="备注占位符 2"/>
+          <p:cNvSpPr>
+            <a:spLocks noGrp="1"/>
+          </p:cNvSpPr>
+          <p:nvPr>
+            <p:ph type="body" idx="1"/>
+          </p:nvPr>
+        </p:nvSpPr>
+        <p:spPr/>
+        <p:txBody>
+          <a:bodyPr/>
+          <a:lstStyle/>
+          <a:p>
+            <a:r>
+              <a:rPr lang="en-US" altLang="zh-CN" dirty="0">
+                <a:solidFill>
+                  <a:srgbClr val="000000"/>
+                </a:solidFill>
+                <a:effectLst/>
+              </a:rPr>
+              <a:t>You are a helpful assistant.</a:t>
+            </a:r>
+            <a:endParaRPr lang="zh-CN" altLang="en-US" dirty="0">
+              <a:effectLst/>
+            </a:endParaRPr>
+          </a:p>
+          <a:p>
+            <a:r>
+              <a:rPr lang="en-US" altLang="zh-CN" dirty="0">
+                <a:solidFill>
+                  <a:srgbClr val="000000"/>
+                </a:solidFill>
+                <a:effectLst/>
+              </a:rPr>
+              <a:t># </a:t>
+            </a:r>
+            <a:r>
+              <a:rPr lang="zh-CN" altLang="en-US" dirty="0">
+                <a:solidFill>
+                  <a:srgbClr val="000000"/>
+                </a:solidFill>
+                <a:effectLst/>
+              </a:rPr>
+              <a:t>机体</a:t>
+            </a:r>
+            <a:endParaRPr lang="zh-CN" altLang="en-US" dirty="0">
+              <a:effectLst/>
+            </a:endParaRPr>
+          </a:p>
+          <a:p>
+            <a:r>
+              <a:rPr lang="zh-CN" altLang="en-US" dirty="0">
+                <a:solidFill>
+                  <a:srgbClr val="000000"/>
+                </a:solidFill>
+                <a:effectLst/>
+              </a:rPr>
+              <a:t>一款直观的大模型应用软件：机体 </a:t>
+            </a:r>
+            <a:r>
+              <a:rPr lang="en-US" altLang="zh-CN" dirty="0">
+                <a:solidFill>
+                  <a:srgbClr val="000000"/>
+                </a:solidFill>
+                <a:effectLst/>
+              </a:rPr>
+              <a:t>(qt5+llama.cpp-b2409)</a:t>
+            </a:r>
+            <a:endParaRPr lang="zh-CN" altLang="en-US" dirty="0">
+              <a:effectLst/>
+            </a:endParaRPr>
+          </a:p>
+          <a:p>
+            <a:br>
+              <a:rPr lang="zh-CN" altLang="en-US" dirty="0">
+                <a:solidFill>
+                  <a:srgbClr val="000000"/>
+                </a:solidFill>
+                <a:effectLst/>
+              </a:rPr>
+            </a:br>
+            <a:endParaRPr lang="zh-CN" altLang="en-US" dirty="0">
+              <a:solidFill>
+                <a:srgbClr val="000000"/>
+              </a:solidFill>
+              <a:effectLst/>
+            </a:endParaRPr>
+          </a:p>
+          <a:p>
+            <a:r>
+              <a:rPr lang="en-US" altLang="zh-CN" dirty="0">
+                <a:solidFill>
+                  <a:srgbClr val="000000"/>
+                </a:solidFill>
+                <a:effectLst/>
+              </a:rPr>
+              <a:t>## </a:t>
+            </a:r>
+            <a:r>
+              <a:rPr lang="zh-CN" altLang="en-US" dirty="0">
+                <a:solidFill>
+                  <a:srgbClr val="000000"/>
+                </a:solidFill>
+                <a:effectLst/>
+              </a:rPr>
+              <a:t>特点</a:t>
+            </a:r>
+            <a:endParaRPr lang="zh-CN" altLang="en-US" dirty="0">
+              <a:effectLst/>
+            </a:endParaRPr>
+          </a:p>
+          <a:p>
+            <a:br>
+              <a:rPr lang="zh-CN" altLang="en-US" dirty="0">
+                <a:solidFill>
+                  <a:srgbClr val="000000"/>
+                </a:solidFill>
+                <a:effectLst/>
+              </a:rPr>
+            </a:br>
+            <a:endParaRPr lang="zh-CN" altLang="en-US" dirty="0">
+              <a:solidFill>
+                <a:srgbClr val="000000"/>
+              </a:solidFill>
+              <a:effectLst/>
+            </a:endParaRPr>
+          </a:p>
+          <a:p>
+            <a:r>
+              <a:rPr lang="en-US" altLang="zh-CN" dirty="0">
+                <a:solidFill>
+                  <a:srgbClr val="000000"/>
+                </a:solidFill>
+                <a:effectLst/>
+              </a:rPr>
+              <a:t>- </a:t>
+            </a:r>
+            <a:r>
+              <a:rPr lang="zh-CN" altLang="en-US" dirty="0">
+                <a:solidFill>
+                  <a:srgbClr val="000000"/>
+                </a:solidFill>
+                <a:effectLst/>
+              </a:rPr>
+              <a:t>轻量</a:t>
+            </a:r>
+            <a:endParaRPr lang="zh-CN" altLang="en-US" dirty="0">
+              <a:effectLst/>
+            </a:endParaRPr>
+          </a:p>
+          <a:p>
+            <a:r>
+              <a:rPr lang="en-US" altLang="zh-CN" dirty="0">
+                <a:solidFill>
+                  <a:srgbClr val="000000"/>
+                </a:solidFill>
+                <a:effectLst/>
+              </a:rPr>
+              <a:t>- </a:t>
+            </a:r>
+            <a:r>
+              <a:rPr lang="zh-CN" altLang="en-US" dirty="0">
+                <a:solidFill>
+                  <a:srgbClr val="000000"/>
+                </a:solidFill>
+                <a:effectLst/>
+              </a:rPr>
+              <a:t>机体没有其它依赖组件，就是一个</a:t>
+            </a:r>
+            <a:r>
+              <a:rPr lang="en-US" altLang="zh-CN" dirty="0">
+                <a:solidFill>
+                  <a:srgbClr val="000000"/>
+                </a:solidFill>
+                <a:effectLst/>
+              </a:rPr>
+              <a:t>exe</a:t>
+            </a:r>
+            <a:r>
+              <a:rPr lang="zh-CN" altLang="en-US" dirty="0">
+                <a:solidFill>
+                  <a:srgbClr val="000000"/>
+                </a:solidFill>
+                <a:effectLst/>
+              </a:rPr>
+              <a:t>程序</a:t>
+            </a:r>
+            <a:endParaRPr lang="zh-CN" altLang="en-US" dirty="0">
+              <a:effectLst/>
+            </a:endParaRPr>
+          </a:p>
+          <a:p>
+            <a:r>
+              <a:rPr lang="en-US" altLang="zh-CN" dirty="0">
+                <a:solidFill>
+                  <a:srgbClr val="000000"/>
+                </a:solidFill>
+                <a:effectLst/>
+              </a:rPr>
+              <a:t>- win7</a:t>
+            </a:r>
+            <a:endParaRPr lang="zh-CN" altLang="en-US" dirty="0">
+              <a:effectLst/>
+            </a:endParaRPr>
+          </a:p>
+          <a:p>
+            <a:r>
+              <a:rPr lang="en-US" altLang="zh-CN" dirty="0">
+                <a:solidFill>
+                  <a:srgbClr val="000000"/>
+                </a:solidFill>
+                <a:effectLst/>
+              </a:rPr>
+              <a:t>- </a:t>
+            </a:r>
+            <a:r>
+              <a:rPr lang="zh-CN" altLang="en-US" dirty="0">
+                <a:solidFill>
+                  <a:srgbClr val="000000"/>
+                </a:solidFill>
+                <a:effectLst/>
+              </a:rPr>
+              <a:t>最低支持</a:t>
+            </a:r>
+            <a:r>
+              <a:rPr lang="en-US" altLang="zh-CN" dirty="0">
+                <a:solidFill>
+                  <a:srgbClr val="000000"/>
+                </a:solidFill>
+                <a:effectLst/>
+              </a:rPr>
+              <a:t>32</a:t>
+            </a:r>
+            <a:r>
+              <a:rPr lang="zh-CN" altLang="en-US" dirty="0">
+                <a:solidFill>
+                  <a:srgbClr val="000000"/>
+                </a:solidFill>
+                <a:effectLst/>
+              </a:rPr>
+              <a:t>位</a:t>
+            </a:r>
+            <a:r>
+              <a:rPr lang="en-US" altLang="zh-CN" dirty="0">
+                <a:solidFill>
+                  <a:srgbClr val="000000"/>
+                </a:solidFill>
+                <a:effectLst/>
+              </a:rPr>
+              <a:t>windows7</a:t>
+            </a:r>
+            <a:endParaRPr lang="zh-CN" altLang="en-US" dirty="0">
+              <a:effectLst/>
+            </a:endParaRPr>
+          </a:p>
+          <a:p>
+            <a:r>
+              <a:rPr lang="en-US" altLang="zh-CN" dirty="0">
+                <a:solidFill>
+                  <a:srgbClr val="000000"/>
+                </a:solidFill>
+                <a:effectLst/>
+              </a:rPr>
+              <a:t>- </a:t>
+            </a:r>
+            <a:r>
+              <a:rPr lang="zh-CN" altLang="en-US" dirty="0">
+                <a:solidFill>
+                  <a:srgbClr val="000000"/>
+                </a:solidFill>
+                <a:effectLst/>
+              </a:rPr>
+              <a:t>具有编译到</a:t>
+            </a:r>
+            <a:r>
+              <a:rPr lang="en-US" altLang="zh-CN" dirty="0">
+                <a:solidFill>
+                  <a:srgbClr val="000000"/>
+                </a:solidFill>
+                <a:effectLst/>
+              </a:rPr>
+              <a:t>(x86</a:t>
+            </a:r>
+            <a:r>
+              <a:rPr lang="zh-CN" altLang="en-US" dirty="0">
+                <a:solidFill>
+                  <a:srgbClr val="000000"/>
+                </a:solidFill>
+                <a:effectLst/>
+              </a:rPr>
+              <a:t>，</a:t>
+            </a:r>
+            <a:r>
+              <a:rPr lang="en-US" altLang="zh-CN" dirty="0">
+                <a:solidFill>
+                  <a:srgbClr val="000000"/>
+                </a:solidFill>
+                <a:effectLst/>
+              </a:rPr>
+              <a:t>arm</a:t>
+            </a:r>
+            <a:r>
+              <a:rPr lang="zh-CN" altLang="en-US" dirty="0">
+                <a:solidFill>
+                  <a:srgbClr val="000000"/>
+                </a:solidFill>
+                <a:effectLst/>
+              </a:rPr>
+              <a:t>，</a:t>
+            </a:r>
+            <a:r>
+              <a:rPr lang="en-US" altLang="zh-CN" dirty="0">
+                <a:solidFill>
+                  <a:srgbClr val="000000"/>
+                </a:solidFill>
+                <a:effectLst/>
+              </a:rPr>
+              <a:t>windows</a:t>
+            </a:r>
+            <a:r>
+              <a:rPr lang="zh-CN" altLang="en-US" dirty="0">
+                <a:solidFill>
+                  <a:srgbClr val="000000"/>
+                </a:solidFill>
+                <a:effectLst/>
+              </a:rPr>
+              <a:t>，</a:t>
+            </a:r>
+            <a:r>
+              <a:rPr lang="en-US" altLang="zh-CN" dirty="0" err="1">
+                <a:solidFill>
+                  <a:srgbClr val="000000"/>
+                </a:solidFill>
+                <a:effectLst/>
+              </a:rPr>
+              <a:t>linux</a:t>
+            </a:r>
+            <a:r>
+              <a:rPr lang="zh-CN" altLang="en-US" dirty="0">
+                <a:solidFill>
+                  <a:srgbClr val="000000"/>
+                </a:solidFill>
+                <a:effectLst/>
+              </a:rPr>
+              <a:t>，</a:t>
+            </a:r>
+            <a:r>
+              <a:rPr lang="en-US" altLang="zh-CN" dirty="0" err="1">
+                <a:solidFill>
+                  <a:srgbClr val="000000"/>
+                </a:solidFill>
+                <a:effectLst/>
+              </a:rPr>
+              <a:t>macos</a:t>
+            </a:r>
+            <a:r>
+              <a:rPr lang="zh-CN" altLang="en-US" dirty="0">
+                <a:solidFill>
+                  <a:srgbClr val="000000"/>
+                </a:solidFill>
+                <a:effectLst/>
+              </a:rPr>
+              <a:t>，</a:t>
+            </a:r>
+            <a:r>
+              <a:rPr lang="en-US" altLang="zh-CN" dirty="0">
+                <a:solidFill>
+                  <a:srgbClr val="000000"/>
+                </a:solidFill>
+                <a:effectLst/>
+              </a:rPr>
+              <a:t>android</a:t>
+            </a:r>
+            <a:r>
+              <a:rPr lang="zh-CN" altLang="en-US" dirty="0">
+                <a:solidFill>
+                  <a:srgbClr val="000000"/>
+                </a:solidFill>
+                <a:effectLst/>
+              </a:rPr>
+              <a:t>，</a:t>
+            </a:r>
+            <a:r>
+              <a:rPr lang="en-US" altLang="zh-CN" dirty="0" err="1">
+                <a:solidFill>
+                  <a:srgbClr val="000000"/>
+                </a:solidFill>
+                <a:effectLst/>
+              </a:rPr>
+              <a:t>cuda</a:t>
+            </a:r>
+            <a:r>
+              <a:rPr lang="zh-CN" altLang="en-US" dirty="0">
+                <a:solidFill>
+                  <a:srgbClr val="000000"/>
+                </a:solidFill>
+                <a:effectLst/>
+              </a:rPr>
+              <a:t>，</a:t>
+            </a:r>
+            <a:r>
+              <a:rPr lang="en-US" altLang="zh-CN" dirty="0" err="1">
+                <a:solidFill>
+                  <a:srgbClr val="000000"/>
+                </a:solidFill>
+                <a:effectLst/>
+              </a:rPr>
+              <a:t>rocm</a:t>
+            </a:r>
+            <a:r>
+              <a:rPr lang="zh-CN" altLang="en-US" dirty="0">
+                <a:solidFill>
+                  <a:srgbClr val="000000"/>
+                </a:solidFill>
+                <a:effectLst/>
+              </a:rPr>
+              <a:t>，</a:t>
+            </a:r>
+            <a:r>
+              <a:rPr lang="en-US" altLang="zh-CN" dirty="0" err="1">
+                <a:solidFill>
+                  <a:srgbClr val="000000"/>
+                </a:solidFill>
+                <a:effectLst/>
+              </a:rPr>
+              <a:t>vulkan</a:t>
+            </a:r>
+            <a:r>
+              <a:rPr lang="en-US" altLang="zh-CN" dirty="0">
+                <a:solidFill>
+                  <a:srgbClr val="000000"/>
+                </a:solidFill>
+                <a:effectLst/>
+              </a:rPr>
+              <a:t>)</a:t>
+            </a:r>
+            <a:r>
+              <a:rPr lang="zh-CN" altLang="en-US" dirty="0">
+                <a:solidFill>
+                  <a:srgbClr val="000000"/>
+                </a:solidFill>
+                <a:effectLst/>
+              </a:rPr>
+              <a:t>的潜力</a:t>
+            </a:r>
+            <a:endParaRPr lang="zh-CN" altLang="en-US" dirty="0">
+              <a:effectLst/>
+            </a:endParaRPr>
+          </a:p>
+          <a:p>
+            <a:r>
+              <a:rPr lang="en-US" altLang="zh-CN" dirty="0">
+                <a:solidFill>
+                  <a:srgbClr val="000000"/>
+                </a:solidFill>
+                <a:effectLst/>
+              </a:rPr>
+              <a:t>- </a:t>
+            </a:r>
+            <a:r>
+              <a:rPr lang="zh-CN" altLang="en-US" dirty="0">
+                <a:solidFill>
+                  <a:srgbClr val="000000"/>
+                </a:solidFill>
+                <a:effectLst/>
+              </a:rPr>
+              <a:t>多功能</a:t>
+            </a:r>
+            <a:endParaRPr lang="zh-CN" altLang="en-US" dirty="0">
+              <a:effectLst/>
+            </a:endParaRPr>
+          </a:p>
+          <a:p>
+            <a:r>
+              <a:rPr lang="en-US" altLang="zh-CN" dirty="0">
+                <a:solidFill>
+                  <a:srgbClr val="000000"/>
+                </a:solidFill>
+                <a:effectLst/>
+              </a:rPr>
+              <a:t>- </a:t>
+            </a:r>
+            <a:r>
+              <a:rPr lang="zh-CN" altLang="en-US" dirty="0">
+                <a:solidFill>
+                  <a:srgbClr val="000000"/>
+                </a:solidFill>
+                <a:effectLst/>
+              </a:rPr>
+              <a:t>本地模型交互，</a:t>
+            </a:r>
+            <a:endParaRPr lang="zh-CN" altLang="en-US" dirty="0">
+              <a:effectLst/>
+            </a:endParaRPr>
+          </a:p>
+          <a:p>
+            <a:r>
+              <a:rPr lang="en-US" altLang="zh-CN" dirty="0">
+                <a:solidFill>
+                  <a:srgbClr val="000000"/>
+                </a:solidFill>
+                <a:effectLst/>
+              </a:rPr>
+              <a:t>32</a:t>
+            </a:r>
+            <a:r>
+              <a:rPr lang="zh-CN" altLang="en-US" dirty="0">
+                <a:solidFill>
+                  <a:srgbClr val="000000"/>
+                </a:solidFill>
+                <a:effectLst/>
+              </a:rPr>
+              <a:t>位</a:t>
+            </a:r>
+            <a:r>
+              <a:rPr lang="en-US" altLang="zh-CN" dirty="0">
+                <a:solidFill>
+                  <a:srgbClr val="000000"/>
+                </a:solidFill>
+                <a:effectLst/>
+              </a:rPr>
+              <a:t>windows7</a:t>
+            </a:r>
+            <a:endParaRPr lang="zh-CN" altLang="en-US" dirty="0">
+              <a:effectLst/>
+            </a:endParaRPr>
+          </a:p>
+          <a:p>
+            <a:r>
+              <a:rPr lang="en-US" altLang="zh-CN" dirty="0">
+                <a:solidFill>
+                  <a:srgbClr val="000000"/>
+                </a:solidFill>
+                <a:effectLst/>
+              </a:rPr>
+              <a:t>- </a:t>
+            </a:r>
+            <a:r>
+              <a:rPr lang="zh-CN" altLang="en-US" dirty="0">
+                <a:solidFill>
+                  <a:srgbClr val="000000"/>
+                </a:solidFill>
+                <a:effectLst/>
+              </a:rPr>
+              <a:t>具有编译到</a:t>
+            </a:r>
+            <a:r>
+              <a:rPr lang="en-US" altLang="zh-CN" dirty="0">
+                <a:solidFill>
+                  <a:srgbClr val="000000"/>
+                </a:solidFill>
+                <a:effectLst/>
+              </a:rPr>
+              <a:t>(x86</a:t>
+            </a:r>
+            <a:r>
+              <a:rPr lang="zh-CN" altLang="en-US" dirty="0">
+                <a:solidFill>
+                  <a:srgbClr val="000000"/>
+                </a:solidFill>
+                <a:effectLst/>
+              </a:rPr>
+              <a:t>，</a:t>
+            </a:r>
+            <a:r>
+              <a:rPr lang="en-US" altLang="zh-CN" dirty="0">
+                <a:solidFill>
+                  <a:srgbClr val="000000"/>
+                </a:solidFill>
+                <a:effectLst/>
+              </a:rPr>
+              <a:t>arm</a:t>
+            </a:r>
+            <a:r>
+              <a:rPr lang="zh-CN" altLang="en-US" dirty="0">
+                <a:solidFill>
+                  <a:srgbClr val="000000"/>
+                </a:solidFill>
+                <a:effectLst/>
+              </a:rPr>
+              <a:t>，</a:t>
+            </a:r>
+            <a:r>
+              <a:rPr lang="en-US" altLang="zh-CN" dirty="0">
+                <a:solidFill>
+                  <a:srgbClr val="000000"/>
+                </a:solidFill>
+                <a:effectLst/>
+              </a:rPr>
+              <a:t>windows</a:t>
+            </a:r>
+            <a:r>
+              <a:rPr lang="zh-CN" altLang="en-US" dirty="0">
+                <a:solidFill>
+                  <a:srgbClr val="000000"/>
+                </a:solidFill>
+                <a:effectLst/>
+              </a:rPr>
+              <a:t>，</a:t>
+            </a:r>
+            <a:r>
+              <a:rPr lang="en-US" altLang="zh-CN" dirty="0" err="1">
+                <a:solidFill>
+                  <a:srgbClr val="000000"/>
+                </a:solidFill>
+                <a:effectLst/>
+              </a:rPr>
+              <a:t>linux</a:t>
+            </a:r>
+            <a:r>
+              <a:rPr lang="zh-CN" altLang="en-US" dirty="0">
+                <a:solidFill>
+                  <a:srgbClr val="000000"/>
+                </a:solidFill>
+                <a:effectLst/>
+              </a:rPr>
+              <a:t>，</a:t>
+            </a:r>
+            <a:r>
+              <a:rPr lang="en-US" altLang="zh-CN" dirty="0" err="1">
+                <a:solidFill>
+                  <a:srgbClr val="000000"/>
+                </a:solidFill>
+                <a:effectLst/>
+              </a:rPr>
+              <a:t>macos</a:t>
+            </a:r>
+            <a:r>
+              <a:rPr lang="zh-CN" altLang="en-US" dirty="0">
+                <a:solidFill>
+                  <a:srgbClr val="000000"/>
+                </a:solidFill>
+                <a:effectLst/>
+              </a:rPr>
+              <a:t>，</a:t>
+            </a:r>
+            <a:r>
+              <a:rPr lang="en-US" altLang="zh-CN" dirty="0">
+                <a:solidFill>
+                  <a:srgbClr val="000000"/>
+                </a:solidFill>
+                <a:effectLst/>
+              </a:rPr>
+              <a:t>android</a:t>
+            </a:r>
+            <a:r>
+              <a:rPr lang="zh-CN" altLang="en-US" dirty="0">
+                <a:solidFill>
+                  <a:srgbClr val="000000"/>
+                </a:solidFill>
+                <a:effectLst/>
+              </a:rPr>
+              <a:t>，</a:t>
+            </a:r>
+            <a:r>
+              <a:rPr lang="en-US" altLang="zh-CN" dirty="0" err="1">
+                <a:solidFill>
+                  <a:srgbClr val="000000"/>
+                </a:solidFill>
+                <a:effectLst/>
+              </a:rPr>
+              <a:t>cuda</a:t>
+            </a:r>
+            <a:r>
+              <a:rPr lang="zh-CN" altLang="en-US" dirty="0">
+                <a:solidFill>
+                  <a:srgbClr val="000000"/>
+                </a:solidFill>
+                <a:effectLst/>
+              </a:rPr>
+              <a:t>，</a:t>
+            </a:r>
+            <a:r>
+              <a:rPr lang="en-US" altLang="zh-CN" dirty="0" err="1">
+                <a:solidFill>
+                  <a:srgbClr val="000000"/>
+                </a:solidFill>
+                <a:effectLst/>
+              </a:rPr>
+              <a:t>rocm</a:t>
+            </a:r>
+            <a:r>
+              <a:rPr lang="zh-CN" altLang="en-US" dirty="0">
+                <a:solidFill>
+                  <a:srgbClr val="000000"/>
+                </a:solidFill>
+                <a:effectLst/>
+              </a:rPr>
+              <a:t>，</a:t>
+            </a:r>
+            <a:r>
+              <a:rPr lang="en-US" altLang="zh-CN" dirty="0" err="1">
+                <a:solidFill>
+                  <a:srgbClr val="000000"/>
+                </a:solidFill>
+                <a:effectLst/>
+              </a:rPr>
+              <a:t>vulkan</a:t>
+            </a:r>
+            <a:r>
+              <a:rPr lang="en-US" altLang="zh-CN" dirty="0">
+                <a:solidFill>
+                  <a:srgbClr val="000000"/>
+                </a:solidFill>
+                <a:effectLst/>
+              </a:rPr>
+              <a:t>)</a:t>
+            </a:r>
+            <a:r>
+              <a:rPr lang="zh-CN" altLang="en-US" dirty="0">
+                <a:solidFill>
+                  <a:srgbClr val="000000"/>
+                </a:solidFill>
+                <a:effectLst/>
+              </a:rPr>
+              <a:t>的潜力</a:t>
+            </a:r>
+            <a:endParaRPr lang="zh-CN" altLang="en-US" dirty="0">
+              <a:effectLst/>
+            </a:endParaRPr>
+          </a:p>
+          <a:p>
+            <a:r>
+              <a:rPr lang="en-US" altLang="zh-CN" dirty="0">
+                <a:solidFill>
+                  <a:srgbClr val="000000"/>
+                </a:solidFill>
+                <a:effectLst/>
+              </a:rPr>
+              <a:t>- </a:t>
+            </a:r>
+            <a:r>
+              <a:rPr lang="zh-CN" altLang="en-US" dirty="0">
+                <a:solidFill>
+                  <a:srgbClr val="000000"/>
+                </a:solidFill>
+                <a:effectLst/>
+              </a:rPr>
+              <a:t>多功能</a:t>
+            </a:r>
+            <a:endParaRPr lang="zh-CN" altLang="en-US" dirty="0">
+              <a:effectLst/>
+            </a:endParaRPr>
+          </a:p>
+          <a:p>
+            <a:r>
+              <a:rPr lang="en-US" altLang="zh-CN" dirty="0">
+                <a:solidFill>
+                  <a:srgbClr val="000000"/>
+                </a:solidFill>
+                <a:effectLst/>
+              </a:rPr>
+              <a:t>- </a:t>
+            </a:r>
+            <a:r>
+              <a:rPr lang="zh-CN" altLang="en-US" dirty="0">
+                <a:solidFill>
+                  <a:srgbClr val="000000"/>
+                </a:solidFill>
+                <a:effectLst/>
+              </a:rPr>
+              <a:t>本地模型交互，多模态，在线模型交互，对外</a:t>
+            </a:r>
+            <a:r>
+              <a:rPr lang="en-US" altLang="zh-CN" dirty="0" err="1">
+                <a:solidFill>
+                  <a:srgbClr val="000000"/>
+                </a:solidFill>
+                <a:effectLst/>
+              </a:rPr>
+              <a:t>api</a:t>
+            </a:r>
+            <a:r>
+              <a:rPr lang="zh-CN" altLang="en-US" dirty="0">
+                <a:solidFill>
+                  <a:srgbClr val="000000"/>
+                </a:solidFill>
+                <a:effectLst/>
+              </a:rPr>
+              <a:t>服务，智能体，知识库问答，模型量化，文生图，声转文</a:t>
+            </a:r>
+            <a:endParaRPr lang="zh-CN" altLang="en-US" dirty="0">
+              <a:effectLst/>
+            </a:endParaRPr>
+          </a:p>
+          <a:p>
+            <a:r>
+              <a:rPr lang="en-US" altLang="zh-CN" dirty="0">
+                <a:solidFill>
+                  <a:srgbClr val="000000"/>
+                </a:solidFill>
+                <a:effectLst/>
+              </a:rPr>
+              <a:t>- </a:t>
+            </a:r>
+            <a:r>
+              <a:rPr lang="zh-CN" altLang="en-US" dirty="0">
+                <a:solidFill>
+                  <a:srgbClr val="000000"/>
+                </a:solidFill>
+                <a:effectLst/>
+              </a:rPr>
+              <a:t>直观</a:t>
+            </a:r>
+            <a:endParaRPr lang="zh-CN" altLang="en-US" dirty="0">
+              <a:effectLst/>
+            </a:endParaRPr>
+          </a:p>
+          <a:p>
+            <a:r>
+              <a:rPr lang="en-US" altLang="zh-CN" dirty="0">
+                <a:solidFill>
+                  <a:srgbClr val="000000"/>
+                </a:solidFill>
+                <a:effectLst/>
+              </a:rPr>
+              <a:t>- </a:t>
+            </a:r>
+            <a:r>
+              <a:rPr lang="zh-CN" altLang="en-US" dirty="0">
+                <a:solidFill>
+                  <a:srgbClr val="000000"/>
+                </a:solidFill>
+                <a:effectLst/>
+              </a:rPr>
+              <a:t>输出区的内容就是模型的全部现实</a:t>
+            </a:r>
+            <a:endParaRPr lang="zh-CN" altLang="en-US" dirty="0">
+              <a:effectLst/>
+            </a:endParaRPr>
+          </a:p>
+          <a:p>
+            <a:r>
+              <a:rPr lang="en-US" altLang="zh-CN" dirty="0">
+                <a:solidFill>
+                  <a:srgbClr val="000000"/>
+                </a:solidFill>
+                <a:effectLst/>
+              </a:rPr>
+              <a:t>- </a:t>
+            </a:r>
+            <a:r>
+              <a:rPr lang="zh-CN" altLang="en-US" dirty="0">
+                <a:solidFill>
+                  <a:srgbClr val="000000"/>
+                </a:solidFill>
+                <a:effectLst/>
+              </a:rPr>
+              <a:t>状态区的内容就是全部工作流程</a:t>
+            </a:r>
+            <a:endParaRPr lang="zh-CN" altLang="en-US" dirty="0">
+              <a:effectLst/>
+            </a:endParaRPr>
+          </a:p>
+          <a:p>
+            <a:br>
+              <a:rPr lang="zh-CN" altLang="en-US" dirty="0">
+                <a:solidFill>
+                  <a:srgbClr val="000000"/>
+                </a:solidFill>
+                <a:effectLst/>
+              </a:rPr>
+            </a:br>
+            <a:endParaRPr lang="zh-CN" altLang="en-US" dirty="0">
+              <a:solidFill>
+                <a:srgbClr val="000000"/>
+              </a:solidFill>
+              <a:effectLst/>
+            </a:endParaRPr>
+          </a:p>
+          <a:p>
+            <a:r>
+              <a:rPr lang="en-US" altLang="zh-CN" dirty="0">
+                <a:solidFill>
+                  <a:srgbClr val="000000"/>
+                </a:solidFill>
+                <a:effectLst/>
+              </a:rPr>
+              <a:t>## </a:t>
+            </a:r>
+            <a:r>
+              <a:rPr lang="zh-CN" altLang="en-US" dirty="0">
+                <a:solidFill>
+                  <a:srgbClr val="000000"/>
+                </a:solidFill>
+                <a:effectLst/>
+              </a:rPr>
+              <a:t>快速开始</a:t>
+            </a:r>
+            <a:endParaRPr lang="zh-CN" altLang="en-US" dirty="0">
+              <a:effectLst/>
+            </a:endParaRPr>
+          </a:p>
+          <a:p>
+            <a:r>
+              <a:rPr lang="en-US" altLang="zh-CN" dirty="0">
+                <a:solidFill>
+                  <a:srgbClr val="000000"/>
+                </a:solidFill>
+                <a:effectLst/>
+              </a:rPr>
+              <a:t>1. </a:t>
+            </a:r>
+            <a:r>
+              <a:rPr lang="zh-CN" altLang="en-US" dirty="0">
+                <a:solidFill>
+                  <a:srgbClr val="000000"/>
+                </a:solidFill>
+                <a:effectLst/>
+              </a:rPr>
+              <a:t>下载一个机体</a:t>
+            </a:r>
+            <a:endParaRPr lang="zh-CN" altLang="en-US" dirty="0">
+              <a:effectLst/>
+            </a:endParaRPr>
+          </a:p>
+          <a:p>
+            <a:r>
+              <a:rPr lang="en-US" altLang="zh-CN" dirty="0">
+                <a:solidFill>
+                  <a:srgbClr val="000000"/>
+                </a:solidFill>
+                <a:effectLst/>
+              </a:rPr>
+              <a:t>- https://pan.baidu.com/s/18NOUMjaJIZsV_Z</a:t>
+            </a:r>
+            <a:endParaRPr lang="zh-CN" altLang="en-US" dirty="0">
+              <a:effectLst/>
+            </a:endParaRPr>
+          </a:p>
+          <a:p>
+            <a:r>
+              <a:rPr lang="en-US" altLang="zh-CN" dirty="0">
+                <a:solidFill>
+                  <a:srgbClr val="000000"/>
+                </a:solidFill>
+                <a:effectLst/>
+              </a:rPr>
+              <a:t>csv</a:t>
+            </a:r>
+            <a:r>
+              <a:rPr lang="zh-CN" altLang="en-US" dirty="0">
+                <a:solidFill>
+                  <a:srgbClr val="000000"/>
+                </a:solidFill>
+                <a:effectLst/>
+              </a:rPr>
+              <a:t>格式的题库进行测试</a:t>
+            </a:r>
+            <a:endParaRPr lang="zh-CN" altLang="en-US" dirty="0">
+              <a:effectLst/>
+            </a:endParaRPr>
+          </a:p>
+          <a:p>
+            <a:r>
+              <a:rPr lang="en-US" altLang="zh-CN" dirty="0">
+                <a:solidFill>
+                  <a:srgbClr val="000000"/>
+                </a:solidFill>
+                <a:effectLst/>
+              </a:rPr>
+              <a:t>- </a:t>
+            </a:r>
+            <a:r>
+              <a:rPr lang="zh-CN" altLang="en-US" dirty="0">
+                <a:solidFill>
+                  <a:srgbClr val="000000"/>
+                </a:solidFill>
+                <a:effectLst/>
+              </a:rPr>
+              <a:t>可以按</a:t>
+            </a:r>
+            <a:r>
+              <a:rPr lang="en-US" altLang="zh-CN" dirty="0">
+                <a:solidFill>
+                  <a:srgbClr val="000000"/>
+                </a:solidFill>
+                <a:effectLst/>
+              </a:rPr>
+              <a:t>f1</a:t>
+            </a:r>
+            <a:r>
+              <a:rPr lang="zh-CN" altLang="en-US" dirty="0">
+                <a:solidFill>
+                  <a:srgbClr val="000000"/>
+                </a:solidFill>
+                <a:effectLst/>
+              </a:rPr>
+              <a:t>截图，按</a:t>
+            </a:r>
+            <a:r>
+              <a:rPr lang="en-US" altLang="zh-CN" dirty="0">
+                <a:solidFill>
+                  <a:srgbClr val="000000"/>
+                </a:solidFill>
+                <a:effectLst/>
+              </a:rPr>
+              <a:t>f2</a:t>
+            </a:r>
+            <a:r>
+              <a:rPr lang="zh-CN" altLang="en-US" dirty="0">
+                <a:solidFill>
+                  <a:srgbClr val="000000"/>
+                </a:solidFill>
+                <a:effectLst/>
+              </a:rPr>
+              <a:t>进行录音，截图和录音会发送给多模态或</a:t>
+            </a:r>
+            <a:r>
+              <a:rPr lang="en-US" altLang="zh-CN" dirty="0">
+                <a:solidFill>
+                  <a:srgbClr val="000000"/>
+                </a:solidFill>
+                <a:effectLst/>
+              </a:rPr>
+              <a:t>whisper</a:t>
+            </a:r>
+            <a:r>
+              <a:rPr lang="zh-CN" altLang="en-US" dirty="0">
+                <a:solidFill>
+                  <a:srgbClr val="000000"/>
+                </a:solidFill>
+                <a:effectLst/>
+              </a:rPr>
+              <a:t>模型进行相应处理</a:t>
+            </a:r>
+            <a:endParaRPr lang="zh-CN" altLang="en-US" dirty="0">
+              <a:effectLst/>
+            </a:endParaRPr>
+          </a:p>
+          <a:p>
+            <a:r>
+              <a:rPr lang="en-US" altLang="zh-CN" dirty="0">
+                <a:solidFill>
+                  <a:srgbClr val="000000"/>
+                </a:solidFill>
+                <a:effectLst/>
+              </a:rPr>
+              <a:t>2. </a:t>
+            </a:r>
+            <a:r>
+              <a:rPr lang="zh-CN" altLang="en-US" dirty="0">
+                <a:solidFill>
+                  <a:srgbClr val="000000"/>
+                </a:solidFill>
+                <a:effectLst/>
+              </a:rPr>
+              <a:t>补完模式</a:t>
+            </a:r>
+            <a:endParaRPr lang="zh-CN" altLang="en-US" dirty="0">
+              <a:effectLst/>
+            </a:endParaRPr>
+          </a:p>
+          <a:p>
+            <a:r>
+              <a:rPr lang="en-US" altLang="zh-CN" dirty="0">
+                <a:solidFill>
+                  <a:srgbClr val="000000"/>
+                </a:solidFill>
+                <a:effectLst/>
+              </a:rPr>
+              <a:t>- </a:t>
+            </a:r>
+            <a:r>
+              <a:rPr lang="zh-CN" altLang="en-US" dirty="0">
+                <a:solidFill>
+                  <a:srgbClr val="000000"/>
+                </a:solidFill>
+                <a:effectLst/>
+              </a:rPr>
+              <a:t>在输出区输入一段文字，模型对其进行补完</a:t>
+            </a:r>
+            <a:endParaRPr lang="zh-CN" altLang="en-US" dirty="0">
+              <a:effectLst/>
+            </a:endParaRPr>
+          </a:p>
+          <a:p>
+            <a:r>
+              <a:rPr lang="en-US" altLang="zh-CN" dirty="0">
+                <a:solidFill>
+                  <a:srgbClr val="000000"/>
+                </a:solidFill>
+                <a:effectLst/>
+              </a:rPr>
+              <a:t>3. </a:t>
+            </a:r>
+            <a:r>
+              <a:rPr lang="zh-CN" altLang="en-US" dirty="0">
+                <a:solidFill>
+                  <a:srgbClr val="000000"/>
+                </a:solidFill>
+                <a:effectLst/>
+              </a:rPr>
+              <a:t>服务模式</a:t>
+            </a:r>
+            <a:endParaRPr lang="zh-CN" altLang="en-US" dirty="0">
+              <a:effectLst/>
+            </a:endParaRPr>
+          </a:p>
+          <a:p>
+            <a:r>
+              <a:rPr lang="en-US" altLang="zh-CN" dirty="0">
+                <a:solidFill>
+                  <a:srgbClr val="000000"/>
+                </a:solidFill>
+                <a:effectLst/>
+              </a:rPr>
+              <a:t>- </a:t>
+            </a:r>
+            <a:r>
+              <a:rPr lang="zh-CN" altLang="en-US" dirty="0">
+                <a:solidFill>
+                  <a:srgbClr val="000000"/>
+                </a:solidFill>
+                <a:effectLst/>
+              </a:rPr>
+              <a:t>机体成为一个开放</a:t>
+            </a:r>
+            <a:r>
+              <a:rPr lang="en-US" altLang="zh-CN" dirty="0" err="1">
+                <a:solidFill>
+                  <a:srgbClr val="000000"/>
+                </a:solidFill>
+                <a:effectLst/>
+              </a:rPr>
+              <a:t>api</a:t>
+            </a:r>
+            <a:r>
+              <a:rPr lang="zh-CN" altLang="en-US" dirty="0">
+                <a:solidFill>
+                  <a:srgbClr val="000000"/>
+                </a:solidFill>
+                <a:effectLst/>
+              </a:rPr>
+              <a:t>端口的服务，也可以在网页上进行聊天</a:t>
+            </a:r>
+            <a:endParaRPr lang="zh-CN" altLang="en-US" dirty="0">
+              <a:effectLst/>
+            </a:endParaRPr>
+          </a:p>
+          <a:p>
+            <a:r>
+              <a:rPr lang="en-US" altLang="zh-CN" dirty="0">
+                <a:solidFill>
+                  <a:srgbClr val="000000"/>
+                </a:solidFill>
+                <a:effectLst/>
+              </a:rPr>
+              <a:t>4. </a:t>
+            </a:r>
+            <a:r>
+              <a:rPr lang="zh-CN" altLang="en-US" dirty="0">
+                <a:solidFill>
+                  <a:srgbClr val="000000"/>
+                </a:solidFill>
+                <a:effectLst/>
+              </a:rPr>
+              <a:t>链接状态</a:t>
+            </a:r>
+            <a:endParaRPr lang="zh-CN" altLang="en-US" dirty="0">
+              <a:effectLst/>
+            </a:endParaRPr>
+          </a:p>
+          <a:p>
+            <a:r>
+              <a:rPr lang="en-US" altLang="zh-CN" dirty="0">
+                <a:solidFill>
+                  <a:srgbClr val="000000"/>
+                </a:solidFill>
+                <a:effectLst/>
+              </a:rPr>
+              <a:t>- </a:t>
+            </a:r>
+            <a:r>
+              <a:rPr lang="zh-CN" altLang="en-US" dirty="0">
+                <a:solidFill>
+                  <a:srgbClr val="000000"/>
+                </a:solidFill>
+                <a:effectLst/>
+              </a:rPr>
+              <a:t>机体利用</a:t>
+            </a:r>
+            <a:r>
+              <a:rPr lang="en-US" altLang="zh-CN" dirty="0" err="1">
+                <a:solidFill>
+                  <a:srgbClr val="000000"/>
+                </a:solidFill>
+                <a:effectLst/>
+              </a:rPr>
+              <a:t>api</a:t>
+            </a:r>
+            <a:r>
+              <a:rPr lang="zh-CN" altLang="en-US" dirty="0">
+                <a:solidFill>
+                  <a:srgbClr val="000000"/>
+                </a:solidFill>
+                <a:effectLst/>
+              </a:rPr>
+              <a:t>服务的端点，不需要装载模型也能运行</a:t>
+            </a:r>
+            <a:endParaRPr lang="zh-CN" altLang="en-US" dirty="0">
+              <a:effectLst/>
+            </a:endParaRPr>
+          </a:p>
+          <a:p>
+            <a:r>
+              <a:rPr lang="en-US" altLang="zh-CN" dirty="0">
+                <a:solidFill>
+                  <a:srgbClr val="000000"/>
+                </a:solidFill>
+                <a:effectLst/>
+              </a:rPr>
+              <a:t>5. </a:t>
+            </a:r>
+            <a:r>
+              <a:rPr lang="zh-CN" altLang="en-US" dirty="0">
+                <a:solidFill>
+                  <a:srgbClr val="000000"/>
+                </a:solidFill>
+                <a:effectLst/>
+              </a:rPr>
+              <a:t>知识库</a:t>
+            </a:r>
+            <a:endParaRPr lang="zh-CN" altLang="en-US" dirty="0">
+              <a:effectLst/>
+            </a:endParaRPr>
+          </a:p>
+          <a:p>
+            <a:r>
+              <a:rPr lang="en-US" altLang="zh-CN" dirty="0">
+                <a:solidFill>
+                  <a:srgbClr val="000000"/>
+                </a:solidFill>
+                <a:effectLst/>
+              </a:rPr>
+              <a:t>- </a:t>
+            </a:r>
+            <a:r>
+              <a:rPr lang="zh-CN" altLang="en-US" dirty="0">
+                <a:solidFill>
+                  <a:srgbClr val="000000"/>
+                </a:solidFill>
+                <a:effectLst/>
+              </a:rPr>
+              <a:t>用户可以上传文档，经过嵌入处理后成为模型的知识库</a:t>
+            </a:r>
+            <a:endParaRPr lang="zh-CN" altLang="en-US" dirty="0">
+              <a:effectLst/>
+            </a:endParaRPr>
+          </a:p>
+          <a:p>
+            <a:br>
+              <a:rPr lang="zh-CN" altLang="en-US" dirty="0">
+                <a:solidFill>
+                  <a:srgbClr val="000000"/>
+                </a:solidFill>
+                <a:effectLst/>
+              </a:rPr>
+            </a:br>
+            <a:endParaRPr lang="zh-CN" altLang="en-US" dirty="0">
+              <a:solidFill>
+                <a:srgbClr val="000000"/>
+              </a:solidFill>
+              <a:effectLst/>
+            </a:endParaRPr>
+          </a:p>
+          <a:p>
+            <a:r>
+              <a:rPr lang="en-US" altLang="zh-CN" dirty="0">
+                <a:solidFill>
+                  <a:srgbClr val="000000"/>
+                </a:solidFill>
+                <a:effectLst/>
+              </a:rPr>
+              <a:t>6. </a:t>
+            </a:r>
+            <a:r>
+              <a:rPr lang="zh-CN" altLang="en-US" dirty="0">
+                <a:solidFill>
+                  <a:srgbClr val="000000"/>
+                </a:solidFill>
+                <a:effectLst/>
+              </a:rPr>
+              <a:t>文生图</a:t>
+            </a:r>
+            <a:endParaRPr lang="zh-CN" altLang="en-US" dirty="0">
+              <a:effectLst/>
+            </a:endParaRPr>
+          </a:p>
+          <a:p>
+            <a:r>
+              <a:rPr lang="en-US" altLang="zh-CN" dirty="0">
+                <a:solidFill>
+                  <a:srgbClr val="000000"/>
+                </a:solidFill>
+                <a:effectLst/>
+              </a:rPr>
+              <a:t>- </a:t>
+            </a:r>
+            <a:r>
+              <a:rPr lang="zh-CN" altLang="en-US" dirty="0">
+                <a:solidFill>
+                  <a:srgbClr val="000000"/>
+                </a:solidFill>
+                <a:effectLst/>
+              </a:rPr>
+              <a:t>可以使用</a:t>
+            </a:r>
+            <a:r>
+              <a:rPr lang="en-US" altLang="zh-CN" dirty="0" err="1">
+                <a:solidFill>
+                  <a:srgbClr val="000000"/>
+                </a:solidFill>
+                <a:effectLst/>
+              </a:rPr>
+              <a:t>sd</a:t>
+            </a:r>
+            <a:r>
+              <a:rPr lang="zh-CN" altLang="en-US" dirty="0">
+                <a:solidFill>
+                  <a:srgbClr val="000000"/>
+                </a:solidFill>
+                <a:effectLst/>
+              </a:rPr>
+              <a:t>模型绘制图像</a:t>
+            </a:r>
+            <a:endParaRPr lang="zh-CN" altLang="en-US" dirty="0">
+              <a:effectLst/>
+            </a:endParaRPr>
+          </a:p>
+          <a:p>
+            <a:br>
+              <a:rPr lang="zh-CN" altLang="en-US" dirty="0">
+                <a:solidFill>
+                  <a:srgbClr val="000000"/>
+                </a:solidFill>
+                <a:effectLst/>
+              </a:rPr>
+            </a:br>
+            <a:endParaRPr lang="zh-CN" altLang="en-US" dirty="0">
+              <a:solidFill>
+                <a:srgbClr val="000000"/>
+              </a:solidFill>
+              <a:effectLst/>
+            </a:endParaRPr>
+          </a:p>
+          <a:p>
+            <a:r>
+              <a:rPr lang="en-US" altLang="zh-CN" dirty="0">
+                <a:solidFill>
+                  <a:srgbClr val="000000"/>
+                </a:solidFill>
+                <a:effectLst/>
+              </a:rPr>
+              <a:t>## </a:t>
+            </a:r>
+            <a:r>
+              <a:rPr lang="zh-CN" altLang="en-US" dirty="0">
+                <a:solidFill>
+                  <a:srgbClr val="000000"/>
+                </a:solidFill>
+                <a:effectLst/>
+              </a:rPr>
+              <a:t>源码编译</a:t>
+            </a:r>
+            <a:endParaRPr lang="zh-CN" altLang="en-US" dirty="0">
+              <a:effectLst/>
+            </a:endParaRPr>
+          </a:p>
+          <a:p>
+            <a:r>
+              <a:rPr lang="en-US" altLang="zh-CN" dirty="0">
+                <a:solidFill>
+                  <a:srgbClr val="000000"/>
+                </a:solidFill>
+                <a:effectLst/>
+              </a:rPr>
+              <a:t>1. </a:t>
+            </a:r>
+            <a:r>
+              <a:rPr lang="zh-CN" altLang="en-US" dirty="0">
+                <a:solidFill>
+                  <a:srgbClr val="000000"/>
+                </a:solidFill>
+                <a:effectLst/>
+              </a:rPr>
+              <a:t>配置环境</a:t>
+            </a:r>
+            <a:endParaRPr lang="zh-CN" altLang="en-US" dirty="0">
+              <a:effectLst/>
+            </a:endParaRPr>
+          </a:p>
+          <a:p>
+            <a:r>
+              <a:rPr lang="en-US" altLang="zh-CN" dirty="0">
+                <a:solidFill>
+                  <a:srgbClr val="000000"/>
+                </a:solidFill>
+                <a:effectLst/>
+              </a:rPr>
+              <a:t>- 64bit</a:t>
+            </a:r>
+            <a:r>
+              <a:rPr lang="zh-CN" altLang="en-US" dirty="0">
+                <a:solidFill>
+                  <a:srgbClr val="000000"/>
+                </a:solidFill>
+                <a:effectLst/>
+              </a:rPr>
+              <a:t>版本</a:t>
+            </a:r>
+            <a:r>
+              <a:rPr lang="en-US" altLang="zh-CN" dirty="0">
+                <a:solidFill>
+                  <a:srgbClr val="000000"/>
+                </a:solidFill>
+                <a:effectLst/>
+              </a:rPr>
+              <a:t>(op</a:t>
+            </a:r>
+            <a:endParaRPr lang="zh-CN" altLang="en-US" dirty="0">
+              <a:effectLst/>
+            </a:endParaRPr>
+          </a:p>
+          <a:p>
+            <a:r>
+              <a:rPr lang="en-US" altLang="zh-CN" dirty="0">
+                <a:solidFill>
+                  <a:srgbClr val="0000FF"/>
+                </a:solidFill>
+                <a:effectLst/>
+              </a:rPr>
+              <a:t>User:</a:t>
+            </a:r>
+            <a:endParaRPr lang="zh-CN" altLang="en-US" dirty="0">
+              <a:effectLst/>
+            </a:endParaRPr>
+          </a:p>
+          <a:p>
+            <a:r>
+              <a:rPr lang="zh-CN" altLang="en-US" dirty="0">
+                <a:solidFill>
+                  <a:srgbClr val="000000"/>
+                </a:solidFill>
+                <a:effectLst/>
+              </a:rPr>
+              <a:t>请介绍机体软件的功能</a:t>
+            </a:r>
+            <a:endParaRPr lang="zh-CN" altLang="en-US" dirty="0">
+              <a:effectLst/>
+            </a:endParaRPr>
+          </a:p>
+          <a:p>
+            <a:r>
+              <a:rPr lang="en-US" altLang="zh-CN" dirty="0">
+                <a:solidFill>
+                  <a:srgbClr val="0000FF"/>
+                </a:solidFill>
+                <a:effectLst/>
+              </a:rPr>
+              <a:t>Assistant:</a:t>
+            </a:r>
+            <a:endParaRPr lang="zh-CN" altLang="en-US" dirty="0">
+              <a:effectLst/>
+            </a:endParaRPr>
+          </a:p>
+          <a:p>
+            <a:br>
+              <a:rPr lang="zh-CN" altLang="en-US">
+                <a:solidFill>
+                  <a:srgbClr val="0000FF"/>
+                </a:solidFill>
+                <a:effectLst/>
+              </a:rPr>
+            </a:br>
+            <a:endParaRPr lang="zh-CN" altLang="en-US"/>
+          </a:p>
+        </p:txBody>
+      </p:sp>
+      <p:sp>
+        <p:nvSpPr>
+          <p:cNvPr id="4" name="灯片编号占位符 3"/>
+          <p:cNvSpPr>
+            <a:spLocks noGrp="1"/>
+          </p:cNvSpPr>
+          <p:nvPr>
+            <p:ph type="sldNum" sz="quarter" idx="5"/>
+          </p:nvPr>
+        </p:nvSpPr>
+        <p:spPr/>
+        <p:txBody>
+          <a:bodyPr/>
+          <a:lstStyle/>
+          <a:p>
+            <a:fld id="{5DE12CCA-7540-48DB-8E56-327F4EA06BC9}" type="slidenum">
+              <a:rPr lang="zh-CN" altLang="en-US" smtClean="0"/>
+              <a:t>18</a:t>
+            </a:fld>
+            <a:endParaRPr lang="zh-CN" altLang="en-US"/>
+          </a:p>
+        </p:txBody>
+      </p:sp>
+    </p:spTree>
+    <p:extLst>
+      <p:ext uri="{BB962C8B-B14F-4D97-AF65-F5344CB8AC3E}">
+        <p14:creationId xmlns:p14="http://schemas.microsoft.com/office/powerpoint/2010/main" val="1162440332"/>
+      </p:ext>
+    </p:extLst>
+  </p:cSld>
+  <p:clrMapOvr>
+    <a:masterClrMapping/>
+  </p:clrMapOvr>
+</p:notes>
+</file>
+
 <file path=ppt/notesSlides/notesSlide2.xml><?xml version="1.0" encoding="utf-8"?>
 <p:notes xmlns:a="http://schemas.openxmlformats.org/drawingml/2006/main" xmlns:r="http://schemas.openxmlformats.org/officeDocument/2006/relationships" xmlns:p="http://schemas.openxmlformats.org/presentationml/2006/main">
   <p:cSld>
@@ -4984,7 +9610,7 @@
           <a:p>
             <a:fld id="{760FBDFE-C587-4B4C-A407-44438C67B59E}" type="datetimeFigureOut">
               <a:rPr lang="zh-CN" altLang="en-US" smtClean="0"/>
-              <a:t>2024/3/14</a:t>
+              <a:t>2024/3/18</a:t>
             </a:fld>
             <a:endParaRPr lang="zh-CN" altLang="en-US"/>
           </a:p>
@@ -5427,7 +10053,7 @@
             <a:fld id="{96DFF08F-DC6B-4601-B491-B0F83F6DD2DA}" type="datetimeFigureOut">
               <a:rPr lang="en-US" dirty="0"/>
               <a:pPr/>
-              <a:t>3/14/2024</a:t>
+              <a:t>3/18/2024</a:t>
             </a:fld>
             <a:endParaRPr lang="en-US" dirty="0"/>
           </a:p>
@@ -9962,7 +14588,7 @@
           <a:p>
             <a:r>
               <a:rPr lang="zh-CN" altLang="en-US" dirty="0"/>
-              <a:t>大语言模型的训练</a:t>
+              <a:t>大语言模型的应用</a:t>
             </a:r>
           </a:p>
         </p:txBody>
@@ -9985,17 +14611,22 @@
         </p:nvSpPr>
         <p:spPr/>
         <p:txBody>
-          <a:bodyPr/>
+          <a:bodyPr>
+            <a:normAutofit/>
+          </a:bodyPr>
           <a:lstStyle/>
           <a:p>
-            <a:endParaRPr lang="zh-CN" altLang="en-US"/>
+            <a:r>
+              <a:rPr lang="zh-CN" altLang="en-US" sz="6600" b="1" dirty="0"/>
+              <a:t>知识库问答</a:t>
+            </a:r>
           </a:p>
         </p:txBody>
       </p:sp>
     </p:spTree>
     <p:extLst>
       <p:ext uri="{BB962C8B-B14F-4D97-AF65-F5344CB8AC3E}">
-        <p14:creationId xmlns:p14="http://schemas.microsoft.com/office/powerpoint/2010/main" val="2321151878"/>
+        <p14:creationId xmlns:p14="http://schemas.microsoft.com/office/powerpoint/2010/main" val="3026683308"/>
       </p:ext>
     </p:extLst>
   </p:cSld>
@@ -10022,12 +14653,82 @@
           <a:chExt cx="0" cy="0"/>
         </a:xfrm>
       </p:grpSpPr>
+      <p:graphicFrame>
+        <p:nvGraphicFramePr>
+          <p:cNvPr id="8" name="图示 7">
+            <a:extLst>
+              <a:ext uri="{FF2B5EF4-FFF2-40B4-BE49-F238E27FC236}">
+                <a16:creationId xmlns:a16="http://schemas.microsoft.com/office/drawing/2014/main" id="{4196B546-E362-4A9A-AC98-31A615E79C7D}"/>
+              </a:ext>
+            </a:extLst>
+          </p:cNvPr>
+          <p:cNvGraphicFramePr/>
+          <p:nvPr>
+            <p:extLst>
+              <p:ext uri="{D42A27DB-BD31-4B8C-83A1-F6EECF244321}">
+                <p14:modId xmlns:p14="http://schemas.microsoft.com/office/powerpoint/2010/main" val="3997346785"/>
+              </p:ext>
+            </p:extLst>
+          </p:nvPr>
+        </p:nvGraphicFramePr>
+        <p:xfrm>
+          <a:off x="2565047" y="915779"/>
+          <a:ext cx="7061907" cy="4707781"/>
+        </p:xfrm>
+        <a:graphic>
+          <a:graphicData uri="http://schemas.openxmlformats.org/drawingml/2006/diagram">
+            <dgm:relIds xmlns:dgm="http://schemas.openxmlformats.org/drawingml/2006/diagram" xmlns:r="http://schemas.openxmlformats.org/officeDocument/2006/relationships" r:dm="rId3" r:lo="rId4" r:qs="rId5" r:cs="rId6"/>
+          </a:graphicData>
+        </a:graphic>
+      </p:graphicFrame>
+    </p:spTree>
+    <p:extLst>
+      <p:ext uri="{BB962C8B-B14F-4D97-AF65-F5344CB8AC3E}">
+        <p14:creationId xmlns:p14="http://schemas.microsoft.com/office/powerpoint/2010/main" val="3607139140"/>
+      </p:ext>
+    </p:extLst>
+  </p:cSld>
+  <p:clrMapOvr>
+    <a:masterClrMapping/>
+  </p:clrMapOvr>
+  <mc:AlternateContent xmlns:mc="http://schemas.openxmlformats.org/markup-compatibility/2006" xmlns:p14="http://schemas.microsoft.com/office/powerpoint/2010/main">
+    <mc:Choice Requires="p14">
+      <p:transition spd="med" p14:dur="700">
+        <p:fade/>
+      </p:transition>
+    </mc:Choice>
+    <mc:Fallback xmlns="">
+      <p:transition spd="med">
+        <p:fade/>
+      </p:transition>
+    </mc:Fallback>
+  </mc:AlternateContent>
+</p:sld>
+</file>
+
+<file path=ppt/slides/slide16.xml><?xml version="1.0" encoding="utf-8"?>
+<p:sld xmlns:a="http://schemas.openxmlformats.org/drawingml/2006/main" xmlns:r="http://schemas.openxmlformats.org/officeDocument/2006/relationships" xmlns:p="http://schemas.openxmlformats.org/presentationml/2006/main">
+  <p:cSld>
+    <p:spTree>
+      <p:nvGrpSpPr>
+        <p:cNvPr id="1" name=""/>
+        <p:cNvGrpSpPr/>
+        <p:nvPr/>
+      </p:nvGrpSpPr>
+      <p:grpSpPr>
+        <a:xfrm>
+          <a:off x="0" y="0"/>
+          <a:ext cx="0" cy="0"/>
+          <a:chOff x="0" y="0"/>
+          <a:chExt cx="0" cy="0"/>
+        </a:xfrm>
+      </p:grpSpPr>
       <p:sp>
         <p:nvSpPr>
-          <p:cNvPr id="4" name="标题 3">
+          <p:cNvPr id="2" name="标题 1">
             <a:extLst>
               <a:ext uri="{FF2B5EF4-FFF2-40B4-BE49-F238E27FC236}">
-                <a16:creationId xmlns:a16="http://schemas.microsoft.com/office/drawing/2014/main" id="{D4F9F44A-4FCA-4415-B6E5-C99BC21825C8}"/>
+                <a16:creationId xmlns:a16="http://schemas.microsoft.com/office/drawing/2014/main" id="{AE8CC43B-AC0E-91AA-85FA-E97C664E25F6}"/>
               </a:ext>
             </a:extLst>
           </p:cNvPr>
@@ -10035,27 +14736,365 @@
             <a:spLocks noGrp="1"/>
           </p:cNvSpPr>
           <p:nvPr>
-            <p:ph type="ctrTitle"/>
+            <p:ph type="title"/>
           </p:nvPr>
         </p:nvSpPr>
         <p:spPr/>
         <p:txBody>
-          <a:bodyPr/>
+          <a:bodyPr>
+            <a:normAutofit fontScale="90000"/>
+          </a:bodyPr>
           <a:lstStyle/>
           <a:p>
+            <a:pPr lvl="0"/>
             <a:r>
               <a:rPr lang="zh-CN" altLang="en-US" dirty="0"/>
-              <a:t>大语言模型的应用</a:t>
+              <a:t>一、知识库是什么？</a:t>
             </a:r>
           </a:p>
         </p:txBody>
       </p:sp>
       <p:sp>
         <p:nvSpPr>
-          <p:cNvPr id="5" name="副标题 4">
+          <p:cNvPr id="4" name="文本框 3">
             <a:extLst>
               <a:ext uri="{FF2B5EF4-FFF2-40B4-BE49-F238E27FC236}">
-                <a16:creationId xmlns:a16="http://schemas.microsoft.com/office/drawing/2014/main" id="{4C3F4B2A-0054-4854-8F8E-96D81D3E0639}"/>
+                <a16:creationId xmlns:a16="http://schemas.microsoft.com/office/drawing/2014/main" id="{975230DF-38D1-EE51-0878-7F81C88408DB}"/>
+              </a:ext>
+            </a:extLst>
+          </p:cNvPr>
+          <p:cNvSpPr txBox="1"/>
+          <p:nvPr/>
+        </p:nvSpPr>
+        <p:spPr>
+          <a:xfrm>
+            <a:off x="1927885" y="3652092"/>
+            <a:ext cx="2954655" cy="461665"/>
+          </a:xfrm>
+          <a:prstGeom prst="rect">
+            <a:avLst/>
+          </a:prstGeom>
+          <a:noFill/>
+        </p:spPr>
+        <p:txBody>
+          <a:bodyPr wrap="none" rtlCol="0">
+            <a:spAutoFit/>
+          </a:bodyPr>
+          <a:lstStyle/>
+          <a:p>
+            <a:r>
+              <a:rPr lang="zh-CN" altLang="en-US" sz="2400" dirty="0">
+                <a:latin typeface="黑体" panose="02010609060101010101" pitchFamily="49" charset="-122"/>
+                <a:ea typeface="黑体" panose="02010609060101010101" pitchFamily="49" charset="-122"/>
+              </a:rPr>
+              <a:t>用户的私有文本数据</a:t>
+            </a:r>
+          </a:p>
+        </p:txBody>
+      </p:sp>
+      <p:pic>
+        <p:nvPicPr>
+          <p:cNvPr id="7" name="图形 6" descr="数据库">
+            <a:extLst>
+              <a:ext uri="{FF2B5EF4-FFF2-40B4-BE49-F238E27FC236}">
+                <a16:creationId xmlns:a16="http://schemas.microsoft.com/office/drawing/2014/main" id="{137B1AD9-0986-04B6-7F77-51ADA55B5063}"/>
+              </a:ext>
+            </a:extLst>
+          </p:cNvPr>
+          <p:cNvPicPr>
+            <a:picLocks noChangeAspect="1"/>
+          </p:cNvPicPr>
+          <p:nvPr/>
+        </p:nvPicPr>
+        <p:blipFill>
+          <a:blip r:embed="rId2">
+            <a:extLst>
+              <a:ext uri="{28A0092B-C50C-407E-A947-70E740481C1C}">
+                <a14:useLocalDpi xmlns:a14="http://schemas.microsoft.com/office/drawing/2010/main" val="0"/>
+              </a:ext>
+              <a:ext uri="{96DAC541-7B7A-43D3-8B79-37D633B846F1}">
+                <asvg:svgBlip xmlns:asvg="http://schemas.microsoft.com/office/drawing/2016/SVG/main" r:embed="rId3"/>
+              </a:ext>
+            </a:extLst>
+          </a:blip>
+          <a:stretch>
+            <a:fillRect/>
+          </a:stretch>
+        </p:blipFill>
+        <p:spPr>
+          <a:xfrm>
+            <a:off x="6740073" y="2489202"/>
+            <a:ext cx="914400" cy="914400"/>
+          </a:xfrm>
+          <a:prstGeom prst="rect">
+            <a:avLst/>
+          </a:prstGeom>
+        </p:spPr>
+      </p:pic>
+      <p:sp>
+        <p:nvSpPr>
+          <p:cNvPr id="8" name="文本框 7">
+            <a:extLst>
+              <a:ext uri="{FF2B5EF4-FFF2-40B4-BE49-F238E27FC236}">
+                <a16:creationId xmlns:a16="http://schemas.microsoft.com/office/drawing/2014/main" id="{904FAE31-685E-4E81-C247-8F28E1FB6885}"/>
+              </a:ext>
+            </a:extLst>
+          </p:cNvPr>
+          <p:cNvSpPr txBox="1"/>
+          <p:nvPr/>
+        </p:nvSpPr>
+        <p:spPr>
+          <a:xfrm>
+            <a:off x="6249651" y="3652092"/>
+            <a:ext cx="1723549" cy="461665"/>
+          </a:xfrm>
+          <a:prstGeom prst="rect">
+            <a:avLst/>
+          </a:prstGeom>
+          <a:noFill/>
+        </p:spPr>
+        <p:txBody>
+          <a:bodyPr wrap="none" rtlCol="0">
+            <a:spAutoFit/>
+          </a:bodyPr>
+          <a:lstStyle/>
+          <a:p>
+            <a:r>
+              <a:rPr lang="zh-CN" altLang="en-US" sz="2400" dirty="0">
+                <a:latin typeface="黑体" panose="02010609060101010101" pitchFamily="49" charset="-122"/>
+                <a:ea typeface="黑体" panose="02010609060101010101" pitchFamily="49" charset="-122"/>
+              </a:rPr>
+              <a:t>向量数据库</a:t>
+            </a:r>
+          </a:p>
+        </p:txBody>
+      </p:sp>
+      <p:sp>
+        <p:nvSpPr>
+          <p:cNvPr id="9" name="矩形: 圆角 8">
+            <a:extLst>
+              <a:ext uri="{FF2B5EF4-FFF2-40B4-BE49-F238E27FC236}">
+                <a16:creationId xmlns:a16="http://schemas.microsoft.com/office/drawing/2014/main" id="{856B834C-619C-7216-4055-08CD28182B49}"/>
+              </a:ext>
+            </a:extLst>
+          </p:cNvPr>
+          <p:cNvSpPr/>
+          <p:nvPr/>
+        </p:nvSpPr>
+        <p:spPr>
+          <a:xfrm>
+            <a:off x="2004864" y="2241754"/>
+            <a:ext cx="2262123" cy="1161848"/>
+          </a:xfrm>
+          <a:prstGeom prst="roundRect">
+            <a:avLst/>
+          </a:prstGeom>
+        </p:spPr>
+        <p:style>
+          <a:lnRef idx="2">
+            <a:schemeClr val="accent1">
+              <a:shade val="15000"/>
+            </a:schemeClr>
+          </a:lnRef>
+          <a:fillRef idx="1">
+            <a:schemeClr val="accent1"/>
+          </a:fillRef>
+          <a:effectRef idx="0">
+            <a:schemeClr val="accent1"/>
+          </a:effectRef>
+          <a:fontRef idx="minor">
+            <a:schemeClr val="lt1"/>
+          </a:fontRef>
+        </p:style>
+        <p:txBody>
+          <a:bodyPr rtlCol="0" anchor="ctr"/>
+          <a:lstStyle/>
+          <a:p>
+            <a:pPr algn="ctr"/>
+            <a:r>
+              <a:rPr lang="en-US" altLang="zh-CN" dirty="0"/>
+              <a:t>pdf/doc/csv/txt/html</a:t>
+            </a:r>
+            <a:endParaRPr lang="zh-CN" altLang="en-US" dirty="0"/>
+          </a:p>
+        </p:txBody>
+      </p:sp>
+    </p:spTree>
+    <p:extLst>
+      <p:ext uri="{BB962C8B-B14F-4D97-AF65-F5344CB8AC3E}">
+        <p14:creationId xmlns:p14="http://schemas.microsoft.com/office/powerpoint/2010/main" val="3031868280"/>
+      </p:ext>
+    </p:extLst>
+  </p:cSld>
+  <p:clrMapOvr>
+    <a:masterClrMapping/>
+  </p:clrMapOvr>
+  <p:timing>
+    <p:tnLst>
+      <p:par>
+        <p:cTn id="1" dur="indefinite" restart="never" nodeType="tmRoot">
+          <p:childTnLst>
+            <p:seq concurrent="1" nextAc="seek">
+              <p:cTn id="2" dur="indefinite" nodeType="mainSeq">
+                <p:childTnLst>
+                  <p:par>
+                    <p:cTn id="3" fill="hold">
+                      <p:stCondLst>
+                        <p:cond delay="indefinite"/>
+                      </p:stCondLst>
+                      <p:childTnLst>
+                        <p:par>
+                          <p:cTn id="4" fill="hold">
+                            <p:stCondLst>
+                              <p:cond delay="0"/>
+                            </p:stCondLst>
+                            <p:childTnLst>
+                              <p:par>
+                                <p:cTn id="5" presetID="22" presetClass="entr" presetSubtype="8" fill="hold" grpId="0" nodeType="clickEffect">
+                                  <p:stCondLst>
+                                    <p:cond delay="0"/>
+                                  </p:stCondLst>
+                                  <p:childTnLst>
+                                    <p:set>
+                                      <p:cBhvr>
+                                        <p:cTn id="6" dur="1" fill="hold">
+                                          <p:stCondLst>
+                                            <p:cond delay="0"/>
+                                          </p:stCondLst>
+                                        </p:cTn>
+                                        <p:tgtEl>
+                                          <p:spTgt spid="4"/>
+                                        </p:tgtEl>
+                                        <p:attrNameLst>
+                                          <p:attrName>style.visibility</p:attrName>
+                                        </p:attrNameLst>
+                                      </p:cBhvr>
+                                      <p:to>
+                                        <p:strVal val="visible"/>
+                                      </p:to>
+                                    </p:set>
+                                    <p:animEffect transition="in" filter="wipe(left)">
+                                      <p:cBhvr>
+                                        <p:cTn id="7" dur="500"/>
+                                        <p:tgtEl>
+                                          <p:spTgt spid="4"/>
+                                        </p:tgtEl>
+                                      </p:cBhvr>
+                                    </p:animEffect>
+                                  </p:childTnLst>
+                                </p:cTn>
+                              </p:par>
+                            </p:childTnLst>
+                          </p:cTn>
+                        </p:par>
+                      </p:childTnLst>
+                    </p:cTn>
+                  </p:par>
+                  <p:par>
+                    <p:cTn id="8" fill="hold">
+                      <p:stCondLst>
+                        <p:cond delay="indefinite"/>
+                      </p:stCondLst>
+                      <p:childTnLst>
+                        <p:par>
+                          <p:cTn id="9" fill="hold">
+                            <p:stCondLst>
+                              <p:cond delay="0"/>
+                            </p:stCondLst>
+                            <p:childTnLst>
+                              <p:par>
+                                <p:cTn id="10" presetID="22" presetClass="entr" presetSubtype="8" fill="hold" grpId="0" nodeType="clickEffect">
+                                  <p:stCondLst>
+                                    <p:cond delay="0"/>
+                                  </p:stCondLst>
+                                  <p:childTnLst>
+                                    <p:set>
+                                      <p:cBhvr>
+                                        <p:cTn id="11" dur="1" fill="hold">
+                                          <p:stCondLst>
+                                            <p:cond delay="0"/>
+                                          </p:stCondLst>
+                                        </p:cTn>
+                                        <p:tgtEl>
+                                          <p:spTgt spid="8"/>
+                                        </p:tgtEl>
+                                        <p:attrNameLst>
+                                          <p:attrName>style.visibility</p:attrName>
+                                        </p:attrNameLst>
+                                      </p:cBhvr>
+                                      <p:to>
+                                        <p:strVal val="visible"/>
+                                      </p:to>
+                                    </p:set>
+                                    <p:animEffect transition="in" filter="wipe(left)">
+                                      <p:cBhvr>
+                                        <p:cTn id="12" dur="500"/>
+                                        <p:tgtEl>
+                                          <p:spTgt spid="8"/>
+                                        </p:tgtEl>
+                                      </p:cBhvr>
+                                    </p:animEffect>
+                                  </p:childTnLst>
+                                </p:cTn>
+                              </p:par>
+                            </p:childTnLst>
+                          </p:cTn>
+                        </p:par>
+                      </p:childTnLst>
+                    </p:cTn>
+                  </p:par>
+                </p:childTnLst>
+              </p:cTn>
+              <p:prevCondLst>
+                <p:cond evt="onPrev" delay="0">
+                  <p:tgtEl>
+                    <p:sldTgt/>
+                  </p:tgtEl>
+                </p:cond>
+              </p:prevCondLst>
+              <p:nextCondLst>
+                <p:cond evt="onNext" delay="0">
+                  <p:tgtEl>
+                    <p:sldTgt/>
+                  </p:tgtEl>
+                </p:cond>
+              </p:nextCondLst>
+            </p:seq>
+          </p:childTnLst>
+        </p:cTn>
+      </p:par>
+    </p:tnLst>
+    <p:bldLst>
+      <p:bldP spid="4" grpId="0"/>
+      <p:bldP spid="8" grpId="0"/>
+    </p:bldLst>
+  </p:timing>
+</p:sld>
+</file>
+
+<file path=ppt/slides/slide17.xml><?xml version="1.0" encoding="utf-8"?>
+<p:sld xmlns:a="http://schemas.openxmlformats.org/drawingml/2006/main" xmlns:r="http://schemas.openxmlformats.org/officeDocument/2006/relationships" xmlns:p="http://schemas.openxmlformats.org/presentationml/2006/main">
+  <p:cSld>
+    <p:spTree>
+      <p:nvGrpSpPr>
+        <p:cNvPr id="1" name=""/>
+        <p:cNvGrpSpPr/>
+        <p:nvPr/>
+      </p:nvGrpSpPr>
+      <p:grpSpPr>
+        <a:xfrm>
+          <a:off x="0" y="0"/>
+          <a:ext cx="0" cy="0"/>
+          <a:chOff x="0" y="0"/>
+          <a:chExt cx="0" cy="0"/>
+        </a:xfrm>
+      </p:grpSpPr>
+      <p:sp>
+        <p:nvSpPr>
+          <p:cNvPr id="2" name="标题 1">
+            <a:extLst>
+              <a:ext uri="{FF2B5EF4-FFF2-40B4-BE49-F238E27FC236}">
+                <a16:creationId xmlns:a16="http://schemas.microsoft.com/office/drawing/2014/main" id="{AE8CC43B-AC0E-91AA-85FA-E97C664E25F6}"/>
               </a:ext>
             </a:extLst>
           </p:cNvPr>
@@ -10063,22 +15102,1275 @@
             <a:spLocks noGrp="1"/>
           </p:cNvSpPr>
           <p:nvPr>
-            <p:ph type="subTitle" idx="1"/>
+            <p:ph type="title"/>
           </p:nvPr>
         </p:nvSpPr>
         <p:spPr/>
         <p:txBody>
-          <a:bodyPr/>
+          <a:bodyPr>
+            <a:normAutofit fontScale="90000"/>
+          </a:bodyPr>
           <a:lstStyle/>
           <a:p>
-            <a:endParaRPr lang="zh-CN" altLang="en-US"/>
+            <a:pPr lvl="0"/>
+            <a:r>
+              <a:rPr lang="zh-CN" altLang="en-US" dirty="0"/>
+              <a:t>二、为什么要知识库问答？</a:t>
+            </a:r>
+          </a:p>
+        </p:txBody>
+      </p:sp>
+      <p:sp>
+        <p:nvSpPr>
+          <p:cNvPr id="3" name="文本框 2">
+            <a:extLst>
+              <a:ext uri="{FF2B5EF4-FFF2-40B4-BE49-F238E27FC236}">
+                <a16:creationId xmlns:a16="http://schemas.microsoft.com/office/drawing/2014/main" id="{F8412390-EA36-FB2D-C323-BB37431C1E73}"/>
+              </a:ext>
+            </a:extLst>
+          </p:cNvPr>
+          <p:cNvSpPr txBox="1"/>
+          <p:nvPr/>
+        </p:nvSpPr>
+        <p:spPr>
+          <a:xfrm>
+            <a:off x="527704" y="2138334"/>
+            <a:ext cx="3916457" cy="461665"/>
+          </a:xfrm>
+          <a:prstGeom prst="rect">
+            <a:avLst/>
+          </a:prstGeom>
+          <a:noFill/>
+        </p:spPr>
+        <p:txBody>
+          <a:bodyPr wrap="none" rtlCol="0">
+            <a:spAutoFit/>
+          </a:bodyPr>
+          <a:lstStyle/>
+          <a:p>
+            <a:pPr marL="342900" indent="-342900">
+              <a:buFont typeface="Arial" panose="020B0604020202020204" pitchFamily="34" charset="0"/>
+              <a:buChar char="•"/>
+            </a:pPr>
+            <a:r>
+              <a:rPr lang="zh-CN" altLang="en-US" sz="2400" dirty="0">
+                <a:latin typeface="黑体" panose="02010609060101010101" pitchFamily="49" charset="-122"/>
+                <a:ea typeface="黑体" panose="02010609060101010101" pitchFamily="49" charset="-122"/>
+              </a:rPr>
+              <a:t>大语言模型的知识有局限</a:t>
+            </a:r>
+          </a:p>
+        </p:txBody>
+      </p:sp>
+      <p:cxnSp>
+        <p:nvCxnSpPr>
+          <p:cNvPr id="7" name="直接箭头连接符 6">
+            <a:extLst>
+              <a:ext uri="{FF2B5EF4-FFF2-40B4-BE49-F238E27FC236}">
+                <a16:creationId xmlns:a16="http://schemas.microsoft.com/office/drawing/2014/main" id="{94144C7E-6018-9E9F-8E2A-72CBC7EC556C}"/>
+              </a:ext>
+            </a:extLst>
+          </p:cNvPr>
+          <p:cNvCxnSpPr>
+            <a:cxnSpLocks/>
+            <a:stCxn id="3" idx="3"/>
+            <a:endCxn id="12" idx="1"/>
+          </p:cNvCxnSpPr>
+          <p:nvPr/>
+        </p:nvCxnSpPr>
+        <p:spPr>
+          <a:xfrm flipV="1">
+            <a:off x="4444161" y="1769807"/>
+            <a:ext cx="1292962" cy="599360"/>
+          </a:xfrm>
+          <a:prstGeom prst="straightConnector1">
+            <a:avLst/>
+          </a:prstGeom>
+          <a:ln w="28575">
+            <a:solidFill>
+              <a:srgbClr val="00B0F0"/>
+            </a:solidFill>
+            <a:prstDash val="sysDot"/>
+            <a:tailEnd type="triangle"/>
+          </a:ln>
+        </p:spPr>
+        <p:style>
+          <a:lnRef idx="1">
+            <a:schemeClr val="accent1"/>
+          </a:lnRef>
+          <a:fillRef idx="0">
+            <a:schemeClr val="accent1"/>
+          </a:fillRef>
+          <a:effectRef idx="0">
+            <a:schemeClr val="accent1"/>
+          </a:effectRef>
+          <a:fontRef idx="minor">
+            <a:schemeClr val="tx1"/>
+          </a:fontRef>
+        </p:style>
+      </p:cxnSp>
+      <p:sp>
+        <p:nvSpPr>
+          <p:cNvPr id="12" name="文本框 11">
+            <a:extLst>
+              <a:ext uri="{FF2B5EF4-FFF2-40B4-BE49-F238E27FC236}">
+                <a16:creationId xmlns:a16="http://schemas.microsoft.com/office/drawing/2014/main" id="{786D094F-627A-D3BE-3D8B-EC3A5218CFA7}"/>
+              </a:ext>
+            </a:extLst>
+          </p:cNvPr>
+          <p:cNvSpPr txBox="1"/>
+          <p:nvPr/>
+        </p:nvSpPr>
+        <p:spPr>
+          <a:xfrm>
+            <a:off x="5737123" y="1538974"/>
+            <a:ext cx="2623369" cy="461665"/>
+          </a:xfrm>
+          <a:prstGeom prst="rect">
+            <a:avLst/>
+          </a:prstGeom>
+          <a:noFill/>
+        </p:spPr>
+        <p:txBody>
+          <a:bodyPr wrap="square">
+            <a:spAutoFit/>
+          </a:bodyPr>
+          <a:lstStyle/>
+          <a:p>
+            <a:r>
+              <a:rPr kumimoji="0" lang="zh-CN" altLang="en-US" sz="2400" b="0" i="0" u="none" strike="noStrike" kern="1200" cap="none" spc="0" normalizeH="0" baseline="0" noProof="0" dirty="0">
+                <a:ln>
+                  <a:noFill/>
+                </a:ln>
+                <a:solidFill>
+                  <a:prstClr val="black"/>
+                </a:solidFill>
+                <a:effectLst/>
+                <a:uLnTx/>
+                <a:uFillTx/>
+                <a:latin typeface="Times New Roman" panose="02020603050405020304" pitchFamily="18" charset="0"/>
+                <a:ea typeface="黑体" panose="02010609060101010101" pitchFamily="49" charset="-122"/>
+                <a:cs typeface="Times New Roman" panose="02020603050405020304" pitchFamily="18" charset="0"/>
+              </a:rPr>
+              <a:t>不能更新</a:t>
+            </a:r>
+            <a:endParaRPr lang="zh-CN" altLang="en-US" dirty="0"/>
+          </a:p>
+        </p:txBody>
+      </p:sp>
+      <p:sp>
+        <p:nvSpPr>
+          <p:cNvPr id="14" name="文本框 13">
+            <a:extLst>
+              <a:ext uri="{FF2B5EF4-FFF2-40B4-BE49-F238E27FC236}">
+                <a16:creationId xmlns:a16="http://schemas.microsoft.com/office/drawing/2014/main" id="{043B0DC7-24AE-A1FA-8334-96DDFDFE8A1A}"/>
+              </a:ext>
+            </a:extLst>
+          </p:cNvPr>
+          <p:cNvSpPr txBox="1"/>
+          <p:nvPr/>
+        </p:nvSpPr>
+        <p:spPr>
+          <a:xfrm>
+            <a:off x="5737123" y="2825906"/>
+            <a:ext cx="2623369" cy="461665"/>
+          </a:xfrm>
+          <a:prstGeom prst="rect">
+            <a:avLst/>
+          </a:prstGeom>
+          <a:noFill/>
+        </p:spPr>
+        <p:txBody>
+          <a:bodyPr wrap="square">
+            <a:spAutoFit/>
+          </a:bodyPr>
+          <a:lstStyle/>
+          <a:p>
+            <a:r>
+              <a:rPr kumimoji="0" lang="zh-CN" altLang="en-US" sz="2400" b="0" i="0" u="none" strike="noStrike" kern="1200" cap="none" spc="0" normalizeH="0" baseline="0" noProof="0" dirty="0">
+                <a:ln>
+                  <a:noFill/>
+                </a:ln>
+                <a:solidFill>
+                  <a:prstClr val="black"/>
+                </a:solidFill>
+                <a:effectLst/>
+                <a:uLnTx/>
+                <a:uFillTx/>
+                <a:latin typeface="Times New Roman" panose="02020603050405020304" pitchFamily="18" charset="0"/>
+                <a:ea typeface="黑体" panose="02010609060101010101" pitchFamily="49" charset="-122"/>
+                <a:cs typeface="Times New Roman" panose="02020603050405020304" pitchFamily="18" charset="0"/>
+              </a:rPr>
+              <a:t>专业知识不强</a:t>
+            </a:r>
+            <a:endParaRPr lang="zh-CN" altLang="en-US" dirty="0"/>
+          </a:p>
+        </p:txBody>
+      </p:sp>
+      <p:cxnSp>
+        <p:nvCxnSpPr>
+          <p:cNvPr id="16" name="直接箭头连接符 15">
+            <a:extLst>
+              <a:ext uri="{FF2B5EF4-FFF2-40B4-BE49-F238E27FC236}">
+                <a16:creationId xmlns:a16="http://schemas.microsoft.com/office/drawing/2014/main" id="{821F4945-B826-6E2A-7A38-99CB531EBF18}"/>
+              </a:ext>
+            </a:extLst>
+          </p:cNvPr>
+          <p:cNvCxnSpPr>
+            <a:cxnSpLocks/>
+            <a:stCxn id="3" idx="2"/>
+          </p:cNvCxnSpPr>
+          <p:nvPr/>
+        </p:nvCxnSpPr>
+        <p:spPr>
+          <a:xfrm>
+            <a:off x="2485933" y="2599999"/>
+            <a:ext cx="0" cy="1271453"/>
+          </a:xfrm>
+          <a:prstGeom prst="straightConnector1">
+            <a:avLst/>
+          </a:prstGeom>
+          <a:ln w="28575">
+            <a:solidFill>
+              <a:srgbClr val="00B0F0"/>
+            </a:solidFill>
+            <a:prstDash val="sysDot"/>
+            <a:tailEnd type="triangle"/>
+          </a:ln>
+        </p:spPr>
+        <p:style>
+          <a:lnRef idx="1">
+            <a:schemeClr val="accent1"/>
+          </a:lnRef>
+          <a:fillRef idx="0">
+            <a:schemeClr val="accent1"/>
+          </a:fillRef>
+          <a:effectRef idx="0">
+            <a:schemeClr val="accent1"/>
+          </a:effectRef>
+          <a:fontRef idx="minor">
+            <a:schemeClr val="tx1"/>
+          </a:fontRef>
+        </p:style>
+      </p:cxnSp>
+      <p:sp>
+        <p:nvSpPr>
+          <p:cNvPr id="26" name="文本框 25">
+            <a:extLst>
+              <a:ext uri="{FF2B5EF4-FFF2-40B4-BE49-F238E27FC236}">
+                <a16:creationId xmlns:a16="http://schemas.microsoft.com/office/drawing/2014/main" id="{453E85A0-2C31-D4F1-D033-A3A6EDAC44AE}"/>
+              </a:ext>
+            </a:extLst>
+          </p:cNvPr>
+          <p:cNvSpPr txBox="1"/>
+          <p:nvPr/>
+        </p:nvSpPr>
+        <p:spPr>
+          <a:xfrm>
+            <a:off x="1722324" y="3949927"/>
+            <a:ext cx="1415772" cy="461665"/>
+          </a:xfrm>
+          <a:prstGeom prst="rect">
+            <a:avLst/>
+          </a:prstGeom>
+          <a:noFill/>
+        </p:spPr>
+        <p:txBody>
+          <a:bodyPr wrap="none" rtlCol="0">
+            <a:spAutoFit/>
+          </a:bodyPr>
+          <a:lstStyle/>
+          <a:p>
+            <a:r>
+              <a:rPr lang="zh-CN" altLang="en-US" sz="2400" dirty="0">
+                <a:latin typeface="黑体" panose="02010609060101010101" pitchFamily="49" charset="-122"/>
+                <a:ea typeface="黑体" panose="02010609060101010101" pitchFamily="49" charset="-122"/>
+              </a:rPr>
+              <a:t>应用受限</a:t>
+            </a:r>
+          </a:p>
+        </p:txBody>
+      </p:sp>
+      <p:cxnSp>
+        <p:nvCxnSpPr>
+          <p:cNvPr id="27" name="直接箭头连接符 26">
+            <a:extLst>
+              <a:ext uri="{FF2B5EF4-FFF2-40B4-BE49-F238E27FC236}">
+                <a16:creationId xmlns:a16="http://schemas.microsoft.com/office/drawing/2014/main" id="{D4D67AC2-0C7E-952B-E43D-723166AC73B9}"/>
+              </a:ext>
+            </a:extLst>
+          </p:cNvPr>
+          <p:cNvCxnSpPr>
+            <a:cxnSpLocks/>
+            <a:stCxn id="3" idx="3"/>
+            <a:endCxn id="14" idx="1"/>
+          </p:cNvCxnSpPr>
+          <p:nvPr/>
+        </p:nvCxnSpPr>
+        <p:spPr>
+          <a:xfrm>
+            <a:off x="4444161" y="2369167"/>
+            <a:ext cx="1292962" cy="687572"/>
+          </a:xfrm>
+          <a:prstGeom prst="straightConnector1">
+            <a:avLst/>
+          </a:prstGeom>
+          <a:ln w="28575">
+            <a:solidFill>
+              <a:srgbClr val="00B0F0"/>
+            </a:solidFill>
+            <a:prstDash val="sysDot"/>
+            <a:tailEnd type="triangle"/>
+          </a:ln>
+        </p:spPr>
+        <p:style>
+          <a:lnRef idx="1">
+            <a:schemeClr val="accent1"/>
+          </a:lnRef>
+          <a:fillRef idx="0">
+            <a:schemeClr val="accent1"/>
+          </a:fillRef>
+          <a:effectRef idx="0">
+            <a:schemeClr val="accent1"/>
+          </a:effectRef>
+          <a:fontRef idx="minor">
+            <a:schemeClr val="tx1"/>
+          </a:fontRef>
+        </p:style>
+      </p:cxnSp>
+      <p:sp>
+        <p:nvSpPr>
+          <p:cNvPr id="31" name="文本框 30">
+            <a:extLst>
+              <a:ext uri="{FF2B5EF4-FFF2-40B4-BE49-F238E27FC236}">
+                <a16:creationId xmlns:a16="http://schemas.microsoft.com/office/drawing/2014/main" id="{A808FC55-23DE-DB67-3C8B-11457AAE9E8A}"/>
+              </a:ext>
+            </a:extLst>
+          </p:cNvPr>
+          <p:cNvSpPr txBox="1"/>
+          <p:nvPr/>
+        </p:nvSpPr>
+        <p:spPr>
+          <a:xfrm>
+            <a:off x="4573844" y="3801262"/>
+            <a:ext cx="6094770" cy="1754326"/>
+          </a:xfrm>
+          <a:prstGeom prst="rect">
+            <a:avLst/>
+          </a:prstGeom>
+          <a:noFill/>
+        </p:spPr>
+        <p:txBody>
+          <a:bodyPr wrap="square">
+            <a:spAutoFit/>
+          </a:bodyPr>
+          <a:lstStyle/>
+          <a:p>
+            <a:r>
+              <a:rPr lang="en-US" altLang="zh-CN" dirty="0">
+                <a:solidFill>
+                  <a:srgbClr val="000000"/>
+                </a:solidFill>
+                <a:effectLst/>
+              </a:rPr>
+              <a:t>You are a helpful assistant.</a:t>
+            </a:r>
+            <a:endParaRPr lang="en-US" altLang="zh-CN" dirty="0">
+              <a:effectLst/>
+            </a:endParaRPr>
+          </a:p>
+          <a:p>
+            <a:br>
+              <a:rPr lang="en-US" altLang="zh-CN" dirty="0">
+                <a:solidFill>
+                  <a:srgbClr val="000000"/>
+                </a:solidFill>
+                <a:effectLst/>
+              </a:rPr>
+            </a:br>
+            <a:endParaRPr lang="en-US" altLang="zh-CN" dirty="0">
+              <a:solidFill>
+                <a:srgbClr val="000000"/>
+              </a:solidFill>
+              <a:effectLst/>
+            </a:endParaRPr>
+          </a:p>
+          <a:p>
+            <a:r>
+              <a:rPr lang="en-US" altLang="zh-CN" dirty="0">
+                <a:solidFill>
+                  <a:srgbClr val="0000FF"/>
+                </a:solidFill>
+                <a:effectLst/>
+              </a:rPr>
+              <a:t>User:</a:t>
+            </a:r>
+            <a:endParaRPr lang="en-US" altLang="zh-CN" dirty="0">
+              <a:effectLst/>
+            </a:endParaRPr>
+          </a:p>
+          <a:p>
+            <a:r>
+              <a:rPr lang="zh-CN" altLang="en-US" dirty="0">
+                <a:solidFill>
+                  <a:srgbClr val="000000"/>
+                </a:solidFill>
+                <a:effectLst/>
+              </a:rPr>
+              <a:t>请介绍机体软件的功能</a:t>
+            </a:r>
+            <a:endParaRPr lang="zh-CN" altLang="en-US" dirty="0">
+              <a:effectLst/>
+            </a:endParaRPr>
+          </a:p>
+          <a:p>
+            <a:r>
+              <a:rPr lang="en-US" altLang="zh-CN" dirty="0">
+                <a:solidFill>
+                  <a:srgbClr val="0000FF"/>
+                </a:solidFill>
+                <a:effectLst/>
+              </a:rPr>
+              <a:t>Assistant:</a:t>
+            </a:r>
+            <a:endParaRPr lang="zh-CN" altLang="en-US" dirty="0"/>
           </a:p>
         </p:txBody>
       </p:sp>
     </p:spTree>
     <p:extLst>
       <p:ext uri="{BB962C8B-B14F-4D97-AF65-F5344CB8AC3E}">
-        <p14:creationId xmlns:p14="http://schemas.microsoft.com/office/powerpoint/2010/main" val="3026683308"/>
+        <p14:creationId xmlns:p14="http://schemas.microsoft.com/office/powerpoint/2010/main" val="3549420117"/>
+      </p:ext>
+    </p:extLst>
+  </p:cSld>
+  <p:clrMapOvr>
+    <a:masterClrMapping/>
+  </p:clrMapOvr>
+  <p:timing>
+    <p:tnLst>
+      <p:par>
+        <p:cTn id="1" dur="indefinite" restart="never" nodeType="tmRoot">
+          <p:childTnLst>
+            <p:seq concurrent="1" nextAc="seek">
+              <p:cTn id="2" dur="indefinite" nodeType="mainSeq">
+                <p:childTnLst>
+                  <p:par>
+                    <p:cTn id="3" fill="hold">
+                      <p:stCondLst>
+                        <p:cond delay="indefinite"/>
+                      </p:stCondLst>
+                      <p:childTnLst>
+                        <p:par>
+                          <p:cTn id="4" fill="hold">
+                            <p:stCondLst>
+                              <p:cond delay="0"/>
+                            </p:stCondLst>
+                            <p:childTnLst>
+                              <p:par>
+                                <p:cTn id="5" presetID="22" presetClass="entr" presetSubtype="8" fill="hold" grpId="0" nodeType="clickEffect">
+                                  <p:stCondLst>
+                                    <p:cond delay="0"/>
+                                  </p:stCondLst>
+                                  <p:childTnLst>
+                                    <p:set>
+                                      <p:cBhvr>
+                                        <p:cTn id="6" dur="1" fill="hold">
+                                          <p:stCondLst>
+                                            <p:cond delay="0"/>
+                                          </p:stCondLst>
+                                        </p:cTn>
+                                        <p:tgtEl>
+                                          <p:spTgt spid="3"/>
+                                        </p:tgtEl>
+                                        <p:attrNameLst>
+                                          <p:attrName>style.visibility</p:attrName>
+                                        </p:attrNameLst>
+                                      </p:cBhvr>
+                                      <p:to>
+                                        <p:strVal val="visible"/>
+                                      </p:to>
+                                    </p:set>
+                                    <p:animEffect transition="in" filter="wipe(left)">
+                                      <p:cBhvr>
+                                        <p:cTn id="7" dur="500"/>
+                                        <p:tgtEl>
+                                          <p:spTgt spid="3"/>
+                                        </p:tgtEl>
+                                      </p:cBhvr>
+                                    </p:animEffect>
+                                  </p:childTnLst>
+                                </p:cTn>
+                              </p:par>
+                            </p:childTnLst>
+                          </p:cTn>
+                        </p:par>
+                      </p:childTnLst>
+                    </p:cTn>
+                  </p:par>
+                  <p:par>
+                    <p:cTn id="8" fill="hold">
+                      <p:stCondLst>
+                        <p:cond delay="indefinite"/>
+                      </p:stCondLst>
+                      <p:childTnLst>
+                        <p:par>
+                          <p:cTn id="9" fill="hold">
+                            <p:stCondLst>
+                              <p:cond delay="0"/>
+                            </p:stCondLst>
+                            <p:childTnLst>
+                              <p:par>
+                                <p:cTn id="10" presetID="22" presetClass="entr" presetSubtype="8" fill="hold" grpId="0" nodeType="clickEffect">
+                                  <p:stCondLst>
+                                    <p:cond delay="0"/>
+                                  </p:stCondLst>
+                                  <p:childTnLst>
+                                    <p:set>
+                                      <p:cBhvr>
+                                        <p:cTn id="11" dur="1" fill="hold">
+                                          <p:stCondLst>
+                                            <p:cond delay="0"/>
+                                          </p:stCondLst>
+                                        </p:cTn>
+                                        <p:tgtEl>
+                                          <p:spTgt spid="26"/>
+                                        </p:tgtEl>
+                                        <p:attrNameLst>
+                                          <p:attrName>style.visibility</p:attrName>
+                                        </p:attrNameLst>
+                                      </p:cBhvr>
+                                      <p:to>
+                                        <p:strVal val="visible"/>
+                                      </p:to>
+                                    </p:set>
+                                    <p:animEffect transition="in" filter="wipe(left)">
+                                      <p:cBhvr>
+                                        <p:cTn id="12" dur="500"/>
+                                        <p:tgtEl>
+                                          <p:spTgt spid="26"/>
+                                        </p:tgtEl>
+                                      </p:cBhvr>
+                                    </p:animEffect>
+                                  </p:childTnLst>
+                                </p:cTn>
+                              </p:par>
+                            </p:childTnLst>
+                          </p:cTn>
+                        </p:par>
+                      </p:childTnLst>
+                    </p:cTn>
+                  </p:par>
+                </p:childTnLst>
+              </p:cTn>
+              <p:prevCondLst>
+                <p:cond evt="onPrev" delay="0">
+                  <p:tgtEl>
+                    <p:sldTgt/>
+                  </p:tgtEl>
+                </p:cond>
+              </p:prevCondLst>
+              <p:nextCondLst>
+                <p:cond evt="onNext" delay="0">
+                  <p:tgtEl>
+                    <p:sldTgt/>
+                  </p:tgtEl>
+                </p:cond>
+              </p:nextCondLst>
+            </p:seq>
+          </p:childTnLst>
+        </p:cTn>
+      </p:par>
+    </p:tnLst>
+    <p:bldLst>
+      <p:bldP spid="3" grpId="0"/>
+      <p:bldP spid="26" grpId="0"/>
+    </p:bldLst>
+  </p:timing>
+</p:sld>
+</file>
+
+<file path=ppt/slides/slide18.xml><?xml version="1.0" encoding="utf-8"?>
+<p:sld xmlns:a="http://schemas.openxmlformats.org/drawingml/2006/main" xmlns:r="http://schemas.openxmlformats.org/officeDocument/2006/relationships" xmlns:p="http://schemas.openxmlformats.org/presentationml/2006/main">
+  <p:cSld>
+    <p:spTree>
+      <p:nvGrpSpPr>
+        <p:cNvPr id="1" name=""/>
+        <p:cNvGrpSpPr/>
+        <p:nvPr/>
+      </p:nvGrpSpPr>
+      <p:grpSpPr>
+        <a:xfrm>
+          <a:off x="0" y="0"/>
+          <a:ext cx="0" cy="0"/>
+          <a:chOff x="0" y="0"/>
+          <a:chExt cx="0" cy="0"/>
+        </a:xfrm>
+      </p:grpSpPr>
+      <p:sp>
+        <p:nvSpPr>
+          <p:cNvPr id="2" name="标题 1">
+            <a:extLst>
+              <a:ext uri="{FF2B5EF4-FFF2-40B4-BE49-F238E27FC236}">
+                <a16:creationId xmlns:a16="http://schemas.microsoft.com/office/drawing/2014/main" id="{AE8CC43B-AC0E-91AA-85FA-E97C664E25F6}"/>
+              </a:ext>
+            </a:extLst>
+          </p:cNvPr>
+          <p:cNvSpPr>
+            <a:spLocks noGrp="1"/>
+          </p:cNvSpPr>
+          <p:nvPr>
+            <p:ph type="title"/>
+          </p:nvPr>
+        </p:nvSpPr>
+        <p:spPr/>
+        <p:txBody>
+          <a:bodyPr>
+            <a:normAutofit fontScale="90000"/>
+          </a:bodyPr>
+          <a:lstStyle/>
+          <a:p>
+            <a:r>
+              <a:rPr lang="zh-CN" altLang="en-US" dirty="0"/>
+              <a:t>三、知识库问答流程</a:t>
+            </a:r>
+          </a:p>
+        </p:txBody>
+      </p:sp>
+      <p:sp>
+        <p:nvSpPr>
+          <p:cNvPr id="3" name="文本框 2">
+            <a:extLst>
+              <a:ext uri="{FF2B5EF4-FFF2-40B4-BE49-F238E27FC236}">
+                <a16:creationId xmlns:a16="http://schemas.microsoft.com/office/drawing/2014/main" id="{7A09F52D-2856-69ED-AD1D-3A3838540456}"/>
+              </a:ext>
+            </a:extLst>
+          </p:cNvPr>
+          <p:cNvSpPr txBox="1"/>
+          <p:nvPr/>
+        </p:nvSpPr>
+        <p:spPr>
+          <a:xfrm>
+            <a:off x="948033" y="1555772"/>
+            <a:ext cx="2800767" cy="3329758"/>
+          </a:xfrm>
+          <a:prstGeom prst="rect">
+            <a:avLst/>
+          </a:prstGeom>
+          <a:noFill/>
+        </p:spPr>
+        <p:txBody>
+          <a:bodyPr wrap="none" rtlCol="0">
+            <a:spAutoFit/>
+          </a:bodyPr>
+          <a:lstStyle/>
+          <a:p>
+            <a:pPr marL="457200" indent="-457200">
+              <a:lnSpc>
+                <a:spcPct val="150000"/>
+              </a:lnSpc>
+              <a:buFont typeface="+mj-lt"/>
+              <a:buAutoNum type="arabicPeriod"/>
+            </a:pPr>
+            <a:r>
+              <a:rPr lang="zh-CN" altLang="en-US" sz="2400" dirty="0">
+                <a:latin typeface="黑体" panose="02010609060101010101" pitchFamily="49" charset="-122"/>
+                <a:ea typeface="黑体" panose="02010609060101010101" pitchFamily="49" charset="-122"/>
+              </a:rPr>
+              <a:t>构建知识库</a:t>
+            </a:r>
+            <a:endParaRPr lang="en-US" altLang="zh-CN" sz="2400" dirty="0">
+              <a:latin typeface="黑体" panose="02010609060101010101" pitchFamily="49" charset="-122"/>
+              <a:ea typeface="黑体" panose="02010609060101010101" pitchFamily="49" charset="-122"/>
+            </a:endParaRPr>
+          </a:p>
+          <a:p>
+            <a:pPr marL="457200" indent="-457200">
+              <a:lnSpc>
+                <a:spcPct val="150000"/>
+              </a:lnSpc>
+              <a:buFont typeface="+mj-lt"/>
+              <a:buAutoNum type="arabicPeriod"/>
+            </a:pPr>
+            <a:r>
+              <a:rPr lang="zh-CN" altLang="en-US" sz="2400" dirty="0">
+                <a:solidFill>
+                  <a:srgbClr val="00B0F0"/>
+                </a:solidFill>
+                <a:latin typeface="黑体" panose="02010609060101010101" pitchFamily="49" charset="-122"/>
+                <a:ea typeface="黑体" panose="02010609060101010101" pitchFamily="49" charset="-122"/>
+              </a:rPr>
+              <a:t>提出问题</a:t>
+            </a:r>
+            <a:endParaRPr lang="en-US" altLang="zh-CN" sz="2400" dirty="0">
+              <a:solidFill>
+                <a:srgbClr val="00B0F0"/>
+              </a:solidFill>
+              <a:latin typeface="黑体" panose="02010609060101010101" pitchFamily="49" charset="-122"/>
+              <a:ea typeface="黑体" panose="02010609060101010101" pitchFamily="49" charset="-122"/>
+            </a:endParaRPr>
+          </a:p>
+          <a:p>
+            <a:pPr marL="457200" indent="-457200">
+              <a:lnSpc>
+                <a:spcPct val="150000"/>
+              </a:lnSpc>
+              <a:buFont typeface="+mj-lt"/>
+              <a:buAutoNum type="arabicPeriod"/>
+            </a:pPr>
+            <a:r>
+              <a:rPr lang="zh-CN" altLang="en-US" sz="2400" dirty="0">
+                <a:latin typeface="黑体" panose="02010609060101010101" pitchFamily="49" charset="-122"/>
+                <a:ea typeface="黑体" panose="02010609060101010101" pitchFamily="49" charset="-122"/>
+              </a:rPr>
+              <a:t>计算相似度</a:t>
+            </a:r>
+            <a:endParaRPr lang="en-US" altLang="zh-CN" sz="2400" dirty="0">
+              <a:latin typeface="黑体" panose="02010609060101010101" pitchFamily="49" charset="-122"/>
+              <a:ea typeface="黑体" panose="02010609060101010101" pitchFamily="49" charset="-122"/>
+            </a:endParaRPr>
+          </a:p>
+          <a:p>
+            <a:pPr marL="457200" indent="-457200">
+              <a:lnSpc>
+                <a:spcPct val="150000"/>
+              </a:lnSpc>
+              <a:buFont typeface="+mj-lt"/>
+              <a:buAutoNum type="arabicPeriod"/>
+            </a:pPr>
+            <a:r>
+              <a:rPr lang="zh-CN" altLang="en-US" sz="2400" dirty="0">
+                <a:latin typeface="黑体" panose="02010609060101010101" pitchFamily="49" charset="-122"/>
+                <a:ea typeface="黑体" panose="02010609060101010101" pitchFamily="49" charset="-122"/>
+              </a:rPr>
+              <a:t>返回文本段</a:t>
+            </a:r>
+            <a:endParaRPr lang="en-US" altLang="zh-CN" sz="2400" dirty="0">
+              <a:latin typeface="黑体" panose="02010609060101010101" pitchFamily="49" charset="-122"/>
+              <a:ea typeface="黑体" panose="02010609060101010101" pitchFamily="49" charset="-122"/>
+            </a:endParaRPr>
+          </a:p>
+          <a:p>
+            <a:pPr marL="457200" indent="-457200">
+              <a:lnSpc>
+                <a:spcPct val="150000"/>
+              </a:lnSpc>
+              <a:buFont typeface="+mj-lt"/>
+              <a:buAutoNum type="arabicPeriod"/>
+            </a:pPr>
+            <a:r>
+              <a:rPr lang="zh-CN" altLang="en-US" sz="2400" dirty="0">
+                <a:latin typeface="黑体" panose="02010609060101010101" pitchFamily="49" charset="-122"/>
+                <a:ea typeface="黑体" panose="02010609060101010101" pitchFamily="49" charset="-122"/>
+              </a:rPr>
+              <a:t>整合问题</a:t>
+            </a:r>
+            <a:endParaRPr lang="en-US" altLang="zh-CN" sz="2400" dirty="0">
+              <a:latin typeface="黑体" panose="02010609060101010101" pitchFamily="49" charset="-122"/>
+              <a:ea typeface="黑体" panose="02010609060101010101" pitchFamily="49" charset="-122"/>
+            </a:endParaRPr>
+          </a:p>
+          <a:p>
+            <a:pPr marL="457200" indent="-457200">
+              <a:lnSpc>
+                <a:spcPct val="150000"/>
+              </a:lnSpc>
+              <a:buFont typeface="+mj-lt"/>
+              <a:buAutoNum type="arabicPeriod"/>
+            </a:pPr>
+            <a:r>
+              <a:rPr lang="zh-CN" altLang="en-US" sz="2400" dirty="0">
+                <a:latin typeface="黑体" panose="02010609060101010101" pitchFamily="49" charset="-122"/>
+                <a:ea typeface="黑体" panose="02010609060101010101" pitchFamily="49" charset="-122"/>
+              </a:rPr>
+              <a:t>大模型总结回答</a:t>
+            </a:r>
+            <a:endParaRPr lang="en-US" altLang="zh-CN" sz="2400" dirty="0">
+              <a:latin typeface="黑体" panose="02010609060101010101" pitchFamily="49" charset="-122"/>
+              <a:ea typeface="黑体" panose="02010609060101010101" pitchFamily="49" charset="-122"/>
+            </a:endParaRPr>
+          </a:p>
+        </p:txBody>
+      </p:sp>
+      <p:sp>
+        <p:nvSpPr>
+          <p:cNvPr id="4" name="矩形 3">
+            <a:extLst>
+              <a:ext uri="{FF2B5EF4-FFF2-40B4-BE49-F238E27FC236}">
+                <a16:creationId xmlns:a16="http://schemas.microsoft.com/office/drawing/2014/main" id="{75DF557D-441E-029E-F35E-512E72D15BFE}"/>
+              </a:ext>
+            </a:extLst>
+          </p:cNvPr>
+          <p:cNvSpPr/>
+          <p:nvPr/>
+        </p:nvSpPr>
+        <p:spPr>
+          <a:xfrm>
+            <a:off x="5088194" y="1821426"/>
+            <a:ext cx="5316793" cy="3064104"/>
+          </a:xfrm>
+          <a:prstGeom prst="rect">
+            <a:avLst/>
+          </a:prstGeom>
+        </p:spPr>
+        <p:style>
+          <a:lnRef idx="2">
+            <a:schemeClr val="accent1">
+              <a:shade val="15000"/>
+            </a:schemeClr>
+          </a:lnRef>
+          <a:fillRef idx="1">
+            <a:schemeClr val="accent1"/>
+          </a:fillRef>
+          <a:effectRef idx="0">
+            <a:schemeClr val="accent1"/>
+          </a:effectRef>
+          <a:fontRef idx="minor">
+            <a:schemeClr val="lt1"/>
+          </a:fontRef>
+        </p:style>
+        <p:txBody>
+          <a:bodyPr rtlCol="0" anchor="ctr"/>
+          <a:lstStyle/>
+          <a:p>
+            <a:pPr algn="ctr"/>
+            <a:endParaRPr lang="zh-CN" altLang="en-US"/>
+          </a:p>
+        </p:txBody>
+      </p:sp>
+    </p:spTree>
+    <p:extLst>
+      <p:ext uri="{BB962C8B-B14F-4D97-AF65-F5344CB8AC3E}">
+        <p14:creationId xmlns:p14="http://schemas.microsoft.com/office/powerpoint/2010/main" val="602970559"/>
+      </p:ext>
+    </p:extLst>
+  </p:cSld>
+  <p:clrMapOvr>
+    <a:masterClrMapping/>
+  </p:clrMapOvr>
+  <p:timing>
+    <p:tnLst>
+      <p:par>
+        <p:cTn id="1" dur="indefinite" restart="never" nodeType="tmRoot">
+          <p:childTnLst>
+            <p:seq concurrent="1" nextAc="seek">
+              <p:cTn id="2" dur="indefinite" nodeType="mainSeq">
+                <p:childTnLst>
+                  <p:par>
+                    <p:cTn id="3" fill="hold">
+                      <p:stCondLst>
+                        <p:cond delay="indefinite"/>
+                      </p:stCondLst>
+                      <p:childTnLst>
+                        <p:par>
+                          <p:cTn id="4" fill="hold">
+                            <p:stCondLst>
+                              <p:cond delay="0"/>
+                            </p:stCondLst>
+                            <p:childTnLst>
+                              <p:par>
+                                <p:cTn id="5" presetID="22" presetClass="entr" presetSubtype="8" fill="hold" grpId="0" nodeType="clickEffect">
+                                  <p:stCondLst>
+                                    <p:cond delay="0"/>
+                                  </p:stCondLst>
+                                  <p:childTnLst>
+                                    <p:set>
+                                      <p:cBhvr>
+                                        <p:cTn id="6" dur="1" fill="hold">
+                                          <p:stCondLst>
+                                            <p:cond delay="0"/>
+                                          </p:stCondLst>
+                                        </p:cTn>
+                                        <p:tgtEl>
+                                          <p:spTgt spid="3"/>
+                                        </p:tgtEl>
+                                        <p:attrNameLst>
+                                          <p:attrName>style.visibility</p:attrName>
+                                        </p:attrNameLst>
+                                      </p:cBhvr>
+                                      <p:to>
+                                        <p:strVal val="visible"/>
+                                      </p:to>
+                                    </p:set>
+                                    <p:animEffect transition="in" filter="wipe(left)">
+                                      <p:cBhvr>
+                                        <p:cTn id="7" dur="500"/>
+                                        <p:tgtEl>
+                                          <p:spTgt spid="3"/>
+                                        </p:tgtEl>
+                                      </p:cBhvr>
+                                    </p:animEffect>
+                                  </p:childTnLst>
+                                </p:cTn>
+                              </p:par>
+                            </p:childTnLst>
+                          </p:cTn>
+                        </p:par>
+                      </p:childTnLst>
+                    </p:cTn>
+                  </p:par>
+                </p:childTnLst>
+              </p:cTn>
+              <p:prevCondLst>
+                <p:cond evt="onPrev" delay="0">
+                  <p:tgtEl>
+                    <p:sldTgt/>
+                  </p:tgtEl>
+                </p:cond>
+              </p:prevCondLst>
+              <p:nextCondLst>
+                <p:cond evt="onNext" delay="0">
+                  <p:tgtEl>
+                    <p:sldTgt/>
+                  </p:tgtEl>
+                </p:cond>
+              </p:nextCondLst>
+            </p:seq>
+          </p:childTnLst>
+        </p:cTn>
+      </p:par>
+    </p:tnLst>
+    <p:bldLst>
+      <p:bldP spid="3" grpId="0"/>
+    </p:bldLst>
+  </p:timing>
+</p:sld>
+</file>
+
+<file path=ppt/slides/slide19.xml><?xml version="1.0" encoding="utf-8"?>
+<p:sld xmlns:a="http://schemas.openxmlformats.org/drawingml/2006/main" xmlns:r="http://schemas.openxmlformats.org/officeDocument/2006/relationships" xmlns:p="http://schemas.openxmlformats.org/presentationml/2006/main">
+  <p:cSld>
+    <p:spTree>
+      <p:nvGrpSpPr>
+        <p:cNvPr id="1" name=""/>
+        <p:cNvGrpSpPr/>
+        <p:nvPr/>
+      </p:nvGrpSpPr>
+      <p:grpSpPr>
+        <a:xfrm>
+          <a:off x="0" y="0"/>
+          <a:ext cx="0" cy="0"/>
+          <a:chOff x="0" y="0"/>
+          <a:chExt cx="0" cy="0"/>
+        </a:xfrm>
+      </p:grpSpPr>
+      <p:sp>
+        <p:nvSpPr>
+          <p:cNvPr id="2" name="标题 1">
+            <a:extLst>
+              <a:ext uri="{FF2B5EF4-FFF2-40B4-BE49-F238E27FC236}">
+                <a16:creationId xmlns:a16="http://schemas.microsoft.com/office/drawing/2014/main" id="{AE8CC43B-AC0E-91AA-85FA-E97C664E25F6}"/>
+              </a:ext>
+            </a:extLst>
+          </p:cNvPr>
+          <p:cNvSpPr>
+            <a:spLocks noGrp="1"/>
+          </p:cNvSpPr>
+          <p:nvPr>
+            <p:ph type="title"/>
+          </p:nvPr>
+        </p:nvSpPr>
+        <p:spPr/>
+        <p:txBody>
+          <a:bodyPr>
+            <a:normAutofit fontScale="90000"/>
+          </a:bodyPr>
+          <a:lstStyle/>
+          <a:p>
+            <a:pPr lvl="0"/>
+            <a:r>
+              <a:rPr lang="zh-CN" altLang="en-US" dirty="0"/>
+              <a:t>思考</a:t>
+            </a:r>
+          </a:p>
+        </p:txBody>
+      </p:sp>
+      <p:sp>
+        <p:nvSpPr>
+          <p:cNvPr id="3" name="文本框 2">
+            <a:extLst>
+              <a:ext uri="{FF2B5EF4-FFF2-40B4-BE49-F238E27FC236}">
+                <a16:creationId xmlns:a16="http://schemas.microsoft.com/office/drawing/2014/main" id="{03FBA41E-43F9-2D5C-FFFA-399076C1F9E0}"/>
+              </a:ext>
+            </a:extLst>
+          </p:cNvPr>
+          <p:cNvSpPr txBox="1"/>
+          <p:nvPr/>
+        </p:nvSpPr>
+        <p:spPr>
+          <a:xfrm>
+            <a:off x="2467117" y="2905250"/>
+            <a:ext cx="7263527" cy="461665"/>
+          </a:xfrm>
+          <a:prstGeom prst="rect">
+            <a:avLst/>
+          </a:prstGeom>
+          <a:noFill/>
+        </p:spPr>
+        <p:txBody>
+          <a:bodyPr wrap="none" rtlCol="0">
+            <a:spAutoFit/>
+          </a:bodyPr>
+          <a:lstStyle/>
+          <a:p>
+            <a:r>
+              <a:rPr lang="zh-CN" altLang="en-US" sz="2400" dirty="0">
+                <a:latin typeface="黑体" panose="02010609060101010101" pitchFamily="49" charset="-122"/>
+                <a:ea typeface="黑体" panose="02010609060101010101" pitchFamily="49" charset="-122"/>
+              </a:rPr>
+              <a:t>结合自己的专业，说说如何利用知识库问答这项技术</a:t>
+            </a:r>
+          </a:p>
+        </p:txBody>
+      </p:sp>
+    </p:spTree>
+    <p:extLst>
+      <p:ext uri="{BB962C8B-B14F-4D97-AF65-F5344CB8AC3E}">
+        <p14:creationId xmlns:p14="http://schemas.microsoft.com/office/powerpoint/2010/main" val="3410332746"/>
+      </p:ext>
+    </p:extLst>
+  </p:cSld>
+  <p:clrMapOvr>
+    <a:masterClrMapping/>
+  </p:clrMapOvr>
+  <p:timing>
+    <p:tnLst>
+      <p:par>
+        <p:cTn id="1" dur="indefinite" restart="never" nodeType="tmRoot">
+          <p:childTnLst>
+            <p:seq concurrent="1" nextAc="seek">
+              <p:cTn id="2" dur="indefinite" nodeType="mainSeq">
+                <p:childTnLst>
+                  <p:par>
+                    <p:cTn id="3" fill="hold">
+                      <p:stCondLst>
+                        <p:cond delay="indefinite"/>
+                      </p:stCondLst>
+                      <p:childTnLst>
+                        <p:par>
+                          <p:cTn id="4" fill="hold">
+                            <p:stCondLst>
+                              <p:cond delay="0"/>
+                            </p:stCondLst>
+                            <p:childTnLst>
+                              <p:par>
+                                <p:cTn id="5" presetID="22" presetClass="entr" presetSubtype="8" fill="hold" grpId="0" nodeType="clickEffect">
+                                  <p:stCondLst>
+                                    <p:cond delay="0"/>
+                                  </p:stCondLst>
+                                  <p:childTnLst>
+                                    <p:set>
+                                      <p:cBhvr>
+                                        <p:cTn id="6" dur="1" fill="hold">
+                                          <p:stCondLst>
+                                            <p:cond delay="0"/>
+                                          </p:stCondLst>
+                                        </p:cTn>
+                                        <p:tgtEl>
+                                          <p:spTgt spid="3"/>
+                                        </p:tgtEl>
+                                        <p:attrNameLst>
+                                          <p:attrName>style.visibility</p:attrName>
+                                        </p:attrNameLst>
+                                      </p:cBhvr>
+                                      <p:to>
+                                        <p:strVal val="visible"/>
+                                      </p:to>
+                                    </p:set>
+                                    <p:animEffect transition="in" filter="wipe(left)">
+                                      <p:cBhvr>
+                                        <p:cTn id="7" dur="500"/>
+                                        <p:tgtEl>
+                                          <p:spTgt spid="3"/>
+                                        </p:tgtEl>
+                                      </p:cBhvr>
+                                    </p:animEffect>
+                                  </p:childTnLst>
+                                </p:cTn>
+                              </p:par>
+                            </p:childTnLst>
+                          </p:cTn>
+                        </p:par>
+                      </p:childTnLst>
+                    </p:cTn>
+                  </p:par>
+                </p:childTnLst>
+              </p:cTn>
+              <p:prevCondLst>
+                <p:cond evt="onPrev" delay="0">
+                  <p:tgtEl>
+                    <p:sldTgt/>
+                  </p:tgtEl>
+                </p:cond>
+              </p:prevCondLst>
+              <p:nextCondLst>
+                <p:cond evt="onNext" delay="0">
+                  <p:tgtEl>
+                    <p:sldTgt/>
+                  </p:tgtEl>
+                </p:cond>
+              </p:nextCondLst>
+            </p:seq>
+          </p:childTnLst>
+        </p:cTn>
+      </p:par>
+    </p:tnLst>
+    <p:bldLst>
+      <p:bldP spid="3" grpId="0"/>
+    </p:bldLst>
+  </p:timing>
+</p:sld>
+</file>
+
+<file path=ppt/slides/slide2.xml><?xml version="1.0" encoding="utf-8"?>
+<p:sld xmlns:a="http://schemas.openxmlformats.org/drawingml/2006/main" xmlns:r="http://schemas.openxmlformats.org/officeDocument/2006/relationships" xmlns:p="http://schemas.openxmlformats.org/presentationml/2006/main">
+  <p:cSld>
+    <p:spTree>
+      <p:nvGrpSpPr>
+        <p:cNvPr id="1" name=""/>
+        <p:cNvGrpSpPr/>
+        <p:nvPr/>
+      </p:nvGrpSpPr>
+      <p:grpSpPr>
+        <a:xfrm>
+          <a:off x="0" y="0"/>
+          <a:ext cx="0" cy="0"/>
+          <a:chOff x="0" y="0"/>
+          <a:chExt cx="0" cy="0"/>
+        </a:xfrm>
+      </p:grpSpPr>
+      <p:graphicFrame>
+        <p:nvGraphicFramePr>
+          <p:cNvPr id="8" name="图示 7">
+            <a:extLst>
+              <a:ext uri="{FF2B5EF4-FFF2-40B4-BE49-F238E27FC236}">
+                <a16:creationId xmlns:a16="http://schemas.microsoft.com/office/drawing/2014/main" id="{4196B546-E362-4A9A-AC98-31A615E79C7D}"/>
+              </a:ext>
+            </a:extLst>
+          </p:cNvPr>
+          <p:cNvGraphicFramePr/>
+          <p:nvPr>
+            <p:extLst>
+              <p:ext uri="{D42A27DB-BD31-4B8C-83A1-F6EECF244321}">
+                <p14:modId xmlns:p14="http://schemas.microsoft.com/office/powerpoint/2010/main" val="606668943"/>
+              </p:ext>
+            </p:extLst>
+          </p:nvPr>
+        </p:nvGraphicFramePr>
+        <p:xfrm>
+          <a:off x="2565047" y="915779"/>
+          <a:ext cx="7061907" cy="4707781"/>
+        </p:xfrm>
+        <a:graphic>
+          <a:graphicData uri="http://schemas.openxmlformats.org/drawingml/2006/diagram">
+            <dgm:relIds xmlns:dgm="http://schemas.openxmlformats.org/drawingml/2006/diagram" xmlns:r="http://schemas.openxmlformats.org/officeDocument/2006/relationships" r:dm="rId3" r:lo="rId4" r:qs="rId5" r:cs="rId6"/>
+          </a:graphicData>
+        </a:graphic>
+      </p:graphicFrame>
+    </p:spTree>
+    <p:extLst>
+      <p:ext uri="{BB962C8B-B14F-4D97-AF65-F5344CB8AC3E}">
+        <p14:creationId xmlns:p14="http://schemas.microsoft.com/office/powerpoint/2010/main" val="528328700"/>
+      </p:ext>
+    </p:extLst>
+  </p:cSld>
+  <p:clrMapOvr>
+    <a:masterClrMapping/>
+  </p:clrMapOvr>
+  <mc:AlternateContent xmlns:mc="http://schemas.openxmlformats.org/markup-compatibility/2006" xmlns:p14="http://schemas.microsoft.com/office/powerpoint/2010/main">
+    <mc:Choice Requires="p14">
+      <p:transition spd="med" p14:dur="700">
+        <p:fade/>
+      </p:transition>
+    </mc:Choice>
+    <mc:Fallback xmlns="">
+      <p:transition spd="med">
+        <p:fade/>
+      </p:transition>
+    </mc:Fallback>
+  </mc:AlternateContent>
+</p:sld>
+</file>
+
+<file path=ppt/slides/slide20.xml><?xml version="1.0" encoding="utf-8"?>
+<p:sld xmlns:a="http://schemas.openxmlformats.org/drawingml/2006/main" xmlns:r="http://schemas.openxmlformats.org/officeDocument/2006/relationships" xmlns:p="http://schemas.openxmlformats.org/presentationml/2006/main">
+  <p:cSld>
+    <p:spTree>
+      <p:nvGrpSpPr>
+        <p:cNvPr id="1" name=""/>
+        <p:cNvGrpSpPr/>
+        <p:nvPr/>
+      </p:nvGrpSpPr>
+      <p:grpSpPr>
+        <a:xfrm>
+          <a:off x="0" y="0"/>
+          <a:ext cx="0" cy="0"/>
+          <a:chOff x="0" y="0"/>
+          <a:chExt cx="0" cy="0"/>
+        </a:xfrm>
+      </p:grpSpPr>
+      <p:sp>
+        <p:nvSpPr>
+          <p:cNvPr id="3" name="文本框 2">
+            <a:extLst>
+              <a:ext uri="{FF2B5EF4-FFF2-40B4-BE49-F238E27FC236}">
+                <a16:creationId xmlns:a16="http://schemas.microsoft.com/office/drawing/2014/main" id="{7AC48EA4-514B-4D2D-9640-3A0324EAD8B9}"/>
+              </a:ext>
+            </a:extLst>
+          </p:cNvPr>
+          <p:cNvSpPr txBox="1"/>
+          <p:nvPr/>
+        </p:nvSpPr>
+        <p:spPr>
+          <a:xfrm>
+            <a:off x="4147390" y="2682240"/>
+            <a:ext cx="3897221" cy="830997"/>
+          </a:xfrm>
+          <a:prstGeom prst="rect">
+            <a:avLst/>
+          </a:prstGeom>
+          <a:noFill/>
+        </p:spPr>
+        <p:txBody>
+          <a:bodyPr wrap="none" rtlCol="0">
+            <a:spAutoFit/>
+          </a:bodyPr>
+          <a:lstStyle/>
+          <a:p>
+            <a:r>
+              <a:rPr lang="zh-CN" altLang="en-US" sz="4800" b="1" dirty="0">
+                <a:ln w="12700">
+                  <a:solidFill>
+                    <a:schemeClr val="accent1"/>
+                  </a:solidFill>
+                  <a:prstDash val="solid"/>
+                </a:ln>
+                <a:pattFill prst="pct50">
+                  <a:fgClr>
+                    <a:schemeClr val="accent1"/>
+                  </a:fgClr>
+                  <a:bgClr>
+                    <a:schemeClr val="accent1">
+                      <a:lumMod val="20000"/>
+                      <a:lumOff val="80000"/>
+                    </a:schemeClr>
+                  </a:bgClr>
+                </a:pattFill>
+                <a:effectLst>
+                  <a:outerShdw dist="38100" dir="2640000" algn="bl" rotWithShape="0">
+                    <a:schemeClr val="accent1"/>
+                  </a:outerShdw>
+                </a:effectLst>
+              </a:rPr>
+              <a:t>请批评指正！</a:t>
+            </a:r>
+          </a:p>
+        </p:txBody>
+      </p:sp>
+    </p:spTree>
+    <p:extLst>
+      <p:ext uri="{BB962C8B-B14F-4D97-AF65-F5344CB8AC3E}">
+        <p14:creationId xmlns:p14="http://schemas.microsoft.com/office/powerpoint/2010/main" val="2828178997"/>
       </p:ext>
     </p:extLst>
   </p:cSld>
@@ -10088,7 +16380,7 @@
 </p:sld>
 </file>
 
-<file path=ppt/slides/slide16.xml><?xml version="1.0" encoding="utf-8"?>
+<file path=ppt/slides/slide21.xml><?xml version="1.0" encoding="utf-8"?>
 <p:sld xmlns:a="http://schemas.openxmlformats.org/drawingml/2006/main" xmlns:r="http://schemas.openxmlformats.org/officeDocument/2006/relationships" xmlns:p="http://schemas.openxmlformats.org/presentationml/2006/main" show="0">
   <p:cSld>
     <p:spTree>
@@ -10755,7 +17047,7 @@
 </p:sld>
 </file>
 
-<file path=ppt/slides/slide17.xml><?xml version="1.0" encoding="utf-8"?>
+<file path=ppt/slides/slide22.xml><?xml version="1.0" encoding="utf-8"?>
 <p:sld xmlns:a="http://schemas.openxmlformats.org/drawingml/2006/main" xmlns:r="http://schemas.openxmlformats.org/officeDocument/2006/relationships" xmlns:p="http://schemas.openxmlformats.org/presentationml/2006/main" show="0">
   <p:cSld>
     <p:spTree>
@@ -11450,7 +17742,7 @@
 </p:sld>
 </file>
 
-<file path=ppt/slides/slide18.xml><?xml version="1.0" encoding="utf-8"?>
+<file path=ppt/slides/slide23.xml><?xml version="1.0" encoding="utf-8"?>
 <p:sld xmlns:a="http://schemas.openxmlformats.org/drawingml/2006/main" xmlns:r="http://schemas.openxmlformats.org/officeDocument/2006/relationships" xmlns:p="http://schemas.openxmlformats.org/presentationml/2006/main" show="0">
   <p:cSld>
     <p:spTree>
@@ -15326,76 +21618,6 @@
   <p:clrMapOvr>
     <a:masterClrMapping/>
   </p:clrMapOvr>
-</p:sld>
-</file>
-
-<file path=ppt/slides/slide2.xml><?xml version="1.0" encoding="utf-8"?>
-<p:sld xmlns:a="http://schemas.openxmlformats.org/drawingml/2006/main" xmlns:r="http://schemas.openxmlformats.org/officeDocument/2006/relationships" xmlns:p="http://schemas.openxmlformats.org/presentationml/2006/main">
-  <p:cSld>
-    <p:spTree>
-      <p:nvGrpSpPr>
-        <p:cNvPr id="1" name=""/>
-        <p:cNvGrpSpPr/>
-        <p:nvPr/>
-      </p:nvGrpSpPr>
-      <p:grpSpPr>
-        <a:xfrm>
-          <a:off x="0" y="0"/>
-          <a:ext cx="0" cy="0"/>
-          <a:chOff x="0" y="0"/>
-          <a:chExt cx="0" cy="0"/>
-        </a:xfrm>
-      </p:grpSpPr>
-      <p:graphicFrame>
-        <p:nvGraphicFramePr>
-          <p:cNvPr id="8" name="图示 7">
-            <a:extLst>
-              <a:ext uri="{FF2B5EF4-FFF2-40B4-BE49-F238E27FC236}">
-                <a16:creationId xmlns:a16="http://schemas.microsoft.com/office/drawing/2014/main" id="{4196B546-E362-4A9A-AC98-31A615E79C7D}"/>
-              </a:ext>
-            </a:extLst>
-          </p:cNvPr>
-          <p:cNvGraphicFramePr/>
-          <p:nvPr>
-            <p:extLst>
-              <p:ext uri="{D42A27DB-BD31-4B8C-83A1-F6EECF244321}">
-                <p14:modId xmlns:p14="http://schemas.microsoft.com/office/powerpoint/2010/main" val="606668943"/>
-              </p:ext>
-            </p:extLst>
-          </p:nvPr>
-        </p:nvGraphicFramePr>
-        <p:xfrm>
-          <a:off x="2565047" y="915779"/>
-          <a:ext cx="7061907" cy="4707781"/>
-        </p:xfrm>
-        <a:graphic>
-          <a:graphicData uri="http://schemas.openxmlformats.org/drawingml/2006/diagram">
-            <dgm:relIds xmlns:dgm="http://schemas.openxmlformats.org/drawingml/2006/diagram" xmlns:r="http://schemas.openxmlformats.org/officeDocument/2006/relationships" r:dm="rId3" r:lo="rId4" r:qs="rId5" r:cs="rId6"/>
-          </a:graphicData>
-        </a:graphic>
-      </p:graphicFrame>
-    </p:spTree>
-    <p:extLst>
-      <p:ext uri="{BB962C8B-B14F-4D97-AF65-F5344CB8AC3E}">
-        <p14:creationId xmlns:p14="http://schemas.microsoft.com/office/powerpoint/2010/main" val="528328700"/>
-      </p:ext>
-    </p:extLst>
-  </p:cSld>
-  <p:clrMapOvr>
-    <a:masterClrMapping/>
-  </p:clrMapOvr>
-  <mc:AlternateContent xmlns:mc="http://schemas.openxmlformats.org/markup-compatibility/2006" xmlns:p14="http://schemas.microsoft.com/office/powerpoint/2010/main">
-    <mc:Choice Requires="p14">
-      <p:transition spd="med" p14:dur="700">
-        <p:fade/>
-      </p:transition>
-    </mc:Choice>
-    <mc:Fallback xmlns="">
-      <p:transition spd="med">
-        <p:fade/>
-      </p:transition>
-    </mc:Fallback>
-  </mc:AlternateContent>
 </p:sld>
 </file>
 

--- a/utils/软件介绍.pptx
+++ b/utils/软件介绍.pptx
@@ -8503,14 +8503,14 @@
           </a:p>
           <a:p>
             <a:br>
-              <a:rPr lang="zh-CN" altLang="en-US">
+              <a:rPr lang="zh-CN" altLang="en-US" dirty="0">
                 <a:solidFill>
                   <a:srgbClr val="0000FF"/>
                 </a:solidFill>
                 <a:effectLst/>
               </a:rPr>
             </a:br>
-            <a:endParaRPr lang="zh-CN" altLang="en-US"/>
+            <a:endParaRPr lang="zh-CN" altLang="en-US" dirty="0"/>
           </a:p>
         </p:txBody>
       </p:sp>
@@ -8541,6 +8541,99 @@
     <p:extLst>
       <p:ext uri="{BB962C8B-B14F-4D97-AF65-F5344CB8AC3E}">
         <p14:creationId xmlns:p14="http://schemas.microsoft.com/office/powerpoint/2010/main" val="1162440332"/>
+      </p:ext>
+    </p:extLst>
+  </p:cSld>
+  <p:clrMapOvr>
+    <a:masterClrMapping/>
+  </p:clrMapOvr>
+</p:notes>
+</file>
+
+<file path=ppt/notesSlides/notesSlide16.xml><?xml version="1.0" encoding="utf-8"?>
+<p:notes xmlns:a="http://schemas.openxmlformats.org/drawingml/2006/main" xmlns:r="http://schemas.openxmlformats.org/officeDocument/2006/relationships" xmlns:p="http://schemas.openxmlformats.org/presentationml/2006/main">
+  <p:cSld>
+    <p:spTree>
+      <p:nvGrpSpPr>
+        <p:cNvPr id="1" name=""/>
+        <p:cNvGrpSpPr/>
+        <p:nvPr/>
+      </p:nvGrpSpPr>
+      <p:grpSpPr>
+        <a:xfrm>
+          <a:off x="0" y="0"/>
+          <a:ext cx="0" cy="0"/>
+          <a:chOff x="0" y="0"/>
+          <a:chExt cx="0" cy="0"/>
+        </a:xfrm>
+      </p:grpSpPr>
+      <p:sp>
+        <p:nvSpPr>
+          <p:cNvPr id="2" name="幻灯片图像占位符 1"/>
+          <p:cNvSpPr>
+            <a:spLocks noGrp="1" noRot="1" noChangeAspect="1"/>
+          </p:cNvSpPr>
+          <p:nvPr>
+            <p:ph type="sldImg"/>
+          </p:nvPr>
+        </p:nvSpPr>
+        <p:spPr/>
+      </p:sp>
+      <p:sp>
+        <p:nvSpPr>
+          <p:cNvPr id="3" name="备注占位符 2"/>
+          <p:cNvSpPr>
+            <a:spLocks noGrp="1"/>
+          </p:cNvSpPr>
+          <p:nvPr>
+            <p:ph type="body" idx="1"/>
+          </p:nvPr>
+        </p:nvSpPr>
+        <p:spPr/>
+        <p:txBody>
+          <a:bodyPr/>
+          <a:lstStyle/>
+          <a:p>
+            <a:r>
+              <a:rPr lang="zh-CN" altLang="en-US">
+                <a:solidFill>
+                  <a:srgbClr val="000000"/>
+                </a:solidFill>
+                <a:effectLst/>
+              </a:rPr>
+              <a:t>请介绍机体这个软件的功能</a:t>
+            </a:r>
+            <a:endParaRPr lang="zh-CN" altLang="en-US"/>
+          </a:p>
+        </p:txBody>
+      </p:sp>
+      <p:sp>
+        <p:nvSpPr>
+          <p:cNvPr id="4" name="灯片编号占位符 3"/>
+          <p:cNvSpPr>
+            <a:spLocks noGrp="1"/>
+          </p:cNvSpPr>
+          <p:nvPr>
+            <p:ph type="sldNum" sz="quarter" idx="5"/>
+          </p:nvPr>
+        </p:nvSpPr>
+        <p:spPr/>
+        <p:txBody>
+          <a:bodyPr/>
+          <a:lstStyle/>
+          <a:p>
+            <a:fld id="{5DE12CCA-7540-48DB-8E56-327F4EA06BC9}" type="slidenum">
+              <a:rPr lang="zh-CN" altLang="en-US" smtClean="0"/>
+              <a:t>20</a:t>
+            </a:fld>
+            <a:endParaRPr lang="zh-CN" altLang="en-US"/>
+          </a:p>
+        </p:txBody>
+      </p:sp>
+    </p:spTree>
+    <p:extLst>
+      <p:ext uri="{BB962C8B-B14F-4D97-AF65-F5344CB8AC3E}">
+        <p14:creationId xmlns:p14="http://schemas.microsoft.com/office/powerpoint/2010/main" val="1824896048"/>
       </p:ext>
     </p:extLst>
   </p:cSld>

--- a/utils/软件介绍.pptx
+++ b/utils/软件介绍.pptx
@@ -6029,7 +6029,7 @@
           <a:p>
             <a:fld id="{285264BB-8F8A-4D4A-88A3-0640162C694A}" type="datetimeFigureOut">
               <a:rPr lang="zh-CN" altLang="en-US" smtClean="0"/>
-              <a:t>2024/3/18</a:t>
+              <a:t>2024/3/19</a:t>
             </a:fld>
             <a:endParaRPr lang="zh-CN" altLang="en-US"/>
           </a:p>
@@ -6194,7 +6194,7 @@
           <a:p>
             <a:fld id="{C3C1C5A8-D213-43C4-B748-86D822F1E0AF}" type="datetimeFigureOut">
               <a:rPr lang="zh-CN" altLang="en-US" smtClean="0"/>
-              <a:t>2024/3/18</a:t>
+              <a:t>2024/3/19</a:t>
             </a:fld>
             <a:endParaRPr lang="zh-CN" altLang="en-US"/>
           </a:p>
@@ -6963,7 +6963,21 @@
           <a:p>
             <a:r>
               <a:rPr lang="zh-CN" altLang="en-US" dirty="0"/>
-              <a:t>软件演示并提问会如何输出</a:t>
+              <a:t>演示构建知识库的过程</a:t>
+            </a:r>
+            <a:endParaRPr lang="en-US" altLang="zh-CN" dirty="0"/>
+          </a:p>
+          <a:p>
+            <a:r>
+              <a:rPr lang="zh-CN" altLang="en-US" dirty="0"/>
+              <a:t>举例皇后 与 男人和女人的相似度</a:t>
+            </a:r>
+            <a:endParaRPr lang="en-US" altLang="zh-CN" dirty="0"/>
+          </a:p>
+          <a:p>
+            <a:r>
+              <a:rPr lang="zh-CN" altLang="en-US" dirty="0"/>
+              <a:t>为什么需要这个东西引出下一节</a:t>
             </a:r>
           </a:p>
         </p:txBody>
@@ -6985,7 +6999,7 @@
           <a:p>
             <a:fld id="{5DE12CCA-7540-48DB-8E56-327F4EA06BC9}" type="slidenum">
               <a:rPr lang="zh-CN" altLang="en-US" smtClean="0"/>
-              <a:t>17</a:t>
+              <a:t>16</a:t>
             </a:fld>
             <a:endParaRPr lang="zh-CN" altLang="en-US"/>
           </a:p>
@@ -6994,7 +7008,7 @@
     </p:spTree>
     <p:extLst>
       <p:ext uri="{BB962C8B-B14F-4D97-AF65-F5344CB8AC3E}">
-        <p14:creationId xmlns:p14="http://schemas.microsoft.com/office/powerpoint/2010/main" val="1078421095"/>
+        <p14:creationId xmlns:p14="http://schemas.microsoft.com/office/powerpoint/2010/main" val="242015154"/>
       </p:ext>
     </p:extLst>
   </p:cSld>
@@ -7049,1468 +7063,16 @@
           <a:lstStyle/>
           <a:p>
             <a:r>
-              <a:rPr lang="en-US" altLang="zh-CN" dirty="0">
-                <a:solidFill>
-                  <a:srgbClr val="000000"/>
-                </a:solidFill>
-                <a:effectLst/>
-              </a:rPr>
-              <a:t>You are a helpful assistant.</a:t>
-            </a:r>
-            <a:endParaRPr lang="zh-CN" altLang="en-US" dirty="0">
-              <a:effectLst/>
-            </a:endParaRPr>
-          </a:p>
-          <a:p>
-            <a:r>
-              <a:rPr lang="en-US" altLang="zh-CN" dirty="0">
-                <a:solidFill>
-                  <a:srgbClr val="000000"/>
-                </a:solidFill>
-                <a:effectLst/>
-              </a:rPr>
-              <a:t># </a:t>
-            </a:r>
-            <a:r>
-              <a:rPr lang="zh-CN" altLang="en-US" dirty="0">
-                <a:solidFill>
-                  <a:srgbClr val="000000"/>
-                </a:solidFill>
-                <a:effectLst/>
-              </a:rPr>
-              <a:t>机体</a:t>
-            </a:r>
-            <a:endParaRPr lang="zh-CN" altLang="en-US" dirty="0">
-              <a:effectLst/>
-            </a:endParaRPr>
-          </a:p>
-          <a:p>
-            <a:r>
-              <a:rPr lang="zh-CN" altLang="en-US" dirty="0">
-                <a:solidFill>
-                  <a:srgbClr val="000000"/>
-                </a:solidFill>
-                <a:effectLst/>
-              </a:rPr>
-              <a:t>一款直观的大模型应用软件：机体 </a:t>
-            </a:r>
-            <a:r>
-              <a:rPr lang="en-US" altLang="zh-CN" dirty="0">
-                <a:solidFill>
-                  <a:srgbClr val="000000"/>
-                </a:solidFill>
-                <a:effectLst/>
-              </a:rPr>
-              <a:t>(qt5+llama.cpp-b2409)</a:t>
-            </a:r>
-            <a:endParaRPr lang="zh-CN" altLang="en-US" dirty="0">
-              <a:effectLst/>
-            </a:endParaRPr>
-          </a:p>
-          <a:p>
-            <a:br>
-              <a:rPr lang="zh-CN" altLang="en-US" dirty="0">
-                <a:solidFill>
-                  <a:srgbClr val="000000"/>
-                </a:solidFill>
-                <a:effectLst/>
-              </a:rPr>
-            </a:br>
-            <a:endParaRPr lang="zh-CN" altLang="en-US" dirty="0">
-              <a:solidFill>
-                <a:srgbClr val="000000"/>
-              </a:solidFill>
-              <a:effectLst/>
-            </a:endParaRPr>
-          </a:p>
-          <a:p>
-            <a:r>
-              <a:rPr lang="en-US" altLang="zh-CN" dirty="0">
-                <a:solidFill>
-                  <a:srgbClr val="000000"/>
-                </a:solidFill>
-                <a:effectLst/>
-              </a:rPr>
-              <a:t>## </a:t>
-            </a:r>
-            <a:r>
-              <a:rPr lang="zh-CN" altLang="en-US" dirty="0">
-                <a:solidFill>
-                  <a:srgbClr val="000000"/>
-                </a:solidFill>
-                <a:effectLst/>
-              </a:rPr>
-              <a:t>特点</a:t>
-            </a:r>
-            <a:endParaRPr lang="zh-CN" altLang="en-US" dirty="0">
-              <a:effectLst/>
-            </a:endParaRPr>
-          </a:p>
-          <a:p>
-            <a:br>
-              <a:rPr lang="zh-CN" altLang="en-US" dirty="0">
-                <a:solidFill>
-                  <a:srgbClr val="000000"/>
-                </a:solidFill>
-                <a:effectLst/>
-              </a:rPr>
-            </a:br>
-            <a:endParaRPr lang="zh-CN" altLang="en-US" dirty="0">
-              <a:solidFill>
-                <a:srgbClr val="000000"/>
-              </a:solidFill>
-              <a:effectLst/>
-            </a:endParaRPr>
-          </a:p>
-          <a:p>
-            <a:r>
-              <a:rPr lang="en-US" altLang="zh-CN" dirty="0">
-                <a:solidFill>
-                  <a:srgbClr val="000000"/>
-                </a:solidFill>
-                <a:effectLst/>
-              </a:rPr>
-              <a:t>- </a:t>
-            </a:r>
-            <a:r>
-              <a:rPr lang="zh-CN" altLang="en-US" dirty="0">
-                <a:solidFill>
-                  <a:srgbClr val="000000"/>
-                </a:solidFill>
-                <a:effectLst/>
-              </a:rPr>
-              <a:t>轻量</a:t>
-            </a:r>
-            <a:endParaRPr lang="zh-CN" altLang="en-US" dirty="0">
-              <a:effectLst/>
-            </a:endParaRPr>
-          </a:p>
-          <a:p>
-            <a:r>
-              <a:rPr lang="en-US" altLang="zh-CN" dirty="0">
-                <a:solidFill>
-                  <a:srgbClr val="000000"/>
-                </a:solidFill>
-                <a:effectLst/>
-              </a:rPr>
-              <a:t>- </a:t>
-            </a:r>
-            <a:r>
-              <a:rPr lang="zh-CN" altLang="en-US" dirty="0">
-                <a:solidFill>
-                  <a:srgbClr val="000000"/>
-                </a:solidFill>
-                <a:effectLst/>
-              </a:rPr>
-              <a:t>机体没有其它依赖组件，就是一个</a:t>
-            </a:r>
-            <a:r>
-              <a:rPr lang="en-US" altLang="zh-CN" dirty="0">
-                <a:solidFill>
-                  <a:srgbClr val="000000"/>
-                </a:solidFill>
-                <a:effectLst/>
-              </a:rPr>
-              <a:t>exe</a:t>
-            </a:r>
-            <a:r>
-              <a:rPr lang="zh-CN" altLang="en-US" dirty="0">
-                <a:solidFill>
-                  <a:srgbClr val="000000"/>
-                </a:solidFill>
-                <a:effectLst/>
-              </a:rPr>
-              <a:t>程序</a:t>
-            </a:r>
-            <a:endParaRPr lang="zh-CN" altLang="en-US" dirty="0">
-              <a:effectLst/>
-            </a:endParaRPr>
-          </a:p>
-          <a:p>
-            <a:r>
-              <a:rPr lang="en-US" altLang="zh-CN" dirty="0">
-                <a:solidFill>
-                  <a:srgbClr val="000000"/>
-                </a:solidFill>
-                <a:effectLst/>
-              </a:rPr>
-              <a:t>- win7</a:t>
-            </a:r>
-            <a:endParaRPr lang="zh-CN" altLang="en-US" dirty="0">
-              <a:effectLst/>
-            </a:endParaRPr>
-          </a:p>
-          <a:p>
-            <a:r>
-              <a:rPr lang="en-US" altLang="zh-CN" dirty="0">
-                <a:solidFill>
-                  <a:srgbClr val="000000"/>
-                </a:solidFill>
-                <a:effectLst/>
-              </a:rPr>
-              <a:t>- </a:t>
-            </a:r>
-            <a:r>
-              <a:rPr lang="zh-CN" altLang="en-US" dirty="0">
-                <a:solidFill>
-                  <a:srgbClr val="000000"/>
-                </a:solidFill>
-                <a:effectLst/>
-              </a:rPr>
-              <a:t>最低支持</a:t>
-            </a:r>
-            <a:r>
-              <a:rPr lang="en-US" altLang="zh-CN" dirty="0">
-                <a:solidFill>
-                  <a:srgbClr val="000000"/>
-                </a:solidFill>
-                <a:effectLst/>
-              </a:rPr>
-              <a:t>32</a:t>
-            </a:r>
-            <a:r>
-              <a:rPr lang="zh-CN" altLang="en-US" dirty="0">
-                <a:solidFill>
-                  <a:srgbClr val="000000"/>
-                </a:solidFill>
-                <a:effectLst/>
-              </a:rPr>
-              <a:t>位</a:t>
-            </a:r>
-            <a:r>
-              <a:rPr lang="en-US" altLang="zh-CN" dirty="0">
-                <a:solidFill>
-                  <a:srgbClr val="000000"/>
-                </a:solidFill>
-                <a:effectLst/>
-              </a:rPr>
-              <a:t>windows7</a:t>
-            </a:r>
-            <a:endParaRPr lang="zh-CN" altLang="en-US" dirty="0">
-              <a:effectLst/>
-            </a:endParaRPr>
-          </a:p>
-          <a:p>
-            <a:r>
-              <a:rPr lang="en-US" altLang="zh-CN" dirty="0">
-                <a:solidFill>
-                  <a:srgbClr val="000000"/>
-                </a:solidFill>
-                <a:effectLst/>
-              </a:rPr>
-              <a:t>- </a:t>
-            </a:r>
-            <a:r>
-              <a:rPr lang="zh-CN" altLang="en-US" dirty="0">
-                <a:solidFill>
-                  <a:srgbClr val="000000"/>
-                </a:solidFill>
-                <a:effectLst/>
-              </a:rPr>
-              <a:t>具有编译到</a:t>
-            </a:r>
-            <a:r>
-              <a:rPr lang="en-US" altLang="zh-CN" dirty="0">
-                <a:solidFill>
-                  <a:srgbClr val="000000"/>
-                </a:solidFill>
-                <a:effectLst/>
-              </a:rPr>
-              <a:t>(x86</a:t>
-            </a:r>
-            <a:r>
-              <a:rPr lang="zh-CN" altLang="en-US" dirty="0">
-                <a:solidFill>
-                  <a:srgbClr val="000000"/>
-                </a:solidFill>
-                <a:effectLst/>
-              </a:rPr>
-              <a:t>，</a:t>
-            </a:r>
-            <a:r>
-              <a:rPr lang="en-US" altLang="zh-CN" dirty="0">
-                <a:solidFill>
-                  <a:srgbClr val="000000"/>
-                </a:solidFill>
-                <a:effectLst/>
-              </a:rPr>
-              <a:t>arm</a:t>
-            </a:r>
-            <a:r>
-              <a:rPr lang="zh-CN" altLang="en-US" dirty="0">
-                <a:solidFill>
-                  <a:srgbClr val="000000"/>
-                </a:solidFill>
-                <a:effectLst/>
-              </a:rPr>
-              <a:t>，</a:t>
-            </a:r>
-            <a:r>
-              <a:rPr lang="en-US" altLang="zh-CN" dirty="0">
-                <a:solidFill>
-                  <a:srgbClr val="000000"/>
-                </a:solidFill>
-                <a:effectLst/>
-              </a:rPr>
-              <a:t>windows</a:t>
-            </a:r>
-            <a:r>
-              <a:rPr lang="zh-CN" altLang="en-US" dirty="0">
-                <a:solidFill>
-                  <a:srgbClr val="000000"/>
-                </a:solidFill>
-                <a:effectLst/>
-              </a:rPr>
-              <a:t>，</a:t>
-            </a:r>
-            <a:r>
-              <a:rPr lang="en-US" altLang="zh-CN" dirty="0" err="1">
-                <a:solidFill>
-                  <a:srgbClr val="000000"/>
-                </a:solidFill>
-                <a:effectLst/>
-              </a:rPr>
-              <a:t>linux</a:t>
-            </a:r>
-            <a:r>
-              <a:rPr lang="zh-CN" altLang="en-US" dirty="0">
-                <a:solidFill>
-                  <a:srgbClr val="000000"/>
-                </a:solidFill>
-                <a:effectLst/>
-              </a:rPr>
-              <a:t>，</a:t>
-            </a:r>
-            <a:r>
-              <a:rPr lang="en-US" altLang="zh-CN" dirty="0" err="1">
-                <a:solidFill>
-                  <a:srgbClr val="000000"/>
-                </a:solidFill>
-                <a:effectLst/>
-              </a:rPr>
-              <a:t>macos</a:t>
-            </a:r>
-            <a:r>
-              <a:rPr lang="zh-CN" altLang="en-US" dirty="0">
-                <a:solidFill>
-                  <a:srgbClr val="000000"/>
-                </a:solidFill>
-                <a:effectLst/>
-              </a:rPr>
-              <a:t>，</a:t>
-            </a:r>
-            <a:r>
-              <a:rPr lang="en-US" altLang="zh-CN" dirty="0">
-                <a:solidFill>
-                  <a:srgbClr val="000000"/>
-                </a:solidFill>
-                <a:effectLst/>
-              </a:rPr>
-              <a:t>android</a:t>
-            </a:r>
-            <a:r>
-              <a:rPr lang="zh-CN" altLang="en-US" dirty="0">
-                <a:solidFill>
-                  <a:srgbClr val="000000"/>
-                </a:solidFill>
-                <a:effectLst/>
-              </a:rPr>
-              <a:t>，</a:t>
-            </a:r>
-            <a:r>
-              <a:rPr lang="en-US" altLang="zh-CN" dirty="0" err="1">
-                <a:solidFill>
-                  <a:srgbClr val="000000"/>
-                </a:solidFill>
-                <a:effectLst/>
-              </a:rPr>
-              <a:t>cuda</a:t>
-            </a:r>
-            <a:r>
-              <a:rPr lang="zh-CN" altLang="en-US" dirty="0">
-                <a:solidFill>
-                  <a:srgbClr val="000000"/>
-                </a:solidFill>
-                <a:effectLst/>
-              </a:rPr>
-              <a:t>，</a:t>
-            </a:r>
-            <a:r>
-              <a:rPr lang="en-US" altLang="zh-CN" dirty="0" err="1">
-                <a:solidFill>
-                  <a:srgbClr val="000000"/>
-                </a:solidFill>
-                <a:effectLst/>
-              </a:rPr>
-              <a:t>rocm</a:t>
-            </a:r>
-            <a:r>
-              <a:rPr lang="zh-CN" altLang="en-US" dirty="0">
-                <a:solidFill>
-                  <a:srgbClr val="000000"/>
-                </a:solidFill>
-                <a:effectLst/>
-              </a:rPr>
-              <a:t>，</a:t>
-            </a:r>
-            <a:r>
-              <a:rPr lang="en-US" altLang="zh-CN" dirty="0" err="1">
-                <a:solidFill>
-                  <a:srgbClr val="000000"/>
-                </a:solidFill>
-                <a:effectLst/>
-              </a:rPr>
-              <a:t>vulkan</a:t>
-            </a:r>
-            <a:r>
-              <a:rPr lang="en-US" altLang="zh-CN" dirty="0">
-                <a:solidFill>
-                  <a:srgbClr val="000000"/>
-                </a:solidFill>
-                <a:effectLst/>
-              </a:rPr>
-              <a:t>)</a:t>
-            </a:r>
-            <a:r>
-              <a:rPr lang="zh-CN" altLang="en-US" dirty="0">
-                <a:solidFill>
-                  <a:srgbClr val="000000"/>
-                </a:solidFill>
-                <a:effectLst/>
-              </a:rPr>
-              <a:t>的潜力</a:t>
-            </a:r>
-            <a:endParaRPr lang="zh-CN" altLang="en-US" dirty="0">
-              <a:effectLst/>
-            </a:endParaRPr>
-          </a:p>
-          <a:p>
-            <a:r>
-              <a:rPr lang="en-US" altLang="zh-CN" dirty="0">
-                <a:solidFill>
-                  <a:srgbClr val="000000"/>
-                </a:solidFill>
-                <a:effectLst/>
-              </a:rPr>
-              <a:t>- </a:t>
-            </a:r>
-            <a:r>
-              <a:rPr lang="zh-CN" altLang="en-US" dirty="0">
-                <a:solidFill>
-                  <a:srgbClr val="000000"/>
-                </a:solidFill>
-                <a:effectLst/>
-              </a:rPr>
-              <a:t>多功能</a:t>
-            </a:r>
-            <a:endParaRPr lang="zh-CN" altLang="en-US" dirty="0">
-              <a:effectLst/>
-            </a:endParaRPr>
-          </a:p>
-          <a:p>
-            <a:r>
-              <a:rPr lang="en-US" altLang="zh-CN" dirty="0">
-                <a:solidFill>
-                  <a:srgbClr val="000000"/>
-                </a:solidFill>
-                <a:effectLst/>
-              </a:rPr>
-              <a:t>- </a:t>
-            </a:r>
-            <a:r>
-              <a:rPr lang="zh-CN" altLang="en-US" dirty="0">
-                <a:solidFill>
-                  <a:srgbClr val="000000"/>
-                </a:solidFill>
-                <a:effectLst/>
-              </a:rPr>
-              <a:t>本地模型交互，</a:t>
-            </a:r>
-            <a:endParaRPr lang="zh-CN" altLang="en-US" dirty="0">
-              <a:effectLst/>
-            </a:endParaRPr>
-          </a:p>
-          <a:p>
-            <a:r>
-              <a:rPr lang="en-US" altLang="zh-CN" dirty="0">
-                <a:solidFill>
-                  <a:srgbClr val="000000"/>
-                </a:solidFill>
-                <a:effectLst/>
-              </a:rPr>
-              <a:t>32</a:t>
-            </a:r>
-            <a:r>
-              <a:rPr lang="zh-CN" altLang="en-US" dirty="0">
-                <a:solidFill>
-                  <a:srgbClr val="000000"/>
-                </a:solidFill>
-                <a:effectLst/>
-              </a:rPr>
-              <a:t>位</a:t>
-            </a:r>
-            <a:r>
-              <a:rPr lang="en-US" altLang="zh-CN" dirty="0">
-                <a:solidFill>
-                  <a:srgbClr val="000000"/>
-                </a:solidFill>
-                <a:effectLst/>
-              </a:rPr>
-              <a:t>windows7</a:t>
-            </a:r>
-            <a:endParaRPr lang="zh-CN" altLang="en-US" dirty="0">
-              <a:effectLst/>
-            </a:endParaRPr>
-          </a:p>
-          <a:p>
-            <a:r>
-              <a:rPr lang="en-US" altLang="zh-CN" dirty="0">
-                <a:solidFill>
-                  <a:srgbClr val="000000"/>
-                </a:solidFill>
-                <a:effectLst/>
-              </a:rPr>
-              <a:t>- </a:t>
-            </a:r>
-            <a:r>
-              <a:rPr lang="zh-CN" altLang="en-US" dirty="0">
-                <a:solidFill>
-                  <a:srgbClr val="000000"/>
-                </a:solidFill>
-                <a:effectLst/>
-              </a:rPr>
-              <a:t>具有编译到</a:t>
-            </a:r>
-            <a:r>
-              <a:rPr lang="en-US" altLang="zh-CN" dirty="0">
-                <a:solidFill>
-                  <a:srgbClr val="000000"/>
-                </a:solidFill>
-                <a:effectLst/>
-              </a:rPr>
-              <a:t>(x86</a:t>
-            </a:r>
-            <a:r>
-              <a:rPr lang="zh-CN" altLang="en-US" dirty="0">
-                <a:solidFill>
-                  <a:srgbClr val="000000"/>
-                </a:solidFill>
-                <a:effectLst/>
-              </a:rPr>
-              <a:t>，</a:t>
-            </a:r>
-            <a:r>
-              <a:rPr lang="en-US" altLang="zh-CN" dirty="0">
-                <a:solidFill>
-                  <a:srgbClr val="000000"/>
-                </a:solidFill>
-                <a:effectLst/>
-              </a:rPr>
-              <a:t>arm</a:t>
-            </a:r>
-            <a:r>
-              <a:rPr lang="zh-CN" altLang="en-US" dirty="0">
-                <a:solidFill>
-                  <a:srgbClr val="000000"/>
-                </a:solidFill>
-                <a:effectLst/>
-              </a:rPr>
-              <a:t>，</a:t>
-            </a:r>
-            <a:r>
-              <a:rPr lang="en-US" altLang="zh-CN" dirty="0">
-                <a:solidFill>
-                  <a:srgbClr val="000000"/>
-                </a:solidFill>
-                <a:effectLst/>
-              </a:rPr>
-              <a:t>windows</a:t>
-            </a:r>
-            <a:r>
-              <a:rPr lang="zh-CN" altLang="en-US" dirty="0">
-                <a:solidFill>
-                  <a:srgbClr val="000000"/>
-                </a:solidFill>
-                <a:effectLst/>
-              </a:rPr>
-              <a:t>，</a:t>
-            </a:r>
-            <a:r>
-              <a:rPr lang="en-US" altLang="zh-CN" dirty="0" err="1">
-                <a:solidFill>
-                  <a:srgbClr val="000000"/>
-                </a:solidFill>
-                <a:effectLst/>
-              </a:rPr>
-              <a:t>linux</a:t>
-            </a:r>
-            <a:r>
-              <a:rPr lang="zh-CN" altLang="en-US" dirty="0">
-                <a:solidFill>
-                  <a:srgbClr val="000000"/>
-                </a:solidFill>
-                <a:effectLst/>
-              </a:rPr>
-              <a:t>，</a:t>
-            </a:r>
-            <a:r>
-              <a:rPr lang="en-US" altLang="zh-CN" dirty="0" err="1">
-                <a:solidFill>
-                  <a:srgbClr val="000000"/>
-                </a:solidFill>
-                <a:effectLst/>
-              </a:rPr>
-              <a:t>macos</a:t>
-            </a:r>
-            <a:r>
-              <a:rPr lang="zh-CN" altLang="en-US" dirty="0">
-                <a:solidFill>
-                  <a:srgbClr val="000000"/>
-                </a:solidFill>
-                <a:effectLst/>
-              </a:rPr>
-              <a:t>，</a:t>
-            </a:r>
-            <a:r>
-              <a:rPr lang="en-US" altLang="zh-CN" dirty="0">
-                <a:solidFill>
-                  <a:srgbClr val="000000"/>
-                </a:solidFill>
-                <a:effectLst/>
-              </a:rPr>
-              <a:t>android</a:t>
-            </a:r>
-            <a:r>
-              <a:rPr lang="zh-CN" altLang="en-US" dirty="0">
-                <a:solidFill>
-                  <a:srgbClr val="000000"/>
-                </a:solidFill>
-                <a:effectLst/>
-              </a:rPr>
-              <a:t>，</a:t>
-            </a:r>
-            <a:r>
-              <a:rPr lang="en-US" altLang="zh-CN" dirty="0" err="1">
-                <a:solidFill>
-                  <a:srgbClr val="000000"/>
-                </a:solidFill>
-                <a:effectLst/>
-              </a:rPr>
-              <a:t>cuda</a:t>
-            </a:r>
-            <a:r>
-              <a:rPr lang="zh-CN" altLang="en-US" dirty="0">
-                <a:solidFill>
-                  <a:srgbClr val="000000"/>
-                </a:solidFill>
-                <a:effectLst/>
-              </a:rPr>
-              <a:t>，</a:t>
-            </a:r>
-            <a:r>
-              <a:rPr lang="en-US" altLang="zh-CN" dirty="0" err="1">
-                <a:solidFill>
-                  <a:srgbClr val="000000"/>
-                </a:solidFill>
-                <a:effectLst/>
-              </a:rPr>
-              <a:t>rocm</a:t>
-            </a:r>
-            <a:r>
-              <a:rPr lang="zh-CN" altLang="en-US" dirty="0">
-                <a:solidFill>
-                  <a:srgbClr val="000000"/>
-                </a:solidFill>
-                <a:effectLst/>
-              </a:rPr>
-              <a:t>，</a:t>
-            </a:r>
-            <a:r>
-              <a:rPr lang="en-US" altLang="zh-CN" dirty="0" err="1">
-                <a:solidFill>
-                  <a:srgbClr val="000000"/>
-                </a:solidFill>
-                <a:effectLst/>
-              </a:rPr>
-              <a:t>vulkan</a:t>
-            </a:r>
-            <a:r>
-              <a:rPr lang="en-US" altLang="zh-CN" dirty="0">
-                <a:solidFill>
-                  <a:srgbClr val="000000"/>
-                </a:solidFill>
-                <a:effectLst/>
-              </a:rPr>
-              <a:t>)</a:t>
-            </a:r>
-            <a:r>
-              <a:rPr lang="zh-CN" altLang="en-US" dirty="0">
-                <a:solidFill>
-                  <a:srgbClr val="000000"/>
-                </a:solidFill>
-                <a:effectLst/>
-              </a:rPr>
-              <a:t>的潜力</a:t>
-            </a:r>
-            <a:endParaRPr lang="zh-CN" altLang="en-US" dirty="0">
-              <a:effectLst/>
-            </a:endParaRPr>
-          </a:p>
-          <a:p>
-            <a:r>
-              <a:rPr lang="en-US" altLang="zh-CN" dirty="0">
-                <a:solidFill>
-                  <a:srgbClr val="000000"/>
-                </a:solidFill>
-                <a:effectLst/>
-              </a:rPr>
-              <a:t>- </a:t>
-            </a:r>
-            <a:r>
-              <a:rPr lang="zh-CN" altLang="en-US" dirty="0">
-                <a:solidFill>
-                  <a:srgbClr val="000000"/>
-                </a:solidFill>
-                <a:effectLst/>
-              </a:rPr>
-              <a:t>多功能</a:t>
-            </a:r>
-            <a:endParaRPr lang="zh-CN" altLang="en-US" dirty="0">
-              <a:effectLst/>
-            </a:endParaRPr>
-          </a:p>
-          <a:p>
-            <a:r>
-              <a:rPr lang="en-US" altLang="zh-CN" dirty="0">
-                <a:solidFill>
-                  <a:srgbClr val="000000"/>
-                </a:solidFill>
-                <a:effectLst/>
-              </a:rPr>
-              <a:t>- </a:t>
-            </a:r>
-            <a:r>
-              <a:rPr lang="zh-CN" altLang="en-US" dirty="0">
-                <a:solidFill>
-                  <a:srgbClr val="000000"/>
-                </a:solidFill>
-                <a:effectLst/>
-              </a:rPr>
-              <a:t>本地模型交互，多模态，在线模型交互，对外</a:t>
-            </a:r>
-            <a:r>
-              <a:rPr lang="en-US" altLang="zh-CN" dirty="0" err="1">
-                <a:solidFill>
-                  <a:srgbClr val="000000"/>
-                </a:solidFill>
-                <a:effectLst/>
-              </a:rPr>
-              <a:t>api</a:t>
-            </a:r>
-            <a:r>
-              <a:rPr lang="zh-CN" altLang="en-US" dirty="0">
-                <a:solidFill>
-                  <a:srgbClr val="000000"/>
-                </a:solidFill>
-                <a:effectLst/>
-              </a:rPr>
-              <a:t>服务，智能体，知识库问答，模型量化，文生图，声转文</a:t>
-            </a:r>
-            <a:endParaRPr lang="zh-CN" altLang="en-US" dirty="0">
-              <a:effectLst/>
-            </a:endParaRPr>
-          </a:p>
-          <a:p>
-            <a:r>
-              <a:rPr lang="en-US" altLang="zh-CN" dirty="0">
-                <a:solidFill>
-                  <a:srgbClr val="000000"/>
-                </a:solidFill>
-                <a:effectLst/>
-              </a:rPr>
-              <a:t>- </a:t>
-            </a:r>
-            <a:r>
-              <a:rPr lang="zh-CN" altLang="en-US" dirty="0">
-                <a:solidFill>
-                  <a:srgbClr val="000000"/>
-                </a:solidFill>
-                <a:effectLst/>
-              </a:rPr>
-              <a:t>直观</a:t>
-            </a:r>
-            <a:endParaRPr lang="zh-CN" altLang="en-US" dirty="0">
-              <a:effectLst/>
-            </a:endParaRPr>
-          </a:p>
-          <a:p>
-            <a:r>
-              <a:rPr lang="en-US" altLang="zh-CN" dirty="0">
-                <a:solidFill>
-                  <a:srgbClr val="000000"/>
-                </a:solidFill>
-                <a:effectLst/>
-              </a:rPr>
-              <a:t>- </a:t>
-            </a:r>
-            <a:r>
-              <a:rPr lang="zh-CN" altLang="en-US" dirty="0">
-                <a:solidFill>
-                  <a:srgbClr val="000000"/>
-                </a:solidFill>
-                <a:effectLst/>
-              </a:rPr>
-              <a:t>输出区的内容就是模型的全部现实</a:t>
-            </a:r>
-            <a:endParaRPr lang="zh-CN" altLang="en-US" dirty="0">
-              <a:effectLst/>
-            </a:endParaRPr>
-          </a:p>
-          <a:p>
-            <a:r>
-              <a:rPr lang="en-US" altLang="zh-CN" dirty="0">
-                <a:solidFill>
-                  <a:srgbClr val="000000"/>
-                </a:solidFill>
-                <a:effectLst/>
-              </a:rPr>
-              <a:t>- </a:t>
-            </a:r>
-            <a:r>
-              <a:rPr lang="zh-CN" altLang="en-US" dirty="0">
-                <a:solidFill>
-                  <a:srgbClr val="000000"/>
-                </a:solidFill>
-                <a:effectLst/>
-              </a:rPr>
-              <a:t>状态区的内容就是全部工作流程</a:t>
-            </a:r>
-            <a:endParaRPr lang="zh-CN" altLang="en-US" dirty="0">
-              <a:effectLst/>
-            </a:endParaRPr>
-          </a:p>
-          <a:p>
-            <a:br>
-              <a:rPr lang="zh-CN" altLang="en-US" dirty="0">
-                <a:solidFill>
-                  <a:srgbClr val="000000"/>
-                </a:solidFill>
-                <a:effectLst/>
-              </a:rPr>
-            </a:br>
-            <a:endParaRPr lang="zh-CN" altLang="en-US" dirty="0">
-              <a:solidFill>
-                <a:srgbClr val="000000"/>
-              </a:solidFill>
-              <a:effectLst/>
-            </a:endParaRPr>
-          </a:p>
-          <a:p>
-            <a:r>
-              <a:rPr lang="en-US" altLang="zh-CN" dirty="0">
-                <a:solidFill>
-                  <a:srgbClr val="000000"/>
-                </a:solidFill>
-                <a:effectLst/>
-              </a:rPr>
-              <a:t>## </a:t>
-            </a:r>
-            <a:r>
-              <a:rPr lang="zh-CN" altLang="en-US" dirty="0">
-                <a:solidFill>
-                  <a:srgbClr val="000000"/>
-                </a:solidFill>
-                <a:effectLst/>
-              </a:rPr>
-              <a:t>快速开始</a:t>
-            </a:r>
-            <a:endParaRPr lang="zh-CN" altLang="en-US" dirty="0">
-              <a:effectLst/>
-            </a:endParaRPr>
-          </a:p>
-          <a:p>
-            <a:r>
-              <a:rPr lang="en-US" altLang="zh-CN" dirty="0">
-                <a:solidFill>
-                  <a:srgbClr val="000000"/>
-                </a:solidFill>
-                <a:effectLst/>
-              </a:rPr>
-              <a:t>1. </a:t>
-            </a:r>
-            <a:r>
-              <a:rPr lang="zh-CN" altLang="en-US" dirty="0">
-                <a:solidFill>
-                  <a:srgbClr val="000000"/>
-                </a:solidFill>
-                <a:effectLst/>
-              </a:rPr>
-              <a:t>下载一个机体</a:t>
-            </a:r>
-            <a:endParaRPr lang="zh-CN" altLang="en-US" dirty="0">
-              <a:effectLst/>
-            </a:endParaRPr>
-          </a:p>
-          <a:p>
-            <a:r>
-              <a:rPr lang="en-US" altLang="zh-CN" dirty="0">
-                <a:solidFill>
-                  <a:srgbClr val="000000"/>
-                </a:solidFill>
-                <a:effectLst/>
-              </a:rPr>
-              <a:t>- https://pan.baidu.com/s/18NOUMjaJIZsV_Z</a:t>
-            </a:r>
-            <a:endParaRPr lang="zh-CN" altLang="en-US" dirty="0">
-              <a:effectLst/>
-            </a:endParaRPr>
-          </a:p>
-          <a:p>
-            <a:r>
-              <a:rPr lang="en-US" altLang="zh-CN" dirty="0">
-                <a:solidFill>
-                  <a:srgbClr val="000000"/>
-                </a:solidFill>
-                <a:effectLst/>
-              </a:rPr>
-              <a:t>csv</a:t>
-            </a:r>
-            <a:r>
-              <a:rPr lang="zh-CN" altLang="en-US" dirty="0">
-                <a:solidFill>
-                  <a:srgbClr val="000000"/>
-                </a:solidFill>
-                <a:effectLst/>
-              </a:rPr>
-              <a:t>格式的题库进行测试</a:t>
-            </a:r>
-            <a:endParaRPr lang="zh-CN" altLang="en-US" dirty="0">
-              <a:effectLst/>
-            </a:endParaRPr>
-          </a:p>
-          <a:p>
-            <a:r>
-              <a:rPr lang="en-US" altLang="zh-CN" dirty="0">
-                <a:solidFill>
-                  <a:srgbClr val="000000"/>
-                </a:solidFill>
-                <a:effectLst/>
-              </a:rPr>
-              <a:t>- </a:t>
-            </a:r>
-            <a:r>
-              <a:rPr lang="zh-CN" altLang="en-US" dirty="0">
-                <a:solidFill>
-                  <a:srgbClr val="000000"/>
-                </a:solidFill>
-                <a:effectLst/>
-              </a:rPr>
-              <a:t>可以按</a:t>
-            </a:r>
-            <a:r>
-              <a:rPr lang="en-US" altLang="zh-CN" dirty="0">
-                <a:solidFill>
-                  <a:srgbClr val="000000"/>
-                </a:solidFill>
-                <a:effectLst/>
-              </a:rPr>
-              <a:t>f1</a:t>
-            </a:r>
-            <a:r>
-              <a:rPr lang="zh-CN" altLang="en-US" dirty="0">
-                <a:solidFill>
-                  <a:srgbClr val="000000"/>
-                </a:solidFill>
-                <a:effectLst/>
-              </a:rPr>
-              <a:t>截图，按</a:t>
-            </a:r>
-            <a:r>
-              <a:rPr lang="en-US" altLang="zh-CN" dirty="0">
-                <a:solidFill>
-                  <a:srgbClr val="000000"/>
-                </a:solidFill>
-                <a:effectLst/>
-              </a:rPr>
-              <a:t>f2</a:t>
-            </a:r>
-            <a:r>
-              <a:rPr lang="zh-CN" altLang="en-US" dirty="0">
-                <a:solidFill>
-                  <a:srgbClr val="000000"/>
-                </a:solidFill>
-                <a:effectLst/>
-              </a:rPr>
-              <a:t>进行录音，截图和录音会发送给多模态或</a:t>
-            </a:r>
-            <a:r>
-              <a:rPr lang="en-US" altLang="zh-CN" dirty="0">
-                <a:solidFill>
-                  <a:srgbClr val="000000"/>
-                </a:solidFill>
-                <a:effectLst/>
-              </a:rPr>
-              <a:t>whisper</a:t>
-            </a:r>
-            <a:r>
-              <a:rPr lang="zh-CN" altLang="en-US" dirty="0">
-                <a:solidFill>
-                  <a:srgbClr val="000000"/>
-                </a:solidFill>
-                <a:effectLst/>
-              </a:rPr>
-              <a:t>模型进行相应处理</a:t>
-            </a:r>
-            <a:endParaRPr lang="zh-CN" altLang="en-US" dirty="0">
-              <a:effectLst/>
-            </a:endParaRPr>
-          </a:p>
-          <a:p>
-            <a:r>
-              <a:rPr lang="en-US" altLang="zh-CN" dirty="0">
-                <a:solidFill>
-                  <a:srgbClr val="000000"/>
-                </a:solidFill>
-                <a:effectLst/>
-              </a:rPr>
-              <a:t>2. </a:t>
-            </a:r>
-            <a:r>
-              <a:rPr lang="zh-CN" altLang="en-US" dirty="0">
-                <a:solidFill>
-                  <a:srgbClr val="000000"/>
-                </a:solidFill>
-                <a:effectLst/>
-              </a:rPr>
-              <a:t>补完模式</a:t>
-            </a:r>
-            <a:endParaRPr lang="zh-CN" altLang="en-US" dirty="0">
-              <a:effectLst/>
-            </a:endParaRPr>
-          </a:p>
-          <a:p>
-            <a:r>
-              <a:rPr lang="en-US" altLang="zh-CN" dirty="0">
-                <a:solidFill>
-                  <a:srgbClr val="000000"/>
-                </a:solidFill>
-                <a:effectLst/>
-              </a:rPr>
-              <a:t>- </a:t>
-            </a:r>
-            <a:r>
-              <a:rPr lang="zh-CN" altLang="en-US" dirty="0">
-                <a:solidFill>
-                  <a:srgbClr val="000000"/>
-                </a:solidFill>
-                <a:effectLst/>
-              </a:rPr>
-              <a:t>在输出区输入一段文字，模型对其进行补完</a:t>
-            </a:r>
-            <a:endParaRPr lang="zh-CN" altLang="en-US" dirty="0">
-              <a:effectLst/>
-            </a:endParaRPr>
-          </a:p>
-          <a:p>
-            <a:r>
-              <a:rPr lang="en-US" altLang="zh-CN" dirty="0">
-                <a:solidFill>
-                  <a:srgbClr val="000000"/>
-                </a:solidFill>
-                <a:effectLst/>
-              </a:rPr>
-              <a:t>3. </a:t>
-            </a:r>
-            <a:r>
-              <a:rPr lang="zh-CN" altLang="en-US" dirty="0">
-                <a:solidFill>
-                  <a:srgbClr val="000000"/>
-                </a:solidFill>
-                <a:effectLst/>
-              </a:rPr>
-              <a:t>服务模式</a:t>
-            </a:r>
-            <a:endParaRPr lang="zh-CN" altLang="en-US" dirty="0">
-              <a:effectLst/>
-            </a:endParaRPr>
-          </a:p>
-          <a:p>
-            <a:r>
-              <a:rPr lang="en-US" altLang="zh-CN" dirty="0">
-                <a:solidFill>
-                  <a:srgbClr val="000000"/>
-                </a:solidFill>
-                <a:effectLst/>
-              </a:rPr>
-              <a:t>- </a:t>
-            </a:r>
-            <a:r>
-              <a:rPr lang="zh-CN" altLang="en-US" dirty="0">
-                <a:solidFill>
-                  <a:srgbClr val="000000"/>
-                </a:solidFill>
-                <a:effectLst/>
-              </a:rPr>
-              <a:t>机体成为一个开放</a:t>
-            </a:r>
-            <a:r>
-              <a:rPr lang="en-US" altLang="zh-CN" dirty="0" err="1">
-                <a:solidFill>
-                  <a:srgbClr val="000000"/>
-                </a:solidFill>
-                <a:effectLst/>
-              </a:rPr>
-              <a:t>api</a:t>
-            </a:r>
-            <a:r>
-              <a:rPr lang="zh-CN" altLang="en-US" dirty="0">
-                <a:solidFill>
-                  <a:srgbClr val="000000"/>
-                </a:solidFill>
-                <a:effectLst/>
-              </a:rPr>
-              <a:t>端口的服务，也可以在网页上进行聊天</a:t>
-            </a:r>
-            <a:endParaRPr lang="zh-CN" altLang="en-US" dirty="0">
-              <a:effectLst/>
-            </a:endParaRPr>
-          </a:p>
-          <a:p>
-            <a:r>
-              <a:rPr lang="en-US" altLang="zh-CN" dirty="0">
-                <a:solidFill>
-                  <a:srgbClr val="000000"/>
-                </a:solidFill>
-                <a:effectLst/>
-              </a:rPr>
-              <a:t>4. </a:t>
-            </a:r>
-            <a:r>
-              <a:rPr lang="zh-CN" altLang="en-US" dirty="0">
-                <a:solidFill>
-                  <a:srgbClr val="000000"/>
-                </a:solidFill>
-                <a:effectLst/>
-              </a:rPr>
-              <a:t>链接状态</a:t>
-            </a:r>
-            <a:endParaRPr lang="zh-CN" altLang="en-US" dirty="0">
-              <a:effectLst/>
-            </a:endParaRPr>
-          </a:p>
-          <a:p>
-            <a:r>
-              <a:rPr lang="en-US" altLang="zh-CN" dirty="0">
-                <a:solidFill>
-                  <a:srgbClr val="000000"/>
-                </a:solidFill>
-                <a:effectLst/>
-              </a:rPr>
-              <a:t>- </a:t>
-            </a:r>
-            <a:r>
-              <a:rPr lang="zh-CN" altLang="en-US" dirty="0">
-                <a:solidFill>
-                  <a:srgbClr val="000000"/>
-                </a:solidFill>
-                <a:effectLst/>
-              </a:rPr>
-              <a:t>机体利用</a:t>
-            </a:r>
-            <a:r>
-              <a:rPr lang="en-US" altLang="zh-CN" dirty="0" err="1">
-                <a:solidFill>
-                  <a:srgbClr val="000000"/>
-                </a:solidFill>
-                <a:effectLst/>
-              </a:rPr>
-              <a:t>api</a:t>
-            </a:r>
-            <a:r>
-              <a:rPr lang="zh-CN" altLang="en-US" dirty="0">
-                <a:solidFill>
-                  <a:srgbClr val="000000"/>
-                </a:solidFill>
-                <a:effectLst/>
-              </a:rPr>
-              <a:t>服务的端点，不需要装载模型也能运行</a:t>
-            </a:r>
-            <a:endParaRPr lang="zh-CN" altLang="en-US" dirty="0">
-              <a:effectLst/>
-            </a:endParaRPr>
-          </a:p>
-          <a:p>
-            <a:r>
-              <a:rPr lang="en-US" altLang="zh-CN" dirty="0">
-                <a:solidFill>
-                  <a:srgbClr val="000000"/>
-                </a:solidFill>
-                <a:effectLst/>
-              </a:rPr>
-              <a:t>5. </a:t>
-            </a:r>
-            <a:r>
-              <a:rPr lang="zh-CN" altLang="en-US" dirty="0">
-                <a:solidFill>
-                  <a:srgbClr val="000000"/>
-                </a:solidFill>
-                <a:effectLst/>
-              </a:rPr>
-              <a:t>知识库</a:t>
-            </a:r>
-            <a:endParaRPr lang="zh-CN" altLang="en-US" dirty="0">
-              <a:effectLst/>
-            </a:endParaRPr>
-          </a:p>
-          <a:p>
-            <a:r>
-              <a:rPr lang="en-US" altLang="zh-CN" dirty="0">
-                <a:solidFill>
-                  <a:srgbClr val="000000"/>
-                </a:solidFill>
-                <a:effectLst/>
-              </a:rPr>
-              <a:t>- </a:t>
-            </a:r>
-            <a:r>
-              <a:rPr lang="zh-CN" altLang="en-US" dirty="0">
-                <a:solidFill>
-                  <a:srgbClr val="000000"/>
-                </a:solidFill>
-                <a:effectLst/>
-              </a:rPr>
-              <a:t>用户可以上传文档，经过嵌入处理后成为模型的知识库</a:t>
-            </a:r>
-            <a:endParaRPr lang="zh-CN" altLang="en-US" dirty="0">
-              <a:effectLst/>
-            </a:endParaRPr>
-          </a:p>
-          <a:p>
-            <a:br>
-              <a:rPr lang="zh-CN" altLang="en-US" dirty="0">
-                <a:solidFill>
-                  <a:srgbClr val="000000"/>
-                </a:solidFill>
-                <a:effectLst/>
-              </a:rPr>
-            </a:br>
-            <a:endParaRPr lang="zh-CN" altLang="en-US" dirty="0">
-              <a:solidFill>
-                <a:srgbClr val="000000"/>
-              </a:solidFill>
-              <a:effectLst/>
-            </a:endParaRPr>
-          </a:p>
-          <a:p>
-            <a:r>
-              <a:rPr lang="en-US" altLang="zh-CN" dirty="0">
-                <a:solidFill>
-                  <a:srgbClr val="000000"/>
-                </a:solidFill>
-                <a:effectLst/>
-              </a:rPr>
-              <a:t>6. </a:t>
-            </a:r>
-            <a:r>
-              <a:rPr lang="zh-CN" altLang="en-US" dirty="0">
-                <a:solidFill>
-                  <a:srgbClr val="000000"/>
-                </a:solidFill>
-                <a:effectLst/>
-              </a:rPr>
-              <a:t>文生图</a:t>
-            </a:r>
-            <a:endParaRPr lang="zh-CN" altLang="en-US" dirty="0">
-              <a:effectLst/>
-            </a:endParaRPr>
-          </a:p>
-          <a:p>
-            <a:r>
-              <a:rPr lang="en-US" altLang="zh-CN" dirty="0">
-                <a:solidFill>
-                  <a:srgbClr val="000000"/>
-                </a:solidFill>
-                <a:effectLst/>
-              </a:rPr>
-              <a:t>- </a:t>
-            </a:r>
-            <a:r>
-              <a:rPr lang="zh-CN" altLang="en-US" dirty="0">
-                <a:solidFill>
-                  <a:srgbClr val="000000"/>
-                </a:solidFill>
-                <a:effectLst/>
-              </a:rPr>
-              <a:t>可以使用</a:t>
-            </a:r>
-            <a:r>
-              <a:rPr lang="en-US" altLang="zh-CN" dirty="0" err="1">
-                <a:solidFill>
-                  <a:srgbClr val="000000"/>
-                </a:solidFill>
-                <a:effectLst/>
-              </a:rPr>
-              <a:t>sd</a:t>
-            </a:r>
-            <a:r>
-              <a:rPr lang="zh-CN" altLang="en-US" dirty="0">
-                <a:solidFill>
-                  <a:srgbClr val="000000"/>
-                </a:solidFill>
-                <a:effectLst/>
-              </a:rPr>
-              <a:t>模型绘制图像</a:t>
-            </a:r>
-            <a:endParaRPr lang="zh-CN" altLang="en-US" dirty="0">
-              <a:effectLst/>
-            </a:endParaRPr>
-          </a:p>
-          <a:p>
-            <a:br>
-              <a:rPr lang="zh-CN" altLang="en-US" dirty="0">
-                <a:solidFill>
-                  <a:srgbClr val="000000"/>
-                </a:solidFill>
-                <a:effectLst/>
-              </a:rPr>
-            </a:br>
-            <a:endParaRPr lang="zh-CN" altLang="en-US" dirty="0">
-              <a:solidFill>
-                <a:srgbClr val="000000"/>
-              </a:solidFill>
-              <a:effectLst/>
-            </a:endParaRPr>
-          </a:p>
-          <a:p>
-            <a:r>
-              <a:rPr lang="en-US" altLang="zh-CN" dirty="0">
-                <a:solidFill>
-                  <a:srgbClr val="000000"/>
-                </a:solidFill>
-                <a:effectLst/>
-              </a:rPr>
-              <a:t>## </a:t>
-            </a:r>
-            <a:r>
-              <a:rPr lang="zh-CN" altLang="en-US" dirty="0">
-                <a:solidFill>
-                  <a:srgbClr val="000000"/>
-                </a:solidFill>
-                <a:effectLst/>
-              </a:rPr>
-              <a:t>源码编译</a:t>
-            </a:r>
-            <a:endParaRPr lang="zh-CN" altLang="en-US" dirty="0">
-              <a:effectLst/>
-            </a:endParaRPr>
-          </a:p>
-          <a:p>
-            <a:r>
-              <a:rPr lang="en-US" altLang="zh-CN" dirty="0">
-                <a:solidFill>
-                  <a:srgbClr val="000000"/>
-                </a:solidFill>
-                <a:effectLst/>
-              </a:rPr>
-              <a:t>1. </a:t>
-            </a:r>
-            <a:r>
-              <a:rPr lang="zh-CN" altLang="en-US" dirty="0">
-                <a:solidFill>
-                  <a:srgbClr val="000000"/>
-                </a:solidFill>
-                <a:effectLst/>
-              </a:rPr>
-              <a:t>配置环境</a:t>
-            </a:r>
-            <a:endParaRPr lang="zh-CN" altLang="en-US" dirty="0">
-              <a:effectLst/>
-            </a:endParaRPr>
-          </a:p>
-          <a:p>
-            <a:r>
-              <a:rPr lang="en-US" altLang="zh-CN" dirty="0">
-                <a:solidFill>
-                  <a:srgbClr val="000000"/>
-                </a:solidFill>
-                <a:effectLst/>
-              </a:rPr>
-              <a:t>- 64bit</a:t>
-            </a:r>
-            <a:r>
-              <a:rPr lang="zh-CN" altLang="en-US" dirty="0">
-                <a:solidFill>
-                  <a:srgbClr val="000000"/>
-                </a:solidFill>
-                <a:effectLst/>
-              </a:rPr>
-              <a:t>版本</a:t>
-            </a:r>
-            <a:r>
-              <a:rPr lang="en-US" altLang="zh-CN" dirty="0">
-                <a:solidFill>
-                  <a:srgbClr val="000000"/>
-                </a:solidFill>
-                <a:effectLst/>
-              </a:rPr>
-              <a:t>(op</a:t>
-            </a:r>
-            <a:endParaRPr lang="zh-CN" altLang="en-US" dirty="0">
-              <a:effectLst/>
-            </a:endParaRPr>
-          </a:p>
-          <a:p>
-            <a:r>
-              <a:rPr lang="en-US" altLang="zh-CN" dirty="0">
-                <a:solidFill>
-                  <a:srgbClr val="0000FF"/>
-                </a:solidFill>
-                <a:effectLst/>
-              </a:rPr>
-              <a:t>User:</a:t>
-            </a:r>
-            <a:endParaRPr lang="zh-CN" altLang="en-US" dirty="0">
-              <a:effectLst/>
-            </a:endParaRPr>
-          </a:p>
-          <a:p>
-            <a:r>
-              <a:rPr lang="zh-CN" altLang="en-US" dirty="0">
-                <a:solidFill>
-                  <a:srgbClr val="000000"/>
-                </a:solidFill>
-                <a:effectLst/>
-              </a:rPr>
-              <a:t>请介绍机体软件的功能</a:t>
-            </a:r>
-            <a:endParaRPr lang="zh-CN" altLang="en-US" dirty="0">
-              <a:effectLst/>
-            </a:endParaRPr>
-          </a:p>
-          <a:p>
-            <a:r>
-              <a:rPr lang="en-US" altLang="zh-CN" dirty="0">
-                <a:solidFill>
-                  <a:srgbClr val="0000FF"/>
-                </a:solidFill>
-                <a:effectLst/>
-              </a:rPr>
-              <a:t>Assistant:</a:t>
-            </a:r>
-            <a:endParaRPr lang="zh-CN" altLang="en-US" dirty="0">
-              <a:effectLst/>
-            </a:endParaRPr>
-          </a:p>
-          <a:p>
-            <a:br>
-              <a:rPr lang="zh-CN" altLang="en-US" dirty="0">
-                <a:solidFill>
-                  <a:srgbClr val="0000FF"/>
-                </a:solidFill>
-                <a:effectLst/>
-              </a:rPr>
-            </a:br>
-            <a:endParaRPr lang="zh-CN" altLang="en-US" dirty="0"/>
+              <a:rPr lang="zh-CN" altLang="en-US" dirty="0"/>
+              <a:t>软件演示并提问会如何输出</a:t>
+            </a:r>
+            <a:endParaRPr lang="en-US" altLang="zh-CN" dirty="0"/>
+          </a:p>
+          <a:p>
+            <a:r>
+              <a:rPr lang="zh-CN" altLang="en-US" dirty="0"/>
+              <a:t>引出知识库问答流程</a:t>
+            </a:r>
           </a:p>
         </p:txBody>
       </p:sp>
@@ -8531,6 +7093,1571 @@
           <a:p>
             <a:fld id="{5DE12CCA-7540-48DB-8E56-327F4EA06BC9}" type="slidenum">
               <a:rPr lang="zh-CN" altLang="en-US" smtClean="0"/>
+              <a:t>17</a:t>
+            </a:fld>
+            <a:endParaRPr lang="zh-CN" altLang="en-US"/>
+          </a:p>
+        </p:txBody>
+      </p:sp>
+    </p:spTree>
+    <p:extLst>
+      <p:ext uri="{BB962C8B-B14F-4D97-AF65-F5344CB8AC3E}">
+        <p14:creationId xmlns:p14="http://schemas.microsoft.com/office/powerpoint/2010/main" val="1078421095"/>
+      </p:ext>
+    </p:extLst>
+  </p:cSld>
+  <p:clrMapOvr>
+    <a:masterClrMapping/>
+  </p:clrMapOvr>
+</p:notes>
+</file>
+
+<file path=ppt/notesSlides/notesSlide16.xml><?xml version="1.0" encoding="utf-8"?>
+<p:notes xmlns:a="http://schemas.openxmlformats.org/drawingml/2006/main" xmlns:r="http://schemas.openxmlformats.org/officeDocument/2006/relationships" xmlns:p="http://schemas.openxmlformats.org/presentationml/2006/main">
+  <p:cSld>
+    <p:spTree>
+      <p:nvGrpSpPr>
+        <p:cNvPr id="1" name=""/>
+        <p:cNvGrpSpPr/>
+        <p:nvPr/>
+      </p:nvGrpSpPr>
+      <p:grpSpPr>
+        <a:xfrm>
+          <a:off x="0" y="0"/>
+          <a:ext cx="0" cy="0"/>
+          <a:chOff x="0" y="0"/>
+          <a:chExt cx="0" cy="0"/>
+        </a:xfrm>
+      </p:grpSpPr>
+      <p:sp>
+        <p:nvSpPr>
+          <p:cNvPr id="2" name="幻灯片图像占位符 1"/>
+          <p:cNvSpPr>
+            <a:spLocks noGrp="1" noRot="1" noChangeAspect="1"/>
+          </p:cNvSpPr>
+          <p:nvPr>
+            <p:ph type="sldImg"/>
+          </p:nvPr>
+        </p:nvSpPr>
+        <p:spPr/>
+      </p:sp>
+      <p:sp>
+        <p:nvSpPr>
+          <p:cNvPr id="3" name="备注占位符 2"/>
+          <p:cNvSpPr>
+            <a:spLocks noGrp="1"/>
+          </p:cNvSpPr>
+          <p:nvPr>
+            <p:ph type="body" idx="1"/>
+          </p:nvPr>
+        </p:nvSpPr>
+        <p:spPr/>
+        <p:txBody>
+          <a:bodyPr/>
+          <a:lstStyle/>
+          <a:p>
+            <a:r>
+              <a:rPr lang="en-US" altLang="zh-CN" dirty="0">
+                <a:solidFill>
+                  <a:srgbClr val="000000"/>
+                </a:solidFill>
+                <a:effectLst/>
+              </a:rPr>
+              <a:t>You are a helpful assistant.</a:t>
+            </a:r>
+            <a:endParaRPr lang="zh-CN" altLang="en-US" dirty="0">
+              <a:effectLst/>
+            </a:endParaRPr>
+          </a:p>
+          <a:p>
+            <a:r>
+              <a:rPr lang="en-US" altLang="zh-CN" dirty="0">
+                <a:solidFill>
+                  <a:srgbClr val="000000"/>
+                </a:solidFill>
+                <a:effectLst/>
+              </a:rPr>
+              <a:t># </a:t>
+            </a:r>
+            <a:r>
+              <a:rPr lang="zh-CN" altLang="en-US" dirty="0">
+                <a:solidFill>
+                  <a:srgbClr val="000000"/>
+                </a:solidFill>
+                <a:effectLst/>
+              </a:rPr>
+              <a:t>机体</a:t>
+            </a:r>
+            <a:endParaRPr lang="zh-CN" altLang="en-US" dirty="0">
+              <a:effectLst/>
+            </a:endParaRPr>
+          </a:p>
+          <a:p>
+            <a:r>
+              <a:rPr lang="zh-CN" altLang="en-US" dirty="0">
+                <a:solidFill>
+                  <a:srgbClr val="000000"/>
+                </a:solidFill>
+                <a:effectLst/>
+              </a:rPr>
+              <a:t>一款直观的大模型应用软件：机体 </a:t>
+            </a:r>
+            <a:r>
+              <a:rPr lang="en-US" altLang="zh-CN" dirty="0">
+                <a:solidFill>
+                  <a:srgbClr val="000000"/>
+                </a:solidFill>
+                <a:effectLst/>
+              </a:rPr>
+              <a:t>(qt5+llama.cpp-b2409)</a:t>
+            </a:r>
+            <a:endParaRPr lang="zh-CN" altLang="en-US" dirty="0">
+              <a:effectLst/>
+            </a:endParaRPr>
+          </a:p>
+          <a:p>
+            <a:br>
+              <a:rPr lang="zh-CN" altLang="en-US" dirty="0">
+                <a:solidFill>
+                  <a:srgbClr val="000000"/>
+                </a:solidFill>
+                <a:effectLst/>
+              </a:rPr>
+            </a:br>
+            <a:endParaRPr lang="zh-CN" altLang="en-US" dirty="0">
+              <a:solidFill>
+                <a:srgbClr val="000000"/>
+              </a:solidFill>
+              <a:effectLst/>
+            </a:endParaRPr>
+          </a:p>
+          <a:p>
+            <a:r>
+              <a:rPr lang="en-US" altLang="zh-CN" dirty="0">
+                <a:solidFill>
+                  <a:srgbClr val="000000"/>
+                </a:solidFill>
+                <a:effectLst/>
+              </a:rPr>
+              <a:t>## </a:t>
+            </a:r>
+            <a:r>
+              <a:rPr lang="zh-CN" altLang="en-US" dirty="0">
+                <a:solidFill>
+                  <a:srgbClr val="000000"/>
+                </a:solidFill>
+                <a:effectLst/>
+              </a:rPr>
+              <a:t>特点</a:t>
+            </a:r>
+            <a:endParaRPr lang="zh-CN" altLang="en-US" dirty="0">
+              <a:effectLst/>
+            </a:endParaRPr>
+          </a:p>
+          <a:p>
+            <a:br>
+              <a:rPr lang="zh-CN" altLang="en-US" dirty="0">
+                <a:solidFill>
+                  <a:srgbClr val="000000"/>
+                </a:solidFill>
+                <a:effectLst/>
+              </a:rPr>
+            </a:br>
+            <a:endParaRPr lang="zh-CN" altLang="en-US" dirty="0">
+              <a:solidFill>
+                <a:srgbClr val="000000"/>
+              </a:solidFill>
+              <a:effectLst/>
+            </a:endParaRPr>
+          </a:p>
+          <a:p>
+            <a:r>
+              <a:rPr lang="en-US" altLang="zh-CN" dirty="0">
+                <a:solidFill>
+                  <a:srgbClr val="000000"/>
+                </a:solidFill>
+                <a:effectLst/>
+              </a:rPr>
+              <a:t>- </a:t>
+            </a:r>
+            <a:r>
+              <a:rPr lang="zh-CN" altLang="en-US" dirty="0">
+                <a:solidFill>
+                  <a:srgbClr val="000000"/>
+                </a:solidFill>
+                <a:effectLst/>
+              </a:rPr>
+              <a:t>轻量</a:t>
+            </a:r>
+            <a:endParaRPr lang="zh-CN" altLang="en-US" dirty="0">
+              <a:effectLst/>
+            </a:endParaRPr>
+          </a:p>
+          <a:p>
+            <a:r>
+              <a:rPr lang="en-US" altLang="zh-CN" dirty="0">
+                <a:solidFill>
+                  <a:srgbClr val="000000"/>
+                </a:solidFill>
+                <a:effectLst/>
+              </a:rPr>
+              <a:t>- </a:t>
+            </a:r>
+            <a:r>
+              <a:rPr lang="zh-CN" altLang="en-US" dirty="0">
+                <a:solidFill>
+                  <a:srgbClr val="000000"/>
+                </a:solidFill>
+                <a:effectLst/>
+              </a:rPr>
+              <a:t>机体没有其它依赖组件，就是一个</a:t>
+            </a:r>
+            <a:r>
+              <a:rPr lang="en-US" altLang="zh-CN" dirty="0">
+                <a:solidFill>
+                  <a:srgbClr val="000000"/>
+                </a:solidFill>
+                <a:effectLst/>
+              </a:rPr>
+              <a:t>exe</a:t>
+            </a:r>
+            <a:r>
+              <a:rPr lang="zh-CN" altLang="en-US" dirty="0">
+                <a:solidFill>
+                  <a:srgbClr val="000000"/>
+                </a:solidFill>
+                <a:effectLst/>
+              </a:rPr>
+              <a:t>程序</a:t>
+            </a:r>
+            <a:endParaRPr lang="zh-CN" altLang="en-US" dirty="0">
+              <a:effectLst/>
+            </a:endParaRPr>
+          </a:p>
+          <a:p>
+            <a:r>
+              <a:rPr lang="en-US" altLang="zh-CN" dirty="0">
+                <a:solidFill>
+                  <a:srgbClr val="000000"/>
+                </a:solidFill>
+                <a:effectLst/>
+              </a:rPr>
+              <a:t>- win7</a:t>
+            </a:r>
+            <a:endParaRPr lang="zh-CN" altLang="en-US" dirty="0">
+              <a:effectLst/>
+            </a:endParaRPr>
+          </a:p>
+          <a:p>
+            <a:r>
+              <a:rPr lang="en-US" altLang="zh-CN" dirty="0">
+                <a:solidFill>
+                  <a:srgbClr val="000000"/>
+                </a:solidFill>
+                <a:effectLst/>
+              </a:rPr>
+              <a:t>- </a:t>
+            </a:r>
+            <a:r>
+              <a:rPr lang="zh-CN" altLang="en-US" dirty="0">
+                <a:solidFill>
+                  <a:srgbClr val="000000"/>
+                </a:solidFill>
+                <a:effectLst/>
+              </a:rPr>
+              <a:t>最低支持</a:t>
+            </a:r>
+            <a:r>
+              <a:rPr lang="en-US" altLang="zh-CN" dirty="0">
+                <a:solidFill>
+                  <a:srgbClr val="000000"/>
+                </a:solidFill>
+                <a:effectLst/>
+              </a:rPr>
+              <a:t>32</a:t>
+            </a:r>
+            <a:r>
+              <a:rPr lang="zh-CN" altLang="en-US" dirty="0">
+                <a:solidFill>
+                  <a:srgbClr val="000000"/>
+                </a:solidFill>
+                <a:effectLst/>
+              </a:rPr>
+              <a:t>位</a:t>
+            </a:r>
+            <a:r>
+              <a:rPr lang="en-US" altLang="zh-CN" dirty="0">
+                <a:solidFill>
+                  <a:srgbClr val="000000"/>
+                </a:solidFill>
+                <a:effectLst/>
+              </a:rPr>
+              <a:t>windows7</a:t>
+            </a:r>
+            <a:endParaRPr lang="zh-CN" altLang="en-US" dirty="0">
+              <a:effectLst/>
+            </a:endParaRPr>
+          </a:p>
+          <a:p>
+            <a:r>
+              <a:rPr lang="en-US" altLang="zh-CN" dirty="0">
+                <a:solidFill>
+                  <a:srgbClr val="000000"/>
+                </a:solidFill>
+                <a:effectLst/>
+              </a:rPr>
+              <a:t>- </a:t>
+            </a:r>
+            <a:r>
+              <a:rPr lang="zh-CN" altLang="en-US" dirty="0">
+                <a:solidFill>
+                  <a:srgbClr val="000000"/>
+                </a:solidFill>
+                <a:effectLst/>
+              </a:rPr>
+              <a:t>具有编译到</a:t>
+            </a:r>
+            <a:r>
+              <a:rPr lang="en-US" altLang="zh-CN" dirty="0">
+                <a:solidFill>
+                  <a:srgbClr val="000000"/>
+                </a:solidFill>
+                <a:effectLst/>
+              </a:rPr>
+              <a:t>(x86</a:t>
+            </a:r>
+            <a:r>
+              <a:rPr lang="zh-CN" altLang="en-US" dirty="0">
+                <a:solidFill>
+                  <a:srgbClr val="000000"/>
+                </a:solidFill>
+                <a:effectLst/>
+              </a:rPr>
+              <a:t>，</a:t>
+            </a:r>
+            <a:r>
+              <a:rPr lang="en-US" altLang="zh-CN" dirty="0">
+                <a:solidFill>
+                  <a:srgbClr val="000000"/>
+                </a:solidFill>
+                <a:effectLst/>
+              </a:rPr>
+              <a:t>arm</a:t>
+            </a:r>
+            <a:r>
+              <a:rPr lang="zh-CN" altLang="en-US" dirty="0">
+                <a:solidFill>
+                  <a:srgbClr val="000000"/>
+                </a:solidFill>
+                <a:effectLst/>
+              </a:rPr>
+              <a:t>，</a:t>
+            </a:r>
+            <a:r>
+              <a:rPr lang="en-US" altLang="zh-CN" dirty="0">
+                <a:solidFill>
+                  <a:srgbClr val="000000"/>
+                </a:solidFill>
+                <a:effectLst/>
+              </a:rPr>
+              <a:t>windows</a:t>
+            </a:r>
+            <a:r>
+              <a:rPr lang="zh-CN" altLang="en-US" dirty="0">
+                <a:solidFill>
+                  <a:srgbClr val="000000"/>
+                </a:solidFill>
+                <a:effectLst/>
+              </a:rPr>
+              <a:t>，</a:t>
+            </a:r>
+            <a:r>
+              <a:rPr lang="en-US" altLang="zh-CN" dirty="0" err="1">
+                <a:solidFill>
+                  <a:srgbClr val="000000"/>
+                </a:solidFill>
+                <a:effectLst/>
+              </a:rPr>
+              <a:t>linux</a:t>
+            </a:r>
+            <a:r>
+              <a:rPr lang="zh-CN" altLang="en-US" dirty="0">
+                <a:solidFill>
+                  <a:srgbClr val="000000"/>
+                </a:solidFill>
+                <a:effectLst/>
+              </a:rPr>
+              <a:t>，</a:t>
+            </a:r>
+            <a:r>
+              <a:rPr lang="en-US" altLang="zh-CN" dirty="0" err="1">
+                <a:solidFill>
+                  <a:srgbClr val="000000"/>
+                </a:solidFill>
+                <a:effectLst/>
+              </a:rPr>
+              <a:t>macos</a:t>
+            </a:r>
+            <a:r>
+              <a:rPr lang="zh-CN" altLang="en-US" dirty="0">
+                <a:solidFill>
+                  <a:srgbClr val="000000"/>
+                </a:solidFill>
+                <a:effectLst/>
+              </a:rPr>
+              <a:t>，</a:t>
+            </a:r>
+            <a:r>
+              <a:rPr lang="en-US" altLang="zh-CN" dirty="0">
+                <a:solidFill>
+                  <a:srgbClr val="000000"/>
+                </a:solidFill>
+                <a:effectLst/>
+              </a:rPr>
+              <a:t>android</a:t>
+            </a:r>
+            <a:r>
+              <a:rPr lang="zh-CN" altLang="en-US" dirty="0">
+                <a:solidFill>
+                  <a:srgbClr val="000000"/>
+                </a:solidFill>
+                <a:effectLst/>
+              </a:rPr>
+              <a:t>，</a:t>
+            </a:r>
+            <a:r>
+              <a:rPr lang="en-US" altLang="zh-CN" dirty="0" err="1">
+                <a:solidFill>
+                  <a:srgbClr val="000000"/>
+                </a:solidFill>
+                <a:effectLst/>
+              </a:rPr>
+              <a:t>cuda</a:t>
+            </a:r>
+            <a:r>
+              <a:rPr lang="zh-CN" altLang="en-US" dirty="0">
+                <a:solidFill>
+                  <a:srgbClr val="000000"/>
+                </a:solidFill>
+                <a:effectLst/>
+              </a:rPr>
+              <a:t>，</a:t>
+            </a:r>
+            <a:r>
+              <a:rPr lang="en-US" altLang="zh-CN" dirty="0" err="1">
+                <a:solidFill>
+                  <a:srgbClr val="000000"/>
+                </a:solidFill>
+                <a:effectLst/>
+              </a:rPr>
+              <a:t>rocm</a:t>
+            </a:r>
+            <a:r>
+              <a:rPr lang="zh-CN" altLang="en-US" dirty="0">
+                <a:solidFill>
+                  <a:srgbClr val="000000"/>
+                </a:solidFill>
+                <a:effectLst/>
+              </a:rPr>
+              <a:t>，</a:t>
+            </a:r>
+            <a:r>
+              <a:rPr lang="en-US" altLang="zh-CN" dirty="0" err="1">
+                <a:solidFill>
+                  <a:srgbClr val="000000"/>
+                </a:solidFill>
+                <a:effectLst/>
+              </a:rPr>
+              <a:t>vulkan</a:t>
+            </a:r>
+            <a:r>
+              <a:rPr lang="en-US" altLang="zh-CN" dirty="0">
+                <a:solidFill>
+                  <a:srgbClr val="000000"/>
+                </a:solidFill>
+                <a:effectLst/>
+              </a:rPr>
+              <a:t>)</a:t>
+            </a:r>
+            <a:r>
+              <a:rPr lang="zh-CN" altLang="en-US" dirty="0">
+                <a:solidFill>
+                  <a:srgbClr val="000000"/>
+                </a:solidFill>
+                <a:effectLst/>
+              </a:rPr>
+              <a:t>的潜力</a:t>
+            </a:r>
+            <a:endParaRPr lang="zh-CN" altLang="en-US" dirty="0">
+              <a:effectLst/>
+            </a:endParaRPr>
+          </a:p>
+          <a:p>
+            <a:r>
+              <a:rPr lang="en-US" altLang="zh-CN" dirty="0">
+                <a:solidFill>
+                  <a:srgbClr val="000000"/>
+                </a:solidFill>
+                <a:effectLst/>
+              </a:rPr>
+              <a:t>- </a:t>
+            </a:r>
+            <a:r>
+              <a:rPr lang="zh-CN" altLang="en-US" dirty="0">
+                <a:solidFill>
+                  <a:srgbClr val="000000"/>
+                </a:solidFill>
+                <a:effectLst/>
+              </a:rPr>
+              <a:t>多功能</a:t>
+            </a:r>
+            <a:endParaRPr lang="zh-CN" altLang="en-US" dirty="0">
+              <a:effectLst/>
+            </a:endParaRPr>
+          </a:p>
+          <a:p>
+            <a:r>
+              <a:rPr lang="en-US" altLang="zh-CN" dirty="0">
+                <a:solidFill>
+                  <a:srgbClr val="000000"/>
+                </a:solidFill>
+                <a:effectLst/>
+              </a:rPr>
+              <a:t>- </a:t>
+            </a:r>
+            <a:r>
+              <a:rPr lang="zh-CN" altLang="en-US" dirty="0">
+                <a:solidFill>
+                  <a:srgbClr val="000000"/>
+                </a:solidFill>
+                <a:effectLst/>
+              </a:rPr>
+              <a:t>本地模型交互，</a:t>
+            </a:r>
+            <a:endParaRPr lang="zh-CN" altLang="en-US" dirty="0">
+              <a:effectLst/>
+            </a:endParaRPr>
+          </a:p>
+          <a:p>
+            <a:r>
+              <a:rPr lang="en-US" altLang="zh-CN" dirty="0">
+                <a:solidFill>
+                  <a:srgbClr val="000000"/>
+                </a:solidFill>
+                <a:effectLst/>
+              </a:rPr>
+              <a:t>32</a:t>
+            </a:r>
+            <a:r>
+              <a:rPr lang="zh-CN" altLang="en-US" dirty="0">
+                <a:solidFill>
+                  <a:srgbClr val="000000"/>
+                </a:solidFill>
+                <a:effectLst/>
+              </a:rPr>
+              <a:t>位</a:t>
+            </a:r>
+            <a:r>
+              <a:rPr lang="en-US" altLang="zh-CN" dirty="0">
+                <a:solidFill>
+                  <a:srgbClr val="000000"/>
+                </a:solidFill>
+                <a:effectLst/>
+              </a:rPr>
+              <a:t>windows7</a:t>
+            </a:r>
+            <a:endParaRPr lang="zh-CN" altLang="en-US" dirty="0">
+              <a:effectLst/>
+            </a:endParaRPr>
+          </a:p>
+          <a:p>
+            <a:r>
+              <a:rPr lang="en-US" altLang="zh-CN" dirty="0">
+                <a:solidFill>
+                  <a:srgbClr val="000000"/>
+                </a:solidFill>
+                <a:effectLst/>
+              </a:rPr>
+              <a:t>- </a:t>
+            </a:r>
+            <a:r>
+              <a:rPr lang="zh-CN" altLang="en-US" dirty="0">
+                <a:solidFill>
+                  <a:srgbClr val="000000"/>
+                </a:solidFill>
+                <a:effectLst/>
+              </a:rPr>
+              <a:t>具有编译到</a:t>
+            </a:r>
+            <a:r>
+              <a:rPr lang="en-US" altLang="zh-CN" dirty="0">
+                <a:solidFill>
+                  <a:srgbClr val="000000"/>
+                </a:solidFill>
+                <a:effectLst/>
+              </a:rPr>
+              <a:t>(x86</a:t>
+            </a:r>
+            <a:r>
+              <a:rPr lang="zh-CN" altLang="en-US" dirty="0">
+                <a:solidFill>
+                  <a:srgbClr val="000000"/>
+                </a:solidFill>
+                <a:effectLst/>
+              </a:rPr>
+              <a:t>，</a:t>
+            </a:r>
+            <a:r>
+              <a:rPr lang="en-US" altLang="zh-CN" dirty="0">
+                <a:solidFill>
+                  <a:srgbClr val="000000"/>
+                </a:solidFill>
+                <a:effectLst/>
+              </a:rPr>
+              <a:t>arm</a:t>
+            </a:r>
+            <a:r>
+              <a:rPr lang="zh-CN" altLang="en-US" dirty="0">
+                <a:solidFill>
+                  <a:srgbClr val="000000"/>
+                </a:solidFill>
+                <a:effectLst/>
+              </a:rPr>
+              <a:t>，</a:t>
+            </a:r>
+            <a:r>
+              <a:rPr lang="en-US" altLang="zh-CN" dirty="0">
+                <a:solidFill>
+                  <a:srgbClr val="000000"/>
+                </a:solidFill>
+                <a:effectLst/>
+              </a:rPr>
+              <a:t>windows</a:t>
+            </a:r>
+            <a:r>
+              <a:rPr lang="zh-CN" altLang="en-US" dirty="0">
+                <a:solidFill>
+                  <a:srgbClr val="000000"/>
+                </a:solidFill>
+                <a:effectLst/>
+              </a:rPr>
+              <a:t>，</a:t>
+            </a:r>
+            <a:r>
+              <a:rPr lang="en-US" altLang="zh-CN" dirty="0" err="1">
+                <a:solidFill>
+                  <a:srgbClr val="000000"/>
+                </a:solidFill>
+                <a:effectLst/>
+              </a:rPr>
+              <a:t>linux</a:t>
+            </a:r>
+            <a:r>
+              <a:rPr lang="zh-CN" altLang="en-US" dirty="0">
+                <a:solidFill>
+                  <a:srgbClr val="000000"/>
+                </a:solidFill>
+                <a:effectLst/>
+              </a:rPr>
+              <a:t>，</a:t>
+            </a:r>
+            <a:r>
+              <a:rPr lang="en-US" altLang="zh-CN" dirty="0" err="1">
+                <a:solidFill>
+                  <a:srgbClr val="000000"/>
+                </a:solidFill>
+                <a:effectLst/>
+              </a:rPr>
+              <a:t>macos</a:t>
+            </a:r>
+            <a:r>
+              <a:rPr lang="zh-CN" altLang="en-US" dirty="0">
+                <a:solidFill>
+                  <a:srgbClr val="000000"/>
+                </a:solidFill>
+                <a:effectLst/>
+              </a:rPr>
+              <a:t>，</a:t>
+            </a:r>
+            <a:r>
+              <a:rPr lang="en-US" altLang="zh-CN" dirty="0">
+                <a:solidFill>
+                  <a:srgbClr val="000000"/>
+                </a:solidFill>
+                <a:effectLst/>
+              </a:rPr>
+              <a:t>android</a:t>
+            </a:r>
+            <a:r>
+              <a:rPr lang="zh-CN" altLang="en-US" dirty="0">
+                <a:solidFill>
+                  <a:srgbClr val="000000"/>
+                </a:solidFill>
+                <a:effectLst/>
+              </a:rPr>
+              <a:t>，</a:t>
+            </a:r>
+            <a:r>
+              <a:rPr lang="en-US" altLang="zh-CN" dirty="0" err="1">
+                <a:solidFill>
+                  <a:srgbClr val="000000"/>
+                </a:solidFill>
+                <a:effectLst/>
+              </a:rPr>
+              <a:t>cuda</a:t>
+            </a:r>
+            <a:r>
+              <a:rPr lang="zh-CN" altLang="en-US" dirty="0">
+                <a:solidFill>
+                  <a:srgbClr val="000000"/>
+                </a:solidFill>
+                <a:effectLst/>
+              </a:rPr>
+              <a:t>，</a:t>
+            </a:r>
+            <a:r>
+              <a:rPr lang="en-US" altLang="zh-CN" dirty="0" err="1">
+                <a:solidFill>
+                  <a:srgbClr val="000000"/>
+                </a:solidFill>
+                <a:effectLst/>
+              </a:rPr>
+              <a:t>rocm</a:t>
+            </a:r>
+            <a:r>
+              <a:rPr lang="zh-CN" altLang="en-US" dirty="0">
+                <a:solidFill>
+                  <a:srgbClr val="000000"/>
+                </a:solidFill>
+                <a:effectLst/>
+              </a:rPr>
+              <a:t>，</a:t>
+            </a:r>
+            <a:r>
+              <a:rPr lang="en-US" altLang="zh-CN" dirty="0" err="1">
+                <a:solidFill>
+                  <a:srgbClr val="000000"/>
+                </a:solidFill>
+                <a:effectLst/>
+              </a:rPr>
+              <a:t>vulkan</a:t>
+            </a:r>
+            <a:r>
+              <a:rPr lang="en-US" altLang="zh-CN" dirty="0">
+                <a:solidFill>
+                  <a:srgbClr val="000000"/>
+                </a:solidFill>
+                <a:effectLst/>
+              </a:rPr>
+              <a:t>)</a:t>
+            </a:r>
+            <a:r>
+              <a:rPr lang="zh-CN" altLang="en-US" dirty="0">
+                <a:solidFill>
+                  <a:srgbClr val="000000"/>
+                </a:solidFill>
+                <a:effectLst/>
+              </a:rPr>
+              <a:t>的潜力</a:t>
+            </a:r>
+            <a:endParaRPr lang="zh-CN" altLang="en-US" dirty="0">
+              <a:effectLst/>
+            </a:endParaRPr>
+          </a:p>
+          <a:p>
+            <a:r>
+              <a:rPr lang="en-US" altLang="zh-CN" dirty="0">
+                <a:solidFill>
+                  <a:srgbClr val="000000"/>
+                </a:solidFill>
+                <a:effectLst/>
+              </a:rPr>
+              <a:t>- </a:t>
+            </a:r>
+            <a:r>
+              <a:rPr lang="zh-CN" altLang="en-US" dirty="0">
+                <a:solidFill>
+                  <a:srgbClr val="000000"/>
+                </a:solidFill>
+                <a:effectLst/>
+              </a:rPr>
+              <a:t>多功能</a:t>
+            </a:r>
+            <a:endParaRPr lang="zh-CN" altLang="en-US" dirty="0">
+              <a:effectLst/>
+            </a:endParaRPr>
+          </a:p>
+          <a:p>
+            <a:r>
+              <a:rPr lang="en-US" altLang="zh-CN" dirty="0">
+                <a:solidFill>
+                  <a:srgbClr val="000000"/>
+                </a:solidFill>
+                <a:effectLst/>
+              </a:rPr>
+              <a:t>- </a:t>
+            </a:r>
+            <a:r>
+              <a:rPr lang="zh-CN" altLang="en-US" dirty="0">
+                <a:solidFill>
+                  <a:srgbClr val="000000"/>
+                </a:solidFill>
+                <a:effectLst/>
+              </a:rPr>
+              <a:t>本地模型交互，多模态，在线模型交互，对外</a:t>
+            </a:r>
+            <a:r>
+              <a:rPr lang="en-US" altLang="zh-CN" dirty="0" err="1">
+                <a:solidFill>
+                  <a:srgbClr val="000000"/>
+                </a:solidFill>
+                <a:effectLst/>
+              </a:rPr>
+              <a:t>api</a:t>
+            </a:r>
+            <a:r>
+              <a:rPr lang="zh-CN" altLang="en-US" dirty="0">
+                <a:solidFill>
+                  <a:srgbClr val="000000"/>
+                </a:solidFill>
+                <a:effectLst/>
+              </a:rPr>
+              <a:t>服务，智能体，知识库问答，模型量化，文生图，声转文</a:t>
+            </a:r>
+            <a:endParaRPr lang="zh-CN" altLang="en-US" dirty="0">
+              <a:effectLst/>
+            </a:endParaRPr>
+          </a:p>
+          <a:p>
+            <a:r>
+              <a:rPr lang="en-US" altLang="zh-CN" dirty="0">
+                <a:solidFill>
+                  <a:srgbClr val="000000"/>
+                </a:solidFill>
+                <a:effectLst/>
+              </a:rPr>
+              <a:t>- </a:t>
+            </a:r>
+            <a:r>
+              <a:rPr lang="zh-CN" altLang="en-US" dirty="0">
+                <a:solidFill>
+                  <a:srgbClr val="000000"/>
+                </a:solidFill>
+                <a:effectLst/>
+              </a:rPr>
+              <a:t>直观</a:t>
+            </a:r>
+            <a:endParaRPr lang="zh-CN" altLang="en-US" dirty="0">
+              <a:effectLst/>
+            </a:endParaRPr>
+          </a:p>
+          <a:p>
+            <a:r>
+              <a:rPr lang="en-US" altLang="zh-CN" dirty="0">
+                <a:solidFill>
+                  <a:srgbClr val="000000"/>
+                </a:solidFill>
+                <a:effectLst/>
+              </a:rPr>
+              <a:t>- </a:t>
+            </a:r>
+            <a:r>
+              <a:rPr lang="zh-CN" altLang="en-US" dirty="0">
+                <a:solidFill>
+                  <a:srgbClr val="000000"/>
+                </a:solidFill>
+                <a:effectLst/>
+              </a:rPr>
+              <a:t>输出区的内容就是模型的全部现实</a:t>
+            </a:r>
+            <a:endParaRPr lang="zh-CN" altLang="en-US" dirty="0">
+              <a:effectLst/>
+            </a:endParaRPr>
+          </a:p>
+          <a:p>
+            <a:r>
+              <a:rPr lang="en-US" altLang="zh-CN" dirty="0">
+                <a:solidFill>
+                  <a:srgbClr val="000000"/>
+                </a:solidFill>
+                <a:effectLst/>
+              </a:rPr>
+              <a:t>- </a:t>
+            </a:r>
+            <a:r>
+              <a:rPr lang="zh-CN" altLang="en-US" dirty="0">
+                <a:solidFill>
+                  <a:srgbClr val="000000"/>
+                </a:solidFill>
+                <a:effectLst/>
+              </a:rPr>
+              <a:t>状态区的内容就是全部工作流程</a:t>
+            </a:r>
+            <a:endParaRPr lang="zh-CN" altLang="en-US" dirty="0">
+              <a:effectLst/>
+            </a:endParaRPr>
+          </a:p>
+          <a:p>
+            <a:br>
+              <a:rPr lang="zh-CN" altLang="en-US" dirty="0">
+                <a:solidFill>
+                  <a:srgbClr val="000000"/>
+                </a:solidFill>
+                <a:effectLst/>
+              </a:rPr>
+            </a:br>
+            <a:endParaRPr lang="zh-CN" altLang="en-US" dirty="0">
+              <a:solidFill>
+                <a:srgbClr val="000000"/>
+              </a:solidFill>
+              <a:effectLst/>
+            </a:endParaRPr>
+          </a:p>
+          <a:p>
+            <a:r>
+              <a:rPr lang="en-US" altLang="zh-CN" dirty="0">
+                <a:solidFill>
+                  <a:srgbClr val="000000"/>
+                </a:solidFill>
+                <a:effectLst/>
+              </a:rPr>
+              <a:t>## </a:t>
+            </a:r>
+            <a:r>
+              <a:rPr lang="zh-CN" altLang="en-US" dirty="0">
+                <a:solidFill>
+                  <a:srgbClr val="000000"/>
+                </a:solidFill>
+                <a:effectLst/>
+              </a:rPr>
+              <a:t>快速开始</a:t>
+            </a:r>
+            <a:endParaRPr lang="zh-CN" altLang="en-US" dirty="0">
+              <a:effectLst/>
+            </a:endParaRPr>
+          </a:p>
+          <a:p>
+            <a:r>
+              <a:rPr lang="en-US" altLang="zh-CN" dirty="0">
+                <a:solidFill>
+                  <a:srgbClr val="000000"/>
+                </a:solidFill>
+                <a:effectLst/>
+              </a:rPr>
+              <a:t>1. </a:t>
+            </a:r>
+            <a:r>
+              <a:rPr lang="zh-CN" altLang="en-US" dirty="0">
+                <a:solidFill>
+                  <a:srgbClr val="000000"/>
+                </a:solidFill>
+                <a:effectLst/>
+              </a:rPr>
+              <a:t>下载一个机体</a:t>
+            </a:r>
+            <a:endParaRPr lang="zh-CN" altLang="en-US" dirty="0">
+              <a:effectLst/>
+            </a:endParaRPr>
+          </a:p>
+          <a:p>
+            <a:r>
+              <a:rPr lang="en-US" altLang="zh-CN" dirty="0">
+                <a:solidFill>
+                  <a:srgbClr val="000000"/>
+                </a:solidFill>
+                <a:effectLst/>
+              </a:rPr>
+              <a:t>- https://pan.baidu.com/s/18NOUMjaJIZsV_Z</a:t>
+            </a:r>
+            <a:endParaRPr lang="zh-CN" altLang="en-US" dirty="0">
+              <a:effectLst/>
+            </a:endParaRPr>
+          </a:p>
+          <a:p>
+            <a:r>
+              <a:rPr lang="en-US" altLang="zh-CN" dirty="0">
+                <a:solidFill>
+                  <a:srgbClr val="000000"/>
+                </a:solidFill>
+                <a:effectLst/>
+              </a:rPr>
+              <a:t>csv</a:t>
+            </a:r>
+            <a:r>
+              <a:rPr lang="zh-CN" altLang="en-US" dirty="0">
+                <a:solidFill>
+                  <a:srgbClr val="000000"/>
+                </a:solidFill>
+                <a:effectLst/>
+              </a:rPr>
+              <a:t>格式的题库进行测试</a:t>
+            </a:r>
+            <a:endParaRPr lang="zh-CN" altLang="en-US" dirty="0">
+              <a:effectLst/>
+            </a:endParaRPr>
+          </a:p>
+          <a:p>
+            <a:r>
+              <a:rPr lang="en-US" altLang="zh-CN" dirty="0">
+                <a:solidFill>
+                  <a:srgbClr val="000000"/>
+                </a:solidFill>
+                <a:effectLst/>
+              </a:rPr>
+              <a:t>- </a:t>
+            </a:r>
+            <a:r>
+              <a:rPr lang="zh-CN" altLang="en-US" dirty="0">
+                <a:solidFill>
+                  <a:srgbClr val="000000"/>
+                </a:solidFill>
+                <a:effectLst/>
+              </a:rPr>
+              <a:t>可以按</a:t>
+            </a:r>
+            <a:r>
+              <a:rPr lang="en-US" altLang="zh-CN" dirty="0">
+                <a:solidFill>
+                  <a:srgbClr val="000000"/>
+                </a:solidFill>
+                <a:effectLst/>
+              </a:rPr>
+              <a:t>f1</a:t>
+            </a:r>
+            <a:r>
+              <a:rPr lang="zh-CN" altLang="en-US" dirty="0">
+                <a:solidFill>
+                  <a:srgbClr val="000000"/>
+                </a:solidFill>
+                <a:effectLst/>
+              </a:rPr>
+              <a:t>截图，按</a:t>
+            </a:r>
+            <a:r>
+              <a:rPr lang="en-US" altLang="zh-CN" dirty="0">
+                <a:solidFill>
+                  <a:srgbClr val="000000"/>
+                </a:solidFill>
+                <a:effectLst/>
+              </a:rPr>
+              <a:t>f2</a:t>
+            </a:r>
+            <a:r>
+              <a:rPr lang="zh-CN" altLang="en-US" dirty="0">
+                <a:solidFill>
+                  <a:srgbClr val="000000"/>
+                </a:solidFill>
+                <a:effectLst/>
+              </a:rPr>
+              <a:t>进行录音，截图和录音会发送给多模态或</a:t>
+            </a:r>
+            <a:r>
+              <a:rPr lang="en-US" altLang="zh-CN" dirty="0">
+                <a:solidFill>
+                  <a:srgbClr val="000000"/>
+                </a:solidFill>
+                <a:effectLst/>
+              </a:rPr>
+              <a:t>whisper</a:t>
+            </a:r>
+            <a:r>
+              <a:rPr lang="zh-CN" altLang="en-US" dirty="0">
+                <a:solidFill>
+                  <a:srgbClr val="000000"/>
+                </a:solidFill>
+                <a:effectLst/>
+              </a:rPr>
+              <a:t>模型进行相应处理</a:t>
+            </a:r>
+            <a:endParaRPr lang="zh-CN" altLang="en-US" dirty="0">
+              <a:effectLst/>
+            </a:endParaRPr>
+          </a:p>
+          <a:p>
+            <a:r>
+              <a:rPr lang="en-US" altLang="zh-CN" dirty="0">
+                <a:solidFill>
+                  <a:srgbClr val="000000"/>
+                </a:solidFill>
+                <a:effectLst/>
+              </a:rPr>
+              <a:t>2. </a:t>
+            </a:r>
+            <a:r>
+              <a:rPr lang="zh-CN" altLang="en-US" dirty="0">
+                <a:solidFill>
+                  <a:srgbClr val="000000"/>
+                </a:solidFill>
+                <a:effectLst/>
+              </a:rPr>
+              <a:t>补完模式</a:t>
+            </a:r>
+            <a:endParaRPr lang="zh-CN" altLang="en-US" dirty="0">
+              <a:effectLst/>
+            </a:endParaRPr>
+          </a:p>
+          <a:p>
+            <a:r>
+              <a:rPr lang="en-US" altLang="zh-CN" dirty="0">
+                <a:solidFill>
+                  <a:srgbClr val="000000"/>
+                </a:solidFill>
+                <a:effectLst/>
+              </a:rPr>
+              <a:t>- </a:t>
+            </a:r>
+            <a:r>
+              <a:rPr lang="zh-CN" altLang="en-US" dirty="0">
+                <a:solidFill>
+                  <a:srgbClr val="000000"/>
+                </a:solidFill>
+                <a:effectLst/>
+              </a:rPr>
+              <a:t>在输出区输入一段文字，模型对其进行补完</a:t>
+            </a:r>
+            <a:endParaRPr lang="zh-CN" altLang="en-US" dirty="0">
+              <a:effectLst/>
+            </a:endParaRPr>
+          </a:p>
+          <a:p>
+            <a:r>
+              <a:rPr lang="en-US" altLang="zh-CN" dirty="0">
+                <a:solidFill>
+                  <a:srgbClr val="000000"/>
+                </a:solidFill>
+                <a:effectLst/>
+              </a:rPr>
+              <a:t>3. </a:t>
+            </a:r>
+            <a:r>
+              <a:rPr lang="zh-CN" altLang="en-US" dirty="0">
+                <a:solidFill>
+                  <a:srgbClr val="000000"/>
+                </a:solidFill>
+                <a:effectLst/>
+              </a:rPr>
+              <a:t>服务模式</a:t>
+            </a:r>
+            <a:endParaRPr lang="zh-CN" altLang="en-US" dirty="0">
+              <a:effectLst/>
+            </a:endParaRPr>
+          </a:p>
+          <a:p>
+            <a:r>
+              <a:rPr lang="en-US" altLang="zh-CN" dirty="0">
+                <a:solidFill>
+                  <a:srgbClr val="000000"/>
+                </a:solidFill>
+                <a:effectLst/>
+              </a:rPr>
+              <a:t>- </a:t>
+            </a:r>
+            <a:r>
+              <a:rPr lang="zh-CN" altLang="en-US" dirty="0">
+                <a:solidFill>
+                  <a:srgbClr val="000000"/>
+                </a:solidFill>
+                <a:effectLst/>
+              </a:rPr>
+              <a:t>机体成为一个开放</a:t>
+            </a:r>
+            <a:r>
+              <a:rPr lang="en-US" altLang="zh-CN" dirty="0" err="1">
+                <a:solidFill>
+                  <a:srgbClr val="000000"/>
+                </a:solidFill>
+                <a:effectLst/>
+              </a:rPr>
+              <a:t>api</a:t>
+            </a:r>
+            <a:r>
+              <a:rPr lang="zh-CN" altLang="en-US" dirty="0">
+                <a:solidFill>
+                  <a:srgbClr val="000000"/>
+                </a:solidFill>
+                <a:effectLst/>
+              </a:rPr>
+              <a:t>端口的服务，也可以在网页上进行聊天</a:t>
+            </a:r>
+            <a:endParaRPr lang="zh-CN" altLang="en-US" dirty="0">
+              <a:effectLst/>
+            </a:endParaRPr>
+          </a:p>
+          <a:p>
+            <a:r>
+              <a:rPr lang="en-US" altLang="zh-CN" dirty="0">
+                <a:solidFill>
+                  <a:srgbClr val="000000"/>
+                </a:solidFill>
+                <a:effectLst/>
+              </a:rPr>
+              <a:t>4. </a:t>
+            </a:r>
+            <a:r>
+              <a:rPr lang="zh-CN" altLang="en-US" dirty="0">
+                <a:solidFill>
+                  <a:srgbClr val="000000"/>
+                </a:solidFill>
+                <a:effectLst/>
+              </a:rPr>
+              <a:t>链接状态</a:t>
+            </a:r>
+            <a:endParaRPr lang="zh-CN" altLang="en-US" dirty="0">
+              <a:effectLst/>
+            </a:endParaRPr>
+          </a:p>
+          <a:p>
+            <a:r>
+              <a:rPr lang="en-US" altLang="zh-CN" dirty="0">
+                <a:solidFill>
+                  <a:srgbClr val="000000"/>
+                </a:solidFill>
+                <a:effectLst/>
+              </a:rPr>
+              <a:t>- </a:t>
+            </a:r>
+            <a:r>
+              <a:rPr lang="zh-CN" altLang="en-US" dirty="0">
+                <a:solidFill>
+                  <a:srgbClr val="000000"/>
+                </a:solidFill>
+                <a:effectLst/>
+              </a:rPr>
+              <a:t>机体利用</a:t>
+            </a:r>
+            <a:r>
+              <a:rPr lang="en-US" altLang="zh-CN" dirty="0" err="1">
+                <a:solidFill>
+                  <a:srgbClr val="000000"/>
+                </a:solidFill>
+                <a:effectLst/>
+              </a:rPr>
+              <a:t>api</a:t>
+            </a:r>
+            <a:r>
+              <a:rPr lang="zh-CN" altLang="en-US" dirty="0">
+                <a:solidFill>
+                  <a:srgbClr val="000000"/>
+                </a:solidFill>
+                <a:effectLst/>
+              </a:rPr>
+              <a:t>服务的端点，不需要装载模型也能运行</a:t>
+            </a:r>
+            <a:endParaRPr lang="zh-CN" altLang="en-US" dirty="0">
+              <a:effectLst/>
+            </a:endParaRPr>
+          </a:p>
+          <a:p>
+            <a:r>
+              <a:rPr lang="en-US" altLang="zh-CN" dirty="0">
+                <a:solidFill>
+                  <a:srgbClr val="000000"/>
+                </a:solidFill>
+                <a:effectLst/>
+              </a:rPr>
+              <a:t>5. </a:t>
+            </a:r>
+            <a:r>
+              <a:rPr lang="zh-CN" altLang="en-US" dirty="0">
+                <a:solidFill>
+                  <a:srgbClr val="000000"/>
+                </a:solidFill>
+                <a:effectLst/>
+              </a:rPr>
+              <a:t>知识库</a:t>
+            </a:r>
+            <a:endParaRPr lang="zh-CN" altLang="en-US" dirty="0">
+              <a:effectLst/>
+            </a:endParaRPr>
+          </a:p>
+          <a:p>
+            <a:r>
+              <a:rPr lang="en-US" altLang="zh-CN" dirty="0">
+                <a:solidFill>
+                  <a:srgbClr val="000000"/>
+                </a:solidFill>
+                <a:effectLst/>
+              </a:rPr>
+              <a:t>- </a:t>
+            </a:r>
+            <a:r>
+              <a:rPr lang="zh-CN" altLang="en-US" dirty="0">
+                <a:solidFill>
+                  <a:srgbClr val="000000"/>
+                </a:solidFill>
+                <a:effectLst/>
+              </a:rPr>
+              <a:t>用户可以上传文档，经过嵌入处理后成为模型的知识库</a:t>
+            </a:r>
+            <a:endParaRPr lang="zh-CN" altLang="en-US" dirty="0">
+              <a:effectLst/>
+            </a:endParaRPr>
+          </a:p>
+          <a:p>
+            <a:br>
+              <a:rPr lang="zh-CN" altLang="en-US" dirty="0">
+                <a:solidFill>
+                  <a:srgbClr val="000000"/>
+                </a:solidFill>
+                <a:effectLst/>
+              </a:rPr>
+            </a:br>
+            <a:endParaRPr lang="zh-CN" altLang="en-US" dirty="0">
+              <a:solidFill>
+                <a:srgbClr val="000000"/>
+              </a:solidFill>
+              <a:effectLst/>
+            </a:endParaRPr>
+          </a:p>
+          <a:p>
+            <a:r>
+              <a:rPr lang="en-US" altLang="zh-CN" dirty="0">
+                <a:solidFill>
+                  <a:srgbClr val="000000"/>
+                </a:solidFill>
+                <a:effectLst/>
+              </a:rPr>
+              <a:t>6. </a:t>
+            </a:r>
+            <a:r>
+              <a:rPr lang="zh-CN" altLang="en-US" dirty="0">
+                <a:solidFill>
+                  <a:srgbClr val="000000"/>
+                </a:solidFill>
+                <a:effectLst/>
+              </a:rPr>
+              <a:t>文生图</a:t>
+            </a:r>
+            <a:endParaRPr lang="zh-CN" altLang="en-US" dirty="0">
+              <a:effectLst/>
+            </a:endParaRPr>
+          </a:p>
+          <a:p>
+            <a:r>
+              <a:rPr lang="en-US" altLang="zh-CN" dirty="0">
+                <a:solidFill>
+                  <a:srgbClr val="000000"/>
+                </a:solidFill>
+                <a:effectLst/>
+              </a:rPr>
+              <a:t>- </a:t>
+            </a:r>
+            <a:r>
+              <a:rPr lang="zh-CN" altLang="en-US" dirty="0">
+                <a:solidFill>
+                  <a:srgbClr val="000000"/>
+                </a:solidFill>
+                <a:effectLst/>
+              </a:rPr>
+              <a:t>可以使用</a:t>
+            </a:r>
+            <a:r>
+              <a:rPr lang="en-US" altLang="zh-CN" dirty="0" err="1">
+                <a:solidFill>
+                  <a:srgbClr val="000000"/>
+                </a:solidFill>
+                <a:effectLst/>
+              </a:rPr>
+              <a:t>sd</a:t>
+            </a:r>
+            <a:r>
+              <a:rPr lang="zh-CN" altLang="en-US" dirty="0">
+                <a:solidFill>
+                  <a:srgbClr val="000000"/>
+                </a:solidFill>
+                <a:effectLst/>
+              </a:rPr>
+              <a:t>模型绘制图像</a:t>
+            </a:r>
+            <a:endParaRPr lang="zh-CN" altLang="en-US" dirty="0">
+              <a:effectLst/>
+            </a:endParaRPr>
+          </a:p>
+          <a:p>
+            <a:br>
+              <a:rPr lang="zh-CN" altLang="en-US" dirty="0">
+                <a:solidFill>
+                  <a:srgbClr val="000000"/>
+                </a:solidFill>
+                <a:effectLst/>
+              </a:rPr>
+            </a:br>
+            <a:endParaRPr lang="zh-CN" altLang="en-US" dirty="0">
+              <a:solidFill>
+                <a:srgbClr val="000000"/>
+              </a:solidFill>
+              <a:effectLst/>
+            </a:endParaRPr>
+          </a:p>
+          <a:p>
+            <a:r>
+              <a:rPr lang="en-US" altLang="zh-CN" dirty="0">
+                <a:solidFill>
+                  <a:srgbClr val="000000"/>
+                </a:solidFill>
+                <a:effectLst/>
+              </a:rPr>
+              <a:t>## </a:t>
+            </a:r>
+            <a:r>
+              <a:rPr lang="zh-CN" altLang="en-US" dirty="0">
+                <a:solidFill>
+                  <a:srgbClr val="000000"/>
+                </a:solidFill>
+                <a:effectLst/>
+              </a:rPr>
+              <a:t>源码编译</a:t>
+            </a:r>
+            <a:endParaRPr lang="zh-CN" altLang="en-US" dirty="0">
+              <a:effectLst/>
+            </a:endParaRPr>
+          </a:p>
+          <a:p>
+            <a:r>
+              <a:rPr lang="en-US" altLang="zh-CN" dirty="0">
+                <a:solidFill>
+                  <a:srgbClr val="000000"/>
+                </a:solidFill>
+                <a:effectLst/>
+              </a:rPr>
+              <a:t>1. </a:t>
+            </a:r>
+            <a:r>
+              <a:rPr lang="zh-CN" altLang="en-US" dirty="0">
+                <a:solidFill>
+                  <a:srgbClr val="000000"/>
+                </a:solidFill>
+                <a:effectLst/>
+              </a:rPr>
+              <a:t>配置环境</a:t>
+            </a:r>
+            <a:endParaRPr lang="zh-CN" altLang="en-US" dirty="0">
+              <a:effectLst/>
+            </a:endParaRPr>
+          </a:p>
+          <a:p>
+            <a:pPr marL="171450" indent="-171450">
+              <a:buFontTx/>
+              <a:buChar char="-"/>
+            </a:pPr>
+            <a:r>
+              <a:rPr lang="en-US" altLang="zh-CN" dirty="0">
+                <a:solidFill>
+                  <a:srgbClr val="000000"/>
+                </a:solidFill>
+                <a:effectLst/>
+              </a:rPr>
+              <a:t>64bit</a:t>
+            </a:r>
+            <a:r>
+              <a:rPr lang="zh-CN" altLang="en-US" dirty="0">
+                <a:solidFill>
+                  <a:srgbClr val="000000"/>
+                </a:solidFill>
+                <a:effectLst/>
+              </a:rPr>
+              <a:t>版本</a:t>
+            </a:r>
+            <a:r>
+              <a:rPr lang="en-US" altLang="zh-CN" dirty="0">
+                <a:solidFill>
+                  <a:srgbClr val="000000"/>
+                </a:solidFill>
+                <a:effectLst/>
+              </a:rPr>
+              <a:t>(op</a:t>
+            </a:r>
+          </a:p>
+          <a:p>
+            <a:pPr marL="0" indent="0">
+              <a:buFontTx/>
+              <a:buNone/>
+            </a:pPr>
+            <a:r>
+              <a:rPr lang="zh-CN" altLang="en-US" dirty="0">
+                <a:solidFill>
+                  <a:srgbClr val="000000"/>
+                </a:solidFill>
+                <a:effectLst/>
+              </a:rPr>
+              <a:t>以上是知识库返回的内容，请总结并回答用户的问题</a:t>
+            </a:r>
+            <a:endParaRPr lang="zh-CN" altLang="en-US" dirty="0">
+              <a:effectLst/>
+            </a:endParaRPr>
+          </a:p>
+          <a:p>
+            <a:r>
+              <a:rPr lang="en-US" altLang="zh-CN" dirty="0">
+                <a:solidFill>
+                  <a:srgbClr val="0000FF"/>
+                </a:solidFill>
+                <a:effectLst/>
+              </a:rPr>
+              <a:t>User:</a:t>
+            </a:r>
+            <a:endParaRPr lang="zh-CN" altLang="en-US" dirty="0">
+              <a:effectLst/>
+            </a:endParaRPr>
+          </a:p>
+          <a:p>
+            <a:r>
+              <a:rPr lang="zh-CN" altLang="en-US" dirty="0">
+                <a:solidFill>
+                  <a:srgbClr val="000000"/>
+                </a:solidFill>
+                <a:effectLst/>
+              </a:rPr>
+              <a:t>请介绍机体软件的功能</a:t>
+            </a:r>
+            <a:endParaRPr lang="zh-CN" altLang="en-US" dirty="0">
+              <a:effectLst/>
+            </a:endParaRPr>
+          </a:p>
+          <a:p>
+            <a:r>
+              <a:rPr lang="en-US" altLang="zh-CN" dirty="0">
+                <a:solidFill>
+                  <a:srgbClr val="0000FF"/>
+                </a:solidFill>
+                <a:effectLst/>
+              </a:rPr>
+              <a:t>Assistant:</a:t>
+            </a:r>
+            <a:endParaRPr lang="zh-CN" altLang="en-US" dirty="0">
+              <a:effectLst/>
+            </a:endParaRPr>
+          </a:p>
+          <a:p>
+            <a:br>
+              <a:rPr lang="zh-CN" altLang="en-US" dirty="0">
+                <a:solidFill>
+                  <a:srgbClr val="0000FF"/>
+                </a:solidFill>
+                <a:effectLst/>
+              </a:rPr>
+            </a:br>
+            <a:endParaRPr lang="zh-CN" altLang="en-US" dirty="0"/>
+          </a:p>
+        </p:txBody>
+      </p:sp>
+      <p:sp>
+        <p:nvSpPr>
+          <p:cNvPr id="4" name="灯片编号占位符 3"/>
+          <p:cNvSpPr>
+            <a:spLocks noGrp="1"/>
+          </p:cNvSpPr>
+          <p:nvPr>
+            <p:ph type="sldNum" sz="quarter" idx="5"/>
+          </p:nvPr>
+        </p:nvSpPr>
+        <p:spPr/>
+        <p:txBody>
+          <a:bodyPr/>
+          <a:lstStyle/>
+          <a:p>
+            <a:fld id="{5DE12CCA-7540-48DB-8E56-327F4EA06BC9}" type="slidenum">
+              <a:rPr lang="zh-CN" altLang="en-US" smtClean="0"/>
               <a:t>18</a:t>
             </a:fld>
             <a:endParaRPr lang="zh-CN" altLang="en-US"/>
@@ -8550,7 +8677,7 @@
 </p:notes>
 </file>
 
-<file path=ppt/notesSlides/notesSlide16.xml><?xml version="1.0" encoding="utf-8"?>
+<file path=ppt/notesSlides/notesSlide17.xml><?xml version="1.0" encoding="utf-8"?>
 <p:notes xmlns:a="http://schemas.openxmlformats.org/drawingml/2006/main" xmlns:r="http://schemas.openxmlformats.org/officeDocument/2006/relationships" xmlns:p="http://schemas.openxmlformats.org/presentationml/2006/main">
   <p:cSld>
     <p:spTree>
@@ -9703,7 +9830,7 @@
           <a:p>
             <a:fld id="{760FBDFE-C587-4B4C-A407-44438C67B59E}" type="datetimeFigureOut">
               <a:rPr lang="zh-CN" altLang="en-US" smtClean="0"/>
-              <a:t>2024/3/18</a:t>
+              <a:t>2024/3/19</a:t>
             </a:fld>
             <a:endParaRPr lang="zh-CN" altLang="en-US"/>
           </a:p>
@@ -10146,7 +10273,7 @@
             <a:fld id="{96DFF08F-DC6B-4601-B491-B0F83F6DD2DA}" type="datetimeFigureOut">
               <a:rPr lang="en-US" dirty="0"/>
               <a:pPr/>
-              <a:t>3/18/2024</a:t>
+              <a:t>3/19/2024</a:t>
             </a:fld>
             <a:endParaRPr lang="en-US" dirty="0"/>
           </a:p>
@@ -14861,8 +14988,8 @@
         </p:nvSpPr>
         <p:spPr>
           <a:xfrm>
-            <a:off x="1927885" y="3652092"/>
-            <a:ext cx="2954655" cy="461665"/>
+            <a:off x="2125107" y="3664038"/>
+            <a:ext cx="2339102" cy="461665"/>
           </a:xfrm>
           <a:prstGeom prst="rect">
             <a:avLst/>
@@ -14880,7 +15007,7 @@
                 <a:latin typeface="黑体" panose="02010609060101010101" pitchFamily="49" charset="-122"/>
                 <a:ea typeface="黑体" panose="02010609060101010101" pitchFamily="49" charset="-122"/>
               </a:rPr>
-              <a:t>用户的私有文本数据</a:t>
+              <a:t>用户的私有数据</a:t>
             </a:r>
           </a:p>
         </p:txBody>
@@ -14900,13 +15027,13 @@
           <p:nvPr/>
         </p:nvPicPr>
         <p:blipFill>
-          <a:blip r:embed="rId2">
+          <a:blip r:embed="rId3">
             <a:extLst>
               <a:ext uri="{28A0092B-C50C-407E-A947-70E740481C1C}">
                 <a14:useLocalDpi xmlns:a14="http://schemas.microsoft.com/office/drawing/2010/main" val="0"/>
               </a:ext>
               <a:ext uri="{96DAC541-7B7A-43D3-8B79-37D633B846F1}">
-                <asvg:svgBlip xmlns:asvg="http://schemas.microsoft.com/office/drawing/2016/SVG/main" r:embed="rId3"/>
+                <asvg:svgBlip xmlns:asvg="http://schemas.microsoft.com/office/drawing/2016/SVG/main" r:embed="rId4"/>
               </a:ext>
             </a:extLst>
           </a:blip>
@@ -14916,7 +15043,7 @@
         </p:blipFill>
         <p:spPr>
           <a:xfrm>
-            <a:off x="6740073" y="2489202"/>
+            <a:off x="8096417" y="2256790"/>
             <a:ext cx="914400" cy="914400"/>
           </a:xfrm>
           <a:prstGeom prst="rect">
@@ -14938,7 +15065,7 @@
         </p:nvSpPr>
         <p:spPr>
           <a:xfrm>
-            <a:off x="6249651" y="3652092"/>
+            <a:off x="7690053" y="3664038"/>
             <a:ext cx="1723549" cy="461665"/>
           </a:xfrm>
           <a:prstGeom prst="rect">
@@ -14976,8 +15103,8 @@
         </p:nvSpPr>
         <p:spPr>
           <a:xfrm>
-            <a:off x="2004864" y="2241754"/>
-            <a:ext cx="2262123" cy="1161848"/>
+            <a:off x="1940483" y="1999772"/>
+            <a:ext cx="2708350" cy="1428436"/>
           </a:xfrm>
           <a:prstGeom prst="roundRect">
             <a:avLst/>
@@ -15005,13 +15132,219 @@
           <a:p>
             <a:pPr algn="ctr"/>
             <a:r>
-              <a:rPr lang="en-US" altLang="zh-CN" dirty="0"/>
+              <a:rPr lang="en-US" altLang="zh-CN" sz="2000" dirty="0">
+                <a:latin typeface="Times New Roman" panose="02020603050405020304" pitchFamily="18" charset="0"/>
+                <a:cs typeface="Times New Roman" panose="02020603050405020304" pitchFamily="18" charset="0"/>
+              </a:rPr>
               <a:t>pdf/doc/csv/txt/html</a:t>
             </a:r>
-            <a:endParaRPr lang="zh-CN" altLang="en-US" dirty="0"/>
+            <a:endParaRPr lang="zh-CN" altLang="en-US" sz="2000" dirty="0">
+              <a:latin typeface="Times New Roman" panose="02020603050405020304" pitchFamily="18" charset="0"/>
+              <a:cs typeface="Times New Roman" panose="02020603050405020304" pitchFamily="18" charset="0"/>
+            </a:endParaRPr>
           </a:p>
         </p:txBody>
       </p:sp>
+      <p:sp>
+        <p:nvSpPr>
+          <p:cNvPr id="3" name="箭头: 右 2">
+            <a:extLst>
+              <a:ext uri="{FF2B5EF4-FFF2-40B4-BE49-F238E27FC236}">
+                <a16:creationId xmlns:a16="http://schemas.microsoft.com/office/drawing/2014/main" id="{A6065F3C-F2CC-9D7C-B2AB-0056880B08A5}"/>
+              </a:ext>
+            </a:extLst>
+          </p:cNvPr>
+          <p:cNvSpPr/>
+          <p:nvPr/>
+        </p:nvSpPr>
+        <p:spPr>
+          <a:xfrm>
+            <a:off x="5553800" y="2560882"/>
+            <a:ext cx="1637649" cy="353290"/>
+          </a:xfrm>
+          <a:prstGeom prst="rightArrow">
+            <a:avLst/>
+          </a:prstGeom>
+        </p:spPr>
+        <p:style>
+          <a:lnRef idx="2">
+            <a:schemeClr val="accent1">
+              <a:shade val="15000"/>
+            </a:schemeClr>
+          </a:lnRef>
+          <a:fillRef idx="1">
+            <a:schemeClr val="accent1"/>
+          </a:fillRef>
+          <a:effectRef idx="0">
+            <a:schemeClr val="accent1"/>
+          </a:effectRef>
+          <a:fontRef idx="minor">
+            <a:schemeClr val="lt1"/>
+          </a:fontRef>
+        </p:style>
+        <p:txBody>
+          <a:bodyPr rtlCol="0" anchor="ctr"/>
+          <a:lstStyle/>
+          <a:p>
+            <a:pPr algn="ctr"/>
+            <a:endParaRPr lang="zh-CN" altLang="en-US"/>
+          </a:p>
+        </p:txBody>
+      </p:sp>
+      <p:sp>
+        <p:nvSpPr>
+          <p:cNvPr id="5" name="文本框 4">
+            <a:extLst>
+              <a:ext uri="{FF2B5EF4-FFF2-40B4-BE49-F238E27FC236}">
+                <a16:creationId xmlns:a16="http://schemas.microsoft.com/office/drawing/2014/main" id="{3A2AA6F8-9AB3-1A62-2B39-57D84628F588}"/>
+              </a:ext>
+            </a:extLst>
+          </p:cNvPr>
+          <p:cNvSpPr txBox="1"/>
+          <p:nvPr/>
+        </p:nvSpPr>
+        <p:spPr>
+          <a:xfrm>
+            <a:off x="2772179" y="4999122"/>
+            <a:ext cx="8494633" cy="461665"/>
+          </a:xfrm>
+          <a:prstGeom prst="rect">
+            <a:avLst/>
+          </a:prstGeom>
+          <a:noFill/>
+        </p:spPr>
+        <p:txBody>
+          <a:bodyPr wrap="none" rtlCol="0">
+            <a:spAutoFit/>
+          </a:bodyPr>
+          <a:lstStyle/>
+          <a:p>
+            <a:r>
+              <a:rPr lang="zh-CN" altLang="en-US" sz="2400" dirty="0">
+                <a:latin typeface="黑体" panose="02010609060101010101" pitchFamily="49" charset="-122"/>
+                <a:ea typeface="黑体" panose="02010609060101010101" pitchFamily="49" charset="-122"/>
+              </a:rPr>
+              <a:t>数据以向量的形式存在</a:t>
+            </a:r>
+            <a:r>
+              <a:rPr lang="en-US" altLang="zh-CN" sz="2400" dirty="0">
+                <a:latin typeface="黑体" panose="02010609060101010101" pitchFamily="49" charset="-122"/>
+                <a:ea typeface="黑体" panose="02010609060101010101" pitchFamily="49" charset="-122"/>
+              </a:rPr>
+              <a:t>,</a:t>
+            </a:r>
+            <a:r>
+              <a:rPr lang="zh-CN" altLang="en-US" sz="2400" dirty="0">
+                <a:latin typeface="黑体" panose="02010609060101010101" pitchFamily="49" charset="-122"/>
+                <a:ea typeface="黑体" panose="02010609060101010101" pitchFamily="49" charset="-122"/>
+              </a:rPr>
+              <a:t>易于进行相似度计算，实现语义检索</a:t>
+            </a:r>
+          </a:p>
+        </p:txBody>
+      </p:sp>
+      <p:sp>
+        <p:nvSpPr>
+          <p:cNvPr id="6" name="文本框 5">
+            <a:extLst>
+              <a:ext uri="{FF2B5EF4-FFF2-40B4-BE49-F238E27FC236}">
+                <a16:creationId xmlns:a16="http://schemas.microsoft.com/office/drawing/2014/main" id="{45DF5834-D2B0-5D9C-D558-D18FD2268AD4}"/>
+              </a:ext>
+            </a:extLst>
+          </p:cNvPr>
+          <p:cNvSpPr txBox="1"/>
+          <p:nvPr/>
+        </p:nvSpPr>
+        <p:spPr>
+          <a:xfrm>
+            <a:off x="5482534" y="2037818"/>
+            <a:ext cx="1654620" cy="461665"/>
+          </a:xfrm>
+          <a:prstGeom prst="rect">
+            <a:avLst/>
+          </a:prstGeom>
+          <a:noFill/>
+        </p:spPr>
+        <p:txBody>
+          <a:bodyPr wrap="none" rtlCol="0">
+            <a:spAutoFit/>
+          </a:bodyPr>
+          <a:lstStyle/>
+          <a:p>
+            <a:r>
+              <a:rPr lang="zh-CN" altLang="en-US" sz="2400" dirty="0">
+                <a:latin typeface="Times New Roman" panose="02020603050405020304" pitchFamily="18" charset="0"/>
+                <a:ea typeface="黑体" panose="02010609060101010101" pitchFamily="49" charset="-122"/>
+                <a:cs typeface="Times New Roman" panose="02020603050405020304" pitchFamily="18" charset="0"/>
+              </a:rPr>
+              <a:t>分段</a:t>
+            </a:r>
+            <a:r>
+              <a:rPr lang="en-US" altLang="zh-CN" sz="2400" dirty="0">
+                <a:latin typeface="Times New Roman" panose="02020603050405020304" pitchFamily="18" charset="0"/>
+                <a:ea typeface="黑体" panose="02010609060101010101" pitchFamily="49" charset="-122"/>
+                <a:cs typeface="Times New Roman" panose="02020603050405020304" pitchFamily="18" charset="0"/>
+              </a:rPr>
+              <a:t>&amp;</a:t>
+            </a:r>
+            <a:r>
+              <a:rPr lang="zh-CN" altLang="en-US" sz="2400" dirty="0">
+                <a:latin typeface="Times New Roman" panose="02020603050405020304" pitchFamily="18" charset="0"/>
+                <a:ea typeface="黑体" panose="02010609060101010101" pitchFamily="49" charset="-122"/>
+                <a:cs typeface="Times New Roman" panose="02020603050405020304" pitchFamily="18" charset="0"/>
+              </a:rPr>
+              <a:t>嵌入</a:t>
+            </a:r>
+          </a:p>
+        </p:txBody>
+      </p:sp>
+      <p:cxnSp>
+        <p:nvCxnSpPr>
+          <p:cNvPr id="10" name="直接箭头连接符 9">
+            <a:extLst>
+              <a:ext uri="{FF2B5EF4-FFF2-40B4-BE49-F238E27FC236}">
+                <a16:creationId xmlns:a16="http://schemas.microsoft.com/office/drawing/2014/main" id="{BE1E10C9-C7C9-057E-5777-E314DA1B6F3A}"/>
+              </a:ext>
+            </a:extLst>
+          </p:cNvPr>
+          <p:cNvCxnSpPr>
+            <a:cxnSpLocks/>
+            <a:stCxn id="8" idx="2"/>
+            <a:endCxn id="5" idx="0"/>
+          </p:cNvCxnSpPr>
+          <p:nvPr/>
+        </p:nvCxnSpPr>
+        <p:spPr>
+          <a:xfrm flipH="1">
+            <a:off x="7019496" y="4125703"/>
+            <a:ext cx="1532332" cy="873419"/>
+          </a:xfrm>
+          <a:prstGeom prst="straightConnector1">
+            <a:avLst/>
+          </a:prstGeom>
+          <a:ln w="28575">
+            <a:solidFill>
+              <a:srgbClr val="00B0F0"/>
+            </a:solidFill>
+            <a:prstDash val="sysDot"/>
+            <a:tailEnd type="triangle"/>
+          </a:ln>
+        </p:spPr>
+        <p:style>
+          <a:lnRef idx="1">
+            <a:schemeClr val="accent1"/>
+          </a:lnRef>
+          <a:fillRef idx="0">
+            <a:schemeClr val="accent1"/>
+          </a:fillRef>
+          <a:effectRef idx="0">
+            <a:schemeClr val="accent1"/>
+          </a:effectRef>
+          <a:fontRef idx="minor">
+            <a:schemeClr val="tx1"/>
+          </a:fontRef>
+        </p:style>
+      </p:cxnSp>
     </p:spTree>
     <p:extLst>
       <p:ext uri="{BB962C8B-B14F-4D97-AF65-F5344CB8AC3E}">
@@ -15022,6 +15355,18 @@
   <p:clrMapOvr>
     <a:masterClrMapping/>
   </p:clrMapOvr>
+  <mc:AlternateContent xmlns:mc="http://schemas.openxmlformats.org/markup-compatibility/2006">
+    <mc:Choice xmlns:p14="http://schemas.microsoft.com/office/powerpoint/2010/main" Requires="p14">
+      <p:transition spd="med" p14:dur="700">
+        <p:fade/>
+      </p:transition>
+    </mc:Choice>
+    <mc:Fallback>
+      <p:transition spd="med">
+        <p:fade/>
+      </p:transition>
+    </mc:Fallback>
+  </mc:AlternateContent>
   <p:timing>
     <p:tnLst>
       <p:par>
@@ -15043,7 +15388,7 @@
                             </p:stCondLst>
                             <p:childTnLst>
                               <p:par>
-                                <p:cTn id="5" presetID="22" presetClass="entr" presetSubtype="8" fill="hold" grpId="0" nodeType="clickEffect">
+                                <p:cTn id="5" presetID="42" presetClass="entr" presetSubtype="0" fill="hold" grpId="0" nodeType="clickEffect">
                                   <p:stCondLst>
                                     <p:cond delay="0"/>
                                   </p:stCondLst>
@@ -15066,14 +15411,141 @@
                                         <p:strVal val="visible"/>
                                       </p:to>
                                     </p:set>
-                                    <p:animEffect transition="in" filter="wipe(left)">
+                                    <p:animEffect transition="in" filter="fade">
                                       <p:cBhvr>
-                                        <p:cTn id="7" dur="500"/>
+                                        <p:cTn id="7" dur="1000"/>
                                         <p:tgtEl>
                                           <p:spTgt spid="4"/>
                                         </p:tgtEl>
                                       </p:cBhvr>
                                     </p:animEffect>
+                                    <p:anim calcmode="lin" valueType="num">
+                                      <p:cBhvr>
+                                        <p:cTn id="8" dur="1000" fill="hold"/>
+                                        <p:tgtEl>
+                                          <p:spTgt spid="4"/>
+                                        </p:tgtEl>
+                                        <p:attrNameLst>
+                                          <p:attrName>ppt_x</p:attrName>
+                                        </p:attrNameLst>
+                                      </p:cBhvr>
+                                      <p:tavLst>
+                                        <p:tav tm="0">
+                                          <p:val>
+                                            <p:strVal val="#ppt_x"/>
+                                          </p:val>
+                                        </p:tav>
+                                        <p:tav tm="100000">
+                                          <p:val>
+                                            <p:strVal val="#ppt_x"/>
+                                          </p:val>
+                                        </p:tav>
+                                      </p:tavLst>
+                                    </p:anim>
+                                    <p:anim calcmode="lin" valueType="num">
+                                      <p:cBhvr>
+                                        <p:cTn id="9" dur="1000" fill="hold"/>
+                                        <p:tgtEl>
+                                          <p:spTgt spid="4"/>
+                                        </p:tgtEl>
+                                        <p:attrNameLst>
+                                          <p:attrName>ppt_y</p:attrName>
+                                        </p:attrNameLst>
+                                      </p:cBhvr>
+                                      <p:tavLst>
+                                        <p:tav tm="0">
+                                          <p:val>
+                                            <p:strVal val="#ppt_y+.1"/>
+                                          </p:val>
+                                        </p:tav>
+                                        <p:tav tm="100000">
+                                          <p:val>
+                                            <p:strVal val="#ppt_y"/>
+                                          </p:val>
+                                        </p:tav>
+                                      </p:tavLst>
+                                    </p:anim>
+                                  </p:childTnLst>
+                                </p:cTn>
+                              </p:par>
+                              <p:par>
+                                <p:cTn id="10" presetID="42" presetClass="entr" presetSubtype="0" fill="hold" grpId="0" nodeType="withEffect">
+                                  <p:stCondLst>
+                                    <p:cond delay="0"/>
+                                  </p:stCondLst>
+                                  <p:childTnLst>
+                                    <p:set>
+                                      <p:cBhvr>
+                                        <p:cTn id="11" dur="1" fill="hold">
+                                          <p:stCondLst>
+                                            <p:cond delay="0"/>
+                                          </p:stCondLst>
+                                        </p:cTn>
+                                        <p:tgtEl>
+                                          <p:spTgt spid="9"/>
+                                        </p:tgtEl>
+                                        <p:attrNameLst>
+                                          <p:attrName>style.visibility</p:attrName>
+                                        </p:attrNameLst>
+                                      </p:cBhvr>
+                                      <p:to>
+                                        <p:strVal val="visible"/>
+                                      </p:to>
+                                    </p:set>
+                                    <p:animEffect transition="in" filter="fade">
+                                      <p:cBhvr>
+                                        <p:cTn id="12" dur="1000"/>
+                                        <p:tgtEl>
+                                          <p:spTgt spid="9"/>
+                                        </p:tgtEl>
+                                      </p:cBhvr>
+                                    </p:animEffect>
+                                    <p:anim calcmode="lin" valueType="num">
+                                      <p:cBhvr>
+                                        <p:cTn id="13" dur="1000" fill="hold"/>
+                                        <p:tgtEl>
+                                          <p:spTgt spid="9"/>
+                                        </p:tgtEl>
+                                        <p:attrNameLst>
+                                          <p:attrName>ppt_x</p:attrName>
+                                        </p:attrNameLst>
+                                      </p:cBhvr>
+                                      <p:tavLst>
+                                        <p:tav tm="0">
+                                          <p:val>
+                                            <p:strVal val="#ppt_x"/>
+                                          </p:val>
+                                        </p:tav>
+                                        <p:tav tm="100000">
+                                          <p:val>
+                                            <p:strVal val="#ppt_x"/>
+                                          </p:val>
+                                        </p:tav>
+                                      </p:tavLst>
+                                    </p:anim>
+                                    <p:anim calcmode="lin" valueType="num">
+                                      <p:cBhvr>
+                                        <p:cTn id="14" dur="1000" fill="hold"/>
+                                        <p:tgtEl>
+                                          <p:spTgt spid="9"/>
+                                        </p:tgtEl>
+                                        <p:attrNameLst>
+                                          <p:attrName>ppt_y</p:attrName>
+                                        </p:attrNameLst>
+                                      </p:cBhvr>
+                                      <p:tavLst>
+                                        <p:tav tm="0">
+                                          <p:val>
+                                            <p:strVal val="#ppt_y+.1"/>
+                                          </p:val>
+                                        </p:tav>
+                                        <p:tav tm="100000">
+                                          <p:val>
+                                            <p:strVal val="#ppt_y"/>
+                                          </p:val>
+                                        </p:tav>
+                                      </p:tavLst>
+                                    </p:anim>
                                   </p:childTnLst>
                                 </p:cTn>
                               </p:par>
@@ -15084,26 +15556,140 @@
                     </p:cTn>
                   </p:par>
                   <p:par>
-                    <p:cTn id="8" fill="hold">
+                    <p:cTn id="15" fill="hold">
                       <p:stCondLst>
                         <p:cond delay="indefinite"/>
                       </p:stCondLst>
                       <p:childTnLst>
                         <p:par>
-                          <p:cTn id="9" fill="hold">
+                          <p:cTn id="16" fill="hold">
                             <p:stCondLst>
                               <p:cond delay="0"/>
                             </p:stCondLst>
                             <p:childTnLst>
                               <p:par>
-                                <p:cTn id="10" presetID="22" presetClass="entr" presetSubtype="8" fill="hold" grpId="0" nodeType="clickEffect">
+                                <p:cTn id="17" presetID="22" presetClass="entr" presetSubtype="8" fill="hold" grpId="0" nodeType="clickEffect">
                                   <p:stCondLst>
                                     <p:cond delay="0"/>
                                   </p:stCondLst>
                                   <p:childTnLst>
                                     <p:set>
                                       <p:cBhvr>
-                                        <p:cTn id="11" dur="1" fill="hold">
+                                        <p:cTn id="18" dur="1" fill="hold">
+                                          <p:stCondLst>
+                                            <p:cond delay="0"/>
+                                          </p:stCondLst>
+                                        </p:cTn>
+                                        <p:tgtEl>
+                                          <p:spTgt spid="3"/>
+                                        </p:tgtEl>
+                                        <p:attrNameLst>
+                                          <p:attrName>style.visibility</p:attrName>
+                                        </p:attrNameLst>
+                                      </p:cBhvr>
+                                      <p:to>
+                                        <p:strVal val="visible"/>
+                                      </p:to>
+                                    </p:set>
+                                    <p:animEffect transition="in" filter="wipe(left)">
+                                      <p:cBhvr>
+                                        <p:cTn id="19" dur="500"/>
+                                        <p:tgtEl>
+                                          <p:spTgt spid="3"/>
+                                        </p:tgtEl>
+                                      </p:cBhvr>
+                                    </p:animEffect>
+                                  </p:childTnLst>
+                                </p:cTn>
+                              </p:par>
+                              <p:par>
+                                <p:cTn id="20" presetID="22" presetClass="entr" presetSubtype="8" fill="hold" grpId="0" nodeType="withEffect">
+                                  <p:stCondLst>
+                                    <p:cond delay="0"/>
+                                  </p:stCondLst>
+                                  <p:childTnLst>
+                                    <p:set>
+                                      <p:cBhvr>
+                                        <p:cTn id="21" dur="1" fill="hold">
+                                          <p:stCondLst>
+                                            <p:cond delay="0"/>
+                                          </p:stCondLst>
+                                        </p:cTn>
+                                        <p:tgtEl>
+                                          <p:spTgt spid="6"/>
+                                        </p:tgtEl>
+                                        <p:attrNameLst>
+                                          <p:attrName>style.visibility</p:attrName>
+                                        </p:attrNameLst>
+                                      </p:cBhvr>
+                                      <p:to>
+                                        <p:strVal val="visible"/>
+                                      </p:to>
+                                    </p:set>
+                                    <p:animEffect transition="in" filter="wipe(left)">
+                                      <p:cBhvr>
+                                        <p:cTn id="22" dur="500"/>
+                                        <p:tgtEl>
+                                          <p:spTgt spid="6"/>
+                                        </p:tgtEl>
+                                      </p:cBhvr>
+                                    </p:animEffect>
+                                  </p:childTnLst>
+                                </p:cTn>
+                              </p:par>
+                            </p:childTnLst>
+                          </p:cTn>
+                        </p:par>
+                        <p:par>
+                          <p:cTn id="23" fill="hold">
+                            <p:stCondLst>
+                              <p:cond delay="500"/>
+                            </p:stCondLst>
+                            <p:childTnLst>
+                              <p:par>
+                                <p:cTn id="24" presetID="10" presetClass="entr" presetSubtype="0" fill="hold" nodeType="afterEffect">
+                                  <p:stCondLst>
+                                    <p:cond delay="0"/>
+                                  </p:stCondLst>
+                                  <p:childTnLst>
+                                    <p:set>
+                                      <p:cBhvr>
+                                        <p:cTn id="25" dur="1" fill="hold">
+                                          <p:stCondLst>
+                                            <p:cond delay="0"/>
+                                          </p:stCondLst>
+                                        </p:cTn>
+                                        <p:tgtEl>
+                                          <p:spTgt spid="7"/>
+                                        </p:tgtEl>
+                                        <p:attrNameLst>
+                                          <p:attrName>style.visibility</p:attrName>
+                                        </p:attrNameLst>
+                                      </p:cBhvr>
+                                      <p:to>
+                                        <p:strVal val="visible"/>
+                                      </p:to>
+                                    </p:set>
+                                    <p:animEffect transition="in" filter="fade">
+                                      <p:cBhvr>
+                                        <p:cTn id="26" dur="500"/>
+                                        <p:tgtEl>
+                                          <p:spTgt spid="7"/>
+                                        </p:tgtEl>
+                                      </p:cBhvr>
+                                    </p:animEffect>
+                                  </p:childTnLst>
+                                </p:cTn>
+                              </p:par>
+                              <p:par>
+                                <p:cTn id="27" presetID="10" presetClass="entr" presetSubtype="0" fill="hold" grpId="0" nodeType="withEffect">
+                                  <p:stCondLst>
+                                    <p:cond delay="0"/>
+                                  </p:stCondLst>
+                                  <p:childTnLst>
+                                    <p:set>
+                                      <p:cBhvr>
+                                        <p:cTn id="28" dur="1" fill="hold">
                                           <p:stCondLst>
                                             <p:cond delay="0"/>
                                           </p:stCondLst>
@@ -15119,11 +15705,108 @@
                                         <p:strVal val="visible"/>
                                       </p:to>
                                     </p:set>
+                                    <p:animEffect transition="in" filter="fade">
+                                      <p:cBhvr>
+                                        <p:cTn id="29" dur="500"/>
+                                        <p:tgtEl>
+                                          <p:spTgt spid="8"/>
+                                        </p:tgtEl>
+                                      </p:cBhvr>
+                                    </p:animEffect>
+                                  </p:childTnLst>
+                                </p:cTn>
+                              </p:par>
+                            </p:childTnLst>
+                          </p:cTn>
+                        </p:par>
+                      </p:childTnLst>
+                    </p:cTn>
+                  </p:par>
+                  <p:par>
+                    <p:cTn id="30" fill="hold">
+                      <p:stCondLst>
+                        <p:cond delay="indefinite"/>
+                      </p:stCondLst>
+                      <p:childTnLst>
+                        <p:par>
+                          <p:cTn id="31" fill="hold">
+                            <p:stCondLst>
+                              <p:cond delay="0"/>
+                            </p:stCondLst>
+                            <p:childTnLst>
+                              <p:par>
+                                <p:cTn id="32" presetID="22" presetClass="entr" presetSubtype="2" fill="hold" nodeType="clickEffect">
+                                  <p:stCondLst>
+                                    <p:cond delay="0"/>
+                                  </p:stCondLst>
+                                  <p:childTnLst>
+                                    <p:set>
+                                      <p:cBhvr>
+                                        <p:cTn id="33" dur="1" fill="hold">
+                                          <p:stCondLst>
+                                            <p:cond delay="0"/>
+                                          </p:stCondLst>
+                                        </p:cTn>
+                                        <p:tgtEl>
+                                          <p:spTgt spid="10"/>
+                                        </p:tgtEl>
+                                        <p:attrNameLst>
+                                          <p:attrName>style.visibility</p:attrName>
+                                        </p:attrNameLst>
+                                      </p:cBhvr>
+                                      <p:to>
+                                        <p:strVal val="visible"/>
+                                      </p:to>
+                                    </p:set>
+                                    <p:animEffect transition="in" filter="wipe(right)">
+                                      <p:cBhvr>
+                                        <p:cTn id="34" dur="500"/>
+                                        <p:tgtEl>
+                                          <p:spTgt spid="10"/>
+                                        </p:tgtEl>
+                                      </p:cBhvr>
+                                    </p:animEffect>
+                                  </p:childTnLst>
+                                </p:cTn>
+                              </p:par>
+                            </p:childTnLst>
+                          </p:cTn>
+                        </p:par>
+                        <p:par>
+                          <p:cTn id="35" fill="hold">
+                            <p:stCondLst>
+                              <p:cond delay="500"/>
+                            </p:stCondLst>
+                            <p:childTnLst>
+                              <p:par>
+                                <p:cTn id="36" presetID="22" presetClass="entr" presetSubtype="8" fill="hold" grpId="0" nodeType="afterEffect">
+                                  <p:stCondLst>
+                                    <p:cond delay="0"/>
+                                  </p:stCondLst>
+                                  <p:childTnLst>
+                                    <p:set>
+                                      <p:cBhvr>
+                                        <p:cTn id="37" dur="1" fill="hold">
+                                          <p:stCondLst>
+                                            <p:cond delay="0"/>
+                                          </p:stCondLst>
+                                        </p:cTn>
+                                        <p:tgtEl>
+                                          <p:spTgt spid="5"/>
+                                        </p:tgtEl>
+                                        <p:attrNameLst>
+                                          <p:attrName>style.visibility</p:attrName>
+                                        </p:attrNameLst>
+                                      </p:cBhvr>
+                                      <p:to>
+                                        <p:strVal val="visible"/>
+                                      </p:to>
+                                    </p:set>
                                     <p:animEffect transition="in" filter="wipe(left)">
                                       <p:cBhvr>
-                                        <p:cTn id="12" dur="500"/>
+                                        <p:cTn id="38" dur="500"/>
                                         <p:tgtEl>
-                                          <p:spTgt spid="8"/>
+                                          <p:spTgt spid="5"/>
                                         </p:tgtEl>
                                       </p:cBhvr>
                                     </p:animEffect>
@@ -15160,6 +15843,10 @@
     <p:bldLst>
       <p:bldP spid="4" grpId="0"/>
       <p:bldP spid="8" grpId="0"/>
+      <p:bldP spid="9" grpId="0" animBg="1"/>
+      <p:bldP spid="3" grpId="0" animBg="1"/>
+      <p:bldP spid="5" grpId="0"/>
+      <p:bldP spid="6" grpId="0"/>
     </p:bldLst>
   </p:timing>
 </p:sld>
@@ -15411,14 +16098,15 @@
           </p:cNvPr>
           <p:cNvCxnSpPr>
             <a:cxnSpLocks/>
-            <a:stCxn id="3" idx="2"/>
+            <a:stCxn id="3" idx="3"/>
+            <a:endCxn id="26" idx="1"/>
           </p:cNvCxnSpPr>
           <p:nvPr/>
         </p:nvCxnSpPr>
         <p:spPr>
           <a:xfrm>
-            <a:off x="2485933" y="2599999"/>
-            <a:ext cx="0" cy="1271453"/>
+            <a:off x="4444161" y="2369167"/>
+            <a:ext cx="5028068" cy="0"/>
           </a:xfrm>
           <a:prstGeom prst="straightConnector1">
             <a:avLst/>
@@ -15460,7 +16148,7 @@
         </p:nvSpPr>
         <p:spPr>
           <a:xfrm>
-            <a:off x="1722324" y="3949927"/>
+            <a:off x="9472229" y="2138334"/>
             <a:ext cx="1415772" cy="461665"/>
           </a:xfrm>
           <a:prstGeom prst="rect">
@@ -15545,8 +16233,112 @@
         </p:nvSpPr>
         <p:spPr>
           <a:xfrm>
-            <a:off x="4573844" y="3801262"/>
-            <a:ext cx="6094770" cy="1754326"/>
+            <a:off x="7622708" y="3987410"/>
+            <a:ext cx="2983811" cy="1938992"/>
+          </a:xfrm>
+          <a:prstGeom prst="rect">
+            <a:avLst/>
+          </a:prstGeom>
+          <a:noFill/>
+          <a:ln w="19050">
+            <a:solidFill>
+              <a:schemeClr val="accent3"/>
+            </a:solidFill>
+          </a:ln>
+        </p:spPr>
+        <p:txBody>
+          <a:bodyPr wrap="square">
+            <a:spAutoFit/>
+          </a:bodyPr>
+          <a:lstStyle/>
+          <a:p>
+            <a:r>
+              <a:rPr lang="en-US" altLang="zh-CN" sz="2000" dirty="0">
+                <a:solidFill>
+                  <a:srgbClr val="000000"/>
+                </a:solidFill>
+                <a:effectLst/>
+              </a:rPr>
+              <a:t>You are a helpful assistant.</a:t>
+            </a:r>
+            <a:endParaRPr lang="en-US" altLang="zh-CN" sz="2000" dirty="0">
+              <a:effectLst/>
+            </a:endParaRPr>
+          </a:p>
+          <a:p>
+            <a:br>
+              <a:rPr lang="en-US" altLang="zh-CN" sz="2000" dirty="0">
+                <a:solidFill>
+                  <a:srgbClr val="000000"/>
+                </a:solidFill>
+                <a:effectLst/>
+              </a:rPr>
+            </a:br>
+            <a:endParaRPr lang="en-US" altLang="zh-CN" sz="2000" dirty="0">
+              <a:solidFill>
+                <a:srgbClr val="000000"/>
+              </a:solidFill>
+              <a:effectLst/>
+            </a:endParaRPr>
+          </a:p>
+          <a:p>
+            <a:r>
+              <a:rPr lang="en-US" altLang="zh-CN" sz="2000" dirty="0">
+                <a:solidFill>
+                  <a:srgbClr val="0000FF"/>
+                </a:solidFill>
+                <a:effectLst/>
+              </a:rPr>
+              <a:t>User:</a:t>
+            </a:r>
+            <a:endParaRPr lang="en-US" altLang="zh-CN" sz="2000" dirty="0">
+              <a:effectLst/>
+            </a:endParaRPr>
+          </a:p>
+          <a:p>
+            <a:r>
+              <a:rPr lang="zh-CN" altLang="en-US" sz="2000" dirty="0">
+                <a:solidFill>
+                  <a:srgbClr val="000000"/>
+                </a:solidFill>
+                <a:effectLst/>
+              </a:rPr>
+              <a:t>请介绍机体软件的功能</a:t>
+            </a:r>
+            <a:endParaRPr lang="zh-CN" altLang="en-US" sz="2000" dirty="0">
+              <a:effectLst/>
+            </a:endParaRPr>
+          </a:p>
+          <a:p>
+            <a:r>
+              <a:rPr lang="en-US" altLang="zh-CN" sz="2000" dirty="0">
+                <a:solidFill>
+                  <a:srgbClr val="0000FF"/>
+                </a:solidFill>
+                <a:effectLst/>
+              </a:rPr>
+              <a:t>Assistant:</a:t>
+            </a:r>
+            <a:endParaRPr lang="zh-CN" altLang="en-US" sz="2000" dirty="0"/>
+          </a:p>
+        </p:txBody>
+      </p:sp>
+      <p:sp>
+        <p:nvSpPr>
+          <p:cNvPr id="4" name="文本框 3">
+            <a:extLst>
+              <a:ext uri="{FF2B5EF4-FFF2-40B4-BE49-F238E27FC236}">
+                <a16:creationId xmlns:a16="http://schemas.microsoft.com/office/drawing/2014/main" id="{6F3DD528-6900-733F-C692-886244A4D675}"/>
+              </a:ext>
+            </a:extLst>
+          </p:cNvPr>
+          <p:cNvSpPr txBox="1"/>
+          <p:nvPr/>
+        </p:nvSpPr>
+        <p:spPr>
+          <a:xfrm>
+            <a:off x="999188" y="3987409"/>
+            <a:ext cx="7607193" cy="461665"/>
           </a:xfrm>
           <a:prstGeom prst="rect">
             <a:avLst/>
@@ -15554,79 +16346,22 @@
           <a:noFill/>
         </p:spPr>
         <p:txBody>
-          <a:bodyPr wrap="square">
+          <a:bodyPr wrap="square" rtlCol="0">
             <a:spAutoFit/>
           </a:bodyPr>
           <a:lstStyle/>
           <a:p>
             <a:r>
-              <a:rPr lang="en-US" altLang="zh-CN" dirty="0">
-                <a:solidFill>
-                  <a:srgbClr val="000000"/>
-                </a:solidFill>
-                <a:effectLst/>
-              </a:rPr>
-              <a:t>You are a helpful assistant.</a:t>
-            </a:r>
-            <a:endParaRPr lang="en-US" altLang="zh-CN" dirty="0">
-              <a:effectLst/>
+              <a:rPr lang="zh-CN" altLang="en-US" sz="2400" dirty="0">
+                <a:latin typeface="黑体" panose="02010609060101010101" pitchFamily="49" charset="-122"/>
+                <a:ea typeface="黑体" panose="02010609060101010101" pitchFamily="49" charset="-122"/>
+              </a:rPr>
+              <a:t>测试一下看看大模型知不知道机体这个软件</a:t>
+            </a:r>
+            <a:endParaRPr lang="zh-CN" altLang="en-US" dirty="0">
+              <a:latin typeface="黑体" panose="02010609060101010101" pitchFamily="49" charset="-122"/>
+              <a:ea typeface="黑体" panose="02010609060101010101" pitchFamily="49" charset="-122"/>
             </a:endParaRPr>
-          </a:p>
-          <a:p>
-            <a:br>
-              <a:rPr lang="en-US" altLang="zh-CN" dirty="0">
-                <a:solidFill>
-                  <a:srgbClr val="000000"/>
-                </a:solidFill>
-                <a:effectLst/>
-              </a:rPr>
-            </a:br>
-            <a:endParaRPr lang="en-US" altLang="zh-CN" dirty="0">
-              <a:solidFill>
-                <a:srgbClr val="000000"/>
-              </a:solidFill>
-              <a:effectLst/>
-            </a:endParaRPr>
-          </a:p>
-          <a:p>
-            <a:r>
-              <a:rPr lang="en-US" altLang="zh-CN" dirty="0">
-                <a:solidFill>
-                  <a:srgbClr val="0000FF"/>
-                </a:solidFill>
-                <a:effectLst/>
-              </a:rPr>
-              <a:t>User:</a:t>
-            </a:r>
-            <a:endParaRPr lang="en-US" altLang="zh-CN" dirty="0">
-              <a:effectLst/>
-            </a:endParaRPr>
-          </a:p>
-          <a:p>
-            <a:r>
-              <a:rPr lang="zh-CN" altLang="en-US" dirty="0">
-                <a:solidFill>
-                  <a:srgbClr val="000000"/>
-                </a:solidFill>
-                <a:effectLst/>
-              </a:rPr>
-              <a:t>请介绍机体软件的功能</a:t>
-            </a:r>
-            <a:endParaRPr lang="zh-CN" altLang="en-US" dirty="0">
-              <a:effectLst/>
-            </a:endParaRPr>
-          </a:p>
-          <a:p>
-            <a:r>
-              <a:rPr lang="en-US" altLang="zh-CN" dirty="0">
-                <a:solidFill>
-                  <a:srgbClr val="0000FF"/>
-                </a:solidFill>
-                <a:effectLst/>
-              </a:rPr>
-              <a:t>Assistant:</a:t>
-            </a:r>
-            <a:endParaRPr lang="zh-CN" altLang="en-US" dirty="0"/>
           </a:p>
         </p:txBody>
       </p:sp>
@@ -15640,6 +16375,18 @@
   <p:clrMapOvr>
     <a:masterClrMapping/>
   </p:clrMapOvr>
+  <mc:AlternateContent xmlns:mc="http://schemas.openxmlformats.org/markup-compatibility/2006">
+    <mc:Choice xmlns:p14="http://schemas.microsoft.com/office/powerpoint/2010/main" Requires="p14">
+      <p:transition spd="med" p14:dur="700">
+        <p:fade/>
+      </p:transition>
+    </mc:Choice>
+    <mc:Fallback>
+      <p:transition spd="med">
+        <p:fade/>
+      </p:transition>
+    </mc:Fallback>
+  </mc:AlternateContent>
   <p:timing>
     <p:tnLst>
       <p:par>
@@ -15714,7 +16461,7 @@
                             </p:stCondLst>
                             <p:childTnLst>
                               <p:par>
-                                <p:cTn id="10" presetID="22" presetClass="entr" presetSubtype="8" fill="hold" grpId="0" nodeType="clickEffect">
+                                <p:cTn id="10" presetID="22" presetClass="entr" presetSubtype="8" fill="hold" nodeType="clickEffect">
                                   <p:stCondLst>
                                     <p:cond delay="0"/>
                                   </p:stCondLst>
@@ -15722,6 +16469,244 @@
                                     <p:set>
                                       <p:cBhvr>
                                         <p:cTn id="11" dur="1" fill="hold">
+                                          <p:stCondLst>
+                                            <p:cond delay="0"/>
+                                          </p:stCondLst>
+                                        </p:cTn>
+                                        <p:tgtEl>
+                                          <p:spTgt spid="7"/>
+                                        </p:tgtEl>
+                                        <p:attrNameLst>
+                                          <p:attrName>style.visibility</p:attrName>
+                                        </p:attrNameLst>
+                                      </p:cBhvr>
+                                      <p:to>
+                                        <p:strVal val="visible"/>
+                                      </p:to>
+                                    </p:set>
+                                    <p:animEffect transition="in" filter="wipe(left)">
+                                      <p:cBhvr>
+                                        <p:cTn id="12" dur="500"/>
+                                        <p:tgtEl>
+                                          <p:spTgt spid="7"/>
+                                        </p:tgtEl>
+                                      </p:cBhvr>
+                                    </p:animEffect>
+                                  </p:childTnLst>
+                                </p:cTn>
+                              </p:par>
+                            </p:childTnLst>
+                          </p:cTn>
+                        </p:par>
+                        <p:par>
+                          <p:cTn id="13" fill="hold">
+                            <p:stCondLst>
+                              <p:cond delay="500"/>
+                            </p:stCondLst>
+                            <p:childTnLst>
+                              <p:par>
+                                <p:cTn id="14" presetID="10" presetClass="entr" presetSubtype="0" fill="hold" grpId="0" nodeType="afterEffect">
+                                  <p:stCondLst>
+                                    <p:cond delay="0"/>
+                                  </p:stCondLst>
+                                  <p:childTnLst>
+                                    <p:set>
+                                      <p:cBhvr>
+                                        <p:cTn id="15" dur="1" fill="hold">
+                                          <p:stCondLst>
+                                            <p:cond delay="0"/>
+                                          </p:stCondLst>
+                                        </p:cTn>
+                                        <p:tgtEl>
+                                          <p:spTgt spid="12"/>
+                                        </p:tgtEl>
+                                        <p:attrNameLst>
+                                          <p:attrName>style.visibility</p:attrName>
+                                        </p:attrNameLst>
+                                      </p:cBhvr>
+                                      <p:to>
+                                        <p:strVal val="visible"/>
+                                      </p:to>
+                                    </p:set>
+                                    <p:animEffect transition="in" filter="fade">
+                                      <p:cBhvr>
+                                        <p:cTn id="16" dur="500"/>
+                                        <p:tgtEl>
+                                          <p:spTgt spid="12"/>
+                                        </p:tgtEl>
+                                      </p:cBhvr>
+                                    </p:animEffect>
+                                  </p:childTnLst>
+                                </p:cTn>
+                              </p:par>
+                            </p:childTnLst>
+                          </p:cTn>
+                        </p:par>
+                      </p:childTnLst>
+                    </p:cTn>
+                  </p:par>
+                  <p:par>
+                    <p:cTn id="17" fill="hold">
+                      <p:stCondLst>
+                        <p:cond delay="indefinite"/>
+                      </p:stCondLst>
+                      <p:childTnLst>
+                        <p:par>
+                          <p:cTn id="18" fill="hold">
+                            <p:stCondLst>
+                              <p:cond delay="0"/>
+                            </p:stCondLst>
+                            <p:childTnLst>
+                              <p:par>
+                                <p:cTn id="19" presetID="22" presetClass="entr" presetSubtype="8" fill="hold" nodeType="clickEffect">
+                                  <p:stCondLst>
+                                    <p:cond delay="0"/>
+                                  </p:stCondLst>
+                                  <p:childTnLst>
+                                    <p:set>
+                                      <p:cBhvr>
+                                        <p:cTn id="20" dur="1" fill="hold">
+                                          <p:stCondLst>
+                                            <p:cond delay="0"/>
+                                          </p:stCondLst>
+                                        </p:cTn>
+                                        <p:tgtEl>
+                                          <p:spTgt spid="27"/>
+                                        </p:tgtEl>
+                                        <p:attrNameLst>
+                                          <p:attrName>style.visibility</p:attrName>
+                                        </p:attrNameLst>
+                                      </p:cBhvr>
+                                      <p:to>
+                                        <p:strVal val="visible"/>
+                                      </p:to>
+                                    </p:set>
+                                    <p:animEffect transition="in" filter="wipe(left)">
+                                      <p:cBhvr>
+                                        <p:cTn id="21" dur="500"/>
+                                        <p:tgtEl>
+                                          <p:spTgt spid="27"/>
+                                        </p:tgtEl>
+                                      </p:cBhvr>
+                                    </p:animEffect>
+                                  </p:childTnLst>
+                                </p:cTn>
+                              </p:par>
+                            </p:childTnLst>
+                          </p:cTn>
+                        </p:par>
+                        <p:par>
+                          <p:cTn id="22" fill="hold">
+                            <p:stCondLst>
+                              <p:cond delay="500"/>
+                            </p:stCondLst>
+                            <p:childTnLst>
+                              <p:par>
+                                <p:cTn id="23" presetID="10" presetClass="entr" presetSubtype="0" fill="hold" grpId="0" nodeType="afterEffect">
+                                  <p:stCondLst>
+                                    <p:cond delay="0"/>
+                                  </p:stCondLst>
+                                  <p:childTnLst>
+                                    <p:set>
+                                      <p:cBhvr>
+                                        <p:cTn id="24" dur="1" fill="hold">
+                                          <p:stCondLst>
+                                            <p:cond delay="0"/>
+                                          </p:stCondLst>
+                                        </p:cTn>
+                                        <p:tgtEl>
+                                          <p:spTgt spid="14"/>
+                                        </p:tgtEl>
+                                        <p:attrNameLst>
+                                          <p:attrName>style.visibility</p:attrName>
+                                        </p:attrNameLst>
+                                      </p:cBhvr>
+                                      <p:to>
+                                        <p:strVal val="visible"/>
+                                      </p:to>
+                                    </p:set>
+                                    <p:animEffect transition="in" filter="fade">
+                                      <p:cBhvr>
+                                        <p:cTn id="25" dur="500"/>
+                                        <p:tgtEl>
+                                          <p:spTgt spid="14"/>
+                                        </p:tgtEl>
+                                      </p:cBhvr>
+                                    </p:animEffect>
+                                  </p:childTnLst>
+                                </p:cTn>
+                              </p:par>
+                            </p:childTnLst>
+                          </p:cTn>
+                        </p:par>
+                      </p:childTnLst>
+                    </p:cTn>
+                  </p:par>
+                  <p:par>
+                    <p:cTn id="26" fill="hold">
+                      <p:stCondLst>
+                        <p:cond delay="indefinite"/>
+                      </p:stCondLst>
+                      <p:childTnLst>
+                        <p:par>
+                          <p:cTn id="27" fill="hold">
+                            <p:stCondLst>
+                              <p:cond delay="0"/>
+                            </p:stCondLst>
+                            <p:childTnLst>
+                              <p:par>
+                                <p:cTn id="28" presetID="22" presetClass="entr" presetSubtype="8" fill="hold" nodeType="clickEffect">
+                                  <p:stCondLst>
+                                    <p:cond delay="0"/>
+                                  </p:stCondLst>
+                                  <p:childTnLst>
+                                    <p:set>
+                                      <p:cBhvr>
+                                        <p:cTn id="29" dur="1" fill="hold">
+                                          <p:stCondLst>
+                                            <p:cond delay="0"/>
+                                          </p:stCondLst>
+                                        </p:cTn>
+                                        <p:tgtEl>
+                                          <p:spTgt spid="16"/>
+                                        </p:tgtEl>
+                                        <p:attrNameLst>
+                                          <p:attrName>style.visibility</p:attrName>
+                                        </p:attrNameLst>
+                                      </p:cBhvr>
+                                      <p:to>
+                                        <p:strVal val="visible"/>
+                                      </p:to>
+                                    </p:set>
+                                    <p:animEffect transition="in" filter="wipe(left)">
+                                      <p:cBhvr>
+                                        <p:cTn id="30" dur="500"/>
+                                        <p:tgtEl>
+                                          <p:spTgt spid="16"/>
+                                        </p:tgtEl>
+                                      </p:cBhvr>
+                                    </p:animEffect>
+                                  </p:childTnLst>
+                                </p:cTn>
+                              </p:par>
+                            </p:childTnLst>
+                          </p:cTn>
+                        </p:par>
+                        <p:par>
+                          <p:cTn id="31" fill="hold">
+                            <p:stCondLst>
+                              <p:cond delay="500"/>
+                            </p:stCondLst>
+                            <p:childTnLst>
+                              <p:par>
+                                <p:cTn id="32" presetID="10" presetClass="entr" presetSubtype="0" fill="hold" grpId="0" nodeType="afterEffect">
+                                  <p:stCondLst>
+                                    <p:cond delay="0"/>
+                                  </p:stCondLst>
+                                  <p:childTnLst>
+                                    <p:set>
+                                      <p:cBhvr>
+                                        <p:cTn id="33" dur="1" fill="hold">
                                           <p:stCondLst>
                                             <p:cond delay="0"/>
                                           </p:stCondLst>
@@ -15737,11 +16722,99 @@
                                         <p:strVal val="visible"/>
                                       </p:to>
                                     </p:set>
-                                    <p:animEffect transition="in" filter="wipe(left)">
+                                    <p:animEffect transition="in" filter="fade">
                                       <p:cBhvr>
-                                        <p:cTn id="12" dur="500"/>
+                                        <p:cTn id="34" dur="500"/>
                                         <p:tgtEl>
                                           <p:spTgt spid="26"/>
+                                        </p:tgtEl>
+                                      </p:cBhvr>
+                                    </p:animEffect>
+                                  </p:childTnLst>
+                                </p:cTn>
+                              </p:par>
+                            </p:childTnLst>
+                          </p:cTn>
+                        </p:par>
+                      </p:childTnLst>
+                    </p:cTn>
+                  </p:par>
+                  <p:par>
+                    <p:cTn id="35" fill="hold">
+                      <p:stCondLst>
+                        <p:cond delay="indefinite"/>
+                      </p:stCondLst>
+                      <p:childTnLst>
+                        <p:par>
+                          <p:cTn id="36" fill="hold">
+                            <p:stCondLst>
+                              <p:cond delay="0"/>
+                            </p:stCondLst>
+                            <p:childTnLst>
+                              <p:par>
+                                <p:cTn id="37" presetID="10" presetClass="entr" presetSubtype="0" fill="hold" grpId="0" nodeType="clickEffect">
+                                  <p:stCondLst>
+                                    <p:cond delay="0"/>
+                                  </p:stCondLst>
+                                  <p:childTnLst>
+                                    <p:set>
+                                      <p:cBhvr>
+                                        <p:cTn id="38" dur="1" fill="hold">
+                                          <p:stCondLst>
+                                            <p:cond delay="0"/>
+                                          </p:stCondLst>
+                                        </p:cTn>
+                                        <p:tgtEl>
+                                          <p:spTgt spid="31"/>
+                                        </p:tgtEl>
+                                        <p:attrNameLst>
+                                          <p:attrName>style.visibility</p:attrName>
+                                        </p:attrNameLst>
+                                      </p:cBhvr>
+                                      <p:to>
+                                        <p:strVal val="visible"/>
+                                      </p:to>
+                                    </p:set>
+                                    <p:animEffect transition="in" filter="fade">
+                                      <p:cBhvr>
+                                        <p:cTn id="39" dur="500"/>
+                                        <p:tgtEl>
+                                          <p:spTgt spid="31"/>
+                                        </p:tgtEl>
+                                      </p:cBhvr>
+                                    </p:animEffect>
+                                  </p:childTnLst>
+                                </p:cTn>
+                              </p:par>
+                              <p:par>
+                                <p:cTn id="40" presetID="10" presetClass="entr" presetSubtype="0" fill="hold" grpId="0" nodeType="withEffect">
+                                  <p:stCondLst>
+                                    <p:cond delay="0"/>
+                                  </p:stCondLst>
+                                  <p:childTnLst>
+                                    <p:set>
+                                      <p:cBhvr>
+                                        <p:cTn id="41" dur="1" fill="hold">
+                                          <p:stCondLst>
+                                            <p:cond delay="0"/>
+                                          </p:stCondLst>
+                                        </p:cTn>
+                                        <p:tgtEl>
+                                          <p:spTgt spid="4"/>
+                                        </p:tgtEl>
+                                        <p:attrNameLst>
+                                          <p:attrName>style.visibility</p:attrName>
+                                        </p:attrNameLst>
+                                      </p:cBhvr>
+                                      <p:to>
+                                        <p:strVal val="visible"/>
+                                      </p:to>
+                                    </p:set>
+                                    <p:animEffect transition="in" filter="fade">
+                                      <p:cBhvr>
+                                        <p:cTn id="42" dur="500"/>
+                                        <p:tgtEl>
+                                          <p:spTgt spid="4"/>
                                         </p:tgtEl>
                                       </p:cBhvr>
                                     </p:animEffect>
@@ -15777,7 +16850,11 @@
     </p:tnLst>
     <p:bldLst>
       <p:bldP spid="3" grpId="0"/>
+      <p:bldP spid="12" grpId="0"/>
+      <p:bldP spid="14" grpId="0"/>
       <p:bldP spid="26" grpId="0"/>
+      <p:bldP spid="31" grpId="0" animBg="1"/>
+      <p:bldP spid="4" grpId="0"/>
     </p:bldLst>
   </p:timing>
 </p:sld>
@@ -15844,8 +16921,8 @@
         </p:nvSpPr>
         <p:spPr>
           <a:xfrm>
-            <a:off x="948033" y="1555772"/>
-            <a:ext cx="2800767" cy="3329758"/>
+            <a:off x="656039" y="1266038"/>
+            <a:ext cx="3262432" cy="1667764"/>
           </a:xfrm>
           <a:prstGeom prst="rect">
             <a:avLst/>
@@ -15858,19 +16935,17 @@
           </a:bodyPr>
           <a:lstStyle/>
           <a:p>
-            <a:pPr marL="457200" indent="-457200">
+            <a:pPr>
               <a:lnSpc>
                 <a:spcPct val="150000"/>
               </a:lnSpc>
-              <a:buFont typeface="+mj-lt"/>
-              <a:buAutoNum type="arabicPeriod"/>
             </a:pPr>
             <a:r>
               <a:rPr lang="zh-CN" altLang="en-US" sz="2400" dirty="0">
                 <a:latin typeface="黑体" panose="02010609060101010101" pitchFamily="49" charset="-122"/>
                 <a:ea typeface="黑体" panose="02010609060101010101" pitchFamily="49" charset="-122"/>
               </a:rPr>
-              <a:t>构建知识库</a:t>
+              <a:t>（一）计算相似度</a:t>
             </a:r>
             <a:endParaRPr lang="en-US" altLang="zh-CN" sz="2400" dirty="0">
               <a:latin typeface="黑体" panose="02010609060101010101" pitchFamily="49" charset="-122"/>
@@ -15878,45 +16953,17 @@
             </a:endParaRPr>
           </a:p>
           <a:p>
-            <a:pPr marL="457200" indent="-457200">
+            <a:pPr>
               <a:lnSpc>
                 <a:spcPct val="150000"/>
               </a:lnSpc>
-              <a:buFont typeface="+mj-lt"/>
-              <a:buAutoNum type="arabicPeriod"/>
-            </a:pPr>
-            <a:r>
-              <a:rPr lang="zh-CN" altLang="en-US" sz="2400" dirty="0">
-                <a:solidFill>
-                  <a:srgbClr val="00B0F0"/>
-                </a:solidFill>
-                <a:latin typeface="黑体" panose="02010609060101010101" pitchFamily="49" charset="-122"/>
-                <a:ea typeface="黑体" panose="02010609060101010101" pitchFamily="49" charset="-122"/>
-              </a:rPr>
-              <a:t>提出问题</a:t>
-            </a:r>
-            <a:endParaRPr lang="en-US" altLang="zh-CN" sz="2400" dirty="0">
-              <a:solidFill>
-                <a:srgbClr val="00B0F0"/>
-              </a:solidFill>
-              <a:latin typeface="黑体" panose="02010609060101010101" pitchFamily="49" charset="-122"/>
-              <a:ea typeface="黑体" panose="02010609060101010101" pitchFamily="49" charset="-122"/>
-            </a:endParaRPr>
-          </a:p>
-          <a:p>
-            <a:pPr marL="457200" indent="-457200">
-              <a:lnSpc>
-                <a:spcPct val="150000"/>
-              </a:lnSpc>
-              <a:buFont typeface="+mj-lt"/>
-              <a:buAutoNum type="arabicPeriod"/>
             </a:pPr>
             <a:r>
               <a:rPr lang="zh-CN" altLang="en-US" sz="2400" dirty="0">
                 <a:latin typeface="黑体" panose="02010609060101010101" pitchFamily="49" charset="-122"/>
                 <a:ea typeface="黑体" panose="02010609060101010101" pitchFamily="49" charset="-122"/>
               </a:rPr>
-              <a:t>计算相似度</a:t>
+              <a:t>（二）整合提示词</a:t>
             </a:r>
             <a:endParaRPr lang="en-US" altLang="zh-CN" sz="2400" dirty="0">
               <a:latin typeface="黑体" panose="02010609060101010101" pitchFamily="49" charset="-122"/>
@@ -15924,73 +16971,31 @@
             </a:endParaRPr>
           </a:p>
           <a:p>
-            <a:pPr marL="457200" indent="-457200">
+            <a:pPr>
               <a:lnSpc>
                 <a:spcPct val="150000"/>
               </a:lnSpc>
-              <a:buFont typeface="+mj-lt"/>
-              <a:buAutoNum type="arabicPeriod"/>
             </a:pPr>
             <a:r>
               <a:rPr lang="zh-CN" altLang="en-US" sz="2400" dirty="0">
                 <a:latin typeface="黑体" panose="02010609060101010101" pitchFamily="49" charset="-122"/>
                 <a:ea typeface="黑体" panose="02010609060101010101" pitchFamily="49" charset="-122"/>
               </a:rPr>
-              <a:t>返回文本段</a:t>
+              <a:t>（三）大模型总结回答</a:t>
             </a:r>
             <a:endParaRPr lang="en-US" altLang="zh-CN" sz="2400" dirty="0">
               <a:latin typeface="黑体" panose="02010609060101010101" pitchFamily="49" charset="-122"/>
               <a:ea typeface="黑体" panose="02010609060101010101" pitchFamily="49" charset="-122"/>
             </a:endParaRPr>
           </a:p>
-          <a:p>
-            <a:pPr marL="457200" indent="-457200">
-              <a:lnSpc>
-                <a:spcPct val="150000"/>
-              </a:lnSpc>
-              <a:buFont typeface="+mj-lt"/>
-              <a:buAutoNum type="arabicPeriod"/>
-            </a:pPr>
-            <a:r>
-              <a:rPr lang="zh-CN" altLang="en-US" sz="2400" dirty="0">
-                <a:latin typeface="黑体" panose="02010609060101010101" pitchFamily="49" charset="-122"/>
-                <a:ea typeface="黑体" panose="02010609060101010101" pitchFamily="49" charset="-122"/>
-              </a:rPr>
-              <a:t>整合问题</a:t>
-            </a:r>
-            <a:endParaRPr lang="en-US" altLang="zh-CN" sz="2400" dirty="0">
-              <a:latin typeface="黑体" panose="02010609060101010101" pitchFamily="49" charset="-122"/>
-              <a:ea typeface="黑体" panose="02010609060101010101" pitchFamily="49" charset="-122"/>
-            </a:endParaRPr>
-          </a:p>
-          <a:p>
-            <a:pPr marL="457200" indent="-457200">
-              <a:lnSpc>
-                <a:spcPct val="150000"/>
-              </a:lnSpc>
-              <a:buFont typeface="+mj-lt"/>
-              <a:buAutoNum type="arabicPeriod"/>
-            </a:pPr>
-            <a:r>
-              <a:rPr lang="zh-CN" altLang="en-US" sz="2400" dirty="0">
-                <a:latin typeface="黑体" panose="02010609060101010101" pitchFamily="49" charset="-122"/>
-                <a:ea typeface="黑体" panose="02010609060101010101" pitchFamily="49" charset="-122"/>
-              </a:rPr>
-              <a:t>大模型总结回答</a:t>
-            </a:r>
-            <a:endParaRPr lang="en-US" altLang="zh-CN" sz="2400" dirty="0">
-              <a:latin typeface="黑体" panose="02010609060101010101" pitchFamily="49" charset="-122"/>
-              <a:ea typeface="黑体" panose="02010609060101010101" pitchFamily="49" charset="-122"/>
-            </a:endParaRPr>
-          </a:p>
         </p:txBody>
       </p:sp>
       <p:sp>
         <p:nvSpPr>
-          <p:cNvPr id="4" name="矩形 3">
+          <p:cNvPr id="8" name="矩形: 圆角 7">
             <a:extLst>
               <a:ext uri="{FF2B5EF4-FFF2-40B4-BE49-F238E27FC236}">
-                <a16:creationId xmlns:a16="http://schemas.microsoft.com/office/drawing/2014/main" id="{75DF557D-441E-029E-F35E-512E72D15BFE}"/>
+                <a16:creationId xmlns:a16="http://schemas.microsoft.com/office/drawing/2014/main" id="{FE27738D-C18B-450A-1C17-0F1FCB8A9750}"/>
               </a:ext>
             </a:extLst>
           </p:cNvPr>
@@ -15999,10 +17004,264 @@
         </p:nvSpPr>
         <p:spPr>
           <a:xfrm>
-            <a:off x="5088194" y="1821426"/>
-            <a:ext cx="5316793" cy="3064104"/>
+            <a:off x="1113115" y="3603731"/>
+            <a:ext cx="2329333" cy="1442664"/>
           </a:xfrm>
-          <a:prstGeom prst="rect">
+          <a:prstGeom prst="roundRect">
+            <a:avLst/>
+          </a:prstGeom>
+          <a:noFill/>
+        </p:spPr>
+        <p:style>
+          <a:lnRef idx="2">
+            <a:schemeClr val="accent1">
+              <a:shade val="15000"/>
+            </a:schemeClr>
+          </a:lnRef>
+          <a:fillRef idx="1">
+            <a:schemeClr val="accent1"/>
+          </a:fillRef>
+          <a:effectRef idx="0">
+            <a:schemeClr val="accent1"/>
+          </a:effectRef>
+          <a:fontRef idx="minor">
+            <a:schemeClr val="lt1"/>
+          </a:fontRef>
+        </p:style>
+        <p:txBody>
+          <a:bodyPr rtlCol="0" anchor="ctr"/>
+          <a:lstStyle/>
+          <a:p>
+            <a:pPr algn="ctr"/>
+            <a:r>
+              <a:rPr lang="en-US" altLang="zh-CN" dirty="0">
+                <a:solidFill>
+                  <a:schemeClr val="tx1"/>
+                </a:solidFill>
+              </a:rPr>
+              <a:t>        —————/——————/——————/——————/—————/————/———</a:t>
+            </a:r>
+            <a:endParaRPr lang="zh-CN" altLang="en-US" dirty="0">
+              <a:solidFill>
+                <a:schemeClr val="tx1"/>
+              </a:solidFill>
+            </a:endParaRPr>
+          </a:p>
+        </p:txBody>
+      </p:sp>
+      <p:sp>
+        <p:nvSpPr>
+          <p:cNvPr id="11" name="矩形: 圆角 10">
+            <a:extLst>
+              <a:ext uri="{FF2B5EF4-FFF2-40B4-BE49-F238E27FC236}">
+                <a16:creationId xmlns:a16="http://schemas.microsoft.com/office/drawing/2014/main" id="{2ACB74E9-E647-97BC-D267-34D3CF032624}"/>
+              </a:ext>
+            </a:extLst>
+          </p:cNvPr>
+          <p:cNvSpPr/>
+          <p:nvPr/>
+        </p:nvSpPr>
+        <p:spPr>
+          <a:xfrm>
+            <a:off x="4301247" y="3603731"/>
+            <a:ext cx="2329333" cy="1442664"/>
+          </a:xfrm>
+          <a:prstGeom prst="roundRect">
+            <a:avLst/>
+          </a:prstGeom>
+          <a:noFill/>
+        </p:spPr>
+        <p:style>
+          <a:lnRef idx="2">
+            <a:schemeClr val="accent1">
+              <a:shade val="15000"/>
+            </a:schemeClr>
+          </a:lnRef>
+          <a:fillRef idx="1">
+            <a:schemeClr val="accent1"/>
+          </a:fillRef>
+          <a:effectRef idx="0">
+            <a:schemeClr val="accent1"/>
+          </a:effectRef>
+          <a:fontRef idx="minor">
+            <a:schemeClr val="lt1"/>
+          </a:fontRef>
+        </p:style>
+        <p:txBody>
+          <a:bodyPr rtlCol="0" anchor="ctr"/>
+          <a:lstStyle/>
+          <a:p>
+            <a:pPr algn="ctr"/>
+            <a:r>
+              <a:rPr lang="en-US" altLang="zh-CN" dirty="0">
+                <a:solidFill>
+                  <a:schemeClr val="tx1"/>
+                </a:solidFill>
+              </a:rPr>
+              <a:t>        —————/——————/——</a:t>
+            </a:r>
+            <a:r>
+              <a:rPr lang="en-US" altLang="zh-CN" dirty="0">
+                <a:solidFill>
+                  <a:schemeClr val="tx1"/>
+                </a:solidFill>
+                <a:highlight>
+                  <a:srgbClr val="00FF00"/>
+                </a:highlight>
+              </a:rPr>
+              <a:t>———</a:t>
+            </a:r>
+            <a:r>
+              <a:rPr lang="en-US" altLang="zh-CN" dirty="0">
+                <a:solidFill>
+                  <a:schemeClr val="tx1"/>
+                </a:solidFill>
+              </a:rPr>
+              <a:t>—/——————/—————/</a:t>
+            </a:r>
+            <a:r>
+              <a:rPr lang="en-US" altLang="zh-CN" dirty="0">
+                <a:solidFill>
+                  <a:schemeClr val="tx1"/>
+                </a:solidFill>
+                <a:highlight>
+                  <a:srgbClr val="00FF00"/>
+                </a:highlight>
+              </a:rPr>
+              <a:t>——</a:t>
+            </a:r>
+            <a:r>
+              <a:rPr lang="en-US" altLang="zh-CN" dirty="0">
+                <a:solidFill>
+                  <a:schemeClr val="tx1"/>
+                </a:solidFill>
+              </a:rPr>
+              <a:t>——/———</a:t>
+            </a:r>
+            <a:endParaRPr lang="zh-CN" altLang="en-US" dirty="0">
+              <a:solidFill>
+                <a:schemeClr val="tx1"/>
+              </a:solidFill>
+            </a:endParaRPr>
+          </a:p>
+        </p:txBody>
+      </p:sp>
+      <p:sp>
+        <p:nvSpPr>
+          <p:cNvPr id="12" name="矩形: 圆角 11">
+            <a:extLst>
+              <a:ext uri="{FF2B5EF4-FFF2-40B4-BE49-F238E27FC236}">
+                <a16:creationId xmlns:a16="http://schemas.microsoft.com/office/drawing/2014/main" id="{B66D7724-476F-243B-D9C0-060901DAA8F3}"/>
+              </a:ext>
+            </a:extLst>
+          </p:cNvPr>
+          <p:cNvSpPr/>
+          <p:nvPr/>
+        </p:nvSpPr>
+        <p:spPr>
+          <a:xfrm>
+            <a:off x="7622484" y="3603731"/>
+            <a:ext cx="2329333" cy="1442664"/>
+          </a:xfrm>
+          <a:prstGeom prst="roundRect">
+            <a:avLst/>
+          </a:prstGeom>
+          <a:noFill/>
+        </p:spPr>
+        <p:style>
+          <a:lnRef idx="2">
+            <a:schemeClr val="accent1">
+              <a:shade val="15000"/>
+            </a:schemeClr>
+          </a:lnRef>
+          <a:fillRef idx="1">
+            <a:schemeClr val="accent1"/>
+          </a:fillRef>
+          <a:effectRef idx="0">
+            <a:schemeClr val="accent1"/>
+          </a:effectRef>
+          <a:fontRef idx="minor">
+            <a:schemeClr val="lt1"/>
+          </a:fontRef>
+        </p:style>
+        <p:txBody>
+          <a:bodyPr rtlCol="0" anchor="ctr"/>
+          <a:lstStyle/>
+          <a:p>
+            <a:pPr algn="ctr"/>
+            <a:r>
+              <a:rPr lang="en-US" altLang="zh-CN" dirty="0">
+                <a:solidFill>
+                  <a:schemeClr val="tx1"/>
+                </a:solidFill>
+                <a:highlight>
+                  <a:srgbClr val="0000FF"/>
+                </a:highlight>
+              </a:rPr>
+              <a:t>——————————</a:t>
+            </a:r>
+            <a:r>
+              <a:rPr lang="en-US" altLang="zh-CN" dirty="0">
+                <a:solidFill>
+                  <a:schemeClr val="tx1"/>
+                </a:solidFill>
+                <a:highlight>
+                  <a:srgbClr val="00FF00"/>
+                </a:highlight>
+              </a:rPr>
+              <a:t>——————————</a:t>
+            </a:r>
+            <a:r>
+              <a:rPr lang="en-US" altLang="zh-CN" dirty="0">
+                <a:solidFill>
+                  <a:schemeClr val="tx1"/>
+                </a:solidFill>
+                <a:highlight>
+                  <a:srgbClr val="0000FF"/>
+                </a:highlight>
+              </a:rPr>
+              <a:t>——————————</a:t>
+            </a:r>
+            <a:r>
+              <a:rPr lang="en-US" altLang="zh-CN" dirty="0">
+                <a:solidFill>
+                  <a:schemeClr val="tx1"/>
+                </a:solidFill>
+                <a:highlight>
+                  <a:srgbClr val="FF00FF"/>
+                </a:highlight>
+              </a:rPr>
+              <a:t>——————————</a:t>
+            </a:r>
+            <a:endParaRPr lang="zh-CN" altLang="en-US" dirty="0">
+              <a:solidFill>
+                <a:schemeClr val="tx1"/>
+              </a:solidFill>
+              <a:highlight>
+                <a:srgbClr val="FF00FF"/>
+              </a:highlight>
+            </a:endParaRPr>
+          </a:p>
+        </p:txBody>
+      </p:sp>
+      <p:sp>
+        <p:nvSpPr>
+          <p:cNvPr id="13" name="箭头: 右 12">
+            <a:extLst>
+              <a:ext uri="{FF2B5EF4-FFF2-40B4-BE49-F238E27FC236}">
+                <a16:creationId xmlns:a16="http://schemas.microsoft.com/office/drawing/2014/main" id="{1753580F-7C67-75FC-261D-DFE88D097F35}"/>
+              </a:ext>
+            </a:extLst>
+          </p:cNvPr>
+          <p:cNvSpPr/>
+          <p:nvPr/>
+        </p:nvSpPr>
+        <p:spPr>
+          <a:xfrm>
+            <a:off x="3531087" y="4126326"/>
+            <a:ext cx="641344" cy="307275"/>
+          </a:xfrm>
+          <a:prstGeom prst="rightArrow">
             <a:avLst/>
           </a:prstGeom>
         </p:spPr>
@@ -16031,6 +17290,212 @@
           </a:p>
         </p:txBody>
       </p:sp>
+      <p:sp>
+        <p:nvSpPr>
+          <p:cNvPr id="14" name="文本框 13">
+            <a:extLst>
+              <a:ext uri="{FF2B5EF4-FFF2-40B4-BE49-F238E27FC236}">
+                <a16:creationId xmlns:a16="http://schemas.microsoft.com/office/drawing/2014/main" id="{A0F5B769-3E4C-B95D-0C2C-D2A9D4D067F5}"/>
+              </a:ext>
+            </a:extLst>
+          </p:cNvPr>
+          <p:cNvSpPr txBox="1"/>
+          <p:nvPr/>
+        </p:nvSpPr>
+        <p:spPr>
+          <a:xfrm>
+            <a:off x="3607954" y="3824036"/>
+            <a:ext cx="441146" cy="400110"/>
+          </a:xfrm>
+          <a:prstGeom prst="rect">
+            <a:avLst/>
+          </a:prstGeom>
+          <a:noFill/>
+        </p:spPr>
+        <p:txBody>
+          <a:bodyPr wrap="none" rtlCol="0">
+            <a:spAutoFit/>
+          </a:bodyPr>
+          <a:lstStyle/>
+          <a:p>
+            <a:r>
+              <a:rPr lang="zh-CN" altLang="en-US" sz="2000" dirty="0">
+                <a:latin typeface="黑体" panose="02010609060101010101" pitchFamily="49" charset="-122"/>
+                <a:ea typeface="黑体" panose="02010609060101010101" pitchFamily="49" charset="-122"/>
+              </a:rPr>
+              <a:t>①</a:t>
+            </a:r>
+          </a:p>
+        </p:txBody>
+      </p:sp>
+      <p:sp>
+        <p:nvSpPr>
+          <p:cNvPr id="15" name="箭头: 右 14">
+            <a:extLst>
+              <a:ext uri="{FF2B5EF4-FFF2-40B4-BE49-F238E27FC236}">
+                <a16:creationId xmlns:a16="http://schemas.microsoft.com/office/drawing/2014/main" id="{25D2012B-4037-53CD-876A-591B563D83B2}"/>
+              </a:ext>
+            </a:extLst>
+          </p:cNvPr>
+          <p:cNvSpPr/>
+          <p:nvPr/>
+        </p:nvSpPr>
+        <p:spPr>
+          <a:xfrm>
+            <a:off x="6805860" y="4126326"/>
+            <a:ext cx="641344" cy="307275"/>
+          </a:xfrm>
+          <a:prstGeom prst="rightArrow">
+            <a:avLst/>
+          </a:prstGeom>
+        </p:spPr>
+        <p:style>
+          <a:lnRef idx="2">
+            <a:schemeClr val="accent1">
+              <a:shade val="15000"/>
+            </a:schemeClr>
+          </a:lnRef>
+          <a:fillRef idx="1">
+            <a:schemeClr val="accent1"/>
+          </a:fillRef>
+          <a:effectRef idx="0">
+            <a:schemeClr val="accent1"/>
+          </a:effectRef>
+          <a:fontRef idx="minor">
+            <a:schemeClr val="lt1"/>
+          </a:fontRef>
+        </p:style>
+        <p:txBody>
+          <a:bodyPr rtlCol="0" anchor="ctr"/>
+          <a:lstStyle/>
+          <a:p>
+            <a:pPr algn="ctr"/>
+            <a:endParaRPr lang="zh-CN" altLang="en-US"/>
+          </a:p>
+        </p:txBody>
+      </p:sp>
+      <p:sp>
+        <p:nvSpPr>
+          <p:cNvPr id="16" name="文本框 15">
+            <a:extLst>
+              <a:ext uri="{FF2B5EF4-FFF2-40B4-BE49-F238E27FC236}">
+                <a16:creationId xmlns:a16="http://schemas.microsoft.com/office/drawing/2014/main" id="{6DEF54D2-766D-3129-868B-8269FF084730}"/>
+              </a:ext>
+            </a:extLst>
+          </p:cNvPr>
+          <p:cNvSpPr txBox="1"/>
+          <p:nvPr/>
+        </p:nvSpPr>
+        <p:spPr>
+          <a:xfrm>
+            <a:off x="6882727" y="3824036"/>
+            <a:ext cx="441146" cy="400110"/>
+          </a:xfrm>
+          <a:prstGeom prst="rect">
+            <a:avLst/>
+          </a:prstGeom>
+          <a:noFill/>
+        </p:spPr>
+        <p:txBody>
+          <a:bodyPr wrap="none" rtlCol="0">
+            <a:spAutoFit/>
+          </a:bodyPr>
+          <a:lstStyle/>
+          <a:p>
+            <a:r>
+              <a:rPr lang="zh-CN" altLang="en-US" sz="2000" dirty="0">
+                <a:latin typeface="黑体" panose="02010609060101010101" pitchFamily="49" charset="-122"/>
+                <a:ea typeface="黑体" panose="02010609060101010101" pitchFamily="49" charset="-122"/>
+              </a:rPr>
+              <a:t>②</a:t>
+            </a:r>
+          </a:p>
+        </p:txBody>
+      </p:sp>
+      <p:sp>
+        <p:nvSpPr>
+          <p:cNvPr id="17" name="箭头: 右 16">
+            <a:extLst>
+              <a:ext uri="{FF2B5EF4-FFF2-40B4-BE49-F238E27FC236}">
+                <a16:creationId xmlns:a16="http://schemas.microsoft.com/office/drawing/2014/main" id="{2E5480C3-AF1E-431F-5737-116F19BEA519}"/>
+              </a:ext>
+            </a:extLst>
+          </p:cNvPr>
+          <p:cNvSpPr/>
+          <p:nvPr/>
+        </p:nvSpPr>
+        <p:spPr>
+          <a:xfrm>
+            <a:off x="10112718" y="4126326"/>
+            <a:ext cx="641344" cy="307275"/>
+          </a:xfrm>
+          <a:prstGeom prst="rightArrow">
+            <a:avLst/>
+          </a:prstGeom>
+        </p:spPr>
+        <p:style>
+          <a:lnRef idx="2">
+            <a:schemeClr val="accent1">
+              <a:shade val="15000"/>
+            </a:schemeClr>
+          </a:lnRef>
+          <a:fillRef idx="1">
+            <a:schemeClr val="accent1"/>
+          </a:fillRef>
+          <a:effectRef idx="0">
+            <a:schemeClr val="accent1"/>
+          </a:effectRef>
+          <a:fontRef idx="minor">
+            <a:schemeClr val="lt1"/>
+          </a:fontRef>
+        </p:style>
+        <p:txBody>
+          <a:bodyPr rtlCol="0" anchor="ctr"/>
+          <a:lstStyle/>
+          <a:p>
+            <a:pPr algn="ctr"/>
+            <a:endParaRPr lang="zh-CN" altLang="en-US"/>
+          </a:p>
+        </p:txBody>
+      </p:sp>
+      <p:sp>
+        <p:nvSpPr>
+          <p:cNvPr id="18" name="文本框 17">
+            <a:extLst>
+              <a:ext uri="{FF2B5EF4-FFF2-40B4-BE49-F238E27FC236}">
+                <a16:creationId xmlns:a16="http://schemas.microsoft.com/office/drawing/2014/main" id="{47A0D2D7-7D29-4949-E741-99792A89F7CA}"/>
+              </a:ext>
+            </a:extLst>
+          </p:cNvPr>
+          <p:cNvSpPr txBox="1"/>
+          <p:nvPr/>
+        </p:nvSpPr>
+        <p:spPr>
+          <a:xfrm>
+            <a:off x="10189585" y="3824036"/>
+            <a:ext cx="441146" cy="400110"/>
+          </a:xfrm>
+          <a:prstGeom prst="rect">
+            <a:avLst/>
+          </a:prstGeom>
+          <a:noFill/>
+        </p:spPr>
+        <p:txBody>
+          <a:bodyPr wrap="none" rtlCol="0">
+            <a:spAutoFit/>
+          </a:bodyPr>
+          <a:lstStyle/>
+          <a:p>
+            <a:r>
+              <a:rPr lang="zh-CN" altLang="en-US" sz="2000" dirty="0">
+                <a:latin typeface="黑体" panose="02010609060101010101" pitchFamily="49" charset="-122"/>
+                <a:ea typeface="黑体" panose="02010609060101010101" pitchFamily="49" charset="-122"/>
+              </a:rPr>
+              <a:t>③</a:t>
+            </a:r>
+          </a:p>
+        </p:txBody>
+      </p:sp>
     </p:spTree>
     <p:extLst>
       <p:ext uri="{BB962C8B-B14F-4D97-AF65-F5344CB8AC3E}">
@@ -16041,6 +17506,18 @@
   <p:clrMapOvr>
     <a:masterClrMapping/>
   </p:clrMapOvr>
+  <mc:AlternateContent xmlns:mc="http://schemas.openxmlformats.org/markup-compatibility/2006">
+    <mc:Choice xmlns:p14="http://schemas.microsoft.com/office/powerpoint/2010/main" Requires="p14">
+      <p:transition spd="med" p14:dur="700">
+        <p:fade/>
+      </p:transition>
+    </mc:Choice>
+    <mc:Fallback>
+      <p:transition spd="med">
+        <p:fade/>
+      </p:transition>
+    </mc:Fallback>
+  </mc:AlternateContent>
   <p:timing>
     <p:tnLst>
       <p:par>
@@ -16062,7 +17539,7 @@
                             </p:stCondLst>
                             <p:childTnLst>
                               <p:par>
-                                <p:cTn id="5" presetID="22" presetClass="entr" presetSubtype="8" fill="hold" grpId="0" nodeType="clickEffect">
+                                <p:cTn id="5" presetID="22" presetClass="entr" presetSubtype="1" fill="hold" grpId="0" nodeType="clickEffect">
                                   <p:stCondLst>
                                     <p:cond delay="0"/>
                                   </p:stCondLst>
@@ -16085,11 +17562,416 @@
                                         <p:strVal val="visible"/>
                                       </p:to>
                                     </p:set>
-                                    <p:animEffect transition="in" filter="wipe(left)">
+                                    <p:animEffect transition="in" filter="wipe(up)">
                                       <p:cBhvr>
                                         <p:cTn id="7" dur="500"/>
                                         <p:tgtEl>
                                           <p:spTgt spid="3"/>
+                                        </p:tgtEl>
+                                      </p:cBhvr>
+                                    </p:animEffect>
+                                  </p:childTnLst>
+                                </p:cTn>
+                              </p:par>
+                            </p:childTnLst>
+                          </p:cTn>
+                        </p:par>
+                      </p:childTnLst>
+                    </p:cTn>
+                  </p:par>
+                  <p:par>
+                    <p:cTn id="8" fill="hold">
+                      <p:stCondLst>
+                        <p:cond delay="indefinite"/>
+                      </p:stCondLst>
+                      <p:childTnLst>
+                        <p:par>
+                          <p:cTn id="9" fill="hold">
+                            <p:stCondLst>
+                              <p:cond delay="0"/>
+                            </p:stCondLst>
+                            <p:childTnLst>
+                              <p:par>
+                                <p:cTn id="10" presetID="10" presetClass="entr" presetSubtype="0" fill="hold" grpId="0" nodeType="clickEffect">
+                                  <p:stCondLst>
+                                    <p:cond delay="0"/>
+                                  </p:stCondLst>
+                                  <p:childTnLst>
+                                    <p:set>
+                                      <p:cBhvr>
+                                        <p:cTn id="11" dur="1" fill="hold">
+                                          <p:stCondLst>
+                                            <p:cond delay="0"/>
+                                          </p:stCondLst>
+                                        </p:cTn>
+                                        <p:tgtEl>
+                                          <p:spTgt spid="8"/>
+                                        </p:tgtEl>
+                                        <p:attrNameLst>
+                                          <p:attrName>style.visibility</p:attrName>
+                                        </p:attrNameLst>
+                                      </p:cBhvr>
+                                      <p:to>
+                                        <p:strVal val="visible"/>
+                                      </p:to>
+                                    </p:set>
+                                    <p:animEffect transition="in" filter="fade">
+                                      <p:cBhvr>
+                                        <p:cTn id="12" dur="500"/>
+                                        <p:tgtEl>
+                                          <p:spTgt spid="8"/>
+                                        </p:tgtEl>
+                                      </p:cBhvr>
+                                    </p:animEffect>
+                                  </p:childTnLst>
+                                </p:cTn>
+                              </p:par>
+                            </p:childTnLst>
+                          </p:cTn>
+                        </p:par>
+                      </p:childTnLst>
+                    </p:cTn>
+                  </p:par>
+                  <p:par>
+                    <p:cTn id="13" fill="hold">
+                      <p:stCondLst>
+                        <p:cond delay="indefinite"/>
+                      </p:stCondLst>
+                      <p:childTnLst>
+                        <p:par>
+                          <p:cTn id="14" fill="hold">
+                            <p:stCondLst>
+                              <p:cond delay="0"/>
+                            </p:stCondLst>
+                            <p:childTnLst>
+                              <p:par>
+                                <p:cTn id="15" presetID="22" presetClass="entr" presetSubtype="8" fill="hold" grpId="0" nodeType="clickEffect">
+                                  <p:stCondLst>
+                                    <p:cond delay="0"/>
+                                  </p:stCondLst>
+                                  <p:childTnLst>
+                                    <p:set>
+                                      <p:cBhvr>
+                                        <p:cTn id="16" dur="1" fill="hold">
+                                          <p:stCondLst>
+                                            <p:cond delay="0"/>
+                                          </p:stCondLst>
+                                        </p:cTn>
+                                        <p:tgtEl>
+                                          <p:spTgt spid="13"/>
+                                        </p:tgtEl>
+                                        <p:attrNameLst>
+                                          <p:attrName>style.visibility</p:attrName>
+                                        </p:attrNameLst>
+                                      </p:cBhvr>
+                                      <p:to>
+                                        <p:strVal val="visible"/>
+                                      </p:to>
+                                    </p:set>
+                                    <p:animEffect transition="in" filter="wipe(left)">
+                                      <p:cBhvr>
+                                        <p:cTn id="17" dur="500"/>
+                                        <p:tgtEl>
+                                          <p:spTgt spid="13"/>
+                                        </p:tgtEl>
+                                      </p:cBhvr>
+                                    </p:animEffect>
+                                  </p:childTnLst>
+                                </p:cTn>
+                              </p:par>
+                              <p:par>
+                                <p:cTn id="18" presetID="22" presetClass="entr" presetSubtype="8" fill="hold" grpId="0" nodeType="withEffect">
+                                  <p:stCondLst>
+                                    <p:cond delay="0"/>
+                                  </p:stCondLst>
+                                  <p:childTnLst>
+                                    <p:set>
+                                      <p:cBhvr>
+                                        <p:cTn id="19" dur="1" fill="hold">
+                                          <p:stCondLst>
+                                            <p:cond delay="0"/>
+                                          </p:stCondLst>
+                                        </p:cTn>
+                                        <p:tgtEl>
+                                          <p:spTgt spid="14"/>
+                                        </p:tgtEl>
+                                        <p:attrNameLst>
+                                          <p:attrName>style.visibility</p:attrName>
+                                        </p:attrNameLst>
+                                      </p:cBhvr>
+                                      <p:to>
+                                        <p:strVal val="visible"/>
+                                      </p:to>
+                                    </p:set>
+                                    <p:animEffect transition="in" filter="wipe(left)">
+                                      <p:cBhvr>
+                                        <p:cTn id="20" dur="500"/>
+                                        <p:tgtEl>
+                                          <p:spTgt spid="14"/>
+                                        </p:tgtEl>
+                                      </p:cBhvr>
+                                    </p:animEffect>
+                                  </p:childTnLst>
+                                </p:cTn>
+                              </p:par>
+                            </p:childTnLst>
+                          </p:cTn>
+                        </p:par>
+                        <p:par>
+                          <p:cTn id="21" fill="hold">
+                            <p:stCondLst>
+                              <p:cond delay="500"/>
+                            </p:stCondLst>
+                            <p:childTnLst>
+                              <p:par>
+                                <p:cTn id="22" presetID="10" presetClass="entr" presetSubtype="0" fill="hold" grpId="0" nodeType="afterEffect">
+                                  <p:stCondLst>
+                                    <p:cond delay="0"/>
+                                  </p:stCondLst>
+                                  <p:childTnLst>
+                                    <p:set>
+                                      <p:cBhvr>
+                                        <p:cTn id="23" dur="1" fill="hold">
+                                          <p:stCondLst>
+                                            <p:cond delay="0"/>
+                                          </p:stCondLst>
+                                        </p:cTn>
+                                        <p:tgtEl>
+                                          <p:spTgt spid="11"/>
+                                        </p:tgtEl>
+                                        <p:attrNameLst>
+                                          <p:attrName>style.visibility</p:attrName>
+                                        </p:attrNameLst>
+                                      </p:cBhvr>
+                                      <p:to>
+                                        <p:strVal val="visible"/>
+                                      </p:to>
+                                    </p:set>
+                                    <p:animEffect transition="in" filter="fade">
+                                      <p:cBhvr>
+                                        <p:cTn id="24" dur="500"/>
+                                        <p:tgtEl>
+                                          <p:spTgt spid="11"/>
+                                        </p:tgtEl>
+                                      </p:cBhvr>
+                                    </p:animEffect>
+                                  </p:childTnLst>
+                                </p:cTn>
+                              </p:par>
+                            </p:childTnLst>
+                          </p:cTn>
+                        </p:par>
+                      </p:childTnLst>
+                    </p:cTn>
+                  </p:par>
+                  <p:par>
+                    <p:cTn id="25" fill="hold">
+                      <p:stCondLst>
+                        <p:cond delay="indefinite"/>
+                      </p:stCondLst>
+                      <p:childTnLst>
+                        <p:par>
+                          <p:cTn id="26" fill="hold">
+                            <p:stCondLst>
+                              <p:cond delay="0"/>
+                            </p:stCondLst>
+                            <p:childTnLst>
+                              <p:par>
+                                <p:cTn id="27" presetID="22" presetClass="entr" presetSubtype="8" fill="hold" grpId="0" nodeType="clickEffect">
+                                  <p:stCondLst>
+                                    <p:cond delay="0"/>
+                                  </p:stCondLst>
+                                  <p:childTnLst>
+                                    <p:set>
+                                      <p:cBhvr>
+                                        <p:cTn id="28" dur="1" fill="hold">
+                                          <p:stCondLst>
+                                            <p:cond delay="0"/>
+                                          </p:stCondLst>
+                                        </p:cTn>
+                                        <p:tgtEl>
+                                          <p:spTgt spid="15"/>
+                                        </p:tgtEl>
+                                        <p:attrNameLst>
+                                          <p:attrName>style.visibility</p:attrName>
+                                        </p:attrNameLst>
+                                      </p:cBhvr>
+                                      <p:to>
+                                        <p:strVal val="visible"/>
+                                      </p:to>
+                                    </p:set>
+                                    <p:animEffect transition="in" filter="wipe(left)">
+                                      <p:cBhvr>
+                                        <p:cTn id="29" dur="500"/>
+                                        <p:tgtEl>
+                                          <p:spTgt spid="15"/>
+                                        </p:tgtEl>
+                                      </p:cBhvr>
+                                    </p:animEffect>
+                                  </p:childTnLst>
+                                </p:cTn>
+                              </p:par>
+                              <p:par>
+                                <p:cTn id="30" presetID="22" presetClass="entr" presetSubtype="8" fill="hold" grpId="0" nodeType="withEffect">
+                                  <p:stCondLst>
+                                    <p:cond delay="0"/>
+                                  </p:stCondLst>
+                                  <p:childTnLst>
+                                    <p:set>
+                                      <p:cBhvr>
+                                        <p:cTn id="31" dur="1" fill="hold">
+                                          <p:stCondLst>
+                                            <p:cond delay="0"/>
+                                          </p:stCondLst>
+                                        </p:cTn>
+                                        <p:tgtEl>
+                                          <p:spTgt spid="16"/>
+                                        </p:tgtEl>
+                                        <p:attrNameLst>
+                                          <p:attrName>style.visibility</p:attrName>
+                                        </p:attrNameLst>
+                                      </p:cBhvr>
+                                      <p:to>
+                                        <p:strVal val="visible"/>
+                                      </p:to>
+                                    </p:set>
+                                    <p:animEffect transition="in" filter="wipe(left)">
+                                      <p:cBhvr>
+                                        <p:cTn id="32" dur="500"/>
+                                        <p:tgtEl>
+                                          <p:spTgt spid="16"/>
+                                        </p:tgtEl>
+                                      </p:cBhvr>
+                                    </p:animEffect>
+                                  </p:childTnLst>
+                                </p:cTn>
+                              </p:par>
+                            </p:childTnLst>
+                          </p:cTn>
+                        </p:par>
+                        <p:par>
+                          <p:cTn id="33" fill="hold">
+                            <p:stCondLst>
+                              <p:cond delay="500"/>
+                            </p:stCondLst>
+                            <p:childTnLst>
+                              <p:par>
+                                <p:cTn id="34" presetID="10" presetClass="entr" presetSubtype="0" fill="hold" grpId="0" nodeType="afterEffect">
+                                  <p:stCondLst>
+                                    <p:cond delay="0"/>
+                                  </p:stCondLst>
+                                  <p:childTnLst>
+                                    <p:set>
+                                      <p:cBhvr>
+                                        <p:cTn id="35" dur="1" fill="hold">
+                                          <p:stCondLst>
+                                            <p:cond delay="0"/>
+                                          </p:stCondLst>
+                                        </p:cTn>
+                                        <p:tgtEl>
+                                          <p:spTgt spid="12"/>
+                                        </p:tgtEl>
+                                        <p:attrNameLst>
+                                          <p:attrName>style.visibility</p:attrName>
+                                        </p:attrNameLst>
+                                      </p:cBhvr>
+                                      <p:to>
+                                        <p:strVal val="visible"/>
+                                      </p:to>
+                                    </p:set>
+                                    <p:animEffect transition="in" filter="fade">
+                                      <p:cBhvr>
+                                        <p:cTn id="36" dur="500"/>
+                                        <p:tgtEl>
+                                          <p:spTgt spid="12"/>
+                                        </p:tgtEl>
+                                      </p:cBhvr>
+                                    </p:animEffect>
+                                  </p:childTnLst>
+                                </p:cTn>
+                              </p:par>
+                            </p:childTnLst>
+                          </p:cTn>
+                        </p:par>
+                      </p:childTnLst>
+                    </p:cTn>
+                  </p:par>
+                  <p:par>
+                    <p:cTn id="37" fill="hold">
+                      <p:stCondLst>
+                        <p:cond delay="indefinite"/>
+                      </p:stCondLst>
+                      <p:childTnLst>
+                        <p:par>
+                          <p:cTn id="38" fill="hold">
+                            <p:stCondLst>
+                              <p:cond delay="0"/>
+                            </p:stCondLst>
+                            <p:childTnLst>
+                              <p:par>
+                                <p:cTn id="39" presetID="22" presetClass="entr" presetSubtype="8" fill="hold" grpId="0" nodeType="clickEffect">
+                                  <p:stCondLst>
+                                    <p:cond delay="0"/>
+                                  </p:stCondLst>
+                                  <p:childTnLst>
+                                    <p:set>
+                                      <p:cBhvr>
+                                        <p:cTn id="40" dur="1" fill="hold">
+                                          <p:stCondLst>
+                                            <p:cond delay="0"/>
+                                          </p:stCondLst>
+                                        </p:cTn>
+                                        <p:tgtEl>
+                                          <p:spTgt spid="17"/>
+                                        </p:tgtEl>
+                                        <p:attrNameLst>
+                                          <p:attrName>style.visibility</p:attrName>
+                                        </p:attrNameLst>
+                                      </p:cBhvr>
+                                      <p:to>
+                                        <p:strVal val="visible"/>
+                                      </p:to>
+                                    </p:set>
+                                    <p:animEffect transition="in" filter="wipe(left)">
+                                      <p:cBhvr>
+                                        <p:cTn id="41" dur="500"/>
+                                        <p:tgtEl>
+                                          <p:spTgt spid="17"/>
+                                        </p:tgtEl>
+                                      </p:cBhvr>
+                                    </p:animEffect>
+                                  </p:childTnLst>
+                                </p:cTn>
+                              </p:par>
+                              <p:par>
+                                <p:cTn id="42" presetID="22" presetClass="entr" presetSubtype="8" fill="hold" grpId="0" nodeType="withEffect">
+                                  <p:stCondLst>
+                                    <p:cond delay="0"/>
+                                  </p:stCondLst>
+                                  <p:childTnLst>
+                                    <p:set>
+                                      <p:cBhvr>
+                                        <p:cTn id="43" dur="1" fill="hold">
+                                          <p:stCondLst>
+                                            <p:cond delay="0"/>
+                                          </p:stCondLst>
+                                        </p:cTn>
+                                        <p:tgtEl>
+                                          <p:spTgt spid="18"/>
+                                        </p:tgtEl>
+                                        <p:attrNameLst>
+                                          <p:attrName>style.visibility</p:attrName>
+                                        </p:attrNameLst>
+                                      </p:cBhvr>
+                                      <p:to>
+                                        <p:strVal val="visible"/>
+                                      </p:to>
+                                    </p:set>
+                                    <p:animEffect transition="in" filter="wipe(left)">
+                                      <p:cBhvr>
+                                        <p:cTn id="44" dur="500"/>
+                                        <p:tgtEl>
+                                          <p:spTgt spid="18"/>
                                         </p:tgtEl>
                                       </p:cBhvr>
                                     </p:animEffect>
@@ -16125,6 +18007,15 @@
     </p:tnLst>
     <p:bldLst>
       <p:bldP spid="3" grpId="0"/>
+      <p:bldP spid="8" grpId="0" animBg="1"/>
+      <p:bldP spid="11" grpId="0" animBg="1"/>
+      <p:bldP spid="12" grpId="0" animBg="1"/>
+      <p:bldP spid="13" grpId="0" animBg="1"/>
+      <p:bldP spid="14" grpId="0"/>
+      <p:bldP spid="15" grpId="0" animBg="1"/>
+      <p:bldP spid="16" grpId="0"/>
+      <p:bldP spid="17" grpId="0" animBg="1"/>
+      <p:bldP spid="18" grpId="0"/>
     </p:bldLst>
   </p:timing>
 </p:sld>
@@ -16226,6 +18117,18 @@
   <p:clrMapOvr>
     <a:masterClrMapping/>
   </p:clrMapOvr>
+  <mc:AlternateContent xmlns:mc="http://schemas.openxmlformats.org/markup-compatibility/2006">
+    <mc:Choice xmlns:p14="http://schemas.microsoft.com/office/powerpoint/2010/main" Requires="p14">
+      <p:transition spd="med" p14:dur="700">
+        <p:fade/>
+      </p:transition>
+    </mc:Choice>
+    <mc:Fallback>
+      <p:transition spd="med">
+        <p:fade/>
+      </p:transition>
+    </mc:Fallback>
+  </mc:AlternateContent>
   <p:timing>
     <p:tnLst>
       <p:par>
@@ -16238,6 +18141,9 @@
                     <p:cTn id="3" fill="hold">
                       <p:stCondLst>
                         <p:cond delay="indefinite"/>
+                        <p:cond evt="onBegin" delay="0">
+                          <p:tn val="2"/>
+                        </p:cond>
                       </p:stCondLst>
                       <p:childTnLst>
                         <p:par>
@@ -16247,7 +18153,7 @@
                             </p:stCondLst>
                             <p:childTnLst>
                               <p:par>
-                                <p:cTn id="5" presetID="22" presetClass="entr" presetSubtype="8" fill="hold" grpId="0" nodeType="clickEffect">
+                                <p:cTn id="5" presetID="22" presetClass="entr" presetSubtype="8" fill="hold" grpId="0" nodeType="afterEffect">
                                   <p:stCondLst>
                                     <p:cond delay="0"/>
                                   </p:stCondLst>

--- a/utils/软件介绍.pptx
+++ b/utils/软件介绍.pptx
@@ -5,10 +5,10 @@
     <p:sldMasterId id="2147483683" r:id="rId1"/>
   </p:sldMasterIdLst>
   <p:notesMasterIdLst>
-    <p:notesMasterId r:id="rId25"/>
+    <p:notesMasterId r:id="rId26"/>
   </p:notesMasterIdLst>
   <p:handoutMasterIdLst>
-    <p:handoutMasterId r:id="rId26"/>
+    <p:handoutMasterId r:id="rId27"/>
   </p:handoutMasterIdLst>
   <p:sldIdLst>
     <p:sldId id="507" r:id="rId2"/>
@@ -31,14 +31,15 @@
     <p:sldId id="526" r:id="rId19"/>
     <p:sldId id="530" r:id="rId20"/>
     <p:sldId id="531" r:id="rId21"/>
-    <p:sldId id="514" r:id="rId22"/>
-    <p:sldId id="515" r:id="rId23"/>
-    <p:sldId id="498" r:id="rId24"/>
+    <p:sldId id="532" r:id="rId22"/>
+    <p:sldId id="514" r:id="rId23"/>
+    <p:sldId id="515" r:id="rId24"/>
+    <p:sldId id="498" r:id="rId25"/>
   </p:sldIdLst>
   <p:sldSz cx="12192000" cy="6858000"/>
   <p:notesSz cx="6858000" cy="9144000"/>
   <p:custDataLst>
-    <p:tags r:id="rId27"/>
+    <p:tags r:id="rId28"/>
   </p:custDataLst>
   <p:defaultTextStyle>
     <a:defPPr>
@@ -164,6 +165,7 @@
             <p14:sldId id="526"/>
             <p14:sldId id="530"/>
             <p14:sldId id="531"/>
+            <p14:sldId id="532"/>
           </p14:sldIdLst>
         </p14:section>
         <p14:section name="神经网络简介" id="{51DEABB7-0BCF-4ACB-8ADC-E4B71CC5B2A8}">
@@ -7162,11 +7164,17 @@
                   <a:srgbClr val="000000"/>
                 </a:solidFill>
                 <a:effectLst/>
+                <a:highlight>
+                  <a:srgbClr val="0000FF"/>
+                </a:highlight>
               </a:rPr>
               <a:t>You are a helpful assistant.</a:t>
             </a:r>
             <a:endParaRPr lang="zh-CN" altLang="en-US" dirty="0">
               <a:effectLst/>
+              <a:highlight>
+                <a:srgbClr val="0000FF"/>
+              </a:highlight>
             </a:endParaRPr>
           </a:p>
           <a:p>
@@ -7176,6 +7184,9 @@
                   <a:srgbClr val="000000"/>
                 </a:solidFill>
                 <a:effectLst/>
+                <a:highlight>
+                  <a:srgbClr val="00FF00"/>
+                </a:highlight>
               </a:rPr>
               <a:t># </a:t>
             </a:r>
@@ -7185,11 +7196,17 @@
                   <a:srgbClr val="000000"/>
                 </a:solidFill>
                 <a:effectLst/>
+                <a:highlight>
+                  <a:srgbClr val="00FF00"/>
+                </a:highlight>
               </a:rPr>
               <a:t>机体</a:t>
             </a:r>
             <a:endParaRPr lang="zh-CN" altLang="en-US" dirty="0">
               <a:effectLst/>
+              <a:highlight>
+                <a:srgbClr val="00FF00"/>
+              </a:highlight>
             </a:endParaRPr>
           </a:p>
           <a:p>
@@ -7199,6 +7216,9 @@
                   <a:srgbClr val="000000"/>
                 </a:solidFill>
                 <a:effectLst/>
+                <a:highlight>
+                  <a:srgbClr val="00FF00"/>
+                </a:highlight>
               </a:rPr>
               <a:t>一款直观的大模型应用软件：机体 </a:t>
             </a:r>
@@ -7208,11 +7228,17 @@
                   <a:srgbClr val="000000"/>
                 </a:solidFill>
                 <a:effectLst/>
+                <a:highlight>
+                  <a:srgbClr val="00FF00"/>
+                </a:highlight>
               </a:rPr>
               <a:t>(qt5+llama.cpp-b2409)</a:t>
             </a:r>
             <a:endParaRPr lang="zh-CN" altLang="en-US" dirty="0">
               <a:effectLst/>
+              <a:highlight>
+                <a:srgbClr val="00FF00"/>
+              </a:highlight>
             </a:endParaRPr>
           </a:p>
           <a:p>
@@ -7222,6 +7248,9 @@
                   <a:srgbClr val="000000"/>
                 </a:solidFill>
                 <a:effectLst/>
+                <a:highlight>
+                  <a:srgbClr val="00FF00"/>
+                </a:highlight>
               </a:rPr>
             </a:br>
             <a:endParaRPr lang="zh-CN" altLang="en-US" dirty="0">
@@ -7229,6 +7258,9 @@
                 <a:srgbClr val="000000"/>
               </a:solidFill>
               <a:effectLst/>
+              <a:highlight>
+                <a:srgbClr val="00FF00"/>
+              </a:highlight>
             </a:endParaRPr>
           </a:p>
           <a:p>
@@ -7238,6 +7270,9 @@
                   <a:srgbClr val="000000"/>
                 </a:solidFill>
                 <a:effectLst/>
+                <a:highlight>
+                  <a:srgbClr val="00FF00"/>
+                </a:highlight>
               </a:rPr>
               <a:t>## </a:t>
             </a:r>
@@ -7247,11 +7282,17 @@
                   <a:srgbClr val="000000"/>
                 </a:solidFill>
                 <a:effectLst/>
+                <a:highlight>
+                  <a:srgbClr val="00FF00"/>
+                </a:highlight>
               </a:rPr>
               <a:t>特点</a:t>
             </a:r>
             <a:endParaRPr lang="zh-CN" altLang="en-US" dirty="0">
               <a:effectLst/>
+              <a:highlight>
+                <a:srgbClr val="00FF00"/>
+              </a:highlight>
             </a:endParaRPr>
           </a:p>
           <a:p>
@@ -7261,6 +7302,9 @@
                   <a:srgbClr val="000000"/>
                 </a:solidFill>
                 <a:effectLst/>
+                <a:highlight>
+                  <a:srgbClr val="00FF00"/>
+                </a:highlight>
               </a:rPr>
             </a:br>
             <a:endParaRPr lang="zh-CN" altLang="en-US" dirty="0">
@@ -7268,6 +7312,9 @@
                 <a:srgbClr val="000000"/>
               </a:solidFill>
               <a:effectLst/>
+              <a:highlight>
+                <a:srgbClr val="00FF00"/>
+              </a:highlight>
             </a:endParaRPr>
           </a:p>
           <a:p>
@@ -7277,6 +7324,9 @@
                   <a:srgbClr val="000000"/>
                 </a:solidFill>
                 <a:effectLst/>
+                <a:highlight>
+                  <a:srgbClr val="00FF00"/>
+                </a:highlight>
               </a:rPr>
               <a:t>- </a:t>
             </a:r>
@@ -7286,11 +7336,17 @@
                   <a:srgbClr val="000000"/>
                 </a:solidFill>
                 <a:effectLst/>
+                <a:highlight>
+                  <a:srgbClr val="00FF00"/>
+                </a:highlight>
               </a:rPr>
               <a:t>轻量</a:t>
             </a:r>
             <a:endParaRPr lang="zh-CN" altLang="en-US" dirty="0">
               <a:effectLst/>
+              <a:highlight>
+                <a:srgbClr val="00FF00"/>
+              </a:highlight>
             </a:endParaRPr>
           </a:p>
           <a:p>
@@ -7300,6 +7356,9 @@
                   <a:srgbClr val="000000"/>
                 </a:solidFill>
                 <a:effectLst/>
+                <a:highlight>
+                  <a:srgbClr val="00FF00"/>
+                </a:highlight>
               </a:rPr>
               <a:t>- </a:t>
             </a:r>
@@ -7309,6 +7368,9 @@
                   <a:srgbClr val="000000"/>
                 </a:solidFill>
                 <a:effectLst/>
+                <a:highlight>
+                  <a:srgbClr val="00FF00"/>
+                </a:highlight>
               </a:rPr>
               <a:t>机体没有其它依赖组件，就是一个</a:t>
             </a:r>
@@ -7318,6 +7380,9 @@
                   <a:srgbClr val="000000"/>
                 </a:solidFill>
                 <a:effectLst/>
+                <a:highlight>
+                  <a:srgbClr val="00FF00"/>
+                </a:highlight>
               </a:rPr>
               <a:t>exe</a:t>
             </a:r>
@@ -7327,11 +7392,17 @@
                   <a:srgbClr val="000000"/>
                 </a:solidFill>
                 <a:effectLst/>
+                <a:highlight>
+                  <a:srgbClr val="00FF00"/>
+                </a:highlight>
               </a:rPr>
               <a:t>程序</a:t>
             </a:r>
             <a:endParaRPr lang="zh-CN" altLang="en-US" dirty="0">
               <a:effectLst/>
+              <a:highlight>
+                <a:srgbClr val="00FF00"/>
+              </a:highlight>
             </a:endParaRPr>
           </a:p>
           <a:p>
@@ -7341,11 +7412,17 @@
                   <a:srgbClr val="000000"/>
                 </a:solidFill>
                 <a:effectLst/>
+                <a:highlight>
+                  <a:srgbClr val="00FF00"/>
+                </a:highlight>
               </a:rPr>
               <a:t>- win7</a:t>
             </a:r>
             <a:endParaRPr lang="zh-CN" altLang="en-US" dirty="0">
               <a:effectLst/>
+              <a:highlight>
+                <a:srgbClr val="00FF00"/>
+              </a:highlight>
             </a:endParaRPr>
           </a:p>
           <a:p>
@@ -7355,6 +7432,9 @@
                   <a:srgbClr val="000000"/>
                 </a:solidFill>
                 <a:effectLst/>
+                <a:highlight>
+                  <a:srgbClr val="00FF00"/>
+                </a:highlight>
               </a:rPr>
               <a:t>- </a:t>
             </a:r>
@@ -7364,6 +7444,9 @@
                   <a:srgbClr val="000000"/>
                 </a:solidFill>
                 <a:effectLst/>
+                <a:highlight>
+                  <a:srgbClr val="00FF00"/>
+                </a:highlight>
               </a:rPr>
               <a:t>最低支持</a:t>
             </a:r>
@@ -7373,6 +7456,9 @@
                   <a:srgbClr val="000000"/>
                 </a:solidFill>
                 <a:effectLst/>
+                <a:highlight>
+                  <a:srgbClr val="00FF00"/>
+                </a:highlight>
               </a:rPr>
               <a:t>32</a:t>
             </a:r>
@@ -7382,6 +7468,9 @@
                   <a:srgbClr val="000000"/>
                 </a:solidFill>
                 <a:effectLst/>
+                <a:highlight>
+                  <a:srgbClr val="00FF00"/>
+                </a:highlight>
               </a:rPr>
               <a:t>位</a:t>
             </a:r>
@@ -7391,11 +7480,17 @@
                   <a:srgbClr val="000000"/>
                 </a:solidFill>
                 <a:effectLst/>
+                <a:highlight>
+                  <a:srgbClr val="00FF00"/>
+                </a:highlight>
               </a:rPr>
               <a:t>windows7</a:t>
             </a:r>
             <a:endParaRPr lang="zh-CN" altLang="en-US" dirty="0">
               <a:effectLst/>
+              <a:highlight>
+                <a:srgbClr val="00FF00"/>
+              </a:highlight>
             </a:endParaRPr>
           </a:p>
           <a:p>
@@ -7405,6 +7500,9 @@
                   <a:srgbClr val="000000"/>
                 </a:solidFill>
                 <a:effectLst/>
+                <a:highlight>
+                  <a:srgbClr val="00FF00"/>
+                </a:highlight>
               </a:rPr>
               <a:t>- </a:t>
             </a:r>
@@ -7414,6 +7512,9 @@
                   <a:srgbClr val="000000"/>
                 </a:solidFill>
                 <a:effectLst/>
+                <a:highlight>
+                  <a:srgbClr val="00FF00"/>
+                </a:highlight>
               </a:rPr>
               <a:t>具有编译到</a:t>
             </a:r>
@@ -7423,6 +7524,9 @@
                   <a:srgbClr val="000000"/>
                 </a:solidFill>
                 <a:effectLst/>
+                <a:highlight>
+                  <a:srgbClr val="00FF00"/>
+                </a:highlight>
               </a:rPr>
               <a:t>(x86</a:t>
             </a:r>
@@ -7432,6 +7536,9 @@
                   <a:srgbClr val="000000"/>
                 </a:solidFill>
                 <a:effectLst/>
+                <a:highlight>
+                  <a:srgbClr val="00FF00"/>
+                </a:highlight>
               </a:rPr>
               <a:t>，</a:t>
             </a:r>
@@ -7441,6 +7548,9 @@
                   <a:srgbClr val="000000"/>
                 </a:solidFill>
                 <a:effectLst/>
+                <a:highlight>
+                  <a:srgbClr val="00FF00"/>
+                </a:highlight>
               </a:rPr>
               <a:t>arm</a:t>
             </a:r>
@@ -7450,6 +7560,9 @@
                   <a:srgbClr val="000000"/>
                 </a:solidFill>
                 <a:effectLst/>
+                <a:highlight>
+                  <a:srgbClr val="00FF00"/>
+                </a:highlight>
               </a:rPr>
               <a:t>，</a:t>
             </a:r>
@@ -7459,6 +7572,9 @@
                   <a:srgbClr val="000000"/>
                 </a:solidFill>
                 <a:effectLst/>
+                <a:highlight>
+                  <a:srgbClr val="00FF00"/>
+                </a:highlight>
               </a:rPr>
               <a:t>windows</a:t>
             </a:r>
@@ -7468,6 +7584,9 @@
                   <a:srgbClr val="000000"/>
                 </a:solidFill>
                 <a:effectLst/>
+                <a:highlight>
+                  <a:srgbClr val="00FF00"/>
+                </a:highlight>
               </a:rPr>
               <a:t>，</a:t>
             </a:r>
@@ -7477,6 +7596,9 @@
                   <a:srgbClr val="000000"/>
                 </a:solidFill>
                 <a:effectLst/>
+                <a:highlight>
+                  <a:srgbClr val="00FF00"/>
+                </a:highlight>
               </a:rPr>
               <a:t>linux</a:t>
             </a:r>
@@ -7486,6 +7608,9 @@
                   <a:srgbClr val="000000"/>
                 </a:solidFill>
                 <a:effectLst/>
+                <a:highlight>
+                  <a:srgbClr val="00FF00"/>
+                </a:highlight>
               </a:rPr>
               <a:t>，</a:t>
             </a:r>
@@ -7495,6 +7620,9 @@
                   <a:srgbClr val="000000"/>
                 </a:solidFill>
                 <a:effectLst/>
+                <a:highlight>
+                  <a:srgbClr val="00FF00"/>
+                </a:highlight>
               </a:rPr>
               <a:t>macos</a:t>
             </a:r>
@@ -7504,6 +7632,9 @@
                   <a:srgbClr val="000000"/>
                 </a:solidFill>
                 <a:effectLst/>
+                <a:highlight>
+                  <a:srgbClr val="00FF00"/>
+                </a:highlight>
               </a:rPr>
               <a:t>，</a:t>
             </a:r>
@@ -7513,6 +7644,9 @@
                   <a:srgbClr val="000000"/>
                 </a:solidFill>
                 <a:effectLst/>
+                <a:highlight>
+                  <a:srgbClr val="00FF00"/>
+                </a:highlight>
               </a:rPr>
               <a:t>android</a:t>
             </a:r>
@@ -7522,6 +7656,9 @@
                   <a:srgbClr val="000000"/>
                 </a:solidFill>
                 <a:effectLst/>
+                <a:highlight>
+                  <a:srgbClr val="00FF00"/>
+                </a:highlight>
               </a:rPr>
               <a:t>，</a:t>
             </a:r>
@@ -7531,6 +7668,9 @@
                   <a:srgbClr val="000000"/>
                 </a:solidFill>
                 <a:effectLst/>
+                <a:highlight>
+                  <a:srgbClr val="00FF00"/>
+                </a:highlight>
               </a:rPr>
               <a:t>cuda</a:t>
             </a:r>
@@ -7540,6 +7680,9 @@
                   <a:srgbClr val="000000"/>
                 </a:solidFill>
                 <a:effectLst/>
+                <a:highlight>
+                  <a:srgbClr val="00FF00"/>
+                </a:highlight>
               </a:rPr>
               <a:t>，</a:t>
             </a:r>
@@ -7549,6 +7692,9 @@
                   <a:srgbClr val="000000"/>
                 </a:solidFill>
                 <a:effectLst/>
+                <a:highlight>
+                  <a:srgbClr val="00FF00"/>
+                </a:highlight>
               </a:rPr>
               <a:t>rocm</a:t>
             </a:r>
@@ -7558,6 +7704,9 @@
                   <a:srgbClr val="000000"/>
                 </a:solidFill>
                 <a:effectLst/>
+                <a:highlight>
+                  <a:srgbClr val="00FF00"/>
+                </a:highlight>
               </a:rPr>
               <a:t>，</a:t>
             </a:r>
@@ -7567,6 +7716,9 @@
                   <a:srgbClr val="000000"/>
                 </a:solidFill>
                 <a:effectLst/>
+                <a:highlight>
+                  <a:srgbClr val="00FF00"/>
+                </a:highlight>
               </a:rPr>
               <a:t>vulkan</a:t>
             </a:r>
@@ -7576,6 +7728,9 @@
                   <a:srgbClr val="000000"/>
                 </a:solidFill>
                 <a:effectLst/>
+                <a:highlight>
+                  <a:srgbClr val="00FF00"/>
+                </a:highlight>
               </a:rPr>
               <a:t>)</a:t>
             </a:r>
@@ -7585,11 +7740,17 @@
                   <a:srgbClr val="000000"/>
                 </a:solidFill>
                 <a:effectLst/>
+                <a:highlight>
+                  <a:srgbClr val="00FF00"/>
+                </a:highlight>
               </a:rPr>
               <a:t>的潜力</a:t>
             </a:r>
             <a:endParaRPr lang="zh-CN" altLang="en-US" dirty="0">
               <a:effectLst/>
+              <a:highlight>
+                <a:srgbClr val="00FF00"/>
+              </a:highlight>
             </a:endParaRPr>
           </a:p>
           <a:p>
@@ -7599,6 +7760,9 @@
                   <a:srgbClr val="000000"/>
                 </a:solidFill>
                 <a:effectLst/>
+                <a:highlight>
+                  <a:srgbClr val="00FF00"/>
+                </a:highlight>
               </a:rPr>
               <a:t>- </a:t>
             </a:r>
@@ -7608,11 +7772,17 @@
                   <a:srgbClr val="000000"/>
                 </a:solidFill>
                 <a:effectLst/>
+                <a:highlight>
+                  <a:srgbClr val="00FF00"/>
+                </a:highlight>
               </a:rPr>
               <a:t>多功能</a:t>
             </a:r>
             <a:endParaRPr lang="zh-CN" altLang="en-US" dirty="0">
               <a:effectLst/>
+              <a:highlight>
+                <a:srgbClr val="00FF00"/>
+              </a:highlight>
             </a:endParaRPr>
           </a:p>
           <a:p>
@@ -7622,6 +7792,9 @@
                   <a:srgbClr val="000000"/>
                 </a:solidFill>
                 <a:effectLst/>
+                <a:highlight>
+                  <a:srgbClr val="00FF00"/>
+                </a:highlight>
               </a:rPr>
               <a:t>- </a:t>
             </a:r>
@@ -7631,11 +7804,17 @@
                   <a:srgbClr val="000000"/>
                 </a:solidFill>
                 <a:effectLst/>
+                <a:highlight>
+                  <a:srgbClr val="00FF00"/>
+                </a:highlight>
               </a:rPr>
               <a:t>本地模型交互，</a:t>
             </a:r>
             <a:endParaRPr lang="zh-CN" altLang="en-US" dirty="0">
               <a:effectLst/>
+              <a:highlight>
+                <a:srgbClr val="00FF00"/>
+              </a:highlight>
             </a:endParaRPr>
           </a:p>
           <a:p>
@@ -7645,6 +7824,9 @@
                   <a:srgbClr val="000000"/>
                 </a:solidFill>
                 <a:effectLst/>
+                <a:highlight>
+                  <a:srgbClr val="00FF00"/>
+                </a:highlight>
               </a:rPr>
               <a:t>32</a:t>
             </a:r>
@@ -7654,6 +7836,9 @@
                   <a:srgbClr val="000000"/>
                 </a:solidFill>
                 <a:effectLst/>
+                <a:highlight>
+                  <a:srgbClr val="00FF00"/>
+                </a:highlight>
               </a:rPr>
               <a:t>位</a:t>
             </a:r>
@@ -7663,11 +7848,17 @@
                   <a:srgbClr val="000000"/>
                 </a:solidFill>
                 <a:effectLst/>
+                <a:highlight>
+                  <a:srgbClr val="00FF00"/>
+                </a:highlight>
               </a:rPr>
               <a:t>windows7</a:t>
             </a:r>
             <a:endParaRPr lang="zh-CN" altLang="en-US" dirty="0">
               <a:effectLst/>
+              <a:highlight>
+                <a:srgbClr val="00FF00"/>
+              </a:highlight>
             </a:endParaRPr>
           </a:p>
           <a:p>
@@ -7677,6 +7868,9 @@
                   <a:srgbClr val="000000"/>
                 </a:solidFill>
                 <a:effectLst/>
+                <a:highlight>
+                  <a:srgbClr val="00FF00"/>
+                </a:highlight>
               </a:rPr>
               <a:t>- </a:t>
             </a:r>
@@ -7686,6 +7880,9 @@
                   <a:srgbClr val="000000"/>
                 </a:solidFill>
                 <a:effectLst/>
+                <a:highlight>
+                  <a:srgbClr val="00FF00"/>
+                </a:highlight>
               </a:rPr>
               <a:t>具有编译到</a:t>
             </a:r>
@@ -7695,6 +7892,9 @@
                   <a:srgbClr val="000000"/>
                 </a:solidFill>
                 <a:effectLst/>
+                <a:highlight>
+                  <a:srgbClr val="00FF00"/>
+                </a:highlight>
               </a:rPr>
               <a:t>(x86</a:t>
             </a:r>
@@ -7704,6 +7904,9 @@
                   <a:srgbClr val="000000"/>
                 </a:solidFill>
                 <a:effectLst/>
+                <a:highlight>
+                  <a:srgbClr val="00FF00"/>
+                </a:highlight>
               </a:rPr>
               <a:t>，</a:t>
             </a:r>
@@ -7713,6 +7916,9 @@
                   <a:srgbClr val="000000"/>
                 </a:solidFill>
                 <a:effectLst/>
+                <a:highlight>
+                  <a:srgbClr val="00FF00"/>
+                </a:highlight>
               </a:rPr>
               <a:t>arm</a:t>
             </a:r>
@@ -7722,6 +7928,9 @@
                   <a:srgbClr val="000000"/>
                 </a:solidFill>
                 <a:effectLst/>
+                <a:highlight>
+                  <a:srgbClr val="00FF00"/>
+                </a:highlight>
               </a:rPr>
               <a:t>，</a:t>
             </a:r>
@@ -7731,6 +7940,9 @@
                   <a:srgbClr val="000000"/>
                 </a:solidFill>
                 <a:effectLst/>
+                <a:highlight>
+                  <a:srgbClr val="00FF00"/>
+                </a:highlight>
               </a:rPr>
               <a:t>windows</a:t>
             </a:r>
@@ -7740,6 +7952,9 @@
                   <a:srgbClr val="000000"/>
                 </a:solidFill>
                 <a:effectLst/>
+                <a:highlight>
+                  <a:srgbClr val="00FF00"/>
+                </a:highlight>
               </a:rPr>
               <a:t>，</a:t>
             </a:r>
@@ -7749,6 +7964,9 @@
                   <a:srgbClr val="000000"/>
                 </a:solidFill>
                 <a:effectLst/>
+                <a:highlight>
+                  <a:srgbClr val="00FF00"/>
+                </a:highlight>
               </a:rPr>
               <a:t>linux</a:t>
             </a:r>
@@ -7758,6 +7976,9 @@
                   <a:srgbClr val="000000"/>
                 </a:solidFill>
                 <a:effectLst/>
+                <a:highlight>
+                  <a:srgbClr val="00FF00"/>
+                </a:highlight>
               </a:rPr>
               <a:t>，</a:t>
             </a:r>
@@ -7767,6 +7988,9 @@
                   <a:srgbClr val="000000"/>
                 </a:solidFill>
                 <a:effectLst/>
+                <a:highlight>
+                  <a:srgbClr val="00FF00"/>
+                </a:highlight>
               </a:rPr>
               <a:t>macos</a:t>
             </a:r>
@@ -7776,6 +8000,9 @@
                   <a:srgbClr val="000000"/>
                 </a:solidFill>
                 <a:effectLst/>
+                <a:highlight>
+                  <a:srgbClr val="00FF00"/>
+                </a:highlight>
               </a:rPr>
               <a:t>，</a:t>
             </a:r>
@@ -7785,6 +8012,9 @@
                   <a:srgbClr val="000000"/>
                 </a:solidFill>
                 <a:effectLst/>
+                <a:highlight>
+                  <a:srgbClr val="00FF00"/>
+                </a:highlight>
               </a:rPr>
               <a:t>android</a:t>
             </a:r>
@@ -7794,6 +8024,9 @@
                   <a:srgbClr val="000000"/>
                 </a:solidFill>
                 <a:effectLst/>
+                <a:highlight>
+                  <a:srgbClr val="00FF00"/>
+                </a:highlight>
               </a:rPr>
               <a:t>，</a:t>
             </a:r>
@@ -7803,6 +8036,9 @@
                   <a:srgbClr val="000000"/>
                 </a:solidFill>
                 <a:effectLst/>
+                <a:highlight>
+                  <a:srgbClr val="00FF00"/>
+                </a:highlight>
               </a:rPr>
               <a:t>cuda</a:t>
             </a:r>
@@ -7812,6 +8048,9 @@
                   <a:srgbClr val="000000"/>
                 </a:solidFill>
                 <a:effectLst/>
+                <a:highlight>
+                  <a:srgbClr val="00FF00"/>
+                </a:highlight>
               </a:rPr>
               <a:t>，</a:t>
             </a:r>
@@ -7821,6 +8060,9 @@
                   <a:srgbClr val="000000"/>
                 </a:solidFill>
                 <a:effectLst/>
+                <a:highlight>
+                  <a:srgbClr val="00FF00"/>
+                </a:highlight>
               </a:rPr>
               <a:t>rocm</a:t>
             </a:r>
@@ -7830,6 +8072,9 @@
                   <a:srgbClr val="000000"/>
                 </a:solidFill>
                 <a:effectLst/>
+                <a:highlight>
+                  <a:srgbClr val="00FF00"/>
+                </a:highlight>
               </a:rPr>
               <a:t>，</a:t>
             </a:r>
@@ -7839,6 +8084,9 @@
                   <a:srgbClr val="000000"/>
                 </a:solidFill>
                 <a:effectLst/>
+                <a:highlight>
+                  <a:srgbClr val="00FF00"/>
+                </a:highlight>
               </a:rPr>
               <a:t>vulkan</a:t>
             </a:r>
@@ -7848,6 +8096,9 @@
                   <a:srgbClr val="000000"/>
                 </a:solidFill>
                 <a:effectLst/>
+                <a:highlight>
+                  <a:srgbClr val="00FF00"/>
+                </a:highlight>
               </a:rPr>
               <a:t>)</a:t>
             </a:r>
@@ -7857,11 +8108,17 @@
                   <a:srgbClr val="000000"/>
                 </a:solidFill>
                 <a:effectLst/>
+                <a:highlight>
+                  <a:srgbClr val="00FF00"/>
+                </a:highlight>
               </a:rPr>
               <a:t>的潜力</a:t>
             </a:r>
             <a:endParaRPr lang="zh-CN" altLang="en-US" dirty="0">
               <a:effectLst/>
+              <a:highlight>
+                <a:srgbClr val="00FF00"/>
+              </a:highlight>
             </a:endParaRPr>
           </a:p>
           <a:p>
@@ -7871,6 +8128,9 @@
                   <a:srgbClr val="000000"/>
                 </a:solidFill>
                 <a:effectLst/>
+                <a:highlight>
+                  <a:srgbClr val="00FF00"/>
+                </a:highlight>
               </a:rPr>
               <a:t>- </a:t>
             </a:r>
@@ -7880,11 +8140,17 @@
                   <a:srgbClr val="000000"/>
                 </a:solidFill>
                 <a:effectLst/>
+                <a:highlight>
+                  <a:srgbClr val="00FF00"/>
+                </a:highlight>
               </a:rPr>
               <a:t>多功能</a:t>
             </a:r>
             <a:endParaRPr lang="zh-CN" altLang="en-US" dirty="0">
               <a:effectLst/>
+              <a:highlight>
+                <a:srgbClr val="00FF00"/>
+              </a:highlight>
             </a:endParaRPr>
           </a:p>
           <a:p>
@@ -7894,6 +8160,9 @@
                   <a:srgbClr val="000000"/>
                 </a:solidFill>
                 <a:effectLst/>
+                <a:highlight>
+                  <a:srgbClr val="00FF00"/>
+                </a:highlight>
               </a:rPr>
               <a:t>- </a:t>
             </a:r>
@@ -7903,6 +8172,9 @@
                   <a:srgbClr val="000000"/>
                 </a:solidFill>
                 <a:effectLst/>
+                <a:highlight>
+                  <a:srgbClr val="00FF00"/>
+                </a:highlight>
               </a:rPr>
               <a:t>本地模型交互，多模态，在线模型交互，对外</a:t>
             </a:r>
@@ -7912,6 +8184,9 @@
                   <a:srgbClr val="000000"/>
                 </a:solidFill>
                 <a:effectLst/>
+                <a:highlight>
+                  <a:srgbClr val="00FF00"/>
+                </a:highlight>
               </a:rPr>
               <a:t>api</a:t>
             </a:r>
@@ -7921,11 +8196,17 @@
                   <a:srgbClr val="000000"/>
                 </a:solidFill>
                 <a:effectLst/>
+                <a:highlight>
+                  <a:srgbClr val="00FF00"/>
+                </a:highlight>
               </a:rPr>
               <a:t>服务，智能体，知识库问答，模型量化，文生图，声转文</a:t>
             </a:r>
             <a:endParaRPr lang="zh-CN" altLang="en-US" dirty="0">
               <a:effectLst/>
+              <a:highlight>
+                <a:srgbClr val="00FF00"/>
+              </a:highlight>
             </a:endParaRPr>
           </a:p>
           <a:p>
@@ -7935,6 +8216,9 @@
                   <a:srgbClr val="000000"/>
                 </a:solidFill>
                 <a:effectLst/>
+                <a:highlight>
+                  <a:srgbClr val="00FF00"/>
+                </a:highlight>
               </a:rPr>
               <a:t>- </a:t>
             </a:r>
@@ -7944,11 +8228,17 @@
                   <a:srgbClr val="000000"/>
                 </a:solidFill>
                 <a:effectLst/>
+                <a:highlight>
+                  <a:srgbClr val="00FF00"/>
+                </a:highlight>
               </a:rPr>
               <a:t>直观</a:t>
             </a:r>
             <a:endParaRPr lang="zh-CN" altLang="en-US" dirty="0">
               <a:effectLst/>
+              <a:highlight>
+                <a:srgbClr val="00FF00"/>
+              </a:highlight>
             </a:endParaRPr>
           </a:p>
           <a:p>
@@ -7958,6 +8248,9 @@
                   <a:srgbClr val="000000"/>
                 </a:solidFill>
                 <a:effectLst/>
+                <a:highlight>
+                  <a:srgbClr val="00FF00"/>
+                </a:highlight>
               </a:rPr>
               <a:t>- </a:t>
             </a:r>
@@ -7967,11 +8260,17 @@
                   <a:srgbClr val="000000"/>
                 </a:solidFill>
                 <a:effectLst/>
+                <a:highlight>
+                  <a:srgbClr val="00FF00"/>
+                </a:highlight>
               </a:rPr>
               <a:t>输出区的内容就是模型的全部现实</a:t>
             </a:r>
             <a:endParaRPr lang="zh-CN" altLang="en-US" dirty="0">
               <a:effectLst/>
+              <a:highlight>
+                <a:srgbClr val="00FF00"/>
+              </a:highlight>
             </a:endParaRPr>
           </a:p>
           <a:p>
@@ -7981,6 +8280,9 @@
                   <a:srgbClr val="000000"/>
                 </a:solidFill>
                 <a:effectLst/>
+                <a:highlight>
+                  <a:srgbClr val="00FF00"/>
+                </a:highlight>
               </a:rPr>
               <a:t>- </a:t>
             </a:r>
@@ -7990,11 +8292,17 @@
                   <a:srgbClr val="000000"/>
                 </a:solidFill>
                 <a:effectLst/>
+                <a:highlight>
+                  <a:srgbClr val="00FF00"/>
+                </a:highlight>
               </a:rPr>
               <a:t>状态区的内容就是全部工作流程</a:t>
             </a:r>
             <a:endParaRPr lang="zh-CN" altLang="en-US" dirty="0">
               <a:effectLst/>
+              <a:highlight>
+                <a:srgbClr val="00FF00"/>
+              </a:highlight>
             </a:endParaRPr>
           </a:p>
           <a:p>
@@ -8004,6 +8312,9 @@
                   <a:srgbClr val="000000"/>
                 </a:solidFill>
                 <a:effectLst/>
+                <a:highlight>
+                  <a:srgbClr val="00FF00"/>
+                </a:highlight>
               </a:rPr>
             </a:br>
             <a:endParaRPr lang="zh-CN" altLang="en-US" dirty="0">
@@ -8011,6 +8322,9 @@
                 <a:srgbClr val="000000"/>
               </a:solidFill>
               <a:effectLst/>
+              <a:highlight>
+                <a:srgbClr val="00FF00"/>
+              </a:highlight>
             </a:endParaRPr>
           </a:p>
           <a:p>
@@ -8020,6 +8334,9 @@
                   <a:srgbClr val="000000"/>
                 </a:solidFill>
                 <a:effectLst/>
+                <a:highlight>
+                  <a:srgbClr val="00FF00"/>
+                </a:highlight>
               </a:rPr>
               <a:t>## </a:t>
             </a:r>
@@ -8029,11 +8346,17 @@
                   <a:srgbClr val="000000"/>
                 </a:solidFill>
                 <a:effectLst/>
+                <a:highlight>
+                  <a:srgbClr val="00FF00"/>
+                </a:highlight>
               </a:rPr>
               <a:t>快速开始</a:t>
             </a:r>
             <a:endParaRPr lang="zh-CN" altLang="en-US" dirty="0">
               <a:effectLst/>
+              <a:highlight>
+                <a:srgbClr val="00FF00"/>
+              </a:highlight>
             </a:endParaRPr>
           </a:p>
           <a:p>
@@ -8043,6 +8366,9 @@
                   <a:srgbClr val="000000"/>
                 </a:solidFill>
                 <a:effectLst/>
+                <a:highlight>
+                  <a:srgbClr val="00FF00"/>
+                </a:highlight>
               </a:rPr>
               <a:t>1. </a:t>
             </a:r>
@@ -8052,11 +8378,17 @@
                   <a:srgbClr val="000000"/>
                 </a:solidFill>
                 <a:effectLst/>
+                <a:highlight>
+                  <a:srgbClr val="00FF00"/>
+                </a:highlight>
               </a:rPr>
               <a:t>下载一个机体</a:t>
             </a:r>
             <a:endParaRPr lang="zh-CN" altLang="en-US" dirty="0">
               <a:effectLst/>
+              <a:highlight>
+                <a:srgbClr val="00FF00"/>
+              </a:highlight>
             </a:endParaRPr>
           </a:p>
           <a:p>
@@ -8066,11 +8398,17 @@
                   <a:srgbClr val="000000"/>
                 </a:solidFill>
                 <a:effectLst/>
+                <a:highlight>
+                  <a:srgbClr val="00FF00"/>
+                </a:highlight>
               </a:rPr>
               <a:t>- https://pan.baidu.com/s/18NOUMjaJIZsV_Z</a:t>
             </a:r>
             <a:endParaRPr lang="zh-CN" altLang="en-US" dirty="0">
               <a:effectLst/>
+              <a:highlight>
+                <a:srgbClr val="00FF00"/>
+              </a:highlight>
             </a:endParaRPr>
           </a:p>
           <a:p>
@@ -8080,6 +8418,9 @@
                   <a:srgbClr val="000000"/>
                 </a:solidFill>
                 <a:effectLst/>
+                <a:highlight>
+                  <a:srgbClr val="00FF00"/>
+                </a:highlight>
               </a:rPr>
               <a:t>csv</a:t>
             </a:r>
@@ -8089,11 +8430,17 @@
                   <a:srgbClr val="000000"/>
                 </a:solidFill>
                 <a:effectLst/>
+                <a:highlight>
+                  <a:srgbClr val="00FF00"/>
+                </a:highlight>
               </a:rPr>
               <a:t>格式的题库进行测试</a:t>
             </a:r>
             <a:endParaRPr lang="zh-CN" altLang="en-US" dirty="0">
               <a:effectLst/>
+              <a:highlight>
+                <a:srgbClr val="00FF00"/>
+              </a:highlight>
             </a:endParaRPr>
           </a:p>
           <a:p>
@@ -8103,6 +8450,9 @@
                   <a:srgbClr val="000000"/>
                 </a:solidFill>
                 <a:effectLst/>
+                <a:highlight>
+                  <a:srgbClr val="00FF00"/>
+                </a:highlight>
               </a:rPr>
               <a:t>- </a:t>
             </a:r>
@@ -8112,6 +8462,9 @@
                   <a:srgbClr val="000000"/>
                 </a:solidFill>
                 <a:effectLst/>
+                <a:highlight>
+                  <a:srgbClr val="00FF00"/>
+                </a:highlight>
               </a:rPr>
               <a:t>可以按</a:t>
             </a:r>
@@ -8121,6 +8474,9 @@
                   <a:srgbClr val="000000"/>
                 </a:solidFill>
                 <a:effectLst/>
+                <a:highlight>
+                  <a:srgbClr val="00FF00"/>
+                </a:highlight>
               </a:rPr>
               <a:t>f1</a:t>
             </a:r>
@@ -8130,6 +8486,9 @@
                   <a:srgbClr val="000000"/>
                 </a:solidFill>
                 <a:effectLst/>
+                <a:highlight>
+                  <a:srgbClr val="00FF00"/>
+                </a:highlight>
               </a:rPr>
               <a:t>截图，按</a:t>
             </a:r>
@@ -8139,6 +8498,9 @@
                   <a:srgbClr val="000000"/>
                 </a:solidFill>
                 <a:effectLst/>
+                <a:highlight>
+                  <a:srgbClr val="00FF00"/>
+                </a:highlight>
               </a:rPr>
               <a:t>f2</a:t>
             </a:r>
@@ -8148,6 +8510,9 @@
                   <a:srgbClr val="000000"/>
                 </a:solidFill>
                 <a:effectLst/>
+                <a:highlight>
+                  <a:srgbClr val="00FF00"/>
+                </a:highlight>
               </a:rPr>
               <a:t>进行录音，截图和录音会发送给多模态或</a:t>
             </a:r>
@@ -8157,6 +8522,9 @@
                   <a:srgbClr val="000000"/>
                 </a:solidFill>
                 <a:effectLst/>
+                <a:highlight>
+                  <a:srgbClr val="00FF00"/>
+                </a:highlight>
               </a:rPr>
               <a:t>whisper</a:t>
             </a:r>
@@ -8166,11 +8534,17 @@
                   <a:srgbClr val="000000"/>
                 </a:solidFill>
                 <a:effectLst/>
+                <a:highlight>
+                  <a:srgbClr val="00FF00"/>
+                </a:highlight>
               </a:rPr>
               <a:t>模型进行相应处理</a:t>
             </a:r>
             <a:endParaRPr lang="zh-CN" altLang="en-US" dirty="0">
               <a:effectLst/>
+              <a:highlight>
+                <a:srgbClr val="00FF00"/>
+              </a:highlight>
             </a:endParaRPr>
           </a:p>
           <a:p>
@@ -8180,6 +8554,9 @@
                   <a:srgbClr val="000000"/>
                 </a:solidFill>
                 <a:effectLst/>
+                <a:highlight>
+                  <a:srgbClr val="00FF00"/>
+                </a:highlight>
               </a:rPr>
               <a:t>2. </a:t>
             </a:r>
@@ -8189,11 +8566,17 @@
                   <a:srgbClr val="000000"/>
                 </a:solidFill>
                 <a:effectLst/>
+                <a:highlight>
+                  <a:srgbClr val="00FF00"/>
+                </a:highlight>
               </a:rPr>
               <a:t>补完模式</a:t>
             </a:r>
             <a:endParaRPr lang="zh-CN" altLang="en-US" dirty="0">
               <a:effectLst/>
+              <a:highlight>
+                <a:srgbClr val="00FF00"/>
+              </a:highlight>
             </a:endParaRPr>
           </a:p>
           <a:p>
@@ -8203,6 +8586,9 @@
                   <a:srgbClr val="000000"/>
                 </a:solidFill>
                 <a:effectLst/>
+                <a:highlight>
+                  <a:srgbClr val="00FF00"/>
+                </a:highlight>
               </a:rPr>
               <a:t>- </a:t>
             </a:r>
@@ -8212,11 +8598,17 @@
                   <a:srgbClr val="000000"/>
                 </a:solidFill>
                 <a:effectLst/>
+                <a:highlight>
+                  <a:srgbClr val="00FF00"/>
+                </a:highlight>
               </a:rPr>
               <a:t>在输出区输入一段文字，模型对其进行补完</a:t>
             </a:r>
             <a:endParaRPr lang="zh-CN" altLang="en-US" dirty="0">
               <a:effectLst/>
+              <a:highlight>
+                <a:srgbClr val="00FF00"/>
+              </a:highlight>
             </a:endParaRPr>
           </a:p>
           <a:p>
@@ -8226,6 +8618,9 @@
                   <a:srgbClr val="000000"/>
                 </a:solidFill>
                 <a:effectLst/>
+                <a:highlight>
+                  <a:srgbClr val="00FF00"/>
+                </a:highlight>
               </a:rPr>
               <a:t>3. </a:t>
             </a:r>
@@ -8235,11 +8630,17 @@
                   <a:srgbClr val="000000"/>
                 </a:solidFill>
                 <a:effectLst/>
+                <a:highlight>
+                  <a:srgbClr val="00FF00"/>
+                </a:highlight>
               </a:rPr>
               <a:t>服务模式</a:t>
             </a:r>
             <a:endParaRPr lang="zh-CN" altLang="en-US" dirty="0">
               <a:effectLst/>
+              <a:highlight>
+                <a:srgbClr val="00FF00"/>
+              </a:highlight>
             </a:endParaRPr>
           </a:p>
           <a:p>
@@ -8249,6 +8650,9 @@
                   <a:srgbClr val="000000"/>
                 </a:solidFill>
                 <a:effectLst/>
+                <a:highlight>
+                  <a:srgbClr val="00FF00"/>
+                </a:highlight>
               </a:rPr>
               <a:t>- </a:t>
             </a:r>
@@ -8258,6 +8662,9 @@
                   <a:srgbClr val="000000"/>
                 </a:solidFill>
                 <a:effectLst/>
+                <a:highlight>
+                  <a:srgbClr val="00FF00"/>
+                </a:highlight>
               </a:rPr>
               <a:t>机体成为一个开放</a:t>
             </a:r>
@@ -8267,6 +8674,9 @@
                   <a:srgbClr val="000000"/>
                 </a:solidFill>
                 <a:effectLst/>
+                <a:highlight>
+                  <a:srgbClr val="00FF00"/>
+                </a:highlight>
               </a:rPr>
               <a:t>api</a:t>
             </a:r>
@@ -8276,11 +8686,17 @@
                   <a:srgbClr val="000000"/>
                 </a:solidFill>
                 <a:effectLst/>
+                <a:highlight>
+                  <a:srgbClr val="00FF00"/>
+                </a:highlight>
               </a:rPr>
               <a:t>端口的服务，也可以在网页上进行聊天</a:t>
             </a:r>
             <a:endParaRPr lang="zh-CN" altLang="en-US" dirty="0">
               <a:effectLst/>
+              <a:highlight>
+                <a:srgbClr val="00FF00"/>
+              </a:highlight>
             </a:endParaRPr>
           </a:p>
           <a:p>
@@ -8290,6 +8706,9 @@
                   <a:srgbClr val="000000"/>
                 </a:solidFill>
                 <a:effectLst/>
+                <a:highlight>
+                  <a:srgbClr val="00FF00"/>
+                </a:highlight>
               </a:rPr>
               <a:t>4. </a:t>
             </a:r>
@@ -8299,11 +8718,17 @@
                   <a:srgbClr val="000000"/>
                 </a:solidFill>
                 <a:effectLst/>
+                <a:highlight>
+                  <a:srgbClr val="00FF00"/>
+                </a:highlight>
               </a:rPr>
               <a:t>链接状态</a:t>
             </a:r>
             <a:endParaRPr lang="zh-CN" altLang="en-US" dirty="0">
               <a:effectLst/>
+              <a:highlight>
+                <a:srgbClr val="00FF00"/>
+              </a:highlight>
             </a:endParaRPr>
           </a:p>
           <a:p>
@@ -8313,6 +8738,9 @@
                   <a:srgbClr val="000000"/>
                 </a:solidFill>
                 <a:effectLst/>
+                <a:highlight>
+                  <a:srgbClr val="00FF00"/>
+                </a:highlight>
               </a:rPr>
               <a:t>- </a:t>
             </a:r>
@@ -8322,6 +8750,9 @@
                   <a:srgbClr val="000000"/>
                 </a:solidFill>
                 <a:effectLst/>
+                <a:highlight>
+                  <a:srgbClr val="00FF00"/>
+                </a:highlight>
               </a:rPr>
               <a:t>机体利用</a:t>
             </a:r>
@@ -8331,6 +8762,9 @@
                   <a:srgbClr val="000000"/>
                 </a:solidFill>
                 <a:effectLst/>
+                <a:highlight>
+                  <a:srgbClr val="00FF00"/>
+                </a:highlight>
               </a:rPr>
               <a:t>api</a:t>
             </a:r>
@@ -8340,11 +8774,17 @@
                   <a:srgbClr val="000000"/>
                 </a:solidFill>
                 <a:effectLst/>
+                <a:highlight>
+                  <a:srgbClr val="00FF00"/>
+                </a:highlight>
               </a:rPr>
               <a:t>服务的端点，不需要装载模型也能运行</a:t>
             </a:r>
             <a:endParaRPr lang="zh-CN" altLang="en-US" dirty="0">
               <a:effectLst/>
+              <a:highlight>
+                <a:srgbClr val="00FF00"/>
+              </a:highlight>
             </a:endParaRPr>
           </a:p>
           <a:p>
@@ -8354,6 +8794,9 @@
                   <a:srgbClr val="000000"/>
                 </a:solidFill>
                 <a:effectLst/>
+                <a:highlight>
+                  <a:srgbClr val="00FF00"/>
+                </a:highlight>
               </a:rPr>
               <a:t>5. </a:t>
             </a:r>
@@ -8363,11 +8806,17 @@
                   <a:srgbClr val="000000"/>
                 </a:solidFill>
                 <a:effectLst/>
+                <a:highlight>
+                  <a:srgbClr val="00FF00"/>
+                </a:highlight>
               </a:rPr>
               <a:t>知识库</a:t>
             </a:r>
             <a:endParaRPr lang="zh-CN" altLang="en-US" dirty="0">
               <a:effectLst/>
+              <a:highlight>
+                <a:srgbClr val="00FF00"/>
+              </a:highlight>
             </a:endParaRPr>
           </a:p>
           <a:p>
@@ -8377,6 +8826,9 @@
                   <a:srgbClr val="000000"/>
                 </a:solidFill>
                 <a:effectLst/>
+                <a:highlight>
+                  <a:srgbClr val="00FF00"/>
+                </a:highlight>
               </a:rPr>
               <a:t>- </a:t>
             </a:r>
@@ -8386,11 +8838,17 @@
                   <a:srgbClr val="000000"/>
                 </a:solidFill>
                 <a:effectLst/>
+                <a:highlight>
+                  <a:srgbClr val="00FF00"/>
+                </a:highlight>
               </a:rPr>
               <a:t>用户可以上传文档，经过嵌入处理后成为模型的知识库</a:t>
             </a:r>
             <a:endParaRPr lang="zh-CN" altLang="en-US" dirty="0">
               <a:effectLst/>
+              <a:highlight>
+                <a:srgbClr val="00FF00"/>
+              </a:highlight>
             </a:endParaRPr>
           </a:p>
           <a:p>
@@ -8400,6 +8858,9 @@
                   <a:srgbClr val="000000"/>
                 </a:solidFill>
                 <a:effectLst/>
+                <a:highlight>
+                  <a:srgbClr val="00FF00"/>
+                </a:highlight>
               </a:rPr>
             </a:br>
             <a:endParaRPr lang="zh-CN" altLang="en-US" dirty="0">
@@ -8407,6 +8868,9 @@
                 <a:srgbClr val="000000"/>
               </a:solidFill>
               <a:effectLst/>
+              <a:highlight>
+                <a:srgbClr val="00FF00"/>
+              </a:highlight>
             </a:endParaRPr>
           </a:p>
           <a:p>
@@ -8416,6 +8880,9 @@
                   <a:srgbClr val="000000"/>
                 </a:solidFill>
                 <a:effectLst/>
+                <a:highlight>
+                  <a:srgbClr val="00FF00"/>
+                </a:highlight>
               </a:rPr>
               <a:t>6. </a:t>
             </a:r>
@@ -8425,11 +8892,17 @@
                   <a:srgbClr val="000000"/>
                 </a:solidFill>
                 <a:effectLst/>
+                <a:highlight>
+                  <a:srgbClr val="00FF00"/>
+                </a:highlight>
               </a:rPr>
               <a:t>文生图</a:t>
             </a:r>
             <a:endParaRPr lang="zh-CN" altLang="en-US" dirty="0">
               <a:effectLst/>
+              <a:highlight>
+                <a:srgbClr val="00FF00"/>
+              </a:highlight>
             </a:endParaRPr>
           </a:p>
           <a:p>
@@ -8439,6 +8912,9 @@
                   <a:srgbClr val="000000"/>
                 </a:solidFill>
                 <a:effectLst/>
+                <a:highlight>
+                  <a:srgbClr val="00FF00"/>
+                </a:highlight>
               </a:rPr>
               <a:t>- </a:t>
             </a:r>
@@ -8448,6 +8924,9 @@
                   <a:srgbClr val="000000"/>
                 </a:solidFill>
                 <a:effectLst/>
+                <a:highlight>
+                  <a:srgbClr val="00FF00"/>
+                </a:highlight>
               </a:rPr>
               <a:t>可以使用</a:t>
             </a:r>
@@ -8457,6 +8936,9 @@
                   <a:srgbClr val="000000"/>
                 </a:solidFill>
                 <a:effectLst/>
+                <a:highlight>
+                  <a:srgbClr val="00FF00"/>
+                </a:highlight>
               </a:rPr>
               <a:t>sd</a:t>
             </a:r>
@@ -8466,11 +8948,17 @@
                   <a:srgbClr val="000000"/>
                 </a:solidFill>
                 <a:effectLst/>
+                <a:highlight>
+                  <a:srgbClr val="00FF00"/>
+                </a:highlight>
               </a:rPr>
               <a:t>模型绘制图像</a:t>
             </a:r>
             <a:endParaRPr lang="zh-CN" altLang="en-US" dirty="0">
               <a:effectLst/>
+              <a:highlight>
+                <a:srgbClr val="00FF00"/>
+              </a:highlight>
             </a:endParaRPr>
           </a:p>
           <a:p>
@@ -8480,6 +8968,9 @@
                   <a:srgbClr val="000000"/>
                 </a:solidFill>
                 <a:effectLst/>
+                <a:highlight>
+                  <a:srgbClr val="00FF00"/>
+                </a:highlight>
               </a:rPr>
             </a:br>
             <a:endParaRPr lang="zh-CN" altLang="en-US" dirty="0">
@@ -8487,6 +8978,9 @@
                 <a:srgbClr val="000000"/>
               </a:solidFill>
               <a:effectLst/>
+              <a:highlight>
+                <a:srgbClr val="00FF00"/>
+              </a:highlight>
             </a:endParaRPr>
           </a:p>
           <a:p>
@@ -8496,6 +8990,9 @@
                   <a:srgbClr val="000000"/>
                 </a:solidFill>
                 <a:effectLst/>
+                <a:highlight>
+                  <a:srgbClr val="00FF00"/>
+                </a:highlight>
               </a:rPr>
               <a:t>## </a:t>
             </a:r>
@@ -8505,11 +9002,17 @@
                   <a:srgbClr val="000000"/>
                 </a:solidFill>
                 <a:effectLst/>
+                <a:highlight>
+                  <a:srgbClr val="00FF00"/>
+                </a:highlight>
               </a:rPr>
               <a:t>源码编译</a:t>
             </a:r>
             <a:endParaRPr lang="zh-CN" altLang="en-US" dirty="0">
               <a:effectLst/>
+              <a:highlight>
+                <a:srgbClr val="00FF00"/>
+              </a:highlight>
             </a:endParaRPr>
           </a:p>
           <a:p>
@@ -8519,6 +9022,9 @@
                   <a:srgbClr val="000000"/>
                 </a:solidFill>
                 <a:effectLst/>
+                <a:highlight>
+                  <a:srgbClr val="00FF00"/>
+                </a:highlight>
               </a:rPr>
               <a:t>1. </a:t>
             </a:r>
@@ -8528,11 +9034,17 @@
                   <a:srgbClr val="000000"/>
                 </a:solidFill>
                 <a:effectLst/>
+                <a:highlight>
+                  <a:srgbClr val="00FF00"/>
+                </a:highlight>
               </a:rPr>
               <a:t>配置环境</a:t>
             </a:r>
             <a:endParaRPr lang="zh-CN" altLang="en-US" dirty="0">
               <a:effectLst/>
+              <a:highlight>
+                <a:srgbClr val="00FF00"/>
+              </a:highlight>
             </a:endParaRPr>
           </a:p>
           <a:p>
@@ -8546,6 +9058,9 @@
                   <a:srgbClr val="000000"/>
                 </a:solidFill>
                 <a:effectLst/>
+                <a:highlight>
+                  <a:srgbClr val="00FF00"/>
+                </a:highlight>
               </a:rPr>
               <a:t>64bit</a:t>
             </a:r>
@@ -8555,6 +9070,9 @@
                   <a:srgbClr val="000000"/>
                 </a:solidFill>
                 <a:effectLst/>
+                <a:highlight>
+                  <a:srgbClr val="00FF00"/>
+                </a:highlight>
               </a:rPr>
               <a:t>版本</a:t>
             </a:r>
@@ -8564,6 +9082,9 @@
                   <a:srgbClr val="000000"/>
                 </a:solidFill>
                 <a:effectLst/>
+                <a:highlight>
+                  <a:srgbClr val="00FF00"/>
+                </a:highlight>
               </a:rPr>
               <a:t>(op</a:t>
             </a:r>
@@ -8579,11 +9100,17 @@
                   <a:srgbClr val="000000"/>
                 </a:solidFill>
                 <a:effectLst/>
+                <a:highlight>
+                  <a:srgbClr val="0000FF"/>
+                </a:highlight>
               </a:rPr>
               <a:t>以上是知识库返回的内容，请总结并回答用户的问题</a:t>
             </a:r>
             <a:endParaRPr lang="zh-CN" altLang="en-US" dirty="0">
               <a:effectLst/>
+              <a:highlight>
+                <a:srgbClr val="0000FF"/>
+              </a:highlight>
             </a:endParaRPr>
           </a:p>
           <a:p>
@@ -8593,11 +9120,17 @@
                   <a:srgbClr val="0000FF"/>
                 </a:solidFill>
                 <a:effectLst/>
+                <a:highlight>
+                  <a:srgbClr val="0000FF"/>
+                </a:highlight>
               </a:rPr>
               <a:t>User:</a:t>
             </a:r>
             <a:endParaRPr lang="zh-CN" altLang="en-US" dirty="0">
               <a:effectLst/>
+              <a:highlight>
+                <a:srgbClr val="0000FF"/>
+              </a:highlight>
             </a:endParaRPr>
           </a:p>
           <a:p>
@@ -8607,11 +9140,17 @@
                   <a:srgbClr val="000000"/>
                 </a:solidFill>
                 <a:effectLst/>
+                <a:highlight>
+                  <a:srgbClr val="0000FF"/>
+                </a:highlight>
               </a:rPr>
               <a:t>请介绍机体软件的功能</a:t>
             </a:r>
             <a:endParaRPr lang="zh-CN" altLang="en-US" dirty="0">
               <a:effectLst/>
+              <a:highlight>
+                <a:srgbClr val="0000FF"/>
+              </a:highlight>
             </a:endParaRPr>
           </a:p>
           <a:p>
@@ -8621,22 +9160,20 @@
                   <a:srgbClr val="0000FF"/>
                 </a:solidFill>
                 <a:effectLst/>
+                <a:highlight>
+                  <a:srgbClr val="FF00FF"/>
+                </a:highlight>
               </a:rPr>
               <a:t>Assistant:</a:t>
             </a:r>
             <a:endParaRPr lang="zh-CN" altLang="en-US" dirty="0">
               <a:effectLst/>
+              <a:highlight>
+                <a:srgbClr val="FF00FF"/>
+              </a:highlight>
             </a:endParaRPr>
           </a:p>
           <a:p>
-            <a:br>
-              <a:rPr lang="zh-CN" altLang="en-US" dirty="0">
-                <a:solidFill>
-                  <a:srgbClr val="0000FF"/>
-                </a:solidFill>
-                <a:effectLst/>
-              </a:rPr>
-            </a:br>
             <a:endParaRPr lang="zh-CN" altLang="en-US" dirty="0"/>
           </a:p>
         </p:txBody>
@@ -8761,6 +9298,90 @@
     <p:extLst>
       <p:ext uri="{BB962C8B-B14F-4D97-AF65-F5344CB8AC3E}">
         <p14:creationId xmlns:p14="http://schemas.microsoft.com/office/powerpoint/2010/main" val="1824896048"/>
+      </p:ext>
+    </p:extLst>
+  </p:cSld>
+  <p:clrMapOvr>
+    <a:masterClrMapping/>
+  </p:clrMapOvr>
+</p:notes>
+</file>
+
+<file path=ppt/notesSlides/notesSlide18.xml><?xml version="1.0" encoding="utf-8"?>
+<p:notes xmlns:a="http://schemas.openxmlformats.org/drawingml/2006/main" xmlns:r="http://schemas.openxmlformats.org/officeDocument/2006/relationships" xmlns:p="http://schemas.openxmlformats.org/presentationml/2006/main">
+  <p:cSld>
+    <p:spTree>
+      <p:nvGrpSpPr>
+        <p:cNvPr id="1" name=""/>
+        <p:cNvGrpSpPr/>
+        <p:nvPr/>
+      </p:nvGrpSpPr>
+      <p:grpSpPr>
+        <a:xfrm>
+          <a:off x="0" y="0"/>
+          <a:ext cx="0" cy="0"/>
+          <a:chOff x="0" y="0"/>
+          <a:chExt cx="0" cy="0"/>
+        </a:xfrm>
+      </p:grpSpPr>
+      <p:sp>
+        <p:nvSpPr>
+          <p:cNvPr id="2" name="幻灯片图像占位符 1"/>
+          <p:cNvSpPr>
+            <a:spLocks noGrp="1" noRot="1" noChangeAspect="1"/>
+          </p:cNvSpPr>
+          <p:nvPr>
+            <p:ph type="sldImg"/>
+          </p:nvPr>
+        </p:nvSpPr>
+        <p:spPr/>
+      </p:sp>
+      <p:sp>
+        <p:nvSpPr>
+          <p:cNvPr id="3" name="备注占位符 2"/>
+          <p:cNvSpPr>
+            <a:spLocks noGrp="1"/>
+          </p:cNvSpPr>
+          <p:nvPr>
+            <p:ph type="body" idx="1"/>
+          </p:nvPr>
+        </p:nvSpPr>
+        <p:spPr/>
+        <p:txBody>
+          <a:bodyPr/>
+          <a:lstStyle/>
+          <a:p>
+            <a:endParaRPr lang="zh-CN" altLang="en-US" dirty="0"/>
+          </a:p>
+        </p:txBody>
+      </p:sp>
+      <p:sp>
+        <p:nvSpPr>
+          <p:cNvPr id="4" name="灯片编号占位符 3"/>
+          <p:cNvSpPr>
+            <a:spLocks noGrp="1"/>
+          </p:cNvSpPr>
+          <p:nvPr>
+            <p:ph type="sldNum" sz="quarter" idx="5"/>
+          </p:nvPr>
+        </p:nvSpPr>
+        <p:spPr/>
+        <p:txBody>
+          <a:bodyPr/>
+          <a:lstStyle/>
+          <a:p>
+            <a:fld id="{5DE12CCA-7540-48DB-8E56-327F4EA06BC9}" type="slidenum">
+              <a:rPr lang="zh-CN" altLang="en-US" smtClean="0"/>
+              <a:t>21</a:t>
+            </a:fld>
+            <a:endParaRPr lang="zh-CN" altLang="en-US"/>
+          </a:p>
+        </p:txBody>
+      </p:sp>
+    </p:spTree>
+    <p:extLst>
+      <p:ext uri="{BB962C8B-B14F-4D97-AF65-F5344CB8AC3E}">
+        <p14:creationId xmlns:p14="http://schemas.microsoft.com/office/powerpoint/2010/main" val="2988998905"/>
       </p:ext>
     </p:extLst>
   </p:cSld>
@@ -15355,13 +15976,13 @@
   <p:clrMapOvr>
     <a:masterClrMapping/>
   </p:clrMapOvr>
-  <mc:AlternateContent xmlns:mc="http://schemas.openxmlformats.org/markup-compatibility/2006">
-    <mc:Choice xmlns:p14="http://schemas.microsoft.com/office/powerpoint/2010/main" Requires="p14">
+  <mc:AlternateContent xmlns:mc="http://schemas.openxmlformats.org/markup-compatibility/2006" xmlns:p14="http://schemas.microsoft.com/office/powerpoint/2010/main">
+    <mc:Choice Requires="p14">
       <p:transition spd="med" p14:dur="700">
         <p:fade/>
       </p:transition>
     </mc:Choice>
-    <mc:Fallback>
+    <mc:Fallback xmlns="">
       <p:transition spd="med">
         <p:fade/>
       </p:transition>
@@ -16375,13 +16996,13 @@
   <p:clrMapOvr>
     <a:masterClrMapping/>
   </p:clrMapOvr>
-  <mc:AlternateContent xmlns:mc="http://schemas.openxmlformats.org/markup-compatibility/2006">
-    <mc:Choice xmlns:p14="http://schemas.microsoft.com/office/powerpoint/2010/main" Requires="p14">
+  <mc:AlternateContent xmlns:mc="http://schemas.openxmlformats.org/markup-compatibility/2006" xmlns:p14="http://schemas.microsoft.com/office/powerpoint/2010/main">
+    <mc:Choice Requires="p14">
       <p:transition spd="med" p14:dur="700">
         <p:fade/>
       </p:transition>
     </mc:Choice>
-    <mc:Fallback>
+    <mc:Fallback xmlns="">
       <p:transition spd="med">
         <p:fade/>
       </p:transition>
@@ -17004,7 +17625,7 @@
         </p:nvSpPr>
         <p:spPr>
           <a:xfrm>
-            <a:off x="1113115" y="3603731"/>
+            <a:off x="596921" y="3429000"/>
             <a:ext cx="2329333" cy="1442664"/>
           </a:xfrm>
           <a:prstGeom prst="roundRect">
@@ -17063,7 +17684,7 @@
         </p:nvSpPr>
         <p:spPr>
           <a:xfrm>
-            <a:off x="4301247" y="3603731"/>
+            <a:off x="3785053" y="3429000"/>
             <a:ext cx="2329333" cy="1442664"/>
           </a:xfrm>
           <a:prstGeom prst="roundRect">
@@ -17160,7 +17781,7 @@
         </p:nvSpPr>
         <p:spPr>
           <a:xfrm>
-            <a:off x="7622484" y="3603731"/>
+            <a:off x="7106290" y="3429000"/>
             <a:ext cx="2329333" cy="1442664"/>
           </a:xfrm>
           <a:prstGeom prst="roundRect">
@@ -17258,7 +17879,7 @@
         </p:nvSpPr>
         <p:spPr>
           <a:xfrm>
-            <a:off x="3531087" y="4126326"/>
+            <a:off x="3014893" y="3951595"/>
             <a:ext cx="641344" cy="307275"/>
           </a:xfrm>
           <a:prstGeom prst="rightArrow">
@@ -17304,7 +17925,7 @@
         </p:nvSpPr>
         <p:spPr>
           <a:xfrm>
-            <a:off x="3607954" y="3824036"/>
+            <a:off x="3091760" y="3649305"/>
             <a:ext cx="441146" cy="400110"/>
           </a:xfrm>
           <a:prstGeom prst="rect">
@@ -17342,7 +17963,7 @@
         </p:nvSpPr>
         <p:spPr>
           <a:xfrm>
-            <a:off x="6805860" y="4126326"/>
+            <a:off x="6289666" y="3951595"/>
             <a:ext cx="641344" cy="307275"/>
           </a:xfrm>
           <a:prstGeom prst="rightArrow">
@@ -17388,7 +18009,7 @@
         </p:nvSpPr>
         <p:spPr>
           <a:xfrm>
-            <a:off x="6882727" y="3824036"/>
+            <a:off x="6366533" y="3649305"/>
             <a:ext cx="441146" cy="400110"/>
           </a:xfrm>
           <a:prstGeom prst="rect">
@@ -17426,7 +18047,7 @@
         </p:nvSpPr>
         <p:spPr>
           <a:xfrm>
-            <a:off x="10112718" y="4126326"/>
+            <a:off x="9596524" y="3951595"/>
             <a:ext cx="641344" cy="307275"/>
           </a:xfrm>
           <a:prstGeom prst="rightArrow">
@@ -17472,7 +18093,7 @@
         </p:nvSpPr>
         <p:spPr>
           <a:xfrm>
-            <a:off x="10189585" y="3824036"/>
+            <a:off x="9673391" y="3649305"/>
             <a:ext cx="441146" cy="400110"/>
           </a:xfrm>
           <a:prstGeom prst="rect">
@@ -17496,6 +18117,50 @@
           </a:p>
         </p:txBody>
       </p:sp>
+      <p:sp>
+        <p:nvSpPr>
+          <p:cNvPr id="4" name="文本框 3">
+            <a:extLst>
+              <a:ext uri="{FF2B5EF4-FFF2-40B4-BE49-F238E27FC236}">
+                <a16:creationId xmlns:a16="http://schemas.microsoft.com/office/drawing/2014/main" id="{96823C00-11B6-4CCF-5E4E-81EBFB9C4E41}"/>
+              </a:ext>
+            </a:extLst>
+          </p:cNvPr>
+          <p:cNvSpPr txBox="1"/>
+          <p:nvPr/>
+        </p:nvSpPr>
+        <p:spPr>
+          <a:xfrm>
+            <a:off x="10390656" y="3712010"/>
+            <a:ext cx="1555538" cy="579967"/>
+          </a:xfrm>
+          <a:prstGeom prst="rect">
+            <a:avLst/>
+          </a:prstGeom>
+          <a:noFill/>
+        </p:spPr>
+        <p:txBody>
+          <a:bodyPr wrap="square" rtlCol="0">
+            <a:spAutoFit/>
+          </a:bodyPr>
+          <a:lstStyle/>
+          <a:p>
+            <a:pPr>
+              <a:lnSpc>
+                <a:spcPct val="150000"/>
+              </a:lnSpc>
+            </a:pPr>
+            <a:r>
+              <a:rPr lang="en-US" altLang="zh-CN" sz="2400" dirty="0">
+                <a:latin typeface="Times New Roman" panose="02020603050405020304" pitchFamily="18" charset="0"/>
+                <a:ea typeface="黑体" panose="02010609060101010101" pitchFamily="49" charset="-122"/>
+                <a:cs typeface="Times New Roman" panose="02020603050405020304" pitchFamily="18" charset="0"/>
+              </a:rPr>
+              <a:t>Answer</a:t>
+            </a:r>
+          </a:p>
+        </p:txBody>
+      </p:sp>
     </p:spTree>
     <p:extLst>
       <p:ext uri="{BB962C8B-B14F-4D97-AF65-F5344CB8AC3E}">
@@ -17506,13 +18171,13 @@
   <p:clrMapOvr>
     <a:masterClrMapping/>
   </p:clrMapOvr>
-  <mc:AlternateContent xmlns:mc="http://schemas.openxmlformats.org/markup-compatibility/2006">
-    <mc:Choice xmlns:p14="http://schemas.microsoft.com/office/powerpoint/2010/main" Requires="p14">
+  <mc:AlternateContent xmlns:mc="http://schemas.openxmlformats.org/markup-compatibility/2006" xmlns:p14="http://schemas.microsoft.com/office/powerpoint/2010/main">
+    <mc:Choice Requires="p14">
       <p:transition spd="med" p14:dur="700">
         <p:fade/>
       </p:transition>
     </mc:Choice>
-    <mc:Fallback>
+    <mc:Fallback xmlns="">
       <p:transition spd="med">
         <p:fade/>
       </p:transition>
@@ -17981,6 +18646,50 @@
                             </p:childTnLst>
                           </p:cTn>
                         </p:par>
+                        <p:par>
+                          <p:cTn id="45" fill="hold">
+                            <p:stCondLst>
+                              <p:cond delay="500"/>
+                            </p:stCondLst>
+                            <p:childTnLst>
+                              <p:par>
+                                <p:cTn id="46" presetID="22" presetClass="entr" presetSubtype="8" fill="hold" grpId="0" nodeType="afterEffect">
+                                  <p:stCondLst>
+                                    <p:cond delay="0"/>
+                                  </p:stCondLst>
+                                  <p:childTnLst>
+                                    <p:set>
+                                      <p:cBhvr>
+                                        <p:cTn id="47" dur="1" fill="hold">
+                                          <p:stCondLst>
+                                            <p:cond delay="0"/>
+                                          </p:stCondLst>
+                                        </p:cTn>
+                                        <p:tgtEl>
+                                          <p:spTgt spid="4"/>
+                                        </p:tgtEl>
+                                        <p:attrNameLst>
+                                          <p:attrName>style.visibility</p:attrName>
+                                        </p:attrNameLst>
+                                      </p:cBhvr>
+                                      <p:to>
+                                        <p:strVal val="visible"/>
+                                      </p:to>
+                                    </p:set>
+                                    <p:animEffect transition="in" filter="wipe(left)">
+                                      <p:cBhvr>
+                                        <p:cTn id="48" dur="500"/>
+                                        <p:tgtEl>
+                                          <p:spTgt spid="4"/>
+                                        </p:tgtEl>
+                                      </p:cBhvr>
+                                    </p:animEffect>
+                                  </p:childTnLst>
+                                </p:cTn>
+                              </p:par>
+                            </p:childTnLst>
+                          </p:cTn>
+                        </p:par>
                       </p:childTnLst>
                     </p:cTn>
                   </p:par>
@@ -18016,6 +18725,7 @@
       <p:bldP spid="16" grpId="0"/>
       <p:bldP spid="17" grpId="0" animBg="1"/>
       <p:bldP spid="18" grpId="0"/>
+      <p:bldP spid="4" grpId="0"/>
     </p:bldLst>
   </p:timing>
 </p:sld>
@@ -18117,13 +18827,13 @@
   <p:clrMapOvr>
     <a:masterClrMapping/>
   </p:clrMapOvr>
-  <mc:AlternateContent xmlns:mc="http://schemas.openxmlformats.org/markup-compatibility/2006">
-    <mc:Choice xmlns:p14="http://schemas.microsoft.com/office/powerpoint/2010/main" Requires="p14">
+  <mc:AlternateContent xmlns:mc="http://schemas.openxmlformats.org/markup-compatibility/2006" xmlns:p14="http://schemas.microsoft.com/office/powerpoint/2010/main">
+    <mc:Choice Requires="p14">
       <p:transition spd="med" p14:dur="700">
         <p:fade/>
       </p:transition>
     </mc:Choice>
-    <mc:Fallback>
+    <mc:Fallback xmlns="">
       <p:transition spd="med">
         <p:fade/>
       </p:transition>
@@ -18380,6 +19090,94 @@
 </file>
 
 <file path=ppt/slides/slide21.xml><?xml version="1.0" encoding="utf-8"?>
+<p:sld xmlns:a="http://schemas.openxmlformats.org/drawingml/2006/main" xmlns:r="http://schemas.openxmlformats.org/officeDocument/2006/relationships" xmlns:p="http://schemas.openxmlformats.org/presentationml/2006/main">
+  <p:cSld>
+    <p:spTree>
+      <p:nvGrpSpPr>
+        <p:cNvPr id="1" name=""/>
+        <p:cNvGrpSpPr/>
+        <p:nvPr/>
+      </p:nvGrpSpPr>
+      <p:grpSpPr>
+        <a:xfrm>
+          <a:off x="0" y="0"/>
+          <a:ext cx="0" cy="0"/>
+          <a:chOff x="0" y="0"/>
+          <a:chExt cx="0" cy="0"/>
+        </a:xfrm>
+      </p:grpSpPr>
+      <p:sp>
+        <p:nvSpPr>
+          <p:cNvPr id="4" name="标题 3">
+            <a:extLst>
+              <a:ext uri="{FF2B5EF4-FFF2-40B4-BE49-F238E27FC236}">
+                <a16:creationId xmlns:a16="http://schemas.microsoft.com/office/drawing/2014/main" id="{D4F9F44A-4FCA-4415-B6E5-C99BC21825C8}"/>
+              </a:ext>
+            </a:extLst>
+          </p:cNvPr>
+          <p:cNvSpPr>
+            <a:spLocks noGrp="1"/>
+          </p:cNvSpPr>
+          <p:nvPr>
+            <p:ph type="ctrTitle"/>
+          </p:nvPr>
+        </p:nvSpPr>
+        <p:spPr/>
+        <p:txBody>
+          <a:bodyPr/>
+          <a:lstStyle/>
+          <a:p>
+            <a:r>
+              <a:rPr lang="zh-CN" altLang="en-US" dirty="0"/>
+              <a:t>大语言模型的应用</a:t>
+            </a:r>
+          </a:p>
+        </p:txBody>
+      </p:sp>
+      <p:sp>
+        <p:nvSpPr>
+          <p:cNvPr id="5" name="副标题 4">
+            <a:extLst>
+              <a:ext uri="{FF2B5EF4-FFF2-40B4-BE49-F238E27FC236}">
+                <a16:creationId xmlns:a16="http://schemas.microsoft.com/office/drawing/2014/main" id="{4C3F4B2A-0054-4854-8F8E-96D81D3E0639}"/>
+              </a:ext>
+            </a:extLst>
+          </p:cNvPr>
+          <p:cNvSpPr>
+            <a:spLocks noGrp="1"/>
+          </p:cNvSpPr>
+          <p:nvPr>
+            <p:ph type="subTitle" idx="1"/>
+          </p:nvPr>
+        </p:nvSpPr>
+        <p:spPr/>
+        <p:txBody>
+          <a:bodyPr>
+            <a:normAutofit/>
+          </a:bodyPr>
+          <a:lstStyle/>
+          <a:p>
+            <a:r>
+              <a:rPr lang="zh-CN" altLang="en-US" sz="6600" b="1" dirty="0"/>
+              <a:t>智能体</a:t>
+            </a:r>
+          </a:p>
+        </p:txBody>
+      </p:sp>
+    </p:spTree>
+    <p:extLst>
+      <p:ext uri="{BB962C8B-B14F-4D97-AF65-F5344CB8AC3E}">
+        <p14:creationId xmlns:p14="http://schemas.microsoft.com/office/powerpoint/2010/main" val="1125962806"/>
+      </p:ext>
+    </p:extLst>
+  </p:cSld>
+  <p:clrMapOvr>
+    <a:masterClrMapping/>
+  </p:clrMapOvr>
+</p:sld>
+</file>
+
+<file path=ppt/slides/slide22.xml><?xml version="1.0" encoding="utf-8"?>
 <p:sld xmlns:a="http://schemas.openxmlformats.org/drawingml/2006/main" xmlns:r="http://schemas.openxmlformats.org/officeDocument/2006/relationships" xmlns:p="http://schemas.openxmlformats.org/presentationml/2006/main" show="0">
   <p:cSld>
     <p:spTree>
@@ -19046,7 +19844,7 @@
 </p:sld>
 </file>
 
-<file path=ppt/slides/slide22.xml><?xml version="1.0" encoding="utf-8"?>
+<file path=ppt/slides/slide23.xml><?xml version="1.0" encoding="utf-8"?>
 <p:sld xmlns:a="http://schemas.openxmlformats.org/drawingml/2006/main" xmlns:r="http://schemas.openxmlformats.org/officeDocument/2006/relationships" xmlns:p="http://schemas.openxmlformats.org/presentationml/2006/main" show="0">
   <p:cSld>
     <p:spTree>
@@ -19741,7 +20539,7 @@
 </p:sld>
 </file>
 
-<file path=ppt/slides/slide23.xml><?xml version="1.0" encoding="utf-8"?>
+<file path=ppt/slides/slide24.xml><?xml version="1.0" encoding="utf-8"?>
 <p:sld xmlns:a="http://schemas.openxmlformats.org/drawingml/2006/main" xmlns:r="http://schemas.openxmlformats.org/officeDocument/2006/relationships" xmlns:p="http://schemas.openxmlformats.org/presentationml/2006/main" show="0">
   <p:cSld>
     <p:spTree>
@@ -21689,7 +22487,7 @@
               <a:buFont typeface="Arial" panose="020B0604020202020204" pitchFamily="34" charset="0"/>
               <a:buChar char="•"/>
             </a:pPr>
-            <a:endParaRPr lang="zh-CN" altLang="en-US">
+            <a:endParaRPr lang="zh-CN" altLang="en-US" dirty="0">
               <a:solidFill>
                 <a:schemeClr val="bg1"/>
               </a:solidFill>
@@ -21710,7 +22508,7 @@
               <a:buChar char="•"/>
             </a:pPr>
             <a:r>
-              <a:rPr lang="en-US" altLang="zh-CN">
+              <a:rPr lang="en-US" altLang="zh-CN" dirty="0">
                 <a:solidFill>
                   <a:schemeClr val="bg1"/>
                 </a:solidFill>
@@ -21722,7 +22520,7 @@
               <a:t>model </a:t>
             </a:r>
             <a:r>
-              <a:rPr lang="zh-CN" altLang="en-US">
+              <a:rPr lang="zh-CN" altLang="en-US" dirty="0">
                 <a:solidFill>
                   <a:schemeClr val="bg1"/>
                 </a:solidFill>
@@ -21734,7 +22532,7 @@
               <a:t>模型</a:t>
             </a:r>
             <a:r>
-              <a:rPr lang="en-US" altLang="zh-CN">
+              <a:rPr lang="en-US" altLang="zh-CN" dirty="0">
                 <a:solidFill>
                   <a:schemeClr val="bg1"/>
                 </a:solidFill>
@@ -21746,7 +22544,7 @@
               <a:t>: </a:t>
             </a:r>
             <a:r>
-              <a:rPr lang="zh-CN" altLang="en-US">
+              <a:rPr lang="zh-CN" altLang="en-US" dirty="0">
                 <a:solidFill>
                   <a:schemeClr val="bg1"/>
                 </a:solidFill>
@@ -21758,7 +22556,7 @@
               <a:t>由神经网络结构和连接权重组成</a:t>
             </a:r>
             <a:r>
-              <a:rPr lang="en-US" altLang="zh-CN">
+              <a:rPr lang="en-US" altLang="zh-CN" dirty="0">
                 <a:solidFill>
                   <a:schemeClr val="bg1"/>
                 </a:solidFill>
@@ -21770,7 +22568,7 @@
               <a:t>，</a:t>
             </a:r>
             <a:r>
-              <a:rPr lang="zh-CN" altLang="en-US">
+              <a:rPr lang="zh-CN" altLang="en-US" dirty="0">
                 <a:solidFill>
                   <a:schemeClr val="bg1"/>
                 </a:solidFill>
@@ -21781,7 +22579,7 @@
               </a:rPr>
               <a:t>执行解码操作。占用内存与权重的数据格式和数目有关</a:t>
             </a:r>
-            <a:endParaRPr lang="en-US" altLang="zh-CN">
+            <a:endParaRPr lang="en-US" altLang="zh-CN" dirty="0">
               <a:solidFill>
                 <a:schemeClr val="bg1"/>
               </a:solidFill>
@@ -21803,7 +22601,7 @@
               <a:buChar char="•"/>
             </a:pPr>
             <a:r>
-              <a:rPr lang="en-US" altLang="zh-CN">
+              <a:rPr lang="en-US" altLang="zh-CN" dirty="0">
                 <a:solidFill>
                   <a:schemeClr val="bg1"/>
                 </a:solidFill>
@@ -21815,7 +22613,7 @@
               <a:t>token </a:t>
             </a:r>
             <a:r>
-              <a:rPr lang="zh-CN" altLang="en-US">
+              <a:rPr lang="zh-CN" altLang="en-US" dirty="0">
                 <a:solidFill>
                   <a:schemeClr val="bg1"/>
                 </a:solidFill>
@@ -21826,7 +22624,7 @@
               <a:t>词元</a:t>
             </a:r>
             <a:r>
-              <a:rPr lang="en-US" altLang="zh-CN">
+              <a:rPr lang="en-US" altLang="zh-CN" dirty="0">
                 <a:solidFill>
                   <a:schemeClr val="bg1"/>
                 </a:solidFill>
@@ -21837,7 +22635,7 @@
               <a:t>: </a:t>
             </a:r>
             <a:r>
-              <a:rPr lang="zh-CN" altLang="en-US">
+              <a:rPr lang="zh-CN" altLang="en-US" dirty="0">
                 <a:solidFill>
                   <a:schemeClr val="bg1"/>
                 </a:solidFill>
@@ -21848,7 +22646,7 @@
               <a:t>词的编号</a:t>
             </a:r>
             <a:r>
-              <a:rPr lang="en-US" altLang="zh-CN">
+              <a:rPr lang="en-US" altLang="zh-CN" dirty="0">
                 <a:solidFill>
                   <a:schemeClr val="bg1"/>
                 </a:solidFill>
@@ -21859,7 +22657,7 @@
               <a:t>，</a:t>
             </a:r>
             <a:r>
-              <a:rPr lang="zh-CN" altLang="en-US">
+              <a:rPr lang="zh-CN" altLang="en-US" dirty="0">
                 <a:solidFill>
                   <a:schemeClr val="bg1"/>
                 </a:solidFill>
@@ -21870,7 +22668,7 @@
               <a:t>例如</a:t>
             </a:r>
             <a:r>
-              <a:rPr lang="en-US" altLang="zh-CN">
+              <a:rPr lang="en-US" altLang="zh-CN" dirty="0">
                 <a:solidFill>
                   <a:schemeClr val="bg1"/>
                 </a:solidFill>
@@ -21881,7 +22679,7 @@
               <a:t>，</a:t>
             </a:r>
             <a:r>
-              <a:rPr lang="zh-CN" altLang="en-US">
+              <a:rPr lang="zh-CN" altLang="en-US" dirty="0">
                 <a:solidFill>
                   <a:schemeClr val="bg1"/>
                 </a:solidFill>
@@ -21892,7 +22690,7 @@
               <a:t>你好</a:t>
             </a:r>
             <a:r>
-              <a:rPr lang="en-US" altLang="zh-CN">
+              <a:rPr lang="en-US" altLang="zh-CN" dirty="0">
                 <a:solidFill>
                   <a:schemeClr val="bg1"/>
                 </a:solidFill>
@@ -21903,7 +22701,7 @@
               <a:t> token=123，</a:t>
             </a:r>
             <a:r>
-              <a:rPr lang="zh-CN" altLang="en-US">
+              <a:rPr lang="zh-CN" altLang="en-US" dirty="0">
                 <a:solidFill>
                   <a:schemeClr val="bg1"/>
                 </a:solidFill>
@@ -21914,7 +22712,7 @@
               <a:t>我</a:t>
             </a:r>
             <a:r>
-              <a:rPr lang="en-US" altLang="zh-CN">
+              <a:rPr lang="en-US" altLang="zh-CN" dirty="0">
                 <a:solidFill>
                   <a:schemeClr val="bg1"/>
                 </a:solidFill>
@@ -21925,7 +22723,7 @@
               <a:t> </a:t>
             </a:r>
             <a:r>
-              <a:rPr lang="en-US" altLang="zh-CN">
+              <a:rPr lang="en-US" altLang="zh-CN" dirty="0">
                 <a:solidFill>
                   <a:schemeClr val="bg1"/>
                 </a:solidFill>
@@ -21937,7 +22735,7 @@
               <a:t>token=</a:t>
             </a:r>
             <a:r>
-              <a:rPr lang="en-US" altLang="zh-CN">
+              <a:rPr lang="en-US" altLang="zh-CN" dirty="0">
                 <a:solidFill>
                   <a:schemeClr val="bg1"/>
                 </a:solidFill>
@@ -21948,7 +22746,7 @@
               <a:t>14，</a:t>
             </a:r>
             <a:r>
-              <a:rPr lang="zh-CN" altLang="en-US">
+              <a:rPr lang="zh-CN" altLang="en-US" dirty="0">
                 <a:solidFill>
                   <a:schemeClr val="bg1"/>
                 </a:solidFill>
@@ -21959,7 +22757,7 @@
               <a:t>他的</a:t>
             </a:r>
             <a:r>
-              <a:rPr lang="en-US" altLang="zh-CN">
+              <a:rPr lang="en-US" altLang="zh-CN" dirty="0">
                 <a:solidFill>
                   <a:schemeClr val="bg1"/>
                 </a:solidFill>
@@ -21970,7 +22768,7 @@
               <a:t> </a:t>
             </a:r>
             <a:r>
-              <a:rPr lang="en-US" altLang="zh-CN">
+              <a:rPr lang="en-US" altLang="zh-CN" dirty="0">
                 <a:solidFill>
                   <a:schemeClr val="bg1"/>
                 </a:solidFill>
@@ -21982,7 +22780,7 @@
               <a:t>token</a:t>
             </a:r>
             <a:r>
-              <a:rPr lang="en-US" altLang="zh-CN">
+              <a:rPr lang="en-US" altLang="zh-CN" dirty="0">
                 <a:solidFill>
                   <a:schemeClr val="bg1"/>
                 </a:solidFill>
@@ -21993,7 +22791,7 @@
               <a:t>=3249</a:t>
             </a:r>
             <a:r>
-              <a:rPr lang="zh-CN" altLang="en-US">
+              <a:rPr lang="zh-CN" altLang="en-US" dirty="0">
                 <a:solidFill>
                   <a:schemeClr val="bg1"/>
                 </a:solidFill>
@@ -22003,7 +22801,7 @@
               </a:rPr>
               <a:t>，不同模型编号不一样</a:t>
             </a:r>
-            <a:endParaRPr lang="en-US" altLang="zh-CN">
+            <a:endParaRPr lang="en-US" altLang="zh-CN" dirty="0">
               <a:solidFill>
                 <a:schemeClr val="bg1"/>
               </a:solidFill>
@@ -22024,7 +22822,7 @@
               <a:buChar char="•"/>
             </a:pPr>
             <a:r>
-              <a:rPr lang="en-US" altLang="zh-CN">
+              <a:rPr lang="en-US" altLang="zh-CN" dirty="0">
                 <a:solidFill>
                   <a:schemeClr val="bg1"/>
                 </a:solidFill>
@@ -22036,7 +22834,7 @@
               <a:t>vocab </a:t>
             </a:r>
             <a:r>
-              <a:rPr lang="zh-CN" altLang="en-US">
+              <a:rPr lang="zh-CN" altLang="en-US" dirty="0">
                 <a:solidFill>
                   <a:schemeClr val="bg1"/>
                 </a:solidFill>
@@ -22048,7 +22846,7 @@
               <a:t>模型词表</a:t>
             </a:r>
             <a:r>
-              <a:rPr lang="en-US" altLang="zh-CN">
+              <a:rPr lang="en-US" altLang="zh-CN" dirty="0">
                 <a:solidFill>
                   <a:schemeClr val="bg1"/>
                 </a:solidFill>
@@ -22060,7 +22858,7 @@
               <a:t>: </a:t>
             </a:r>
             <a:r>
-              <a:rPr lang="zh-CN" altLang="en-US">
+              <a:rPr lang="zh-CN" altLang="en-US" dirty="0">
                 <a:solidFill>
                   <a:schemeClr val="bg1"/>
                 </a:solidFill>
@@ -22072,7 +22870,7 @@
               <a:t>该模型训练时所设置的全部词的</a:t>
             </a:r>
             <a:r>
-              <a:rPr lang="en-US" altLang="zh-CN">
+              <a:rPr lang="en-US" altLang="zh-CN" dirty="0">
                 <a:solidFill>
                   <a:schemeClr val="bg1"/>
                 </a:solidFill>
@@ -22084,7 +22882,7 @@
               <a:t>token</a:t>
             </a:r>
             <a:r>
-              <a:rPr lang="zh-CN" altLang="en-US">
+              <a:rPr lang="zh-CN" altLang="en-US" dirty="0">
                 <a:solidFill>
                   <a:schemeClr val="bg1"/>
                 </a:solidFill>
@@ -22095,7 +22893,7 @@
               </a:rPr>
               <a:t>，不同模型词表不一样，词表中中文占比越高的往往中文能力强</a:t>
             </a:r>
-            <a:endParaRPr lang="en-US" altLang="zh-CN">
+            <a:endParaRPr lang="en-US" altLang="zh-CN" dirty="0">
               <a:solidFill>
                 <a:schemeClr val="bg1"/>
               </a:solidFill>
@@ -22117,7 +22915,7 @@
               <a:buChar char="•"/>
             </a:pPr>
             <a:r>
-              <a:rPr lang="en-US" altLang="zh-CN">
+              <a:rPr lang="en-US" altLang="zh-CN" dirty="0" err="1">
                 <a:solidFill>
                   <a:schemeClr val="bg1"/>
                 </a:solidFill>
@@ -22126,10 +22924,10 @@
                 <a:cs typeface="Times New Roman" panose="02020603050405020304" charset="0"/>
                 <a:sym typeface="+mn-ea"/>
               </a:rPr>
-              <a:t>ctx </a:t>
-            </a:r>
-            <a:r>
-              <a:rPr lang="zh-CN" altLang="en-US">
+              <a:t>ctx</a:t>
+            </a:r>
+            <a:r>
+              <a:rPr lang="en-US" altLang="zh-CN" dirty="0">
                 <a:solidFill>
                   <a:schemeClr val="bg1"/>
                 </a:solidFill>
@@ -22138,10 +22936,10 @@
                 <a:cs typeface="Times New Roman" panose="02020603050405020304" charset="0"/>
                 <a:sym typeface="+mn-ea"/>
               </a:rPr>
-              <a:t>上下文</a:t>
-            </a:r>
-            <a:r>
-              <a:rPr lang="en-US" altLang="zh-CN">
+              <a:t> </a:t>
+            </a:r>
+            <a:r>
+              <a:rPr lang="zh-CN" altLang="en-US" dirty="0">
                 <a:solidFill>
                   <a:schemeClr val="bg1"/>
                 </a:solidFill>
@@ -22150,10 +22948,10 @@
                 <a:cs typeface="Times New Roman" panose="02020603050405020304" charset="0"/>
                 <a:sym typeface="+mn-ea"/>
               </a:rPr>
-              <a:t>: </a:t>
-            </a:r>
-            <a:r>
-              <a:rPr lang="zh-CN" altLang="en-US">
+              <a:t>上下文</a:t>
+            </a:r>
+            <a:r>
+              <a:rPr lang="en-US" altLang="zh-CN" dirty="0">
                 <a:solidFill>
                   <a:schemeClr val="bg1"/>
                 </a:solidFill>
@@ -22162,10 +22960,10 @@
                 <a:cs typeface="Times New Roman" panose="02020603050405020304" charset="0"/>
                 <a:sym typeface="+mn-ea"/>
               </a:rPr>
-              <a:t>包括控制模型解码的一套参数和上下文缓存。占用内存与模型词表大小</a:t>
-            </a:r>
-            <a:r>
-              <a:rPr lang="en-US" altLang="zh-CN">
+              <a:t>: </a:t>
+            </a:r>
+            <a:r>
+              <a:rPr lang="zh-CN" altLang="en-US" dirty="0">
                 <a:solidFill>
                   <a:schemeClr val="bg1"/>
                 </a:solidFill>
@@ -22174,10 +22972,10 @@
                 <a:cs typeface="Times New Roman" panose="02020603050405020304" charset="0"/>
                 <a:sym typeface="+mn-ea"/>
               </a:rPr>
-              <a:t>*</a:t>
-            </a:r>
-            <a:r>
-              <a:rPr lang="zh-CN" altLang="en-US">
+              <a:t>包括控制模型解码的一套参数和上下文缓存。占用内存与模型词表大小</a:t>
+            </a:r>
+            <a:r>
+              <a:rPr lang="en-US" altLang="zh-CN" dirty="0">
                 <a:solidFill>
                   <a:schemeClr val="bg1"/>
                 </a:solidFill>
@@ -22186,10 +22984,10 @@
                 <a:cs typeface="Times New Roman" panose="02020603050405020304" charset="0"/>
                 <a:sym typeface="+mn-ea"/>
               </a:rPr>
-              <a:t>上下文长度</a:t>
-            </a:r>
-            <a:r>
-              <a:rPr lang="en-US" altLang="zh-CN">
+              <a:t>*</a:t>
+            </a:r>
+            <a:r>
+              <a:rPr lang="zh-CN" altLang="en-US" dirty="0">
                 <a:solidFill>
                   <a:schemeClr val="bg1"/>
                 </a:solidFill>
@@ -22198,10 +22996,10 @@
                 <a:cs typeface="Times New Roman" panose="02020603050405020304" charset="0"/>
                 <a:sym typeface="+mn-ea"/>
               </a:rPr>
-              <a:t>*</a:t>
-            </a:r>
-            <a:r>
-              <a:rPr lang="zh-CN" altLang="en-US">
+              <a:t>上下文长度</a:t>
+            </a:r>
+            <a:r>
+              <a:rPr lang="en-US" altLang="zh-CN" dirty="0">
                 <a:solidFill>
                   <a:schemeClr val="bg1"/>
                 </a:solidFill>
@@ -22210,10 +23008,10 @@
                 <a:cs typeface="Times New Roman" panose="02020603050405020304" charset="0"/>
                 <a:sym typeface="+mn-ea"/>
               </a:rPr>
-              <a:t>批大小</a:t>
-            </a:r>
-            <a:r>
-              <a:rPr lang="en-US" altLang="zh-CN">
+              <a:t>*</a:t>
+            </a:r>
+            <a:r>
+              <a:rPr lang="zh-CN" altLang="en-US" dirty="0">
                 <a:solidFill>
                   <a:schemeClr val="bg1"/>
                 </a:solidFill>
@@ -22222,10 +23020,10 @@
                 <a:cs typeface="Times New Roman" panose="02020603050405020304" charset="0"/>
                 <a:sym typeface="+mn-ea"/>
               </a:rPr>
-              <a:t>*</a:t>
-            </a:r>
-            <a:r>
-              <a:rPr lang="zh-CN" altLang="en-US">
+              <a:t>批大小</a:t>
+            </a:r>
+            <a:r>
+              <a:rPr lang="en-US" altLang="zh-CN" dirty="0">
                 <a:solidFill>
                   <a:schemeClr val="bg1"/>
                 </a:solidFill>
@@ -22234,9 +23032,21 @@
                 <a:cs typeface="Times New Roman" panose="02020603050405020304" charset="0"/>
                 <a:sym typeface="+mn-ea"/>
               </a:rPr>
+              <a:t>*</a:t>
+            </a:r>
+            <a:r>
+              <a:rPr lang="zh-CN" altLang="en-US" dirty="0">
+                <a:solidFill>
+                  <a:schemeClr val="bg1"/>
+                </a:solidFill>
+                <a:latin typeface="Times New Roman" panose="02020603050405020304" charset="0"/>
+                <a:ea typeface="黑体" panose="02010609060101010101" charset="-122"/>
+                <a:cs typeface="Times New Roman" panose="02020603050405020304" charset="0"/>
+                <a:sym typeface="+mn-ea"/>
+              </a:rPr>
               <a:t>模型大小有关</a:t>
             </a:r>
-            <a:endParaRPr lang="zh-CN" altLang="en-US">
+            <a:endParaRPr lang="zh-CN" altLang="en-US" dirty="0">
               <a:solidFill>
                 <a:schemeClr val="bg1"/>
               </a:solidFill>
@@ -22257,7 +23067,7 @@
               <a:buChar char="•"/>
             </a:pPr>
             <a:r>
-              <a:rPr lang="en-US" altLang="zh-CN">
+              <a:rPr lang="en-US" altLang="zh-CN" dirty="0" err="1">
                 <a:solidFill>
                   <a:schemeClr val="bg1"/>
                 </a:solidFill>
@@ -22266,32 +23076,10 @@
                 <a:cs typeface="Times New Roman" panose="02020603050405020304" charset="0"/>
                 <a:sym typeface="+mn-ea"/>
               </a:rPr>
-              <a:t>kv cache </a:t>
-            </a:r>
-            <a:r>
-              <a:rPr lang="zh-CN" altLang="en-US">
-                <a:solidFill>
-                  <a:schemeClr val="bg1"/>
-                </a:solidFill>
-                <a:latin typeface="Times New Roman" panose="02020603050405020304" charset="0"/>
-                <a:ea typeface="黑体" panose="02010609060101010101" charset="-122"/>
-                <a:cs typeface="Times New Roman" panose="02020603050405020304" charset="0"/>
-              </a:rPr>
-              <a:t>上下文缓存</a:t>
-            </a:r>
-            <a:r>
-              <a:rPr lang="en-US" altLang="zh-CN">
-                <a:solidFill>
-                  <a:schemeClr val="bg1"/>
-                </a:solidFill>
-                <a:latin typeface="Times New Roman" panose="02020603050405020304" charset="0"/>
-                <a:ea typeface="黑体" panose="02010609060101010101" charset="-122"/>
-                <a:cs typeface="Times New Roman" panose="02020603050405020304" charset="0"/>
-              </a:rPr>
-              <a:t>: </a:t>
-            </a:r>
-            <a:r>
-              <a:rPr lang="zh-CN" altLang="en-US">
+              <a:t>kv</a:t>
+            </a:r>
+            <a:r>
+              <a:rPr lang="en-US" altLang="zh-CN" dirty="0">
                 <a:solidFill>
                   <a:schemeClr val="bg1"/>
                 </a:solidFill>
@@ -22300,10 +23088,10 @@
                 <a:cs typeface="Times New Roman" panose="02020603050405020304" charset="0"/>
                 <a:sym typeface="+mn-ea"/>
               </a:rPr>
-              <a:t>历史解码信息</a:t>
-            </a:r>
-            <a:r>
-              <a:rPr lang="en-US" altLang="zh-CN">
+              <a:t> cache </a:t>
+            </a:r>
+            <a:r>
+              <a:rPr lang="zh-CN" altLang="en-US" dirty="0">
                 <a:solidFill>
                   <a:schemeClr val="bg1"/>
                 </a:solidFill>
@@ -22311,10 +23099,44 @@
                 <a:ea typeface="黑体" panose="02010609060101010101" charset="-122"/>
                 <a:cs typeface="Times New Roman" panose="02020603050405020304" charset="0"/>
               </a:rPr>
+              <a:t>上下文缓存</a:t>
+            </a:r>
+            <a:r>
+              <a:rPr lang="en-US" altLang="zh-CN" dirty="0">
+                <a:solidFill>
+                  <a:schemeClr val="bg1"/>
+                </a:solidFill>
+                <a:latin typeface="Times New Roman" panose="02020603050405020304" charset="0"/>
+                <a:ea typeface="黑体" panose="02010609060101010101" charset="-122"/>
+                <a:cs typeface="Times New Roman" panose="02020603050405020304" charset="0"/>
+              </a:rPr>
+              <a:t>: </a:t>
+            </a:r>
+            <a:r>
+              <a:rPr lang="zh-CN" altLang="en-US" dirty="0">
+                <a:solidFill>
+                  <a:schemeClr val="bg1"/>
+                </a:solidFill>
+                <a:latin typeface="Times New Roman" panose="02020603050405020304" charset="0"/>
+                <a:ea typeface="黑体" panose="02010609060101010101" charset="-122"/>
+                <a:cs typeface="Times New Roman" panose="02020603050405020304" charset="0"/>
+                <a:sym typeface="+mn-ea"/>
+              </a:rPr>
+              <a:t>历史解码信息</a:t>
+            </a:r>
+            <a:r>
+              <a:rPr lang="en-US" altLang="zh-CN" dirty="0">
+                <a:solidFill>
+                  <a:schemeClr val="bg1"/>
+                </a:solidFill>
+                <a:latin typeface="Times New Roman" panose="02020603050405020304" charset="0"/>
+                <a:ea typeface="黑体" panose="02010609060101010101" charset="-122"/>
+                <a:cs typeface="Times New Roman" panose="02020603050405020304" charset="0"/>
+              </a:rPr>
               <a:t>，</a:t>
             </a:r>
             <a:r>
-              <a:rPr lang="zh-CN" altLang="en-US">
+              <a:rPr lang="zh-CN" altLang="en-US" dirty="0">
                 <a:solidFill>
                   <a:schemeClr val="bg1"/>
                 </a:solidFill>
@@ -22337,7 +23159,7 @@
               <a:buChar char="•"/>
             </a:pPr>
             <a:r>
-              <a:rPr lang="en-US" altLang="zh-CN">
+              <a:rPr lang="en-US" altLang="zh-CN" dirty="0" err="1">
                 <a:solidFill>
                   <a:schemeClr val="bg1"/>
                 </a:solidFill>
@@ -22345,10 +23167,10 @@
                 <a:ea typeface="黑体" panose="02010609060101010101" charset="-122"/>
                 <a:cs typeface="Times New Roman" panose="02020603050405020304" charset="0"/>
               </a:rPr>
-              <a:t>n_ctx_train </a:t>
-            </a:r>
-            <a:r>
-              <a:rPr lang="zh-CN" altLang="en-US">
+              <a:t>n_ctx_train</a:t>
+            </a:r>
+            <a:r>
+              <a:rPr lang="en-US" altLang="zh-CN" dirty="0">
                 <a:solidFill>
                   <a:schemeClr val="bg1"/>
                 </a:solidFill>
@@ -22356,10 +23178,10 @@
                 <a:ea typeface="黑体" panose="02010609060101010101" charset="-122"/>
                 <a:cs typeface="Times New Roman" panose="02020603050405020304" charset="0"/>
               </a:rPr>
-              <a:t>最大上下文长度</a:t>
-            </a:r>
-            <a:r>
-              <a:rPr lang="en-US" altLang="zh-CN">
+              <a:t> </a:t>
+            </a:r>
+            <a:r>
+              <a:rPr lang="zh-CN" altLang="en-US" dirty="0">
                 <a:solidFill>
                   <a:schemeClr val="bg1"/>
                 </a:solidFill>
@@ -22367,10 +23189,21 @@
                 <a:ea typeface="黑体" panose="02010609060101010101" charset="-122"/>
                 <a:cs typeface="Times New Roman" panose="02020603050405020304" charset="0"/>
               </a:rPr>
+              <a:t>最大上下文长度</a:t>
+            </a:r>
+            <a:r>
+              <a:rPr lang="en-US" altLang="zh-CN" dirty="0">
+                <a:solidFill>
+                  <a:schemeClr val="bg1"/>
+                </a:solidFill>
+                <a:latin typeface="Times New Roman" panose="02020603050405020304" charset="0"/>
+                <a:ea typeface="黑体" panose="02010609060101010101" charset="-122"/>
+                <a:cs typeface="Times New Roman" panose="02020603050405020304" charset="0"/>
+              </a:rPr>
               <a:t>: </a:t>
             </a:r>
             <a:r>
-              <a:rPr lang="zh-CN" altLang="en-US">
+              <a:rPr lang="zh-CN" altLang="en-US" dirty="0">
                 <a:solidFill>
                   <a:schemeClr val="bg1"/>
                 </a:solidFill>
@@ -22382,7 +23215,7 @@
               <a:t>该模型训练时能送入解码的最大</a:t>
             </a:r>
             <a:r>
-              <a:rPr lang="en-US" altLang="zh-CN">
+              <a:rPr lang="en-US" altLang="zh-CN" dirty="0">
                 <a:solidFill>
                   <a:schemeClr val="bg1"/>
                 </a:solidFill>
@@ -22394,7 +23227,7 @@
               <a:t>token</a:t>
             </a:r>
             <a:r>
-              <a:rPr lang="zh-CN" altLang="en-US">
+              <a:rPr lang="zh-CN" altLang="en-US" dirty="0">
                 <a:solidFill>
                   <a:schemeClr val="bg1"/>
                 </a:solidFill>
@@ -22418,7 +23251,7 @@
               <a:buChar char="•"/>
             </a:pPr>
             <a:r>
-              <a:rPr lang="en-US" altLang="zh-CN">
+              <a:rPr lang="en-US" altLang="zh-CN" dirty="0" err="1">
                 <a:solidFill>
                   <a:schemeClr val="bg1"/>
                 </a:solidFill>
@@ -22427,10 +23260,10 @@
                 <a:cs typeface="Times New Roman" panose="02020603050405020304" charset="0"/>
                 <a:sym typeface="+mn-ea"/>
               </a:rPr>
-              <a:t>n_ctx </a:t>
-            </a:r>
-            <a:r>
-              <a:rPr lang="zh-CN" altLang="en-US">
+              <a:t>n_ctx</a:t>
+            </a:r>
+            <a:r>
+              <a:rPr lang="en-US" altLang="zh-CN" dirty="0">
                 <a:solidFill>
                   <a:schemeClr val="bg1"/>
                 </a:solidFill>
@@ -22439,10 +23272,10 @@
                 <a:cs typeface="Times New Roman" panose="02020603050405020304" charset="0"/>
                 <a:sym typeface="+mn-ea"/>
               </a:rPr>
-              <a:t>上下文长度</a:t>
-            </a:r>
-            <a:r>
-              <a:rPr lang="en-US" altLang="zh-CN">
+              <a:t> </a:t>
+            </a:r>
+            <a:r>
+              <a:rPr lang="zh-CN" altLang="en-US" dirty="0">
                 <a:solidFill>
                   <a:schemeClr val="bg1"/>
                 </a:solidFill>
@@ -22451,10 +23284,10 @@
                 <a:cs typeface="Times New Roman" panose="02020603050405020304" charset="0"/>
                 <a:sym typeface="+mn-ea"/>
               </a:rPr>
-              <a:t>: </a:t>
-            </a:r>
-            <a:r>
-              <a:rPr lang="zh-CN" altLang="en-US">
+              <a:t>上下文长度</a:t>
+            </a:r>
+            <a:r>
+              <a:rPr lang="en-US" altLang="zh-CN" dirty="0">
                 <a:solidFill>
                   <a:schemeClr val="bg1"/>
                 </a:solidFill>
@@ -22463,10 +23296,10 @@
                 <a:cs typeface="Times New Roman" panose="02020603050405020304" charset="0"/>
                 <a:sym typeface="+mn-ea"/>
               </a:rPr>
-              <a:t>用户设置的解码时模型能接受的的最大</a:t>
-            </a:r>
-            <a:r>
-              <a:rPr lang="en-US" altLang="zh-CN">
+              <a:t>: </a:t>
+            </a:r>
+            <a:r>
+              <a:rPr lang="zh-CN" altLang="en-US" dirty="0">
                 <a:solidFill>
                   <a:schemeClr val="bg1"/>
                 </a:solidFill>
@@ -22475,10 +23308,10 @@
                 <a:cs typeface="Times New Roman" panose="02020603050405020304" charset="0"/>
                 <a:sym typeface="+mn-ea"/>
               </a:rPr>
-              <a:t>token</a:t>
-            </a:r>
-            <a:r>
-              <a:rPr lang="zh-CN" altLang="en-US">
+              <a:t>用户设置的解码时模型能接受的的最大</a:t>
+            </a:r>
+            <a:r>
+              <a:rPr lang="en-US" altLang="zh-CN" dirty="0">
                 <a:solidFill>
                   <a:schemeClr val="bg1"/>
                 </a:solidFill>
@@ -22487,10 +23320,10 @@
                 <a:cs typeface="Times New Roman" panose="02020603050405020304" charset="0"/>
                 <a:sym typeface="+mn-ea"/>
               </a:rPr>
-              <a:t>数量，不能超过</a:t>
-            </a:r>
-            <a:r>
-              <a:rPr lang="en-US" altLang="zh-CN">
+              <a:t>token</a:t>
+            </a:r>
+            <a:r>
+              <a:rPr lang="zh-CN" altLang="en-US" dirty="0">
                 <a:solidFill>
                   <a:schemeClr val="bg1"/>
                 </a:solidFill>
@@ -22499,9 +23332,21 @@
                 <a:cs typeface="Times New Roman" panose="02020603050405020304" charset="0"/>
                 <a:sym typeface="+mn-ea"/>
               </a:rPr>
+              <a:t>数量，不能超过</a:t>
+            </a:r>
+            <a:r>
+              <a:rPr lang="en-US" altLang="zh-CN" dirty="0" err="1">
+                <a:solidFill>
+                  <a:schemeClr val="bg1"/>
+                </a:solidFill>
+                <a:latin typeface="Times New Roman" panose="02020603050405020304" charset="0"/>
+                <a:ea typeface="黑体" panose="02010609060101010101" charset="-122"/>
+                <a:cs typeface="Times New Roman" panose="02020603050405020304" charset="0"/>
+                <a:sym typeface="+mn-ea"/>
+              </a:rPr>
               <a:t>n_ctx_train</a:t>
             </a:r>
-            <a:endParaRPr lang="en-US" altLang="zh-CN">
+            <a:endParaRPr lang="en-US" altLang="zh-CN" dirty="0">
               <a:solidFill>
                 <a:schemeClr val="bg1"/>
               </a:solidFill>
@@ -22522,7 +23367,7 @@
               <a:buChar char="•"/>
             </a:pPr>
             <a:r>
-              <a:rPr lang="en-US" altLang="zh-CN">
+              <a:rPr lang="en-US" altLang="zh-CN" dirty="0" err="1">
                 <a:solidFill>
                   <a:schemeClr val="bg1"/>
                 </a:solidFill>
@@ -22531,21 +23376,22 @@
                 <a:cs typeface="Times New Roman" panose="02020603050405020304" charset="0"/>
                 <a:sym typeface="+mn-ea"/>
               </a:rPr>
-              <a:t>vecb </a:t>
-            </a:r>
-            <a:r>
-              <a:rPr lang="zh-CN" altLang="en-US">
+              <a:t>vecb</a:t>
+            </a:r>
+            <a:r>
+              <a:rPr lang="en-US" altLang="zh-CN" dirty="0">
                 <a:solidFill>
                   <a:schemeClr val="bg1"/>
                 </a:solidFill>
                 <a:latin typeface="Times New Roman" panose="02020603050405020304" charset="0"/>
                 <a:ea typeface="黑体" panose="02010609060101010101" charset="-122"/>
                 <a:cs typeface="Times New Roman" panose="02020603050405020304" charset="0"/>
-              </a:rPr>
-              <a:t>向量表</a:t>
-            </a:r>
-            <a:r>
-              <a:rPr lang="en-US" altLang="zh-CN">
+                <a:sym typeface="+mn-ea"/>
+              </a:rPr>
+              <a:t> </a:t>
+            </a:r>
+            <a:r>
+              <a:rPr lang="zh-CN" altLang="en-US" dirty="0">
                 <a:solidFill>
                   <a:schemeClr val="bg1"/>
                 </a:solidFill>
@@ -22553,10 +23399,21 @@
                 <a:ea typeface="黑体" panose="02010609060101010101" charset="-122"/>
                 <a:cs typeface="Times New Roman" panose="02020603050405020304" charset="0"/>
               </a:rPr>
+              <a:t>向量表</a:t>
+            </a:r>
+            <a:r>
+              <a:rPr lang="en-US" altLang="zh-CN" dirty="0">
+                <a:solidFill>
+                  <a:schemeClr val="bg1"/>
+                </a:solidFill>
+                <a:latin typeface="Times New Roman" panose="02020603050405020304" charset="0"/>
+                <a:ea typeface="黑体" panose="02010609060101010101" charset="-122"/>
+                <a:cs typeface="Times New Roman" panose="02020603050405020304" charset="0"/>
+              </a:rPr>
               <a:t>: </a:t>
             </a:r>
             <a:r>
-              <a:rPr lang="zh-CN" altLang="en-US">
+              <a:rPr lang="zh-CN" altLang="en-US" dirty="0">
                 <a:solidFill>
                   <a:schemeClr val="bg1"/>
                 </a:solidFill>
@@ -22579,7 +23436,7 @@
               <a:buChar char="•"/>
             </a:pPr>
             <a:r>
-              <a:rPr lang="en-US" altLang="zh-CN">
+              <a:rPr lang="en-US" altLang="zh-CN" dirty="0">
                 <a:solidFill>
                   <a:schemeClr val="bg1"/>
                 </a:solidFill>
@@ -22590,7 +23447,7 @@
               <a:t>temperature </a:t>
             </a:r>
             <a:r>
-              <a:rPr lang="zh-CN" altLang="en-US">
+              <a:rPr lang="zh-CN" altLang="en-US" dirty="0">
                 <a:solidFill>
                   <a:schemeClr val="bg1"/>
                 </a:solidFill>
@@ -22601,7 +23458,7 @@
               <a:t>温度</a:t>
             </a:r>
             <a:r>
-              <a:rPr lang="en-US" altLang="zh-CN">
+              <a:rPr lang="en-US" altLang="zh-CN" dirty="0">
                 <a:solidFill>
                   <a:schemeClr val="bg1"/>
                 </a:solidFill>
@@ -22612,7 +23469,7 @@
               <a:t>: </a:t>
             </a:r>
             <a:r>
-              <a:rPr lang="zh-CN" altLang="en-US">
+              <a:rPr lang="zh-CN" altLang="en-US" dirty="0">
                 <a:solidFill>
                   <a:schemeClr val="bg1"/>
                 </a:solidFill>
@@ -22622,7 +23479,7 @@
               </a:rPr>
               <a:t>采样时会根据温度值将向量表转为概率表，温度越高随机性越大</a:t>
             </a:r>
-            <a:endParaRPr lang="en-US" altLang="zh-CN">
+            <a:endParaRPr lang="en-US" altLang="zh-CN" dirty="0">
               <a:solidFill>
                 <a:schemeClr val="bg1"/>
               </a:solidFill>
@@ -22643,7 +23500,7 @@
               <a:buChar char="•"/>
             </a:pPr>
             <a:r>
-              <a:rPr lang="en-US" altLang="zh-CN">
+              <a:rPr lang="en-US" altLang="zh-CN" dirty="0">
                 <a:solidFill>
                   <a:schemeClr val="bg1"/>
                 </a:solidFill>
@@ -22655,7 +23512,7 @@
               <a:t>prob </a:t>
             </a:r>
             <a:r>
-              <a:rPr lang="zh-CN" altLang="en-US">
+              <a:rPr lang="zh-CN" altLang="en-US" dirty="0">
                 <a:solidFill>
                   <a:schemeClr val="bg1"/>
                 </a:solidFill>
@@ -22666,7 +23523,7 @@
               <a:t>概率表</a:t>
             </a:r>
             <a:r>
-              <a:rPr lang="en-US" altLang="zh-CN">
+              <a:rPr lang="en-US" altLang="zh-CN" dirty="0">
                 <a:solidFill>
                   <a:schemeClr val="bg1"/>
                 </a:solidFill>
@@ -22677,7 +23534,7 @@
               <a:t>: </a:t>
             </a:r>
             <a:r>
-              <a:rPr lang="zh-CN" altLang="en-US">
+              <a:rPr lang="zh-CN" altLang="en-US" dirty="0">
                 <a:solidFill>
                   <a:schemeClr val="bg1"/>
                 </a:solidFill>
@@ -22689,7 +23546,7 @@
               <a:t>模型词表中全部</a:t>
             </a:r>
             <a:r>
-              <a:rPr lang="en-US" altLang="zh-CN">
+              <a:rPr lang="en-US" altLang="zh-CN" dirty="0">
                 <a:solidFill>
                   <a:schemeClr val="bg1"/>
                 </a:solidFill>
@@ -22701,7 +23558,7 @@
               <a:t>token</a:t>
             </a:r>
             <a:r>
-              <a:rPr lang="zh-CN" altLang="en-US">
+              <a:rPr lang="zh-CN" altLang="en-US" dirty="0">
                 <a:solidFill>
                   <a:schemeClr val="bg1"/>
                 </a:solidFill>
@@ -22713,7 +23570,7 @@
               <a:t>的选用概率，用来预测下一个</a:t>
             </a:r>
             <a:r>
-              <a:rPr lang="en-US" altLang="zh-CN">
+              <a:rPr lang="en-US" altLang="zh-CN" dirty="0">
                 <a:solidFill>
                   <a:schemeClr val="bg1"/>
                 </a:solidFill>
@@ -22724,7 +23581,7 @@
               </a:rPr>
               <a:t>token</a:t>
             </a:r>
-            <a:endParaRPr lang="zh-CN" altLang="en-US">
+            <a:endParaRPr lang="zh-CN" altLang="en-US" dirty="0">
               <a:solidFill>
                 <a:schemeClr val="bg1"/>
               </a:solidFill>
@@ -22746,7 +23603,7 @@
               <a:buChar char="•"/>
             </a:pPr>
             <a:r>
-              <a:rPr lang="en-US" altLang="zh-CN">
+              <a:rPr lang="en-US" altLang="zh-CN" dirty="0">
                 <a:solidFill>
                   <a:schemeClr val="bg1"/>
                 </a:solidFill>
@@ -22758,7 +23615,7 @@
               <a:t>lora model </a:t>
             </a:r>
             <a:r>
-              <a:rPr lang="zh-CN" altLang="en-US">
+              <a:rPr lang="zh-CN" altLang="en-US" dirty="0">
                 <a:solidFill>
                   <a:schemeClr val="bg1"/>
                 </a:solidFill>
@@ -22769,7 +23626,7 @@
               <a:t>低秩适配器</a:t>
             </a:r>
             <a:r>
-              <a:rPr lang="en-US" altLang="zh-CN">
+              <a:rPr lang="en-US" altLang="zh-CN" dirty="0">
                 <a:solidFill>
                   <a:schemeClr val="bg1"/>
                 </a:solidFill>
@@ -22780,7 +23637,7 @@
               <a:t>: </a:t>
             </a:r>
             <a:r>
-              <a:rPr lang="zh-CN" altLang="en-US">
+              <a:rPr lang="zh-CN" altLang="en-US" dirty="0">
                 <a:solidFill>
                   <a:schemeClr val="bg1"/>
                 </a:solidFill>
@@ -22791,7 +23648,7 @@
               <a:t>在原有模型结构中挂载简单的结构</a:t>
             </a:r>
             <a:r>
-              <a:rPr lang="en-US" altLang="zh-CN">
+              <a:rPr lang="en-US" altLang="zh-CN" dirty="0">
                 <a:solidFill>
                   <a:schemeClr val="bg1"/>
                 </a:solidFill>
@@ -22802,7 +23659,7 @@
               <a:t>，</a:t>
             </a:r>
             <a:r>
-              <a:rPr lang="zh-CN" altLang="en-US">
+              <a:rPr lang="zh-CN" altLang="en-US" dirty="0">
                 <a:solidFill>
                   <a:schemeClr val="bg1"/>
                 </a:solidFill>
@@ -22813,7 +23670,7 @@
               <a:t>可以改变模型的输出风格，不支持</a:t>
             </a:r>
             <a:r>
-              <a:rPr lang="en-US" altLang="zh-CN">
+              <a:rPr lang="en-US" altLang="zh-CN" dirty="0" err="1">
                 <a:solidFill>
                   <a:schemeClr val="bg1"/>
                 </a:solidFill>
@@ -22824,7 +23681,7 @@
               <a:t>cuda</a:t>
             </a:r>
             <a:r>
-              <a:rPr lang="zh-CN" altLang="en-US">
+              <a:rPr lang="zh-CN" altLang="en-US" dirty="0">
                 <a:solidFill>
                   <a:schemeClr val="bg1"/>
                 </a:solidFill>
@@ -22834,7 +23691,7 @@
               </a:rPr>
               <a:t>加速</a:t>
             </a:r>
-            <a:endParaRPr lang="en-US" altLang="zh-CN">
+            <a:endParaRPr lang="en-US" altLang="zh-CN" dirty="0">
               <a:solidFill>
                 <a:schemeClr val="bg1"/>
               </a:solidFill>
@@ -22854,7 +23711,7 @@
               <a:buFont typeface="Arial" panose="020B0604020202020204" pitchFamily="34" charset="0"/>
               <a:buChar char="•"/>
             </a:pPr>
-            <a:endParaRPr lang="en-US" altLang="zh-CN">
+            <a:endParaRPr lang="en-US" altLang="zh-CN" dirty="0">
               <a:solidFill>
                 <a:schemeClr val="bg1"/>
               </a:solidFill>

--- a/utils/软件介绍.pptx
+++ b/utils/软件介绍.pptx
@@ -5,10 +5,10 @@
     <p:sldMasterId id="2147483683" r:id="rId1"/>
   </p:sldMasterIdLst>
   <p:notesMasterIdLst>
-    <p:notesMasterId r:id="rId43"/>
+    <p:notesMasterId r:id="rId46"/>
   </p:notesMasterIdLst>
   <p:handoutMasterIdLst>
-    <p:handoutMasterId r:id="rId44"/>
+    <p:handoutMasterId r:id="rId47"/>
   </p:handoutMasterIdLst>
   <p:sldIdLst>
     <p:sldId id="534" r:id="rId2"/>
@@ -50,13 +50,16 @@
     <p:sldId id="526" r:id="rId38"/>
     <p:sldId id="530" r:id="rId39"/>
     <p:sldId id="532" r:id="rId40"/>
-    <p:sldId id="550" r:id="rId41"/>
-    <p:sldId id="531" r:id="rId42"/>
+    <p:sldId id="551" r:id="rId41"/>
+    <p:sldId id="550" r:id="rId42"/>
+    <p:sldId id="552" r:id="rId43"/>
+    <p:sldId id="553" r:id="rId44"/>
+    <p:sldId id="531" r:id="rId45"/>
   </p:sldIdLst>
   <p:sldSz cx="12192000" cy="6858000"/>
   <p:notesSz cx="6858000" cy="9144000"/>
   <p:custDataLst>
-    <p:tags r:id="rId45"/>
+    <p:tags r:id="rId48"/>
   </p:custDataLst>
   <p:defaultTextStyle>
     <a:defPPr>
@@ -205,7 +208,10 @@
             <p14:sldId id="526"/>
             <p14:sldId id="530"/>
             <p14:sldId id="532"/>
+            <p14:sldId id="551"/>
             <p14:sldId id="550"/>
+            <p14:sldId id="552"/>
+            <p14:sldId id="553"/>
             <p14:sldId id="531"/>
           </p14:sldIdLst>
         </p14:section>
@@ -1715,6 +1721,753 @@
 </dgm:colorsDef>
 </file>
 
+<file path=ppt/diagrams/colors3.xml><?xml version="1.0" encoding="utf-8"?>
+<dgm:colorsDef xmlns:dgm="http://schemas.openxmlformats.org/drawingml/2006/diagram" xmlns:a="http://schemas.openxmlformats.org/drawingml/2006/main" uniqueId="urn:microsoft.com/office/officeart/2005/8/colors/accent1_2">
+  <dgm:title val=""/>
+  <dgm:desc val=""/>
+  <dgm:catLst>
+    <dgm:cat type="accent1" pri="11200"/>
+  </dgm:catLst>
+  <dgm:styleLbl name="node0">
+    <dgm:fillClrLst meth="repeat">
+      <a:schemeClr val="accent1"/>
+    </dgm:fillClrLst>
+    <dgm:linClrLst meth="repeat">
+      <a:schemeClr val="lt1"/>
+    </dgm:linClrLst>
+    <dgm:effectClrLst/>
+    <dgm:txLinClrLst/>
+    <dgm:txFillClrLst/>
+    <dgm:txEffectClrLst/>
+  </dgm:styleLbl>
+  <dgm:styleLbl name="alignNode1">
+    <dgm:fillClrLst meth="repeat">
+      <a:schemeClr val="accent1"/>
+    </dgm:fillClrLst>
+    <dgm:linClrLst meth="repeat">
+      <a:schemeClr val="accent1"/>
+    </dgm:linClrLst>
+    <dgm:effectClrLst/>
+    <dgm:txLinClrLst/>
+    <dgm:txFillClrLst/>
+    <dgm:txEffectClrLst/>
+  </dgm:styleLbl>
+  <dgm:styleLbl name="node1">
+    <dgm:fillClrLst meth="repeat">
+      <a:schemeClr val="accent1"/>
+    </dgm:fillClrLst>
+    <dgm:linClrLst meth="repeat">
+      <a:schemeClr val="lt1"/>
+    </dgm:linClrLst>
+    <dgm:effectClrLst/>
+    <dgm:txLinClrLst/>
+    <dgm:txFillClrLst/>
+    <dgm:txEffectClrLst/>
+  </dgm:styleLbl>
+  <dgm:styleLbl name="lnNode1">
+    <dgm:fillClrLst meth="repeat">
+      <a:schemeClr val="accent1"/>
+    </dgm:fillClrLst>
+    <dgm:linClrLst meth="repeat">
+      <a:schemeClr val="lt1"/>
+    </dgm:linClrLst>
+    <dgm:effectClrLst/>
+    <dgm:txLinClrLst/>
+    <dgm:txFillClrLst/>
+    <dgm:txEffectClrLst/>
+  </dgm:styleLbl>
+  <dgm:styleLbl name="vennNode1">
+    <dgm:fillClrLst meth="repeat">
+      <a:schemeClr val="accent1">
+        <a:alpha val="50000"/>
+      </a:schemeClr>
+    </dgm:fillClrLst>
+    <dgm:linClrLst meth="repeat">
+      <a:schemeClr val="lt1"/>
+    </dgm:linClrLst>
+    <dgm:effectClrLst/>
+    <dgm:txLinClrLst/>
+    <dgm:txFillClrLst/>
+    <dgm:txEffectClrLst/>
+  </dgm:styleLbl>
+  <dgm:styleLbl name="node2">
+    <dgm:fillClrLst meth="repeat">
+      <a:schemeClr val="accent1"/>
+    </dgm:fillClrLst>
+    <dgm:linClrLst meth="repeat">
+      <a:schemeClr val="lt1"/>
+    </dgm:linClrLst>
+    <dgm:effectClrLst/>
+    <dgm:txLinClrLst/>
+    <dgm:txFillClrLst/>
+    <dgm:txEffectClrLst/>
+  </dgm:styleLbl>
+  <dgm:styleLbl name="node3">
+    <dgm:fillClrLst meth="repeat">
+      <a:schemeClr val="accent1"/>
+    </dgm:fillClrLst>
+    <dgm:linClrLst meth="repeat">
+      <a:schemeClr val="lt1"/>
+    </dgm:linClrLst>
+    <dgm:effectClrLst/>
+    <dgm:txLinClrLst/>
+    <dgm:txFillClrLst/>
+    <dgm:txEffectClrLst/>
+  </dgm:styleLbl>
+  <dgm:styleLbl name="node4">
+    <dgm:fillClrLst meth="repeat">
+      <a:schemeClr val="accent1"/>
+    </dgm:fillClrLst>
+    <dgm:linClrLst meth="repeat">
+      <a:schemeClr val="lt1"/>
+    </dgm:linClrLst>
+    <dgm:effectClrLst/>
+    <dgm:txLinClrLst/>
+    <dgm:txFillClrLst/>
+    <dgm:txEffectClrLst/>
+  </dgm:styleLbl>
+  <dgm:styleLbl name="fgImgPlace1">
+    <dgm:fillClrLst meth="repeat">
+      <a:schemeClr val="accent1">
+        <a:tint val="50000"/>
+      </a:schemeClr>
+    </dgm:fillClrLst>
+    <dgm:linClrLst meth="repeat">
+      <a:schemeClr val="lt1"/>
+    </dgm:linClrLst>
+    <dgm:effectClrLst/>
+    <dgm:txLinClrLst/>
+    <dgm:txFillClrLst meth="repeat">
+      <a:schemeClr val="lt1"/>
+    </dgm:txFillClrLst>
+    <dgm:txEffectClrLst/>
+  </dgm:styleLbl>
+  <dgm:styleLbl name="alignImgPlace1">
+    <dgm:fillClrLst meth="repeat">
+      <a:schemeClr val="accent1">
+        <a:tint val="50000"/>
+      </a:schemeClr>
+    </dgm:fillClrLst>
+    <dgm:linClrLst meth="repeat">
+      <a:schemeClr val="lt1"/>
+    </dgm:linClrLst>
+    <dgm:effectClrLst/>
+    <dgm:txLinClrLst/>
+    <dgm:txFillClrLst meth="repeat">
+      <a:schemeClr val="lt1"/>
+    </dgm:txFillClrLst>
+    <dgm:txEffectClrLst/>
+  </dgm:styleLbl>
+  <dgm:styleLbl name="bgImgPlace1">
+    <dgm:fillClrLst meth="repeat">
+      <a:schemeClr val="accent1">
+        <a:tint val="50000"/>
+      </a:schemeClr>
+    </dgm:fillClrLst>
+    <dgm:linClrLst meth="repeat">
+      <a:schemeClr val="lt1"/>
+    </dgm:linClrLst>
+    <dgm:effectClrLst/>
+    <dgm:txLinClrLst/>
+    <dgm:txFillClrLst meth="repeat">
+      <a:schemeClr val="lt1"/>
+    </dgm:txFillClrLst>
+    <dgm:txEffectClrLst/>
+  </dgm:styleLbl>
+  <dgm:styleLbl name="sibTrans2D1">
+    <dgm:fillClrLst meth="repeat">
+      <a:schemeClr val="accent1">
+        <a:tint val="60000"/>
+      </a:schemeClr>
+    </dgm:fillClrLst>
+    <dgm:linClrLst meth="repeat">
+      <a:schemeClr val="accent1">
+        <a:tint val="60000"/>
+      </a:schemeClr>
+    </dgm:linClrLst>
+    <dgm:effectClrLst/>
+    <dgm:txLinClrLst/>
+    <dgm:txFillClrLst/>
+    <dgm:txEffectClrLst/>
+  </dgm:styleLbl>
+  <dgm:styleLbl name="fgSibTrans2D1">
+    <dgm:fillClrLst meth="repeat">
+      <a:schemeClr val="accent1">
+        <a:tint val="60000"/>
+      </a:schemeClr>
+    </dgm:fillClrLst>
+    <dgm:linClrLst meth="repeat">
+      <a:schemeClr val="accent1">
+        <a:tint val="60000"/>
+      </a:schemeClr>
+    </dgm:linClrLst>
+    <dgm:effectClrLst/>
+    <dgm:txLinClrLst/>
+    <dgm:txFillClrLst/>
+    <dgm:txEffectClrLst/>
+  </dgm:styleLbl>
+  <dgm:styleLbl name="bgSibTrans2D1">
+    <dgm:fillClrLst meth="repeat">
+      <a:schemeClr val="accent1">
+        <a:tint val="60000"/>
+      </a:schemeClr>
+    </dgm:fillClrLst>
+    <dgm:linClrLst meth="repeat">
+      <a:schemeClr val="accent1">
+        <a:tint val="60000"/>
+      </a:schemeClr>
+    </dgm:linClrLst>
+    <dgm:effectClrLst/>
+    <dgm:txLinClrLst/>
+    <dgm:txFillClrLst/>
+    <dgm:txEffectClrLst/>
+  </dgm:styleLbl>
+  <dgm:styleLbl name="sibTrans1D1">
+    <dgm:fillClrLst meth="repeat">
+      <a:schemeClr val="accent1"/>
+    </dgm:fillClrLst>
+    <dgm:linClrLst meth="repeat">
+      <a:schemeClr val="accent1"/>
+    </dgm:linClrLst>
+    <dgm:effectClrLst/>
+    <dgm:txLinClrLst/>
+    <dgm:txFillClrLst meth="repeat">
+      <a:schemeClr val="tx1"/>
+    </dgm:txFillClrLst>
+    <dgm:txEffectClrLst/>
+  </dgm:styleLbl>
+  <dgm:styleLbl name="callout">
+    <dgm:fillClrLst meth="repeat">
+      <a:schemeClr val="accent1"/>
+    </dgm:fillClrLst>
+    <dgm:linClrLst meth="repeat">
+      <a:schemeClr val="accent1">
+        <a:tint val="50000"/>
+      </a:schemeClr>
+    </dgm:linClrLst>
+    <dgm:effectClrLst/>
+    <dgm:txLinClrLst/>
+    <dgm:txFillClrLst meth="repeat">
+      <a:schemeClr val="tx1"/>
+    </dgm:txFillClrLst>
+    <dgm:txEffectClrLst/>
+  </dgm:styleLbl>
+  <dgm:styleLbl name="asst0">
+    <dgm:fillClrLst meth="repeat">
+      <a:schemeClr val="accent1"/>
+    </dgm:fillClrLst>
+    <dgm:linClrLst meth="repeat">
+      <a:schemeClr val="lt1"/>
+    </dgm:linClrLst>
+    <dgm:effectClrLst/>
+    <dgm:txLinClrLst/>
+    <dgm:txFillClrLst/>
+    <dgm:txEffectClrLst/>
+  </dgm:styleLbl>
+  <dgm:styleLbl name="asst1">
+    <dgm:fillClrLst meth="repeat">
+      <a:schemeClr val="accent1"/>
+    </dgm:fillClrLst>
+    <dgm:linClrLst meth="repeat">
+      <a:schemeClr val="lt1"/>
+    </dgm:linClrLst>
+    <dgm:effectClrLst/>
+    <dgm:txLinClrLst/>
+    <dgm:txFillClrLst/>
+    <dgm:txEffectClrLst/>
+  </dgm:styleLbl>
+  <dgm:styleLbl name="asst2">
+    <dgm:fillClrLst meth="repeat">
+      <a:schemeClr val="accent1"/>
+    </dgm:fillClrLst>
+    <dgm:linClrLst meth="repeat">
+      <a:schemeClr val="lt1"/>
+    </dgm:linClrLst>
+    <dgm:effectClrLst/>
+    <dgm:txLinClrLst/>
+    <dgm:txFillClrLst/>
+    <dgm:txEffectClrLst/>
+  </dgm:styleLbl>
+  <dgm:styleLbl name="asst3">
+    <dgm:fillClrLst meth="repeat">
+      <a:schemeClr val="accent1"/>
+    </dgm:fillClrLst>
+    <dgm:linClrLst meth="repeat">
+      <a:schemeClr val="lt1"/>
+    </dgm:linClrLst>
+    <dgm:effectClrLst/>
+    <dgm:txLinClrLst/>
+    <dgm:txFillClrLst/>
+    <dgm:txEffectClrLst/>
+  </dgm:styleLbl>
+  <dgm:styleLbl name="asst4">
+    <dgm:fillClrLst meth="repeat">
+      <a:schemeClr val="accent1"/>
+    </dgm:fillClrLst>
+    <dgm:linClrLst meth="repeat">
+      <a:schemeClr val="lt1"/>
+    </dgm:linClrLst>
+    <dgm:effectClrLst/>
+    <dgm:txLinClrLst/>
+    <dgm:txFillClrLst/>
+    <dgm:txEffectClrLst/>
+  </dgm:styleLbl>
+  <dgm:styleLbl name="parChTrans2D1">
+    <dgm:fillClrLst meth="repeat">
+      <a:schemeClr val="accent1">
+        <a:tint val="60000"/>
+      </a:schemeClr>
+    </dgm:fillClrLst>
+    <dgm:linClrLst meth="repeat">
+      <a:schemeClr val="accent1">
+        <a:tint val="60000"/>
+      </a:schemeClr>
+    </dgm:linClrLst>
+    <dgm:effectClrLst/>
+    <dgm:txLinClrLst/>
+    <dgm:txFillClrLst meth="repeat">
+      <a:schemeClr val="lt1"/>
+    </dgm:txFillClrLst>
+    <dgm:txEffectClrLst/>
+  </dgm:styleLbl>
+  <dgm:styleLbl name="parChTrans2D2">
+    <dgm:fillClrLst meth="repeat">
+      <a:schemeClr val="accent1"/>
+    </dgm:fillClrLst>
+    <dgm:linClrLst meth="repeat">
+      <a:schemeClr val="accent1"/>
+    </dgm:linClrLst>
+    <dgm:effectClrLst/>
+    <dgm:txLinClrLst/>
+    <dgm:txFillClrLst meth="repeat">
+      <a:schemeClr val="lt1"/>
+    </dgm:txFillClrLst>
+    <dgm:txEffectClrLst/>
+  </dgm:styleLbl>
+  <dgm:styleLbl name="parChTrans2D3">
+    <dgm:fillClrLst meth="repeat">
+      <a:schemeClr val="accent1"/>
+    </dgm:fillClrLst>
+    <dgm:linClrLst meth="repeat">
+      <a:schemeClr val="accent1"/>
+    </dgm:linClrLst>
+    <dgm:effectClrLst/>
+    <dgm:txLinClrLst/>
+    <dgm:txFillClrLst meth="repeat">
+      <a:schemeClr val="lt1"/>
+    </dgm:txFillClrLst>
+    <dgm:txEffectClrLst/>
+  </dgm:styleLbl>
+  <dgm:styleLbl name="parChTrans2D4">
+    <dgm:fillClrLst meth="repeat">
+      <a:schemeClr val="accent1"/>
+    </dgm:fillClrLst>
+    <dgm:linClrLst meth="repeat">
+      <a:schemeClr val="accent1"/>
+    </dgm:linClrLst>
+    <dgm:effectClrLst/>
+    <dgm:txLinClrLst/>
+    <dgm:txFillClrLst meth="repeat">
+      <a:schemeClr val="lt1"/>
+    </dgm:txFillClrLst>
+    <dgm:txEffectClrLst/>
+  </dgm:styleLbl>
+  <dgm:styleLbl name="parChTrans1D1">
+    <dgm:fillClrLst meth="repeat">
+      <a:schemeClr val="accent1"/>
+    </dgm:fillClrLst>
+    <dgm:linClrLst meth="repeat">
+      <a:schemeClr val="accent1">
+        <a:shade val="60000"/>
+      </a:schemeClr>
+    </dgm:linClrLst>
+    <dgm:effectClrLst/>
+    <dgm:txLinClrLst/>
+    <dgm:txFillClrLst meth="repeat">
+      <a:schemeClr val="tx1"/>
+    </dgm:txFillClrLst>
+    <dgm:txEffectClrLst/>
+  </dgm:styleLbl>
+  <dgm:styleLbl name="parChTrans1D2">
+    <dgm:fillClrLst meth="repeat">
+      <a:schemeClr val="accent1"/>
+    </dgm:fillClrLst>
+    <dgm:linClrLst meth="repeat">
+      <a:schemeClr val="accent1">
+        <a:shade val="60000"/>
+      </a:schemeClr>
+    </dgm:linClrLst>
+    <dgm:effectClrLst/>
+    <dgm:txLinClrLst/>
+    <dgm:txFillClrLst meth="repeat">
+      <a:schemeClr val="tx1"/>
+    </dgm:txFillClrLst>
+    <dgm:txEffectClrLst/>
+  </dgm:styleLbl>
+  <dgm:styleLbl name="parChTrans1D3">
+    <dgm:fillClrLst meth="repeat">
+      <a:schemeClr val="accent1"/>
+    </dgm:fillClrLst>
+    <dgm:linClrLst meth="repeat">
+      <a:schemeClr val="accent1">
+        <a:shade val="80000"/>
+      </a:schemeClr>
+    </dgm:linClrLst>
+    <dgm:effectClrLst/>
+    <dgm:txLinClrLst/>
+    <dgm:txFillClrLst meth="repeat">
+      <a:schemeClr val="tx1"/>
+    </dgm:txFillClrLst>
+    <dgm:txEffectClrLst/>
+  </dgm:styleLbl>
+  <dgm:styleLbl name="parChTrans1D4">
+    <dgm:fillClrLst meth="repeat">
+      <a:schemeClr val="accent1"/>
+    </dgm:fillClrLst>
+    <dgm:linClrLst meth="repeat">
+      <a:schemeClr val="accent1">
+        <a:shade val="80000"/>
+      </a:schemeClr>
+    </dgm:linClrLst>
+    <dgm:effectClrLst/>
+    <dgm:txLinClrLst/>
+    <dgm:txFillClrLst meth="repeat">
+      <a:schemeClr val="tx1"/>
+    </dgm:txFillClrLst>
+    <dgm:txEffectClrLst/>
+  </dgm:styleLbl>
+  <dgm:styleLbl name="fgAcc1">
+    <dgm:fillClrLst meth="repeat">
+      <a:schemeClr val="lt1">
+        <a:alpha val="90000"/>
+      </a:schemeClr>
+    </dgm:fillClrLst>
+    <dgm:linClrLst meth="repeat">
+      <a:schemeClr val="accent1"/>
+    </dgm:linClrLst>
+    <dgm:effectClrLst/>
+    <dgm:txLinClrLst/>
+    <dgm:txFillClrLst meth="repeat">
+      <a:schemeClr val="dk1"/>
+    </dgm:txFillClrLst>
+    <dgm:txEffectClrLst/>
+  </dgm:styleLbl>
+  <dgm:styleLbl name="conFgAcc1">
+    <dgm:fillClrLst meth="repeat">
+      <a:schemeClr val="lt1">
+        <a:alpha val="90000"/>
+      </a:schemeClr>
+    </dgm:fillClrLst>
+    <dgm:linClrLst meth="repeat">
+      <a:schemeClr val="accent1"/>
+    </dgm:linClrLst>
+    <dgm:effectClrLst/>
+    <dgm:txLinClrLst/>
+    <dgm:txFillClrLst meth="repeat">
+      <a:schemeClr val="dk1"/>
+    </dgm:txFillClrLst>
+    <dgm:txEffectClrLst/>
+  </dgm:styleLbl>
+  <dgm:styleLbl name="alignAcc1">
+    <dgm:fillClrLst meth="repeat">
+      <a:schemeClr val="lt1">
+        <a:alpha val="90000"/>
+      </a:schemeClr>
+    </dgm:fillClrLst>
+    <dgm:linClrLst meth="repeat">
+      <a:schemeClr val="accent1"/>
+    </dgm:linClrLst>
+    <dgm:effectClrLst/>
+    <dgm:txLinClrLst/>
+    <dgm:txFillClrLst meth="repeat">
+      <a:schemeClr val="dk1"/>
+    </dgm:txFillClrLst>
+    <dgm:txEffectClrLst/>
+  </dgm:styleLbl>
+  <dgm:styleLbl name="trAlignAcc1">
+    <dgm:fillClrLst meth="repeat">
+      <a:schemeClr val="lt1">
+        <a:alpha val="40000"/>
+      </a:schemeClr>
+    </dgm:fillClrLst>
+    <dgm:linClrLst meth="repeat">
+      <a:schemeClr val="accent1"/>
+    </dgm:linClrLst>
+    <dgm:effectClrLst/>
+    <dgm:txLinClrLst/>
+    <dgm:txFillClrLst meth="repeat">
+      <a:schemeClr val="dk1"/>
+    </dgm:txFillClrLst>
+    <dgm:txEffectClrLst/>
+  </dgm:styleLbl>
+  <dgm:styleLbl name="bgAcc1">
+    <dgm:fillClrLst meth="repeat">
+      <a:schemeClr val="lt1">
+        <a:alpha val="90000"/>
+      </a:schemeClr>
+    </dgm:fillClrLst>
+    <dgm:linClrLst meth="repeat">
+      <a:schemeClr val="accent1"/>
+    </dgm:linClrLst>
+    <dgm:effectClrLst/>
+    <dgm:txLinClrLst/>
+    <dgm:txFillClrLst meth="repeat">
+      <a:schemeClr val="dk1"/>
+    </dgm:txFillClrLst>
+    <dgm:txEffectClrLst/>
+  </dgm:styleLbl>
+  <dgm:styleLbl name="solidFgAcc1">
+    <dgm:fillClrLst meth="repeat">
+      <a:schemeClr val="lt1"/>
+    </dgm:fillClrLst>
+    <dgm:linClrLst meth="repeat">
+      <a:schemeClr val="accent1"/>
+    </dgm:linClrLst>
+    <dgm:effectClrLst/>
+    <dgm:txLinClrLst/>
+    <dgm:txFillClrLst meth="repeat">
+      <a:schemeClr val="dk1"/>
+    </dgm:txFillClrLst>
+    <dgm:txEffectClrLst/>
+  </dgm:styleLbl>
+  <dgm:styleLbl name="solidAlignAcc1">
+    <dgm:fillClrLst meth="repeat">
+      <a:schemeClr val="lt1"/>
+    </dgm:fillClrLst>
+    <dgm:linClrLst meth="repeat">
+      <a:schemeClr val="accent1"/>
+    </dgm:linClrLst>
+    <dgm:effectClrLst/>
+    <dgm:txLinClrLst/>
+    <dgm:txFillClrLst meth="repeat">
+      <a:schemeClr val="dk1"/>
+    </dgm:txFillClrLst>
+    <dgm:txEffectClrLst/>
+  </dgm:styleLbl>
+  <dgm:styleLbl name="solidBgAcc1">
+    <dgm:fillClrLst meth="repeat">
+      <a:schemeClr val="lt1"/>
+    </dgm:fillClrLst>
+    <dgm:linClrLst meth="repeat">
+      <a:schemeClr val="accent1"/>
+    </dgm:linClrLst>
+    <dgm:effectClrLst/>
+    <dgm:txLinClrLst/>
+    <dgm:txFillClrLst meth="repeat">
+      <a:schemeClr val="dk1"/>
+    </dgm:txFillClrLst>
+    <dgm:txEffectClrLst/>
+  </dgm:styleLbl>
+  <dgm:styleLbl name="fgAccFollowNode1">
+    <dgm:fillClrLst meth="repeat">
+      <a:schemeClr val="accent1">
+        <a:alpha val="90000"/>
+        <a:tint val="40000"/>
+      </a:schemeClr>
+    </dgm:fillClrLst>
+    <dgm:linClrLst meth="repeat">
+      <a:schemeClr val="accent1">
+        <a:alpha val="90000"/>
+        <a:tint val="40000"/>
+      </a:schemeClr>
+    </dgm:linClrLst>
+    <dgm:effectClrLst/>
+    <dgm:txLinClrLst/>
+    <dgm:txFillClrLst meth="repeat">
+      <a:schemeClr val="dk1"/>
+    </dgm:txFillClrLst>
+    <dgm:txEffectClrLst/>
+  </dgm:styleLbl>
+  <dgm:styleLbl name="alignAccFollowNode1">
+    <dgm:fillClrLst meth="repeat">
+      <a:schemeClr val="accent1">
+        <a:alpha val="90000"/>
+        <a:tint val="40000"/>
+      </a:schemeClr>
+    </dgm:fillClrLst>
+    <dgm:linClrLst meth="repeat">
+      <a:schemeClr val="accent1">
+        <a:alpha val="90000"/>
+        <a:tint val="40000"/>
+      </a:schemeClr>
+    </dgm:linClrLst>
+    <dgm:effectClrLst/>
+    <dgm:txLinClrLst/>
+    <dgm:txFillClrLst meth="repeat">
+      <a:schemeClr val="dk1"/>
+    </dgm:txFillClrLst>
+    <dgm:txEffectClrLst/>
+  </dgm:styleLbl>
+  <dgm:styleLbl name="bgAccFollowNode1">
+    <dgm:fillClrLst meth="repeat">
+      <a:schemeClr val="accent1">
+        <a:alpha val="90000"/>
+        <a:tint val="40000"/>
+      </a:schemeClr>
+    </dgm:fillClrLst>
+    <dgm:linClrLst meth="repeat">
+      <a:schemeClr val="accent1">
+        <a:alpha val="90000"/>
+        <a:tint val="40000"/>
+      </a:schemeClr>
+    </dgm:linClrLst>
+    <dgm:effectClrLst/>
+    <dgm:txLinClrLst/>
+    <dgm:txFillClrLst meth="repeat">
+      <a:schemeClr val="dk1"/>
+    </dgm:txFillClrLst>
+    <dgm:txEffectClrLst/>
+  </dgm:styleLbl>
+  <dgm:styleLbl name="fgAcc0">
+    <dgm:fillClrLst meth="repeat">
+      <a:schemeClr val="lt1">
+        <a:alpha val="90000"/>
+      </a:schemeClr>
+    </dgm:fillClrLst>
+    <dgm:linClrLst meth="repeat">
+      <a:schemeClr val="accent1"/>
+    </dgm:linClrLst>
+    <dgm:effectClrLst/>
+    <dgm:txLinClrLst/>
+    <dgm:txFillClrLst meth="repeat">
+      <a:schemeClr val="dk1"/>
+    </dgm:txFillClrLst>
+    <dgm:txEffectClrLst/>
+  </dgm:styleLbl>
+  <dgm:styleLbl name="fgAcc2">
+    <dgm:fillClrLst meth="repeat">
+      <a:schemeClr val="lt1">
+        <a:alpha val="90000"/>
+      </a:schemeClr>
+    </dgm:fillClrLst>
+    <dgm:linClrLst meth="repeat">
+      <a:schemeClr val="accent1"/>
+    </dgm:linClrLst>
+    <dgm:effectClrLst/>
+    <dgm:txLinClrLst/>
+    <dgm:txFillClrLst meth="repeat">
+      <a:schemeClr val="dk1"/>
+    </dgm:txFillClrLst>
+    <dgm:txEffectClrLst/>
+  </dgm:styleLbl>
+  <dgm:styleLbl name="fgAcc3">
+    <dgm:fillClrLst meth="repeat">
+      <a:schemeClr val="lt1">
+        <a:alpha val="90000"/>
+      </a:schemeClr>
+    </dgm:fillClrLst>
+    <dgm:linClrLst meth="repeat">
+      <a:schemeClr val="accent1"/>
+    </dgm:linClrLst>
+    <dgm:effectClrLst/>
+    <dgm:txLinClrLst/>
+    <dgm:txFillClrLst meth="repeat">
+      <a:schemeClr val="dk1"/>
+    </dgm:txFillClrLst>
+    <dgm:txEffectClrLst/>
+  </dgm:styleLbl>
+  <dgm:styleLbl name="fgAcc4">
+    <dgm:fillClrLst meth="repeat">
+      <a:schemeClr val="lt1">
+        <a:alpha val="90000"/>
+      </a:schemeClr>
+    </dgm:fillClrLst>
+    <dgm:linClrLst meth="repeat">
+      <a:schemeClr val="accent1"/>
+    </dgm:linClrLst>
+    <dgm:effectClrLst/>
+    <dgm:txLinClrLst/>
+    <dgm:txFillClrLst meth="repeat">
+      <a:schemeClr val="dk1"/>
+    </dgm:txFillClrLst>
+    <dgm:txEffectClrLst/>
+  </dgm:styleLbl>
+  <dgm:styleLbl name="bgShp">
+    <dgm:fillClrLst meth="repeat">
+      <a:schemeClr val="accent1">
+        <a:tint val="40000"/>
+      </a:schemeClr>
+    </dgm:fillClrLst>
+    <dgm:linClrLst meth="repeat">
+      <a:schemeClr val="accent1"/>
+    </dgm:linClrLst>
+    <dgm:effectClrLst/>
+    <dgm:txLinClrLst/>
+    <dgm:txFillClrLst meth="repeat">
+      <a:schemeClr val="dk1"/>
+    </dgm:txFillClrLst>
+    <dgm:txEffectClrLst/>
+  </dgm:styleLbl>
+  <dgm:styleLbl name="dkBgShp">
+    <dgm:fillClrLst meth="repeat">
+      <a:schemeClr val="accent1">
+        <a:shade val="80000"/>
+      </a:schemeClr>
+    </dgm:fillClrLst>
+    <dgm:linClrLst meth="repeat">
+      <a:schemeClr val="accent1"/>
+    </dgm:linClrLst>
+    <dgm:effectClrLst/>
+    <dgm:txLinClrLst/>
+    <dgm:txFillClrLst meth="repeat">
+      <a:schemeClr val="lt1"/>
+    </dgm:txFillClrLst>
+    <dgm:txEffectClrLst/>
+  </dgm:styleLbl>
+  <dgm:styleLbl name="trBgShp">
+    <dgm:fillClrLst meth="repeat">
+      <a:schemeClr val="accent1">
+        <a:tint val="50000"/>
+        <a:alpha val="40000"/>
+      </a:schemeClr>
+    </dgm:fillClrLst>
+    <dgm:linClrLst meth="repeat">
+      <a:schemeClr val="accent1"/>
+    </dgm:linClrLst>
+    <dgm:effectClrLst/>
+    <dgm:txLinClrLst/>
+    <dgm:txFillClrLst meth="repeat">
+      <a:schemeClr val="lt1"/>
+    </dgm:txFillClrLst>
+    <dgm:txEffectClrLst/>
+  </dgm:styleLbl>
+  <dgm:styleLbl name="fgShp">
+    <dgm:fillClrLst meth="repeat">
+      <a:schemeClr val="accent1">
+        <a:tint val="60000"/>
+      </a:schemeClr>
+    </dgm:fillClrLst>
+    <dgm:linClrLst meth="repeat">
+      <a:schemeClr val="lt1"/>
+    </dgm:linClrLst>
+    <dgm:effectClrLst/>
+    <dgm:txLinClrLst/>
+    <dgm:txFillClrLst meth="repeat">
+      <a:schemeClr val="dk1"/>
+    </dgm:txFillClrLst>
+    <dgm:txEffectClrLst/>
+  </dgm:styleLbl>
+  <dgm:styleLbl name="revTx">
+    <dgm:fillClrLst meth="repeat">
+      <a:schemeClr val="lt1">
+        <a:alpha val="0"/>
+      </a:schemeClr>
+    </dgm:fillClrLst>
+    <dgm:linClrLst meth="repeat">
+      <a:schemeClr val="dk1">
+        <a:alpha val="0"/>
+      </a:schemeClr>
+    </dgm:linClrLst>
+    <dgm:effectClrLst/>
+    <dgm:txLinClrLst/>
+    <dgm:txFillClrLst meth="repeat">
+      <a:schemeClr val="tx1"/>
+    </dgm:txFillClrLst>
+    <dgm:txEffectClrLst/>
+  </dgm:styleLbl>
+</dgm:colorsDef>
+</file>
+
 <file path=ppt/diagrams/data1.xml><?xml version="1.0" encoding="utf-8"?>
 <dgm:dataModel xmlns:dgm="http://schemas.openxmlformats.org/drawingml/2006/diagram" xmlns:a="http://schemas.openxmlformats.org/drawingml/2006/main">
   <dgm:ptLst>
@@ -2160,6 +2913,273 @@
     <dgm:cxn modelId="{5CDE5796-2A65-45D1-9D75-028B3F78DB84}" type="presParOf" srcId="{8F5F2D4D-299E-4368-9E2F-EB0D377154A9}" destId="{8B506BA3-7AFD-42F1-9FDB-09E2D28CD1B3}" srcOrd="1" destOrd="0" presId="urn:microsoft.com/office/officeart/2005/8/layout/list1"/>
     <dgm:cxn modelId="{D9950C2E-531B-477E-B443-3EA9A65D90DF}" type="presParOf" srcId="{1B69445C-FCCA-4F08-B434-D39670A1E09E}" destId="{E5E1930F-C89B-486E-A68F-68D6B2B145A7}" srcOrd="5" destOrd="0" presId="urn:microsoft.com/office/officeart/2005/8/layout/list1"/>
     <dgm:cxn modelId="{BBF33A95-AAEA-41CF-B9CB-328B30C0E491}" type="presParOf" srcId="{1B69445C-FCCA-4F08-B434-D39670A1E09E}" destId="{E84E58D1-4F0C-4C14-A211-6757851BEED2}" srcOrd="6" destOrd="0" presId="urn:microsoft.com/office/officeart/2005/8/layout/list1"/>
+  </dgm:cxnLst>
+  <dgm:bg/>
+  <dgm:whole/>
+  <dgm:extLst>
+    <a:ext uri="http://schemas.microsoft.com/office/drawing/2008/diagram">
+      <dsp:dataModelExt xmlns:dsp="http://schemas.microsoft.com/office/drawing/2008/diagram" relId="rId7" minVer="http://schemas.openxmlformats.org/drawingml/2006/diagram"/>
+    </a:ext>
+  </dgm:extLst>
+</dgm:dataModel>
+</file>
+
+<file path=ppt/diagrams/data3.xml><?xml version="1.0" encoding="utf-8"?>
+<dgm:dataModel xmlns:dgm="http://schemas.openxmlformats.org/drawingml/2006/diagram" xmlns:a="http://schemas.openxmlformats.org/drawingml/2006/main">
+  <dgm:ptLst>
+    <dgm:pt modelId="{ABC2DE46-02AA-4737-AB6E-91FE447F5FE7}" type="doc">
+      <dgm:prSet loTypeId="urn:microsoft.com/office/officeart/2005/8/layout/list1" loCatId="list" qsTypeId="urn:microsoft.com/office/officeart/2005/8/quickstyle/3d1" qsCatId="3D" csTypeId="urn:microsoft.com/office/officeart/2005/8/colors/accent1_2" csCatId="accent1" phldr="1"/>
+      <dgm:spPr/>
+      <dgm:t>
+        <a:bodyPr/>
+        <a:lstStyle/>
+        <a:p>
+          <a:endParaRPr lang="zh-CN" altLang="en-US"/>
+        </a:p>
+      </dgm:t>
+    </dgm:pt>
+    <dgm:pt modelId="{797A4663-96A2-4063-8ABD-89192B29F7A9}">
+      <dgm:prSet phldrT="[文本]"/>
+      <dgm:spPr/>
+      <dgm:t>
+        <a:bodyPr/>
+        <a:lstStyle/>
+        <a:p>
+          <a:r>
+            <a:rPr lang="zh-CN" altLang="en-US" dirty="0"/>
+            <a:t>一、智能体的定义</a:t>
+          </a:r>
+        </a:p>
+      </dgm:t>
+    </dgm:pt>
+    <dgm:pt modelId="{086B800B-D6DB-45B8-AA14-E0EA87735C2A}" type="parTrans" cxnId="{757DF814-FA37-40D0-A582-489F6463035E}">
+      <dgm:prSet/>
+      <dgm:spPr/>
+      <dgm:t>
+        <a:bodyPr/>
+        <a:lstStyle/>
+        <a:p>
+          <a:endParaRPr lang="zh-CN" altLang="en-US"/>
+        </a:p>
+      </dgm:t>
+    </dgm:pt>
+    <dgm:pt modelId="{FEBCD7B5-5350-48A7-A681-4E1CCAAE9B19}" type="sibTrans" cxnId="{757DF814-FA37-40D0-A582-489F6463035E}">
+      <dgm:prSet/>
+      <dgm:spPr/>
+      <dgm:t>
+        <a:bodyPr/>
+        <a:lstStyle/>
+        <a:p>
+          <a:endParaRPr lang="zh-CN" altLang="en-US"/>
+        </a:p>
+      </dgm:t>
+    </dgm:pt>
+    <dgm:pt modelId="{7EB70560-E84F-4600-8EDA-263E05D5F32E}">
+      <dgm:prSet phldrT="[文本]"/>
+      <dgm:spPr/>
+      <dgm:t>
+        <a:bodyPr/>
+        <a:lstStyle/>
+        <a:p>
+          <a:r>
+            <a:rPr lang="zh-CN" altLang="en-US" dirty="0"/>
+            <a:t>二、如何与现实交互？</a:t>
+          </a:r>
+        </a:p>
+      </dgm:t>
+    </dgm:pt>
+    <dgm:pt modelId="{59D1B7E7-FED7-473B-B440-EAA33F2637C0}" type="parTrans" cxnId="{609AFEB7-A9C4-44BD-A0F1-85D7D4C190E7}">
+      <dgm:prSet/>
+      <dgm:spPr/>
+      <dgm:t>
+        <a:bodyPr/>
+        <a:lstStyle/>
+        <a:p>
+          <a:endParaRPr lang="zh-CN" altLang="en-US"/>
+        </a:p>
+      </dgm:t>
+    </dgm:pt>
+    <dgm:pt modelId="{AEE909C5-94DD-48E5-8553-C9AC949556F4}" type="sibTrans" cxnId="{609AFEB7-A9C4-44BD-A0F1-85D7D4C190E7}">
+      <dgm:prSet/>
+      <dgm:spPr/>
+      <dgm:t>
+        <a:bodyPr/>
+        <a:lstStyle/>
+        <a:p>
+          <a:endParaRPr lang="zh-CN" altLang="en-US"/>
+        </a:p>
+      </dgm:t>
+    </dgm:pt>
+    <dgm:pt modelId="{34DA137C-27B2-4A70-8F7C-650A9F58E1A0}">
+      <dgm:prSet phldrT="[文本]"/>
+      <dgm:spPr/>
+      <dgm:t>
+        <a:bodyPr/>
+        <a:lstStyle/>
+        <a:p>
+          <a:r>
+            <a:rPr lang="zh-CN" altLang="en-US" dirty="0"/>
+            <a:t>三、如何完成复杂任务？</a:t>
+          </a:r>
+        </a:p>
+      </dgm:t>
+    </dgm:pt>
+    <dgm:pt modelId="{961E3D25-A3A9-41CA-B497-D628ACC32563}" type="parTrans" cxnId="{9495CF28-CE8B-4509-81F3-B4C6DC9ECEC6}">
+      <dgm:prSet/>
+      <dgm:spPr/>
+      <dgm:t>
+        <a:bodyPr/>
+        <a:lstStyle/>
+        <a:p>
+          <a:endParaRPr lang="zh-CN" altLang="en-US"/>
+        </a:p>
+      </dgm:t>
+    </dgm:pt>
+    <dgm:pt modelId="{7820793F-69FD-4452-84FA-D684C134962D}" type="sibTrans" cxnId="{9495CF28-CE8B-4509-81F3-B4C6DC9ECEC6}">
+      <dgm:prSet/>
+      <dgm:spPr/>
+      <dgm:t>
+        <a:bodyPr/>
+        <a:lstStyle/>
+        <a:p>
+          <a:endParaRPr lang="zh-CN" altLang="en-US"/>
+        </a:p>
+      </dgm:t>
+    </dgm:pt>
+    <dgm:pt modelId="{1B69445C-FCCA-4F08-B434-D39670A1E09E}" type="pres">
+      <dgm:prSet presAssocID="{ABC2DE46-02AA-4737-AB6E-91FE447F5FE7}" presName="linear" presStyleCnt="0">
+        <dgm:presLayoutVars>
+          <dgm:dir/>
+          <dgm:animLvl val="lvl"/>
+          <dgm:resizeHandles val="exact"/>
+        </dgm:presLayoutVars>
+      </dgm:prSet>
+      <dgm:spPr/>
+    </dgm:pt>
+    <dgm:pt modelId="{F88EAE5D-6843-4A0A-A6B3-4EDD046AF0BD}" type="pres">
+      <dgm:prSet presAssocID="{797A4663-96A2-4063-8ABD-89192B29F7A9}" presName="parentLin" presStyleCnt="0"/>
+      <dgm:spPr/>
+    </dgm:pt>
+    <dgm:pt modelId="{1A140897-50D6-40FE-9F26-98E5C7F3814B}" type="pres">
+      <dgm:prSet presAssocID="{797A4663-96A2-4063-8ABD-89192B29F7A9}" presName="parentLeftMargin" presStyleLbl="node1" presStyleIdx="0" presStyleCnt="3"/>
+      <dgm:spPr/>
+    </dgm:pt>
+    <dgm:pt modelId="{DDD969E0-2058-4643-8E47-93160C0DD783}" type="pres">
+      <dgm:prSet presAssocID="{797A4663-96A2-4063-8ABD-89192B29F7A9}" presName="parentText" presStyleLbl="node1" presStyleIdx="0" presStyleCnt="3">
+        <dgm:presLayoutVars>
+          <dgm:chMax val="0"/>
+          <dgm:bulletEnabled val="1"/>
+        </dgm:presLayoutVars>
+      </dgm:prSet>
+      <dgm:spPr/>
+    </dgm:pt>
+    <dgm:pt modelId="{E9E35FA9-5957-47D1-B093-F7D4FF100528}" type="pres">
+      <dgm:prSet presAssocID="{797A4663-96A2-4063-8ABD-89192B29F7A9}" presName="negativeSpace" presStyleCnt="0"/>
+      <dgm:spPr/>
+    </dgm:pt>
+    <dgm:pt modelId="{2D0CB04D-5CB6-4815-854A-40ACE4626BC0}" type="pres">
+      <dgm:prSet presAssocID="{797A4663-96A2-4063-8ABD-89192B29F7A9}" presName="childText" presStyleLbl="conFgAcc1" presStyleIdx="0" presStyleCnt="3">
+        <dgm:presLayoutVars>
+          <dgm:bulletEnabled val="1"/>
+        </dgm:presLayoutVars>
+      </dgm:prSet>
+      <dgm:spPr/>
+    </dgm:pt>
+    <dgm:pt modelId="{F452586C-6E1D-4A76-965F-375C2A7CE2A3}" type="pres">
+      <dgm:prSet presAssocID="{FEBCD7B5-5350-48A7-A681-4E1CCAAE9B19}" presName="spaceBetweenRectangles" presStyleCnt="0"/>
+      <dgm:spPr/>
+    </dgm:pt>
+    <dgm:pt modelId="{8F5F2D4D-299E-4368-9E2F-EB0D377154A9}" type="pres">
+      <dgm:prSet presAssocID="{7EB70560-E84F-4600-8EDA-263E05D5F32E}" presName="parentLin" presStyleCnt="0"/>
+      <dgm:spPr/>
+    </dgm:pt>
+    <dgm:pt modelId="{13D58B28-9F17-4705-9BF3-DE18DE000FE7}" type="pres">
+      <dgm:prSet presAssocID="{7EB70560-E84F-4600-8EDA-263E05D5F32E}" presName="parentLeftMargin" presStyleLbl="node1" presStyleIdx="0" presStyleCnt="3"/>
+      <dgm:spPr/>
+    </dgm:pt>
+    <dgm:pt modelId="{8B506BA3-7AFD-42F1-9FDB-09E2D28CD1B3}" type="pres">
+      <dgm:prSet presAssocID="{7EB70560-E84F-4600-8EDA-263E05D5F32E}" presName="parentText" presStyleLbl="node1" presStyleIdx="1" presStyleCnt="3">
+        <dgm:presLayoutVars>
+          <dgm:chMax val="0"/>
+          <dgm:bulletEnabled val="1"/>
+        </dgm:presLayoutVars>
+      </dgm:prSet>
+      <dgm:spPr/>
+    </dgm:pt>
+    <dgm:pt modelId="{E5E1930F-C89B-486E-A68F-68D6B2B145A7}" type="pres">
+      <dgm:prSet presAssocID="{7EB70560-E84F-4600-8EDA-263E05D5F32E}" presName="negativeSpace" presStyleCnt="0"/>
+      <dgm:spPr/>
+    </dgm:pt>
+    <dgm:pt modelId="{E84E58D1-4F0C-4C14-A211-6757851BEED2}" type="pres">
+      <dgm:prSet presAssocID="{7EB70560-E84F-4600-8EDA-263E05D5F32E}" presName="childText" presStyleLbl="conFgAcc1" presStyleIdx="1" presStyleCnt="3">
+        <dgm:presLayoutVars>
+          <dgm:bulletEnabled val="1"/>
+        </dgm:presLayoutVars>
+      </dgm:prSet>
+      <dgm:spPr/>
+    </dgm:pt>
+    <dgm:pt modelId="{B5800A3A-16C1-4674-9FD6-F5D89E0FD523}" type="pres">
+      <dgm:prSet presAssocID="{AEE909C5-94DD-48E5-8553-C9AC949556F4}" presName="spaceBetweenRectangles" presStyleCnt="0"/>
+      <dgm:spPr/>
+    </dgm:pt>
+    <dgm:pt modelId="{21C3668E-6BA8-4926-B42D-C73D34F34E43}" type="pres">
+      <dgm:prSet presAssocID="{34DA137C-27B2-4A70-8F7C-650A9F58E1A0}" presName="parentLin" presStyleCnt="0"/>
+      <dgm:spPr/>
+    </dgm:pt>
+    <dgm:pt modelId="{884A413B-24D2-4E1A-9ABE-318356860437}" type="pres">
+      <dgm:prSet presAssocID="{34DA137C-27B2-4A70-8F7C-650A9F58E1A0}" presName="parentLeftMargin" presStyleLbl="node1" presStyleIdx="1" presStyleCnt="3"/>
+      <dgm:spPr/>
+    </dgm:pt>
+    <dgm:pt modelId="{1F558355-42AC-4422-84BF-F1D42B9D39AE}" type="pres">
+      <dgm:prSet presAssocID="{34DA137C-27B2-4A70-8F7C-650A9F58E1A0}" presName="parentText" presStyleLbl="node1" presStyleIdx="2" presStyleCnt="3">
+        <dgm:presLayoutVars>
+          <dgm:chMax val="0"/>
+          <dgm:bulletEnabled val="1"/>
+        </dgm:presLayoutVars>
+      </dgm:prSet>
+      <dgm:spPr/>
+    </dgm:pt>
+    <dgm:pt modelId="{5546BDA8-01F8-434A-93C3-F7911BC3321B}" type="pres">
+      <dgm:prSet presAssocID="{34DA137C-27B2-4A70-8F7C-650A9F58E1A0}" presName="negativeSpace" presStyleCnt="0"/>
+      <dgm:spPr/>
+    </dgm:pt>
+    <dgm:pt modelId="{9588E1C3-02F9-4B12-9F69-6E6853F65AF8}" type="pres">
+      <dgm:prSet presAssocID="{34DA137C-27B2-4A70-8F7C-650A9F58E1A0}" presName="childText" presStyleLbl="conFgAcc1" presStyleIdx="2" presStyleCnt="3">
+        <dgm:presLayoutVars>
+          <dgm:bulletEnabled val="1"/>
+        </dgm:presLayoutVars>
+      </dgm:prSet>
+      <dgm:spPr/>
+    </dgm:pt>
+  </dgm:ptLst>
+  <dgm:cxnLst>
+    <dgm:cxn modelId="{757DF814-FA37-40D0-A582-489F6463035E}" srcId="{ABC2DE46-02AA-4737-AB6E-91FE447F5FE7}" destId="{797A4663-96A2-4063-8ABD-89192B29F7A9}" srcOrd="0" destOrd="0" parTransId="{086B800B-D6DB-45B8-AA14-E0EA87735C2A}" sibTransId="{FEBCD7B5-5350-48A7-A681-4E1CCAAE9B19}"/>
+    <dgm:cxn modelId="{9495CF28-CE8B-4509-81F3-B4C6DC9ECEC6}" srcId="{ABC2DE46-02AA-4737-AB6E-91FE447F5FE7}" destId="{34DA137C-27B2-4A70-8F7C-650A9F58E1A0}" srcOrd="2" destOrd="0" parTransId="{961E3D25-A3A9-41CA-B497-D628ACC32563}" sibTransId="{7820793F-69FD-4452-84FA-D684C134962D}"/>
+    <dgm:cxn modelId="{E2E6375A-2AAC-4AA7-908A-4A73BC6C592F}" type="presOf" srcId="{34DA137C-27B2-4A70-8F7C-650A9F58E1A0}" destId="{884A413B-24D2-4E1A-9ABE-318356860437}" srcOrd="0" destOrd="0" presId="urn:microsoft.com/office/officeart/2005/8/layout/list1"/>
+    <dgm:cxn modelId="{161DA5AA-1768-49ED-B279-59B9EFAC6FBE}" type="presOf" srcId="{7EB70560-E84F-4600-8EDA-263E05D5F32E}" destId="{8B506BA3-7AFD-42F1-9FDB-09E2D28CD1B3}" srcOrd="1" destOrd="0" presId="urn:microsoft.com/office/officeart/2005/8/layout/list1"/>
+    <dgm:cxn modelId="{609AFEB7-A9C4-44BD-A0F1-85D7D4C190E7}" srcId="{ABC2DE46-02AA-4737-AB6E-91FE447F5FE7}" destId="{7EB70560-E84F-4600-8EDA-263E05D5F32E}" srcOrd="1" destOrd="0" parTransId="{59D1B7E7-FED7-473B-B440-EAA33F2637C0}" sibTransId="{AEE909C5-94DD-48E5-8553-C9AC949556F4}"/>
+    <dgm:cxn modelId="{5E2033C4-0446-40A2-87A1-7299D85F1DDE}" type="presOf" srcId="{797A4663-96A2-4063-8ABD-89192B29F7A9}" destId="{1A140897-50D6-40FE-9F26-98E5C7F3814B}" srcOrd="0" destOrd="0" presId="urn:microsoft.com/office/officeart/2005/8/layout/list1"/>
+    <dgm:cxn modelId="{4A549FD5-02EE-4B82-B018-0BCAE1D082D2}" type="presOf" srcId="{7EB70560-E84F-4600-8EDA-263E05D5F32E}" destId="{13D58B28-9F17-4705-9BF3-DE18DE000FE7}" srcOrd="0" destOrd="0" presId="urn:microsoft.com/office/officeart/2005/8/layout/list1"/>
+    <dgm:cxn modelId="{98B228ED-076A-4703-8E2C-997D74A3E58F}" type="presOf" srcId="{ABC2DE46-02AA-4737-AB6E-91FE447F5FE7}" destId="{1B69445C-FCCA-4F08-B434-D39670A1E09E}" srcOrd="0" destOrd="0" presId="urn:microsoft.com/office/officeart/2005/8/layout/list1"/>
+    <dgm:cxn modelId="{2C4125F4-0048-4FA9-ABF2-D116D358A86D}" type="presOf" srcId="{34DA137C-27B2-4A70-8F7C-650A9F58E1A0}" destId="{1F558355-42AC-4422-84BF-F1D42B9D39AE}" srcOrd="1" destOrd="0" presId="urn:microsoft.com/office/officeart/2005/8/layout/list1"/>
+    <dgm:cxn modelId="{C9010EF7-C349-4D10-916D-DB0F395B1FAC}" type="presOf" srcId="{797A4663-96A2-4063-8ABD-89192B29F7A9}" destId="{DDD969E0-2058-4643-8E47-93160C0DD783}" srcOrd="1" destOrd="0" presId="urn:microsoft.com/office/officeart/2005/8/layout/list1"/>
+    <dgm:cxn modelId="{08881C67-244A-4B17-9CC7-07F983143532}" type="presParOf" srcId="{1B69445C-FCCA-4F08-B434-D39670A1E09E}" destId="{F88EAE5D-6843-4A0A-A6B3-4EDD046AF0BD}" srcOrd="0" destOrd="0" presId="urn:microsoft.com/office/officeart/2005/8/layout/list1"/>
+    <dgm:cxn modelId="{46F081E1-42D4-4D50-90F7-69A4682A6E83}" type="presParOf" srcId="{F88EAE5D-6843-4A0A-A6B3-4EDD046AF0BD}" destId="{1A140897-50D6-40FE-9F26-98E5C7F3814B}" srcOrd="0" destOrd="0" presId="urn:microsoft.com/office/officeart/2005/8/layout/list1"/>
+    <dgm:cxn modelId="{009D6C3D-9C61-415B-9BF9-999546F53352}" type="presParOf" srcId="{F88EAE5D-6843-4A0A-A6B3-4EDD046AF0BD}" destId="{DDD969E0-2058-4643-8E47-93160C0DD783}" srcOrd="1" destOrd="0" presId="urn:microsoft.com/office/officeart/2005/8/layout/list1"/>
+    <dgm:cxn modelId="{2A7D3C11-7D4E-4907-8C50-0A0FCE25A0BC}" type="presParOf" srcId="{1B69445C-FCCA-4F08-B434-D39670A1E09E}" destId="{E9E35FA9-5957-47D1-B093-F7D4FF100528}" srcOrd="1" destOrd="0" presId="urn:microsoft.com/office/officeart/2005/8/layout/list1"/>
+    <dgm:cxn modelId="{41B2F176-0F37-4374-AB74-2CC6526A62D0}" type="presParOf" srcId="{1B69445C-FCCA-4F08-B434-D39670A1E09E}" destId="{2D0CB04D-5CB6-4815-854A-40ACE4626BC0}" srcOrd="2" destOrd="0" presId="urn:microsoft.com/office/officeart/2005/8/layout/list1"/>
+    <dgm:cxn modelId="{17AD73AB-B1F0-48CA-A5D3-492CA01B302D}" type="presParOf" srcId="{1B69445C-FCCA-4F08-B434-D39670A1E09E}" destId="{F452586C-6E1D-4A76-965F-375C2A7CE2A3}" srcOrd="3" destOrd="0" presId="urn:microsoft.com/office/officeart/2005/8/layout/list1"/>
+    <dgm:cxn modelId="{0EB7AF84-7741-4675-A855-32DEECC73E50}" type="presParOf" srcId="{1B69445C-FCCA-4F08-B434-D39670A1E09E}" destId="{8F5F2D4D-299E-4368-9E2F-EB0D377154A9}" srcOrd="4" destOrd="0" presId="urn:microsoft.com/office/officeart/2005/8/layout/list1"/>
+    <dgm:cxn modelId="{C51134F4-5AFE-4F11-AA75-438AD37ECFEF}" type="presParOf" srcId="{8F5F2D4D-299E-4368-9E2F-EB0D377154A9}" destId="{13D58B28-9F17-4705-9BF3-DE18DE000FE7}" srcOrd="0" destOrd="0" presId="urn:microsoft.com/office/officeart/2005/8/layout/list1"/>
+    <dgm:cxn modelId="{5CDE5796-2A65-45D1-9D75-028B3F78DB84}" type="presParOf" srcId="{8F5F2D4D-299E-4368-9E2F-EB0D377154A9}" destId="{8B506BA3-7AFD-42F1-9FDB-09E2D28CD1B3}" srcOrd="1" destOrd="0" presId="urn:microsoft.com/office/officeart/2005/8/layout/list1"/>
+    <dgm:cxn modelId="{D9950C2E-531B-477E-B443-3EA9A65D90DF}" type="presParOf" srcId="{1B69445C-FCCA-4F08-B434-D39670A1E09E}" destId="{E5E1930F-C89B-486E-A68F-68D6B2B145A7}" srcOrd="5" destOrd="0" presId="urn:microsoft.com/office/officeart/2005/8/layout/list1"/>
+    <dgm:cxn modelId="{BBF33A95-AAEA-41CF-B9CB-328B30C0E491}" type="presParOf" srcId="{1B69445C-FCCA-4F08-B434-D39670A1E09E}" destId="{E84E58D1-4F0C-4C14-A211-6757851BEED2}" srcOrd="6" destOrd="0" presId="urn:microsoft.com/office/officeart/2005/8/layout/list1"/>
+    <dgm:cxn modelId="{C187A6F9-79FD-4AAE-8DDE-878B7D64DF96}" type="presParOf" srcId="{1B69445C-FCCA-4F08-B434-D39670A1E09E}" destId="{B5800A3A-16C1-4674-9FD6-F5D89E0FD523}" srcOrd="7" destOrd="0" presId="urn:microsoft.com/office/officeart/2005/8/layout/list1"/>
+    <dgm:cxn modelId="{6F7DA596-0605-4F93-97B8-AA877D1519E7}" type="presParOf" srcId="{1B69445C-FCCA-4F08-B434-D39670A1E09E}" destId="{21C3668E-6BA8-4926-B42D-C73D34F34E43}" srcOrd="8" destOrd="0" presId="urn:microsoft.com/office/officeart/2005/8/layout/list1"/>
+    <dgm:cxn modelId="{05D73F3A-9105-4E15-A985-59F6D0EBE598}" type="presParOf" srcId="{21C3668E-6BA8-4926-B42D-C73D34F34E43}" destId="{884A413B-24D2-4E1A-9ABE-318356860437}" srcOrd="0" destOrd="0" presId="urn:microsoft.com/office/officeart/2005/8/layout/list1"/>
+    <dgm:cxn modelId="{AB2F454B-64AB-4515-BB16-659B1B734B96}" type="presParOf" srcId="{21C3668E-6BA8-4926-B42D-C73D34F34E43}" destId="{1F558355-42AC-4422-84BF-F1D42B9D39AE}" srcOrd="1" destOrd="0" presId="urn:microsoft.com/office/officeart/2005/8/layout/list1"/>
+    <dgm:cxn modelId="{BCF26131-3773-4AC6-9D3D-39606C2BE5B0}" type="presParOf" srcId="{1B69445C-FCCA-4F08-B434-D39670A1E09E}" destId="{5546BDA8-01F8-434A-93C3-F7911BC3321B}" srcOrd="9" destOrd="0" presId="urn:microsoft.com/office/officeart/2005/8/layout/list1"/>
+    <dgm:cxn modelId="{84ECB127-06B7-40AD-A5A4-5A62A88B93FA}" type="presParOf" srcId="{1B69445C-FCCA-4F08-B434-D39670A1E09E}" destId="{9588E1C3-02F9-4B12-9F69-6E6853F65AF8}" srcOrd="10" destOrd="0" presId="urn:microsoft.com/office/officeart/2005/8/layout/list1"/>
   </dgm:cxnLst>
   <dgm:bg/>
   <dgm:whole/>
@@ -3050,6 +4070,531 @@
 </dsp:drawing>
 </file>
 
+<file path=ppt/diagrams/drawing3.xml><?xml version="1.0" encoding="utf-8"?>
+<dsp:drawing xmlns:dgm="http://schemas.openxmlformats.org/drawingml/2006/diagram" xmlns:dsp="http://schemas.microsoft.com/office/drawing/2008/diagram" xmlns:a="http://schemas.openxmlformats.org/drawingml/2006/main">
+  <dsp:spTree>
+    <dsp:nvGrpSpPr>
+      <dsp:cNvPr id="0" name=""/>
+      <dsp:cNvGrpSpPr/>
+    </dsp:nvGrpSpPr>
+    <dsp:grpSpPr/>
+    <dsp:sp modelId="{2D0CB04D-5CB6-4815-854A-40ACE4626BC0}">
+      <dsp:nvSpPr>
+        <dsp:cNvPr id="0" name=""/>
+        <dsp:cNvSpPr/>
+      </dsp:nvSpPr>
+      <dsp:spPr>
+        <a:xfrm>
+          <a:off x="0" y="583590"/>
+          <a:ext cx="7061907" cy="882000"/>
+        </a:xfrm>
+        <a:prstGeom prst="rect">
+          <a:avLst/>
+        </a:prstGeom>
+        <a:solidFill>
+          <a:schemeClr val="lt1">
+            <a:alpha val="90000"/>
+            <a:hueOff val="0"/>
+            <a:satOff val="0"/>
+            <a:lumOff val="0"/>
+            <a:alphaOff val="0"/>
+          </a:schemeClr>
+        </a:solidFill>
+        <a:ln w="10000" cap="flat" cmpd="sng" algn="ctr">
+          <a:solidFill>
+            <a:schemeClr val="accent1">
+              <a:hueOff val="0"/>
+              <a:satOff val="0"/>
+              <a:lumOff val="0"/>
+              <a:alphaOff val="0"/>
+            </a:schemeClr>
+          </a:solidFill>
+          <a:prstDash val="solid"/>
+        </a:ln>
+        <a:effectLst>
+          <a:outerShdw blurRad="38100" dist="25400" dir="5400000" rotWithShape="0">
+            <a:srgbClr val="000000">
+              <a:alpha val="45000"/>
+            </a:srgbClr>
+          </a:outerShdw>
+        </a:effectLst>
+        <a:scene3d>
+          <a:camera prst="orthographicFront"/>
+          <a:lightRig rig="flat" dir="t"/>
+        </a:scene3d>
+        <a:sp3d z="190500" extrusionH="12700" prstMaterial="plastic">
+          <a:bevelT w="50800" h="50800"/>
+        </a:sp3d>
+      </dsp:spPr>
+      <dsp:style>
+        <a:lnRef idx="1">
+          <a:scrgbClr r="0" g="0" b="0"/>
+        </a:lnRef>
+        <a:fillRef idx="1">
+          <a:scrgbClr r="0" g="0" b="0"/>
+        </a:fillRef>
+        <a:effectRef idx="2">
+          <a:scrgbClr r="0" g="0" b="0"/>
+        </a:effectRef>
+        <a:fontRef idx="minor"/>
+      </dsp:style>
+    </dsp:sp>
+    <dsp:sp modelId="{DDD969E0-2058-4643-8E47-93160C0DD783}">
+      <dsp:nvSpPr>
+        <dsp:cNvPr id="0" name=""/>
+        <dsp:cNvSpPr/>
+      </dsp:nvSpPr>
+      <dsp:spPr>
+        <a:xfrm>
+          <a:off x="353095" y="66990"/>
+          <a:ext cx="4943334" cy="1033200"/>
+        </a:xfrm>
+        <a:prstGeom prst="roundRect">
+          <a:avLst/>
+        </a:prstGeom>
+        <a:gradFill rotWithShape="0">
+          <a:gsLst>
+            <a:gs pos="0">
+              <a:schemeClr val="accent1">
+                <a:hueOff val="0"/>
+                <a:satOff val="0"/>
+                <a:lumOff val="0"/>
+                <a:alphaOff val="0"/>
+              </a:schemeClr>
+            </a:gs>
+            <a:gs pos="90000">
+              <a:schemeClr val="accent1">
+                <a:hueOff val="0"/>
+                <a:satOff val="0"/>
+                <a:lumOff val="0"/>
+                <a:alphaOff val="0"/>
+                <a:shade val="100000"/>
+                <a:satMod val="105000"/>
+              </a:schemeClr>
+            </a:gs>
+            <a:gs pos="100000">
+              <a:schemeClr val="accent1">
+                <a:hueOff val="0"/>
+                <a:satOff val="0"/>
+                <a:lumOff val="0"/>
+                <a:alphaOff val="0"/>
+                <a:shade val="80000"/>
+                <a:satMod val="120000"/>
+              </a:schemeClr>
+            </a:gs>
+          </a:gsLst>
+          <a:path path="circle">
+            <a:fillToRect l="100000" t="100000" r="100000" b="100000"/>
+          </a:path>
+        </a:gradFill>
+        <a:ln>
+          <a:noFill/>
+        </a:ln>
+        <a:effectLst>
+          <a:outerShdw blurRad="38100" dist="25400" dir="5400000" rotWithShape="0">
+            <a:srgbClr val="000000">
+              <a:alpha val="45000"/>
+            </a:srgbClr>
+          </a:outerShdw>
+        </a:effectLst>
+        <a:scene3d>
+          <a:camera prst="orthographicFront"/>
+          <a:lightRig rig="flat" dir="t"/>
+        </a:scene3d>
+        <a:sp3d prstMaterial="plastic">
+          <a:bevelT w="120900" h="88900"/>
+          <a:bevelB w="88900" h="31750" prst="angle"/>
+        </a:sp3d>
+      </dsp:spPr>
+      <dsp:style>
+        <a:lnRef idx="0">
+          <a:scrgbClr r="0" g="0" b="0"/>
+        </a:lnRef>
+        <a:fillRef idx="3">
+          <a:scrgbClr r="0" g="0" b="0"/>
+        </a:fillRef>
+        <a:effectRef idx="2">
+          <a:scrgbClr r="0" g="0" b="0"/>
+        </a:effectRef>
+        <a:fontRef idx="minor">
+          <a:schemeClr val="lt1"/>
+        </a:fontRef>
+      </dsp:style>
+      <dsp:txBody>
+        <a:bodyPr spcFirstLastPara="0" vert="horz" wrap="square" lIns="186846" tIns="0" rIns="186846" bIns="0" numCol="1" spcCol="1270" anchor="ctr" anchorCtr="0">
+          <a:noAutofit/>
+        </a:bodyPr>
+        <a:lstStyle/>
+        <a:p>
+          <a:pPr marL="0" lvl="0" indent="0" algn="l" defTabSz="1555750">
+            <a:lnSpc>
+              <a:spcPct val="90000"/>
+            </a:lnSpc>
+            <a:spcBef>
+              <a:spcPct val="0"/>
+            </a:spcBef>
+            <a:spcAft>
+              <a:spcPct val="35000"/>
+            </a:spcAft>
+            <a:buNone/>
+          </a:pPr>
+          <a:r>
+            <a:rPr lang="zh-CN" altLang="en-US" sz="3500" kern="1200" dirty="0"/>
+            <a:t>一、智能体的定义</a:t>
+          </a:r>
+        </a:p>
+      </dsp:txBody>
+      <dsp:txXfrm>
+        <a:off x="403532" y="117427"/>
+        <a:ext cx="4842460" cy="932326"/>
+      </dsp:txXfrm>
+    </dsp:sp>
+    <dsp:sp modelId="{E84E58D1-4F0C-4C14-A211-6757851BEED2}">
+      <dsp:nvSpPr>
+        <dsp:cNvPr id="0" name=""/>
+        <dsp:cNvSpPr/>
+      </dsp:nvSpPr>
+      <dsp:spPr>
+        <a:xfrm>
+          <a:off x="0" y="2171190"/>
+          <a:ext cx="7061907" cy="882000"/>
+        </a:xfrm>
+        <a:prstGeom prst="rect">
+          <a:avLst/>
+        </a:prstGeom>
+        <a:solidFill>
+          <a:schemeClr val="lt1">
+            <a:alpha val="90000"/>
+            <a:hueOff val="0"/>
+            <a:satOff val="0"/>
+            <a:lumOff val="0"/>
+            <a:alphaOff val="0"/>
+          </a:schemeClr>
+        </a:solidFill>
+        <a:ln w="10000" cap="flat" cmpd="sng" algn="ctr">
+          <a:solidFill>
+            <a:schemeClr val="accent1">
+              <a:hueOff val="0"/>
+              <a:satOff val="0"/>
+              <a:lumOff val="0"/>
+              <a:alphaOff val="0"/>
+            </a:schemeClr>
+          </a:solidFill>
+          <a:prstDash val="solid"/>
+        </a:ln>
+        <a:effectLst>
+          <a:outerShdw blurRad="38100" dist="25400" dir="5400000" rotWithShape="0">
+            <a:srgbClr val="000000">
+              <a:alpha val="45000"/>
+            </a:srgbClr>
+          </a:outerShdw>
+        </a:effectLst>
+        <a:scene3d>
+          <a:camera prst="orthographicFront"/>
+          <a:lightRig rig="flat" dir="t"/>
+        </a:scene3d>
+        <a:sp3d z="190500" extrusionH="12700" prstMaterial="plastic">
+          <a:bevelT w="50800" h="50800"/>
+        </a:sp3d>
+      </dsp:spPr>
+      <dsp:style>
+        <a:lnRef idx="1">
+          <a:scrgbClr r="0" g="0" b="0"/>
+        </a:lnRef>
+        <a:fillRef idx="1">
+          <a:scrgbClr r="0" g="0" b="0"/>
+        </a:fillRef>
+        <a:effectRef idx="2">
+          <a:scrgbClr r="0" g="0" b="0"/>
+        </a:effectRef>
+        <a:fontRef idx="minor"/>
+      </dsp:style>
+    </dsp:sp>
+    <dsp:sp modelId="{8B506BA3-7AFD-42F1-9FDB-09E2D28CD1B3}">
+      <dsp:nvSpPr>
+        <dsp:cNvPr id="0" name=""/>
+        <dsp:cNvSpPr/>
+      </dsp:nvSpPr>
+      <dsp:spPr>
+        <a:xfrm>
+          <a:off x="353095" y="1654590"/>
+          <a:ext cx="4943334" cy="1033200"/>
+        </a:xfrm>
+        <a:prstGeom prst="roundRect">
+          <a:avLst/>
+        </a:prstGeom>
+        <a:gradFill rotWithShape="0">
+          <a:gsLst>
+            <a:gs pos="0">
+              <a:schemeClr val="accent1">
+                <a:hueOff val="0"/>
+                <a:satOff val="0"/>
+                <a:lumOff val="0"/>
+                <a:alphaOff val="0"/>
+              </a:schemeClr>
+            </a:gs>
+            <a:gs pos="90000">
+              <a:schemeClr val="accent1">
+                <a:hueOff val="0"/>
+                <a:satOff val="0"/>
+                <a:lumOff val="0"/>
+                <a:alphaOff val="0"/>
+                <a:shade val="100000"/>
+                <a:satMod val="105000"/>
+              </a:schemeClr>
+            </a:gs>
+            <a:gs pos="100000">
+              <a:schemeClr val="accent1">
+                <a:hueOff val="0"/>
+                <a:satOff val="0"/>
+                <a:lumOff val="0"/>
+                <a:alphaOff val="0"/>
+                <a:shade val="80000"/>
+                <a:satMod val="120000"/>
+              </a:schemeClr>
+            </a:gs>
+          </a:gsLst>
+          <a:path path="circle">
+            <a:fillToRect l="100000" t="100000" r="100000" b="100000"/>
+          </a:path>
+        </a:gradFill>
+        <a:ln>
+          <a:noFill/>
+        </a:ln>
+        <a:effectLst>
+          <a:outerShdw blurRad="38100" dist="25400" dir="5400000" rotWithShape="0">
+            <a:srgbClr val="000000">
+              <a:alpha val="45000"/>
+            </a:srgbClr>
+          </a:outerShdw>
+        </a:effectLst>
+        <a:scene3d>
+          <a:camera prst="orthographicFront"/>
+          <a:lightRig rig="flat" dir="t"/>
+        </a:scene3d>
+        <a:sp3d prstMaterial="plastic">
+          <a:bevelT w="120900" h="88900"/>
+          <a:bevelB w="88900" h="31750" prst="angle"/>
+        </a:sp3d>
+      </dsp:spPr>
+      <dsp:style>
+        <a:lnRef idx="0">
+          <a:scrgbClr r="0" g="0" b="0"/>
+        </a:lnRef>
+        <a:fillRef idx="3">
+          <a:scrgbClr r="0" g="0" b="0"/>
+        </a:fillRef>
+        <a:effectRef idx="2">
+          <a:scrgbClr r="0" g="0" b="0"/>
+        </a:effectRef>
+        <a:fontRef idx="minor">
+          <a:schemeClr val="lt1"/>
+        </a:fontRef>
+      </dsp:style>
+      <dsp:txBody>
+        <a:bodyPr spcFirstLastPara="0" vert="horz" wrap="square" lIns="186846" tIns="0" rIns="186846" bIns="0" numCol="1" spcCol="1270" anchor="ctr" anchorCtr="0">
+          <a:noAutofit/>
+        </a:bodyPr>
+        <a:lstStyle/>
+        <a:p>
+          <a:pPr marL="0" lvl="0" indent="0" algn="l" defTabSz="1555750">
+            <a:lnSpc>
+              <a:spcPct val="90000"/>
+            </a:lnSpc>
+            <a:spcBef>
+              <a:spcPct val="0"/>
+            </a:spcBef>
+            <a:spcAft>
+              <a:spcPct val="35000"/>
+            </a:spcAft>
+            <a:buNone/>
+          </a:pPr>
+          <a:r>
+            <a:rPr lang="zh-CN" altLang="en-US" sz="3500" kern="1200" dirty="0"/>
+            <a:t>二、如何与现实交互？</a:t>
+          </a:r>
+        </a:p>
+      </dsp:txBody>
+      <dsp:txXfrm>
+        <a:off x="403532" y="1705027"/>
+        <a:ext cx="4842460" cy="932326"/>
+      </dsp:txXfrm>
+    </dsp:sp>
+    <dsp:sp modelId="{9588E1C3-02F9-4B12-9F69-6E6853F65AF8}">
+      <dsp:nvSpPr>
+        <dsp:cNvPr id="0" name=""/>
+        <dsp:cNvSpPr/>
+      </dsp:nvSpPr>
+      <dsp:spPr>
+        <a:xfrm>
+          <a:off x="0" y="3758790"/>
+          <a:ext cx="7061907" cy="882000"/>
+        </a:xfrm>
+        <a:prstGeom prst="rect">
+          <a:avLst/>
+        </a:prstGeom>
+        <a:solidFill>
+          <a:schemeClr val="lt1">
+            <a:alpha val="90000"/>
+            <a:hueOff val="0"/>
+            <a:satOff val="0"/>
+            <a:lumOff val="0"/>
+            <a:alphaOff val="0"/>
+          </a:schemeClr>
+        </a:solidFill>
+        <a:ln w="10000" cap="flat" cmpd="sng" algn="ctr">
+          <a:solidFill>
+            <a:schemeClr val="accent1">
+              <a:hueOff val="0"/>
+              <a:satOff val="0"/>
+              <a:lumOff val="0"/>
+              <a:alphaOff val="0"/>
+            </a:schemeClr>
+          </a:solidFill>
+          <a:prstDash val="solid"/>
+        </a:ln>
+        <a:effectLst>
+          <a:outerShdw blurRad="38100" dist="25400" dir="5400000" rotWithShape="0">
+            <a:srgbClr val="000000">
+              <a:alpha val="45000"/>
+            </a:srgbClr>
+          </a:outerShdw>
+        </a:effectLst>
+        <a:scene3d>
+          <a:camera prst="orthographicFront"/>
+          <a:lightRig rig="flat" dir="t"/>
+        </a:scene3d>
+        <a:sp3d z="190500" extrusionH="12700" prstMaterial="plastic">
+          <a:bevelT w="50800" h="50800"/>
+        </a:sp3d>
+      </dsp:spPr>
+      <dsp:style>
+        <a:lnRef idx="1">
+          <a:scrgbClr r="0" g="0" b="0"/>
+        </a:lnRef>
+        <a:fillRef idx="1">
+          <a:scrgbClr r="0" g="0" b="0"/>
+        </a:fillRef>
+        <a:effectRef idx="2">
+          <a:scrgbClr r="0" g="0" b="0"/>
+        </a:effectRef>
+        <a:fontRef idx="minor"/>
+      </dsp:style>
+    </dsp:sp>
+    <dsp:sp modelId="{1F558355-42AC-4422-84BF-F1D42B9D39AE}">
+      <dsp:nvSpPr>
+        <dsp:cNvPr id="0" name=""/>
+        <dsp:cNvSpPr/>
+      </dsp:nvSpPr>
+      <dsp:spPr>
+        <a:xfrm>
+          <a:off x="353095" y="3242190"/>
+          <a:ext cx="4943334" cy="1033200"/>
+        </a:xfrm>
+        <a:prstGeom prst="roundRect">
+          <a:avLst/>
+        </a:prstGeom>
+        <a:gradFill rotWithShape="0">
+          <a:gsLst>
+            <a:gs pos="0">
+              <a:schemeClr val="accent1">
+                <a:hueOff val="0"/>
+                <a:satOff val="0"/>
+                <a:lumOff val="0"/>
+                <a:alphaOff val="0"/>
+              </a:schemeClr>
+            </a:gs>
+            <a:gs pos="90000">
+              <a:schemeClr val="accent1">
+                <a:hueOff val="0"/>
+                <a:satOff val="0"/>
+                <a:lumOff val="0"/>
+                <a:alphaOff val="0"/>
+                <a:shade val="100000"/>
+                <a:satMod val="105000"/>
+              </a:schemeClr>
+            </a:gs>
+            <a:gs pos="100000">
+              <a:schemeClr val="accent1">
+                <a:hueOff val="0"/>
+                <a:satOff val="0"/>
+                <a:lumOff val="0"/>
+                <a:alphaOff val="0"/>
+                <a:shade val="80000"/>
+                <a:satMod val="120000"/>
+              </a:schemeClr>
+            </a:gs>
+          </a:gsLst>
+          <a:path path="circle">
+            <a:fillToRect l="100000" t="100000" r="100000" b="100000"/>
+          </a:path>
+        </a:gradFill>
+        <a:ln>
+          <a:noFill/>
+        </a:ln>
+        <a:effectLst>
+          <a:outerShdw blurRad="38100" dist="25400" dir="5400000" rotWithShape="0">
+            <a:srgbClr val="000000">
+              <a:alpha val="45000"/>
+            </a:srgbClr>
+          </a:outerShdw>
+        </a:effectLst>
+        <a:scene3d>
+          <a:camera prst="orthographicFront"/>
+          <a:lightRig rig="flat" dir="t"/>
+        </a:scene3d>
+        <a:sp3d prstMaterial="plastic">
+          <a:bevelT w="120900" h="88900"/>
+          <a:bevelB w="88900" h="31750" prst="angle"/>
+        </a:sp3d>
+      </dsp:spPr>
+      <dsp:style>
+        <a:lnRef idx="0">
+          <a:scrgbClr r="0" g="0" b="0"/>
+        </a:lnRef>
+        <a:fillRef idx="3">
+          <a:scrgbClr r="0" g="0" b="0"/>
+        </a:fillRef>
+        <a:effectRef idx="2">
+          <a:scrgbClr r="0" g="0" b="0"/>
+        </a:effectRef>
+        <a:fontRef idx="minor">
+          <a:schemeClr val="lt1"/>
+        </a:fontRef>
+      </dsp:style>
+      <dsp:txBody>
+        <a:bodyPr spcFirstLastPara="0" vert="horz" wrap="square" lIns="186846" tIns="0" rIns="186846" bIns="0" numCol="1" spcCol="1270" anchor="ctr" anchorCtr="0">
+          <a:noAutofit/>
+        </a:bodyPr>
+        <a:lstStyle/>
+        <a:p>
+          <a:pPr marL="0" lvl="0" indent="0" algn="l" defTabSz="1555750">
+            <a:lnSpc>
+              <a:spcPct val="90000"/>
+            </a:lnSpc>
+            <a:spcBef>
+              <a:spcPct val="0"/>
+            </a:spcBef>
+            <a:spcAft>
+              <a:spcPct val="35000"/>
+            </a:spcAft>
+            <a:buNone/>
+          </a:pPr>
+          <a:r>
+            <a:rPr lang="zh-CN" altLang="en-US" sz="3500" kern="1200" dirty="0"/>
+            <a:t>三、如何完成复杂任务？</a:t>
+          </a:r>
+        </a:p>
+      </dsp:txBody>
+      <dsp:txXfrm>
+        <a:off x="403532" y="3292627"/>
+        <a:ext cx="4842460" cy="932326"/>
+      </dsp:txXfrm>
+    </dsp:sp>
+  </dsp:spTree>
+</dsp:drawing>
+</file>
+
 <file path=ppt/diagrams/layout1.xml><?xml version="1.0" encoding="utf-8"?>
 <dgm:layoutDef xmlns:dgm="http://schemas.openxmlformats.org/drawingml/2006/diagram" xmlns:a="http://schemas.openxmlformats.org/drawingml/2006/main" uniqueId="urn:microsoft.com/office/officeart/2005/8/layout/list1">
   <dgm:title val=""/>
@@ -3500,6 +5045,231 @@
 </dgm:layoutDef>
 </file>
 
+<file path=ppt/diagrams/layout3.xml><?xml version="1.0" encoding="utf-8"?>
+<dgm:layoutDef xmlns:dgm="http://schemas.openxmlformats.org/drawingml/2006/diagram" xmlns:a="http://schemas.openxmlformats.org/drawingml/2006/main" uniqueId="urn:microsoft.com/office/officeart/2005/8/layout/list1">
+  <dgm:title val=""/>
+  <dgm:desc val=""/>
+  <dgm:catLst>
+    <dgm:cat type="list" pri="4000"/>
+  </dgm:catLst>
+  <dgm:sampData>
+    <dgm:dataModel>
+      <dgm:ptLst>
+        <dgm:pt modelId="0" type="doc"/>
+        <dgm:pt modelId="1">
+          <dgm:prSet phldr="1"/>
+        </dgm:pt>
+        <dgm:pt modelId="2">
+          <dgm:prSet phldr="1"/>
+        </dgm:pt>
+        <dgm:pt modelId="3">
+          <dgm:prSet phldr="1"/>
+        </dgm:pt>
+      </dgm:ptLst>
+      <dgm:cxnLst>
+        <dgm:cxn modelId="4" srcId="0" destId="1" srcOrd="0" destOrd="0"/>
+        <dgm:cxn modelId="5" srcId="0" destId="2" srcOrd="1" destOrd="0"/>
+        <dgm:cxn modelId="6" srcId="0" destId="3" srcOrd="2" destOrd="0"/>
+      </dgm:cxnLst>
+      <dgm:bg/>
+      <dgm:whole/>
+    </dgm:dataModel>
+  </dgm:sampData>
+  <dgm:styleData>
+    <dgm:dataModel>
+      <dgm:ptLst>
+        <dgm:pt modelId="0" type="doc"/>
+        <dgm:pt modelId="1"/>
+        <dgm:pt modelId="2"/>
+      </dgm:ptLst>
+      <dgm:cxnLst>
+        <dgm:cxn modelId="4" srcId="0" destId="1" srcOrd="0" destOrd="0"/>
+        <dgm:cxn modelId="5" srcId="0" destId="2" srcOrd="1" destOrd="0"/>
+      </dgm:cxnLst>
+      <dgm:bg/>
+      <dgm:whole/>
+    </dgm:dataModel>
+  </dgm:styleData>
+  <dgm:clrData>
+    <dgm:dataModel>
+      <dgm:ptLst>
+        <dgm:pt modelId="0" type="doc"/>
+        <dgm:pt modelId="1"/>
+        <dgm:pt modelId="2"/>
+        <dgm:pt modelId="3"/>
+        <dgm:pt modelId="4"/>
+      </dgm:ptLst>
+      <dgm:cxnLst>
+        <dgm:cxn modelId="5" srcId="0" destId="1" srcOrd="0" destOrd="0"/>
+        <dgm:cxn modelId="6" srcId="0" destId="2" srcOrd="1" destOrd="0"/>
+        <dgm:cxn modelId="7" srcId="0" destId="3" srcOrd="2" destOrd="0"/>
+        <dgm:cxn modelId="8" srcId="0" destId="4" srcOrd="3" destOrd="0"/>
+      </dgm:cxnLst>
+      <dgm:bg/>
+      <dgm:whole/>
+    </dgm:dataModel>
+  </dgm:clrData>
+  <dgm:layoutNode name="linear">
+    <dgm:varLst>
+      <dgm:dir/>
+      <dgm:animLvl val="lvl"/>
+      <dgm:resizeHandles val="exact"/>
+    </dgm:varLst>
+    <dgm:choose name="Name0">
+      <dgm:if name="Name1" func="var" arg="dir" op="equ" val="norm">
+        <dgm:alg type="lin">
+          <dgm:param type="linDir" val="fromT"/>
+          <dgm:param type="vertAlign" val="mid"/>
+          <dgm:param type="horzAlign" val="l"/>
+          <dgm:param type="nodeHorzAlign" val="l"/>
+        </dgm:alg>
+      </dgm:if>
+      <dgm:else name="Name2">
+        <dgm:alg type="lin">
+          <dgm:param type="linDir" val="fromT"/>
+          <dgm:param type="vertAlign" val="mid"/>
+          <dgm:param type="horzAlign" val="r"/>
+          <dgm:param type="nodeHorzAlign" val="r"/>
+        </dgm:alg>
+      </dgm:else>
+    </dgm:choose>
+    <dgm:shape xmlns:r="http://schemas.openxmlformats.org/officeDocument/2006/relationships" r:blip="">
+      <dgm:adjLst/>
+    </dgm:shape>
+    <dgm:presOf/>
+    <dgm:constrLst>
+      <dgm:constr type="w" for="ch" forName="parentLin" refType="w"/>
+      <dgm:constr type="h" for="ch" forName="parentLin" val="INF"/>
+      <dgm:constr type="w" for="des" forName="parentLeftMargin" refType="w" fact="0.05"/>
+      <dgm:constr type="w" for="des" forName="parentText" refType="w" fact="0.7"/>
+      <dgm:constr type="h" for="des" forName="parentText" refType="primFontSz" refFor="des" refForName="parentText" fact="0.82"/>
+      <dgm:constr type="h" for="ch" forName="negativeSpace" refType="primFontSz" refFor="des" refForName="parentText" fact="-0.41"/>
+      <dgm:constr type="h" for="ch" forName="negativeSpace" refType="h" refFor="des" refForName="parentText" op="lte" fact="-0.82"/>
+      <dgm:constr type="h" for="ch" forName="negativeSpace" refType="h" refFor="des" refForName="parentText" op="gte" fact="-0.82"/>
+      <dgm:constr type="w" for="ch" forName="childText" refType="w"/>
+      <dgm:constr type="h" for="ch" forName="childText" refType="primFontSz" refFor="des" refForName="parentText" fact="0.7"/>
+      <dgm:constr type="primFontSz" for="des" forName="parentText" val="65"/>
+      <dgm:constr type="primFontSz" for="ch" forName="childText" refType="primFontSz" refFor="des" refForName="parentText"/>
+      <dgm:constr type="tMarg" for="ch" forName="childText" refType="primFontSz" refFor="des" refForName="parentText" fact="1.64"/>
+      <dgm:constr type="tMarg" for="ch" forName="childText" refType="h" refFor="des" refForName="parentText" op="lte" fact="3.28"/>
+      <dgm:constr type="tMarg" for="ch" forName="childText" refType="h" refFor="des" refForName="parentText" op="gte" fact="3.28"/>
+      <dgm:constr type="lMarg" for="ch" forName="childText" refType="w" fact="0.22"/>
+      <dgm:constr type="rMarg" for="ch" forName="childText" refType="lMarg" refFor="ch" refForName="childText"/>
+      <dgm:constr type="lMarg" for="des" forName="parentText" refType="w" fact="0.075"/>
+      <dgm:constr type="rMarg" for="des" forName="parentText" refType="lMarg" refFor="des" refForName="parentText"/>
+      <dgm:constr type="h" for="ch" forName="spaceBetweenRectangles" refType="primFontSz" refFor="des" refForName="parentText" fact="0.15"/>
+    </dgm:constrLst>
+    <dgm:ruleLst>
+      <dgm:rule type="primFontSz" for="des" forName="parentText" val="5" fact="NaN" max="NaN"/>
+    </dgm:ruleLst>
+    <dgm:forEach name="Name3" axis="ch" ptType="node">
+      <dgm:layoutNode name="parentLin">
+        <dgm:choose name="Name4">
+          <dgm:if name="Name5" func="var" arg="dir" op="equ" val="norm">
+            <dgm:alg type="lin">
+              <dgm:param type="linDir" val="fromL"/>
+              <dgm:param type="horzAlign" val="l"/>
+              <dgm:param type="nodeHorzAlign" val="l"/>
+            </dgm:alg>
+          </dgm:if>
+          <dgm:else name="Name6">
+            <dgm:alg type="lin">
+              <dgm:param type="linDir" val="fromR"/>
+              <dgm:param type="horzAlign" val="r"/>
+              <dgm:param type="nodeHorzAlign" val="r"/>
+            </dgm:alg>
+          </dgm:else>
+        </dgm:choose>
+        <dgm:shape xmlns:r="http://schemas.openxmlformats.org/officeDocument/2006/relationships" r:blip="">
+          <dgm:adjLst/>
+        </dgm:shape>
+        <dgm:presOf/>
+        <dgm:constrLst/>
+        <dgm:ruleLst/>
+        <dgm:layoutNode name="parentLeftMargin">
+          <dgm:alg type="sp"/>
+          <dgm:shape xmlns:r="http://schemas.openxmlformats.org/officeDocument/2006/relationships" type="rect" r:blip="" hideGeom="1">
+            <dgm:adjLst/>
+          </dgm:shape>
+          <dgm:presOf axis="self"/>
+          <dgm:constrLst>
+            <dgm:constr type="h"/>
+          </dgm:constrLst>
+          <dgm:ruleLst/>
+        </dgm:layoutNode>
+        <dgm:layoutNode name="parentText" styleLbl="node1">
+          <dgm:varLst>
+            <dgm:chMax val="0"/>
+            <dgm:bulletEnabled val="1"/>
+          </dgm:varLst>
+          <dgm:choose name="Name7">
+            <dgm:if name="Name8" func="var" arg="dir" op="equ" val="norm">
+              <dgm:alg type="tx">
+                <dgm:param type="parTxLTRAlign" val="l"/>
+                <dgm:param type="parTxRTLAlign" val="l"/>
+              </dgm:alg>
+            </dgm:if>
+            <dgm:else name="Name9">
+              <dgm:alg type="tx">
+                <dgm:param type="parTxLTRAlign" val="r"/>
+                <dgm:param type="parTxRTLAlign" val="r"/>
+              </dgm:alg>
+            </dgm:else>
+          </dgm:choose>
+          <dgm:shape xmlns:r="http://schemas.openxmlformats.org/officeDocument/2006/relationships" type="roundRect" r:blip="">
+            <dgm:adjLst/>
+          </dgm:shape>
+          <dgm:presOf axis="self" ptType="node"/>
+          <dgm:constrLst>
+            <dgm:constr type="tMarg"/>
+            <dgm:constr type="bMarg"/>
+          </dgm:constrLst>
+          <dgm:ruleLst/>
+        </dgm:layoutNode>
+      </dgm:layoutNode>
+      <dgm:layoutNode name="negativeSpace">
+        <dgm:alg type="sp"/>
+        <dgm:shape xmlns:r="http://schemas.openxmlformats.org/officeDocument/2006/relationships" r:blip="">
+          <dgm:adjLst/>
+        </dgm:shape>
+        <dgm:presOf/>
+        <dgm:constrLst/>
+        <dgm:ruleLst/>
+      </dgm:layoutNode>
+      <dgm:layoutNode name="childText" styleLbl="conFgAcc1">
+        <dgm:varLst>
+          <dgm:bulletEnabled val="1"/>
+        </dgm:varLst>
+        <dgm:alg type="tx">
+          <dgm:param type="stBulletLvl" val="1"/>
+        </dgm:alg>
+        <dgm:shape xmlns:r="http://schemas.openxmlformats.org/officeDocument/2006/relationships" type="rect" r:blip="" zOrderOff="-2">
+          <dgm:adjLst/>
+        </dgm:shape>
+        <dgm:presOf axis="des" ptType="node"/>
+        <dgm:constrLst>
+          <dgm:constr type="secFontSz" refType="primFontSz"/>
+        </dgm:constrLst>
+        <dgm:ruleLst>
+          <dgm:rule type="h" val="INF" fact="NaN" max="NaN"/>
+        </dgm:ruleLst>
+      </dgm:layoutNode>
+      <dgm:forEach name="Name10" axis="followSib" ptType="sibTrans" cnt="1">
+        <dgm:layoutNode name="spaceBetweenRectangles">
+          <dgm:alg type="sp"/>
+          <dgm:shape xmlns:r="http://schemas.openxmlformats.org/officeDocument/2006/relationships" r:blip="">
+            <dgm:adjLst/>
+          </dgm:shape>
+          <dgm:presOf/>
+          <dgm:constrLst/>
+          <dgm:ruleLst/>
+        </dgm:layoutNode>
+      </dgm:forEach>
+    </dgm:forEach>
+  </dgm:layoutNode>
+</dgm:layoutDef>
+</file>
+
 <file path=ppt/diagrams/quickStyle1.xml><?xml version="1.0" encoding="utf-8"?>
 <dgm:styleDef xmlns:dgm="http://schemas.openxmlformats.org/drawingml/2006/diagram" xmlns:a="http://schemas.openxmlformats.org/drawingml/2006/main" uniqueId="urn:microsoft.com/office/officeart/2005/8/quickstyle/3d1">
   <dgm:title val=""/>
@@ -4618,6 +6388,1123 @@
 </file>
 
 <file path=ppt/diagrams/quickStyle2.xml><?xml version="1.0" encoding="utf-8"?>
+<dgm:styleDef xmlns:dgm="http://schemas.openxmlformats.org/drawingml/2006/diagram" xmlns:a="http://schemas.openxmlformats.org/drawingml/2006/main" uniqueId="urn:microsoft.com/office/officeart/2005/8/quickstyle/3d1">
+  <dgm:title val=""/>
+  <dgm:desc val=""/>
+  <dgm:catLst>
+    <dgm:cat type="3D" pri="11100"/>
+  </dgm:catLst>
+  <dgm:scene3d>
+    <a:camera prst="orthographicFront"/>
+    <a:lightRig rig="threePt" dir="t"/>
+  </dgm:scene3d>
+  <dgm:styleLbl name="node0">
+    <dgm:scene3d>
+      <a:camera prst="orthographicFront"/>
+      <a:lightRig rig="flat" dir="t"/>
+    </dgm:scene3d>
+    <dgm:sp3d prstMaterial="plastic">
+      <a:bevelT w="120900" h="88900"/>
+      <a:bevelB w="88900" h="31750" prst="angle"/>
+    </dgm:sp3d>
+    <dgm:txPr/>
+    <dgm:style>
+      <a:lnRef idx="0">
+        <a:scrgbClr r="0" g="0" b="0"/>
+      </a:lnRef>
+      <a:fillRef idx="3">
+        <a:scrgbClr r="0" g="0" b="0"/>
+      </a:fillRef>
+      <a:effectRef idx="2">
+        <a:scrgbClr r="0" g="0" b="0"/>
+      </a:effectRef>
+      <a:fontRef idx="minor">
+        <a:schemeClr val="lt1"/>
+      </a:fontRef>
+    </dgm:style>
+  </dgm:styleLbl>
+  <dgm:styleLbl name="lnNode1">
+    <dgm:scene3d>
+      <a:camera prst="orthographicFront"/>
+      <a:lightRig rig="flat" dir="t"/>
+    </dgm:scene3d>
+    <dgm:sp3d prstMaterial="plastic">
+      <a:bevelT w="120900" h="88900"/>
+      <a:bevelB w="88900" h="31750" prst="angle"/>
+    </dgm:sp3d>
+    <dgm:txPr/>
+    <dgm:style>
+      <a:lnRef idx="0">
+        <a:scrgbClr r="0" g="0" b="0"/>
+      </a:lnRef>
+      <a:fillRef idx="3">
+        <a:scrgbClr r="0" g="0" b="0"/>
+      </a:fillRef>
+      <a:effectRef idx="1">
+        <a:scrgbClr r="0" g="0" b="0"/>
+      </a:effectRef>
+      <a:fontRef idx="minor">
+        <a:schemeClr val="lt1"/>
+      </a:fontRef>
+    </dgm:style>
+  </dgm:styleLbl>
+  <dgm:styleLbl name="vennNode1">
+    <dgm:scene3d>
+      <a:camera prst="orthographicFront"/>
+      <a:lightRig rig="flat" dir="t"/>
+    </dgm:scene3d>
+    <dgm:sp3d prstMaterial="plastic">
+      <a:bevelT w="120900" h="88900"/>
+      <a:bevelB w="88900" h="31750" prst="angle"/>
+    </dgm:sp3d>
+    <dgm:txPr/>
+    <dgm:style>
+      <a:lnRef idx="0">
+        <a:scrgbClr r="0" g="0" b="0"/>
+      </a:lnRef>
+      <a:fillRef idx="1">
+        <a:scrgbClr r="0" g="0" b="0"/>
+      </a:fillRef>
+      <a:effectRef idx="1">
+        <a:scrgbClr r="0" g="0" b="0"/>
+      </a:effectRef>
+      <a:fontRef idx="minor">
+        <a:schemeClr val="tx1"/>
+      </a:fontRef>
+    </dgm:style>
+  </dgm:styleLbl>
+  <dgm:styleLbl name="alignNode1">
+    <dgm:scene3d>
+      <a:camera prst="orthographicFront"/>
+      <a:lightRig rig="flat" dir="t"/>
+    </dgm:scene3d>
+    <dgm:sp3d prstMaterial="plastic">
+      <a:bevelT w="120900" h="88900"/>
+      <a:bevelB w="88900" h="31750" prst="angle"/>
+    </dgm:sp3d>
+    <dgm:txPr/>
+    <dgm:style>
+      <a:lnRef idx="1">
+        <a:scrgbClr r="0" g="0" b="0"/>
+      </a:lnRef>
+      <a:fillRef idx="3">
+        <a:scrgbClr r="0" g="0" b="0"/>
+      </a:fillRef>
+      <a:effectRef idx="2">
+        <a:scrgbClr r="0" g="0" b="0"/>
+      </a:effectRef>
+      <a:fontRef idx="minor">
+        <a:schemeClr val="lt1"/>
+      </a:fontRef>
+    </dgm:style>
+  </dgm:styleLbl>
+  <dgm:styleLbl name="node1">
+    <dgm:scene3d>
+      <a:camera prst="orthographicFront"/>
+      <a:lightRig rig="flat" dir="t"/>
+    </dgm:scene3d>
+    <dgm:sp3d prstMaterial="plastic">
+      <a:bevelT w="120900" h="88900"/>
+      <a:bevelB w="88900" h="31750" prst="angle"/>
+    </dgm:sp3d>
+    <dgm:txPr/>
+    <dgm:style>
+      <a:lnRef idx="0">
+        <a:scrgbClr r="0" g="0" b="0"/>
+      </a:lnRef>
+      <a:fillRef idx="3">
+        <a:scrgbClr r="0" g="0" b="0"/>
+      </a:fillRef>
+      <a:effectRef idx="2">
+        <a:scrgbClr r="0" g="0" b="0"/>
+      </a:effectRef>
+      <a:fontRef idx="minor">
+        <a:schemeClr val="lt1"/>
+      </a:fontRef>
+    </dgm:style>
+  </dgm:styleLbl>
+  <dgm:styleLbl name="node2">
+    <dgm:scene3d>
+      <a:camera prst="orthographicFront"/>
+      <a:lightRig rig="flat" dir="t"/>
+    </dgm:scene3d>
+    <dgm:sp3d prstMaterial="plastic">
+      <a:bevelT w="120900" h="88900"/>
+      <a:bevelB w="88900" h="31750" prst="angle"/>
+    </dgm:sp3d>
+    <dgm:txPr/>
+    <dgm:style>
+      <a:lnRef idx="0">
+        <a:scrgbClr r="0" g="0" b="0"/>
+      </a:lnRef>
+      <a:fillRef idx="3">
+        <a:scrgbClr r="0" g="0" b="0"/>
+      </a:fillRef>
+      <a:effectRef idx="1">
+        <a:scrgbClr r="0" g="0" b="0"/>
+      </a:effectRef>
+      <a:fontRef idx="minor">
+        <a:schemeClr val="lt1"/>
+      </a:fontRef>
+    </dgm:style>
+  </dgm:styleLbl>
+  <dgm:styleLbl name="node3">
+    <dgm:scene3d>
+      <a:camera prst="orthographicFront"/>
+      <a:lightRig rig="flat" dir="t"/>
+    </dgm:scene3d>
+    <dgm:sp3d prstMaterial="plastic">
+      <a:bevelT w="120900" h="88900"/>
+      <a:bevelB w="88900" h="31750" prst="angle"/>
+    </dgm:sp3d>
+    <dgm:txPr/>
+    <dgm:style>
+      <a:lnRef idx="0">
+        <a:scrgbClr r="0" g="0" b="0"/>
+      </a:lnRef>
+      <a:fillRef idx="3">
+        <a:scrgbClr r="0" g="0" b="0"/>
+      </a:fillRef>
+      <a:effectRef idx="1">
+        <a:scrgbClr r="0" g="0" b="0"/>
+      </a:effectRef>
+      <a:fontRef idx="minor">
+        <a:schemeClr val="lt1"/>
+      </a:fontRef>
+    </dgm:style>
+  </dgm:styleLbl>
+  <dgm:styleLbl name="node4">
+    <dgm:scene3d>
+      <a:camera prst="orthographicFront"/>
+      <a:lightRig rig="flat" dir="t"/>
+    </dgm:scene3d>
+    <dgm:sp3d prstMaterial="plastic">
+      <a:bevelT w="120900" h="88900"/>
+      <a:bevelB w="88900" h="31750" prst="angle"/>
+    </dgm:sp3d>
+    <dgm:txPr/>
+    <dgm:style>
+      <a:lnRef idx="0">
+        <a:scrgbClr r="0" g="0" b="0"/>
+      </a:lnRef>
+      <a:fillRef idx="3">
+        <a:scrgbClr r="0" g="0" b="0"/>
+      </a:fillRef>
+      <a:effectRef idx="1">
+        <a:scrgbClr r="0" g="0" b="0"/>
+      </a:effectRef>
+      <a:fontRef idx="minor">
+        <a:schemeClr val="lt1"/>
+      </a:fontRef>
+    </dgm:style>
+  </dgm:styleLbl>
+  <dgm:styleLbl name="fgImgPlace1">
+    <dgm:scene3d>
+      <a:camera prst="orthographicFront"/>
+      <a:lightRig rig="flat" dir="t"/>
+    </dgm:scene3d>
+    <dgm:sp3d z="127000" prstMaterial="plastic">
+      <a:bevelT w="88900" h="88900"/>
+      <a:bevelB w="88900" h="31750" prst="angle"/>
+    </dgm:sp3d>
+    <dgm:txPr/>
+    <dgm:style>
+      <a:lnRef idx="0">
+        <a:scrgbClr r="0" g="0" b="0"/>
+      </a:lnRef>
+      <a:fillRef idx="3">
+        <a:scrgbClr r="0" g="0" b="0"/>
+      </a:fillRef>
+      <a:effectRef idx="2">
+        <a:scrgbClr r="0" g="0" b="0"/>
+      </a:effectRef>
+      <a:fontRef idx="minor"/>
+    </dgm:style>
+  </dgm:styleLbl>
+  <dgm:styleLbl name="alignImgPlace1">
+    <dgm:scene3d>
+      <a:camera prst="orthographicFront"/>
+      <a:lightRig rig="flat" dir="t"/>
+    </dgm:scene3d>
+    <dgm:sp3d prstMaterial="plastic">
+      <a:bevelT w="88900" h="88900"/>
+      <a:bevelB w="88900" h="31750" prst="angle"/>
+    </dgm:sp3d>
+    <dgm:txPr/>
+    <dgm:style>
+      <a:lnRef idx="0">
+        <a:scrgbClr r="0" g="0" b="0"/>
+      </a:lnRef>
+      <a:fillRef idx="3">
+        <a:scrgbClr r="0" g="0" b="0"/>
+      </a:fillRef>
+      <a:effectRef idx="2">
+        <a:scrgbClr r="0" g="0" b="0"/>
+      </a:effectRef>
+      <a:fontRef idx="minor"/>
+    </dgm:style>
+  </dgm:styleLbl>
+  <dgm:styleLbl name="bgImgPlace1">
+    <dgm:scene3d>
+      <a:camera prst="orthographicFront"/>
+      <a:lightRig rig="flat" dir="t"/>
+    </dgm:scene3d>
+    <dgm:sp3d z="-190500" prstMaterial="plastic">
+      <a:bevelT w="88900" h="88900"/>
+      <a:bevelB w="88900" h="31750" prst="angle"/>
+    </dgm:sp3d>
+    <dgm:txPr/>
+    <dgm:style>
+      <a:lnRef idx="0">
+        <a:scrgbClr r="0" g="0" b="0"/>
+      </a:lnRef>
+      <a:fillRef idx="3">
+        <a:scrgbClr r="0" g="0" b="0"/>
+      </a:fillRef>
+      <a:effectRef idx="2">
+        <a:scrgbClr r="0" g="0" b="0"/>
+      </a:effectRef>
+      <a:fontRef idx="minor"/>
+    </dgm:style>
+  </dgm:styleLbl>
+  <dgm:styleLbl name="sibTrans2D1">
+    <dgm:scene3d>
+      <a:camera prst="orthographicFront"/>
+      <a:lightRig rig="flat" dir="t"/>
+    </dgm:scene3d>
+    <dgm:sp3d z="-80000" prstMaterial="plastic">
+      <a:bevelT w="50800" h="50800"/>
+      <a:bevelB w="25400" h="25400" prst="angle"/>
+    </dgm:sp3d>
+    <dgm:txPr/>
+    <dgm:style>
+      <a:lnRef idx="0">
+        <a:scrgbClr r="0" g="0" b="0"/>
+      </a:lnRef>
+      <a:fillRef idx="3">
+        <a:scrgbClr r="0" g="0" b="0"/>
+      </a:fillRef>
+      <a:effectRef idx="2">
+        <a:scrgbClr r="0" g="0" b="0"/>
+      </a:effectRef>
+      <a:fontRef idx="minor">
+        <a:schemeClr val="lt1"/>
+      </a:fontRef>
+    </dgm:style>
+  </dgm:styleLbl>
+  <dgm:styleLbl name="fgSibTrans2D1">
+    <dgm:scene3d>
+      <a:camera prst="orthographicFront"/>
+      <a:lightRig rig="flat" dir="t"/>
+    </dgm:scene3d>
+    <dgm:sp3d z="127000" prstMaterial="plastic">
+      <a:bevelT w="50800" h="50800"/>
+      <a:bevelB w="25400" h="25400" prst="angle"/>
+    </dgm:sp3d>
+    <dgm:txPr/>
+    <dgm:style>
+      <a:lnRef idx="0">
+        <a:scrgbClr r="0" g="0" b="0"/>
+      </a:lnRef>
+      <a:fillRef idx="3">
+        <a:scrgbClr r="0" g="0" b="0"/>
+      </a:fillRef>
+      <a:effectRef idx="2">
+        <a:scrgbClr r="0" g="0" b="0"/>
+      </a:effectRef>
+      <a:fontRef idx="minor">
+        <a:schemeClr val="lt1"/>
+      </a:fontRef>
+    </dgm:style>
+  </dgm:styleLbl>
+  <dgm:styleLbl name="bgSibTrans2D1">
+    <dgm:scene3d>
+      <a:camera prst="orthographicFront"/>
+      <a:lightRig rig="flat" dir="t"/>
+    </dgm:scene3d>
+    <dgm:sp3d z="-190500" prstMaterial="plastic">
+      <a:bevelT w="50800" h="50800"/>
+      <a:bevelB w="25400" h="25400" prst="angle"/>
+    </dgm:sp3d>
+    <dgm:txPr/>
+    <dgm:style>
+      <a:lnRef idx="0">
+        <a:scrgbClr r="0" g="0" b="0"/>
+      </a:lnRef>
+      <a:fillRef idx="3">
+        <a:scrgbClr r="0" g="0" b="0"/>
+      </a:fillRef>
+      <a:effectRef idx="2">
+        <a:scrgbClr r="0" g="0" b="0"/>
+      </a:effectRef>
+      <a:fontRef idx="minor">
+        <a:schemeClr val="lt1"/>
+      </a:fontRef>
+    </dgm:style>
+  </dgm:styleLbl>
+  <dgm:styleLbl name="sibTrans1D1">
+    <dgm:scene3d>
+      <a:camera prst="orthographicFront"/>
+      <a:lightRig rig="flat" dir="t"/>
+    </dgm:scene3d>
+    <dgm:sp3d z="-40000" prstMaterial="matte"/>
+    <dgm:txPr/>
+    <dgm:style>
+      <a:lnRef idx="1">
+        <a:scrgbClr r="0" g="0" b="0"/>
+      </a:lnRef>
+      <a:fillRef idx="0">
+        <a:scrgbClr r="0" g="0" b="0"/>
+      </a:fillRef>
+      <a:effectRef idx="0">
+        <a:scrgbClr r="0" g="0" b="0"/>
+      </a:effectRef>
+      <a:fontRef idx="minor"/>
+    </dgm:style>
+  </dgm:styleLbl>
+  <dgm:styleLbl name="callout">
+    <dgm:scene3d>
+      <a:camera prst="orthographicFront"/>
+      <a:lightRig rig="threePt" dir="t"/>
+    </dgm:scene3d>
+    <dgm:sp3d z="127000" prstMaterial="matte"/>
+    <dgm:txPr/>
+    <dgm:style>
+      <a:lnRef idx="2">
+        <a:scrgbClr r="0" g="0" b="0"/>
+      </a:lnRef>
+      <a:fillRef idx="1">
+        <a:scrgbClr r="0" g="0" b="0"/>
+      </a:fillRef>
+      <a:effectRef idx="0">
+        <a:scrgbClr r="0" g="0" b="0"/>
+      </a:effectRef>
+      <a:fontRef idx="minor"/>
+    </dgm:style>
+  </dgm:styleLbl>
+  <dgm:styleLbl name="asst0">
+    <dgm:scene3d>
+      <a:camera prst="orthographicFront"/>
+      <a:lightRig rig="flat" dir="t"/>
+    </dgm:scene3d>
+    <dgm:sp3d prstMaterial="plastic">
+      <a:bevelT w="120900" h="88900"/>
+      <a:bevelB w="88900" h="31750" prst="angle"/>
+    </dgm:sp3d>
+    <dgm:txPr/>
+    <dgm:style>
+      <a:lnRef idx="0">
+        <a:scrgbClr r="0" g="0" b="0"/>
+      </a:lnRef>
+      <a:fillRef idx="3">
+        <a:scrgbClr r="0" g="0" b="0"/>
+      </a:fillRef>
+      <a:effectRef idx="1">
+        <a:scrgbClr r="0" g="0" b="0"/>
+      </a:effectRef>
+      <a:fontRef idx="minor">
+        <a:schemeClr val="lt1"/>
+      </a:fontRef>
+    </dgm:style>
+  </dgm:styleLbl>
+  <dgm:styleLbl name="asst1">
+    <dgm:scene3d>
+      <a:camera prst="orthographicFront"/>
+      <a:lightRig rig="flat" dir="t"/>
+    </dgm:scene3d>
+    <dgm:sp3d prstMaterial="plastic">
+      <a:bevelT w="120900" h="88900"/>
+      <a:bevelB w="88900" h="31750" prst="angle"/>
+    </dgm:sp3d>
+    <dgm:txPr/>
+    <dgm:style>
+      <a:lnRef idx="0">
+        <a:scrgbClr r="0" g="0" b="0"/>
+      </a:lnRef>
+      <a:fillRef idx="3">
+        <a:scrgbClr r="0" g="0" b="0"/>
+      </a:fillRef>
+      <a:effectRef idx="1">
+        <a:scrgbClr r="0" g="0" b="0"/>
+      </a:effectRef>
+      <a:fontRef idx="minor">
+        <a:schemeClr val="lt1"/>
+      </a:fontRef>
+    </dgm:style>
+  </dgm:styleLbl>
+  <dgm:styleLbl name="asst2">
+    <dgm:scene3d>
+      <a:camera prst="orthographicFront"/>
+      <a:lightRig rig="flat" dir="t"/>
+    </dgm:scene3d>
+    <dgm:sp3d prstMaterial="plastic">
+      <a:bevelT w="120900" h="88900"/>
+      <a:bevelB w="88900" h="31750" prst="angle"/>
+    </dgm:sp3d>
+    <dgm:txPr/>
+    <dgm:style>
+      <a:lnRef idx="0">
+        <a:scrgbClr r="0" g="0" b="0"/>
+      </a:lnRef>
+      <a:fillRef idx="3">
+        <a:scrgbClr r="0" g="0" b="0"/>
+      </a:fillRef>
+      <a:effectRef idx="1">
+        <a:scrgbClr r="0" g="0" b="0"/>
+      </a:effectRef>
+      <a:fontRef idx="minor">
+        <a:schemeClr val="lt1"/>
+      </a:fontRef>
+    </dgm:style>
+  </dgm:styleLbl>
+  <dgm:styleLbl name="asst3">
+    <dgm:scene3d>
+      <a:camera prst="orthographicFront"/>
+      <a:lightRig rig="flat" dir="t"/>
+    </dgm:scene3d>
+    <dgm:sp3d prstMaterial="plastic">
+      <a:bevelT w="120900" h="88900"/>
+      <a:bevelB w="88900" h="31750" prst="angle"/>
+    </dgm:sp3d>
+    <dgm:txPr/>
+    <dgm:style>
+      <a:lnRef idx="0">
+        <a:scrgbClr r="0" g="0" b="0"/>
+      </a:lnRef>
+      <a:fillRef idx="3">
+        <a:scrgbClr r="0" g="0" b="0"/>
+      </a:fillRef>
+      <a:effectRef idx="1">
+        <a:scrgbClr r="0" g="0" b="0"/>
+      </a:effectRef>
+      <a:fontRef idx="minor">
+        <a:schemeClr val="lt1"/>
+      </a:fontRef>
+    </dgm:style>
+  </dgm:styleLbl>
+  <dgm:styleLbl name="parChTrans2D1">
+    <dgm:scene3d>
+      <a:camera prst="orthographicFront"/>
+      <a:lightRig rig="flat" dir="t"/>
+    </dgm:scene3d>
+    <dgm:sp3d z="-100000" prstMaterial="plastic">
+      <a:bevelT w="120900" h="88900"/>
+      <a:bevelB w="88900" h="31750" prst="angle"/>
+    </dgm:sp3d>
+    <dgm:txPr/>
+    <dgm:style>
+      <a:lnRef idx="0">
+        <a:scrgbClr r="0" g="0" b="0"/>
+      </a:lnRef>
+      <a:fillRef idx="3">
+        <a:scrgbClr r="0" g="0" b="0"/>
+      </a:fillRef>
+      <a:effectRef idx="1">
+        <a:scrgbClr r="0" g="0" b="0"/>
+      </a:effectRef>
+      <a:fontRef idx="minor">
+        <a:schemeClr val="lt1"/>
+      </a:fontRef>
+    </dgm:style>
+  </dgm:styleLbl>
+  <dgm:styleLbl name="parChTrans2D2">
+    <dgm:scene3d>
+      <a:camera prst="orthographicFront"/>
+      <a:lightRig rig="flat" dir="t"/>
+    </dgm:scene3d>
+    <dgm:sp3d z="-60000" prstMaterial="plastic">
+      <a:bevelT w="120900" h="88900"/>
+      <a:bevelB w="88900" h="31750" prst="angle"/>
+    </dgm:sp3d>
+    <dgm:txPr/>
+    <dgm:style>
+      <a:lnRef idx="0">
+        <a:scrgbClr r="0" g="0" b="0"/>
+      </a:lnRef>
+      <a:fillRef idx="3">
+        <a:scrgbClr r="0" g="0" b="0"/>
+      </a:fillRef>
+      <a:effectRef idx="1">
+        <a:scrgbClr r="0" g="0" b="0"/>
+      </a:effectRef>
+      <a:fontRef idx="minor">
+        <a:schemeClr val="lt1"/>
+      </a:fontRef>
+    </dgm:style>
+  </dgm:styleLbl>
+  <dgm:styleLbl name="parChTrans2D3">
+    <dgm:scene3d>
+      <a:camera prst="orthographicFront"/>
+      <a:lightRig rig="flat" dir="t"/>
+    </dgm:scene3d>
+    <dgm:sp3d z="-60000" prstMaterial="plastic">
+      <a:bevelT w="120900" h="88900"/>
+      <a:bevelB w="88900" h="31750" prst="angle"/>
+    </dgm:sp3d>
+    <dgm:txPr/>
+    <dgm:style>
+      <a:lnRef idx="0">
+        <a:scrgbClr r="0" g="0" b="0"/>
+      </a:lnRef>
+      <a:fillRef idx="3">
+        <a:scrgbClr r="0" g="0" b="0"/>
+      </a:fillRef>
+      <a:effectRef idx="1">
+        <a:scrgbClr r="0" g="0" b="0"/>
+      </a:effectRef>
+      <a:fontRef idx="minor">
+        <a:schemeClr val="lt1"/>
+      </a:fontRef>
+    </dgm:style>
+  </dgm:styleLbl>
+  <dgm:styleLbl name="parChTrans2D4">
+    <dgm:scene3d>
+      <a:camera prst="orthographicFront"/>
+      <a:lightRig rig="flat" dir="t"/>
+    </dgm:scene3d>
+    <dgm:sp3d z="-60000" prstMaterial="plastic">
+      <a:bevelT w="120900" h="88900"/>
+      <a:bevelB w="88900" h="31750" prst="angle"/>
+    </dgm:sp3d>
+    <dgm:txPr/>
+    <dgm:style>
+      <a:lnRef idx="0">
+        <a:scrgbClr r="0" g="0" b="0"/>
+      </a:lnRef>
+      <a:fillRef idx="3">
+        <a:scrgbClr r="0" g="0" b="0"/>
+      </a:fillRef>
+      <a:effectRef idx="1">
+        <a:scrgbClr r="0" g="0" b="0"/>
+      </a:effectRef>
+      <a:fontRef idx="minor">
+        <a:schemeClr val="lt1"/>
+      </a:fontRef>
+    </dgm:style>
+  </dgm:styleLbl>
+  <dgm:styleLbl name="parChTrans1D1">
+    <dgm:scene3d>
+      <a:camera prst="orthographicFront"/>
+      <a:lightRig rig="flat" dir="t"/>
+    </dgm:scene3d>
+    <dgm:sp3d prstMaterial="matte"/>
+    <dgm:txPr/>
+    <dgm:style>
+      <a:lnRef idx="2">
+        <a:scrgbClr r="0" g="0" b="0"/>
+      </a:lnRef>
+      <a:fillRef idx="0">
+        <a:scrgbClr r="0" g="0" b="0"/>
+      </a:fillRef>
+      <a:effectRef idx="0">
+        <a:scrgbClr r="0" g="0" b="0"/>
+      </a:effectRef>
+      <a:fontRef idx="minor"/>
+    </dgm:style>
+  </dgm:styleLbl>
+  <dgm:styleLbl name="parChTrans1D2">
+    <dgm:scene3d>
+      <a:camera prst="orthographicFront"/>
+      <a:lightRig rig="flat" dir="t"/>
+    </dgm:scene3d>
+    <dgm:sp3d prstMaterial="matte"/>
+    <dgm:txPr/>
+    <dgm:style>
+      <a:lnRef idx="2">
+        <a:scrgbClr r="0" g="0" b="0"/>
+      </a:lnRef>
+      <a:fillRef idx="0">
+        <a:scrgbClr r="0" g="0" b="0"/>
+      </a:fillRef>
+      <a:effectRef idx="0">
+        <a:scrgbClr r="0" g="0" b="0"/>
+      </a:effectRef>
+      <a:fontRef idx="minor"/>
+    </dgm:style>
+  </dgm:styleLbl>
+  <dgm:styleLbl name="parChTrans1D3">
+    <dgm:scene3d>
+      <a:camera prst="orthographicFront"/>
+      <a:lightRig rig="flat" dir="t"/>
+    </dgm:scene3d>
+    <dgm:sp3d prstMaterial="matte"/>
+    <dgm:txPr/>
+    <dgm:style>
+      <a:lnRef idx="2">
+        <a:scrgbClr r="0" g="0" b="0"/>
+      </a:lnRef>
+      <a:fillRef idx="0">
+        <a:scrgbClr r="0" g="0" b="0"/>
+      </a:fillRef>
+      <a:effectRef idx="0">
+        <a:scrgbClr r="0" g="0" b="0"/>
+      </a:effectRef>
+      <a:fontRef idx="minor"/>
+    </dgm:style>
+  </dgm:styleLbl>
+  <dgm:styleLbl name="parChTrans1D4">
+    <dgm:scene3d>
+      <a:camera prst="orthographicFront"/>
+      <a:lightRig rig="flat" dir="t"/>
+    </dgm:scene3d>
+    <dgm:sp3d prstMaterial="matte"/>
+    <dgm:txPr/>
+    <dgm:style>
+      <a:lnRef idx="2">
+        <a:scrgbClr r="0" g="0" b="0"/>
+      </a:lnRef>
+      <a:fillRef idx="0">
+        <a:scrgbClr r="0" g="0" b="0"/>
+      </a:fillRef>
+      <a:effectRef idx="0">
+        <a:scrgbClr r="0" g="0" b="0"/>
+      </a:effectRef>
+      <a:fontRef idx="minor"/>
+    </dgm:style>
+  </dgm:styleLbl>
+  <dgm:styleLbl name="fgAcc1">
+    <dgm:scene3d>
+      <a:camera prst="orthographicFront"/>
+      <a:lightRig rig="flat" dir="t"/>
+    </dgm:scene3d>
+    <dgm:sp3d z="190500" extrusionH="12700" prstMaterial="plastic">
+      <a:bevelT w="50800" h="50800"/>
+    </dgm:sp3d>
+    <dgm:txPr/>
+    <dgm:style>
+      <a:lnRef idx="1">
+        <a:scrgbClr r="0" g="0" b="0"/>
+      </a:lnRef>
+      <a:fillRef idx="1">
+        <a:scrgbClr r="0" g="0" b="0"/>
+      </a:fillRef>
+      <a:effectRef idx="2">
+        <a:scrgbClr r="0" g="0" b="0"/>
+      </a:effectRef>
+      <a:fontRef idx="minor"/>
+    </dgm:style>
+  </dgm:styleLbl>
+  <dgm:styleLbl name="conFgAcc1">
+    <dgm:scene3d>
+      <a:camera prst="orthographicFront"/>
+      <a:lightRig rig="flat" dir="t"/>
+    </dgm:scene3d>
+    <dgm:sp3d z="190500" extrusionH="12700" prstMaterial="plastic">
+      <a:bevelT w="50800" h="50800"/>
+    </dgm:sp3d>
+    <dgm:txPr/>
+    <dgm:style>
+      <a:lnRef idx="1">
+        <a:scrgbClr r="0" g="0" b="0"/>
+      </a:lnRef>
+      <a:fillRef idx="1">
+        <a:scrgbClr r="0" g="0" b="0"/>
+      </a:fillRef>
+      <a:effectRef idx="2">
+        <a:scrgbClr r="0" g="0" b="0"/>
+      </a:effectRef>
+      <a:fontRef idx="minor"/>
+    </dgm:style>
+  </dgm:styleLbl>
+  <dgm:styleLbl name="alignAcc1">
+    <dgm:scene3d>
+      <a:camera prst="orthographicFront"/>
+      <a:lightRig rig="flat" dir="t"/>
+    </dgm:scene3d>
+    <dgm:sp3d extrusionH="12700" prstMaterial="plastic">
+      <a:bevelT w="50800" h="50800"/>
+    </dgm:sp3d>
+    <dgm:txPr/>
+    <dgm:style>
+      <a:lnRef idx="1">
+        <a:scrgbClr r="0" g="0" b="0"/>
+      </a:lnRef>
+      <a:fillRef idx="1">
+        <a:scrgbClr r="0" g="0" b="0"/>
+      </a:fillRef>
+      <a:effectRef idx="2">
+        <a:scrgbClr r="0" g="0" b="0"/>
+      </a:effectRef>
+      <a:fontRef idx="minor"/>
+    </dgm:style>
+  </dgm:styleLbl>
+  <dgm:styleLbl name="trAlignAcc1">
+    <dgm:scene3d>
+      <a:camera prst="orthographicFront"/>
+      <a:lightRig rig="flat" dir="t"/>
+    </dgm:scene3d>
+    <dgm:sp3d extrusionH="12700" prstMaterial="plastic">
+      <a:bevelT w="50800" h="50800"/>
+    </dgm:sp3d>
+    <dgm:txPr/>
+    <dgm:style>
+      <a:lnRef idx="1">
+        <a:scrgbClr r="0" g="0" b="0"/>
+      </a:lnRef>
+      <a:fillRef idx="1">
+        <a:scrgbClr r="0" g="0" b="0"/>
+      </a:fillRef>
+      <a:effectRef idx="2">
+        <a:scrgbClr r="0" g="0" b="0"/>
+      </a:effectRef>
+      <a:fontRef idx="minor"/>
+    </dgm:style>
+  </dgm:styleLbl>
+  <dgm:styleLbl name="bgAcc1">
+    <dgm:scene3d>
+      <a:camera prst="orthographicFront"/>
+      <a:lightRig rig="flat" dir="t"/>
+    </dgm:scene3d>
+    <dgm:sp3d z="-190500" extrusionH="12700" prstMaterial="plastic">
+      <a:bevelT w="50800" h="50800"/>
+    </dgm:sp3d>
+    <dgm:txPr/>
+    <dgm:style>
+      <a:lnRef idx="1">
+        <a:scrgbClr r="0" g="0" b="0"/>
+      </a:lnRef>
+      <a:fillRef idx="1">
+        <a:scrgbClr r="0" g="0" b="0"/>
+      </a:fillRef>
+      <a:effectRef idx="2">
+        <a:scrgbClr r="0" g="0" b="0"/>
+      </a:effectRef>
+      <a:fontRef idx="minor"/>
+    </dgm:style>
+  </dgm:styleLbl>
+  <dgm:styleLbl name="solidFgAcc1">
+    <dgm:scene3d>
+      <a:camera prst="orthographicFront"/>
+      <a:lightRig rig="flat" dir="t"/>
+    </dgm:scene3d>
+    <dgm:sp3d z="190500" extrusionH="12700" prstMaterial="plastic">
+      <a:bevelT w="50800" h="50800"/>
+    </dgm:sp3d>
+    <dgm:txPr/>
+    <dgm:style>
+      <a:lnRef idx="1">
+        <a:scrgbClr r="0" g="0" b="0"/>
+      </a:lnRef>
+      <a:fillRef idx="1">
+        <a:scrgbClr r="0" g="0" b="0"/>
+      </a:fillRef>
+      <a:effectRef idx="2">
+        <a:scrgbClr r="0" g="0" b="0"/>
+      </a:effectRef>
+      <a:fontRef idx="minor"/>
+    </dgm:style>
+  </dgm:styleLbl>
+  <dgm:styleLbl name="solidAlignAcc1">
+    <dgm:scene3d>
+      <a:camera prst="orthographicFront"/>
+      <a:lightRig rig="flat" dir="t"/>
+    </dgm:scene3d>
+    <dgm:sp3d extrusionH="12700" prstMaterial="plastic">
+      <a:bevelT w="50800" h="50800"/>
+    </dgm:sp3d>
+    <dgm:txPr/>
+    <dgm:style>
+      <a:lnRef idx="1">
+        <a:scrgbClr r="0" g="0" b="0"/>
+      </a:lnRef>
+      <a:fillRef idx="1">
+        <a:scrgbClr r="0" g="0" b="0"/>
+      </a:fillRef>
+      <a:effectRef idx="2">
+        <a:scrgbClr r="0" g="0" b="0"/>
+      </a:effectRef>
+      <a:fontRef idx="minor"/>
+    </dgm:style>
+  </dgm:styleLbl>
+  <dgm:styleLbl name="solidBgAcc1">
+    <dgm:scene3d>
+      <a:camera prst="orthographicFront"/>
+      <a:lightRig rig="flat" dir="t"/>
+    </dgm:scene3d>
+    <dgm:sp3d z="-190500" extrusionH="12700" prstMaterial="plastic">
+      <a:bevelT w="50800" h="50800"/>
+    </dgm:sp3d>
+    <dgm:txPr/>
+    <dgm:style>
+      <a:lnRef idx="1">
+        <a:scrgbClr r="0" g="0" b="0"/>
+      </a:lnRef>
+      <a:fillRef idx="1">
+        <a:scrgbClr r="0" g="0" b="0"/>
+      </a:fillRef>
+      <a:effectRef idx="2">
+        <a:scrgbClr r="0" g="0" b="0"/>
+      </a:effectRef>
+      <a:fontRef idx="minor"/>
+    </dgm:style>
+  </dgm:styleLbl>
+  <dgm:styleLbl name="fgAccFollowNode1">
+    <dgm:scene3d>
+      <a:camera prst="orthographicFront"/>
+      <a:lightRig rig="flat" dir="t"/>
+    </dgm:scene3d>
+    <dgm:sp3d z="190500" extrusionH="12700" prstMaterial="plastic">
+      <a:bevelT w="50800" h="50800"/>
+    </dgm:sp3d>
+    <dgm:txPr/>
+    <dgm:style>
+      <a:lnRef idx="1">
+        <a:scrgbClr r="0" g="0" b="0"/>
+      </a:lnRef>
+      <a:fillRef idx="1">
+        <a:scrgbClr r="0" g="0" b="0"/>
+      </a:fillRef>
+      <a:effectRef idx="2">
+        <a:scrgbClr r="0" g="0" b="0"/>
+      </a:effectRef>
+      <a:fontRef idx="minor"/>
+    </dgm:style>
+  </dgm:styleLbl>
+  <dgm:styleLbl name="alignAccFollowNode1">
+    <dgm:scene3d>
+      <a:camera prst="orthographicFront"/>
+      <a:lightRig rig="flat" dir="t"/>
+    </dgm:scene3d>
+    <dgm:sp3d extrusionH="12700" prstMaterial="plastic">
+      <a:bevelT w="50800" h="50800"/>
+    </dgm:sp3d>
+    <dgm:txPr/>
+    <dgm:style>
+      <a:lnRef idx="1">
+        <a:scrgbClr r="0" g="0" b="0"/>
+      </a:lnRef>
+      <a:fillRef idx="1">
+        <a:scrgbClr r="0" g="0" b="0"/>
+      </a:fillRef>
+      <a:effectRef idx="2">
+        <a:scrgbClr r="0" g="0" b="0"/>
+      </a:effectRef>
+      <a:fontRef idx="minor"/>
+    </dgm:style>
+  </dgm:styleLbl>
+  <dgm:styleLbl name="bgAccFollowNode1">
+    <dgm:scene3d>
+      <a:camera prst="orthographicFront"/>
+      <a:lightRig rig="flat" dir="t"/>
+    </dgm:scene3d>
+    <dgm:sp3d z="-190500" extrusionH="12700" prstMaterial="plastic">
+      <a:bevelT w="50800" h="50800"/>
+    </dgm:sp3d>
+    <dgm:txPr/>
+    <dgm:style>
+      <a:lnRef idx="1">
+        <a:scrgbClr r="0" g="0" b="0"/>
+      </a:lnRef>
+      <a:fillRef idx="1">
+        <a:scrgbClr r="0" g="0" b="0"/>
+      </a:fillRef>
+      <a:effectRef idx="2">
+        <a:scrgbClr r="0" g="0" b="0"/>
+      </a:effectRef>
+      <a:fontRef idx="minor"/>
+    </dgm:style>
+  </dgm:styleLbl>
+  <dgm:styleLbl name="fgAcc0">
+    <dgm:scene3d>
+      <a:camera prst="orthographicFront"/>
+      <a:lightRig rig="flat" dir="t"/>
+    </dgm:scene3d>
+    <dgm:sp3d z="190500" extrusionH="12700" prstMaterial="plastic">
+      <a:bevelT w="50800" h="50800"/>
+    </dgm:sp3d>
+    <dgm:txPr/>
+    <dgm:style>
+      <a:lnRef idx="1">
+        <a:scrgbClr r="0" g="0" b="0"/>
+      </a:lnRef>
+      <a:fillRef idx="1">
+        <a:scrgbClr r="0" g="0" b="0"/>
+      </a:fillRef>
+      <a:effectRef idx="2">
+        <a:scrgbClr r="0" g="0" b="0"/>
+      </a:effectRef>
+      <a:fontRef idx="minor"/>
+    </dgm:style>
+  </dgm:styleLbl>
+  <dgm:styleLbl name="fgAcc2">
+    <dgm:scene3d>
+      <a:camera prst="orthographicFront"/>
+      <a:lightRig rig="flat" dir="t"/>
+    </dgm:scene3d>
+    <dgm:sp3d z="190500" extrusionH="12700" prstMaterial="plastic">
+      <a:bevelT w="50800" h="50800"/>
+    </dgm:sp3d>
+    <dgm:txPr/>
+    <dgm:style>
+      <a:lnRef idx="1">
+        <a:scrgbClr r="0" g="0" b="0"/>
+      </a:lnRef>
+      <a:fillRef idx="1">
+        <a:scrgbClr r="0" g="0" b="0"/>
+      </a:fillRef>
+      <a:effectRef idx="2">
+        <a:scrgbClr r="0" g="0" b="0"/>
+      </a:effectRef>
+      <a:fontRef idx="minor"/>
+    </dgm:style>
+  </dgm:styleLbl>
+  <dgm:styleLbl name="fgAcc3">
+    <dgm:scene3d>
+      <a:camera prst="orthographicFront"/>
+      <a:lightRig rig="flat" dir="t"/>
+    </dgm:scene3d>
+    <dgm:sp3d z="190500" extrusionH="12700" prstMaterial="plastic">
+      <a:bevelT w="50800" h="50800"/>
+    </dgm:sp3d>
+    <dgm:txPr/>
+    <dgm:style>
+      <a:lnRef idx="1">
+        <a:scrgbClr r="0" g="0" b="0"/>
+      </a:lnRef>
+      <a:fillRef idx="1">
+        <a:scrgbClr r="0" g="0" b="0"/>
+      </a:fillRef>
+      <a:effectRef idx="2">
+        <a:scrgbClr r="0" g="0" b="0"/>
+      </a:effectRef>
+      <a:fontRef idx="minor"/>
+    </dgm:style>
+  </dgm:styleLbl>
+  <dgm:styleLbl name="fgAcc4">
+    <dgm:scene3d>
+      <a:camera prst="orthographicFront"/>
+      <a:lightRig rig="flat" dir="t"/>
+    </dgm:scene3d>
+    <dgm:sp3d z="190500" extrusionH="12700" prstMaterial="plastic">
+      <a:bevelT w="50800" h="50800"/>
+    </dgm:sp3d>
+    <dgm:txPr/>
+    <dgm:style>
+      <a:lnRef idx="1">
+        <a:scrgbClr r="0" g="0" b="0"/>
+      </a:lnRef>
+      <a:fillRef idx="1">
+        <a:scrgbClr r="0" g="0" b="0"/>
+      </a:fillRef>
+      <a:effectRef idx="2">
+        <a:scrgbClr r="0" g="0" b="0"/>
+      </a:effectRef>
+      <a:fontRef idx="minor"/>
+    </dgm:style>
+  </dgm:styleLbl>
+  <dgm:styleLbl name="bgShp">
+    <dgm:scene3d>
+      <a:camera prst="orthographicFront"/>
+      <a:lightRig rig="flat" dir="t"/>
+    </dgm:scene3d>
+    <dgm:sp3d z="-190500" extrusionH="12700" prstMaterial="plastic">
+      <a:bevelT w="50800" h="50800"/>
+    </dgm:sp3d>
+    <dgm:txPr/>
+    <dgm:style>
+      <a:lnRef idx="0">
+        <a:scrgbClr r="0" g="0" b="0"/>
+      </a:lnRef>
+      <a:fillRef idx="3">
+        <a:scrgbClr r="0" g="0" b="0"/>
+      </a:fillRef>
+      <a:effectRef idx="0">
+        <a:scrgbClr r="0" g="0" b="0"/>
+      </a:effectRef>
+      <a:fontRef idx="minor"/>
+    </dgm:style>
+  </dgm:styleLbl>
+  <dgm:styleLbl name="dkBgShp">
+    <dgm:scene3d>
+      <a:camera prst="orthographicFront"/>
+      <a:lightRig rig="flat" dir="t"/>
+    </dgm:scene3d>
+    <dgm:sp3d z="-190500" extrusionH="12700" prstMaterial="plastic">
+      <a:bevelT w="50800" h="50800"/>
+    </dgm:sp3d>
+    <dgm:txPr/>
+    <dgm:style>
+      <a:lnRef idx="0">
+        <a:scrgbClr r="0" g="0" b="0"/>
+      </a:lnRef>
+      <a:fillRef idx="2">
+        <a:scrgbClr r="0" g="0" b="0"/>
+      </a:fillRef>
+      <a:effectRef idx="0">
+        <a:scrgbClr r="0" g="0" b="0"/>
+      </a:effectRef>
+      <a:fontRef idx="minor"/>
+    </dgm:style>
+  </dgm:styleLbl>
+  <dgm:styleLbl name="trBgShp">
+    <dgm:scene3d>
+      <a:camera prst="orthographicFront"/>
+      <a:lightRig rig="flat" dir="t"/>
+    </dgm:scene3d>
+    <dgm:sp3d z="-190500" extrusionH="12700" prstMaterial="matte"/>
+    <dgm:txPr/>
+    <dgm:style>
+      <a:lnRef idx="0">
+        <a:scrgbClr r="0" g="0" b="0"/>
+      </a:lnRef>
+      <a:fillRef idx="1">
+        <a:scrgbClr r="0" g="0" b="0"/>
+      </a:fillRef>
+      <a:effectRef idx="0">
+        <a:scrgbClr r="0" g="0" b="0"/>
+      </a:effectRef>
+      <a:fontRef idx="minor"/>
+    </dgm:style>
+  </dgm:styleLbl>
+  <dgm:styleLbl name="fgShp">
+    <dgm:scene3d>
+      <a:camera prst="orthographicFront"/>
+      <a:lightRig rig="flat" dir="t"/>
+    </dgm:scene3d>
+    <dgm:sp3d z="190500" prstMaterial="plastic">
+      <a:bevelT w="120900" h="88900"/>
+      <a:bevelB w="88900" h="31750" prst="angle"/>
+    </dgm:sp3d>
+    <dgm:txPr/>
+    <dgm:style>
+      <a:lnRef idx="0">
+        <a:scrgbClr r="0" g="0" b="0"/>
+      </a:lnRef>
+      <a:fillRef idx="1">
+        <a:scrgbClr r="0" g="0" b="0"/>
+      </a:fillRef>
+      <a:effectRef idx="3">
+        <a:scrgbClr r="0" g="0" b="0"/>
+      </a:effectRef>
+      <a:fontRef idx="minor">
+        <a:schemeClr val="lt1"/>
+      </a:fontRef>
+    </dgm:style>
+  </dgm:styleLbl>
+  <dgm:styleLbl name="revTx">
+    <dgm:scene3d>
+      <a:camera prst="orthographicFront"/>
+      <a:lightRig rig="threePt" dir="t"/>
+    </dgm:scene3d>
+    <dgm:sp3d/>
+    <dgm:txPr/>
+    <dgm:style>
+      <a:lnRef idx="0">
+        <a:scrgbClr r="0" g="0" b="0"/>
+      </a:lnRef>
+      <a:fillRef idx="0">
+        <a:scrgbClr r="0" g="0" b="0"/>
+      </a:fillRef>
+      <a:effectRef idx="0">
+        <a:scrgbClr r="0" g="0" b="0"/>
+      </a:effectRef>
+      <a:fontRef idx="minor"/>
+    </dgm:style>
+  </dgm:styleLbl>
+</dgm:styleDef>
+</file>
+
+<file path=ppt/diagrams/quickStyle3.xml><?xml version="1.0" encoding="utf-8"?>
 <dgm:styleDef xmlns:dgm="http://schemas.openxmlformats.org/drawingml/2006/diagram" xmlns:a="http://schemas.openxmlformats.org/drawingml/2006/main" uniqueId="urn:microsoft.com/office/officeart/2005/8/quickstyle/3d1">
   <dgm:title val=""/>
   <dgm:desc val=""/>
@@ -5816,7 +8703,7 @@
           <a:p>
             <a:fld id="{285264BB-8F8A-4D4A-88A3-0640162C694A}" type="datetimeFigureOut">
               <a:rPr lang="zh-CN" altLang="en-US" smtClean="0"/>
-              <a:t>2024/3/21</a:t>
+              <a:t>2024/3/22</a:t>
             </a:fld>
             <a:endParaRPr lang="zh-CN" altLang="en-US"/>
           </a:p>
@@ -5981,7 +8868,7 @@
           <a:p>
             <a:fld id="{C3C1C5A8-D213-43C4-B748-86D822F1E0AF}" type="datetimeFigureOut">
               <a:rPr lang="zh-CN" altLang="en-US" smtClean="0"/>
-              <a:t>2024/3/21</a:t>
+              <a:t>2024/3/22</a:t>
             </a:fld>
             <a:endParaRPr lang="zh-CN" altLang="en-US"/>
           </a:p>
@@ -11238,7 +14125,10 @@
           <a:bodyPr/>
           <a:lstStyle/>
           <a:p>
-            <a:endParaRPr lang="zh-CN" altLang="en-US" dirty="0"/>
+            <a:r>
+              <a:rPr lang="zh-CN" altLang="en-US" dirty="0"/>
+              <a:t>先演示绘图功能</a:t>
+            </a:r>
           </a:p>
         </p:txBody>
       </p:sp>
@@ -11323,15 +14213,23 @@
           <a:lstStyle/>
           <a:p>
             <a:r>
-              <a:rPr lang="zh-CN" altLang="en-US" dirty="0">
-                <a:solidFill>
-                  <a:srgbClr val="000000"/>
-                </a:solidFill>
-                <a:effectLst/>
-              </a:rPr>
-              <a:t>请介绍机体这个软件的功能</a:t>
-            </a:r>
-            <a:endParaRPr lang="zh-CN" altLang="en-US" dirty="0"/>
+              <a:rPr lang="zh-CN" altLang="en-US" dirty="0"/>
+              <a:t>是什么</a:t>
+            </a:r>
+            <a:endParaRPr lang="en-US" altLang="zh-CN" dirty="0"/>
+          </a:p>
+          <a:p>
+            <a:r>
+              <a:rPr lang="zh-CN" altLang="en-US" dirty="0"/>
+              <a:t>为什么</a:t>
+            </a:r>
+            <a:endParaRPr lang="en-US" altLang="zh-CN" dirty="0"/>
+          </a:p>
+          <a:p>
+            <a:r>
+              <a:rPr lang="zh-CN" altLang="en-US" dirty="0"/>
+              <a:t>怎么做。。。</a:t>
+            </a:r>
           </a:p>
         </p:txBody>
       </p:sp>
@@ -11352,7 +14250,100 @@
           <a:p>
             <a:fld id="{5DE12CCA-7540-48DB-8E56-327F4EA06BC9}" type="slidenum">
               <a:rPr lang="zh-CN" altLang="en-US" smtClean="0"/>
-              <a:t>41</a:t>
+              <a:t>40</a:t>
+            </a:fld>
+            <a:endParaRPr lang="zh-CN" altLang="en-US"/>
+          </a:p>
+        </p:txBody>
+      </p:sp>
+    </p:spTree>
+    <p:extLst>
+      <p:ext uri="{BB962C8B-B14F-4D97-AF65-F5344CB8AC3E}">
+        <p14:creationId xmlns:p14="http://schemas.microsoft.com/office/powerpoint/2010/main" val="1236056609"/>
+      </p:ext>
+    </p:extLst>
+  </p:cSld>
+  <p:clrMapOvr>
+    <a:masterClrMapping/>
+  </p:clrMapOvr>
+</p:notes>
+</file>
+
+<file path=ppt/notesSlides/notesSlide39.xml><?xml version="1.0" encoding="utf-8"?>
+<p:notes xmlns:a="http://schemas.openxmlformats.org/drawingml/2006/main" xmlns:r="http://schemas.openxmlformats.org/officeDocument/2006/relationships" xmlns:p="http://schemas.openxmlformats.org/presentationml/2006/main">
+  <p:cSld>
+    <p:spTree>
+      <p:nvGrpSpPr>
+        <p:cNvPr id="1" name=""/>
+        <p:cNvGrpSpPr/>
+        <p:nvPr/>
+      </p:nvGrpSpPr>
+      <p:grpSpPr>
+        <a:xfrm>
+          <a:off x="0" y="0"/>
+          <a:ext cx="0" cy="0"/>
+          <a:chOff x="0" y="0"/>
+          <a:chExt cx="0" cy="0"/>
+        </a:xfrm>
+      </p:grpSpPr>
+      <p:sp>
+        <p:nvSpPr>
+          <p:cNvPr id="2" name="幻灯片图像占位符 1"/>
+          <p:cNvSpPr>
+            <a:spLocks noGrp="1" noRot="1" noChangeAspect="1"/>
+          </p:cNvSpPr>
+          <p:nvPr>
+            <p:ph type="sldImg"/>
+          </p:nvPr>
+        </p:nvSpPr>
+        <p:spPr/>
+      </p:sp>
+      <p:sp>
+        <p:nvSpPr>
+          <p:cNvPr id="3" name="备注占位符 2"/>
+          <p:cNvSpPr>
+            <a:spLocks noGrp="1"/>
+          </p:cNvSpPr>
+          <p:nvPr>
+            <p:ph type="body" idx="1"/>
+          </p:nvPr>
+        </p:nvSpPr>
+        <p:spPr/>
+        <p:txBody>
+          <a:bodyPr/>
+          <a:lstStyle/>
+          <a:p>
+            <a:r>
+              <a:rPr lang="zh-CN" altLang="en-US" dirty="0">
+                <a:solidFill>
+                  <a:srgbClr val="000000"/>
+                </a:solidFill>
+                <a:effectLst/>
+              </a:rPr>
+              <a:t>请介绍机体这个软件的功能</a:t>
+            </a:r>
+            <a:endParaRPr lang="zh-CN" altLang="en-US" dirty="0"/>
+          </a:p>
+        </p:txBody>
+      </p:sp>
+      <p:sp>
+        <p:nvSpPr>
+          <p:cNvPr id="4" name="灯片编号占位符 3"/>
+          <p:cNvSpPr>
+            <a:spLocks noGrp="1"/>
+          </p:cNvSpPr>
+          <p:nvPr>
+            <p:ph type="sldNum" sz="quarter" idx="5"/>
+          </p:nvPr>
+        </p:nvSpPr>
+        <p:spPr/>
+        <p:txBody>
+          <a:bodyPr/>
+          <a:lstStyle/>
+          <a:p>
+            <a:fld id="{5DE12CCA-7540-48DB-8E56-327F4EA06BC9}" type="slidenum">
+              <a:rPr lang="zh-CN" altLang="en-US" smtClean="0"/>
+              <a:t>44</a:t>
             </a:fld>
             <a:endParaRPr lang="zh-CN" altLang="en-US"/>
           </a:p>
@@ -12127,7 +15118,7 @@
           <a:p>
             <a:fld id="{760FBDFE-C587-4B4C-A407-44438C67B59E}" type="datetimeFigureOut">
               <a:rPr lang="zh-CN" altLang="en-US" smtClean="0"/>
-              <a:t>2024/3/21</a:t>
+              <a:t>2024/3/22</a:t>
             </a:fld>
             <a:endParaRPr lang="zh-CN" altLang="en-US"/>
           </a:p>
@@ -12570,7 +15561,7 @@
             <a:fld id="{96DFF08F-DC6B-4601-B491-B0F83F6DD2DA}" type="datetimeFigureOut">
               <a:rPr lang="en-US" dirty="0"/>
               <a:pPr/>
-              <a:t>3/21/2024</a:t>
+              <a:t>3/22/2024</a:t>
             </a:fld>
             <a:endParaRPr lang="en-US" dirty="0"/>
           </a:p>
@@ -34910,6 +37901,76 @@
           <a:chExt cx="0" cy="0"/>
         </a:xfrm>
       </p:grpSpPr>
+      <p:graphicFrame>
+        <p:nvGraphicFramePr>
+          <p:cNvPr id="8" name="图示 7">
+            <a:extLst>
+              <a:ext uri="{FF2B5EF4-FFF2-40B4-BE49-F238E27FC236}">
+                <a16:creationId xmlns:a16="http://schemas.microsoft.com/office/drawing/2014/main" id="{4196B546-E362-4A9A-AC98-31A615E79C7D}"/>
+              </a:ext>
+            </a:extLst>
+          </p:cNvPr>
+          <p:cNvGraphicFramePr/>
+          <p:nvPr>
+            <p:extLst>
+              <p:ext uri="{D42A27DB-BD31-4B8C-83A1-F6EECF244321}">
+                <p14:modId xmlns:p14="http://schemas.microsoft.com/office/powerpoint/2010/main" val="2527606812"/>
+              </p:ext>
+            </p:extLst>
+          </p:nvPr>
+        </p:nvGraphicFramePr>
+        <p:xfrm>
+          <a:off x="2565047" y="915779"/>
+          <a:ext cx="7061907" cy="4707781"/>
+        </p:xfrm>
+        <a:graphic>
+          <a:graphicData uri="http://schemas.openxmlformats.org/drawingml/2006/diagram">
+            <dgm:relIds xmlns:dgm="http://schemas.openxmlformats.org/drawingml/2006/diagram" xmlns:r="http://schemas.openxmlformats.org/officeDocument/2006/relationships" r:dm="rId3" r:lo="rId4" r:qs="rId5" r:cs="rId6"/>
+          </a:graphicData>
+        </a:graphic>
+      </p:graphicFrame>
+    </p:spTree>
+    <p:extLst>
+      <p:ext uri="{BB962C8B-B14F-4D97-AF65-F5344CB8AC3E}">
+        <p14:creationId xmlns:p14="http://schemas.microsoft.com/office/powerpoint/2010/main" val="366407482"/>
+      </p:ext>
+    </p:extLst>
+  </p:cSld>
+  <p:clrMapOvr>
+    <a:masterClrMapping/>
+  </p:clrMapOvr>
+  <mc:AlternateContent xmlns:mc="http://schemas.openxmlformats.org/markup-compatibility/2006" xmlns:p14="http://schemas.microsoft.com/office/powerpoint/2010/main">
+    <mc:Choice Requires="p14">
+      <p:transition spd="med" p14:dur="700">
+        <p:fade/>
+      </p:transition>
+    </mc:Choice>
+    <mc:Fallback xmlns="">
+      <p:transition spd="med">
+        <p:fade/>
+      </p:transition>
+    </mc:Fallback>
+  </mc:AlternateContent>
+</p:sld>
+</file>
+
+<file path=ppt/slides/slide41.xml><?xml version="1.0" encoding="utf-8"?>
+<p:sld xmlns:a="http://schemas.openxmlformats.org/drawingml/2006/main" xmlns:r="http://schemas.openxmlformats.org/officeDocument/2006/relationships" xmlns:p="http://schemas.openxmlformats.org/presentationml/2006/main">
+  <p:cSld>
+    <p:spTree>
+      <p:nvGrpSpPr>
+        <p:cNvPr id="1" name=""/>
+        <p:cNvGrpSpPr/>
+        <p:nvPr/>
+      </p:nvGrpSpPr>
+      <p:grpSpPr>
+        <a:xfrm>
+          <a:off x="0" y="0"/>
+          <a:ext cx="0" cy="0"/>
+          <a:chOff x="0" y="0"/>
+          <a:chExt cx="0" cy="0"/>
+        </a:xfrm>
+      </p:grpSpPr>
       <p:sp>
         <p:nvSpPr>
           <p:cNvPr id="2" name="标题 1">
@@ -34954,7 +38015,7 @@
         </p:nvSpPr>
         <p:spPr>
           <a:xfrm>
-            <a:off x="2464236" y="2899113"/>
+            <a:off x="770448" y="1285105"/>
             <a:ext cx="7263527" cy="461665"/>
           </a:xfrm>
           <a:prstGeom prst="rect">
@@ -34969,18 +38030,45 @@
           <a:lstStyle/>
           <a:p>
             <a:r>
-              <a:rPr lang="zh-CN" altLang="en-US" sz="2400">
-                <a:latin typeface="黑体" panose="02010609060101010101" pitchFamily="49" charset="-122"/>
-                <a:ea typeface="黑体" panose="02010609060101010101" pitchFamily="49" charset="-122"/>
-              </a:rPr>
-              <a:t>智能体：能够</a:t>
-            </a:r>
-            <a:r>
               <a:rPr lang="zh-CN" altLang="en-US" sz="2400" dirty="0">
                 <a:latin typeface="黑体" panose="02010609060101010101" pitchFamily="49" charset="-122"/>
                 <a:ea typeface="黑体" panose="02010609060101010101" pitchFamily="49" charset="-122"/>
               </a:rPr>
-              <a:t>与现实交互，自主完成复杂任务的系统</a:t>
+              <a:t>智能体：能够与</a:t>
+            </a:r>
+            <a:r>
+              <a:rPr lang="zh-CN" altLang="en-US" sz="2400" dirty="0">
+                <a:solidFill>
+                  <a:srgbClr val="FF0000"/>
+                </a:solidFill>
+                <a:latin typeface="黑体" panose="02010609060101010101" pitchFamily="49" charset="-122"/>
+                <a:ea typeface="黑体" panose="02010609060101010101" pitchFamily="49" charset="-122"/>
+              </a:rPr>
+              <a:t>现实交互</a:t>
+            </a:r>
+            <a:r>
+              <a:rPr lang="zh-CN" altLang="en-US" sz="2400" dirty="0">
+                <a:latin typeface="黑体" panose="02010609060101010101" pitchFamily="49" charset="-122"/>
+                <a:ea typeface="黑体" panose="02010609060101010101" pitchFamily="49" charset="-122"/>
+              </a:rPr>
+              <a:t>，</a:t>
+            </a:r>
+            <a:r>
+              <a:rPr lang="zh-CN" altLang="en-US" sz="2400" dirty="0">
+                <a:solidFill>
+                  <a:srgbClr val="FF0000"/>
+                </a:solidFill>
+                <a:latin typeface="黑体" panose="02010609060101010101" pitchFamily="49" charset="-122"/>
+                <a:ea typeface="黑体" panose="02010609060101010101" pitchFamily="49" charset="-122"/>
+              </a:rPr>
+              <a:t>自主完成复杂任务</a:t>
+            </a:r>
+            <a:r>
+              <a:rPr lang="zh-CN" altLang="en-US" sz="2400" dirty="0">
+                <a:latin typeface="黑体" panose="02010609060101010101" pitchFamily="49" charset="-122"/>
+                <a:ea typeface="黑体" panose="02010609060101010101" pitchFamily="49" charset="-122"/>
+              </a:rPr>
+              <a:t>的系统</a:t>
             </a:r>
           </a:p>
         </p:txBody>
@@ -35087,7 +38175,474 @@
 </p:sld>
 </file>
 
-<file path=ppt/slides/slide41.xml><?xml version="1.0" encoding="utf-8"?>
+<file path=ppt/slides/slide42.xml><?xml version="1.0" encoding="utf-8"?>
+<p:sld xmlns:a="http://schemas.openxmlformats.org/drawingml/2006/main" xmlns:r="http://schemas.openxmlformats.org/officeDocument/2006/relationships" xmlns:p="http://schemas.openxmlformats.org/presentationml/2006/main">
+  <p:cSld>
+    <p:spTree>
+      <p:nvGrpSpPr>
+        <p:cNvPr id="1" name=""/>
+        <p:cNvGrpSpPr/>
+        <p:nvPr/>
+      </p:nvGrpSpPr>
+      <p:grpSpPr>
+        <a:xfrm>
+          <a:off x="0" y="0"/>
+          <a:ext cx="0" cy="0"/>
+          <a:chOff x="0" y="0"/>
+          <a:chExt cx="0" cy="0"/>
+        </a:xfrm>
+      </p:grpSpPr>
+      <p:sp>
+        <p:nvSpPr>
+          <p:cNvPr id="2" name="标题 1">
+            <a:extLst>
+              <a:ext uri="{FF2B5EF4-FFF2-40B4-BE49-F238E27FC236}">
+                <a16:creationId xmlns:a16="http://schemas.microsoft.com/office/drawing/2014/main" id="{27827D1C-C815-0315-E9B1-7ED358030C8E}"/>
+              </a:ext>
+            </a:extLst>
+          </p:cNvPr>
+          <p:cNvSpPr>
+            <a:spLocks noGrp="1"/>
+          </p:cNvSpPr>
+          <p:nvPr>
+            <p:ph type="title"/>
+          </p:nvPr>
+        </p:nvSpPr>
+        <p:spPr/>
+        <p:txBody>
+          <a:bodyPr>
+            <a:normAutofit fontScale="90000"/>
+          </a:bodyPr>
+          <a:lstStyle/>
+          <a:p>
+            <a:r>
+              <a:rPr lang="zh-CN" altLang="en-US" dirty="0"/>
+              <a:t>二、如何与现实交互？</a:t>
+            </a:r>
+          </a:p>
+        </p:txBody>
+      </p:sp>
+      <p:sp>
+        <p:nvSpPr>
+          <p:cNvPr id="3" name="文本框 2">
+            <a:extLst>
+              <a:ext uri="{FF2B5EF4-FFF2-40B4-BE49-F238E27FC236}">
+                <a16:creationId xmlns:a16="http://schemas.microsoft.com/office/drawing/2014/main" id="{4611C63B-A358-528A-6A7D-DD2ABD851F3D}"/>
+              </a:ext>
+            </a:extLst>
+          </p:cNvPr>
+          <p:cNvSpPr txBox="1"/>
+          <p:nvPr/>
+        </p:nvSpPr>
+        <p:spPr>
+          <a:xfrm>
+            <a:off x="770448" y="1285105"/>
+            <a:ext cx="4493538" cy="461665"/>
+          </a:xfrm>
+          <a:prstGeom prst="rect">
+            <a:avLst/>
+          </a:prstGeom>
+          <a:noFill/>
+        </p:spPr>
+        <p:txBody>
+          <a:bodyPr wrap="none" rtlCol="0">
+            <a:spAutoFit/>
+          </a:bodyPr>
+          <a:lstStyle/>
+          <a:p>
+            <a:r>
+              <a:rPr lang="zh-CN" altLang="en-US" sz="2400" dirty="0">
+                <a:latin typeface="黑体" panose="02010609060101010101" pitchFamily="49" charset="-122"/>
+                <a:ea typeface="黑体" panose="02010609060101010101" pitchFamily="49" charset="-122"/>
+              </a:rPr>
+              <a:t>提示工程</a:t>
+            </a:r>
+            <a:r>
+              <a:rPr lang="en-US" altLang="zh-CN" sz="2400" dirty="0">
+                <a:latin typeface="黑体" panose="02010609060101010101" pitchFamily="49" charset="-122"/>
+                <a:ea typeface="黑体" panose="02010609060101010101" pitchFamily="49" charset="-122"/>
+              </a:rPr>
+              <a:t>+</a:t>
+            </a:r>
+            <a:r>
+              <a:rPr lang="zh-CN" altLang="en-US" sz="2400" dirty="0">
+                <a:latin typeface="黑体" panose="02010609060101010101" pitchFamily="49" charset="-122"/>
+                <a:ea typeface="黑体" panose="02010609060101010101" pitchFamily="49" charset="-122"/>
+              </a:rPr>
+              <a:t>外部工具</a:t>
+            </a:r>
+            <a:r>
+              <a:rPr lang="en-US" altLang="zh-CN" sz="2400" dirty="0">
+                <a:latin typeface="黑体" panose="02010609060101010101" pitchFamily="49" charset="-122"/>
+                <a:ea typeface="黑体" panose="02010609060101010101" pitchFamily="49" charset="-122"/>
+              </a:rPr>
+              <a:t>+</a:t>
+            </a:r>
+            <a:r>
+              <a:rPr lang="zh-CN" altLang="en-US" sz="2400" dirty="0">
+                <a:latin typeface="黑体" panose="02010609060101010101" pitchFamily="49" charset="-122"/>
+                <a:ea typeface="黑体" panose="02010609060101010101" pitchFamily="49" charset="-122"/>
+              </a:rPr>
+              <a:t>输出解析器</a:t>
+            </a:r>
+          </a:p>
+        </p:txBody>
+      </p:sp>
+      <p:pic>
+        <p:nvPicPr>
+          <p:cNvPr id="10" name="图片 9">
+            <a:extLst>
+              <a:ext uri="{FF2B5EF4-FFF2-40B4-BE49-F238E27FC236}">
+                <a16:creationId xmlns:a16="http://schemas.microsoft.com/office/drawing/2014/main" id="{54F4C675-3330-0A8B-F60C-6880D322A639}"/>
+              </a:ext>
+            </a:extLst>
+          </p:cNvPr>
+          <p:cNvPicPr>
+            <a:picLocks noChangeAspect="1"/>
+          </p:cNvPicPr>
+          <p:nvPr/>
+        </p:nvPicPr>
+        <p:blipFill>
+          <a:blip r:embed="rId2"/>
+          <a:stretch>
+            <a:fillRect/>
+          </a:stretch>
+        </p:blipFill>
+        <p:spPr>
+          <a:xfrm>
+            <a:off x="5651970" y="1127164"/>
+            <a:ext cx="5905654" cy="5029332"/>
+          </a:xfrm>
+          <a:prstGeom prst="rect">
+            <a:avLst/>
+          </a:prstGeom>
+        </p:spPr>
+      </p:pic>
+    </p:spTree>
+    <p:extLst>
+      <p:ext uri="{BB962C8B-B14F-4D97-AF65-F5344CB8AC3E}">
+        <p14:creationId xmlns:p14="http://schemas.microsoft.com/office/powerpoint/2010/main" val="598891368"/>
+      </p:ext>
+    </p:extLst>
+  </p:cSld>
+  <p:clrMapOvr>
+    <a:masterClrMapping/>
+  </p:clrMapOvr>
+  <p:timing>
+    <p:tnLst>
+      <p:par>
+        <p:cTn id="1" dur="indefinite" restart="never" nodeType="tmRoot">
+          <p:childTnLst>
+            <p:seq concurrent="1" nextAc="seek">
+              <p:cTn id="2" dur="indefinite" nodeType="mainSeq">
+                <p:childTnLst>
+                  <p:par>
+                    <p:cTn id="3" fill="hold">
+                      <p:stCondLst>
+                        <p:cond delay="indefinite"/>
+                        <p:cond evt="onBegin" delay="0">
+                          <p:tn val="2"/>
+                        </p:cond>
+                      </p:stCondLst>
+                      <p:childTnLst>
+                        <p:par>
+                          <p:cTn id="4" fill="hold">
+                            <p:stCondLst>
+                              <p:cond delay="0"/>
+                            </p:stCondLst>
+                            <p:childTnLst>
+                              <p:par>
+                                <p:cTn id="5" presetID="22" presetClass="entr" presetSubtype="8" fill="hold" grpId="0" nodeType="afterEffect">
+                                  <p:stCondLst>
+                                    <p:cond delay="0"/>
+                                  </p:stCondLst>
+                                  <p:childTnLst>
+                                    <p:set>
+                                      <p:cBhvr>
+                                        <p:cTn id="6" dur="1" fill="hold">
+                                          <p:stCondLst>
+                                            <p:cond delay="0"/>
+                                          </p:stCondLst>
+                                        </p:cTn>
+                                        <p:tgtEl>
+                                          <p:spTgt spid="3"/>
+                                        </p:tgtEl>
+                                        <p:attrNameLst>
+                                          <p:attrName>style.visibility</p:attrName>
+                                        </p:attrNameLst>
+                                      </p:cBhvr>
+                                      <p:to>
+                                        <p:strVal val="visible"/>
+                                      </p:to>
+                                    </p:set>
+                                    <p:animEffect transition="in" filter="wipe(left)">
+                                      <p:cBhvr>
+                                        <p:cTn id="7" dur="500"/>
+                                        <p:tgtEl>
+                                          <p:spTgt spid="3"/>
+                                        </p:tgtEl>
+                                      </p:cBhvr>
+                                    </p:animEffect>
+                                  </p:childTnLst>
+                                </p:cTn>
+                              </p:par>
+                            </p:childTnLst>
+                          </p:cTn>
+                        </p:par>
+                      </p:childTnLst>
+                    </p:cTn>
+                  </p:par>
+                </p:childTnLst>
+              </p:cTn>
+              <p:prevCondLst>
+                <p:cond evt="onPrev" delay="0">
+                  <p:tgtEl>
+                    <p:sldTgt/>
+                  </p:tgtEl>
+                </p:cond>
+              </p:prevCondLst>
+              <p:nextCondLst>
+                <p:cond evt="onNext" delay="0">
+                  <p:tgtEl>
+                    <p:sldTgt/>
+                  </p:tgtEl>
+                </p:cond>
+              </p:nextCondLst>
+            </p:seq>
+          </p:childTnLst>
+        </p:cTn>
+      </p:par>
+    </p:tnLst>
+    <p:bldLst>
+      <p:bldP spid="3" grpId="0"/>
+    </p:bldLst>
+  </p:timing>
+</p:sld>
+</file>
+
+<file path=ppt/slides/slide43.xml><?xml version="1.0" encoding="utf-8"?>
+<p:sld xmlns:a="http://schemas.openxmlformats.org/drawingml/2006/main" xmlns:r="http://schemas.openxmlformats.org/officeDocument/2006/relationships" xmlns:p="http://schemas.openxmlformats.org/presentationml/2006/main">
+  <p:cSld>
+    <p:spTree>
+      <p:nvGrpSpPr>
+        <p:cNvPr id="1" name=""/>
+        <p:cNvGrpSpPr/>
+        <p:nvPr/>
+      </p:nvGrpSpPr>
+      <p:grpSpPr>
+        <a:xfrm>
+          <a:off x="0" y="0"/>
+          <a:ext cx="0" cy="0"/>
+          <a:chOff x="0" y="0"/>
+          <a:chExt cx="0" cy="0"/>
+        </a:xfrm>
+      </p:grpSpPr>
+      <p:sp>
+        <p:nvSpPr>
+          <p:cNvPr id="2" name="标题 1">
+            <a:extLst>
+              <a:ext uri="{FF2B5EF4-FFF2-40B4-BE49-F238E27FC236}">
+                <a16:creationId xmlns:a16="http://schemas.microsoft.com/office/drawing/2014/main" id="{27827D1C-C815-0315-E9B1-7ED358030C8E}"/>
+              </a:ext>
+            </a:extLst>
+          </p:cNvPr>
+          <p:cNvSpPr>
+            <a:spLocks noGrp="1"/>
+          </p:cNvSpPr>
+          <p:nvPr>
+            <p:ph type="title"/>
+          </p:nvPr>
+        </p:nvSpPr>
+        <p:spPr/>
+        <p:txBody>
+          <a:bodyPr>
+            <a:normAutofit fontScale="90000"/>
+          </a:bodyPr>
+          <a:lstStyle/>
+          <a:p>
+            <a:pPr lvl="0"/>
+            <a:r>
+              <a:rPr lang="zh-CN" altLang="en-US" dirty="0"/>
+              <a:t>三、如何完成复杂任务？</a:t>
+            </a:r>
+          </a:p>
+        </p:txBody>
+      </p:sp>
+      <p:sp>
+        <p:nvSpPr>
+          <p:cNvPr id="3" name="文本框 2">
+            <a:extLst>
+              <a:ext uri="{FF2B5EF4-FFF2-40B4-BE49-F238E27FC236}">
+                <a16:creationId xmlns:a16="http://schemas.microsoft.com/office/drawing/2014/main" id="{4611C63B-A358-528A-6A7D-DD2ABD851F3D}"/>
+              </a:ext>
+            </a:extLst>
+          </p:cNvPr>
+          <p:cNvSpPr txBox="1"/>
+          <p:nvPr/>
+        </p:nvSpPr>
+        <p:spPr>
+          <a:xfrm>
+            <a:off x="770448" y="1285105"/>
+            <a:ext cx="954107" cy="461665"/>
+          </a:xfrm>
+          <a:prstGeom prst="rect">
+            <a:avLst/>
+          </a:prstGeom>
+          <a:noFill/>
+        </p:spPr>
+        <p:txBody>
+          <a:bodyPr wrap="none" rtlCol="0">
+            <a:spAutoFit/>
+          </a:bodyPr>
+          <a:lstStyle/>
+          <a:p>
+            <a:r>
+              <a:rPr lang="en-US" altLang="zh-CN" sz="2400" dirty="0" err="1">
+                <a:latin typeface="黑体" panose="02010609060101010101" pitchFamily="49" charset="-122"/>
+                <a:ea typeface="黑体" panose="02010609060101010101" pitchFamily="49" charset="-122"/>
+              </a:rPr>
+              <a:t>ReAct</a:t>
+            </a:r>
+            <a:endParaRPr lang="zh-CN" altLang="en-US" sz="2400" dirty="0">
+              <a:latin typeface="黑体" panose="02010609060101010101" pitchFamily="49" charset="-122"/>
+              <a:ea typeface="黑体" panose="02010609060101010101" pitchFamily="49" charset="-122"/>
+            </a:endParaRPr>
+          </a:p>
+        </p:txBody>
+      </p:sp>
+      <p:pic>
+        <p:nvPicPr>
+          <p:cNvPr id="8" name="图片 7">
+            <a:extLst>
+              <a:ext uri="{FF2B5EF4-FFF2-40B4-BE49-F238E27FC236}">
+                <a16:creationId xmlns:a16="http://schemas.microsoft.com/office/drawing/2014/main" id="{B2657D13-3E93-9C5F-03E8-A1E3FBE6AAA9}"/>
+              </a:ext>
+            </a:extLst>
+          </p:cNvPr>
+          <p:cNvPicPr>
+            <a:picLocks noChangeAspect="1"/>
+          </p:cNvPicPr>
+          <p:nvPr/>
+        </p:nvPicPr>
+        <p:blipFill>
+          <a:blip r:embed="rId2"/>
+          <a:stretch>
+            <a:fillRect/>
+          </a:stretch>
+        </p:blipFill>
+        <p:spPr>
+          <a:xfrm>
+            <a:off x="5304481" y="1285105"/>
+            <a:ext cx="5905654" cy="5029332"/>
+          </a:xfrm>
+          <a:prstGeom prst="rect">
+            <a:avLst/>
+          </a:prstGeom>
+        </p:spPr>
+      </p:pic>
+    </p:spTree>
+    <p:extLst>
+      <p:ext uri="{BB962C8B-B14F-4D97-AF65-F5344CB8AC3E}">
+        <p14:creationId xmlns:p14="http://schemas.microsoft.com/office/powerpoint/2010/main" val="1414782572"/>
+      </p:ext>
+    </p:extLst>
+  </p:cSld>
+  <p:clrMapOvr>
+    <a:masterClrMapping/>
+  </p:clrMapOvr>
+  <p:timing>
+    <p:tnLst>
+      <p:par>
+        <p:cTn id="1" dur="indefinite" restart="never" nodeType="tmRoot">
+          <p:childTnLst>
+            <p:seq concurrent="1" nextAc="seek">
+              <p:cTn id="2" dur="indefinite" nodeType="mainSeq">
+                <p:childTnLst>
+                  <p:par>
+                    <p:cTn id="3" fill="hold">
+                      <p:stCondLst>
+                        <p:cond delay="indefinite"/>
+                        <p:cond evt="onBegin" delay="0">
+                          <p:tn val="2"/>
+                        </p:cond>
+                      </p:stCondLst>
+                      <p:childTnLst>
+                        <p:par>
+                          <p:cTn id="4" fill="hold">
+                            <p:stCondLst>
+                              <p:cond delay="0"/>
+                            </p:stCondLst>
+                            <p:childTnLst>
+                              <p:par>
+                                <p:cTn id="5" presetID="22" presetClass="entr" presetSubtype="8" fill="hold" grpId="0" nodeType="afterEffect">
+                                  <p:stCondLst>
+                                    <p:cond delay="0"/>
+                                  </p:stCondLst>
+                                  <p:childTnLst>
+                                    <p:set>
+                                      <p:cBhvr>
+                                        <p:cTn id="6" dur="1" fill="hold">
+                                          <p:stCondLst>
+                                            <p:cond delay="0"/>
+                                          </p:stCondLst>
+                                        </p:cTn>
+                                        <p:tgtEl>
+                                          <p:spTgt spid="3"/>
+                                        </p:tgtEl>
+                                        <p:attrNameLst>
+                                          <p:attrName>style.visibility</p:attrName>
+                                        </p:attrNameLst>
+                                      </p:cBhvr>
+                                      <p:to>
+                                        <p:strVal val="visible"/>
+                                      </p:to>
+                                    </p:set>
+                                    <p:animEffect transition="in" filter="wipe(left)">
+                                      <p:cBhvr>
+                                        <p:cTn id="7" dur="500"/>
+                                        <p:tgtEl>
+                                          <p:spTgt spid="3"/>
+                                        </p:tgtEl>
+                                      </p:cBhvr>
+                                    </p:animEffect>
+                                  </p:childTnLst>
+                                </p:cTn>
+                              </p:par>
+                            </p:childTnLst>
+                          </p:cTn>
+                        </p:par>
+                      </p:childTnLst>
+                    </p:cTn>
+                  </p:par>
+                </p:childTnLst>
+              </p:cTn>
+              <p:prevCondLst>
+                <p:cond evt="onPrev" delay="0">
+                  <p:tgtEl>
+                    <p:sldTgt/>
+                  </p:tgtEl>
+                </p:cond>
+              </p:prevCondLst>
+              <p:nextCondLst>
+                <p:cond evt="onNext" delay="0">
+                  <p:tgtEl>
+                    <p:sldTgt/>
+                  </p:tgtEl>
+                </p:cond>
+              </p:nextCondLst>
+            </p:seq>
+          </p:childTnLst>
+        </p:cTn>
+      </p:par>
+    </p:tnLst>
+    <p:bldLst>
+      <p:bldP spid="3" grpId="0"/>
+    </p:bldLst>
+  </p:timing>
+</p:sld>
+</file>
+
+<file path=ppt/slides/slide44.xml><?xml version="1.0" encoding="utf-8"?>
 <p:sld xmlns:a="http://schemas.openxmlformats.org/drawingml/2006/main" xmlns:r="http://schemas.openxmlformats.org/officeDocument/2006/relationships" xmlns:p="http://schemas.openxmlformats.org/presentationml/2006/main">
   <p:cSld>
     <p:spTree>

--- a/utils/软件介绍.pptx
+++ b/utils/软件介绍.pptx
@@ -42,18 +42,18 @@
     <p:sldId id="521" r:id="rId30"/>
     <p:sldId id="520" r:id="rId31"/>
     <p:sldId id="509" r:id="rId32"/>
-    <p:sldId id="524" r:id="rId33"/>
-    <p:sldId id="513" r:id="rId34"/>
-    <p:sldId id="528" r:id="rId35"/>
-    <p:sldId id="527" r:id="rId36"/>
-    <p:sldId id="529" r:id="rId37"/>
-    <p:sldId id="526" r:id="rId38"/>
-    <p:sldId id="530" r:id="rId39"/>
-    <p:sldId id="532" r:id="rId40"/>
-    <p:sldId id="551" r:id="rId41"/>
-    <p:sldId id="550" r:id="rId42"/>
-    <p:sldId id="552" r:id="rId43"/>
-    <p:sldId id="553" r:id="rId44"/>
+    <p:sldId id="513" r:id="rId33"/>
+    <p:sldId id="528" r:id="rId34"/>
+    <p:sldId id="527" r:id="rId35"/>
+    <p:sldId id="529" r:id="rId36"/>
+    <p:sldId id="526" r:id="rId37"/>
+    <p:sldId id="530" r:id="rId38"/>
+    <p:sldId id="532" r:id="rId39"/>
+    <p:sldId id="551" r:id="rId40"/>
+    <p:sldId id="550" r:id="rId41"/>
+    <p:sldId id="552" r:id="rId42"/>
+    <p:sldId id="553" r:id="rId43"/>
+    <p:sldId id="554" r:id="rId44"/>
     <p:sldId id="531" r:id="rId45"/>
   </p:sldIdLst>
   <p:sldSz cx="12192000" cy="6858000"/>
@@ -196,7 +196,6 @@
             <p14:sldId id="521"/>
             <p14:sldId id="520"/>
             <p14:sldId id="509"/>
-            <p14:sldId id="524"/>
           </p14:sldIdLst>
         </p14:section>
         <p14:section name="大模型应用" id="{047984ED-A0E8-483C-A78A-0E65C6F1334A}">
@@ -212,6 +211,7 @@
             <p14:sldId id="550"/>
             <p14:sldId id="552"/>
             <p14:sldId id="553"/>
+            <p14:sldId id="554"/>
             <p14:sldId id="531"/>
           </p14:sldIdLst>
         </p14:section>
@@ -2468,6 +2468,813 @@
 </dgm:colorsDef>
 </file>
 
+<file path=ppt/diagrams/colors4.xml><?xml version="1.0" encoding="utf-8"?>
+<dgm:colorsDef xmlns:dgm="http://schemas.openxmlformats.org/drawingml/2006/diagram" xmlns:a="http://schemas.openxmlformats.org/drawingml/2006/main" uniqueId="urn:microsoft.com/office/officeart/2005/8/colors/accent1_1">
+  <dgm:title val=""/>
+  <dgm:desc val=""/>
+  <dgm:catLst>
+    <dgm:cat type="accent1" pri="11100"/>
+  </dgm:catLst>
+  <dgm:styleLbl name="node0">
+    <dgm:fillClrLst meth="repeat">
+      <a:schemeClr val="lt1"/>
+    </dgm:fillClrLst>
+    <dgm:linClrLst meth="repeat">
+      <a:schemeClr val="accent1">
+        <a:shade val="80000"/>
+      </a:schemeClr>
+    </dgm:linClrLst>
+    <dgm:effectClrLst/>
+    <dgm:txLinClrLst/>
+    <dgm:txFillClrLst meth="repeat">
+      <a:schemeClr val="dk1"/>
+    </dgm:txFillClrLst>
+    <dgm:txEffectClrLst/>
+  </dgm:styleLbl>
+  <dgm:styleLbl name="alignNode1">
+    <dgm:fillClrLst meth="repeat">
+      <a:schemeClr val="lt1"/>
+    </dgm:fillClrLst>
+    <dgm:linClrLst meth="repeat">
+      <a:schemeClr val="accent1">
+        <a:shade val="80000"/>
+      </a:schemeClr>
+    </dgm:linClrLst>
+    <dgm:effectClrLst/>
+    <dgm:txLinClrLst/>
+    <dgm:txFillClrLst meth="repeat">
+      <a:schemeClr val="dk1"/>
+    </dgm:txFillClrLst>
+    <dgm:txEffectClrLst/>
+  </dgm:styleLbl>
+  <dgm:styleLbl name="node1">
+    <dgm:fillClrLst meth="repeat">
+      <a:schemeClr val="lt1"/>
+    </dgm:fillClrLst>
+    <dgm:linClrLst meth="repeat">
+      <a:schemeClr val="accent1">
+        <a:shade val="80000"/>
+      </a:schemeClr>
+    </dgm:linClrLst>
+    <dgm:effectClrLst/>
+    <dgm:txLinClrLst/>
+    <dgm:txFillClrLst meth="repeat">
+      <a:schemeClr val="dk1"/>
+    </dgm:txFillClrLst>
+    <dgm:txEffectClrLst/>
+  </dgm:styleLbl>
+  <dgm:styleLbl name="lnNode1">
+    <dgm:fillClrLst meth="repeat">
+      <a:schemeClr val="lt1"/>
+    </dgm:fillClrLst>
+    <dgm:linClrLst meth="repeat">
+      <a:schemeClr val="accent1">
+        <a:shade val="80000"/>
+      </a:schemeClr>
+    </dgm:linClrLst>
+    <dgm:effectClrLst/>
+    <dgm:txLinClrLst/>
+    <dgm:txFillClrLst meth="repeat">
+      <a:schemeClr val="dk1"/>
+    </dgm:txFillClrLst>
+    <dgm:txEffectClrLst/>
+  </dgm:styleLbl>
+  <dgm:styleLbl name="vennNode1">
+    <dgm:fillClrLst meth="repeat">
+      <a:schemeClr val="lt1">
+        <a:alpha val="50000"/>
+      </a:schemeClr>
+    </dgm:fillClrLst>
+    <dgm:linClrLst meth="repeat">
+      <a:schemeClr val="accent1">
+        <a:shade val="80000"/>
+      </a:schemeClr>
+    </dgm:linClrLst>
+    <dgm:effectClrLst/>
+    <dgm:txLinClrLst/>
+    <dgm:txFillClrLst/>
+    <dgm:txEffectClrLst/>
+  </dgm:styleLbl>
+  <dgm:styleLbl name="node2">
+    <dgm:fillClrLst meth="repeat">
+      <a:schemeClr val="lt1"/>
+    </dgm:fillClrLst>
+    <dgm:linClrLst meth="repeat">
+      <a:schemeClr val="accent1">
+        <a:shade val="80000"/>
+      </a:schemeClr>
+    </dgm:linClrLst>
+    <dgm:effectClrLst/>
+    <dgm:txLinClrLst/>
+    <dgm:txFillClrLst meth="repeat">
+      <a:schemeClr val="dk1"/>
+    </dgm:txFillClrLst>
+    <dgm:txEffectClrLst/>
+  </dgm:styleLbl>
+  <dgm:styleLbl name="node3">
+    <dgm:fillClrLst meth="repeat">
+      <a:schemeClr val="lt1"/>
+    </dgm:fillClrLst>
+    <dgm:linClrLst meth="repeat">
+      <a:schemeClr val="accent1">
+        <a:shade val="80000"/>
+      </a:schemeClr>
+    </dgm:linClrLst>
+    <dgm:effectClrLst/>
+    <dgm:txLinClrLst/>
+    <dgm:txFillClrLst meth="repeat">
+      <a:schemeClr val="dk1"/>
+    </dgm:txFillClrLst>
+    <dgm:txEffectClrLst/>
+  </dgm:styleLbl>
+  <dgm:styleLbl name="node4">
+    <dgm:fillClrLst meth="repeat">
+      <a:schemeClr val="lt1"/>
+    </dgm:fillClrLst>
+    <dgm:linClrLst meth="repeat">
+      <a:schemeClr val="accent1">
+        <a:shade val="80000"/>
+      </a:schemeClr>
+    </dgm:linClrLst>
+    <dgm:effectClrLst/>
+    <dgm:txLinClrLst/>
+    <dgm:txFillClrLst meth="repeat">
+      <a:schemeClr val="dk1"/>
+    </dgm:txFillClrLst>
+    <dgm:txEffectClrLst/>
+  </dgm:styleLbl>
+  <dgm:styleLbl name="fgImgPlace1">
+    <dgm:fillClrLst meth="repeat">
+      <a:schemeClr val="accent1">
+        <a:tint val="40000"/>
+      </a:schemeClr>
+    </dgm:fillClrLst>
+    <dgm:linClrLst meth="repeat">
+      <a:schemeClr val="accent1">
+        <a:shade val="80000"/>
+      </a:schemeClr>
+    </dgm:linClrLst>
+    <dgm:effectClrLst/>
+    <dgm:txLinClrLst/>
+    <dgm:txFillClrLst meth="repeat">
+      <a:schemeClr val="lt1"/>
+    </dgm:txFillClrLst>
+    <dgm:txEffectClrLst/>
+  </dgm:styleLbl>
+  <dgm:styleLbl name="alignImgPlace1">
+    <dgm:fillClrLst meth="repeat">
+      <a:schemeClr val="accent1">
+        <a:tint val="40000"/>
+      </a:schemeClr>
+    </dgm:fillClrLst>
+    <dgm:linClrLst meth="repeat">
+      <a:schemeClr val="accent1">
+        <a:shade val="80000"/>
+      </a:schemeClr>
+    </dgm:linClrLst>
+    <dgm:effectClrLst/>
+    <dgm:txLinClrLst/>
+    <dgm:txFillClrLst meth="repeat">
+      <a:schemeClr val="lt1"/>
+    </dgm:txFillClrLst>
+    <dgm:txEffectClrLst/>
+  </dgm:styleLbl>
+  <dgm:styleLbl name="bgImgPlace1">
+    <dgm:fillClrLst meth="repeat">
+      <a:schemeClr val="accent1">
+        <a:tint val="40000"/>
+      </a:schemeClr>
+    </dgm:fillClrLst>
+    <dgm:linClrLst meth="repeat">
+      <a:schemeClr val="accent1">
+        <a:shade val="80000"/>
+      </a:schemeClr>
+    </dgm:linClrLst>
+    <dgm:effectClrLst/>
+    <dgm:txLinClrLst/>
+    <dgm:txFillClrLst meth="repeat">
+      <a:schemeClr val="lt1"/>
+    </dgm:txFillClrLst>
+    <dgm:txEffectClrLst/>
+  </dgm:styleLbl>
+  <dgm:styleLbl name="sibTrans2D1">
+    <dgm:fillClrLst meth="repeat">
+      <a:schemeClr val="accent1">
+        <a:tint val="60000"/>
+      </a:schemeClr>
+    </dgm:fillClrLst>
+    <dgm:linClrLst meth="repeat">
+      <a:schemeClr val="accent1">
+        <a:tint val="60000"/>
+      </a:schemeClr>
+    </dgm:linClrLst>
+    <dgm:effectClrLst/>
+    <dgm:txLinClrLst/>
+    <dgm:txFillClrLst meth="repeat">
+      <a:schemeClr val="dk1"/>
+    </dgm:txFillClrLst>
+    <dgm:txEffectClrLst/>
+  </dgm:styleLbl>
+  <dgm:styleLbl name="fgSibTrans2D1">
+    <dgm:fillClrLst meth="repeat">
+      <a:schemeClr val="accent1">
+        <a:tint val="60000"/>
+      </a:schemeClr>
+    </dgm:fillClrLst>
+    <dgm:linClrLst meth="repeat">
+      <a:schemeClr val="accent1">
+        <a:tint val="60000"/>
+      </a:schemeClr>
+    </dgm:linClrLst>
+    <dgm:effectClrLst/>
+    <dgm:txLinClrLst/>
+    <dgm:txFillClrLst meth="repeat">
+      <a:schemeClr val="dk1"/>
+    </dgm:txFillClrLst>
+    <dgm:txEffectClrLst/>
+  </dgm:styleLbl>
+  <dgm:styleLbl name="bgSibTrans2D1">
+    <dgm:fillClrLst meth="repeat">
+      <a:schemeClr val="accent1">
+        <a:tint val="60000"/>
+      </a:schemeClr>
+    </dgm:fillClrLst>
+    <dgm:linClrLst meth="repeat">
+      <a:schemeClr val="accent1">
+        <a:tint val="60000"/>
+      </a:schemeClr>
+    </dgm:linClrLst>
+    <dgm:effectClrLst/>
+    <dgm:txLinClrLst/>
+    <dgm:txFillClrLst meth="repeat">
+      <a:schemeClr val="dk1"/>
+    </dgm:txFillClrLst>
+    <dgm:txEffectClrLst/>
+  </dgm:styleLbl>
+  <dgm:styleLbl name="sibTrans1D1">
+    <dgm:fillClrLst meth="repeat">
+      <a:schemeClr val="accent1"/>
+    </dgm:fillClrLst>
+    <dgm:linClrLst meth="repeat">
+      <a:schemeClr val="accent1"/>
+    </dgm:linClrLst>
+    <dgm:effectClrLst/>
+    <dgm:txLinClrLst/>
+    <dgm:txFillClrLst meth="repeat">
+      <a:schemeClr val="tx1"/>
+    </dgm:txFillClrLst>
+    <dgm:txEffectClrLst/>
+  </dgm:styleLbl>
+  <dgm:styleLbl name="callout">
+    <dgm:fillClrLst meth="repeat">
+      <a:schemeClr val="accent1"/>
+    </dgm:fillClrLst>
+    <dgm:linClrLst meth="repeat">
+      <a:schemeClr val="accent1"/>
+    </dgm:linClrLst>
+    <dgm:effectClrLst/>
+    <dgm:txLinClrLst/>
+    <dgm:txFillClrLst meth="repeat">
+      <a:schemeClr val="tx1"/>
+    </dgm:txFillClrLst>
+    <dgm:txEffectClrLst/>
+  </dgm:styleLbl>
+  <dgm:styleLbl name="asst0">
+    <dgm:fillClrLst meth="repeat">
+      <a:schemeClr val="lt1"/>
+    </dgm:fillClrLst>
+    <dgm:linClrLst meth="repeat">
+      <a:schemeClr val="accent1">
+        <a:shade val="80000"/>
+      </a:schemeClr>
+    </dgm:linClrLst>
+    <dgm:effectClrLst/>
+    <dgm:txLinClrLst/>
+    <dgm:txFillClrLst meth="repeat">
+      <a:schemeClr val="dk1"/>
+    </dgm:txFillClrLst>
+    <dgm:txEffectClrLst/>
+  </dgm:styleLbl>
+  <dgm:styleLbl name="asst1">
+    <dgm:fillClrLst meth="repeat">
+      <a:schemeClr val="lt1"/>
+    </dgm:fillClrLst>
+    <dgm:linClrLst meth="repeat">
+      <a:schemeClr val="accent1">
+        <a:shade val="80000"/>
+      </a:schemeClr>
+    </dgm:linClrLst>
+    <dgm:effectClrLst/>
+    <dgm:txLinClrLst/>
+    <dgm:txFillClrLst meth="repeat">
+      <a:schemeClr val="dk1"/>
+    </dgm:txFillClrLst>
+    <dgm:txEffectClrLst/>
+  </dgm:styleLbl>
+  <dgm:styleLbl name="asst2">
+    <dgm:fillClrLst meth="repeat">
+      <a:schemeClr val="lt1"/>
+    </dgm:fillClrLst>
+    <dgm:linClrLst meth="repeat">
+      <a:schemeClr val="accent1">
+        <a:shade val="80000"/>
+      </a:schemeClr>
+    </dgm:linClrLst>
+    <dgm:effectClrLst/>
+    <dgm:txLinClrLst/>
+    <dgm:txFillClrLst meth="repeat">
+      <a:schemeClr val="dk1"/>
+    </dgm:txFillClrLst>
+    <dgm:txEffectClrLst/>
+  </dgm:styleLbl>
+  <dgm:styleLbl name="asst3">
+    <dgm:fillClrLst meth="repeat">
+      <a:schemeClr val="lt1"/>
+    </dgm:fillClrLst>
+    <dgm:linClrLst meth="repeat">
+      <a:schemeClr val="accent1">
+        <a:shade val="80000"/>
+      </a:schemeClr>
+    </dgm:linClrLst>
+    <dgm:effectClrLst/>
+    <dgm:txLinClrLst/>
+    <dgm:txFillClrLst meth="repeat">
+      <a:schemeClr val="dk1"/>
+    </dgm:txFillClrLst>
+    <dgm:txEffectClrLst/>
+  </dgm:styleLbl>
+  <dgm:styleLbl name="asst4">
+    <dgm:fillClrLst meth="repeat">
+      <a:schemeClr val="lt1"/>
+    </dgm:fillClrLst>
+    <dgm:linClrLst meth="repeat">
+      <a:schemeClr val="accent1">
+        <a:shade val="80000"/>
+      </a:schemeClr>
+    </dgm:linClrLst>
+    <dgm:effectClrLst/>
+    <dgm:txLinClrLst/>
+    <dgm:txFillClrLst meth="repeat">
+      <a:schemeClr val="dk1"/>
+    </dgm:txFillClrLst>
+    <dgm:txEffectClrLst/>
+  </dgm:styleLbl>
+  <dgm:styleLbl name="parChTrans2D1">
+    <dgm:fillClrLst meth="repeat">
+      <a:schemeClr val="accent1">
+        <a:tint val="60000"/>
+      </a:schemeClr>
+    </dgm:fillClrLst>
+    <dgm:linClrLst meth="repeat">
+      <a:schemeClr val="accent1">
+        <a:tint val="60000"/>
+      </a:schemeClr>
+    </dgm:linClrLst>
+    <dgm:effectClrLst/>
+    <dgm:txLinClrLst/>
+    <dgm:txFillClrLst/>
+    <dgm:txEffectClrLst/>
+  </dgm:styleLbl>
+  <dgm:styleLbl name="parChTrans2D2">
+    <dgm:fillClrLst meth="repeat">
+      <a:schemeClr val="accent1"/>
+    </dgm:fillClrLst>
+    <dgm:linClrLst meth="repeat">
+      <a:schemeClr val="accent1"/>
+    </dgm:linClrLst>
+    <dgm:effectClrLst/>
+    <dgm:txLinClrLst/>
+    <dgm:txFillClrLst/>
+    <dgm:txEffectClrLst/>
+  </dgm:styleLbl>
+  <dgm:styleLbl name="parChTrans2D3">
+    <dgm:fillClrLst meth="repeat">
+      <a:schemeClr val="accent1"/>
+    </dgm:fillClrLst>
+    <dgm:linClrLst meth="repeat">
+      <a:schemeClr val="accent1"/>
+    </dgm:linClrLst>
+    <dgm:effectClrLst/>
+    <dgm:txLinClrLst/>
+    <dgm:txFillClrLst/>
+    <dgm:txEffectClrLst/>
+  </dgm:styleLbl>
+  <dgm:styleLbl name="parChTrans2D4">
+    <dgm:fillClrLst meth="repeat">
+      <a:schemeClr val="accent1"/>
+    </dgm:fillClrLst>
+    <dgm:linClrLst meth="repeat">
+      <a:schemeClr val="accent1"/>
+    </dgm:linClrLst>
+    <dgm:effectClrLst/>
+    <dgm:txLinClrLst/>
+    <dgm:txFillClrLst meth="repeat">
+      <a:schemeClr val="lt1"/>
+    </dgm:txFillClrLst>
+    <dgm:txEffectClrLst/>
+  </dgm:styleLbl>
+  <dgm:styleLbl name="parChTrans1D1">
+    <dgm:fillClrLst meth="repeat">
+      <a:schemeClr val="accent1"/>
+    </dgm:fillClrLst>
+    <dgm:linClrLst meth="repeat">
+      <a:schemeClr val="accent1">
+        <a:shade val="60000"/>
+      </a:schemeClr>
+    </dgm:linClrLst>
+    <dgm:effectClrLst/>
+    <dgm:txLinClrLst/>
+    <dgm:txFillClrLst meth="repeat">
+      <a:schemeClr val="tx1"/>
+    </dgm:txFillClrLst>
+    <dgm:txEffectClrLst/>
+  </dgm:styleLbl>
+  <dgm:styleLbl name="parChTrans1D2">
+    <dgm:fillClrLst meth="repeat">
+      <a:schemeClr val="accent1"/>
+    </dgm:fillClrLst>
+    <dgm:linClrLst meth="repeat">
+      <a:schemeClr val="accent1">
+        <a:shade val="60000"/>
+      </a:schemeClr>
+    </dgm:linClrLst>
+    <dgm:effectClrLst/>
+    <dgm:txLinClrLst/>
+    <dgm:txFillClrLst meth="repeat">
+      <a:schemeClr val="tx1"/>
+    </dgm:txFillClrLst>
+    <dgm:txEffectClrLst/>
+  </dgm:styleLbl>
+  <dgm:styleLbl name="parChTrans1D3">
+    <dgm:fillClrLst meth="repeat">
+      <a:schemeClr val="accent1"/>
+    </dgm:fillClrLst>
+    <dgm:linClrLst meth="repeat">
+      <a:schemeClr val="accent1">
+        <a:shade val="80000"/>
+      </a:schemeClr>
+    </dgm:linClrLst>
+    <dgm:effectClrLst/>
+    <dgm:txLinClrLst/>
+    <dgm:txFillClrLst meth="repeat">
+      <a:schemeClr val="tx1"/>
+    </dgm:txFillClrLst>
+    <dgm:txEffectClrLst/>
+  </dgm:styleLbl>
+  <dgm:styleLbl name="parChTrans1D4">
+    <dgm:fillClrLst meth="repeat">
+      <a:schemeClr val="accent1"/>
+    </dgm:fillClrLst>
+    <dgm:linClrLst meth="repeat">
+      <a:schemeClr val="accent1">
+        <a:shade val="80000"/>
+      </a:schemeClr>
+    </dgm:linClrLst>
+    <dgm:effectClrLst/>
+    <dgm:txLinClrLst/>
+    <dgm:txFillClrLst meth="repeat">
+      <a:schemeClr val="tx1"/>
+    </dgm:txFillClrLst>
+    <dgm:txEffectClrLst/>
+  </dgm:styleLbl>
+  <dgm:styleLbl name="fgAcc1">
+    <dgm:fillClrLst meth="repeat">
+      <a:schemeClr val="accent1">
+        <a:alpha val="90000"/>
+        <a:tint val="40000"/>
+      </a:schemeClr>
+    </dgm:fillClrLst>
+    <dgm:linClrLst meth="repeat">
+      <a:schemeClr val="accent1"/>
+    </dgm:linClrLst>
+    <dgm:effectClrLst/>
+    <dgm:txLinClrLst/>
+    <dgm:txFillClrLst meth="repeat">
+      <a:schemeClr val="dk1"/>
+    </dgm:txFillClrLst>
+    <dgm:txEffectClrLst/>
+  </dgm:styleLbl>
+  <dgm:styleLbl name="conFgAcc1">
+    <dgm:fillClrLst meth="repeat">
+      <a:schemeClr val="accent1">
+        <a:alpha val="90000"/>
+        <a:tint val="40000"/>
+      </a:schemeClr>
+    </dgm:fillClrLst>
+    <dgm:linClrLst meth="repeat">
+      <a:schemeClr val="accent1"/>
+    </dgm:linClrLst>
+    <dgm:effectClrLst/>
+    <dgm:txLinClrLst/>
+    <dgm:txFillClrLst meth="repeat">
+      <a:schemeClr val="dk1"/>
+    </dgm:txFillClrLst>
+    <dgm:txEffectClrLst/>
+  </dgm:styleLbl>
+  <dgm:styleLbl name="alignAcc1">
+    <dgm:fillClrLst meth="repeat">
+      <a:schemeClr val="accent1">
+        <a:alpha val="90000"/>
+        <a:tint val="40000"/>
+      </a:schemeClr>
+    </dgm:fillClrLst>
+    <dgm:linClrLst meth="repeat">
+      <a:schemeClr val="accent1"/>
+    </dgm:linClrLst>
+    <dgm:effectClrLst/>
+    <dgm:txLinClrLst/>
+    <dgm:txFillClrLst meth="repeat">
+      <a:schemeClr val="dk1"/>
+    </dgm:txFillClrLst>
+    <dgm:txEffectClrLst/>
+  </dgm:styleLbl>
+  <dgm:styleLbl name="trAlignAcc1">
+    <dgm:fillClrLst meth="repeat">
+      <a:schemeClr val="accent1">
+        <a:alpha val="40000"/>
+        <a:tint val="40000"/>
+      </a:schemeClr>
+    </dgm:fillClrLst>
+    <dgm:linClrLst meth="repeat">
+      <a:schemeClr val="accent1"/>
+    </dgm:linClrLst>
+    <dgm:effectClrLst/>
+    <dgm:txLinClrLst/>
+    <dgm:txFillClrLst meth="repeat">
+      <a:schemeClr val="dk1"/>
+    </dgm:txFillClrLst>
+    <dgm:txEffectClrLst/>
+  </dgm:styleLbl>
+  <dgm:styleLbl name="bgAcc1">
+    <dgm:fillClrLst meth="repeat">
+      <a:schemeClr val="accent1">
+        <a:alpha val="90000"/>
+        <a:tint val="40000"/>
+      </a:schemeClr>
+    </dgm:fillClrLst>
+    <dgm:linClrLst meth="repeat">
+      <a:schemeClr val="accent1"/>
+    </dgm:linClrLst>
+    <dgm:effectClrLst/>
+    <dgm:txLinClrLst/>
+    <dgm:txFillClrLst meth="repeat">
+      <a:schemeClr val="dk1"/>
+    </dgm:txFillClrLst>
+    <dgm:txEffectClrLst/>
+  </dgm:styleLbl>
+  <dgm:styleLbl name="solidFgAcc1">
+    <dgm:fillClrLst meth="repeat">
+      <a:schemeClr val="lt1"/>
+    </dgm:fillClrLst>
+    <dgm:linClrLst meth="repeat">
+      <a:schemeClr val="accent1"/>
+    </dgm:linClrLst>
+    <dgm:effectClrLst/>
+    <dgm:txLinClrLst/>
+    <dgm:txFillClrLst meth="repeat">
+      <a:schemeClr val="dk1"/>
+    </dgm:txFillClrLst>
+    <dgm:txEffectClrLst/>
+  </dgm:styleLbl>
+  <dgm:styleLbl name="solidAlignAcc1">
+    <dgm:fillClrLst meth="repeat">
+      <a:schemeClr val="lt1"/>
+    </dgm:fillClrLst>
+    <dgm:linClrLst meth="repeat">
+      <a:schemeClr val="accent1"/>
+    </dgm:linClrLst>
+    <dgm:effectClrLst/>
+    <dgm:txLinClrLst/>
+    <dgm:txFillClrLst meth="repeat">
+      <a:schemeClr val="dk1"/>
+    </dgm:txFillClrLst>
+    <dgm:txEffectClrLst/>
+  </dgm:styleLbl>
+  <dgm:styleLbl name="solidBgAcc1">
+    <dgm:fillClrLst meth="repeat">
+      <a:schemeClr val="lt1"/>
+    </dgm:fillClrLst>
+    <dgm:linClrLst meth="repeat">
+      <a:schemeClr val="accent1"/>
+    </dgm:linClrLst>
+    <dgm:effectClrLst/>
+    <dgm:txLinClrLst/>
+    <dgm:txFillClrLst meth="repeat">
+      <a:schemeClr val="dk1"/>
+    </dgm:txFillClrLst>
+    <dgm:txEffectClrLst/>
+  </dgm:styleLbl>
+  <dgm:styleLbl name="fgAccFollowNode1">
+    <dgm:fillClrLst meth="repeat">
+      <a:schemeClr val="lt1">
+        <a:alpha val="90000"/>
+        <a:tint val="40000"/>
+      </a:schemeClr>
+    </dgm:fillClrLst>
+    <dgm:linClrLst meth="repeat">
+      <a:schemeClr val="accent1">
+        <a:alpha val="90000"/>
+      </a:schemeClr>
+    </dgm:linClrLst>
+    <dgm:effectClrLst/>
+    <dgm:txLinClrLst/>
+    <dgm:txFillClrLst meth="repeat">
+      <a:schemeClr val="dk1"/>
+    </dgm:txFillClrLst>
+    <dgm:txEffectClrLst/>
+  </dgm:styleLbl>
+  <dgm:styleLbl name="alignAccFollowNode1">
+    <dgm:fillClrLst meth="repeat">
+      <a:schemeClr val="lt1">
+        <a:alpha val="90000"/>
+        <a:tint val="40000"/>
+      </a:schemeClr>
+    </dgm:fillClrLst>
+    <dgm:linClrLst meth="repeat">
+      <a:schemeClr val="accent1">
+        <a:alpha val="90000"/>
+      </a:schemeClr>
+    </dgm:linClrLst>
+    <dgm:effectClrLst/>
+    <dgm:txLinClrLst/>
+    <dgm:txFillClrLst meth="repeat">
+      <a:schemeClr val="dk1"/>
+    </dgm:txFillClrLst>
+    <dgm:txEffectClrLst/>
+  </dgm:styleLbl>
+  <dgm:styleLbl name="bgAccFollowNode1">
+    <dgm:fillClrLst meth="repeat">
+      <a:schemeClr val="lt1">
+        <a:alpha val="90000"/>
+        <a:tint val="40000"/>
+      </a:schemeClr>
+    </dgm:fillClrLst>
+    <dgm:linClrLst meth="repeat">
+      <a:schemeClr val="accent1">
+        <a:alpha val="90000"/>
+      </a:schemeClr>
+    </dgm:linClrLst>
+    <dgm:effectClrLst/>
+    <dgm:txLinClrLst/>
+    <dgm:txFillClrLst meth="repeat">
+      <a:schemeClr val="dk1"/>
+    </dgm:txFillClrLst>
+    <dgm:txEffectClrLst/>
+  </dgm:styleLbl>
+  <dgm:styleLbl name="fgAcc0">
+    <dgm:fillClrLst meth="repeat">
+      <a:schemeClr val="accent1">
+        <a:alpha val="90000"/>
+        <a:tint val="40000"/>
+      </a:schemeClr>
+    </dgm:fillClrLst>
+    <dgm:linClrLst meth="repeat">
+      <a:schemeClr val="accent1"/>
+    </dgm:linClrLst>
+    <dgm:effectClrLst/>
+    <dgm:txLinClrLst/>
+    <dgm:txFillClrLst meth="repeat">
+      <a:schemeClr val="dk1"/>
+    </dgm:txFillClrLst>
+    <dgm:txEffectClrLst/>
+  </dgm:styleLbl>
+  <dgm:styleLbl name="fgAcc2">
+    <dgm:fillClrLst meth="repeat">
+      <a:schemeClr val="accent1">
+        <a:alpha val="90000"/>
+        <a:tint val="40000"/>
+      </a:schemeClr>
+    </dgm:fillClrLst>
+    <dgm:linClrLst meth="repeat">
+      <a:schemeClr val="accent1"/>
+    </dgm:linClrLst>
+    <dgm:effectClrLst/>
+    <dgm:txLinClrLst/>
+    <dgm:txFillClrLst meth="repeat">
+      <a:schemeClr val="dk1"/>
+    </dgm:txFillClrLst>
+    <dgm:txEffectClrLst/>
+  </dgm:styleLbl>
+  <dgm:styleLbl name="fgAcc3">
+    <dgm:fillClrLst meth="repeat">
+      <a:schemeClr val="accent1">
+        <a:alpha val="90000"/>
+        <a:tint val="40000"/>
+      </a:schemeClr>
+    </dgm:fillClrLst>
+    <dgm:linClrLst meth="repeat">
+      <a:schemeClr val="accent1"/>
+    </dgm:linClrLst>
+    <dgm:effectClrLst/>
+    <dgm:txLinClrLst/>
+    <dgm:txFillClrLst meth="repeat">
+      <a:schemeClr val="dk1"/>
+    </dgm:txFillClrLst>
+    <dgm:txEffectClrLst/>
+  </dgm:styleLbl>
+  <dgm:styleLbl name="fgAcc4">
+    <dgm:fillClrLst meth="repeat">
+      <a:schemeClr val="accent1">
+        <a:alpha val="90000"/>
+        <a:tint val="40000"/>
+      </a:schemeClr>
+    </dgm:fillClrLst>
+    <dgm:linClrLst meth="repeat">
+      <a:schemeClr val="accent1"/>
+    </dgm:linClrLst>
+    <dgm:effectClrLst/>
+    <dgm:txLinClrLst/>
+    <dgm:txFillClrLst meth="repeat">
+      <a:schemeClr val="dk1"/>
+    </dgm:txFillClrLst>
+    <dgm:txEffectClrLst/>
+  </dgm:styleLbl>
+  <dgm:styleLbl name="bgShp">
+    <dgm:fillClrLst meth="repeat">
+      <a:schemeClr val="accent1">
+        <a:tint val="40000"/>
+      </a:schemeClr>
+    </dgm:fillClrLst>
+    <dgm:linClrLst meth="repeat">
+      <a:schemeClr val="accent1"/>
+    </dgm:linClrLst>
+    <dgm:effectClrLst/>
+    <dgm:txLinClrLst/>
+    <dgm:txFillClrLst meth="repeat">
+      <a:schemeClr val="dk1"/>
+    </dgm:txFillClrLst>
+    <dgm:txEffectClrLst/>
+  </dgm:styleLbl>
+  <dgm:styleLbl name="dkBgShp">
+    <dgm:fillClrLst meth="repeat">
+      <a:schemeClr val="accent1">
+        <a:shade val="80000"/>
+      </a:schemeClr>
+    </dgm:fillClrLst>
+    <dgm:linClrLst meth="repeat">
+      <a:schemeClr val="accent1"/>
+    </dgm:linClrLst>
+    <dgm:effectClrLst/>
+    <dgm:txLinClrLst/>
+    <dgm:txFillClrLst meth="repeat">
+      <a:schemeClr val="lt1"/>
+    </dgm:txFillClrLst>
+    <dgm:txEffectClrLst/>
+  </dgm:styleLbl>
+  <dgm:styleLbl name="trBgShp">
+    <dgm:fillClrLst meth="repeat">
+      <a:schemeClr val="accent1">
+        <a:tint val="50000"/>
+        <a:alpha val="40000"/>
+      </a:schemeClr>
+    </dgm:fillClrLst>
+    <dgm:linClrLst meth="repeat">
+      <a:schemeClr val="accent1"/>
+    </dgm:linClrLst>
+    <dgm:effectClrLst/>
+    <dgm:txLinClrLst/>
+    <dgm:txFillClrLst meth="repeat">
+      <a:schemeClr val="lt1"/>
+    </dgm:txFillClrLst>
+    <dgm:txEffectClrLst/>
+  </dgm:styleLbl>
+  <dgm:styleLbl name="fgShp">
+    <dgm:fillClrLst meth="repeat">
+      <a:schemeClr val="accent1">
+        <a:tint val="60000"/>
+      </a:schemeClr>
+    </dgm:fillClrLst>
+    <dgm:linClrLst meth="repeat">
+      <a:schemeClr val="lt1"/>
+    </dgm:linClrLst>
+    <dgm:effectClrLst/>
+    <dgm:txLinClrLst/>
+    <dgm:txFillClrLst meth="repeat">
+      <a:schemeClr val="dk1"/>
+    </dgm:txFillClrLst>
+    <dgm:txEffectClrLst/>
+  </dgm:styleLbl>
+  <dgm:styleLbl name="revTx">
+    <dgm:fillClrLst meth="repeat">
+      <a:schemeClr val="lt1">
+        <a:alpha val="0"/>
+      </a:schemeClr>
+    </dgm:fillClrLst>
+    <dgm:linClrLst meth="repeat">
+      <a:schemeClr val="dk1">
+        <a:alpha val="0"/>
+      </a:schemeClr>
+    </dgm:linClrLst>
+    <dgm:effectClrLst/>
+    <dgm:txLinClrLst/>
+    <dgm:txFillClrLst meth="repeat">
+      <a:schemeClr val="tx1"/>
+    </dgm:txFillClrLst>
+    <dgm:txEffectClrLst/>
+  </dgm:styleLbl>
+</dgm:colorsDef>
+</file>
+
 <file path=ppt/diagrams/data1.xml><?xml version="1.0" encoding="utf-8"?>
 <dgm:dataModel xmlns:dgm="http://schemas.openxmlformats.org/drawingml/2006/diagram" xmlns:a="http://schemas.openxmlformats.org/drawingml/2006/main">
   <dgm:ptLst>
@@ -3186,6 +3993,220 @@
   <dgm:extLst>
     <a:ext uri="http://schemas.microsoft.com/office/drawing/2008/diagram">
       <dsp:dataModelExt xmlns:dsp="http://schemas.microsoft.com/office/drawing/2008/diagram" relId="rId7" minVer="http://schemas.openxmlformats.org/drawingml/2006/diagram"/>
+    </a:ext>
+  </dgm:extLst>
+</dgm:dataModel>
+</file>
+
+<file path=ppt/diagrams/data4.xml><?xml version="1.0" encoding="utf-8"?>
+<dgm:dataModel xmlns:dgm="http://schemas.openxmlformats.org/drawingml/2006/diagram" xmlns:a="http://schemas.openxmlformats.org/drawingml/2006/main">
+  <dgm:ptLst>
+    <dgm:pt modelId="{36D9A9CA-AA04-4164-A129-2BFF049F6365}" type="doc">
+      <dgm:prSet loTypeId="urn:microsoft.com/office/officeart/2005/8/layout/cycle2" loCatId="cycle" qsTypeId="urn:microsoft.com/office/officeart/2005/8/quickstyle/3d3" qsCatId="3D" csTypeId="urn:microsoft.com/office/officeart/2005/8/colors/accent1_1" csCatId="accent1" phldr="1"/>
+      <dgm:spPr/>
+      <dgm:t>
+        <a:bodyPr/>
+        <a:lstStyle/>
+        <a:p>
+          <a:endParaRPr lang="zh-CN" altLang="en-US"/>
+        </a:p>
+      </dgm:t>
+    </dgm:pt>
+    <dgm:pt modelId="{01192B86-793E-4153-A3DC-8294406EAF7C}">
+      <dgm:prSet phldrT="[文本]"/>
+      <dgm:spPr/>
+      <dgm:t>
+        <a:bodyPr/>
+        <a:lstStyle/>
+        <a:p>
+          <a:r>
+            <a:rPr lang="zh-CN" altLang="en-US" dirty="0"/>
+            <a:t>思考</a:t>
+          </a:r>
+        </a:p>
+      </dgm:t>
+    </dgm:pt>
+    <dgm:pt modelId="{28D51E35-1290-4856-9D0C-187B059F83F8}" type="parTrans" cxnId="{2C7A82FE-FEE6-4C96-B1A6-CA12352ACA6C}">
+      <dgm:prSet/>
+      <dgm:spPr/>
+      <dgm:t>
+        <a:bodyPr/>
+        <a:lstStyle/>
+        <a:p>
+          <a:endParaRPr lang="zh-CN" altLang="en-US"/>
+        </a:p>
+      </dgm:t>
+    </dgm:pt>
+    <dgm:pt modelId="{BA8B9CA5-6FA4-49D2-88D0-C1D098DF4511}" type="sibTrans" cxnId="{2C7A82FE-FEE6-4C96-B1A6-CA12352ACA6C}">
+      <dgm:prSet/>
+      <dgm:spPr/>
+      <dgm:t>
+        <a:bodyPr/>
+        <a:lstStyle/>
+        <a:p>
+          <a:endParaRPr lang="zh-CN" altLang="en-US"/>
+        </a:p>
+      </dgm:t>
+    </dgm:pt>
+    <dgm:pt modelId="{C259547E-6D57-47F2-AAFA-3F5E924F73A9}">
+      <dgm:prSet phldrT="[文本]"/>
+      <dgm:spPr/>
+      <dgm:t>
+        <a:bodyPr/>
+        <a:lstStyle/>
+        <a:p>
+          <a:r>
+            <a:rPr lang="zh-CN" altLang="en-US" dirty="0"/>
+            <a:t>行动</a:t>
+          </a:r>
+        </a:p>
+      </dgm:t>
+    </dgm:pt>
+    <dgm:pt modelId="{CC885AE0-090C-4E1F-B811-88DA6B072397}" type="parTrans" cxnId="{14CC6AAB-AC31-47E3-8B4E-3C52B7130147}">
+      <dgm:prSet/>
+      <dgm:spPr/>
+      <dgm:t>
+        <a:bodyPr/>
+        <a:lstStyle/>
+        <a:p>
+          <a:endParaRPr lang="zh-CN" altLang="en-US"/>
+        </a:p>
+      </dgm:t>
+    </dgm:pt>
+    <dgm:pt modelId="{9EF1DE20-5DA5-44C9-88A7-27E312B20B95}" type="sibTrans" cxnId="{14CC6AAB-AC31-47E3-8B4E-3C52B7130147}">
+      <dgm:prSet/>
+      <dgm:spPr/>
+      <dgm:t>
+        <a:bodyPr/>
+        <a:lstStyle/>
+        <a:p>
+          <a:endParaRPr lang="zh-CN" altLang="en-US"/>
+        </a:p>
+      </dgm:t>
+    </dgm:pt>
+    <dgm:pt modelId="{AEE4B009-113B-4D9F-AABD-F0D31B4F8CF6}">
+      <dgm:prSet phldrT="[文本]"/>
+      <dgm:spPr/>
+      <dgm:t>
+        <a:bodyPr/>
+        <a:lstStyle/>
+        <a:p>
+          <a:r>
+            <a:rPr lang="zh-CN" altLang="en-US" dirty="0"/>
+            <a:t>观察</a:t>
+          </a:r>
+        </a:p>
+      </dgm:t>
+    </dgm:pt>
+    <dgm:pt modelId="{9D3B4FC9-17AE-4D66-AABA-8DDE1C6F6775}" type="parTrans" cxnId="{76EFA206-B664-4622-97B1-D644BAC8F35F}">
+      <dgm:prSet/>
+      <dgm:spPr/>
+      <dgm:t>
+        <a:bodyPr/>
+        <a:lstStyle/>
+        <a:p>
+          <a:endParaRPr lang="zh-CN" altLang="en-US"/>
+        </a:p>
+      </dgm:t>
+    </dgm:pt>
+    <dgm:pt modelId="{D99A7830-4EBF-4C09-85FD-EA5550FFF673}" type="sibTrans" cxnId="{76EFA206-B664-4622-97B1-D644BAC8F35F}">
+      <dgm:prSet/>
+      <dgm:spPr/>
+      <dgm:t>
+        <a:bodyPr/>
+        <a:lstStyle/>
+        <a:p>
+          <a:endParaRPr lang="zh-CN" altLang="en-US"/>
+        </a:p>
+      </dgm:t>
+    </dgm:pt>
+    <dgm:pt modelId="{957E918A-A3B3-4A6D-8302-1F2BA6A0A11F}" type="pres">
+      <dgm:prSet presAssocID="{36D9A9CA-AA04-4164-A129-2BFF049F6365}" presName="cycle" presStyleCnt="0">
+        <dgm:presLayoutVars>
+          <dgm:dir/>
+          <dgm:resizeHandles val="exact"/>
+        </dgm:presLayoutVars>
+      </dgm:prSet>
+      <dgm:spPr/>
+    </dgm:pt>
+    <dgm:pt modelId="{7D83FEF3-E1AA-4D58-9BDC-96CD3166FF6D}" type="pres">
+      <dgm:prSet presAssocID="{01192B86-793E-4153-A3DC-8294406EAF7C}" presName="node" presStyleLbl="node1" presStyleIdx="0" presStyleCnt="3">
+        <dgm:presLayoutVars>
+          <dgm:bulletEnabled val="1"/>
+        </dgm:presLayoutVars>
+      </dgm:prSet>
+      <dgm:spPr/>
+    </dgm:pt>
+    <dgm:pt modelId="{3204269D-5CF1-4117-8D82-C47829859922}" type="pres">
+      <dgm:prSet presAssocID="{BA8B9CA5-6FA4-49D2-88D0-C1D098DF4511}" presName="sibTrans" presStyleLbl="sibTrans2D1" presStyleIdx="0" presStyleCnt="3"/>
+      <dgm:spPr/>
+    </dgm:pt>
+    <dgm:pt modelId="{E4A50F99-398C-46FE-A96A-61F9A896286F}" type="pres">
+      <dgm:prSet presAssocID="{BA8B9CA5-6FA4-49D2-88D0-C1D098DF4511}" presName="connectorText" presStyleLbl="sibTrans2D1" presStyleIdx="0" presStyleCnt="3"/>
+      <dgm:spPr/>
+    </dgm:pt>
+    <dgm:pt modelId="{A6B519CE-CFF7-4F7C-8B0A-23A21872B28E}" type="pres">
+      <dgm:prSet presAssocID="{C259547E-6D57-47F2-AAFA-3F5E924F73A9}" presName="node" presStyleLbl="node1" presStyleIdx="1" presStyleCnt="3">
+        <dgm:presLayoutVars>
+          <dgm:bulletEnabled val="1"/>
+        </dgm:presLayoutVars>
+      </dgm:prSet>
+      <dgm:spPr/>
+    </dgm:pt>
+    <dgm:pt modelId="{6A59FBF0-3AD2-4BB9-885C-19F01F04275C}" type="pres">
+      <dgm:prSet presAssocID="{9EF1DE20-5DA5-44C9-88A7-27E312B20B95}" presName="sibTrans" presStyleLbl="sibTrans2D1" presStyleIdx="1" presStyleCnt="3"/>
+      <dgm:spPr/>
+    </dgm:pt>
+    <dgm:pt modelId="{0C8D1D33-10EA-405E-9D57-FA1CC0B4EC83}" type="pres">
+      <dgm:prSet presAssocID="{9EF1DE20-5DA5-44C9-88A7-27E312B20B95}" presName="connectorText" presStyleLbl="sibTrans2D1" presStyleIdx="1" presStyleCnt="3"/>
+      <dgm:spPr/>
+    </dgm:pt>
+    <dgm:pt modelId="{C1986ACA-3332-49EE-9536-4647495B6913}" type="pres">
+      <dgm:prSet presAssocID="{AEE4B009-113B-4D9F-AABD-F0D31B4F8CF6}" presName="node" presStyleLbl="node1" presStyleIdx="2" presStyleCnt="3">
+        <dgm:presLayoutVars>
+          <dgm:bulletEnabled val="1"/>
+        </dgm:presLayoutVars>
+      </dgm:prSet>
+      <dgm:spPr/>
+    </dgm:pt>
+    <dgm:pt modelId="{CCDD7A97-2D60-4785-986B-2D7BC49D2073}" type="pres">
+      <dgm:prSet presAssocID="{D99A7830-4EBF-4C09-85FD-EA5550FFF673}" presName="sibTrans" presStyleLbl="sibTrans2D1" presStyleIdx="2" presStyleCnt="3"/>
+      <dgm:spPr/>
+    </dgm:pt>
+    <dgm:pt modelId="{7262AC56-1DD2-445C-801D-8C4ECB2069D2}" type="pres">
+      <dgm:prSet presAssocID="{D99A7830-4EBF-4C09-85FD-EA5550FFF673}" presName="connectorText" presStyleLbl="sibTrans2D1" presStyleIdx="2" presStyleCnt="3"/>
+      <dgm:spPr/>
+    </dgm:pt>
+  </dgm:ptLst>
+  <dgm:cxnLst>
+    <dgm:cxn modelId="{76EFA206-B664-4622-97B1-D644BAC8F35F}" srcId="{36D9A9CA-AA04-4164-A129-2BFF049F6365}" destId="{AEE4B009-113B-4D9F-AABD-F0D31B4F8CF6}" srcOrd="2" destOrd="0" parTransId="{9D3B4FC9-17AE-4D66-AABA-8DDE1C6F6775}" sibTransId="{D99A7830-4EBF-4C09-85FD-EA5550FFF673}"/>
+    <dgm:cxn modelId="{349FC647-3DC8-47D3-9630-0CED911E4311}" type="presOf" srcId="{BA8B9CA5-6FA4-49D2-88D0-C1D098DF4511}" destId="{E4A50F99-398C-46FE-A96A-61F9A896286F}" srcOrd="1" destOrd="0" presId="urn:microsoft.com/office/officeart/2005/8/layout/cycle2"/>
+    <dgm:cxn modelId="{D8784E6A-DA63-4999-B107-E075AD25EEB1}" type="presOf" srcId="{BA8B9CA5-6FA4-49D2-88D0-C1D098DF4511}" destId="{3204269D-5CF1-4117-8D82-C47829859922}" srcOrd="0" destOrd="0" presId="urn:microsoft.com/office/officeart/2005/8/layout/cycle2"/>
+    <dgm:cxn modelId="{515E3850-21BA-41C7-849E-1D3804056087}" type="presOf" srcId="{D99A7830-4EBF-4C09-85FD-EA5550FFF673}" destId="{7262AC56-1DD2-445C-801D-8C4ECB2069D2}" srcOrd="1" destOrd="0" presId="urn:microsoft.com/office/officeart/2005/8/layout/cycle2"/>
+    <dgm:cxn modelId="{7B7B4D72-9FBD-4632-AA00-84546704D2CD}" type="presOf" srcId="{36D9A9CA-AA04-4164-A129-2BFF049F6365}" destId="{957E918A-A3B3-4A6D-8302-1F2BA6A0A11F}" srcOrd="0" destOrd="0" presId="urn:microsoft.com/office/officeart/2005/8/layout/cycle2"/>
+    <dgm:cxn modelId="{E1968176-2731-48DF-BA0E-90B3450606E7}" type="presOf" srcId="{C259547E-6D57-47F2-AAFA-3F5E924F73A9}" destId="{A6B519CE-CFF7-4F7C-8B0A-23A21872B28E}" srcOrd="0" destOrd="0" presId="urn:microsoft.com/office/officeart/2005/8/layout/cycle2"/>
+    <dgm:cxn modelId="{E4D1577C-1F9F-4DBF-A484-D37DF1A8DD57}" type="presOf" srcId="{AEE4B009-113B-4D9F-AABD-F0D31B4F8CF6}" destId="{C1986ACA-3332-49EE-9536-4647495B6913}" srcOrd="0" destOrd="0" presId="urn:microsoft.com/office/officeart/2005/8/layout/cycle2"/>
+    <dgm:cxn modelId="{0C7C0382-C462-4731-ADB3-92579BE1C1E4}" type="presOf" srcId="{9EF1DE20-5DA5-44C9-88A7-27E312B20B95}" destId="{0C8D1D33-10EA-405E-9D57-FA1CC0B4EC83}" srcOrd="1" destOrd="0" presId="urn:microsoft.com/office/officeart/2005/8/layout/cycle2"/>
+    <dgm:cxn modelId="{14CC6AAB-AC31-47E3-8B4E-3C52B7130147}" srcId="{36D9A9CA-AA04-4164-A129-2BFF049F6365}" destId="{C259547E-6D57-47F2-AAFA-3F5E924F73A9}" srcOrd="1" destOrd="0" parTransId="{CC885AE0-090C-4E1F-B811-88DA6B072397}" sibTransId="{9EF1DE20-5DA5-44C9-88A7-27E312B20B95}"/>
+    <dgm:cxn modelId="{A132DAB8-CBAD-41F7-8641-07FEA2B75831}" type="presOf" srcId="{01192B86-793E-4153-A3DC-8294406EAF7C}" destId="{7D83FEF3-E1AA-4D58-9BDC-96CD3166FF6D}" srcOrd="0" destOrd="0" presId="urn:microsoft.com/office/officeart/2005/8/layout/cycle2"/>
+    <dgm:cxn modelId="{7939B4C1-1709-4F9F-9394-AB4ABA29C25C}" type="presOf" srcId="{9EF1DE20-5DA5-44C9-88A7-27E312B20B95}" destId="{6A59FBF0-3AD2-4BB9-885C-19F01F04275C}" srcOrd="0" destOrd="0" presId="urn:microsoft.com/office/officeart/2005/8/layout/cycle2"/>
+    <dgm:cxn modelId="{F5CE61E7-FEB2-4BCD-A82B-97B66AFB9CA4}" type="presOf" srcId="{D99A7830-4EBF-4C09-85FD-EA5550FFF673}" destId="{CCDD7A97-2D60-4785-986B-2D7BC49D2073}" srcOrd="0" destOrd="0" presId="urn:microsoft.com/office/officeart/2005/8/layout/cycle2"/>
+    <dgm:cxn modelId="{2C7A82FE-FEE6-4C96-B1A6-CA12352ACA6C}" srcId="{36D9A9CA-AA04-4164-A129-2BFF049F6365}" destId="{01192B86-793E-4153-A3DC-8294406EAF7C}" srcOrd="0" destOrd="0" parTransId="{28D51E35-1290-4856-9D0C-187B059F83F8}" sibTransId="{BA8B9CA5-6FA4-49D2-88D0-C1D098DF4511}"/>
+    <dgm:cxn modelId="{7CBF72BB-311F-4FCC-97C9-9F77E93FF0D6}" type="presParOf" srcId="{957E918A-A3B3-4A6D-8302-1F2BA6A0A11F}" destId="{7D83FEF3-E1AA-4D58-9BDC-96CD3166FF6D}" srcOrd="0" destOrd="0" presId="urn:microsoft.com/office/officeart/2005/8/layout/cycle2"/>
+    <dgm:cxn modelId="{D9ADE51F-7135-456D-8FC1-ACA1608ABF3D}" type="presParOf" srcId="{957E918A-A3B3-4A6D-8302-1F2BA6A0A11F}" destId="{3204269D-5CF1-4117-8D82-C47829859922}" srcOrd="1" destOrd="0" presId="urn:microsoft.com/office/officeart/2005/8/layout/cycle2"/>
+    <dgm:cxn modelId="{A9CECD5A-DF76-45BF-A4D6-61497AD37D38}" type="presParOf" srcId="{3204269D-5CF1-4117-8D82-C47829859922}" destId="{E4A50F99-398C-46FE-A96A-61F9A896286F}" srcOrd="0" destOrd="0" presId="urn:microsoft.com/office/officeart/2005/8/layout/cycle2"/>
+    <dgm:cxn modelId="{E54CA7C3-3E74-4737-8D10-2A74D5E068A8}" type="presParOf" srcId="{957E918A-A3B3-4A6D-8302-1F2BA6A0A11F}" destId="{A6B519CE-CFF7-4F7C-8B0A-23A21872B28E}" srcOrd="2" destOrd="0" presId="urn:microsoft.com/office/officeart/2005/8/layout/cycle2"/>
+    <dgm:cxn modelId="{3D5DECDB-6D3A-4255-B690-7BB45DA09585}" type="presParOf" srcId="{957E918A-A3B3-4A6D-8302-1F2BA6A0A11F}" destId="{6A59FBF0-3AD2-4BB9-885C-19F01F04275C}" srcOrd="3" destOrd="0" presId="urn:microsoft.com/office/officeart/2005/8/layout/cycle2"/>
+    <dgm:cxn modelId="{26E46424-72E4-46AF-A68A-03AB7C51C645}" type="presParOf" srcId="{6A59FBF0-3AD2-4BB9-885C-19F01F04275C}" destId="{0C8D1D33-10EA-405E-9D57-FA1CC0B4EC83}" srcOrd="0" destOrd="0" presId="urn:microsoft.com/office/officeart/2005/8/layout/cycle2"/>
+    <dgm:cxn modelId="{D9DC63AC-2B75-47F1-9C62-19F84D8DC0C0}" type="presParOf" srcId="{957E918A-A3B3-4A6D-8302-1F2BA6A0A11F}" destId="{C1986ACA-3332-49EE-9536-4647495B6913}" srcOrd="4" destOrd="0" presId="urn:microsoft.com/office/officeart/2005/8/layout/cycle2"/>
+    <dgm:cxn modelId="{691F9409-C344-45D6-98F4-26B582AF18C4}" type="presParOf" srcId="{957E918A-A3B3-4A6D-8302-1F2BA6A0A11F}" destId="{CCDD7A97-2D60-4785-986B-2D7BC49D2073}" srcOrd="5" destOrd="0" presId="urn:microsoft.com/office/officeart/2005/8/layout/cycle2"/>
+    <dgm:cxn modelId="{A281D8F1-AC8F-49CD-BA4A-D893CEF76EC2}" type="presParOf" srcId="{CCDD7A97-2D60-4785-986B-2D7BC49D2073}" destId="{7262AC56-1DD2-445C-801D-8C4ECB2069D2}" srcOrd="0" destOrd="0" presId="urn:microsoft.com/office/officeart/2005/8/layout/cycle2"/>
+  </dgm:cxnLst>
+  <dgm:bg/>
+  <dgm:whole/>
+  <dgm:extLst>
+    <a:ext uri="http://schemas.microsoft.com/office/drawing/2008/diagram">
+      <dsp:dataModelExt xmlns:dsp="http://schemas.microsoft.com/office/drawing/2008/diagram" relId="rId8" minVer="http://schemas.openxmlformats.org/drawingml/2006/diagram"/>
     </a:ext>
   </dgm:extLst>
 </dgm:dataModel>
@@ -4595,6 +5616,525 @@
 </dsp:drawing>
 </file>
 
+<file path=ppt/diagrams/drawing4.xml><?xml version="1.0" encoding="utf-8"?>
+<dsp:drawing xmlns:dgm="http://schemas.openxmlformats.org/drawingml/2006/diagram" xmlns:dsp="http://schemas.microsoft.com/office/drawing/2008/diagram" xmlns:a="http://schemas.openxmlformats.org/drawingml/2006/main">
+  <dsp:spTree>
+    <dsp:nvGrpSpPr>
+      <dsp:cNvPr id="0" name=""/>
+      <dsp:cNvGrpSpPr/>
+    </dsp:nvGrpSpPr>
+    <dsp:grpSpPr/>
+    <dsp:sp modelId="{7D83FEF3-E1AA-4D58-9BDC-96CD3166FF6D}">
+      <dsp:nvSpPr>
+        <dsp:cNvPr id="0" name=""/>
+        <dsp:cNvSpPr/>
+      </dsp:nvSpPr>
+      <dsp:spPr>
+        <a:xfrm>
+          <a:off x="1043851" y="590"/>
+          <a:ext cx="1105438" cy="1105438"/>
+        </a:xfrm>
+        <a:prstGeom prst="ellipse">
+          <a:avLst/>
+        </a:prstGeom>
+        <a:solidFill>
+          <a:schemeClr val="lt1">
+            <a:hueOff val="0"/>
+            <a:satOff val="0"/>
+            <a:lumOff val="0"/>
+            <a:alphaOff val="0"/>
+          </a:schemeClr>
+        </a:solidFill>
+        <a:ln>
+          <a:noFill/>
+        </a:ln>
+        <a:effectLst>
+          <a:outerShdw blurRad="38100" dist="25400" dir="5400000" rotWithShape="0">
+            <a:srgbClr val="000000">
+              <a:alpha val="45000"/>
+            </a:srgbClr>
+          </a:outerShdw>
+        </a:effectLst>
+        <a:scene3d>
+          <a:camera prst="orthographicFront">
+            <a:rot lat="0" lon="0" rev="0"/>
+          </a:camera>
+          <a:lightRig rig="contrasting" dir="t">
+            <a:rot lat="0" lon="0" rev="1200000"/>
+          </a:lightRig>
+        </a:scene3d>
+        <a:sp3d contourW="19050" prstMaterial="metal">
+          <a:bevelT w="88900" h="203200"/>
+          <a:bevelB w="165100" h="254000"/>
+        </a:sp3d>
+      </dsp:spPr>
+      <dsp:style>
+        <a:lnRef idx="0">
+          <a:scrgbClr r="0" g="0" b="0"/>
+        </a:lnRef>
+        <a:fillRef idx="1">
+          <a:scrgbClr r="0" g="0" b="0"/>
+        </a:fillRef>
+        <a:effectRef idx="2">
+          <a:scrgbClr r="0" g="0" b="0"/>
+        </a:effectRef>
+        <a:fontRef idx="minor">
+          <a:schemeClr val="lt1"/>
+        </a:fontRef>
+      </dsp:style>
+      <dsp:txBody>
+        <a:bodyPr spcFirstLastPara="0" vert="horz" wrap="square" lIns="34290" tIns="34290" rIns="34290" bIns="34290" numCol="1" spcCol="1270" anchor="ctr" anchorCtr="0">
+          <a:noAutofit/>
+        </a:bodyPr>
+        <a:lstStyle/>
+        <a:p>
+          <a:pPr marL="0" lvl="0" indent="0" algn="ctr" defTabSz="1200150">
+            <a:lnSpc>
+              <a:spcPct val="90000"/>
+            </a:lnSpc>
+            <a:spcBef>
+              <a:spcPct val="0"/>
+            </a:spcBef>
+            <a:spcAft>
+              <a:spcPct val="35000"/>
+            </a:spcAft>
+            <a:buNone/>
+          </a:pPr>
+          <a:r>
+            <a:rPr lang="zh-CN" altLang="en-US" sz="2700" kern="1200" dirty="0"/>
+            <a:t>思考</a:t>
+          </a:r>
+        </a:p>
+      </dsp:txBody>
+      <dsp:txXfrm>
+        <a:off x="1205739" y="162478"/>
+        <a:ext cx="781662" cy="781662"/>
+      </dsp:txXfrm>
+    </dsp:sp>
+    <dsp:sp modelId="{3204269D-5CF1-4117-8D82-C47829859922}">
+      <dsp:nvSpPr>
+        <dsp:cNvPr id="0" name=""/>
+        <dsp:cNvSpPr/>
+      </dsp:nvSpPr>
+      <dsp:spPr>
+        <a:xfrm rot="3600000">
+          <a:off x="1860405" y="1079249"/>
+          <a:ext cx="295035" cy="373085"/>
+        </a:xfrm>
+        <a:prstGeom prst="rightArrow">
+          <a:avLst>
+            <a:gd name="adj1" fmla="val 60000"/>
+            <a:gd name="adj2" fmla="val 50000"/>
+          </a:avLst>
+        </a:prstGeom>
+        <a:solidFill>
+          <a:schemeClr val="accent1">
+            <a:tint val="60000"/>
+            <a:hueOff val="0"/>
+            <a:satOff val="0"/>
+            <a:lumOff val="0"/>
+            <a:alphaOff val="0"/>
+          </a:schemeClr>
+        </a:solidFill>
+        <a:ln>
+          <a:noFill/>
+        </a:ln>
+        <a:effectLst/>
+        <a:scene3d>
+          <a:camera prst="orthographicFront">
+            <a:rot lat="0" lon="0" rev="0"/>
+          </a:camera>
+          <a:lightRig rig="contrasting" dir="t">
+            <a:rot lat="0" lon="0" rev="1200000"/>
+          </a:lightRig>
+        </a:scene3d>
+        <a:sp3d z="-182000" contourW="19050" prstMaterial="metal">
+          <a:bevelT w="88900" h="203200"/>
+          <a:bevelB w="165100" h="254000"/>
+        </a:sp3d>
+      </dsp:spPr>
+      <dsp:style>
+        <a:lnRef idx="0">
+          <a:scrgbClr r="0" g="0" b="0"/>
+        </a:lnRef>
+        <a:fillRef idx="1">
+          <a:scrgbClr r="0" g="0" b="0"/>
+        </a:fillRef>
+        <a:effectRef idx="0">
+          <a:scrgbClr r="0" g="0" b="0"/>
+        </a:effectRef>
+        <a:fontRef idx="minor">
+          <a:schemeClr val="lt1"/>
+        </a:fontRef>
+      </dsp:style>
+      <dsp:txBody>
+        <a:bodyPr spcFirstLastPara="0" vert="horz" wrap="square" lIns="0" tIns="0" rIns="0" bIns="0" numCol="1" spcCol="1270" anchor="ctr" anchorCtr="0">
+          <a:noAutofit/>
+        </a:bodyPr>
+        <a:lstStyle/>
+        <a:p>
+          <a:pPr marL="0" lvl="0" indent="0" algn="ctr" defTabSz="711200">
+            <a:lnSpc>
+              <a:spcPct val="90000"/>
+            </a:lnSpc>
+            <a:spcBef>
+              <a:spcPct val="0"/>
+            </a:spcBef>
+            <a:spcAft>
+              <a:spcPct val="35000"/>
+            </a:spcAft>
+            <a:buNone/>
+          </a:pPr>
+          <a:endParaRPr lang="zh-CN" altLang="en-US" sz="1600" kern="1200"/>
+        </a:p>
+      </dsp:txBody>
+      <dsp:txXfrm>
+        <a:off x="1882533" y="1115540"/>
+        <a:ext cx="206525" cy="223851"/>
+      </dsp:txXfrm>
+    </dsp:sp>
+    <dsp:sp modelId="{A6B519CE-CFF7-4F7C-8B0A-23A21872B28E}">
+      <dsp:nvSpPr>
+        <dsp:cNvPr id="0" name=""/>
+        <dsp:cNvSpPr/>
+      </dsp:nvSpPr>
+      <dsp:spPr>
+        <a:xfrm>
+          <a:off x="1874906" y="1440019"/>
+          <a:ext cx="1105438" cy="1105438"/>
+        </a:xfrm>
+        <a:prstGeom prst="ellipse">
+          <a:avLst/>
+        </a:prstGeom>
+        <a:solidFill>
+          <a:schemeClr val="lt1">
+            <a:hueOff val="0"/>
+            <a:satOff val="0"/>
+            <a:lumOff val="0"/>
+            <a:alphaOff val="0"/>
+          </a:schemeClr>
+        </a:solidFill>
+        <a:ln>
+          <a:noFill/>
+        </a:ln>
+        <a:effectLst>
+          <a:outerShdw blurRad="38100" dist="25400" dir="5400000" rotWithShape="0">
+            <a:srgbClr val="000000">
+              <a:alpha val="45000"/>
+            </a:srgbClr>
+          </a:outerShdw>
+        </a:effectLst>
+        <a:scene3d>
+          <a:camera prst="orthographicFront">
+            <a:rot lat="0" lon="0" rev="0"/>
+          </a:camera>
+          <a:lightRig rig="contrasting" dir="t">
+            <a:rot lat="0" lon="0" rev="1200000"/>
+          </a:lightRig>
+        </a:scene3d>
+        <a:sp3d contourW="19050" prstMaterial="metal">
+          <a:bevelT w="88900" h="203200"/>
+          <a:bevelB w="165100" h="254000"/>
+        </a:sp3d>
+      </dsp:spPr>
+      <dsp:style>
+        <a:lnRef idx="0">
+          <a:scrgbClr r="0" g="0" b="0"/>
+        </a:lnRef>
+        <a:fillRef idx="1">
+          <a:scrgbClr r="0" g="0" b="0"/>
+        </a:fillRef>
+        <a:effectRef idx="2">
+          <a:scrgbClr r="0" g="0" b="0"/>
+        </a:effectRef>
+        <a:fontRef idx="minor">
+          <a:schemeClr val="lt1"/>
+        </a:fontRef>
+      </dsp:style>
+      <dsp:txBody>
+        <a:bodyPr spcFirstLastPara="0" vert="horz" wrap="square" lIns="34290" tIns="34290" rIns="34290" bIns="34290" numCol="1" spcCol="1270" anchor="ctr" anchorCtr="0">
+          <a:noAutofit/>
+        </a:bodyPr>
+        <a:lstStyle/>
+        <a:p>
+          <a:pPr marL="0" lvl="0" indent="0" algn="ctr" defTabSz="1200150">
+            <a:lnSpc>
+              <a:spcPct val="90000"/>
+            </a:lnSpc>
+            <a:spcBef>
+              <a:spcPct val="0"/>
+            </a:spcBef>
+            <a:spcAft>
+              <a:spcPct val="35000"/>
+            </a:spcAft>
+            <a:buNone/>
+          </a:pPr>
+          <a:r>
+            <a:rPr lang="zh-CN" altLang="en-US" sz="2700" kern="1200" dirty="0"/>
+            <a:t>行动</a:t>
+          </a:r>
+        </a:p>
+      </dsp:txBody>
+      <dsp:txXfrm>
+        <a:off x="2036794" y="1601907"/>
+        <a:ext cx="781662" cy="781662"/>
+      </dsp:txXfrm>
+    </dsp:sp>
+    <dsp:sp modelId="{6A59FBF0-3AD2-4BB9-885C-19F01F04275C}">
+      <dsp:nvSpPr>
+        <dsp:cNvPr id="0" name=""/>
+        <dsp:cNvSpPr/>
+      </dsp:nvSpPr>
+      <dsp:spPr>
+        <a:xfrm rot="10800000">
+          <a:off x="1457403" y="1806195"/>
+          <a:ext cx="295035" cy="373085"/>
+        </a:xfrm>
+        <a:prstGeom prst="rightArrow">
+          <a:avLst>
+            <a:gd name="adj1" fmla="val 60000"/>
+            <a:gd name="adj2" fmla="val 50000"/>
+          </a:avLst>
+        </a:prstGeom>
+        <a:solidFill>
+          <a:schemeClr val="accent1">
+            <a:tint val="60000"/>
+            <a:hueOff val="0"/>
+            <a:satOff val="0"/>
+            <a:lumOff val="0"/>
+            <a:alphaOff val="0"/>
+          </a:schemeClr>
+        </a:solidFill>
+        <a:ln>
+          <a:noFill/>
+        </a:ln>
+        <a:effectLst/>
+        <a:scene3d>
+          <a:camera prst="orthographicFront">
+            <a:rot lat="0" lon="0" rev="0"/>
+          </a:camera>
+          <a:lightRig rig="contrasting" dir="t">
+            <a:rot lat="0" lon="0" rev="1200000"/>
+          </a:lightRig>
+        </a:scene3d>
+        <a:sp3d z="-182000" contourW="19050" prstMaterial="metal">
+          <a:bevelT w="88900" h="203200"/>
+          <a:bevelB w="165100" h="254000"/>
+        </a:sp3d>
+      </dsp:spPr>
+      <dsp:style>
+        <a:lnRef idx="0">
+          <a:scrgbClr r="0" g="0" b="0"/>
+        </a:lnRef>
+        <a:fillRef idx="1">
+          <a:scrgbClr r="0" g="0" b="0"/>
+        </a:fillRef>
+        <a:effectRef idx="0">
+          <a:scrgbClr r="0" g="0" b="0"/>
+        </a:effectRef>
+        <a:fontRef idx="minor">
+          <a:schemeClr val="lt1"/>
+        </a:fontRef>
+      </dsp:style>
+      <dsp:txBody>
+        <a:bodyPr spcFirstLastPara="0" vert="horz" wrap="square" lIns="0" tIns="0" rIns="0" bIns="0" numCol="1" spcCol="1270" anchor="ctr" anchorCtr="0">
+          <a:noAutofit/>
+        </a:bodyPr>
+        <a:lstStyle/>
+        <a:p>
+          <a:pPr marL="0" lvl="0" indent="0" algn="ctr" defTabSz="711200">
+            <a:lnSpc>
+              <a:spcPct val="90000"/>
+            </a:lnSpc>
+            <a:spcBef>
+              <a:spcPct val="0"/>
+            </a:spcBef>
+            <a:spcAft>
+              <a:spcPct val="35000"/>
+            </a:spcAft>
+            <a:buNone/>
+          </a:pPr>
+          <a:endParaRPr lang="zh-CN" altLang="en-US" sz="1600" kern="1200"/>
+        </a:p>
+      </dsp:txBody>
+      <dsp:txXfrm rot="10800000">
+        <a:off x="1545913" y="1880812"/>
+        <a:ext cx="206525" cy="223851"/>
+      </dsp:txXfrm>
+    </dsp:sp>
+    <dsp:sp modelId="{C1986ACA-3332-49EE-9536-4647495B6913}">
+      <dsp:nvSpPr>
+        <dsp:cNvPr id="0" name=""/>
+        <dsp:cNvSpPr/>
+      </dsp:nvSpPr>
+      <dsp:spPr>
+        <a:xfrm>
+          <a:off x="212797" y="1440019"/>
+          <a:ext cx="1105438" cy="1105438"/>
+        </a:xfrm>
+        <a:prstGeom prst="ellipse">
+          <a:avLst/>
+        </a:prstGeom>
+        <a:solidFill>
+          <a:schemeClr val="lt1">
+            <a:hueOff val="0"/>
+            <a:satOff val="0"/>
+            <a:lumOff val="0"/>
+            <a:alphaOff val="0"/>
+          </a:schemeClr>
+        </a:solidFill>
+        <a:ln>
+          <a:noFill/>
+        </a:ln>
+        <a:effectLst>
+          <a:outerShdw blurRad="38100" dist="25400" dir="5400000" rotWithShape="0">
+            <a:srgbClr val="000000">
+              <a:alpha val="45000"/>
+            </a:srgbClr>
+          </a:outerShdw>
+        </a:effectLst>
+        <a:scene3d>
+          <a:camera prst="orthographicFront">
+            <a:rot lat="0" lon="0" rev="0"/>
+          </a:camera>
+          <a:lightRig rig="contrasting" dir="t">
+            <a:rot lat="0" lon="0" rev="1200000"/>
+          </a:lightRig>
+        </a:scene3d>
+        <a:sp3d contourW="19050" prstMaterial="metal">
+          <a:bevelT w="88900" h="203200"/>
+          <a:bevelB w="165100" h="254000"/>
+        </a:sp3d>
+      </dsp:spPr>
+      <dsp:style>
+        <a:lnRef idx="0">
+          <a:scrgbClr r="0" g="0" b="0"/>
+        </a:lnRef>
+        <a:fillRef idx="1">
+          <a:scrgbClr r="0" g="0" b="0"/>
+        </a:fillRef>
+        <a:effectRef idx="2">
+          <a:scrgbClr r="0" g="0" b="0"/>
+        </a:effectRef>
+        <a:fontRef idx="minor">
+          <a:schemeClr val="lt1"/>
+        </a:fontRef>
+      </dsp:style>
+      <dsp:txBody>
+        <a:bodyPr spcFirstLastPara="0" vert="horz" wrap="square" lIns="34290" tIns="34290" rIns="34290" bIns="34290" numCol="1" spcCol="1270" anchor="ctr" anchorCtr="0">
+          <a:noAutofit/>
+        </a:bodyPr>
+        <a:lstStyle/>
+        <a:p>
+          <a:pPr marL="0" lvl="0" indent="0" algn="ctr" defTabSz="1200150">
+            <a:lnSpc>
+              <a:spcPct val="90000"/>
+            </a:lnSpc>
+            <a:spcBef>
+              <a:spcPct val="0"/>
+            </a:spcBef>
+            <a:spcAft>
+              <a:spcPct val="35000"/>
+            </a:spcAft>
+            <a:buNone/>
+          </a:pPr>
+          <a:r>
+            <a:rPr lang="zh-CN" altLang="en-US" sz="2700" kern="1200" dirty="0"/>
+            <a:t>观察</a:t>
+          </a:r>
+        </a:p>
+      </dsp:txBody>
+      <dsp:txXfrm>
+        <a:off x="374685" y="1601907"/>
+        <a:ext cx="781662" cy="781662"/>
+      </dsp:txXfrm>
+    </dsp:sp>
+    <dsp:sp modelId="{CCDD7A97-2D60-4785-986B-2D7BC49D2073}">
+      <dsp:nvSpPr>
+        <dsp:cNvPr id="0" name=""/>
+        <dsp:cNvSpPr/>
+      </dsp:nvSpPr>
+      <dsp:spPr>
+        <a:xfrm rot="18000000">
+          <a:off x="1029350" y="1093712"/>
+          <a:ext cx="295035" cy="373085"/>
+        </a:xfrm>
+        <a:prstGeom prst="rightArrow">
+          <a:avLst>
+            <a:gd name="adj1" fmla="val 60000"/>
+            <a:gd name="adj2" fmla="val 50000"/>
+          </a:avLst>
+        </a:prstGeom>
+        <a:solidFill>
+          <a:schemeClr val="accent1">
+            <a:tint val="60000"/>
+            <a:hueOff val="0"/>
+            <a:satOff val="0"/>
+            <a:lumOff val="0"/>
+            <a:alphaOff val="0"/>
+          </a:schemeClr>
+        </a:solidFill>
+        <a:ln>
+          <a:noFill/>
+        </a:ln>
+        <a:effectLst/>
+        <a:scene3d>
+          <a:camera prst="orthographicFront">
+            <a:rot lat="0" lon="0" rev="0"/>
+          </a:camera>
+          <a:lightRig rig="contrasting" dir="t">
+            <a:rot lat="0" lon="0" rev="1200000"/>
+          </a:lightRig>
+        </a:scene3d>
+        <a:sp3d z="-182000" contourW="19050" prstMaterial="metal">
+          <a:bevelT w="88900" h="203200"/>
+          <a:bevelB w="165100" h="254000"/>
+        </a:sp3d>
+      </dsp:spPr>
+      <dsp:style>
+        <a:lnRef idx="0">
+          <a:scrgbClr r="0" g="0" b="0"/>
+        </a:lnRef>
+        <a:fillRef idx="1">
+          <a:scrgbClr r="0" g="0" b="0"/>
+        </a:fillRef>
+        <a:effectRef idx="0">
+          <a:scrgbClr r="0" g="0" b="0"/>
+        </a:effectRef>
+        <a:fontRef idx="minor">
+          <a:schemeClr val="lt1"/>
+        </a:fontRef>
+      </dsp:style>
+      <dsp:txBody>
+        <a:bodyPr spcFirstLastPara="0" vert="horz" wrap="square" lIns="0" tIns="0" rIns="0" bIns="0" numCol="1" spcCol="1270" anchor="ctr" anchorCtr="0">
+          <a:noAutofit/>
+        </a:bodyPr>
+        <a:lstStyle/>
+        <a:p>
+          <a:pPr marL="0" lvl="0" indent="0" algn="ctr" defTabSz="711200">
+            <a:lnSpc>
+              <a:spcPct val="90000"/>
+            </a:lnSpc>
+            <a:spcBef>
+              <a:spcPct val="0"/>
+            </a:spcBef>
+            <a:spcAft>
+              <a:spcPct val="35000"/>
+            </a:spcAft>
+            <a:buNone/>
+          </a:pPr>
+          <a:endParaRPr lang="zh-CN" altLang="en-US" sz="1600" kern="1200"/>
+        </a:p>
+      </dsp:txBody>
+      <dsp:txXfrm>
+        <a:off x="1051478" y="1206655"/>
+        <a:ext cx="206525" cy="223851"/>
+      </dsp:txXfrm>
+    </dsp:sp>
+  </dsp:spTree>
+</dsp:drawing>
+</file>
+
 <file path=ppt/diagrams/layout1.xml><?xml version="1.0" encoding="utf-8"?>
 <dgm:layoutDef xmlns:dgm="http://schemas.openxmlformats.org/drawingml/2006/diagram" xmlns:a="http://schemas.openxmlformats.org/drawingml/2006/main" uniqueId="urn:microsoft.com/office/officeart/2005/8/layout/list1">
   <dgm:title val=""/>
@@ -5270,6 +6810,217 @@
 </dgm:layoutDef>
 </file>
 
+<file path=ppt/diagrams/layout4.xml><?xml version="1.0" encoding="utf-8"?>
+<dgm:layoutDef xmlns:dgm="http://schemas.openxmlformats.org/drawingml/2006/diagram" xmlns:a="http://schemas.openxmlformats.org/drawingml/2006/main" uniqueId="urn:microsoft.com/office/officeart/2005/8/layout/cycle2">
+  <dgm:title val=""/>
+  <dgm:desc val=""/>
+  <dgm:catLst>
+    <dgm:cat type="cycle" pri="1000"/>
+    <dgm:cat type="convert" pri="10000"/>
+  </dgm:catLst>
+  <dgm:sampData>
+    <dgm:dataModel>
+      <dgm:ptLst>
+        <dgm:pt modelId="0" type="doc"/>
+        <dgm:pt modelId="1">
+          <dgm:prSet phldr="1"/>
+        </dgm:pt>
+        <dgm:pt modelId="2">
+          <dgm:prSet phldr="1"/>
+        </dgm:pt>
+        <dgm:pt modelId="3">
+          <dgm:prSet phldr="1"/>
+        </dgm:pt>
+        <dgm:pt modelId="4">
+          <dgm:prSet phldr="1"/>
+        </dgm:pt>
+        <dgm:pt modelId="5">
+          <dgm:prSet phldr="1"/>
+        </dgm:pt>
+      </dgm:ptLst>
+      <dgm:cxnLst>
+        <dgm:cxn modelId="6" srcId="0" destId="1" srcOrd="0" destOrd="0"/>
+        <dgm:cxn modelId="7" srcId="0" destId="2" srcOrd="1" destOrd="0"/>
+        <dgm:cxn modelId="8" srcId="0" destId="3" srcOrd="2" destOrd="0"/>
+        <dgm:cxn modelId="9" srcId="0" destId="4" srcOrd="3" destOrd="0"/>
+        <dgm:cxn modelId="10" srcId="0" destId="5" srcOrd="4" destOrd="0"/>
+      </dgm:cxnLst>
+      <dgm:bg/>
+      <dgm:whole/>
+    </dgm:dataModel>
+  </dgm:sampData>
+  <dgm:styleData>
+    <dgm:dataModel>
+      <dgm:ptLst>
+        <dgm:pt modelId="0" type="doc"/>
+        <dgm:pt modelId="1"/>
+        <dgm:pt modelId="2"/>
+        <dgm:pt modelId="3"/>
+      </dgm:ptLst>
+      <dgm:cxnLst>
+        <dgm:cxn modelId="4" srcId="0" destId="1" srcOrd="0" destOrd="0"/>
+        <dgm:cxn modelId="5" srcId="0" destId="2" srcOrd="1" destOrd="0"/>
+        <dgm:cxn modelId="6" srcId="0" destId="3" srcOrd="2" destOrd="0"/>
+      </dgm:cxnLst>
+      <dgm:bg/>
+      <dgm:whole/>
+    </dgm:dataModel>
+  </dgm:styleData>
+  <dgm:clrData>
+    <dgm:dataModel>
+      <dgm:ptLst>
+        <dgm:pt modelId="0" type="doc"/>
+        <dgm:pt modelId="1"/>
+        <dgm:pt modelId="2"/>
+        <dgm:pt modelId="3"/>
+        <dgm:pt modelId="4"/>
+        <dgm:pt modelId="5"/>
+        <dgm:pt modelId="6"/>
+      </dgm:ptLst>
+      <dgm:cxnLst>
+        <dgm:cxn modelId="7" srcId="0" destId="1" srcOrd="0" destOrd="0"/>
+        <dgm:cxn modelId="8" srcId="0" destId="2" srcOrd="1" destOrd="0"/>
+        <dgm:cxn modelId="9" srcId="0" destId="3" srcOrd="2" destOrd="0"/>
+        <dgm:cxn modelId="10" srcId="0" destId="4" srcOrd="3" destOrd="0"/>
+        <dgm:cxn modelId="11" srcId="0" destId="5" srcOrd="4" destOrd="0"/>
+        <dgm:cxn modelId="12" srcId="0" destId="6" srcOrd="5" destOrd="0"/>
+      </dgm:cxnLst>
+      <dgm:bg/>
+      <dgm:whole/>
+    </dgm:dataModel>
+  </dgm:clrData>
+  <dgm:layoutNode name="cycle">
+    <dgm:varLst>
+      <dgm:dir/>
+      <dgm:resizeHandles val="exact"/>
+    </dgm:varLst>
+    <dgm:choose name="Name0">
+      <dgm:if name="Name1" func="var" arg="dir" op="equ" val="norm">
+        <dgm:choose name="Name2">
+          <dgm:if name="Name3" axis="ch" ptType="node" func="cnt" op="gt" val="2">
+            <dgm:alg type="cycle">
+              <dgm:param type="stAng" val="0"/>
+              <dgm:param type="spanAng" val="360"/>
+            </dgm:alg>
+          </dgm:if>
+          <dgm:else name="Name4">
+            <dgm:alg type="cycle">
+              <dgm:param type="stAng" val="-90"/>
+              <dgm:param type="spanAng" val="360"/>
+            </dgm:alg>
+          </dgm:else>
+        </dgm:choose>
+      </dgm:if>
+      <dgm:else name="Name5">
+        <dgm:choose name="Name6">
+          <dgm:if name="Name7" axis="ch" ptType="node" func="cnt" op="gt" val="2">
+            <dgm:alg type="cycle">
+              <dgm:param type="stAng" val="0"/>
+              <dgm:param type="spanAng" val="-360"/>
+            </dgm:alg>
+          </dgm:if>
+          <dgm:else name="Name8">
+            <dgm:alg type="cycle">
+              <dgm:param type="stAng" val="90"/>
+              <dgm:param type="spanAng" val="-360"/>
+            </dgm:alg>
+          </dgm:else>
+        </dgm:choose>
+      </dgm:else>
+    </dgm:choose>
+    <dgm:shape xmlns:r="http://schemas.openxmlformats.org/officeDocument/2006/relationships" r:blip="">
+      <dgm:adjLst/>
+    </dgm:shape>
+    <dgm:presOf/>
+    <dgm:constrLst>
+      <dgm:constr type="w" for="ch" ptType="node" refType="w"/>
+      <dgm:constr type="w" for="ch" ptType="sibTrans" refType="w" refFor="ch" refPtType="node" op="equ" fact="0.25"/>
+      <dgm:constr type="sibSp" refType="w" refFor="ch" refPtType="node" fact="0.5"/>
+      <dgm:constr type="primFontSz" for="ch" ptType="node" op="equ" val="65"/>
+      <dgm:constr type="primFontSz" for="des" forName="connectorText" op="equ" val="55"/>
+      <dgm:constr type="primFontSz" for="des" forName="connectorText" refType="primFontSz" refFor="ch" refPtType="node" op="lte" fact="0.8"/>
+    </dgm:constrLst>
+    <dgm:ruleLst/>
+    <dgm:forEach name="nodesForEach" axis="ch" ptType="node">
+      <dgm:layoutNode name="node">
+        <dgm:varLst>
+          <dgm:bulletEnabled val="1"/>
+        </dgm:varLst>
+        <dgm:alg type="tx">
+          <dgm:param type="txAnchorVertCh" val="mid"/>
+        </dgm:alg>
+        <dgm:shape xmlns:r="http://schemas.openxmlformats.org/officeDocument/2006/relationships" type="ellipse" r:blip="">
+          <dgm:adjLst/>
+        </dgm:shape>
+        <dgm:presOf axis="desOrSelf" ptType="node"/>
+        <dgm:constrLst>
+          <dgm:constr type="h" refType="w"/>
+          <dgm:constr type="lMarg" refType="primFontSz" fact="0.1"/>
+          <dgm:constr type="rMarg" refType="primFontSz" fact="0.1"/>
+          <dgm:constr type="tMarg" refType="primFontSz" fact="0.1"/>
+          <dgm:constr type="bMarg" refType="primFontSz" fact="0.1"/>
+        </dgm:constrLst>
+        <dgm:ruleLst>
+          <dgm:rule type="primFontSz" val="5" fact="NaN" max="NaN"/>
+        </dgm:ruleLst>
+      </dgm:layoutNode>
+      <dgm:choose name="Name9">
+        <dgm:if name="Name10" axis="par ch" ptType="doc node" func="cnt" op="gt" val="1">
+          <dgm:forEach name="sibTransForEach" axis="followSib" ptType="sibTrans" hideLastTrans="0" cnt="1">
+            <dgm:layoutNode name="sibTrans">
+              <dgm:choose name="Name11">
+                <dgm:if name="Name12" axis="par ch" ptType="doc node" func="cnt" op="lt" val="3">
+                  <dgm:alg type="conn">
+                    <dgm:param type="begPts" val="radial"/>
+                    <dgm:param type="endPts" val="radial"/>
+                  </dgm:alg>
+                </dgm:if>
+                <dgm:else name="Name13">
+                  <dgm:alg type="conn">
+                    <dgm:param type="begPts" val="auto"/>
+                    <dgm:param type="endPts" val="auto"/>
+                  </dgm:alg>
+                </dgm:else>
+              </dgm:choose>
+              <dgm:shape xmlns:r="http://schemas.openxmlformats.org/officeDocument/2006/relationships" type="conn" r:blip="">
+                <dgm:adjLst/>
+              </dgm:shape>
+              <dgm:presOf axis="self"/>
+              <dgm:constrLst>
+                <dgm:constr type="h" refType="w" fact="1.35"/>
+                <dgm:constr type="connDist"/>
+                <dgm:constr type="w" for="ch" refType="connDist" fact="0.45"/>
+                <dgm:constr type="h" for="ch" refType="h"/>
+              </dgm:constrLst>
+              <dgm:ruleLst/>
+              <dgm:layoutNode name="connectorText">
+                <dgm:alg type="tx">
+                  <dgm:param type="autoTxRot" val="grav"/>
+                </dgm:alg>
+                <dgm:shape xmlns:r="http://schemas.openxmlformats.org/officeDocument/2006/relationships" type="conn" r:blip="" hideGeom="1">
+                  <dgm:adjLst/>
+                </dgm:shape>
+                <dgm:presOf axis="self"/>
+                <dgm:constrLst>
+                  <dgm:constr type="lMarg"/>
+                  <dgm:constr type="rMarg"/>
+                  <dgm:constr type="tMarg"/>
+                  <dgm:constr type="bMarg"/>
+                </dgm:constrLst>
+                <dgm:ruleLst>
+                  <dgm:rule type="primFontSz" val="5" fact="NaN" max="NaN"/>
+                </dgm:ruleLst>
+              </dgm:layoutNode>
+            </dgm:layoutNode>
+          </dgm:forEach>
+        </dgm:if>
+        <dgm:else name="Name14"/>
+      </dgm:choose>
+    </dgm:forEach>
+  </dgm:layoutNode>
+</dgm:layoutDef>
+</file>
+
 <file path=ppt/diagrams/quickStyle1.xml><?xml version="1.0" encoding="utf-8"?>
 <dgm:styleDef xmlns:dgm="http://schemas.openxmlformats.org/drawingml/2006/diagram" xmlns:a="http://schemas.openxmlformats.org/drawingml/2006/main" uniqueId="urn:microsoft.com/office/officeart/2005/8/quickstyle/3d1">
   <dgm:title val=""/>
@@ -8607,6 +10358,1336 @@
     <dgm:txPr/>
     <dgm:style>
       <a:lnRef idx="0">
+        <a:scrgbClr r="0" g="0" b="0"/>
+      </a:lnRef>
+      <a:fillRef idx="0">
+        <a:scrgbClr r="0" g="0" b="0"/>
+      </a:fillRef>
+      <a:effectRef idx="0">
+        <a:scrgbClr r="0" g="0" b="0"/>
+      </a:effectRef>
+      <a:fontRef idx="minor"/>
+    </dgm:style>
+  </dgm:styleLbl>
+</dgm:styleDef>
+</file>
+
+<file path=ppt/diagrams/quickStyle4.xml><?xml version="1.0" encoding="utf-8"?>
+<dgm:styleDef xmlns:dgm="http://schemas.openxmlformats.org/drawingml/2006/diagram" xmlns:a="http://schemas.openxmlformats.org/drawingml/2006/main" uniqueId="urn:microsoft.com/office/officeart/2005/8/quickstyle/3d3">
+  <dgm:title val=""/>
+  <dgm:desc val=""/>
+  <dgm:catLst>
+    <dgm:cat type="3D" pri="11300"/>
+  </dgm:catLst>
+  <dgm:scene3d>
+    <a:camera prst="orthographicFront"/>
+    <a:lightRig rig="threePt" dir="t"/>
+  </dgm:scene3d>
+  <dgm:styleLbl name="node0">
+    <dgm:scene3d>
+      <a:camera prst="orthographicFront">
+        <a:rot lat="0" lon="0" rev="0"/>
+      </a:camera>
+      <a:lightRig rig="contrasting" dir="t">
+        <a:rot lat="0" lon="0" rev="1200000"/>
+      </a:lightRig>
+    </dgm:scene3d>
+    <dgm:sp3d contourW="19050" prstMaterial="metal">
+      <a:bevelT w="88900" h="203200"/>
+      <a:bevelB w="165100" h="254000"/>
+    </dgm:sp3d>
+    <dgm:txPr/>
+    <dgm:style>
+      <a:lnRef idx="0">
+        <a:scrgbClr r="0" g="0" b="0"/>
+      </a:lnRef>
+      <a:fillRef idx="1">
+        <a:scrgbClr r="0" g="0" b="0"/>
+      </a:fillRef>
+      <a:effectRef idx="1">
+        <a:scrgbClr r="0" g="0" b="0"/>
+      </a:effectRef>
+      <a:fontRef idx="minor">
+        <a:schemeClr val="lt1"/>
+      </a:fontRef>
+    </dgm:style>
+  </dgm:styleLbl>
+  <dgm:styleLbl name="lnNode1">
+    <dgm:scene3d>
+      <a:camera prst="orthographicFront">
+        <a:rot lat="0" lon="0" rev="0"/>
+      </a:camera>
+      <a:lightRig rig="contrasting" dir="t">
+        <a:rot lat="0" lon="0" rev="1200000"/>
+      </a:lightRig>
+    </dgm:scene3d>
+    <dgm:sp3d contourW="19050" prstMaterial="metal">
+      <a:bevelT w="88900" h="203200"/>
+      <a:bevelB w="165100" h="254000"/>
+    </dgm:sp3d>
+    <dgm:txPr/>
+    <dgm:style>
+      <a:lnRef idx="0">
+        <a:scrgbClr r="0" g="0" b="0"/>
+      </a:lnRef>
+      <a:fillRef idx="1">
+        <a:scrgbClr r="0" g="0" b="0"/>
+      </a:fillRef>
+      <a:effectRef idx="1">
+        <a:scrgbClr r="0" g="0" b="0"/>
+      </a:effectRef>
+      <a:fontRef idx="minor">
+        <a:schemeClr val="lt1"/>
+      </a:fontRef>
+    </dgm:style>
+  </dgm:styleLbl>
+  <dgm:styleLbl name="vennNode1">
+    <dgm:scene3d>
+      <a:camera prst="orthographicFront">
+        <a:rot lat="0" lon="0" rev="0"/>
+      </a:camera>
+      <a:lightRig rig="contrasting" dir="t">
+        <a:rot lat="0" lon="0" rev="1200000"/>
+      </a:lightRig>
+    </dgm:scene3d>
+    <dgm:sp3d contourW="12700" prstMaterial="clear">
+      <a:bevelT w="177800" h="254000"/>
+      <a:bevelB w="152400"/>
+    </dgm:sp3d>
+    <dgm:txPr/>
+    <dgm:style>
+      <a:lnRef idx="0">
+        <a:scrgbClr r="0" g="0" b="0"/>
+      </a:lnRef>
+      <a:fillRef idx="1">
+        <a:scrgbClr r="0" g="0" b="0"/>
+      </a:fillRef>
+      <a:effectRef idx="0">
+        <a:scrgbClr r="0" g="0" b="0"/>
+      </a:effectRef>
+      <a:fontRef idx="minor">
+        <a:schemeClr val="tx1"/>
+      </a:fontRef>
+    </dgm:style>
+  </dgm:styleLbl>
+  <dgm:styleLbl name="alignNode1">
+    <dgm:scene3d>
+      <a:camera prst="orthographicFront">
+        <a:rot lat="0" lon="0" rev="0"/>
+      </a:camera>
+      <a:lightRig rig="contrasting" dir="t">
+        <a:rot lat="0" lon="0" rev="1200000"/>
+      </a:lightRig>
+    </dgm:scene3d>
+    <dgm:sp3d contourW="19050" prstMaterial="metal">
+      <a:bevelT w="88900" h="203200"/>
+      <a:bevelB w="165100" h="254000"/>
+    </dgm:sp3d>
+    <dgm:txPr/>
+    <dgm:style>
+      <a:lnRef idx="0">
+        <a:scrgbClr r="0" g="0" b="0"/>
+      </a:lnRef>
+      <a:fillRef idx="1">
+        <a:scrgbClr r="0" g="0" b="0"/>
+      </a:fillRef>
+      <a:effectRef idx="2">
+        <a:scrgbClr r="0" g="0" b="0"/>
+      </a:effectRef>
+      <a:fontRef idx="minor">
+        <a:schemeClr val="lt1"/>
+      </a:fontRef>
+    </dgm:style>
+  </dgm:styleLbl>
+  <dgm:styleLbl name="node1">
+    <dgm:scene3d>
+      <a:camera prst="orthographicFront">
+        <a:rot lat="0" lon="0" rev="0"/>
+      </a:camera>
+      <a:lightRig rig="contrasting" dir="t">
+        <a:rot lat="0" lon="0" rev="1200000"/>
+      </a:lightRig>
+    </dgm:scene3d>
+    <dgm:sp3d contourW="19050" prstMaterial="metal">
+      <a:bevelT w="88900" h="203200"/>
+      <a:bevelB w="165100" h="254000"/>
+    </dgm:sp3d>
+    <dgm:txPr/>
+    <dgm:style>
+      <a:lnRef idx="0">
+        <a:scrgbClr r="0" g="0" b="0"/>
+      </a:lnRef>
+      <a:fillRef idx="1">
+        <a:scrgbClr r="0" g="0" b="0"/>
+      </a:fillRef>
+      <a:effectRef idx="2">
+        <a:scrgbClr r="0" g="0" b="0"/>
+      </a:effectRef>
+      <a:fontRef idx="minor">
+        <a:schemeClr val="lt1"/>
+      </a:fontRef>
+    </dgm:style>
+  </dgm:styleLbl>
+  <dgm:styleLbl name="node2">
+    <dgm:scene3d>
+      <a:camera prst="orthographicFront">
+        <a:rot lat="0" lon="0" rev="0"/>
+      </a:camera>
+      <a:lightRig rig="contrasting" dir="t">
+        <a:rot lat="0" lon="0" rev="1200000"/>
+      </a:lightRig>
+    </dgm:scene3d>
+    <dgm:sp3d contourW="19050" prstMaterial="metal">
+      <a:bevelT w="88900" h="203200"/>
+      <a:bevelB w="165100" h="254000"/>
+    </dgm:sp3d>
+    <dgm:txPr/>
+    <dgm:style>
+      <a:lnRef idx="0">
+        <a:scrgbClr r="0" g="0" b="0"/>
+      </a:lnRef>
+      <a:fillRef idx="1">
+        <a:scrgbClr r="0" g="0" b="0"/>
+      </a:fillRef>
+      <a:effectRef idx="1">
+        <a:scrgbClr r="0" g="0" b="0"/>
+      </a:effectRef>
+      <a:fontRef idx="minor">
+        <a:schemeClr val="lt1"/>
+      </a:fontRef>
+    </dgm:style>
+  </dgm:styleLbl>
+  <dgm:styleLbl name="node3">
+    <dgm:scene3d>
+      <a:camera prst="orthographicFront">
+        <a:rot lat="0" lon="0" rev="0"/>
+      </a:camera>
+      <a:lightRig rig="contrasting" dir="t">
+        <a:rot lat="0" lon="0" rev="1200000"/>
+      </a:lightRig>
+    </dgm:scene3d>
+    <dgm:sp3d contourW="19050" prstMaterial="metal">
+      <a:bevelT w="88900" h="203200"/>
+      <a:bevelB w="165100" h="254000"/>
+    </dgm:sp3d>
+    <dgm:txPr/>
+    <dgm:style>
+      <a:lnRef idx="0">
+        <a:scrgbClr r="0" g="0" b="0"/>
+      </a:lnRef>
+      <a:fillRef idx="1">
+        <a:scrgbClr r="0" g="0" b="0"/>
+      </a:fillRef>
+      <a:effectRef idx="1">
+        <a:scrgbClr r="0" g="0" b="0"/>
+      </a:effectRef>
+      <a:fontRef idx="minor">
+        <a:schemeClr val="lt1"/>
+      </a:fontRef>
+    </dgm:style>
+  </dgm:styleLbl>
+  <dgm:styleLbl name="node4">
+    <dgm:scene3d>
+      <a:camera prst="orthographicFront">
+        <a:rot lat="0" lon="0" rev="0"/>
+      </a:camera>
+      <a:lightRig rig="contrasting" dir="t">
+        <a:rot lat="0" lon="0" rev="1200000"/>
+      </a:lightRig>
+    </dgm:scene3d>
+    <dgm:sp3d contourW="19050" prstMaterial="metal">
+      <a:bevelT w="88900" h="203200"/>
+      <a:bevelB w="165100" h="254000"/>
+    </dgm:sp3d>
+    <dgm:txPr/>
+    <dgm:style>
+      <a:lnRef idx="0">
+        <a:scrgbClr r="0" g="0" b="0"/>
+      </a:lnRef>
+      <a:fillRef idx="1">
+        <a:scrgbClr r="0" g="0" b="0"/>
+      </a:fillRef>
+      <a:effectRef idx="1">
+        <a:scrgbClr r="0" g="0" b="0"/>
+      </a:effectRef>
+      <a:fontRef idx="minor">
+        <a:schemeClr val="lt1"/>
+      </a:fontRef>
+    </dgm:style>
+  </dgm:styleLbl>
+  <dgm:styleLbl name="fgImgPlace1">
+    <dgm:scene3d>
+      <a:camera prst="orthographicFront">
+        <a:rot lat="0" lon="0" rev="0"/>
+      </a:camera>
+      <a:lightRig rig="contrasting" dir="t">
+        <a:rot lat="0" lon="0" rev="1200000"/>
+      </a:lightRig>
+    </dgm:scene3d>
+    <dgm:sp3d z="300000" contourW="19050" prstMaterial="metal">
+      <a:bevelT w="88900" h="203200"/>
+      <a:bevelB w="165100" h="254000"/>
+    </dgm:sp3d>
+    <dgm:txPr/>
+    <dgm:style>
+      <a:lnRef idx="0">
+        <a:scrgbClr r="0" g="0" b="0"/>
+      </a:lnRef>
+      <a:fillRef idx="1">
+        <a:scrgbClr r="0" g="0" b="0"/>
+      </a:fillRef>
+      <a:effectRef idx="1">
+        <a:scrgbClr r="0" g="0" b="0"/>
+      </a:effectRef>
+      <a:fontRef idx="minor"/>
+    </dgm:style>
+  </dgm:styleLbl>
+  <dgm:styleLbl name="alignImgPlace1">
+    <dgm:scene3d>
+      <a:camera prst="orthographicFront">
+        <a:rot lat="0" lon="0" rev="0"/>
+      </a:camera>
+      <a:lightRig rig="contrasting" dir="t">
+        <a:rot lat="0" lon="0" rev="1200000"/>
+      </a:lightRig>
+    </dgm:scene3d>
+    <dgm:sp3d contourW="12700" prstMaterial="flat">
+      <a:bevelT w="177800" h="254000"/>
+      <a:bevelB w="152400"/>
+    </dgm:sp3d>
+    <dgm:txPr/>
+    <dgm:style>
+      <a:lnRef idx="0">
+        <a:scrgbClr r="0" g="0" b="0"/>
+      </a:lnRef>
+      <a:fillRef idx="1">
+        <a:scrgbClr r="0" g="0" b="0"/>
+      </a:fillRef>
+      <a:effectRef idx="1">
+        <a:scrgbClr r="0" g="0" b="0"/>
+      </a:effectRef>
+      <a:fontRef idx="minor"/>
+    </dgm:style>
+  </dgm:styleLbl>
+  <dgm:styleLbl name="bgImgPlace1">
+    <dgm:scene3d>
+      <a:camera prst="orthographicFront">
+        <a:rot lat="0" lon="0" rev="0"/>
+      </a:camera>
+      <a:lightRig rig="contrasting" dir="t">
+        <a:rot lat="0" lon="0" rev="1200000"/>
+      </a:lightRig>
+    </dgm:scene3d>
+    <dgm:sp3d z="-300000" contourW="19050" prstMaterial="metal">
+      <a:bevelT w="88900" h="203200"/>
+      <a:bevelB w="165100" h="254000"/>
+    </dgm:sp3d>
+    <dgm:txPr/>
+    <dgm:style>
+      <a:lnRef idx="0">
+        <a:scrgbClr r="0" g="0" b="0"/>
+      </a:lnRef>
+      <a:fillRef idx="1">
+        <a:scrgbClr r="0" g="0" b="0"/>
+      </a:fillRef>
+      <a:effectRef idx="1">
+        <a:scrgbClr r="0" g="0" b="0"/>
+      </a:effectRef>
+      <a:fontRef idx="minor"/>
+    </dgm:style>
+  </dgm:styleLbl>
+  <dgm:styleLbl name="sibTrans2D1">
+    <dgm:scene3d>
+      <a:camera prst="orthographicFront">
+        <a:rot lat="0" lon="0" rev="0"/>
+      </a:camera>
+      <a:lightRig rig="contrasting" dir="t">
+        <a:rot lat="0" lon="0" rev="1200000"/>
+      </a:lightRig>
+    </dgm:scene3d>
+    <dgm:sp3d z="-182000" contourW="19050" prstMaterial="metal">
+      <a:bevelT w="88900" h="203200"/>
+      <a:bevelB w="165100" h="254000"/>
+    </dgm:sp3d>
+    <dgm:txPr/>
+    <dgm:style>
+      <a:lnRef idx="0">
+        <a:scrgbClr r="0" g="0" b="0"/>
+      </a:lnRef>
+      <a:fillRef idx="1">
+        <a:scrgbClr r="0" g="0" b="0"/>
+      </a:fillRef>
+      <a:effectRef idx="0">
+        <a:scrgbClr r="0" g="0" b="0"/>
+      </a:effectRef>
+      <a:fontRef idx="minor">
+        <a:schemeClr val="lt1"/>
+      </a:fontRef>
+    </dgm:style>
+  </dgm:styleLbl>
+  <dgm:styleLbl name="fgSibTrans2D1">
+    <dgm:scene3d>
+      <a:camera prst="orthographicFront">
+        <a:rot lat="0" lon="0" rev="0"/>
+      </a:camera>
+      <a:lightRig rig="contrasting" dir="t">
+        <a:rot lat="0" lon="0" rev="1200000"/>
+      </a:lightRig>
+    </dgm:scene3d>
+    <dgm:sp3d z="300000" contourW="19050" prstMaterial="metal">
+      <a:bevelT w="88900" h="203200"/>
+      <a:bevelB w="165100" h="254000"/>
+    </dgm:sp3d>
+    <dgm:txPr/>
+    <dgm:style>
+      <a:lnRef idx="0">
+        <a:scrgbClr r="0" g="0" b="0"/>
+      </a:lnRef>
+      <a:fillRef idx="1">
+        <a:scrgbClr r="0" g="0" b="0"/>
+      </a:fillRef>
+      <a:effectRef idx="0">
+        <a:scrgbClr r="0" g="0" b="0"/>
+      </a:effectRef>
+      <a:fontRef idx="minor"/>
+    </dgm:style>
+  </dgm:styleLbl>
+  <dgm:styleLbl name="bgSibTrans2D1">
+    <dgm:scene3d>
+      <a:camera prst="orthographicFront">
+        <a:rot lat="0" lon="0" rev="0"/>
+      </a:camera>
+      <a:lightRig rig="contrasting" dir="t">
+        <a:rot lat="0" lon="0" rev="1200000"/>
+      </a:lightRig>
+    </dgm:scene3d>
+    <dgm:sp3d z="-300000" contourW="19050" prstMaterial="metal">
+      <a:bevelT w="88900" h="203200"/>
+      <a:bevelB w="165100" h="254000"/>
+    </dgm:sp3d>
+    <dgm:txPr/>
+    <dgm:style>
+      <a:lnRef idx="0">
+        <a:scrgbClr r="0" g="0" b="0"/>
+      </a:lnRef>
+      <a:fillRef idx="1">
+        <a:scrgbClr r="0" g="0" b="0"/>
+      </a:fillRef>
+      <a:effectRef idx="0">
+        <a:scrgbClr r="0" g="0" b="0"/>
+      </a:effectRef>
+      <a:fontRef idx="minor"/>
+    </dgm:style>
+  </dgm:styleLbl>
+  <dgm:styleLbl name="sibTrans1D1">
+    <dgm:scene3d>
+      <a:camera prst="orthographicFront">
+        <a:rot lat="0" lon="0" rev="0"/>
+      </a:camera>
+      <a:lightRig rig="contrasting" dir="t">
+        <a:rot lat="0" lon="0" rev="1200000"/>
+      </a:lightRig>
+    </dgm:scene3d>
+    <dgm:sp3d z="-110000"/>
+    <dgm:txPr/>
+    <dgm:style>
+      <a:lnRef idx="1">
+        <a:scrgbClr r="0" g="0" b="0"/>
+      </a:lnRef>
+      <a:fillRef idx="0">
+        <a:scrgbClr r="0" g="0" b="0"/>
+      </a:fillRef>
+      <a:effectRef idx="0">
+        <a:scrgbClr r="0" g="0" b="0"/>
+      </a:effectRef>
+      <a:fontRef idx="minor"/>
+    </dgm:style>
+  </dgm:styleLbl>
+  <dgm:styleLbl name="callout">
+    <dgm:scene3d>
+      <a:camera prst="orthographicFront">
+        <a:rot lat="0" lon="0" rev="0"/>
+      </a:camera>
+      <a:lightRig rig="contrasting" dir="t">
+        <a:rot lat="0" lon="0" rev="1200000"/>
+      </a:lightRig>
+    </dgm:scene3d>
+    <dgm:sp3d z="10000"/>
+    <dgm:txPr/>
+    <dgm:style>
+      <a:lnRef idx="2">
+        <a:scrgbClr r="0" g="0" b="0"/>
+      </a:lnRef>
+      <a:fillRef idx="1">
+        <a:scrgbClr r="0" g="0" b="0"/>
+      </a:fillRef>
+      <a:effectRef idx="0">
+        <a:scrgbClr r="0" g="0" b="0"/>
+      </a:effectRef>
+      <a:fontRef idx="minor"/>
+    </dgm:style>
+  </dgm:styleLbl>
+  <dgm:styleLbl name="asst0">
+    <dgm:scene3d>
+      <a:camera prst="orthographicFront">
+        <a:rot lat="0" lon="0" rev="0"/>
+      </a:camera>
+      <a:lightRig rig="contrasting" dir="t">
+        <a:rot lat="0" lon="0" rev="1200000"/>
+      </a:lightRig>
+    </dgm:scene3d>
+    <dgm:sp3d contourW="19050" prstMaterial="metal">
+      <a:bevelT w="88900" h="203200"/>
+      <a:bevelB w="165100" h="254000"/>
+    </dgm:sp3d>
+    <dgm:txPr/>
+    <dgm:style>
+      <a:lnRef idx="0">
+        <a:scrgbClr r="0" g="0" b="0"/>
+      </a:lnRef>
+      <a:fillRef idx="1">
+        <a:scrgbClr r="0" g="0" b="0"/>
+      </a:fillRef>
+      <a:effectRef idx="1">
+        <a:scrgbClr r="0" g="0" b="0"/>
+      </a:effectRef>
+      <a:fontRef idx="minor">
+        <a:schemeClr val="lt1"/>
+      </a:fontRef>
+    </dgm:style>
+  </dgm:styleLbl>
+  <dgm:styleLbl name="asst1">
+    <dgm:scene3d>
+      <a:camera prst="orthographicFront">
+        <a:rot lat="0" lon="0" rev="0"/>
+      </a:camera>
+      <a:lightRig rig="contrasting" dir="t">
+        <a:rot lat="0" lon="0" rev="1200000"/>
+      </a:lightRig>
+    </dgm:scene3d>
+    <dgm:sp3d contourW="19050" prstMaterial="metal">
+      <a:bevelT w="88900" h="203200"/>
+      <a:bevelB w="165100" h="254000"/>
+    </dgm:sp3d>
+    <dgm:txPr/>
+    <dgm:style>
+      <a:lnRef idx="0">
+        <a:scrgbClr r="0" g="0" b="0"/>
+      </a:lnRef>
+      <a:fillRef idx="1">
+        <a:scrgbClr r="0" g="0" b="0"/>
+      </a:fillRef>
+      <a:effectRef idx="1">
+        <a:scrgbClr r="0" g="0" b="0"/>
+      </a:effectRef>
+      <a:fontRef idx="minor">
+        <a:schemeClr val="lt1"/>
+      </a:fontRef>
+    </dgm:style>
+  </dgm:styleLbl>
+  <dgm:styleLbl name="asst2">
+    <dgm:scene3d>
+      <a:camera prst="orthographicFront">
+        <a:rot lat="0" lon="0" rev="0"/>
+      </a:camera>
+      <a:lightRig rig="contrasting" dir="t">
+        <a:rot lat="0" lon="0" rev="1200000"/>
+      </a:lightRig>
+    </dgm:scene3d>
+    <dgm:sp3d contourW="19050" prstMaterial="metal">
+      <a:bevelT w="88900" h="203200"/>
+      <a:bevelB w="165100" h="254000"/>
+    </dgm:sp3d>
+    <dgm:txPr/>
+    <dgm:style>
+      <a:lnRef idx="0">
+        <a:scrgbClr r="0" g="0" b="0"/>
+      </a:lnRef>
+      <a:fillRef idx="1">
+        <a:scrgbClr r="0" g="0" b="0"/>
+      </a:fillRef>
+      <a:effectRef idx="1">
+        <a:scrgbClr r="0" g="0" b="0"/>
+      </a:effectRef>
+      <a:fontRef idx="minor">
+        <a:schemeClr val="lt1"/>
+      </a:fontRef>
+    </dgm:style>
+  </dgm:styleLbl>
+  <dgm:styleLbl name="asst3">
+    <dgm:scene3d>
+      <a:camera prst="orthographicFront">
+        <a:rot lat="0" lon="0" rev="0"/>
+      </a:camera>
+      <a:lightRig rig="contrasting" dir="t">
+        <a:rot lat="0" lon="0" rev="1200000"/>
+      </a:lightRig>
+    </dgm:scene3d>
+    <dgm:sp3d contourW="19050" prstMaterial="metal">
+      <a:bevelT w="88900" h="203200"/>
+      <a:bevelB w="165100" h="254000"/>
+    </dgm:sp3d>
+    <dgm:txPr/>
+    <dgm:style>
+      <a:lnRef idx="0">
+        <a:scrgbClr r="0" g="0" b="0"/>
+      </a:lnRef>
+      <a:fillRef idx="1">
+        <a:scrgbClr r="0" g="0" b="0"/>
+      </a:fillRef>
+      <a:effectRef idx="1">
+        <a:scrgbClr r="0" g="0" b="0"/>
+      </a:effectRef>
+      <a:fontRef idx="minor">
+        <a:schemeClr val="lt1"/>
+      </a:fontRef>
+    </dgm:style>
+  </dgm:styleLbl>
+  <dgm:styleLbl name="asst4">
+    <dgm:scene3d>
+      <a:camera prst="orthographicFront"/>
+      <a:lightRig rig="threePt" dir="t"/>
+    </dgm:scene3d>
+    <dgm:sp3d contourW="19050" prstMaterial="metal">
+      <a:bevelT w="88900" h="203200"/>
+      <a:bevelB w="165100" h="254000"/>
+    </dgm:sp3d>
+    <dgm:txPr/>
+    <dgm:style>
+      <a:lnRef idx="0">
+        <a:scrgbClr r="0" g="0" b="0"/>
+      </a:lnRef>
+      <a:fillRef idx="1">
+        <a:scrgbClr r="0" g="0" b="0"/>
+      </a:fillRef>
+      <a:effectRef idx="1">
+        <a:scrgbClr r="0" g="0" b="0"/>
+      </a:effectRef>
+      <a:fontRef idx="minor">
+        <a:schemeClr val="lt1"/>
+      </a:fontRef>
+    </dgm:style>
+  </dgm:styleLbl>
+  <dgm:styleLbl name="parChTrans2D1">
+    <dgm:scene3d>
+      <a:camera prst="orthographicFront">
+        <a:rot lat="0" lon="0" rev="0"/>
+      </a:camera>
+      <a:lightRig rig="contrasting" dir="t">
+        <a:rot lat="0" lon="0" rev="1200000"/>
+      </a:lightRig>
+    </dgm:scene3d>
+    <dgm:sp3d contourW="19050" prstMaterial="metal">
+      <a:bevelT w="88900" h="203200"/>
+      <a:bevelB w="165100" h="254000"/>
+    </dgm:sp3d>
+    <dgm:txPr/>
+    <dgm:style>
+      <a:lnRef idx="0">
+        <a:scrgbClr r="0" g="0" b="0"/>
+      </a:lnRef>
+      <a:fillRef idx="1">
+        <a:scrgbClr r="0" g="0" b="0"/>
+      </a:fillRef>
+      <a:effectRef idx="0">
+        <a:scrgbClr r="0" g="0" b="0"/>
+      </a:effectRef>
+      <a:fontRef idx="minor"/>
+    </dgm:style>
+  </dgm:styleLbl>
+  <dgm:styleLbl name="parChTrans2D2">
+    <dgm:scene3d>
+      <a:camera prst="orthographicFront">
+        <a:rot lat="0" lon="0" rev="0"/>
+      </a:camera>
+      <a:lightRig rig="contrasting" dir="t">
+        <a:rot lat="0" lon="0" rev="1200000"/>
+      </a:lightRig>
+    </dgm:scene3d>
+    <dgm:sp3d contourW="19050" prstMaterial="metal">
+      <a:bevelT w="88900" h="203200"/>
+      <a:bevelB w="165100" h="254000"/>
+    </dgm:sp3d>
+    <dgm:txPr/>
+    <dgm:style>
+      <a:lnRef idx="0">
+        <a:scrgbClr r="0" g="0" b="0"/>
+      </a:lnRef>
+      <a:fillRef idx="1">
+        <a:scrgbClr r="0" g="0" b="0"/>
+      </a:fillRef>
+      <a:effectRef idx="0">
+        <a:scrgbClr r="0" g="0" b="0"/>
+      </a:effectRef>
+      <a:fontRef idx="minor"/>
+    </dgm:style>
+  </dgm:styleLbl>
+  <dgm:styleLbl name="parChTrans2D3">
+    <dgm:scene3d>
+      <a:camera prst="orthographicFront">
+        <a:rot lat="0" lon="0" rev="0"/>
+      </a:camera>
+      <a:lightRig rig="contrasting" dir="t">
+        <a:rot lat="0" lon="0" rev="1200000"/>
+      </a:lightRig>
+    </dgm:scene3d>
+    <dgm:sp3d contourW="19050" prstMaterial="metal">
+      <a:bevelT w="88900" h="203200"/>
+      <a:bevelB w="165100" h="254000"/>
+    </dgm:sp3d>
+    <dgm:txPr/>
+    <dgm:style>
+      <a:lnRef idx="0">
+        <a:scrgbClr r="0" g="0" b="0"/>
+      </a:lnRef>
+      <a:fillRef idx="1">
+        <a:scrgbClr r="0" g="0" b="0"/>
+      </a:fillRef>
+      <a:effectRef idx="0">
+        <a:scrgbClr r="0" g="0" b="0"/>
+      </a:effectRef>
+      <a:fontRef idx="minor"/>
+    </dgm:style>
+  </dgm:styleLbl>
+  <dgm:styleLbl name="parChTrans2D4">
+    <dgm:scene3d>
+      <a:camera prst="orthographicFront">
+        <a:rot lat="0" lon="0" rev="0"/>
+      </a:camera>
+      <a:lightRig rig="contrasting" dir="t">
+        <a:rot lat="0" lon="0" rev="1200000"/>
+      </a:lightRig>
+    </dgm:scene3d>
+    <dgm:sp3d contourW="19050" prstMaterial="metal">
+      <a:bevelT w="88900" h="203200"/>
+      <a:bevelB w="165100" h="254000"/>
+    </dgm:sp3d>
+    <dgm:txPr/>
+    <dgm:style>
+      <a:lnRef idx="0">
+        <a:scrgbClr r="0" g="0" b="0"/>
+      </a:lnRef>
+      <a:fillRef idx="1">
+        <a:scrgbClr r="0" g="0" b="0"/>
+      </a:fillRef>
+      <a:effectRef idx="0">
+        <a:scrgbClr r="0" g="0" b="0"/>
+      </a:effectRef>
+      <a:fontRef idx="minor"/>
+    </dgm:style>
+  </dgm:styleLbl>
+  <dgm:styleLbl name="parChTrans1D1">
+    <dgm:scene3d>
+      <a:camera prst="orthographicFront">
+        <a:rot lat="0" lon="0" rev="0"/>
+      </a:camera>
+      <a:lightRig rig="contrasting" dir="t">
+        <a:rot lat="0" lon="0" rev="1200000"/>
+      </a:lightRig>
+    </dgm:scene3d>
+    <dgm:sp3d z="-110000"/>
+    <dgm:txPr/>
+    <dgm:style>
+      <a:lnRef idx="2">
+        <a:scrgbClr r="0" g="0" b="0"/>
+      </a:lnRef>
+      <a:fillRef idx="0">
+        <a:scrgbClr r="0" g="0" b="0"/>
+      </a:fillRef>
+      <a:effectRef idx="0">
+        <a:scrgbClr r="0" g="0" b="0"/>
+      </a:effectRef>
+      <a:fontRef idx="minor"/>
+    </dgm:style>
+  </dgm:styleLbl>
+  <dgm:styleLbl name="parChTrans1D2">
+    <dgm:scene3d>
+      <a:camera prst="orthographicFront">
+        <a:rot lat="0" lon="0" rev="0"/>
+      </a:camera>
+      <a:lightRig rig="contrasting" dir="t">
+        <a:rot lat="0" lon="0" rev="1200000"/>
+      </a:lightRig>
+    </dgm:scene3d>
+    <dgm:sp3d z="-110000"/>
+    <dgm:txPr/>
+    <dgm:style>
+      <a:lnRef idx="2">
+        <a:scrgbClr r="0" g="0" b="0"/>
+      </a:lnRef>
+      <a:fillRef idx="0">
+        <a:scrgbClr r="0" g="0" b="0"/>
+      </a:fillRef>
+      <a:effectRef idx="0">
+        <a:scrgbClr r="0" g="0" b="0"/>
+      </a:effectRef>
+      <a:fontRef idx="minor"/>
+    </dgm:style>
+  </dgm:styleLbl>
+  <dgm:styleLbl name="parChTrans1D3">
+    <dgm:scene3d>
+      <a:camera prst="orthographicFront">
+        <a:rot lat="0" lon="0" rev="0"/>
+      </a:camera>
+      <a:lightRig rig="contrasting" dir="t">
+        <a:rot lat="0" lon="0" rev="1200000"/>
+      </a:lightRig>
+    </dgm:scene3d>
+    <dgm:sp3d z="-110000"/>
+    <dgm:txPr/>
+    <dgm:style>
+      <a:lnRef idx="2">
+        <a:scrgbClr r="0" g="0" b="0"/>
+      </a:lnRef>
+      <a:fillRef idx="0">
+        <a:scrgbClr r="0" g="0" b="0"/>
+      </a:fillRef>
+      <a:effectRef idx="0">
+        <a:scrgbClr r="0" g="0" b="0"/>
+      </a:effectRef>
+      <a:fontRef idx="minor"/>
+    </dgm:style>
+  </dgm:styleLbl>
+  <dgm:styleLbl name="parChTrans1D4">
+    <dgm:scene3d>
+      <a:camera prst="orthographicFront">
+        <a:rot lat="0" lon="0" rev="0"/>
+      </a:camera>
+      <a:lightRig rig="contrasting" dir="t">
+        <a:rot lat="0" lon="0" rev="1200000"/>
+      </a:lightRig>
+    </dgm:scene3d>
+    <dgm:sp3d z="-110000"/>
+    <dgm:txPr/>
+    <dgm:style>
+      <a:lnRef idx="2">
+        <a:scrgbClr r="0" g="0" b="0"/>
+      </a:lnRef>
+      <a:fillRef idx="0">
+        <a:scrgbClr r="0" g="0" b="0"/>
+      </a:fillRef>
+      <a:effectRef idx="0">
+        <a:scrgbClr r="0" g="0" b="0"/>
+      </a:effectRef>
+      <a:fontRef idx="minor"/>
+    </dgm:style>
+  </dgm:styleLbl>
+  <dgm:styleLbl name="fgAcc1">
+    <dgm:scene3d>
+      <a:camera prst="orthographicFront">
+        <a:rot lat="0" lon="0" rev="0"/>
+      </a:camera>
+      <a:lightRig rig="contrasting" dir="t">
+        <a:rot lat="0" lon="0" rev="1200000"/>
+      </a:lightRig>
+    </dgm:scene3d>
+    <dgm:sp3d z="300000" contourW="19050" prstMaterial="metal">
+      <a:bevelT w="88900" h="203200"/>
+      <a:bevelB w="165100" h="254000"/>
+    </dgm:sp3d>
+    <dgm:txPr/>
+    <dgm:style>
+      <a:lnRef idx="0">
+        <a:scrgbClr r="0" g="0" b="0"/>
+      </a:lnRef>
+      <a:fillRef idx="1">
+        <a:scrgbClr r="0" g="0" b="0"/>
+      </a:fillRef>
+      <a:effectRef idx="0">
+        <a:scrgbClr r="0" g="0" b="0"/>
+      </a:effectRef>
+      <a:fontRef idx="minor"/>
+    </dgm:style>
+  </dgm:styleLbl>
+  <dgm:styleLbl name="conFgAcc1">
+    <dgm:scene3d>
+      <a:camera prst="orthographicFront">
+        <a:rot lat="0" lon="0" rev="0"/>
+      </a:camera>
+      <a:lightRig rig="contrasting" dir="t">
+        <a:rot lat="0" lon="0" rev="1200000"/>
+      </a:lightRig>
+    </dgm:scene3d>
+    <dgm:sp3d z="300000" contourW="19050" prstMaterial="metal">
+      <a:bevelT w="88900" h="203200"/>
+      <a:bevelB w="165100" h="254000"/>
+    </dgm:sp3d>
+    <dgm:txPr/>
+    <dgm:style>
+      <a:lnRef idx="0">
+        <a:scrgbClr r="0" g="0" b="0"/>
+      </a:lnRef>
+      <a:fillRef idx="1">
+        <a:scrgbClr r="0" g="0" b="0"/>
+      </a:fillRef>
+      <a:effectRef idx="0">
+        <a:scrgbClr r="0" g="0" b="0"/>
+      </a:effectRef>
+      <a:fontRef idx="minor"/>
+    </dgm:style>
+  </dgm:styleLbl>
+  <dgm:styleLbl name="alignAcc1">
+    <dgm:scene3d>
+      <a:camera prst="orthographicFront">
+        <a:rot lat="0" lon="0" rev="0"/>
+      </a:camera>
+      <a:lightRig rig="contrasting" dir="t">
+        <a:rot lat="0" lon="0" rev="1200000"/>
+      </a:lightRig>
+    </dgm:scene3d>
+    <dgm:sp3d contourW="19050" prstMaterial="metal">
+      <a:bevelT w="88900" h="203200"/>
+      <a:bevelB w="165100" h="254000"/>
+    </dgm:sp3d>
+    <dgm:txPr/>
+    <dgm:style>
+      <a:lnRef idx="0">
+        <a:scrgbClr r="0" g="0" b="0"/>
+      </a:lnRef>
+      <a:fillRef idx="1">
+        <a:scrgbClr r="0" g="0" b="0"/>
+      </a:fillRef>
+      <a:effectRef idx="0">
+        <a:scrgbClr r="0" g="0" b="0"/>
+      </a:effectRef>
+      <a:fontRef idx="minor"/>
+    </dgm:style>
+  </dgm:styleLbl>
+  <dgm:styleLbl name="trAlignAcc1">
+    <dgm:scene3d>
+      <a:camera prst="orthographicFront">
+        <a:rot lat="0" lon="0" rev="0"/>
+      </a:camera>
+      <a:lightRig rig="contrasting" dir="t">
+        <a:rot lat="0" lon="0" rev="1200000"/>
+      </a:lightRig>
+    </dgm:scene3d>
+    <dgm:sp3d contourW="19050" prstMaterial="metal">
+      <a:bevelT w="88900" h="203200"/>
+      <a:bevelB w="165100" h="254000"/>
+    </dgm:sp3d>
+    <dgm:txPr/>
+    <dgm:style>
+      <a:lnRef idx="0">
+        <a:scrgbClr r="0" g="0" b="0"/>
+      </a:lnRef>
+      <a:fillRef idx="1">
+        <a:scrgbClr r="0" g="0" b="0"/>
+      </a:fillRef>
+      <a:effectRef idx="1">
+        <a:scrgbClr r="0" g="0" b="0"/>
+      </a:effectRef>
+      <a:fontRef idx="minor"/>
+    </dgm:style>
+  </dgm:styleLbl>
+  <dgm:styleLbl name="bgAcc1">
+    <dgm:scene3d>
+      <a:camera prst="orthographicFront">
+        <a:rot lat="0" lon="0" rev="0"/>
+      </a:camera>
+      <a:lightRig rig="contrasting" dir="t">
+        <a:rot lat="0" lon="0" rev="1200000"/>
+      </a:lightRig>
+    </dgm:scene3d>
+    <dgm:sp3d z="-300000" contourW="19050" prstMaterial="metal">
+      <a:bevelT w="88900" h="203200"/>
+      <a:bevelB w="165100" h="254000"/>
+    </dgm:sp3d>
+    <dgm:txPr/>
+    <dgm:style>
+      <a:lnRef idx="0">
+        <a:scrgbClr r="0" g="0" b="0"/>
+      </a:lnRef>
+      <a:fillRef idx="1">
+        <a:scrgbClr r="0" g="0" b="0"/>
+      </a:fillRef>
+      <a:effectRef idx="0">
+        <a:scrgbClr r="0" g="0" b="0"/>
+      </a:effectRef>
+      <a:fontRef idx="minor"/>
+    </dgm:style>
+  </dgm:styleLbl>
+  <dgm:styleLbl name="solidFgAcc1">
+    <dgm:scene3d>
+      <a:camera prst="orthographicFront">
+        <a:rot lat="0" lon="0" rev="0"/>
+      </a:camera>
+      <a:lightRig rig="contrasting" dir="t">
+        <a:rot lat="0" lon="0" rev="1200000"/>
+      </a:lightRig>
+    </dgm:scene3d>
+    <dgm:sp3d z="300000" contourW="12700" prstMaterial="flat">
+      <a:bevelT w="177800" h="254000"/>
+      <a:bevelB w="152400"/>
+    </dgm:sp3d>
+    <dgm:txPr/>
+    <dgm:style>
+      <a:lnRef idx="0">
+        <a:scrgbClr r="0" g="0" b="0"/>
+      </a:lnRef>
+      <a:fillRef idx="1">
+        <a:scrgbClr r="0" g="0" b="0"/>
+      </a:fillRef>
+      <a:effectRef idx="0">
+        <a:scrgbClr r="0" g="0" b="0"/>
+      </a:effectRef>
+      <a:fontRef idx="minor"/>
+    </dgm:style>
+  </dgm:styleLbl>
+  <dgm:styleLbl name="solidAlignAcc1">
+    <dgm:scene3d>
+      <a:camera prst="orthographicFront">
+        <a:rot lat="0" lon="0" rev="0"/>
+      </a:camera>
+      <a:lightRig rig="contrasting" dir="t">
+        <a:rot lat="0" lon="0" rev="1200000"/>
+      </a:lightRig>
+    </dgm:scene3d>
+    <dgm:sp3d contourW="19050" prstMaterial="metal">
+      <a:bevelT w="88900" h="203200"/>
+      <a:bevelB w="165100" h="254000"/>
+    </dgm:sp3d>
+    <dgm:txPr/>
+    <dgm:style>
+      <a:lnRef idx="0">
+        <a:scrgbClr r="0" g="0" b="0"/>
+      </a:lnRef>
+      <a:fillRef idx="1">
+        <a:scrgbClr r="0" g="0" b="0"/>
+      </a:fillRef>
+      <a:effectRef idx="0">
+        <a:scrgbClr r="0" g="0" b="0"/>
+      </a:effectRef>
+      <a:fontRef idx="minor"/>
+    </dgm:style>
+  </dgm:styleLbl>
+  <dgm:styleLbl name="solidBgAcc1">
+    <dgm:scene3d>
+      <a:camera prst="orthographicFront">
+        <a:rot lat="0" lon="0" rev="0"/>
+      </a:camera>
+      <a:lightRig rig="contrasting" dir="t">
+        <a:rot lat="0" lon="0" rev="1200000"/>
+      </a:lightRig>
+    </dgm:scene3d>
+    <dgm:sp3d z="-300000" contourW="19050" prstMaterial="metal">
+      <a:bevelT w="88900" h="203200"/>
+      <a:bevelB w="165100" h="254000"/>
+    </dgm:sp3d>
+    <dgm:txPr/>
+    <dgm:style>
+      <a:lnRef idx="0">
+        <a:scrgbClr r="0" g="0" b="0"/>
+      </a:lnRef>
+      <a:fillRef idx="1">
+        <a:scrgbClr r="0" g="0" b="0"/>
+      </a:fillRef>
+      <a:effectRef idx="0">
+        <a:scrgbClr r="0" g="0" b="0"/>
+      </a:effectRef>
+      <a:fontRef idx="minor"/>
+    </dgm:style>
+  </dgm:styleLbl>
+  <dgm:styleLbl name="fgAccFollowNode1">
+    <dgm:scene3d>
+      <a:camera prst="orthographicFront">
+        <a:rot lat="0" lon="0" rev="0"/>
+      </a:camera>
+      <a:lightRig rig="contrasting" dir="t">
+        <a:rot lat="0" lon="0" rev="1200000"/>
+      </a:lightRig>
+    </dgm:scene3d>
+    <dgm:sp3d z="300000" contourW="19050" prstMaterial="metal">
+      <a:bevelT w="88900" h="203200"/>
+      <a:bevelB w="165100" h="254000"/>
+    </dgm:sp3d>
+    <dgm:txPr/>
+    <dgm:style>
+      <a:lnRef idx="0">
+        <a:scrgbClr r="0" g="0" b="0"/>
+      </a:lnRef>
+      <a:fillRef idx="1">
+        <a:scrgbClr r="0" g="0" b="0"/>
+      </a:fillRef>
+      <a:effectRef idx="0">
+        <a:scrgbClr r="0" g="0" b="0"/>
+      </a:effectRef>
+      <a:fontRef idx="minor"/>
+    </dgm:style>
+  </dgm:styleLbl>
+  <dgm:styleLbl name="alignAccFollowNode1">
+    <dgm:scene3d>
+      <a:camera prst="orthographicFront">
+        <a:rot lat="0" lon="0" rev="0"/>
+      </a:camera>
+      <a:lightRig rig="contrasting" dir="t">
+        <a:rot lat="0" lon="0" rev="1200000"/>
+      </a:lightRig>
+    </dgm:scene3d>
+    <dgm:sp3d contourW="19050" prstMaterial="metal">
+      <a:bevelT w="88900" h="203200"/>
+      <a:bevelB w="165100" h="254000"/>
+    </dgm:sp3d>
+    <dgm:txPr/>
+    <dgm:style>
+      <a:lnRef idx="0">
+        <a:scrgbClr r="0" g="0" b="0"/>
+      </a:lnRef>
+      <a:fillRef idx="1">
+        <a:scrgbClr r="0" g="0" b="0"/>
+      </a:fillRef>
+      <a:effectRef idx="0">
+        <a:scrgbClr r="0" g="0" b="0"/>
+      </a:effectRef>
+      <a:fontRef idx="minor"/>
+    </dgm:style>
+  </dgm:styleLbl>
+  <dgm:styleLbl name="bgAccFollowNode1">
+    <dgm:scene3d>
+      <a:camera prst="orthographicFront">
+        <a:rot lat="0" lon="0" rev="0"/>
+      </a:camera>
+      <a:lightRig rig="contrasting" dir="t">
+        <a:rot lat="0" lon="0" rev="1200000"/>
+      </a:lightRig>
+    </dgm:scene3d>
+    <dgm:sp3d z="-300000" contourW="19050" prstMaterial="metal">
+      <a:bevelT w="88900" h="203200"/>
+      <a:bevelB w="165100" h="254000"/>
+    </dgm:sp3d>
+    <dgm:txPr/>
+    <dgm:style>
+      <a:lnRef idx="0">
+        <a:scrgbClr r="0" g="0" b="0"/>
+      </a:lnRef>
+      <a:fillRef idx="1">
+        <a:scrgbClr r="0" g="0" b="0"/>
+      </a:fillRef>
+      <a:effectRef idx="0">
+        <a:scrgbClr r="0" g="0" b="0"/>
+      </a:effectRef>
+      <a:fontRef idx="minor"/>
+    </dgm:style>
+  </dgm:styleLbl>
+  <dgm:styleLbl name="fgAcc0">
+    <dgm:scene3d>
+      <a:camera prst="orthographicFront">
+        <a:rot lat="0" lon="0" rev="0"/>
+      </a:camera>
+      <a:lightRig rig="contrasting" dir="t">
+        <a:rot lat="0" lon="0" rev="1200000"/>
+      </a:lightRig>
+    </dgm:scene3d>
+    <dgm:sp3d z="300000" contourW="19050" prstMaterial="metal">
+      <a:bevelT w="88900" h="203200"/>
+      <a:bevelB w="165100" h="254000"/>
+    </dgm:sp3d>
+    <dgm:txPr/>
+    <dgm:style>
+      <a:lnRef idx="0">
+        <a:scrgbClr r="0" g="0" b="0"/>
+      </a:lnRef>
+      <a:fillRef idx="1">
+        <a:scrgbClr r="0" g="0" b="0"/>
+      </a:fillRef>
+      <a:effectRef idx="0">
+        <a:scrgbClr r="0" g="0" b="0"/>
+      </a:effectRef>
+      <a:fontRef idx="minor"/>
+    </dgm:style>
+  </dgm:styleLbl>
+  <dgm:styleLbl name="fgAcc2">
+    <dgm:scene3d>
+      <a:camera prst="orthographicFront">
+        <a:rot lat="0" lon="0" rev="0"/>
+      </a:camera>
+      <a:lightRig rig="contrasting" dir="t">
+        <a:rot lat="0" lon="0" rev="1200000"/>
+      </a:lightRig>
+    </dgm:scene3d>
+    <dgm:sp3d z="300000" contourW="19050" prstMaterial="metal">
+      <a:bevelT w="88900" h="203200"/>
+      <a:bevelB w="165100" h="254000"/>
+    </dgm:sp3d>
+    <dgm:txPr/>
+    <dgm:style>
+      <a:lnRef idx="0">
+        <a:scrgbClr r="0" g="0" b="0"/>
+      </a:lnRef>
+      <a:fillRef idx="1">
+        <a:scrgbClr r="0" g="0" b="0"/>
+      </a:fillRef>
+      <a:effectRef idx="0">
+        <a:scrgbClr r="0" g="0" b="0"/>
+      </a:effectRef>
+      <a:fontRef idx="minor"/>
+    </dgm:style>
+  </dgm:styleLbl>
+  <dgm:styleLbl name="fgAcc3">
+    <dgm:scene3d>
+      <a:camera prst="orthographicFront">
+        <a:rot lat="0" lon="0" rev="0"/>
+      </a:camera>
+      <a:lightRig rig="contrasting" dir="t">
+        <a:rot lat="0" lon="0" rev="1200000"/>
+      </a:lightRig>
+    </dgm:scene3d>
+    <dgm:sp3d z="300000" contourW="19050" prstMaterial="metal">
+      <a:bevelT w="88900" h="203200"/>
+      <a:bevelB w="165100" h="254000"/>
+    </dgm:sp3d>
+    <dgm:txPr/>
+    <dgm:style>
+      <a:lnRef idx="0">
+        <a:scrgbClr r="0" g="0" b="0"/>
+      </a:lnRef>
+      <a:fillRef idx="1">
+        <a:scrgbClr r="0" g="0" b="0"/>
+      </a:fillRef>
+      <a:effectRef idx="0">
+        <a:scrgbClr r="0" g="0" b="0"/>
+      </a:effectRef>
+      <a:fontRef idx="minor"/>
+    </dgm:style>
+  </dgm:styleLbl>
+  <dgm:styleLbl name="fgAcc4">
+    <dgm:scene3d>
+      <a:camera prst="orthographicFront">
+        <a:rot lat="0" lon="0" rev="0"/>
+      </a:camera>
+      <a:lightRig rig="contrasting" dir="t">
+        <a:rot lat="0" lon="0" rev="1200000"/>
+      </a:lightRig>
+    </dgm:scene3d>
+    <dgm:sp3d z="300000" contourW="19050" prstMaterial="metal">
+      <a:bevelT w="88900" h="203200"/>
+      <a:bevelB w="165100" h="254000"/>
+    </dgm:sp3d>
+    <dgm:txPr/>
+    <dgm:style>
+      <a:lnRef idx="0">
+        <a:scrgbClr r="0" g="0" b="0"/>
+      </a:lnRef>
+      <a:fillRef idx="1">
+        <a:scrgbClr r="0" g="0" b="0"/>
+      </a:fillRef>
+      <a:effectRef idx="0">
+        <a:scrgbClr r="0" g="0" b="0"/>
+      </a:effectRef>
+      <a:fontRef idx="minor"/>
+    </dgm:style>
+  </dgm:styleLbl>
+  <dgm:styleLbl name="bgShp">
+    <dgm:scene3d>
+      <a:camera prst="orthographicFront">
+        <a:rot lat="0" lon="0" rev="0"/>
+      </a:camera>
+      <a:lightRig rig="contrasting" dir="t">
+        <a:rot lat="0" lon="0" rev="1200000"/>
+      </a:lightRig>
+    </dgm:scene3d>
+    <dgm:sp3d z="-300000" prstMaterial="plastic"/>
+    <dgm:txPr/>
+    <dgm:style>
+      <a:lnRef idx="1">
+        <a:scrgbClr r="0" g="0" b="0"/>
+      </a:lnRef>
+      <a:fillRef idx="1">
+        <a:scrgbClr r="0" g="0" b="0"/>
+      </a:fillRef>
+      <a:effectRef idx="0">
+        <a:scrgbClr r="0" g="0" b="0"/>
+      </a:effectRef>
+      <a:fontRef idx="minor"/>
+    </dgm:style>
+  </dgm:styleLbl>
+  <dgm:styleLbl name="dkBgShp">
+    <dgm:scene3d>
+      <a:camera prst="orthographicFront">
+        <a:rot lat="0" lon="0" rev="0"/>
+      </a:camera>
+      <a:lightRig rig="contrasting" dir="t">
+        <a:rot lat="0" lon="0" rev="1200000"/>
+      </a:lightRig>
+    </dgm:scene3d>
+    <dgm:sp3d contourW="12700" prstMaterial="flat">
+      <a:bevelT w="100800" h="154000"/>
+      <a:bevelB w="152400"/>
+    </dgm:sp3d>
+    <dgm:txPr/>
+    <dgm:style>
+      <a:lnRef idx="0">
+        <a:scrgbClr r="0" g="0" b="0"/>
+      </a:lnRef>
+      <a:fillRef idx="1">
+        <a:scrgbClr r="0" g="0" b="0"/>
+      </a:fillRef>
+      <a:effectRef idx="0">
+        <a:scrgbClr r="0" g="0" b="0"/>
+      </a:effectRef>
+      <a:fontRef idx="minor"/>
+    </dgm:style>
+  </dgm:styleLbl>
+  <dgm:styleLbl name="trBgShp">
+    <dgm:scene3d>
+      <a:camera prst="orthographicFront">
+        <a:rot lat="0" lon="0" rev="0"/>
+      </a:camera>
+      <a:lightRig rig="contrasting" dir="t">
+        <a:rot lat="0" lon="0" rev="1200000"/>
+      </a:lightRig>
+    </dgm:scene3d>
+    <dgm:sp3d z="-152400" prstMaterial="matte"/>
+    <dgm:txPr/>
+    <dgm:style>
+      <a:lnRef idx="1">
+        <a:scrgbClr r="0" g="0" b="0"/>
+      </a:lnRef>
+      <a:fillRef idx="1">
+        <a:scrgbClr r="0" g="0" b="0"/>
+      </a:fillRef>
+      <a:effectRef idx="0">
+        <a:scrgbClr r="0" g="0" b="0"/>
+      </a:effectRef>
+      <a:fontRef idx="minor"/>
+    </dgm:style>
+  </dgm:styleLbl>
+  <dgm:styleLbl name="fgShp">
+    <dgm:scene3d>
+      <a:camera prst="orthographicFront">
+        <a:rot lat="0" lon="0" rev="0"/>
+      </a:camera>
+      <a:lightRig rig="contrasting" dir="t">
+        <a:rot lat="0" lon="0" rev="1200000"/>
+      </a:lightRig>
+    </dgm:scene3d>
+    <dgm:sp3d z="300000" contourW="19050" prstMaterial="metal">
+      <a:bevelT w="88900" h="203200"/>
+      <a:bevelB w="165100" h="254000"/>
+    </dgm:sp3d>
+    <dgm:txPr/>
+    <dgm:style>
+      <a:lnRef idx="0">
+        <a:scrgbClr r="0" g="0" b="0"/>
+      </a:lnRef>
+      <a:fillRef idx="1">
+        <a:scrgbClr r="0" g="0" b="0"/>
+      </a:fillRef>
+      <a:effectRef idx="0">
+        <a:scrgbClr r="0" g="0" b="0"/>
+      </a:effectRef>
+      <a:fontRef idx="minor"/>
+    </dgm:style>
+  </dgm:styleLbl>
+  <dgm:styleLbl name="revTx">
+    <dgm:scene3d>
+      <a:camera prst="orthographicFront"/>
+      <a:lightRig rig="threePt" dir="t"/>
+    </dgm:scene3d>
+    <dgm:sp3d/>
+    <dgm:txPr/>
+    <dgm:style>
+      <a:lnRef idx="1">
         <a:scrgbClr r="0" g="0" b="0"/>
       </a:lnRef>
       <a:fillRef idx="0">
@@ -8703,7 +11784,7 @@
           <a:p>
             <a:fld id="{285264BB-8F8A-4D4A-88A3-0640162C694A}" type="datetimeFigureOut">
               <a:rPr lang="zh-CN" altLang="en-US" smtClean="0"/>
-              <a:t>2024/3/22</a:t>
+              <a:t>2024/3/24</a:t>
             </a:fld>
             <a:endParaRPr lang="zh-CN" altLang="en-US"/>
           </a:p>
@@ -8868,7 +11949,7 @@
           <a:p>
             <a:fld id="{C3C1C5A8-D213-43C4-B748-86D822F1E0AF}" type="datetimeFigureOut">
               <a:rPr lang="zh-CN" altLang="en-US" smtClean="0"/>
-              <a:t>2024/3/22</a:t>
+              <a:t>2024/3/24</a:t>
             </a:fld>
             <a:endParaRPr lang="zh-CN" altLang="en-US"/>
           </a:p>
@@ -11668,7 +14749,7 @@
           <a:p>
             <a:fld id="{5DE12CCA-7540-48DB-8E56-327F4EA06BC9}" type="slidenum">
               <a:rPr lang="zh-CN" altLang="en-US" smtClean="0"/>
-              <a:t>33</a:t>
+              <a:t>32</a:t>
             </a:fld>
             <a:endParaRPr lang="zh-CN" altLang="en-US"/>
           </a:p>
@@ -11762,7 +14843,7 @@
           <a:p>
             <a:fld id="{5DE12CCA-7540-48DB-8E56-327F4EA06BC9}" type="slidenum">
               <a:rPr lang="zh-CN" altLang="en-US" smtClean="0"/>
-              <a:t>34</a:t>
+              <a:t>33</a:t>
             </a:fld>
             <a:endParaRPr lang="zh-CN" altLang="en-US"/>
           </a:p>
@@ -11863,7 +14944,7 @@
           <a:p>
             <a:fld id="{5DE12CCA-7540-48DB-8E56-327F4EA06BC9}" type="slidenum">
               <a:rPr lang="zh-CN" altLang="en-US" smtClean="0"/>
-              <a:t>35</a:t>
+              <a:t>34</a:t>
             </a:fld>
             <a:endParaRPr lang="zh-CN" altLang="en-US"/>
           </a:p>
@@ -11971,7 +15052,7 @@
           <a:p>
             <a:fld id="{5DE12CCA-7540-48DB-8E56-327F4EA06BC9}" type="slidenum">
               <a:rPr lang="zh-CN" altLang="en-US" smtClean="0"/>
-              <a:t>36</a:t>
+              <a:t>35</a:t>
             </a:fld>
             <a:endParaRPr lang="zh-CN" altLang="en-US"/>
           </a:p>
@@ -14062,7 +17143,7 @@
           <a:p>
             <a:fld id="{5DE12CCA-7540-48DB-8E56-327F4EA06BC9}" type="slidenum">
               <a:rPr lang="zh-CN" altLang="en-US" smtClean="0"/>
-              <a:t>37</a:t>
+              <a:t>36</a:t>
             </a:fld>
             <a:endParaRPr lang="zh-CN" altLang="en-US"/>
           </a:p>
@@ -14127,7 +17208,7 @@
           <a:p>
             <a:r>
               <a:rPr lang="zh-CN" altLang="en-US" dirty="0"/>
-              <a:t>先演示绘图功能</a:t>
+              <a:t>知识库还不够</a:t>
             </a:r>
           </a:p>
         </p:txBody>
@@ -14149,7 +17230,7 @@
           <a:p>
             <a:fld id="{5DE12CCA-7540-48DB-8E56-327F4EA06BC9}" type="slidenum">
               <a:rPr lang="zh-CN" altLang="en-US" smtClean="0"/>
-              <a:t>39</a:t>
+              <a:t>38</a:t>
             </a:fld>
             <a:endParaRPr lang="zh-CN" altLang="en-US"/>
           </a:p>
@@ -14212,24 +17293,7 @@
           <a:bodyPr/>
           <a:lstStyle/>
           <a:p>
-            <a:r>
-              <a:rPr lang="zh-CN" altLang="en-US" dirty="0"/>
-              <a:t>是什么</a:t>
-            </a:r>
-            <a:endParaRPr lang="en-US" altLang="zh-CN" dirty="0"/>
-          </a:p>
-          <a:p>
-            <a:r>
-              <a:rPr lang="zh-CN" altLang="en-US" dirty="0"/>
-              <a:t>为什么</a:t>
-            </a:r>
-            <a:endParaRPr lang="en-US" altLang="zh-CN" dirty="0"/>
-          </a:p>
-          <a:p>
-            <a:r>
-              <a:rPr lang="zh-CN" altLang="en-US" dirty="0"/>
-              <a:t>怎么做。。。</a:t>
-            </a:r>
+            <a:endParaRPr lang="zh-CN" altLang="en-US" dirty="0"/>
           </a:p>
         </p:txBody>
       </p:sp>
@@ -14250,7 +17314,7 @@
           <a:p>
             <a:fld id="{5DE12CCA-7540-48DB-8E56-327F4EA06BC9}" type="slidenum">
               <a:rPr lang="zh-CN" altLang="en-US" smtClean="0"/>
-              <a:t>40</a:t>
+              <a:t>39</a:t>
             </a:fld>
             <a:endParaRPr lang="zh-CN" altLang="en-US"/>
           </a:p>
@@ -14314,15 +17378,9 @@
           <a:lstStyle/>
           <a:p>
             <a:r>
-              <a:rPr lang="zh-CN" altLang="en-US" dirty="0">
-                <a:solidFill>
-                  <a:srgbClr val="000000"/>
-                </a:solidFill>
-                <a:effectLst/>
-              </a:rPr>
-              <a:t>请介绍机体这个软件的功能</a:t>
-            </a:r>
-            <a:endParaRPr lang="zh-CN" altLang="en-US" dirty="0"/>
+              <a:rPr lang="zh-CN" altLang="en-US"/>
+              <a:t>以前要实现一个这样的系统，想都不敢想，而现在非常直观了</a:t>
+            </a:r>
           </a:p>
         </p:txBody>
       </p:sp>
@@ -14343,7 +17401,7 @@
           <a:p>
             <a:fld id="{5DE12CCA-7540-48DB-8E56-327F4EA06BC9}" type="slidenum">
               <a:rPr lang="zh-CN" altLang="en-US" smtClean="0"/>
-              <a:t>44</a:t>
+              <a:t>40</a:t>
             </a:fld>
             <a:endParaRPr lang="zh-CN" altLang="en-US"/>
           </a:p>
@@ -14352,7 +17410,7 @@
     </p:spTree>
     <p:extLst>
       <p:ext uri="{BB962C8B-B14F-4D97-AF65-F5344CB8AC3E}">
-        <p14:creationId xmlns:p14="http://schemas.microsoft.com/office/powerpoint/2010/main" val="1824896048"/>
+        <p14:creationId xmlns:p14="http://schemas.microsoft.com/office/powerpoint/2010/main" val="3495743636"/>
       </p:ext>
     </p:extLst>
   </p:cSld>
@@ -14451,6 +17509,435 @@
     <p:extLst>
       <p:ext uri="{BB962C8B-B14F-4D97-AF65-F5344CB8AC3E}">
         <p14:creationId xmlns:p14="http://schemas.microsoft.com/office/powerpoint/2010/main" val="4177096121"/>
+      </p:ext>
+    </p:extLst>
+  </p:cSld>
+  <p:clrMapOvr>
+    <a:masterClrMapping/>
+  </p:clrMapOvr>
+</p:notes>
+</file>
+
+<file path=ppt/notesSlides/notesSlide40.xml><?xml version="1.0" encoding="utf-8"?>
+<p:notes xmlns:a="http://schemas.openxmlformats.org/drawingml/2006/main" xmlns:r="http://schemas.openxmlformats.org/officeDocument/2006/relationships" xmlns:p="http://schemas.openxmlformats.org/presentationml/2006/main">
+  <p:cSld>
+    <p:spTree>
+      <p:nvGrpSpPr>
+        <p:cNvPr id="1" name=""/>
+        <p:cNvGrpSpPr/>
+        <p:nvPr/>
+      </p:nvGrpSpPr>
+      <p:grpSpPr>
+        <a:xfrm>
+          <a:off x="0" y="0"/>
+          <a:ext cx="0" cy="0"/>
+          <a:chOff x="0" y="0"/>
+          <a:chExt cx="0" cy="0"/>
+        </a:xfrm>
+      </p:grpSpPr>
+      <p:sp>
+        <p:nvSpPr>
+          <p:cNvPr id="2" name="幻灯片图像占位符 1"/>
+          <p:cNvSpPr>
+            <a:spLocks noGrp="1" noRot="1" noChangeAspect="1"/>
+          </p:cNvSpPr>
+          <p:nvPr>
+            <p:ph type="sldImg"/>
+          </p:nvPr>
+        </p:nvSpPr>
+        <p:spPr/>
+      </p:sp>
+      <p:sp>
+        <p:nvSpPr>
+          <p:cNvPr id="3" name="备注占位符 2"/>
+          <p:cNvSpPr>
+            <a:spLocks noGrp="1"/>
+          </p:cNvSpPr>
+          <p:nvPr>
+            <p:ph type="body" idx="1"/>
+          </p:nvPr>
+        </p:nvSpPr>
+        <p:spPr/>
+        <p:txBody>
+          <a:bodyPr/>
+          <a:lstStyle/>
+          <a:p>
+            <a:r>
+              <a:rPr lang="zh-CN" altLang="en-US" dirty="0"/>
+              <a:t>这里是大模型如何与现实交互</a:t>
+            </a:r>
+            <a:endParaRPr lang="en-US" altLang="zh-CN" dirty="0"/>
+          </a:p>
+          <a:p>
+            <a:r>
+              <a:rPr lang="zh-CN" altLang="en-US" dirty="0"/>
+              <a:t>提示工程的目的是为了让模型输出</a:t>
+            </a:r>
+            <a:r>
+              <a:rPr lang="en-US" altLang="zh-CN" dirty="0" err="1"/>
+              <a:t>json</a:t>
+            </a:r>
+            <a:r>
+              <a:rPr lang="zh-CN" altLang="en-US" dirty="0"/>
+              <a:t>字段</a:t>
+            </a:r>
+          </a:p>
+        </p:txBody>
+      </p:sp>
+      <p:sp>
+        <p:nvSpPr>
+          <p:cNvPr id="4" name="灯片编号占位符 3"/>
+          <p:cNvSpPr>
+            <a:spLocks noGrp="1"/>
+          </p:cNvSpPr>
+          <p:nvPr>
+            <p:ph type="sldNum" sz="quarter" idx="5"/>
+          </p:nvPr>
+        </p:nvSpPr>
+        <p:spPr/>
+        <p:txBody>
+          <a:bodyPr/>
+          <a:lstStyle/>
+          <a:p>
+            <a:fld id="{5DE12CCA-7540-48DB-8E56-327F4EA06BC9}" type="slidenum">
+              <a:rPr lang="zh-CN" altLang="en-US" smtClean="0"/>
+              <a:t>41</a:t>
+            </a:fld>
+            <a:endParaRPr lang="zh-CN" altLang="en-US"/>
+          </a:p>
+        </p:txBody>
+      </p:sp>
+    </p:spTree>
+    <p:extLst>
+      <p:ext uri="{BB962C8B-B14F-4D97-AF65-F5344CB8AC3E}">
+        <p14:creationId xmlns:p14="http://schemas.microsoft.com/office/powerpoint/2010/main" val="3674111258"/>
+      </p:ext>
+    </p:extLst>
+  </p:cSld>
+  <p:clrMapOvr>
+    <a:masterClrMapping/>
+  </p:clrMapOvr>
+</p:notes>
+</file>
+
+<file path=ppt/notesSlides/notesSlide41.xml><?xml version="1.0" encoding="utf-8"?>
+<p:notes xmlns:a="http://schemas.openxmlformats.org/drawingml/2006/main" xmlns:r="http://schemas.openxmlformats.org/officeDocument/2006/relationships" xmlns:p="http://schemas.openxmlformats.org/presentationml/2006/main">
+  <p:cSld>
+    <p:spTree>
+      <p:nvGrpSpPr>
+        <p:cNvPr id="1" name=""/>
+        <p:cNvGrpSpPr/>
+        <p:nvPr/>
+      </p:nvGrpSpPr>
+      <p:grpSpPr>
+        <a:xfrm>
+          <a:off x="0" y="0"/>
+          <a:ext cx="0" cy="0"/>
+          <a:chOff x="0" y="0"/>
+          <a:chExt cx="0" cy="0"/>
+        </a:xfrm>
+      </p:grpSpPr>
+      <p:sp>
+        <p:nvSpPr>
+          <p:cNvPr id="2" name="幻灯片图像占位符 1"/>
+          <p:cNvSpPr>
+            <a:spLocks noGrp="1" noRot="1" noChangeAspect="1"/>
+          </p:cNvSpPr>
+          <p:nvPr>
+            <p:ph type="sldImg"/>
+          </p:nvPr>
+        </p:nvSpPr>
+        <p:spPr/>
+      </p:sp>
+      <p:sp>
+        <p:nvSpPr>
+          <p:cNvPr id="3" name="备注占位符 2"/>
+          <p:cNvSpPr>
+            <a:spLocks noGrp="1"/>
+          </p:cNvSpPr>
+          <p:nvPr>
+            <p:ph type="body" idx="1"/>
+          </p:nvPr>
+        </p:nvSpPr>
+        <p:spPr/>
+        <p:txBody>
+          <a:bodyPr/>
+          <a:lstStyle/>
+          <a:p>
+            <a:r>
+              <a:rPr lang="zh-CN" altLang="en-US" dirty="0"/>
+              <a:t>这里是大模型如何完成复杂任务</a:t>
+            </a:r>
+            <a:endParaRPr lang="en-US" altLang="zh-CN" dirty="0"/>
+          </a:p>
+          <a:p>
+            <a:r>
+              <a:rPr lang="zh-CN" altLang="en-US" dirty="0"/>
+              <a:t>演示软件</a:t>
+            </a:r>
+            <a:endParaRPr lang="en-US" altLang="zh-CN" dirty="0"/>
+          </a:p>
+          <a:p>
+            <a:r>
+              <a:rPr lang="zh-CN" altLang="en-US" dirty="0"/>
+              <a:t>计算</a:t>
+            </a:r>
+            <a:r>
+              <a:rPr lang="en-US" altLang="zh-CN" dirty="0"/>
+              <a:t>888*999</a:t>
+            </a:r>
+          </a:p>
+          <a:p>
+            <a:r>
+              <a:rPr lang="zh-CN" altLang="en-US" dirty="0">
+                <a:solidFill>
+                  <a:srgbClr val="000000"/>
+                </a:solidFill>
+                <a:effectLst/>
+              </a:rPr>
+              <a:t>介绍机体这个软件的功能</a:t>
+            </a:r>
+            <a:endParaRPr lang="zh-CN" altLang="en-US" dirty="0"/>
+          </a:p>
+        </p:txBody>
+      </p:sp>
+      <p:sp>
+        <p:nvSpPr>
+          <p:cNvPr id="4" name="灯片编号占位符 3"/>
+          <p:cNvSpPr>
+            <a:spLocks noGrp="1"/>
+          </p:cNvSpPr>
+          <p:nvPr>
+            <p:ph type="sldNum" sz="quarter" idx="5"/>
+          </p:nvPr>
+        </p:nvSpPr>
+        <p:spPr/>
+        <p:txBody>
+          <a:bodyPr/>
+          <a:lstStyle/>
+          <a:p>
+            <a:fld id="{5DE12CCA-7540-48DB-8E56-327F4EA06BC9}" type="slidenum">
+              <a:rPr lang="zh-CN" altLang="en-US" smtClean="0"/>
+              <a:t>42</a:t>
+            </a:fld>
+            <a:endParaRPr lang="zh-CN" altLang="en-US"/>
+          </a:p>
+        </p:txBody>
+      </p:sp>
+    </p:spTree>
+    <p:extLst>
+      <p:ext uri="{BB962C8B-B14F-4D97-AF65-F5344CB8AC3E}">
+        <p14:creationId xmlns:p14="http://schemas.microsoft.com/office/powerpoint/2010/main" val="2950959841"/>
+      </p:ext>
+    </p:extLst>
+  </p:cSld>
+  <p:clrMapOvr>
+    <a:masterClrMapping/>
+  </p:clrMapOvr>
+</p:notes>
+</file>
+
+<file path=ppt/notesSlides/notesSlide42.xml><?xml version="1.0" encoding="utf-8"?>
+<p:notes xmlns:a="http://schemas.openxmlformats.org/drawingml/2006/main" xmlns:r="http://schemas.openxmlformats.org/officeDocument/2006/relationships" xmlns:p="http://schemas.openxmlformats.org/presentationml/2006/main">
+  <p:cSld>
+    <p:spTree>
+      <p:nvGrpSpPr>
+        <p:cNvPr id="1" name=""/>
+        <p:cNvGrpSpPr/>
+        <p:nvPr/>
+      </p:nvGrpSpPr>
+      <p:grpSpPr>
+        <a:xfrm>
+          <a:off x="0" y="0"/>
+          <a:ext cx="0" cy="0"/>
+          <a:chOff x="0" y="0"/>
+          <a:chExt cx="0" cy="0"/>
+        </a:xfrm>
+      </p:grpSpPr>
+      <p:sp>
+        <p:nvSpPr>
+          <p:cNvPr id="2" name="幻灯片图像占位符 1"/>
+          <p:cNvSpPr>
+            <a:spLocks noGrp="1" noRot="1" noChangeAspect="1"/>
+          </p:cNvSpPr>
+          <p:nvPr>
+            <p:ph type="sldImg"/>
+          </p:nvPr>
+        </p:nvSpPr>
+        <p:spPr/>
+      </p:sp>
+      <p:sp>
+        <p:nvSpPr>
+          <p:cNvPr id="3" name="备注占位符 2"/>
+          <p:cNvSpPr>
+            <a:spLocks noGrp="1"/>
+          </p:cNvSpPr>
+          <p:nvPr>
+            <p:ph type="body" idx="1"/>
+          </p:nvPr>
+        </p:nvSpPr>
+        <p:spPr/>
+        <p:txBody>
+          <a:bodyPr/>
+          <a:lstStyle/>
+          <a:p>
+            <a:r>
+              <a:rPr lang="zh-CN" altLang="en-US" dirty="0"/>
+              <a:t>这里是大模型如何完成复杂任务</a:t>
+            </a:r>
+            <a:endParaRPr lang="en-US" altLang="zh-CN" dirty="0"/>
+          </a:p>
+          <a:p>
+            <a:r>
+              <a:rPr lang="zh-CN" altLang="en-US" dirty="0"/>
+              <a:t>演示软件</a:t>
+            </a:r>
+            <a:endParaRPr lang="en-US" altLang="zh-CN" dirty="0"/>
+          </a:p>
+          <a:p>
+            <a:r>
+              <a:rPr lang="zh-CN" altLang="en-US" dirty="0"/>
+              <a:t>计算</a:t>
+            </a:r>
+            <a:r>
+              <a:rPr lang="en-US" altLang="zh-CN" dirty="0"/>
+              <a:t>888*999</a:t>
+            </a:r>
+          </a:p>
+          <a:p>
+            <a:r>
+              <a:rPr lang="zh-CN" altLang="en-US" dirty="0">
+                <a:solidFill>
+                  <a:srgbClr val="000000"/>
+                </a:solidFill>
+                <a:effectLst/>
+              </a:rPr>
+              <a:t>介绍机体这个软件的功能</a:t>
+            </a:r>
+            <a:endParaRPr lang="zh-CN" altLang="en-US" dirty="0"/>
+          </a:p>
+        </p:txBody>
+      </p:sp>
+      <p:sp>
+        <p:nvSpPr>
+          <p:cNvPr id="4" name="灯片编号占位符 3"/>
+          <p:cNvSpPr>
+            <a:spLocks noGrp="1"/>
+          </p:cNvSpPr>
+          <p:nvPr>
+            <p:ph type="sldNum" sz="quarter" idx="5"/>
+          </p:nvPr>
+        </p:nvSpPr>
+        <p:spPr/>
+        <p:txBody>
+          <a:bodyPr/>
+          <a:lstStyle/>
+          <a:p>
+            <a:fld id="{5DE12CCA-7540-48DB-8E56-327F4EA06BC9}" type="slidenum">
+              <a:rPr lang="zh-CN" altLang="en-US" smtClean="0"/>
+              <a:t>43</a:t>
+            </a:fld>
+            <a:endParaRPr lang="zh-CN" altLang="en-US"/>
+          </a:p>
+        </p:txBody>
+      </p:sp>
+    </p:spTree>
+    <p:extLst>
+      <p:ext uri="{BB962C8B-B14F-4D97-AF65-F5344CB8AC3E}">
+        <p14:creationId xmlns:p14="http://schemas.microsoft.com/office/powerpoint/2010/main" val="1060889352"/>
+      </p:ext>
+    </p:extLst>
+  </p:cSld>
+  <p:clrMapOvr>
+    <a:masterClrMapping/>
+  </p:clrMapOvr>
+</p:notes>
+</file>
+
+<file path=ppt/notesSlides/notesSlide43.xml><?xml version="1.0" encoding="utf-8"?>
+<p:notes xmlns:a="http://schemas.openxmlformats.org/drawingml/2006/main" xmlns:r="http://schemas.openxmlformats.org/officeDocument/2006/relationships" xmlns:p="http://schemas.openxmlformats.org/presentationml/2006/main">
+  <p:cSld>
+    <p:spTree>
+      <p:nvGrpSpPr>
+        <p:cNvPr id="1" name=""/>
+        <p:cNvGrpSpPr/>
+        <p:nvPr/>
+      </p:nvGrpSpPr>
+      <p:grpSpPr>
+        <a:xfrm>
+          <a:off x="0" y="0"/>
+          <a:ext cx="0" cy="0"/>
+          <a:chOff x="0" y="0"/>
+          <a:chExt cx="0" cy="0"/>
+        </a:xfrm>
+      </p:grpSpPr>
+      <p:sp>
+        <p:nvSpPr>
+          <p:cNvPr id="2" name="幻灯片图像占位符 1"/>
+          <p:cNvSpPr>
+            <a:spLocks noGrp="1" noRot="1" noChangeAspect="1"/>
+          </p:cNvSpPr>
+          <p:nvPr>
+            <p:ph type="sldImg"/>
+          </p:nvPr>
+        </p:nvSpPr>
+        <p:spPr/>
+      </p:sp>
+      <p:sp>
+        <p:nvSpPr>
+          <p:cNvPr id="3" name="备注占位符 2"/>
+          <p:cNvSpPr>
+            <a:spLocks noGrp="1"/>
+          </p:cNvSpPr>
+          <p:nvPr>
+            <p:ph type="body" idx="1"/>
+          </p:nvPr>
+        </p:nvSpPr>
+        <p:spPr/>
+        <p:txBody>
+          <a:bodyPr/>
+          <a:lstStyle/>
+          <a:p>
+            <a:r>
+              <a:rPr lang="zh-CN" altLang="en-US" dirty="0">
+                <a:solidFill>
+                  <a:srgbClr val="000000"/>
+                </a:solidFill>
+                <a:effectLst/>
+              </a:rPr>
+              <a:t>请介绍机体这个软件的功能</a:t>
+            </a:r>
+            <a:endParaRPr lang="zh-CN" altLang="en-US" dirty="0"/>
+          </a:p>
+        </p:txBody>
+      </p:sp>
+      <p:sp>
+        <p:nvSpPr>
+          <p:cNvPr id="4" name="灯片编号占位符 3"/>
+          <p:cNvSpPr>
+            <a:spLocks noGrp="1"/>
+          </p:cNvSpPr>
+          <p:nvPr>
+            <p:ph type="sldNum" sz="quarter" idx="5"/>
+          </p:nvPr>
+        </p:nvSpPr>
+        <p:spPr/>
+        <p:txBody>
+          <a:bodyPr/>
+          <a:lstStyle/>
+          <a:p>
+            <a:fld id="{5DE12CCA-7540-48DB-8E56-327F4EA06BC9}" type="slidenum">
+              <a:rPr lang="zh-CN" altLang="en-US" smtClean="0"/>
+              <a:t>44</a:t>
+            </a:fld>
+            <a:endParaRPr lang="zh-CN" altLang="en-US"/>
+          </a:p>
+        </p:txBody>
+      </p:sp>
+    </p:spTree>
+    <p:extLst>
+      <p:ext uri="{BB962C8B-B14F-4D97-AF65-F5344CB8AC3E}">
+        <p14:creationId xmlns:p14="http://schemas.microsoft.com/office/powerpoint/2010/main" val="1824896048"/>
       </p:ext>
     </p:extLst>
   </p:cSld>
@@ -15118,7 +18605,7 @@
           <a:p>
             <a:fld id="{760FBDFE-C587-4B4C-A407-44438C67B59E}" type="datetimeFigureOut">
               <a:rPr lang="zh-CN" altLang="en-US" smtClean="0"/>
-              <a:t>2024/3/22</a:t>
+              <a:t>2024/3/24</a:t>
             </a:fld>
             <a:endParaRPr lang="zh-CN" altLang="en-US"/>
           </a:p>
@@ -15561,7 +19048,7 @@
             <a:fld id="{96DFF08F-DC6B-4601-B491-B0F83F6DD2DA}" type="datetimeFigureOut">
               <a:rPr lang="en-US" dirty="0"/>
               <a:pPr/>
-              <a:t>3/22/2024</a:t>
+              <a:t>3/24/2024</a:t>
             </a:fld>
             <a:endParaRPr lang="en-US" dirty="0"/>
           </a:p>
@@ -33509,94 +36996,6 @@
       </p:grpSpPr>
       <p:sp>
         <p:nvSpPr>
-          <p:cNvPr id="3" name="文本框 2">
-            <a:extLst>
-              <a:ext uri="{FF2B5EF4-FFF2-40B4-BE49-F238E27FC236}">
-                <a16:creationId xmlns:a16="http://schemas.microsoft.com/office/drawing/2014/main" id="{7AC48EA4-514B-4D2D-9640-3A0324EAD8B9}"/>
-              </a:ext>
-            </a:extLst>
-          </p:cNvPr>
-          <p:cNvSpPr txBox="1"/>
-          <p:nvPr/>
-        </p:nvSpPr>
-        <p:spPr>
-          <a:xfrm>
-            <a:off x="4147390" y="2682240"/>
-            <a:ext cx="3897221" cy="830997"/>
-          </a:xfrm>
-          <a:prstGeom prst="rect">
-            <a:avLst/>
-          </a:prstGeom>
-          <a:noFill/>
-        </p:spPr>
-        <p:txBody>
-          <a:bodyPr wrap="none" rtlCol="0">
-            <a:spAutoFit/>
-          </a:bodyPr>
-          <a:lstStyle/>
-          <a:p>
-            <a:r>
-              <a:rPr lang="zh-CN" altLang="en-US" sz="4800" b="1" dirty="0">
-                <a:ln w="12700">
-                  <a:solidFill>
-                    <a:schemeClr val="accent1"/>
-                  </a:solidFill>
-                  <a:prstDash val="solid"/>
-                </a:ln>
-                <a:pattFill prst="pct50">
-                  <a:fgClr>
-                    <a:schemeClr val="accent1"/>
-                  </a:fgClr>
-                  <a:bgClr>
-                    <a:schemeClr val="accent1">
-                      <a:lumMod val="20000"/>
-                      <a:lumOff val="80000"/>
-                    </a:schemeClr>
-                  </a:bgClr>
-                </a:pattFill>
-                <a:effectLst>
-                  <a:outerShdw dist="38100" dir="2640000" algn="bl" rotWithShape="0">
-                    <a:schemeClr val="accent1"/>
-                  </a:outerShdw>
-                </a:effectLst>
-              </a:rPr>
-              <a:t>请批评指正！</a:t>
-            </a:r>
-          </a:p>
-        </p:txBody>
-      </p:sp>
-    </p:spTree>
-    <p:extLst>
-      <p:ext uri="{BB962C8B-B14F-4D97-AF65-F5344CB8AC3E}">
-        <p14:creationId xmlns:p14="http://schemas.microsoft.com/office/powerpoint/2010/main" val="3308605735"/>
-      </p:ext>
-    </p:extLst>
-  </p:cSld>
-  <p:clrMapOvr>
-    <a:masterClrMapping/>
-  </p:clrMapOvr>
-</p:sld>
-</file>
-
-<file path=ppt/slides/slide33.xml><?xml version="1.0" encoding="utf-8"?>
-<p:sld xmlns:a="http://schemas.openxmlformats.org/drawingml/2006/main" xmlns:r="http://schemas.openxmlformats.org/officeDocument/2006/relationships" xmlns:p="http://schemas.openxmlformats.org/presentationml/2006/main">
-  <p:cSld>
-    <p:spTree>
-      <p:nvGrpSpPr>
-        <p:cNvPr id="1" name=""/>
-        <p:cNvGrpSpPr/>
-        <p:nvPr/>
-      </p:nvGrpSpPr>
-      <p:grpSpPr>
-        <a:xfrm>
-          <a:off x="0" y="0"/>
-          <a:ext cx="0" cy="0"/>
-          <a:chOff x="0" y="0"/>
-          <a:chExt cx="0" cy="0"/>
-        </a:xfrm>
-      </p:grpSpPr>
-      <p:sp>
-        <p:nvSpPr>
           <p:cNvPr id="4" name="标题 3">
             <a:extLst>
               <a:ext uri="{FF2B5EF4-FFF2-40B4-BE49-F238E27FC236}">
@@ -33666,7 +37065,7 @@
 </p:sld>
 </file>
 
-<file path=ppt/slides/slide34.xml><?xml version="1.0" encoding="utf-8"?>
+<file path=ppt/slides/slide33.xml><?xml version="1.0" encoding="utf-8"?>
 <p:sld xmlns:a="http://schemas.openxmlformats.org/drawingml/2006/main" xmlns:r="http://schemas.openxmlformats.org/officeDocument/2006/relationships" xmlns:p="http://schemas.openxmlformats.org/presentationml/2006/main">
   <p:cSld>
     <p:spTree>
@@ -34674,7 +38073,7 @@
 </p:sld>
 </file>
 
-<file path=ppt/slides/slide35.xml><?xml version="1.0" encoding="utf-8"?>
+<file path=ppt/slides/slide34.xml><?xml version="1.0" encoding="utf-8"?>
 <p:sld xmlns:a="http://schemas.openxmlformats.org/drawingml/2006/main" xmlns:r="http://schemas.openxmlformats.org/officeDocument/2006/relationships" xmlns:p="http://schemas.openxmlformats.org/presentationml/2006/main">
   <p:cSld>
     <p:spTree>
@@ -34744,7 +38143,7 @@
 </p:sld>
 </file>
 
-<file path=ppt/slides/slide36.xml><?xml version="1.0" encoding="utf-8"?>
+<file path=ppt/slides/slide35.xml><?xml version="1.0" encoding="utf-8"?>
 <p:sld xmlns:a="http://schemas.openxmlformats.org/drawingml/2006/main" xmlns:r="http://schemas.openxmlformats.org/officeDocument/2006/relationships" xmlns:p="http://schemas.openxmlformats.org/presentationml/2006/main">
   <p:cSld>
     <p:spTree>
@@ -35670,7 +39069,7 @@
 </p:sld>
 </file>
 
-<file path=ppt/slides/slide37.xml><?xml version="1.0" encoding="utf-8"?>
+<file path=ppt/slides/slide36.xml><?xml version="1.0" encoding="utf-8"?>
 <p:sld xmlns:a="http://schemas.openxmlformats.org/drawingml/2006/main" xmlns:r="http://schemas.openxmlformats.org/officeDocument/2006/relationships" xmlns:p="http://schemas.openxmlformats.org/presentationml/2006/main">
   <p:cSld>
     <p:spTree>
@@ -37200,7 +40599,7 @@
 </p:sld>
 </file>
 
-<file path=ppt/slides/slide38.xml><?xml version="1.0" encoding="utf-8"?>
+<file path=ppt/slides/slide37.xml><?xml version="1.0" encoding="utf-8"?>
 <p:sld xmlns:a="http://schemas.openxmlformats.org/drawingml/2006/main" xmlns:r="http://schemas.openxmlformats.org/officeDocument/2006/relationships" xmlns:p="http://schemas.openxmlformats.org/presentationml/2006/main">
   <p:cSld>
     <p:spTree>
@@ -37400,7 +40799,7 @@
 </p:sld>
 </file>
 
-<file path=ppt/slides/slide39.xml><?xml version="1.0" encoding="utf-8"?>
+<file path=ppt/slides/slide38.xml><?xml version="1.0" encoding="utf-8"?>
 <p:sld xmlns:a="http://schemas.openxmlformats.org/drawingml/2006/main" xmlns:r="http://schemas.openxmlformats.org/officeDocument/2006/relationships" xmlns:p="http://schemas.openxmlformats.org/presentationml/2006/main">
   <p:cSld>
     <p:spTree>
@@ -37485,6 +40884,76 @@
   <p:clrMapOvr>
     <a:masterClrMapping/>
   </p:clrMapOvr>
+</p:sld>
+</file>
+
+<file path=ppt/slides/slide39.xml><?xml version="1.0" encoding="utf-8"?>
+<p:sld xmlns:a="http://schemas.openxmlformats.org/drawingml/2006/main" xmlns:r="http://schemas.openxmlformats.org/officeDocument/2006/relationships" xmlns:p="http://schemas.openxmlformats.org/presentationml/2006/main">
+  <p:cSld>
+    <p:spTree>
+      <p:nvGrpSpPr>
+        <p:cNvPr id="1" name=""/>
+        <p:cNvGrpSpPr/>
+        <p:nvPr/>
+      </p:nvGrpSpPr>
+      <p:grpSpPr>
+        <a:xfrm>
+          <a:off x="0" y="0"/>
+          <a:ext cx="0" cy="0"/>
+          <a:chOff x="0" y="0"/>
+          <a:chExt cx="0" cy="0"/>
+        </a:xfrm>
+      </p:grpSpPr>
+      <p:graphicFrame>
+        <p:nvGraphicFramePr>
+          <p:cNvPr id="8" name="图示 7">
+            <a:extLst>
+              <a:ext uri="{FF2B5EF4-FFF2-40B4-BE49-F238E27FC236}">
+                <a16:creationId xmlns:a16="http://schemas.microsoft.com/office/drawing/2014/main" id="{4196B546-E362-4A9A-AC98-31A615E79C7D}"/>
+              </a:ext>
+            </a:extLst>
+          </p:cNvPr>
+          <p:cNvGraphicFramePr/>
+          <p:nvPr>
+            <p:extLst>
+              <p:ext uri="{D42A27DB-BD31-4B8C-83A1-F6EECF244321}">
+                <p14:modId xmlns:p14="http://schemas.microsoft.com/office/powerpoint/2010/main" val="2527606812"/>
+              </p:ext>
+            </p:extLst>
+          </p:nvPr>
+        </p:nvGraphicFramePr>
+        <p:xfrm>
+          <a:off x="2565047" y="915779"/>
+          <a:ext cx="7061907" cy="4707781"/>
+        </p:xfrm>
+        <a:graphic>
+          <a:graphicData uri="http://schemas.openxmlformats.org/drawingml/2006/diagram">
+            <dgm:relIds xmlns:dgm="http://schemas.openxmlformats.org/drawingml/2006/diagram" xmlns:r="http://schemas.openxmlformats.org/officeDocument/2006/relationships" r:dm="rId3" r:lo="rId4" r:qs="rId5" r:cs="rId6"/>
+          </a:graphicData>
+        </a:graphic>
+      </p:graphicFrame>
+    </p:spTree>
+    <p:extLst>
+      <p:ext uri="{BB962C8B-B14F-4D97-AF65-F5344CB8AC3E}">
+        <p14:creationId xmlns:p14="http://schemas.microsoft.com/office/powerpoint/2010/main" val="366407482"/>
+      </p:ext>
+    </p:extLst>
+  </p:cSld>
+  <p:clrMapOvr>
+    <a:masterClrMapping/>
+  </p:clrMapOvr>
+  <mc:AlternateContent xmlns:mc="http://schemas.openxmlformats.org/markup-compatibility/2006" xmlns:p14="http://schemas.microsoft.com/office/powerpoint/2010/main">
+    <mc:Choice Requires="p14">
+      <p:transition spd="med" p14:dur="700">
+        <p:fade/>
+      </p:transition>
+    </mc:Choice>
+    <mc:Fallback xmlns="">
+      <p:transition spd="med">
+        <p:fade/>
+      </p:transition>
+    </mc:Fallback>
+  </mc:AlternateContent>
 </p:sld>
 </file>
 
@@ -37901,56 +41370,293 @@
           <a:chExt cx="0" cy="0"/>
         </a:xfrm>
       </p:grpSpPr>
-      <p:graphicFrame>
-        <p:nvGraphicFramePr>
-          <p:cNvPr id="8" name="图示 7">
+      <p:sp>
+        <p:nvSpPr>
+          <p:cNvPr id="2" name="标题 1">
             <a:extLst>
               <a:ext uri="{FF2B5EF4-FFF2-40B4-BE49-F238E27FC236}">
-                <a16:creationId xmlns:a16="http://schemas.microsoft.com/office/drawing/2014/main" id="{4196B546-E362-4A9A-AC98-31A615E79C7D}"/>
+                <a16:creationId xmlns:a16="http://schemas.microsoft.com/office/drawing/2014/main" id="{27827D1C-C815-0315-E9B1-7ED358030C8E}"/>
               </a:ext>
             </a:extLst>
           </p:cNvPr>
-          <p:cNvGraphicFramePr/>
+          <p:cNvSpPr>
+            <a:spLocks noGrp="1"/>
+          </p:cNvSpPr>
           <p:nvPr>
-            <p:extLst>
-              <p:ext uri="{D42A27DB-BD31-4B8C-83A1-F6EECF244321}">
-                <p14:modId xmlns:p14="http://schemas.microsoft.com/office/powerpoint/2010/main" val="2527606812"/>
-              </p:ext>
-            </p:extLst>
+            <p:ph type="title"/>
           </p:nvPr>
-        </p:nvGraphicFramePr>
-        <p:xfrm>
-          <a:off x="2565047" y="915779"/>
-          <a:ext cx="7061907" cy="4707781"/>
-        </p:xfrm>
-        <a:graphic>
-          <a:graphicData uri="http://schemas.openxmlformats.org/drawingml/2006/diagram">
-            <dgm:relIds xmlns:dgm="http://schemas.openxmlformats.org/drawingml/2006/diagram" xmlns:r="http://schemas.openxmlformats.org/officeDocument/2006/relationships" r:dm="rId3" r:lo="rId4" r:qs="rId5" r:cs="rId6"/>
-          </a:graphicData>
-        </a:graphic>
-      </p:graphicFrame>
+        </p:nvSpPr>
+        <p:spPr/>
+        <p:txBody>
+          <a:bodyPr>
+            <a:normAutofit fontScale="90000"/>
+          </a:bodyPr>
+          <a:lstStyle/>
+          <a:p>
+            <a:r>
+              <a:rPr lang="zh-CN" altLang="en-US"/>
+              <a:t>一、智能体的定义</a:t>
+            </a:r>
+          </a:p>
+        </p:txBody>
+      </p:sp>
+      <p:sp>
+        <p:nvSpPr>
+          <p:cNvPr id="3" name="文本框 2">
+            <a:extLst>
+              <a:ext uri="{FF2B5EF4-FFF2-40B4-BE49-F238E27FC236}">
+                <a16:creationId xmlns:a16="http://schemas.microsoft.com/office/drawing/2014/main" id="{4611C63B-A358-528A-6A7D-DD2ABD851F3D}"/>
+              </a:ext>
+            </a:extLst>
+          </p:cNvPr>
+          <p:cNvSpPr txBox="1"/>
+          <p:nvPr/>
+        </p:nvSpPr>
+        <p:spPr>
+          <a:xfrm>
+            <a:off x="770448" y="1285105"/>
+            <a:ext cx="7263527" cy="461665"/>
+          </a:xfrm>
+          <a:prstGeom prst="rect">
+            <a:avLst/>
+          </a:prstGeom>
+          <a:noFill/>
+        </p:spPr>
+        <p:txBody>
+          <a:bodyPr wrap="none" rtlCol="0">
+            <a:spAutoFit/>
+          </a:bodyPr>
+          <a:lstStyle/>
+          <a:p>
+            <a:r>
+              <a:rPr lang="zh-CN" altLang="en-US" sz="2400" dirty="0">
+                <a:latin typeface="黑体" panose="02010609060101010101" pitchFamily="49" charset="-122"/>
+                <a:ea typeface="黑体" panose="02010609060101010101" pitchFamily="49" charset="-122"/>
+              </a:rPr>
+              <a:t>智能体：能够与</a:t>
+            </a:r>
+            <a:r>
+              <a:rPr lang="zh-CN" altLang="en-US" sz="2400" dirty="0">
+                <a:solidFill>
+                  <a:srgbClr val="FF0000"/>
+                </a:solidFill>
+                <a:latin typeface="黑体" panose="02010609060101010101" pitchFamily="49" charset="-122"/>
+                <a:ea typeface="黑体" panose="02010609060101010101" pitchFamily="49" charset="-122"/>
+              </a:rPr>
+              <a:t>现实交互</a:t>
+            </a:r>
+            <a:r>
+              <a:rPr lang="zh-CN" altLang="en-US" sz="2400" dirty="0">
+                <a:latin typeface="黑体" panose="02010609060101010101" pitchFamily="49" charset="-122"/>
+                <a:ea typeface="黑体" panose="02010609060101010101" pitchFamily="49" charset="-122"/>
+              </a:rPr>
+              <a:t>，</a:t>
+            </a:r>
+            <a:r>
+              <a:rPr lang="zh-CN" altLang="en-US" sz="2400" dirty="0">
+                <a:solidFill>
+                  <a:srgbClr val="FF0000"/>
+                </a:solidFill>
+                <a:latin typeface="黑体" panose="02010609060101010101" pitchFamily="49" charset="-122"/>
+                <a:ea typeface="黑体" panose="02010609060101010101" pitchFamily="49" charset="-122"/>
+              </a:rPr>
+              <a:t>自主完成复杂任务</a:t>
+            </a:r>
+            <a:r>
+              <a:rPr lang="zh-CN" altLang="en-US" sz="2400" dirty="0">
+                <a:latin typeface="黑体" panose="02010609060101010101" pitchFamily="49" charset="-122"/>
+                <a:ea typeface="黑体" panose="02010609060101010101" pitchFamily="49" charset="-122"/>
+              </a:rPr>
+              <a:t>的系统</a:t>
+            </a:r>
+          </a:p>
+        </p:txBody>
+      </p:sp>
+      <p:pic>
+        <p:nvPicPr>
+          <p:cNvPr id="6" name="图片 5">
+            <a:extLst>
+              <a:ext uri="{FF2B5EF4-FFF2-40B4-BE49-F238E27FC236}">
+                <a16:creationId xmlns:a16="http://schemas.microsoft.com/office/drawing/2014/main" id="{EBF2F4EF-A6FF-1562-6D22-3C6CE42996E9}"/>
+              </a:ext>
+            </a:extLst>
+          </p:cNvPr>
+          <p:cNvPicPr>
+            <a:picLocks noChangeAspect="1"/>
+          </p:cNvPicPr>
+          <p:nvPr/>
+        </p:nvPicPr>
+        <p:blipFill rotWithShape="1">
+          <a:blip r:embed="rId3">
+            <a:extLst>
+              <a:ext uri="{28A0092B-C50C-407E-A947-70E740481C1C}">
+                <a14:useLocalDpi xmlns:a14="http://schemas.microsoft.com/office/drawing/2010/main" val="0"/>
+              </a:ext>
+            </a:extLst>
+          </a:blip>
+          <a:srcRect b="4033"/>
+          <a:stretch/>
+        </p:blipFill>
+        <p:spPr>
+          <a:xfrm>
+            <a:off x="2778233" y="2098309"/>
+            <a:ext cx="6539163" cy="3538103"/>
+          </a:xfrm>
+          <a:prstGeom prst="rect">
+            <a:avLst/>
+          </a:prstGeom>
+          <a:ln>
+            <a:noFill/>
+          </a:ln>
+          <a:effectLst>
+            <a:outerShdw blurRad="292100" dist="139700" dir="2700000" algn="tl" rotWithShape="0">
+              <a:srgbClr val="333333">
+                <a:alpha val="65000"/>
+              </a:srgbClr>
+            </a:outerShdw>
+          </a:effectLst>
+        </p:spPr>
+      </p:pic>
     </p:spTree>
     <p:extLst>
       <p:ext uri="{BB962C8B-B14F-4D97-AF65-F5344CB8AC3E}">
-        <p14:creationId xmlns:p14="http://schemas.microsoft.com/office/powerpoint/2010/main" val="366407482"/>
+        <p14:creationId xmlns:p14="http://schemas.microsoft.com/office/powerpoint/2010/main" val="4101075103"/>
       </p:ext>
     </p:extLst>
   </p:cSld>
   <p:clrMapOvr>
     <a:masterClrMapping/>
   </p:clrMapOvr>
-  <mc:AlternateContent xmlns:mc="http://schemas.openxmlformats.org/markup-compatibility/2006" xmlns:p14="http://schemas.microsoft.com/office/powerpoint/2010/main">
-    <mc:Choice Requires="p14">
-      <p:transition spd="med" p14:dur="700">
-        <p:fade/>
-      </p:transition>
-    </mc:Choice>
-    <mc:Fallback xmlns="">
-      <p:transition spd="med">
-        <p:fade/>
-      </p:transition>
-    </mc:Fallback>
-  </mc:AlternateContent>
+  <p:timing>
+    <p:tnLst>
+      <p:par>
+        <p:cTn id="1" dur="indefinite" restart="never" nodeType="tmRoot">
+          <p:childTnLst>
+            <p:seq concurrent="1" nextAc="seek">
+              <p:cTn id="2" dur="indefinite" nodeType="mainSeq">
+                <p:childTnLst>
+                  <p:par>
+                    <p:cTn id="3" fill="hold">
+                      <p:stCondLst>
+                        <p:cond delay="indefinite"/>
+                      </p:stCondLst>
+                      <p:childTnLst>
+                        <p:par>
+                          <p:cTn id="4" fill="hold">
+                            <p:stCondLst>
+                              <p:cond delay="0"/>
+                            </p:stCondLst>
+                            <p:childTnLst>
+                              <p:par>
+                                <p:cTn id="5" presetID="22" presetClass="entr" presetSubtype="8" fill="hold" grpId="0" nodeType="clickEffect">
+                                  <p:stCondLst>
+                                    <p:cond delay="0"/>
+                                  </p:stCondLst>
+                                  <p:childTnLst>
+                                    <p:set>
+                                      <p:cBhvr>
+                                        <p:cTn id="6" dur="1" fill="hold">
+                                          <p:stCondLst>
+                                            <p:cond delay="0"/>
+                                          </p:stCondLst>
+                                        </p:cTn>
+                                        <p:tgtEl>
+                                          <p:spTgt spid="3"/>
+                                        </p:tgtEl>
+                                        <p:attrNameLst>
+                                          <p:attrName>style.visibility</p:attrName>
+                                        </p:attrNameLst>
+                                      </p:cBhvr>
+                                      <p:to>
+                                        <p:strVal val="visible"/>
+                                      </p:to>
+                                    </p:set>
+                                    <p:animEffect transition="in" filter="wipe(left)">
+                                      <p:cBhvr>
+                                        <p:cTn id="7" dur="500"/>
+                                        <p:tgtEl>
+                                          <p:spTgt spid="3"/>
+                                        </p:tgtEl>
+                                      </p:cBhvr>
+                                    </p:animEffect>
+                                  </p:childTnLst>
+                                </p:cTn>
+                              </p:par>
+                            </p:childTnLst>
+                          </p:cTn>
+                        </p:par>
+                        <p:par>
+                          <p:cTn id="8" fill="hold">
+                            <p:stCondLst>
+                              <p:cond delay="500"/>
+                            </p:stCondLst>
+                            <p:childTnLst>
+                              <p:par>
+                                <p:cTn id="9" presetID="10" presetClass="entr" presetSubtype="0" fill="hold" nodeType="afterEffect">
+                                  <p:stCondLst>
+                                    <p:cond delay="0"/>
+                                  </p:stCondLst>
+                                  <p:childTnLst>
+                                    <p:set>
+                                      <p:cBhvr>
+                                        <p:cTn id="10" dur="1" fill="hold">
+                                          <p:stCondLst>
+                                            <p:cond delay="0"/>
+                                          </p:stCondLst>
+                                        </p:cTn>
+                                        <p:tgtEl>
+                                          <p:spTgt spid="6"/>
+                                        </p:tgtEl>
+                                        <p:attrNameLst>
+                                          <p:attrName>style.visibility</p:attrName>
+                                        </p:attrNameLst>
+                                      </p:cBhvr>
+                                      <p:to>
+                                        <p:strVal val="visible"/>
+                                      </p:to>
+                                    </p:set>
+                                    <p:animEffect transition="in" filter="fade">
+                                      <p:cBhvr>
+                                        <p:cTn id="11" dur="500"/>
+                                        <p:tgtEl>
+                                          <p:spTgt spid="6"/>
+                                        </p:tgtEl>
+                                      </p:cBhvr>
+                                    </p:animEffect>
+                                  </p:childTnLst>
+                                </p:cTn>
+                              </p:par>
+                            </p:childTnLst>
+                          </p:cTn>
+                        </p:par>
+                      </p:childTnLst>
+                    </p:cTn>
+                  </p:par>
+                </p:childTnLst>
+              </p:cTn>
+              <p:prevCondLst>
+                <p:cond evt="onPrev" delay="0">
+                  <p:tgtEl>
+                    <p:sldTgt/>
+                  </p:tgtEl>
+                </p:cond>
+              </p:prevCondLst>
+              <p:nextCondLst>
+                <p:cond evt="onNext" delay="0">
+                  <p:tgtEl>
+                    <p:sldTgt/>
+                  </p:tgtEl>
+                </p:cond>
+              </p:nextCondLst>
+            </p:seq>
+          </p:childTnLst>
+        </p:cTn>
+      </p:par>
+    </p:tnLst>
+    <p:bldLst>
+      <p:bldP spid="3" grpId="0"/>
+    </p:bldLst>
+  </p:timing>
 </p:sld>
 </file>
 
@@ -37995,8 +41701,8 @@
           <a:lstStyle/>
           <a:p>
             <a:r>
-              <a:rPr lang="zh-CN" altLang="en-US"/>
-              <a:t>一、智能体的定义</a:t>
+              <a:rPr lang="zh-CN" altLang="en-US" dirty="0"/>
+              <a:t>二、如何与现实交互？</a:t>
             </a:r>
           </a:p>
         </p:txBody>
@@ -38015,8 +41721,8 @@
         </p:nvSpPr>
         <p:spPr>
           <a:xfrm>
-            <a:off x="770448" y="1285105"/>
-            <a:ext cx="7263527" cy="461665"/>
+            <a:off x="682240" y="1162780"/>
+            <a:ext cx="4839786" cy="461665"/>
           </a:xfrm>
           <a:prstGeom prst="rect">
             <a:avLst/>
@@ -38029,54 +41735,357 @@
           </a:bodyPr>
           <a:lstStyle/>
           <a:p>
+            <a:pPr marL="342900" indent="-342900">
+              <a:buFont typeface="Wingdings" panose="05000000000000000000" pitchFamily="2" charset="2"/>
+              <a:buChar char="Ø"/>
+            </a:pPr>
             <a:r>
               <a:rPr lang="zh-CN" altLang="en-US" sz="2400" dirty="0">
                 <a:latin typeface="黑体" panose="02010609060101010101" pitchFamily="49" charset="-122"/>
                 <a:ea typeface="黑体" panose="02010609060101010101" pitchFamily="49" charset="-122"/>
               </a:rPr>
-              <a:t>智能体：能够与</a:t>
-            </a:r>
-            <a:r>
-              <a:rPr lang="zh-CN" altLang="en-US" sz="2400" dirty="0">
-                <a:solidFill>
-                  <a:srgbClr val="FF0000"/>
-                </a:solidFill>
+              <a:t>提示工程</a:t>
+            </a:r>
+            <a:r>
+              <a:rPr lang="en-US" altLang="zh-CN" sz="2400" dirty="0">
                 <a:latin typeface="黑体" panose="02010609060101010101" pitchFamily="49" charset="-122"/>
                 <a:ea typeface="黑体" panose="02010609060101010101" pitchFamily="49" charset="-122"/>
               </a:rPr>
-              <a:t>现实交互</a:t>
+              <a:t>+</a:t>
             </a:r>
             <a:r>
               <a:rPr lang="zh-CN" altLang="en-US" sz="2400" dirty="0">
                 <a:latin typeface="黑体" panose="02010609060101010101" pitchFamily="49" charset="-122"/>
                 <a:ea typeface="黑体" panose="02010609060101010101" pitchFamily="49" charset="-122"/>
               </a:rPr>
-              <a:t>，</a:t>
-            </a:r>
-            <a:r>
-              <a:rPr lang="zh-CN" altLang="en-US" sz="2400" dirty="0">
-                <a:solidFill>
-                  <a:srgbClr val="FF0000"/>
-                </a:solidFill>
+              <a:t>外部工具</a:t>
+            </a:r>
+            <a:r>
+              <a:rPr lang="en-US" altLang="zh-CN" sz="2400" dirty="0">
                 <a:latin typeface="黑体" panose="02010609060101010101" pitchFamily="49" charset="-122"/>
                 <a:ea typeface="黑体" panose="02010609060101010101" pitchFamily="49" charset="-122"/>
               </a:rPr>
-              <a:t>自主完成复杂任务</a:t>
+              <a:t>+</a:t>
             </a:r>
             <a:r>
               <a:rPr lang="zh-CN" altLang="en-US" sz="2400" dirty="0">
                 <a:latin typeface="黑体" panose="02010609060101010101" pitchFamily="49" charset="-122"/>
                 <a:ea typeface="黑体" panose="02010609060101010101" pitchFamily="49" charset="-122"/>
               </a:rPr>
-              <a:t>的系统</a:t>
+              <a:t>输出解析器</a:t>
             </a:r>
           </a:p>
         </p:txBody>
       </p:sp>
+      <p:pic>
+        <p:nvPicPr>
+          <p:cNvPr id="10" name="图片 9">
+            <a:extLst>
+              <a:ext uri="{FF2B5EF4-FFF2-40B4-BE49-F238E27FC236}">
+                <a16:creationId xmlns:a16="http://schemas.microsoft.com/office/drawing/2014/main" id="{54F4C675-3330-0A8B-F60C-6880D322A639}"/>
+              </a:ext>
+            </a:extLst>
+          </p:cNvPr>
+          <p:cNvPicPr>
+            <a:picLocks noChangeAspect="1"/>
+          </p:cNvPicPr>
+          <p:nvPr/>
+        </p:nvPicPr>
+        <p:blipFill>
+          <a:blip r:embed="rId3"/>
+          <a:stretch>
+            <a:fillRect/>
+          </a:stretch>
+        </p:blipFill>
+        <p:spPr>
+          <a:xfrm>
+            <a:off x="5651970" y="1127164"/>
+            <a:ext cx="5905654" cy="5029332"/>
+          </a:xfrm>
+          <a:prstGeom prst="rect">
+            <a:avLst/>
+          </a:prstGeom>
+        </p:spPr>
+      </p:pic>
+      <p:sp>
+        <p:nvSpPr>
+          <p:cNvPr id="4" name="文本框 3">
+            <a:extLst>
+              <a:ext uri="{FF2B5EF4-FFF2-40B4-BE49-F238E27FC236}">
+                <a16:creationId xmlns:a16="http://schemas.microsoft.com/office/drawing/2014/main" id="{834A2D63-D4CE-083F-96F8-DFDC3A22D380}"/>
+              </a:ext>
+            </a:extLst>
+          </p:cNvPr>
+          <p:cNvSpPr txBox="1"/>
+          <p:nvPr/>
+        </p:nvSpPr>
+        <p:spPr>
+          <a:xfrm>
+            <a:off x="1284077" y="3410997"/>
+            <a:ext cx="1907895" cy="461665"/>
+          </a:xfrm>
+          <a:prstGeom prst="rect">
+            <a:avLst/>
+          </a:prstGeom>
+          <a:noFill/>
+        </p:spPr>
+        <p:txBody>
+          <a:bodyPr wrap="none" rtlCol="0">
+            <a:spAutoFit/>
+          </a:bodyPr>
+          <a:lstStyle/>
+          <a:p>
+            <a:r>
+              <a:rPr lang="en-US" altLang="zh-CN" sz="2400" dirty="0">
+                <a:latin typeface="Times New Roman" panose="02020603050405020304" pitchFamily="18" charset="0"/>
+                <a:cs typeface="Times New Roman" panose="02020603050405020304" pitchFamily="18" charset="0"/>
+              </a:rPr>
+              <a:t>calculator(str)</a:t>
+            </a:r>
+            <a:endParaRPr lang="zh-CN" altLang="en-US" sz="2400" dirty="0">
+              <a:latin typeface="Times New Roman" panose="02020603050405020304" pitchFamily="18" charset="0"/>
+              <a:cs typeface="Times New Roman" panose="02020603050405020304" pitchFamily="18" charset="0"/>
+            </a:endParaRPr>
+          </a:p>
+        </p:txBody>
+      </p:sp>
+      <p:sp>
+        <p:nvSpPr>
+          <p:cNvPr id="5" name="文本框 4">
+            <a:extLst>
+              <a:ext uri="{FF2B5EF4-FFF2-40B4-BE49-F238E27FC236}">
+                <a16:creationId xmlns:a16="http://schemas.microsoft.com/office/drawing/2014/main" id="{1BBDCF85-A38E-0759-3FB7-D78ED3AEBCE2}"/>
+              </a:ext>
+            </a:extLst>
+          </p:cNvPr>
+          <p:cNvSpPr txBox="1"/>
+          <p:nvPr/>
+        </p:nvSpPr>
+        <p:spPr>
+          <a:xfrm>
+            <a:off x="3042622" y="4456652"/>
+            <a:ext cx="1313180" cy="461665"/>
+          </a:xfrm>
+          <a:prstGeom prst="rect">
+            <a:avLst/>
+          </a:prstGeom>
+          <a:noFill/>
+        </p:spPr>
+        <p:txBody>
+          <a:bodyPr wrap="none" rtlCol="0">
+            <a:spAutoFit/>
+          </a:bodyPr>
+          <a:lstStyle/>
+          <a:p>
+            <a:r>
+              <a:rPr lang="en-US" altLang="zh-CN" sz="2400" dirty="0" err="1">
+                <a:latin typeface="Times New Roman" panose="02020603050405020304" pitchFamily="18" charset="0"/>
+                <a:cs typeface="Times New Roman" panose="02020603050405020304" pitchFamily="18" charset="0"/>
+              </a:rPr>
+              <a:t>json</a:t>
+            </a:r>
+            <a:r>
+              <a:rPr lang="zh-CN" altLang="en-US" sz="2400" dirty="0">
+                <a:latin typeface="Times New Roman" panose="02020603050405020304" pitchFamily="18" charset="0"/>
+                <a:cs typeface="Times New Roman" panose="02020603050405020304" pitchFamily="18" charset="0"/>
+              </a:rPr>
+              <a:t>解析</a:t>
+            </a:r>
+          </a:p>
+        </p:txBody>
+      </p:sp>
+      <p:cxnSp>
+        <p:nvCxnSpPr>
+          <p:cNvPr id="7" name="直接箭头连接符 6">
+            <a:extLst>
+              <a:ext uri="{FF2B5EF4-FFF2-40B4-BE49-F238E27FC236}">
+                <a16:creationId xmlns:a16="http://schemas.microsoft.com/office/drawing/2014/main" id="{BB0C46FF-7E0F-BD9E-D632-D305A477ADE5}"/>
+              </a:ext>
+            </a:extLst>
+          </p:cNvPr>
+          <p:cNvCxnSpPr/>
+          <p:nvPr/>
+        </p:nvCxnSpPr>
+        <p:spPr>
+          <a:xfrm>
+            <a:off x="1751610" y="1746770"/>
+            <a:ext cx="3770416" cy="729235"/>
+          </a:xfrm>
+          <a:prstGeom prst="straightConnector1">
+            <a:avLst/>
+          </a:prstGeom>
+          <a:ln w="22225">
+            <a:solidFill>
+              <a:srgbClr val="00B0F0"/>
+            </a:solidFill>
+            <a:prstDash val="sysDash"/>
+            <a:tailEnd type="triangle"/>
+          </a:ln>
+        </p:spPr>
+        <p:style>
+          <a:lnRef idx="1">
+            <a:schemeClr val="accent1"/>
+          </a:lnRef>
+          <a:fillRef idx="0">
+            <a:schemeClr val="accent1"/>
+          </a:fillRef>
+          <a:effectRef idx="0">
+            <a:schemeClr val="accent1"/>
+          </a:effectRef>
+          <a:fontRef idx="minor">
+            <a:schemeClr val="tx1"/>
+          </a:fontRef>
+        </p:style>
+      </p:cxnSp>
+      <p:sp>
+        <p:nvSpPr>
+          <p:cNvPr id="8" name="矩形 7">
+            <a:extLst>
+              <a:ext uri="{FF2B5EF4-FFF2-40B4-BE49-F238E27FC236}">
+                <a16:creationId xmlns:a16="http://schemas.microsoft.com/office/drawing/2014/main" id="{4B373366-AFAD-25A0-5C23-4D1049AE9D56}"/>
+              </a:ext>
+            </a:extLst>
+          </p:cNvPr>
+          <p:cNvSpPr/>
+          <p:nvPr/>
+        </p:nvSpPr>
+        <p:spPr>
+          <a:xfrm>
+            <a:off x="5592978" y="1423220"/>
+            <a:ext cx="5792778" cy="1987778"/>
+          </a:xfrm>
+          <a:prstGeom prst="rect">
+            <a:avLst/>
+          </a:prstGeom>
+          <a:noFill/>
+          <a:ln>
+            <a:solidFill>
+              <a:srgbClr val="00B0F0"/>
+            </a:solidFill>
+            <a:prstDash val="sysDash"/>
+          </a:ln>
+        </p:spPr>
+        <p:style>
+          <a:lnRef idx="2">
+            <a:schemeClr val="accent1">
+              <a:shade val="15000"/>
+            </a:schemeClr>
+          </a:lnRef>
+          <a:fillRef idx="1">
+            <a:schemeClr val="accent1"/>
+          </a:fillRef>
+          <a:effectRef idx="0">
+            <a:schemeClr val="accent1"/>
+          </a:effectRef>
+          <a:fontRef idx="minor">
+            <a:schemeClr val="lt1"/>
+          </a:fontRef>
+        </p:style>
+        <p:txBody>
+          <a:bodyPr rtlCol="0" anchor="ctr"/>
+          <a:lstStyle/>
+          <a:p>
+            <a:pPr algn="ctr"/>
+            <a:endParaRPr lang="zh-CN" altLang="en-US"/>
+          </a:p>
+        </p:txBody>
+      </p:sp>
+      <p:cxnSp>
+        <p:nvCxnSpPr>
+          <p:cNvPr id="9" name="直接箭头连接符 8">
+            <a:extLst>
+              <a:ext uri="{FF2B5EF4-FFF2-40B4-BE49-F238E27FC236}">
+                <a16:creationId xmlns:a16="http://schemas.microsoft.com/office/drawing/2014/main" id="{1B9C4E36-55A2-74D1-F26A-BA60D9BCAAE8}"/>
+              </a:ext>
+            </a:extLst>
+          </p:cNvPr>
+          <p:cNvCxnSpPr>
+            <a:cxnSpLocks/>
+            <a:endCxn id="4" idx="0"/>
+          </p:cNvCxnSpPr>
+          <p:nvPr/>
+        </p:nvCxnSpPr>
+        <p:spPr>
+          <a:xfrm flipH="1">
+            <a:off x="2238025" y="1746770"/>
+            <a:ext cx="424059" cy="1664227"/>
+          </a:xfrm>
+          <a:prstGeom prst="straightConnector1">
+            <a:avLst/>
+          </a:prstGeom>
+          <a:ln w="22225">
+            <a:solidFill>
+              <a:srgbClr val="00B0F0"/>
+            </a:solidFill>
+            <a:prstDash val="sysDash"/>
+            <a:tailEnd type="triangle"/>
+          </a:ln>
+        </p:spPr>
+        <p:style>
+          <a:lnRef idx="1">
+            <a:schemeClr val="accent1"/>
+          </a:lnRef>
+          <a:fillRef idx="0">
+            <a:schemeClr val="accent1"/>
+          </a:fillRef>
+          <a:effectRef idx="0">
+            <a:schemeClr val="accent1"/>
+          </a:effectRef>
+          <a:fontRef idx="minor">
+            <a:schemeClr val="tx1"/>
+          </a:fontRef>
+        </p:style>
+      </p:cxnSp>
+      <p:cxnSp>
+        <p:nvCxnSpPr>
+          <p:cNvPr id="13" name="直接箭头连接符 12">
+            <a:extLst>
+              <a:ext uri="{FF2B5EF4-FFF2-40B4-BE49-F238E27FC236}">
+                <a16:creationId xmlns:a16="http://schemas.microsoft.com/office/drawing/2014/main" id="{DFAE7869-3F28-10AB-1474-397C5ACA62A8}"/>
+              </a:ext>
+            </a:extLst>
+          </p:cNvPr>
+          <p:cNvCxnSpPr>
+            <a:cxnSpLocks/>
+            <a:endCxn id="5" idx="0"/>
+          </p:cNvCxnSpPr>
+          <p:nvPr/>
+        </p:nvCxnSpPr>
+        <p:spPr>
+          <a:xfrm flipH="1">
+            <a:off x="3699212" y="1746770"/>
+            <a:ext cx="548391" cy="2709882"/>
+          </a:xfrm>
+          <a:prstGeom prst="straightConnector1">
+            <a:avLst/>
+          </a:prstGeom>
+          <a:ln w="22225">
+            <a:solidFill>
+              <a:srgbClr val="00B0F0"/>
+            </a:solidFill>
+            <a:prstDash val="sysDash"/>
+            <a:tailEnd type="triangle"/>
+          </a:ln>
+        </p:spPr>
+        <p:style>
+          <a:lnRef idx="1">
+            <a:schemeClr val="accent1"/>
+          </a:lnRef>
+          <a:fillRef idx="0">
+            <a:schemeClr val="accent1"/>
+          </a:fillRef>
+          <a:effectRef idx="0">
+            <a:schemeClr val="accent1"/>
+          </a:effectRef>
+          <a:fontRef idx="minor">
+            <a:schemeClr val="tx1"/>
+          </a:fontRef>
+        </p:style>
+      </p:cxnSp>
     </p:spTree>
     <p:extLst>
       <p:ext uri="{BB962C8B-B14F-4D97-AF65-F5344CB8AC3E}">
-        <p14:creationId xmlns:p14="http://schemas.microsoft.com/office/powerpoint/2010/main" val="4101075103"/>
+        <p14:creationId xmlns:p14="http://schemas.microsoft.com/office/powerpoint/2010/main" val="598891368"/>
       </p:ext>
     </p:extLst>
   </p:cSld>
@@ -38095,9 +42104,6 @@
                     <p:cTn id="3" fill="hold">
                       <p:stCondLst>
                         <p:cond delay="indefinite"/>
-                        <p:cond evt="onBegin" delay="0">
-                          <p:tn val="2"/>
-                        </p:cond>
                       </p:stCondLst>
                       <p:childTnLst>
                         <p:par>
@@ -38107,7 +42113,7 @@
                             </p:stCondLst>
                             <p:childTnLst>
                               <p:par>
-                                <p:cTn id="5" presetID="22" presetClass="entr" presetSubtype="8" fill="hold" grpId="0" nodeType="afterEffect">
+                                <p:cTn id="5" presetID="22" presetClass="entr" presetSubtype="8" fill="hold" grpId="0" nodeType="clickEffect">
                                   <p:stCondLst>
                                     <p:cond delay="0"/>
                                   </p:stCondLst>
@@ -38147,6 +42153,396 @@
                       </p:childTnLst>
                     </p:cTn>
                   </p:par>
+                  <p:par>
+                    <p:cTn id="8" fill="hold">
+                      <p:stCondLst>
+                        <p:cond delay="indefinite"/>
+                      </p:stCondLst>
+                      <p:childTnLst>
+                        <p:par>
+                          <p:cTn id="9" fill="hold">
+                            <p:stCondLst>
+                              <p:cond delay="0"/>
+                            </p:stCondLst>
+                            <p:childTnLst>
+                              <p:par>
+                                <p:cTn id="10" presetID="42" presetClass="entr" presetSubtype="0" fill="hold" nodeType="clickEffect">
+                                  <p:stCondLst>
+                                    <p:cond delay="0"/>
+                                  </p:stCondLst>
+                                  <p:childTnLst>
+                                    <p:set>
+                                      <p:cBhvr>
+                                        <p:cTn id="11" dur="1" fill="hold">
+                                          <p:stCondLst>
+                                            <p:cond delay="0"/>
+                                          </p:stCondLst>
+                                        </p:cTn>
+                                        <p:tgtEl>
+                                          <p:spTgt spid="10"/>
+                                        </p:tgtEl>
+                                        <p:attrNameLst>
+                                          <p:attrName>style.visibility</p:attrName>
+                                        </p:attrNameLst>
+                                      </p:cBhvr>
+                                      <p:to>
+                                        <p:strVal val="visible"/>
+                                      </p:to>
+                                    </p:set>
+                                    <p:animEffect transition="in" filter="fade">
+                                      <p:cBhvr>
+                                        <p:cTn id="12" dur="1000"/>
+                                        <p:tgtEl>
+                                          <p:spTgt spid="10"/>
+                                        </p:tgtEl>
+                                      </p:cBhvr>
+                                    </p:animEffect>
+                                    <p:anim calcmode="lin" valueType="num">
+                                      <p:cBhvr>
+                                        <p:cTn id="13" dur="1000" fill="hold"/>
+                                        <p:tgtEl>
+                                          <p:spTgt spid="10"/>
+                                        </p:tgtEl>
+                                        <p:attrNameLst>
+                                          <p:attrName>ppt_x</p:attrName>
+                                        </p:attrNameLst>
+                                      </p:cBhvr>
+                                      <p:tavLst>
+                                        <p:tav tm="0">
+                                          <p:val>
+                                            <p:strVal val="#ppt_x"/>
+                                          </p:val>
+                                        </p:tav>
+                                        <p:tav tm="100000">
+                                          <p:val>
+                                            <p:strVal val="#ppt_x"/>
+                                          </p:val>
+                                        </p:tav>
+                                      </p:tavLst>
+                                    </p:anim>
+                                    <p:anim calcmode="lin" valueType="num">
+                                      <p:cBhvr>
+                                        <p:cTn id="14" dur="1000" fill="hold"/>
+                                        <p:tgtEl>
+                                          <p:spTgt spid="10"/>
+                                        </p:tgtEl>
+                                        <p:attrNameLst>
+                                          <p:attrName>ppt_y</p:attrName>
+                                        </p:attrNameLst>
+                                      </p:cBhvr>
+                                      <p:tavLst>
+                                        <p:tav tm="0">
+                                          <p:val>
+                                            <p:strVal val="#ppt_y+.1"/>
+                                          </p:val>
+                                        </p:tav>
+                                        <p:tav tm="100000">
+                                          <p:val>
+                                            <p:strVal val="#ppt_y"/>
+                                          </p:val>
+                                        </p:tav>
+                                      </p:tavLst>
+                                    </p:anim>
+                                  </p:childTnLst>
+                                </p:cTn>
+                              </p:par>
+                            </p:childTnLst>
+                          </p:cTn>
+                        </p:par>
+                      </p:childTnLst>
+                    </p:cTn>
+                  </p:par>
+                  <p:par>
+                    <p:cTn id="15" fill="hold">
+                      <p:stCondLst>
+                        <p:cond delay="indefinite"/>
+                      </p:stCondLst>
+                      <p:childTnLst>
+                        <p:par>
+                          <p:cTn id="16" fill="hold">
+                            <p:stCondLst>
+                              <p:cond delay="0"/>
+                            </p:stCondLst>
+                            <p:childTnLst>
+                              <p:par>
+                                <p:cTn id="17" presetID="22" presetClass="entr" presetSubtype="8" fill="hold" nodeType="clickEffect">
+                                  <p:stCondLst>
+                                    <p:cond delay="0"/>
+                                  </p:stCondLst>
+                                  <p:childTnLst>
+                                    <p:set>
+                                      <p:cBhvr>
+                                        <p:cTn id="18" dur="1" fill="hold">
+                                          <p:stCondLst>
+                                            <p:cond delay="0"/>
+                                          </p:stCondLst>
+                                        </p:cTn>
+                                        <p:tgtEl>
+                                          <p:spTgt spid="7"/>
+                                        </p:tgtEl>
+                                        <p:attrNameLst>
+                                          <p:attrName>style.visibility</p:attrName>
+                                        </p:attrNameLst>
+                                      </p:cBhvr>
+                                      <p:to>
+                                        <p:strVal val="visible"/>
+                                      </p:to>
+                                    </p:set>
+                                    <p:animEffect transition="in" filter="wipe(left)">
+                                      <p:cBhvr>
+                                        <p:cTn id="19" dur="500"/>
+                                        <p:tgtEl>
+                                          <p:spTgt spid="7"/>
+                                        </p:tgtEl>
+                                      </p:cBhvr>
+                                    </p:animEffect>
+                                  </p:childTnLst>
+                                </p:cTn>
+                              </p:par>
+                            </p:childTnLst>
+                          </p:cTn>
+                        </p:par>
+                        <p:par>
+                          <p:cTn id="20" fill="hold">
+                            <p:stCondLst>
+                              <p:cond delay="500"/>
+                            </p:stCondLst>
+                            <p:childTnLst>
+                              <p:par>
+                                <p:cTn id="21" presetID="16" presetClass="entr" presetSubtype="21" fill="hold" grpId="0" nodeType="afterEffect">
+                                  <p:stCondLst>
+                                    <p:cond delay="0"/>
+                                  </p:stCondLst>
+                                  <p:childTnLst>
+                                    <p:set>
+                                      <p:cBhvr>
+                                        <p:cTn id="22" dur="1" fill="hold">
+                                          <p:stCondLst>
+                                            <p:cond delay="0"/>
+                                          </p:stCondLst>
+                                        </p:cTn>
+                                        <p:tgtEl>
+                                          <p:spTgt spid="8"/>
+                                        </p:tgtEl>
+                                        <p:attrNameLst>
+                                          <p:attrName>style.visibility</p:attrName>
+                                        </p:attrNameLst>
+                                      </p:cBhvr>
+                                      <p:to>
+                                        <p:strVal val="visible"/>
+                                      </p:to>
+                                    </p:set>
+                                    <p:animEffect transition="in" filter="barn(inVertical)">
+                                      <p:cBhvr>
+                                        <p:cTn id="23" dur="500"/>
+                                        <p:tgtEl>
+                                          <p:spTgt spid="8"/>
+                                        </p:tgtEl>
+                                      </p:cBhvr>
+                                    </p:animEffect>
+                                  </p:childTnLst>
+                                </p:cTn>
+                              </p:par>
+                            </p:childTnLst>
+                          </p:cTn>
+                        </p:par>
+                      </p:childTnLst>
+                    </p:cTn>
+                  </p:par>
+                  <p:par>
+                    <p:cTn id="24" fill="hold">
+                      <p:stCondLst>
+                        <p:cond delay="indefinite"/>
+                      </p:stCondLst>
+                      <p:childTnLst>
+                        <p:par>
+                          <p:cTn id="25" fill="hold">
+                            <p:stCondLst>
+                              <p:cond delay="0"/>
+                            </p:stCondLst>
+                            <p:childTnLst>
+                              <p:par>
+                                <p:cTn id="26" presetID="22" presetClass="entr" presetSubtype="1" fill="hold" nodeType="clickEffect">
+                                  <p:stCondLst>
+                                    <p:cond delay="0"/>
+                                  </p:stCondLst>
+                                  <p:childTnLst>
+                                    <p:set>
+                                      <p:cBhvr>
+                                        <p:cTn id="27" dur="1" fill="hold">
+                                          <p:stCondLst>
+                                            <p:cond delay="0"/>
+                                          </p:stCondLst>
+                                        </p:cTn>
+                                        <p:tgtEl>
+                                          <p:spTgt spid="9"/>
+                                        </p:tgtEl>
+                                        <p:attrNameLst>
+                                          <p:attrName>style.visibility</p:attrName>
+                                        </p:attrNameLst>
+                                      </p:cBhvr>
+                                      <p:to>
+                                        <p:strVal val="visible"/>
+                                      </p:to>
+                                    </p:set>
+                                    <p:animEffect transition="in" filter="wipe(up)">
+                                      <p:cBhvr>
+                                        <p:cTn id="28" dur="500"/>
+                                        <p:tgtEl>
+                                          <p:spTgt spid="9"/>
+                                        </p:tgtEl>
+                                      </p:cBhvr>
+                                    </p:animEffect>
+                                  </p:childTnLst>
+                                </p:cTn>
+                              </p:par>
+                            </p:childTnLst>
+                          </p:cTn>
+                        </p:par>
+                        <p:par>
+                          <p:cTn id="29" fill="hold">
+                            <p:stCondLst>
+                              <p:cond delay="500"/>
+                            </p:stCondLst>
+                            <p:childTnLst>
+                              <p:par>
+                                <p:cTn id="30" presetID="10" presetClass="entr" presetSubtype="0" fill="hold" grpId="0" nodeType="afterEffect">
+                                  <p:stCondLst>
+                                    <p:cond delay="0"/>
+                                  </p:stCondLst>
+                                  <p:childTnLst>
+                                    <p:set>
+                                      <p:cBhvr>
+                                        <p:cTn id="31" dur="1" fill="hold">
+                                          <p:stCondLst>
+                                            <p:cond delay="0"/>
+                                          </p:stCondLst>
+                                        </p:cTn>
+                                        <p:tgtEl>
+                                          <p:spTgt spid="4"/>
+                                        </p:tgtEl>
+                                        <p:attrNameLst>
+                                          <p:attrName>style.visibility</p:attrName>
+                                        </p:attrNameLst>
+                                      </p:cBhvr>
+                                      <p:to>
+                                        <p:strVal val="visible"/>
+                                      </p:to>
+                                    </p:set>
+                                    <p:animEffect transition="in" filter="fade">
+                                      <p:cBhvr>
+                                        <p:cTn id="32" dur="500"/>
+                                        <p:tgtEl>
+                                          <p:spTgt spid="4"/>
+                                        </p:tgtEl>
+                                      </p:cBhvr>
+                                    </p:animEffect>
+                                  </p:childTnLst>
+                                </p:cTn>
+                              </p:par>
+                            </p:childTnLst>
+                          </p:cTn>
+                        </p:par>
+                      </p:childTnLst>
+                    </p:cTn>
+                  </p:par>
+                  <p:par>
+                    <p:cTn id="33" fill="hold">
+                      <p:stCondLst>
+                        <p:cond delay="indefinite"/>
+                      </p:stCondLst>
+                      <p:childTnLst>
+                        <p:par>
+                          <p:cTn id="34" fill="hold">
+                            <p:stCondLst>
+                              <p:cond delay="0"/>
+                            </p:stCondLst>
+                            <p:childTnLst>
+                              <p:par>
+                                <p:cTn id="35" presetID="22" presetClass="entr" presetSubtype="1" fill="hold" nodeType="clickEffect">
+                                  <p:stCondLst>
+                                    <p:cond delay="0"/>
+                                  </p:stCondLst>
+                                  <p:childTnLst>
+                                    <p:set>
+                                      <p:cBhvr>
+                                        <p:cTn id="36" dur="1" fill="hold">
+                                          <p:stCondLst>
+                                            <p:cond delay="0"/>
+                                          </p:stCondLst>
+                                        </p:cTn>
+                                        <p:tgtEl>
+                                          <p:spTgt spid="13"/>
+                                        </p:tgtEl>
+                                        <p:attrNameLst>
+                                          <p:attrName>style.visibility</p:attrName>
+                                        </p:attrNameLst>
+                                      </p:cBhvr>
+                                      <p:to>
+                                        <p:strVal val="visible"/>
+                                      </p:to>
+                                    </p:set>
+                                    <p:animEffect transition="in" filter="wipe(up)">
+                                      <p:cBhvr>
+                                        <p:cTn id="37" dur="500"/>
+                                        <p:tgtEl>
+                                          <p:spTgt spid="13"/>
+                                        </p:tgtEl>
+                                      </p:cBhvr>
+                                    </p:animEffect>
+                                  </p:childTnLst>
+                                </p:cTn>
+                              </p:par>
+                            </p:childTnLst>
+                          </p:cTn>
+                        </p:par>
+                        <p:par>
+                          <p:cTn id="38" fill="hold">
+                            <p:stCondLst>
+                              <p:cond delay="500"/>
+                            </p:stCondLst>
+                            <p:childTnLst>
+                              <p:par>
+                                <p:cTn id="39" presetID="10" presetClass="entr" presetSubtype="0" fill="hold" grpId="0" nodeType="afterEffect">
+                                  <p:stCondLst>
+                                    <p:cond delay="0"/>
+                                  </p:stCondLst>
+                                  <p:childTnLst>
+                                    <p:set>
+                                      <p:cBhvr>
+                                        <p:cTn id="40" dur="1" fill="hold">
+                                          <p:stCondLst>
+                                            <p:cond delay="0"/>
+                                          </p:stCondLst>
+                                        </p:cTn>
+                                        <p:tgtEl>
+                                          <p:spTgt spid="5"/>
+                                        </p:tgtEl>
+                                        <p:attrNameLst>
+                                          <p:attrName>style.visibility</p:attrName>
+                                        </p:attrNameLst>
+                                      </p:cBhvr>
+                                      <p:to>
+                                        <p:strVal val="visible"/>
+                                      </p:to>
+                                    </p:set>
+                                    <p:animEffect transition="in" filter="fade">
+                                      <p:cBhvr>
+                                        <p:cTn id="41" dur="500"/>
+                                        <p:tgtEl>
+                                          <p:spTgt spid="5"/>
+                                        </p:tgtEl>
+                                      </p:cBhvr>
+                                    </p:animEffect>
+                                  </p:childTnLst>
+                                </p:cTn>
+                              </p:par>
+                            </p:childTnLst>
+                          </p:cTn>
+                        </p:par>
+                      </p:childTnLst>
+                    </p:cTn>
+                  </p:par>
                 </p:childTnLst>
               </p:cTn>
               <p:prevCondLst>
@@ -38170,6 +42566,9 @@
     </p:tnLst>
     <p:bldLst>
       <p:bldP spid="3" grpId="0"/>
+      <p:bldP spid="4" grpId="0"/>
+      <p:bldP spid="5" grpId="0"/>
+      <p:bldP spid="8" grpId="0" animBg="1"/>
     </p:bldLst>
   </p:timing>
 </p:sld>
@@ -38215,9 +42614,10 @@
           </a:bodyPr>
           <a:lstStyle/>
           <a:p>
+            <a:pPr lvl="0"/>
             <a:r>
               <a:rPr lang="zh-CN" altLang="en-US" dirty="0"/>
-              <a:t>二、如何与现实交互？</a:t>
+              <a:t>三、如何完成复杂任务？</a:t>
             </a:r>
           </a:p>
         </p:txBody>
@@ -38236,8 +42636,8 @@
         </p:nvSpPr>
         <p:spPr>
           <a:xfrm>
-            <a:off x="770448" y="1285105"/>
-            <a:ext cx="4493538" cy="461665"/>
+            <a:off x="711454" y="1196615"/>
+            <a:ext cx="1316386" cy="461665"/>
           </a:xfrm>
           <a:prstGeom prst="rect">
             <a:avLst/>
@@ -38250,50 +42650,32 @@
           </a:bodyPr>
           <a:lstStyle/>
           <a:p>
-            <a:r>
-              <a:rPr lang="zh-CN" altLang="en-US" sz="2400" dirty="0">
-                <a:latin typeface="黑体" panose="02010609060101010101" pitchFamily="49" charset="-122"/>
+            <a:pPr marL="342900" indent="-342900">
+              <a:buFont typeface="Wingdings" panose="05000000000000000000" pitchFamily="2" charset="2"/>
+              <a:buChar char="Ø"/>
+            </a:pPr>
+            <a:r>
+              <a:rPr lang="en-US" altLang="zh-CN" sz="2400" dirty="0" err="1">
+                <a:latin typeface="Times New Roman" panose="02020603050405020304" pitchFamily="18" charset="0"/>
                 <a:ea typeface="黑体" panose="02010609060101010101" pitchFamily="49" charset="-122"/>
-              </a:rPr>
-              <a:t>提示工程</a:t>
-            </a:r>
-            <a:r>
-              <a:rPr lang="en-US" altLang="zh-CN" sz="2400" dirty="0">
-                <a:latin typeface="黑体" panose="02010609060101010101" pitchFamily="49" charset="-122"/>
-                <a:ea typeface="黑体" panose="02010609060101010101" pitchFamily="49" charset="-122"/>
-              </a:rPr>
-              <a:t>+</a:t>
-            </a:r>
-            <a:r>
-              <a:rPr lang="zh-CN" altLang="en-US" sz="2400" dirty="0">
-                <a:latin typeface="黑体" panose="02010609060101010101" pitchFamily="49" charset="-122"/>
-                <a:ea typeface="黑体" panose="02010609060101010101" pitchFamily="49" charset="-122"/>
-              </a:rPr>
-              <a:t>外部工具</a:t>
-            </a:r>
-            <a:r>
-              <a:rPr lang="en-US" altLang="zh-CN" sz="2400" dirty="0">
-                <a:latin typeface="黑体" panose="02010609060101010101" pitchFamily="49" charset="-122"/>
-                <a:ea typeface="黑体" panose="02010609060101010101" pitchFamily="49" charset="-122"/>
-              </a:rPr>
-              <a:t>+</a:t>
-            </a:r>
-            <a:r>
-              <a:rPr lang="zh-CN" altLang="en-US" sz="2400" dirty="0">
-                <a:latin typeface="黑体" panose="02010609060101010101" pitchFamily="49" charset="-122"/>
-                <a:ea typeface="黑体" panose="02010609060101010101" pitchFamily="49" charset="-122"/>
-              </a:rPr>
-              <a:t>输出解析器</a:t>
-            </a:r>
+                <a:cs typeface="Times New Roman" panose="02020603050405020304" pitchFamily="18" charset="0"/>
+              </a:rPr>
+              <a:t>ReAct</a:t>
+            </a:r>
+            <a:endParaRPr lang="zh-CN" altLang="en-US" sz="2400" dirty="0">
+              <a:latin typeface="Times New Roman" panose="02020603050405020304" pitchFamily="18" charset="0"/>
+              <a:ea typeface="黑体" panose="02010609060101010101" pitchFamily="49" charset="-122"/>
+              <a:cs typeface="Times New Roman" panose="02020603050405020304" pitchFamily="18" charset="0"/>
+            </a:endParaRPr>
           </a:p>
         </p:txBody>
       </p:sp>
       <p:pic>
         <p:nvPicPr>
-          <p:cNvPr id="10" name="图片 9">
+          <p:cNvPr id="8" name="图片 7">
             <a:extLst>
               <a:ext uri="{FF2B5EF4-FFF2-40B4-BE49-F238E27FC236}">
-                <a16:creationId xmlns:a16="http://schemas.microsoft.com/office/drawing/2014/main" id="{54F4C675-3330-0A8B-F60C-6880D322A639}"/>
+                <a16:creationId xmlns:a16="http://schemas.microsoft.com/office/drawing/2014/main" id="{B2657D13-3E93-9C5F-03E8-A1E3FBE6AAA9}"/>
               </a:ext>
             </a:extLst>
           </p:cNvPr>
@@ -38303,14 +42685,14 @@
           <p:nvPr/>
         </p:nvPicPr>
         <p:blipFill>
-          <a:blip r:embed="rId2"/>
+          <a:blip r:embed="rId3"/>
           <a:stretch>
             <a:fillRect/>
           </a:stretch>
         </p:blipFill>
         <p:spPr>
           <a:xfrm>
-            <a:off x="5651970" y="1127164"/>
+            <a:off x="5304481" y="1285105"/>
             <a:ext cx="5905654" cy="5029332"/>
           </a:xfrm>
           <a:prstGeom prst="rect">
@@ -38318,10 +42700,137 @@
           </a:prstGeom>
         </p:spPr>
       </p:pic>
+      <p:graphicFrame>
+        <p:nvGraphicFramePr>
+          <p:cNvPr id="6" name="图示 5">
+            <a:extLst>
+              <a:ext uri="{FF2B5EF4-FFF2-40B4-BE49-F238E27FC236}">
+                <a16:creationId xmlns:a16="http://schemas.microsoft.com/office/drawing/2014/main" id="{AD67FE1C-F4FD-E2DC-91EE-4667D3051B99}"/>
+              </a:ext>
+            </a:extLst>
+          </p:cNvPr>
+          <p:cNvGraphicFramePr/>
+          <p:nvPr>
+            <p:extLst>
+              <p:ext uri="{D42A27DB-BD31-4B8C-83A1-F6EECF244321}">
+                <p14:modId xmlns:p14="http://schemas.microsoft.com/office/powerpoint/2010/main" val="2442539952"/>
+              </p:ext>
+            </p:extLst>
+          </p:nvPr>
+        </p:nvGraphicFramePr>
+        <p:xfrm>
+          <a:off x="1190777" y="2386809"/>
+          <a:ext cx="3193142" cy="2546048"/>
+        </p:xfrm>
+        <a:graphic>
+          <a:graphicData uri="http://schemas.openxmlformats.org/drawingml/2006/diagram">
+            <dgm:relIds xmlns:dgm="http://schemas.openxmlformats.org/drawingml/2006/diagram" xmlns:r="http://schemas.openxmlformats.org/officeDocument/2006/relationships" r:dm="rId4" r:lo="rId5" r:qs="rId6" r:cs="rId7"/>
+          </a:graphicData>
+        </a:graphic>
+      </p:graphicFrame>
+      <p:cxnSp>
+        <p:nvCxnSpPr>
+          <p:cNvPr id="7" name="直接箭头连接符 6">
+            <a:extLst>
+              <a:ext uri="{FF2B5EF4-FFF2-40B4-BE49-F238E27FC236}">
+                <a16:creationId xmlns:a16="http://schemas.microsoft.com/office/drawing/2014/main" id="{1FCA3F1F-7644-610F-0B87-89A6E719370A}"/>
+              </a:ext>
+            </a:extLst>
+          </p:cNvPr>
+          <p:cNvCxnSpPr>
+            <a:cxnSpLocks/>
+            <a:stCxn id="3" idx="3"/>
+          </p:cNvCxnSpPr>
+          <p:nvPr/>
+        </p:nvCxnSpPr>
+        <p:spPr>
+          <a:xfrm>
+            <a:off x="2027840" y="1427448"/>
+            <a:ext cx="3001360" cy="1913062"/>
+          </a:xfrm>
+          <a:prstGeom prst="straightConnector1">
+            <a:avLst/>
+          </a:prstGeom>
+          <a:ln w="22225">
+            <a:solidFill>
+              <a:schemeClr val="accent2"/>
+            </a:solidFill>
+            <a:prstDash val="sysDash"/>
+            <a:tailEnd type="triangle"/>
+          </a:ln>
+        </p:spPr>
+        <p:style>
+          <a:lnRef idx="1">
+            <a:schemeClr val="accent1"/>
+          </a:lnRef>
+          <a:fillRef idx="0">
+            <a:schemeClr val="accent1"/>
+          </a:fillRef>
+          <a:effectRef idx="0">
+            <a:schemeClr val="accent1"/>
+          </a:effectRef>
+          <a:fontRef idx="minor">
+            <a:schemeClr val="tx1"/>
+          </a:fontRef>
+        </p:style>
+      </p:cxnSp>
+      <p:sp>
+        <p:nvSpPr>
+          <p:cNvPr id="9" name="矩形 8">
+            <a:extLst>
+              <a:ext uri="{FF2B5EF4-FFF2-40B4-BE49-F238E27FC236}">
+                <a16:creationId xmlns:a16="http://schemas.microsoft.com/office/drawing/2014/main" id="{C87FF818-5261-31A2-3665-CED546E7D2E6}"/>
+              </a:ext>
+            </a:extLst>
+          </p:cNvPr>
+          <p:cNvSpPr/>
+          <p:nvPr/>
+        </p:nvSpPr>
+        <p:spPr>
+          <a:xfrm>
+            <a:off x="5208445" y="3429000"/>
+            <a:ext cx="5792778" cy="1987778"/>
+          </a:xfrm>
+          <a:prstGeom prst="rect">
+            <a:avLst/>
+          </a:prstGeom>
+          <a:noFill/>
+          <a:ln>
+            <a:solidFill>
+              <a:schemeClr val="accent2"/>
+            </a:solidFill>
+            <a:prstDash val="sysDash"/>
+          </a:ln>
+        </p:spPr>
+        <p:style>
+          <a:lnRef idx="2">
+            <a:schemeClr val="accent1">
+              <a:shade val="15000"/>
+            </a:schemeClr>
+          </a:lnRef>
+          <a:fillRef idx="1">
+            <a:schemeClr val="accent1"/>
+          </a:fillRef>
+          <a:effectRef idx="0">
+            <a:schemeClr val="accent1"/>
+          </a:effectRef>
+          <a:fontRef idx="minor">
+            <a:schemeClr val="lt1"/>
+          </a:fontRef>
+        </p:style>
+        <p:txBody>
+          <a:bodyPr rtlCol="0" anchor="ctr"/>
+          <a:lstStyle/>
+          <a:p>
+            <a:pPr algn="ctr"/>
+            <a:endParaRPr lang="zh-CN" altLang="en-US"/>
+          </a:p>
+        </p:txBody>
+      </p:sp>
     </p:spTree>
     <p:extLst>
       <p:ext uri="{BB962C8B-B14F-4D97-AF65-F5344CB8AC3E}">
-        <p14:creationId xmlns:p14="http://schemas.microsoft.com/office/powerpoint/2010/main" val="598891368"/>
+        <p14:creationId xmlns:p14="http://schemas.microsoft.com/office/powerpoint/2010/main" val="1414782572"/>
       </p:ext>
     </p:extLst>
   </p:cSld>
@@ -38340,9 +42849,6 @@
                     <p:cTn id="3" fill="hold">
                       <p:stCondLst>
                         <p:cond delay="indefinite"/>
-                        <p:cond evt="onBegin" delay="0">
-                          <p:tn val="2"/>
-                        </p:cond>
                       </p:stCondLst>
                       <p:childTnLst>
                         <p:par>
@@ -38352,7 +42858,7 @@
                             </p:stCondLst>
                             <p:childTnLst>
                               <p:par>
-                                <p:cTn id="5" presetID="22" presetClass="entr" presetSubtype="8" fill="hold" grpId="0" nodeType="afterEffect">
+                                <p:cTn id="5" presetID="22" presetClass="entr" presetSubtype="8" fill="hold" grpId="0" nodeType="clickEffect">
                                   <p:stCondLst>
                                     <p:cond delay="0"/>
                                   </p:stCondLst>
@@ -38392,6 +42898,255 @@
                       </p:childTnLst>
                     </p:cTn>
                   </p:par>
+                  <p:par>
+                    <p:cTn id="8" fill="hold">
+                      <p:stCondLst>
+                        <p:cond delay="indefinite"/>
+                      </p:stCondLst>
+                      <p:childTnLst>
+                        <p:par>
+                          <p:cTn id="9" fill="hold">
+                            <p:stCondLst>
+                              <p:cond delay="0"/>
+                            </p:stCondLst>
+                            <p:childTnLst>
+                              <p:par>
+                                <p:cTn id="10" presetID="10" presetClass="entr" presetSubtype="0" fill="hold" grpId="0" nodeType="clickEffect">
+                                  <p:stCondLst>
+                                    <p:cond delay="0"/>
+                                  </p:stCondLst>
+                                  <p:childTnLst>
+                                    <p:set>
+                                      <p:cBhvr>
+                                        <p:cTn id="11" dur="1" fill="hold">
+                                          <p:stCondLst>
+                                            <p:cond delay="0"/>
+                                          </p:stCondLst>
+                                        </p:cTn>
+                                        <p:tgtEl>
+                                          <p:spTgt spid="6"/>
+                                        </p:tgtEl>
+                                        <p:attrNameLst>
+                                          <p:attrName>style.visibility</p:attrName>
+                                        </p:attrNameLst>
+                                      </p:cBhvr>
+                                      <p:to>
+                                        <p:strVal val="visible"/>
+                                      </p:to>
+                                    </p:set>
+                                    <p:animEffect transition="in" filter="fade">
+                                      <p:cBhvr>
+                                        <p:cTn id="12" dur="500"/>
+                                        <p:tgtEl>
+                                          <p:spTgt spid="6"/>
+                                        </p:tgtEl>
+                                      </p:cBhvr>
+                                    </p:animEffect>
+                                  </p:childTnLst>
+                                </p:cTn>
+                              </p:par>
+                            </p:childTnLst>
+                          </p:cTn>
+                        </p:par>
+                      </p:childTnLst>
+                    </p:cTn>
+                  </p:par>
+                  <p:par>
+                    <p:cTn id="13" fill="hold">
+                      <p:stCondLst>
+                        <p:cond delay="indefinite"/>
+                      </p:stCondLst>
+                      <p:childTnLst>
+                        <p:par>
+                          <p:cTn id="14" fill="hold">
+                            <p:stCondLst>
+                              <p:cond delay="0"/>
+                            </p:stCondLst>
+                            <p:childTnLst>
+                              <p:par>
+                                <p:cTn id="15" presetID="42" presetClass="entr" presetSubtype="0" fill="hold" nodeType="clickEffect">
+                                  <p:stCondLst>
+                                    <p:cond delay="0"/>
+                                  </p:stCondLst>
+                                  <p:childTnLst>
+                                    <p:set>
+                                      <p:cBhvr>
+                                        <p:cTn id="16" dur="1" fill="hold">
+                                          <p:stCondLst>
+                                            <p:cond delay="0"/>
+                                          </p:stCondLst>
+                                        </p:cTn>
+                                        <p:tgtEl>
+                                          <p:spTgt spid="8"/>
+                                        </p:tgtEl>
+                                        <p:attrNameLst>
+                                          <p:attrName>style.visibility</p:attrName>
+                                        </p:attrNameLst>
+                                      </p:cBhvr>
+                                      <p:to>
+                                        <p:strVal val="visible"/>
+                                      </p:to>
+                                    </p:set>
+                                    <p:animEffect transition="in" filter="fade">
+                                      <p:cBhvr>
+                                        <p:cTn id="17" dur="1000"/>
+                                        <p:tgtEl>
+                                          <p:spTgt spid="8"/>
+                                        </p:tgtEl>
+                                      </p:cBhvr>
+                                    </p:animEffect>
+                                    <p:anim calcmode="lin" valueType="num">
+                                      <p:cBhvr>
+                                        <p:cTn id="18" dur="1000" fill="hold"/>
+                                        <p:tgtEl>
+                                          <p:spTgt spid="8"/>
+                                        </p:tgtEl>
+                                        <p:attrNameLst>
+                                          <p:attrName>ppt_x</p:attrName>
+                                        </p:attrNameLst>
+                                      </p:cBhvr>
+                                      <p:tavLst>
+                                        <p:tav tm="0">
+                                          <p:val>
+                                            <p:strVal val="#ppt_x"/>
+                                          </p:val>
+                                        </p:tav>
+                                        <p:tav tm="100000">
+                                          <p:val>
+                                            <p:strVal val="#ppt_x"/>
+                                          </p:val>
+                                        </p:tav>
+                                      </p:tavLst>
+                                    </p:anim>
+                                    <p:anim calcmode="lin" valueType="num">
+                                      <p:cBhvr>
+                                        <p:cTn id="19" dur="1000" fill="hold"/>
+                                        <p:tgtEl>
+                                          <p:spTgt spid="8"/>
+                                        </p:tgtEl>
+                                        <p:attrNameLst>
+                                          <p:attrName>ppt_y</p:attrName>
+                                        </p:attrNameLst>
+                                      </p:cBhvr>
+                                      <p:tavLst>
+                                        <p:tav tm="0">
+                                          <p:val>
+                                            <p:strVal val="#ppt_y+.1"/>
+                                          </p:val>
+                                        </p:tav>
+                                        <p:tav tm="100000">
+                                          <p:val>
+                                            <p:strVal val="#ppt_y"/>
+                                          </p:val>
+                                        </p:tav>
+                                      </p:tavLst>
+                                    </p:anim>
+                                  </p:childTnLst>
+                                </p:cTn>
+                              </p:par>
+                            </p:childTnLst>
+                          </p:cTn>
+                        </p:par>
+                      </p:childTnLst>
+                    </p:cTn>
+                  </p:par>
+                  <p:par>
+                    <p:cTn id="20" fill="hold">
+                      <p:stCondLst>
+                        <p:cond delay="indefinite"/>
+                      </p:stCondLst>
+                      <p:childTnLst>
+                        <p:par>
+                          <p:cTn id="21" fill="hold">
+                            <p:stCondLst>
+                              <p:cond delay="0"/>
+                            </p:stCondLst>
+                            <p:childTnLst>
+                              <p:par>
+                                <p:cTn id="22" presetID="22" presetClass="entr" presetSubtype="1" fill="hold" nodeType="clickEffect">
+                                  <p:stCondLst>
+                                    <p:cond delay="0"/>
+                                  </p:stCondLst>
+                                  <p:childTnLst>
+                                    <p:set>
+                                      <p:cBhvr>
+                                        <p:cTn id="23" dur="1" fill="hold">
+                                          <p:stCondLst>
+                                            <p:cond delay="0"/>
+                                          </p:stCondLst>
+                                        </p:cTn>
+                                        <p:tgtEl>
+                                          <p:spTgt spid="7"/>
+                                        </p:tgtEl>
+                                        <p:attrNameLst>
+                                          <p:attrName>style.visibility</p:attrName>
+                                        </p:attrNameLst>
+                                      </p:cBhvr>
+                                      <p:to>
+                                        <p:strVal val="visible"/>
+                                      </p:to>
+                                    </p:set>
+                                    <p:animEffect transition="in" filter="wipe(up)">
+                                      <p:cBhvr>
+                                        <p:cTn id="24" dur="500"/>
+                                        <p:tgtEl>
+                                          <p:spTgt spid="7"/>
+                                        </p:tgtEl>
+                                      </p:cBhvr>
+                                    </p:animEffect>
+                                  </p:childTnLst>
+                                </p:cTn>
+                              </p:par>
+                            </p:childTnLst>
+                          </p:cTn>
+                        </p:par>
+                        <p:par>
+                          <p:cTn id="25" fill="hold">
+                            <p:stCondLst>
+                              <p:cond delay="500"/>
+                            </p:stCondLst>
+                            <p:childTnLst>
+                              <p:par>
+                                <p:cTn id="26" presetID="16" presetClass="entr" presetSubtype="21" fill="hold" grpId="0" nodeType="afterEffect">
+                                  <p:stCondLst>
+                                    <p:cond delay="0"/>
+                                  </p:stCondLst>
+                                  <p:childTnLst>
+                                    <p:set>
+                                      <p:cBhvr>
+                                        <p:cTn id="27" dur="1" fill="hold">
+                                          <p:stCondLst>
+                                            <p:cond delay="0"/>
+                                          </p:stCondLst>
+                                        </p:cTn>
+                                        <p:tgtEl>
+                                          <p:spTgt spid="9"/>
+                                        </p:tgtEl>
+                                        <p:attrNameLst>
+                                          <p:attrName>style.visibility</p:attrName>
+                                        </p:attrNameLst>
+                                      </p:cBhvr>
+                                      <p:to>
+                                        <p:strVal val="visible"/>
+                                      </p:to>
+                                    </p:set>
+                                    <p:animEffect transition="in" filter="barn(inVertical)">
+                                      <p:cBhvr>
+                                        <p:cTn id="28" dur="500"/>
+                                        <p:tgtEl>
+                                          <p:spTgt spid="9"/>
+                                        </p:tgtEl>
+                                      </p:cBhvr>
+                                    </p:animEffect>
+                                  </p:childTnLst>
+                                </p:cTn>
+                              </p:par>
+                            </p:childTnLst>
+                          </p:cTn>
+                        </p:par>
+                      </p:childTnLst>
+                    </p:cTn>
+                  </p:par>
                 </p:childTnLst>
               </p:cTn>
               <p:prevCondLst>
@@ -38415,6 +43170,10 @@
     </p:tnLst>
     <p:bldLst>
       <p:bldP spid="3" grpId="0"/>
+      <p:bldGraphic spid="6" grpId="0">
+        <p:bldAsOne/>
+      </p:bldGraphic>
+      <p:bldP spid="9" grpId="0" animBg="1"/>
     </p:bldLst>
   </p:timing>
 </p:sld>
@@ -38463,17 +43222,17 @@
             <a:pPr lvl="0"/>
             <a:r>
               <a:rPr lang="zh-CN" altLang="en-US" dirty="0"/>
-              <a:t>三、如何完成复杂任务？</a:t>
+              <a:t>思考</a:t>
             </a:r>
           </a:p>
         </p:txBody>
       </p:sp>
       <p:sp>
         <p:nvSpPr>
-          <p:cNvPr id="3" name="文本框 2">
+          <p:cNvPr id="4" name="文本框 3">
             <a:extLst>
               <a:ext uri="{FF2B5EF4-FFF2-40B4-BE49-F238E27FC236}">
-                <a16:creationId xmlns:a16="http://schemas.microsoft.com/office/drawing/2014/main" id="{4611C63B-A358-528A-6A7D-DD2ABD851F3D}"/>
+                <a16:creationId xmlns:a16="http://schemas.microsoft.com/office/drawing/2014/main" id="{33517AB5-6C3C-CF5C-227B-656A63459D47}"/>
               </a:ext>
             </a:extLst>
           </p:cNvPr>
@@ -38482,8 +43241,8 @@
         </p:nvSpPr>
         <p:spPr>
           <a:xfrm>
-            <a:off x="770448" y="1285105"/>
-            <a:ext cx="954107" cy="461665"/>
+            <a:off x="3392189" y="2642445"/>
+            <a:ext cx="5109091" cy="461665"/>
           </a:xfrm>
           <a:prstGeom prst="rect">
             <a:avLst/>
@@ -38497,148 +43256,25 @@
           <a:lstStyle/>
           <a:p>
             <a:r>
-              <a:rPr lang="en-US" altLang="zh-CN" sz="2400" dirty="0" err="1">
+              <a:rPr lang="zh-CN" altLang="en-US" sz="2400" dirty="0">
                 <a:latin typeface="黑体" panose="02010609060101010101" pitchFamily="49" charset="-122"/>
                 <a:ea typeface="黑体" panose="02010609060101010101" pitchFamily="49" charset="-122"/>
               </a:rPr>
-              <a:t>ReAct</a:t>
-            </a:r>
-            <a:endParaRPr lang="zh-CN" altLang="en-US" sz="2400" dirty="0">
-              <a:latin typeface="黑体" panose="02010609060101010101" pitchFamily="49" charset="-122"/>
-              <a:ea typeface="黑体" panose="02010609060101010101" pitchFamily="49" charset="-122"/>
-            </a:endParaRPr>
+              <a:t>这种方式实现的智能体有什么缺点？</a:t>
+            </a:r>
           </a:p>
         </p:txBody>
       </p:sp>
-      <p:pic>
-        <p:nvPicPr>
-          <p:cNvPr id="8" name="图片 7">
-            <a:extLst>
-              <a:ext uri="{FF2B5EF4-FFF2-40B4-BE49-F238E27FC236}">
-                <a16:creationId xmlns:a16="http://schemas.microsoft.com/office/drawing/2014/main" id="{B2657D13-3E93-9C5F-03E8-A1E3FBE6AAA9}"/>
-              </a:ext>
-            </a:extLst>
-          </p:cNvPr>
-          <p:cNvPicPr>
-            <a:picLocks noChangeAspect="1"/>
-          </p:cNvPicPr>
-          <p:nvPr/>
-        </p:nvPicPr>
-        <p:blipFill>
-          <a:blip r:embed="rId2"/>
-          <a:stretch>
-            <a:fillRect/>
-          </a:stretch>
-        </p:blipFill>
-        <p:spPr>
-          <a:xfrm>
-            <a:off x="5304481" y="1285105"/>
-            <a:ext cx="5905654" cy="5029332"/>
-          </a:xfrm>
-          <a:prstGeom prst="rect">
-            <a:avLst/>
-          </a:prstGeom>
-        </p:spPr>
-      </p:pic>
     </p:spTree>
     <p:extLst>
       <p:ext uri="{BB962C8B-B14F-4D97-AF65-F5344CB8AC3E}">
-        <p14:creationId xmlns:p14="http://schemas.microsoft.com/office/powerpoint/2010/main" val="1414782572"/>
+        <p14:creationId xmlns:p14="http://schemas.microsoft.com/office/powerpoint/2010/main" val="3768058697"/>
       </p:ext>
     </p:extLst>
   </p:cSld>
   <p:clrMapOvr>
     <a:masterClrMapping/>
   </p:clrMapOvr>
-  <p:timing>
-    <p:tnLst>
-      <p:par>
-        <p:cTn id="1" dur="indefinite" restart="never" nodeType="tmRoot">
-          <p:childTnLst>
-            <p:seq concurrent="1" nextAc="seek">
-              <p:cTn id="2" dur="indefinite" nodeType="mainSeq">
-                <p:childTnLst>
-                  <p:par>
-                    <p:cTn id="3" fill="hold">
-                      <p:stCondLst>
-                        <p:cond delay="indefinite"/>
-                        <p:cond evt="onBegin" delay="0">
-                          <p:tn val="2"/>
-                        </p:cond>
-                      </p:stCondLst>
-                      <p:childTnLst>
-                        <p:par>
-                          <p:cTn id="4" fill="hold">
-                            <p:stCondLst>
-                              <p:cond delay="0"/>
-                            </p:stCondLst>
-                            <p:childTnLst>
-                              <p:par>
-                                <p:cTn id="5" presetID="22" presetClass="entr" presetSubtype="8" fill="hold" grpId="0" nodeType="afterEffect">
-                                  <p:stCondLst>
-                                    <p:cond delay="0"/>
-                                  </p:stCondLst>
-                                  <p:childTnLst>
-                                    <p:set>
-                                      <p:cBhvr>
-                                        <p:cTn id="6" dur="1" fill="hold">
-                                          <p:stCondLst>
-                                            <p:cond delay="0"/>
-                                          </p:stCondLst>
-                                        </p:cTn>
-                                        <p:tgtEl>
-                                          <p:spTgt spid="3"/>
-                                        </p:tgtEl>
-                                        <p:attrNameLst>
-                                          <p:attrName>style.visibility</p:attrName>
-                                        </p:attrNameLst>
-                                      </p:cBhvr>
-                                      <p:to>
-                                        <p:strVal val="visible"/>
-                                      </p:to>
-                                    </p:set>
-                                    <p:animEffect transition="in" filter="wipe(left)">
-                                      <p:cBhvr>
-                                        <p:cTn id="7" dur="500"/>
-                                        <p:tgtEl>
-                                          <p:spTgt spid="3"/>
-                                        </p:tgtEl>
-                                      </p:cBhvr>
-                                    </p:animEffect>
-                                  </p:childTnLst>
-                                </p:cTn>
-                              </p:par>
-                            </p:childTnLst>
-                          </p:cTn>
-                        </p:par>
-                      </p:childTnLst>
-                    </p:cTn>
-                  </p:par>
-                </p:childTnLst>
-              </p:cTn>
-              <p:prevCondLst>
-                <p:cond evt="onPrev" delay="0">
-                  <p:tgtEl>
-                    <p:sldTgt/>
-                  </p:tgtEl>
-                </p:cond>
-              </p:prevCondLst>
-              <p:nextCondLst>
-                <p:cond evt="onNext" delay="0">
-                  <p:tgtEl>
-                    <p:sldTgt/>
-                  </p:tgtEl>
-                </p:cond>
-              </p:nextCondLst>
-            </p:seq>
-          </p:childTnLst>
-        </p:cTn>
-      </p:par>
-    </p:tnLst>
-    <p:bldLst>
-      <p:bldP spid="3" grpId="0"/>
-    </p:bldLst>
-  </p:timing>
 </p:sld>
 </file>
 

--- a/utils/软件介绍.pptx
+++ b/utils/软件介绍.pptx
@@ -11784,7 +11784,7 @@
           <a:p>
             <a:fld id="{285264BB-8F8A-4D4A-88A3-0640162C694A}" type="datetimeFigureOut">
               <a:rPr lang="zh-CN" altLang="en-US" smtClean="0"/>
-              <a:t>2024/3/24</a:t>
+              <a:t>2024/3/25</a:t>
             </a:fld>
             <a:endParaRPr lang="zh-CN" altLang="en-US"/>
           </a:p>
@@ -11949,7 +11949,7 @@
           <a:p>
             <a:fld id="{C3C1C5A8-D213-43C4-B748-86D822F1E0AF}" type="datetimeFigureOut">
               <a:rPr lang="zh-CN" altLang="en-US" smtClean="0"/>
-              <a:t>2024/3/24</a:t>
+              <a:t>2024/3/25</a:t>
             </a:fld>
             <a:endParaRPr lang="zh-CN" altLang="en-US"/>
           </a:p>
@@ -18605,7 +18605,7 @@
           <a:p>
             <a:fld id="{760FBDFE-C587-4B4C-A407-44438C67B59E}" type="datetimeFigureOut">
               <a:rPr lang="zh-CN" altLang="en-US" smtClean="0"/>
-              <a:t>2024/3/24</a:t>
+              <a:t>2024/3/25</a:t>
             </a:fld>
             <a:endParaRPr lang="zh-CN" altLang="en-US"/>
           </a:p>
@@ -19048,7 +19048,7 @@
             <a:fld id="{96DFF08F-DC6B-4601-B491-B0F83F6DD2DA}" type="datetimeFigureOut">
               <a:rPr lang="en-US" dirty="0"/>
               <a:pPr/>
-              <a:t>3/24/2024</a:t>
+              <a:t>3/25/2024</a:t>
             </a:fld>
             <a:endParaRPr lang="en-US" dirty="0"/>
           </a:p>
@@ -21577,56 +21577,6 @@
       </p:grpSpPr>
       <p:sp>
         <p:nvSpPr>
-          <p:cNvPr id="4" name="矩形 3"/>
-          <p:cNvSpPr/>
-          <p:nvPr/>
-        </p:nvSpPr>
-        <p:spPr>
-          <a:xfrm>
-            <a:off x="340087" y="392883"/>
-            <a:ext cx="11532870" cy="15970250"/>
-          </a:xfrm>
-          <a:prstGeom prst="rect">
-            <a:avLst/>
-          </a:prstGeom>
-          <a:solidFill>
-            <a:schemeClr val="tx1"/>
-          </a:solidFill>
-          <a:ln>
-            <a:noFill/>
-          </a:ln>
-        </p:spPr>
-        <p:style>
-          <a:lnRef idx="2">
-            <a:schemeClr val="accent1">
-              <a:lumMod val="75000"/>
-            </a:schemeClr>
-          </a:lnRef>
-          <a:fillRef idx="1">
-            <a:schemeClr val="accent1"/>
-          </a:fillRef>
-          <a:effectRef idx="0">
-            <a:srgbClr val="FFFFFF"/>
-          </a:effectRef>
-          <a:fontRef idx="minor">
-            <a:schemeClr val="lt1"/>
-          </a:fontRef>
-        </p:style>
-        <p:txBody>
-          <a:bodyPr rtlCol="0" anchor="ctr"/>
-          <a:lstStyle/>
-          <a:p>
-            <a:pPr algn="ctr"/>
-            <a:endParaRPr lang="zh-CN" altLang="en-US">
-              <a:solidFill>
-                <a:schemeClr val="bg1"/>
-              </a:solidFill>
-            </a:endParaRPr>
-          </a:p>
-        </p:txBody>
-      </p:sp>
-      <p:sp>
-        <p:nvSpPr>
           <p:cNvPr id="2" name="文本框 1"/>
           <p:cNvSpPr txBox="1"/>
           <p:nvPr/>
@@ -21649,9 +21599,6 @@
           <a:p>
             <a:r>
               <a:rPr lang="zh-CN" altLang="en-US" sz="2000">
-                <a:solidFill>
-                  <a:schemeClr val="bg1"/>
-                </a:solidFill>
                 <a:latin typeface="Times New Roman" panose="02020603050405020304" charset="0"/>
                 <a:ea typeface="黑体" panose="02010609060101010101" charset="-122"/>
               </a:rPr>
@@ -21695,9 +21642,6 @@
             </a:pPr>
             <a:r>
               <a:rPr lang="zh-CN" altLang="en-US">
-                <a:solidFill>
-                  <a:schemeClr val="bg1"/>
-                </a:solidFill>
                 <a:latin typeface="Times New Roman" panose="02020603050405020304" charset="0"/>
                 <a:ea typeface="黑体" panose="02010609060101010101" charset="-122"/>
               </a:rPr>
@@ -21736,9 +21680,6 @@
             <a:pPr algn="ctr"/>
             <a:r>
               <a:rPr lang="zh-CN" altLang="en-US">
-                <a:solidFill>
-                  <a:schemeClr val="bg1"/>
-                </a:solidFill>
                 <a:latin typeface="Times New Roman" panose="02020603050405020304" charset="0"/>
                 <a:ea typeface="黑体" panose="02010609060101010101" charset="-122"/>
               </a:rPr>
@@ -21777,9 +21718,6 @@
             <a:pPr algn="ctr"/>
             <a:r>
               <a:rPr lang="zh-CN" altLang="en-US" dirty="0">
-                <a:solidFill>
-                  <a:schemeClr val="bg1"/>
-                </a:solidFill>
                 <a:latin typeface="Times New Roman" panose="02020603050405020304" charset="0"/>
                 <a:ea typeface="黑体" panose="02010609060101010101" charset="-122"/>
               </a:rPr>
@@ -21818,9 +21756,6 @@
             <a:pPr algn="ctr"/>
             <a:r>
               <a:rPr lang="zh-CN" altLang="en-US">
-                <a:solidFill>
-                  <a:schemeClr val="bg1"/>
-                </a:solidFill>
                 <a:latin typeface="Times New Roman" panose="02020603050405020304" charset="0"/>
                 <a:ea typeface="黑体" panose="02010609060101010101" charset="-122"/>
               </a:rPr>
@@ -21859,9 +21794,6 @@
             <a:pPr algn="ctr"/>
             <a:r>
               <a:rPr lang="zh-CN" altLang="en-US">
-                <a:solidFill>
-                  <a:schemeClr val="bg1"/>
-                </a:solidFill>
                 <a:latin typeface="Times New Roman" panose="02020603050405020304" charset="0"/>
                 <a:ea typeface="黑体" panose="02010609060101010101" charset="-122"/>
               </a:rPr>
@@ -21900,9 +21832,6 @@
             <a:pPr algn="ctr"/>
             <a:r>
               <a:rPr lang="zh-CN" altLang="en-US">
-                <a:solidFill>
-                  <a:schemeClr val="bg1"/>
-                </a:solidFill>
                 <a:latin typeface="Times New Roman" panose="02020603050405020304" charset="0"/>
                 <a:ea typeface="黑体" panose="02010609060101010101" charset="-122"/>
               </a:rPr>
@@ -21941,9 +21870,6 @@
             <a:pPr algn="ctr"/>
             <a:r>
               <a:rPr lang="zh-CN" altLang="en-US">
-                <a:solidFill>
-                  <a:schemeClr val="bg1"/>
-                </a:solidFill>
                 <a:latin typeface="Times New Roman" panose="02020603050405020304" charset="0"/>
                 <a:ea typeface="黑体" panose="02010609060101010101" charset="-122"/>
               </a:rPr>
@@ -22405,7 +22331,7 @@
             <a:r>
               <a:rPr lang="zh-CN" altLang="en-US" sz="1400">
                 <a:solidFill>
-                  <a:schemeClr val="bg1"/>
+                  <a:schemeClr val="tx1"/>
                 </a:solidFill>
                 <a:latin typeface="Times New Roman" panose="02020603050405020304" charset="0"/>
                 <a:ea typeface="黑体" panose="02010609060101010101" charset="-122"/>
@@ -22425,7 +22351,7 @@
             <a:r>
               <a:rPr lang="zh-CN" altLang="en-US" sz="1400">
                 <a:solidFill>
-                  <a:schemeClr val="bg1"/>
+                  <a:schemeClr val="tx1"/>
                 </a:solidFill>
                 <a:latin typeface="Times New Roman" panose="02020603050405020304" charset="0"/>
                 <a:ea typeface="黑体" panose="02010609060101010101" charset="-122"/>
@@ -22445,7 +22371,7 @@
             <a:r>
               <a:rPr lang="zh-CN" altLang="en-US" sz="1400">
                 <a:solidFill>
-                  <a:schemeClr val="bg1"/>
+                  <a:schemeClr val="tx1"/>
                 </a:solidFill>
                 <a:latin typeface="Times New Roman" panose="02020603050405020304" charset="0"/>
                 <a:ea typeface="黑体" panose="02010609060101010101" charset="-122"/>
@@ -22456,7 +22382,7 @@
             </a:r>
             <a:endParaRPr lang="zh-CN" altLang="en-US" sz="1400">
               <a:solidFill>
-                <a:schemeClr val="bg1"/>
+                <a:schemeClr val="tx1"/>
               </a:solidFill>
               <a:latin typeface="Times New Roman" panose="02020603050405020304" charset="0"/>
               <a:ea typeface="黑体" panose="02010609060101010101" charset="-122"/>
@@ -22474,7 +22400,7 @@
             <a:r>
               <a:rPr lang="zh-CN" altLang="en-US" sz="1400">
                 <a:solidFill>
-                  <a:schemeClr val="bg1"/>
+                  <a:schemeClr val="tx1"/>
                 </a:solidFill>
                 <a:latin typeface="Times New Roman" panose="02020603050405020304" charset="0"/>
                 <a:ea typeface="黑体" panose="02010609060101010101" charset="-122"/>
@@ -22494,7 +22420,7 @@
             <a:r>
               <a:rPr lang="zh-CN" altLang="en-US" sz="1400">
                 <a:solidFill>
-                  <a:schemeClr val="bg1"/>
+                  <a:schemeClr val="tx1"/>
                 </a:solidFill>
                 <a:latin typeface="Times New Roman" panose="02020603050405020304" charset="0"/>
                 <a:ea typeface="黑体" panose="02010609060101010101" charset="-122"/>
@@ -22505,7 +22431,7 @@
             <a:r>
               <a:rPr lang="en-US" altLang="zh-CN" sz="1400">
                 <a:solidFill>
-                  <a:schemeClr val="bg1"/>
+                  <a:schemeClr val="tx1"/>
                 </a:solidFill>
                 <a:latin typeface="Times New Roman" panose="02020603050405020304" charset="0"/>
                 <a:ea typeface="黑体" panose="02010609060101010101" charset="-122"/>
@@ -22515,7 +22441,7 @@
             </a:r>
             <a:endParaRPr lang="zh-CN" altLang="en-US" sz="1400">
               <a:solidFill>
-                <a:schemeClr val="bg1"/>
+                <a:schemeClr val="tx1"/>
               </a:solidFill>
               <a:latin typeface="Times New Roman" panose="02020603050405020304" charset="0"/>
               <a:ea typeface="黑体" panose="02010609060101010101" charset="-122"/>
@@ -22533,7 +22459,7 @@
             <a:r>
               <a:rPr lang="zh-CN" altLang="en-US" sz="1400">
                 <a:solidFill>
-                  <a:schemeClr val="bg1"/>
+                  <a:schemeClr val="tx1"/>
                 </a:solidFill>
                 <a:latin typeface="Times New Roman" panose="02020603050405020304" charset="0"/>
                 <a:ea typeface="黑体" panose="02010609060101010101" charset="-122"/>
@@ -22544,7 +22470,7 @@
             <a:r>
               <a:rPr lang="en-US" altLang="zh-CN" sz="1400">
                 <a:solidFill>
-                  <a:schemeClr val="bg1"/>
+                  <a:schemeClr val="tx1"/>
                 </a:solidFill>
                 <a:latin typeface="Times New Roman" panose="02020603050405020304" charset="0"/>
                 <a:ea typeface="黑体" panose="02010609060101010101" charset="-122"/>
@@ -22555,7 +22481,7 @@
             <a:r>
               <a:rPr lang="zh-CN" altLang="en-US" sz="1400">
                 <a:solidFill>
-                  <a:schemeClr val="bg1"/>
+                  <a:schemeClr val="tx1"/>
                 </a:solidFill>
                 <a:latin typeface="Times New Roman" panose="02020603050405020304" charset="0"/>
                 <a:ea typeface="黑体" panose="02010609060101010101" charset="-122"/>
@@ -22627,7 +22553,7 @@
             <a:r>
               <a:rPr lang="zh-CN" altLang="en-US" sz="1400">
                 <a:solidFill>
-                  <a:schemeClr val="bg1"/>
+                  <a:schemeClr val="tx1"/>
                 </a:solidFill>
                 <a:latin typeface="Times New Roman" panose="02020603050405020304" charset="0"/>
                 <a:ea typeface="黑体" panose="02010609060101010101" charset="-122"/>
@@ -22638,7 +22564,7 @@
             <a:r>
               <a:rPr lang="en-US" altLang="zh-CN" sz="1400">
                 <a:solidFill>
-                  <a:schemeClr val="bg1"/>
+                  <a:schemeClr val="tx1"/>
                 </a:solidFill>
                 <a:latin typeface="Times New Roman" panose="02020603050405020304" charset="0"/>
                 <a:ea typeface="黑体" panose="02010609060101010101" charset="-122"/>
@@ -22649,7 +22575,7 @@
             <a:r>
               <a:rPr lang="zh-CN" altLang="en-US" sz="1400">
                 <a:solidFill>
-                  <a:schemeClr val="bg1"/>
+                  <a:schemeClr val="tx1"/>
                 </a:solidFill>
                 <a:latin typeface="Times New Roman" panose="02020603050405020304" charset="0"/>
                 <a:ea typeface="黑体" panose="02010609060101010101" charset="-122"/>
@@ -22669,7 +22595,7 @@
             <a:r>
               <a:rPr lang="zh-CN" altLang="en-US" sz="1400">
                 <a:solidFill>
-                  <a:schemeClr val="bg1"/>
+                  <a:schemeClr val="tx1"/>
                 </a:solidFill>
                 <a:latin typeface="Times New Roman" panose="02020603050405020304" charset="0"/>
                 <a:ea typeface="黑体" panose="02010609060101010101" charset="-122"/>
@@ -22680,7 +22606,7 @@
             <a:r>
               <a:rPr lang="en-US" altLang="zh-CN" sz="1400">
                 <a:solidFill>
-                  <a:schemeClr val="bg1"/>
+                  <a:schemeClr val="tx1"/>
                 </a:solidFill>
                 <a:latin typeface="Times New Roman" panose="02020603050405020304" charset="0"/>
                 <a:ea typeface="黑体" panose="02010609060101010101" charset="-122"/>
@@ -22691,7 +22617,7 @@
             <a:r>
               <a:rPr lang="zh-CN" altLang="en-US" sz="1400">
                 <a:solidFill>
-                  <a:schemeClr val="bg1"/>
+                  <a:schemeClr val="tx1"/>
                 </a:solidFill>
                 <a:latin typeface="Times New Roman" panose="02020603050405020304" charset="0"/>
                 <a:ea typeface="黑体" panose="02010609060101010101" charset="-122"/>
@@ -22711,7 +22637,7 @@
             <a:r>
               <a:rPr lang="zh-CN" altLang="en-US" sz="1400">
                 <a:solidFill>
-                  <a:schemeClr val="bg1"/>
+                  <a:schemeClr val="tx1"/>
                 </a:solidFill>
                 <a:latin typeface="Times New Roman" panose="02020603050405020304" charset="0"/>
                 <a:ea typeface="黑体" panose="02010609060101010101" charset="-122"/>
@@ -22722,7 +22648,7 @@
             <a:r>
               <a:rPr lang="en-US" altLang="zh-CN" sz="1400">
                 <a:solidFill>
-                  <a:schemeClr val="bg1"/>
+                  <a:schemeClr val="tx1"/>
                 </a:solidFill>
                 <a:latin typeface="Times New Roman" panose="02020603050405020304" charset="0"/>
                 <a:ea typeface="黑体" panose="02010609060101010101" charset="-122"/>
@@ -22734,7 +22660,7 @@
             <a:r>
               <a:rPr lang="zh-CN" altLang="en-US" sz="1400">
                 <a:solidFill>
-                  <a:schemeClr val="bg1"/>
+                  <a:schemeClr val="tx1"/>
                 </a:solidFill>
                 <a:latin typeface="Times New Roman" panose="02020603050405020304" charset="0"/>
                 <a:ea typeface="黑体" panose="02010609060101010101" charset="-122"/>
@@ -22746,7 +22672,7 @@
             <a:r>
               <a:rPr lang="en-US" altLang="zh-CN" sz="1400">
                 <a:solidFill>
-                  <a:schemeClr val="bg1"/>
+                  <a:schemeClr val="tx1"/>
                 </a:solidFill>
                 <a:latin typeface="Times New Roman" panose="02020603050405020304" charset="0"/>
                 <a:ea typeface="黑体" panose="02010609060101010101" charset="-122"/>
@@ -22758,7 +22684,7 @@
             <a:r>
               <a:rPr lang="zh-CN" altLang="en-US" sz="1400">
                 <a:solidFill>
-                  <a:schemeClr val="bg1"/>
+                  <a:schemeClr val="tx1"/>
                 </a:solidFill>
                 <a:latin typeface="Times New Roman" panose="02020603050405020304" charset="0"/>
                 <a:ea typeface="黑体" panose="02010609060101010101" charset="-122"/>
@@ -22770,7 +22696,7 @@
             <a:r>
               <a:rPr lang="en-US" altLang="zh-CN" sz="1400">
                 <a:solidFill>
-                  <a:schemeClr val="bg1"/>
+                  <a:schemeClr val="tx1"/>
                 </a:solidFill>
                 <a:latin typeface="Times New Roman" panose="02020603050405020304" charset="0"/>
                 <a:ea typeface="黑体" panose="02010609060101010101" charset="-122"/>
@@ -22791,7 +22717,7 @@
             <a:r>
               <a:rPr lang="zh-CN" altLang="en-US" sz="1400">
                 <a:solidFill>
-                  <a:schemeClr val="bg1"/>
+                  <a:schemeClr val="tx1"/>
                 </a:solidFill>
                 <a:latin typeface="Times New Roman" panose="02020603050405020304" charset="0"/>
                 <a:ea typeface="黑体" panose="02010609060101010101" charset="-122"/>
@@ -22812,7 +22738,7 @@
             <a:r>
               <a:rPr lang="zh-CN" altLang="en-US" sz="1400">
                 <a:solidFill>
-                  <a:schemeClr val="bg1"/>
+                  <a:schemeClr val="tx1"/>
                 </a:solidFill>
                 <a:latin typeface="Times New Roman" panose="02020603050405020304" charset="0"/>
                 <a:ea typeface="黑体" panose="02010609060101010101" charset="-122"/>
@@ -22824,7 +22750,7 @@
             <a:r>
               <a:rPr lang="en-US" altLang="zh-CN" sz="1400">
                 <a:solidFill>
-                  <a:schemeClr val="bg1"/>
+                  <a:schemeClr val="tx1"/>
                 </a:solidFill>
                 <a:latin typeface="Times New Roman" panose="02020603050405020304" charset="0"/>
                 <a:ea typeface="黑体" panose="02010609060101010101" charset="-122"/>
@@ -22836,7 +22762,7 @@
             <a:r>
               <a:rPr lang="zh-CN" altLang="en-US" sz="1400">
                 <a:solidFill>
-                  <a:schemeClr val="bg1"/>
+                  <a:schemeClr val="tx1"/>
                 </a:solidFill>
                 <a:latin typeface="Times New Roman" panose="02020603050405020304" charset="0"/>
                 <a:ea typeface="黑体" panose="02010609060101010101" charset="-122"/>
@@ -22848,7 +22774,7 @@
             <a:r>
               <a:rPr lang="en-US" altLang="zh-CN" sz="1400">
                 <a:solidFill>
-                  <a:schemeClr val="bg1"/>
+                  <a:schemeClr val="tx1"/>
                 </a:solidFill>
                 <a:latin typeface="Times New Roman" panose="02020603050405020304" charset="0"/>
                 <a:ea typeface="黑体" panose="02010609060101010101" charset="-122"/>
@@ -22860,7 +22786,7 @@
             <a:r>
               <a:rPr lang="zh-CN" altLang="en-US" sz="1400">
                 <a:solidFill>
-                  <a:schemeClr val="bg1"/>
+                  <a:schemeClr val="tx1"/>
                 </a:solidFill>
                 <a:latin typeface="Times New Roman" panose="02020603050405020304" charset="0"/>
                 <a:ea typeface="黑体" panose="02010609060101010101" charset="-122"/>
@@ -22933,7 +22859,7 @@
             <a:r>
               <a:rPr lang="zh-CN" altLang="en-US" sz="1400">
                 <a:solidFill>
-                  <a:schemeClr val="bg1"/>
+                  <a:schemeClr val="tx1"/>
                 </a:solidFill>
                 <a:latin typeface="Times New Roman" panose="02020603050405020304" charset="0"/>
                 <a:ea typeface="黑体" panose="02010609060101010101" charset="-122"/>
@@ -22944,7 +22870,7 @@
             <a:r>
               <a:rPr lang="en-US" altLang="zh-CN" sz="1400">
                 <a:solidFill>
-                  <a:schemeClr val="bg1"/>
+                  <a:schemeClr val="tx1"/>
                 </a:solidFill>
                 <a:latin typeface="Times New Roman" panose="02020603050405020304" charset="0"/>
                 <a:ea typeface="黑体" panose="02010609060101010101" charset="-122"/>
@@ -22955,7 +22881,7 @@
             <a:r>
               <a:rPr lang="zh-CN" altLang="en-US" sz="1400">
                 <a:solidFill>
-                  <a:schemeClr val="bg1"/>
+                  <a:schemeClr val="tx1"/>
                 </a:solidFill>
                 <a:latin typeface="Times New Roman" panose="02020603050405020304" charset="0"/>
                 <a:ea typeface="黑体" panose="02010609060101010101" charset="-122"/>
@@ -22975,7 +22901,7 @@
             <a:r>
               <a:rPr lang="zh-CN" altLang="en-US" sz="1400">
                 <a:solidFill>
-                  <a:schemeClr val="bg1"/>
+                  <a:schemeClr val="tx1"/>
                 </a:solidFill>
                 <a:latin typeface="Times New Roman" panose="02020603050405020304" charset="0"/>
                 <a:ea typeface="黑体" panose="02010609060101010101" charset="-122"/>
@@ -22986,7 +22912,7 @@
             <a:r>
               <a:rPr lang="en-US" altLang="zh-CN" sz="1400">
                 <a:solidFill>
-                  <a:schemeClr val="bg1"/>
+                  <a:schemeClr val="tx1"/>
                 </a:solidFill>
                 <a:latin typeface="Times New Roman" panose="02020603050405020304" charset="0"/>
                 <a:ea typeface="黑体" panose="02010609060101010101" charset="-122"/>
@@ -22997,7 +22923,7 @@
             <a:r>
               <a:rPr lang="zh-CN" altLang="en-US" sz="1400">
                 <a:solidFill>
-                  <a:schemeClr val="bg1"/>
+                  <a:schemeClr val="tx1"/>
                 </a:solidFill>
                 <a:latin typeface="Times New Roman" panose="02020603050405020304" charset="0"/>
                 <a:ea typeface="黑体" panose="02010609060101010101" charset="-122"/>
@@ -23008,7 +22934,7 @@
             <a:r>
               <a:rPr lang="en-US" altLang="zh-CN" sz="1400">
                 <a:solidFill>
-                  <a:schemeClr val="bg1"/>
+                  <a:schemeClr val="tx1"/>
                 </a:solidFill>
                 <a:latin typeface="Times New Roman" panose="02020603050405020304" charset="0"/>
                 <a:ea typeface="黑体" panose="02010609060101010101" charset="-122"/>
@@ -23028,7 +22954,7 @@
             <a:r>
               <a:rPr lang="zh-CN" altLang="en-US" sz="1400">
                 <a:solidFill>
-                  <a:schemeClr val="bg1"/>
+                  <a:schemeClr val="tx1"/>
                 </a:solidFill>
                 <a:latin typeface="Times New Roman" panose="02020603050405020304" charset="0"/>
                 <a:ea typeface="黑体" panose="02010609060101010101" charset="-122"/>
@@ -23040,7 +22966,7 @@
             <a:r>
               <a:rPr lang="en-US" altLang="zh-CN" sz="1400">
                 <a:solidFill>
-                  <a:schemeClr val="bg1"/>
+                  <a:schemeClr val="tx1"/>
                 </a:solidFill>
                 <a:latin typeface="Times New Roman" panose="02020603050405020304" charset="0"/>
                 <a:ea typeface="黑体" panose="02010609060101010101" charset="-122"/>
@@ -23052,7 +22978,7 @@
             <a:r>
               <a:rPr lang="zh-CN" altLang="en-US" sz="1400">
                 <a:solidFill>
-                  <a:schemeClr val="bg1"/>
+                  <a:schemeClr val="tx1"/>
                 </a:solidFill>
                 <a:latin typeface="Times New Roman" panose="02020603050405020304" charset="0"/>
                 <a:ea typeface="黑体" panose="02010609060101010101" charset="-122"/>
@@ -23064,7 +22990,7 @@
             <a:r>
               <a:rPr lang="en-US" altLang="zh-CN" sz="1400">
                 <a:solidFill>
-                  <a:schemeClr val="bg1"/>
+                  <a:schemeClr val="tx1"/>
                 </a:solidFill>
                 <a:latin typeface="Times New Roman" panose="02020603050405020304" charset="0"/>
                 <a:ea typeface="黑体" panose="02010609060101010101" charset="-122"/>
@@ -23085,7 +23011,7 @@
             <a:r>
               <a:rPr lang="zh-CN" altLang="en-US" sz="1400">
                 <a:solidFill>
-                  <a:schemeClr val="bg1"/>
+                  <a:schemeClr val="tx1"/>
                 </a:solidFill>
                 <a:latin typeface="Times New Roman" panose="02020603050405020304" charset="0"/>
                 <a:ea typeface="黑体" panose="02010609060101010101" charset="-122"/>
@@ -23096,7 +23022,7 @@
             <a:r>
               <a:rPr lang="en-US" altLang="zh-CN" sz="1400">
                 <a:solidFill>
-                  <a:schemeClr val="bg1"/>
+                  <a:schemeClr val="tx1"/>
                 </a:solidFill>
                 <a:latin typeface="Times New Roman" panose="02020603050405020304" charset="0"/>
                 <a:ea typeface="黑体" panose="02010609060101010101" charset="-122"/>
@@ -23107,7 +23033,7 @@
             <a:r>
               <a:rPr lang="zh-CN" altLang="en-US" sz="1400">
                 <a:solidFill>
-                  <a:schemeClr val="bg1"/>
+                  <a:schemeClr val="tx1"/>
                 </a:solidFill>
                 <a:latin typeface="Times New Roman" panose="02020603050405020304" charset="0"/>
                 <a:ea typeface="黑体" panose="02010609060101010101" charset="-122"/>
@@ -23127,7 +23053,7 @@
             <a:r>
               <a:rPr lang="en-US" altLang="zh-CN" sz="1400">
                 <a:solidFill>
-                  <a:schemeClr val="bg1"/>
+                  <a:schemeClr val="tx1"/>
                 </a:solidFill>
                 <a:latin typeface="Times New Roman" panose="02020603050405020304" charset="0"/>
                 <a:ea typeface="黑体" panose="02010609060101010101" charset="-122"/>
@@ -23139,7 +23065,7 @@
             <a:r>
               <a:rPr lang="zh-CN" altLang="en-US" sz="1400">
                 <a:solidFill>
-                  <a:schemeClr val="bg1"/>
+                  <a:schemeClr val="tx1"/>
                 </a:solidFill>
                 <a:latin typeface="Times New Roman" panose="02020603050405020304" charset="0"/>
                 <a:ea typeface="黑体" panose="02010609060101010101" charset="-122"/>
@@ -23151,7 +23077,7 @@
             <a:r>
               <a:rPr lang="zh-CN" altLang="en-US" sz="1400">
                 <a:solidFill>
-                  <a:schemeClr val="bg1"/>
+                  <a:schemeClr val="tx1"/>
                 </a:solidFill>
                 <a:latin typeface="Times New Roman" panose="02020603050405020304" charset="0"/>
                 <a:ea typeface="黑体" panose="02010609060101010101" charset="-122"/>
@@ -23162,7 +23088,7 @@
             <a:r>
               <a:rPr lang="en-US" altLang="zh-CN" sz="1400">
                 <a:solidFill>
-                  <a:schemeClr val="bg1"/>
+                  <a:schemeClr val="tx1"/>
                 </a:solidFill>
                 <a:latin typeface="Times New Roman" panose="02020603050405020304" charset="0"/>
                 <a:ea typeface="黑体" panose="02010609060101010101" charset="-122"/>
@@ -23173,7 +23099,7 @@
             <a:r>
               <a:rPr lang="zh-CN" altLang="en-US" sz="1400">
                 <a:solidFill>
-                  <a:schemeClr val="bg1"/>
+                  <a:schemeClr val="tx1"/>
                 </a:solidFill>
                 <a:latin typeface="Times New Roman" panose="02020603050405020304" charset="0"/>
                 <a:ea typeface="黑体" panose="02010609060101010101" charset="-122"/>
@@ -23184,7 +23110,7 @@
             <a:r>
               <a:rPr lang="en-US" altLang="zh-CN" sz="1400">
                 <a:solidFill>
-                  <a:schemeClr val="bg1"/>
+                  <a:schemeClr val="tx1"/>
                 </a:solidFill>
                 <a:latin typeface="Times New Roman" panose="02020603050405020304" charset="0"/>
                 <a:ea typeface="黑体" panose="02010609060101010101" charset="-122"/>
@@ -23195,7 +23121,7 @@
             <a:r>
               <a:rPr lang="zh-CN" altLang="en-US" sz="1400">
                 <a:solidFill>
-                  <a:schemeClr val="bg1"/>
+                  <a:schemeClr val="tx1"/>
                 </a:solidFill>
                 <a:latin typeface="Times New Roman" panose="02020603050405020304" charset="0"/>
                 <a:ea typeface="黑体" panose="02010609060101010101" charset="-122"/>
@@ -23206,7 +23132,7 @@
             <a:r>
               <a:rPr lang="en-US" altLang="zh-CN" sz="1400">
                 <a:solidFill>
-                  <a:schemeClr val="bg1"/>
+                  <a:schemeClr val="tx1"/>
                 </a:solidFill>
                 <a:latin typeface="Times New Roman" panose="02020603050405020304" charset="0"/>
                 <a:ea typeface="黑体" panose="02010609060101010101" charset="-122"/>
@@ -23217,7 +23143,7 @@
             <a:r>
               <a:rPr lang="zh-CN" altLang="en-US" sz="1400">
                 <a:solidFill>
-                  <a:schemeClr val="bg1"/>
+                  <a:schemeClr val="tx1"/>
                 </a:solidFill>
                 <a:latin typeface="Times New Roman" panose="02020603050405020304" charset="0"/>
                 <a:ea typeface="黑体" panose="02010609060101010101" charset="-122"/>
@@ -23228,7 +23154,7 @@
             <a:r>
               <a:rPr lang="en-US" altLang="zh-CN" sz="1400">
                 <a:solidFill>
-                  <a:schemeClr val="bg1"/>
+                  <a:schemeClr val="tx1"/>
                 </a:solidFill>
                 <a:latin typeface="Times New Roman" panose="02020603050405020304" charset="0"/>
                 <a:ea typeface="黑体" panose="02010609060101010101" charset="-122"/>
@@ -23239,7 +23165,7 @@
             <a:r>
               <a:rPr lang="zh-CN" altLang="en-US" sz="1400">
                 <a:solidFill>
-                  <a:schemeClr val="bg1"/>
+                  <a:schemeClr val="tx1"/>
                 </a:solidFill>
                 <a:latin typeface="Times New Roman" panose="02020603050405020304" charset="0"/>
                 <a:ea typeface="黑体" panose="02010609060101010101" charset="-122"/>
@@ -23250,7 +23176,7 @@
             <a:r>
               <a:rPr lang="en-US" altLang="zh-CN" sz="1400">
                 <a:solidFill>
-                  <a:schemeClr val="bg1"/>
+                  <a:schemeClr val="tx1"/>
                 </a:solidFill>
                 <a:latin typeface="Times New Roman" panose="02020603050405020304" charset="0"/>
                 <a:ea typeface="黑体" panose="02010609060101010101" charset="-122"/>
@@ -23261,7 +23187,7 @@
             <a:r>
               <a:rPr lang="zh-CN" altLang="en-US" sz="1400">
                 <a:solidFill>
-                  <a:schemeClr val="bg1"/>
+                  <a:schemeClr val="tx1"/>
                 </a:solidFill>
                 <a:latin typeface="Times New Roman" panose="02020603050405020304" charset="0"/>
                 <a:ea typeface="黑体" panose="02010609060101010101" charset="-122"/>
@@ -23333,7 +23259,7 @@
             <a:r>
               <a:rPr lang="zh-CN" altLang="en-US" sz="1400">
                 <a:solidFill>
-                  <a:schemeClr val="bg1"/>
+                  <a:schemeClr val="tx1"/>
                 </a:solidFill>
                 <a:latin typeface="Times New Roman" panose="02020603050405020304" charset="0"/>
                 <a:ea typeface="黑体" panose="02010609060101010101" charset="-122"/>
@@ -23345,7 +23271,7 @@
             <a:r>
               <a:rPr lang="en-US" altLang="zh-CN" sz="1400">
                 <a:solidFill>
-                  <a:schemeClr val="bg1"/>
+                  <a:schemeClr val="tx1"/>
                 </a:solidFill>
                 <a:latin typeface="Times New Roman" panose="02020603050405020304" charset="0"/>
                 <a:ea typeface="黑体" panose="02010609060101010101" charset="-122"/>
@@ -23357,7 +23283,7 @@
             <a:r>
               <a:rPr lang="zh-CN" altLang="en-US" sz="1400">
                 <a:solidFill>
-                  <a:schemeClr val="bg1"/>
+                  <a:schemeClr val="tx1"/>
                 </a:solidFill>
                 <a:latin typeface="Times New Roman" panose="02020603050405020304" charset="0"/>
                 <a:ea typeface="黑体" panose="02010609060101010101" charset="-122"/>
@@ -23368,7 +23294,7 @@
             </a:r>
             <a:endParaRPr lang="zh-CN" altLang="en-US" sz="1400">
               <a:solidFill>
-                <a:schemeClr val="bg1"/>
+                <a:schemeClr val="tx1"/>
               </a:solidFill>
               <a:latin typeface="Times New Roman" panose="02020603050405020304" charset="0"/>
               <a:ea typeface="黑体" panose="02010609060101010101" charset="-122"/>
@@ -23385,2105 +23311,11 @@
             </a:pPr>
             <a:endParaRPr lang="zh-CN" altLang="en-US" sz="1400">
               <a:solidFill>
-                <a:schemeClr val="bg1"/>
+                <a:schemeClr val="tx1"/>
               </a:solidFill>
               <a:latin typeface="Times New Roman" panose="02020603050405020304" charset="0"/>
               <a:ea typeface="黑体" panose="02010609060101010101" charset="-122"/>
               <a:cs typeface="Times New Roman" panose="02020603050405020304" charset="0"/>
-            </a:endParaRPr>
-          </a:p>
-        </p:txBody>
-      </p:sp>
-      <p:sp>
-        <p:nvSpPr>
-          <p:cNvPr id="10" name="文本框 9"/>
-          <p:cNvSpPr txBox="1"/>
-          <p:nvPr>
-            <p:custDataLst>
-              <p:tags r:id="rId1"/>
-            </p:custDataLst>
-          </p:nvPr>
-        </p:nvSpPr>
-        <p:spPr>
-          <a:xfrm>
-            <a:off x="425177" y="6423478"/>
-            <a:ext cx="11338560" cy="368300"/>
-          </a:xfrm>
-          <a:prstGeom prst="rect">
-            <a:avLst/>
-          </a:prstGeom>
-          <a:noFill/>
-          <a:ln w="28575" cmpd="sng">
-            <a:noFill/>
-            <a:prstDash val="solid"/>
-          </a:ln>
-        </p:spPr>
-        <p:txBody>
-          <a:bodyPr wrap="square" rtlCol="0">
-            <a:spAutoFit/>
-          </a:bodyPr>
-          <a:lstStyle/>
-          <a:p>
-            <a:pPr marL="285750" indent="-285750">
-              <a:buClr>
-                <a:srgbClr val="00B0F0"/>
-              </a:buClr>
-              <a:buFont typeface="Arial" panose="020B0604020202020204" pitchFamily="34" charset="0"/>
-              <a:buChar char="•"/>
-            </a:pPr>
-            <a:r>
-              <a:rPr lang="zh-CN" altLang="en-US">
-                <a:solidFill>
-                  <a:schemeClr val="bg1"/>
-                </a:solidFill>
-                <a:latin typeface="黑体" panose="02010609060101010101" charset="-122"/>
-                <a:ea typeface="黑体" panose="02010609060101010101" charset="-122"/>
-              </a:rPr>
-              <a:t>概念</a:t>
-            </a:r>
-          </a:p>
-        </p:txBody>
-      </p:sp>
-      <p:sp>
-        <p:nvSpPr>
-          <p:cNvPr id="11" name="矩形 10"/>
-          <p:cNvSpPr/>
-          <p:nvPr>
-            <p:custDataLst>
-              <p:tags r:id="rId2"/>
-            </p:custDataLst>
-          </p:nvPr>
-        </p:nvSpPr>
-        <p:spPr>
-          <a:xfrm>
-            <a:off x="887457" y="7115628"/>
-            <a:ext cx="10692765" cy="5092065"/>
-          </a:xfrm>
-          <a:prstGeom prst="rect">
-            <a:avLst/>
-          </a:prstGeom>
-          <a:noFill/>
-          <a:ln>
-            <a:noFill/>
-          </a:ln>
-          <a:extLst>
-            <a:ext uri="{909E8E84-426E-40DD-AFC4-6F175D3DCCD1}">
-              <a14:hiddenFill xmlns:a14="http://schemas.microsoft.com/office/drawing/2010/main">
-                <a:solidFill>
-                  <a:schemeClr val="accent1"/>
-                </a:solidFill>
-              </a14:hiddenFill>
-            </a:ext>
-          </a:extLst>
-        </p:spPr>
-        <p:style>
-          <a:lnRef idx="2">
-            <a:schemeClr val="accent1">
-              <a:lumMod val="75000"/>
-            </a:schemeClr>
-          </a:lnRef>
-          <a:fillRef idx="1">
-            <a:schemeClr val="accent1"/>
-          </a:fillRef>
-          <a:effectRef idx="0">
-            <a:srgbClr val="FFFFFF"/>
-          </a:effectRef>
-          <a:fontRef idx="minor">
-            <a:schemeClr val="lt1"/>
-          </a:fontRef>
-        </p:style>
-        <p:txBody>
-          <a:bodyPr rtlCol="0" anchor="ctr"/>
-          <a:lstStyle/>
-          <a:p>
-            <a:pPr marL="285750" indent="-285750" algn="l">
-              <a:lnSpc>
-                <a:spcPct val="150000"/>
-              </a:lnSpc>
-              <a:buClr>
-                <a:srgbClr val="00B050"/>
-              </a:buClr>
-              <a:buFont typeface="Arial" panose="020B0604020202020204" pitchFamily="34" charset="0"/>
-              <a:buChar char="•"/>
-            </a:pPr>
-            <a:endParaRPr lang="zh-CN" altLang="en-US" dirty="0">
-              <a:solidFill>
-                <a:schemeClr val="bg1"/>
-              </a:solidFill>
-              <a:latin typeface="Times New Roman" panose="02020603050405020304" charset="0"/>
-              <a:ea typeface="黑体" panose="02010609060101010101" charset="-122"/>
-              <a:cs typeface="Times New Roman" panose="02020603050405020304" charset="0"/>
-            </a:endParaRPr>
-          </a:p>
-          <a:p>
-            <a:pPr marL="285750" indent="-285750" algn="l">
-              <a:lnSpc>
-                <a:spcPct val="150000"/>
-              </a:lnSpc>
-              <a:buClr>
-                <a:srgbClr val="00B050"/>
-              </a:buClr>
-              <a:buFont typeface="Arial" panose="020B0604020202020204" pitchFamily="34" charset="0"/>
-              <a:buChar char="•"/>
-            </a:pPr>
-            <a:r>
-              <a:rPr lang="en-US" altLang="zh-CN" dirty="0">
-                <a:solidFill>
-                  <a:schemeClr val="bg1"/>
-                </a:solidFill>
-                <a:latin typeface="Times New Roman" panose="02020603050405020304" charset="0"/>
-                <a:ea typeface="黑体" panose="02010609060101010101" charset="-122"/>
-                <a:cs typeface="Times New Roman" panose="02020603050405020304" charset="0"/>
-                <a:sym typeface="+mn-ea"/>
-              </a:rPr>
-              <a:t>model </a:t>
-            </a:r>
-            <a:r>
-              <a:rPr lang="zh-CN" altLang="en-US" dirty="0">
-                <a:solidFill>
-                  <a:schemeClr val="bg1"/>
-                </a:solidFill>
-                <a:latin typeface="Times New Roman" panose="02020603050405020304" charset="0"/>
-                <a:ea typeface="黑体" panose="02010609060101010101" charset="-122"/>
-                <a:cs typeface="Times New Roman" panose="02020603050405020304" charset="0"/>
-                <a:sym typeface="+mn-ea"/>
-              </a:rPr>
-              <a:t>模型</a:t>
-            </a:r>
-            <a:r>
-              <a:rPr lang="en-US" altLang="zh-CN" dirty="0">
-                <a:solidFill>
-                  <a:schemeClr val="bg1"/>
-                </a:solidFill>
-                <a:latin typeface="Times New Roman" panose="02020603050405020304" charset="0"/>
-                <a:ea typeface="黑体" panose="02010609060101010101" charset="-122"/>
-                <a:cs typeface="Times New Roman" panose="02020603050405020304" charset="0"/>
-                <a:sym typeface="+mn-ea"/>
-              </a:rPr>
-              <a:t>: </a:t>
-            </a:r>
-            <a:r>
-              <a:rPr lang="zh-CN" altLang="en-US" dirty="0">
-                <a:solidFill>
-                  <a:schemeClr val="bg1"/>
-                </a:solidFill>
-                <a:latin typeface="Times New Roman" panose="02020603050405020304" charset="0"/>
-                <a:ea typeface="黑体" panose="02010609060101010101" charset="-122"/>
-                <a:cs typeface="Times New Roman" panose="02020603050405020304" charset="0"/>
-                <a:sym typeface="+mn-ea"/>
-              </a:rPr>
-              <a:t>由神经网络结构和连接权重组成</a:t>
-            </a:r>
-            <a:r>
-              <a:rPr lang="en-US" altLang="zh-CN" dirty="0">
-                <a:solidFill>
-                  <a:schemeClr val="bg1"/>
-                </a:solidFill>
-                <a:latin typeface="Times New Roman" panose="02020603050405020304" charset="0"/>
-                <a:ea typeface="黑体" panose="02010609060101010101" charset="-122"/>
-                <a:cs typeface="Times New Roman" panose="02020603050405020304" charset="0"/>
-                <a:sym typeface="+mn-ea"/>
-              </a:rPr>
-              <a:t>，</a:t>
-            </a:r>
-            <a:r>
-              <a:rPr lang="zh-CN" altLang="en-US" dirty="0">
-                <a:solidFill>
-                  <a:schemeClr val="bg1"/>
-                </a:solidFill>
-                <a:latin typeface="Times New Roman" panose="02020603050405020304" charset="0"/>
-                <a:ea typeface="黑体" panose="02010609060101010101" charset="-122"/>
-                <a:cs typeface="Times New Roman" panose="02020603050405020304" charset="0"/>
-                <a:sym typeface="+mn-ea"/>
-              </a:rPr>
-              <a:t>执行解码操作。占用内存与权重的数据格式和数目有关</a:t>
-            </a:r>
-            <a:endParaRPr lang="en-US" altLang="zh-CN" dirty="0">
-              <a:solidFill>
-                <a:schemeClr val="bg1"/>
-              </a:solidFill>
-              <a:latin typeface="Times New Roman" panose="02020603050405020304" charset="0"/>
-              <a:ea typeface="黑体" panose="02010609060101010101" charset="-122"/>
-              <a:cs typeface="Times New Roman" panose="02020603050405020304" charset="0"/>
-              <a:sym typeface="+mn-ea"/>
-            </a:endParaRPr>
-          </a:p>
-          <a:p>
-            <a:pPr marL="285750" indent="-285750" algn="l">
-              <a:lnSpc>
-                <a:spcPct val="150000"/>
-              </a:lnSpc>
-              <a:buClr>
-                <a:srgbClr val="00B050"/>
-              </a:buClr>
-              <a:buFont typeface="Arial" panose="020B0604020202020204" pitchFamily="34" charset="0"/>
-              <a:buChar char="•"/>
-            </a:pPr>
-            <a:r>
-              <a:rPr lang="en-US" altLang="zh-CN" dirty="0">
-                <a:solidFill>
-                  <a:schemeClr val="bg1"/>
-                </a:solidFill>
-                <a:latin typeface="Times New Roman" panose="02020603050405020304" charset="0"/>
-                <a:ea typeface="黑体" panose="02010609060101010101" charset="-122"/>
-                <a:cs typeface="Times New Roman" panose="02020603050405020304" charset="0"/>
-                <a:sym typeface="+mn-ea"/>
-              </a:rPr>
-              <a:t>token </a:t>
-            </a:r>
-            <a:r>
-              <a:rPr lang="zh-CN" altLang="en-US" dirty="0">
-                <a:solidFill>
-                  <a:schemeClr val="bg1"/>
-                </a:solidFill>
-                <a:latin typeface="Times New Roman" panose="02020603050405020304" charset="0"/>
-                <a:ea typeface="黑体" panose="02010609060101010101" charset="-122"/>
-                <a:cs typeface="Times New Roman" panose="02020603050405020304" charset="0"/>
-              </a:rPr>
-              <a:t>词元</a:t>
-            </a:r>
-            <a:r>
-              <a:rPr lang="en-US" altLang="zh-CN" dirty="0">
-                <a:solidFill>
-                  <a:schemeClr val="bg1"/>
-                </a:solidFill>
-                <a:latin typeface="Times New Roman" panose="02020603050405020304" charset="0"/>
-                <a:ea typeface="黑体" panose="02010609060101010101" charset="-122"/>
-                <a:cs typeface="Times New Roman" panose="02020603050405020304" charset="0"/>
-              </a:rPr>
-              <a:t>: </a:t>
-            </a:r>
-            <a:r>
-              <a:rPr lang="zh-CN" altLang="en-US" dirty="0">
-                <a:solidFill>
-                  <a:schemeClr val="bg1"/>
-                </a:solidFill>
-                <a:latin typeface="Times New Roman" panose="02020603050405020304" charset="0"/>
-                <a:ea typeface="黑体" panose="02010609060101010101" charset="-122"/>
-                <a:cs typeface="Times New Roman" panose="02020603050405020304" charset="0"/>
-              </a:rPr>
-              <a:t>词的编号</a:t>
-            </a:r>
-            <a:r>
-              <a:rPr lang="en-US" altLang="zh-CN" dirty="0">
-                <a:solidFill>
-                  <a:schemeClr val="bg1"/>
-                </a:solidFill>
-                <a:latin typeface="Times New Roman" panose="02020603050405020304" charset="0"/>
-                <a:ea typeface="黑体" panose="02010609060101010101" charset="-122"/>
-                <a:cs typeface="Times New Roman" panose="02020603050405020304" charset="0"/>
-              </a:rPr>
-              <a:t>，</a:t>
-            </a:r>
-            <a:r>
-              <a:rPr lang="zh-CN" altLang="en-US" dirty="0">
-                <a:solidFill>
-                  <a:schemeClr val="bg1"/>
-                </a:solidFill>
-                <a:latin typeface="Times New Roman" panose="02020603050405020304" charset="0"/>
-                <a:ea typeface="黑体" panose="02010609060101010101" charset="-122"/>
-                <a:cs typeface="Times New Roman" panose="02020603050405020304" charset="0"/>
-              </a:rPr>
-              <a:t>例如</a:t>
-            </a:r>
-            <a:r>
-              <a:rPr lang="en-US" altLang="zh-CN" dirty="0">
-                <a:solidFill>
-                  <a:schemeClr val="bg1"/>
-                </a:solidFill>
-                <a:latin typeface="Times New Roman" panose="02020603050405020304" charset="0"/>
-                <a:ea typeface="黑体" panose="02010609060101010101" charset="-122"/>
-                <a:cs typeface="Times New Roman" panose="02020603050405020304" charset="0"/>
-              </a:rPr>
-              <a:t>，</a:t>
-            </a:r>
-            <a:r>
-              <a:rPr lang="zh-CN" altLang="en-US" dirty="0">
-                <a:solidFill>
-                  <a:schemeClr val="bg1"/>
-                </a:solidFill>
-                <a:latin typeface="Times New Roman" panose="02020603050405020304" charset="0"/>
-                <a:ea typeface="黑体" panose="02010609060101010101" charset="-122"/>
-                <a:cs typeface="Times New Roman" panose="02020603050405020304" charset="0"/>
-              </a:rPr>
-              <a:t>你好</a:t>
-            </a:r>
-            <a:r>
-              <a:rPr lang="en-US" altLang="zh-CN" dirty="0">
-                <a:solidFill>
-                  <a:schemeClr val="bg1"/>
-                </a:solidFill>
-                <a:latin typeface="Times New Roman" panose="02020603050405020304" charset="0"/>
-                <a:ea typeface="黑体" panose="02010609060101010101" charset="-122"/>
-                <a:cs typeface="Times New Roman" panose="02020603050405020304" charset="0"/>
-              </a:rPr>
-              <a:t> token=123，</a:t>
-            </a:r>
-            <a:r>
-              <a:rPr lang="zh-CN" altLang="en-US" dirty="0">
-                <a:solidFill>
-                  <a:schemeClr val="bg1"/>
-                </a:solidFill>
-                <a:latin typeface="Times New Roman" panose="02020603050405020304" charset="0"/>
-                <a:ea typeface="黑体" panose="02010609060101010101" charset="-122"/>
-                <a:cs typeface="Times New Roman" panose="02020603050405020304" charset="0"/>
-              </a:rPr>
-              <a:t>我</a:t>
-            </a:r>
-            <a:r>
-              <a:rPr lang="en-US" altLang="zh-CN" dirty="0">
-                <a:solidFill>
-                  <a:schemeClr val="bg1"/>
-                </a:solidFill>
-                <a:latin typeface="Times New Roman" panose="02020603050405020304" charset="0"/>
-                <a:ea typeface="黑体" panose="02010609060101010101" charset="-122"/>
-                <a:cs typeface="Times New Roman" panose="02020603050405020304" charset="0"/>
-              </a:rPr>
-              <a:t> </a:t>
-            </a:r>
-            <a:r>
-              <a:rPr lang="en-US" altLang="zh-CN" dirty="0">
-                <a:solidFill>
-                  <a:schemeClr val="bg1"/>
-                </a:solidFill>
-                <a:latin typeface="Times New Roman" panose="02020603050405020304" charset="0"/>
-                <a:ea typeface="黑体" panose="02010609060101010101" charset="-122"/>
-                <a:cs typeface="Times New Roman" panose="02020603050405020304" charset="0"/>
-                <a:sym typeface="+mn-ea"/>
-              </a:rPr>
-              <a:t>token=</a:t>
-            </a:r>
-            <a:r>
-              <a:rPr lang="en-US" altLang="zh-CN" dirty="0">
-                <a:solidFill>
-                  <a:schemeClr val="bg1"/>
-                </a:solidFill>
-                <a:latin typeface="Times New Roman" panose="02020603050405020304" charset="0"/>
-                <a:ea typeface="黑体" panose="02010609060101010101" charset="-122"/>
-                <a:cs typeface="Times New Roman" panose="02020603050405020304" charset="0"/>
-              </a:rPr>
-              <a:t>14，</a:t>
-            </a:r>
-            <a:r>
-              <a:rPr lang="zh-CN" altLang="en-US" dirty="0">
-                <a:solidFill>
-                  <a:schemeClr val="bg1"/>
-                </a:solidFill>
-                <a:latin typeface="Times New Roman" panose="02020603050405020304" charset="0"/>
-                <a:ea typeface="黑体" panose="02010609060101010101" charset="-122"/>
-                <a:cs typeface="Times New Roman" panose="02020603050405020304" charset="0"/>
-              </a:rPr>
-              <a:t>他的</a:t>
-            </a:r>
-            <a:r>
-              <a:rPr lang="en-US" altLang="zh-CN" dirty="0">
-                <a:solidFill>
-                  <a:schemeClr val="bg1"/>
-                </a:solidFill>
-                <a:latin typeface="Times New Roman" panose="02020603050405020304" charset="0"/>
-                <a:ea typeface="黑体" panose="02010609060101010101" charset="-122"/>
-                <a:cs typeface="Times New Roman" panose="02020603050405020304" charset="0"/>
-              </a:rPr>
-              <a:t> </a:t>
-            </a:r>
-            <a:r>
-              <a:rPr lang="en-US" altLang="zh-CN" dirty="0">
-                <a:solidFill>
-                  <a:schemeClr val="bg1"/>
-                </a:solidFill>
-                <a:latin typeface="Times New Roman" panose="02020603050405020304" charset="0"/>
-                <a:ea typeface="黑体" panose="02010609060101010101" charset="-122"/>
-                <a:cs typeface="Times New Roman" panose="02020603050405020304" charset="0"/>
-                <a:sym typeface="+mn-ea"/>
-              </a:rPr>
-              <a:t>token</a:t>
-            </a:r>
-            <a:r>
-              <a:rPr lang="en-US" altLang="zh-CN" dirty="0">
-                <a:solidFill>
-                  <a:schemeClr val="bg1"/>
-                </a:solidFill>
-                <a:latin typeface="Times New Roman" panose="02020603050405020304" charset="0"/>
-                <a:ea typeface="黑体" panose="02010609060101010101" charset="-122"/>
-                <a:cs typeface="Times New Roman" panose="02020603050405020304" charset="0"/>
-              </a:rPr>
-              <a:t>=3249</a:t>
-            </a:r>
-            <a:r>
-              <a:rPr lang="zh-CN" altLang="en-US" dirty="0">
-                <a:solidFill>
-                  <a:schemeClr val="bg1"/>
-                </a:solidFill>
-                <a:latin typeface="Times New Roman" panose="02020603050405020304" charset="0"/>
-                <a:ea typeface="黑体" panose="02010609060101010101" charset="-122"/>
-                <a:cs typeface="Times New Roman" panose="02020603050405020304" charset="0"/>
-              </a:rPr>
-              <a:t>，不同模型编号不一样</a:t>
-            </a:r>
-            <a:endParaRPr lang="en-US" altLang="zh-CN" dirty="0">
-              <a:solidFill>
-                <a:schemeClr val="bg1"/>
-              </a:solidFill>
-              <a:latin typeface="Times New Roman" panose="02020603050405020304" charset="0"/>
-              <a:ea typeface="黑体" panose="02010609060101010101" charset="-122"/>
-              <a:cs typeface="Times New Roman" panose="02020603050405020304" charset="0"/>
-            </a:endParaRPr>
-          </a:p>
-          <a:p>
-            <a:pPr marL="285750" indent="-285750" algn="l">
-              <a:lnSpc>
-                <a:spcPct val="150000"/>
-              </a:lnSpc>
-              <a:buClr>
-                <a:srgbClr val="00B050"/>
-              </a:buClr>
-              <a:buFont typeface="Arial" panose="020B0604020202020204" pitchFamily="34" charset="0"/>
-              <a:buChar char="•"/>
-            </a:pPr>
-            <a:r>
-              <a:rPr lang="en-US" altLang="zh-CN" dirty="0">
-                <a:solidFill>
-                  <a:schemeClr val="bg1"/>
-                </a:solidFill>
-                <a:latin typeface="Times New Roman" panose="02020603050405020304" charset="0"/>
-                <a:ea typeface="黑体" panose="02010609060101010101" charset="-122"/>
-                <a:cs typeface="Times New Roman" panose="02020603050405020304" charset="0"/>
-                <a:sym typeface="+mn-ea"/>
-              </a:rPr>
-              <a:t>vocab </a:t>
-            </a:r>
-            <a:r>
-              <a:rPr lang="zh-CN" altLang="en-US" dirty="0">
-                <a:solidFill>
-                  <a:schemeClr val="bg1"/>
-                </a:solidFill>
-                <a:latin typeface="Times New Roman" panose="02020603050405020304" charset="0"/>
-                <a:ea typeface="黑体" panose="02010609060101010101" charset="-122"/>
-                <a:cs typeface="Times New Roman" panose="02020603050405020304" charset="0"/>
-                <a:sym typeface="+mn-ea"/>
-              </a:rPr>
-              <a:t>模型词表</a:t>
-            </a:r>
-            <a:r>
-              <a:rPr lang="en-US" altLang="zh-CN" dirty="0">
-                <a:solidFill>
-                  <a:schemeClr val="bg1"/>
-                </a:solidFill>
-                <a:latin typeface="Times New Roman" panose="02020603050405020304" charset="0"/>
-                <a:ea typeface="黑体" panose="02010609060101010101" charset="-122"/>
-                <a:cs typeface="Times New Roman" panose="02020603050405020304" charset="0"/>
-                <a:sym typeface="+mn-ea"/>
-              </a:rPr>
-              <a:t>: </a:t>
-            </a:r>
-            <a:r>
-              <a:rPr lang="zh-CN" altLang="en-US" dirty="0">
-                <a:solidFill>
-                  <a:schemeClr val="bg1"/>
-                </a:solidFill>
-                <a:latin typeface="Times New Roman" panose="02020603050405020304" charset="0"/>
-                <a:ea typeface="黑体" panose="02010609060101010101" charset="-122"/>
-                <a:cs typeface="Times New Roman" panose="02020603050405020304" charset="0"/>
-                <a:sym typeface="+mn-ea"/>
-              </a:rPr>
-              <a:t>该模型训练时所设置的全部词的</a:t>
-            </a:r>
-            <a:r>
-              <a:rPr lang="en-US" altLang="zh-CN" dirty="0">
-                <a:solidFill>
-                  <a:schemeClr val="bg1"/>
-                </a:solidFill>
-                <a:latin typeface="Times New Roman" panose="02020603050405020304" charset="0"/>
-                <a:ea typeface="黑体" panose="02010609060101010101" charset="-122"/>
-                <a:cs typeface="Times New Roman" panose="02020603050405020304" charset="0"/>
-                <a:sym typeface="+mn-ea"/>
-              </a:rPr>
-              <a:t>token</a:t>
-            </a:r>
-            <a:r>
-              <a:rPr lang="zh-CN" altLang="en-US" dirty="0">
-                <a:solidFill>
-                  <a:schemeClr val="bg1"/>
-                </a:solidFill>
-                <a:latin typeface="Times New Roman" panose="02020603050405020304" charset="0"/>
-                <a:ea typeface="黑体" panose="02010609060101010101" charset="-122"/>
-                <a:cs typeface="Times New Roman" panose="02020603050405020304" charset="0"/>
-                <a:sym typeface="+mn-ea"/>
-              </a:rPr>
-              <a:t>，不同模型词表不一样，词表中中文占比越高的往往中文能力强</a:t>
-            </a:r>
-            <a:endParaRPr lang="en-US" altLang="zh-CN" dirty="0">
-              <a:solidFill>
-                <a:schemeClr val="bg1"/>
-              </a:solidFill>
-              <a:latin typeface="Times New Roman" panose="02020603050405020304" charset="0"/>
-              <a:ea typeface="黑体" panose="02010609060101010101" charset="-122"/>
-              <a:cs typeface="Times New Roman" panose="02020603050405020304" charset="0"/>
-              <a:sym typeface="+mn-ea"/>
-            </a:endParaRPr>
-          </a:p>
-          <a:p>
-            <a:pPr marL="285750" indent="-285750" algn="l">
-              <a:lnSpc>
-                <a:spcPct val="150000"/>
-              </a:lnSpc>
-              <a:buClr>
-                <a:srgbClr val="00B050"/>
-              </a:buClr>
-              <a:buFont typeface="Arial" panose="020B0604020202020204" pitchFamily="34" charset="0"/>
-              <a:buChar char="•"/>
-            </a:pPr>
-            <a:r>
-              <a:rPr lang="en-US" altLang="zh-CN" dirty="0" err="1">
-                <a:solidFill>
-                  <a:schemeClr val="bg1"/>
-                </a:solidFill>
-                <a:latin typeface="Times New Roman" panose="02020603050405020304" charset="0"/>
-                <a:ea typeface="黑体" panose="02010609060101010101" charset="-122"/>
-                <a:cs typeface="Times New Roman" panose="02020603050405020304" charset="0"/>
-                <a:sym typeface="+mn-ea"/>
-              </a:rPr>
-              <a:t>ctx</a:t>
-            </a:r>
-            <a:r>
-              <a:rPr lang="en-US" altLang="zh-CN" dirty="0">
-                <a:solidFill>
-                  <a:schemeClr val="bg1"/>
-                </a:solidFill>
-                <a:latin typeface="Times New Roman" panose="02020603050405020304" charset="0"/>
-                <a:ea typeface="黑体" panose="02010609060101010101" charset="-122"/>
-                <a:cs typeface="Times New Roman" panose="02020603050405020304" charset="0"/>
-                <a:sym typeface="+mn-ea"/>
-              </a:rPr>
-              <a:t> </a:t>
-            </a:r>
-            <a:r>
-              <a:rPr lang="zh-CN" altLang="en-US" dirty="0">
-                <a:solidFill>
-                  <a:schemeClr val="bg1"/>
-                </a:solidFill>
-                <a:latin typeface="Times New Roman" panose="02020603050405020304" charset="0"/>
-                <a:ea typeface="黑体" panose="02010609060101010101" charset="-122"/>
-                <a:cs typeface="Times New Roman" panose="02020603050405020304" charset="0"/>
-                <a:sym typeface="+mn-ea"/>
-              </a:rPr>
-              <a:t>上下文</a:t>
-            </a:r>
-            <a:r>
-              <a:rPr lang="en-US" altLang="zh-CN" dirty="0">
-                <a:solidFill>
-                  <a:schemeClr val="bg1"/>
-                </a:solidFill>
-                <a:latin typeface="Times New Roman" panose="02020603050405020304" charset="0"/>
-                <a:ea typeface="黑体" panose="02010609060101010101" charset="-122"/>
-                <a:cs typeface="Times New Roman" panose="02020603050405020304" charset="0"/>
-                <a:sym typeface="+mn-ea"/>
-              </a:rPr>
-              <a:t>: </a:t>
-            </a:r>
-            <a:r>
-              <a:rPr lang="zh-CN" altLang="en-US" dirty="0">
-                <a:solidFill>
-                  <a:schemeClr val="bg1"/>
-                </a:solidFill>
-                <a:latin typeface="Times New Roman" panose="02020603050405020304" charset="0"/>
-                <a:ea typeface="黑体" panose="02010609060101010101" charset="-122"/>
-                <a:cs typeface="Times New Roman" panose="02020603050405020304" charset="0"/>
-                <a:sym typeface="+mn-ea"/>
-              </a:rPr>
-              <a:t>包括控制模型解码的一套参数和上下文缓存。占用内存与模型词表大小</a:t>
-            </a:r>
-            <a:r>
-              <a:rPr lang="en-US" altLang="zh-CN" dirty="0">
-                <a:solidFill>
-                  <a:schemeClr val="bg1"/>
-                </a:solidFill>
-                <a:latin typeface="Times New Roman" panose="02020603050405020304" charset="0"/>
-                <a:ea typeface="黑体" panose="02010609060101010101" charset="-122"/>
-                <a:cs typeface="Times New Roman" panose="02020603050405020304" charset="0"/>
-                <a:sym typeface="+mn-ea"/>
-              </a:rPr>
-              <a:t>*</a:t>
-            </a:r>
-            <a:r>
-              <a:rPr lang="zh-CN" altLang="en-US" dirty="0">
-                <a:solidFill>
-                  <a:schemeClr val="bg1"/>
-                </a:solidFill>
-                <a:latin typeface="Times New Roman" panose="02020603050405020304" charset="0"/>
-                <a:ea typeface="黑体" panose="02010609060101010101" charset="-122"/>
-                <a:cs typeface="Times New Roman" panose="02020603050405020304" charset="0"/>
-                <a:sym typeface="+mn-ea"/>
-              </a:rPr>
-              <a:t>上下文长度</a:t>
-            </a:r>
-            <a:r>
-              <a:rPr lang="en-US" altLang="zh-CN" dirty="0">
-                <a:solidFill>
-                  <a:schemeClr val="bg1"/>
-                </a:solidFill>
-                <a:latin typeface="Times New Roman" panose="02020603050405020304" charset="0"/>
-                <a:ea typeface="黑体" panose="02010609060101010101" charset="-122"/>
-                <a:cs typeface="Times New Roman" panose="02020603050405020304" charset="0"/>
-                <a:sym typeface="+mn-ea"/>
-              </a:rPr>
-              <a:t>*</a:t>
-            </a:r>
-            <a:r>
-              <a:rPr lang="zh-CN" altLang="en-US" dirty="0">
-                <a:solidFill>
-                  <a:schemeClr val="bg1"/>
-                </a:solidFill>
-                <a:latin typeface="Times New Roman" panose="02020603050405020304" charset="0"/>
-                <a:ea typeface="黑体" panose="02010609060101010101" charset="-122"/>
-                <a:cs typeface="Times New Roman" panose="02020603050405020304" charset="0"/>
-                <a:sym typeface="+mn-ea"/>
-              </a:rPr>
-              <a:t>批大小</a:t>
-            </a:r>
-            <a:r>
-              <a:rPr lang="en-US" altLang="zh-CN" dirty="0">
-                <a:solidFill>
-                  <a:schemeClr val="bg1"/>
-                </a:solidFill>
-                <a:latin typeface="Times New Roman" panose="02020603050405020304" charset="0"/>
-                <a:ea typeface="黑体" panose="02010609060101010101" charset="-122"/>
-                <a:cs typeface="Times New Roman" panose="02020603050405020304" charset="0"/>
-                <a:sym typeface="+mn-ea"/>
-              </a:rPr>
-              <a:t>*</a:t>
-            </a:r>
-            <a:r>
-              <a:rPr lang="zh-CN" altLang="en-US" dirty="0">
-                <a:solidFill>
-                  <a:schemeClr val="bg1"/>
-                </a:solidFill>
-                <a:latin typeface="Times New Roman" panose="02020603050405020304" charset="0"/>
-                <a:ea typeface="黑体" panose="02010609060101010101" charset="-122"/>
-                <a:cs typeface="Times New Roman" panose="02020603050405020304" charset="0"/>
-                <a:sym typeface="+mn-ea"/>
-              </a:rPr>
-              <a:t>模型大小有关</a:t>
-            </a:r>
-            <a:endParaRPr lang="zh-CN" altLang="en-US" dirty="0">
-              <a:solidFill>
-                <a:schemeClr val="bg1"/>
-              </a:solidFill>
-              <a:latin typeface="Times New Roman" panose="02020603050405020304" charset="0"/>
-              <a:ea typeface="黑体" panose="02010609060101010101" charset="-122"/>
-              <a:cs typeface="Times New Roman" panose="02020603050405020304" charset="0"/>
-            </a:endParaRPr>
-          </a:p>
-          <a:p>
-            <a:pPr marL="285750" indent="-285750" algn="l">
-              <a:lnSpc>
-                <a:spcPct val="150000"/>
-              </a:lnSpc>
-              <a:buClr>
-                <a:srgbClr val="00B050"/>
-              </a:buClr>
-              <a:buFont typeface="Arial" panose="020B0604020202020204" pitchFamily="34" charset="0"/>
-              <a:buChar char="•"/>
-            </a:pPr>
-            <a:r>
-              <a:rPr lang="en-US" altLang="zh-CN" dirty="0" err="1">
-                <a:solidFill>
-                  <a:schemeClr val="bg1"/>
-                </a:solidFill>
-                <a:latin typeface="Times New Roman" panose="02020603050405020304" charset="0"/>
-                <a:ea typeface="黑体" panose="02010609060101010101" charset="-122"/>
-                <a:cs typeface="Times New Roman" panose="02020603050405020304" charset="0"/>
-                <a:sym typeface="+mn-ea"/>
-              </a:rPr>
-              <a:t>kv</a:t>
-            </a:r>
-            <a:r>
-              <a:rPr lang="en-US" altLang="zh-CN" dirty="0">
-                <a:solidFill>
-                  <a:schemeClr val="bg1"/>
-                </a:solidFill>
-                <a:latin typeface="Times New Roman" panose="02020603050405020304" charset="0"/>
-                <a:ea typeface="黑体" panose="02010609060101010101" charset="-122"/>
-                <a:cs typeface="Times New Roman" panose="02020603050405020304" charset="0"/>
-                <a:sym typeface="+mn-ea"/>
-              </a:rPr>
-              <a:t> cache </a:t>
-            </a:r>
-            <a:r>
-              <a:rPr lang="zh-CN" altLang="en-US" dirty="0">
-                <a:solidFill>
-                  <a:schemeClr val="bg1"/>
-                </a:solidFill>
-                <a:latin typeface="Times New Roman" panose="02020603050405020304" charset="0"/>
-                <a:ea typeface="黑体" panose="02010609060101010101" charset="-122"/>
-                <a:cs typeface="Times New Roman" panose="02020603050405020304" charset="0"/>
-              </a:rPr>
-              <a:t>上下文缓存</a:t>
-            </a:r>
-            <a:r>
-              <a:rPr lang="en-US" altLang="zh-CN" dirty="0">
-                <a:solidFill>
-                  <a:schemeClr val="bg1"/>
-                </a:solidFill>
-                <a:latin typeface="Times New Roman" panose="02020603050405020304" charset="0"/>
-                <a:ea typeface="黑体" panose="02010609060101010101" charset="-122"/>
-                <a:cs typeface="Times New Roman" panose="02020603050405020304" charset="0"/>
-              </a:rPr>
-              <a:t>: </a:t>
-            </a:r>
-            <a:r>
-              <a:rPr lang="zh-CN" altLang="en-US" dirty="0">
-                <a:solidFill>
-                  <a:schemeClr val="bg1"/>
-                </a:solidFill>
-                <a:latin typeface="Times New Roman" panose="02020603050405020304" charset="0"/>
-                <a:ea typeface="黑体" panose="02010609060101010101" charset="-122"/>
-                <a:cs typeface="Times New Roman" panose="02020603050405020304" charset="0"/>
-                <a:sym typeface="+mn-ea"/>
-              </a:rPr>
-              <a:t>历史解码信息</a:t>
-            </a:r>
-            <a:r>
-              <a:rPr lang="en-US" altLang="zh-CN" dirty="0">
-                <a:solidFill>
-                  <a:schemeClr val="bg1"/>
-                </a:solidFill>
-                <a:latin typeface="Times New Roman" panose="02020603050405020304" charset="0"/>
-                <a:ea typeface="黑体" panose="02010609060101010101" charset="-122"/>
-                <a:cs typeface="Times New Roman" panose="02020603050405020304" charset="0"/>
-              </a:rPr>
-              <a:t>，</a:t>
-            </a:r>
-            <a:r>
-              <a:rPr lang="zh-CN" altLang="en-US" dirty="0">
-                <a:solidFill>
-                  <a:schemeClr val="bg1"/>
-                </a:solidFill>
-                <a:latin typeface="Times New Roman" panose="02020603050405020304" charset="0"/>
-                <a:ea typeface="黑体" panose="02010609060101010101" charset="-122"/>
-                <a:cs typeface="Times New Roman" panose="02020603050405020304" charset="0"/>
-              </a:rPr>
-              <a:t>相当于模型的记忆</a:t>
-            </a:r>
-          </a:p>
-          <a:p>
-            <a:pPr marL="285750" indent="-285750" algn="l">
-              <a:lnSpc>
-                <a:spcPct val="150000"/>
-              </a:lnSpc>
-              <a:buClr>
-                <a:srgbClr val="00B050"/>
-              </a:buClr>
-              <a:buFont typeface="Arial" panose="020B0604020202020204" pitchFamily="34" charset="0"/>
-              <a:buChar char="•"/>
-            </a:pPr>
-            <a:r>
-              <a:rPr lang="en-US" altLang="zh-CN" dirty="0" err="1">
-                <a:solidFill>
-                  <a:schemeClr val="bg1"/>
-                </a:solidFill>
-                <a:latin typeface="Times New Roman" panose="02020603050405020304" charset="0"/>
-                <a:ea typeface="黑体" panose="02010609060101010101" charset="-122"/>
-                <a:cs typeface="Times New Roman" panose="02020603050405020304" charset="0"/>
-              </a:rPr>
-              <a:t>n_ctx_train</a:t>
-            </a:r>
-            <a:r>
-              <a:rPr lang="en-US" altLang="zh-CN" dirty="0">
-                <a:solidFill>
-                  <a:schemeClr val="bg1"/>
-                </a:solidFill>
-                <a:latin typeface="Times New Roman" panose="02020603050405020304" charset="0"/>
-                <a:ea typeface="黑体" panose="02010609060101010101" charset="-122"/>
-                <a:cs typeface="Times New Roman" panose="02020603050405020304" charset="0"/>
-              </a:rPr>
-              <a:t> </a:t>
-            </a:r>
-            <a:r>
-              <a:rPr lang="zh-CN" altLang="en-US" dirty="0">
-                <a:solidFill>
-                  <a:schemeClr val="bg1"/>
-                </a:solidFill>
-                <a:latin typeface="Times New Roman" panose="02020603050405020304" charset="0"/>
-                <a:ea typeface="黑体" panose="02010609060101010101" charset="-122"/>
-                <a:cs typeface="Times New Roman" panose="02020603050405020304" charset="0"/>
-              </a:rPr>
-              <a:t>最大上下文长度</a:t>
-            </a:r>
-            <a:r>
-              <a:rPr lang="en-US" altLang="zh-CN" dirty="0">
-                <a:solidFill>
-                  <a:schemeClr val="bg1"/>
-                </a:solidFill>
-                <a:latin typeface="Times New Roman" panose="02020603050405020304" charset="0"/>
-                <a:ea typeface="黑体" panose="02010609060101010101" charset="-122"/>
-                <a:cs typeface="Times New Roman" panose="02020603050405020304" charset="0"/>
-              </a:rPr>
-              <a:t>: </a:t>
-            </a:r>
-            <a:r>
-              <a:rPr lang="zh-CN" altLang="en-US" dirty="0">
-                <a:solidFill>
-                  <a:schemeClr val="bg1"/>
-                </a:solidFill>
-                <a:latin typeface="Times New Roman" panose="02020603050405020304" charset="0"/>
-                <a:ea typeface="黑体" panose="02010609060101010101" charset="-122"/>
-                <a:cs typeface="Times New Roman" panose="02020603050405020304" charset="0"/>
-                <a:sym typeface="+mn-ea"/>
-              </a:rPr>
-              <a:t>该模型训练时能送入解码的最大</a:t>
-            </a:r>
-            <a:r>
-              <a:rPr lang="en-US" altLang="zh-CN" dirty="0">
-                <a:solidFill>
-                  <a:schemeClr val="bg1"/>
-                </a:solidFill>
-                <a:latin typeface="Times New Roman" panose="02020603050405020304" charset="0"/>
-                <a:ea typeface="黑体" panose="02010609060101010101" charset="-122"/>
-                <a:cs typeface="Times New Roman" panose="02020603050405020304" charset="0"/>
-                <a:sym typeface="+mn-ea"/>
-              </a:rPr>
-              <a:t>token</a:t>
-            </a:r>
-            <a:r>
-              <a:rPr lang="zh-CN" altLang="en-US" dirty="0">
-                <a:solidFill>
-                  <a:schemeClr val="bg1"/>
-                </a:solidFill>
-                <a:latin typeface="Times New Roman" panose="02020603050405020304" charset="0"/>
-                <a:ea typeface="黑体" panose="02010609060101010101" charset="-122"/>
-                <a:cs typeface="Times New Roman" panose="02020603050405020304" charset="0"/>
-                <a:sym typeface="+mn-ea"/>
-              </a:rPr>
-              <a:t>数量</a:t>
-            </a:r>
-          </a:p>
-          <a:p>
-            <a:pPr marL="285750" indent="-285750" algn="l">
-              <a:lnSpc>
-                <a:spcPct val="150000"/>
-              </a:lnSpc>
-              <a:buClr>
-                <a:srgbClr val="00B050"/>
-              </a:buClr>
-              <a:buFont typeface="Arial" panose="020B0604020202020204" pitchFamily="34" charset="0"/>
-              <a:buChar char="•"/>
-            </a:pPr>
-            <a:r>
-              <a:rPr lang="en-US" altLang="zh-CN" dirty="0" err="1">
-                <a:solidFill>
-                  <a:schemeClr val="bg1"/>
-                </a:solidFill>
-                <a:latin typeface="Times New Roman" panose="02020603050405020304" charset="0"/>
-                <a:ea typeface="黑体" panose="02010609060101010101" charset="-122"/>
-                <a:cs typeface="Times New Roman" panose="02020603050405020304" charset="0"/>
-                <a:sym typeface="+mn-ea"/>
-              </a:rPr>
-              <a:t>n_ctx</a:t>
-            </a:r>
-            <a:r>
-              <a:rPr lang="en-US" altLang="zh-CN" dirty="0">
-                <a:solidFill>
-                  <a:schemeClr val="bg1"/>
-                </a:solidFill>
-                <a:latin typeface="Times New Roman" panose="02020603050405020304" charset="0"/>
-                <a:ea typeface="黑体" panose="02010609060101010101" charset="-122"/>
-                <a:cs typeface="Times New Roman" panose="02020603050405020304" charset="0"/>
-                <a:sym typeface="+mn-ea"/>
-              </a:rPr>
-              <a:t> </a:t>
-            </a:r>
-            <a:r>
-              <a:rPr lang="zh-CN" altLang="en-US" dirty="0">
-                <a:solidFill>
-                  <a:schemeClr val="bg1"/>
-                </a:solidFill>
-                <a:latin typeface="Times New Roman" panose="02020603050405020304" charset="0"/>
-                <a:ea typeface="黑体" panose="02010609060101010101" charset="-122"/>
-                <a:cs typeface="Times New Roman" panose="02020603050405020304" charset="0"/>
-                <a:sym typeface="+mn-ea"/>
-              </a:rPr>
-              <a:t>上下文长度</a:t>
-            </a:r>
-            <a:r>
-              <a:rPr lang="en-US" altLang="zh-CN" dirty="0">
-                <a:solidFill>
-                  <a:schemeClr val="bg1"/>
-                </a:solidFill>
-                <a:latin typeface="Times New Roman" panose="02020603050405020304" charset="0"/>
-                <a:ea typeface="黑体" panose="02010609060101010101" charset="-122"/>
-                <a:cs typeface="Times New Roman" panose="02020603050405020304" charset="0"/>
-                <a:sym typeface="+mn-ea"/>
-              </a:rPr>
-              <a:t>: </a:t>
-            </a:r>
-            <a:r>
-              <a:rPr lang="zh-CN" altLang="en-US" dirty="0">
-                <a:solidFill>
-                  <a:schemeClr val="bg1"/>
-                </a:solidFill>
-                <a:latin typeface="Times New Roman" panose="02020603050405020304" charset="0"/>
-                <a:ea typeface="黑体" panose="02010609060101010101" charset="-122"/>
-                <a:cs typeface="Times New Roman" panose="02020603050405020304" charset="0"/>
-                <a:sym typeface="+mn-ea"/>
-              </a:rPr>
-              <a:t>用户设置的解码时模型能接受的的最大</a:t>
-            </a:r>
-            <a:r>
-              <a:rPr lang="en-US" altLang="zh-CN" dirty="0">
-                <a:solidFill>
-                  <a:schemeClr val="bg1"/>
-                </a:solidFill>
-                <a:latin typeface="Times New Roman" panose="02020603050405020304" charset="0"/>
-                <a:ea typeface="黑体" panose="02010609060101010101" charset="-122"/>
-                <a:cs typeface="Times New Roman" panose="02020603050405020304" charset="0"/>
-                <a:sym typeface="+mn-ea"/>
-              </a:rPr>
-              <a:t>token</a:t>
-            </a:r>
-            <a:r>
-              <a:rPr lang="zh-CN" altLang="en-US" dirty="0">
-                <a:solidFill>
-                  <a:schemeClr val="bg1"/>
-                </a:solidFill>
-                <a:latin typeface="Times New Roman" panose="02020603050405020304" charset="0"/>
-                <a:ea typeface="黑体" panose="02010609060101010101" charset="-122"/>
-                <a:cs typeface="Times New Roman" panose="02020603050405020304" charset="0"/>
-                <a:sym typeface="+mn-ea"/>
-              </a:rPr>
-              <a:t>数量，不能超过</a:t>
-            </a:r>
-            <a:r>
-              <a:rPr lang="en-US" altLang="zh-CN" dirty="0" err="1">
-                <a:solidFill>
-                  <a:schemeClr val="bg1"/>
-                </a:solidFill>
-                <a:latin typeface="Times New Roman" panose="02020603050405020304" charset="0"/>
-                <a:ea typeface="黑体" panose="02010609060101010101" charset="-122"/>
-                <a:cs typeface="Times New Roman" panose="02020603050405020304" charset="0"/>
-                <a:sym typeface="+mn-ea"/>
-              </a:rPr>
-              <a:t>n_ctx_train</a:t>
-            </a:r>
-            <a:endParaRPr lang="en-US" altLang="zh-CN" dirty="0">
-              <a:solidFill>
-                <a:schemeClr val="bg1"/>
-              </a:solidFill>
-              <a:latin typeface="Times New Roman" panose="02020603050405020304" charset="0"/>
-              <a:ea typeface="黑体" panose="02010609060101010101" charset="-122"/>
-              <a:cs typeface="Times New Roman" panose="02020603050405020304" charset="0"/>
-            </a:endParaRPr>
-          </a:p>
-          <a:p>
-            <a:pPr marL="285750" indent="-285750" algn="l">
-              <a:lnSpc>
-                <a:spcPct val="150000"/>
-              </a:lnSpc>
-              <a:buClr>
-                <a:srgbClr val="00B050"/>
-              </a:buClr>
-              <a:buFont typeface="Arial" panose="020B0604020202020204" pitchFamily="34" charset="0"/>
-              <a:buChar char="•"/>
-            </a:pPr>
-            <a:r>
-              <a:rPr lang="en-US" altLang="zh-CN" dirty="0" err="1">
-                <a:solidFill>
-                  <a:schemeClr val="bg1"/>
-                </a:solidFill>
-                <a:latin typeface="Times New Roman" panose="02020603050405020304" charset="0"/>
-                <a:ea typeface="黑体" panose="02010609060101010101" charset="-122"/>
-                <a:cs typeface="Times New Roman" panose="02020603050405020304" charset="0"/>
-                <a:sym typeface="+mn-ea"/>
-              </a:rPr>
-              <a:t>vecb</a:t>
-            </a:r>
-            <a:r>
-              <a:rPr lang="en-US" altLang="zh-CN" dirty="0">
-                <a:solidFill>
-                  <a:schemeClr val="bg1"/>
-                </a:solidFill>
-                <a:latin typeface="Times New Roman" panose="02020603050405020304" charset="0"/>
-                <a:ea typeface="黑体" panose="02010609060101010101" charset="-122"/>
-                <a:cs typeface="Times New Roman" panose="02020603050405020304" charset="0"/>
-                <a:sym typeface="+mn-ea"/>
-              </a:rPr>
-              <a:t> </a:t>
-            </a:r>
-            <a:r>
-              <a:rPr lang="zh-CN" altLang="en-US" dirty="0">
-                <a:solidFill>
-                  <a:schemeClr val="bg1"/>
-                </a:solidFill>
-                <a:latin typeface="Times New Roman" panose="02020603050405020304" charset="0"/>
-                <a:ea typeface="黑体" panose="02010609060101010101" charset="-122"/>
-                <a:cs typeface="Times New Roman" panose="02020603050405020304" charset="0"/>
-              </a:rPr>
-              <a:t>向量表</a:t>
-            </a:r>
-            <a:r>
-              <a:rPr lang="en-US" altLang="zh-CN" dirty="0">
-                <a:solidFill>
-                  <a:schemeClr val="bg1"/>
-                </a:solidFill>
-                <a:latin typeface="Times New Roman" panose="02020603050405020304" charset="0"/>
-                <a:ea typeface="黑体" panose="02010609060101010101" charset="-122"/>
-                <a:cs typeface="Times New Roman" panose="02020603050405020304" charset="0"/>
-              </a:rPr>
-              <a:t>: </a:t>
-            </a:r>
-            <a:r>
-              <a:rPr lang="zh-CN" altLang="en-US" dirty="0">
-                <a:solidFill>
-                  <a:schemeClr val="bg1"/>
-                </a:solidFill>
-                <a:latin typeface="Times New Roman" panose="02020603050405020304" charset="0"/>
-                <a:ea typeface="黑体" panose="02010609060101010101" charset="-122"/>
-                <a:cs typeface="Times New Roman" panose="02020603050405020304" charset="0"/>
-              </a:rPr>
-              <a:t>模型对上下文缓存和送入的token进行解码得到的结果</a:t>
-            </a:r>
-          </a:p>
-          <a:p>
-            <a:pPr marL="285750" indent="-285750" algn="l">
-              <a:lnSpc>
-                <a:spcPct val="150000"/>
-              </a:lnSpc>
-              <a:buClr>
-                <a:srgbClr val="00B050"/>
-              </a:buClr>
-              <a:buFont typeface="Arial" panose="020B0604020202020204" pitchFamily="34" charset="0"/>
-              <a:buChar char="•"/>
-            </a:pPr>
-            <a:r>
-              <a:rPr lang="en-US" altLang="zh-CN" dirty="0">
-                <a:solidFill>
-                  <a:schemeClr val="bg1"/>
-                </a:solidFill>
-                <a:latin typeface="Times New Roman" panose="02020603050405020304" charset="0"/>
-                <a:ea typeface="黑体" panose="02010609060101010101" charset="-122"/>
-                <a:cs typeface="Times New Roman" panose="02020603050405020304" charset="0"/>
-              </a:rPr>
-              <a:t>temperature </a:t>
-            </a:r>
-            <a:r>
-              <a:rPr lang="zh-CN" altLang="en-US" dirty="0">
-                <a:solidFill>
-                  <a:schemeClr val="bg1"/>
-                </a:solidFill>
-                <a:latin typeface="Times New Roman" panose="02020603050405020304" charset="0"/>
-                <a:ea typeface="黑体" panose="02010609060101010101" charset="-122"/>
-                <a:cs typeface="Times New Roman" panose="02020603050405020304" charset="0"/>
-              </a:rPr>
-              <a:t>温度</a:t>
-            </a:r>
-            <a:r>
-              <a:rPr lang="en-US" altLang="zh-CN" dirty="0">
-                <a:solidFill>
-                  <a:schemeClr val="bg1"/>
-                </a:solidFill>
-                <a:latin typeface="Times New Roman" panose="02020603050405020304" charset="0"/>
-                <a:ea typeface="黑体" panose="02010609060101010101" charset="-122"/>
-                <a:cs typeface="Times New Roman" panose="02020603050405020304" charset="0"/>
-              </a:rPr>
-              <a:t>: </a:t>
-            </a:r>
-            <a:r>
-              <a:rPr lang="zh-CN" altLang="en-US" dirty="0">
-                <a:solidFill>
-                  <a:schemeClr val="bg1"/>
-                </a:solidFill>
-                <a:latin typeface="Times New Roman" panose="02020603050405020304" charset="0"/>
-                <a:ea typeface="黑体" panose="02010609060101010101" charset="-122"/>
-                <a:cs typeface="Times New Roman" panose="02020603050405020304" charset="0"/>
-              </a:rPr>
-              <a:t>采样时会根据温度值将向量表转为概率表，温度越高随机性越大</a:t>
-            </a:r>
-            <a:endParaRPr lang="en-US" altLang="zh-CN" dirty="0">
-              <a:solidFill>
-                <a:schemeClr val="bg1"/>
-              </a:solidFill>
-              <a:latin typeface="Times New Roman" panose="02020603050405020304" charset="0"/>
-              <a:ea typeface="黑体" panose="02010609060101010101" charset="-122"/>
-              <a:cs typeface="Times New Roman" panose="02020603050405020304" charset="0"/>
-            </a:endParaRPr>
-          </a:p>
-          <a:p>
-            <a:pPr marL="285750" indent="-285750" algn="l">
-              <a:lnSpc>
-                <a:spcPct val="150000"/>
-              </a:lnSpc>
-              <a:buClr>
-                <a:srgbClr val="00B050"/>
-              </a:buClr>
-              <a:buFont typeface="Arial" panose="020B0604020202020204" pitchFamily="34" charset="0"/>
-              <a:buChar char="•"/>
-            </a:pPr>
-            <a:r>
-              <a:rPr lang="en-US" altLang="zh-CN" dirty="0">
-                <a:solidFill>
-                  <a:schemeClr val="bg1"/>
-                </a:solidFill>
-                <a:latin typeface="Times New Roman" panose="02020603050405020304" charset="0"/>
-                <a:ea typeface="黑体" panose="02010609060101010101" charset="-122"/>
-                <a:cs typeface="Times New Roman" panose="02020603050405020304" charset="0"/>
-                <a:sym typeface="+mn-ea"/>
-              </a:rPr>
-              <a:t>prob </a:t>
-            </a:r>
-            <a:r>
-              <a:rPr lang="zh-CN" altLang="en-US" dirty="0">
-                <a:solidFill>
-                  <a:schemeClr val="bg1"/>
-                </a:solidFill>
-                <a:latin typeface="Times New Roman" panose="02020603050405020304" charset="0"/>
-                <a:ea typeface="黑体" panose="02010609060101010101" charset="-122"/>
-                <a:cs typeface="Times New Roman" panose="02020603050405020304" charset="0"/>
-              </a:rPr>
-              <a:t>概率表</a:t>
-            </a:r>
-            <a:r>
-              <a:rPr lang="en-US" altLang="zh-CN" dirty="0">
-                <a:solidFill>
-                  <a:schemeClr val="bg1"/>
-                </a:solidFill>
-                <a:latin typeface="Times New Roman" panose="02020603050405020304" charset="0"/>
-                <a:ea typeface="黑体" panose="02010609060101010101" charset="-122"/>
-                <a:cs typeface="Times New Roman" panose="02020603050405020304" charset="0"/>
-              </a:rPr>
-              <a:t>: </a:t>
-            </a:r>
-            <a:r>
-              <a:rPr lang="zh-CN" altLang="en-US" dirty="0">
-                <a:solidFill>
-                  <a:schemeClr val="bg1"/>
-                </a:solidFill>
-                <a:latin typeface="Times New Roman" panose="02020603050405020304" charset="0"/>
-                <a:ea typeface="黑体" panose="02010609060101010101" charset="-122"/>
-                <a:cs typeface="Times New Roman" panose="02020603050405020304" charset="0"/>
-                <a:sym typeface="+mn-ea"/>
-              </a:rPr>
-              <a:t>模型词表中全部</a:t>
-            </a:r>
-            <a:r>
-              <a:rPr lang="en-US" altLang="zh-CN" dirty="0">
-                <a:solidFill>
-                  <a:schemeClr val="bg1"/>
-                </a:solidFill>
-                <a:latin typeface="Times New Roman" panose="02020603050405020304" charset="0"/>
-                <a:ea typeface="黑体" panose="02010609060101010101" charset="-122"/>
-                <a:cs typeface="Times New Roman" panose="02020603050405020304" charset="0"/>
-                <a:sym typeface="+mn-ea"/>
-              </a:rPr>
-              <a:t>token</a:t>
-            </a:r>
-            <a:r>
-              <a:rPr lang="zh-CN" altLang="en-US" dirty="0">
-                <a:solidFill>
-                  <a:schemeClr val="bg1"/>
-                </a:solidFill>
-                <a:latin typeface="Times New Roman" panose="02020603050405020304" charset="0"/>
-                <a:ea typeface="黑体" panose="02010609060101010101" charset="-122"/>
-                <a:cs typeface="Times New Roman" panose="02020603050405020304" charset="0"/>
-                <a:sym typeface="+mn-ea"/>
-              </a:rPr>
-              <a:t>的选用概率，用来预测下一个</a:t>
-            </a:r>
-            <a:r>
-              <a:rPr lang="en-US" altLang="zh-CN" dirty="0">
-                <a:solidFill>
-                  <a:schemeClr val="bg1"/>
-                </a:solidFill>
-                <a:latin typeface="Times New Roman" panose="02020603050405020304" charset="0"/>
-                <a:ea typeface="黑体" panose="02010609060101010101" charset="-122"/>
-                <a:cs typeface="Times New Roman" panose="02020603050405020304" charset="0"/>
-                <a:sym typeface="+mn-ea"/>
-              </a:rPr>
-              <a:t>token</a:t>
-            </a:r>
-            <a:endParaRPr lang="zh-CN" altLang="en-US" dirty="0">
-              <a:solidFill>
-                <a:schemeClr val="bg1"/>
-              </a:solidFill>
-              <a:latin typeface="Times New Roman" panose="02020603050405020304" charset="0"/>
-              <a:ea typeface="黑体" panose="02010609060101010101" charset="-122"/>
-              <a:cs typeface="Times New Roman" panose="02020603050405020304" charset="0"/>
-              <a:sym typeface="+mn-ea"/>
-            </a:endParaRPr>
-          </a:p>
-          <a:p>
-            <a:pPr marL="285750" indent="-285750" algn="l">
-              <a:lnSpc>
-                <a:spcPct val="150000"/>
-              </a:lnSpc>
-              <a:buClr>
-                <a:srgbClr val="00B050"/>
-              </a:buClr>
-              <a:buFont typeface="Arial" panose="020B0604020202020204" pitchFamily="34" charset="0"/>
-              <a:buChar char="•"/>
-            </a:pPr>
-            <a:r>
-              <a:rPr lang="en-US" altLang="zh-CN" dirty="0">
-                <a:solidFill>
-                  <a:schemeClr val="bg1"/>
-                </a:solidFill>
-                <a:latin typeface="Times New Roman" panose="02020603050405020304" charset="0"/>
-                <a:ea typeface="黑体" panose="02010609060101010101" charset="-122"/>
-                <a:cs typeface="Times New Roman" panose="02020603050405020304" charset="0"/>
-                <a:sym typeface="+mn-ea"/>
-              </a:rPr>
-              <a:t>lora model </a:t>
-            </a:r>
-            <a:r>
-              <a:rPr lang="zh-CN" altLang="en-US" dirty="0">
-                <a:solidFill>
-                  <a:schemeClr val="bg1"/>
-                </a:solidFill>
-                <a:latin typeface="Times New Roman" panose="02020603050405020304" charset="0"/>
-                <a:ea typeface="黑体" panose="02010609060101010101" charset="-122"/>
-                <a:cs typeface="Times New Roman" panose="02020603050405020304" charset="0"/>
-              </a:rPr>
-              <a:t>低秩适配器</a:t>
-            </a:r>
-            <a:r>
-              <a:rPr lang="en-US" altLang="zh-CN" dirty="0">
-                <a:solidFill>
-                  <a:schemeClr val="bg1"/>
-                </a:solidFill>
-                <a:latin typeface="Times New Roman" panose="02020603050405020304" charset="0"/>
-                <a:ea typeface="黑体" panose="02010609060101010101" charset="-122"/>
-                <a:cs typeface="Times New Roman" panose="02020603050405020304" charset="0"/>
-              </a:rPr>
-              <a:t>: </a:t>
-            </a:r>
-            <a:r>
-              <a:rPr lang="zh-CN" altLang="en-US" dirty="0">
-                <a:solidFill>
-                  <a:schemeClr val="bg1"/>
-                </a:solidFill>
-                <a:latin typeface="Times New Roman" panose="02020603050405020304" charset="0"/>
-                <a:ea typeface="黑体" panose="02010609060101010101" charset="-122"/>
-                <a:cs typeface="Times New Roman" panose="02020603050405020304" charset="0"/>
-              </a:rPr>
-              <a:t>在原有模型结构中挂载简单的结构</a:t>
-            </a:r>
-            <a:r>
-              <a:rPr lang="en-US" altLang="zh-CN" dirty="0">
-                <a:solidFill>
-                  <a:schemeClr val="bg1"/>
-                </a:solidFill>
-                <a:latin typeface="Times New Roman" panose="02020603050405020304" charset="0"/>
-                <a:ea typeface="黑体" panose="02010609060101010101" charset="-122"/>
-                <a:cs typeface="Times New Roman" panose="02020603050405020304" charset="0"/>
-              </a:rPr>
-              <a:t>，</a:t>
-            </a:r>
-            <a:r>
-              <a:rPr lang="zh-CN" altLang="en-US" dirty="0">
-                <a:solidFill>
-                  <a:schemeClr val="bg1"/>
-                </a:solidFill>
-                <a:latin typeface="Times New Roman" panose="02020603050405020304" charset="0"/>
-                <a:ea typeface="黑体" panose="02010609060101010101" charset="-122"/>
-                <a:cs typeface="Times New Roman" panose="02020603050405020304" charset="0"/>
-              </a:rPr>
-              <a:t>可以改变模型的输出风格，不支持</a:t>
-            </a:r>
-            <a:r>
-              <a:rPr lang="en-US" altLang="zh-CN" dirty="0" err="1">
-                <a:solidFill>
-                  <a:schemeClr val="bg1"/>
-                </a:solidFill>
-                <a:latin typeface="Times New Roman" panose="02020603050405020304" charset="0"/>
-                <a:ea typeface="黑体" panose="02010609060101010101" charset="-122"/>
-                <a:cs typeface="Times New Roman" panose="02020603050405020304" charset="0"/>
-              </a:rPr>
-              <a:t>cuda</a:t>
-            </a:r>
-            <a:r>
-              <a:rPr lang="zh-CN" altLang="en-US" dirty="0">
-                <a:solidFill>
-                  <a:schemeClr val="bg1"/>
-                </a:solidFill>
-                <a:latin typeface="Times New Roman" panose="02020603050405020304" charset="0"/>
-                <a:ea typeface="黑体" panose="02010609060101010101" charset="-122"/>
-                <a:cs typeface="Times New Roman" panose="02020603050405020304" charset="0"/>
-              </a:rPr>
-              <a:t>加速</a:t>
-            </a:r>
-            <a:endParaRPr lang="en-US" altLang="zh-CN" dirty="0">
-              <a:solidFill>
-                <a:schemeClr val="bg1"/>
-              </a:solidFill>
-              <a:latin typeface="Times New Roman" panose="02020603050405020304" charset="0"/>
-              <a:ea typeface="黑体" panose="02010609060101010101" charset="-122"/>
-              <a:cs typeface="Times New Roman" panose="02020603050405020304" charset="0"/>
-            </a:endParaRPr>
-          </a:p>
-          <a:p>
-            <a:pPr marL="285750" indent="-285750" algn="l">
-              <a:lnSpc>
-                <a:spcPct val="150000"/>
-              </a:lnSpc>
-              <a:buClr>
-                <a:srgbClr val="00B050"/>
-              </a:buClr>
-              <a:buFont typeface="Arial" panose="020B0604020202020204" pitchFamily="34" charset="0"/>
-              <a:buChar char="•"/>
-            </a:pPr>
-            <a:endParaRPr lang="en-US" altLang="zh-CN" dirty="0">
-              <a:solidFill>
-                <a:schemeClr val="bg1"/>
-              </a:solidFill>
-              <a:latin typeface="Times New Roman" panose="02020603050405020304" charset="0"/>
-              <a:ea typeface="黑体" panose="02010609060101010101" charset="-122"/>
-              <a:cs typeface="Times New Roman" panose="02020603050405020304" charset="0"/>
-            </a:endParaRPr>
-          </a:p>
-        </p:txBody>
-      </p:sp>
-      <p:sp>
-        <p:nvSpPr>
-          <p:cNvPr id="5" name="文本框 4"/>
-          <p:cNvSpPr txBox="1"/>
-          <p:nvPr>
-            <p:custDataLst>
-              <p:tags r:id="rId3"/>
-            </p:custDataLst>
-          </p:nvPr>
-        </p:nvSpPr>
-        <p:spPr>
-          <a:xfrm>
-            <a:off x="424542" y="12661083"/>
-            <a:ext cx="11339195" cy="368300"/>
-          </a:xfrm>
-          <a:prstGeom prst="rect">
-            <a:avLst/>
-          </a:prstGeom>
-          <a:noFill/>
-          <a:ln w="28575" cmpd="sng">
-            <a:noFill/>
-            <a:prstDash val="solid"/>
-          </a:ln>
-        </p:spPr>
-        <p:txBody>
-          <a:bodyPr wrap="square" rtlCol="0">
-            <a:spAutoFit/>
-          </a:bodyPr>
-          <a:lstStyle/>
-          <a:p>
-            <a:pPr marL="285750" indent="-285750">
-              <a:buClr>
-                <a:srgbClr val="00B0F0"/>
-              </a:buClr>
-              <a:buFont typeface="Arial" panose="020B0604020202020204" pitchFamily="34" charset="0"/>
-              <a:buChar char="•"/>
-            </a:pPr>
-            <a:r>
-              <a:rPr lang="zh-CN" altLang="en-US">
-                <a:solidFill>
-                  <a:schemeClr val="bg1"/>
-                </a:solidFill>
-                <a:latin typeface="Times New Roman" panose="02020603050405020304" charset="0"/>
-                <a:ea typeface="黑体" panose="02010609060101010101" charset="-122"/>
-              </a:rPr>
-              <a:t>行为</a:t>
-            </a:r>
-          </a:p>
-        </p:txBody>
-      </p:sp>
-      <p:sp>
-        <p:nvSpPr>
-          <p:cNvPr id="9" name="矩形 8"/>
-          <p:cNvSpPr/>
-          <p:nvPr>
-            <p:custDataLst>
-              <p:tags r:id="rId4"/>
-            </p:custDataLst>
-          </p:nvPr>
-        </p:nvSpPr>
-        <p:spPr>
-          <a:xfrm>
-            <a:off x="886822" y="13141143"/>
-            <a:ext cx="10986770" cy="3448050"/>
-          </a:xfrm>
-          <a:prstGeom prst="rect">
-            <a:avLst/>
-          </a:prstGeom>
-          <a:noFill/>
-          <a:ln>
-            <a:noFill/>
-          </a:ln>
-          <a:extLst>
-            <a:ext uri="{909E8E84-426E-40DD-AFC4-6F175D3DCCD1}">
-              <a14:hiddenFill xmlns:a14="http://schemas.microsoft.com/office/drawing/2010/main">
-                <a:solidFill>
-                  <a:schemeClr val="accent1"/>
-                </a:solidFill>
-              </a14:hiddenFill>
-            </a:ext>
-          </a:extLst>
-        </p:spPr>
-        <p:style>
-          <a:lnRef idx="2">
-            <a:schemeClr val="accent1">
-              <a:lumMod val="75000"/>
-            </a:schemeClr>
-          </a:lnRef>
-          <a:fillRef idx="1">
-            <a:schemeClr val="accent1"/>
-          </a:fillRef>
-          <a:effectRef idx="0">
-            <a:srgbClr val="FFFFFF"/>
-          </a:effectRef>
-          <a:fontRef idx="minor">
-            <a:schemeClr val="lt1"/>
-          </a:fontRef>
-        </p:style>
-        <p:txBody>
-          <a:bodyPr rtlCol="0" anchor="ctr"/>
-          <a:lstStyle/>
-          <a:p>
-            <a:pPr marL="285750" indent="-285750" algn="l">
-              <a:lnSpc>
-                <a:spcPct val="150000"/>
-              </a:lnSpc>
-              <a:buClr>
-                <a:srgbClr val="00B050"/>
-              </a:buClr>
-              <a:buFont typeface="Arial" panose="020B0604020202020204" pitchFamily="34" charset="0"/>
-              <a:buChar char="•"/>
-            </a:pPr>
-            <a:r>
-              <a:rPr lang="zh-CN" altLang="en-US">
-                <a:solidFill>
-                  <a:schemeClr val="bg1"/>
-                </a:solidFill>
-                <a:latin typeface="Times New Roman" panose="02020603050405020304" charset="0"/>
-                <a:ea typeface="黑体" panose="02010609060101010101" charset="-122"/>
-                <a:cs typeface="Times New Roman" panose="02020603050405020304" charset="0"/>
-              </a:rPr>
-              <a:t>预解码</a:t>
-            </a:r>
-            <a:r>
-              <a:rPr lang="en-US" altLang="zh-CN">
-                <a:solidFill>
-                  <a:schemeClr val="bg1"/>
-                </a:solidFill>
-                <a:latin typeface="Times New Roman" panose="02020603050405020304" charset="0"/>
-                <a:ea typeface="黑体" panose="02010609060101010101" charset="-122"/>
-                <a:cs typeface="Times New Roman" panose="02020603050405020304" charset="0"/>
-              </a:rPr>
-              <a:t>: </a:t>
-            </a:r>
-            <a:r>
-              <a:rPr lang="zh-CN" altLang="en-US">
-                <a:solidFill>
-                  <a:schemeClr val="bg1"/>
-                </a:solidFill>
-                <a:latin typeface="Times New Roman" panose="02020603050405020304" charset="0"/>
-                <a:ea typeface="黑体" panose="02010609060101010101" charset="-122"/>
-                <a:cs typeface="Times New Roman" panose="02020603050405020304" charset="0"/>
-              </a:rPr>
-              <a:t>对用户约定的系统指令预先进行解码。用户修改</a:t>
-            </a:r>
-            <a:r>
-              <a:rPr lang="zh-CN" altLang="en-US">
-                <a:solidFill>
-                  <a:schemeClr val="bg1"/>
-                </a:solidFill>
-                <a:latin typeface="Times New Roman" panose="02020603050405020304" charset="0"/>
-                <a:ea typeface="黑体" panose="02010609060101010101" charset="-122"/>
-                <a:cs typeface="Times New Roman" panose="02020603050405020304" charset="0"/>
-                <a:sym typeface="+mn-ea"/>
-              </a:rPr>
-              <a:t>系统指令</a:t>
-            </a:r>
-            <a:r>
-              <a:rPr lang="en-US" altLang="zh-CN">
-                <a:solidFill>
-                  <a:schemeClr val="bg1"/>
-                </a:solidFill>
-                <a:latin typeface="Times New Roman" panose="02020603050405020304" charset="0"/>
-                <a:ea typeface="黑体" panose="02010609060101010101" charset="-122"/>
-                <a:cs typeface="Times New Roman" panose="02020603050405020304" charset="0"/>
-                <a:sym typeface="+mn-ea"/>
-              </a:rPr>
-              <a:t>/达到最大上下文</a:t>
-            </a:r>
-            <a:r>
-              <a:rPr lang="zh-CN" altLang="en-US">
-                <a:solidFill>
-                  <a:schemeClr val="bg1"/>
-                </a:solidFill>
-                <a:latin typeface="Times New Roman" panose="02020603050405020304" charset="0"/>
-                <a:ea typeface="黑体" panose="02010609060101010101" charset="-122"/>
-                <a:cs typeface="Times New Roman" panose="02020603050405020304" charset="0"/>
-                <a:sym typeface="+mn-ea"/>
-              </a:rPr>
-              <a:t>并重置</a:t>
-            </a:r>
-            <a:r>
-              <a:rPr lang="en-US" altLang="zh-CN">
-                <a:solidFill>
-                  <a:schemeClr val="bg1"/>
-                </a:solidFill>
-                <a:latin typeface="Times New Roman" panose="02020603050405020304" charset="0"/>
-                <a:ea typeface="黑体" panose="02010609060101010101" charset="-122"/>
-                <a:cs typeface="Times New Roman" panose="02020603050405020304" charset="0"/>
-                <a:sym typeface="+mn-ea"/>
-              </a:rPr>
-              <a:t>/</a:t>
-            </a:r>
-            <a:r>
-              <a:rPr lang="zh-CN" altLang="en-US">
-                <a:solidFill>
-                  <a:schemeClr val="bg1"/>
-                </a:solidFill>
-                <a:latin typeface="Times New Roman" panose="02020603050405020304" charset="0"/>
-                <a:ea typeface="黑体" panose="02010609060101010101" charset="-122"/>
-                <a:cs typeface="Times New Roman" panose="02020603050405020304" charset="0"/>
-                <a:sym typeface="+mn-ea"/>
-              </a:rPr>
-              <a:t>时会执行</a:t>
-            </a:r>
-            <a:endParaRPr lang="en-US" altLang="zh-CN">
-              <a:solidFill>
-                <a:schemeClr val="bg1"/>
-              </a:solidFill>
-              <a:latin typeface="Times New Roman" panose="02020603050405020304" charset="0"/>
-              <a:ea typeface="黑体" panose="02010609060101010101" charset="-122"/>
-              <a:cs typeface="Times New Roman" panose="02020603050405020304" charset="0"/>
-            </a:endParaRPr>
-          </a:p>
-          <a:p>
-            <a:pPr marL="285750" indent="-285750" algn="l">
-              <a:lnSpc>
-                <a:spcPct val="150000"/>
-              </a:lnSpc>
-              <a:buClr>
-                <a:srgbClr val="00B050"/>
-              </a:buClr>
-              <a:buFont typeface="Arial" panose="020B0604020202020204" pitchFamily="34" charset="0"/>
-              <a:buChar char="•"/>
-            </a:pPr>
-            <a:r>
-              <a:rPr lang="zh-CN" altLang="en-US">
-                <a:solidFill>
-                  <a:schemeClr val="bg1"/>
-                </a:solidFill>
-                <a:latin typeface="Times New Roman" panose="02020603050405020304" charset="0"/>
-                <a:ea typeface="黑体" panose="02010609060101010101" charset="-122"/>
-                <a:cs typeface="Times New Roman" panose="02020603050405020304" charset="0"/>
-              </a:rPr>
-              <a:t>装载模型</a:t>
-            </a:r>
-            <a:r>
-              <a:rPr lang="en-US" altLang="zh-CN">
-                <a:solidFill>
-                  <a:schemeClr val="bg1"/>
-                </a:solidFill>
-                <a:latin typeface="Times New Roman" panose="02020603050405020304" charset="0"/>
-                <a:ea typeface="黑体" panose="02010609060101010101" charset="-122"/>
-                <a:cs typeface="Times New Roman" panose="02020603050405020304" charset="0"/>
-              </a:rPr>
-              <a:t>: </a:t>
-            </a:r>
-            <a:r>
-              <a:rPr lang="zh-CN" altLang="en-US">
-                <a:solidFill>
-                  <a:schemeClr val="bg1"/>
-                </a:solidFill>
-                <a:latin typeface="Times New Roman" panose="02020603050405020304" charset="0"/>
-                <a:ea typeface="黑体" panose="02010609060101010101" charset="-122"/>
-                <a:cs typeface="Times New Roman" panose="02020603050405020304" charset="0"/>
-              </a:rPr>
-              <a:t>将模型结构和连接权重载入内存</a:t>
-            </a:r>
-            <a:r>
-              <a:rPr lang="en-US" altLang="zh-CN">
-                <a:solidFill>
-                  <a:schemeClr val="bg1"/>
-                </a:solidFill>
-                <a:latin typeface="Times New Roman" panose="02020603050405020304" charset="0"/>
-                <a:ea typeface="黑体" panose="02010609060101010101" charset="-122"/>
-                <a:cs typeface="Times New Roman" panose="02020603050405020304" charset="0"/>
-              </a:rPr>
-              <a:t>，</a:t>
-            </a:r>
-            <a:r>
-              <a:rPr lang="zh-CN" altLang="en-US">
-                <a:solidFill>
-                  <a:schemeClr val="bg1"/>
-                </a:solidFill>
-                <a:latin typeface="Times New Roman" panose="02020603050405020304" charset="0"/>
-                <a:ea typeface="黑体" panose="02010609060101010101" charset="-122"/>
-                <a:cs typeface="Times New Roman" panose="02020603050405020304" charset="0"/>
-              </a:rPr>
-              <a:t>并创建上下文</a:t>
-            </a:r>
-            <a:r>
-              <a:rPr lang="zh-CN" altLang="en-US">
-                <a:solidFill>
-                  <a:schemeClr val="bg1"/>
-                </a:solidFill>
-                <a:latin typeface="Times New Roman" panose="02020603050405020304" charset="0"/>
-                <a:ea typeface="黑体" panose="02010609060101010101" charset="-122"/>
-                <a:cs typeface="Times New Roman" panose="02020603050405020304" charset="0"/>
-                <a:sym typeface="+mn-ea"/>
-              </a:rPr>
-              <a:t>载入内存，并预解码。因为软件的后端</a:t>
-            </a:r>
-            <a:r>
-              <a:rPr lang="en-US" altLang="zh-CN">
-                <a:solidFill>
-                  <a:schemeClr val="bg1"/>
-                </a:solidFill>
-                <a:latin typeface="Times New Roman" panose="02020603050405020304" charset="0"/>
-                <a:ea typeface="黑体" panose="02010609060101010101" charset="-122"/>
-                <a:cs typeface="Times New Roman" panose="02020603050405020304" charset="0"/>
-                <a:sym typeface="+mn-ea"/>
-              </a:rPr>
-              <a:t>llama.cpp</a:t>
-            </a:r>
-            <a:r>
-              <a:rPr lang="zh-CN" altLang="en-US">
-                <a:solidFill>
-                  <a:schemeClr val="bg1"/>
-                </a:solidFill>
-                <a:latin typeface="Times New Roman" panose="02020603050405020304" charset="0"/>
-                <a:ea typeface="黑体" panose="02010609060101010101" charset="-122"/>
-                <a:cs typeface="Times New Roman" panose="02020603050405020304" charset="0"/>
-                <a:sym typeface="+mn-ea"/>
-              </a:rPr>
-              <a:t>项目只设计实现了</a:t>
-            </a:r>
-            <a:r>
-              <a:rPr lang="en-US" altLang="zh-CN">
-                <a:solidFill>
-                  <a:schemeClr val="bg1"/>
-                </a:solidFill>
-                <a:latin typeface="Times New Roman" panose="02020603050405020304" charset="0"/>
-                <a:ea typeface="黑体" panose="02010609060101010101" charset="-122"/>
-                <a:cs typeface="Times New Roman" panose="02020603050405020304" charset="0"/>
-                <a:sym typeface="+mn-ea"/>
-              </a:rPr>
-              <a:t>llama</a:t>
-            </a:r>
-            <a:r>
-              <a:rPr lang="zh-CN" altLang="en-US">
-                <a:solidFill>
-                  <a:schemeClr val="bg1"/>
-                </a:solidFill>
-                <a:latin typeface="Times New Roman" panose="02020603050405020304" charset="0"/>
-                <a:ea typeface="黑体" panose="02010609060101010101" charset="-122"/>
-                <a:cs typeface="Times New Roman" panose="02020603050405020304" charset="0"/>
-                <a:sym typeface="+mn-ea"/>
-              </a:rPr>
-              <a:t>的神经网络结构所以只支持装载该系列模型。装载时会强制重置上下文长度为</a:t>
-            </a:r>
-            <a:r>
-              <a:rPr lang="en-US" altLang="zh-CN">
-                <a:solidFill>
-                  <a:schemeClr val="bg1"/>
-                </a:solidFill>
-                <a:latin typeface="Times New Roman" panose="02020603050405020304" charset="0"/>
-                <a:ea typeface="黑体" panose="02010609060101010101" charset="-122"/>
-                <a:cs typeface="Times New Roman" panose="02020603050405020304" charset="0"/>
-                <a:sym typeface="+mn-ea"/>
-              </a:rPr>
-              <a:t>2048</a:t>
-            </a:r>
-            <a:r>
-              <a:rPr lang="zh-CN" altLang="en-US">
-                <a:solidFill>
-                  <a:schemeClr val="bg1"/>
-                </a:solidFill>
-                <a:latin typeface="Times New Roman" panose="02020603050405020304" charset="0"/>
-                <a:ea typeface="黑体" panose="02010609060101010101" charset="-122"/>
-                <a:cs typeface="Times New Roman" panose="02020603050405020304" charset="0"/>
-                <a:sym typeface="+mn-ea"/>
-              </a:rPr>
-              <a:t>，</a:t>
-            </a:r>
-            <a:r>
-              <a:rPr lang="en-US" altLang="zh-CN">
-                <a:solidFill>
-                  <a:schemeClr val="bg1"/>
-                </a:solidFill>
-                <a:latin typeface="Times New Roman" panose="02020603050405020304" charset="0"/>
-                <a:ea typeface="黑体" panose="02010609060101010101" charset="-122"/>
-                <a:cs typeface="Times New Roman" panose="02020603050405020304" charset="0"/>
-                <a:sym typeface="+mn-ea"/>
-              </a:rPr>
-              <a:t>gpu</a:t>
-            </a:r>
-            <a:r>
-              <a:rPr lang="zh-CN" altLang="en-US">
-                <a:solidFill>
-                  <a:schemeClr val="bg1"/>
-                </a:solidFill>
-                <a:latin typeface="Times New Roman" panose="02020603050405020304" charset="0"/>
-                <a:ea typeface="黑体" panose="02010609060101010101" charset="-122"/>
-                <a:cs typeface="Times New Roman" panose="02020603050405020304" charset="0"/>
-                <a:sym typeface="+mn-ea"/>
-              </a:rPr>
-              <a:t>负载为</a:t>
-            </a:r>
-            <a:r>
-              <a:rPr lang="en-US" altLang="zh-CN">
-                <a:solidFill>
-                  <a:schemeClr val="bg1"/>
-                </a:solidFill>
-                <a:latin typeface="Times New Roman" panose="02020603050405020304" charset="0"/>
-                <a:ea typeface="黑体" panose="02010609060101010101" charset="-122"/>
-                <a:cs typeface="Times New Roman" panose="02020603050405020304" charset="0"/>
-                <a:sym typeface="+mn-ea"/>
-              </a:rPr>
-              <a:t>0                                                      </a:t>
-            </a:r>
-            <a:endParaRPr lang="en-US" altLang="zh-CN">
-              <a:solidFill>
-                <a:schemeClr val="bg1"/>
-              </a:solidFill>
-              <a:latin typeface="Times New Roman" panose="02020603050405020304" charset="0"/>
-              <a:ea typeface="黑体" panose="02010609060101010101" charset="-122"/>
-              <a:cs typeface="Times New Roman" panose="02020603050405020304" charset="0"/>
-            </a:endParaRPr>
-          </a:p>
-          <a:p>
-            <a:pPr marL="285750" indent="-285750" algn="l">
-              <a:lnSpc>
-                <a:spcPct val="150000"/>
-              </a:lnSpc>
-              <a:buClr>
-                <a:srgbClr val="00B050"/>
-              </a:buClr>
-              <a:buFont typeface="Arial" panose="020B0604020202020204" pitchFamily="34" charset="0"/>
-              <a:buChar char="•"/>
-            </a:pPr>
-            <a:r>
-              <a:rPr lang="zh-CN" altLang="en-US">
-                <a:solidFill>
-                  <a:schemeClr val="bg1"/>
-                </a:solidFill>
-                <a:latin typeface="Times New Roman" panose="02020603050405020304" charset="0"/>
-                <a:ea typeface="黑体" panose="02010609060101010101" charset="-122"/>
-                <a:cs typeface="Times New Roman" panose="02020603050405020304" charset="0"/>
-              </a:rPr>
-              <a:t>重载模型</a:t>
-            </a:r>
-            <a:r>
-              <a:rPr lang="en-US" altLang="zh-CN">
-                <a:solidFill>
-                  <a:schemeClr val="bg1"/>
-                </a:solidFill>
-                <a:latin typeface="Times New Roman" panose="02020603050405020304" charset="0"/>
-                <a:ea typeface="黑体" panose="02010609060101010101" charset="-122"/>
-                <a:cs typeface="Times New Roman" panose="02020603050405020304" charset="0"/>
-              </a:rPr>
-              <a:t>: </a:t>
-            </a:r>
-            <a:r>
-              <a:rPr lang="zh-CN" altLang="en-US">
-                <a:solidFill>
-                  <a:schemeClr val="bg1"/>
-                </a:solidFill>
-                <a:latin typeface="Times New Roman" panose="02020603050405020304" charset="0"/>
-                <a:ea typeface="黑体" panose="02010609060101010101" charset="-122"/>
-                <a:cs typeface="Times New Roman" panose="02020603050405020304" charset="0"/>
-              </a:rPr>
-              <a:t>重新装载模型，修改上下文长度</a:t>
-            </a:r>
-            <a:r>
-              <a:rPr lang="en-US" altLang="zh-CN">
-                <a:solidFill>
-                  <a:schemeClr val="bg1"/>
-                </a:solidFill>
-                <a:latin typeface="Times New Roman" panose="02020603050405020304" charset="0"/>
-                <a:ea typeface="黑体" panose="02010609060101010101" charset="-122"/>
-                <a:cs typeface="Times New Roman" panose="02020603050405020304" charset="0"/>
-              </a:rPr>
-              <a:t>/</a:t>
-            </a:r>
-            <a:r>
-              <a:rPr lang="zh-CN" altLang="en-US">
-                <a:solidFill>
-                  <a:schemeClr val="bg1"/>
-                </a:solidFill>
-                <a:latin typeface="Times New Roman" panose="02020603050405020304" charset="0"/>
-                <a:ea typeface="黑体" panose="02010609060101010101" charset="-122"/>
-                <a:cs typeface="Times New Roman" panose="02020603050405020304" charset="0"/>
-              </a:rPr>
-              <a:t>修改</a:t>
-            </a:r>
-            <a:r>
-              <a:rPr lang="en-US" altLang="zh-CN">
-                <a:solidFill>
-                  <a:schemeClr val="bg1"/>
-                </a:solidFill>
-                <a:latin typeface="Times New Roman" panose="02020603050405020304" charset="0"/>
-                <a:ea typeface="黑体" panose="02010609060101010101" charset="-122"/>
-                <a:cs typeface="Times New Roman" panose="02020603050405020304" charset="0"/>
-              </a:rPr>
-              <a:t>gpu</a:t>
-            </a:r>
-            <a:r>
-              <a:rPr lang="zh-CN" altLang="en-US">
-                <a:solidFill>
-                  <a:schemeClr val="bg1"/>
-                </a:solidFill>
-                <a:latin typeface="Times New Roman" panose="02020603050405020304" charset="0"/>
-                <a:ea typeface="黑体" panose="02010609060101010101" charset="-122"/>
-                <a:cs typeface="Times New Roman" panose="02020603050405020304" charset="0"/>
-              </a:rPr>
-              <a:t>负载层数</a:t>
-            </a:r>
-            <a:r>
-              <a:rPr lang="en-US" altLang="zh-CN">
-                <a:solidFill>
-                  <a:schemeClr val="bg1"/>
-                </a:solidFill>
-                <a:latin typeface="Times New Roman" panose="02020603050405020304" charset="0"/>
-                <a:ea typeface="黑体" panose="02010609060101010101" charset="-122"/>
-                <a:cs typeface="Times New Roman" panose="02020603050405020304" charset="0"/>
-              </a:rPr>
-              <a:t>/</a:t>
-            </a:r>
-            <a:r>
-              <a:rPr lang="zh-CN" altLang="en-US">
-                <a:solidFill>
-                  <a:schemeClr val="bg1"/>
-                </a:solidFill>
-                <a:latin typeface="Times New Roman" panose="02020603050405020304" charset="0"/>
-                <a:ea typeface="黑体" panose="02010609060101010101" charset="-122"/>
-                <a:cs typeface="Times New Roman" panose="02020603050405020304" charset="0"/>
-              </a:rPr>
-              <a:t>修改挂载</a:t>
-            </a:r>
-            <a:r>
-              <a:rPr lang="en-US" altLang="zh-CN">
-                <a:solidFill>
-                  <a:schemeClr val="bg1"/>
-                </a:solidFill>
-                <a:latin typeface="Times New Roman" panose="02020603050405020304" charset="0"/>
-                <a:ea typeface="黑体" panose="02010609060101010101" charset="-122"/>
-                <a:cs typeface="Times New Roman" panose="02020603050405020304" charset="0"/>
-              </a:rPr>
-              <a:t>lora</a:t>
-            </a:r>
-            <a:r>
-              <a:rPr lang="zh-CN" altLang="en-US">
-                <a:solidFill>
-                  <a:schemeClr val="bg1"/>
-                </a:solidFill>
-                <a:latin typeface="Times New Roman" panose="02020603050405020304" charset="0"/>
-                <a:ea typeface="黑体" panose="02010609060101010101" charset="-122"/>
-                <a:cs typeface="Times New Roman" panose="02020603050405020304" charset="0"/>
-              </a:rPr>
-              <a:t>路径</a:t>
-            </a:r>
-            <a:r>
-              <a:rPr lang="en-US" altLang="zh-CN">
-                <a:solidFill>
-                  <a:schemeClr val="bg1"/>
-                </a:solidFill>
-                <a:latin typeface="Times New Roman" panose="02020603050405020304" charset="0"/>
-                <a:ea typeface="黑体" panose="02010609060101010101" charset="-122"/>
-                <a:cs typeface="Times New Roman" panose="02020603050405020304" charset="0"/>
-              </a:rPr>
-              <a:t>/</a:t>
-            </a:r>
-            <a:r>
-              <a:rPr lang="zh-CN" altLang="en-US">
-                <a:solidFill>
-                  <a:schemeClr val="bg1"/>
-                </a:solidFill>
-                <a:latin typeface="Times New Roman" panose="02020603050405020304" charset="0"/>
-                <a:ea typeface="黑体" panose="02010609060101010101" charset="-122"/>
-                <a:cs typeface="Times New Roman" panose="02020603050405020304" charset="0"/>
-              </a:rPr>
-              <a:t>从网页模式切换</a:t>
-            </a:r>
-            <a:r>
-              <a:rPr lang="en-US" altLang="zh-CN">
-                <a:solidFill>
-                  <a:schemeClr val="bg1"/>
-                </a:solidFill>
-                <a:latin typeface="Times New Roman" panose="02020603050405020304" charset="0"/>
-                <a:ea typeface="黑体" panose="02010609060101010101" charset="-122"/>
-                <a:cs typeface="Times New Roman" panose="02020603050405020304" charset="0"/>
-              </a:rPr>
-              <a:t>/</a:t>
-            </a:r>
-            <a:r>
-              <a:rPr lang="zh-CN" altLang="en-US">
-                <a:solidFill>
-                  <a:schemeClr val="bg1"/>
-                </a:solidFill>
-                <a:latin typeface="Times New Roman" panose="02020603050405020304" charset="0"/>
-                <a:ea typeface="黑体" panose="02010609060101010101" charset="-122"/>
-                <a:cs typeface="Times New Roman" panose="02020603050405020304" charset="0"/>
-                <a:sym typeface="+mn-ea"/>
-              </a:rPr>
-              <a:t>时会执行</a:t>
-            </a:r>
-            <a:endParaRPr lang="en-US" altLang="zh-CN">
-              <a:solidFill>
-                <a:schemeClr val="bg1"/>
-              </a:solidFill>
-              <a:latin typeface="Times New Roman" panose="02020603050405020304" charset="0"/>
-              <a:ea typeface="黑体" panose="02010609060101010101" charset="-122"/>
-              <a:cs typeface="Times New Roman" panose="02020603050405020304" charset="0"/>
-            </a:endParaRPr>
-          </a:p>
-          <a:p>
-            <a:pPr marL="285750" indent="-285750" algn="l">
-              <a:lnSpc>
-                <a:spcPct val="150000"/>
-              </a:lnSpc>
-              <a:buClr>
-                <a:srgbClr val="00B050"/>
-              </a:buClr>
-              <a:buFont typeface="Arial" panose="020B0604020202020204" pitchFamily="34" charset="0"/>
-              <a:buChar char="•"/>
-            </a:pPr>
-            <a:r>
-              <a:rPr lang="en-US" altLang="zh-CN">
-                <a:solidFill>
-                  <a:schemeClr val="bg1"/>
-                </a:solidFill>
-                <a:latin typeface="Times New Roman" panose="02020603050405020304" charset="0"/>
-                <a:ea typeface="黑体" panose="02010609060101010101" charset="-122"/>
-                <a:cs typeface="Times New Roman" panose="02020603050405020304" charset="0"/>
-                <a:sym typeface="+mn-ea"/>
-              </a:rPr>
-              <a:t>达到最大上下文: </a:t>
-            </a:r>
-            <a:r>
-              <a:rPr lang="zh-CN" altLang="en-US">
-                <a:solidFill>
-                  <a:schemeClr val="bg1"/>
-                </a:solidFill>
-                <a:latin typeface="Times New Roman" panose="02020603050405020304" charset="0"/>
-                <a:ea typeface="黑体" panose="02010609060101010101" charset="-122"/>
-                <a:cs typeface="Times New Roman" panose="02020603050405020304" charset="0"/>
-                <a:sym typeface="+mn-ea"/>
-              </a:rPr>
-              <a:t>缓存</a:t>
-            </a:r>
-            <a:r>
-              <a:rPr lang="en-US" altLang="zh-CN">
-                <a:solidFill>
-                  <a:schemeClr val="bg1"/>
-                </a:solidFill>
-                <a:latin typeface="Times New Roman" panose="02020603050405020304" charset="0"/>
-                <a:ea typeface="黑体" panose="02010609060101010101" charset="-122"/>
-                <a:cs typeface="Times New Roman" panose="02020603050405020304" charset="0"/>
-                <a:sym typeface="+mn-ea"/>
-              </a:rPr>
-              <a:t>达到</a:t>
-            </a:r>
-            <a:r>
-              <a:rPr lang="zh-CN" altLang="en-US">
-                <a:solidFill>
-                  <a:schemeClr val="bg1"/>
-                </a:solidFill>
-                <a:latin typeface="Times New Roman" panose="02020603050405020304" charset="0"/>
-                <a:ea typeface="黑体" panose="02010609060101010101" charset="-122"/>
-                <a:cs typeface="Times New Roman" panose="02020603050405020304" charset="0"/>
-                <a:sym typeface="+mn-ea"/>
-              </a:rPr>
-              <a:t>设置的</a:t>
-            </a:r>
-            <a:r>
-              <a:rPr lang="en-US" altLang="zh-CN">
-                <a:solidFill>
-                  <a:schemeClr val="bg1"/>
-                </a:solidFill>
-                <a:latin typeface="Times New Roman" panose="02020603050405020304" charset="0"/>
-                <a:ea typeface="黑体" panose="02010609060101010101" charset="-122"/>
-                <a:cs typeface="Times New Roman" panose="02020603050405020304" charset="0"/>
-                <a:sym typeface="+mn-ea"/>
-              </a:rPr>
-              <a:t>上下文长度则舍弃前半段缓存</a:t>
-            </a:r>
-          </a:p>
-          <a:p>
-            <a:pPr marL="285750" indent="-285750" algn="l">
-              <a:lnSpc>
-                <a:spcPct val="150000"/>
-              </a:lnSpc>
-              <a:buClr>
-                <a:srgbClr val="00B050"/>
-              </a:buClr>
-              <a:buFont typeface="Arial" panose="020B0604020202020204" pitchFamily="34" charset="0"/>
-              <a:buChar char="•"/>
-            </a:pPr>
-            <a:r>
-              <a:rPr lang="zh-CN" altLang="en-US">
-                <a:solidFill>
-                  <a:schemeClr val="bg1"/>
-                </a:solidFill>
-                <a:latin typeface="Times New Roman" panose="02020603050405020304" charset="0"/>
-                <a:ea typeface="黑体" panose="02010609060101010101" charset="-122"/>
-                <a:cs typeface="Times New Roman" panose="02020603050405020304" charset="0"/>
-                <a:sym typeface="+mn-ea"/>
-              </a:rPr>
-              <a:t>重置</a:t>
-            </a:r>
-            <a:r>
-              <a:rPr lang="en-US" altLang="zh-CN">
-                <a:solidFill>
-                  <a:schemeClr val="bg1"/>
-                </a:solidFill>
-                <a:latin typeface="Times New Roman" panose="02020603050405020304" charset="0"/>
-                <a:ea typeface="黑体" panose="02010609060101010101" charset="-122"/>
-                <a:cs typeface="Times New Roman" panose="02020603050405020304" charset="0"/>
-                <a:sym typeface="+mn-ea"/>
-              </a:rPr>
-              <a:t>: </a:t>
-            </a:r>
-            <a:r>
-              <a:rPr lang="zh-CN" altLang="en-US">
-                <a:solidFill>
-                  <a:schemeClr val="bg1"/>
-                </a:solidFill>
-                <a:latin typeface="Times New Roman" panose="02020603050405020304" charset="0"/>
-                <a:ea typeface="黑体" panose="02010609060101010101" charset="-122"/>
-                <a:cs typeface="Times New Roman" panose="02020603050405020304" charset="0"/>
-                <a:sym typeface="+mn-ea"/>
-              </a:rPr>
-              <a:t>删除系统指令以外的缓存，并清空输出区。若正在预测，则终止，不进行其他操作。</a:t>
-            </a:r>
-            <a:endParaRPr lang="en-US" altLang="zh-CN">
-              <a:solidFill>
-                <a:schemeClr val="bg1"/>
-              </a:solidFill>
-              <a:latin typeface="Times New Roman" panose="02020603050405020304" charset="0"/>
-              <a:ea typeface="黑体" panose="02010609060101010101" charset="-122"/>
-              <a:cs typeface="Times New Roman" panose="02020603050405020304" charset="0"/>
-              <a:sym typeface="+mn-ea"/>
-            </a:endParaRPr>
-          </a:p>
-          <a:p>
-            <a:pPr marL="285750" indent="-285750" algn="l">
-              <a:lnSpc>
-                <a:spcPct val="150000"/>
-              </a:lnSpc>
-              <a:buClr>
-                <a:srgbClr val="00B050"/>
-              </a:buClr>
-              <a:buFont typeface="Arial" panose="020B0604020202020204" pitchFamily="34" charset="0"/>
-              <a:buChar char="•"/>
-            </a:pPr>
-            <a:endParaRPr lang="en-US" altLang="zh-CN">
-              <a:solidFill>
-                <a:schemeClr val="bg1"/>
-              </a:solidFill>
-              <a:latin typeface="Times New Roman" panose="02020603050405020304" charset="0"/>
-              <a:ea typeface="黑体" panose="02010609060101010101" charset="-122"/>
-              <a:cs typeface="Times New Roman" panose="02020603050405020304" charset="0"/>
-              <a:sym typeface="+mn-ea"/>
             </a:endParaRPr>
           </a:p>
         </p:txBody>
@@ -45499,30 +43331,6 @@
 </p:tagLst>
 </file>
 
-<file path=ppt/tags/tag2.xml><?xml version="1.0" encoding="utf-8"?>
-<p:tagLst xmlns:a="http://schemas.openxmlformats.org/drawingml/2006/main" xmlns:r="http://schemas.openxmlformats.org/officeDocument/2006/relationships" xmlns:p="http://schemas.openxmlformats.org/presentationml/2006/main">
-  <p:tag name="KSO_WM_BEAUTIFY_FLAG" val=""/>
-</p:tagLst>
-</file>
-
-<file path=ppt/tags/tag3.xml><?xml version="1.0" encoding="utf-8"?>
-<p:tagLst xmlns:a="http://schemas.openxmlformats.org/drawingml/2006/main" xmlns:r="http://schemas.openxmlformats.org/officeDocument/2006/relationships" xmlns:p="http://schemas.openxmlformats.org/presentationml/2006/main">
-  <p:tag name="KSO_WM_BEAUTIFY_FLAG" val=""/>
-</p:tagLst>
-</file>
-
-<file path=ppt/tags/tag4.xml><?xml version="1.0" encoding="utf-8"?>
-<p:tagLst xmlns:a="http://schemas.openxmlformats.org/drawingml/2006/main" xmlns:r="http://schemas.openxmlformats.org/officeDocument/2006/relationships" xmlns:p="http://schemas.openxmlformats.org/presentationml/2006/main">
-  <p:tag name="KSO_WM_BEAUTIFY_FLAG" val=""/>
-</p:tagLst>
-</file>
-
-<file path=ppt/tags/tag5.xml><?xml version="1.0" encoding="utf-8"?>
-<p:tagLst xmlns:a="http://schemas.openxmlformats.org/drawingml/2006/main" xmlns:r="http://schemas.openxmlformats.org/officeDocument/2006/relationships" xmlns:p="http://schemas.openxmlformats.org/presentationml/2006/main">
-  <p:tag name="KSO_WM_BEAUTIFY_FLAG" val=""/>
-</p:tagLst>
-</file>
-
 <file path=ppt/theme/theme1.xml><?xml version="1.0" encoding="utf-8"?>
 <a:theme xmlns:a="http://schemas.openxmlformats.org/drawingml/2006/main" name="基础">
   <a:themeElements>

--- a/utils/软件介绍.pptx
+++ b/utils/软件介绍.pptx
@@ -11784,7 +11784,7 @@
           <a:p>
             <a:fld id="{285264BB-8F8A-4D4A-88A3-0640162C694A}" type="datetimeFigureOut">
               <a:rPr lang="zh-CN" altLang="en-US" smtClean="0"/>
-              <a:t>2024/3/25</a:t>
+              <a:t>2024/3/28</a:t>
             </a:fld>
             <a:endParaRPr lang="zh-CN" altLang="en-US"/>
           </a:p>
@@ -11949,7 +11949,7 @@
           <a:p>
             <a:fld id="{C3C1C5A8-D213-43C4-B748-86D822F1E0AF}" type="datetimeFigureOut">
               <a:rPr lang="zh-CN" altLang="en-US" smtClean="0"/>
-              <a:t>2024/3/25</a:t>
+              <a:t>2024/3/28</a:t>
             </a:fld>
             <a:endParaRPr lang="zh-CN" altLang="en-US"/>
           </a:p>
@@ -17378,9 +17378,13 @@
           <a:lstStyle/>
           <a:p>
             <a:r>
-              <a:rPr lang="zh-CN" altLang="en-US"/>
+              <a:rPr lang="zh-CN" altLang="en-US" dirty="0"/>
               <a:t>以前要实现一个这样的系统，想都不敢想，而现在非常直观了</a:t>
             </a:r>
+            <a:endParaRPr lang="en-US" altLang="zh-CN" dirty="0"/>
+          </a:p>
+          <a:p>
+            <a:endParaRPr lang="zh-CN" altLang="en-US" dirty="0"/>
           </a:p>
         </p:txBody>
       </p:sp>
@@ -17564,7 +17568,14 @@
           <a:p>
             <a:r>
               <a:rPr lang="zh-CN" altLang="en-US" dirty="0"/>
-              <a:t>这里是大模型如何与现实交互</a:t>
+              <a:t>这里是大模型如何与现实交互，需要一个媒介，这个媒介就是工具</a:t>
+            </a:r>
+            <a:endParaRPr lang="en-US" altLang="zh-CN" dirty="0"/>
+          </a:p>
+          <a:p>
+            <a:r>
+              <a:rPr lang="zh-CN" altLang="en-US" dirty="0"/>
+              <a:t>为了让他拥有使用工具的能力，准备三个东西</a:t>
             </a:r>
             <a:endParaRPr lang="en-US" altLang="zh-CN" dirty="0"/>
           </a:p>
@@ -17667,6 +17678,14 @@
             <a:r>
               <a:rPr lang="zh-CN" altLang="en-US" dirty="0"/>
               <a:t>这里是大模型如何完成复杂任务</a:t>
+            </a:r>
+            <a:r>
+              <a:rPr lang="en-US" altLang="zh-CN" dirty="0"/>
+              <a:t>, </a:t>
+            </a:r>
+            <a:r>
+              <a:rPr lang="zh-CN" altLang="en-US" dirty="0"/>
+              <a:t>模型需要有一个思考和决策的过程</a:t>
             </a:r>
             <a:endParaRPr lang="en-US" altLang="zh-CN" dirty="0"/>
           </a:p>
@@ -17782,37 +17801,8 @@
           <a:lstStyle/>
           <a:p>
             <a:r>
-              <a:rPr lang="zh-CN" altLang="en-US" dirty="0"/>
-              <a:t>这里是大模型如何完成复杂任务</a:t>
-            </a:r>
-            <a:endParaRPr lang="en-US" altLang="zh-CN" dirty="0"/>
-          </a:p>
-          <a:p>
-            <a:r>
-              <a:rPr lang="zh-CN" altLang="en-US" dirty="0"/>
-              <a:t>演示软件</a:t>
-            </a:r>
-            <a:endParaRPr lang="en-US" altLang="zh-CN" dirty="0"/>
-          </a:p>
-          <a:p>
-            <a:r>
-              <a:rPr lang="zh-CN" altLang="en-US" dirty="0"/>
-              <a:t>计算</a:t>
-            </a:r>
-            <a:r>
-              <a:rPr lang="en-US" altLang="zh-CN" dirty="0"/>
-              <a:t>888*999</a:t>
-            </a:r>
-          </a:p>
-          <a:p>
-            <a:r>
-              <a:rPr lang="zh-CN" altLang="en-US" dirty="0">
-                <a:solidFill>
-                  <a:srgbClr val="000000"/>
-                </a:solidFill>
-                <a:effectLst/>
-              </a:rPr>
-              <a:t>介绍机体这个软件的功能</a:t>
+              <a:rPr lang="zh-CN" altLang="en-US"/>
+              <a:t>严肃场景</a:t>
             </a:r>
             <a:endParaRPr lang="zh-CN" altLang="en-US" dirty="0"/>
           </a:p>
@@ -18605,7 +18595,7 @@
           <a:p>
             <a:fld id="{760FBDFE-C587-4B4C-A407-44438C67B59E}" type="datetimeFigureOut">
               <a:rPr lang="zh-CN" altLang="en-US" smtClean="0"/>
-              <a:t>2024/3/25</a:t>
+              <a:t>2024/3/28</a:t>
             </a:fld>
             <a:endParaRPr lang="zh-CN" altLang="en-US"/>
           </a:p>
@@ -19048,7 +19038,7 @@
             <a:fld id="{96DFF08F-DC6B-4601-B491-B0F83F6DD2DA}" type="datetimeFigureOut">
               <a:rPr lang="en-US" dirty="0"/>
               <a:pPr/>
-              <a:t>3/25/2024</a:t>
+              <a:t>3/28/2024</a:t>
             </a:fld>
             <a:endParaRPr lang="en-US" dirty="0"/>
           </a:p>
@@ -39319,7 +39309,7 @@
           <p:nvPr/>
         </p:nvPicPr>
         <p:blipFill rotWithShape="1">
-          <a:blip r:embed="rId3">
+          <a:blip r:embed="rId3" cstate="print">
             <a:extLst>
               <a:ext uri="{28A0092B-C50C-407E-A947-70E740481C1C}">
                 <a14:useLocalDpi xmlns:a14="http://schemas.microsoft.com/office/drawing/2010/main" val="0"/>
@@ -39331,8 +39321,8 @@
         </p:blipFill>
         <p:spPr>
           <a:xfrm>
-            <a:off x="2778233" y="2098309"/>
-            <a:ext cx="6539163" cy="3538103"/>
+            <a:off x="819781" y="2510109"/>
+            <a:ext cx="4693916" cy="2539707"/>
           </a:xfrm>
           <a:prstGeom prst="rect">
             <a:avLst/>
@@ -39349,6 +39339,213 @@
           </a:effectLst>
         </p:spPr>
       </p:pic>
+      <p:sp>
+        <p:nvSpPr>
+          <p:cNvPr id="4" name="文本框 3">
+            <a:extLst>
+              <a:ext uri="{FF2B5EF4-FFF2-40B4-BE49-F238E27FC236}">
+                <a16:creationId xmlns:a16="http://schemas.microsoft.com/office/drawing/2014/main" id="{18EE5651-96FF-C987-98E5-66552D148F66}"/>
+              </a:ext>
+            </a:extLst>
+          </p:cNvPr>
+          <p:cNvSpPr txBox="1"/>
+          <p:nvPr/>
+        </p:nvSpPr>
+        <p:spPr>
+          <a:xfrm>
+            <a:off x="6678305" y="2770493"/>
+            <a:ext cx="3130985" cy="400110"/>
+          </a:xfrm>
+          <a:prstGeom prst="rect">
+            <a:avLst/>
+          </a:prstGeom>
+          <a:noFill/>
+        </p:spPr>
+        <p:txBody>
+          <a:bodyPr wrap="none" rtlCol="0">
+            <a:spAutoFit/>
+          </a:bodyPr>
+          <a:lstStyle/>
+          <a:p>
+            <a:r>
+              <a:rPr lang="zh-CN" altLang="en-US" sz="2000" dirty="0">
+                <a:latin typeface="黑体" panose="02010609060101010101" pitchFamily="49" charset="-122"/>
+                <a:ea typeface="黑体" panose="02010609060101010101" pitchFamily="49" charset="-122"/>
+              </a:rPr>
+              <a:t>程序员：通过</a:t>
+            </a:r>
+            <a:r>
+              <a:rPr lang="en-US" altLang="zh-CN" sz="2000" dirty="0">
+                <a:latin typeface="Times New Roman" panose="02020603050405020304" pitchFamily="18" charset="0"/>
+                <a:ea typeface="黑体" panose="02010609060101010101" pitchFamily="49" charset="-122"/>
+                <a:cs typeface="Times New Roman" panose="02020603050405020304" pitchFamily="18" charset="0"/>
+              </a:rPr>
+              <a:t>if-else</a:t>
+            </a:r>
+            <a:r>
+              <a:rPr lang="zh-CN" altLang="en-US" sz="2000" dirty="0">
+                <a:latin typeface="黑体" panose="02010609060101010101" pitchFamily="49" charset="-122"/>
+                <a:ea typeface="黑体" panose="02010609060101010101" pitchFamily="49" charset="-122"/>
+              </a:rPr>
+              <a:t>来驱动</a:t>
+            </a:r>
+          </a:p>
+        </p:txBody>
+      </p:sp>
+      <p:sp>
+        <p:nvSpPr>
+          <p:cNvPr id="5" name="文本框 4">
+            <a:extLst>
+              <a:ext uri="{FF2B5EF4-FFF2-40B4-BE49-F238E27FC236}">
+                <a16:creationId xmlns:a16="http://schemas.microsoft.com/office/drawing/2014/main" id="{BCB28228-E698-279D-C7F6-F117CEE50EE2}"/>
+              </a:ext>
+            </a:extLst>
+          </p:cNvPr>
+          <p:cNvSpPr txBox="1"/>
+          <p:nvPr/>
+        </p:nvSpPr>
+        <p:spPr>
+          <a:xfrm>
+            <a:off x="6678305" y="4394582"/>
+            <a:ext cx="3518912" cy="400110"/>
+          </a:xfrm>
+          <a:prstGeom prst="rect">
+            <a:avLst/>
+          </a:prstGeom>
+          <a:noFill/>
+        </p:spPr>
+        <p:txBody>
+          <a:bodyPr wrap="none" rtlCol="0">
+            <a:spAutoFit/>
+          </a:bodyPr>
+          <a:lstStyle/>
+          <a:p>
+            <a:r>
+              <a:rPr lang="zh-CN" altLang="en-US" sz="2000" dirty="0">
+                <a:latin typeface="黑体" panose="02010609060101010101" pitchFamily="49" charset="-122"/>
+                <a:ea typeface="黑体" panose="02010609060101010101" pitchFamily="49" charset="-122"/>
+              </a:rPr>
+              <a:t>大模型：通过预测的词来驱动</a:t>
+            </a:r>
+          </a:p>
+        </p:txBody>
+      </p:sp>
+      <p:sp>
+        <p:nvSpPr>
+          <p:cNvPr id="7" name="文本框 6">
+            <a:extLst>
+              <a:ext uri="{FF2B5EF4-FFF2-40B4-BE49-F238E27FC236}">
+                <a16:creationId xmlns:a16="http://schemas.microsoft.com/office/drawing/2014/main" id="{FFF84944-310D-53EA-21BE-AAF5F828C404}"/>
+              </a:ext>
+            </a:extLst>
+          </p:cNvPr>
+          <p:cNvSpPr txBox="1"/>
+          <p:nvPr/>
+        </p:nvSpPr>
+        <p:spPr>
+          <a:xfrm>
+            <a:off x="8033975" y="2247273"/>
+            <a:ext cx="906017" cy="523220"/>
+          </a:xfrm>
+          <a:prstGeom prst="rect">
+            <a:avLst/>
+          </a:prstGeom>
+          <a:noFill/>
+        </p:spPr>
+        <p:txBody>
+          <a:bodyPr wrap="none" rtlCol="0">
+            <a:spAutoFit/>
+          </a:bodyPr>
+          <a:lstStyle/>
+          <a:p>
+            <a:r>
+              <a:rPr lang="zh-CN" altLang="en-US" sz="2800" b="1" dirty="0">
+                <a:ln w="12700">
+                  <a:solidFill>
+                    <a:schemeClr val="accent1"/>
+                  </a:solidFill>
+                  <a:prstDash val="solid"/>
+                </a:ln>
+                <a:pattFill prst="pct50">
+                  <a:fgClr>
+                    <a:schemeClr val="accent1"/>
+                  </a:fgClr>
+                  <a:bgClr>
+                    <a:schemeClr val="accent1">
+                      <a:lumMod val="20000"/>
+                      <a:lumOff val="80000"/>
+                    </a:schemeClr>
+                  </a:bgClr>
+                </a:pattFill>
+                <a:effectLst>
+                  <a:outerShdw dist="38100" dir="2640000" algn="bl" rotWithShape="0">
+                    <a:schemeClr val="accent1"/>
+                  </a:outerShdw>
+                </a:effectLst>
+              </a:rPr>
+              <a:t>以前</a:t>
+            </a:r>
+          </a:p>
+        </p:txBody>
+      </p:sp>
+      <p:sp>
+        <p:nvSpPr>
+          <p:cNvPr id="8" name="文本框 7">
+            <a:extLst>
+              <a:ext uri="{FF2B5EF4-FFF2-40B4-BE49-F238E27FC236}">
+                <a16:creationId xmlns:a16="http://schemas.microsoft.com/office/drawing/2014/main" id="{84DE7F23-6296-2ED9-1205-BBD29E2ED254}"/>
+              </a:ext>
+            </a:extLst>
+          </p:cNvPr>
+          <p:cNvSpPr txBox="1"/>
+          <p:nvPr/>
+        </p:nvSpPr>
+        <p:spPr>
+          <a:xfrm>
+            <a:off x="8033975" y="3871362"/>
+            <a:ext cx="906017" cy="523220"/>
+          </a:xfrm>
+          <a:prstGeom prst="rect">
+            <a:avLst/>
+          </a:prstGeom>
+          <a:noFill/>
+        </p:spPr>
+        <p:txBody>
+          <a:bodyPr wrap="none" rtlCol="0">
+            <a:spAutoFit/>
+          </a:bodyPr>
+          <a:lstStyle/>
+          <a:p>
+            <a:r>
+              <a:rPr lang="zh-CN" altLang="en-US" sz="2800" b="1" dirty="0">
+                <a:ln w="12700">
+                  <a:solidFill>
+                    <a:schemeClr val="accent1"/>
+                  </a:solidFill>
+                  <a:prstDash val="solid"/>
+                </a:ln>
+                <a:pattFill prst="pct50">
+                  <a:fgClr>
+                    <a:schemeClr val="accent1"/>
+                  </a:fgClr>
+                  <a:bgClr>
+                    <a:schemeClr val="accent1">
+                      <a:lumMod val="20000"/>
+                      <a:lumOff val="80000"/>
+                    </a:schemeClr>
+                  </a:bgClr>
+                </a:pattFill>
+                <a:effectLst>
+                  <a:outerShdw dist="38100" dir="2640000" algn="bl" rotWithShape="0">
+                    <a:schemeClr val="accent1"/>
+                  </a:outerShdw>
+                </a:effectLst>
+              </a:rPr>
+              <a:t>现在</a:t>
+            </a:r>
+          </a:p>
+        </p:txBody>
+      </p:sp>
     </p:spTree>
     <p:extLst>
       <p:ext uri="{BB962C8B-B14F-4D97-AF65-F5344CB8AC3E}">
@@ -39464,6 +39661,182 @@
                       </p:childTnLst>
                     </p:cTn>
                   </p:par>
+                  <p:par>
+                    <p:cTn id="12" fill="hold">
+                      <p:stCondLst>
+                        <p:cond delay="indefinite"/>
+                      </p:stCondLst>
+                      <p:childTnLst>
+                        <p:par>
+                          <p:cTn id="13" fill="hold">
+                            <p:stCondLst>
+                              <p:cond delay="0"/>
+                            </p:stCondLst>
+                            <p:childTnLst>
+                              <p:par>
+                                <p:cTn id="14" presetID="10" presetClass="entr" presetSubtype="0" fill="hold" grpId="0" nodeType="clickEffect">
+                                  <p:stCondLst>
+                                    <p:cond delay="0"/>
+                                  </p:stCondLst>
+                                  <p:childTnLst>
+                                    <p:set>
+                                      <p:cBhvr>
+                                        <p:cTn id="15" dur="1" fill="hold">
+                                          <p:stCondLst>
+                                            <p:cond delay="0"/>
+                                          </p:stCondLst>
+                                        </p:cTn>
+                                        <p:tgtEl>
+                                          <p:spTgt spid="4"/>
+                                        </p:tgtEl>
+                                        <p:attrNameLst>
+                                          <p:attrName>style.visibility</p:attrName>
+                                        </p:attrNameLst>
+                                      </p:cBhvr>
+                                      <p:to>
+                                        <p:strVal val="visible"/>
+                                      </p:to>
+                                    </p:set>
+                                    <p:animEffect transition="in" filter="fade">
+                                      <p:cBhvr>
+                                        <p:cTn id="16" dur="500"/>
+                                        <p:tgtEl>
+                                          <p:spTgt spid="4"/>
+                                        </p:tgtEl>
+                                      </p:cBhvr>
+                                    </p:animEffect>
+                                  </p:childTnLst>
+                                </p:cTn>
+                              </p:par>
+                              <p:par>
+                                <p:cTn id="17" presetID="10" presetClass="entr" presetSubtype="0" fill="hold" grpId="0" nodeType="withEffect">
+                                  <p:stCondLst>
+                                    <p:cond delay="0"/>
+                                  </p:stCondLst>
+                                  <p:childTnLst>
+                                    <p:set>
+                                      <p:cBhvr>
+                                        <p:cTn id="18" dur="1" fill="hold">
+                                          <p:stCondLst>
+                                            <p:cond delay="0"/>
+                                          </p:stCondLst>
+                                        </p:cTn>
+                                        <p:tgtEl>
+                                          <p:spTgt spid="7"/>
+                                        </p:tgtEl>
+                                        <p:attrNameLst>
+                                          <p:attrName>style.visibility</p:attrName>
+                                        </p:attrNameLst>
+                                      </p:cBhvr>
+                                      <p:to>
+                                        <p:strVal val="visible"/>
+                                      </p:to>
+                                    </p:set>
+                                    <p:animEffect transition="in" filter="fade">
+                                      <p:cBhvr>
+                                        <p:cTn id="19" dur="500"/>
+                                        <p:tgtEl>
+                                          <p:spTgt spid="7"/>
+                                        </p:tgtEl>
+                                      </p:cBhvr>
+                                    </p:animEffect>
+                                  </p:childTnLst>
+                                </p:cTn>
+                              </p:par>
+                            </p:childTnLst>
+                          </p:cTn>
+                        </p:par>
+                      </p:childTnLst>
+                    </p:cTn>
+                  </p:par>
+                  <p:par>
+                    <p:cTn id="20" fill="hold">
+                      <p:stCondLst>
+                        <p:cond delay="indefinite"/>
+                      </p:stCondLst>
+                      <p:childTnLst>
+                        <p:par>
+                          <p:cTn id="21" fill="hold">
+                            <p:stCondLst>
+                              <p:cond delay="0"/>
+                            </p:stCondLst>
+                            <p:childTnLst>
+                              <p:par>
+                                <p:cTn id="22" presetID="10" presetClass="entr" presetSubtype="0" fill="hold" grpId="0" nodeType="clickEffect">
+                                  <p:stCondLst>
+                                    <p:cond delay="0"/>
+                                  </p:stCondLst>
+                                  <p:childTnLst>
+                                    <p:set>
+                                      <p:cBhvr>
+                                        <p:cTn id="23" dur="1" fill="hold">
+                                          <p:stCondLst>
+                                            <p:cond delay="0"/>
+                                          </p:stCondLst>
+                                        </p:cTn>
+                                        <p:tgtEl>
+                                          <p:spTgt spid="5"/>
+                                        </p:tgtEl>
+                                        <p:attrNameLst>
+                                          <p:attrName>style.visibility</p:attrName>
+                                        </p:attrNameLst>
+                                      </p:cBhvr>
+                                      <p:to>
+                                        <p:strVal val="visible"/>
+                                      </p:to>
+                                    </p:set>
+                                    <p:animEffect transition="in" filter="fade">
+                                      <p:cBhvr>
+                                        <p:cTn id="24" dur="500"/>
+                                        <p:tgtEl>
+                                          <p:spTgt spid="5"/>
+                                        </p:tgtEl>
+                                      </p:cBhvr>
+                                    </p:animEffect>
+                                  </p:childTnLst>
+                                </p:cTn>
+                              </p:par>
+                              <p:par>
+                                <p:cTn id="25" presetID="10" presetClass="entr" presetSubtype="0" fill="hold" grpId="0" nodeType="withEffect">
+                                  <p:stCondLst>
+                                    <p:cond delay="0"/>
+                                  </p:stCondLst>
+                                  <p:childTnLst>
+                                    <p:set>
+                                      <p:cBhvr>
+                                        <p:cTn id="26" dur="1" fill="hold">
+                                          <p:stCondLst>
+                                            <p:cond delay="0"/>
+                                          </p:stCondLst>
+                                        </p:cTn>
+                                        <p:tgtEl>
+                                          <p:spTgt spid="8"/>
+                                        </p:tgtEl>
+                                        <p:attrNameLst>
+                                          <p:attrName>style.visibility</p:attrName>
+                                        </p:attrNameLst>
+                                      </p:cBhvr>
+                                      <p:to>
+                                        <p:strVal val="visible"/>
+                                      </p:to>
+                                    </p:set>
+                                    <p:animEffect transition="in" filter="fade">
+                                      <p:cBhvr>
+                                        <p:cTn id="27" dur="500"/>
+                                        <p:tgtEl>
+                                          <p:spTgt spid="8"/>
+                                        </p:tgtEl>
+                                      </p:cBhvr>
+                                    </p:animEffect>
+                                  </p:childTnLst>
+                                </p:cTn>
+                              </p:par>
+                            </p:childTnLst>
+                          </p:cTn>
+                        </p:par>
+                      </p:childTnLst>
+                    </p:cTn>
+                  </p:par>
                 </p:childTnLst>
               </p:cTn>
               <p:prevCondLst>
@@ -39487,6 +39860,10 @@
     </p:tnLst>
     <p:bldLst>
       <p:bldP spid="3" grpId="0"/>
+      <p:bldP spid="4" grpId="0"/>
+      <p:bldP spid="5" grpId="0"/>
+      <p:bldP spid="7" grpId="0"/>
+      <p:bldP spid="8" grpId="0"/>
     </p:bldLst>
   </p:timing>
 </p:sld>
@@ -39553,8 +39930,8 @@
         </p:nvSpPr>
         <p:spPr>
           <a:xfrm>
-            <a:off x="682240" y="1162780"/>
-            <a:ext cx="4839786" cy="461665"/>
+            <a:off x="716807" y="2500177"/>
+            <a:ext cx="4493538" cy="461665"/>
           </a:xfrm>
           <a:prstGeom prst="rect">
             <a:avLst/>
@@ -39567,10 +39944,6 @@
           </a:bodyPr>
           <a:lstStyle/>
           <a:p>
-            <a:pPr marL="342900" indent="-342900">
-              <a:buFont typeface="Wingdings" panose="05000000000000000000" pitchFamily="2" charset="2"/>
-              <a:buChar char="Ø"/>
-            </a:pPr>
             <a:r>
               <a:rPr lang="zh-CN" altLang="en-US" sz="2400" dirty="0">
                 <a:latin typeface="黑体" panose="02010609060101010101" pitchFamily="49" charset="-122"/>
@@ -39653,7 +40026,7 @@
         </p:nvSpPr>
         <p:spPr>
           <a:xfrm>
-            <a:off x="1284077" y="3410997"/>
+            <a:off x="1096911" y="4595958"/>
             <a:ext cx="1907895" cy="461665"/>
           </a:xfrm>
           <a:prstGeom prst="rect">
@@ -39695,7 +40068,7 @@
         </p:nvSpPr>
         <p:spPr>
           <a:xfrm>
-            <a:off x="3042622" y="4456652"/>
+            <a:off x="3130051" y="5179984"/>
             <a:ext cx="1313180" cy="461665"/>
           </a:xfrm>
           <a:prstGeom prst="rect">
@@ -39735,13 +40108,15 @@
               </a:ext>
             </a:extLst>
           </p:cNvPr>
-          <p:cNvCxnSpPr/>
+          <p:cNvCxnSpPr>
+            <a:cxnSpLocks/>
+          </p:cNvCxnSpPr>
           <p:nvPr/>
         </p:nvCxnSpPr>
         <p:spPr>
-          <a:xfrm>
-            <a:off x="1751610" y="1746770"/>
-            <a:ext cx="3770416" cy="729235"/>
+          <a:xfrm flipV="1">
+            <a:off x="1692322" y="1804075"/>
+            <a:ext cx="3728788" cy="683752"/>
           </a:xfrm>
           <a:prstGeom prst="straightConnector1">
             <a:avLst/>
@@ -39833,13 +40208,12 @@
           </p:cNvPr>
           <p:cNvCxnSpPr>
             <a:cxnSpLocks/>
-            <a:endCxn id="4" idx="0"/>
           </p:cNvCxnSpPr>
           <p:nvPr/>
         </p:nvCxnSpPr>
         <p:spPr>
           <a:xfrm flipH="1">
-            <a:off x="2238025" y="1746770"/>
+            <a:off x="2176609" y="3015819"/>
             <a:ext cx="424059" cy="1664227"/>
           </a:xfrm>
           <a:prstGeom prst="straightConnector1">
@@ -39879,14 +40253,13 @@
           </p:cNvPr>
           <p:cNvCxnSpPr>
             <a:cxnSpLocks/>
-            <a:endCxn id="5" idx="0"/>
           </p:cNvCxnSpPr>
           <p:nvPr/>
         </p:nvCxnSpPr>
         <p:spPr>
           <a:xfrm flipH="1">
-            <a:off x="3699212" y="1746770"/>
-            <a:ext cx="548391" cy="2709882"/>
+            <a:off x="3786641" y="3015819"/>
+            <a:ext cx="413194" cy="2041804"/>
           </a:xfrm>
           <a:prstGeom prst="straightConnector1">
             <a:avLst/>
@@ -39914,6 +40287,48 @@
           </a:fontRef>
         </p:style>
       </p:cxnSp>
+      <p:sp>
+        <p:nvSpPr>
+          <p:cNvPr id="6" name="文本框 5">
+            <a:extLst>
+              <a:ext uri="{FF2B5EF4-FFF2-40B4-BE49-F238E27FC236}">
+                <a16:creationId xmlns:a16="http://schemas.microsoft.com/office/drawing/2014/main" id="{56A8CEDC-0A82-7BF3-2741-01A36B197B48}"/>
+              </a:ext>
+            </a:extLst>
+          </p:cNvPr>
+          <p:cNvSpPr txBox="1"/>
+          <p:nvPr/>
+        </p:nvSpPr>
+        <p:spPr>
+          <a:xfrm>
+            <a:off x="477523" y="1168003"/>
+            <a:ext cx="4532010" cy="461665"/>
+          </a:xfrm>
+          <a:prstGeom prst="rect">
+            <a:avLst/>
+          </a:prstGeom>
+          <a:noFill/>
+        </p:spPr>
+        <p:txBody>
+          <a:bodyPr wrap="none" rtlCol="0">
+            <a:spAutoFit/>
+          </a:bodyPr>
+          <a:lstStyle/>
+          <a:p>
+            <a:pPr marL="342900" indent="-342900">
+              <a:buFont typeface="Wingdings" panose="05000000000000000000" pitchFamily="2" charset="2"/>
+              <a:buChar char="Ø"/>
+            </a:pPr>
+            <a:r>
+              <a:rPr lang="zh-CN" altLang="en-US" sz="2400" dirty="0">
+                <a:latin typeface="黑体" panose="02010609060101010101" pitchFamily="49" charset="-122"/>
+                <a:ea typeface="黑体" panose="02010609060101010101" pitchFamily="49" charset="-122"/>
+              </a:rPr>
+              <a:t>模型需要拥有使用工具的能力</a:t>
+            </a:r>
+          </a:p>
+        </p:txBody>
+      </p:sp>
     </p:spTree>
     <p:extLst>
       <p:ext uri="{BB962C8B-B14F-4D97-AF65-F5344CB8AC3E}">
@@ -39958,7 +40373,7 @@
                                           </p:stCondLst>
                                         </p:cTn>
                                         <p:tgtEl>
-                                          <p:spTgt spid="3"/>
+                                          <p:spTgt spid="6"/>
                                         </p:tgtEl>
                                         <p:attrNameLst>
                                           <p:attrName>style.visibility</p:attrName>
@@ -39972,7 +40387,7 @@
                                       <p:cBhvr>
                                         <p:cTn id="7" dur="500"/>
                                         <p:tgtEl>
-                                          <p:spTgt spid="3"/>
+                                          <p:spTgt spid="6"/>
                                         </p:tgtEl>
                                       </p:cBhvr>
                                     </p:animEffect>
@@ -39998,7 +40413,7 @@
                             </p:stCondLst>
                             <p:childTnLst>
                               <p:par>
-                                <p:cTn id="10" presetID="42" presetClass="entr" presetSubtype="0" fill="hold" nodeType="clickEffect">
+                                <p:cTn id="10" presetID="22" presetClass="entr" presetSubtype="8" fill="hold" grpId="0" nodeType="clickEffect">
                                   <p:stCondLst>
                                     <p:cond delay="0"/>
                                   </p:stCondLst>
@@ -40006,6 +40421,59 @@
                                     <p:set>
                                       <p:cBhvr>
                                         <p:cTn id="11" dur="1" fill="hold">
+                                          <p:stCondLst>
+                                            <p:cond delay="0"/>
+                                          </p:stCondLst>
+                                        </p:cTn>
+                                        <p:tgtEl>
+                                          <p:spTgt spid="3"/>
+                                        </p:tgtEl>
+                                        <p:attrNameLst>
+                                          <p:attrName>style.visibility</p:attrName>
+                                        </p:attrNameLst>
+                                      </p:cBhvr>
+                                      <p:to>
+                                        <p:strVal val="visible"/>
+                                      </p:to>
+                                    </p:set>
+                                    <p:animEffect transition="in" filter="wipe(left)">
+                                      <p:cBhvr>
+                                        <p:cTn id="12" dur="500"/>
+                                        <p:tgtEl>
+                                          <p:spTgt spid="3"/>
+                                        </p:tgtEl>
+                                      </p:cBhvr>
+                                    </p:animEffect>
+                                  </p:childTnLst>
+                                </p:cTn>
+                              </p:par>
+                            </p:childTnLst>
+                          </p:cTn>
+                        </p:par>
+                      </p:childTnLst>
+                    </p:cTn>
+                  </p:par>
+                  <p:par>
+                    <p:cTn id="13" fill="hold">
+                      <p:stCondLst>
+                        <p:cond delay="indefinite"/>
+                      </p:stCondLst>
+                      <p:childTnLst>
+                        <p:par>
+                          <p:cTn id="14" fill="hold">
+                            <p:stCondLst>
+                              <p:cond delay="0"/>
+                            </p:stCondLst>
+                            <p:childTnLst>
+                              <p:par>
+                                <p:cTn id="15" presetID="42" presetClass="entr" presetSubtype="0" fill="hold" nodeType="clickEffect">
+                                  <p:stCondLst>
+                                    <p:cond delay="0"/>
+                                  </p:stCondLst>
+                                  <p:childTnLst>
+                                    <p:set>
+                                      <p:cBhvr>
+                                        <p:cTn id="16" dur="1" fill="hold">
                                           <p:stCondLst>
                                             <p:cond delay="0"/>
                                           </p:stCondLst>
@@ -40023,7 +40491,7 @@
                                     </p:set>
                                     <p:animEffect transition="in" filter="fade">
                                       <p:cBhvr>
-                                        <p:cTn id="12" dur="1000"/>
+                                        <p:cTn id="17" dur="1000"/>
                                         <p:tgtEl>
                                           <p:spTgt spid="10"/>
                                         </p:tgtEl>
@@ -40031,7 +40499,7 @@
                                     </p:animEffect>
                                     <p:anim calcmode="lin" valueType="num">
                                       <p:cBhvr>
-                                        <p:cTn id="13" dur="1000" fill="hold"/>
+                                        <p:cTn id="18" dur="1000" fill="hold"/>
                                         <p:tgtEl>
                                           <p:spTgt spid="10"/>
                                         </p:tgtEl>
@@ -40054,7 +40522,7 @@
                                     </p:anim>
                                     <p:anim calcmode="lin" valueType="num">
                                       <p:cBhvr>
-                                        <p:cTn id="14" dur="1000" fill="hold"/>
+                                        <p:cTn id="19" dur="1000" fill="hold"/>
                                         <p:tgtEl>
                                           <p:spTgt spid="10"/>
                                         </p:tgtEl>
@@ -40085,26 +40553,26 @@
                     </p:cTn>
                   </p:par>
                   <p:par>
-                    <p:cTn id="15" fill="hold">
+                    <p:cTn id="20" fill="hold">
                       <p:stCondLst>
                         <p:cond delay="indefinite"/>
                       </p:stCondLst>
                       <p:childTnLst>
                         <p:par>
-                          <p:cTn id="16" fill="hold">
+                          <p:cTn id="21" fill="hold">
                             <p:stCondLst>
                               <p:cond delay="0"/>
                             </p:stCondLst>
                             <p:childTnLst>
                               <p:par>
-                                <p:cTn id="17" presetID="22" presetClass="entr" presetSubtype="8" fill="hold" nodeType="clickEffect">
+                                <p:cTn id="22" presetID="22" presetClass="entr" presetSubtype="8" fill="hold" nodeType="clickEffect">
                                   <p:stCondLst>
                                     <p:cond delay="0"/>
                                   </p:stCondLst>
                                   <p:childTnLst>
                                     <p:set>
                                       <p:cBhvr>
-                                        <p:cTn id="18" dur="1" fill="hold">
+                                        <p:cTn id="23" dur="1" fill="hold">
                                           <p:stCondLst>
                                             <p:cond delay="0"/>
                                           </p:stCondLst>
@@ -40122,7 +40590,7 @@
                                     </p:set>
                                     <p:animEffect transition="in" filter="wipe(left)">
                                       <p:cBhvr>
-                                        <p:cTn id="19" dur="500"/>
+                                        <p:cTn id="24" dur="500"/>
                                         <p:tgtEl>
                                           <p:spTgt spid="7"/>
                                         </p:tgtEl>
@@ -40135,20 +40603,20 @@
                           </p:cTn>
                         </p:par>
                         <p:par>
-                          <p:cTn id="20" fill="hold">
+                          <p:cTn id="25" fill="hold">
                             <p:stCondLst>
                               <p:cond delay="500"/>
                             </p:stCondLst>
                             <p:childTnLst>
                               <p:par>
-                                <p:cTn id="21" presetID="16" presetClass="entr" presetSubtype="21" fill="hold" grpId="0" nodeType="afterEffect">
+                                <p:cTn id="26" presetID="16" presetClass="entr" presetSubtype="21" fill="hold" grpId="0" nodeType="afterEffect">
                                   <p:stCondLst>
                                     <p:cond delay="0"/>
                                   </p:stCondLst>
                                   <p:childTnLst>
                                     <p:set>
                                       <p:cBhvr>
-                                        <p:cTn id="22" dur="1" fill="hold">
+                                        <p:cTn id="27" dur="1" fill="hold">
                                           <p:stCondLst>
                                             <p:cond delay="0"/>
                                           </p:stCondLst>
@@ -40166,7 +40634,7 @@
                                     </p:set>
                                     <p:animEffect transition="in" filter="barn(inVertical)">
                                       <p:cBhvr>
-                                        <p:cTn id="23" dur="500"/>
+                                        <p:cTn id="28" dur="500"/>
                                         <p:tgtEl>
                                           <p:spTgt spid="8"/>
                                         </p:tgtEl>
@@ -40182,26 +40650,26 @@
                     </p:cTn>
                   </p:par>
                   <p:par>
-                    <p:cTn id="24" fill="hold">
+                    <p:cTn id="29" fill="hold">
                       <p:stCondLst>
                         <p:cond delay="indefinite"/>
                       </p:stCondLst>
                       <p:childTnLst>
                         <p:par>
-                          <p:cTn id="25" fill="hold">
+                          <p:cTn id="30" fill="hold">
                             <p:stCondLst>
                               <p:cond delay="0"/>
                             </p:stCondLst>
                             <p:childTnLst>
                               <p:par>
-                                <p:cTn id="26" presetID="22" presetClass="entr" presetSubtype="1" fill="hold" nodeType="clickEffect">
+                                <p:cTn id="31" presetID="22" presetClass="entr" presetSubtype="1" fill="hold" nodeType="clickEffect">
                                   <p:stCondLst>
                                     <p:cond delay="0"/>
                                   </p:stCondLst>
                                   <p:childTnLst>
                                     <p:set>
                                       <p:cBhvr>
-                                        <p:cTn id="27" dur="1" fill="hold">
+                                        <p:cTn id="32" dur="1" fill="hold">
                                           <p:stCondLst>
                                             <p:cond delay="0"/>
                                           </p:stCondLst>
@@ -40219,7 +40687,7 @@
                                     </p:set>
                                     <p:animEffect transition="in" filter="wipe(up)">
                                       <p:cBhvr>
-                                        <p:cTn id="28" dur="500"/>
+                                        <p:cTn id="33" dur="500"/>
                                         <p:tgtEl>
                                           <p:spTgt spid="9"/>
                                         </p:tgtEl>
@@ -40232,20 +40700,20 @@
                           </p:cTn>
                         </p:par>
                         <p:par>
-                          <p:cTn id="29" fill="hold">
+                          <p:cTn id="34" fill="hold">
                             <p:stCondLst>
                               <p:cond delay="500"/>
                             </p:stCondLst>
                             <p:childTnLst>
                               <p:par>
-                                <p:cTn id="30" presetID="10" presetClass="entr" presetSubtype="0" fill="hold" grpId="0" nodeType="afterEffect">
+                                <p:cTn id="35" presetID="10" presetClass="entr" presetSubtype="0" fill="hold" grpId="0" nodeType="afterEffect">
                                   <p:stCondLst>
                                     <p:cond delay="0"/>
                                   </p:stCondLst>
                                   <p:childTnLst>
                                     <p:set>
                                       <p:cBhvr>
-                                        <p:cTn id="31" dur="1" fill="hold">
+                                        <p:cTn id="36" dur="1" fill="hold">
                                           <p:stCondLst>
                                             <p:cond delay="0"/>
                                           </p:stCondLst>
@@ -40263,7 +40731,7 @@
                                     </p:set>
                                     <p:animEffect transition="in" filter="fade">
                                       <p:cBhvr>
-                                        <p:cTn id="32" dur="500"/>
+                                        <p:cTn id="37" dur="500"/>
                                         <p:tgtEl>
                                           <p:spTgt spid="4"/>
                                         </p:tgtEl>
@@ -40279,26 +40747,26 @@
                     </p:cTn>
                   </p:par>
                   <p:par>
-                    <p:cTn id="33" fill="hold">
+                    <p:cTn id="38" fill="hold">
                       <p:stCondLst>
                         <p:cond delay="indefinite"/>
                       </p:stCondLst>
                       <p:childTnLst>
                         <p:par>
-                          <p:cTn id="34" fill="hold">
+                          <p:cTn id="39" fill="hold">
                             <p:stCondLst>
                               <p:cond delay="0"/>
                             </p:stCondLst>
                             <p:childTnLst>
                               <p:par>
-                                <p:cTn id="35" presetID="22" presetClass="entr" presetSubtype="1" fill="hold" nodeType="clickEffect">
+                                <p:cTn id="40" presetID="22" presetClass="entr" presetSubtype="1" fill="hold" nodeType="clickEffect">
                                   <p:stCondLst>
                                     <p:cond delay="0"/>
                                   </p:stCondLst>
                                   <p:childTnLst>
                                     <p:set>
                                       <p:cBhvr>
-                                        <p:cTn id="36" dur="1" fill="hold">
+                                        <p:cTn id="41" dur="1" fill="hold">
                                           <p:stCondLst>
                                             <p:cond delay="0"/>
                                           </p:stCondLst>
@@ -40316,7 +40784,7 @@
                                     </p:set>
                                     <p:animEffect transition="in" filter="wipe(up)">
                                       <p:cBhvr>
-                                        <p:cTn id="37" dur="500"/>
+                                        <p:cTn id="42" dur="500"/>
                                         <p:tgtEl>
                                           <p:spTgt spid="13"/>
                                         </p:tgtEl>
@@ -40329,20 +40797,20 @@
                           </p:cTn>
                         </p:par>
                         <p:par>
-                          <p:cTn id="38" fill="hold">
+                          <p:cTn id="43" fill="hold">
                             <p:stCondLst>
                               <p:cond delay="500"/>
                             </p:stCondLst>
                             <p:childTnLst>
                               <p:par>
-                                <p:cTn id="39" presetID="10" presetClass="entr" presetSubtype="0" fill="hold" grpId="0" nodeType="afterEffect">
+                                <p:cTn id="44" presetID="10" presetClass="entr" presetSubtype="0" fill="hold" grpId="0" nodeType="afterEffect">
                                   <p:stCondLst>
                                     <p:cond delay="0"/>
                                   </p:stCondLst>
                                   <p:childTnLst>
                                     <p:set>
                                       <p:cBhvr>
-                                        <p:cTn id="40" dur="1" fill="hold">
+                                        <p:cTn id="45" dur="1" fill="hold">
                                           <p:stCondLst>
                                             <p:cond delay="0"/>
                                           </p:stCondLst>
@@ -40360,7 +40828,7 @@
                                     </p:set>
                                     <p:animEffect transition="in" filter="fade">
                                       <p:cBhvr>
-                                        <p:cTn id="41" dur="500"/>
+                                        <p:cTn id="46" dur="500"/>
                                         <p:tgtEl>
                                           <p:spTgt spid="5"/>
                                         </p:tgtEl>
@@ -40401,6 +40869,7 @@
       <p:bldP spid="4" grpId="0"/>
       <p:bldP spid="5" grpId="0"/>
       <p:bldP spid="8" grpId="0" animBg="1"/>
+      <p:bldP spid="6" grpId="0"/>
     </p:bldLst>
   </p:timing>
 </p:sld>

--- a/utils/软件介绍.pptx
+++ b/utils/软件介绍.pptx
@@ -11784,7 +11784,7 @@
           <a:p>
             <a:fld id="{285264BB-8F8A-4D4A-88A3-0640162C694A}" type="datetimeFigureOut">
               <a:rPr lang="zh-CN" altLang="en-US" smtClean="0"/>
-              <a:t>2024/3/28</a:t>
+              <a:t>2024/4/8</a:t>
             </a:fld>
             <a:endParaRPr lang="zh-CN" altLang="en-US"/>
           </a:p>
@@ -11949,7 +11949,7 @@
           <a:p>
             <a:fld id="{C3C1C5A8-D213-43C4-B748-86D822F1E0AF}" type="datetimeFigureOut">
               <a:rPr lang="zh-CN" altLang="en-US" smtClean="0"/>
-              <a:t>2024/3/28</a:t>
+              <a:t>2024/4/8</a:t>
             </a:fld>
             <a:endParaRPr lang="zh-CN" altLang="en-US"/>
           </a:p>
@@ -18595,7 +18595,7 @@
           <a:p>
             <a:fld id="{760FBDFE-C587-4B4C-A407-44438C67B59E}" type="datetimeFigureOut">
               <a:rPr lang="zh-CN" altLang="en-US" smtClean="0"/>
-              <a:t>2024/3/28</a:t>
+              <a:t>2024/4/8</a:t>
             </a:fld>
             <a:endParaRPr lang="zh-CN" altLang="en-US"/>
           </a:p>
@@ -19038,7 +19038,7 @@
             <a:fld id="{96DFF08F-DC6B-4601-B491-B0F83F6DD2DA}" type="datetimeFigureOut">
               <a:rPr lang="en-US" dirty="0"/>
               <a:pPr/>
-              <a:t>3/28/2024</a:t>
+              <a:t>4/8/2024</a:t>
             </a:fld>
             <a:endParaRPr lang="en-US" dirty="0"/>
           </a:p>
@@ -42393,6 +42393,658 @@
           </a:p>
         </p:txBody>
       </p:sp>
+      <p:pic>
+        <p:nvPicPr>
+          <p:cNvPr id="7" name="图片 6">
+            <a:extLst>
+              <a:ext uri="{FF2B5EF4-FFF2-40B4-BE49-F238E27FC236}">
+                <a16:creationId xmlns:a16="http://schemas.microsoft.com/office/drawing/2014/main" id="{EADBD141-1BF3-770E-1B34-4C727A5AFB55}"/>
+              </a:ext>
+            </a:extLst>
+          </p:cNvPr>
+          <p:cNvPicPr>
+            <a:picLocks noChangeAspect="1"/>
+          </p:cNvPicPr>
+          <p:nvPr/>
+        </p:nvPicPr>
+        <p:blipFill>
+          <a:blip r:embed="rId3"/>
+          <a:stretch>
+            <a:fillRect/>
+          </a:stretch>
+        </p:blipFill>
+        <p:spPr>
+          <a:xfrm>
+            <a:off x="8846038" y="1292973"/>
+            <a:ext cx="2276192" cy="4476512"/>
+          </a:xfrm>
+          <a:prstGeom prst="rect">
+            <a:avLst/>
+          </a:prstGeom>
+        </p:spPr>
+      </p:pic>
+      <p:sp>
+        <p:nvSpPr>
+          <p:cNvPr id="17" name="矩形 16">
+            <a:extLst>
+              <a:ext uri="{FF2B5EF4-FFF2-40B4-BE49-F238E27FC236}">
+                <a16:creationId xmlns:a16="http://schemas.microsoft.com/office/drawing/2014/main" id="{8C958E49-9D2C-F3B2-EAB3-496B992DAF8F}"/>
+              </a:ext>
+            </a:extLst>
+          </p:cNvPr>
+          <p:cNvSpPr/>
+          <p:nvPr/>
+        </p:nvSpPr>
+        <p:spPr>
+          <a:xfrm>
+            <a:off x="8846038" y="1880896"/>
+            <a:ext cx="2312197" cy="2159371"/>
+          </a:xfrm>
+          <a:prstGeom prst="rect">
+            <a:avLst/>
+          </a:prstGeom>
+          <a:noFill/>
+          <a:ln>
+            <a:solidFill>
+              <a:srgbClr val="FF0000"/>
+            </a:solidFill>
+          </a:ln>
+        </p:spPr>
+        <p:style>
+          <a:lnRef idx="2">
+            <a:schemeClr val="accent1">
+              <a:shade val="50000"/>
+            </a:schemeClr>
+          </a:lnRef>
+          <a:fillRef idx="1">
+            <a:schemeClr val="accent1"/>
+          </a:fillRef>
+          <a:effectRef idx="0">
+            <a:schemeClr val="accent1"/>
+          </a:effectRef>
+          <a:fontRef idx="minor">
+            <a:schemeClr val="lt1"/>
+          </a:fontRef>
+        </p:style>
+        <p:txBody>
+          <a:bodyPr rtlCol="0" anchor="ctr"/>
+          <a:lstStyle/>
+          <a:p>
+            <a:pPr algn="ctr"/>
+            <a:endParaRPr lang="zh-CN" altLang="en-US"/>
+          </a:p>
+        </p:txBody>
+      </p:sp>
+      <p:cxnSp>
+        <p:nvCxnSpPr>
+          <p:cNvPr id="18" name="直接箭头连接符 17">
+            <a:extLst>
+              <a:ext uri="{FF2B5EF4-FFF2-40B4-BE49-F238E27FC236}">
+                <a16:creationId xmlns:a16="http://schemas.microsoft.com/office/drawing/2014/main" id="{1FED382E-DCC5-EC52-193B-2EB5B9D4748E}"/>
+              </a:ext>
+            </a:extLst>
+          </p:cNvPr>
+          <p:cNvCxnSpPr>
+            <a:cxnSpLocks/>
+            <a:stCxn id="17" idx="3"/>
+          </p:cNvCxnSpPr>
+          <p:nvPr/>
+        </p:nvCxnSpPr>
+        <p:spPr>
+          <a:xfrm>
+            <a:off x="11158235" y="2960582"/>
+            <a:ext cx="613228" cy="0"/>
+          </a:xfrm>
+          <a:prstGeom prst="straightConnector1">
+            <a:avLst/>
+          </a:prstGeom>
+          <a:ln w="25400">
+            <a:solidFill>
+              <a:srgbClr val="FF0000"/>
+            </a:solidFill>
+            <a:tailEnd type="triangle"/>
+          </a:ln>
+        </p:spPr>
+        <p:style>
+          <a:lnRef idx="1">
+            <a:schemeClr val="accent1"/>
+          </a:lnRef>
+          <a:fillRef idx="0">
+            <a:schemeClr val="accent1"/>
+          </a:fillRef>
+          <a:effectRef idx="0">
+            <a:schemeClr val="accent1"/>
+          </a:effectRef>
+          <a:fontRef idx="minor">
+            <a:schemeClr val="tx1"/>
+          </a:fontRef>
+        </p:style>
+      </p:cxnSp>
+      <p:sp>
+        <p:nvSpPr>
+          <p:cNvPr id="19" name="文本框 18">
+            <a:extLst>
+              <a:ext uri="{FF2B5EF4-FFF2-40B4-BE49-F238E27FC236}">
+                <a16:creationId xmlns:a16="http://schemas.microsoft.com/office/drawing/2014/main" id="{FD37F986-922B-13C3-DAF1-24EBA993923D}"/>
+              </a:ext>
+            </a:extLst>
+          </p:cNvPr>
+          <p:cNvSpPr txBox="1"/>
+          <p:nvPr/>
+        </p:nvSpPr>
+        <p:spPr>
+          <a:xfrm>
+            <a:off x="11771463" y="2775915"/>
+            <a:ext cx="1724166" cy="369332"/>
+          </a:xfrm>
+          <a:prstGeom prst="rect">
+            <a:avLst/>
+          </a:prstGeom>
+          <a:noFill/>
+        </p:spPr>
+        <p:txBody>
+          <a:bodyPr wrap="square" rtlCol="0">
+            <a:spAutoFit/>
+          </a:bodyPr>
+          <a:lstStyle/>
+          <a:p>
+            <a:r>
+              <a:rPr lang="en-US" altLang="zh-CN" dirty="0">
+                <a:solidFill>
+                  <a:srgbClr val="FF0000"/>
+                </a:solidFill>
+                <a:latin typeface="黑体" panose="02010609060101010101" pitchFamily="49" charset="-122"/>
+                <a:ea typeface="黑体" panose="02010609060101010101" pitchFamily="49" charset="-122"/>
+              </a:rPr>
+              <a:t>output aera</a:t>
+            </a:r>
+            <a:endParaRPr lang="zh-CN" altLang="en-US" dirty="0">
+              <a:solidFill>
+                <a:srgbClr val="FF0000"/>
+              </a:solidFill>
+              <a:latin typeface="黑体" panose="02010609060101010101" pitchFamily="49" charset="-122"/>
+              <a:ea typeface="黑体" panose="02010609060101010101" pitchFamily="49" charset="-122"/>
+            </a:endParaRPr>
+          </a:p>
+        </p:txBody>
+      </p:sp>
+      <p:sp>
+        <p:nvSpPr>
+          <p:cNvPr id="20" name="矩形 19">
+            <a:extLst>
+              <a:ext uri="{FF2B5EF4-FFF2-40B4-BE49-F238E27FC236}">
+                <a16:creationId xmlns:a16="http://schemas.microsoft.com/office/drawing/2014/main" id="{F6543A1B-1ED9-C29D-9AC6-61FBB995CAE4}"/>
+              </a:ext>
+            </a:extLst>
+          </p:cNvPr>
+          <p:cNvSpPr/>
+          <p:nvPr/>
+        </p:nvSpPr>
+        <p:spPr>
+          <a:xfrm>
+            <a:off x="9534070" y="4614904"/>
+            <a:ext cx="1588160" cy="1149093"/>
+          </a:xfrm>
+          <a:prstGeom prst="rect">
+            <a:avLst/>
+          </a:prstGeom>
+          <a:noFill/>
+          <a:ln>
+            <a:solidFill>
+              <a:srgbClr val="FF0000"/>
+            </a:solidFill>
+          </a:ln>
+        </p:spPr>
+        <p:style>
+          <a:lnRef idx="2">
+            <a:schemeClr val="accent1">
+              <a:shade val="50000"/>
+            </a:schemeClr>
+          </a:lnRef>
+          <a:fillRef idx="1">
+            <a:schemeClr val="accent1"/>
+          </a:fillRef>
+          <a:effectRef idx="0">
+            <a:schemeClr val="accent1"/>
+          </a:effectRef>
+          <a:fontRef idx="minor">
+            <a:schemeClr val="lt1"/>
+          </a:fontRef>
+        </p:style>
+        <p:txBody>
+          <a:bodyPr rtlCol="0" anchor="ctr"/>
+          <a:lstStyle/>
+          <a:p>
+            <a:pPr algn="ctr"/>
+            <a:endParaRPr lang="zh-CN" altLang="en-US"/>
+          </a:p>
+        </p:txBody>
+      </p:sp>
+      <p:cxnSp>
+        <p:nvCxnSpPr>
+          <p:cNvPr id="21" name="直接箭头连接符 20">
+            <a:extLst>
+              <a:ext uri="{FF2B5EF4-FFF2-40B4-BE49-F238E27FC236}">
+                <a16:creationId xmlns:a16="http://schemas.microsoft.com/office/drawing/2014/main" id="{4B45C029-C3C4-F5C3-3836-A85C606D5EFD}"/>
+              </a:ext>
+            </a:extLst>
+          </p:cNvPr>
+          <p:cNvCxnSpPr>
+            <a:cxnSpLocks/>
+            <a:stCxn id="20" idx="3"/>
+            <a:endCxn id="22" idx="1"/>
+          </p:cNvCxnSpPr>
+          <p:nvPr/>
+        </p:nvCxnSpPr>
+        <p:spPr>
+          <a:xfrm>
+            <a:off x="11122230" y="5189451"/>
+            <a:ext cx="648004" cy="580"/>
+          </a:xfrm>
+          <a:prstGeom prst="straightConnector1">
+            <a:avLst/>
+          </a:prstGeom>
+          <a:ln w="25400">
+            <a:solidFill>
+              <a:srgbClr val="FF0000"/>
+            </a:solidFill>
+            <a:tailEnd type="triangle"/>
+          </a:ln>
+        </p:spPr>
+        <p:style>
+          <a:lnRef idx="1">
+            <a:schemeClr val="accent1"/>
+          </a:lnRef>
+          <a:fillRef idx="0">
+            <a:schemeClr val="accent1"/>
+          </a:fillRef>
+          <a:effectRef idx="0">
+            <a:schemeClr val="accent1"/>
+          </a:effectRef>
+          <a:fontRef idx="minor">
+            <a:schemeClr val="tx1"/>
+          </a:fontRef>
+        </p:style>
+      </p:cxnSp>
+      <p:sp>
+        <p:nvSpPr>
+          <p:cNvPr id="22" name="文本框 21">
+            <a:extLst>
+              <a:ext uri="{FF2B5EF4-FFF2-40B4-BE49-F238E27FC236}">
+                <a16:creationId xmlns:a16="http://schemas.microsoft.com/office/drawing/2014/main" id="{30FCBD03-2B39-82E1-F54F-E6E44BBD064C}"/>
+              </a:ext>
+            </a:extLst>
+          </p:cNvPr>
+          <p:cNvSpPr txBox="1"/>
+          <p:nvPr/>
+        </p:nvSpPr>
+        <p:spPr>
+          <a:xfrm>
+            <a:off x="11770234" y="5005365"/>
+            <a:ext cx="1825264" cy="369332"/>
+          </a:xfrm>
+          <a:prstGeom prst="rect">
+            <a:avLst/>
+          </a:prstGeom>
+          <a:noFill/>
+        </p:spPr>
+        <p:txBody>
+          <a:bodyPr wrap="square" rtlCol="0">
+            <a:spAutoFit/>
+          </a:bodyPr>
+          <a:lstStyle/>
+          <a:p>
+            <a:r>
+              <a:rPr lang="en-US" altLang="zh-CN" dirty="0">
+                <a:solidFill>
+                  <a:srgbClr val="FF0000"/>
+                </a:solidFill>
+                <a:latin typeface="黑体" panose="02010609060101010101" pitchFamily="49" charset="-122"/>
+                <a:ea typeface="黑体" panose="02010609060101010101" pitchFamily="49" charset="-122"/>
+              </a:rPr>
+              <a:t>state aera</a:t>
+            </a:r>
+            <a:endParaRPr lang="zh-CN" altLang="en-US" dirty="0">
+              <a:solidFill>
+                <a:srgbClr val="FF0000"/>
+              </a:solidFill>
+              <a:latin typeface="黑体" panose="02010609060101010101" pitchFamily="49" charset="-122"/>
+              <a:ea typeface="黑体" panose="02010609060101010101" pitchFamily="49" charset="-122"/>
+            </a:endParaRPr>
+          </a:p>
+        </p:txBody>
+      </p:sp>
+      <p:sp>
+        <p:nvSpPr>
+          <p:cNvPr id="25" name="矩形 24">
+            <a:extLst>
+              <a:ext uri="{FF2B5EF4-FFF2-40B4-BE49-F238E27FC236}">
+                <a16:creationId xmlns:a16="http://schemas.microsoft.com/office/drawing/2014/main" id="{6FC92554-A799-4416-5A7B-58BB7D6A14EF}"/>
+              </a:ext>
+            </a:extLst>
+          </p:cNvPr>
+          <p:cNvSpPr/>
+          <p:nvPr/>
+        </p:nvSpPr>
+        <p:spPr>
+          <a:xfrm>
+            <a:off x="8846039" y="4040267"/>
+            <a:ext cx="1887654" cy="555169"/>
+          </a:xfrm>
+          <a:prstGeom prst="rect">
+            <a:avLst/>
+          </a:prstGeom>
+          <a:noFill/>
+          <a:ln>
+            <a:solidFill>
+              <a:srgbClr val="FF0000"/>
+            </a:solidFill>
+          </a:ln>
+        </p:spPr>
+        <p:style>
+          <a:lnRef idx="2">
+            <a:schemeClr val="accent1">
+              <a:shade val="50000"/>
+            </a:schemeClr>
+          </a:lnRef>
+          <a:fillRef idx="1">
+            <a:schemeClr val="accent1"/>
+          </a:fillRef>
+          <a:effectRef idx="0">
+            <a:schemeClr val="accent1"/>
+          </a:effectRef>
+          <a:fontRef idx="minor">
+            <a:schemeClr val="lt1"/>
+          </a:fontRef>
+        </p:style>
+        <p:txBody>
+          <a:bodyPr rtlCol="0" anchor="ctr"/>
+          <a:lstStyle/>
+          <a:p>
+            <a:pPr algn="ctr"/>
+            <a:endParaRPr lang="zh-CN" altLang="en-US"/>
+          </a:p>
+        </p:txBody>
+      </p:sp>
+      <p:cxnSp>
+        <p:nvCxnSpPr>
+          <p:cNvPr id="26" name="直接箭头连接符 25">
+            <a:extLst>
+              <a:ext uri="{FF2B5EF4-FFF2-40B4-BE49-F238E27FC236}">
+                <a16:creationId xmlns:a16="http://schemas.microsoft.com/office/drawing/2014/main" id="{C94B23F6-B3D1-BDE3-CDD5-D525D87EDEAE}"/>
+              </a:ext>
+            </a:extLst>
+          </p:cNvPr>
+          <p:cNvCxnSpPr>
+            <a:cxnSpLocks/>
+            <a:endCxn id="27" idx="1"/>
+          </p:cNvCxnSpPr>
+          <p:nvPr/>
+        </p:nvCxnSpPr>
+        <p:spPr>
+          <a:xfrm>
+            <a:off x="10773606" y="4313814"/>
+            <a:ext cx="996628" cy="2"/>
+          </a:xfrm>
+          <a:prstGeom prst="straightConnector1">
+            <a:avLst/>
+          </a:prstGeom>
+          <a:ln w="25400">
+            <a:solidFill>
+              <a:srgbClr val="FF0000"/>
+            </a:solidFill>
+            <a:tailEnd type="triangle"/>
+          </a:ln>
+        </p:spPr>
+        <p:style>
+          <a:lnRef idx="1">
+            <a:schemeClr val="accent1"/>
+          </a:lnRef>
+          <a:fillRef idx="0">
+            <a:schemeClr val="accent1"/>
+          </a:fillRef>
+          <a:effectRef idx="0">
+            <a:schemeClr val="accent1"/>
+          </a:effectRef>
+          <a:fontRef idx="minor">
+            <a:schemeClr val="tx1"/>
+          </a:fontRef>
+        </p:style>
+      </p:cxnSp>
+      <p:sp>
+        <p:nvSpPr>
+          <p:cNvPr id="27" name="文本框 26">
+            <a:extLst>
+              <a:ext uri="{FF2B5EF4-FFF2-40B4-BE49-F238E27FC236}">
+                <a16:creationId xmlns:a16="http://schemas.microsoft.com/office/drawing/2014/main" id="{033146D4-BEAF-ACA4-B98C-25C77AD4FF24}"/>
+              </a:ext>
+            </a:extLst>
+          </p:cNvPr>
+          <p:cNvSpPr txBox="1"/>
+          <p:nvPr/>
+        </p:nvSpPr>
+        <p:spPr>
+          <a:xfrm>
+            <a:off x="11770234" y="4129150"/>
+            <a:ext cx="1588160" cy="369332"/>
+          </a:xfrm>
+          <a:prstGeom prst="rect">
+            <a:avLst/>
+          </a:prstGeom>
+          <a:noFill/>
+        </p:spPr>
+        <p:txBody>
+          <a:bodyPr wrap="square" rtlCol="0">
+            <a:spAutoFit/>
+          </a:bodyPr>
+          <a:lstStyle/>
+          <a:p>
+            <a:r>
+              <a:rPr lang="en-US" altLang="zh-CN" dirty="0">
+                <a:solidFill>
+                  <a:srgbClr val="FF0000"/>
+                </a:solidFill>
+                <a:latin typeface="黑体" panose="02010609060101010101" pitchFamily="49" charset="-122"/>
+                <a:ea typeface="黑体" panose="02010609060101010101" pitchFamily="49" charset="-122"/>
+              </a:rPr>
+              <a:t>input aera</a:t>
+            </a:r>
+            <a:endParaRPr lang="zh-CN" altLang="en-US" dirty="0">
+              <a:solidFill>
+                <a:srgbClr val="FF0000"/>
+              </a:solidFill>
+              <a:latin typeface="黑体" panose="02010609060101010101" pitchFamily="49" charset="-122"/>
+              <a:ea typeface="黑体" panose="02010609060101010101" pitchFamily="49" charset="-122"/>
+            </a:endParaRPr>
+          </a:p>
+        </p:txBody>
+      </p:sp>
+      <p:cxnSp>
+        <p:nvCxnSpPr>
+          <p:cNvPr id="28" name="直接箭头连接符 27">
+            <a:extLst>
+              <a:ext uri="{FF2B5EF4-FFF2-40B4-BE49-F238E27FC236}">
+                <a16:creationId xmlns:a16="http://schemas.microsoft.com/office/drawing/2014/main" id="{245DAB23-34D7-44DF-A372-48555BE2DAFA}"/>
+              </a:ext>
+            </a:extLst>
+          </p:cNvPr>
+          <p:cNvCxnSpPr>
+            <a:cxnSpLocks/>
+            <a:endCxn id="29" idx="1"/>
+          </p:cNvCxnSpPr>
+          <p:nvPr/>
+        </p:nvCxnSpPr>
+        <p:spPr>
+          <a:xfrm>
+            <a:off x="10581292" y="2012965"/>
+            <a:ext cx="1190171" cy="0"/>
+          </a:xfrm>
+          <a:prstGeom prst="straightConnector1">
+            <a:avLst/>
+          </a:prstGeom>
+          <a:ln w="25400">
+            <a:solidFill>
+              <a:srgbClr val="FF0000"/>
+            </a:solidFill>
+            <a:tailEnd type="triangle"/>
+          </a:ln>
+        </p:spPr>
+        <p:style>
+          <a:lnRef idx="1">
+            <a:schemeClr val="accent1"/>
+          </a:lnRef>
+          <a:fillRef idx="0">
+            <a:schemeClr val="accent1"/>
+          </a:fillRef>
+          <a:effectRef idx="0">
+            <a:schemeClr val="accent1"/>
+          </a:effectRef>
+          <a:fontRef idx="minor">
+            <a:schemeClr val="tx1"/>
+          </a:fontRef>
+        </p:style>
+      </p:cxnSp>
+      <p:sp>
+        <p:nvSpPr>
+          <p:cNvPr id="29" name="文本框 28">
+            <a:extLst>
+              <a:ext uri="{FF2B5EF4-FFF2-40B4-BE49-F238E27FC236}">
+                <a16:creationId xmlns:a16="http://schemas.microsoft.com/office/drawing/2014/main" id="{A9CFBAE5-FF9B-A4B4-65CA-F36501C33E38}"/>
+              </a:ext>
+            </a:extLst>
+          </p:cNvPr>
+          <p:cNvSpPr txBox="1"/>
+          <p:nvPr/>
+        </p:nvSpPr>
+        <p:spPr>
+          <a:xfrm>
+            <a:off x="11771463" y="1828299"/>
+            <a:ext cx="2276192" cy="369332"/>
+          </a:xfrm>
+          <a:prstGeom prst="rect">
+            <a:avLst/>
+          </a:prstGeom>
+          <a:noFill/>
+        </p:spPr>
+        <p:txBody>
+          <a:bodyPr wrap="square" rtlCol="0">
+            <a:spAutoFit/>
+          </a:bodyPr>
+          <a:lstStyle/>
+          <a:p>
+            <a:r>
+              <a:rPr lang="en-US" altLang="zh-CN" dirty="0">
+                <a:solidFill>
+                  <a:srgbClr val="FF0000"/>
+                </a:solidFill>
+                <a:latin typeface="黑体" panose="02010609060101010101" pitchFamily="49" charset="-122"/>
+                <a:ea typeface="黑体" panose="02010609060101010101" pitchFamily="49" charset="-122"/>
+              </a:rPr>
+              <a:t>system instruction</a:t>
+            </a:r>
+            <a:endParaRPr lang="zh-CN" altLang="en-US" dirty="0">
+              <a:solidFill>
+                <a:srgbClr val="FF0000"/>
+              </a:solidFill>
+              <a:latin typeface="黑体" panose="02010609060101010101" pitchFamily="49" charset="-122"/>
+              <a:ea typeface="黑体" panose="02010609060101010101" pitchFamily="49" charset="-122"/>
+            </a:endParaRPr>
+          </a:p>
+        </p:txBody>
+      </p:sp>
+      <p:cxnSp>
+        <p:nvCxnSpPr>
+          <p:cNvPr id="30" name="直接箭头连接符 29">
+            <a:extLst>
+              <a:ext uri="{FF2B5EF4-FFF2-40B4-BE49-F238E27FC236}">
+                <a16:creationId xmlns:a16="http://schemas.microsoft.com/office/drawing/2014/main" id="{93D83EB4-CB3A-0B13-A035-156B58337B5D}"/>
+              </a:ext>
+            </a:extLst>
+          </p:cNvPr>
+          <p:cNvCxnSpPr>
+            <a:cxnSpLocks/>
+            <a:endCxn id="31" idx="1"/>
+          </p:cNvCxnSpPr>
+          <p:nvPr/>
+        </p:nvCxnSpPr>
+        <p:spPr>
+          <a:xfrm>
+            <a:off x="11122230" y="1687240"/>
+            <a:ext cx="649233" cy="0"/>
+          </a:xfrm>
+          <a:prstGeom prst="straightConnector1">
+            <a:avLst/>
+          </a:prstGeom>
+          <a:ln w="25400">
+            <a:solidFill>
+              <a:srgbClr val="FF0000"/>
+            </a:solidFill>
+            <a:tailEnd type="triangle"/>
+          </a:ln>
+        </p:spPr>
+        <p:style>
+          <a:lnRef idx="1">
+            <a:schemeClr val="accent1"/>
+          </a:lnRef>
+          <a:fillRef idx="0">
+            <a:schemeClr val="accent1"/>
+          </a:fillRef>
+          <a:effectRef idx="0">
+            <a:schemeClr val="accent1"/>
+          </a:effectRef>
+          <a:fontRef idx="minor">
+            <a:schemeClr val="tx1"/>
+          </a:fontRef>
+        </p:style>
+      </p:cxnSp>
+      <p:sp>
+        <p:nvSpPr>
+          <p:cNvPr id="31" name="文本框 30">
+            <a:extLst>
+              <a:ext uri="{FF2B5EF4-FFF2-40B4-BE49-F238E27FC236}">
+                <a16:creationId xmlns:a16="http://schemas.microsoft.com/office/drawing/2014/main" id="{90F887AB-4683-C1B4-25D0-17267BA4755E}"/>
+              </a:ext>
+            </a:extLst>
+          </p:cNvPr>
+          <p:cNvSpPr txBox="1"/>
+          <p:nvPr/>
+        </p:nvSpPr>
+        <p:spPr>
+          <a:xfrm>
+            <a:off x="11771463" y="1502574"/>
+            <a:ext cx="1348543" cy="369332"/>
+          </a:xfrm>
+          <a:prstGeom prst="rect">
+            <a:avLst/>
+          </a:prstGeom>
+          <a:noFill/>
+        </p:spPr>
+        <p:txBody>
+          <a:bodyPr wrap="square" rtlCol="0">
+            <a:spAutoFit/>
+          </a:bodyPr>
+          <a:lstStyle/>
+          <a:p>
+            <a:r>
+              <a:rPr lang="en-US" altLang="zh-CN" dirty="0">
+                <a:solidFill>
+                  <a:srgbClr val="FF0000"/>
+                </a:solidFill>
+                <a:latin typeface="黑体" panose="02010609060101010101" pitchFamily="49" charset="-122"/>
+                <a:ea typeface="黑体" panose="02010609060101010101" pitchFamily="49" charset="-122"/>
+              </a:rPr>
+              <a:t>set/reset</a:t>
+            </a:r>
+            <a:endParaRPr lang="zh-CN" altLang="en-US" dirty="0">
+              <a:solidFill>
+                <a:srgbClr val="FF0000"/>
+              </a:solidFill>
+              <a:latin typeface="黑体" panose="02010609060101010101" pitchFamily="49" charset="-122"/>
+              <a:ea typeface="黑体" panose="02010609060101010101" pitchFamily="49" charset="-122"/>
+            </a:endParaRPr>
+          </a:p>
+        </p:txBody>
+      </p:sp>
     </p:spTree>
     <p:extLst>
       <p:ext uri="{BB962C8B-B14F-4D97-AF65-F5344CB8AC3E}">

--- a/utils/软件介绍.pptx
+++ b/utils/软件介绍.pptx
@@ -11784,7 +11784,7 @@
           <a:p>
             <a:fld id="{285264BB-8F8A-4D4A-88A3-0640162C694A}" type="datetimeFigureOut">
               <a:rPr lang="zh-CN" altLang="en-US" smtClean="0"/>
-              <a:t>2024/4/8</a:t>
+              <a:t>2024/4/10</a:t>
             </a:fld>
             <a:endParaRPr lang="zh-CN" altLang="en-US"/>
           </a:p>
@@ -11949,7 +11949,7 @@
           <a:p>
             <a:fld id="{C3C1C5A8-D213-43C4-B748-86D822F1E0AF}" type="datetimeFigureOut">
               <a:rPr lang="zh-CN" altLang="en-US" smtClean="0"/>
-              <a:t>2024/4/8</a:t>
+              <a:t>2024/4/10</a:t>
             </a:fld>
             <a:endParaRPr lang="zh-CN" altLang="en-US"/>
           </a:p>
@@ -18595,7 +18595,7 @@
           <a:p>
             <a:fld id="{760FBDFE-C587-4B4C-A407-44438C67B59E}" type="datetimeFigureOut">
               <a:rPr lang="zh-CN" altLang="en-US" smtClean="0"/>
-              <a:t>2024/4/8</a:t>
+              <a:t>2024/4/10</a:t>
             </a:fld>
             <a:endParaRPr lang="zh-CN" altLang="en-US"/>
           </a:p>
@@ -19038,7 +19038,7 @@
             <a:fld id="{96DFF08F-DC6B-4601-B491-B0F83F6DD2DA}" type="datetimeFigureOut">
               <a:rPr lang="en-US" dirty="0"/>
               <a:pPr/>
-              <a:t>4/8/2024</a:t>
+              <a:t>4/10/2024</a:t>
             </a:fld>
             <a:endParaRPr lang="en-US" dirty="0"/>
           </a:p>
@@ -41777,13 +41777,12 @@
           </p:cNvPr>
           <p:cNvCxnSpPr>
             <a:cxnSpLocks/>
-            <a:stCxn id="4" idx="3"/>
           </p:cNvCxnSpPr>
           <p:nvPr/>
         </p:nvCxnSpPr>
         <p:spPr>
           <a:xfrm>
-            <a:off x="6472639" y="2960582"/>
+            <a:off x="6166025" y="3095261"/>
             <a:ext cx="613228" cy="0"/>
           </a:xfrm>
           <a:prstGeom prst="straightConnector1">
@@ -41825,8 +41824,8 @@
         </p:nvSpPr>
         <p:spPr>
           <a:xfrm>
-            <a:off x="7085867" y="2775915"/>
-            <a:ext cx="979715" cy="369332"/>
+            <a:off x="6730891" y="2905793"/>
+            <a:ext cx="1742923" cy="646331"/>
           </a:xfrm>
           <a:prstGeom prst="rect">
             <a:avLst/>
@@ -41849,6 +41848,32 @@
               </a:rPr>
               <a:t>输出区</a:t>
             </a:r>
+            <a:endParaRPr lang="en-US" altLang="zh-CN" dirty="0">
+              <a:solidFill>
+                <a:srgbClr val="FF0000"/>
+              </a:solidFill>
+              <a:latin typeface="黑体" panose="02010609060101010101" pitchFamily="49" charset="-122"/>
+              <a:ea typeface="黑体" panose="02010609060101010101" pitchFamily="49" charset="-122"/>
+            </a:endParaRPr>
+          </a:p>
+          <a:p>
+            <a:r>
+              <a:rPr lang="en-US" altLang="zh-CN" dirty="0">
+                <a:solidFill>
+                  <a:srgbClr val="FF0000"/>
+                </a:solidFill>
+                <a:latin typeface="黑体" panose="02010609060101010101" pitchFamily="49" charset="-122"/>
+                <a:ea typeface="黑体" panose="02010609060101010101" pitchFamily="49" charset="-122"/>
+              </a:rPr>
+              <a:t>output aera</a:t>
+            </a:r>
+            <a:endParaRPr lang="zh-CN" altLang="en-US" dirty="0">
+              <a:solidFill>
+                <a:srgbClr val="FF0000"/>
+              </a:solidFill>
+              <a:latin typeface="黑体" panose="02010609060101010101" pitchFamily="49" charset="-122"/>
+              <a:ea typeface="黑体" panose="02010609060101010101" pitchFamily="49" charset="-122"/>
+            </a:endParaRPr>
           </a:p>
         </p:txBody>
       </p:sp>
@@ -41915,15 +41940,14 @@
           </p:cNvPr>
           <p:cNvCxnSpPr>
             <a:cxnSpLocks/>
-            <a:stCxn id="9" idx="3"/>
             <a:endCxn id="11" idx="1"/>
           </p:cNvCxnSpPr>
           <p:nvPr/>
         </p:nvCxnSpPr>
         <p:spPr>
           <a:xfrm>
-            <a:off x="6436634" y="5189451"/>
-            <a:ext cx="648004" cy="580"/>
+            <a:off x="5718412" y="5325539"/>
+            <a:ext cx="1012479" cy="2992"/>
           </a:xfrm>
           <a:prstGeom prst="straightConnector1">
             <a:avLst/>
@@ -41964,8 +41988,8 @@
         </p:nvSpPr>
         <p:spPr>
           <a:xfrm>
-            <a:off x="7084638" y="5005365"/>
-            <a:ext cx="979715" cy="369332"/>
+            <a:off x="6730891" y="5005365"/>
+            <a:ext cx="1786114" cy="646331"/>
           </a:xfrm>
           <a:prstGeom prst="rect">
             <a:avLst/>
@@ -41988,6 +42012,32 @@
               </a:rPr>
               <a:t>状态区</a:t>
             </a:r>
+            <a:endParaRPr lang="en-US" altLang="zh-CN" dirty="0">
+              <a:solidFill>
+                <a:srgbClr val="FF0000"/>
+              </a:solidFill>
+              <a:latin typeface="黑体" panose="02010609060101010101" pitchFamily="49" charset="-122"/>
+              <a:ea typeface="黑体" panose="02010609060101010101" pitchFamily="49" charset="-122"/>
+            </a:endParaRPr>
+          </a:p>
+          <a:p>
+            <a:r>
+              <a:rPr lang="en-US" altLang="zh-CN" dirty="0">
+                <a:solidFill>
+                  <a:srgbClr val="FF0000"/>
+                </a:solidFill>
+                <a:latin typeface="黑体" panose="02010609060101010101" pitchFamily="49" charset="-122"/>
+                <a:ea typeface="黑体" panose="02010609060101010101" pitchFamily="49" charset="-122"/>
+              </a:rPr>
+              <a:t>state aera</a:t>
+            </a:r>
+            <a:endParaRPr lang="zh-CN" altLang="en-US" dirty="0">
+              <a:solidFill>
+                <a:srgbClr val="FF0000"/>
+              </a:solidFill>
+              <a:latin typeface="黑体" panose="02010609060101010101" pitchFamily="49" charset="-122"/>
+              <a:ea typeface="黑体" panose="02010609060101010101" pitchFamily="49" charset="-122"/>
+            </a:endParaRPr>
           </a:p>
         </p:txBody>
       </p:sp>
@@ -42060,8 +42110,8 @@
         </p:nvCxnSpPr>
         <p:spPr>
           <a:xfrm>
-            <a:off x="6088010" y="4313814"/>
-            <a:ext cx="996628" cy="2"/>
+            <a:off x="5840819" y="4380534"/>
+            <a:ext cx="890072" cy="11155"/>
           </a:xfrm>
           <a:prstGeom prst="straightConnector1">
             <a:avLst/>
@@ -42102,8 +42152,8 @@
         </p:nvSpPr>
         <p:spPr>
           <a:xfrm>
-            <a:off x="7084638" y="4129150"/>
-            <a:ext cx="979715" cy="369332"/>
+            <a:off x="6730891" y="4068523"/>
+            <a:ext cx="1691835" cy="646331"/>
           </a:xfrm>
           <a:prstGeom prst="rect">
             <a:avLst/>
@@ -42126,6 +42176,32 @@
               </a:rPr>
               <a:t>输入区</a:t>
             </a:r>
+            <a:endParaRPr lang="en-US" altLang="zh-CN" dirty="0">
+              <a:solidFill>
+                <a:srgbClr val="FF0000"/>
+              </a:solidFill>
+              <a:latin typeface="黑体" panose="02010609060101010101" pitchFamily="49" charset="-122"/>
+              <a:ea typeface="黑体" panose="02010609060101010101" pitchFamily="49" charset="-122"/>
+            </a:endParaRPr>
+          </a:p>
+          <a:p>
+            <a:r>
+              <a:rPr lang="en-US" altLang="zh-CN" dirty="0">
+                <a:solidFill>
+                  <a:srgbClr val="FF0000"/>
+                </a:solidFill>
+                <a:latin typeface="黑体" panose="02010609060101010101" pitchFamily="49" charset="-122"/>
+                <a:ea typeface="黑体" panose="02010609060101010101" pitchFamily="49" charset="-122"/>
+              </a:rPr>
+              <a:t>input aera</a:t>
+            </a:r>
+            <a:endParaRPr lang="zh-CN" altLang="en-US" dirty="0">
+              <a:solidFill>
+                <a:srgbClr val="FF0000"/>
+              </a:solidFill>
+              <a:latin typeface="黑体" panose="02010609060101010101" pitchFamily="49" charset="-122"/>
+              <a:ea typeface="黑体" panose="02010609060101010101" pitchFamily="49" charset="-122"/>
+            </a:endParaRPr>
           </a:p>
         </p:txBody>
       </p:sp>
@@ -42146,8 +42222,8 @@
         </p:nvCxnSpPr>
         <p:spPr>
           <a:xfrm>
-            <a:off x="5895696" y="2012965"/>
-            <a:ext cx="1190171" cy="0"/>
+            <a:off x="5840819" y="2048036"/>
+            <a:ext cx="890072" cy="323166"/>
           </a:xfrm>
           <a:prstGeom prst="straightConnector1">
             <a:avLst/>
@@ -42188,8 +42264,8 @@
         </p:nvSpPr>
         <p:spPr>
           <a:xfrm>
-            <a:off x="7085867" y="1828299"/>
-            <a:ext cx="1146943" cy="369332"/>
+            <a:off x="6730891" y="2048036"/>
+            <a:ext cx="2547225" cy="646331"/>
           </a:xfrm>
           <a:prstGeom prst="rect">
             <a:avLst/>
@@ -42212,6 +42288,32 @@
               </a:rPr>
               <a:t>系统指令</a:t>
             </a:r>
+            <a:endParaRPr lang="en-US" altLang="zh-CN" dirty="0">
+              <a:solidFill>
+                <a:srgbClr val="FF0000"/>
+              </a:solidFill>
+              <a:latin typeface="黑体" panose="02010609060101010101" pitchFamily="49" charset="-122"/>
+              <a:ea typeface="黑体" panose="02010609060101010101" pitchFamily="49" charset="-122"/>
+            </a:endParaRPr>
+          </a:p>
+          <a:p>
+            <a:r>
+              <a:rPr lang="en-US" altLang="zh-CN" dirty="0">
+                <a:solidFill>
+                  <a:srgbClr val="FF0000"/>
+                </a:solidFill>
+                <a:latin typeface="黑体" panose="02010609060101010101" pitchFamily="49" charset="-122"/>
+                <a:ea typeface="黑体" panose="02010609060101010101" pitchFamily="49" charset="-122"/>
+              </a:rPr>
+              <a:t>system instruction</a:t>
+            </a:r>
+            <a:endParaRPr lang="zh-CN" altLang="en-US" dirty="0">
+              <a:solidFill>
+                <a:srgbClr val="FF0000"/>
+              </a:solidFill>
+              <a:latin typeface="黑体" panose="02010609060101010101" pitchFamily="49" charset="-122"/>
+              <a:ea typeface="黑体" panose="02010609060101010101" pitchFamily="49" charset="-122"/>
+            </a:endParaRPr>
           </a:p>
         </p:txBody>
       </p:sp>
@@ -42232,7 +42334,7 @@
         </p:nvCxnSpPr>
         <p:spPr>
           <a:xfrm>
-            <a:off x="6436634" y="1687240"/>
+            <a:off x="6081658" y="1687239"/>
             <a:ext cx="649233" cy="0"/>
           </a:xfrm>
           <a:prstGeom prst="straightConnector1">
@@ -42274,8 +42376,8 @@
         </p:nvSpPr>
         <p:spPr>
           <a:xfrm>
-            <a:off x="7085867" y="1502574"/>
-            <a:ext cx="1348543" cy="369332"/>
+            <a:off x="6730891" y="1502573"/>
+            <a:ext cx="2746262" cy="369332"/>
           </a:xfrm>
           <a:prstGeom prst="rect">
             <a:avLst/>
@@ -42306,7 +42408,7 @@
                 <a:latin typeface="黑体" panose="02010609060101010101" pitchFamily="49" charset="-122"/>
                 <a:ea typeface="黑体" panose="02010609060101010101" pitchFamily="49" charset="-122"/>
               </a:rPr>
-              <a:t>/</a:t>
+              <a:t>set/</a:t>
             </a:r>
             <a:r>
               <a:rPr lang="zh-CN" altLang="en-US" dirty="0">
@@ -42318,6 +42420,23 @@
               </a:rPr>
               <a:t>重置</a:t>
             </a:r>
+            <a:r>
+              <a:rPr lang="en-US" altLang="zh-CN" dirty="0">
+                <a:solidFill>
+                  <a:srgbClr val="FF0000"/>
+                </a:solidFill>
+                <a:latin typeface="黑体" panose="02010609060101010101" pitchFamily="49" charset="-122"/>
+                <a:ea typeface="黑体" panose="02010609060101010101" pitchFamily="49" charset="-122"/>
+              </a:rPr>
+              <a:t>reset</a:t>
+            </a:r>
+            <a:endParaRPr lang="zh-CN" altLang="en-US" dirty="0">
+              <a:solidFill>
+                <a:srgbClr val="FF0000"/>
+              </a:solidFill>
+              <a:latin typeface="黑体" panose="02010609060101010101" pitchFamily="49" charset="-122"/>
+              <a:ea typeface="黑体" panose="02010609060101010101" pitchFamily="49" charset="-122"/>
+            </a:endParaRPr>
           </a:p>
         </p:txBody>
       </p:sp>
@@ -42390,658 +42509,6 @@
               </a:rPr>
               <a:t>界面</a:t>
             </a:r>
-          </a:p>
-        </p:txBody>
-      </p:sp>
-      <p:pic>
-        <p:nvPicPr>
-          <p:cNvPr id="7" name="图片 6">
-            <a:extLst>
-              <a:ext uri="{FF2B5EF4-FFF2-40B4-BE49-F238E27FC236}">
-                <a16:creationId xmlns:a16="http://schemas.microsoft.com/office/drawing/2014/main" id="{EADBD141-1BF3-770E-1B34-4C727A5AFB55}"/>
-              </a:ext>
-            </a:extLst>
-          </p:cNvPr>
-          <p:cNvPicPr>
-            <a:picLocks noChangeAspect="1"/>
-          </p:cNvPicPr>
-          <p:nvPr/>
-        </p:nvPicPr>
-        <p:blipFill>
-          <a:blip r:embed="rId3"/>
-          <a:stretch>
-            <a:fillRect/>
-          </a:stretch>
-        </p:blipFill>
-        <p:spPr>
-          <a:xfrm>
-            <a:off x="8846038" y="1292973"/>
-            <a:ext cx="2276192" cy="4476512"/>
-          </a:xfrm>
-          <a:prstGeom prst="rect">
-            <a:avLst/>
-          </a:prstGeom>
-        </p:spPr>
-      </p:pic>
-      <p:sp>
-        <p:nvSpPr>
-          <p:cNvPr id="17" name="矩形 16">
-            <a:extLst>
-              <a:ext uri="{FF2B5EF4-FFF2-40B4-BE49-F238E27FC236}">
-                <a16:creationId xmlns:a16="http://schemas.microsoft.com/office/drawing/2014/main" id="{8C958E49-9D2C-F3B2-EAB3-496B992DAF8F}"/>
-              </a:ext>
-            </a:extLst>
-          </p:cNvPr>
-          <p:cNvSpPr/>
-          <p:nvPr/>
-        </p:nvSpPr>
-        <p:spPr>
-          <a:xfrm>
-            <a:off x="8846038" y="1880896"/>
-            <a:ext cx="2312197" cy="2159371"/>
-          </a:xfrm>
-          <a:prstGeom prst="rect">
-            <a:avLst/>
-          </a:prstGeom>
-          <a:noFill/>
-          <a:ln>
-            <a:solidFill>
-              <a:srgbClr val="FF0000"/>
-            </a:solidFill>
-          </a:ln>
-        </p:spPr>
-        <p:style>
-          <a:lnRef idx="2">
-            <a:schemeClr val="accent1">
-              <a:shade val="50000"/>
-            </a:schemeClr>
-          </a:lnRef>
-          <a:fillRef idx="1">
-            <a:schemeClr val="accent1"/>
-          </a:fillRef>
-          <a:effectRef idx="0">
-            <a:schemeClr val="accent1"/>
-          </a:effectRef>
-          <a:fontRef idx="minor">
-            <a:schemeClr val="lt1"/>
-          </a:fontRef>
-        </p:style>
-        <p:txBody>
-          <a:bodyPr rtlCol="0" anchor="ctr"/>
-          <a:lstStyle/>
-          <a:p>
-            <a:pPr algn="ctr"/>
-            <a:endParaRPr lang="zh-CN" altLang="en-US"/>
-          </a:p>
-        </p:txBody>
-      </p:sp>
-      <p:cxnSp>
-        <p:nvCxnSpPr>
-          <p:cNvPr id="18" name="直接箭头连接符 17">
-            <a:extLst>
-              <a:ext uri="{FF2B5EF4-FFF2-40B4-BE49-F238E27FC236}">
-                <a16:creationId xmlns:a16="http://schemas.microsoft.com/office/drawing/2014/main" id="{1FED382E-DCC5-EC52-193B-2EB5B9D4748E}"/>
-              </a:ext>
-            </a:extLst>
-          </p:cNvPr>
-          <p:cNvCxnSpPr>
-            <a:cxnSpLocks/>
-            <a:stCxn id="17" idx="3"/>
-          </p:cNvCxnSpPr>
-          <p:nvPr/>
-        </p:nvCxnSpPr>
-        <p:spPr>
-          <a:xfrm>
-            <a:off x="11158235" y="2960582"/>
-            <a:ext cx="613228" cy="0"/>
-          </a:xfrm>
-          <a:prstGeom prst="straightConnector1">
-            <a:avLst/>
-          </a:prstGeom>
-          <a:ln w="25400">
-            <a:solidFill>
-              <a:srgbClr val="FF0000"/>
-            </a:solidFill>
-            <a:tailEnd type="triangle"/>
-          </a:ln>
-        </p:spPr>
-        <p:style>
-          <a:lnRef idx="1">
-            <a:schemeClr val="accent1"/>
-          </a:lnRef>
-          <a:fillRef idx="0">
-            <a:schemeClr val="accent1"/>
-          </a:fillRef>
-          <a:effectRef idx="0">
-            <a:schemeClr val="accent1"/>
-          </a:effectRef>
-          <a:fontRef idx="minor">
-            <a:schemeClr val="tx1"/>
-          </a:fontRef>
-        </p:style>
-      </p:cxnSp>
-      <p:sp>
-        <p:nvSpPr>
-          <p:cNvPr id="19" name="文本框 18">
-            <a:extLst>
-              <a:ext uri="{FF2B5EF4-FFF2-40B4-BE49-F238E27FC236}">
-                <a16:creationId xmlns:a16="http://schemas.microsoft.com/office/drawing/2014/main" id="{FD37F986-922B-13C3-DAF1-24EBA993923D}"/>
-              </a:ext>
-            </a:extLst>
-          </p:cNvPr>
-          <p:cNvSpPr txBox="1"/>
-          <p:nvPr/>
-        </p:nvSpPr>
-        <p:spPr>
-          <a:xfrm>
-            <a:off x="11771463" y="2775915"/>
-            <a:ext cx="1724166" cy="369332"/>
-          </a:xfrm>
-          <a:prstGeom prst="rect">
-            <a:avLst/>
-          </a:prstGeom>
-          <a:noFill/>
-        </p:spPr>
-        <p:txBody>
-          <a:bodyPr wrap="square" rtlCol="0">
-            <a:spAutoFit/>
-          </a:bodyPr>
-          <a:lstStyle/>
-          <a:p>
-            <a:r>
-              <a:rPr lang="en-US" altLang="zh-CN" dirty="0">
-                <a:solidFill>
-                  <a:srgbClr val="FF0000"/>
-                </a:solidFill>
-                <a:latin typeface="黑体" panose="02010609060101010101" pitchFamily="49" charset="-122"/>
-                <a:ea typeface="黑体" panose="02010609060101010101" pitchFamily="49" charset="-122"/>
-              </a:rPr>
-              <a:t>output aera</a:t>
-            </a:r>
-            <a:endParaRPr lang="zh-CN" altLang="en-US" dirty="0">
-              <a:solidFill>
-                <a:srgbClr val="FF0000"/>
-              </a:solidFill>
-              <a:latin typeface="黑体" panose="02010609060101010101" pitchFamily="49" charset="-122"/>
-              <a:ea typeface="黑体" panose="02010609060101010101" pitchFamily="49" charset="-122"/>
-            </a:endParaRPr>
-          </a:p>
-        </p:txBody>
-      </p:sp>
-      <p:sp>
-        <p:nvSpPr>
-          <p:cNvPr id="20" name="矩形 19">
-            <a:extLst>
-              <a:ext uri="{FF2B5EF4-FFF2-40B4-BE49-F238E27FC236}">
-                <a16:creationId xmlns:a16="http://schemas.microsoft.com/office/drawing/2014/main" id="{F6543A1B-1ED9-C29D-9AC6-61FBB995CAE4}"/>
-              </a:ext>
-            </a:extLst>
-          </p:cNvPr>
-          <p:cNvSpPr/>
-          <p:nvPr/>
-        </p:nvSpPr>
-        <p:spPr>
-          <a:xfrm>
-            <a:off x="9534070" y="4614904"/>
-            <a:ext cx="1588160" cy="1149093"/>
-          </a:xfrm>
-          <a:prstGeom prst="rect">
-            <a:avLst/>
-          </a:prstGeom>
-          <a:noFill/>
-          <a:ln>
-            <a:solidFill>
-              <a:srgbClr val="FF0000"/>
-            </a:solidFill>
-          </a:ln>
-        </p:spPr>
-        <p:style>
-          <a:lnRef idx="2">
-            <a:schemeClr val="accent1">
-              <a:shade val="50000"/>
-            </a:schemeClr>
-          </a:lnRef>
-          <a:fillRef idx="1">
-            <a:schemeClr val="accent1"/>
-          </a:fillRef>
-          <a:effectRef idx="0">
-            <a:schemeClr val="accent1"/>
-          </a:effectRef>
-          <a:fontRef idx="minor">
-            <a:schemeClr val="lt1"/>
-          </a:fontRef>
-        </p:style>
-        <p:txBody>
-          <a:bodyPr rtlCol="0" anchor="ctr"/>
-          <a:lstStyle/>
-          <a:p>
-            <a:pPr algn="ctr"/>
-            <a:endParaRPr lang="zh-CN" altLang="en-US"/>
-          </a:p>
-        </p:txBody>
-      </p:sp>
-      <p:cxnSp>
-        <p:nvCxnSpPr>
-          <p:cNvPr id="21" name="直接箭头连接符 20">
-            <a:extLst>
-              <a:ext uri="{FF2B5EF4-FFF2-40B4-BE49-F238E27FC236}">
-                <a16:creationId xmlns:a16="http://schemas.microsoft.com/office/drawing/2014/main" id="{4B45C029-C3C4-F5C3-3836-A85C606D5EFD}"/>
-              </a:ext>
-            </a:extLst>
-          </p:cNvPr>
-          <p:cNvCxnSpPr>
-            <a:cxnSpLocks/>
-            <a:stCxn id="20" idx="3"/>
-            <a:endCxn id="22" idx="1"/>
-          </p:cNvCxnSpPr>
-          <p:nvPr/>
-        </p:nvCxnSpPr>
-        <p:spPr>
-          <a:xfrm>
-            <a:off x="11122230" y="5189451"/>
-            <a:ext cx="648004" cy="580"/>
-          </a:xfrm>
-          <a:prstGeom prst="straightConnector1">
-            <a:avLst/>
-          </a:prstGeom>
-          <a:ln w="25400">
-            <a:solidFill>
-              <a:srgbClr val="FF0000"/>
-            </a:solidFill>
-            <a:tailEnd type="triangle"/>
-          </a:ln>
-        </p:spPr>
-        <p:style>
-          <a:lnRef idx="1">
-            <a:schemeClr val="accent1"/>
-          </a:lnRef>
-          <a:fillRef idx="0">
-            <a:schemeClr val="accent1"/>
-          </a:fillRef>
-          <a:effectRef idx="0">
-            <a:schemeClr val="accent1"/>
-          </a:effectRef>
-          <a:fontRef idx="minor">
-            <a:schemeClr val="tx1"/>
-          </a:fontRef>
-        </p:style>
-      </p:cxnSp>
-      <p:sp>
-        <p:nvSpPr>
-          <p:cNvPr id="22" name="文本框 21">
-            <a:extLst>
-              <a:ext uri="{FF2B5EF4-FFF2-40B4-BE49-F238E27FC236}">
-                <a16:creationId xmlns:a16="http://schemas.microsoft.com/office/drawing/2014/main" id="{30FCBD03-2B39-82E1-F54F-E6E44BBD064C}"/>
-              </a:ext>
-            </a:extLst>
-          </p:cNvPr>
-          <p:cNvSpPr txBox="1"/>
-          <p:nvPr/>
-        </p:nvSpPr>
-        <p:spPr>
-          <a:xfrm>
-            <a:off x="11770234" y="5005365"/>
-            <a:ext cx="1825264" cy="369332"/>
-          </a:xfrm>
-          <a:prstGeom prst="rect">
-            <a:avLst/>
-          </a:prstGeom>
-          <a:noFill/>
-        </p:spPr>
-        <p:txBody>
-          <a:bodyPr wrap="square" rtlCol="0">
-            <a:spAutoFit/>
-          </a:bodyPr>
-          <a:lstStyle/>
-          <a:p>
-            <a:r>
-              <a:rPr lang="en-US" altLang="zh-CN" dirty="0">
-                <a:solidFill>
-                  <a:srgbClr val="FF0000"/>
-                </a:solidFill>
-                <a:latin typeface="黑体" panose="02010609060101010101" pitchFamily="49" charset="-122"/>
-                <a:ea typeface="黑体" panose="02010609060101010101" pitchFamily="49" charset="-122"/>
-              </a:rPr>
-              <a:t>state aera</a:t>
-            </a:r>
-            <a:endParaRPr lang="zh-CN" altLang="en-US" dirty="0">
-              <a:solidFill>
-                <a:srgbClr val="FF0000"/>
-              </a:solidFill>
-              <a:latin typeface="黑体" panose="02010609060101010101" pitchFamily="49" charset="-122"/>
-              <a:ea typeface="黑体" panose="02010609060101010101" pitchFamily="49" charset="-122"/>
-            </a:endParaRPr>
-          </a:p>
-        </p:txBody>
-      </p:sp>
-      <p:sp>
-        <p:nvSpPr>
-          <p:cNvPr id="25" name="矩形 24">
-            <a:extLst>
-              <a:ext uri="{FF2B5EF4-FFF2-40B4-BE49-F238E27FC236}">
-                <a16:creationId xmlns:a16="http://schemas.microsoft.com/office/drawing/2014/main" id="{6FC92554-A799-4416-5A7B-58BB7D6A14EF}"/>
-              </a:ext>
-            </a:extLst>
-          </p:cNvPr>
-          <p:cNvSpPr/>
-          <p:nvPr/>
-        </p:nvSpPr>
-        <p:spPr>
-          <a:xfrm>
-            <a:off x="8846039" y="4040267"/>
-            <a:ext cx="1887654" cy="555169"/>
-          </a:xfrm>
-          <a:prstGeom prst="rect">
-            <a:avLst/>
-          </a:prstGeom>
-          <a:noFill/>
-          <a:ln>
-            <a:solidFill>
-              <a:srgbClr val="FF0000"/>
-            </a:solidFill>
-          </a:ln>
-        </p:spPr>
-        <p:style>
-          <a:lnRef idx="2">
-            <a:schemeClr val="accent1">
-              <a:shade val="50000"/>
-            </a:schemeClr>
-          </a:lnRef>
-          <a:fillRef idx="1">
-            <a:schemeClr val="accent1"/>
-          </a:fillRef>
-          <a:effectRef idx="0">
-            <a:schemeClr val="accent1"/>
-          </a:effectRef>
-          <a:fontRef idx="minor">
-            <a:schemeClr val="lt1"/>
-          </a:fontRef>
-        </p:style>
-        <p:txBody>
-          <a:bodyPr rtlCol="0" anchor="ctr"/>
-          <a:lstStyle/>
-          <a:p>
-            <a:pPr algn="ctr"/>
-            <a:endParaRPr lang="zh-CN" altLang="en-US"/>
-          </a:p>
-        </p:txBody>
-      </p:sp>
-      <p:cxnSp>
-        <p:nvCxnSpPr>
-          <p:cNvPr id="26" name="直接箭头连接符 25">
-            <a:extLst>
-              <a:ext uri="{FF2B5EF4-FFF2-40B4-BE49-F238E27FC236}">
-                <a16:creationId xmlns:a16="http://schemas.microsoft.com/office/drawing/2014/main" id="{C94B23F6-B3D1-BDE3-CDD5-D525D87EDEAE}"/>
-              </a:ext>
-            </a:extLst>
-          </p:cNvPr>
-          <p:cNvCxnSpPr>
-            <a:cxnSpLocks/>
-            <a:endCxn id="27" idx="1"/>
-          </p:cNvCxnSpPr>
-          <p:nvPr/>
-        </p:nvCxnSpPr>
-        <p:spPr>
-          <a:xfrm>
-            <a:off x="10773606" y="4313814"/>
-            <a:ext cx="996628" cy="2"/>
-          </a:xfrm>
-          <a:prstGeom prst="straightConnector1">
-            <a:avLst/>
-          </a:prstGeom>
-          <a:ln w="25400">
-            <a:solidFill>
-              <a:srgbClr val="FF0000"/>
-            </a:solidFill>
-            <a:tailEnd type="triangle"/>
-          </a:ln>
-        </p:spPr>
-        <p:style>
-          <a:lnRef idx="1">
-            <a:schemeClr val="accent1"/>
-          </a:lnRef>
-          <a:fillRef idx="0">
-            <a:schemeClr val="accent1"/>
-          </a:fillRef>
-          <a:effectRef idx="0">
-            <a:schemeClr val="accent1"/>
-          </a:effectRef>
-          <a:fontRef idx="minor">
-            <a:schemeClr val="tx1"/>
-          </a:fontRef>
-        </p:style>
-      </p:cxnSp>
-      <p:sp>
-        <p:nvSpPr>
-          <p:cNvPr id="27" name="文本框 26">
-            <a:extLst>
-              <a:ext uri="{FF2B5EF4-FFF2-40B4-BE49-F238E27FC236}">
-                <a16:creationId xmlns:a16="http://schemas.microsoft.com/office/drawing/2014/main" id="{033146D4-BEAF-ACA4-B98C-25C77AD4FF24}"/>
-              </a:ext>
-            </a:extLst>
-          </p:cNvPr>
-          <p:cNvSpPr txBox="1"/>
-          <p:nvPr/>
-        </p:nvSpPr>
-        <p:spPr>
-          <a:xfrm>
-            <a:off x="11770234" y="4129150"/>
-            <a:ext cx="1588160" cy="369332"/>
-          </a:xfrm>
-          <a:prstGeom prst="rect">
-            <a:avLst/>
-          </a:prstGeom>
-          <a:noFill/>
-        </p:spPr>
-        <p:txBody>
-          <a:bodyPr wrap="square" rtlCol="0">
-            <a:spAutoFit/>
-          </a:bodyPr>
-          <a:lstStyle/>
-          <a:p>
-            <a:r>
-              <a:rPr lang="en-US" altLang="zh-CN" dirty="0">
-                <a:solidFill>
-                  <a:srgbClr val="FF0000"/>
-                </a:solidFill>
-                <a:latin typeface="黑体" panose="02010609060101010101" pitchFamily="49" charset="-122"/>
-                <a:ea typeface="黑体" panose="02010609060101010101" pitchFamily="49" charset="-122"/>
-              </a:rPr>
-              <a:t>input aera</a:t>
-            </a:r>
-            <a:endParaRPr lang="zh-CN" altLang="en-US" dirty="0">
-              <a:solidFill>
-                <a:srgbClr val="FF0000"/>
-              </a:solidFill>
-              <a:latin typeface="黑体" panose="02010609060101010101" pitchFamily="49" charset="-122"/>
-              <a:ea typeface="黑体" panose="02010609060101010101" pitchFamily="49" charset="-122"/>
-            </a:endParaRPr>
-          </a:p>
-        </p:txBody>
-      </p:sp>
-      <p:cxnSp>
-        <p:nvCxnSpPr>
-          <p:cNvPr id="28" name="直接箭头连接符 27">
-            <a:extLst>
-              <a:ext uri="{FF2B5EF4-FFF2-40B4-BE49-F238E27FC236}">
-                <a16:creationId xmlns:a16="http://schemas.microsoft.com/office/drawing/2014/main" id="{245DAB23-34D7-44DF-A372-48555BE2DAFA}"/>
-              </a:ext>
-            </a:extLst>
-          </p:cNvPr>
-          <p:cNvCxnSpPr>
-            <a:cxnSpLocks/>
-            <a:endCxn id="29" idx="1"/>
-          </p:cNvCxnSpPr>
-          <p:nvPr/>
-        </p:nvCxnSpPr>
-        <p:spPr>
-          <a:xfrm>
-            <a:off x="10581292" y="2012965"/>
-            <a:ext cx="1190171" cy="0"/>
-          </a:xfrm>
-          <a:prstGeom prst="straightConnector1">
-            <a:avLst/>
-          </a:prstGeom>
-          <a:ln w="25400">
-            <a:solidFill>
-              <a:srgbClr val="FF0000"/>
-            </a:solidFill>
-            <a:tailEnd type="triangle"/>
-          </a:ln>
-        </p:spPr>
-        <p:style>
-          <a:lnRef idx="1">
-            <a:schemeClr val="accent1"/>
-          </a:lnRef>
-          <a:fillRef idx="0">
-            <a:schemeClr val="accent1"/>
-          </a:fillRef>
-          <a:effectRef idx="0">
-            <a:schemeClr val="accent1"/>
-          </a:effectRef>
-          <a:fontRef idx="minor">
-            <a:schemeClr val="tx1"/>
-          </a:fontRef>
-        </p:style>
-      </p:cxnSp>
-      <p:sp>
-        <p:nvSpPr>
-          <p:cNvPr id="29" name="文本框 28">
-            <a:extLst>
-              <a:ext uri="{FF2B5EF4-FFF2-40B4-BE49-F238E27FC236}">
-                <a16:creationId xmlns:a16="http://schemas.microsoft.com/office/drawing/2014/main" id="{A9CFBAE5-FF9B-A4B4-65CA-F36501C33E38}"/>
-              </a:ext>
-            </a:extLst>
-          </p:cNvPr>
-          <p:cNvSpPr txBox="1"/>
-          <p:nvPr/>
-        </p:nvSpPr>
-        <p:spPr>
-          <a:xfrm>
-            <a:off x="11771463" y="1828299"/>
-            <a:ext cx="2276192" cy="369332"/>
-          </a:xfrm>
-          <a:prstGeom prst="rect">
-            <a:avLst/>
-          </a:prstGeom>
-          <a:noFill/>
-        </p:spPr>
-        <p:txBody>
-          <a:bodyPr wrap="square" rtlCol="0">
-            <a:spAutoFit/>
-          </a:bodyPr>
-          <a:lstStyle/>
-          <a:p>
-            <a:r>
-              <a:rPr lang="en-US" altLang="zh-CN" dirty="0">
-                <a:solidFill>
-                  <a:srgbClr val="FF0000"/>
-                </a:solidFill>
-                <a:latin typeface="黑体" panose="02010609060101010101" pitchFamily="49" charset="-122"/>
-                <a:ea typeface="黑体" panose="02010609060101010101" pitchFamily="49" charset="-122"/>
-              </a:rPr>
-              <a:t>system instruction</a:t>
-            </a:r>
-            <a:endParaRPr lang="zh-CN" altLang="en-US" dirty="0">
-              <a:solidFill>
-                <a:srgbClr val="FF0000"/>
-              </a:solidFill>
-              <a:latin typeface="黑体" panose="02010609060101010101" pitchFamily="49" charset="-122"/>
-              <a:ea typeface="黑体" panose="02010609060101010101" pitchFamily="49" charset="-122"/>
-            </a:endParaRPr>
-          </a:p>
-        </p:txBody>
-      </p:sp>
-      <p:cxnSp>
-        <p:nvCxnSpPr>
-          <p:cNvPr id="30" name="直接箭头连接符 29">
-            <a:extLst>
-              <a:ext uri="{FF2B5EF4-FFF2-40B4-BE49-F238E27FC236}">
-                <a16:creationId xmlns:a16="http://schemas.microsoft.com/office/drawing/2014/main" id="{93D83EB4-CB3A-0B13-A035-156B58337B5D}"/>
-              </a:ext>
-            </a:extLst>
-          </p:cNvPr>
-          <p:cNvCxnSpPr>
-            <a:cxnSpLocks/>
-            <a:endCxn id="31" idx="1"/>
-          </p:cNvCxnSpPr>
-          <p:nvPr/>
-        </p:nvCxnSpPr>
-        <p:spPr>
-          <a:xfrm>
-            <a:off x="11122230" y="1687240"/>
-            <a:ext cx="649233" cy="0"/>
-          </a:xfrm>
-          <a:prstGeom prst="straightConnector1">
-            <a:avLst/>
-          </a:prstGeom>
-          <a:ln w="25400">
-            <a:solidFill>
-              <a:srgbClr val="FF0000"/>
-            </a:solidFill>
-            <a:tailEnd type="triangle"/>
-          </a:ln>
-        </p:spPr>
-        <p:style>
-          <a:lnRef idx="1">
-            <a:schemeClr val="accent1"/>
-          </a:lnRef>
-          <a:fillRef idx="0">
-            <a:schemeClr val="accent1"/>
-          </a:fillRef>
-          <a:effectRef idx="0">
-            <a:schemeClr val="accent1"/>
-          </a:effectRef>
-          <a:fontRef idx="minor">
-            <a:schemeClr val="tx1"/>
-          </a:fontRef>
-        </p:style>
-      </p:cxnSp>
-      <p:sp>
-        <p:nvSpPr>
-          <p:cNvPr id="31" name="文本框 30">
-            <a:extLst>
-              <a:ext uri="{FF2B5EF4-FFF2-40B4-BE49-F238E27FC236}">
-                <a16:creationId xmlns:a16="http://schemas.microsoft.com/office/drawing/2014/main" id="{90F887AB-4683-C1B4-25D0-17267BA4755E}"/>
-              </a:ext>
-            </a:extLst>
-          </p:cNvPr>
-          <p:cNvSpPr txBox="1"/>
-          <p:nvPr/>
-        </p:nvSpPr>
-        <p:spPr>
-          <a:xfrm>
-            <a:off x="11771463" y="1502574"/>
-            <a:ext cx="1348543" cy="369332"/>
-          </a:xfrm>
-          <a:prstGeom prst="rect">
-            <a:avLst/>
-          </a:prstGeom>
-          <a:noFill/>
-        </p:spPr>
-        <p:txBody>
-          <a:bodyPr wrap="square" rtlCol="0">
-            <a:spAutoFit/>
-          </a:bodyPr>
-          <a:lstStyle/>
-          <a:p>
-            <a:r>
-              <a:rPr lang="en-US" altLang="zh-CN" dirty="0">
-                <a:solidFill>
-                  <a:srgbClr val="FF0000"/>
-                </a:solidFill>
-                <a:latin typeface="黑体" panose="02010609060101010101" pitchFamily="49" charset="-122"/>
-                <a:ea typeface="黑体" panose="02010609060101010101" pitchFamily="49" charset="-122"/>
-              </a:rPr>
-              <a:t>set/reset</a:t>
-            </a:r>
-            <a:endParaRPr lang="zh-CN" altLang="en-US" dirty="0">
-              <a:solidFill>
-                <a:srgbClr val="FF0000"/>
-              </a:solidFill>
-              <a:latin typeface="黑体" panose="02010609060101010101" pitchFamily="49" charset="-122"/>
-              <a:ea typeface="黑体" panose="02010609060101010101" pitchFamily="49" charset="-122"/>
-            </a:endParaRPr>
           </a:p>
         </p:txBody>
       </p:sp>
